--- a/SAI_presentation.pptx
+++ b/SAI_presentation.pptx
@@ -109,6 +109,11 @@
       </a:defRPr>
     </a:lvl9pPr>
   </p:defaultTextStyle>
+  <p:extLst>
+    <p:ext uri="{EFAFB233-063F-42B5-8137-9DF3F51BA10A}">
+      <p15:sldGuideLst xmlns:p15="http://schemas.microsoft.com/office/powerpoint/2012/main"/>
+    </p:ext>
+  </p:extLst>
 </p:presentation>
 </file>
 
@@ -5891,6 +5896,48 @@
           <a:bodyPr/>
           <a:lstStyle/>
           <a:p>
+            <a:r>
+              <a:rPr lang="fr-FR"/>
+              <a:t>Create SAI with pyinstaller</a:t>
+            </a:r>
+          </a:p>
+          <a:p>
+            <a:r>
+              <a:rPr lang="fr-FR"/>
+              <a:t>Launch a scan that remove duplicate screenshot and order them by interesting strategie</a:t>
+            </a:r>
+          </a:p>
+          <a:p>
+            <a:r>
+              <a:rPr lang="fr-FR"/>
+              <a:t>Increment the reward if there was difference between images</a:t>
+            </a:r>
+          </a:p>
+          <a:p>
+            <a:r>
+              <a:rPr lang="fr-FR"/>
+              <a:t>Create a web page with the strategies learned</a:t>
+            </a:r>
+          </a:p>
+          <a:p>
+            <a:r>
+              <a:rPr lang="fr-FR"/>
+              <a:t>Create a web interface or a vocal controller to order strategies</a:t>
+            </a:r>
+          </a:p>
+          <a:p>
+            <a:endParaRPr lang="fr-FR"/>
+          </a:p>
+          <a:p>
+            <a:endParaRPr lang="fr-FR"/>
+          </a:p>
+          <a:p>
+            <a:endParaRPr lang="fr-FR"/>
+          </a:p>
+          <a:p>
+            <a:endParaRPr lang="fr-FR"/>
+          </a:p>
+          <a:p>
             <a:endParaRPr lang="en-GB"/>
           </a:p>
         </p:txBody>
@@ -5975,6 +6022,16 @@
           <a:bodyPr/>
           <a:lstStyle/>
           <a:p>
+            <a:r>
+              <a:rPr lang="fr-FR"/>
+              <a:t>Show a graph with the strategies learn with a little picture</a:t>
+            </a:r>
+          </a:p>
+          <a:p>
+            <a:r>
+              <a:rPr lang="fr-FR"/>
+              <a:t>Show the web interface to choose strategies</a:t>
+            </a:r>
             <a:endParaRPr lang="en-GB"/>
           </a:p>
         </p:txBody>
@@ -6059,6 +6116,28 @@
           <a:bodyPr/>
           <a:lstStyle/>
           <a:p>
+            <a:r>
+              <a:rPr lang="fr-FR"/>
+              <a:t>Need a human to teach SIA like a baby</a:t>
+            </a:r>
+          </a:p>
+          <a:p>
+            <a:r>
+              <a:rPr lang="fr-FR"/>
+              <a:t>The SIA will looks like the human teacher at the beginning</a:t>
+            </a:r>
+          </a:p>
+          <a:p>
+            <a:r>
+              <a:rPr lang="fr-FR"/>
+              <a:t>After a treshold it will learn alone</a:t>
+            </a:r>
+          </a:p>
+          <a:p>
+            <a:r>
+              <a:rPr lang="fr-FR"/>
+              <a:t>Self learn need to be implemented</a:t>
+            </a:r>
             <a:endParaRPr lang="en-GB"/>
           </a:p>
         </p:txBody>

--- a/SAI_presentation.pptx
+++ b/SAI_presentation.pptx
@@ -11,6 +11,8 @@
     <p:sldId id="259" r:id="rId5"/>
     <p:sldId id="260" r:id="rId6"/>
     <p:sldId id="261" r:id="rId7"/>
+    <p:sldId id="262" r:id="rId8"/>
+    <p:sldId id="263" r:id="rId9"/>
   </p:sldIdLst>
   <p:sldSz cx="12192000" cy="6858000"/>
   <p:notesSz cx="6858000" cy="9144000"/>
@@ -309,7 +311,7 @@
             <a:fld id="{B61BEF0D-F0BB-DE4B-95CE-6DB70DBA9567}" type="datetimeFigureOut">
               <a:rPr lang="en-US" dirty="0"/>
               <a:pPr/>
-              <a:t>10/5/2019</a:t>
+              <a:t>10/11/2019</a:t>
             </a:fld>
             <a:endParaRPr lang="en-US" dirty="0"/>
           </a:p>
@@ -742,7 +744,7 @@
             <a:fld id="{B61BEF0D-F0BB-DE4B-95CE-6DB70DBA9567}" type="datetimeFigureOut">
               <a:rPr lang="en-US" dirty="0"/>
               <a:pPr/>
-              <a:t>10/5/2019</a:t>
+              <a:t>10/11/2019</a:t>
             </a:fld>
             <a:endParaRPr lang="en-US" dirty="0"/>
           </a:p>
@@ -989,7 +991,7 @@
             <a:fld id="{B61BEF0D-F0BB-DE4B-95CE-6DB70DBA9567}" type="datetimeFigureOut">
               <a:rPr lang="en-US" dirty="0"/>
               <a:pPr/>
-              <a:t>10/5/2019</a:t>
+              <a:t>10/11/2019</a:t>
             </a:fld>
             <a:endParaRPr lang="en-US" dirty="0"/>
           </a:p>
@@ -1294,7 +1296,7 @@
             <a:fld id="{B61BEF0D-F0BB-DE4B-95CE-6DB70DBA9567}" type="datetimeFigureOut">
               <a:rPr lang="en-US" dirty="0"/>
               <a:pPr/>
-              <a:t>10/5/2019</a:t>
+              <a:t>10/11/2019</a:t>
             </a:fld>
             <a:endParaRPr lang="en-US" dirty="0"/>
           </a:p>
@@ -1609,7 +1611,7 @@
             <a:fld id="{B61BEF0D-F0BB-DE4B-95CE-6DB70DBA9567}" type="datetimeFigureOut">
               <a:rPr lang="en-US" dirty="0"/>
               <a:pPr/>
-              <a:t>10/5/2019</a:t>
+              <a:t>10/11/2019</a:t>
             </a:fld>
             <a:endParaRPr lang="en-US" dirty="0"/>
           </a:p>
@@ -1908,7 +1910,7 @@
             <a:fld id="{B61BEF0D-F0BB-DE4B-95CE-6DB70DBA9567}" type="datetimeFigureOut">
               <a:rPr lang="en-US" dirty="0"/>
               <a:pPr/>
-              <a:t>10/5/2019</a:t>
+              <a:t>10/11/2019</a:t>
             </a:fld>
             <a:endParaRPr lang="en-US" dirty="0"/>
           </a:p>
@@ -2272,7 +2274,7 @@
             <a:fld id="{B61BEF0D-F0BB-DE4B-95CE-6DB70DBA9567}" type="datetimeFigureOut">
               <a:rPr lang="en-US" dirty="0"/>
               <a:pPr/>
-              <a:t>10/5/2019</a:t>
+              <a:t>10/11/2019</a:t>
             </a:fld>
             <a:endParaRPr lang="en-US" dirty="0"/>
           </a:p>
@@ -2443,7 +2445,7 @@
             <a:fld id="{B61BEF0D-F0BB-DE4B-95CE-6DB70DBA9567}" type="datetimeFigureOut">
               <a:rPr lang="en-US" dirty="0"/>
               <a:pPr/>
-              <a:t>10/5/2019</a:t>
+              <a:t>10/11/2019</a:t>
             </a:fld>
             <a:endParaRPr lang="en-US" dirty="0"/>
           </a:p>
@@ -2620,7 +2622,7 @@
             <a:fld id="{B61BEF0D-F0BB-DE4B-95CE-6DB70DBA9567}" type="datetimeFigureOut">
               <a:rPr lang="en-US" dirty="0"/>
               <a:pPr/>
-              <a:t>10/5/2019</a:t>
+              <a:t>10/11/2019</a:t>
             </a:fld>
             <a:endParaRPr lang="en-US" dirty="0"/>
           </a:p>
@@ -2787,7 +2789,7 @@
             <a:fld id="{B61BEF0D-F0BB-DE4B-95CE-6DB70DBA9567}" type="datetimeFigureOut">
               <a:rPr lang="en-US" dirty="0"/>
               <a:pPr/>
-              <a:t>10/5/2019</a:t>
+              <a:t>10/11/2019</a:t>
             </a:fld>
             <a:endParaRPr lang="en-US" dirty="0"/>
           </a:p>
@@ -3034,7 +3036,7 @@
             <a:fld id="{B61BEF0D-F0BB-DE4B-95CE-6DB70DBA9567}" type="datetimeFigureOut">
               <a:rPr lang="en-US" dirty="0"/>
               <a:pPr/>
-              <a:t>10/5/2019</a:t>
+              <a:t>10/11/2019</a:t>
             </a:fld>
             <a:endParaRPr lang="en-US" dirty="0"/>
           </a:p>
@@ -3267,7 +3269,7 @@
             <a:fld id="{B61BEF0D-F0BB-DE4B-95CE-6DB70DBA9567}" type="datetimeFigureOut">
               <a:rPr lang="en-US" dirty="0"/>
               <a:pPr/>
-              <a:t>10/5/2019</a:t>
+              <a:t>10/11/2019</a:t>
             </a:fld>
             <a:endParaRPr lang="en-US" dirty="0"/>
           </a:p>
@@ -3646,7 +3648,7 @@
             <a:fld id="{B61BEF0D-F0BB-DE4B-95CE-6DB70DBA9567}" type="datetimeFigureOut">
               <a:rPr lang="en-US" dirty="0"/>
               <a:pPr/>
-              <a:t>10/5/2019</a:t>
+              <a:t>10/11/2019</a:t>
             </a:fld>
             <a:endParaRPr lang="en-US" dirty="0"/>
           </a:p>
@@ -3761,7 +3763,7 @@
             <a:fld id="{B61BEF0D-F0BB-DE4B-95CE-6DB70DBA9567}" type="datetimeFigureOut">
               <a:rPr lang="en-US" dirty="0"/>
               <a:pPr/>
-              <a:t>10/5/2019</a:t>
+              <a:t>10/11/2019</a:t>
             </a:fld>
             <a:endParaRPr lang="en-US" dirty="0"/>
           </a:p>
@@ -3853,7 +3855,7 @@
             <a:fld id="{B61BEF0D-F0BB-DE4B-95CE-6DB70DBA9567}" type="datetimeFigureOut">
               <a:rPr lang="en-US" dirty="0"/>
               <a:pPr/>
-              <a:t>10/5/2019</a:t>
+              <a:t>10/11/2019</a:t>
             </a:fld>
             <a:endParaRPr lang="en-US" dirty="0"/>
           </a:p>
@@ -4105,7 +4107,7 @@
             <a:fld id="{B61BEF0D-F0BB-DE4B-95CE-6DB70DBA9567}" type="datetimeFigureOut">
               <a:rPr lang="en-US" dirty="0"/>
               <a:pPr/>
-              <a:t>10/5/2019</a:t>
+              <a:t>10/11/2019</a:t>
             </a:fld>
             <a:endParaRPr lang="en-US" dirty="0"/>
           </a:p>
@@ -4385,7 +4387,7 @@
             <a:fld id="{B61BEF0D-F0BB-DE4B-95CE-6DB70DBA9567}" type="datetimeFigureOut">
               <a:rPr lang="en-US" dirty="0"/>
               <a:pPr/>
-              <a:t>10/5/2019</a:t>
+              <a:t>10/11/2019</a:t>
             </a:fld>
             <a:endParaRPr lang="en-US" dirty="0"/>
           </a:p>
@@ -4788,7 +4790,7 @@
             <a:fld id="{B61BEF0D-F0BB-DE4B-95CE-6DB70DBA9567}" type="datetimeFigureOut">
               <a:rPr lang="en-US" dirty="0"/>
               <a:pPr/>
-              <a:t>10/5/2019</a:t>
+              <a:t>10/11/2019</a:t>
             </a:fld>
             <a:endParaRPr lang="en-US" dirty="0"/>
           </a:p>
@@ -5893,52 +5895,203 @@
         </p:nvSpPr>
         <p:spPr/>
         <p:txBody>
-          <a:bodyPr/>
-          <a:lstStyle/>
-          <a:p>
-            <a:r>
-              <a:rPr lang="fr-FR"/>
-              <a:t>Create SAI with pyinstaller</a:t>
-            </a:r>
-          </a:p>
-          <a:p>
-            <a:r>
-              <a:rPr lang="fr-FR"/>
-              <a:t>Launch a scan that remove duplicate screenshot and order them by interesting strategie</a:t>
-            </a:r>
-          </a:p>
-          <a:p>
-            <a:r>
-              <a:rPr lang="fr-FR"/>
-              <a:t>Increment the reward if there was difference between images</a:t>
-            </a:r>
-          </a:p>
-          <a:p>
-            <a:r>
-              <a:rPr lang="fr-FR"/>
-              <a:t>Create a web page with the strategies learned</a:t>
-            </a:r>
-          </a:p>
-          <a:p>
-            <a:r>
-              <a:rPr lang="fr-FR"/>
-              <a:t>Create a web interface or a vocal controller to order strategies</a:t>
-            </a:r>
-          </a:p>
-          <a:p>
-            <a:endParaRPr lang="fr-FR"/>
-          </a:p>
-          <a:p>
-            <a:endParaRPr lang="fr-FR"/>
-          </a:p>
-          <a:p>
-            <a:endParaRPr lang="fr-FR"/>
-          </a:p>
-          <a:p>
-            <a:endParaRPr lang="fr-FR"/>
-          </a:p>
-          <a:p>
-            <a:endParaRPr lang="en-GB"/>
+          <a:bodyPr>
+            <a:normAutofit/>
+          </a:bodyPr>
+          <a:lstStyle/>
+          <a:p>
+            <a:r>
+              <a:rPr lang="fr-FR" dirty="0" err="1"/>
+              <a:t>Create</a:t>
+            </a:r>
+            <a:r>
+              <a:rPr lang="fr-FR" dirty="0"/>
+              <a:t> SAI </a:t>
+            </a:r>
+            <a:r>
+              <a:rPr lang="fr-FR" dirty="0" err="1"/>
+              <a:t>with</a:t>
+            </a:r>
+            <a:r>
+              <a:rPr lang="fr-FR" dirty="0"/>
+              <a:t> </a:t>
+            </a:r>
+            <a:r>
+              <a:rPr lang="fr-FR" dirty="0" err="1"/>
+              <a:t>pyinstaller</a:t>
+            </a:r>
+            <a:endParaRPr lang="fr-FR" dirty="0"/>
+          </a:p>
+          <a:p>
+            <a:r>
+              <a:rPr lang="fr-FR" dirty="0"/>
+              <a:t>Launch a scan </a:t>
+            </a:r>
+            <a:r>
+              <a:rPr lang="fr-FR" dirty="0" err="1"/>
+              <a:t>that</a:t>
+            </a:r>
+            <a:r>
+              <a:rPr lang="fr-FR" dirty="0"/>
+              <a:t> </a:t>
+            </a:r>
+            <a:r>
+              <a:rPr lang="fr-FR" dirty="0" err="1"/>
+              <a:t>remove</a:t>
+            </a:r>
+            <a:r>
+              <a:rPr lang="fr-FR" dirty="0"/>
+              <a:t> duplicate </a:t>
+            </a:r>
+            <a:r>
+              <a:rPr lang="fr-FR" dirty="0" err="1"/>
+              <a:t>screenshot</a:t>
+            </a:r>
+            <a:r>
+              <a:rPr lang="fr-FR" dirty="0"/>
+              <a:t> and </a:t>
+            </a:r>
+            <a:r>
+              <a:rPr lang="fr-FR" dirty="0" err="1"/>
+              <a:t>order</a:t>
+            </a:r>
+            <a:r>
+              <a:rPr lang="fr-FR" dirty="0"/>
+              <a:t> </a:t>
+            </a:r>
+            <a:r>
+              <a:rPr lang="fr-FR" dirty="0" err="1"/>
+              <a:t>them</a:t>
+            </a:r>
+            <a:r>
+              <a:rPr lang="fr-FR" dirty="0"/>
+              <a:t> by </a:t>
+            </a:r>
+            <a:r>
+              <a:rPr lang="fr-FR" dirty="0" err="1"/>
+              <a:t>interesting</a:t>
+            </a:r>
+            <a:r>
+              <a:rPr lang="fr-FR" dirty="0"/>
+              <a:t> </a:t>
+            </a:r>
+            <a:r>
+              <a:rPr lang="fr-FR" dirty="0" err="1"/>
+              <a:t>strategie</a:t>
+            </a:r>
+            <a:endParaRPr lang="fr-FR" dirty="0"/>
+          </a:p>
+          <a:p>
+            <a:r>
+              <a:rPr lang="fr-FR" dirty="0" err="1"/>
+              <a:t>Increment</a:t>
+            </a:r>
+            <a:r>
+              <a:rPr lang="fr-FR" dirty="0"/>
+              <a:t> the </a:t>
+            </a:r>
+            <a:r>
+              <a:rPr lang="fr-FR" dirty="0" err="1"/>
+              <a:t>reward</a:t>
+            </a:r>
+            <a:r>
+              <a:rPr lang="fr-FR" dirty="0"/>
+              <a:t> if </a:t>
+            </a:r>
+            <a:r>
+              <a:rPr lang="fr-FR" dirty="0" err="1"/>
+              <a:t>there</a:t>
+            </a:r>
+            <a:r>
+              <a:rPr lang="fr-FR" dirty="0"/>
+              <a:t> </a:t>
+            </a:r>
+            <a:r>
+              <a:rPr lang="fr-FR" dirty="0" err="1"/>
+              <a:t>was</a:t>
+            </a:r>
+            <a:r>
+              <a:rPr lang="fr-FR" dirty="0"/>
+              <a:t> </a:t>
+            </a:r>
+            <a:r>
+              <a:rPr lang="fr-FR" dirty="0" err="1"/>
+              <a:t>difference</a:t>
+            </a:r>
+            <a:r>
+              <a:rPr lang="fr-FR" dirty="0"/>
+              <a:t> </a:t>
+            </a:r>
+            <a:r>
+              <a:rPr lang="fr-FR" dirty="0" err="1"/>
+              <a:t>between</a:t>
+            </a:r>
+            <a:r>
+              <a:rPr lang="fr-FR" dirty="0"/>
+              <a:t> images</a:t>
+            </a:r>
+          </a:p>
+          <a:p>
+            <a:r>
+              <a:rPr lang="fr-FR" dirty="0" err="1"/>
+              <a:t>Create</a:t>
+            </a:r>
+            <a:r>
+              <a:rPr lang="fr-FR" dirty="0"/>
+              <a:t> a web page </a:t>
+            </a:r>
+            <a:r>
+              <a:rPr lang="fr-FR" dirty="0" err="1"/>
+              <a:t>with</a:t>
+            </a:r>
+            <a:r>
+              <a:rPr lang="fr-FR" dirty="0"/>
+              <a:t> the </a:t>
+            </a:r>
+            <a:r>
+              <a:rPr lang="fr-FR" dirty="0" err="1"/>
+              <a:t>strategies</a:t>
+            </a:r>
+            <a:r>
+              <a:rPr lang="fr-FR" dirty="0"/>
+              <a:t> </a:t>
+            </a:r>
+            <a:r>
+              <a:rPr lang="fr-FR" dirty="0" err="1"/>
+              <a:t>learned</a:t>
+            </a:r>
+            <a:endParaRPr lang="fr-FR" dirty="0"/>
+          </a:p>
+          <a:p>
+            <a:r>
+              <a:rPr lang="fr-FR" dirty="0" err="1"/>
+              <a:t>Create</a:t>
+            </a:r>
+            <a:r>
+              <a:rPr lang="fr-FR" dirty="0"/>
+              <a:t> a web interface or a vocal </a:t>
+            </a:r>
+            <a:r>
+              <a:rPr lang="fr-FR" dirty="0" err="1"/>
+              <a:t>controller</a:t>
+            </a:r>
+            <a:r>
+              <a:rPr lang="fr-FR" dirty="0"/>
+              <a:t> to </a:t>
+            </a:r>
+            <a:r>
+              <a:rPr lang="fr-FR" dirty="0" err="1"/>
+              <a:t>order</a:t>
+            </a:r>
+            <a:r>
+              <a:rPr lang="fr-FR" dirty="0"/>
+              <a:t> </a:t>
+            </a:r>
+            <a:r>
+              <a:rPr lang="fr-FR" dirty="0" err="1"/>
+              <a:t>strategies</a:t>
+            </a:r>
+            <a:endParaRPr lang="fr-FR" dirty="0"/>
           </a:p>
         </p:txBody>
       </p:sp>
@@ -6117,28 +6270,150 @@
           <a:lstStyle/>
           <a:p>
             <a:r>
-              <a:rPr lang="fr-FR"/>
-              <a:t>Need a human to teach SIA like a baby</a:t>
-            </a:r>
-          </a:p>
-          <a:p>
-            <a:r>
-              <a:rPr lang="fr-FR"/>
-              <a:t>The SIA will looks like the human teacher at the beginning</a:t>
-            </a:r>
-          </a:p>
-          <a:p>
-            <a:r>
-              <a:rPr lang="fr-FR"/>
-              <a:t>After a treshold it will learn alone</a:t>
-            </a:r>
-          </a:p>
-          <a:p>
-            <a:r>
-              <a:rPr lang="fr-FR"/>
-              <a:t>Self learn need to be implemented</a:t>
-            </a:r>
-            <a:endParaRPr lang="en-GB"/>
+              <a:rPr lang="fr-FR" dirty="0"/>
+              <a:t>Need a </a:t>
+            </a:r>
+            <a:r>
+              <a:rPr lang="fr-FR" dirty="0" err="1"/>
+              <a:t>human</a:t>
+            </a:r>
+            <a:r>
+              <a:rPr lang="fr-FR" dirty="0"/>
+              <a:t> to </a:t>
+            </a:r>
+            <a:r>
+              <a:rPr lang="fr-FR" dirty="0" err="1"/>
+              <a:t>teach</a:t>
+            </a:r>
+            <a:r>
+              <a:rPr lang="fr-FR" dirty="0"/>
+              <a:t> SIA like a baby (Full time 54k €, </a:t>
+            </a:r>
+            <a:r>
+              <a:rPr lang="fr-FR" dirty="0" err="1"/>
+              <a:t>send</a:t>
+            </a:r>
+            <a:r>
+              <a:rPr lang="fr-FR" dirty="0"/>
+              <a:t> CV and ML at johnny.nguyen1192@gmail.com)</a:t>
+            </a:r>
+          </a:p>
+          <a:p>
+            <a:r>
+              <a:rPr lang="fr-FR" dirty="0"/>
+              <a:t>The SIA </a:t>
+            </a:r>
+            <a:r>
+              <a:rPr lang="fr-FR" dirty="0" err="1"/>
+              <a:t>will</a:t>
+            </a:r>
+            <a:r>
+              <a:rPr lang="fr-FR" dirty="0"/>
+              <a:t> looks like the </a:t>
+            </a:r>
+            <a:r>
+              <a:rPr lang="fr-FR" dirty="0" err="1"/>
+              <a:t>human</a:t>
+            </a:r>
+            <a:r>
+              <a:rPr lang="fr-FR" dirty="0"/>
+              <a:t> </a:t>
+            </a:r>
+            <a:r>
+              <a:rPr lang="fr-FR" dirty="0" err="1"/>
+              <a:t>teacher</a:t>
+            </a:r>
+            <a:r>
+              <a:rPr lang="fr-FR" dirty="0"/>
+              <a:t> at the </a:t>
+            </a:r>
+            <a:r>
+              <a:rPr lang="fr-FR" dirty="0" err="1"/>
+              <a:t>beginning</a:t>
+            </a:r>
+            <a:endParaRPr lang="fr-FR" dirty="0"/>
+          </a:p>
+          <a:p>
+            <a:r>
+              <a:rPr lang="fr-FR" dirty="0" err="1"/>
+              <a:t>After</a:t>
+            </a:r>
+            <a:r>
+              <a:rPr lang="fr-FR" dirty="0"/>
+              <a:t> a </a:t>
+            </a:r>
+            <a:r>
+              <a:rPr lang="fr-FR" dirty="0" err="1"/>
+              <a:t>treshold</a:t>
+            </a:r>
+            <a:r>
+              <a:rPr lang="fr-FR" dirty="0"/>
+              <a:t> </a:t>
+            </a:r>
+            <a:r>
+              <a:rPr lang="fr-FR" dirty="0" err="1"/>
+              <a:t>it</a:t>
+            </a:r>
+            <a:r>
+              <a:rPr lang="fr-FR" dirty="0"/>
+              <a:t> </a:t>
+            </a:r>
+            <a:r>
+              <a:rPr lang="fr-FR" dirty="0" err="1"/>
+              <a:t>will</a:t>
+            </a:r>
+            <a:r>
+              <a:rPr lang="fr-FR" dirty="0"/>
+              <a:t> </a:t>
+            </a:r>
+            <a:r>
+              <a:rPr lang="fr-FR" dirty="0" err="1"/>
+              <a:t>learn</a:t>
+            </a:r>
+            <a:r>
+              <a:rPr lang="fr-FR" dirty="0"/>
+              <a:t> </a:t>
+            </a:r>
+            <a:r>
+              <a:rPr lang="fr-FR" dirty="0" err="1"/>
+              <a:t>alone</a:t>
+            </a:r>
+            <a:endParaRPr lang="fr-FR" dirty="0"/>
+          </a:p>
+          <a:p>
+            <a:r>
+              <a:rPr lang="fr-FR" dirty="0"/>
+              <a:t>Self </a:t>
+            </a:r>
+            <a:r>
+              <a:rPr lang="fr-FR" dirty="0" err="1"/>
+              <a:t>learn</a:t>
+            </a:r>
+            <a:r>
+              <a:rPr lang="fr-FR" dirty="0"/>
+              <a:t> </a:t>
+            </a:r>
+            <a:r>
+              <a:rPr lang="fr-FR" dirty="0" err="1"/>
+              <a:t>need</a:t>
+            </a:r>
+            <a:r>
+              <a:rPr lang="fr-FR" dirty="0"/>
+              <a:t> to </a:t>
+            </a:r>
+            <a:r>
+              <a:rPr lang="fr-FR" dirty="0" err="1"/>
+              <a:t>be</a:t>
+            </a:r>
+            <a:r>
+              <a:rPr lang="fr-FR" dirty="0"/>
+              <a:t> </a:t>
+            </a:r>
+            <a:r>
+              <a:rPr lang="fr-FR" dirty="0" err="1"/>
+              <a:t>implemented</a:t>
+            </a:r>
+            <a:endParaRPr lang="en-GB" dirty="0"/>
           </a:p>
         </p:txBody>
       </p:sp>
@@ -6146,6 +6421,816 @@
     <p:extLst>
       <p:ext uri="{BB962C8B-B14F-4D97-AF65-F5344CB8AC3E}">
         <p14:creationId xmlns:p14="http://schemas.microsoft.com/office/powerpoint/2010/main" val="2526747130"/>
+      </p:ext>
+    </p:extLst>
+  </p:cSld>
+  <p:clrMapOvr>
+    <a:masterClrMapping/>
+  </p:clrMapOvr>
+</p:sld>
+</file>
+
+<file path=ppt/slides/slide7.xml><?xml version="1.0" encoding="utf-8"?>
+<p:sld xmlns:a="http://schemas.openxmlformats.org/drawingml/2006/main" xmlns:r="http://schemas.openxmlformats.org/officeDocument/2006/relationships" xmlns:p="http://schemas.openxmlformats.org/presentationml/2006/main">
+  <p:cSld>
+    <p:spTree>
+      <p:nvGrpSpPr>
+        <p:cNvPr id="1" name=""/>
+        <p:cNvGrpSpPr/>
+        <p:nvPr/>
+      </p:nvGrpSpPr>
+      <p:grpSpPr>
+        <a:xfrm>
+          <a:off x="0" y="0"/>
+          <a:ext cx="0" cy="0"/>
+          <a:chOff x="0" y="0"/>
+          <a:chExt cx="0" cy="0"/>
+        </a:xfrm>
+      </p:grpSpPr>
+      <p:sp>
+        <p:nvSpPr>
+          <p:cNvPr id="2" name="Titre 1">
+            <a:extLst>
+              <a:ext uri="{FF2B5EF4-FFF2-40B4-BE49-F238E27FC236}">
+                <a16:creationId xmlns:a16="http://schemas.microsoft.com/office/drawing/2014/main" id="{23C29B9B-505B-4802-8C02-4A6FC4D8E25C}"/>
+              </a:ext>
+            </a:extLst>
+          </p:cNvPr>
+          <p:cNvSpPr>
+            <a:spLocks noGrp="1"/>
+          </p:cNvSpPr>
+          <p:nvPr>
+            <p:ph type="title"/>
+          </p:nvPr>
+        </p:nvSpPr>
+        <p:spPr/>
+        <p:txBody>
+          <a:bodyPr/>
+          <a:lstStyle/>
+          <a:p>
+            <a:r>
+              <a:rPr lang="fr-FR" dirty="0"/>
+              <a:t>annexe</a:t>
+            </a:r>
+            <a:endParaRPr lang="en-GB" dirty="0"/>
+          </a:p>
+        </p:txBody>
+      </p:sp>
+      <p:pic>
+        <p:nvPicPr>
+          <p:cNvPr id="8" name="Graphique 7" descr="Cerveau">
+            <a:extLst>
+              <a:ext uri="{FF2B5EF4-FFF2-40B4-BE49-F238E27FC236}">
+                <a16:creationId xmlns:a16="http://schemas.microsoft.com/office/drawing/2014/main" id="{682917FD-8351-43DD-B751-221C027F590A}"/>
+              </a:ext>
+            </a:extLst>
+          </p:cNvPr>
+          <p:cNvPicPr>
+            <a:picLocks noChangeAspect="1"/>
+          </p:cNvPicPr>
+          <p:nvPr/>
+        </p:nvPicPr>
+        <p:blipFill>
+          <a:blip r:embed="rId2">
+            <a:extLst>
+              <a:ext uri="{96DAC541-7B7A-43D3-8B79-37D633B846F1}">
+                <asvg:svgBlip xmlns:asvg="http://schemas.microsoft.com/office/drawing/2016/SVG/main" r:embed="rId3"/>
+              </a:ext>
+            </a:extLst>
+          </a:blip>
+          <a:stretch>
+            <a:fillRect/>
+          </a:stretch>
+        </p:blipFill>
+        <p:spPr>
+          <a:xfrm>
+            <a:off x="5221551" y="75588"/>
+            <a:ext cx="914400" cy="914400"/>
+          </a:xfrm>
+          <a:prstGeom prst="rect">
+            <a:avLst/>
+          </a:prstGeom>
+        </p:spPr>
+      </p:pic>
+      <p:pic>
+        <p:nvPicPr>
+          <p:cNvPr id="10" name="Graphique 9" descr="Yeux">
+            <a:extLst>
+              <a:ext uri="{FF2B5EF4-FFF2-40B4-BE49-F238E27FC236}">
+                <a16:creationId xmlns:a16="http://schemas.microsoft.com/office/drawing/2014/main" id="{0633E1EA-A82E-482A-99BE-548999154597}"/>
+              </a:ext>
+            </a:extLst>
+          </p:cNvPr>
+          <p:cNvPicPr>
+            <a:picLocks noChangeAspect="1"/>
+          </p:cNvPicPr>
+          <p:nvPr/>
+        </p:nvPicPr>
+        <p:blipFill>
+          <a:blip r:embed="rId4">
+            <a:extLst>
+              <a:ext uri="{96DAC541-7B7A-43D3-8B79-37D633B846F1}">
+                <asvg:svgBlip xmlns:asvg="http://schemas.microsoft.com/office/drawing/2016/SVG/main" r:embed="rId5"/>
+              </a:ext>
+            </a:extLst>
+          </a:blip>
+          <a:stretch>
+            <a:fillRect/>
+          </a:stretch>
+        </p:blipFill>
+        <p:spPr>
+          <a:xfrm>
+            <a:off x="4695032" y="4444413"/>
+            <a:ext cx="914400" cy="914400"/>
+          </a:xfrm>
+          <a:prstGeom prst="rect">
+            <a:avLst/>
+          </a:prstGeom>
+        </p:spPr>
+      </p:pic>
+      <p:pic>
+        <p:nvPicPr>
+          <p:cNvPr id="12" name="Graphique 11" descr="Nez">
+            <a:extLst>
+              <a:ext uri="{FF2B5EF4-FFF2-40B4-BE49-F238E27FC236}">
+                <a16:creationId xmlns:a16="http://schemas.microsoft.com/office/drawing/2014/main" id="{36052CB2-A72B-44CF-B6D9-899442A3568B}"/>
+              </a:ext>
+            </a:extLst>
+          </p:cNvPr>
+          <p:cNvPicPr>
+            <a:picLocks noChangeAspect="1"/>
+          </p:cNvPicPr>
+          <p:nvPr/>
+        </p:nvPicPr>
+        <p:blipFill>
+          <a:blip r:embed="rId6">
+            <a:extLst>
+              <a:ext uri="{96DAC541-7B7A-43D3-8B79-37D633B846F1}">
+                <asvg:svgBlip xmlns:asvg="http://schemas.microsoft.com/office/drawing/2016/SVG/main" r:embed="rId7"/>
+              </a:ext>
+            </a:extLst>
+          </a:blip>
+          <a:stretch>
+            <a:fillRect/>
+          </a:stretch>
+        </p:blipFill>
+        <p:spPr>
+          <a:xfrm>
+            <a:off x="5839620" y="4444413"/>
+            <a:ext cx="914400" cy="914400"/>
+          </a:xfrm>
+          <a:prstGeom prst="rect">
+            <a:avLst/>
+          </a:prstGeom>
+        </p:spPr>
+      </p:pic>
+      <p:pic>
+        <p:nvPicPr>
+          <p:cNvPr id="16" name="Graphique 15" descr="Notation musicale">
+            <a:extLst>
+              <a:ext uri="{FF2B5EF4-FFF2-40B4-BE49-F238E27FC236}">
+                <a16:creationId xmlns:a16="http://schemas.microsoft.com/office/drawing/2014/main" id="{B5409EE7-D25A-4DB8-BB4F-B04FA9D9C255}"/>
+              </a:ext>
+            </a:extLst>
+          </p:cNvPr>
+          <p:cNvPicPr>
+            <a:picLocks noChangeAspect="1"/>
+          </p:cNvPicPr>
+          <p:nvPr/>
+        </p:nvPicPr>
+        <p:blipFill>
+          <a:blip r:embed="rId8">
+            <a:extLst>
+              <a:ext uri="{96DAC541-7B7A-43D3-8B79-37D633B846F1}">
+                <asvg:svgBlip xmlns:asvg="http://schemas.microsoft.com/office/drawing/2016/SVG/main" r:embed="rId9"/>
+              </a:ext>
+            </a:extLst>
+          </a:blip>
+          <a:stretch>
+            <a:fillRect/>
+          </a:stretch>
+        </p:blipFill>
+        <p:spPr>
+          <a:xfrm>
+            <a:off x="2603994" y="2294645"/>
+            <a:ext cx="914400" cy="914400"/>
+          </a:xfrm>
+          <a:prstGeom prst="rect">
+            <a:avLst/>
+          </a:prstGeom>
+        </p:spPr>
+      </p:pic>
+      <p:pic>
+        <p:nvPicPr>
+          <p:cNvPr id="18" name="Graphique 17" descr="Batterie pleine">
+            <a:extLst>
+              <a:ext uri="{FF2B5EF4-FFF2-40B4-BE49-F238E27FC236}">
+                <a16:creationId xmlns:a16="http://schemas.microsoft.com/office/drawing/2014/main" id="{09B427C3-7C0E-4778-BD03-18350A4BDA41}"/>
+              </a:ext>
+            </a:extLst>
+          </p:cNvPr>
+          <p:cNvPicPr>
+            <a:picLocks noChangeAspect="1"/>
+          </p:cNvPicPr>
+          <p:nvPr/>
+        </p:nvPicPr>
+        <p:blipFill>
+          <a:blip r:embed="rId10">
+            <a:extLst>
+              <a:ext uri="{96DAC541-7B7A-43D3-8B79-37D633B846F1}">
+                <asvg:svgBlip xmlns:asvg="http://schemas.microsoft.com/office/drawing/2016/SVG/main" r:embed="rId11"/>
+              </a:ext>
+            </a:extLst>
+          </a:blip>
+          <a:stretch>
+            <a:fillRect/>
+          </a:stretch>
+        </p:blipFill>
+        <p:spPr>
+          <a:xfrm>
+            <a:off x="9767092" y="3294298"/>
+            <a:ext cx="914400" cy="914400"/>
+          </a:xfrm>
+          <a:prstGeom prst="rect">
+            <a:avLst/>
+          </a:prstGeom>
+        </p:spPr>
+      </p:pic>
+      <p:pic>
+        <p:nvPicPr>
+          <p:cNvPr id="20" name="Graphique 19" descr="Curseur">
+            <a:extLst>
+              <a:ext uri="{FF2B5EF4-FFF2-40B4-BE49-F238E27FC236}">
+                <a16:creationId xmlns:a16="http://schemas.microsoft.com/office/drawing/2014/main" id="{792836BA-4B9B-4DB0-9955-879E544631C9}"/>
+              </a:ext>
+            </a:extLst>
+          </p:cNvPr>
+          <p:cNvPicPr>
+            <a:picLocks noChangeAspect="1"/>
+          </p:cNvPicPr>
+          <p:nvPr/>
+        </p:nvPicPr>
+        <p:blipFill>
+          <a:blip r:embed="rId12">
+            <a:extLst>
+              <a:ext uri="{96DAC541-7B7A-43D3-8B79-37D633B846F1}">
+                <asvg:svgBlip xmlns:asvg="http://schemas.microsoft.com/office/drawing/2016/SVG/main" r:embed="rId13"/>
+              </a:ext>
+            </a:extLst>
+          </a:blip>
+          <a:stretch>
+            <a:fillRect/>
+          </a:stretch>
+        </p:blipFill>
+        <p:spPr>
+          <a:xfrm>
+            <a:off x="1967708" y="3811529"/>
+            <a:ext cx="914400" cy="914400"/>
+          </a:xfrm>
+          <a:prstGeom prst="rect">
+            <a:avLst/>
+          </a:prstGeom>
+        </p:spPr>
+      </p:pic>
+      <p:pic>
+        <p:nvPicPr>
+          <p:cNvPr id="22" name="Graphique 21" descr="Image">
+            <a:extLst>
+              <a:ext uri="{FF2B5EF4-FFF2-40B4-BE49-F238E27FC236}">
+                <a16:creationId xmlns:a16="http://schemas.microsoft.com/office/drawing/2014/main" id="{FF64ACD7-2A9D-4CF9-B3DD-947E8AA42D80}"/>
+              </a:ext>
+            </a:extLst>
+          </p:cNvPr>
+          <p:cNvPicPr>
+            <a:picLocks noChangeAspect="1"/>
+          </p:cNvPicPr>
+          <p:nvPr/>
+        </p:nvPicPr>
+        <p:blipFill>
+          <a:blip r:embed="rId14">
+            <a:extLst>
+              <a:ext uri="{96DAC541-7B7A-43D3-8B79-37D633B846F1}">
+                <asvg:svgBlip xmlns:asvg="http://schemas.microsoft.com/office/drawing/2016/SVG/main" r:embed="rId15"/>
+              </a:ext>
+            </a:extLst>
+          </a:blip>
+          <a:stretch>
+            <a:fillRect/>
+          </a:stretch>
+        </p:blipFill>
+        <p:spPr>
+          <a:xfrm>
+            <a:off x="5221551" y="2907511"/>
+            <a:ext cx="914400" cy="914400"/>
+          </a:xfrm>
+          <a:prstGeom prst="rect">
+            <a:avLst/>
+          </a:prstGeom>
+        </p:spPr>
+      </p:pic>
+      <p:pic>
+        <p:nvPicPr>
+          <p:cNvPr id="24" name="Graphique 23" descr="Note de musique">
+            <a:extLst>
+              <a:ext uri="{FF2B5EF4-FFF2-40B4-BE49-F238E27FC236}">
+                <a16:creationId xmlns:a16="http://schemas.microsoft.com/office/drawing/2014/main" id="{D16B5A72-9BE5-482F-B8B6-CE98DB284F93}"/>
+              </a:ext>
+            </a:extLst>
+          </p:cNvPr>
+          <p:cNvPicPr>
+            <a:picLocks noChangeAspect="1"/>
+          </p:cNvPicPr>
+          <p:nvPr/>
+        </p:nvPicPr>
+        <p:blipFill>
+          <a:blip r:embed="rId16">
+            <a:extLst>
+              <a:ext uri="{96DAC541-7B7A-43D3-8B79-37D633B846F1}">
+                <asvg:svgBlip xmlns:asvg="http://schemas.microsoft.com/office/drawing/2016/SVG/main" r:embed="rId17"/>
+              </a:ext>
+            </a:extLst>
+          </a:blip>
+          <a:stretch>
+            <a:fillRect/>
+          </a:stretch>
+        </p:blipFill>
+        <p:spPr>
+          <a:xfrm>
+            <a:off x="1093787" y="3282363"/>
+            <a:ext cx="914400" cy="914400"/>
+          </a:xfrm>
+          <a:prstGeom prst="rect">
+            <a:avLst/>
+          </a:prstGeom>
+        </p:spPr>
+      </p:pic>
+      <p:pic>
+        <p:nvPicPr>
+          <p:cNvPr id="26" name="Graphique 25" descr="Processeur">
+            <a:extLst>
+              <a:ext uri="{FF2B5EF4-FFF2-40B4-BE49-F238E27FC236}">
+                <a16:creationId xmlns:a16="http://schemas.microsoft.com/office/drawing/2014/main" id="{8D6EECE7-424B-4F80-BCAE-0A045AAAEADD}"/>
+              </a:ext>
+            </a:extLst>
+          </p:cNvPr>
+          <p:cNvPicPr>
+            <a:picLocks noChangeAspect="1"/>
+          </p:cNvPicPr>
+          <p:nvPr/>
+        </p:nvPicPr>
+        <p:blipFill>
+          <a:blip r:embed="rId18">
+            <a:extLst>
+              <a:ext uri="{96DAC541-7B7A-43D3-8B79-37D633B846F1}">
+                <asvg:svgBlip xmlns:asvg="http://schemas.microsoft.com/office/drawing/2016/SVG/main" r:embed="rId19"/>
+              </a:ext>
+            </a:extLst>
+          </a:blip>
+          <a:stretch>
+            <a:fillRect/>
+          </a:stretch>
+        </p:blipFill>
+        <p:spPr>
+          <a:xfrm>
+            <a:off x="8595518" y="3808648"/>
+            <a:ext cx="914400" cy="914400"/>
+          </a:xfrm>
+          <a:prstGeom prst="rect">
+            <a:avLst/>
+          </a:prstGeom>
+        </p:spPr>
+      </p:pic>
+      <p:pic>
+        <p:nvPicPr>
+          <p:cNvPr id="28" name="Graphique 27" descr="Organe du cœur">
+            <a:extLst>
+              <a:ext uri="{FF2B5EF4-FFF2-40B4-BE49-F238E27FC236}">
+                <a16:creationId xmlns:a16="http://schemas.microsoft.com/office/drawing/2014/main" id="{F7AA73B0-842C-4032-AD2E-6912851D0C4E}"/>
+              </a:ext>
+            </a:extLst>
+          </p:cNvPr>
+          <p:cNvPicPr>
+            <a:picLocks noChangeAspect="1"/>
+          </p:cNvPicPr>
+          <p:nvPr/>
+        </p:nvPicPr>
+        <p:blipFill>
+          <a:blip r:embed="rId20">
+            <a:extLst>
+              <a:ext uri="{96DAC541-7B7A-43D3-8B79-37D633B846F1}">
+                <asvg:svgBlip xmlns:asvg="http://schemas.microsoft.com/office/drawing/2016/SVG/main" r:embed="rId21"/>
+              </a:ext>
+            </a:extLst>
+          </a:blip>
+          <a:stretch>
+            <a:fillRect/>
+          </a:stretch>
+        </p:blipFill>
+        <p:spPr>
+          <a:xfrm>
+            <a:off x="7839108" y="2294645"/>
+            <a:ext cx="914400" cy="914400"/>
+          </a:xfrm>
+          <a:prstGeom prst="rect">
+            <a:avLst/>
+          </a:prstGeom>
+        </p:spPr>
+      </p:pic>
+      <p:cxnSp>
+        <p:nvCxnSpPr>
+          <p:cNvPr id="30" name="Connecteur droit avec flèche 29">
+            <a:extLst>
+              <a:ext uri="{FF2B5EF4-FFF2-40B4-BE49-F238E27FC236}">
+                <a16:creationId xmlns:a16="http://schemas.microsoft.com/office/drawing/2014/main" id="{43E9868E-6BCA-4BF9-9D72-900C6E2E47EC}"/>
+              </a:ext>
+            </a:extLst>
+          </p:cNvPr>
+          <p:cNvCxnSpPr>
+            <a:cxnSpLocks/>
+          </p:cNvCxnSpPr>
+          <p:nvPr/>
+        </p:nvCxnSpPr>
+        <p:spPr>
+          <a:xfrm>
+            <a:off x="6312875" y="944798"/>
+            <a:ext cx="1526233" cy="1340211"/>
+          </a:xfrm>
+          <a:prstGeom prst="straightConnector1">
+            <a:avLst/>
+          </a:prstGeom>
+          <a:ln w="76200">
+            <a:solidFill>
+              <a:schemeClr val="accent1">
+                <a:lumMod val="60000"/>
+                <a:lumOff val="40000"/>
+                <a:alpha val="60000"/>
+              </a:schemeClr>
+            </a:solidFill>
+            <a:tailEnd type="triangle"/>
+          </a:ln>
+        </p:spPr>
+        <p:style>
+          <a:lnRef idx="1">
+            <a:schemeClr val="accent1"/>
+          </a:lnRef>
+          <a:fillRef idx="0">
+            <a:schemeClr val="accent1"/>
+          </a:fillRef>
+          <a:effectRef idx="0">
+            <a:schemeClr val="accent1"/>
+          </a:effectRef>
+          <a:fontRef idx="minor">
+            <a:schemeClr val="tx1"/>
+          </a:fontRef>
+        </p:style>
+      </p:cxnSp>
+      <p:cxnSp>
+        <p:nvCxnSpPr>
+          <p:cNvPr id="31" name="Connecteur droit avec flèche 30">
+            <a:extLst>
+              <a:ext uri="{FF2B5EF4-FFF2-40B4-BE49-F238E27FC236}">
+                <a16:creationId xmlns:a16="http://schemas.microsoft.com/office/drawing/2014/main" id="{A6C75D6E-0573-4DFA-B2BD-663A6EDA05FB}"/>
+              </a:ext>
+            </a:extLst>
+          </p:cNvPr>
+          <p:cNvCxnSpPr>
+            <a:cxnSpLocks/>
+          </p:cNvCxnSpPr>
+          <p:nvPr/>
+        </p:nvCxnSpPr>
+        <p:spPr>
+          <a:xfrm>
+            <a:off x="5678751" y="1145219"/>
+            <a:ext cx="0" cy="1606626"/>
+          </a:xfrm>
+          <a:prstGeom prst="straightConnector1">
+            <a:avLst/>
+          </a:prstGeom>
+          <a:ln w="76200">
+            <a:solidFill>
+              <a:schemeClr val="accent1">
+                <a:lumMod val="60000"/>
+                <a:lumOff val="40000"/>
+                <a:alpha val="60000"/>
+              </a:schemeClr>
+            </a:solidFill>
+            <a:tailEnd type="triangle"/>
+          </a:ln>
+        </p:spPr>
+        <p:style>
+          <a:lnRef idx="1">
+            <a:schemeClr val="accent1"/>
+          </a:lnRef>
+          <a:fillRef idx="0">
+            <a:schemeClr val="accent1"/>
+          </a:fillRef>
+          <a:effectRef idx="0">
+            <a:schemeClr val="accent1"/>
+          </a:effectRef>
+          <a:fontRef idx="minor">
+            <a:schemeClr val="tx1"/>
+          </a:fontRef>
+        </p:style>
+      </p:cxnSp>
+      <p:cxnSp>
+        <p:nvCxnSpPr>
+          <p:cNvPr id="34" name="Connecteur droit avec flèche 33">
+            <a:extLst>
+              <a:ext uri="{FF2B5EF4-FFF2-40B4-BE49-F238E27FC236}">
+                <a16:creationId xmlns:a16="http://schemas.microsoft.com/office/drawing/2014/main" id="{D9DF8FC9-498A-49AB-877D-D78671B9B9F5}"/>
+              </a:ext>
+            </a:extLst>
+          </p:cNvPr>
+          <p:cNvCxnSpPr>
+            <a:cxnSpLocks/>
+          </p:cNvCxnSpPr>
+          <p:nvPr/>
+        </p:nvCxnSpPr>
+        <p:spPr>
+          <a:xfrm flipH="1">
+            <a:off x="3426782" y="989988"/>
+            <a:ext cx="1617845" cy="1380680"/>
+          </a:xfrm>
+          <a:prstGeom prst="straightConnector1">
+            <a:avLst/>
+          </a:prstGeom>
+          <a:ln w="76200">
+            <a:solidFill>
+              <a:schemeClr val="accent1">
+                <a:lumMod val="60000"/>
+                <a:lumOff val="40000"/>
+                <a:alpha val="60000"/>
+              </a:schemeClr>
+            </a:solidFill>
+            <a:tailEnd type="triangle"/>
+          </a:ln>
+        </p:spPr>
+        <p:style>
+          <a:lnRef idx="1">
+            <a:schemeClr val="accent1"/>
+          </a:lnRef>
+          <a:fillRef idx="0">
+            <a:schemeClr val="accent1"/>
+          </a:fillRef>
+          <a:effectRef idx="0">
+            <a:schemeClr val="accent1"/>
+          </a:effectRef>
+          <a:fontRef idx="minor">
+            <a:schemeClr val="tx1"/>
+          </a:fontRef>
+        </p:style>
+      </p:cxnSp>
+      <p:sp>
+        <p:nvSpPr>
+          <p:cNvPr id="44" name="ZoneTexte 43">
+            <a:extLst>
+              <a:ext uri="{FF2B5EF4-FFF2-40B4-BE49-F238E27FC236}">
+                <a16:creationId xmlns:a16="http://schemas.microsoft.com/office/drawing/2014/main" id="{34E19EA0-D7E0-445E-876B-06B25433E9E6}"/>
+              </a:ext>
+            </a:extLst>
+          </p:cNvPr>
+          <p:cNvSpPr txBox="1"/>
+          <p:nvPr/>
+        </p:nvSpPr>
+        <p:spPr>
+          <a:xfrm>
+            <a:off x="2077435" y="3279624"/>
+            <a:ext cx="928459" cy="369332"/>
+          </a:xfrm>
+          <a:prstGeom prst="rect">
+            <a:avLst/>
+          </a:prstGeom>
+          <a:noFill/>
+        </p:spPr>
+        <p:txBody>
+          <a:bodyPr wrap="none" rtlCol="0">
+            <a:spAutoFit/>
+          </a:bodyPr>
+          <a:lstStyle/>
+          <a:p>
+            <a:r>
+              <a:rPr lang="fr-FR" b="1" dirty="0">
+                <a:solidFill>
+                  <a:schemeClr val="bg1"/>
+                </a:solidFill>
+                <a:latin typeface="Times New Roman" panose="02020603050405020304" pitchFamily="18" charset="0"/>
+                <a:cs typeface="Times New Roman" panose="02020603050405020304" pitchFamily="18" charset="0"/>
+              </a:rPr>
+              <a:t>Actions</a:t>
+            </a:r>
+            <a:endParaRPr lang="en-GB" b="1" dirty="0">
+              <a:solidFill>
+                <a:schemeClr val="bg1"/>
+              </a:solidFill>
+              <a:latin typeface="Times New Roman" panose="02020603050405020304" pitchFamily="18" charset="0"/>
+              <a:cs typeface="Times New Roman" panose="02020603050405020304" pitchFamily="18" charset="0"/>
+            </a:endParaRPr>
+          </a:p>
+        </p:txBody>
+      </p:sp>
+      <p:sp>
+        <p:nvSpPr>
+          <p:cNvPr id="45" name="ZoneTexte 44">
+            <a:extLst>
+              <a:ext uri="{FF2B5EF4-FFF2-40B4-BE49-F238E27FC236}">
+                <a16:creationId xmlns:a16="http://schemas.microsoft.com/office/drawing/2014/main" id="{9FED8DFD-4807-4A0E-92FE-A56533C302F0}"/>
+              </a:ext>
+            </a:extLst>
+          </p:cNvPr>
+          <p:cNvSpPr txBox="1"/>
+          <p:nvPr/>
+        </p:nvSpPr>
+        <p:spPr>
+          <a:xfrm>
+            <a:off x="5221551" y="4030132"/>
+            <a:ext cx="941283" cy="369332"/>
+          </a:xfrm>
+          <a:prstGeom prst="rect">
+            <a:avLst/>
+          </a:prstGeom>
+          <a:noFill/>
+        </p:spPr>
+        <p:txBody>
+          <a:bodyPr wrap="none" rtlCol="0">
+            <a:spAutoFit/>
+          </a:bodyPr>
+          <a:lstStyle/>
+          <a:p>
+            <a:r>
+              <a:rPr lang="fr-FR" b="1" dirty="0" err="1">
+                <a:solidFill>
+                  <a:srgbClr val="92D050"/>
+                </a:solidFill>
+                <a:latin typeface="Times New Roman" panose="02020603050405020304" pitchFamily="18" charset="0"/>
+                <a:cs typeface="Times New Roman" panose="02020603050405020304" pitchFamily="18" charset="0"/>
+              </a:rPr>
+              <a:t>Sensors</a:t>
+            </a:r>
+            <a:endParaRPr lang="en-GB" b="1" dirty="0">
+              <a:solidFill>
+                <a:srgbClr val="92D050"/>
+              </a:solidFill>
+              <a:latin typeface="Times New Roman" panose="02020603050405020304" pitchFamily="18" charset="0"/>
+              <a:cs typeface="Times New Roman" panose="02020603050405020304" pitchFamily="18" charset="0"/>
+            </a:endParaRPr>
+          </a:p>
+        </p:txBody>
+      </p:sp>
+      <p:sp>
+        <p:nvSpPr>
+          <p:cNvPr id="46" name="ZoneTexte 45">
+            <a:extLst>
+              <a:ext uri="{FF2B5EF4-FFF2-40B4-BE49-F238E27FC236}">
+                <a16:creationId xmlns:a16="http://schemas.microsoft.com/office/drawing/2014/main" id="{0399D4C8-9096-4694-A5E4-C6ABA89F1D6D}"/>
+              </a:ext>
+            </a:extLst>
+          </p:cNvPr>
+          <p:cNvSpPr txBox="1"/>
+          <p:nvPr/>
+        </p:nvSpPr>
+        <p:spPr>
+          <a:xfrm>
+            <a:off x="8239377" y="3279624"/>
+            <a:ext cx="1270541" cy="369332"/>
+          </a:xfrm>
+          <a:prstGeom prst="rect">
+            <a:avLst/>
+          </a:prstGeom>
+          <a:noFill/>
+        </p:spPr>
+        <p:txBody>
+          <a:bodyPr wrap="none" rtlCol="0">
+            <a:spAutoFit/>
+          </a:bodyPr>
+          <a:lstStyle/>
+          <a:p>
+            <a:r>
+              <a:rPr lang="fr-FR" b="1" dirty="0">
+                <a:solidFill>
+                  <a:schemeClr val="accent6">
+                    <a:lumMod val="40000"/>
+                    <a:lumOff val="60000"/>
+                  </a:schemeClr>
+                </a:solidFill>
+                <a:latin typeface="Times New Roman" panose="02020603050405020304" pitchFamily="18" charset="0"/>
+                <a:cs typeface="Times New Roman" panose="02020603050405020304" pitchFamily="18" charset="0"/>
+              </a:rPr>
+              <a:t>Ressources</a:t>
+            </a:r>
+            <a:endParaRPr lang="en-GB" b="1" dirty="0">
+              <a:solidFill>
+                <a:schemeClr val="accent6">
+                  <a:lumMod val="40000"/>
+                  <a:lumOff val="60000"/>
+                </a:schemeClr>
+              </a:solidFill>
+              <a:latin typeface="Times New Roman" panose="02020603050405020304" pitchFamily="18" charset="0"/>
+              <a:cs typeface="Times New Roman" panose="02020603050405020304" pitchFamily="18" charset="0"/>
+            </a:endParaRPr>
+          </a:p>
+        </p:txBody>
+      </p:sp>
+    </p:spTree>
+    <p:extLst>
+      <p:ext uri="{BB962C8B-B14F-4D97-AF65-F5344CB8AC3E}">
+        <p14:creationId xmlns:p14="http://schemas.microsoft.com/office/powerpoint/2010/main" val="1936656153"/>
+      </p:ext>
+    </p:extLst>
+  </p:cSld>
+  <p:clrMapOvr>
+    <a:masterClrMapping/>
+  </p:clrMapOvr>
+</p:sld>
+</file>
+
+<file path=ppt/slides/slide8.xml><?xml version="1.0" encoding="utf-8"?>
+<p:sld xmlns:a="http://schemas.openxmlformats.org/drawingml/2006/main" xmlns:r="http://schemas.openxmlformats.org/officeDocument/2006/relationships" xmlns:p="http://schemas.openxmlformats.org/presentationml/2006/main">
+  <p:cSld>
+    <p:spTree>
+      <p:nvGrpSpPr>
+        <p:cNvPr id="1" name=""/>
+        <p:cNvGrpSpPr/>
+        <p:nvPr/>
+      </p:nvGrpSpPr>
+      <p:grpSpPr>
+        <a:xfrm>
+          <a:off x="0" y="0"/>
+          <a:ext cx="0" cy="0"/>
+          <a:chOff x="0" y="0"/>
+          <a:chExt cx="0" cy="0"/>
+        </a:xfrm>
+      </p:grpSpPr>
+      <p:sp>
+        <p:nvSpPr>
+          <p:cNvPr id="2" name="Titre 1">
+            <a:extLst>
+              <a:ext uri="{FF2B5EF4-FFF2-40B4-BE49-F238E27FC236}">
+                <a16:creationId xmlns:a16="http://schemas.microsoft.com/office/drawing/2014/main" id="{60A45B33-4349-4205-A596-A72ABD8F0A69}"/>
+              </a:ext>
+            </a:extLst>
+          </p:cNvPr>
+          <p:cNvSpPr>
+            <a:spLocks noGrp="1"/>
+          </p:cNvSpPr>
+          <p:nvPr>
+            <p:ph type="title"/>
+          </p:nvPr>
+        </p:nvSpPr>
+        <p:spPr/>
+        <p:txBody>
+          <a:bodyPr/>
+          <a:lstStyle/>
+          <a:p>
+            <a:r>
+              <a:rPr lang="fr-FR" dirty="0"/>
+              <a:t>Sources</a:t>
+            </a:r>
+            <a:endParaRPr lang="en-GB" dirty="0"/>
+          </a:p>
+        </p:txBody>
+      </p:sp>
+      <p:sp>
+        <p:nvSpPr>
+          <p:cNvPr id="3" name="Espace réservé du contenu 2">
+            <a:extLst>
+              <a:ext uri="{FF2B5EF4-FFF2-40B4-BE49-F238E27FC236}">
+                <a16:creationId xmlns:a16="http://schemas.microsoft.com/office/drawing/2014/main" id="{825892DE-953F-4021-9EA2-14E93075BB41}"/>
+              </a:ext>
+            </a:extLst>
+          </p:cNvPr>
+          <p:cNvSpPr>
+            <a:spLocks noGrp="1"/>
+          </p:cNvSpPr>
+          <p:nvPr>
+            <p:ph idx="1"/>
+          </p:nvPr>
+        </p:nvSpPr>
+        <p:spPr/>
+        <p:txBody>
+          <a:bodyPr/>
+          <a:lstStyle/>
+          <a:p>
+            <a:r>
+              <a:rPr lang="fr-FR" dirty="0"/>
+              <a:t>Brain image: </a:t>
+            </a:r>
+            <a:r>
+              <a:rPr lang="fr-FR" dirty="0">
+                <a:hlinkClick r:id="rId2"/>
+              </a:rPr>
+              <a:t>https://cdn.mindful.org/Thrive.jpg?q=80&amp;fm=jpg&amp;fit=crop&amp;w=1920&amp;h=1080</a:t>
+            </a:r>
+            <a:endParaRPr lang="fr-FR" dirty="0"/>
+          </a:p>
+          <a:p>
+            <a:endParaRPr lang="en-GB" dirty="0"/>
+          </a:p>
+        </p:txBody>
+      </p:sp>
+    </p:spTree>
+    <p:extLst>
+      <p:ext uri="{BB962C8B-B14F-4D97-AF65-F5344CB8AC3E}">
+        <p14:creationId xmlns:p14="http://schemas.microsoft.com/office/powerpoint/2010/main" val="1489863068"/>
       </p:ext>
     </p:extLst>
   </p:cSld>

--- a/SAI_presentation.pptx
+++ b/SAI_presentation.pptx
@@ -12,7 +12,8 @@
     <p:sldId id="260" r:id="rId6"/>
     <p:sldId id="261" r:id="rId7"/>
     <p:sldId id="262" r:id="rId8"/>
-    <p:sldId id="263" r:id="rId9"/>
+    <p:sldId id="264" r:id="rId9"/>
+    <p:sldId id="263" r:id="rId10"/>
   </p:sldIdLst>
   <p:sldSz cx="12192000" cy="6858000"/>
   <p:notesSz cx="6858000" cy="9144000"/>
@@ -7130,6 +7131,46 @@
           </a:p>
         </p:txBody>
       </p:sp>
+      <p:sp>
+        <p:nvSpPr>
+          <p:cNvPr id="3" name="ZoneTexte 2">
+            <a:extLst>
+              <a:ext uri="{FF2B5EF4-FFF2-40B4-BE49-F238E27FC236}">
+                <a16:creationId xmlns:a16="http://schemas.microsoft.com/office/drawing/2014/main" id="{3DE4F80A-ACF1-49B7-87AE-20A82AEE9849}"/>
+              </a:ext>
+            </a:extLst>
+          </p:cNvPr>
+          <p:cNvSpPr txBox="1"/>
+          <p:nvPr/>
+        </p:nvSpPr>
+        <p:spPr>
+          <a:xfrm>
+            <a:off x="499481" y="348122"/>
+            <a:ext cx="1776448" cy="369332"/>
+          </a:xfrm>
+          <a:prstGeom prst="rect">
+            <a:avLst/>
+          </a:prstGeom>
+          <a:noFill/>
+        </p:spPr>
+        <p:txBody>
+          <a:bodyPr wrap="none" rtlCol="0">
+            <a:spAutoFit/>
+          </a:bodyPr>
+          <a:lstStyle/>
+          <a:p>
+            <a:r>
+              <a:rPr lang="fr-FR" dirty="0"/>
+              <a:t>The main </a:t>
+            </a:r>
+            <a:r>
+              <a:rPr lang="fr-FR" dirty="0" err="1"/>
+              <a:t>idea</a:t>
+            </a:r>
+            <a:endParaRPr lang="en-GB" dirty="0"/>
+          </a:p>
+        </p:txBody>
+      </p:sp>
     </p:spTree>
     <p:extLst>
       <p:ext uri="{BB962C8B-B14F-4D97-AF65-F5344CB8AC3E}">
@@ -7165,6 +7206,517 @@
           <p:cNvPr id="2" name="Titre 1">
             <a:extLst>
               <a:ext uri="{FF2B5EF4-FFF2-40B4-BE49-F238E27FC236}">
+                <a16:creationId xmlns:a16="http://schemas.microsoft.com/office/drawing/2014/main" id="{C3A47323-C1D5-4FF9-968A-64ABFA3C1E18}"/>
+              </a:ext>
+            </a:extLst>
+          </p:cNvPr>
+          <p:cNvSpPr>
+            <a:spLocks noGrp="1"/>
+          </p:cNvSpPr>
+          <p:nvPr>
+            <p:ph type="title"/>
+          </p:nvPr>
+        </p:nvSpPr>
+        <p:spPr/>
+        <p:txBody>
+          <a:bodyPr/>
+          <a:lstStyle/>
+          <a:p>
+            <a:r>
+              <a:rPr lang="fr-FR" dirty="0"/>
+              <a:t>Annexe</a:t>
+            </a:r>
+            <a:endParaRPr lang="en-GB" dirty="0"/>
+          </a:p>
+        </p:txBody>
+      </p:sp>
+      <p:pic>
+        <p:nvPicPr>
+          <p:cNvPr id="16" name="Espace réservé du contenu 15">
+            <a:extLst>
+              <a:ext uri="{FF2B5EF4-FFF2-40B4-BE49-F238E27FC236}">
+                <a16:creationId xmlns:a16="http://schemas.microsoft.com/office/drawing/2014/main" id="{B2C4B2A4-24E6-4EA7-8EF4-F1B0389A247E}"/>
+              </a:ext>
+            </a:extLst>
+          </p:cNvPr>
+          <p:cNvPicPr>
+            <a:picLocks noGrp="1" noChangeAspect="1"/>
+          </p:cNvPicPr>
+          <p:nvPr>
+            <p:ph idx="1"/>
+          </p:nvPr>
+        </p:nvPicPr>
+        <p:blipFill>
+          <a:blip r:embed="rId2"/>
+          <a:stretch>
+            <a:fillRect/>
+          </a:stretch>
+        </p:blipFill>
+        <p:spPr>
+          <a:xfrm>
+            <a:off x="7839108" y="2560399"/>
+            <a:ext cx="1314450" cy="600075"/>
+          </a:xfrm>
+          <a:prstGeom prst="rect">
+            <a:avLst/>
+          </a:prstGeom>
+        </p:spPr>
+      </p:pic>
+      <p:sp>
+        <p:nvSpPr>
+          <p:cNvPr id="4" name="ZoneTexte 3">
+            <a:extLst>
+              <a:ext uri="{FF2B5EF4-FFF2-40B4-BE49-F238E27FC236}">
+                <a16:creationId xmlns:a16="http://schemas.microsoft.com/office/drawing/2014/main" id="{308043D7-F2FD-4D07-9420-385AA37319FD}"/>
+              </a:ext>
+            </a:extLst>
+          </p:cNvPr>
+          <p:cNvSpPr txBox="1"/>
+          <p:nvPr/>
+        </p:nvSpPr>
+        <p:spPr>
+          <a:xfrm>
+            <a:off x="499481" y="348122"/>
+            <a:ext cx="1754006" cy="369332"/>
+          </a:xfrm>
+          <a:prstGeom prst="rect">
+            <a:avLst/>
+          </a:prstGeom>
+          <a:noFill/>
+        </p:spPr>
+        <p:txBody>
+          <a:bodyPr wrap="none" rtlCol="0">
+            <a:spAutoFit/>
+          </a:bodyPr>
+          <a:lstStyle/>
+          <a:p>
+            <a:r>
+              <a:rPr lang="fr-FR" dirty="0"/>
+              <a:t>The prototype</a:t>
+            </a:r>
+            <a:endParaRPr lang="en-GB" dirty="0"/>
+          </a:p>
+        </p:txBody>
+      </p:sp>
+      <p:cxnSp>
+        <p:nvCxnSpPr>
+          <p:cNvPr id="5" name="Connecteur droit avec flèche 4">
+            <a:extLst>
+              <a:ext uri="{FF2B5EF4-FFF2-40B4-BE49-F238E27FC236}">
+                <a16:creationId xmlns:a16="http://schemas.microsoft.com/office/drawing/2014/main" id="{76B2BD43-8A32-4F05-90EE-F4CBE6F6B3AC}"/>
+              </a:ext>
+            </a:extLst>
+          </p:cNvPr>
+          <p:cNvCxnSpPr>
+            <a:cxnSpLocks/>
+          </p:cNvCxnSpPr>
+          <p:nvPr/>
+        </p:nvCxnSpPr>
+        <p:spPr>
+          <a:xfrm>
+            <a:off x="6312875" y="944798"/>
+            <a:ext cx="1526233" cy="1340211"/>
+          </a:xfrm>
+          <a:prstGeom prst="straightConnector1">
+            <a:avLst/>
+          </a:prstGeom>
+          <a:ln w="76200">
+            <a:solidFill>
+              <a:schemeClr val="accent1">
+                <a:lumMod val="60000"/>
+                <a:lumOff val="40000"/>
+                <a:alpha val="60000"/>
+              </a:schemeClr>
+            </a:solidFill>
+            <a:tailEnd type="triangle"/>
+          </a:ln>
+        </p:spPr>
+        <p:style>
+          <a:lnRef idx="1">
+            <a:schemeClr val="accent1"/>
+          </a:lnRef>
+          <a:fillRef idx="0">
+            <a:schemeClr val="accent1"/>
+          </a:fillRef>
+          <a:effectRef idx="0">
+            <a:schemeClr val="accent1"/>
+          </a:effectRef>
+          <a:fontRef idx="minor">
+            <a:schemeClr val="tx1"/>
+          </a:fontRef>
+        </p:style>
+      </p:cxnSp>
+      <p:cxnSp>
+        <p:nvCxnSpPr>
+          <p:cNvPr id="6" name="Connecteur droit avec flèche 5">
+            <a:extLst>
+              <a:ext uri="{FF2B5EF4-FFF2-40B4-BE49-F238E27FC236}">
+                <a16:creationId xmlns:a16="http://schemas.microsoft.com/office/drawing/2014/main" id="{4FB2FE4C-19EC-481B-8A75-3B52BCC715A8}"/>
+              </a:ext>
+            </a:extLst>
+          </p:cNvPr>
+          <p:cNvCxnSpPr>
+            <a:cxnSpLocks/>
+          </p:cNvCxnSpPr>
+          <p:nvPr/>
+        </p:nvCxnSpPr>
+        <p:spPr>
+          <a:xfrm>
+            <a:off x="5678751" y="1145219"/>
+            <a:ext cx="0" cy="1606626"/>
+          </a:xfrm>
+          <a:prstGeom prst="straightConnector1">
+            <a:avLst/>
+          </a:prstGeom>
+          <a:ln w="76200">
+            <a:solidFill>
+              <a:schemeClr val="accent1">
+                <a:lumMod val="60000"/>
+                <a:lumOff val="40000"/>
+                <a:alpha val="60000"/>
+              </a:schemeClr>
+            </a:solidFill>
+            <a:tailEnd type="triangle"/>
+          </a:ln>
+        </p:spPr>
+        <p:style>
+          <a:lnRef idx="1">
+            <a:schemeClr val="accent1"/>
+          </a:lnRef>
+          <a:fillRef idx="0">
+            <a:schemeClr val="accent1"/>
+          </a:fillRef>
+          <a:effectRef idx="0">
+            <a:schemeClr val="accent1"/>
+          </a:effectRef>
+          <a:fontRef idx="minor">
+            <a:schemeClr val="tx1"/>
+          </a:fontRef>
+        </p:style>
+      </p:cxnSp>
+      <p:cxnSp>
+        <p:nvCxnSpPr>
+          <p:cNvPr id="7" name="Connecteur droit avec flèche 6">
+            <a:extLst>
+              <a:ext uri="{FF2B5EF4-FFF2-40B4-BE49-F238E27FC236}">
+                <a16:creationId xmlns:a16="http://schemas.microsoft.com/office/drawing/2014/main" id="{5B6CFAE7-3CE4-4665-8A62-A74E96029C14}"/>
+              </a:ext>
+            </a:extLst>
+          </p:cNvPr>
+          <p:cNvCxnSpPr>
+            <a:cxnSpLocks/>
+          </p:cNvCxnSpPr>
+          <p:nvPr/>
+        </p:nvCxnSpPr>
+        <p:spPr>
+          <a:xfrm flipH="1">
+            <a:off x="3426782" y="989988"/>
+            <a:ext cx="1617845" cy="1380680"/>
+          </a:xfrm>
+          <a:prstGeom prst="straightConnector1">
+            <a:avLst/>
+          </a:prstGeom>
+          <a:ln w="76200">
+            <a:solidFill>
+              <a:schemeClr val="accent1">
+                <a:lumMod val="60000"/>
+                <a:lumOff val="40000"/>
+                <a:alpha val="60000"/>
+              </a:schemeClr>
+            </a:solidFill>
+            <a:tailEnd type="triangle"/>
+          </a:ln>
+        </p:spPr>
+        <p:style>
+          <a:lnRef idx="1">
+            <a:schemeClr val="accent1"/>
+          </a:lnRef>
+          <a:fillRef idx="0">
+            <a:schemeClr val="accent1"/>
+          </a:fillRef>
+          <a:effectRef idx="0">
+            <a:schemeClr val="accent1"/>
+          </a:effectRef>
+          <a:fontRef idx="minor">
+            <a:schemeClr val="tx1"/>
+          </a:fontRef>
+        </p:style>
+      </p:cxnSp>
+      <p:sp>
+        <p:nvSpPr>
+          <p:cNvPr id="8" name="ZoneTexte 7">
+            <a:extLst>
+              <a:ext uri="{FF2B5EF4-FFF2-40B4-BE49-F238E27FC236}">
+                <a16:creationId xmlns:a16="http://schemas.microsoft.com/office/drawing/2014/main" id="{9035EBA5-A191-4017-9BC3-68668EEEC5A6}"/>
+              </a:ext>
+            </a:extLst>
+          </p:cNvPr>
+          <p:cNvSpPr txBox="1"/>
+          <p:nvPr/>
+        </p:nvSpPr>
+        <p:spPr>
+          <a:xfrm>
+            <a:off x="2077435" y="3279624"/>
+            <a:ext cx="928459" cy="369332"/>
+          </a:xfrm>
+          <a:prstGeom prst="rect">
+            <a:avLst/>
+          </a:prstGeom>
+          <a:noFill/>
+        </p:spPr>
+        <p:txBody>
+          <a:bodyPr wrap="none" rtlCol="0">
+            <a:spAutoFit/>
+          </a:bodyPr>
+          <a:lstStyle/>
+          <a:p>
+            <a:r>
+              <a:rPr lang="fr-FR" b="1" dirty="0">
+                <a:solidFill>
+                  <a:schemeClr val="bg1"/>
+                </a:solidFill>
+                <a:latin typeface="Times New Roman" panose="02020603050405020304" pitchFamily="18" charset="0"/>
+                <a:cs typeface="Times New Roman" panose="02020603050405020304" pitchFamily="18" charset="0"/>
+              </a:rPr>
+              <a:t>Actions</a:t>
+            </a:r>
+            <a:endParaRPr lang="en-GB" b="1" dirty="0">
+              <a:solidFill>
+                <a:schemeClr val="bg1"/>
+              </a:solidFill>
+              <a:latin typeface="Times New Roman" panose="02020603050405020304" pitchFamily="18" charset="0"/>
+              <a:cs typeface="Times New Roman" panose="02020603050405020304" pitchFamily="18" charset="0"/>
+            </a:endParaRPr>
+          </a:p>
+        </p:txBody>
+      </p:sp>
+      <p:sp>
+        <p:nvSpPr>
+          <p:cNvPr id="9" name="ZoneTexte 8">
+            <a:extLst>
+              <a:ext uri="{FF2B5EF4-FFF2-40B4-BE49-F238E27FC236}">
+                <a16:creationId xmlns:a16="http://schemas.microsoft.com/office/drawing/2014/main" id="{BC7F6B83-CFA6-428A-9163-505D9408D6D0}"/>
+              </a:ext>
+            </a:extLst>
+          </p:cNvPr>
+          <p:cNvSpPr txBox="1"/>
+          <p:nvPr/>
+        </p:nvSpPr>
+        <p:spPr>
+          <a:xfrm>
+            <a:off x="5221551" y="4030132"/>
+            <a:ext cx="941283" cy="369332"/>
+          </a:xfrm>
+          <a:prstGeom prst="rect">
+            <a:avLst/>
+          </a:prstGeom>
+          <a:noFill/>
+        </p:spPr>
+        <p:txBody>
+          <a:bodyPr wrap="none" rtlCol="0">
+            <a:spAutoFit/>
+          </a:bodyPr>
+          <a:lstStyle/>
+          <a:p>
+            <a:r>
+              <a:rPr lang="fr-FR" b="1" dirty="0" err="1">
+                <a:solidFill>
+                  <a:srgbClr val="92D050"/>
+                </a:solidFill>
+                <a:latin typeface="Times New Roman" panose="02020603050405020304" pitchFamily="18" charset="0"/>
+                <a:cs typeface="Times New Roman" panose="02020603050405020304" pitchFamily="18" charset="0"/>
+              </a:rPr>
+              <a:t>Sensors</a:t>
+            </a:r>
+            <a:endParaRPr lang="en-GB" b="1" dirty="0">
+              <a:solidFill>
+                <a:srgbClr val="92D050"/>
+              </a:solidFill>
+              <a:latin typeface="Times New Roman" panose="02020603050405020304" pitchFamily="18" charset="0"/>
+              <a:cs typeface="Times New Roman" panose="02020603050405020304" pitchFamily="18" charset="0"/>
+            </a:endParaRPr>
+          </a:p>
+        </p:txBody>
+      </p:sp>
+      <p:sp>
+        <p:nvSpPr>
+          <p:cNvPr id="10" name="ZoneTexte 9">
+            <a:extLst>
+              <a:ext uri="{FF2B5EF4-FFF2-40B4-BE49-F238E27FC236}">
+                <a16:creationId xmlns:a16="http://schemas.microsoft.com/office/drawing/2014/main" id="{9A0D750E-6B64-4F6A-9699-6D981AE0E69F}"/>
+              </a:ext>
+            </a:extLst>
+          </p:cNvPr>
+          <p:cNvSpPr txBox="1"/>
+          <p:nvPr/>
+        </p:nvSpPr>
+        <p:spPr>
+          <a:xfrm>
+            <a:off x="8239377" y="3279624"/>
+            <a:ext cx="1270541" cy="369332"/>
+          </a:xfrm>
+          <a:prstGeom prst="rect">
+            <a:avLst/>
+          </a:prstGeom>
+          <a:noFill/>
+        </p:spPr>
+        <p:txBody>
+          <a:bodyPr wrap="none" rtlCol="0">
+            <a:spAutoFit/>
+          </a:bodyPr>
+          <a:lstStyle/>
+          <a:p>
+            <a:r>
+              <a:rPr lang="fr-FR" b="1" dirty="0">
+                <a:solidFill>
+                  <a:schemeClr val="accent6">
+                    <a:lumMod val="40000"/>
+                    <a:lumOff val="60000"/>
+                  </a:schemeClr>
+                </a:solidFill>
+                <a:latin typeface="Times New Roman" panose="02020603050405020304" pitchFamily="18" charset="0"/>
+                <a:cs typeface="Times New Roman" panose="02020603050405020304" pitchFamily="18" charset="0"/>
+              </a:rPr>
+              <a:t>Ressources</a:t>
+            </a:r>
+            <a:endParaRPr lang="en-GB" b="1" dirty="0">
+              <a:solidFill>
+                <a:schemeClr val="accent6">
+                  <a:lumMod val="40000"/>
+                  <a:lumOff val="60000"/>
+                </a:schemeClr>
+              </a:solidFill>
+              <a:latin typeface="Times New Roman" panose="02020603050405020304" pitchFamily="18" charset="0"/>
+              <a:cs typeface="Times New Roman" panose="02020603050405020304" pitchFamily="18" charset="0"/>
+            </a:endParaRPr>
+          </a:p>
+        </p:txBody>
+      </p:sp>
+      <p:pic>
+        <p:nvPicPr>
+          <p:cNvPr id="12" name="Image 11">
+            <a:extLst>
+              <a:ext uri="{FF2B5EF4-FFF2-40B4-BE49-F238E27FC236}">
+                <a16:creationId xmlns:a16="http://schemas.microsoft.com/office/drawing/2014/main" id="{460BFFBA-E30E-4BA2-B5A0-8B77D3024A79}"/>
+              </a:ext>
+            </a:extLst>
+          </p:cNvPr>
+          <p:cNvPicPr>
+            <a:picLocks noChangeAspect="1"/>
+          </p:cNvPicPr>
+          <p:nvPr/>
+        </p:nvPicPr>
+        <p:blipFill>
+          <a:blip r:embed="rId3"/>
+          <a:stretch>
+            <a:fillRect/>
+          </a:stretch>
+        </p:blipFill>
+        <p:spPr>
+          <a:xfrm>
+            <a:off x="4979375" y="218769"/>
+            <a:ext cx="1333500" cy="619125"/>
+          </a:xfrm>
+          <a:prstGeom prst="rect">
+            <a:avLst/>
+          </a:prstGeom>
+        </p:spPr>
+      </p:pic>
+      <p:pic>
+        <p:nvPicPr>
+          <p:cNvPr id="13" name="Image 12">
+            <a:extLst>
+              <a:ext uri="{FF2B5EF4-FFF2-40B4-BE49-F238E27FC236}">
+                <a16:creationId xmlns:a16="http://schemas.microsoft.com/office/drawing/2014/main" id="{26956F3D-9551-4FC1-8071-92FE32D0ABE2}"/>
+              </a:ext>
+            </a:extLst>
+          </p:cNvPr>
+          <p:cNvPicPr>
+            <a:picLocks noChangeAspect="1"/>
+          </p:cNvPicPr>
+          <p:nvPr/>
+        </p:nvPicPr>
+        <p:blipFill>
+          <a:blip r:embed="rId4"/>
+          <a:stretch>
+            <a:fillRect/>
+          </a:stretch>
+        </p:blipFill>
+        <p:spPr>
+          <a:xfrm>
+            <a:off x="2102807" y="2514600"/>
+            <a:ext cx="1323975" cy="609600"/>
+          </a:xfrm>
+          <a:prstGeom prst="rect">
+            <a:avLst/>
+          </a:prstGeom>
+        </p:spPr>
+      </p:pic>
+      <p:pic>
+        <p:nvPicPr>
+          <p:cNvPr id="15" name="Image 14">
+            <a:extLst>
+              <a:ext uri="{FF2B5EF4-FFF2-40B4-BE49-F238E27FC236}">
+                <a16:creationId xmlns:a16="http://schemas.microsoft.com/office/drawing/2014/main" id="{492195D9-84DC-4159-939B-CED361C5BBCD}"/>
+              </a:ext>
+            </a:extLst>
+          </p:cNvPr>
+          <p:cNvPicPr>
+            <a:picLocks noChangeAspect="1"/>
+          </p:cNvPicPr>
+          <p:nvPr/>
+        </p:nvPicPr>
+        <p:blipFill>
+          <a:blip r:embed="rId5"/>
+          <a:stretch>
+            <a:fillRect/>
+          </a:stretch>
+        </p:blipFill>
+        <p:spPr>
+          <a:xfrm>
+            <a:off x="5034967" y="3279624"/>
+            <a:ext cx="1314450" cy="600075"/>
+          </a:xfrm>
+          <a:prstGeom prst="rect">
+            <a:avLst/>
+          </a:prstGeom>
+        </p:spPr>
+      </p:pic>
+    </p:spTree>
+    <p:extLst>
+      <p:ext uri="{BB962C8B-B14F-4D97-AF65-F5344CB8AC3E}">
+        <p14:creationId xmlns:p14="http://schemas.microsoft.com/office/powerpoint/2010/main" val="2112816624"/>
+      </p:ext>
+    </p:extLst>
+  </p:cSld>
+  <p:clrMapOvr>
+    <a:masterClrMapping/>
+  </p:clrMapOvr>
+</p:sld>
+</file>
+
+<file path=ppt/slides/slide9.xml><?xml version="1.0" encoding="utf-8"?>
+<p:sld xmlns:a="http://schemas.openxmlformats.org/drawingml/2006/main" xmlns:r="http://schemas.openxmlformats.org/officeDocument/2006/relationships" xmlns:p="http://schemas.openxmlformats.org/presentationml/2006/main">
+  <p:cSld>
+    <p:spTree>
+      <p:nvGrpSpPr>
+        <p:cNvPr id="1" name=""/>
+        <p:cNvGrpSpPr/>
+        <p:nvPr/>
+      </p:nvGrpSpPr>
+      <p:grpSpPr>
+        <a:xfrm>
+          <a:off x="0" y="0"/>
+          <a:ext cx="0" cy="0"/>
+          <a:chOff x="0" y="0"/>
+          <a:chExt cx="0" cy="0"/>
+        </a:xfrm>
+      </p:grpSpPr>
+      <p:sp>
+        <p:nvSpPr>
+          <p:cNvPr id="2" name="Titre 1">
+            <a:extLst>
+              <a:ext uri="{FF2B5EF4-FFF2-40B4-BE49-F238E27FC236}">
                 <a16:creationId xmlns:a16="http://schemas.microsoft.com/office/drawing/2014/main" id="{60A45B33-4349-4205-A596-A72ABD8F0A69}"/>
               </a:ext>
             </a:extLst>
@@ -7212,17 +7764,14 @@
           <a:p>
             <a:r>
               <a:rPr lang="fr-FR" dirty="0"/>
-              <a:t>Brain image: </a:t>
-            </a:r>
-            <a:r>
-              <a:rPr lang="fr-FR" dirty="0">
+              <a:t>Annexe prototype: </a:t>
+            </a:r>
+            <a:r>
+              <a:rPr lang="en-GB" dirty="0">
                 <a:hlinkClick r:id="rId2"/>
               </a:rPr>
-              <a:t>https://cdn.mindful.org/Thrive.jpg?q=80&amp;fm=jpg&amp;fit=crop&amp;w=1920&amp;h=1080</a:t>
-            </a:r>
-            <a:endParaRPr lang="fr-FR" dirty="0"/>
-          </a:p>
-          <a:p>
+              <a:t>https://www.draw.io/</a:t>
+            </a:r>
             <a:endParaRPr lang="en-GB" dirty="0"/>
           </a:p>
         </p:txBody>

--- a/SAI_presentation.pptx
+++ b/SAI_presentation.pptx
@@ -312,7 +312,7 @@
             <a:fld id="{B61BEF0D-F0BB-DE4B-95CE-6DB70DBA9567}" type="datetimeFigureOut">
               <a:rPr lang="en-US" dirty="0"/>
               <a:pPr/>
-              <a:t>10/11/2019</a:t>
+              <a:t>10/12/2019</a:t>
             </a:fld>
             <a:endParaRPr lang="en-US" dirty="0"/>
           </a:p>
@@ -745,7 +745,7 @@
             <a:fld id="{B61BEF0D-F0BB-DE4B-95CE-6DB70DBA9567}" type="datetimeFigureOut">
               <a:rPr lang="en-US" dirty="0"/>
               <a:pPr/>
-              <a:t>10/11/2019</a:t>
+              <a:t>10/12/2019</a:t>
             </a:fld>
             <a:endParaRPr lang="en-US" dirty="0"/>
           </a:p>
@@ -992,7 +992,7 @@
             <a:fld id="{B61BEF0D-F0BB-DE4B-95CE-6DB70DBA9567}" type="datetimeFigureOut">
               <a:rPr lang="en-US" dirty="0"/>
               <a:pPr/>
-              <a:t>10/11/2019</a:t>
+              <a:t>10/12/2019</a:t>
             </a:fld>
             <a:endParaRPr lang="en-US" dirty="0"/>
           </a:p>
@@ -1297,7 +1297,7 @@
             <a:fld id="{B61BEF0D-F0BB-DE4B-95CE-6DB70DBA9567}" type="datetimeFigureOut">
               <a:rPr lang="en-US" dirty="0"/>
               <a:pPr/>
-              <a:t>10/11/2019</a:t>
+              <a:t>10/12/2019</a:t>
             </a:fld>
             <a:endParaRPr lang="en-US" dirty="0"/>
           </a:p>
@@ -1612,7 +1612,7 @@
             <a:fld id="{B61BEF0D-F0BB-DE4B-95CE-6DB70DBA9567}" type="datetimeFigureOut">
               <a:rPr lang="en-US" dirty="0"/>
               <a:pPr/>
-              <a:t>10/11/2019</a:t>
+              <a:t>10/12/2019</a:t>
             </a:fld>
             <a:endParaRPr lang="en-US" dirty="0"/>
           </a:p>
@@ -1911,7 +1911,7 @@
             <a:fld id="{B61BEF0D-F0BB-DE4B-95CE-6DB70DBA9567}" type="datetimeFigureOut">
               <a:rPr lang="en-US" dirty="0"/>
               <a:pPr/>
-              <a:t>10/11/2019</a:t>
+              <a:t>10/12/2019</a:t>
             </a:fld>
             <a:endParaRPr lang="en-US" dirty="0"/>
           </a:p>
@@ -2275,7 +2275,7 @@
             <a:fld id="{B61BEF0D-F0BB-DE4B-95CE-6DB70DBA9567}" type="datetimeFigureOut">
               <a:rPr lang="en-US" dirty="0"/>
               <a:pPr/>
-              <a:t>10/11/2019</a:t>
+              <a:t>10/12/2019</a:t>
             </a:fld>
             <a:endParaRPr lang="en-US" dirty="0"/>
           </a:p>
@@ -2446,7 +2446,7 @@
             <a:fld id="{B61BEF0D-F0BB-DE4B-95CE-6DB70DBA9567}" type="datetimeFigureOut">
               <a:rPr lang="en-US" dirty="0"/>
               <a:pPr/>
-              <a:t>10/11/2019</a:t>
+              <a:t>10/12/2019</a:t>
             </a:fld>
             <a:endParaRPr lang="en-US" dirty="0"/>
           </a:p>
@@ -2623,7 +2623,7 @@
             <a:fld id="{B61BEF0D-F0BB-DE4B-95CE-6DB70DBA9567}" type="datetimeFigureOut">
               <a:rPr lang="en-US" dirty="0"/>
               <a:pPr/>
-              <a:t>10/11/2019</a:t>
+              <a:t>10/12/2019</a:t>
             </a:fld>
             <a:endParaRPr lang="en-US" dirty="0"/>
           </a:p>
@@ -2790,7 +2790,7 @@
             <a:fld id="{B61BEF0D-F0BB-DE4B-95CE-6DB70DBA9567}" type="datetimeFigureOut">
               <a:rPr lang="en-US" dirty="0"/>
               <a:pPr/>
-              <a:t>10/11/2019</a:t>
+              <a:t>10/12/2019</a:t>
             </a:fld>
             <a:endParaRPr lang="en-US" dirty="0"/>
           </a:p>
@@ -3037,7 +3037,7 @@
             <a:fld id="{B61BEF0D-F0BB-DE4B-95CE-6DB70DBA9567}" type="datetimeFigureOut">
               <a:rPr lang="en-US" dirty="0"/>
               <a:pPr/>
-              <a:t>10/11/2019</a:t>
+              <a:t>10/12/2019</a:t>
             </a:fld>
             <a:endParaRPr lang="en-US" dirty="0"/>
           </a:p>
@@ -3270,7 +3270,7 @@
             <a:fld id="{B61BEF0D-F0BB-DE4B-95CE-6DB70DBA9567}" type="datetimeFigureOut">
               <a:rPr lang="en-US" dirty="0"/>
               <a:pPr/>
-              <a:t>10/11/2019</a:t>
+              <a:t>10/12/2019</a:t>
             </a:fld>
             <a:endParaRPr lang="en-US" dirty="0"/>
           </a:p>
@@ -3649,7 +3649,7 @@
             <a:fld id="{B61BEF0D-F0BB-DE4B-95CE-6DB70DBA9567}" type="datetimeFigureOut">
               <a:rPr lang="en-US" dirty="0"/>
               <a:pPr/>
-              <a:t>10/11/2019</a:t>
+              <a:t>10/12/2019</a:t>
             </a:fld>
             <a:endParaRPr lang="en-US" dirty="0"/>
           </a:p>
@@ -3764,7 +3764,7 @@
             <a:fld id="{B61BEF0D-F0BB-DE4B-95CE-6DB70DBA9567}" type="datetimeFigureOut">
               <a:rPr lang="en-US" dirty="0"/>
               <a:pPr/>
-              <a:t>10/11/2019</a:t>
+              <a:t>10/12/2019</a:t>
             </a:fld>
             <a:endParaRPr lang="en-US" dirty="0"/>
           </a:p>
@@ -3856,7 +3856,7 @@
             <a:fld id="{B61BEF0D-F0BB-DE4B-95CE-6DB70DBA9567}" type="datetimeFigureOut">
               <a:rPr lang="en-US" dirty="0"/>
               <a:pPr/>
-              <a:t>10/11/2019</a:t>
+              <a:t>10/12/2019</a:t>
             </a:fld>
             <a:endParaRPr lang="en-US" dirty="0"/>
           </a:p>
@@ -4108,7 +4108,7 @@
             <a:fld id="{B61BEF0D-F0BB-DE4B-95CE-6DB70DBA9567}" type="datetimeFigureOut">
               <a:rPr lang="en-US" dirty="0"/>
               <a:pPr/>
-              <a:t>10/11/2019</a:t>
+              <a:t>10/12/2019</a:t>
             </a:fld>
             <a:endParaRPr lang="en-US" dirty="0"/>
           </a:p>
@@ -4388,7 +4388,7 @@
             <a:fld id="{B61BEF0D-F0BB-DE4B-95CE-6DB70DBA9567}" type="datetimeFigureOut">
               <a:rPr lang="en-US" dirty="0"/>
               <a:pPr/>
-              <a:t>10/11/2019</a:t>
+              <a:t>10/12/2019</a:t>
             </a:fld>
             <a:endParaRPr lang="en-US" dirty="0"/>
           </a:p>
@@ -4791,7 +4791,7 @@
             <a:fld id="{B61BEF0D-F0BB-DE4B-95CE-6DB70DBA9567}" type="datetimeFigureOut">
               <a:rPr lang="en-US" dirty="0"/>
               <a:pPr/>
-              <a:t>10/11/2019</a:t>
+              <a:t>10/12/2019</a:t>
             </a:fld>
             <a:endParaRPr lang="en-US" dirty="0"/>
           </a:p>
@@ -5381,9 +5381,16 @@
           <a:lstStyle/>
           <a:p>
             <a:r>
-              <a:rPr lang="fr-FR" dirty="0"/>
+              <a:rPr lang="fr-FR"/>
               <a:t>Johnny NGUYEN</a:t>
             </a:r>
+          </a:p>
+          <a:p>
+            <a:r>
+              <a:rPr lang="fr-FR"/>
+              <a:t>M2 SSTIM</a:t>
+            </a:r>
+            <a:endParaRPr lang="fr-FR" dirty="0"/>
           </a:p>
           <a:p>
             <a:endParaRPr lang="fr-FR" dirty="0"/>

--- a/SAI_presentation.pptx
+++ b/SAI_presentation.pptx
@@ -5637,12 +5637,8 @@
           <a:lstStyle/>
           <a:p>
             <a:r>
-              <a:rPr lang="fr-FR" dirty="0"/>
-              <a:t>Hard </a:t>
-            </a:r>
-            <a:r>
-              <a:rPr lang="fr-FR" dirty="0" err="1"/>
-              <a:t>deploy</a:t>
+              <a:rPr lang="fr-FR"/>
+              <a:t>Hard to deploy</a:t>
             </a:r>
             <a:endParaRPr lang="fr-FR" dirty="0"/>
           </a:p>

--- a/SAI_presentation.pptx
+++ b/SAI_presentation.pptx
@@ -5913,16 +5913,12 @@
               <a:t> SAI </a:t>
             </a:r>
             <a:r>
-              <a:rPr lang="fr-FR" dirty="0" err="1"/>
+              <a:rPr lang="fr-FR" err="1"/>
               <a:t>with</a:t>
             </a:r>
             <a:r>
-              <a:rPr lang="fr-FR" dirty="0"/>
-              <a:t> </a:t>
-            </a:r>
-            <a:r>
-              <a:rPr lang="fr-FR" dirty="0" err="1"/>
-              <a:t>pyinstaller</a:t>
+              <a:rPr lang="fr-FR"/>
+              <a:t> pyinstaller for multiplatform</a:t>
             </a:r>
             <a:endParaRPr lang="fr-FR" dirty="0"/>
           </a:p>

--- a/SAI_presentation.pptx
+++ b/SAI_presentation.pptx
@@ -312,7 +312,7 @@
             <a:fld id="{B61BEF0D-F0BB-DE4B-95CE-6DB70DBA9567}" type="datetimeFigureOut">
               <a:rPr lang="en-US" dirty="0"/>
               <a:pPr/>
-              <a:t>10/12/2019</a:t>
+              <a:t>10/13/2019</a:t>
             </a:fld>
             <a:endParaRPr lang="en-US" dirty="0"/>
           </a:p>
@@ -745,7 +745,7 @@
             <a:fld id="{B61BEF0D-F0BB-DE4B-95CE-6DB70DBA9567}" type="datetimeFigureOut">
               <a:rPr lang="en-US" dirty="0"/>
               <a:pPr/>
-              <a:t>10/12/2019</a:t>
+              <a:t>10/13/2019</a:t>
             </a:fld>
             <a:endParaRPr lang="en-US" dirty="0"/>
           </a:p>
@@ -992,7 +992,7 @@
             <a:fld id="{B61BEF0D-F0BB-DE4B-95CE-6DB70DBA9567}" type="datetimeFigureOut">
               <a:rPr lang="en-US" dirty="0"/>
               <a:pPr/>
-              <a:t>10/12/2019</a:t>
+              <a:t>10/13/2019</a:t>
             </a:fld>
             <a:endParaRPr lang="en-US" dirty="0"/>
           </a:p>
@@ -1297,7 +1297,7 @@
             <a:fld id="{B61BEF0D-F0BB-DE4B-95CE-6DB70DBA9567}" type="datetimeFigureOut">
               <a:rPr lang="en-US" dirty="0"/>
               <a:pPr/>
-              <a:t>10/12/2019</a:t>
+              <a:t>10/13/2019</a:t>
             </a:fld>
             <a:endParaRPr lang="en-US" dirty="0"/>
           </a:p>
@@ -1612,7 +1612,7 @@
             <a:fld id="{B61BEF0D-F0BB-DE4B-95CE-6DB70DBA9567}" type="datetimeFigureOut">
               <a:rPr lang="en-US" dirty="0"/>
               <a:pPr/>
-              <a:t>10/12/2019</a:t>
+              <a:t>10/13/2019</a:t>
             </a:fld>
             <a:endParaRPr lang="en-US" dirty="0"/>
           </a:p>
@@ -1911,7 +1911,7 @@
             <a:fld id="{B61BEF0D-F0BB-DE4B-95CE-6DB70DBA9567}" type="datetimeFigureOut">
               <a:rPr lang="en-US" dirty="0"/>
               <a:pPr/>
-              <a:t>10/12/2019</a:t>
+              <a:t>10/13/2019</a:t>
             </a:fld>
             <a:endParaRPr lang="en-US" dirty="0"/>
           </a:p>
@@ -2275,7 +2275,7 @@
             <a:fld id="{B61BEF0D-F0BB-DE4B-95CE-6DB70DBA9567}" type="datetimeFigureOut">
               <a:rPr lang="en-US" dirty="0"/>
               <a:pPr/>
-              <a:t>10/12/2019</a:t>
+              <a:t>10/13/2019</a:t>
             </a:fld>
             <a:endParaRPr lang="en-US" dirty="0"/>
           </a:p>
@@ -2446,7 +2446,7 @@
             <a:fld id="{B61BEF0D-F0BB-DE4B-95CE-6DB70DBA9567}" type="datetimeFigureOut">
               <a:rPr lang="en-US" dirty="0"/>
               <a:pPr/>
-              <a:t>10/12/2019</a:t>
+              <a:t>10/13/2019</a:t>
             </a:fld>
             <a:endParaRPr lang="en-US" dirty="0"/>
           </a:p>
@@ -2623,7 +2623,7 @@
             <a:fld id="{B61BEF0D-F0BB-DE4B-95CE-6DB70DBA9567}" type="datetimeFigureOut">
               <a:rPr lang="en-US" dirty="0"/>
               <a:pPr/>
-              <a:t>10/12/2019</a:t>
+              <a:t>10/13/2019</a:t>
             </a:fld>
             <a:endParaRPr lang="en-US" dirty="0"/>
           </a:p>
@@ -2790,7 +2790,7 @@
             <a:fld id="{B61BEF0D-F0BB-DE4B-95CE-6DB70DBA9567}" type="datetimeFigureOut">
               <a:rPr lang="en-US" dirty="0"/>
               <a:pPr/>
-              <a:t>10/12/2019</a:t>
+              <a:t>10/13/2019</a:t>
             </a:fld>
             <a:endParaRPr lang="en-US" dirty="0"/>
           </a:p>
@@ -3037,7 +3037,7 @@
             <a:fld id="{B61BEF0D-F0BB-DE4B-95CE-6DB70DBA9567}" type="datetimeFigureOut">
               <a:rPr lang="en-US" dirty="0"/>
               <a:pPr/>
-              <a:t>10/12/2019</a:t>
+              <a:t>10/13/2019</a:t>
             </a:fld>
             <a:endParaRPr lang="en-US" dirty="0"/>
           </a:p>
@@ -3270,7 +3270,7 @@
             <a:fld id="{B61BEF0D-F0BB-DE4B-95CE-6DB70DBA9567}" type="datetimeFigureOut">
               <a:rPr lang="en-US" dirty="0"/>
               <a:pPr/>
-              <a:t>10/12/2019</a:t>
+              <a:t>10/13/2019</a:t>
             </a:fld>
             <a:endParaRPr lang="en-US" dirty="0"/>
           </a:p>
@@ -3649,7 +3649,7 @@
             <a:fld id="{B61BEF0D-F0BB-DE4B-95CE-6DB70DBA9567}" type="datetimeFigureOut">
               <a:rPr lang="en-US" dirty="0"/>
               <a:pPr/>
-              <a:t>10/12/2019</a:t>
+              <a:t>10/13/2019</a:t>
             </a:fld>
             <a:endParaRPr lang="en-US" dirty="0"/>
           </a:p>
@@ -3764,7 +3764,7 @@
             <a:fld id="{B61BEF0D-F0BB-DE4B-95CE-6DB70DBA9567}" type="datetimeFigureOut">
               <a:rPr lang="en-US" dirty="0"/>
               <a:pPr/>
-              <a:t>10/12/2019</a:t>
+              <a:t>10/13/2019</a:t>
             </a:fld>
             <a:endParaRPr lang="en-US" dirty="0"/>
           </a:p>
@@ -3856,7 +3856,7 @@
             <a:fld id="{B61BEF0D-F0BB-DE4B-95CE-6DB70DBA9567}" type="datetimeFigureOut">
               <a:rPr lang="en-US" dirty="0"/>
               <a:pPr/>
-              <a:t>10/12/2019</a:t>
+              <a:t>10/13/2019</a:t>
             </a:fld>
             <a:endParaRPr lang="en-US" dirty="0"/>
           </a:p>
@@ -4108,7 +4108,7 @@
             <a:fld id="{B61BEF0D-F0BB-DE4B-95CE-6DB70DBA9567}" type="datetimeFigureOut">
               <a:rPr lang="en-US" dirty="0"/>
               <a:pPr/>
-              <a:t>10/12/2019</a:t>
+              <a:t>10/13/2019</a:t>
             </a:fld>
             <a:endParaRPr lang="en-US" dirty="0"/>
           </a:p>
@@ -4388,7 +4388,7 @@
             <a:fld id="{B61BEF0D-F0BB-DE4B-95CE-6DB70DBA9567}" type="datetimeFigureOut">
               <a:rPr lang="en-US" dirty="0"/>
               <a:pPr/>
-              <a:t>10/12/2019</a:t>
+              <a:t>10/13/2019</a:t>
             </a:fld>
             <a:endParaRPr lang="en-US" dirty="0"/>
           </a:p>
@@ -4791,7 +4791,7 @@
             <a:fld id="{B61BEF0D-F0BB-DE4B-95CE-6DB70DBA9567}" type="datetimeFigureOut">
               <a:rPr lang="en-US" dirty="0"/>
               <a:pPr/>
-              <a:t>10/12/2019</a:t>
+              <a:t>10/13/2019</a:t>
             </a:fld>
             <a:endParaRPr lang="en-US" dirty="0"/>
           </a:p>
@@ -5530,12 +5530,8 @@
           </a:p>
           <a:p>
             <a:r>
-              <a:rPr lang="fr-FR" dirty="0"/>
-              <a:t>New </a:t>
-            </a:r>
-            <a:r>
-              <a:rPr lang="fr-FR" dirty="0" err="1"/>
-              <a:t>technology</a:t>
+              <a:rPr lang="fr-FR"/>
+              <a:t>New technology using daily report and voice command</a:t>
             </a:r>
             <a:endParaRPr lang="fr-FR" dirty="0"/>
           </a:p>

--- a/SAI_presentation.pptx
+++ b/SAI_presentation.pptx
@@ -5537,9 +5537,10 @@
           </a:p>
           <a:p>
             <a:r>
-              <a:rPr lang="fr-FR" dirty="0"/>
-              <a:t>New baby</a:t>
-            </a:r>
+              <a:rPr lang="fr-FR"/>
+              <a:t>New reinforcement learning like a baby</a:t>
+            </a:r>
+            <a:endParaRPr lang="fr-FR" dirty="0"/>
           </a:p>
           <a:p>
             <a:endParaRPr lang="fr-FR" dirty="0"/>

--- a/SAI_presentation.pptx
+++ b/SAI_presentation.pptx
@@ -5481,9 +5481,10 @@
           <a:lstStyle/>
           <a:p>
             <a:r>
-              <a:rPr lang="fr-FR" dirty="0"/>
-              <a:t>Post-master</a:t>
-            </a:r>
+              <a:rPr lang="fr-FR"/>
+              <a:t>Work at home after gratuated on Master</a:t>
+            </a:r>
+            <a:endParaRPr lang="fr-FR" dirty="0"/>
           </a:p>
           <a:p>
             <a:r>

--- a/SAI_presentation.pptx
+++ b/SAI_presentation.pptx
@@ -120,6 +120,6430 @@
 </p:presentation>
 </file>
 
+<file path=ppt/diagrams/colors1.xml><?xml version="1.0" encoding="utf-8"?>
+<dgm:colorsDef xmlns:dgm="http://schemas.openxmlformats.org/drawingml/2006/diagram" xmlns:a="http://schemas.openxmlformats.org/drawingml/2006/main" uniqueId="urn:microsoft.com/office/officeart/2018/5/colors/Iconchunking_neutralicon_colorful1">
+  <dgm:title val=""/>
+  <dgm:desc val=""/>
+  <dgm:catLst>
+    <dgm:cat type="colorful" pri="10100"/>
+  </dgm:catLst>
+  <dgm:styleLbl name="node0">
+    <dgm:fillClrLst meth="repeat">
+      <a:schemeClr val="accent1"/>
+    </dgm:fillClrLst>
+    <dgm:linClrLst meth="repeat">
+      <a:schemeClr val="lt1"/>
+    </dgm:linClrLst>
+    <dgm:effectClrLst/>
+    <dgm:txLinClrLst/>
+    <dgm:txFillClrLst/>
+    <dgm:txEffectClrLst/>
+  </dgm:styleLbl>
+  <dgm:styleLbl name="node1">
+    <dgm:fillClrLst meth="repeat">
+      <a:schemeClr val="bg1"/>
+    </dgm:fillClrLst>
+    <dgm:linClrLst meth="repeat">
+      <a:schemeClr val="lt1">
+        <a:alpha val="0"/>
+      </a:schemeClr>
+    </dgm:linClrLst>
+    <dgm:effectClrLst/>
+    <dgm:txLinClrLst/>
+    <dgm:txFillClrLst meth="repeat">
+      <a:schemeClr val="dk1"/>
+    </dgm:txFillClrLst>
+    <dgm:txEffectClrLst/>
+  </dgm:styleLbl>
+  <dgm:styleLbl name="alignNode1">
+    <dgm:fillClrLst meth="repeat">
+      <a:schemeClr val="accent2"/>
+      <a:schemeClr val="accent3"/>
+      <a:schemeClr val="accent4"/>
+      <a:schemeClr val="accent5"/>
+      <a:schemeClr val="accent6"/>
+    </dgm:fillClrLst>
+    <dgm:linClrLst meth="repeat">
+      <a:schemeClr val="accent2"/>
+      <a:schemeClr val="accent3"/>
+      <a:schemeClr val="accent4"/>
+      <a:schemeClr val="accent5"/>
+      <a:schemeClr val="accent6"/>
+    </dgm:linClrLst>
+    <dgm:effectClrLst/>
+    <dgm:txLinClrLst/>
+    <dgm:txFillClrLst/>
+    <dgm:txEffectClrLst/>
+  </dgm:styleLbl>
+  <dgm:styleLbl name="lnNode1">
+    <dgm:fillClrLst meth="repeat">
+      <a:schemeClr val="accent2"/>
+      <a:schemeClr val="accent3"/>
+      <a:schemeClr val="accent4"/>
+      <a:schemeClr val="accent5"/>
+      <a:schemeClr val="accent6"/>
+    </dgm:fillClrLst>
+    <dgm:linClrLst meth="repeat">
+      <a:schemeClr val="lt1"/>
+    </dgm:linClrLst>
+    <dgm:effectClrLst/>
+    <dgm:txLinClrLst/>
+    <dgm:txFillClrLst/>
+    <dgm:txEffectClrLst/>
+  </dgm:styleLbl>
+  <dgm:styleLbl name="vennNode1">
+    <dgm:fillClrLst meth="repeat">
+      <a:schemeClr val="accent2">
+        <a:alpha val="50000"/>
+      </a:schemeClr>
+      <a:schemeClr val="accent3">
+        <a:alpha val="50000"/>
+      </a:schemeClr>
+      <a:schemeClr val="accent4">
+        <a:alpha val="50000"/>
+      </a:schemeClr>
+      <a:schemeClr val="accent5">
+        <a:alpha val="50000"/>
+      </a:schemeClr>
+      <a:schemeClr val="accent6">
+        <a:alpha val="50000"/>
+      </a:schemeClr>
+    </dgm:fillClrLst>
+    <dgm:linClrLst meth="repeat">
+      <a:schemeClr val="lt1"/>
+    </dgm:linClrLst>
+    <dgm:effectClrLst/>
+    <dgm:txLinClrLst/>
+    <dgm:txFillClrLst/>
+    <dgm:txEffectClrLst/>
+  </dgm:styleLbl>
+  <dgm:styleLbl name="node2">
+    <dgm:fillClrLst>
+      <a:schemeClr val="accent2"/>
+    </dgm:fillClrLst>
+    <dgm:linClrLst meth="repeat">
+      <a:schemeClr val="lt1"/>
+    </dgm:linClrLst>
+    <dgm:effectClrLst/>
+    <dgm:txLinClrLst/>
+    <dgm:txFillClrLst/>
+    <dgm:txEffectClrLst/>
+  </dgm:styleLbl>
+  <dgm:styleLbl name="node3">
+    <dgm:fillClrLst>
+      <a:schemeClr val="accent3"/>
+    </dgm:fillClrLst>
+    <dgm:linClrLst meth="repeat">
+      <a:schemeClr val="lt1"/>
+    </dgm:linClrLst>
+    <dgm:effectClrLst/>
+    <dgm:txLinClrLst/>
+    <dgm:txFillClrLst/>
+    <dgm:txEffectClrLst/>
+  </dgm:styleLbl>
+  <dgm:styleLbl name="node4">
+    <dgm:fillClrLst>
+      <a:schemeClr val="accent4"/>
+    </dgm:fillClrLst>
+    <dgm:linClrLst meth="repeat">
+      <a:schemeClr val="lt1"/>
+    </dgm:linClrLst>
+    <dgm:effectClrLst/>
+    <dgm:txLinClrLst/>
+    <dgm:txFillClrLst/>
+    <dgm:txEffectClrLst/>
+  </dgm:styleLbl>
+  <dgm:styleLbl name="fgImgPlace1">
+    <dgm:fillClrLst meth="repeat">
+      <a:schemeClr val="accent2">
+        <a:tint val="50000"/>
+      </a:schemeClr>
+      <a:schemeClr val="accent3">
+        <a:tint val="50000"/>
+      </a:schemeClr>
+      <a:schemeClr val="accent4">
+        <a:tint val="50000"/>
+      </a:schemeClr>
+      <a:schemeClr val="accent5">
+        <a:tint val="50000"/>
+      </a:schemeClr>
+      <a:schemeClr val="accent6">
+        <a:tint val="50000"/>
+      </a:schemeClr>
+    </dgm:fillClrLst>
+    <dgm:linClrLst meth="repeat">
+      <a:schemeClr val="lt1"/>
+    </dgm:linClrLst>
+    <dgm:effectClrLst/>
+    <dgm:txLinClrLst/>
+    <dgm:txFillClrLst meth="repeat">
+      <a:schemeClr val="lt1"/>
+    </dgm:txFillClrLst>
+    <dgm:txEffectClrLst/>
+  </dgm:styleLbl>
+  <dgm:styleLbl name="alignImgPlace1">
+    <dgm:fillClrLst>
+      <a:schemeClr val="accent1">
+        <a:tint val="50000"/>
+      </a:schemeClr>
+      <a:schemeClr val="accent2">
+        <a:tint val="20000"/>
+      </a:schemeClr>
+    </dgm:fillClrLst>
+    <dgm:linClrLst meth="repeat">
+      <a:schemeClr val="lt1"/>
+    </dgm:linClrLst>
+    <dgm:effectClrLst/>
+    <dgm:txLinClrLst/>
+    <dgm:txFillClrLst meth="repeat">
+      <a:schemeClr val="lt1"/>
+    </dgm:txFillClrLst>
+    <dgm:txEffectClrLst/>
+  </dgm:styleLbl>
+  <dgm:styleLbl name="bgImgPlace1">
+    <dgm:fillClrLst>
+      <a:schemeClr val="accent1">
+        <a:tint val="50000"/>
+      </a:schemeClr>
+      <a:schemeClr val="accent2">
+        <a:tint val="20000"/>
+      </a:schemeClr>
+    </dgm:fillClrLst>
+    <dgm:linClrLst meth="repeat">
+      <a:schemeClr val="lt1"/>
+    </dgm:linClrLst>
+    <dgm:effectClrLst/>
+    <dgm:txLinClrLst/>
+    <dgm:txFillClrLst meth="repeat">
+      <a:schemeClr val="lt1"/>
+    </dgm:txFillClrLst>
+    <dgm:txEffectClrLst/>
+  </dgm:styleLbl>
+  <dgm:styleLbl name="sibTrans2D1">
+    <dgm:fillClrLst meth="repeat">
+      <a:schemeClr val="accent2"/>
+      <a:schemeClr val="accent3"/>
+      <a:schemeClr val="accent4"/>
+      <a:schemeClr val="accent5"/>
+      <a:schemeClr val="accent6"/>
+    </dgm:fillClrLst>
+    <dgm:linClrLst meth="cycle">
+      <a:schemeClr val="lt1"/>
+    </dgm:linClrLst>
+    <dgm:effectClrLst/>
+    <dgm:txLinClrLst/>
+    <dgm:txFillClrLst/>
+    <dgm:txEffectClrLst/>
+  </dgm:styleLbl>
+  <dgm:styleLbl name="fgSibTrans2D1">
+    <dgm:fillClrLst meth="repeat">
+      <a:schemeClr val="accent2"/>
+      <a:schemeClr val="accent3"/>
+      <a:schemeClr val="accent4"/>
+      <a:schemeClr val="accent5"/>
+      <a:schemeClr val="accent6"/>
+    </dgm:fillClrLst>
+    <dgm:linClrLst meth="cycle">
+      <a:schemeClr val="lt1"/>
+    </dgm:linClrLst>
+    <dgm:effectClrLst/>
+    <dgm:txLinClrLst/>
+    <dgm:txFillClrLst meth="repeat">
+      <a:schemeClr val="lt1"/>
+    </dgm:txFillClrLst>
+    <dgm:txEffectClrLst/>
+  </dgm:styleLbl>
+  <dgm:styleLbl name="bgSibTrans2D1">
+    <dgm:fillClrLst meth="repeat">
+      <a:schemeClr val="accent2"/>
+      <a:schemeClr val="accent3"/>
+      <a:schemeClr val="accent4"/>
+      <a:schemeClr val="accent5"/>
+      <a:schemeClr val="accent6"/>
+    </dgm:fillClrLst>
+    <dgm:linClrLst meth="cycle">
+      <a:schemeClr val="lt1"/>
+    </dgm:linClrLst>
+    <dgm:effectClrLst/>
+    <dgm:txLinClrLst/>
+    <dgm:txFillClrLst meth="repeat">
+      <a:schemeClr val="lt1"/>
+    </dgm:txFillClrLst>
+    <dgm:txEffectClrLst/>
+  </dgm:styleLbl>
+  <dgm:styleLbl name="sibTrans1D1">
+    <dgm:fillClrLst meth="repeat">
+      <a:schemeClr val="accent2"/>
+      <a:schemeClr val="accent3"/>
+      <a:schemeClr val="accent4"/>
+      <a:schemeClr val="accent5"/>
+      <a:schemeClr val="accent6"/>
+    </dgm:fillClrLst>
+    <dgm:linClrLst meth="repeat">
+      <a:schemeClr val="accent2"/>
+      <a:schemeClr val="accent3"/>
+      <a:schemeClr val="accent4"/>
+      <a:schemeClr val="accent5"/>
+      <a:schemeClr val="accent6"/>
+    </dgm:linClrLst>
+    <dgm:effectClrLst/>
+    <dgm:txLinClrLst/>
+    <dgm:txFillClrLst meth="repeat">
+      <a:schemeClr val="tx1"/>
+    </dgm:txFillClrLst>
+    <dgm:txEffectClrLst/>
+  </dgm:styleLbl>
+  <dgm:styleLbl name="callout">
+    <dgm:fillClrLst meth="repeat">
+      <a:schemeClr val="accent2"/>
+    </dgm:fillClrLst>
+    <dgm:linClrLst meth="repeat">
+      <a:schemeClr val="accent2">
+        <a:tint val="50000"/>
+      </a:schemeClr>
+    </dgm:linClrLst>
+    <dgm:effectClrLst/>
+    <dgm:txLinClrLst/>
+    <dgm:txFillClrLst meth="repeat">
+      <a:schemeClr val="tx1"/>
+    </dgm:txFillClrLst>
+    <dgm:txEffectClrLst/>
+  </dgm:styleLbl>
+  <dgm:styleLbl name="asst0">
+    <dgm:fillClrLst meth="repeat">
+      <a:schemeClr val="accent1"/>
+    </dgm:fillClrLst>
+    <dgm:linClrLst meth="repeat">
+      <a:schemeClr val="lt1"/>
+    </dgm:linClrLst>
+    <dgm:effectClrLst/>
+    <dgm:txLinClrLst/>
+    <dgm:txFillClrLst/>
+    <dgm:txEffectClrLst/>
+  </dgm:styleLbl>
+  <dgm:styleLbl name="asst1">
+    <dgm:fillClrLst meth="repeat">
+      <a:schemeClr val="accent2"/>
+    </dgm:fillClrLst>
+    <dgm:linClrLst meth="repeat">
+      <a:schemeClr val="lt1"/>
+    </dgm:linClrLst>
+    <dgm:effectClrLst/>
+    <dgm:txLinClrLst/>
+    <dgm:txFillClrLst/>
+    <dgm:txEffectClrLst/>
+  </dgm:styleLbl>
+  <dgm:styleLbl name="asst2">
+    <dgm:fillClrLst>
+      <a:schemeClr val="accent3"/>
+    </dgm:fillClrLst>
+    <dgm:linClrLst meth="repeat">
+      <a:schemeClr val="lt1"/>
+    </dgm:linClrLst>
+    <dgm:effectClrLst/>
+    <dgm:txLinClrLst/>
+    <dgm:txFillClrLst/>
+    <dgm:txEffectClrLst/>
+  </dgm:styleLbl>
+  <dgm:styleLbl name="asst3">
+    <dgm:fillClrLst>
+      <a:schemeClr val="accent4"/>
+    </dgm:fillClrLst>
+    <dgm:linClrLst meth="repeat">
+      <a:schemeClr val="lt1"/>
+    </dgm:linClrLst>
+    <dgm:effectClrLst/>
+    <dgm:txLinClrLst/>
+    <dgm:txFillClrLst/>
+    <dgm:txEffectClrLst/>
+  </dgm:styleLbl>
+  <dgm:styleLbl name="asst4">
+    <dgm:fillClrLst>
+      <a:schemeClr val="accent5"/>
+    </dgm:fillClrLst>
+    <dgm:linClrLst meth="repeat">
+      <a:schemeClr val="lt1"/>
+    </dgm:linClrLst>
+    <dgm:effectClrLst/>
+    <dgm:txLinClrLst/>
+    <dgm:txFillClrLst/>
+    <dgm:txEffectClrLst/>
+  </dgm:styleLbl>
+  <dgm:styleLbl name="parChTrans2D1">
+    <dgm:fillClrLst meth="repeat">
+      <a:schemeClr val="accent2"/>
+    </dgm:fillClrLst>
+    <dgm:linClrLst meth="repeat">
+      <a:schemeClr val="lt1"/>
+    </dgm:linClrLst>
+    <dgm:effectClrLst/>
+    <dgm:txLinClrLst/>
+    <dgm:txFillClrLst meth="repeat">
+      <a:schemeClr val="lt1"/>
+    </dgm:txFillClrLst>
+    <dgm:txEffectClrLst/>
+  </dgm:styleLbl>
+  <dgm:styleLbl name="parChTrans2D2">
+    <dgm:fillClrLst meth="repeat">
+      <a:schemeClr val="accent3"/>
+    </dgm:fillClrLst>
+    <dgm:linClrLst meth="repeat">
+      <a:schemeClr val="lt1"/>
+    </dgm:linClrLst>
+    <dgm:effectClrLst/>
+    <dgm:txLinClrLst/>
+    <dgm:txFillClrLst/>
+    <dgm:txEffectClrLst/>
+  </dgm:styleLbl>
+  <dgm:styleLbl name="parChTrans2D3">
+    <dgm:fillClrLst meth="repeat">
+      <a:schemeClr val="accent4"/>
+    </dgm:fillClrLst>
+    <dgm:linClrLst meth="repeat">
+      <a:schemeClr val="lt1"/>
+    </dgm:linClrLst>
+    <dgm:effectClrLst/>
+    <dgm:txLinClrLst/>
+    <dgm:txFillClrLst/>
+    <dgm:txEffectClrLst/>
+  </dgm:styleLbl>
+  <dgm:styleLbl name="parChTrans2D4">
+    <dgm:fillClrLst meth="repeat">
+      <a:schemeClr val="accent5"/>
+    </dgm:fillClrLst>
+    <dgm:linClrLst meth="repeat">
+      <a:schemeClr val="lt1"/>
+    </dgm:linClrLst>
+    <dgm:effectClrLst/>
+    <dgm:txLinClrLst/>
+    <dgm:txFillClrLst meth="repeat">
+      <a:schemeClr val="lt1"/>
+    </dgm:txFillClrLst>
+    <dgm:txEffectClrLst/>
+  </dgm:styleLbl>
+  <dgm:styleLbl name="parChTrans1D1">
+    <dgm:fillClrLst meth="repeat">
+      <a:schemeClr val="accent2"/>
+    </dgm:fillClrLst>
+    <dgm:linClrLst meth="repeat">
+      <a:schemeClr val="accent1"/>
+    </dgm:linClrLst>
+    <dgm:effectClrLst/>
+    <dgm:txLinClrLst/>
+    <dgm:txFillClrLst meth="repeat">
+      <a:schemeClr val="tx1"/>
+    </dgm:txFillClrLst>
+    <dgm:txEffectClrLst/>
+  </dgm:styleLbl>
+  <dgm:styleLbl name="parChTrans1D2">
+    <dgm:fillClrLst meth="repeat">
+      <a:schemeClr val="accent3">
+        <a:tint val="90000"/>
+      </a:schemeClr>
+    </dgm:fillClrLst>
+    <dgm:linClrLst meth="repeat">
+      <a:schemeClr val="accent2"/>
+    </dgm:linClrLst>
+    <dgm:effectClrLst/>
+    <dgm:txLinClrLst/>
+    <dgm:txFillClrLst meth="repeat">
+      <a:schemeClr val="tx1"/>
+    </dgm:txFillClrLst>
+    <dgm:txEffectClrLst/>
+  </dgm:styleLbl>
+  <dgm:styleLbl name="parChTrans1D3">
+    <dgm:fillClrLst meth="repeat">
+      <a:schemeClr val="accent4">
+        <a:tint val="70000"/>
+      </a:schemeClr>
+    </dgm:fillClrLst>
+    <dgm:linClrLst meth="repeat">
+      <a:schemeClr val="accent3"/>
+    </dgm:linClrLst>
+    <dgm:effectClrLst/>
+    <dgm:txLinClrLst/>
+    <dgm:txFillClrLst meth="repeat">
+      <a:schemeClr val="tx1"/>
+    </dgm:txFillClrLst>
+    <dgm:txEffectClrLst/>
+  </dgm:styleLbl>
+  <dgm:styleLbl name="parChTrans1D4">
+    <dgm:fillClrLst meth="repeat">
+      <a:schemeClr val="accent5">
+        <a:tint val="50000"/>
+      </a:schemeClr>
+    </dgm:fillClrLst>
+    <dgm:linClrLst meth="repeat">
+      <a:schemeClr val="accent4"/>
+    </dgm:linClrLst>
+    <dgm:effectClrLst/>
+    <dgm:txLinClrLst/>
+    <dgm:txFillClrLst meth="repeat">
+      <a:schemeClr val="tx1"/>
+    </dgm:txFillClrLst>
+    <dgm:txEffectClrLst/>
+  </dgm:styleLbl>
+  <dgm:styleLbl name="fgAcc1">
+    <dgm:fillClrLst meth="repeat">
+      <a:schemeClr val="lt1">
+        <a:alpha val="90000"/>
+      </a:schemeClr>
+    </dgm:fillClrLst>
+    <dgm:linClrLst meth="repeat">
+      <a:schemeClr val="accent2"/>
+      <a:schemeClr val="accent3"/>
+      <a:schemeClr val="accent4"/>
+      <a:schemeClr val="accent5"/>
+      <a:schemeClr val="accent6"/>
+    </dgm:linClrLst>
+    <dgm:effectClrLst/>
+    <dgm:txLinClrLst/>
+    <dgm:txFillClrLst meth="repeat">
+      <a:schemeClr val="dk1"/>
+    </dgm:txFillClrLst>
+    <dgm:txEffectClrLst/>
+  </dgm:styleLbl>
+  <dgm:styleLbl name="conFgAcc1">
+    <dgm:fillClrLst meth="repeat">
+      <a:schemeClr val="lt1">
+        <a:alpha val="90000"/>
+      </a:schemeClr>
+    </dgm:fillClrLst>
+    <dgm:linClrLst meth="repeat">
+      <a:schemeClr val="accent2"/>
+      <a:schemeClr val="accent3"/>
+      <a:schemeClr val="accent4"/>
+      <a:schemeClr val="accent5"/>
+      <a:schemeClr val="accent6"/>
+    </dgm:linClrLst>
+    <dgm:effectClrLst/>
+    <dgm:txLinClrLst/>
+    <dgm:txFillClrLst meth="repeat">
+      <a:schemeClr val="dk1"/>
+    </dgm:txFillClrLst>
+    <dgm:txEffectClrLst/>
+  </dgm:styleLbl>
+  <dgm:styleLbl name="alignAcc1">
+    <dgm:fillClrLst meth="repeat">
+      <a:schemeClr val="lt1">
+        <a:alpha val="90000"/>
+      </a:schemeClr>
+    </dgm:fillClrLst>
+    <dgm:linClrLst meth="repeat">
+      <a:schemeClr val="accent2"/>
+      <a:schemeClr val="accent3"/>
+      <a:schemeClr val="accent4"/>
+      <a:schemeClr val="accent5"/>
+      <a:schemeClr val="accent6"/>
+    </dgm:linClrLst>
+    <dgm:effectClrLst/>
+    <dgm:txLinClrLst/>
+    <dgm:txFillClrLst meth="repeat">
+      <a:schemeClr val="dk1"/>
+    </dgm:txFillClrLst>
+    <dgm:txEffectClrLst/>
+  </dgm:styleLbl>
+  <dgm:styleLbl name="trAlignAcc1">
+    <dgm:fillClrLst meth="repeat">
+      <a:schemeClr val="lt1">
+        <a:alpha val="40000"/>
+      </a:schemeClr>
+    </dgm:fillClrLst>
+    <dgm:linClrLst meth="repeat">
+      <a:schemeClr val="accent1"/>
+    </dgm:linClrLst>
+    <dgm:effectClrLst/>
+    <dgm:txLinClrLst/>
+    <dgm:txFillClrLst meth="repeat">
+      <a:schemeClr val="dk1"/>
+    </dgm:txFillClrLst>
+    <dgm:txEffectClrLst/>
+  </dgm:styleLbl>
+  <dgm:styleLbl name="bgAcc1">
+    <dgm:fillClrLst meth="repeat">
+      <a:schemeClr val="lt1">
+        <a:alpha val="90000"/>
+      </a:schemeClr>
+    </dgm:fillClrLst>
+    <dgm:linClrLst meth="repeat">
+      <a:schemeClr val="accent2"/>
+      <a:schemeClr val="accent3"/>
+      <a:schemeClr val="accent4"/>
+      <a:schemeClr val="accent5"/>
+      <a:schemeClr val="accent6"/>
+    </dgm:linClrLst>
+    <dgm:effectClrLst/>
+    <dgm:txLinClrLst/>
+    <dgm:txFillClrLst meth="repeat">
+      <a:schemeClr val="dk1"/>
+    </dgm:txFillClrLst>
+    <dgm:txEffectClrLst/>
+  </dgm:styleLbl>
+  <dgm:styleLbl name="solidFgAcc1">
+    <dgm:fillClrLst meth="repeat">
+      <a:schemeClr val="lt1"/>
+    </dgm:fillClrLst>
+    <dgm:linClrLst meth="repeat">
+      <a:schemeClr val="accent2"/>
+      <a:schemeClr val="accent3"/>
+      <a:schemeClr val="accent4"/>
+      <a:schemeClr val="accent5"/>
+      <a:schemeClr val="accent6"/>
+    </dgm:linClrLst>
+    <dgm:effectClrLst/>
+    <dgm:txLinClrLst/>
+    <dgm:txFillClrLst meth="repeat">
+      <a:schemeClr val="dk1"/>
+    </dgm:txFillClrLst>
+    <dgm:txEffectClrLst/>
+  </dgm:styleLbl>
+  <dgm:styleLbl name="solidAlignAcc1">
+    <dgm:fillClrLst meth="repeat">
+      <a:schemeClr val="lt1"/>
+    </dgm:fillClrLst>
+    <dgm:linClrLst meth="repeat">
+      <a:schemeClr val="accent2"/>
+      <a:schemeClr val="accent3"/>
+      <a:schemeClr val="accent4"/>
+      <a:schemeClr val="accent5"/>
+      <a:schemeClr val="accent6"/>
+    </dgm:linClrLst>
+    <dgm:effectClrLst/>
+    <dgm:txLinClrLst/>
+    <dgm:txFillClrLst meth="repeat">
+      <a:schemeClr val="dk1"/>
+    </dgm:txFillClrLst>
+    <dgm:txEffectClrLst/>
+  </dgm:styleLbl>
+  <dgm:styleLbl name="solidBgAcc1">
+    <dgm:fillClrLst meth="repeat">
+      <a:schemeClr val="lt1"/>
+    </dgm:fillClrLst>
+    <dgm:linClrLst meth="repeat">
+      <a:schemeClr val="accent2"/>
+      <a:schemeClr val="accent3"/>
+      <a:schemeClr val="accent4"/>
+      <a:schemeClr val="accent5"/>
+      <a:schemeClr val="accent6"/>
+    </dgm:linClrLst>
+    <dgm:effectClrLst/>
+    <dgm:txLinClrLst/>
+    <dgm:txFillClrLst meth="repeat">
+      <a:schemeClr val="dk1"/>
+    </dgm:txFillClrLst>
+    <dgm:txEffectClrLst/>
+  </dgm:styleLbl>
+  <dgm:styleLbl name="fgAccFollowNode1">
+    <dgm:fillClrLst meth="repeat">
+      <a:schemeClr val="accent2">
+        <a:tint val="40000"/>
+        <a:alpha val="90000"/>
+      </a:schemeClr>
+      <a:schemeClr val="accent3">
+        <a:tint val="40000"/>
+        <a:alpha val="90000"/>
+      </a:schemeClr>
+      <a:schemeClr val="accent4">
+        <a:tint val="40000"/>
+        <a:alpha val="90000"/>
+      </a:schemeClr>
+      <a:schemeClr val="accent5">
+        <a:tint val="40000"/>
+        <a:alpha val="90000"/>
+      </a:schemeClr>
+      <a:schemeClr val="accent6">
+        <a:tint val="40000"/>
+        <a:alpha val="90000"/>
+      </a:schemeClr>
+    </dgm:fillClrLst>
+    <dgm:linClrLst meth="repeat">
+      <a:schemeClr val="accent2">
+        <a:tint val="40000"/>
+        <a:alpha val="90000"/>
+      </a:schemeClr>
+      <a:schemeClr val="accent3">
+        <a:tint val="40000"/>
+        <a:alpha val="90000"/>
+      </a:schemeClr>
+      <a:schemeClr val="accent4">
+        <a:tint val="40000"/>
+        <a:alpha val="90000"/>
+      </a:schemeClr>
+      <a:schemeClr val="accent5">
+        <a:tint val="40000"/>
+        <a:alpha val="90000"/>
+      </a:schemeClr>
+      <a:schemeClr val="accent6">
+        <a:tint val="40000"/>
+        <a:alpha val="90000"/>
+      </a:schemeClr>
+    </dgm:linClrLst>
+    <dgm:effectClrLst/>
+    <dgm:txLinClrLst/>
+    <dgm:txFillClrLst meth="repeat">
+      <a:schemeClr val="dk1"/>
+    </dgm:txFillClrLst>
+    <dgm:txEffectClrLst/>
+  </dgm:styleLbl>
+  <dgm:styleLbl name="alignAccFollowNode1">
+    <dgm:fillClrLst meth="repeat">
+      <a:schemeClr val="accent2">
+        <a:tint val="40000"/>
+        <a:alpha val="90000"/>
+      </a:schemeClr>
+      <a:schemeClr val="accent3">
+        <a:tint val="40000"/>
+        <a:alpha val="90000"/>
+      </a:schemeClr>
+      <a:schemeClr val="accent4">
+        <a:tint val="40000"/>
+        <a:alpha val="90000"/>
+      </a:schemeClr>
+      <a:schemeClr val="accent5">
+        <a:tint val="40000"/>
+        <a:alpha val="90000"/>
+      </a:schemeClr>
+      <a:schemeClr val="accent6">
+        <a:tint val="40000"/>
+        <a:alpha val="90000"/>
+      </a:schemeClr>
+    </dgm:fillClrLst>
+    <dgm:linClrLst meth="repeat">
+      <a:schemeClr val="accent2">
+        <a:tint val="40000"/>
+        <a:alpha val="90000"/>
+      </a:schemeClr>
+      <a:schemeClr val="accent3">
+        <a:tint val="40000"/>
+        <a:alpha val="90000"/>
+      </a:schemeClr>
+      <a:schemeClr val="accent4">
+        <a:tint val="40000"/>
+        <a:alpha val="90000"/>
+      </a:schemeClr>
+      <a:schemeClr val="accent5">
+        <a:tint val="40000"/>
+        <a:alpha val="90000"/>
+      </a:schemeClr>
+      <a:schemeClr val="accent6">
+        <a:tint val="40000"/>
+        <a:alpha val="90000"/>
+      </a:schemeClr>
+    </dgm:linClrLst>
+    <dgm:effectClrLst/>
+    <dgm:txLinClrLst/>
+    <dgm:txFillClrLst meth="repeat">
+      <a:schemeClr val="dk1"/>
+    </dgm:txFillClrLst>
+    <dgm:txEffectClrLst/>
+  </dgm:styleLbl>
+  <dgm:styleLbl name="bgAccFollowNode1">
+    <dgm:fillClrLst meth="repeat">
+      <a:schemeClr val="accent2">
+        <a:tint val="40000"/>
+        <a:alpha val="90000"/>
+      </a:schemeClr>
+      <a:schemeClr val="accent3">
+        <a:tint val="40000"/>
+        <a:alpha val="90000"/>
+      </a:schemeClr>
+      <a:schemeClr val="accent4">
+        <a:tint val="40000"/>
+        <a:alpha val="90000"/>
+      </a:schemeClr>
+      <a:schemeClr val="accent5">
+        <a:tint val="40000"/>
+        <a:alpha val="90000"/>
+      </a:schemeClr>
+      <a:schemeClr val="accent6">
+        <a:tint val="40000"/>
+        <a:alpha val="90000"/>
+      </a:schemeClr>
+    </dgm:fillClrLst>
+    <dgm:linClrLst meth="repeat">
+      <a:schemeClr val="accent2">
+        <a:tint val="40000"/>
+        <a:alpha val="90000"/>
+      </a:schemeClr>
+      <a:schemeClr val="accent3">
+        <a:tint val="40000"/>
+        <a:alpha val="90000"/>
+      </a:schemeClr>
+      <a:schemeClr val="accent4">
+        <a:tint val="40000"/>
+        <a:alpha val="90000"/>
+      </a:schemeClr>
+      <a:schemeClr val="accent5">
+        <a:tint val="40000"/>
+        <a:alpha val="90000"/>
+      </a:schemeClr>
+      <a:schemeClr val="accent6">
+        <a:tint val="40000"/>
+        <a:alpha val="90000"/>
+      </a:schemeClr>
+    </dgm:linClrLst>
+    <dgm:effectClrLst/>
+    <dgm:txLinClrLst/>
+    <dgm:txFillClrLst meth="repeat">
+      <a:schemeClr val="dk1"/>
+    </dgm:txFillClrLst>
+    <dgm:txEffectClrLst/>
+  </dgm:styleLbl>
+  <dgm:styleLbl name="fgAcc0">
+    <dgm:fillClrLst meth="repeat">
+      <a:schemeClr val="lt1">
+        <a:alpha val="90000"/>
+      </a:schemeClr>
+    </dgm:fillClrLst>
+    <dgm:linClrLst>
+      <a:schemeClr val="accent1"/>
+    </dgm:linClrLst>
+    <dgm:effectClrLst/>
+    <dgm:txLinClrLst/>
+    <dgm:txFillClrLst meth="repeat">
+      <a:schemeClr val="dk1"/>
+    </dgm:txFillClrLst>
+    <dgm:txEffectClrLst/>
+  </dgm:styleLbl>
+  <dgm:styleLbl name="fgAcc2">
+    <dgm:fillClrLst meth="repeat">
+      <a:schemeClr val="lt1">
+        <a:alpha val="90000"/>
+      </a:schemeClr>
+    </dgm:fillClrLst>
+    <dgm:linClrLst>
+      <a:schemeClr val="accent2"/>
+    </dgm:linClrLst>
+    <dgm:effectClrLst/>
+    <dgm:txLinClrLst/>
+    <dgm:txFillClrLst meth="repeat">
+      <a:schemeClr val="dk1"/>
+    </dgm:txFillClrLst>
+    <dgm:txEffectClrLst/>
+  </dgm:styleLbl>
+  <dgm:styleLbl name="fgAcc3">
+    <dgm:fillClrLst meth="repeat">
+      <a:schemeClr val="lt1">
+        <a:alpha val="90000"/>
+      </a:schemeClr>
+    </dgm:fillClrLst>
+    <dgm:linClrLst>
+      <a:schemeClr val="accent3"/>
+    </dgm:linClrLst>
+    <dgm:effectClrLst/>
+    <dgm:txLinClrLst/>
+    <dgm:txFillClrLst meth="repeat">
+      <a:schemeClr val="dk1"/>
+    </dgm:txFillClrLst>
+    <dgm:txEffectClrLst/>
+  </dgm:styleLbl>
+  <dgm:styleLbl name="fgAcc4">
+    <dgm:fillClrLst meth="repeat">
+      <a:schemeClr val="lt1">
+        <a:alpha val="90000"/>
+      </a:schemeClr>
+    </dgm:fillClrLst>
+    <dgm:linClrLst>
+      <a:schemeClr val="accent4"/>
+    </dgm:linClrLst>
+    <dgm:effectClrLst/>
+    <dgm:txLinClrLst/>
+    <dgm:txFillClrLst meth="repeat">
+      <a:schemeClr val="dk1"/>
+    </dgm:txFillClrLst>
+    <dgm:txEffectClrLst/>
+  </dgm:styleLbl>
+  <dgm:styleLbl name="bgShp">
+    <dgm:fillClrLst meth="repeat">
+      <a:schemeClr val="accent2"/>
+      <a:schemeClr val="accent3"/>
+      <a:schemeClr val="accent4"/>
+      <a:schemeClr val="accent5"/>
+      <a:schemeClr val="accent6"/>
+    </dgm:fillClrLst>
+    <dgm:linClrLst meth="repeat">
+      <a:schemeClr val="lt1">
+        <a:alpha val="0"/>
+      </a:schemeClr>
+    </dgm:linClrLst>
+    <dgm:effectClrLst/>
+    <dgm:txLinClrLst/>
+    <dgm:txFillClrLst/>
+    <dgm:txEffectClrLst/>
+  </dgm:styleLbl>
+  <dgm:styleLbl name="dkBgShp">
+    <dgm:fillClrLst meth="repeat">
+      <a:schemeClr val="accent2">
+        <a:shade val="90000"/>
+      </a:schemeClr>
+    </dgm:fillClrLst>
+    <dgm:linClrLst meth="repeat">
+      <a:schemeClr val="dk1"/>
+    </dgm:linClrLst>
+    <dgm:effectClrLst/>
+    <dgm:txLinClrLst/>
+    <dgm:txFillClrLst meth="repeat">
+      <a:schemeClr val="lt1"/>
+    </dgm:txFillClrLst>
+    <dgm:txEffectClrLst/>
+  </dgm:styleLbl>
+  <dgm:styleLbl name="trBgShp">
+    <dgm:fillClrLst meth="repeat">
+      <a:schemeClr val="accent1">
+        <a:tint val="50000"/>
+        <a:alpha val="40000"/>
+      </a:schemeClr>
+    </dgm:fillClrLst>
+    <dgm:linClrLst meth="repeat">
+      <a:schemeClr val="accent2"/>
+    </dgm:linClrLst>
+    <dgm:effectClrLst/>
+    <dgm:txLinClrLst/>
+    <dgm:txFillClrLst meth="repeat">
+      <a:schemeClr val="lt1"/>
+    </dgm:txFillClrLst>
+    <dgm:txEffectClrLst/>
+  </dgm:styleLbl>
+  <dgm:styleLbl name="fgShp">
+    <dgm:fillClrLst meth="repeat">
+      <a:schemeClr val="accent2">
+        <a:tint val="40000"/>
+      </a:schemeClr>
+    </dgm:fillClrLst>
+    <dgm:linClrLst meth="repeat">
+      <a:schemeClr val="lt1"/>
+    </dgm:linClrLst>
+    <dgm:effectClrLst/>
+    <dgm:txLinClrLst/>
+    <dgm:txFillClrLst meth="repeat">
+      <a:schemeClr val="dk1"/>
+    </dgm:txFillClrLst>
+    <dgm:txEffectClrLst/>
+  </dgm:styleLbl>
+  <dgm:styleLbl name="revTx">
+    <dgm:fillClrLst meth="repeat">
+      <a:schemeClr val="lt1">
+        <a:alpha val="0"/>
+      </a:schemeClr>
+    </dgm:fillClrLst>
+    <dgm:linClrLst meth="repeat">
+      <a:schemeClr val="dk1">
+        <a:alpha val="0"/>
+      </a:schemeClr>
+    </dgm:linClrLst>
+    <dgm:effectClrLst/>
+    <dgm:txLinClrLst/>
+    <dgm:txFillClrLst meth="repeat">
+      <a:schemeClr val="tx1"/>
+    </dgm:txFillClrLst>
+    <dgm:txEffectClrLst/>
+  </dgm:styleLbl>
+</dgm:colorsDef>
+</file>
+
+<file path=ppt/diagrams/colors2.xml><?xml version="1.0" encoding="utf-8"?>
+<dgm:colorsDef xmlns:dgm="http://schemas.openxmlformats.org/drawingml/2006/diagram" xmlns:a="http://schemas.openxmlformats.org/drawingml/2006/main" uniqueId="urn:microsoft.com/office/officeart/2018/5/colors/Iconchunking_neutralicon_colorful1">
+  <dgm:title val=""/>
+  <dgm:desc val=""/>
+  <dgm:catLst>
+    <dgm:cat type="colorful" pri="10100"/>
+  </dgm:catLst>
+  <dgm:styleLbl name="node0">
+    <dgm:fillClrLst meth="repeat">
+      <a:schemeClr val="accent1"/>
+    </dgm:fillClrLst>
+    <dgm:linClrLst meth="repeat">
+      <a:schemeClr val="lt1"/>
+    </dgm:linClrLst>
+    <dgm:effectClrLst/>
+    <dgm:txLinClrLst/>
+    <dgm:txFillClrLst/>
+    <dgm:txEffectClrLst/>
+  </dgm:styleLbl>
+  <dgm:styleLbl name="node1">
+    <dgm:fillClrLst meth="repeat">
+      <a:schemeClr val="bg1"/>
+    </dgm:fillClrLst>
+    <dgm:linClrLst meth="repeat">
+      <a:schemeClr val="lt1">
+        <a:alpha val="0"/>
+      </a:schemeClr>
+    </dgm:linClrLst>
+    <dgm:effectClrLst/>
+    <dgm:txLinClrLst/>
+    <dgm:txFillClrLst meth="repeat">
+      <a:schemeClr val="dk1"/>
+    </dgm:txFillClrLst>
+    <dgm:txEffectClrLst/>
+  </dgm:styleLbl>
+  <dgm:styleLbl name="alignNode1">
+    <dgm:fillClrLst meth="repeat">
+      <a:schemeClr val="accent2"/>
+      <a:schemeClr val="accent3"/>
+      <a:schemeClr val="accent4"/>
+      <a:schemeClr val="accent5"/>
+      <a:schemeClr val="accent6"/>
+    </dgm:fillClrLst>
+    <dgm:linClrLst meth="repeat">
+      <a:schemeClr val="accent2"/>
+      <a:schemeClr val="accent3"/>
+      <a:schemeClr val="accent4"/>
+      <a:schemeClr val="accent5"/>
+      <a:schemeClr val="accent6"/>
+    </dgm:linClrLst>
+    <dgm:effectClrLst/>
+    <dgm:txLinClrLst/>
+    <dgm:txFillClrLst/>
+    <dgm:txEffectClrLst/>
+  </dgm:styleLbl>
+  <dgm:styleLbl name="lnNode1">
+    <dgm:fillClrLst meth="repeat">
+      <a:schemeClr val="accent2"/>
+      <a:schemeClr val="accent3"/>
+      <a:schemeClr val="accent4"/>
+      <a:schemeClr val="accent5"/>
+      <a:schemeClr val="accent6"/>
+    </dgm:fillClrLst>
+    <dgm:linClrLst meth="repeat">
+      <a:schemeClr val="lt1"/>
+    </dgm:linClrLst>
+    <dgm:effectClrLst/>
+    <dgm:txLinClrLst/>
+    <dgm:txFillClrLst/>
+    <dgm:txEffectClrLst/>
+  </dgm:styleLbl>
+  <dgm:styleLbl name="vennNode1">
+    <dgm:fillClrLst meth="repeat">
+      <a:schemeClr val="accent2">
+        <a:alpha val="50000"/>
+      </a:schemeClr>
+      <a:schemeClr val="accent3">
+        <a:alpha val="50000"/>
+      </a:schemeClr>
+      <a:schemeClr val="accent4">
+        <a:alpha val="50000"/>
+      </a:schemeClr>
+      <a:schemeClr val="accent5">
+        <a:alpha val="50000"/>
+      </a:schemeClr>
+      <a:schemeClr val="accent6">
+        <a:alpha val="50000"/>
+      </a:schemeClr>
+    </dgm:fillClrLst>
+    <dgm:linClrLst meth="repeat">
+      <a:schemeClr val="lt1"/>
+    </dgm:linClrLst>
+    <dgm:effectClrLst/>
+    <dgm:txLinClrLst/>
+    <dgm:txFillClrLst/>
+    <dgm:txEffectClrLst/>
+  </dgm:styleLbl>
+  <dgm:styleLbl name="node2">
+    <dgm:fillClrLst>
+      <a:schemeClr val="accent2"/>
+    </dgm:fillClrLst>
+    <dgm:linClrLst meth="repeat">
+      <a:schemeClr val="lt1"/>
+    </dgm:linClrLst>
+    <dgm:effectClrLst/>
+    <dgm:txLinClrLst/>
+    <dgm:txFillClrLst/>
+    <dgm:txEffectClrLst/>
+  </dgm:styleLbl>
+  <dgm:styleLbl name="node3">
+    <dgm:fillClrLst>
+      <a:schemeClr val="accent3"/>
+    </dgm:fillClrLst>
+    <dgm:linClrLst meth="repeat">
+      <a:schemeClr val="lt1"/>
+    </dgm:linClrLst>
+    <dgm:effectClrLst/>
+    <dgm:txLinClrLst/>
+    <dgm:txFillClrLst/>
+    <dgm:txEffectClrLst/>
+  </dgm:styleLbl>
+  <dgm:styleLbl name="node4">
+    <dgm:fillClrLst>
+      <a:schemeClr val="accent4"/>
+    </dgm:fillClrLst>
+    <dgm:linClrLst meth="repeat">
+      <a:schemeClr val="lt1"/>
+    </dgm:linClrLst>
+    <dgm:effectClrLst/>
+    <dgm:txLinClrLst/>
+    <dgm:txFillClrLst/>
+    <dgm:txEffectClrLst/>
+  </dgm:styleLbl>
+  <dgm:styleLbl name="fgImgPlace1">
+    <dgm:fillClrLst meth="repeat">
+      <a:schemeClr val="accent2">
+        <a:tint val="50000"/>
+      </a:schemeClr>
+      <a:schemeClr val="accent3">
+        <a:tint val="50000"/>
+      </a:schemeClr>
+      <a:schemeClr val="accent4">
+        <a:tint val="50000"/>
+      </a:schemeClr>
+      <a:schemeClr val="accent5">
+        <a:tint val="50000"/>
+      </a:schemeClr>
+      <a:schemeClr val="accent6">
+        <a:tint val="50000"/>
+      </a:schemeClr>
+    </dgm:fillClrLst>
+    <dgm:linClrLst meth="repeat">
+      <a:schemeClr val="lt1"/>
+    </dgm:linClrLst>
+    <dgm:effectClrLst/>
+    <dgm:txLinClrLst/>
+    <dgm:txFillClrLst meth="repeat">
+      <a:schemeClr val="lt1"/>
+    </dgm:txFillClrLst>
+    <dgm:txEffectClrLst/>
+  </dgm:styleLbl>
+  <dgm:styleLbl name="alignImgPlace1">
+    <dgm:fillClrLst>
+      <a:schemeClr val="accent1">
+        <a:tint val="50000"/>
+      </a:schemeClr>
+      <a:schemeClr val="accent2">
+        <a:tint val="20000"/>
+      </a:schemeClr>
+    </dgm:fillClrLst>
+    <dgm:linClrLst meth="repeat">
+      <a:schemeClr val="lt1"/>
+    </dgm:linClrLst>
+    <dgm:effectClrLst/>
+    <dgm:txLinClrLst/>
+    <dgm:txFillClrLst meth="repeat">
+      <a:schemeClr val="lt1"/>
+    </dgm:txFillClrLst>
+    <dgm:txEffectClrLst/>
+  </dgm:styleLbl>
+  <dgm:styleLbl name="bgImgPlace1">
+    <dgm:fillClrLst>
+      <a:schemeClr val="accent1">
+        <a:tint val="50000"/>
+      </a:schemeClr>
+      <a:schemeClr val="accent2">
+        <a:tint val="20000"/>
+      </a:schemeClr>
+    </dgm:fillClrLst>
+    <dgm:linClrLst meth="repeat">
+      <a:schemeClr val="lt1"/>
+    </dgm:linClrLst>
+    <dgm:effectClrLst/>
+    <dgm:txLinClrLst/>
+    <dgm:txFillClrLst meth="repeat">
+      <a:schemeClr val="lt1"/>
+    </dgm:txFillClrLst>
+    <dgm:txEffectClrLst/>
+  </dgm:styleLbl>
+  <dgm:styleLbl name="sibTrans2D1">
+    <dgm:fillClrLst meth="repeat">
+      <a:schemeClr val="accent2"/>
+      <a:schemeClr val="accent3"/>
+      <a:schemeClr val="accent4"/>
+      <a:schemeClr val="accent5"/>
+      <a:schemeClr val="accent6"/>
+    </dgm:fillClrLst>
+    <dgm:linClrLst meth="cycle">
+      <a:schemeClr val="lt1"/>
+    </dgm:linClrLst>
+    <dgm:effectClrLst/>
+    <dgm:txLinClrLst/>
+    <dgm:txFillClrLst/>
+    <dgm:txEffectClrLst/>
+  </dgm:styleLbl>
+  <dgm:styleLbl name="fgSibTrans2D1">
+    <dgm:fillClrLst meth="repeat">
+      <a:schemeClr val="accent2"/>
+      <a:schemeClr val="accent3"/>
+      <a:schemeClr val="accent4"/>
+      <a:schemeClr val="accent5"/>
+      <a:schemeClr val="accent6"/>
+    </dgm:fillClrLst>
+    <dgm:linClrLst meth="cycle">
+      <a:schemeClr val="lt1"/>
+    </dgm:linClrLst>
+    <dgm:effectClrLst/>
+    <dgm:txLinClrLst/>
+    <dgm:txFillClrLst meth="repeat">
+      <a:schemeClr val="lt1"/>
+    </dgm:txFillClrLst>
+    <dgm:txEffectClrLst/>
+  </dgm:styleLbl>
+  <dgm:styleLbl name="bgSibTrans2D1">
+    <dgm:fillClrLst meth="repeat">
+      <a:schemeClr val="accent2"/>
+      <a:schemeClr val="accent3"/>
+      <a:schemeClr val="accent4"/>
+      <a:schemeClr val="accent5"/>
+      <a:schemeClr val="accent6"/>
+    </dgm:fillClrLst>
+    <dgm:linClrLst meth="cycle">
+      <a:schemeClr val="lt1"/>
+    </dgm:linClrLst>
+    <dgm:effectClrLst/>
+    <dgm:txLinClrLst/>
+    <dgm:txFillClrLst meth="repeat">
+      <a:schemeClr val="lt1"/>
+    </dgm:txFillClrLst>
+    <dgm:txEffectClrLst/>
+  </dgm:styleLbl>
+  <dgm:styleLbl name="sibTrans1D1">
+    <dgm:fillClrLst meth="repeat">
+      <a:schemeClr val="accent2"/>
+      <a:schemeClr val="accent3"/>
+      <a:schemeClr val="accent4"/>
+      <a:schemeClr val="accent5"/>
+      <a:schemeClr val="accent6"/>
+    </dgm:fillClrLst>
+    <dgm:linClrLst meth="repeat">
+      <a:schemeClr val="accent2"/>
+      <a:schemeClr val="accent3"/>
+      <a:schemeClr val="accent4"/>
+      <a:schemeClr val="accent5"/>
+      <a:schemeClr val="accent6"/>
+    </dgm:linClrLst>
+    <dgm:effectClrLst/>
+    <dgm:txLinClrLst/>
+    <dgm:txFillClrLst meth="repeat">
+      <a:schemeClr val="tx1"/>
+    </dgm:txFillClrLst>
+    <dgm:txEffectClrLst/>
+  </dgm:styleLbl>
+  <dgm:styleLbl name="callout">
+    <dgm:fillClrLst meth="repeat">
+      <a:schemeClr val="accent2"/>
+    </dgm:fillClrLst>
+    <dgm:linClrLst meth="repeat">
+      <a:schemeClr val="accent2">
+        <a:tint val="50000"/>
+      </a:schemeClr>
+    </dgm:linClrLst>
+    <dgm:effectClrLst/>
+    <dgm:txLinClrLst/>
+    <dgm:txFillClrLst meth="repeat">
+      <a:schemeClr val="tx1"/>
+    </dgm:txFillClrLst>
+    <dgm:txEffectClrLst/>
+  </dgm:styleLbl>
+  <dgm:styleLbl name="asst0">
+    <dgm:fillClrLst meth="repeat">
+      <a:schemeClr val="accent1"/>
+    </dgm:fillClrLst>
+    <dgm:linClrLst meth="repeat">
+      <a:schemeClr val="lt1"/>
+    </dgm:linClrLst>
+    <dgm:effectClrLst/>
+    <dgm:txLinClrLst/>
+    <dgm:txFillClrLst/>
+    <dgm:txEffectClrLst/>
+  </dgm:styleLbl>
+  <dgm:styleLbl name="asst1">
+    <dgm:fillClrLst meth="repeat">
+      <a:schemeClr val="accent2"/>
+    </dgm:fillClrLst>
+    <dgm:linClrLst meth="repeat">
+      <a:schemeClr val="lt1"/>
+    </dgm:linClrLst>
+    <dgm:effectClrLst/>
+    <dgm:txLinClrLst/>
+    <dgm:txFillClrLst/>
+    <dgm:txEffectClrLst/>
+  </dgm:styleLbl>
+  <dgm:styleLbl name="asst2">
+    <dgm:fillClrLst>
+      <a:schemeClr val="accent3"/>
+    </dgm:fillClrLst>
+    <dgm:linClrLst meth="repeat">
+      <a:schemeClr val="lt1"/>
+    </dgm:linClrLst>
+    <dgm:effectClrLst/>
+    <dgm:txLinClrLst/>
+    <dgm:txFillClrLst/>
+    <dgm:txEffectClrLst/>
+  </dgm:styleLbl>
+  <dgm:styleLbl name="asst3">
+    <dgm:fillClrLst>
+      <a:schemeClr val="accent4"/>
+    </dgm:fillClrLst>
+    <dgm:linClrLst meth="repeat">
+      <a:schemeClr val="lt1"/>
+    </dgm:linClrLst>
+    <dgm:effectClrLst/>
+    <dgm:txLinClrLst/>
+    <dgm:txFillClrLst/>
+    <dgm:txEffectClrLst/>
+  </dgm:styleLbl>
+  <dgm:styleLbl name="asst4">
+    <dgm:fillClrLst>
+      <a:schemeClr val="accent5"/>
+    </dgm:fillClrLst>
+    <dgm:linClrLst meth="repeat">
+      <a:schemeClr val="lt1"/>
+    </dgm:linClrLst>
+    <dgm:effectClrLst/>
+    <dgm:txLinClrLst/>
+    <dgm:txFillClrLst/>
+    <dgm:txEffectClrLst/>
+  </dgm:styleLbl>
+  <dgm:styleLbl name="parChTrans2D1">
+    <dgm:fillClrLst meth="repeat">
+      <a:schemeClr val="accent2"/>
+    </dgm:fillClrLst>
+    <dgm:linClrLst meth="repeat">
+      <a:schemeClr val="lt1"/>
+    </dgm:linClrLst>
+    <dgm:effectClrLst/>
+    <dgm:txLinClrLst/>
+    <dgm:txFillClrLst meth="repeat">
+      <a:schemeClr val="lt1"/>
+    </dgm:txFillClrLst>
+    <dgm:txEffectClrLst/>
+  </dgm:styleLbl>
+  <dgm:styleLbl name="parChTrans2D2">
+    <dgm:fillClrLst meth="repeat">
+      <a:schemeClr val="accent3"/>
+    </dgm:fillClrLst>
+    <dgm:linClrLst meth="repeat">
+      <a:schemeClr val="lt1"/>
+    </dgm:linClrLst>
+    <dgm:effectClrLst/>
+    <dgm:txLinClrLst/>
+    <dgm:txFillClrLst/>
+    <dgm:txEffectClrLst/>
+  </dgm:styleLbl>
+  <dgm:styleLbl name="parChTrans2D3">
+    <dgm:fillClrLst meth="repeat">
+      <a:schemeClr val="accent4"/>
+    </dgm:fillClrLst>
+    <dgm:linClrLst meth="repeat">
+      <a:schemeClr val="lt1"/>
+    </dgm:linClrLst>
+    <dgm:effectClrLst/>
+    <dgm:txLinClrLst/>
+    <dgm:txFillClrLst/>
+    <dgm:txEffectClrLst/>
+  </dgm:styleLbl>
+  <dgm:styleLbl name="parChTrans2D4">
+    <dgm:fillClrLst meth="repeat">
+      <a:schemeClr val="accent5"/>
+    </dgm:fillClrLst>
+    <dgm:linClrLst meth="repeat">
+      <a:schemeClr val="lt1"/>
+    </dgm:linClrLst>
+    <dgm:effectClrLst/>
+    <dgm:txLinClrLst/>
+    <dgm:txFillClrLst meth="repeat">
+      <a:schemeClr val="lt1"/>
+    </dgm:txFillClrLst>
+    <dgm:txEffectClrLst/>
+  </dgm:styleLbl>
+  <dgm:styleLbl name="parChTrans1D1">
+    <dgm:fillClrLst meth="repeat">
+      <a:schemeClr val="accent2"/>
+    </dgm:fillClrLst>
+    <dgm:linClrLst meth="repeat">
+      <a:schemeClr val="accent1"/>
+    </dgm:linClrLst>
+    <dgm:effectClrLst/>
+    <dgm:txLinClrLst/>
+    <dgm:txFillClrLst meth="repeat">
+      <a:schemeClr val="tx1"/>
+    </dgm:txFillClrLst>
+    <dgm:txEffectClrLst/>
+  </dgm:styleLbl>
+  <dgm:styleLbl name="parChTrans1D2">
+    <dgm:fillClrLst meth="repeat">
+      <a:schemeClr val="accent3">
+        <a:tint val="90000"/>
+      </a:schemeClr>
+    </dgm:fillClrLst>
+    <dgm:linClrLst meth="repeat">
+      <a:schemeClr val="accent2"/>
+    </dgm:linClrLst>
+    <dgm:effectClrLst/>
+    <dgm:txLinClrLst/>
+    <dgm:txFillClrLst meth="repeat">
+      <a:schemeClr val="tx1"/>
+    </dgm:txFillClrLst>
+    <dgm:txEffectClrLst/>
+  </dgm:styleLbl>
+  <dgm:styleLbl name="parChTrans1D3">
+    <dgm:fillClrLst meth="repeat">
+      <a:schemeClr val="accent4">
+        <a:tint val="70000"/>
+      </a:schemeClr>
+    </dgm:fillClrLst>
+    <dgm:linClrLst meth="repeat">
+      <a:schemeClr val="accent3"/>
+    </dgm:linClrLst>
+    <dgm:effectClrLst/>
+    <dgm:txLinClrLst/>
+    <dgm:txFillClrLst meth="repeat">
+      <a:schemeClr val="tx1"/>
+    </dgm:txFillClrLst>
+    <dgm:txEffectClrLst/>
+  </dgm:styleLbl>
+  <dgm:styleLbl name="parChTrans1D4">
+    <dgm:fillClrLst meth="repeat">
+      <a:schemeClr val="accent5">
+        <a:tint val="50000"/>
+      </a:schemeClr>
+    </dgm:fillClrLst>
+    <dgm:linClrLst meth="repeat">
+      <a:schemeClr val="accent4"/>
+    </dgm:linClrLst>
+    <dgm:effectClrLst/>
+    <dgm:txLinClrLst/>
+    <dgm:txFillClrLst meth="repeat">
+      <a:schemeClr val="tx1"/>
+    </dgm:txFillClrLst>
+    <dgm:txEffectClrLst/>
+  </dgm:styleLbl>
+  <dgm:styleLbl name="fgAcc1">
+    <dgm:fillClrLst meth="repeat">
+      <a:schemeClr val="lt1">
+        <a:alpha val="90000"/>
+      </a:schemeClr>
+    </dgm:fillClrLst>
+    <dgm:linClrLst meth="repeat">
+      <a:schemeClr val="accent2"/>
+      <a:schemeClr val="accent3"/>
+      <a:schemeClr val="accent4"/>
+      <a:schemeClr val="accent5"/>
+      <a:schemeClr val="accent6"/>
+    </dgm:linClrLst>
+    <dgm:effectClrLst/>
+    <dgm:txLinClrLst/>
+    <dgm:txFillClrLst meth="repeat">
+      <a:schemeClr val="dk1"/>
+    </dgm:txFillClrLst>
+    <dgm:txEffectClrLst/>
+  </dgm:styleLbl>
+  <dgm:styleLbl name="conFgAcc1">
+    <dgm:fillClrLst meth="repeat">
+      <a:schemeClr val="lt1">
+        <a:alpha val="90000"/>
+      </a:schemeClr>
+    </dgm:fillClrLst>
+    <dgm:linClrLst meth="repeat">
+      <a:schemeClr val="accent2"/>
+      <a:schemeClr val="accent3"/>
+      <a:schemeClr val="accent4"/>
+      <a:schemeClr val="accent5"/>
+      <a:schemeClr val="accent6"/>
+    </dgm:linClrLst>
+    <dgm:effectClrLst/>
+    <dgm:txLinClrLst/>
+    <dgm:txFillClrLst meth="repeat">
+      <a:schemeClr val="dk1"/>
+    </dgm:txFillClrLst>
+    <dgm:txEffectClrLst/>
+  </dgm:styleLbl>
+  <dgm:styleLbl name="alignAcc1">
+    <dgm:fillClrLst meth="repeat">
+      <a:schemeClr val="lt1">
+        <a:alpha val="90000"/>
+      </a:schemeClr>
+    </dgm:fillClrLst>
+    <dgm:linClrLst meth="repeat">
+      <a:schemeClr val="accent2"/>
+      <a:schemeClr val="accent3"/>
+      <a:schemeClr val="accent4"/>
+      <a:schemeClr val="accent5"/>
+      <a:schemeClr val="accent6"/>
+    </dgm:linClrLst>
+    <dgm:effectClrLst/>
+    <dgm:txLinClrLst/>
+    <dgm:txFillClrLst meth="repeat">
+      <a:schemeClr val="dk1"/>
+    </dgm:txFillClrLst>
+    <dgm:txEffectClrLst/>
+  </dgm:styleLbl>
+  <dgm:styleLbl name="trAlignAcc1">
+    <dgm:fillClrLst meth="repeat">
+      <a:schemeClr val="lt1">
+        <a:alpha val="40000"/>
+      </a:schemeClr>
+    </dgm:fillClrLst>
+    <dgm:linClrLst meth="repeat">
+      <a:schemeClr val="accent1"/>
+    </dgm:linClrLst>
+    <dgm:effectClrLst/>
+    <dgm:txLinClrLst/>
+    <dgm:txFillClrLst meth="repeat">
+      <a:schemeClr val="dk1"/>
+    </dgm:txFillClrLst>
+    <dgm:txEffectClrLst/>
+  </dgm:styleLbl>
+  <dgm:styleLbl name="bgAcc1">
+    <dgm:fillClrLst meth="repeat">
+      <a:schemeClr val="lt1">
+        <a:alpha val="90000"/>
+      </a:schemeClr>
+    </dgm:fillClrLst>
+    <dgm:linClrLst meth="repeat">
+      <a:schemeClr val="accent2"/>
+      <a:schemeClr val="accent3"/>
+      <a:schemeClr val="accent4"/>
+      <a:schemeClr val="accent5"/>
+      <a:schemeClr val="accent6"/>
+    </dgm:linClrLst>
+    <dgm:effectClrLst/>
+    <dgm:txLinClrLst/>
+    <dgm:txFillClrLst meth="repeat">
+      <a:schemeClr val="dk1"/>
+    </dgm:txFillClrLst>
+    <dgm:txEffectClrLst/>
+  </dgm:styleLbl>
+  <dgm:styleLbl name="solidFgAcc1">
+    <dgm:fillClrLst meth="repeat">
+      <a:schemeClr val="lt1"/>
+    </dgm:fillClrLst>
+    <dgm:linClrLst meth="repeat">
+      <a:schemeClr val="accent2"/>
+      <a:schemeClr val="accent3"/>
+      <a:schemeClr val="accent4"/>
+      <a:schemeClr val="accent5"/>
+      <a:schemeClr val="accent6"/>
+    </dgm:linClrLst>
+    <dgm:effectClrLst/>
+    <dgm:txLinClrLst/>
+    <dgm:txFillClrLst meth="repeat">
+      <a:schemeClr val="dk1"/>
+    </dgm:txFillClrLst>
+    <dgm:txEffectClrLst/>
+  </dgm:styleLbl>
+  <dgm:styleLbl name="solidAlignAcc1">
+    <dgm:fillClrLst meth="repeat">
+      <a:schemeClr val="lt1"/>
+    </dgm:fillClrLst>
+    <dgm:linClrLst meth="repeat">
+      <a:schemeClr val="accent2"/>
+      <a:schemeClr val="accent3"/>
+      <a:schemeClr val="accent4"/>
+      <a:schemeClr val="accent5"/>
+      <a:schemeClr val="accent6"/>
+    </dgm:linClrLst>
+    <dgm:effectClrLst/>
+    <dgm:txLinClrLst/>
+    <dgm:txFillClrLst meth="repeat">
+      <a:schemeClr val="dk1"/>
+    </dgm:txFillClrLst>
+    <dgm:txEffectClrLst/>
+  </dgm:styleLbl>
+  <dgm:styleLbl name="solidBgAcc1">
+    <dgm:fillClrLst meth="repeat">
+      <a:schemeClr val="lt1"/>
+    </dgm:fillClrLst>
+    <dgm:linClrLst meth="repeat">
+      <a:schemeClr val="accent2"/>
+      <a:schemeClr val="accent3"/>
+      <a:schemeClr val="accent4"/>
+      <a:schemeClr val="accent5"/>
+      <a:schemeClr val="accent6"/>
+    </dgm:linClrLst>
+    <dgm:effectClrLst/>
+    <dgm:txLinClrLst/>
+    <dgm:txFillClrLst meth="repeat">
+      <a:schemeClr val="dk1"/>
+    </dgm:txFillClrLst>
+    <dgm:txEffectClrLst/>
+  </dgm:styleLbl>
+  <dgm:styleLbl name="fgAccFollowNode1">
+    <dgm:fillClrLst meth="repeat">
+      <a:schemeClr val="accent2">
+        <a:tint val="40000"/>
+        <a:alpha val="90000"/>
+      </a:schemeClr>
+      <a:schemeClr val="accent3">
+        <a:tint val="40000"/>
+        <a:alpha val="90000"/>
+      </a:schemeClr>
+      <a:schemeClr val="accent4">
+        <a:tint val="40000"/>
+        <a:alpha val="90000"/>
+      </a:schemeClr>
+      <a:schemeClr val="accent5">
+        <a:tint val="40000"/>
+        <a:alpha val="90000"/>
+      </a:schemeClr>
+      <a:schemeClr val="accent6">
+        <a:tint val="40000"/>
+        <a:alpha val="90000"/>
+      </a:schemeClr>
+    </dgm:fillClrLst>
+    <dgm:linClrLst meth="repeat">
+      <a:schemeClr val="accent2">
+        <a:tint val="40000"/>
+        <a:alpha val="90000"/>
+      </a:schemeClr>
+      <a:schemeClr val="accent3">
+        <a:tint val="40000"/>
+        <a:alpha val="90000"/>
+      </a:schemeClr>
+      <a:schemeClr val="accent4">
+        <a:tint val="40000"/>
+        <a:alpha val="90000"/>
+      </a:schemeClr>
+      <a:schemeClr val="accent5">
+        <a:tint val="40000"/>
+        <a:alpha val="90000"/>
+      </a:schemeClr>
+      <a:schemeClr val="accent6">
+        <a:tint val="40000"/>
+        <a:alpha val="90000"/>
+      </a:schemeClr>
+    </dgm:linClrLst>
+    <dgm:effectClrLst/>
+    <dgm:txLinClrLst/>
+    <dgm:txFillClrLst meth="repeat">
+      <a:schemeClr val="dk1"/>
+    </dgm:txFillClrLst>
+    <dgm:txEffectClrLst/>
+  </dgm:styleLbl>
+  <dgm:styleLbl name="alignAccFollowNode1">
+    <dgm:fillClrLst meth="repeat">
+      <a:schemeClr val="accent2">
+        <a:tint val="40000"/>
+        <a:alpha val="90000"/>
+      </a:schemeClr>
+      <a:schemeClr val="accent3">
+        <a:tint val="40000"/>
+        <a:alpha val="90000"/>
+      </a:schemeClr>
+      <a:schemeClr val="accent4">
+        <a:tint val="40000"/>
+        <a:alpha val="90000"/>
+      </a:schemeClr>
+      <a:schemeClr val="accent5">
+        <a:tint val="40000"/>
+        <a:alpha val="90000"/>
+      </a:schemeClr>
+      <a:schemeClr val="accent6">
+        <a:tint val="40000"/>
+        <a:alpha val="90000"/>
+      </a:schemeClr>
+    </dgm:fillClrLst>
+    <dgm:linClrLst meth="repeat">
+      <a:schemeClr val="accent2">
+        <a:tint val="40000"/>
+        <a:alpha val="90000"/>
+      </a:schemeClr>
+      <a:schemeClr val="accent3">
+        <a:tint val="40000"/>
+        <a:alpha val="90000"/>
+      </a:schemeClr>
+      <a:schemeClr val="accent4">
+        <a:tint val="40000"/>
+        <a:alpha val="90000"/>
+      </a:schemeClr>
+      <a:schemeClr val="accent5">
+        <a:tint val="40000"/>
+        <a:alpha val="90000"/>
+      </a:schemeClr>
+      <a:schemeClr val="accent6">
+        <a:tint val="40000"/>
+        <a:alpha val="90000"/>
+      </a:schemeClr>
+    </dgm:linClrLst>
+    <dgm:effectClrLst/>
+    <dgm:txLinClrLst/>
+    <dgm:txFillClrLst meth="repeat">
+      <a:schemeClr val="dk1"/>
+    </dgm:txFillClrLst>
+    <dgm:txEffectClrLst/>
+  </dgm:styleLbl>
+  <dgm:styleLbl name="bgAccFollowNode1">
+    <dgm:fillClrLst meth="repeat">
+      <a:schemeClr val="accent2">
+        <a:tint val="40000"/>
+        <a:alpha val="90000"/>
+      </a:schemeClr>
+      <a:schemeClr val="accent3">
+        <a:tint val="40000"/>
+        <a:alpha val="90000"/>
+      </a:schemeClr>
+      <a:schemeClr val="accent4">
+        <a:tint val="40000"/>
+        <a:alpha val="90000"/>
+      </a:schemeClr>
+      <a:schemeClr val="accent5">
+        <a:tint val="40000"/>
+        <a:alpha val="90000"/>
+      </a:schemeClr>
+      <a:schemeClr val="accent6">
+        <a:tint val="40000"/>
+        <a:alpha val="90000"/>
+      </a:schemeClr>
+    </dgm:fillClrLst>
+    <dgm:linClrLst meth="repeat">
+      <a:schemeClr val="accent2">
+        <a:tint val="40000"/>
+        <a:alpha val="90000"/>
+      </a:schemeClr>
+      <a:schemeClr val="accent3">
+        <a:tint val="40000"/>
+        <a:alpha val="90000"/>
+      </a:schemeClr>
+      <a:schemeClr val="accent4">
+        <a:tint val="40000"/>
+        <a:alpha val="90000"/>
+      </a:schemeClr>
+      <a:schemeClr val="accent5">
+        <a:tint val="40000"/>
+        <a:alpha val="90000"/>
+      </a:schemeClr>
+      <a:schemeClr val="accent6">
+        <a:tint val="40000"/>
+        <a:alpha val="90000"/>
+      </a:schemeClr>
+    </dgm:linClrLst>
+    <dgm:effectClrLst/>
+    <dgm:txLinClrLst/>
+    <dgm:txFillClrLst meth="repeat">
+      <a:schemeClr val="dk1"/>
+    </dgm:txFillClrLst>
+    <dgm:txEffectClrLst/>
+  </dgm:styleLbl>
+  <dgm:styleLbl name="fgAcc0">
+    <dgm:fillClrLst meth="repeat">
+      <a:schemeClr val="lt1">
+        <a:alpha val="90000"/>
+      </a:schemeClr>
+    </dgm:fillClrLst>
+    <dgm:linClrLst>
+      <a:schemeClr val="accent1"/>
+    </dgm:linClrLst>
+    <dgm:effectClrLst/>
+    <dgm:txLinClrLst/>
+    <dgm:txFillClrLst meth="repeat">
+      <a:schemeClr val="dk1"/>
+    </dgm:txFillClrLst>
+    <dgm:txEffectClrLst/>
+  </dgm:styleLbl>
+  <dgm:styleLbl name="fgAcc2">
+    <dgm:fillClrLst meth="repeat">
+      <a:schemeClr val="lt1">
+        <a:alpha val="90000"/>
+      </a:schemeClr>
+    </dgm:fillClrLst>
+    <dgm:linClrLst>
+      <a:schemeClr val="accent2"/>
+    </dgm:linClrLst>
+    <dgm:effectClrLst/>
+    <dgm:txLinClrLst/>
+    <dgm:txFillClrLst meth="repeat">
+      <a:schemeClr val="dk1"/>
+    </dgm:txFillClrLst>
+    <dgm:txEffectClrLst/>
+  </dgm:styleLbl>
+  <dgm:styleLbl name="fgAcc3">
+    <dgm:fillClrLst meth="repeat">
+      <a:schemeClr val="lt1">
+        <a:alpha val="90000"/>
+      </a:schemeClr>
+    </dgm:fillClrLst>
+    <dgm:linClrLst>
+      <a:schemeClr val="accent3"/>
+    </dgm:linClrLst>
+    <dgm:effectClrLst/>
+    <dgm:txLinClrLst/>
+    <dgm:txFillClrLst meth="repeat">
+      <a:schemeClr val="dk1"/>
+    </dgm:txFillClrLst>
+    <dgm:txEffectClrLst/>
+  </dgm:styleLbl>
+  <dgm:styleLbl name="fgAcc4">
+    <dgm:fillClrLst meth="repeat">
+      <a:schemeClr val="lt1">
+        <a:alpha val="90000"/>
+      </a:schemeClr>
+    </dgm:fillClrLst>
+    <dgm:linClrLst>
+      <a:schemeClr val="accent4"/>
+    </dgm:linClrLst>
+    <dgm:effectClrLst/>
+    <dgm:txLinClrLst/>
+    <dgm:txFillClrLst meth="repeat">
+      <a:schemeClr val="dk1"/>
+    </dgm:txFillClrLst>
+    <dgm:txEffectClrLst/>
+  </dgm:styleLbl>
+  <dgm:styleLbl name="bgShp">
+    <dgm:fillClrLst meth="repeat">
+      <a:schemeClr val="accent2"/>
+      <a:schemeClr val="accent3"/>
+      <a:schemeClr val="accent4"/>
+      <a:schemeClr val="accent5"/>
+      <a:schemeClr val="accent6"/>
+    </dgm:fillClrLst>
+    <dgm:linClrLst meth="repeat">
+      <a:schemeClr val="lt1">
+        <a:alpha val="0"/>
+      </a:schemeClr>
+    </dgm:linClrLst>
+    <dgm:effectClrLst/>
+    <dgm:txLinClrLst/>
+    <dgm:txFillClrLst/>
+    <dgm:txEffectClrLst/>
+  </dgm:styleLbl>
+  <dgm:styleLbl name="dkBgShp">
+    <dgm:fillClrLst meth="repeat">
+      <a:schemeClr val="accent2">
+        <a:shade val="90000"/>
+      </a:schemeClr>
+    </dgm:fillClrLst>
+    <dgm:linClrLst meth="repeat">
+      <a:schemeClr val="dk1"/>
+    </dgm:linClrLst>
+    <dgm:effectClrLst/>
+    <dgm:txLinClrLst/>
+    <dgm:txFillClrLst meth="repeat">
+      <a:schemeClr val="lt1"/>
+    </dgm:txFillClrLst>
+    <dgm:txEffectClrLst/>
+  </dgm:styleLbl>
+  <dgm:styleLbl name="trBgShp">
+    <dgm:fillClrLst meth="repeat">
+      <a:schemeClr val="accent1">
+        <a:tint val="50000"/>
+        <a:alpha val="40000"/>
+      </a:schemeClr>
+    </dgm:fillClrLst>
+    <dgm:linClrLst meth="repeat">
+      <a:schemeClr val="accent2"/>
+    </dgm:linClrLst>
+    <dgm:effectClrLst/>
+    <dgm:txLinClrLst/>
+    <dgm:txFillClrLst meth="repeat">
+      <a:schemeClr val="lt1"/>
+    </dgm:txFillClrLst>
+    <dgm:txEffectClrLst/>
+  </dgm:styleLbl>
+  <dgm:styleLbl name="fgShp">
+    <dgm:fillClrLst meth="repeat">
+      <a:schemeClr val="accent2">
+        <a:tint val="40000"/>
+      </a:schemeClr>
+    </dgm:fillClrLst>
+    <dgm:linClrLst meth="repeat">
+      <a:schemeClr val="lt1"/>
+    </dgm:linClrLst>
+    <dgm:effectClrLst/>
+    <dgm:txLinClrLst/>
+    <dgm:txFillClrLst meth="repeat">
+      <a:schemeClr val="dk1"/>
+    </dgm:txFillClrLst>
+    <dgm:txEffectClrLst/>
+  </dgm:styleLbl>
+  <dgm:styleLbl name="revTx">
+    <dgm:fillClrLst meth="repeat">
+      <a:schemeClr val="lt1">
+        <a:alpha val="0"/>
+      </a:schemeClr>
+    </dgm:fillClrLst>
+    <dgm:linClrLst meth="repeat">
+      <a:schemeClr val="dk1">
+        <a:alpha val="0"/>
+      </a:schemeClr>
+    </dgm:linClrLst>
+    <dgm:effectClrLst/>
+    <dgm:txLinClrLst/>
+    <dgm:txFillClrLst meth="repeat">
+      <a:schemeClr val="tx1"/>
+    </dgm:txFillClrLst>
+    <dgm:txEffectClrLst/>
+  </dgm:styleLbl>
+</dgm:colorsDef>
+</file>
+
+<file path=ppt/diagrams/data1.xml><?xml version="1.0" encoding="utf-8"?>
+<dgm:dataModel xmlns:dgm="http://schemas.openxmlformats.org/drawingml/2006/diagram" xmlns:a="http://schemas.openxmlformats.org/drawingml/2006/main">
+  <dgm:ptLst>
+    <dgm:pt modelId="{D48821FF-6B99-42E3-9C16-C1E8AC2566D9}" type="doc">
+      <dgm:prSet loTypeId="urn:microsoft.com/office/officeart/2018/2/layout/IconCircleList" loCatId="icon" qsTypeId="urn:microsoft.com/office/officeart/2005/8/quickstyle/simple1" qsCatId="simple" csTypeId="urn:microsoft.com/office/officeart/2018/5/colors/Iconchunking_neutralicon_colorful1" csCatId="colorful" phldr="1"/>
+      <dgm:spPr/>
+      <dgm:t>
+        <a:bodyPr/>
+        <a:lstStyle/>
+        <a:p>
+          <a:endParaRPr lang="en-US"/>
+        </a:p>
+      </dgm:t>
+    </dgm:pt>
+    <dgm:pt modelId="{1B770C84-54E8-4AA7-98C6-65E4F7580D2D}">
+      <dgm:prSet/>
+      <dgm:spPr/>
+      <dgm:t>
+        <a:bodyPr/>
+        <a:lstStyle/>
+        <a:p>
+          <a:r>
+            <a:rPr lang="fr-FR"/>
+            <a:t>Work at home after gratuated on Master</a:t>
+          </a:r>
+          <a:endParaRPr lang="en-US"/>
+        </a:p>
+      </dgm:t>
+    </dgm:pt>
+    <dgm:pt modelId="{81B89194-5977-40D0-9AFB-18AF5C266B3C}" type="parTrans" cxnId="{C67B41FB-C0C4-4745-8992-441A798B7A6D}">
+      <dgm:prSet/>
+      <dgm:spPr/>
+      <dgm:t>
+        <a:bodyPr/>
+        <a:lstStyle/>
+        <a:p>
+          <a:endParaRPr lang="en-US"/>
+        </a:p>
+      </dgm:t>
+    </dgm:pt>
+    <dgm:pt modelId="{27D3113C-60FD-455A-AF0A-204B2956C68C}" type="sibTrans" cxnId="{C67B41FB-C0C4-4745-8992-441A798B7A6D}">
+      <dgm:prSet/>
+      <dgm:spPr/>
+      <dgm:t>
+        <a:bodyPr/>
+        <a:lstStyle/>
+        <a:p>
+          <a:endParaRPr lang="en-US"/>
+        </a:p>
+      </dgm:t>
+    </dgm:pt>
+    <dgm:pt modelId="{E03A66E7-7C9B-4A02-A4B1-9BAFCC5D0413}">
+      <dgm:prSet/>
+      <dgm:spPr/>
+      <dgm:t>
+        <a:bodyPr/>
+        <a:lstStyle/>
+        <a:p>
+          <a:r>
+            <a:rPr lang="fr-FR"/>
+            <a:t>Standard IA too weak to learn complex things</a:t>
+          </a:r>
+          <a:endParaRPr lang="en-US"/>
+        </a:p>
+      </dgm:t>
+    </dgm:pt>
+    <dgm:pt modelId="{6C84EF34-4DD5-4309-949C-96285A018696}" type="parTrans" cxnId="{43CD6E2B-72D8-426E-BC22-8FF9B8AC5A71}">
+      <dgm:prSet/>
+      <dgm:spPr/>
+      <dgm:t>
+        <a:bodyPr/>
+        <a:lstStyle/>
+        <a:p>
+          <a:endParaRPr lang="en-US"/>
+        </a:p>
+      </dgm:t>
+    </dgm:pt>
+    <dgm:pt modelId="{4DF8A1D3-10B4-40BE-A1D1-16666FF93095}" type="sibTrans" cxnId="{43CD6E2B-72D8-426E-BC22-8FF9B8AC5A71}">
+      <dgm:prSet/>
+      <dgm:spPr/>
+      <dgm:t>
+        <a:bodyPr/>
+        <a:lstStyle/>
+        <a:p>
+          <a:endParaRPr lang="en-US"/>
+        </a:p>
+      </dgm:t>
+    </dgm:pt>
+    <dgm:pt modelId="{09285EC7-D28B-48A5-9E2E-96C55C659F31}">
+      <dgm:prSet/>
+      <dgm:spPr/>
+      <dgm:t>
+        <a:bodyPr/>
+        <a:lstStyle/>
+        <a:p>
+          <a:r>
+            <a:rPr lang="fr-FR"/>
+            <a:t>New technology using daily report and voice command</a:t>
+          </a:r>
+          <a:endParaRPr lang="en-US"/>
+        </a:p>
+      </dgm:t>
+    </dgm:pt>
+    <dgm:pt modelId="{579734B6-5F11-4335-90E6-8669F121C1AB}" type="parTrans" cxnId="{5928CDD5-B403-4B94-A13B-A413C01A0E9B}">
+      <dgm:prSet/>
+      <dgm:spPr/>
+      <dgm:t>
+        <a:bodyPr/>
+        <a:lstStyle/>
+        <a:p>
+          <a:endParaRPr lang="en-US"/>
+        </a:p>
+      </dgm:t>
+    </dgm:pt>
+    <dgm:pt modelId="{A9FA242F-DCB6-4A14-8B21-F50A8C502E6F}" type="sibTrans" cxnId="{5928CDD5-B403-4B94-A13B-A413C01A0E9B}">
+      <dgm:prSet/>
+      <dgm:spPr/>
+      <dgm:t>
+        <a:bodyPr/>
+        <a:lstStyle/>
+        <a:p>
+          <a:endParaRPr lang="en-US"/>
+        </a:p>
+      </dgm:t>
+    </dgm:pt>
+    <dgm:pt modelId="{A9149A49-25D8-4446-9141-52A275F60674}">
+      <dgm:prSet/>
+      <dgm:spPr/>
+      <dgm:t>
+        <a:bodyPr/>
+        <a:lstStyle/>
+        <a:p>
+          <a:r>
+            <a:rPr lang="fr-FR"/>
+            <a:t>New reinforcement learning like a baby</a:t>
+          </a:r>
+          <a:endParaRPr lang="en-US"/>
+        </a:p>
+      </dgm:t>
+    </dgm:pt>
+    <dgm:pt modelId="{71278363-A0C5-43BD-81D7-618F321B8CA4}" type="parTrans" cxnId="{9A9812B2-BF28-408D-B770-4026A993FBB8}">
+      <dgm:prSet/>
+      <dgm:spPr/>
+      <dgm:t>
+        <a:bodyPr/>
+        <a:lstStyle/>
+        <a:p>
+          <a:endParaRPr lang="en-US"/>
+        </a:p>
+      </dgm:t>
+    </dgm:pt>
+    <dgm:pt modelId="{304EF67F-7BD8-46E6-8C4D-1787F36E87DA}" type="sibTrans" cxnId="{9A9812B2-BF28-408D-B770-4026A993FBB8}">
+      <dgm:prSet/>
+      <dgm:spPr/>
+      <dgm:t>
+        <a:bodyPr/>
+        <a:lstStyle/>
+        <a:p>
+          <a:endParaRPr lang="en-US"/>
+        </a:p>
+      </dgm:t>
+    </dgm:pt>
+    <dgm:pt modelId="{365D41FA-2F18-4ABA-A586-A9335377D79A}" type="pres">
+      <dgm:prSet presAssocID="{D48821FF-6B99-42E3-9C16-C1E8AC2566D9}" presName="root" presStyleCnt="0">
+        <dgm:presLayoutVars>
+          <dgm:dir/>
+          <dgm:resizeHandles val="exact"/>
+        </dgm:presLayoutVars>
+      </dgm:prSet>
+      <dgm:spPr/>
+    </dgm:pt>
+    <dgm:pt modelId="{2F5C4A36-61A9-4B55-86DB-FD62AE561A1D}" type="pres">
+      <dgm:prSet presAssocID="{D48821FF-6B99-42E3-9C16-C1E8AC2566D9}" presName="container" presStyleCnt="0">
+        <dgm:presLayoutVars>
+          <dgm:dir/>
+          <dgm:resizeHandles val="exact"/>
+        </dgm:presLayoutVars>
+      </dgm:prSet>
+      <dgm:spPr/>
+    </dgm:pt>
+    <dgm:pt modelId="{32850384-C9F2-4FE8-A98E-DD85DA30FDA5}" type="pres">
+      <dgm:prSet presAssocID="{1B770C84-54E8-4AA7-98C6-65E4F7580D2D}" presName="compNode" presStyleCnt="0"/>
+      <dgm:spPr/>
+    </dgm:pt>
+    <dgm:pt modelId="{33F81ACD-E0D3-427E-B61A-04F2D5B43747}" type="pres">
+      <dgm:prSet presAssocID="{1B770C84-54E8-4AA7-98C6-65E4F7580D2D}" presName="iconBgRect" presStyleLbl="bgShp" presStyleIdx="0" presStyleCnt="4"/>
+      <dgm:spPr/>
+    </dgm:pt>
+    <dgm:pt modelId="{1729012C-5F9D-4084-88FC-1706873CCD8F}" type="pres">
+      <dgm:prSet presAssocID="{1B770C84-54E8-4AA7-98C6-65E4F7580D2D}" presName="iconRect" presStyleLbl="node1" presStyleIdx="0" presStyleCnt="4"/>
+      <dgm:spPr>
+        <a:blipFill>
+          <a:blip xmlns:r="http://schemas.openxmlformats.org/officeDocument/2006/relationships" r:embed="rId1">
+            <a:extLst>
+              <a:ext uri="{28A0092B-C50C-407E-A947-70E740481C1C}">
+                <a14:useLocalDpi xmlns:a14="http://schemas.microsoft.com/office/drawing/2010/main" val="0"/>
+              </a:ext>
+              <a:ext uri="{96DAC541-7B7A-43D3-8B79-37D633B846F1}">
+                <asvg:svgBlip xmlns:asvg="http://schemas.microsoft.com/office/drawing/2016/SVG/main" r:embed="rId2"/>
+              </a:ext>
+            </a:extLst>
+          </a:blip>
+          <a:stretch>
+            <a:fillRect/>
+          </a:stretch>
+        </a:blipFill>
+        <a:ln>
+          <a:noFill/>
+        </a:ln>
+      </dgm:spPr>
+      <dgm:extLst>
+        <a:ext uri="{E40237B7-FDA0-4F09-8148-C483321AD2D9}">
+          <dgm14:cNvPr xmlns:dgm14="http://schemas.microsoft.com/office/drawing/2010/diagram" id="0" name="" descr="Bulldozer"/>
+        </a:ext>
+      </dgm:extLst>
+    </dgm:pt>
+    <dgm:pt modelId="{341C67FD-5F4A-4C72-B9D1-9040335B1CF1}" type="pres">
+      <dgm:prSet presAssocID="{1B770C84-54E8-4AA7-98C6-65E4F7580D2D}" presName="spaceRect" presStyleCnt="0"/>
+      <dgm:spPr/>
+    </dgm:pt>
+    <dgm:pt modelId="{60934E4A-A76A-4365-BDB8-0D8D68F07CE5}" type="pres">
+      <dgm:prSet presAssocID="{1B770C84-54E8-4AA7-98C6-65E4F7580D2D}" presName="textRect" presStyleLbl="revTx" presStyleIdx="0" presStyleCnt="4">
+        <dgm:presLayoutVars>
+          <dgm:chMax val="1"/>
+          <dgm:chPref val="1"/>
+        </dgm:presLayoutVars>
+      </dgm:prSet>
+      <dgm:spPr/>
+    </dgm:pt>
+    <dgm:pt modelId="{C06DA3D6-164B-4CA8-A79B-EBA6545F01E1}" type="pres">
+      <dgm:prSet presAssocID="{27D3113C-60FD-455A-AF0A-204B2956C68C}" presName="sibTrans" presStyleLbl="sibTrans2D1" presStyleIdx="0" presStyleCnt="0"/>
+      <dgm:spPr/>
+    </dgm:pt>
+    <dgm:pt modelId="{AB1F799E-B478-42C9-9B8B-5E2FF4D83037}" type="pres">
+      <dgm:prSet presAssocID="{E03A66E7-7C9B-4A02-A4B1-9BAFCC5D0413}" presName="compNode" presStyleCnt="0"/>
+      <dgm:spPr/>
+    </dgm:pt>
+    <dgm:pt modelId="{080132D8-5D7B-483C-8400-D78EF0CF843A}" type="pres">
+      <dgm:prSet presAssocID="{E03A66E7-7C9B-4A02-A4B1-9BAFCC5D0413}" presName="iconBgRect" presStyleLbl="bgShp" presStyleIdx="1" presStyleCnt="4"/>
+      <dgm:spPr/>
+    </dgm:pt>
+    <dgm:pt modelId="{D5B97B5B-CCBF-4279-AD0E-8549CC76091C}" type="pres">
+      <dgm:prSet presAssocID="{E03A66E7-7C9B-4A02-A4B1-9BAFCC5D0413}" presName="iconRect" presStyleLbl="node1" presStyleIdx="1" presStyleCnt="4"/>
+      <dgm:spPr>
+        <a:blipFill>
+          <a:blip xmlns:r="http://schemas.openxmlformats.org/officeDocument/2006/relationships" r:embed="rId3">
+            <a:extLst>
+              <a:ext uri="{28A0092B-C50C-407E-A947-70E740481C1C}">
+                <a14:useLocalDpi xmlns:a14="http://schemas.microsoft.com/office/drawing/2010/main" val="0"/>
+              </a:ext>
+              <a:ext uri="{96DAC541-7B7A-43D3-8B79-37D633B846F1}">
+                <asvg:svgBlip xmlns:asvg="http://schemas.microsoft.com/office/drawing/2016/SVG/main" r:embed="rId4"/>
+              </a:ext>
+            </a:extLst>
+          </a:blip>
+          <a:stretch>
+            <a:fillRect/>
+          </a:stretch>
+        </a:blipFill>
+        <a:ln>
+          <a:noFill/>
+        </a:ln>
+      </dgm:spPr>
+      <dgm:extLst>
+        <a:ext uri="{E40237B7-FDA0-4F09-8148-C483321AD2D9}">
+          <dgm14:cNvPr xmlns:dgm14="http://schemas.microsoft.com/office/drawing/2010/diagram" id="0" name="" descr="Head with Gears"/>
+        </a:ext>
+      </dgm:extLst>
+    </dgm:pt>
+    <dgm:pt modelId="{39BADA3D-29B4-4AA5-9EB2-E4C19CBF5976}" type="pres">
+      <dgm:prSet presAssocID="{E03A66E7-7C9B-4A02-A4B1-9BAFCC5D0413}" presName="spaceRect" presStyleCnt="0"/>
+      <dgm:spPr/>
+    </dgm:pt>
+    <dgm:pt modelId="{00D8476A-5428-4AE7-B218-61DA5B75A78D}" type="pres">
+      <dgm:prSet presAssocID="{E03A66E7-7C9B-4A02-A4B1-9BAFCC5D0413}" presName="textRect" presStyleLbl="revTx" presStyleIdx="1" presStyleCnt="4">
+        <dgm:presLayoutVars>
+          <dgm:chMax val="1"/>
+          <dgm:chPref val="1"/>
+        </dgm:presLayoutVars>
+      </dgm:prSet>
+      <dgm:spPr/>
+    </dgm:pt>
+    <dgm:pt modelId="{07AD78F7-38D4-4A48-A4BA-9F987C5206F0}" type="pres">
+      <dgm:prSet presAssocID="{4DF8A1D3-10B4-40BE-A1D1-16666FF93095}" presName="sibTrans" presStyleLbl="sibTrans2D1" presStyleIdx="0" presStyleCnt="0"/>
+      <dgm:spPr/>
+    </dgm:pt>
+    <dgm:pt modelId="{933100FF-5756-4A7F-AA76-73D51C626A0B}" type="pres">
+      <dgm:prSet presAssocID="{09285EC7-D28B-48A5-9E2E-96C55C659F31}" presName="compNode" presStyleCnt="0"/>
+      <dgm:spPr/>
+    </dgm:pt>
+    <dgm:pt modelId="{CA17F6FF-C49C-4848-81B9-FD2A4623D952}" type="pres">
+      <dgm:prSet presAssocID="{09285EC7-D28B-48A5-9E2E-96C55C659F31}" presName="iconBgRect" presStyleLbl="bgShp" presStyleIdx="2" presStyleCnt="4"/>
+      <dgm:spPr/>
+    </dgm:pt>
+    <dgm:pt modelId="{C48B0B82-2AF2-48EC-BE94-D019F975B22F}" type="pres">
+      <dgm:prSet presAssocID="{09285EC7-D28B-48A5-9E2E-96C55C659F31}" presName="iconRect" presStyleLbl="node1" presStyleIdx="2" presStyleCnt="4"/>
+      <dgm:spPr>
+        <a:blipFill>
+          <a:blip xmlns:r="http://schemas.openxmlformats.org/officeDocument/2006/relationships" r:embed="rId5">
+            <a:extLst>
+              <a:ext uri="{28A0092B-C50C-407E-A947-70E740481C1C}">
+                <a14:useLocalDpi xmlns:a14="http://schemas.microsoft.com/office/drawing/2010/main" val="0"/>
+              </a:ext>
+              <a:ext uri="{96DAC541-7B7A-43D3-8B79-37D633B846F1}">
+                <asvg:svgBlip xmlns:asvg="http://schemas.microsoft.com/office/drawing/2016/SVG/main" r:embed="rId6"/>
+              </a:ext>
+            </a:extLst>
+          </a:blip>
+          <a:stretch>
+            <a:fillRect/>
+          </a:stretch>
+        </a:blipFill>
+        <a:ln>
+          <a:noFill/>
+        </a:ln>
+      </dgm:spPr>
+      <dgm:extLst>
+        <a:ext uri="{E40237B7-FDA0-4F09-8148-C483321AD2D9}">
+          <dgm14:cNvPr xmlns:dgm14="http://schemas.microsoft.com/office/drawing/2010/diagram" id="0" name="" descr="Podcast"/>
+        </a:ext>
+      </dgm:extLst>
+    </dgm:pt>
+    <dgm:pt modelId="{DEF844BF-DA7A-4CE4-BECC-69472FDD6948}" type="pres">
+      <dgm:prSet presAssocID="{09285EC7-D28B-48A5-9E2E-96C55C659F31}" presName="spaceRect" presStyleCnt="0"/>
+      <dgm:spPr/>
+    </dgm:pt>
+    <dgm:pt modelId="{5E53C6D9-492C-4856-88D3-212C0485A79B}" type="pres">
+      <dgm:prSet presAssocID="{09285EC7-D28B-48A5-9E2E-96C55C659F31}" presName="textRect" presStyleLbl="revTx" presStyleIdx="2" presStyleCnt="4">
+        <dgm:presLayoutVars>
+          <dgm:chMax val="1"/>
+          <dgm:chPref val="1"/>
+        </dgm:presLayoutVars>
+      </dgm:prSet>
+      <dgm:spPr/>
+    </dgm:pt>
+    <dgm:pt modelId="{8DD9CAF1-47F1-4D1A-84E4-0CD63CB24193}" type="pres">
+      <dgm:prSet presAssocID="{A9FA242F-DCB6-4A14-8B21-F50A8C502E6F}" presName="sibTrans" presStyleLbl="sibTrans2D1" presStyleIdx="0" presStyleCnt="0"/>
+      <dgm:spPr/>
+    </dgm:pt>
+    <dgm:pt modelId="{D7B7DDC3-88F8-452E-AD3E-9B0B74C7A05F}" type="pres">
+      <dgm:prSet presAssocID="{A9149A49-25D8-4446-9141-52A275F60674}" presName="compNode" presStyleCnt="0"/>
+      <dgm:spPr/>
+    </dgm:pt>
+    <dgm:pt modelId="{D763B0A7-206E-4A5D-B7FE-DE84E896C6B7}" type="pres">
+      <dgm:prSet presAssocID="{A9149A49-25D8-4446-9141-52A275F60674}" presName="iconBgRect" presStyleLbl="bgShp" presStyleIdx="3" presStyleCnt="4"/>
+      <dgm:spPr/>
+    </dgm:pt>
+    <dgm:pt modelId="{5C118268-880B-491B-8F05-C307A3FD1EEF}" type="pres">
+      <dgm:prSet presAssocID="{A9149A49-25D8-4446-9141-52A275F60674}" presName="iconRect" presStyleLbl="node1" presStyleIdx="3" presStyleCnt="4"/>
+      <dgm:spPr>
+        <a:blipFill>
+          <a:blip xmlns:r="http://schemas.openxmlformats.org/officeDocument/2006/relationships" r:embed="rId7">
+            <a:extLst>
+              <a:ext uri="{28A0092B-C50C-407E-A947-70E740481C1C}">
+                <a14:useLocalDpi xmlns:a14="http://schemas.microsoft.com/office/drawing/2010/main" val="0"/>
+              </a:ext>
+              <a:ext uri="{96DAC541-7B7A-43D3-8B79-37D633B846F1}">
+                <asvg:svgBlip xmlns:asvg="http://schemas.microsoft.com/office/drawing/2016/SVG/main" r:embed="rId8"/>
+              </a:ext>
+            </a:extLst>
+          </a:blip>
+          <a:stretch>
+            <a:fillRect/>
+          </a:stretch>
+        </a:blipFill>
+        <a:ln>
+          <a:noFill/>
+        </a:ln>
+      </dgm:spPr>
+      <dgm:extLst>
+        <a:ext uri="{E40237B7-FDA0-4F09-8148-C483321AD2D9}">
+          <dgm14:cNvPr xmlns:dgm14="http://schemas.microsoft.com/office/drawing/2010/diagram" id="0" name="" descr="Baby"/>
+        </a:ext>
+      </dgm:extLst>
+    </dgm:pt>
+    <dgm:pt modelId="{E05F1514-F6A0-430D-A5AA-1708EAA69478}" type="pres">
+      <dgm:prSet presAssocID="{A9149A49-25D8-4446-9141-52A275F60674}" presName="spaceRect" presStyleCnt="0"/>
+      <dgm:spPr/>
+    </dgm:pt>
+    <dgm:pt modelId="{4F41B5D8-0420-44DA-8CCE-A54ED4581DA5}" type="pres">
+      <dgm:prSet presAssocID="{A9149A49-25D8-4446-9141-52A275F60674}" presName="textRect" presStyleLbl="revTx" presStyleIdx="3" presStyleCnt="4">
+        <dgm:presLayoutVars>
+          <dgm:chMax val="1"/>
+          <dgm:chPref val="1"/>
+        </dgm:presLayoutVars>
+      </dgm:prSet>
+      <dgm:spPr/>
+    </dgm:pt>
+  </dgm:ptLst>
+  <dgm:cxnLst>
+    <dgm:cxn modelId="{7D4EC519-BACC-4A16-A354-F7B22B38B3FF}" type="presOf" srcId="{09285EC7-D28B-48A5-9E2E-96C55C659F31}" destId="{5E53C6D9-492C-4856-88D3-212C0485A79B}" srcOrd="0" destOrd="0" presId="urn:microsoft.com/office/officeart/2018/2/layout/IconCircleList"/>
+    <dgm:cxn modelId="{43CD6E2B-72D8-426E-BC22-8FF9B8AC5A71}" srcId="{D48821FF-6B99-42E3-9C16-C1E8AC2566D9}" destId="{E03A66E7-7C9B-4A02-A4B1-9BAFCC5D0413}" srcOrd="1" destOrd="0" parTransId="{6C84EF34-4DD5-4309-949C-96285A018696}" sibTransId="{4DF8A1D3-10B4-40BE-A1D1-16666FF93095}"/>
+    <dgm:cxn modelId="{762B7431-4B2F-4934-BA21-F5A3FA16D3B7}" type="presOf" srcId="{E03A66E7-7C9B-4A02-A4B1-9BAFCC5D0413}" destId="{00D8476A-5428-4AE7-B218-61DA5B75A78D}" srcOrd="0" destOrd="0" presId="urn:microsoft.com/office/officeart/2018/2/layout/IconCircleList"/>
+    <dgm:cxn modelId="{7BF6CE62-E7E2-4474-8F3C-82C5A2874CEF}" type="presOf" srcId="{D48821FF-6B99-42E3-9C16-C1E8AC2566D9}" destId="{365D41FA-2F18-4ABA-A586-A9335377D79A}" srcOrd="0" destOrd="0" presId="urn:microsoft.com/office/officeart/2018/2/layout/IconCircleList"/>
+    <dgm:cxn modelId="{6A683D9B-9FB5-4C90-A254-3F851D8EDEA9}" type="presOf" srcId="{4DF8A1D3-10B4-40BE-A1D1-16666FF93095}" destId="{07AD78F7-38D4-4A48-A4BA-9F987C5206F0}" srcOrd="0" destOrd="0" presId="urn:microsoft.com/office/officeart/2018/2/layout/IconCircleList"/>
+    <dgm:cxn modelId="{2B83439C-D77F-47C0-BD02-2C8E47BAB3DE}" type="presOf" srcId="{1B770C84-54E8-4AA7-98C6-65E4F7580D2D}" destId="{60934E4A-A76A-4365-BDB8-0D8D68F07CE5}" srcOrd="0" destOrd="0" presId="urn:microsoft.com/office/officeart/2018/2/layout/IconCircleList"/>
+    <dgm:cxn modelId="{0E06159F-89EA-4886-89F2-891E805576C4}" type="presOf" srcId="{A9149A49-25D8-4446-9141-52A275F60674}" destId="{4F41B5D8-0420-44DA-8CCE-A54ED4581DA5}" srcOrd="0" destOrd="0" presId="urn:microsoft.com/office/officeart/2018/2/layout/IconCircleList"/>
+    <dgm:cxn modelId="{9A9812B2-BF28-408D-B770-4026A993FBB8}" srcId="{D48821FF-6B99-42E3-9C16-C1E8AC2566D9}" destId="{A9149A49-25D8-4446-9141-52A275F60674}" srcOrd="3" destOrd="0" parTransId="{71278363-A0C5-43BD-81D7-618F321B8CA4}" sibTransId="{304EF67F-7BD8-46E6-8C4D-1787F36E87DA}"/>
+    <dgm:cxn modelId="{8E1908B3-9C07-4BF7-ADB1-9AA98BB1E950}" type="presOf" srcId="{27D3113C-60FD-455A-AF0A-204B2956C68C}" destId="{C06DA3D6-164B-4CA8-A79B-EBA6545F01E1}" srcOrd="0" destOrd="0" presId="urn:microsoft.com/office/officeart/2018/2/layout/IconCircleList"/>
+    <dgm:cxn modelId="{D6032BD0-5DBE-4273-8131-C497CEF0D5AF}" type="presOf" srcId="{A9FA242F-DCB6-4A14-8B21-F50A8C502E6F}" destId="{8DD9CAF1-47F1-4D1A-84E4-0CD63CB24193}" srcOrd="0" destOrd="0" presId="urn:microsoft.com/office/officeart/2018/2/layout/IconCircleList"/>
+    <dgm:cxn modelId="{5928CDD5-B403-4B94-A13B-A413C01A0E9B}" srcId="{D48821FF-6B99-42E3-9C16-C1E8AC2566D9}" destId="{09285EC7-D28B-48A5-9E2E-96C55C659F31}" srcOrd="2" destOrd="0" parTransId="{579734B6-5F11-4335-90E6-8669F121C1AB}" sibTransId="{A9FA242F-DCB6-4A14-8B21-F50A8C502E6F}"/>
+    <dgm:cxn modelId="{C67B41FB-C0C4-4745-8992-441A798B7A6D}" srcId="{D48821FF-6B99-42E3-9C16-C1E8AC2566D9}" destId="{1B770C84-54E8-4AA7-98C6-65E4F7580D2D}" srcOrd="0" destOrd="0" parTransId="{81B89194-5977-40D0-9AFB-18AF5C266B3C}" sibTransId="{27D3113C-60FD-455A-AF0A-204B2956C68C}"/>
+    <dgm:cxn modelId="{412B3A3F-AD5C-4D17-B75A-3571A73A4B4B}" type="presParOf" srcId="{365D41FA-2F18-4ABA-A586-A9335377D79A}" destId="{2F5C4A36-61A9-4B55-86DB-FD62AE561A1D}" srcOrd="0" destOrd="0" presId="urn:microsoft.com/office/officeart/2018/2/layout/IconCircleList"/>
+    <dgm:cxn modelId="{364A061E-3F3C-4F24-88AB-53E87FBB61FE}" type="presParOf" srcId="{2F5C4A36-61A9-4B55-86DB-FD62AE561A1D}" destId="{32850384-C9F2-4FE8-A98E-DD85DA30FDA5}" srcOrd="0" destOrd="0" presId="urn:microsoft.com/office/officeart/2018/2/layout/IconCircleList"/>
+    <dgm:cxn modelId="{4749470B-BC1B-4493-9B89-3FE55AF33485}" type="presParOf" srcId="{32850384-C9F2-4FE8-A98E-DD85DA30FDA5}" destId="{33F81ACD-E0D3-427E-B61A-04F2D5B43747}" srcOrd="0" destOrd="0" presId="urn:microsoft.com/office/officeart/2018/2/layout/IconCircleList"/>
+    <dgm:cxn modelId="{BBBE9BC4-008E-4047-A5B0-76E180531891}" type="presParOf" srcId="{32850384-C9F2-4FE8-A98E-DD85DA30FDA5}" destId="{1729012C-5F9D-4084-88FC-1706873CCD8F}" srcOrd="1" destOrd="0" presId="urn:microsoft.com/office/officeart/2018/2/layout/IconCircleList"/>
+    <dgm:cxn modelId="{A2CE5CC3-CAF3-4795-BC0B-D916024F84F7}" type="presParOf" srcId="{32850384-C9F2-4FE8-A98E-DD85DA30FDA5}" destId="{341C67FD-5F4A-4C72-B9D1-9040335B1CF1}" srcOrd="2" destOrd="0" presId="urn:microsoft.com/office/officeart/2018/2/layout/IconCircleList"/>
+    <dgm:cxn modelId="{DA745836-B17B-42FF-A8B3-EEFC12490771}" type="presParOf" srcId="{32850384-C9F2-4FE8-A98E-DD85DA30FDA5}" destId="{60934E4A-A76A-4365-BDB8-0D8D68F07CE5}" srcOrd="3" destOrd="0" presId="urn:microsoft.com/office/officeart/2018/2/layout/IconCircleList"/>
+    <dgm:cxn modelId="{20420B76-6C97-40FE-BD9C-7885F97053BF}" type="presParOf" srcId="{2F5C4A36-61A9-4B55-86DB-FD62AE561A1D}" destId="{C06DA3D6-164B-4CA8-A79B-EBA6545F01E1}" srcOrd="1" destOrd="0" presId="urn:microsoft.com/office/officeart/2018/2/layout/IconCircleList"/>
+    <dgm:cxn modelId="{39FAE3C5-35D4-46C0-BB94-C0946D623832}" type="presParOf" srcId="{2F5C4A36-61A9-4B55-86DB-FD62AE561A1D}" destId="{AB1F799E-B478-42C9-9B8B-5E2FF4D83037}" srcOrd="2" destOrd="0" presId="urn:microsoft.com/office/officeart/2018/2/layout/IconCircleList"/>
+    <dgm:cxn modelId="{7776A648-A374-46A2-9E4F-19CB1DF712F4}" type="presParOf" srcId="{AB1F799E-B478-42C9-9B8B-5E2FF4D83037}" destId="{080132D8-5D7B-483C-8400-D78EF0CF843A}" srcOrd="0" destOrd="0" presId="urn:microsoft.com/office/officeart/2018/2/layout/IconCircleList"/>
+    <dgm:cxn modelId="{3F1FDED9-F07E-4D21-BD47-8995C47DDDAC}" type="presParOf" srcId="{AB1F799E-B478-42C9-9B8B-5E2FF4D83037}" destId="{D5B97B5B-CCBF-4279-AD0E-8549CC76091C}" srcOrd="1" destOrd="0" presId="urn:microsoft.com/office/officeart/2018/2/layout/IconCircleList"/>
+    <dgm:cxn modelId="{9A7E993D-B374-4714-9DE8-0DB8D738E0C0}" type="presParOf" srcId="{AB1F799E-B478-42C9-9B8B-5E2FF4D83037}" destId="{39BADA3D-29B4-4AA5-9EB2-E4C19CBF5976}" srcOrd="2" destOrd="0" presId="urn:microsoft.com/office/officeart/2018/2/layout/IconCircleList"/>
+    <dgm:cxn modelId="{1132985B-7F3D-42C2-BB21-04F8A8A74BE9}" type="presParOf" srcId="{AB1F799E-B478-42C9-9B8B-5E2FF4D83037}" destId="{00D8476A-5428-4AE7-B218-61DA5B75A78D}" srcOrd="3" destOrd="0" presId="urn:microsoft.com/office/officeart/2018/2/layout/IconCircleList"/>
+    <dgm:cxn modelId="{848635DD-3082-4B82-B1F9-D28D5620BA89}" type="presParOf" srcId="{2F5C4A36-61A9-4B55-86DB-FD62AE561A1D}" destId="{07AD78F7-38D4-4A48-A4BA-9F987C5206F0}" srcOrd="3" destOrd="0" presId="urn:microsoft.com/office/officeart/2018/2/layout/IconCircleList"/>
+    <dgm:cxn modelId="{72DB67E4-6DB1-44CD-ACD7-B592888EDBE7}" type="presParOf" srcId="{2F5C4A36-61A9-4B55-86DB-FD62AE561A1D}" destId="{933100FF-5756-4A7F-AA76-73D51C626A0B}" srcOrd="4" destOrd="0" presId="urn:microsoft.com/office/officeart/2018/2/layout/IconCircleList"/>
+    <dgm:cxn modelId="{1BEC29C4-2575-4624-A6E1-BDA867D0355A}" type="presParOf" srcId="{933100FF-5756-4A7F-AA76-73D51C626A0B}" destId="{CA17F6FF-C49C-4848-81B9-FD2A4623D952}" srcOrd="0" destOrd="0" presId="urn:microsoft.com/office/officeart/2018/2/layout/IconCircleList"/>
+    <dgm:cxn modelId="{A54F9799-8B13-4CE5-878F-F5C245A4E6D1}" type="presParOf" srcId="{933100FF-5756-4A7F-AA76-73D51C626A0B}" destId="{C48B0B82-2AF2-48EC-BE94-D019F975B22F}" srcOrd="1" destOrd="0" presId="urn:microsoft.com/office/officeart/2018/2/layout/IconCircleList"/>
+    <dgm:cxn modelId="{A8549872-53E2-46C6-AEC4-88CD668247DF}" type="presParOf" srcId="{933100FF-5756-4A7F-AA76-73D51C626A0B}" destId="{DEF844BF-DA7A-4CE4-BECC-69472FDD6948}" srcOrd="2" destOrd="0" presId="urn:microsoft.com/office/officeart/2018/2/layout/IconCircleList"/>
+    <dgm:cxn modelId="{4017EE3F-1307-4612-AB8E-F7EA0FC999F2}" type="presParOf" srcId="{933100FF-5756-4A7F-AA76-73D51C626A0B}" destId="{5E53C6D9-492C-4856-88D3-212C0485A79B}" srcOrd="3" destOrd="0" presId="urn:microsoft.com/office/officeart/2018/2/layout/IconCircleList"/>
+    <dgm:cxn modelId="{BE651651-31AF-4E1C-AFCC-7FAA2CB028DF}" type="presParOf" srcId="{2F5C4A36-61A9-4B55-86DB-FD62AE561A1D}" destId="{8DD9CAF1-47F1-4D1A-84E4-0CD63CB24193}" srcOrd="5" destOrd="0" presId="urn:microsoft.com/office/officeart/2018/2/layout/IconCircleList"/>
+    <dgm:cxn modelId="{4E39A546-3021-4878-B762-A9089461890A}" type="presParOf" srcId="{2F5C4A36-61A9-4B55-86DB-FD62AE561A1D}" destId="{D7B7DDC3-88F8-452E-AD3E-9B0B74C7A05F}" srcOrd="6" destOrd="0" presId="urn:microsoft.com/office/officeart/2018/2/layout/IconCircleList"/>
+    <dgm:cxn modelId="{27A99FB8-7DC7-47C8-84E1-1AADF50CA575}" type="presParOf" srcId="{D7B7DDC3-88F8-452E-AD3E-9B0B74C7A05F}" destId="{D763B0A7-206E-4A5D-B7FE-DE84E896C6B7}" srcOrd="0" destOrd="0" presId="urn:microsoft.com/office/officeart/2018/2/layout/IconCircleList"/>
+    <dgm:cxn modelId="{FD50CEF3-C0DC-4465-8157-2F1CB27D0CD8}" type="presParOf" srcId="{D7B7DDC3-88F8-452E-AD3E-9B0B74C7A05F}" destId="{5C118268-880B-491B-8F05-C307A3FD1EEF}" srcOrd="1" destOrd="0" presId="urn:microsoft.com/office/officeart/2018/2/layout/IconCircleList"/>
+    <dgm:cxn modelId="{76E3C28D-F043-4910-8D2C-48A436DCB0CE}" type="presParOf" srcId="{D7B7DDC3-88F8-452E-AD3E-9B0B74C7A05F}" destId="{E05F1514-F6A0-430D-A5AA-1708EAA69478}" srcOrd="2" destOrd="0" presId="urn:microsoft.com/office/officeart/2018/2/layout/IconCircleList"/>
+    <dgm:cxn modelId="{4925EF1F-A3AB-4760-8D86-350E7363E8E8}" type="presParOf" srcId="{D7B7DDC3-88F8-452E-AD3E-9B0B74C7A05F}" destId="{4F41B5D8-0420-44DA-8CCE-A54ED4581DA5}" srcOrd="3" destOrd="0" presId="urn:microsoft.com/office/officeart/2018/2/layout/IconCircleList"/>
+  </dgm:cxnLst>
+  <dgm:bg/>
+  <dgm:whole/>
+  <dgm:extLst>
+    <a:ext uri="http://schemas.microsoft.com/office/drawing/2008/diagram">
+      <dsp:dataModelExt xmlns:dsp="http://schemas.microsoft.com/office/drawing/2008/diagram" relId="rId6" minVer="http://schemas.openxmlformats.org/drawingml/2006/diagram"/>
+    </a:ext>
+  </dgm:extLst>
+</dgm:dataModel>
+</file>
+
+<file path=ppt/diagrams/data2.xml><?xml version="1.0" encoding="utf-8"?>
+<dgm:dataModel xmlns:dgm="http://schemas.openxmlformats.org/drawingml/2006/diagram" xmlns:a="http://schemas.openxmlformats.org/drawingml/2006/main">
+  <dgm:ptLst>
+    <dgm:pt modelId="{B834FB79-2162-4D0C-9F1F-23ADF7AEAFCD}" type="doc">
+      <dgm:prSet loTypeId="urn:microsoft.com/office/officeart/2018/2/layout/IconCircleList" loCatId="icon" qsTypeId="urn:microsoft.com/office/officeart/2005/8/quickstyle/simple1" qsCatId="simple" csTypeId="urn:microsoft.com/office/officeart/2018/5/colors/Iconchunking_neutralicon_colorful1" csCatId="colorful" phldr="1"/>
+      <dgm:spPr/>
+      <dgm:t>
+        <a:bodyPr/>
+        <a:lstStyle/>
+        <a:p>
+          <a:endParaRPr lang="en-US"/>
+        </a:p>
+      </dgm:t>
+    </dgm:pt>
+    <dgm:pt modelId="{E89F5A65-925A-4E28-84FC-1387103EA764}">
+      <dgm:prSet/>
+      <dgm:spPr/>
+      <dgm:t>
+        <a:bodyPr/>
+        <a:lstStyle/>
+        <a:p>
+          <a:r>
+            <a:rPr lang="fr-FR"/>
+            <a:t>Need a human to teach SAI like a baby (Full time 54k €, send CV and ML at johnny.nguyen1192@gmail.com)</a:t>
+          </a:r>
+          <a:endParaRPr lang="en-US"/>
+        </a:p>
+      </dgm:t>
+    </dgm:pt>
+    <dgm:pt modelId="{6D3C70DE-99FB-45DE-B574-22F2929CE35F}" type="parTrans" cxnId="{A1BBBAC6-0FB0-4F16-AD57-494214ECFF27}">
+      <dgm:prSet/>
+      <dgm:spPr/>
+      <dgm:t>
+        <a:bodyPr/>
+        <a:lstStyle/>
+        <a:p>
+          <a:endParaRPr lang="en-US"/>
+        </a:p>
+      </dgm:t>
+    </dgm:pt>
+    <dgm:pt modelId="{56BA8963-4E8A-4D54-B3A2-3B0307660571}" type="sibTrans" cxnId="{A1BBBAC6-0FB0-4F16-AD57-494214ECFF27}">
+      <dgm:prSet/>
+      <dgm:spPr/>
+      <dgm:t>
+        <a:bodyPr/>
+        <a:lstStyle/>
+        <a:p>
+          <a:endParaRPr lang="en-US"/>
+        </a:p>
+      </dgm:t>
+    </dgm:pt>
+    <dgm:pt modelId="{DAEF1A01-0586-4D76-8845-45EC42806976}">
+      <dgm:prSet/>
+      <dgm:spPr/>
+      <dgm:t>
+        <a:bodyPr/>
+        <a:lstStyle/>
+        <a:p>
+          <a:r>
+            <a:rPr lang="fr-FR"/>
+            <a:t>The SAI will looks like the human teacher at the beginning</a:t>
+          </a:r>
+          <a:endParaRPr lang="en-US"/>
+        </a:p>
+      </dgm:t>
+    </dgm:pt>
+    <dgm:pt modelId="{436CF43D-B431-437B-BB23-9E32569A6E77}" type="parTrans" cxnId="{2DF2FA4E-402E-49B9-B33D-2DFD77A1C351}">
+      <dgm:prSet/>
+      <dgm:spPr/>
+      <dgm:t>
+        <a:bodyPr/>
+        <a:lstStyle/>
+        <a:p>
+          <a:endParaRPr lang="en-US"/>
+        </a:p>
+      </dgm:t>
+    </dgm:pt>
+    <dgm:pt modelId="{48BAB79B-D8F0-419F-8B53-A73F7C078285}" type="sibTrans" cxnId="{2DF2FA4E-402E-49B9-B33D-2DFD77A1C351}">
+      <dgm:prSet/>
+      <dgm:spPr/>
+      <dgm:t>
+        <a:bodyPr/>
+        <a:lstStyle/>
+        <a:p>
+          <a:endParaRPr lang="en-US"/>
+        </a:p>
+      </dgm:t>
+    </dgm:pt>
+    <dgm:pt modelId="{AC8AE052-6B08-4F07-B9C0-B40859761966}">
+      <dgm:prSet/>
+      <dgm:spPr/>
+      <dgm:t>
+        <a:bodyPr/>
+        <a:lstStyle/>
+        <a:p>
+          <a:r>
+            <a:rPr lang="fr-FR"/>
+            <a:t>After a threshold it will learn alone</a:t>
+          </a:r>
+          <a:endParaRPr lang="en-US"/>
+        </a:p>
+      </dgm:t>
+    </dgm:pt>
+    <dgm:pt modelId="{6E08440A-2993-466F-ABB8-07F2F0CE6620}" type="parTrans" cxnId="{BB58D6FE-9516-4958-BA65-A551F8053AF9}">
+      <dgm:prSet/>
+      <dgm:spPr/>
+      <dgm:t>
+        <a:bodyPr/>
+        <a:lstStyle/>
+        <a:p>
+          <a:endParaRPr lang="en-US"/>
+        </a:p>
+      </dgm:t>
+    </dgm:pt>
+    <dgm:pt modelId="{414BB75B-241F-4DC8-B6C1-B4A1120642D5}" type="sibTrans" cxnId="{BB58D6FE-9516-4958-BA65-A551F8053AF9}">
+      <dgm:prSet/>
+      <dgm:spPr/>
+      <dgm:t>
+        <a:bodyPr/>
+        <a:lstStyle/>
+        <a:p>
+          <a:endParaRPr lang="en-US"/>
+        </a:p>
+      </dgm:t>
+    </dgm:pt>
+    <dgm:pt modelId="{6F6696F7-A76C-4F1F-900D-D94D4475B68E}">
+      <dgm:prSet/>
+      <dgm:spPr/>
+      <dgm:t>
+        <a:bodyPr/>
+        <a:lstStyle/>
+        <a:p>
+          <a:r>
+            <a:rPr lang="fr-FR"/>
+            <a:t>Self learn need to be implemented</a:t>
+          </a:r>
+          <a:endParaRPr lang="en-US"/>
+        </a:p>
+      </dgm:t>
+    </dgm:pt>
+    <dgm:pt modelId="{279C19DB-A1DD-47AC-A577-7EA1B5C7871C}" type="parTrans" cxnId="{C56CCA49-B3DB-419F-A09F-44689C0E1D84}">
+      <dgm:prSet/>
+      <dgm:spPr/>
+      <dgm:t>
+        <a:bodyPr/>
+        <a:lstStyle/>
+        <a:p>
+          <a:endParaRPr lang="en-US"/>
+        </a:p>
+      </dgm:t>
+    </dgm:pt>
+    <dgm:pt modelId="{CBBD03DF-A6D5-498F-8B76-A7C8FC9B7401}" type="sibTrans" cxnId="{C56CCA49-B3DB-419F-A09F-44689C0E1D84}">
+      <dgm:prSet/>
+      <dgm:spPr/>
+      <dgm:t>
+        <a:bodyPr/>
+        <a:lstStyle/>
+        <a:p>
+          <a:endParaRPr lang="en-US"/>
+        </a:p>
+      </dgm:t>
+    </dgm:pt>
+    <dgm:pt modelId="{26891485-19D7-4915-BDBA-F44FA22E601A}" type="pres">
+      <dgm:prSet presAssocID="{B834FB79-2162-4D0C-9F1F-23ADF7AEAFCD}" presName="root" presStyleCnt="0">
+        <dgm:presLayoutVars>
+          <dgm:dir/>
+          <dgm:resizeHandles val="exact"/>
+        </dgm:presLayoutVars>
+      </dgm:prSet>
+      <dgm:spPr/>
+    </dgm:pt>
+    <dgm:pt modelId="{B7C7EDB2-1285-44A9-86B8-5652C4CA1D57}" type="pres">
+      <dgm:prSet presAssocID="{B834FB79-2162-4D0C-9F1F-23ADF7AEAFCD}" presName="container" presStyleCnt="0">
+        <dgm:presLayoutVars>
+          <dgm:dir/>
+          <dgm:resizeHandles val="exact"/>
+        </dgm:presLayoutVars>
+      </dgm:prSet>
+      <dgm:spPr/>
+    </dgm:pt>
+    <dgm:pt modelId="{0421EABE-A581-401E-A48A-559FB21F30DE}" type="pres">
+      <dgm:prSet presAssocID="{E89F5A65-925A-4E28-84FC-1387103EA764}" presName="compNode" presStyleCnt="0"/>
+      <dgm:spPr/>
+    </dgm:pt>
+    <dgm:pt modelId="{C285B816-DE28-4989-8F59-32ED62422662}" type="pres">
+      <dgm:prSet presAssocID="{E89F5A65-925A-4E28-84FC-1387103EA764}" presName="iconBgRect" presStyleLbl="bgShp" presStyleIdx="0" presStyleCnt="4"/>
+      <dgm:spPr/>
+    </dgm:pt>
+    <dgm:pt modelId="{5A493B98-1602-417C-BE98-6CBA404C67D5}" type="pres">
+      <dgm:prSet presAssocID="{E89F5A65-925A-4E28-84FC-1387103EA764}" presName="iconRect" presStyleLbl="node1" presStyleIdx="0" presStyleCnt="4"/>
+      <dgm:spPr>
+        <a:blipFill>
+          <a:blip xmlns:r="http://schemas.openxmlformats.org/officeDocument/2006/relationships" r:embed="rId1">
+            <a:extLst>
+              <a:ext uri="{28A0092B-C50C-407E-A947-70E740481C1C}">
+                <a14:useLocalDpi xmlns:a14="http://schemas.microsoft.com/office/drawing/2010/main" val="0"/>
+              </a:ext>
+              <a:ext uri="{96DAC541-7B7A-43D3-8B79-37D633B846F1}">
+                <asvg:svgBlip xmlns:asvg="http://schemas.microsoft.com/office/drawing/2016/SVG/main" r:embed="rId2"/>
+              </a:ext>
+            </a:extLst>
+          </a:blip>
+          <a:stretch>
+            <a:fillRect/>
+          </a:stretch>
+        </a:blipFill>
+        <a:ln>
+          <a:noFill/>
+        </a:ln>
+      </dgm:spPr>
+      <dgm:extLst>
+        <a:ext uri="{E40237B7-FDA0-4F09-8148-C483321AD2D9}">
+          <dgm14:cNvPr xmlns:dgm14="http://schemas.microsoft.com/office/drawing/2010/diagram" id="0" name="" descr="Envelope"/>
+        </a:ext>
+      </dgm:extLst>
+    </dgm:pt>
+    <dgm:pt modelId="{0AC30E9F-888E-4AB4-A4F6-ACEFDD23F4B4}" type="pres">
+      <dgm:prSet presAssocID="{E89F5A65-925A-4E28-84FC-1387103EA764}" presName="spaceRect" presStyleCnt="0"/>
+      <dgm:spPr/>
+    </dgm:pt>
+    <dgm:pt modelId="{D679CC72-D40E-4614-9F42-34108FFC48F1}" type="pres">
+      <dgm:prSet presAssocID="{E89F5A65-925A-4E28-84FC-1387103EA764}" presName="textRect" presStyleLbl="revTx" presStyleIdx="0" presStyleCnt="4">
+        <dgm:presLayoutVars>
+          <dgm:chMax val="1"/>
+          <dgm:chPref val="1"/>
+        </dgm:presLayoutVars>
+      </dgm:prSet>
+      <dgm:spPr/>
+    </dgm:pt>
+    <dgm:pt modelId="{0D59A8D9-87E8-4D43-BD73-3F55E5C934F0}" type="pres">
+      <dgm:prSet presAssocID="{56BA8963-4E8A-4D54-B3A2-3B0307660571}" presName="sibTrans" presStyleLbl="sibTrans2D1" presStyleIdx="0" presStyleCnt="0"/>
+      <dgm:spPr/>
+    </dgm:pt>
+    <dgm:pt modelId="{22A5CAC0-079B-476F-A49B-0DA53D7E8919}" type="pres">
+      <dgm:prSet presAssocID="{DAEF1A01-0586-4D76-8845-45EC42806976}" presName="compNode" presStyleCnt="0"/>
+      <dgm:spPr/>
+    </dgm:pt>
+    <dgm:pt modelId="{78886099-A8A3-481A-96A0-494757ED768A}" type="pres">
+      <dgm:prSet presAssocID="{DAEF1A01-0586-4D76-8845-45EC42806976}" presName="iconBgRect" presStyleLbl="bgShp" presStyleIdx="1" presStyleCnt="4"/>
+      <dgm:spPr/>
+    </dgm:pt>
+    <dgm:pt modelId="{AFAB46C1-CEE8-44B2-9A9E-890CB38F4DCE}" type="pres">
+      <dgm:prSet presAssocID="{DAEF1A01-0586-4D76-8845-45EC42806976}" presName="iconRect" presStyleLbl="node1" presStyleIdx="1" presStyleCnt="4"/>
+      <dgm:spPr>
+        <a:blipFill>
+          <a:blip xmlns:r="http://schemas.openxmlformats.org/officeDocument/2006/relationships" r:embed="rId3">
+            <a:extLst>
+              <a:ext uri="{28A0092B-C50C-407E-A947-70E740481C1C}">
+                <a14:useLocalDpi xmlns:a14="http://schemas.microsoft.com/office/drawing/2010/main" val="0"/>
+              </a:ext>
+              <a:ext uri="{96DAC541-7B7A-43D3-8B79-37D633B846F1}">
+                <asvg:svgBlip xmlns:asvg="http://schemas.microsoft.com/office/drawing/2016/SVG/main" r:embed="rId4"/>
+              </a:ext>
+            </a:extLst>
+          </a:blip>
+          <a:stretch>
+            <a:fillRect/>
+          </a:stretch>
+        </a:blipFill>
+        <a:ln>
+          <a:noFill/>
+        </a:ln>
+      </dgm:spPr>
+      <dgm:extLst>
+        <a:ext uri="{E40237B7-FDA0-4F09-8148-C483321AD2D9}">
+          <dgm14:cNvPr xmlns:dgm14="http://schemas.microsoft.com/office/drawing/2010/diagram" id="0" name="" descr="Classroom"/>
+        </a:ext>
+      </dgm:extLst>
+    </dgm:pt>
+    <dgm:pt modelId="{355BA161-A6B2-476D-A082-406FF746C2BC}" type="pres">
+      <dgm:prSet presAssocID="{DAEF1A01-0586-4D76-8845-45EC42806976}" presName="spaceRect" presStyleCnt="0"/>
+      <dgm:spPr/>
+    </dgm:pt>
+    <dgm:pt modelId="{184DDB7A-2752-48C7-8DCF-9291B921DB3B}" type="pres">
+      <dgm:prSet presAssocID="{DAEF1A01-0586-4D76-8845-45EC42806976}" presName="textRect" presStyleLbl="revTx" presStyleIdx="1" presStyleCnt="4">
+        <dgm:presLayoutVars>
+          <dgm:chMax val="1"/>
+          <dgm:chPref val="1"/>
+        </dgm:presLayoutVars>
+      </dgm:prSet>
+      <dgm:spPr/>
+    </dgm:pt>
+    <dgm:pt modelId="{E6C75B9F-125F-4458-B100-9CE93DD29D65}" type="pres">
+      <dgm:prSet presAssocID="{48BAB79B-D8F0-419F-8B53-A73F7C078285}" presName="sibTrans" presStyleLbl="sibTrans2D1" presStyleIdx="0" presStyleCnt="0"/>
+      <dgm:spPr/>
+    </dgm:pt>
+    <dgm:pt modelId="{9BC806CF-EC43-41B7-99D2-CEAA8C2AA644}" type="pres">
+      <dgm:prSet presAssocID="{AC8AE052-6B08-4F07-B9C0-B40859761966}" presName="compNode" presStyleCnt="0"/>
+      <dgm:spPr/>
+    </dgm:pt>
+    <dgm:pt modelId="{6B1BBADE-F959-4725-B384-3E06F3A1D582}" type="pres">
+      <dgm:prSet presAssocID="{AC8AE052-6B08-4F07-B9C0-B40859761966}" presName="iconBgRect" presStyleLbl="bgShp" presStyleIdx="2" presStyleCnt="4"/>
+      <dgm:spPr/>
+    </dgm:pt>
+    <dgm:pt modelId="{E4D2DA5F-15CD-4041-A141-6F5BB9589EB3}" type="pres">
+      <dgm:prSet presAssocID="{AC8AE052-6B08-4F07-B9C0-B40859761966}" presName="iconRect" presStyleLbl="node1" presStyleIdx="2" presStyleCnt="4"/>
+      <dgm:spPr>
+        <a:blipFill>
+          <a:blip xmlns:r="http://schemas.openxmlformats.org/officeDocument/2006/relationships" r:embed="rId5">
+            <a:extLst>
+              <a:ext uri="{28A0092B-C50C-407E-A947-70E740481C1C}">
+                <a14:useLocalDpi xmlns:a14="http://schemas.microsoft.com/office/drawing/2010/main" val="0"/>
+              </a:ext>
+              <a:ext uri="{96DAC541-7B7A-43D3-8B79-37D633B846F1}">
+                <asvg:svgBlip xmlns:asvg="http://schemas.microsoft.com/office/drawing/2016/SVG/main" r:embed="rId6"/>
+              </a:ext>
+            </a:extLst>
+          </a:blip>
+          <a:stretch>
+            <a:fillRect/>
+          </a:stretch>
+        </a:blipFill>
+        <a:ln>
+          <a:noFill/>
+        </a:ln>
+      </dgm:spPr>
+      <dgm:extLst>
+        <a:ext uri="{E40237B7-FDA0-4F09-8148-C483321AD2D9}">
+          <dgm14:cNvPr xmlns:dgm14="http://schemas.microsoft.com/office/drawing/2010/diagram" id="0" name="" descr="Maze"/>
+        </a:ext>
+      </dgm:extLst>
+    </dgm:pt>
+    <dgm:pt modelId="{3D608F99-7177-47DD-ABDE-75BCE1DBDD57}" type="pres">
+      <dgm:prSet presAssocID="{AC8AE052-6B08-4F07-B9C0-B40859761966}" presName="spaceRect" presStyleCnt="0"/>
+      <dgm:spPr/>
+    </dgm:pt>
+    <dgm:pt modelId="{C50D51F1-86E7-4DB6-B60B-13394E045A90}" type="pres">
+      <dgm:prSet presAssocID="{AC8AE052-6B08-4F07-B9C0-B40859761966}" presName="textRect" presStyleLbl="revTx" presStyleIdx="2" presStyleCnt="4">
+        <dgm:presLayoutVars>
+          <dgm:chMax val="1"/>
+          <dgm:chPref val="1"/>
+        </dgm:presLayoutVars>
+      </dgm:prSet>
+      <dgm:spPr/>
+    </dgm:pt>
+    <dgm:pt modelId="{A9003D8F-B77F-40BD-A0EB-F16D436A2B33}" type="pres">
+      <dgm:prSet presAssocID="{414BB75B-241F-4DC8-B6C1-B4A1120642D5}" presName="sibTrans" presStyleLbl="sibTrans2D1" presStyleIdx="0" presStyleCnt="0"/>
+      <dgm:spPr/>
+    </dgm:pt>
+    <dgm:pt modelId="{B81942CA-4998-40B9-B311-94A1D19F20F2}" type="pres">
+      <dgm:prSet presAssocID="{6F6696F7-A76C-4F1F-900D-D94D4475B68E}" presName="compNode" presStyleCnt="0"/>
+      <dgm:spPr/>
+    </dgm:pt>
+    <dgm:pt modelId="{92AD443F-7E38-4483-89A4-7350857B2914}" type="pres">
+      <dgm:prSet presAssocID="{6F6696F7-A76C-4F1F-900D-D94D4475B68E}" presName="iconBgRect" presStyleLbl="bgShp" presStyleIdx="3" presStyleCnt="4"/>
+      <dgm:spPr/>
+    </dgm:pt>
+    <dgm:pt modelId="{B76F3D8F-8470-41B5-9CE7-3158B071ADE3}" type="pres">
+      <dgm:prSet presAssocID="{6F6696F7-A76C-4F1F-900D-D94D4475B68E}" presName="iconRect" presStyleLbl="node1" presStyleIdx="3" presStyleCnt="4"/>
+      <dgm:spPr>
+        <a:blipFill>
+          <a:blip xmlns:r="http://schemas.openxmlformats.org/officeDocument/2006/relationships" r:embed="rId7">
+            <a:extLst>
+              <a:ext uri="{28A0092B-C50C-407E-A947-70E740481C1C}">
+                <a14:useLocalDpi xmlns:a14="http://schemas.microsoft.com/office/drawing/2010/main" val="0"/>
+              </a:ext>
+              <a:ext uri="{96DAC541-7B7A-43D3-8B79-37D633B846F1}">
+                <asvg:svgBlip xmlns:asvg="http://schemas.microsoft.com/office/drawing/2016/SVG/main" r:embed="rId8"/>
+              </a:ext>
+            </a:extLst>
+          </a:blip>
+          <a:stretch>
+            <a:fillRect/>
+          </a:stretch>
+        </a:blipFill>
+        <a:ln>
+          <a:noFill/>
+        </a:ln>
+      </dgm:spPr>
+      <dgm:extLst>
+        <a:ext uri="{E40237B7-FDA0-4F09-8148-C483321AD2D9}">
+          <dgm14:cNvPr xmlns:dgm14="http://schemas.microsoft.com/office/drawing/2010/diagram" id="0" name="" descr="Head with Gears"/>
+        </a:ext>
+      </dgm:extLst>
+    </dgm:pt>
+    <dgm:pt modelId="{551E86E1-7EF4-4276-B5E1-552628D19A6E}" type="pres">
+      <dgm:prSet presAssocID="{6F6696F7-A76C-4F1F-900D-D94D4475B68E}" presName="spaceRect" presStyleCnt="0"/>
+      <dgm:spPr/>
+    </dgm:pt>
+    <dgm:pt modelId="{7680DF34-7AE2-483D-9763-A75138296964}" type="pres">
+      <dgm:prSet presAssocID="{6F6696F7-A76C-4F1F-900D-D94D4475B68E}" presName="textRect" presStyleLbl="revTx" presStyleIdx="3" presStyleCnt="4">
+        <dgm:presLayoutVars>
+          <dgm:chMax val="1"/>
+          <dgm:chPref val="1"/>
+        </dgm:presLayoutVars>
+      </dgm:prSet>
+      <dgm:spPr/>
+    </dgm:pt>
+  </dgm:ptLst>
+  <dgm:cxnLst>
+    <dgm:cxn modelId="{1CF01F0F-4DC0-4D1E-8401-3D30E7266E69}" type="presOf" srcId="{48BAB79B-D8F0-419F-8B53-A73F7C078285}" destId="{E6C75B9F-125F-4458-B100-9CE93DD29D65}" srcOrd="0" destOrd="0" presId="urn:microsoft.com/office/officeart/2018/2/layout/IconCircleList"/>
+    <dgm:cxn modelId="{D18C0611-EC58-4031-9742-4A3BAF4B75B4}" type="presOf" srcId="{DAEF1A01-0586-4D76-8845-45EC42806976}" destId="{184DDB7A-2752-48C7-8DCF-9291B921DB3B}" srcOrd="0" destOrd="0" presId="urn:microsoft.com/office/officeart/2018/2/layout/IconCircleList"/>
+    <dgm:cxn modelId="{98896111-DC7A-46B2-BAA6-C180754EE2E9}" type="presOf" srcId="{E89F5A65-925A-4E28-84FC-1387103EA764}" destId="{D679CC72-D40E-4614-9F42-34108FFC48F1}" srcOrd="0" destOrd="0" presId="urn:microsoft.com/office/officeart/2018/2/layout/IconCircleList"/>
+    <dgm:cxn modelId="{55006C26-E288-471E-BFAE-0991B56577E9}" type="presOf" srcId="{56BA8963-4E8A-4D54-B3A2-3B0307660571}" destId="{0D59A8D9-87E8-4D43-BD73-3F55E5C934F0}" srcOrd="0" destOrd="0" presId="urn:microsoft.com/office/officeart/2018/2/layout/IconCircleList"/>
+    <dgm:cxn modelId="{C56CCA49-B3DB-419F-A09F-44689C0E1D84}" srcId="{B834FB79-2162-4D0C-9F1F-23ADF7AEAFCD}" destId="{6F6696F7-A76C-4F1F-900D-D94D4475B68E}" srcOrd="3" destOrd="0" parTransId="{279C19DB-A1DD-47AC-A577-7EA1B5C7871C}" sibTransId="{CBBD03DF-A6D5-498F-8B76-A7C8FC9B7401}"/>
+    <dgm:cxn modelId="{2DF2FA4E-402E-49B9-B33D-2DFD77A1C351}" srcId="{B834FB79-2162-4D0C-9F1F-23ADF7AEAFCD}" destId="{DAEF1A01-0586-4D76-8845-45EC42806976}" srcOrd="1" destOrd="0" parTransId="{436CF43D-B431-437B-BB23-9E32569A6E77}" sibTransId="{48BAB79B-D8F0-419F-8B53-A73F7C078285}"/>
+    <dgm:cxn modelId="{2CAB5F76-31A4-4A03-929C-35AD5C37AA18}" type="presOf" srcId="{B834FB79-2162-4D0C-9F1F-23ADF7AEAFCD}" destId="{26891485-19D7-4915-BDBA-F44FA22E601A}" srcOrd="0" destOrd="0" presId="urn:microsoft.com/office/officeart/2018/2/layout/IconCircleList"/>
+    <dgm:cxn modelId="{59E8FC93-041C-4086-B35B-D8CCBC36D4E1}" type="presOf" srcId="{6F6696F7-A76C-4F1F-900D-D94D4475B68E}" destId="{7680DF34-7AE2-483D-9763-A75138296964}" srcOrd="0" destOrd="0" presId="urn:microsoft.com/office/officeart/2018/2/layout/IconCircleList"/>
+    <dgm:cxn modelId="{A1BBBAC6-0FB0-4F16-AD57-494214ECFF27}" srcId="{B834FB79-2162-4D0C-9F1F-23ADF7AEAFCD}" destId="{E89F5A65-925A-4E28-84FC-1387103EA764}" srcOrd="0" destOrd="0" parTransId="{6D3C70DE-99FB-45DE-B574-22F2929CE35F}" sibTransId="{56BA8963-4E8A-4D54-B3A2-3B0307660571}"/>
+    <dgm:cxn modelId="{0EC6B8E3-BADF-4B33-B0A6-17238A672941}" type="presOf" srcId="{414BB75B-241F-4DC8-B6C1-B4A1120642D5}" destId="{A9003D8F-B77F-40BD-A0EB-F16D436A2B33}" srcOrd="0" destOrd="0" presId="urn:microsoft.com/office/officeart/2018/2/layout/IconCircleList"/>
+    <dgm:cxn modelId="{032DC9EF-65C3-4A36-A19F-F50154469432}" type="presOf" srcId="{AC8AE052-6B08-4F07-B9C0-B40859761966}" destId="{C50D51F1-86E7-4DB6-B60B-13394E045A90}" srcOrd="0" destOrd="0" presId="urn:microsoft.com/office/officeart/2018/2/layout/IconCircleList"/>
+    <dgm:cxn modelId="{BB58D6FE-9516-4958-BA65-A551F8053AF9}" srcId="{B834FB79-2162-4D0C-9F1F-23ADF7AEAFCD}" destId="{AC8AE052-6B08-4F07-B9C0-B40859761966}" srcOrd="2" destOrd="0" parTransId="{6E08440A-2993-466F-ABB8-07F2F0CE6620}" sibTransId="{414BB75B-241F-4DC8-B6C1-B4A1120642D5}"/>
+    <dgm:cxn modelId="{6E48C2E6-C54C-49A9-B61A-2D8D76AAE4C2}" type="presParOf" srcId="{26891485-19D7-4915-BDBA-F44FA22E601A}" destId="{B7C7EDB2-1285-44A9-86B8-5652C4CA1D57}" srcOrd="0" destOrd="0" presId="urn:microsoft.com/office/officeart/2018/2/layout/IconCircleList"/>
+    <dgm:cxn modelId="{9030EBE3-BFAB-4B81-AE8B-D2350341B2DE}" type="presParOf" srcId="{B7C7EDB2-1285-44A9-86B8-5652C4CA1D57}" destId="{0421EABE-A581-401E-A48A-559FB21F30DE}" srcOrd="0" destOrd="0" presId="urn:microsoft.com/office/officeart/2018/2/layout/IconCircleList"/>
+    <dgm:cxn modelId="{A16CB68D-26FA-445C-A3DD-C1CEB52C54CF}" type="presParOf" srcId="{0421EABE-A581-401E-A48A-559FB21F30DE}" destId="{C285B816-DE28-4989-8F59-32ED62422662}" srcOrd="0" destOrd="0" presId="urn:microsoft.com/office/officeart/2018/2/layout/IconCircleList"/>
+    <dgm:cxn modelId="{F9EEF66B-CDA5-4CD8-98BE-67ABF14E6928}" type="presParOf" srcId="{0421EABE-A581-401E-A48A-559FB21F30DE}" destId="{5A493B98-1602-417C-BE98-6CBA404C67D5}" srcOrd="1" destOrd="0" presId="urn:microsoft.com/office/officeart/2018/2/layout/IconCircleList"/>
+    <dgm:cxn modelId="{49D9E7DA-821F-4EA3-8689-387E3952375C}" type="presParOf" srcId="{0421EABE-A581-401E-A48A-559FB21F30DE}" destId="{0AC30E9F-888E-4AB4-A4F6-ACEFDD23F4B4}" srcOrd="2" destOrd="0" presId="urn:microsoft.com/office/officeart/2018/2/layout/IconCircleList"/>
+    <dgm:cxn modelId="{0736C3D7-7CE4-4403-A971-51B4C54F475C}" type="presParOf" srcId="{0421EABE-A581-401E-A48A-559FB21F30DE}" destId="{D679CC72-D40E-4614-9F42-34108FFC48F1}" srcOrd="3" destOrd="0" presId="urn:microsoft.com/office/officeart/2018/2/layout/IconCircleList"/>
+    <dgm:cxn modelId="{2A556C3B-10B5-4CC3-BE9B-4F2AA31B146B}" type="presParOf" srcId="{B7C7EDB2-1285-44A9-86B8-5652C4CA1D57}" destId="{0D59A8D9-87E8-4D43-BD73-3F55E5C934F0}" srcOrd="1" destOrd="0" presId="urn:microsoft.com/office/officeart/2018/2/layout/IconCircleList"/>
+    <dgm:cxn modelId="{E0A0F08A-227E-443E-BE3E-7CE3805C1B26}" type="presParOf" srcId="{B7C7EDB2-1285-44A9-86B8-5652C4CA1D57}" destId="{22A5CAC0-079B-476F-A49B-0DA53D7E8919}" srcOrd="2" destOrd="0" presId="urn:microsoft.com/office/officeart/2018/2/layout/IconCircleList"/>
+    <dgm:cxn modelId="{743C70D8-5BD7-4844-90B9-3D9263D70AE5}" type="presParOf" srcId="{22A5CAC0-079B-476F-A49B-0DA53D7E8919}" destId="{78886099-A8A3-481A-96A0-494757ED768A}" srcOrd="0" destOrd="0" presId="urn:microsoft.com/office/officeart/2018/2/layout/IconCircleList"/>
+    <dgm:cxn modelId="{D38B4957-08D3-4A40-A9D2-381B5A22BD61}" type="presParOf" srcId="{22A5CAC0-079B-476F-A49B-0DA53D7E8919}" destId="{AFAB46C1-CEE8-44B2-9A9E-890CB38F4DCE}" srcOrd="1" destOrd="0" presId="urn:microsoft.com/office/officeart/2018/2/layout/IconCircleList"/>
+    <dgm:cxn modelId="{17D52C78-A903-4A7A-BA26-9A30BB9A2FCB}" type="presParOf" srcId="{22A5CAC0-079B-476F-A49B-0DA53D7E8919}" destId="{355BA161-A6B2-476D-A082-406FF746C2BC}" srcOrd="2" destOrd="0" presId="urn:microsoft.com/office/officeart/2018/2/layout/IconCircleList"/>
+    <dgm:cxn modelId="{F8A65A3E-82C7-48A2-BD05-2B231C866422}" type="presParOf" srcId="{22A5CAC0-079B-476F-A49B-0DA53D7E8919}" destId="{184DDB7A-2752-48C7-8DCF-9291B921DB3B}" srcOrd="3" destOrd="0" presId="urn:microsoft.com/office/officeart/2018/2/layout/IconCircleList"/>
+    <dgm:cxn modelId="{22A1FDC0-80CE-4AE7-BBE5-5B1135EE88F8}" type="presParOf" srcId="{B7C7EDB2-1285-44A9-86B8-5652C4CA1D57}" destId="{E6C75B9F-125F-4458-B100-9CE93DD29D65}" srcOrd="3" destOrd="0" presId="urn:microsoft.com/office/officeart/2018/2/layout/IconCircleList"/>
+    <dgm:cxn modelId="{3E1A9094-F555-4DA2-B5A3-4CB28383BB5C}" type="presParOf" srcId="{B7C7EDB2-1285-44A9-86B8-5652C4CA1D57}" destId="{9BC806CF-EC43-41B7-99D2-CEAA8C2AA644}" srcOrd="4" destOrd="0" presId="urn:microsoft.com/office/officeart/2018/2/layout/IconCircleList"/>
+    <dgm:cxn modelId="{3D9CA58C-BE8F-428A-9A23-30B64C4D9A66}" type="presParOf" srcId="{9BC806CF-EC43-41B7-99D2-CEAA8C2AA644}" destId="{6B1BBADE-F959-4725-B384-3E06F3A1D582}" srcOrd="0" destOrd="0" presId="urn:microsoft.com/office/officeart/2018/2/layout/IconCircleList"/>
+    <dgm:cxn modelId="{50C0F725-81A8-4E71-A7CF-4BF89F94A898}" type="presParOf" srcId="{9BC806CF-EC43-41B7-99D2-CEAA8C2AA644}" destId="{E4D2DA5F-15CD-4041-A141-6F5BB9589EB3}" srcOrd="1" destOrd="0" presId="urn:microsoft.com/office/officeart/2018/2/layout/IconCircleList"/>
+    <dgm:cxn modelId="{1634D21F-F9C7-4415-BC1A-A7CB6E95D6AE}" type="presParOf" srcId="{9BC806CF-EC43-41B7-99D2-CEAA8C2AA644}" destId="{3D608F99-7177-47DD-ABDE-75BCE1DBDD57}" srcOrd="2" destOrd="0" presId="urn:microsoft.com/office/officeart/2018/2/layout/IconCircleList"/>
+    <dgm:cxn modelId="{3489D4EE-10C8-4318-BDAA-C7DBE8431C54}" type="presParOf" srcId="{9BC806CF-EC43-41B7-99D2-CEAA8C2AA644}" destId="{C50D51F1-86E7-4DB6-B60B-13394E045A90}" srcOrd="3" destOrd="0" presId="urn:microsoft.com/office/officeart/2018/2/layout/IconCircleList"/>
+    <dgm:cxn modelId="{BB7DCB81-522E-4E4B-92BA-A8B797740F64}" type="presParOf" srcId="{B7C7EDB2-1285-44A9-86B8-5652C4CA1D57}" destId="{A9003D8F-B77F-40BD-A0EB-F16D436A2B33}" srcOrd="5" destOrd="0" presId="urn:microsoft.com/office/officeart/2018/2/layout/IconCircleList"/>
+    <dgm:cxn modelId="{4BC125E6-3586-474B-82AC-95734F6C8CF5}" type="presParOf" srcId="{B7C7EDB2-1285-44A9-86B8-5652C4CA1D57}" destId="{B81942CA-4998-40B9-B311-94A1D19F20F2}" srcOrd="6" destOrd="0" presId="urn:microsoft.com/office/officeart/2018/2/layout/IconCircleList"/>
+    <dgm:cxn modelId="{50C16EC3-67D3-4F10-AAA4-96D607D247E5}" type="presParOf" srcId="{B81942CA-4998-40B9-B311-94A1D19F20F2}" destId="{92AD443F-7E38-4483-89A4-7350857B2914}" srcOrd="0" destOrd="0" presId="urn:microsoft.com/office/officeart/2018/2/layout/IconCircleList"/>
+    <dgm:cxn modelId="{EFE5A4B9-9BCB-4A8B-A825-AD5C35562E3F}" type="presParOf" srcId="{B81942CA-4998-40B9-B311-94A1D19F20F2}" destId="{B76F3D8F-8470-41B5-9CE7-3158B071ADE3}" srcOrd="1" destOrd="0" presId="urn:microsoft.com/office/officeart/2018/2/layout/IconCircleList"/>
+    <dgm:cxn modelId="{70C7726E-282D-4F40-AFDB-AC252F517A58}" type="presParOf" srcId="{B81942CA-4998-40B9-B311-94A1D19F20F2}" destId="{551E86E1-7EF4-4276-B5E1-552628D19A6E}" srcOrd="2" destOrd="0" presId="urn:microsoft.com/office/officeart/2018/2/layout/IconCircleList"/>
+    <dgm:cxn modelId="{54AEBBA9-6D89-4F03-A834-749106B8CD96}" type="presParOf" srcId="{B81942CA-4998-40B9-B311-94A1D19F20F2}" destId="{7680DF34-7AE2-483D-9763-A75138296964}" srcOrd="3" destOrd="0" presId="urn:microsoft.com/office/officeart/2018/2/layout/IconCircleList"/>
+  </dgm:cxnLst>
+  <dgm:bg/>
+  <dgm:whole/>
+  <dgm:extLst>
+    <a:ext uri="http://schemas.microsoft.com/office/drawing/2008/diagram">
+      <dsp:dataModelExt xmlns:dsp="http://schemas.microsoft.com/office/drawing/2008/diagram" relId="rId6" minVer="http://schemas.openxmlformats.org/drawingml/2006/diagram"/>
+    </a:ext>
+  </dgm:extLst>
+</dgm:dataModel>
+</file>
+
+<file path=ppt/diagrams/drawing1.xml><?xml version="1.0" encoding="utf-8"?>
+<dsp:drawing xmlns:dgm="http://schemas.openxmlformats.org/drawingml/2006/diagram" xmlns:dsp="http://schemas.microsoft.com/office/drawing/2008/diagram" xmlns:a="http://schemas.openxmlformats.org/drawingml/2006/main">
+  <dsp:spTree>
+    <dsp:nvGrpSpPr>
+      <dsp:cNvPr id="0" name=""/>
+      <dsp:cNvGrpSpPr/>
+    </dsp:nvGrpSpPr>
+    <dsp:grpSpPr/>
+    <dsp:sp modelId="{33F81ACD-E0D3-427E-B61A-04F2D5B43747}">
+      <dsp:nvSpPr>
+        <dsp:cNvPr id="0" name=""/>
+        <dsp:cNvSpPr/>
+      </dsp:nvSpPr>
+      <dsp:spPr>
+        <a:xfrm>
+          <a:off x="11865" y="1162616"/>
+          <a:ext cx="816399" cy="816399"/>
+        </a:xfrm>
+        <a:prstGeom prst="ellipse">
+          <a:avLst/>
+        </a:prstGeom>
+        <a:solidFill>
+          <a:schemeClr val="accent2">
+            <a:hueOff val="0"/>
+            <a:satOff val="0"/>
+            <a:lumOff val="0"/>
+            <a:alphaOff val="0"/>
+          </a:schemeClr>
+        </a:solidFill>
+        <a:ln>
+          <a:noFill/>
+        </a:ln>
+        <a:effectLst/>
+      </dsp:spPr>
+      <dsp:style>
+        <a:lnRef idx="0">
+          <a:scrgbClr r="0" g="0" b="0"/>
+        </a:lnRef>
+        <a:fillRef idx="1">
+          <a:scrgbClr r="0" g="0" b="0"/>
+        </a:fillRef>
+        <a:effectRef idx="0">
+          <a:scrgbClr r="0" g="0" b="0"/>
+        </a:effectRef>
+        <a:fontRef idx="minor"/>
+      </dsp:style>
+    </dsp:sp>
+    <dsp:sp modelId="{1729012C-5F9D-4084-88FC-1706873CCD8F}">
+      <dsp:nvSpPr>
+        <dsp:cNvPr id="0" name=""/>
+        <dsp:cNvSpPr/>
+      </dsp:nvSpPr>
+      <dsp:spPr>
+        <a:xfrm>
+          <a:off x="183308" y="1334060"/>
+          <a:ext cx="473511" cy="473511"/>
+        </a:xfrm>
+        <a:prstGeom prst="rect">
+          <a:avLst/>
+        </a:prstGeom>
+        <a:blipFill>
+          <a:blip xmlns:r="http://schemas.openxmlformats.org/officeDocument/2006/relationships" r:embed="rId1">
+            <a:extLst>
+              <a:ext uri="{28A0092B-C50C-407E-A947-70E740481C1C}">
+                <a14:useLocalDpi xmlns:a14="http://schemas.microsoft.com/office/drawing/2010/main" val="0"/>
+              </a:ext>
+              <a:ext uri="{96DAC541-7B7A-43D3-8B79-37D633B846F1}">
+                <asvg:svgBlip xmlns:asvg="http://schemas.microsoft.com/office/drawing/2016/SVG/main" r:embed="rId2"/>
+              </a:ext>
+            </a:extLst>
+          </a:blip>
+          <a:stretch>
+            <a:fillRect/>
+          </a:stretch>
+        </a:blipFill>
+        <a:ln w="15875" cap="rnd" cmpd="sng" algn="ctr">
+          <a:noFill/>
+          <a:prstDash val="solid"/>
+        </a:ln>
+        <a:effectLst/>
+      </dsp:spPr>
+      <dsp:style>
+        <a:lnRef idx="2">
+          <a:scrgbClr r="0" g="0" b="0"/>
+        </a:lnRef>
+        <a:fillRef idx="1">
+          <a:scrgbClr r="0" g="0" b="0"/>
+        </a:fillRef>
+        <a:effectRef idx="0">
+          <a:scrgbClr r="0" g="0" b="0"/>
+        </a:effectRef>
+        <a:fontRef idx="minor">
+          <a:schemeClr val="lt1"/>
+        </a:fontRef>
+      </dsp:style>
+    </dsp:sp>
+    <dsp:sp modelId="{60934E4A-A76A-4365-BDB8-0D8D68F07CE5}">
+      <dsp:nvSpPr>
+        <dsp:cNvPr id="0" name=""/>
+        <dsp:cNvSpPr/>
+      </dsp:nvSpPr>
+      <dsp:spPr>
+        <a:xfrm>
+          <a:off x="1003206" y="1162616"/>
+          <a:ext cx="1924369" cy="816399"/>
+        </a:xfrm>
+        <a:prstGeom prst="rect">
+          <a:avLst/>
+        </a:prstGeom>
+        <a:noFill/>
+        <a:ln>
+          <a:noFill/>
+        </a:ln>
+        <a:effectLst/>
+      </dsp:spPr>
+      <dsp:style>
+        <a:lnRef idx="0">
+          <a:scrgbClr r="0" g="0" b="0"/>
+        </a:lnRef>
+        <a:fillRef idx="0">
+          <a:scrgbClr r="0" g="0" b="0"/>
+        </a:fillRef>
+        <a:effectRef idx="0">
+          <a:scrgbClr r="0" g="0" b="0"/>
+        </a:effectRef>
+        <a:fontRef idx="minor"/>
+      </dsp:style>
+      <dsp:txBody>
+        <a:bodyPr spcFirstLastPara="0" vert="horz" wrap="square" lIns="0" tIns="0" rIns="0" bIns="0" numCol="1" spcCol="1270" anchor="ctr" anchorCtr="0">
+          <a:noAutofit/>
+        </a:bodyPr>
+        <a:lstStyle/>
+        <a:p>
+          <a:pPr marL="0" lvl="0" indent="0" algn="l" defTabSz="622300">
+            <a:lnSpc>
+              <a:spcPct val="90000"/>
+            </a:lnSpc>
+            <a:spcBef>
+              <a:spcPct val="0"/>
+            </a:spcBef>
+            <a:spcAft>
+              <a:spcPct val="35000"/>
+            </a:spcAft>
+            <a:buNone/>
+          </a:pPr>
+          <a:r>
+            <a:rPr lang="fr-FR" sz="1400" kern="1200"/>
+            <a:t>Work at home after gratuated on Master</a:t>
+          </a:r>
+          <a:endParaRPr lang="en-US" sz="1400" kern="1200"/>
+        </a:p>
+      </dsp:txBody>
+      <dsp:txXfrm>
+        <a:off x="1003206" y="1162616"/>
+        <a:ext cx="1924369" cy="816399"/>
+      </dsp:txXfrm>
+    </dsp:sp>
+    <dsp:sp modelId="{080132D8-5D7B-483C-8400-D78EF0CF843A}">
+      <dsp:nvSpPr>
+        <dsp:cNvPr id="0" name=""/>
+        <dsp:cNvSpPr/>
+      </dsp:nvSpPr>
+      <dsp:spPr>
+        <a:xfrm>
+          <a:off x="3262882" y="1162616"/>
+          <a:ext cx="816399" cy="816399"/>
+        </a:xfrm>
+        <a:prstGeom prst="ellipse">
+          <a:avLst/>
+        </a:prstGeom>
+        <a:solidFill>
+          <a:schemeClr val="accent3">
+            <a:hueOff val="0"/>
+            <a:satOff val="0"/>
+            <a:lumOff val="0"/>
+            <a:alphaOff val="0"/>
+          </a:schemeClr>
+        </a:solidFill>
+        <a:ln>
+          <a:noFill/>
+        </a:ln>
+        <a:effectLst/>
+      </dsp:spPr>
+      <dsp:style>
+        <a:lnRef idx="0">
+          <a:scrgbClr r="0" g="0" b="0"/>
+        </a:lnRef>
+        <a:fillRef idx="1">
+          <a:scrgbClr r="0" g="0" b="0"/>
+        </a:fillRef>
+        <a:effectRef idx="0">
+          <a:scrgbClr r="0" g="0" b="0"/>
+        </a:effectRef>
+        <a:fontRef idx="minor"/>
+      </dsp:style>
+    </dsp:sp>
+    <dsp:sp modelId="{D5B97B5B-CCBF-4279-AD0E-8549CC76091C}">
+      <dsp:nvSpPr>
+        <dsp:cNvPr id="0" name=""/>
+        <dsp:cNvSpPr/>
+      </dsp:nvSpPr>
+      <dsp:spPr>
+        <a:xfrm>
+          <a:off x="3434326" y="1334060"/>
+          <a:ext cx="473511" cy="473511"/>
+        </a:xfrm>
+        <a:prstGeom prst="rect">
+          <a:avLst/>
+        </a:prstGeom>
+        <a:blipFill>
+          <a:blip xmlns:r="http://schemas.openxmlformats.org/officeDocument/2006/relationships" r:embed="rId3">
+            <a:extLst>
+              <a:ext uri="{28A0092B-C50C-407E-A947-70E740481C1C}">
+                <a14:useLocalDpi xmlns:a14="http://schemas.microsoft.com/office/drawing/2010/main" val="0"/>
+              </a:ext>
+              <a:ext uri="{96DAC541-7B7A-43D3-8B79-37D633B846F1}">
+                <asvg:svgBlip xmlns:asvg="http://schemas.microsoft.com/office/drawing/2016/SVG/main" r:embed="rId4"/>
+              </a:ext>
+            </a:extLst>
+          </a:blip>
+          <a:stretch>
+            <a:fillRect/>
+          </a:stretch>
+        </a:blipFill>
+        <a:ln w="15875" cap="rnd" cmpd="sng" algn="ctr">
+          <a:noFill/>
+          <a:prstDash val="solid"/>
+        </a:ln>
+        <a:effectLst/>
+      </dsp:spPr>
+      <dsp:style>
+        <a:lnRef idx="2">
+          <a:scrgbClr r="0" g="0" b="0"/>
+        </a:lnRef>
+        <a:fillRef idx="1">
+          <a:scrgbClr r="0" g="0" b="0"/>
+        </a:fillRef>
+        <a:effectRef idx="0">
+          <a:scrgbClr r="0" g="0" b="0"/>
+        </a:effectRef>
+        <a:fontRef idx="minor">
+          <a:schemeClr val="lt1"/>
+        </a:fontRef>
+      </dsp:style>
+    </dsp:sp>
+    <dsp:sp modelId="{00D8476A-5428-4AE7-B218-61DA5B75A78D}">
+      <dsp:nvSpPr>
+        <dsp:cNvPr id="0" name=""/>
+        <dsp:cNvSpPr/>
+      </dsp:nvSpPr>
+      <dsp:spPr>
+        <a:xfrm>
+          <a:off x="4254224" y="1162616"/>
+          <a:ext cx="1924369" cy="816399"/>
+        </a:xfrm>
+        <a:prstGeom prst="rect">
+          <a:avLst/>
+        </a:prstGeom>
+        <a:noFill/>
+        <a:ln>
+          <a:noFill/>
+        </a:ln>
+        <a:effectLst/>
+      </dsp:spPr>
+      <dsp:style>
+        <a:lnRef idx="0">
+          <a:scrgbClr r="0" g="0" b="0"/>
+        </a:lnRef>
+        <a:fillRef idx="0">
+          <a:scrgbClr r="0" g="0" b="0"/>
+        </a:fillRef>
+        <a:effectRef idx="0">
+          <a:scrgbClr r="0" g="0" b="0"/>
+        </a:effectRef>
+        <a:fontRef idx="minor"/>
+      </dsp:style>
+      <dsp:txBody>
+        <a:bodyPr spcFirstLastPara="0" vert="horz" wrap="square" lIns="0" tIns="0" rIns="0" bIns="0" numCol="1" spcCol="1270" anchor="ctr" anchorCtr="0">
+          <a:noAutofit/>
+        </a:bodyPr>
+        <a:lstStyle/>
+        <a:p>
+          <a:pPr marL="0" lvl="0" indent="0" algn="l" defTabSz="622300">
+            <a:lnSpc>
+              <a:spcPct val="90000"/>
+            </a:lnSpc>
+            <a:spcBef>
+              <a:spcPct val="0"/>
+            </a:spcBef>
+            <a:spcAft>
+              <a:spcPct val="35000"/>
+            </a:spcAft>
+            <a:buNone/>
+          </a:pPr>
+          <a:r>
+            <a:rPr lang="fr-FR" sz="1400" kern="1200"/>
+            <a:t>Standard IA too weak to learn complex things</a:t>
+          </a:r>
+          <a:endParaRPr lang="en-US" sz="1400" kern="1200"/>
+        </a:p>
+      </dsp:txBody>
+      <dsp:txXfrm>
+        <a:off x="4254224" y="1162616"/>
+        <a:ext cx="1924369" cy="816399"/>
+      </dsp:txXfrm>
+    </dsp:sp>
+    <dsp:sp modelId="{CA17F6FF-C49C-4848-81B9-FD2A4623D952}">
+      <dsp:nvSpPr>
+        <dsp:cNvPr id="0" name=""/>
+        <dsp:cNvSpPr/>
+      </dsp:nvSpPr>
+      <dsp:spPr>
+        <a:xfrm>
+          <a:off x="11865" y="2789697"/>
+          <a:ext cx="816399" cy="816399"/>
+        </a:xfrm>
+        <a:prstGeom prst="ellipse">
+          <a:avLst/>
+        </a:prstGeom>
+        <a:solidFill>
+          <a:schemeClr val="accent4">
+            <a:hueOff val="0"/>
+            <a:satOff val="0"/>
+            <a:lumOff val="0"/>
+            <a:alphaOff val="0"/>
+          </a:schemeClr>
+        </a:solidFill>
+        <a:ln>
+          <a:noFill/>
+        </a:ln>
+        <a:effectLst/>
+      </dsp:spPr>
+      <dsp:style>
+        <a:lnRef idx="0">
+          <a:scrgbClr r="0" g="0" b="0"/>
+        </a:lnRef>
+        <a:fillRef idx="1">
+          <a:scrgbClr r="0" g="0" b="0"/>
+        </a:fillRef>
+        <a:effectRef idx="0">
+          <a:scrgbClr r="0" g="0" b="0"/>
+        </a:effectRef>
+        <a:fontRef idx="minor"/>
+      </dsp:style>
+    </dsp:sp>
+    <dsp:sp modelId="{C48B0B82-2AF2-48EC-BE94-D019F975B22F}">
+      <dsp:nvSpPr>
+        <dsp:cNvPr id="0" name=""/>
+        <dsp:cNvSpPr/>
+      </dsp:nvSpPr>
+      <dsp:spPr>
+        <a:xfrm>
+          <a:off x="183308" y="2961140"/>
+          <a:ext cx="473511" cy="473511"/>
+        </a:xfrm>
+        <a:prstGeom prst="rect">
+          <a:avLst/>
+        </a:prstGeom>
+        <a:blipFill>
+          <a:blip xmlns:r="http://schemas.openxmlformats.org/officeDocument/2006/relationships" r:embed="rId5">
+            <a:extLst>
+              <a:ext uri="{28A0092B-C50C-407E-A947-70E740481C1C}">
+                <a14:useLocalDpi xmlns:a14="http://schemas.microsoft.com/office/drawing/2010/main" val="0"/>
+              </a:ext>
+              <a:ext uri="{96DAC541-7B7A-43D3-8B79-37D633B846F1}">
+                <asvg:svgBlip xmlns:asvg="http://schemas.microsoft.com/office/drawing/2016/SVG/main" r:embed="rId6"/>
+              </a:ext>
+            </a:extLst>
+          </a:blip>
+          <a:stretch>
+            <a:fillRect/>
+          </a:stretch>
+        </a:blipFill>
+        <a:ln w="15875" cap="rnd" cmpd="sng" algn="ctr">
+          <a:noFill/>
+          <a:prstDash val="solid"/>
+        </a:ln>
+        <a:effectLst/>
+      </dsp:spPr>
+      <dsp:style>
+        <a:lnRef idx="2">
+          <a:scrgbClr r="0" g="0" b="0"/>
+        </a:lnRef>
+        <a:fillRef idx="1">
+          <a:scrgbClr r="0" g="0" b="0"/>
+        </a:fillRef>
+        <a:effectRef idx="0">
+          <a:scrgbClr r="0" g="0" b="0"/>
+        </a:effectRef>
+        <a:fontRef idx="minor">
+          <a:schemeClr val="lt1"/>
+        </a:fontRef>
+      </dsp:style>
+    </dsp:sp>
+    <dsp:sp modelId="{5E53C6D9-492C-4856-88D3-212C0485A79B}">
+      <dsp:nvSpPr>
+        <dsp:cNvPr id="0" name=""/>
+        <dsp:cNvSpPr/>
+      </dsp:nvSpPr>
+      <dsp:spPr>
+        <a:xfrm>
+          <a:off x="1003206" y="2789697"/>
+          <a:ext cx="1924369" cy="816399"/>
+        </a:xfrm>
+        <a:prstGeom prst="rect">
+          <a:avLst/>
+        </a:prstGeom>
+        <a:noFill/>
+        <a:ln>
+          <a:noFill/>
+        </a:ln>
+        <a:effectLst/>
+      </dsp:spPr>
+      <dsp:style>
+        <a:lnRef idx="0">
+          <a:scrgbClr r="0" g="0" b="0"/>
+        </a:lnRef>
+        <a:fillRef idx="0">
+          <a:scrgbClr r="0" g="0" b="0"/>
+        </a:fillRef>
+        <a:effectRef idx="0">
+          <a:scrgbClr r="0" g="0" b="0"/>
+        </a:effectRef>
+        <a:fontRef idx="minor"/>
+      </dsp:style>
+      <dsp:txBody>
+        <a:bodyPr spcFirstLastPara="0" vert="horz" wrap="square" lIns="0" tIns="0" rIns="0" bIns="0" numCol="1" spcCol="1270" anchor="ctr" anchorCtr="0">
+          <a:noAutofit/>
+        </a:bodyPr>
+        <a:lstStyle/>
+        <a:p>
+          <a:pPr marL="0" lvl="0" indent="0" algn="l" defTabSz="622300">
+            <a:lnSpc>
+              <a:spcPct val="90000"/>
+            </a:lnSpc>
+            <a:spcBef>
+              <a:spcPct val="0"/>
+            </a:spcBef>
+            <a:spcAft>
+              <a:spcPct val="35000"/>
+            </a:spcAft>
+            <a:buNone/>
+          </a:pPr>
+          <a:r>
+            <a:rPr lang="fr-FR" sz="1400" kern="1200"/>
+            <a:t>New technology using daily report and voice command</a:t>
+          </a:r>
+          <a:endParaRPr lang="en-US" sz="1400" kern="1200"/>
+        </a:p>
+      </dsp:txBody>
+      <dsp:txXfrm>
+        <a:off x="1003206" y="2789697"/>
+        <a:ext cx="1924369" cy="816399"/>
+      </dsp:txXfrm>
+    </dsp:sp>
+    <dsp:sp modelId="{D763B0A7-206E-4A5D-B7FE-DE84E896C6B7}">
+      <dsp:nvSpPr>
+        <dsp:cNvPr id="0" name=""/>
+        <dsp:cNvSpPr/>
+      </dsp:nvSpPr>
+      <dsp:spPr>
+        <a:xfrm>
+          <a:off x="3262882" y="2789697"/>
+          <a:ext cx="816399" cy="816399"/>
+        </a:xfrm>
+        <a:prstGeom prst="ellipse">
+          <a:avLst/>
+        </a:prstGeom>
+        <a:solidFill>
+          <a:schemeClr val="accent5">
+            <a:hueOff val="0"/>
+            <a:satOff val="0"/>
+            <a:lumOff val="0"/>
+            <a:alphaOff val="0"/>
+          </a:schemeClr>
+        </a:solidFill>
+        <a:ln>
+          <a:noFill/>
+        </a:ln>
+        <a:effectLst/>
+      </dsp:spPr>
+      <dsp:style>
+        <a:lnRef idx="0">
+          <a:scrgbClr r="0" g="0" b="0"/>
+        </a:lnRef>
+        <a:fillRef idx="1">
+          <a:scrgbClr r="0" g="0" b="0"/>
+        </a:fillRef>
+        <a:effectRef idx="0">
+          <a:scrgbClr r="0" g="0" b="0"/>
+        </a:effectRef>
+        <a:fontRef idx="minor"/>
+      </dsp:style>
+    </dsp:sp>
+    <dsp:sp modelId="{5C118268-880B-491B-8F05-C307A3FD1EEF}">
+      <dsp:nvSpPr>
+        <dsp:cNvPr id="0" name=""/>
+        <dsp:cNvSpPr/>
+      </dsp:nvSpPr>
+      <dsp:spPr>
+        <a:xfrm>
+          <a:off x="3434326" y="2961140"/>
+          <a:ext cx="473511" cy="473511"/>
+        </a:xfrm>
+        <a:prstGeom prst="rect">
+          <a:avLst/>
+        </a:prstGeom>
+        <a:blipFill>
+          <a:blip xmlns:r="http://schemas.openxmlformats.org/officeDocument/2006/relationships" r:embed="rId7">
+            <a:extLst>
+              <a:ext uri="{28A0092B-C50C-407E-A947-70E740481C1C}">
+                <a14:useLocalDpi xmlns:a14="http://schemas.microsoft.com/office/drawing/2010/main" val="0"/>
+              </a:ext>
+              <a:ext uri="{96DAC541-7B7A-43D3-8B79-37D633B846F1}">
+                <asvg:svgBlip xmlns:asvg="http://schemas.microsoft.com/office/drawing/2016/SVG/main" r:embed="rId8"/>
+              </a:ext>
+            </a:extLst>
+          </a:blip>
+          <a:stretch>
+            <a:fillRect/>
+          </a:stretch>
+        </a:blipFill>
+        <a:ln w="15875" cap="rnd" cmpd="sng" algn="ctr">
+          <a:noFill/>
+          <a:prstDash val="solid"/>
+        </a:ln>
+        <a:effectLst/>
+      </dsp:spPr>
+      <dsp:style>
+        <a:lnRef idx="2">
+          <a:scrgbClr r="0" g="0" b="0"/>
+        </a:lnRef>
+        <a:fillRef idx="1">
+          <a:scrgbClr r="0" g="0" b="0"/>
+        </a:fillRef>
+        <a:effectRef idx="0">
+          <a:scrgbClr r="0" g="0" b="0"/>
+        </a:effectRef>
+        <a:fontRef idx="minor">
+          <a:schemeClr val="lt1"/>
+        </a:fontRef>
+      </dsp:style>
+    </dsp:sp>
+    <dsp:sp modelId="{4F41B5D8-0420-44DA-8CCE-A54ED4581DA5}">
+      <dsp:nvSpPr>
+        <dsp:cNvPr id="0" name=""/>
+        <dsp:cNvSpPr/>
+      </dsp:nvSpPr>
+      <dsp:spPr>
+        <a:xfrm>
+          <a:off x="4254224" y="2789697"/>
+          <a:ext cx="1924369" cy="816399"/>
+        </a:xfrm>
+        <a:prstGeom prst="rect">
+          <a:avLst/>
+        </a:prstGeom>
+        <a:noFill/>
+        <a:ln>
+          <a:noFill/>
+        </a:ln>
+        <a:effectLst/>
+      </dsp:spPr>
+      <dsp:style>
+        <a:lnRef idx="0">
+          <a:scrgbClr r="0" g="0" b="0"/>
+        </a:lnRef>
+        <a:fillRef idx="0">
+          <a:scrgbClr r="0" g="0" b="0"/>
+        </a:fillRef>
+        <a:effectRef idx="0">
+          <a:scrgbClr r="0" g="0" b="0"/>
+        </a:effectRef>
+        <a:fontRef idx="minor"/>
+      </dsp:style>
+      <dsp:txBody>
+        <a:bodyPr spcFirstLastPara="0" vert="horz" wrap="square" lIns="0" tIns="0" rIns="0" bIns="0" numCol="1" spcCol="1270" anchor="ctr" anchorCtr="0">
+          <a:noAutofit/>
+        </a:bodyPr>
+        <a:lstStyle/>
+        <a:p>
+          <a:pPr marL="0" lvl="0" indent="0" algn="l" defTabSz="622300">
+            <a:lnSpc>
+              <a:spcPct val="90000"/>
+            </a:lnSpc>
+            <a:spcBef>
+              <a:spcPct val="0"/>
+            </a:spcBef>
+            <a:spcAft>
+              <a:spcPct val="35000"/>
+            </a:spcAft>
+            <a:buNone/>
+          </a:pPr>
+          <a:r>
+            <a:rPr lang="fr-FR" sz="1400" kern="1200"/>
+            <a:t>New reinforcement learning like a baby</a:t>
+          </a:r>
+          <a:endParaRPr lang="en-US" sz="1400" kern="1200"/>
+        </a:p>
+      </dsp:txBody>
+      <dsp:txXfrm>
+        <a:off x="4254224" y="2789697"/>
+        <a:ext cx="1924369" cy="816399"/>
+      </dsp:txXfrm>
+    </dsp:sp>
+  </dsp:spTree>
+</dsp:drawing>
+</file>
+
+<file path=ppt/diagrams/drawing2.xml><?xml version="1.0" encoding="utf-8"?>
+<dsp:drawing xmlns:dgm="http://schemas.openxmlformats.org/drawingml/2006/diagram" xmlns:dsp="http://schemas.microsoft.com/office/drawing/2008/diagram" xmlns:a="http://schemas.openxmlformats.org/drawingml/2006/main">
+  <dsp:spTree>
+    <dsp:nvGrpSpPr>
+      <dsp:cNvPr id="0" name=""/>
+      <dsp:cNvGrpSpPr/>
+    </dsp:nvGrpSpPr>
+    <dsp:grpSpPr/>
+    <dsp:sp modelId="{C285B816-DE28-4989-8F59-32ED62422662}">
+      <dsp:nvSpPr>
+        <dsp:cNvPr id="0" name=""/>
+        <dsp:cNvSpPr/>
+      </dsp:nvSpPr>
+      <dsp:spPr>
+        <a:xfrm>
+          <a:off x="264008" y="137531"/>
+          <a:ext cx="1362584" cy="1362584"/>
+        </a:xfrm>
+        <a:prstGeom prst="ellipse">
+          <a:avLst/>
+        </a:prstGeom>
+        <a:solidFill>
+          <a:schemeClr val="accent2">
+            <a:hueOff val="0"/>
+            <a:satOff val="0"/>
+            <a:lumOff val="0"/>
+            <a:alphaOff val="0"/>
+          </a:schemeClr>
+        </a:solidFill>
+        <a:ln>
+          <a:noFill/>
+        </a:ln>
+        <a:effectLst/>
+      </dsp:spPr>
+      <dsp:style>
+        <a:lnRef idx="0">
+          <a:scrgbClr r="0" g="0" b="0"/>
+        </a:lnRef>
+        <a:fillRef idx="1">
+          <a:scrgbClr r="0" g="0" b="0"/>
+        </a:fillRef>
+        <a:effectRef idx="0">
+          <a:scrgbClr r="0" g="0" b="0"/>
+        </a:effectRef>
+        <a:fontRef idx="minor"/>
+      </dsp:style>
+    </dsp:sp>
+    <dsp:sp modelId="{5A493B98-1602-417C-BE98-6CBA404C67D5}">
+      <dsp:nvSpPr>
+        <dsp:cNvPr id="0" name=""/>
+        <dsp:cNvSpPr/>
+      </dsp:nvSpPr>
+      <dsp:spPr>
+        <a:xfrm>
+          <a:off x="550151" y="423674"/>
+          <a:ext cx="790299" cy="790299"/>
+        </a:xfrm>
+        <a:prstGeom prst="rect">
+          <a:avLst/>
+        </a:prstGeom>
+        <a:blipFill>
+          <a:blip xmlns:r="http://schemas.openxmlformats.org/officeDocument/2006/relationships" r:embed="rId1">
+            <a:extLst>
+              <a:ext uri="{28A0092B-C50C-407E-A947-70E740481C1C}">
+                <a14:useLocalDpi xmlns:a14="http://schemas.microsoft.com/office/drawing/2010/main" val="0"/>
+              </a:ext>
+              <a:ext uri="{96DAC541-7B7A-43D3-8B79-37D633B846F1}">
+                <asvg:svgBlip xmlns:asvg="http://schemas.microsoft.com/office/drawing/2016/SVG/main" r:embed="rId2"/>
+              </a:ext>
+            </a:extLst>
+          </a:blip>
+          <a:stretch>
+            <a:fillRect/>
+          </a:stretch>
+        </a:blipFill>
+        <a:ln w="15875" cap="rnd" cmpd="sng" algn="ctr">
+          <a:noFill/>
+          <a:prstDash val="solid"/>
+        </a:ln>
+        <a:effectLst/>
+      </dsp:spPr>
+      <dsp:style>
+        <a:lnRef idx="2">
+          <a:scrgbClr r="0" g="0" b="0"/>
+        </a:lnRef>
+        <a:fillRef idx="1">
+          <a:scrgbClr r="0" g="0" b="0"/>
+        </a:fillRef>
+        <a:effectRef idx="0">
+          <a:scrgbClr r="0" g="0" b="0"/>
+        </a:effectRef>
+        <a:fontRef idx="minor">
+          <a:schemeClr val="lt1"/>
+        </a:fontRef>
+      </dsp:style>
+    </dsp:sp>
+    <dsp:sp modelId="{D679CC72-D40E-4614-9F42-34108FFC48F1}">
+      <dsp:nvSpPr>
+        <dsp:cNvPr id="0" name=""/>
+        <dsp:cNvSpPr/>
+      </dsp:nvSpPr>
+      <dsp:spPr>
+        <a:xfrm>
+          <a:off x="1918575" y="137531"/>
+          <a:ext cx="3211807" cy="1362584"/>
+        </a:xfrm>
+        <a:prstGeom prst="rect">
+          <a:avLst/>
+        </a:prstGeom>
+        <a:noFill/>
+        <a:ln>
+          <a:noFill/>
+        </a:ln>
+        <a:effectLst/>
+      </dsp:spPr>
+      <dsp:style>
+        <a:lnRef idx="0">
+          <a:scrgbClr r="0" g="0" b="0"/>
+        </a:lnRef>
+        <a:fillRef idx="0">
+          <a:scrgbClr r="0" g="0" b="0"/>
+        </a:fillRef>
+        <a:effectRef idx="0">
+          <a:scrgbClr r="0" g="0" b="0"/>
+        </a:effectRef>
+        <a:fontRef idx="minor"/>
+      </dsp:style>
+      <dsp:txBody>
+        <a:bodyPr spcFirstLastPara="0" vert="horz" wrap="square" lIns="0" tIns="0" rIns="0" bIns="0" numCol="1" spcCol="1270" anchor="ctr" anchorCtr="0">
+          <a:noAutofit/>
+        </a:bodyPr>
+        <a:lstStyle/>
+        <a:p>
+          <a:pPr marL="0" lvl="0" indent="0" algn="l" defTabSz="666750">
+            <a:lnSpc>
+              <a:spcPct val="90000"/>
+            </a:lnSpc>
+            <a:spcBef>
+              <a:spcPct val="0"/>
+            </a:spcBef>
+            <a:spcAft>
+              <a:spcPct val="35000"/>
+            </a:spcAft>
+            <a:buNone/>
+          </a:pPr>
+          <a:r>
+            <a:rPr lang="fr-FR" sz="1500" kern="1200"/>
+            <a:t>Need a human to teach SAI like a baby (Full time 54k €, send CV and ML at johnny.nguyen1192@gmail.com)</a:t>
+          </a:r>
+          <a:endParaRPr lang="en-US" sz="1500" kern="1200"/>
+        </a:p>
+      </dsp:txBody>
+      <dsp:txXfrm>
+        <a:off x="1918575" y="137531"/>
+        <a:ext cx="3211807" cy="1362584"/>
+      </dsp:txXfrm>
+    </dsp:sp>
+    <dsp:sp modelId="{78886099-A8A3-481A-96A0-494757ED768A}">
+      <dsp:nvSpPr>
+        <dsp:cNvPr id="0" name=""/>
+        <dsp:cNvSpPr/>
+      </dsp:nvSpPr>
+      <dsp:spPr>
+        <a:xfrm>
+          <a:off x="5690016" y="137531"/>
+          <a:ext cx="1362584" cy="1362584"/>
+        </a:xfrm>
+        <a:prstGeom prst="ellipse">
+          <a:avLst/>
+        </a:prstGeom>
+        <a:solidFill>
+          <a:schemeClr val="accent3">
+            <a:hueOff val="0"/>
+            <a:satOff val="0"/>
+            <a:lumOff val="0"/>
+            <a:alphaOff val="0"/>
+          </a:schemeClr>
+        </a:solidFill>
+        <a:ln>
+          <a:noFill/>
+        </a:ln>
+        <a:effectLst/>
+      </dsp:spPr>
+      <dsp:style>
+        <a:lnRef idx="0">
+          <a:scrgbClr r="0" g="0" b="0"/>
+        </a:lnRef>
+        <a:fillRef idx="1">
+          <a:scrgbClr r="0" g="0" b="0"/>
+        </a:fillRef>
+        <a:effectRef idx="0">
+          <a:scrgbClr r="0" g="0" b="0"/>
+        </a:effectRef>
+        <a:fontRef idx="minor"/>
+      </dsp:style>
+    </dsp:sp>
+    <dsp:sp modelId="{AFAB46C1-CEE8-44B2-9A9E-890CB38F4DCE}">
+      <dsp:nvSpPr>
+        <dsp:cNvPr id="0" name=""/>
+        <dsp:cNvSpPr/>
+      </dsp:nvSpPr>
+      <dsp:spPr>
+        <a:xfrm>
+          <a:off x="5976158" y="423674"/>
+          <a:ext cx="790299" cy="790299"/>
+        </a:xfrm>
+        <a:prstGeom prst="rect">
+          <a:avLst/>
+        </a:prstGeom>
+        <a:blipFill>
+          <a:blip xmlns:r="http://schemas.openxmlformats.org/officeDocument/2006/relationships" r:embed="rId3">
+            <a:extLst>
+              <a:ext uri="{28A0092B-C50C-407E-A947-70E740481C1C}">
+                <a14:useLocalDpi xmlns:a14="http://schemas.microsoft.com/office/drawing/2010/main" val="0"/>
+              </a:ext>
+              <a:ext uri="{96DAC541-7B7A-43D3-8B79-37D633B846F1}">
+                <asvg:svgBlip xmlns:asvg="http://schemas.microsoft.com/office/drawing/2016/SVG/main" r:embed="rId4"/>
+              </a:ext>
+            </a:extLst>
+          </a:blip>
+          <a:stretch>
+            <a:fillRect/>
+          </a:stretch>
+        </a:blipFill>
+        <a:ln w="15875" cap="rnd" cmpd="sng" algn="ctr">
+          <a:noFill/>
+          <a:prstDash val="solid"/>
+        </a:ln>
+        <a:effectLst/>
+      </dsp:spPr>
+      <dsp:style>
+        <a:lnRef idx="2">
+          <a:scrgbClr r="0" g="0" b="0"/>
+        </a:lnRef>
+        <a:fillRef idx="1">
+          <a:scrgbClr r="0" g="0" b="0"/>
+        </a:fillRef>
+        <a:effectRef idx="0">
+          <a:scrgbClr r="0" g="0" b="0"/>
+        </a:effectRef>
+        <a:fontRef idx="minor">
+          <a:schemeClr val="lt1"/>
+        </a:fontRef>
+      </dsp:style>
+    </dsp:sp>
+    <dsp:sp modelId="{184DDB7A-2752-48C7-8DCF-9291B921DB3B}">
+      <dsp:nvSpPr>
+        <dsp:cNvPr id="0" name=""/>
+        <dsp:cNvSpPr/>
+      </dsp:nvSpPr>
+      <dsp:spPr>
+        <a:xfrm>
+          <a:off x="7344583" y="137531"/>
+          <a:ext cx="3211807" cy="1362584"/>
+        </a:xfrm>
+        <a:prstGeom prst="rect">
+          <a:avLst/>
+        </a:prstGeom>
+        <a:noFill/>
+        <a:ln>
+          <a:noFill/>
+        </a:ln>
+        <a:effectLst/>
+      </dsp:spPr>
+      <dsp:style>
+        <a:lnRef idx="0">
+          <a:scrgbClr r="0" g="0" b="0"/>
+        </a:lnRef>
+        <a:fillRef idx="0">
+          <a:scrgbClr r="0" g="0" b="0"/>
+        </a:fillRef>
+        <a:effectRef idx="0">
+          <a:scrgbClr r="0" g="0" b="0"/>
+        </a:effectRef>
+        <a:fontRef idx="minor"/>
+      </dsp:style>
+      <dsp:txBody>
+        <a:bodyPr spcFirstLastPara="0" vert="horz" wrap="square" lIns="0" tIns="0" rIns="0" bIns="0" numCol="1" spcCol="1270" anchor="ctr" anchorCtr="0">
+          <a:noAutofit/>
+        </a:bodyPr>
+        <a:lstStyle/>
+        <a:p>
+          <a:pPr marL="0" lvl="0" indent="0" algn="l" defTabSz="666750">
+            <a:lnSpc>
+              <a:spcPct val="90000"/>
+            </a:lnSpc>
+            <a:spcBef>
+              <a:spcPct val="0"/>
+            </a:spcBef>
+            <a:spcAft>
+              <a:spcPct val="35000"/>
+            </a:spcAft>
+            <a:buNone/>
+          </a:pPr>
+          <a:r>
+            <a:rPr lang="fr-FR" sz="1500" kern="1200"/>
+            <a:t>The SAI will looks like the human teacher at the beginning</a:t>
+          </a:r>
+          <a:endParaRPr lang="en-US" sz="1500" kern="1200"/>
+        </a:p>
+      </dsp:txBody>
+      <dsp:txXfrm>
+        <a:off x="7344583" y="137531"/>
+        <a:ext cx="3211807" cy="1362584"/>
+      </dsp:txXfrm>
+    </dsp:sp>
+    <dsp:sp modelId="{6B1BBADE-F959-4725-B384-3E06F3A1D582}">
+      <dsp:nvSpPr>
+        <dsp:cNvPr id="0" name=""/>
+        <dsp:cNvSpPr/>
+      </dsp:nvSpPr>
+      <dsp:spPr>
+        <a:xfrm>
+          <a:off x="264008" y="2114621"/>
+          <a:ext cx="1362584" cy="1362584"/>
+        </a:xfrm>
+        <a:prstGeom prst="ellipse">
+          <a:avLst/>
+        </a:prstGeom>
+        <a:solidFill>
+          <a:schemeClr val="accent4">
+            <a:hueOff val="0"/>
+            <a:satOff val="0"/>
+            <a:lumOff val="0"/>
+            <a:alphaOff val="0"/>
+          </a:schemeClr>
+        </a:solidFill>
+        <a:ln>
+          <a:noFill/>
+        </a:ln>
+        <a:effectLst/>
+      </dsp:spPr>
+      <dsp:style>
+        <a:lnRef idx="0">
+          <a:scrgbClr r="0" g="0" b="0"/>
+        </a:lnRef>
+        <a:fillRef idx="1">
+          <a:scrgbClr r="0" g="0" b="0"/>
+        </a:fillRef>
+        <a:effectRef idx="0">
+          <a:scrgbClr r="0" g="0" b="0"/>
+        </a:effectRef>
+        <a:fontRef idx="minor"/>
+      </dsp:style>
+    </dsp:sp>
+    <dsp:sp modelId="{E4D2DA5F-15CD-4041-A141-6F5BB9589EB3}">
+      <dsp:nvSpPr>
+        <dsp:cNvPr id="0" name=""/>
+        <dsp:cNvSpPr/>
+      </dsp:nvSpPr>
+      <dsp:spPr>
+        <a:xfrm>
+          <a:off x="550151" y="2400764"/>
+          <a:ext cx="790299" cy="790299"/>
+        </a:xfrm>
+        <a:prstGeom prst="rect">
+          <a:avLst/>
+        </a:prstGeom>
+        <a:blipFill>
+          <a:blip xmlns:r="http://schemas.openxmlformats.org/officeDocument/2006/relationships" r:embed="rId5">
+            <a:extLst>
+              <a:ext uri="{28A0092B-C50C-407E-A947-70E740481C1C}">
+                <a14:useLocalDpi xmlns:a14="http://schemas.microsoft.com/office/drawing/2010/main" val="0"/>
+              </a:ext>
+              <a:ext uri="{96DAC541-7B7A-43D3-8B79-37D633B846F1}">
+                <asvg:svgBlip xmlns:asvg="http://schemas.microsoft.com/office/drawing/2016/SVG/main" r:embed="rId6"/>
+              </a:ext>
+            </a:extLst>
+          </a:blip>
+          <a:stretch>
+            <a:fillRect/>
+          </a:stretch>
+        </a:blipFill>
+        <a:ln w="15875" cap="rnd" cmpd="sng" algn="ctr">
+          <a:noFill/>
+          <a:prstDash val="solid"/>
+        </a:ln>
+        <a:effectLst/>
+      </dsp:spPr>
+      <dsp:style>
+        <a:lnRef idx="2">
+          <a:scrgbClr r="0" g="0" b="0"/>
+        </a:lnRef>
+        <a:fillRef idx="1">
+          <a:scrgbClr r="0" g="0" b="0"/>
+        </a:fillRef>
+        <a:effectRef idx="0">
+          <a:scrgbClr r="0" g="0" b="0"/>
+        </a:effectRef>
+        <a:fontRef idx="minor">
+          <a:schemeClr val="lt1"/>
+        </a:fontRef>
+      </dsp:style>
+    </dsp:sp>
+    <dsp:sp modelId="{C50D51F1-86E7-4DB6-B60B-13394E045A90}">
+      <dsp:nvSpPr>
+        <dsp:cNvPr id="0" name=""/>
+        <dsp:cNvSpPr/>
+      </dsp:nvSpPr>
+      <dsp:spPr>
+        <a:xfrm>
+          <a:off x="1918575" y="2114621"/>
+          <a:ext cx="3211807" cy="1362584"/>
+        </a:xfrm>
+        <a:prstGeom prst="rect">
+          <a:avLst/>
+        </a:prstGeom>
+        <a:noFill/>
+        <a:ln>
+          <a:noFill/>
+        </a:ln>
+        <a:effectLst/>
+      </dsp:spPr>
+      <dsp:style>
+        <a:lnRef idx="0">
+          <a:scrgbClr r="0" g="0" b="0"/>
+        </a:lnRef>
+        <a:fillRef idx="0">
+          <a:scrgbClr r="0" g="0" b="0"/>
+        </a:fillRef>
+        <a:effectRef idx="0">
+          <a:scrgbClr r="0" g="0" b="0"/>
+        </a:effectRef>
+        <a:fontRef idx="minor"/>
+      </dsp:style>
+      <dsp:txBody>
+        <a:bodyPr spcFirstLastPara="0" vert="horz" wrap="square" lIns="0" tIns="0" rIns="0" bIns="0" numCol="1" spcCol="1270" anchor="ctr" anchorCtr="0">
+          <a:noAutofit/>
+        </a:bodyPr>
+        <a:lstStyle/>
+        <a:p>
+          <a:pPr marL="0" lvl="0" indent="0" algn="l" defTabSz="666750">
+            <a:lnSpc>
+              <a:spcPct val="90000"/>
+            </a:lnSpc>
+            <a:spcBef>
+              <a:spcPct val="0"/>
+            </a:spcBef>
+            <a:spcAft>
+              <a:spcPct val="35000"/>
+            </a:spcAft>
+            <a:buNone/>
+          </a:pPr>
+          <a:r>
+            <a:rPr lang="fr-FR" sz="1500" kern="1200"/>
+            <a:t>After a threshold it will learn alone</a:t>
+          </a:r>
+          <a:endParaRPr lang="en-US" sz="1500" kern="1200"/>
+        </a:p>
+      </dsp:txBody>
+      <dsp:txXfrm>
+        <a:off x="1918575" y="2114621"/>
+        <a:ext cx="3211807" cy="1362584"/>
+      </dsp:txXfrm>
+    </dsp:sp>
+    <dsp:sp modelId="{92AD443F-7E38-4483-89A4-7350857B2914}">
+      <dsp:nvSpPr>
+        <dsp:cNvPr id="0" name=""/>
+        <dsp:cNvSpPr/>
+      </dsp:nvSpPr>
+      <dsp:spPr>
+        <a:xfrm>
+          <a:off x="5690016" y="2114621"/>
+          <a:ext cx="1362584" cy="1362584"/>
+        </a:xfrm>
+        <a:prstGeom prst="ellipse">
+          <a:avLst/>
+        </a:prstGeom>
+        <a:solidFill>
+          <a:schemeClr val="accent5">
+            <a:hueOff val="0"/>
+            <a:satOff val="0"/>
+            <a:lumOff val="0"/>
+            <a:alphaOff val="0"/>
+          </a:schemeClr>
+        </a:solidFill>
+        <a:ln>
+          <a:noFill/>
+        </a:ln>
+        <a:effectLst/>
+      </dsp:spPr>
+      <dsp:style>
+        <a:lnRef idx="0">
+          <a:scrgbClr r="0" g="0" b="0"/>
+        </a:lnRef>
+        <a:fillRef idx="1">
+          <a:scrgbClr r="0" g="0" b="0"/>
+        </a:fillRef>
+        <a:effectRef idx="0">
+          <a:scrgbClr r="0" g="0" b="0"/>
+        </a:effectRef>
+        <a:fontRef idx="minor"/>
+      </dsp:style>
+    </dsp:sp>
+    <dsp:sp modelId="{B76F3D8F-8470-41B5-9CE7-3158B071ADE3}">
+      <dsp:nvSpPr>
+        <dsp:cNvPr id="0" name=""/>
+        <dsp:cNvSpPr/>
+      </dsp:nvSpPr>
+      <dsp:spPr>
+        <a:xfrm>
+          <a:off x="5976158" y="2400764"/>
+          <a:ext cx="790299" cy="790299"/>
+        </a:xfrm>
+        <a:prstGeom prst="rect">
+          <a:avLst/>
+        </a:prstGeom>
+        <a:blipFill>
+          <a:blip xmlns:r="http://schemas.openxmlformats.org/officeDocument/2006/relationships" r:embed="rId7">
+            <a:extLst>
+              <a:ext uri="{28A0092B-C50C-407E-A947-70E740481C1C}">
+                <a14:useLocalDpi xmlns:a14="http://schemas.microsoft.com/office/drawing/2010/main" val="0"/>
+              </a:ext>
+              <a:ext uri="{96DAC541-7B7A-43D3-8B79-37D633B846F1}">
+                <asvg:svgBlip xmlns:asvg="http://schemas.microsoft.com/office/drawing/2016/SVG/main" r:embed="rId8"/>
+              </a:ext>
+            </a:extLst>
+          </a:blip>
+          <a:stretch>
+            <a:fillRect/>
+          </a:stretch>
+        </a:blipFill>
+        <a:ln w="15875" cap="rnd" cmpd="sng" algn="ctr">
+          <a:noFill/>
+          <a:prstDash val="solid"/>
+        </a:ln>
+        <a:effectLst/>
+      </dsp:spPr>
+      <dsp:style>
+        <a:lnRef idx="2">
+          <a:scrgbClr r="0" g="0" b="0"/>
+        </a:lnRef>
+        <a:fillRef idx="1">
+          <a:scrgbClr r="0" g="0" b="0"/>
+        </a:fillRef>
+        <a:effectRef idx="0">
+          <a:scrgbClr r="0" g="0" b="0"/>
+        </a:effectRef>
+        <a:fontRef idx="minor">
+          <a:schemeClr val="lt1"/>
+        </a:fontRef>
+      </dsp:style>
+    </dsp:sp>
+    <dsp:sp modelId="{7680DF34-7AE2-483D-9763-A75138296964}">
+      <dsp:nvSpPr>
+        <dsp:cNvPr id="0" name=""/>
+        <dsp:cNvSpPr/>
+      </dsp:nvSpPr>
+      <dsp:spPr>
+        <a:xfrm>
+          <a:off x="7344583" y="2114621"/>
+          <a:ext cx="3211807" cy="1362584"/>
+        </a:xfrm>
+        <a:prstGeom prst="rect">
+          <a:avLst/>
+        </a:prstGeom>
+        <a:noFill/>
+        <a:ln>
+          <a:noFill/>
+        </a:ln>
+        <a:effectLst/>
+      </dsp:spPr>
+      <dsp:style>
+        <a:lnRef idx="0">
+          <a:scrgbClr r="0" g="0" b="0"/>
+        </a:lnRef>
+        <a:fillRef idx="0">
+          <a:scrgbClr r="0" g="0" b="0"/>
+        </a:fillRef>
+        <a:effectRef idx="0">
+          <a:scrgbClr r="0" g="0" b="0"/>
+        </a:effectRef>
+        <a:fontRef idx="minor"/>
+      </dsp:style>
+      <dsp:txBody>
+        <a:bodyPr spcFirstLastPara="0" vert="horz" wrap="square" lIns="0" tIns="0" rIns="0" bIns="0" numCol="1" spcCol="1270" anchor="ctr" anchorCtr="0">
+          <a:noAutofit/>
+        </a:bodyPr>
+        <a:lstStyle/>
+        <a:p>
+          <a:pPr marL="0" lvl="0" indent="0" algn="l" defTabSz="666750">
+            <a:lnSpc>
+              <a:spcPct val="90000"/>
+            </a:lnSpc>
+            <a:spcBef>
+              <a:spcPct val="0"/>
+            </a:spcBef>
+            <a:spcAft>
+              <a:spcPct val="35000"/>
+            </a:spcAft>
+            <a:buNone/>
+          </a:pPr>
+          <a:r>
+            <a:rPr lang="fr-FR" sz="1500" kern="1200"/>
+            <a:t>Self learn need to be implemented</a:t>
+          </a:r>
+          <a:endParaRPr lang="en-US" sz="1500" kern="1200"/>
+        </a:p>
+      </dsp:txBody>
+      <dsp:txXfrm>
+        <a:off x="7344583" y="2114621"/>
+        <a:ext cx="3211807" cy="1362584"/>
+      </dsp:txXfrm>
+    </dsp:sp>
+  </dsp:spTree>
+</dsp:drawing>
+</file>
+
+<file path=ppt/diagrams/layout1.xml><?xml version="1.0" encoding="utf-8"?>
+<dgm:layoutDef xmlns:dgm="http://schemas.openxmlformats.org/drawingml/2006/diagram" xmlns:a="http://schemas.openxmlformats.org/drawingml/2006/main" uniqueId="urn:microsoft.com/office/officeart/2018/2/layout/IconCircleList">
+  <dgm:title val="Icon Circle List"/>
+  <dgm:desc val="Use to show non-sequential or grouped chunks of information accompanied by related visuals. Circular shapes can hold an icon or small picture and corresponding text box shows Level 1 text. Works best for icons or small pictures with medium-length descriptions."/>
+  <dgm:catLst>
+    <dgm:cat type="icon" pri="500"/>
+  </dgm:catLst>
+  <dgm:sampData useDef="1">
+    <dgm:dataModel>
+      <dgm:ptLst/>
+      <dgm:bg/>
+      <dgm:whole/>
+    </dgm:dataModel>
+  </dgm:sampData>
+  <dgm:styleData useDef="1">
+    <dgm:dataModel>
+      <dgm:ptLst/>
+      <dgm:bg/>
+      <dgm:whole/>
+    </dgm:dataModel>
+  </dgm:styleData>
+  <dgm:clrData useDef="1">
+    <dgm:dataModel>
+      <dgm:ptLst/>
+      <dgm:bg/>
+      <dgm:whole/>
+    </dgm:dataModel>
+  </dgm:clrData>
+  <dgm:layoutNode name="root">
+    <dgm:varLst>
+      <dgm:dir/>
+      <dgm:resizeHandles val="exact"/>
+    </dgm:varLst>
+    <dgm:alg type="sp"/>
+    <dgm:shape xmlns:r="http://schemas.openxmlformats.org/officeDocument/2006/relationships" r:blip="">
+      <dgm:adjLst/>
+    </dgm:shape>
+    <dgm:presOf/>
+    <dgm:choose name="Name0">
+      <dgm:if name="Name1" axis="ch" ptType="node" func="cnt" op="lte" val="3">
+        <dgm:constrLst>
+          <dgm:constr type="w" for="ch" forName="container" refType="w"/>
+          <dgm:constr type="h" for="ch" forName="container" refType="h" fact="0.4"/>
+        </dgm:constrLst>
+      </dgm:if>
+      <dgm:else name="Name2">
+        <dgm:constrLst>
+          <dgm:constr type="w" for="ch" forName="container" refType="w"/>
+          <dgm:constr type="h" for="ch" forName="container" refType="h"/>
+        </dgm:constrLst>
+      </dgm:else>
+    </dgm:choose>
+    <dgm:ruleLst>
+      <dgm:rule type="h" for="ch" forName="container" val="INF" fact="NaN" max="NaN"/>
+    </dgm:ruleLst>
+    <dgm:layoutNode name="container">
+      <dgm:varLst>
+        <dgm:dir/>
+        <dgm:resizeHandles val="exact"/>
+      </dgm:varLst>
+      <dgm:choose name="Name3">
+        <dgm:if name="Name4" axis="self" func="var" arg="dir" op="equ" val="norm">
+          <dgm:alg type="snake">
+            <dgm:param type="grDir" val="tL"/>
+            <dgm:param type="flowDir" val="row"/>
+            <dgm:param type="contDir" val="sameDir"/>
+          </dgm:alg>
+        </dgm:if>
+        <dgm:else name="Name5">
+          <dgm:alg type="snake">
+            <dgm:param type="grDir" val="tR"/>
+            <dgm:param type="flowDir" val="row"/>
+            <dgm:param type="contDir" val="sameDir"/>
+          </dgm:alg>
+        </dgm:else>
+      </dgm:choose>
+      <dgm:shape xmlns:r="http://schemas.openxmlformats.org/officeDocument/2006/relationships" r:blip="">
+        <dgm:adjLst/>
+      </dgm:shape>
+      <dgm:presOf/>
+      <dgm:constrLst>
+        <dgm:constr type="w" for="ch" forName="compNode" refType="w"/>
+        <dgm:constr type="h" for="ch" forName="compNode" refType="w" fact="0.28"/>
+        <dgm:constr type="w" for="ch" forName="sibTrans" refType="w" refFor="ch" refForName="compNode" fact="0.115"/>
+        <dgm:constr type="sp" refType="h" op="equ" fact="0.17"/>
+        <dgm:constr type="primFontSz" for="des" ptType="node" op="equ" val="24"/>
+        <dgm:constr type="h" for="des" forName="compNode" op="equ"/>
+        <dgm:constr type="h" for="des" forName="iconBgRect" op="equ"/>
+      </dgm:constrLst>
+      <dgm:ruleLst>
+        <dgm:rule type="w" for="ch" forName="compNode" val="60" fact="NaN" max="NaN"/>
+      </dgm:ruleLst>
+      <dgm:forEach name="Name6" axis="ch" ptType="node">
+        <dgm:layoutNode name="compNode">
+          <dgm:alg type="composite"/>
+          <dgm:shape xmlns:r="http://schemas.openxmlformats.org/officeDocument/2006/relationships" r:blip="">
+            <dgm:adjLst/>
+          </dgm:shape>
+          <dgm:presOf axis="self"/>
+          <dgm:constrLst>
+            <dgm:constr type="w" for="ch" forName="iconBgRect" refType="w" fact="0.28"/>
+            <dgm:constr type="h" for="ch" forName="iconBgRect" refType="w" refFor="ch" refForName="iconBgRect"/>
+            <dgm:constr type="t" for="ch" forName="iconBgRect"/>
+            <dgm:constr type="l" for="ch" forName="iconBgRect"/>
+            <dgm:constr type="w" for="ch" forName="iconRect" refType="w" refFor="ch" refForName="iconBgRect" fact="0.58"/>
+            <dgm:constr type="h" for="ch" forName="iconRect" refType="w" refFor="ch" refForName="iconRect"/>
+            <dgm:constr type="ctrX" for="ch" forName="iconRect" refType="ctrX" refFor="ch" refForName="iconBgRect"/>
+            <dgm:constr type="ctrY" for="ch" forName="iconRect" refType="ctrY" refFor="ch" refForName="iconBgRect"/>
+            <dgm:constr type="w" for="ch" forName="spaceRect" refType="w" fact="0.06"/>
+            <dgm:constr type="h" for="ch" forName="spaceRect" refType="h" refFor="ch" refForName="iconBgRect"/>
+            <dgm:constr type="t" for="ch" forName="spaceRect" refType="t" refFor="ch" refForName="iconBgRect"/>
+            <dgm:constr type="l" for="ch" forName="spaceRect" refType="r" refFor="ch" refForName="iconBgRect"/>
+            <dgm:constr type="h" for="ch" forName="textRect" refType="h" refFor="ch" refForName="iconBgRect"/>
+            <dgm:constr type="t" for="ch" forName="textRect" refType="t" refFor="ch" refForName="iconBgRect"/>
+            <dgm:constr type="l" for="ch" forName="textRect" refType="r" refFor="ch" refForName="spaceRect"/>
+          </dgm:constrLst>
+          <dgm:ruleLst/>
+          <dgm:layoutNode name="iconBgRect" styleLbl="bgShp">
+            <dgm:alg type="sp"/>
+            <dgm:shape xmlns:r="http://schemas.openxmlformats.org/officeDocument/2006/relationships" type="ellipse" r:blip="">
+              <dgm:adjLst/>
+            </dgm:shape>
+            <dgm:presOf/>
+            <dgm:constrLst/>
+            <dgm:ruleLst/>
+          </dgm:layoutNode>
+          <dgm:layoutNode name="iconRect" styleLbl="node1">
+            <dgm:alg type="sp"/>
+            <dgm:shape xmlns:r="http://schemas.openxmlformats.org/officeDocument/2006/relationships" type="rect" r:blip="" blipPhldr="1">
+              <dgm:adjLst/>
+            </dgm:shape>
+            <dgm:presOf/>
+            <dgm:constrLst/>
+            <dgm:ruleLst/>
+          </dgm:layoutNode>
+          <dgm:layoutNode name="spaceRect">
+            <dgm:alg type="sp"/>
+            <dgm:shape xmlns:r="http://schemas.openxmlformats.org/officeDocument/2006/relationships" r:blip="">
+              <dgm:adjLst/>
+            </dgm:shape>
+            <dgm:presOf/>
+            <dgm:constrLst/>
+            <dgm:ruleLst/>
+          </dgm:layoutNode>
+          <dgm:layoutNode name="textRect" styleLbl="revTx">
+            <dgm:varLst>
+              <dgm:chMax val="1"/>
+              <dgm:chPref val="1"/>
+            </dgm:varLst>
+            <dgm:choose name="Name7">
+              <dgm:if name="Name8" func="var" arg="dir" op="equ" val="norm">
+                <dgm:alg type="tx">
+                  <dgm:param type="txAnchorVert" val="mid"/>
+                  <dgm:param type="parTxLTRAlign" val="l"/>
+                  <dgm:param type="shpTxLTRAlignCh" val="l"/>
+                  <dgm:param type="parTxRTLAlign" val="l"/>
+                  <dgm:param type="shpTxRTLAlignCh" val="l"/>
+                </dgm:alg>
+              </dgm:if>
+              <dgm:else name="Name9">
+                <dgm:alg type="tx">
+                  <dgm:param type="txAnchorVert" val="mid"/>
+                  <dgm:param type="parTxLTRAlign" val="r"/>
+                  <dgm:param type="shpTxLTRAlignCh" val="r"/>
+                  <dgm:param type="parTxRTLAlign" val="r"/>
+                  <dgm:param type="shpTxRTLAlignCh" val="r"/>
+                </dgm:alg>
+              </dgm:else>
+            </dgm:choose>
+            <dgm:shape xmlns:r="http://schemas.openxmlformats.org/officeDocument/2006/relationships" type="rect" r:blip="">
+              <dgm:adjLst/>
+            </dgm:shape>
+            <dgm:presOf axis="self" ptType="node"/>
+            <dgm:constrLst>
+              <dgm:constr type="lMarg"/>
+              <dgm:constr type="rMarg"/>
+              <dgm:constr type="tMarg"/>
+              <dgm:constr type="bMarg"/>
+            </dgm:constrLst>
+            <dgm:ruleLst>
+              <dgm:rule type="primFontSz" val="11" fact="NaN" max="NaN"/>
+            </dgm:ruleLst>
+          </dgm:layoutNode>
+        </dgm:layoutNode>
+        <dgm:forEach name="Name10" axis="followSib" ptType="sibTrans" cnt="1">
+          <dgm:layoutNode name="sibTrans">
+            <dgm:alg type="sp"/>
+            <dgm:shape xmlns:r="http://schemas.openxmlformats.org/officeDocument/2006/relationships" type="rect" r:blip="" hideGeom="1">
+              <dgm:adjLst/>
+            </dgm:shape>
+            <dgm:presOf axis="self"/>
+            <dgm:constrLst/>
+            <dgm:ruleLst/>
+          </dgm:layoutNode>
+        </dgm:forEach>
+      </dgm:forEach>
+    </dgm:layoutNode>
+  </dgm:layoutNode>
+  <dgm:extLst>
+    <a:ext uri="{68A01E43-0DF5-4B5B-8FA6-DAF915123BFB}">
+      <dgm1612:lstStyle xmlns:dgm1612="http://schemas.microsoft.com/office/drawing/2016/12/diagram">
+        <a:lvl1pPr>
+          <a:lnSpc>
+            <a:spcPct val="100000"/>
+          </a:lnSpc>
+        </a:lvl1pPr>
+      </dgm1612:lstStyle>
+    </a:ext>
+  </dgm:extLst>
+</dgm:layoutDef>
+</file>
+
+<file path=ppt/diagrams/layout2.xml><?xml version="1.0" encoding="utf-8"?>
+<dgm:layoutDef xmlns:dgm="http://schemas.openxmlformats.org/drawingml/2006/diagram" xmlns:a="http://schemas.openxmlformats.org/drawingml/2006/main" uniqueId="urn:microsoft.com/office/officeart/2018/2/layout/IconCircleList">
+  <dgm:title val="Icon Circle List"/>
+  <dgm:desc val="Use to show non-sequential or grouped chunks of information accompanied by related visuals. Circular shapes can hold an icon or small picture and corresponding text box shows Level 1 text. Works best for icons or small pictures with medium-length descriptions."/>
+  <dgm:catLst>
+    <dgm:cat type="icon" pri="500"/>
+  </dgm:catLst>
+  <dgm:sampData useDef="1">
+    <dgm:dataModel>
+      <dgm:ptLst/>
+      <dgm:bg/>
+      <dgm:whole/>
+    </dgm:dataModel>
+  </dgm:sampData>
+  <dgm:styleData useDef="1">
+    <dgm:dataModel>
+      <dgm:ptLst/>
+      <dgm:bg/>
+      <dgm:whole/>
+    </dgm:dataModel>
+  </dgm:styleData>
+  <dgm:clrData useDef="1">
+    <dgm:dataModel>
+      <dgm:ptLst/>
+      <dgm:bg/>
+      <dgm:whole/>
+    </dgm:dataModel>
+  </dgm:clrData>
+  <dgm:layoutNode name="root">
+    <dgm:varLst>
+      <dgm:dir/>
+      <dgm:resizeHandles val="exact"/>
+    </dgm:varLst>
+    <dgm:alg type="sp"/>
+    <dgm:shape xmlns:r="http://schemas.openxmlformats.org/officeDocument/2006/relationships" r:blip="">
+      <dgm:adjLst/>
+    </dgm:shape>
+    <dgm:presOf/>
+    <dgm:choose name="Name0">
+      <dgm:if name="Name1" axis="ch" ptType="node" func="cnt" op="lte" val="3">
+        <dgm:constrLst>
+          <dgm:constr type="w" for="ch" forName="container" refType="w"/>
+          <dgm:constr type="h" for="ch" forName="container" refType="h" fact="0.4"/>
+        </dgm:constrLst>
+      </dgm:if>
+      <dgm:else name="Name2">
+        <dgm:constrLst>
+          <dgm:constr type="w" for="ch" forName="container" refType="w"/>
+          <dgm:constr type="h" for="ch" forName="container" refType="h"/>
+        </dgm:constrLst>
+      </dgm:else>
+    </dgm:choose>
+    <dgm:ruleLst>
+      <dgm:rule type="h" for="ch" forName="container" val="INF" fact="NaN" max="NaN"/>
+    </dgm:ruleLst>
+    <dgm:layoutNode name="container">
+      <dgm:varLst>
+        <dgm:dir/>
+        <dgm:resizeHandles val="exact"/>
+      </dgm:varLst>
+      <dgm:choose name="Name3">
+        <dgm:if name="Name4" axis="self" func="var" arg="dir" op="equ" val="norm">
+          <dgm:alg type="snake">
+            <dgm:param type="grDir" val="tL"/>
+            <dgm:param type="flowDir" val="row"/>
+            <dgm:param type="contDir" val="sameDir"/>
+          </dgm:alg>
+        </dgm:if>
+        <dgm:else name="Name5">
+          <dgm:alg type="snake">
+            <dgm:param type="grDir" val="tR"/>
+            <dgm:param type="flowDir" val="row"/>
+            <dgm:param type="contDir" val="sameDir"/>
+          </dgm:alg>
+        </dgm:else>
+      </dgm:choose>
+      <dgm:shape xmlns:r="http://schemas.openxmlformats.org/officeDocument/2006/relationships" r:blip="">
+        <dgm:adjLst/>
+      </dgm:shape>
+      <dgm:presOf/>
+      <dgm:constrLst>
+        <dgm:constr type="w" for="ch" forName="compNode" refType="w"/>
+        <dgm:constr type="h" for="ch" forName="compNode" refType="w" fact="0.28"/>
+        <dgm:constr type="w" for="ch" forName="sibTrans" refType="w" refFor="ch" refForName="compNode" fact="0.115"/>
+        <dgm:constr type="sp" refType="h" op="equ" fact="0.17"/>
+        <dgm:constr type="primFontSz" for="des" ptType="node" op="equ" val="24"/>
+        <dgm:constr type="h" for="des" forName="compNode" op="equ"/>
+        <dgm:constr type="h" for="des" forName="iconBgRect" op="equ"/>
+      </dgm:constrLst>
+      <dgm:ruleLst>
+        <dgm:rule type="w" for="ch" forName="compNode" val="60" fact="NaN" max="NaN"/>
+      </dgm:ruleLst>
+      <dgm:forEach name="Name6" axis="ch" ptType="node">
+        <dgm:layoutNode name="compNode">
+          <dgm:alg type="composite"/>
+          <dgm:shape xmlns:r="http://schemas.openxmlformats.org/officeDocument/2006/relationships" r:blip="">
+            <dgm:adjLst/>
+          </dgm:shape>
+          <dgm:presOf axis="self"/>
+          <dgm:constrLst>
+            <dgm:constr type="w" for="ch" forName="iconBgRect" refType="w" fact="0.28"/>
+            <dgm:constr type="h" for="ch" forName="iconBgRect" refType="w" refFor="ch" refForName="iconBgRect"/>
+            <dgm:constr type="t" for="ch" forName="iconBgRect"/>
+            <dgm:constr type="l" for="ch" forName="iconBgRect"/>
+            <dgm:constr type="w" for="ch" forName="iconRect" refType="w" refFor="ch" refForName="iconBgRect" fact="0.58"/>
+            <dgm:constr type="h" for="ch" forName="iconRect" refType="w" refFor="ch" refForName="iconRect"/>
+            <dgm:constr type="ctrX" for="ch" forName="iconRect" refType="ctrX" refFor="ch" refForName="iconBgRect"/>
+            <dgm:constr type="ctrY" for="ch" forName="iconRect" refType="ctrY" refFor="ch" refForName="iconBgRect"/>
+            <dgm:constr type="w" for="ch" forName="spaceRect" refType="w" fact="0.06"/>
+            <dgm:constr type="h" for="ch" forName="spaceRect" refType="h" refFor="ch" refForName="iconBgRect"/>
+            <dgm:constr type="t" for="ch" forName="spaceRect" refType="t" refFor="ch" refForName="iconBgRect"/>
+            <dgm:constr type="l" for="ch" forName="spaceRect" refType="r" refFor="ch" refForName="iconBgRect"/>
+            <dgm:constr type="h" for="ch" forName="textRect" refType="h" refFor="ch" refForName="iconBgRect"/>
+            <dgm:constr type="t" for="ch" forName="textRect" refType="t" refFor="ch" refForName="iconBgRect"/>
+            <dgm:constr type="l" for="ch" forName="textRect" refType="r" refFor="ch" refForName="spaceRect"/>
+          </dgm:constrLst>
+          <dgm:ruleLst/>
+          <dgm:layoutNode name="iconBgRect" styleLbl="bgShp">
+            <dgm:alg type="sp"/>
+            <dgm:shape xmlns:r="http://schemas.openxmlformats.org/officeDocument/2006/relationships" type="ellipse" r:blip="">
+              <dgm:adjLst/>
+            </dgm:shape>
+            <dgm:presOf/>
+            <dgm:constrLst/>
+            <dgm:ruleLst/>
+          </dgm:layoutNode>
+          <dgm:layoutNode name="iconRect" styleLbl="node1">
+            <dgm:alg type="sp"/>
+            <dgm:shape xmlns:r="http://schemas.openxmlformats.org/officeDocument/2006/relationships" type="rect" r:blip="" blipPhldr="1">
+              <dgm:adjLst/>
+            </dgm:shape>
+            <dgm:presOf/>
+            <dgm:constrLst/>
+            <dgm:ruleLst/>
+          </dgm:layoutNode>
+          <dgm:layoutNode name="spaceRect">
+            <dgm:alg type="sp"/>
+            <dgm:shape xmlns:r="http://schemas.openxmlformats.org/officeDocument/2006/relationships" r:blip="">
+              <dgm:adjLst/>
+            </dgm:shape>
+            <dgm:presOf/>
+            <dgm:constrLst/>
+            <dgm:ruleLst/>
+          </dgm:layoutNode>
+          <dgm:layoutNode name="textRect" styleLbl="revTx">
+            <dgm:varLst>
+              <dgm:chMax val="1"/>
+              <dgm:chPref val="1"/>
+            </dgm:varLst>
+            <dgm:choose name="Name7">
+              <dgm:if name="Name8" func="var" arg="dir" op="equ" val="norm">
+                <dgm:alg type="tx">
+                  <dgm:param type="txAnchorVert" val="mid"/>
+                  <dgm:param type="parTxLTRAlign" val="l"/>
+                  <dgm:param type="shpTxLTRAlignCh" val="l"/>
+                  <dgm:param type="parTxRTLAlign" val="l"/>
+                  <dgm:param type="shpTxRTLAlignCh" val="l"/>
+                </dgm:alg>
+              </dgm:if>
+              <dgm:else name="Name9">
+                <dgm:alg type="tx">
+                  <dgm:param type="txAnchorVert" val="mid"/>
+                  <dgm:param type="parTxLTRAlign" val="r"/>
+                  <dgm:param type="shpTxLTRAlignCh" val="r"/>
+                  <dgm:param type="parTxRTLAlign" val="r"/>
+                  <dgm:param type="shpTxRTLAlignCh" val="r"/>
+                </dgm:alg>
+              </dgm:else>
+            </dgm:choose>
+            <dgm:shape xmlns:r="http://schemas.openxmlformats.org/officeDocument/2006/relationships" type="rect" r:blip="">
+              <dgm:adjLst/>
+            </dgm:shape>
+            <dgm:presOf axis="self" ptType="node"/>
+            <dgm:constrLst>
+              <dgm:constr type="lMarg"/>
+              <dgm:constr type="rMarg"/>
+              <dgm:constr type="tMarg"/>
+              <dgm:constr type="bMarg"/>
+            </dgm:constrLst>
+            <dgm:ruleLst>
+              <dgm:rule type="primFontSz" val="11" fact="NaN" max="NaN"/>
+            </dgm:ruleLst>
+          </dgm:layoutNode>
+        </dgm:layoutNode>
+        <dgm:forEach name="Name10" axis="followSib" ptType="sibTrans" cnt="1">
+          <dgm:layoutNode name="sibTrans">
+            <dgm:alg type="sp"/>
+            <dgm:shape xmlns:r="http://schemas.openxmlformats.org/officeDocument/2006/relationships" type="rect" r:blip="" hideGeom="1">
+              <dgm:adjLst/>
+            </dgm:shape>
+            <dgm:presOf axis="self"/>
+            <dgm:constrLst/>
+            <dgm:ruleLst/>
+          </dgm:layoutNode>
+        </dgm:forEach>
+      </dgm:forEach>
+    </dgm:layoutNode>
+  </dgm:layoutNode>
+  <dgm:extLst>
+    <a:ext uri="{68A01E43-0DF5-4B5B-8FA6-DAF915123BFB}">
+      <dgm1612:lstStyle xmlns:dgm1612="http://schemas.microsoft.com/office/drawing/2016/12/diagram">
+        <a:lvl1pPr>
+          <a:lnSpc>
+            <a:spcPct val="100000"/>
+          </a:lnSpc>
+        </a:lvl1pPr>
+      </dgm1612:lstStyle>
+    </a:ext>
+  </dgm:extLst>
+</dgm:layoutDef>
+</file>
+
+<file path=ppt/diagrams/quickStyle1.xml><?xml version="1.0" encoding="utf-8"?>
+<dgm:styleDef xmlns:dgm="http://schemas.openxmlformats.org/drawingml/2006/diagram" xmlns:a="http://schemas.openxmlformats.org/drawingml/2006/main" uniqueId="urn:microsoft.com/office/officeart/2005/8/quickstyle/simple1">
+  <dgm:title val=""/>
+  <dgm:desc val=""/>
+  <dgm:catLst>
+    <dgm:cat type="simple" pri="10100"/>
+  </dgm:catLst>
+  <dgm:scene3d>
+    <a:camera prst="orthographicFront"/>
+    <a:lightRig rig="threePt" dir="t"/>
+  </dgm:scene3d>
+  <dgm:styleLbl name="node0">
+    <dgm:scene3d>
+      <a:camera prst="orthographicFront"/>
+      <a:lightRig rig="threePt" dir="t"/>
+    </dgm:scene3d>
+    <dgm:sp3d/>
+    <dgm:txPr/>
+    <dgm:style>
+      <a:lnRef idx="2">
+        <a:scrgbClr r="0" g="0" b="0"/>
+      </a:lnRef>
+      <a:fillRef idx="1">
+        <a:scrgbClr r="0" g="0" b="0"/>
+      </a:fillRef>
+      <a:effectRef idx="0">
+        <a:scrgbClr r="0" g="0" b="0"/>
+      </a:effectRef>
+      <a:fontRef idx="minor">
+        <a:schemeClr val="lt1"/>
+      </a:fontRef>
+    </dgm:style>
+  </dgm:styleLbl>
+  <dgm:styleLbl name="lnNode1">
+    <dgm:scene3d>
+      <a:camera prst="orthographicFront"/>
+      <a:lightRig rig="threePt" dir="t"/>
+    </dgm:scene3d>
+    <dgm:sp3d/>
+    <dgm:txPr/>
+    <dgm:style>
+      <a:lnRef idx="2">
+        <a:scrgbClr r="0" g="0" b="0"/>
+      </a:lnRef>
+      <a:fillRef idx="1">
+        <a:scrgbClr r="0" g="0" b="0"/>
+      </a:fillRef>
+      <a:effectRef idx="0">
+        <a:scrgbClr r="0" g="0" b="0"/>
+      </a:effectRef>
+      <a:fontRef idx="minor">
+        <a:schemeClr val="lt1"/>
+      </a:fontRef>
+    </dgm:style>
+  </dgm:styleLbl>
+  <dgm:styleLbl name="vennNode1">
+    <dgm:scene3d>
+      <a:camera prst="orthographicFront"/>
+      <a:lightRig rig="threePt" dir="t"/>
+    </dgm:scene3d>
+    <dgm:sp3d/>
+    <dgm:txPr/>
+    <dgm:style>
+      <a:lnRef idx="2">
+        <a:scrgbClr r="0" g="0" b="0"/>
+      </a:lnRef>
+      <a:fillRef idx="1">
+        <a:scrgbClr r="0" g="0" b="0"/>
+      </a:fillRef>
+      <a:effectRef idx="0">
+        <a:scrgbClr r="0" g="0" b="0"/>
+      </a:effectRef>
+      <a:fontRef idx="minor">
+        <a:schemeClr val="tx1"/>
+      </a:fontRef>
+    </dgm:style>
+  </dgm:styleLbl>
+  <dgm:styleLbl name="alignNode1">
+    <dgm:scene3d>
+      <a:camera prst="orthographicFront"/>
+      <a:lightRig rig="threePt" dir="t"/>
+    </dgm:scene3d>
+    <dgm:sp3d/>
+    <dgm:txPr/>
+    <dgm:style>
+      <a:lnRef idx="2">
+        <a:scrgbClr r="0" g="0" b="0"/>
+      </a:lnRef>
+      <a:fillRef idx="1">
+        <a:scrgbClr r="0" g="0" b="0"/>
+      </a:fillRef>
+      <a:effectRef idx="0">
+        <a:scrgbClr r="0" g="0" b="0"/>
+      </a:effectRef>
+      <a:fontRef idx="minor">
+        <a:schemeClr val="lt1"/>
+      </a:fontRef>
+    </dgm:style>
+  </dgm:styleLbl>
+  <dgm:styleLbl name="node1">
+    <dgm:scene3d>
+      <a:camera prst="orthographicFront"/>
+      <a:lightRig rig="threePt" dir="t"/>
+    </dgm:scene3d>
+    <dgm:sp3d/>
+    <dgm:txPr/>
+    <dgm:style>
+      <a:lnRef idx="2">
+        <a:scrgbClr r="0" g="0" b="0"/>
+      </a:lnRef>
+      <a:fillRef idx="1">
+        <a:scrgbClr r="0" g="0" b="0"/>
+      </a:fillRef>
+      <a:effectRef idx="0">
+        <a:scrgbClr r="0" g="0" b="0"/>
+      </a:effectRef>
+      <a:fontRef idx="minor">
+        <a:schemeClr val="lt1"/>
+      </a:fontRef>
+    </dgm:style>
+  </dgm:styleLbl>
+  <dgm:styleLbl name="node2">
+    <dgm:scene3d>
+      <a:camera prst="orthographicFront"/>
+      <a:lightRig rig="threePt" dir="t"/>
+    </dgm:scene3d>
+    <dgm:sp3d/>
+    <dgm:txPr/>
+    <dgm:style>
+      <a:lnRef idx="2">
+        <a:scrgbClr r="0" g="0" b="0"/>
+      </a:lnRef>
+      <a:fillRef idx="1">
+        <a:scrgbClr r="0" g="0" b="0"/>
+      </a:fillRef>
+      <a:effectRef idx="0">
+        <a:scrgbClr r="0" g="0" b="0"/>
+      </a:effectRef>
+      <a:fontRef idx="minor">
+        <a:schemeClr val="lt1"/>
+      </a:fontRef>
+    </dgm:style>
+  </dgm:styleLbl>
+  <dgm:styleLbl name="node3">
+    <dgm:scene3d>
+      <a:camera prst="orthographicFront"/>
+      <a:lightRig rig="threePt" dir="t"/>
+    </dgm:scene3d>
+    <dgm:sp3d/>
+    <dgm:txPr/>
+    <dgm:style>
+      <a:lnRef idx="2">
+        <a:scrgbClr r="0" g="0" b="0"/>
+      </a:lnRef>
+      <a:fillRef idx="1">
+        <a:scrgbClr r="0" g="0" b="0"/>
+      </a:fillRef>
+      <a:effectRef idx="0">
+        <a:scrgbClr r="0" g="0" b="0"/>
+      </a:effectRef>
+      <a:fontRef idx="minor">
+        <a:schemeClr val="lt1"/>
+      </a:fontRef>
+    </dgm:style>
+  </dgm:styleLbl>
+  <dgm:styleLbl name="node4">
+    <dgm:scene3d>
+      <a:camera prst="orthographicFront"/>
+      <a:lightRig rig="threePt" dir="t"/>
+    </dgm:scene3d>
+    <dgm:sp3d/>
+    <dgm:txPr/>
+    <dgm:style>
+      <a:lnRef idx="2">
+        <a:scrgbClr r="0" g="0" b="0"/>
+      </a:lnRef>
+      <a:fillRef idx="1">
+        <a:scrgbClr r="0" g="0" b="0"/>
+      </a:fillRef>
+      <a:effectRef idx="0">
+        <a:scrgbClr r="0" g="0" b="0"/>
+      </a:effectRef>
+      <a:fontRef idx="minor">
+        <a:schemeClr val="lt1"/>
+      </a:fontRef>
+    </dgm:style>
+  </dgm:styleLbl>
+  <dgm:styleLbl name="fgImgPlace1">
+    <dgm:scene3d>
+      <a:camera prst="orthographicFront"/>
+      <a:lightRig rig="threePt" dir="t"/>
+    </dgm:scene3d>
+    <dgm:sp3d/>
+    <dgm:txPr/>
+    <dgm:style>
+      <a:lnRef idx="2">
+        <a:scrgbClr r="0" g="0" b="0"/>
+      </a:lnRef>
+      <a:fillRef idx="1">
+        <a:scrgbClr r="0" g="0" b="0"/>
+      </a:fillRef>
+      <a:effectRef idx="0">
+        <a:scrgbClr r="0" g="0" b="0"/>
+      </a:effectRef>
+      <a:fontRef idx="minor"/>
+    </dgm:style>
+  </dgm:styleLbl>
+  <dgm:styleLbl name="alignImgPlace1">
+    <dgm:scene3d>
+      <a:camera prst="orthographicFront"/>
+      <a:lightRig rig="threePt" dir="t"/>
+    </dgm:scene3d>
+    <dgm:sp3d/>
+    <dgm:txPr/>
+    <dgm:style>
+      <a:lnRef idx="2">
+        <a:scrgbClr r="0" g="0" b="0"/>
+      </a:lnRef>
+      <a:fillRef idx="1">
+        <a:scrgbClr r="0" g="0" b="0"/>
+      </a:fillRef>
+      <a:effectRef idx="0">
+        <a:scrgbClr r="0" g="0" b="0"/>
+      </a:effectRef>
+      <a:fontRef idx="minor"/>
+    </dgm:style>
+  </dgm:styleLbl>
+  <dgm:styleLbl name="bgImgPlace1">
+    <dgm:scene3d>
+      <a:camera prst="orthographicFront"/>
+      <a:lightRig rig="threePt" dir="t"/>
+    </dgm:scene3d>
+    <dgm:sp3d/>
+    <dgm:txPr/>
+    <dgm:style>
+      <a:lnRef idx="2">
+        <a:scrgbClr r="0" g="0" b="0"/>
+      </a:lnRef>
+      <a:fillRef idx="1">
+        <a:scrgbClr r="0" g="0" b="0"/>
+      </a:fillRef>
+      <a:effectRef idx="0">
+        <a:scrgbClr r="0" g="0" b="0"/>
+      </a:effectRef>
+      <a:fontRef idx="minor"/>
+    </dgm:style>
+  </dgm:styleLbl>
+  <dgm:styleLbl name="sibTrans2D1">
+    <dgm:scene3d>
+      <a:camera prst="orthographicFront"/>
+      <a:lightRig rig="threePt" dir="t"/>
+    </dgm:scene3d>
+    <dgm:sp3d/>
+    <dgm:txPr/>
+    <dgm:style>
+      <a:lnRef idx="0">
+        <a:scrgbClr r="0" g="0" b="0"/>
+      </a:lnRef>
+      <a:fillRef idx="1">
+        <a:scrgbClr r="0" g="0" b="0"/>
+      </a:fillRef>
+      <a:effectRef idx="0">
+        <a:scrgbClr r="0" g="0" b="0"/>
+      </a:effectRef>
+      <a:fontRef idx="minor">
+        <a:schemeClr val="lt1"/>
+      </a:fontRef>
+    </dgm:style>
+  </dgm:styleLbl>
+  <dgm:styleLbl name="fgSibTrans2D1">
+    <dgm:scene3d>
+      <a:camera prst="orthographicFront"/>
+      <a:lightRig rig="threePt" dir="t"/>
+    </dgm:scene3d>
+    <dgm:sp3d/>
+    <dgm:txPr/>
+    <dgm:style>
+      <a:lnRef idx="0">
+        <a:scrgbClr r="0" g="0" b="0"/>
+      </a:lnRef>
+      <a:fillRef idx="1">
+        <a:scrgbClr r="0" g="0" b="0"/>
+      </a:fillRef>
+      <a:effectRef idx="0">
+        <a:scrgbClr r="0" g="0" b="0"/>
+      </a:effectRef>
+      <a:fontRef idx="minor">
+        <a:schemeClr val="lt1"/>
+      </a:fontRef>
+    </dgm:style>
+  </dgm:styleLbl>
+  <dgm:styleLbl name="bgSibTrans2D1">
+    <dgm:scene3d>
+      <a:camera prst="orthographicFront"/>
+      <a:lightRig rig="threePt" dir="t"/>
+    </dgm:scene3d>
+    <dgm:sp3d/>
+    <dgm:txPr/>
+    <dgm:style>
+      <a:lnRef idx="0">
+        <a:scrgbClr r="0" g="0" b="0"/>
+      </a:lnRef>
+      <a:fillRef idx="1">
+        <a:scrgbClr r="0" g="0" b="0"/>
+      </a:fillRef>
+      <a:effectRef idx="0">
+        <a:scrgbClr r="0" g="0" b="0"/>
+      </a:effectRef>
+      <a:fontRef idx="minor">
+        <a:schemeClr val="lt1"/>
+      </a:fontRef>
+    </dgm:style>
+  </dgm:styleLbl>
+  <dgm:styleLbl name="sibTrans1D1">
+    <dgm:scene3d>
+      <a:camera prst="orthographicFront"/>
+      <a:lightRig rig="threePt" dir="t"/>
+    </dgm:scene3d>
+    <dgm:sp3d/>
+    <dgm:txPr/>
+    <dgm:style>
+      <a:lnRef idx="1">
+        <a:scrgbClr r="0" g="0" b="0"/>
+      </a:lnRef>
+      <a:fillRef idx="0">
+        <a:scrgbClr r="0" g="0" b="0"/>
+      </a:fillRef>
+      <a:effectRef idx="0">
+        <a:scrgbClr r="0" g="0" b="0"/>
+      </a:effectRef>
+      <a:fontRef idx="minor"/>
+    </dgm:style>
+  </dgm:styleLbl>
+  <dgm:styleLbl name="callout">
+    <dgm:scene3d>
+      <a:camera prst="orthographicFront"/>
+      <a:lightRig rig="threePt" dir="t"/>
+    </dgm:scene3d>
+    <dgm:sp3d/>
+    <dgm:txPr/>
+    <dgm:style>
+      <a:lnRef idx="2">
+        <a:scrgbClr r="0" g="0" b="0"/>
+      </a:lnRef>
+      <a:fillRef idx="1">
+        <a:scrgbClr r="0" g="0" b="0"/>
+      </a:fillRef>
+      <a:effectRef idx="0">
+        <a:scrgbClr r="0" g="0" b="0"/>
+      </a:effectRef>
+      <a:fontRef idx="minor"/>
+    </dgm:style>
+  </dgm:styleLbl>
+  <dgm:styleLbl name="asst0">
+    <dgm:scene3d>
+      <a:camera prst="orthographicFront"/>
+      <a:lightRig rig="threePt" dir="t"/>
+    </dgm:scene3d>
+    <dgm:sp3d/>
+    <dgm:txPr/>
+    <dgm:style>
+      <a:lnRef idx="2">
+        <a:scrgbClr r="0" g="0" b="0"/>
+      </a:lnRef>
+      <a:fillRef idx="1">
+        <a:scrgbClr r="0" g="0" b="0"/>
+      </a:fillRef>
+      <a:effectRef idx="0">
+        <a:scrgbClr r="0" g="0" b="0"/>
+      </a:effectRef>
+      <a:fontRef idx="minor">
+        <a:schemeClr val="lt1"/>
+      </a:fontRef>
+    </dgm:style>
+  </dgm:styleLbl>
+  <dgm:styleLbl name="asst1">
+    <dgm:scene3d>
+      <a:camera prst="orthographicFront"/>
+      <a:lightRig rig="threePt" dir="t"/>
+    </dgm:scene3d>
+    <dgm:sp3d/>
+    <dgm:txPr/>
+    <dgm:style>
+      <a:lnRef idx="2">
+        <a:scrgbClr r="0" g="0" b="0"/>
+      </a:lnRef>
+      <a:fillRef idx="1">
+        <a:scrgbClr r="0" g="0" b="0"/>
+      </a:fillRef>
+      <a:effectRef idx="0">
+        <a:scrgbClr r="0" g="0" b="0"/>
+      </a:effectRef>
+      <a:fontRef idx="minor">
+        <a:schemeClr val="lt1"/>
+      </a:fontRef>
+    </dgm:style>
+  </dgm:styleLbl>
+  <dgm:styleLbl name="asst2">
+    <dgm:scene3d>
+      <a:camera prst="orthographicFront"/>
+      <a:lightRig rig="threePt" dir="t"/>
+    </dgm:scene3d>
+    <dgm:sp3d/>
+    <dgm:txPr/>
+    <dgm:style>
+      <a:lnRef idx="2">
+        <a:scrgbClr r="0" g="0" b="0"/>
+      </a:lnRef>
+      <a:fillRef idx="1">
+        <a:scrgbClr r="0" g="0" b="0"/>
+      </a:fillRef>
+      <a:effectRef idx="0">
+        <a:scrgbClr r="0" g="0" b="0"/>
+      </a:effectRef>
+      <a:fontRef idx="minor">
+        <a:schemeClr val="lt1"/>
+      </a:fontRef>
+    </dgm:style>
+  </dgm:styleLbl>
+  <dgm:styleLbl name="asst3">
+    <dgm:scene3d>
+      <a:camera prst="orthographicFront"/>
+      <a:lightRig rig="threePt" dir="t"/>
+    </dgm:scene3d>
+    <dgm:sp3d/>
+    <dgm:txPr/>
+    <dgm:style>
+      <a:lnRef idx="2">
+        <a:scrgbClr r="0" g="0" b="0"/>
+      </a:lnRef>
+      <a:fillRef idx="1">
+        <a:scrgbClr r="0" g="0" b="0"/>
+      </a:fillRef>
+      <a:effectRef idx="0">
+        <a:scrgbClr r="0" g="0" b="0"/>
+      </a:effectRef>
+      <a:fontRef idx="minor">
+        <a:schemeClr val="lt1"/>
+      </a:fontRef>
+    </dgm:style>
+  </dgm:styleLbl>
+  <dgm:styleLbl name="asst4">
+    <dgm:scene3d>
+      <a:camera prst="orthographicFront"/>
+      <a:lightRig rig="threePt" dir="t"/>
+    </dgm:scene3d>
+    <dgm:sp3d/>
+    <dgm:txPr/>
+    <dgm:style>
+      <a:lnRef idx="2">
+        <a:scrgbClr r="0" g="0" b="0"/>
+      </a:lnRef>
+      <a:fillRef idx="1">
+        <a:scrgbClr r="0" g="0" b="0"/>
+      </a:fillRef>
+      <a:effectRef idx="0">
+        <a:scrgbClr r="0" g="0" b="0"/>
+      </a:effectRef>
+      <a:fontRef idx="minor">
+        <a:schemeClr val="lt1"/>
+      </a:fontRef>
+    </dgm:style>
+  </dgm:styleLbl>
+  <dgm:styleLbl name="parChTrans2D1">
+    <dgm:scene3d>
+      <a:camera prst="orthographicFront"/>
+      <a:lightRig rig="threePt" dir="t"/>
+    </dgm:scene3d>
+    <dgm:sp3d/>
+    <dgm:txPr/>
+    <dgm:style>
+      <a:lnRef idx="2">
+        <a:scrgbClr r="0" g="0" b="0"/>
+      </a:lnRef>
+      <a:fillRef idx="1">
+        <a:scrgbClr r="0" g="0" b="0"/>
+      </a:fillRef>
+      <a:effectRef idx="0">
+        <a:scrgbClr r="0" g="0" b="0"/>
+      </a:effectRef>
+      <a:fontRef idx="minor">
+        <a:schemeClr val="lt1"/>
+      </a:fontRef>
+    </dgm:style>
+  </dgm:styleLbl>
+  <dgm:styleLbl name="parChTrans2D2">
+    <dgm:scene3d>
+      <a:camera prst="orthographicFront"/>
+      <a:lightRig rig="threePt" dir="t"/>
+    </dgm:scene3d>
+    <dgm:sp3d/>
+    <dgm:txPr/>
+    <dgm:style>
+      <a:lnRef idx="2">
+        <a:scrgbClr r="0" g="0" b="0"/>
+      </a:lnRef>
+      <a:fillRef idx="1">
+        <a:scrgbClr r="0" g="0" b="0"/>
+      </a:fillRef>
+      <a:effectRef idx="0">
+        <a:scrgbClr r="0" g="0" b="0"/>
+      </a:effectRef>
+      <a:fontRef idx="minor">
+        <a:schemeClr val="lt1"/>
+      </a:fontRef>
+    </dgm:style>
+  </dgm:styleLbl>
+  <dgm:styleLbl name="parChTrans2D3">
+    <dgm:scene3d>
+      <a:camera prst="orthographicFront"/>
+      <a:lightRig rig="threePt" dir="t"/>
+    </dgm:scene3d>
+    <dgm:sp3d/>
+    <dgm:txPr/>
+    <dgm:style>
+      <a:lnRef idx="2">
+        <a:scrgbClr r="0" g="0" b="0"/>
+      </a:lnRef>
+      <a:fillRef idx="1">
+        <a:scrgbClr r="0" g="0" b="0"/>
+      </a:fillRef>
+      <a:effectRef idx="0">
+        <a:scrgbClr r="0" g="0" b="0"/>
+      </a:effectRef>
+      <a:fontRef idx="minor">
+        <a:schemeClr val="lt1"/>
+      </a:fontRef>
+    </dgm:style>
+  </dgm:styleLbl>
+  <dgm:styleLbl name="parChTrans2D4">
+    <dgm:scene3d>
+      <a:camera prst="orthographicFront"/>
+      <a:lightRig rig="threePt" dir="t"/>
+    </dgm:scene3d>
+    <dgm:sp3d/>
+    <dgm:txPr/>
+    <dgm:style>
+      <a:lnRef idx="2">
+        <a:scrgbClr r="0" g="0" b="0"/>
+      </a:lnRef>
+      <a:fillRef idx="1">
+        <a:scrgbClr r="0" g="0" b="0"/>
+      </a:fillRef>
+      <a:effectRef idx="0">
+        <a:scrgbClr r="0" g="0" b="0"/>
+      </a:effectRef>
+      <a:fontRef idx="minor">
+        <a:schemeClr val="lt1"/>
+      </a:fontRef>
+    </dgm:style>
+  </dgm:styleLbl>
+  <dgm:styleLbl name="parChTrans1D1">
+    <dgm:scene3d>
+      <a:camera prst="orthographicFront"/>
+      <a:lightRig rig="threePt" dir="t"/>
+    </dgm:scene3d>
+    <dgm:sp3d/>
+    <dgm:txPr/>
+    <dgm:style>
+      <a:lnRef idx="2">
+        <a:scrgbClr r="0" g="0" b="0"/>
+      </a:lnRef>
+      <a:fillRef idx="0">
+        <a:scrgbClr r="0" g="0" b="0"/>
+      </a:fillRef>
+      <a:effectRef idx="0">
+        <a:scrgbClr r="0" g="0" b="0"/>
+      </a:effectRef>
+      <a:fontRef idx="minor"/>
+    </dgm:style>
+  </dgm:styleLbl>
+  <dgm:styleLbl name="parChTrans1D2">
+    <dgm:scene3d>
+      <a:camera prst="orthographicFront"/>
+      <a:lightRig rig="threePt" dir="t"/>
+    </dgm:scene3d>
+    <dgm:sp3d/>
+    <dgm:txPr/>
+    <dgm:style>
+      <a:lnRef idx="2">
+        <a:scrgbClr r="0" g="0" b="0"/>
+      </a:lnRef>
+      <a:fillRef idx="0">
+        <a:scrgbClr r="0" g="0" b="0"/>
+      </a:fillRef>
+      <a:effectRef idx="0">
+        <a:scrgbClr r="0" g="0" b="0"/>
+      </a:effectRef>
+      <a:fontRef idx="minor"/>
+    </dgm:style>
+  </dgm:styleLbl>
+  <dgm:styleLbl name="parChTrans1D3">
+    <dgm:scene3d>
+      <a:camera prst="orthographicFront"/>
+      <a:lightRig rig="threePt" dir="t"/>
+    </dgm:scene3d>
+    <dgm:sp3d/>
+    <dgm:txPr/>
+    <dgm:style>
+      <a:lnRef idx="2">
+        <a:scrgbClr r="0" g="0" b="0"/>
+      </a:lnRef>
+      <a:fillRef idx="0">
+        <a:scrgbClr r="0" g="0" b="0"/>
+      </a:fillRef>
+      <a:effectRef idx="0">
+        <a:scrgbClr r="0" g="0" b="0"/>
+      </a:effectRef>
+      <a:fontRef idx="minor"/>
+    </dgm:style>
+  </dgm:styleLbl>
+  <dgm:styleLbl name="parChTrans1D4">
+    <dgm:scene3d>
+      <a:camera prst="orthographicFront"/>
+      <a:lightRig rig="threePt" dir="t"/>
+    </dgm:scene3d>
+    <dgm:sp3d/>
+    <dgm:txPr/>
+    <dgm:style>
+      <a:lnRef idx="2">
+        <a:scrgbClr r="0" g="0" b="0"/>
+      </a:lnRef>
+      <a:fillRef idx="0">
+        <a:scrgbClr r="0" g="0" b="0"/>
+      </a:fillRef>
+      <a:effectRef idx="0">
+        <a:scrgbClr r="0" g="0" b="0"/>
+      </a:effectRef>
+      <a:fontRef idx="minor"/>
+    </dgm:style>
+  </dgm:styleLbl>
+  <dgm:styleLbl name="fgAcc1">
+    <dgm:scene3d>
+      <a:camera prst="orthographicFront"/>
+      <a:lightRig rig="threePt" dir="t"/>
+    </dgm:scene3d>
+    <dgm:sp3d/>
+    <dgm:txPr/>
+    <dgm:style>
+      <a:lnRef idx="2">
+        <a:scrgbClr r="0" g="0" b="0"/>
+      </a:lnRef>
+      <a:fillRef idx="1">
+        <a:scrgbClr r="0" g="0" b="0"/>
+      </a:fillRef>
+      <a:effectRef idx="0">
+        <a:scrgbClr r="0" g="0" b="0"/>
+      </a:effectRef>
+      <a:fontRef idx="minor"/>
+    </dgm:style>
+  </dgm:styleLbl>
+  <dgm:styleLbl name="conFgAcc1">
+    <dgm:scene3d>
+      <a:camera prst="orthographicFront"/>
+      <a:lightRig rig="threePt" dir="t"/>
+    </dgm:scene3d>
+    <dgm:sp3d/>
+    <dgm:txPr/>
+    <dgm:style>
+      <a:lnRef idx="2">
+        <a:scrgbClr r="0" g="0" b="0"/>
+      </a:lnRef>
+      <a:fillRef idx="1">
+        <a:scrgbClr r="0" g="0" b="0"/>
+      </a:fillRef>
+      <a:effectRef idx="0">
+        <a:scrgbClr r="0" g="0" b="0"/>
+      </a:effectRef>
+      <a:fontRef idx="minor"/>
+    </dgm:style>
+  </dgm:styleLbl>
+  <dgm:styleLbl name="alignAcc1">
+    <dgm:scene3d>
+      <a:camera prst="orthographicFront"/>
+      <a:lightRig rig="threePt" dir="t"/>
+    </dgm:scene3d>
+    <dgm:sp3d/>
+    <dgm:txPr/>
+    <dgm:style>
+      <a:lnRef idx="2">
+        <a:scrgbClr r="0" g="0" b="0"/>
+      </a:lnRef>
+      <a:fillRef idx="1">
+        <a:scrgbClr r="0" g="0" b="0"/>
+      </a:fillRef>
+      <a:effectRef idx="0">
+        <a:scrgbClr r="0" g="0" b="0"/>
+      </a:effectRef>
+      <a:fontRef idx="minor"/>
+    </dgm:style>
+  </dgm:styleLbl>
+  <dgm:styleLbl name="trAlignAcc1">
+    <dgm:scene3d>
+      <a:camera prst="orthographicFront"/>
+      <a:lightRig rig="threePt" dir="t"/>
+    </dgm:scene3d>
+    <dgm:sp3d/>
+    <dgm:txPr/>
+    <dgm:style>
+      <a:lnRef idx="1">
+        <a:scrgbClr r="0" g="0" b="0"/>
+      </a:lnRef>
+      <a:fillRef idx="1">
+        <a:scrgbClr r="0" g="0" b="0"/>
+      </a:fillRef>
+      <a:effectRef idx="0">
+        <a:scrgbClr r="0" g="0" b="0"/>
+      </a:effectRef>
+      <a:fontRef idx="minor"/>
+    </dgm:style>
+  </dgm:styleLbl>
+  <dgm:styleLbl name="bgAcc1">
+    <dgm:scene3d>
+      <a:camera prst="orthographicFront"/>
+      <a:lightRig rig="threePt" dir="t"/>
+    </dgm:scene3d>
+    <dgm:sp3d/>
+    <dgm:txPr/>
+    <dgm:style>
+      <a:lnRef idx="2">
+        <a:scrgbClr r="0" g="0" b="0"/>
+      </a:lnRef>
+      <a:fillRef idx="1">
+        <a:scrgbClr r="0" g="0" b="0"/>
+      </a:fillRef>
+      <a:effectRef idx="0">
+        <a:scrgbClr r="0" g="0" b="0"/>
+      </a:effectRef>
+      <a:fontRef idx="minor"/>
+    </dgm:style>
+  </dgm:styleLbl>
+  <dgm:styleLbl name="solidFgAcc1">
+    <dgm:scene3d>
+      <a:camera prst="orthographicFront"/>
+      <a:lightRig rig="threePt" dir="t"/>
+    </dgm:scene3d>
+    <dgm:sp3d/>
+    <dgm:txPr/>
+    <dgm:style>
+      <a:lnRef idx="2">
+        <a:scrgbClr r="0" g="0" b="0"/>
+      </a:lnRef>
+      <a:fillRef idx="1">
+        <a:scrgbClr r="0" g="0" b="0"/>
+      </a:fillRef>
+      <a:effectRef idx="0">
+        <a:scrgbClr r="0" g="0" b="0"/>
+      </a:effectRef>
+      <a:fontRef idx="minor"/>
+    </dgm:style>
+  </dgm:styleLbl>
+  <dgm:styleLbl name="solidAlignAcc1">
+    <dgm:scene3d>
+      <a:camera prst="orthographicFront"/>
+      <a:lightRig rig="threePt" dir="t"/>
+    </dgm:scene3d>
+    <dgm:sp3d/>
+    <dgm:txPr/>
+    <dgm:style>
+      <a:lnRef idx="2">
+        <a:scrgbClr r="0" g="0" b="0"/>
+      </a:lnRef>
+      <a:fillRef idx="1">
+        <a:scrgbClr r="0" g="0" b="0"/>
+      </a:fillRef>
+      <a:effectRef idx="0">
+        <a:scrgbClr r="0" g="0" b="0"/>
+      </a:effectRef>
+      <a:fontRef idx="minor"/>
+    </dgm:style>
+  </dgm:styleLbl>
+  <dgm:styleLbl name="solidBgAcc1">
+    <dgm:scene3d>
+      <a:camera prst="orthographicFront"/>
+      <a:lightRig rig="threePt" dir="t"/>
+    </dgm:scene3d>
+    <dgm:sp3d/>
+    <dgm:txPr/>
+    <dgm:style>
+      <a:lnRef idx="2">
+        <a:scrgbClr r="0" g="0" b="0"/>
+      </a:lnRef>
+      <a:fillRef idx="1">
+        <a:scrgbClr r="0" g="0" b="0"/>
+      </a:fillRef>
+      <a:effectRef idx="0">
+        <a:scrgbClr r="0" g="0" b="0"/>
+      </a:effectRef>
+      <a:fontRef idx="minor"/>
+    </dgm:style>
+  </dgm:styleLbl>
+  <dgm:styleLbl name="fgAccFollowNode1">
+    <dgm:scene3d>
+      <a:camera prst="orthographicFront"/>
+      <a:lightRig rig="threePt" dir="t"/>
+    </dgm:scene3d>
+    <dgm:sp3d/>
+    <dgm:txPr/>
+    <dgm:style>
+      <a:lnRef idx="2">
+        <a:scrgbClr r="0" g="0" b="0"/>
+      </a:lnRef>
+      <a:fillRef idx="1">
+        <a:scrgbClr r="0" g="0" b="0"/>
+      </a:fillRef>
+      <a:effectRef idx="0">
+        <a:scrgbClr r="0" g="0" b="0"/>
+      </a:effectRef>
+      <a:fontRef idx="minor"/>
+    </dgm:style>
+  </dgm:styleLbl>
+  <dgm:styleLbl name="alignAccFollowNode1">
+    <dgm:scene3d>
+      <a:camera prst="orthographicFront"/>
+      <a:lightRig rig="threePt" dir="t"/>
+    </dgm:scene3d>
+    <dgm:sp3d/>
+    <dgm:txPr/>
+    <dgm:style>
+      <a:lnRef idx="2">
+        <a:scrgbClr r="0" g="0" b="0"/>
+      </a:lnRef>
+      <a:fillRef idx="1">
+        <a:scrgbClr r="0" g="0" b="0"/>
+      </a:fillRef>
+      <a:effectRef idx="0">
+        <a:scrgbClr r="0" g="0" b="0"/>
+      </a:effectRef>
+      <a:fontRef idx="minor"/>
+    </dgm:style>
+  </dgm:styleLbl>
+  <dgm:styleLbl name="bgAccFollowNode1">
+    <dgm:scene3d>
+      <a:camera prst="orthographicFront"/>
+      <a:lightRig rig="threePt" dir="t"/>
+    </dgm:scene3d>
+    <dgm:sp3d/>
+    <dgm:txPr/>
+    <dgm:style>
+      <a:lnRef idx="2">
+        <a:scrgbClr r="0" g="0" b="0"/>
+      </a:lnRef>
+      <a:fillRef idx="1">
+        <a:scrgbClr r="0" g="0" b="0"/>
+      </a:fillRef>
+      <a:effectRef idx="0">
+        <a:scrgbClr r="0" g="0" b="0"/>
+      </a:effectRef>
+      <a:fontRef idx="minor"/>
+    </dgm:style>
+  </dgm:styleLbl>
+  <dgm:styleLbl name="fgAcc0">
+    <dgm:scene3d>
+      <a:camera prst="orthographicFront"/>
+      <a:lightRig rig="threePt" dir="t"/>
+    </dgm:scene3d>
+    <dgm:sp3d/>
+    <dgm:txPr/>
+    <dgm:style>
+      <a:lnRef idx="2">
+        <a:scrgbClr r="0" g="0" b="0"/>
+      </a:lnRef>
+      <a:fillRef idx="1">
+        <a:scrgbClr r="0" g="0" b="0"/>
+      </a:fillRef>
+      <a:effectRef idx="0">
+        <a:scrgbClr r="0" g="0" b="0"/>
+      </a:effectRef>
+      <a:fontRef idx="minor"/>
+    </dgm:style>
+  </dgm:styleLbl>
+  <dgm:styleLbl name="fgAcc2">
+    <dgm:scene3d>
+      <a:camera prst="orthographicFront"/>
+      <a:lightRig rig="threePt" dir="t"/>
+    </dgm:scene3d>
+    <dgm:sp3d/>
+    <dgm:txPr/>
+    <dgm:style>
+      <a:lnRef idx="2">
+        <a:scrgbClr r="0" g="0" b="0"/>
+      </a:lnRef>
+      <a:fillRef idx="1">
+        <a:scrgbClr r="0" g="0" b="0"/>
+      </a:fillRef>
+      <a:effectRef idx="0">
+        <a:scrgbClr r="0" g="0" b="0"/>
+      </a:effectRef>
+      <a:fontRef idx="minor"/>
+    </dgm:style>
+  </dgm:styleLbl>
+  <dgm:styleLbl name="fgAcc3">
+    <dgm:scene3d>
+      <a:camera prst="orthographicFront"/>
+      <a:lightRig rig="threePt" dir="t"/>
+    </dgm:scene3d>
+    <dgm:sp3d/>
+    <dgm:txPr/>
+    <dgm:style>
+      <a:lnRef idx="2">
+        <a:scrgbClr r="0" g="0" b="0"/>
+      </a:lnRef>
+      <a:fillRef idx="1">
+        <a:scrgbClr r="0" g="0" b="0"/>
+      </a:fillRef>
+      <a:effectRef idx="0">
+        <a:scrgbClr r="0" g="0" b="0"/>
+      </a:effectRef>
+      <a:fontRef idx="minor"/>
+    </dgm:style>
+  </dgm:styleLbl>
+  <dgm:styleLbl name="fgAcc4">
+    <dgm:scene3d>
+      <a:camera prst="orthographicFront"/>
+      <a:lightRig rig="threePt" dir="t"/>
+    </dgm:scene3d>
+    <dgm:sp3d/>
+    <dgm:txPr/>
+    <dgm:style>
+      <a:lnRef idx="2">
+        <a:scrgbClr r="0" g="0" b="0"/>
+      </a:lnRef>
+      <a:fillRef idx="1">
+        <a:scrgbClr r="0" g="0" b="0"/>
+      </a:fillRef>
+      <a:effectRef idx="0">
+        <a:scrgbClr r="0" g="0" b="0"/>
+      </a:effectRef>
+      <a:fontRef idx="minor"/>
+    </dgm:style>
+  </dgm:styleLbl>
+  <dgm:styleLbl name="bgShp">
+    <dgm:scene3d>
+      <a:camera prst="orthographicFront"/>
+      <a:lightRig rig="threePt" dir="t"/>
+    </dgm:scene3d>
+    <dgm:sp3d/>
+    <dgm:txPr/>
+    <dgm:style>
+      <a:lnRef idx="0">
+        <a:scrgbClr r="0" g="0" b="0"/>
+      </a:lnRef>
+      <a:fillRef idx="1">
+        <a:scrgbClr r="0" g="0" b="0"/>
+      </a:fillRef>
+      <a:effectRef idx="0">
+        <a:scrgbClr r="0" g="0" b="0"/>
+      </a:effectRef>
+      <a:fontRef idx="minor"/>
+    </dgm:style>
+  </dgm:styleLbl>
+  <dgm:styleLbl name="dkBgShp">
+    <dgm:scene3d>
+      <a:camera prst="orthographicFront"/>
+      <a:lightRig rig="threePt" dir="t"/>
+    </dgm:scene3d>
+    <dgm:sp3d/>
+    <dgm:txPr/>
+    <dgm:style>
+      <a:lnRef idx="0">
+        <a:scrgbClr r="0" g="0" b="0"/>
+      </a:lnRef>
+      <a:fillRef idx="1">
+        <a:scrgbClr r="0" g="0" b="0"/>
+      </a:fillRef>
+      <a:effectRef idx="0">
+        <a:scrgbClr r="0" g="0" b="0"/>
+      </a:effectRef>
+      <a:fontRef idx="minor"/>
+    </dgm:style>
+  </dgm:styleLbl>
+  <dgm:styleLbl name="trBgShp">
+    <dgm:scene3d>
+      <a:camera prst="orthographicFront"/>
+      <a:lightRig rig="threePt" dir="t"/>
+    </dgm:scene3d>
+    <dgm:sp3d/>
+    <dgm:txPr/>
+    <dgm:style>
+      <a:lnRef idx="0">
+        <a:scrgbClr r="0" g="0" b="0"/>
+      </a:lnRef>
+      <a:fillRef idx="1">
+        <a:scrgbClr r="0" g="0" b="0"/>
+      </a:fillRef>
+      <a:effectRef idx="0">
+        <a:scrgbClr r="0" g="0" b="0"/>
+      </a:effectRef>
+      <a:fontRef idx="minor"/>
+    </dgm:style>
+  </dgm:styleLbl>
+  <dgm:styleLbl name="fgShp">
+    <dgm:scene3d>
+      <a:camera prst="orthographicFront"/>
+      <a:lightRig rig="threePt" dir="t"/>
+    </dgm:scene3d>
+    <dgm:sp3d/>
+    <dgm:txPr/>
+    <dgm:style>
+      <a:lnRef idx="2">
+        <a:scrgbClr r="0" g="0" b="0"/>
+      </a:lnRef>
+      <a:fillRef idx="1">
+        <a:scrgbClr r="0" g="0" b="0"/>
+      </a:fillRef>
+      <a:effectRef idx="0">
+        <a:scrgbClr r="0" g="0" b="0"/>
+      </a:effectRef>
+      <a:fontRef idx="minor"/>
+    </dgm:style>
+  </dgm:styleLbl>
+  <dgm:styleLbl name="revTx">
+    <dgm:scene3d>
+      <a:camera prst="orthographicFront"/>
+      <a:lightRig rig="threePt" dir="t"/>
+    </dgm:scene3d>
+    <dgm:sp3d/>
+    <dgm:txPr/>
+    <dgm:style>
+      <a:lnRef idx="0">
+        <a:scrgbClr r="0" g="0" b="0"/>
+      </a:lnRef>
+      <a:fillRef idx="0">
+        <a:scrgbClr r="0" g="0" b="0"/>
+      </a:fillRef>
+      <a:effectRef idx="0">
+        <a:scrgbClr r="0" g="0" b="0"/>
+      </a:effectRef>
+      <a:fontRef idx="minor"/>
+    </dgm:style>
+  </dgm:styleLbl>
+</dgm:styleDef>
+</file>
+
+<file path=ppt/diagrams/quickStyle2.xml><?xml version="1.0" encoding="utf-8"?>
+<dgm:styleDef xmlns:dgm="http://schemas.openxmlformats.org/drawingml/2006/diagram" xmlns:a="http://schemas.openxmlformats.org/drawingml/2006/main" uniqueId="urn:microsoft.com/office/officeart/2005/8/quickstyle/simple1">
+  <dgm:title val=""/>
+  <dgm:desc val=""/>
+  <dgm:catLst>
+    <dgm:cat type="simple" pri="10100"/>
+  </dgm:catLst>
+  <dgm:scene3d>
+    <a:camera prst="orthographicFront"/>
+    <a:lightRig rig="threePt" dir="t"/>
+  </dgm:scene3d>
+  <dgm:styleLbl name="node0">
+    <dgm:scene3d>
+      <a:camera prst="orthographicFront"/>
+      <a:lightRig rig="threePt" dir="t"/>
+    </dgm:scene3d>
+    <dgm:sp3d/>
+    <dgm:txPr/>
+    <dgm:style>
+      <a:lnRef idx="2">
+        <a:scrgbClr r="0" g="0" b="0"/>
+      </a:lnRef>
+      <a:fillRef idx="1">
+        <a:scrgbClr r="0" g="0" b="0"/>
+      </a:fillRef>
+      <a:effectRef idx="0">
+        <a:scrgbClr r="0" g="0" b="0"/>
+      </a:effectRef>
+      <a:fontRef idx="minor">
+        <a:schemeClr val="lt1"/>
+      </a:fontRef>
+    </dgm:style>
+  </dgm:styleLbl>
+  <dgm:styleLbl name="lnNode1">
+    <dgm:scene3d>
+      <a:camera prst="orthographicFront"/>
+      <a:lightRig rig="threePt" dir="t"/>
+    </dgm:scene3d>
+    <dgm:sp3d/>
+    <dgm:txPr/>
+    <dgm:style>
+      <a:lnRef idx="2">
+        <a:scrgbClr r="0" g="0" b="0"/>
+      </a:lnRef>
+      <a:fillRef idx="1">
+        <a:scrgbClr r="0" g="0" b="0"/>
+      </a:fillRef>
+      <a:effectRef idx="0">
+        <a:scrgbClr r="0" g="0" b="0"/>
+      </a:effectRef>
+      <a:fontRef idx="minor">
+        <a:schemeClr val="lt1"/>
+      </a:fontRef>
+    </dgm:style>
+  </dgm:styleLbl>
+  <dgm:styleLbl name="vennNode1">
+    <dgm:scene3d>
+      <a:camera prst="orthographicFront"/>
+      <a:lightRig rig="threePt" dir="t"/>
+    </dgm:scene3d>
+    <dgm:sp3d/>
+    <dgm:txPr/>
+    <dgm:style>
+      <a:lnRef idx="2">
+        <a:scrgbClr r="0" g="0" b="0"/>
+      </a:lnRef>
+      <a:fillRef idx="1">
+        <a:scrgbClr r="0" g="0" b="0"/>
+      </a:fillRef>
+      <a:effectRef idx="0">
+        <a:scrgbClr r="0" g="0" b="0"/>
+      </a:effectRef>
+      <a:fontRef idx="minor">
+        <a:schemeClr val="tx1"/>
+      </a:fontRef>
+    </dgm:style>
+  </dgm:styleLbl>
+  <dgm:styleLbl name="alignNode1">
+    <dgm:scene3d>
+      <a:camera prst="orthographicFront"/>
+      <a:lightRig rig="threePt" dir="t"/>
+    </dgm:scene3d>
+    <dgm:sp3d/>
+    <dgm:txPr/>
+    <dgm:style>
+      <a:lnRef idx="2">
+        <a:scrgbClr r="0" g="0" b="0"/>
+      </a:lnRef>
+      <a:fillRef idx="1">
+        <a:scrgbClr r="0" g="0" b="0"/>
+      </a:fillRef>
+      <a:effectRef idx="0">
+        <a:scrgbClr r="0" g="0" b="0"/>
+      </a:effectRef>
+      <a:fontRef idx="minor">
+        <a:schemeClr val="lt1"/>
+      </a:fontRef>
+    </dgm:style>
+  </dgm:styleLbl>
+  <dgm:styleLbl name="node1">
+    <dgm:scene3d>
+      <a:camera prst="orthographicFront"/>
+      <a:lightRig rig="threePt" dir="t"/>
+    </dgm:scene3d>
+    <dgm:sp3d/>
+    <dgm:txPr/>
+    <dgm:style>
+      <a:lnRef idx="2">
+        <a:scrgbClr r="0" g="0" b="0"/>
+      </a:lnRef>
+      <a:fillRef idx="1">
+        <a:scrgbClr r="0" g="0" b="0"/>
+      </a:fillRef>
+      <a:effectRef idx="0">
+        <a:scrgbClr r="0" g="0" b="0"/>
+      </a:effectRef>
+      <a:fontRef idx="minor">
+        <a:schemeClr val="lt1"/>
+      </a:fontRef>
+    </dgm:style>
+  </dgm:styleLbl>
+  <dgm:styleLbl name="node2">
+    <dgm:scene3d>
+      <a:camera prst="orthographicFront"/>
+      <a:lightRig rig="threePt" dir="t"/>
+    </dgm:scene3d>
+    <dgm:sp3d/>
+    <dgm:txPr/>
+    <dgm:style>
+      <a:lnRef idx="2">
+        <a:scrgbClr r="0" g="0" b="0"/>
+      </a:lnRef>
+      <a:fillRef idx="1">
+        <a:scrgbClr r="0" g="0" b="0"/>
+      </a:fillRef>
+      <a:effectRef idx="0">
+        <a:scrgbClr r="0" g="0" b="0"/>
+      </a:effectRef>
+      <a:fontRef idx="minor">
+        <a:schemeClr val="lt1"/>
+      </a:fontRef>
+    </dgm:style>
+  </dgm:styleLbl>
+  <dgm:styleLbl name="node3">
+    <dgm:scene3d>
+      <a:camera prst="orthographicFront"/>
+      <a:lightRig rig="threePt" dir="t"/>
+    </dgm:scene3d>
+    <dgm:sp3d/>
+    <dgm:txPr/>
+    <dgm:style>
+      <a:lnRef idx="2">
+        <a:scrgbClr r="0" g="0" b="0"/>
+      </a:lnRef>
+      <a:fillRef idx="1">
+        <a:scrgbClr r="0" g="0" b="0"/>
+      </a:fillRef>
+      <a:effectRef idx="0">
+        <a:scrgbClr r="0" g="0" b="0"/>
+      </a:effectRef>
+      <a:fontRef idx="minor">
+        <a:schemeClr val="lt1"/>
+      </a:fontRef>
+    </dgm:style>
+  </dgm:styleLbl>
+  <dgm:styleLbl name="node4">
+    <dgm:scene3d>
+      <a:camera prst="orthographicFront"/>
+      <a:lightRig rig="threePt" dir="t"/>
+    </dgm:scene3d>
+    <dgm:sp3d/>
+    <dgm:txPr/>
+    <dgm:style>
+      <a:lnRef idx="2">
+        <a:scrgbClr r="0" g="0" b="0"/>
+      </a:lnRef>
+      <a:fillRef idx="1">
+        <a:scrgbClr r="0" g="0" b="0"/>
+      </a:fillRef>
+      <a:effectRef idx="0">
+        <a:scrgbClr r="0" g="0" b="0"/>
+      </a:effectRef>
+      <a:fontRef idx="minor">
+        <a:schemeClr val="lt1"/>
+      </a:fontRef>
+    </dgm:style>
+  </dgm:styleLbl>
+  <dgm:styleLbl name="fgImgPlace1">
+    <dgm:scene3d>
+      <a:camera prst="orthographicFront"/>
+      <a:lightRig rig="threePt" dir="t"/>
+    </dgm:scene3d>
+    <dgm:sp3d/>
+    <dgm:txPr/>
+    <dgm:style>
+      <a:lnRef idx="2">
+        <a:scrgbClr r="0" g="0" b="0"/>
+      </a:lnRef>
+      <a:fillRef idx="1">
+        <a:scrgbClr r="0" g="0" b="0"/>
+      </a:fillRef>
+      <a:effectRef idx="0">
+        <a:scrgbClr r="0" g="0" b="0"/>
+      </a:effectRef>
+      <a:fontRef idx="minor"/>
+    </dgm:style>
+  </dgm:styleLbl>
+  <dgm:styleLbl name="alignImgPlace1">
+    <dgm:scene3d>
+      <a:camera prst="orthographicFront"/>
+      <a:lightRig rig="threePt" dir="t"/>
+    </dgm:scene3d>
+    <dgm:sp3d/>
+    <dgm:txPr/>
+    <dgm:style>
+      <a:lnRef idx="2">
+        <a:scrgbClr r="0" g="0" b="0"/>
+      </a:lnRef>
+      <a:fillRef idx="1">
+        <a:scrgbClr r="0" g="0" b="0"/>
+      </a:fillRef>
+      <a:effectRef idx="0">
+        <a:scrgbClr r="0" g="0" b="0"/>
+      </a:effectRef>
+      <a:fontRef idx="minor"/>
+    </dgm:style>
+  </dgm:styleLbl>
+  <dgm:styleLbl name="bgImgPlace1">
+    <dgm:scene3d>
+      <a:camera prst="orthographicFront"/>
+      <a:lightRig rig="threePt" dir="t"/>
+    </dgm:scene3d>
+    <dgm:sp3d/>
+    <dgm:txPr/>
+    <dgm:style>
+      <a:lnRef idx="2">
+        <a:scrgbClr r="0" g="0" b="0"/>
+      </a:lnRef>
+      <a:fillRef idx="1">
+        <a:scrgbClr r="0" g="0" b="0"/>
+      </a:fillRef>
+      <a:effectRef idx="0">
+        <a:scrgbClr r="0" g="0" b="0"/>
+      </a:effectRef>
+      <a:fontRef idx="minor"/>
+    </dgm:style>
+  </dgm:styleLbl>
+  <dgm:styleLbl name="sibTrans2D1">
+    <dgm:scene3d>
+      <a:camera prst="orthographicFront"/>
+      <a:lightRig rig="threePt" dir="t"/>
+    </dgm:scene3d>
+    <dgm:sp3d/>
+    <dgm:txPr/>
+    <dgm:style>
+      <a:lnRef idx="0">
+        <a:scrgbClr r="0" g="0" b="0"/>
+      </a:lnRef>
+      <a:fillRef idx="1">
+        <a:scrgbClr r="0" g="0" b="0"/>
+      </a:fillRef>
+      <a:effectRef idx="0">
+        <a:scrgbClr r="0" g="0" b="0"/>
+      </a:effectRef>
+      <a:fontRef idx="minor">
+        <a:schemeClr val="lt1"/>
+      </a:fontRef>
+    </dgm:style>
+  </dgm:styleLbl>
+  <dgm:styleLbl name="fgSibTrans2D1">
+    <dgm:scene3d>
+      <a:camera prst="orthographicFront"/>
+      <a:lightRig rig="threePt" dir="t"/>
+    </dgm:scene3d>
+    <dgm:sp3d/>
+    <dgm:txPr/>
+    <dgm:style>
+      <a:lnRef idx="0">
+        <a:scrgbClr r="0" g="0" b="0"/>
+      </a:lnRef>
+      <a:fillRef idx="1">
+        <a:scrgbClr r="0" g="0" b="0"/>
+      </a:fillRef>
+      <a:effectRef idx="0">
+        <a:scrgbClr r="0" g="0" b="0"/>
+      </a:effectRef>
+      <a:fontRef idx="minor">
+        <a:schemeClr val="lt1"/>
+      </a:fontRef>
+    </dgm:style>
+  </dgm:styleLbl>
+  <dgm:styleLbl name="bgSibTrans2D1">
+    <dgm:scene3d>
+      <a:camera prst="orthographicFront"/>
+      <a:lightRig rig="threePt" dir="t"/>
+    </dgm:scene3d>
+    <dgm:sp3d/>
+    <dgm:txPr/>
+    <dgm:style>
+      <a:lnRef idx="0">
+        <a:scrgbClr r="0" g="0" b="0"/>
+      </a:lnRef>
+      <a:fillRef idx="1">
+        <a:scrgbClr r="0" g="0" b="0"/>
+      </a:fillRef>
+      <a:effectRef idx="0">
+        <a:scrgbClr r="0" g="0" b="0"/>
+      </a:effectRef>
+      <a:fontRef idx="minor">
+        <a:schemeClr val="lt1"/>
+      </a:fontRef>
+    </dgm:style>
+  </dgm:styleLbl>
+  <dgm:styleLbl name="sibTrans1D1">
+    <dgm:scene3d>
+      <a:camera prst="orthographicFront"/>
+      <a:lightRig rig="threePt" dir="t"/>
+    </dgm:scene3d>
+    <dgm:sp3d/>
+    <dgm:txPr/>
+    <dgm:style>
+      <a:lnRef idx="1">
+        <a:scrgbClr r="0" g="0" b="0"/>
+      </a:lnRef>
+      <a:fillRef idx="0">
+        <a:scrgbClr r="0" g="0" b="0"/>
+      </a:fillRef>
+      <a:effectRef idx="0">
+        <a:scrgbClr r="0" g="0" b="0"/>
+      </a:effectRef>
+      <a:fontRef idx="minor"/>
+    </dgm:style>
+  </dgm:styleLbl>
+  <dgm:styleLbl name="callout">
+    <dgm:scene3d>
+      <a:camera prst="orthographicFront"/>
+      <a:lightRig rig="threePt" dir="t"/>
+    </dgm:scene3d>
+    <dgm:sp3d/>
+    <dgm:txPr/>
+    <dgm:style>
+      <a:lnRef idx="2">
+        <a:scrgbClr r="0" g="0" b="0"/>
+      </a:lnRef>
+      <a:fillRef idx="1">
+        <a:scrgbClr r="0" g="0" b="0"/>
+      </a:fillRef>
+      <a:effectRef idx="0">
+        <a:scrgbClr r="0" g="0" b="0"/>
+      </a:effectRef>
+      <a:fontRef idx="minor"/>
+    </dgm:style>
+  </dgm:styleLbl>
+  <dgm:styleLbl name="asst0">
+    <dgm:scene3d>
+      <a:camera prst="orthographicFront"/>
+      <a:lightRig rig="threePt" dir="t"/>
+    </dgm:scene3d>
+    <dgm:sp3d/>
+    <dgm:txPr/>
+    <dgm:style>
+      <a:lnRef idx="2">
+        <a:scrgbClr r="0" g="0" b="0"/>
+      </a:lnRef>
+      <a:fillRef idx="1">
+        <a:scrgbClr r="0" g="0" b="0"/>
+      </a:fillRef>
+      <a:effectRef idx="0">
+        <a:scrgbClr r="0" g="0" b="0"/>
+      </a:effectRef>
+      <a:fontRef idx="minor">
+        <a:schemeClr val="lt1"/>
+      </a:fontRef>
+    </dgm:style>
+  </dgm:styleLbl>
+  <dgm:styleLbl name="asst1">
+    <dgm:scene3d>
+      <a:camera prst="orthographicFront"/>
+      <a:lightRig rig="threePt" dir="t"/>
+    </dgm:scene3d>
+    <dgm:sp3d/>
+    <dgm:txPr/>
+    <dgm:style>
+      <a:lnRef idx="2">
+        <a:scrgbClr r="0" g="0" b="0"/>
+      </a:lnRef>
+      <a:fillRef idx="1">
+        <a:scrgbClr r="0" g="0" b="0"/>
+      </a:fillRef>
+      <a:effectRef idx="0">
+        <a:scrgbClr r="0" g="0" b="0"/>
+      </a:effectRef>
+      <a:fontRef idx="minor">
+        <a:schemeClr val="lt1"/>
+      </a:fontRef>
+    </dgm:style>
+  </dgm:styleLbl>
+  <dgm:styleLbl name="asst2">
+    <dgm:scene3d>
+      <a:camera prst="orthographicFront"/>
+      <a:lightRig rig="threePt" dir="t"/>
+    </dgm:scene3d>
+    <dgm:sp3d/>
+    <dgm:txPr/>
+    <dgm:style>
+      <a:lnRef idx="2">
+        <a:scrgbClr r="0" g="0" b="0"/>
+      </a:lnRef>
+      <a:fillRef idx="1">
+        <a:scrgbClr r="0" g="0" b="0"/>
+      </a:fillRef>
+      <a:effectRef idx="0">
+        <a:scrgbClr r="0" g="0" b="0"/>
+      </a:effectRef>
+      <a:fontRef idx="minor">
+        <a:schemeClr val="lt1"/>
+      </a:fontRef>
+    </dgm:style>
+  </dgm:styleLbl>
+  <dgm:styleLbl name="asst3">
+    <dgm:scene3d>
+      <a:camera prst="orthographicFront"/>
+      <a:lightRig rig="threePt" dir="t"/>
+    </dgm:scene3d>
+    <dgm:sp3d/>
+    <dgm:txPr/>
+    <dgm:style>
+      <a:lnRef idx="2">
+        <a:scrgbClr r="0" g="0" b="0"/>
+      </a:lnRef>
+      <a:fillRef idx="1">
+        <a:scrgbClr r="0" g="0" b="0"/>
+      </a:fillRef>
+      <a:effectRef idx="0">
+        <a:scrgbClr r="0" g="0" b="0"/>
+      </a:effectRef>
+      <a:fontRef idx="minor">
+        <a:schemeClr val="lt1"/>
+      </a:fontRef>
+    </dgm:style>
+  </dgm:styleLbl>
+  <dgm:styleLbl name="asst4">
+    <dgm:scene3d>
+      <a:camera prst="orthographicFront"/>
+      <a:lightRig rig="threePt" dir="t"/>
+    </dgm:scene3d>
+    <dgm:sp3d/>
+    <dgm:txPr/>
+    <dgm:style>
+      <a:lnRef idx="2">
+        <a:scrgbClr r="0" g="0" b="0"/>
+      </a:lnRef>
+      <a:fillRef idx="1">
+        <a:scrgbClr r="0" g="0" b="0"/>
+      </a:fillRef>
+      <a:effectRef idx="0">
+        <a:scrgbClr r="0" g="0" b="0"/>
+      </a:effectRef>
+      <a:fontRef idx="minor">
+        <a:schemeClr val="lt1"/>
+      </a:fontRef>
+    </dgm:style>
+  </dgm:styleLbl>
+  <dgm:styleLbl name="parChTrans2D1">
+    <dgm:scene3d>
+      <a:camera prst="orthographicFront"/>
+      <a:lightRig rig="threePt" dir="t"/>
+    </dgm:scene3d>
+    <dgm:sp3d/>
+    <dgm:txPr/>
+    <dgm:style>
+      <a:lnRef idx="2">
+        <a:scrgbClr r="0" g="0" b="0"/>
+      </a:lnRef>
+      <a:fillRef idx="1">
+        <a:scrgbClr r="0" g="0" b="0"/>
+      </a:fillRef>
+      <a:effectRef idx="0">
+        <a:scrgbClr r="0" g="0" b="0"/>
+      </a:effectRef>
+      <a:fontRef idx="minor">
+        <a:schemeClr val="lt1"/>
+      </a:fontRef>
+    </dgm:style>
+  </dgm:styleLbl>
+  <dgm:styleLbl name="parChTrans2D2">
+    <dgm:scene3d>
+      <a:camera prst="orthographicFront"/>
+      <a:lightRig rig="threePt" dir="t"/>
+    </dgm:scene3d>
+    <dgm:sp3d/>
+    <dgm:txPr/>
+    <dgm:style>
+      <a:lnRef idx="2">
+        <a:scrgbClr r="0" g="0" b="0"/>
+      </a:lnRef>
+      <a:fillRef idx="1">
+        <a:scrgbClr r="0" g="0" b="0"/>
+      </a:fillRef>
+      <a:effectRef idx="0">
+        <a:scrgbClr r="0" g="0" b="0"/>
+      </a:effectRef>
+      <a:fontRef idx="minor">
+        <a:schemeClr val="lt1"/>
+      </a:fontRef>
+    </dgm:style>
+  </dgm:styleLbl>
+  <dgm:styleLbl name="parChTrans2D3">
+    <dgm:scene3d>
+      <a:camera prst="orthographicFront"/>
+      <a:lightRig rig="threePt" dir="t"/>
+    </dgm:scene3d>
+    <dgm:sp3d/>
+    <dgm:txPr/>
+    <dgm:style>
+      <a:lnRef idx="2">
+        <a:scrgbClr r="0" g="0" b="0"/>
+      </a:lnRef>
+      <a:fillRef idx="1">
+        <a:scrgbClr r="0" g="0" b="0"/>
+      </a:fillRef>
+      <a:effectRef idx="0">
+        <a:scrgbClr r="0" g="0" b="0"/>
+      </a:effectRef>
+      <a:fontRef idx="minor">
+        <a:schemeClr val="lt1"/>
+      </a:fontRef>
+    </dgm:style>
+  </dgm:styleLbl>
+  <dgm:styleLbl name="parChTrans2D4">
+    <dgm:scene3d>
+      <a:camera prst="orthographicFront"/>
+      <a:lightRig rig="threePt" dir="t"/>
+    </dgm:scene3d>
+    <dgm:sp3d/>
+    <dgm:txPr/>
+    <dgm:style>
+      <a:lnRef idx="2">
+        <a:scrgbClr r="0" g="0" b="0"/>
+      </a:lnRef>
+      <a:fillRef idx="1">
+        <a:scrgbClr r="0" g="0" b="0"/>
+      </a:fillRef>
+      <a:effectRef idx="0">
+        <a:scrgbClr r="0" g="0" b="0"/>
+      </a:effectRef>
+      <a:fontRef idx="minor">
+        <a:schemeClr val="lt1"/>
+      </a:fontRef>
+    </dgm:style>
+  </dgm:styleLbl>
+  <dgm:styleLbl name="parChTrans1D1">
+    <dgm:scene3d>
+      <a:camera prst="orthographicFront"/>
+      <a:lightRig rig="threePt" dir="t"/>
+    </dgm:scene3d>
+    <dgm:sp3d/>
+    <dgm:txPr/>
+    <dgm:style>
+      <a:lnRef idx="2">
+        <a:scrgbClr r="0" g="0" b="0"/>
+      </a:lnRef>
+      <a:fillRef idx="0">
+        <a:scrgbClr r="0" g="0" b="0"/>
+      </a:fillRef>
+      <a:effectRef idx="0">
+        <a:scrgbClr r="0" g="0" b="0"/>
+      </a:effectRef>
+      <a:fontRef idx="minor"/>
+    </dgm:style>
+  </dgm:styleLbl>
+  <dgm:styleLbl name="parChTrans1D2">
+    <dgm:scene3d>
+      <a:camera prst="orthographicFront"/>
+      <a:lightRig rig="threePt" dir="t"/>
+    </dgm:scene3d>
+    <dgm:sp3d/>
+    <dgm:txPr/>
+    <dgm:style>
+      <a:lnRef idx="2">
+        <a:scrgbClr r="0" g="0" b="0"/>
+      </a:lnRef>
+      <a:fillRef idx="0">
+        <a:scrgbClr r="0" g="0" b="0"/>
+      </a:fillRef>
+      <a:effectRef idx="0">
+        <a:scrgbClr r="0" g="0" b="0"/>
+      </a:effectRef>
+      <a:fontRef idx="minor"/>
+    </dgm:style>
+  </dgm:styleLbl>
+  <dgm:styleLbl name="parChTrans1D3">
+    <dgm:scene3d>
+      <a:camera prst="orthographicFront"/>
+      <a:lightRig rig="threePt" dir="t"/>
+    </dgm:scene3d>
+    <dgm:sp3d/>
+    <dgm:txPr/>
+    <dgm:style>
+      <a:lnRef idx="2">
+        <a:scrgbClr r="0" g="0" b="0"/>
+      </a:lnRef>
+      <a:fillRef idx="0">
+        <a:scrgbClr r="0" g="0" b="0"/>
+      </a:fillRef>
+      <a:effectRef idx="0">
+        <a:scrgbClr r="0" g="0" b="0"/>
+      </a:effectRef>
+      <a:fontRef idx="minor"/>
+    </dgm:style>
+  </dgm:styleLbl>
+  <dgm:styleLbl name="parChTrans1D4">
+    <dgm:scene3d>
+      <a:camera prst="orthographicFront"/>
+      <a:lightRig rig="threePt" dir="t"/>
+    </dgm:scene3d>
+    <dgm:sp3d/>
+    <dgm:txPr/>
+    <dgm:style>
+      <a:lnRef idx="2">
+        <a:scrgbClr r="0" g="0" b="0"/>
+      </a:lnRef>
+      <a:fillRef idx="0">
+        <a:scrgbClr r="0" g="0" b="0"/>
+      </a:fillRef>
+      <a:effectRef idx="0">
+        <a:scrgbClr r="0" g="0" b="0"/>
+      </a:effectRef>
+      <a:fontRef idx="minor"/>
+    </dgm:style>
+  </dgm:styleLbl>
+  <dgm:styleLbl name="fgAcc1">
+    <dgm:scene3d>
+      <a:camera prst="orthographicFront"/>
+      <a:lightRig rig="threePt" dir="t"/>
+    </dgm:scene3d>
+    <dgm:sp3d/>
+    <dgm:txPr/>
+    <dgm:style>
+      <a:lnRef idx="2">
+        <a:scrgbClr r="0" g="0" b="0"/>
+      </a:lnRef>
+      <a:fillRef idx="1">
+        <a:scrgbClr r="0" g="0" b="0"/>
+      </a:fillRef>
+      <a:effectRef idx="0">
+        <a:scrgbClr r="0" g="0" b="0"/>
+      </a:effectRef>
+      <a:fontRef idx="minor"/>
+    </dgm:style>
+  </dgm:styleLbl>
+  <dgm:styleLbl name="conFgAcc1">
+    <dgm:scene3d>
+      <a:camera prst="orthographicFront"/>
+      <a:lightRig rig="threePt" dir="t"/>
+    </dgm:scene3d>
+    <dgm:sp3d/>
+    <dgm:txPr/>
+    <dgm:style>
+      <a:lnRef idx="2">
+        <a:scrgbClr r="0" g="0" b="0"/>
+      </a:lnRef>
+      <a:fillRef idx="1">
+        <a:scrgbClr r="0" g="0" b="0"/>
+      </a:fillRef>
+      <a:effectRef idx="0">
+        <a:scrgbClr r="0" g="0" b="0"/>
+      </a:effectRef>
+      <a:fontRef idx="minor"/>
+    </dgm:style>
+  </dgm:styleLbl>
+  <dgm:styleLbl name="alignAcc1">
+    <dgm:scene3d>
+      <a:camera prst="orthographicFront"/>
+      <a:lightRig rig="threePt" dir="t"/>
+    </dgm:scene3d>
+    <dgm:sp3d/>
+    <dgm:txPr/>
+    <dgm:style>
+      <a:lnRef idx="2">
+        <a:scrgbClr r="0" g="0" b="0"/>
+      </a:lnRef>
+      <a:fillRef idx="1">
+        <a:scrgbClr r="0" g="0" b="0"/>
+      </a:fillRef>
+      <a:effectRef idx="0">
+        <a:scrgbClr r="0" g="0" b="0"/>
+      </a:effectRef>
+      <a:fontRef idx="minor"/>
+    </dgm:style>
+  </dgm:styleLbl>
+  <dgm:styleLbl name="trAlignAcc1">
+    <dgm:scene3d>
+      <a:camera prst="orthographicFront"/>
+      <a:lightRig rig="threePt" dir="t"/>
+    </dgm:scene3d>
+    <dgm:sp3d/>
+    <dgm:txPr/>
+    <dgm:style>
+      <a:lnRef idx="1">
+        <a:scrgbClr r="0" g="0" b="0"/>
+      </a:lnRef>
+      <a:fillRef idx="1">
+        <a:scrgbClr r="0" g="0" b="0"/>
+      </a:fillRef>
+      <a:effectRef idx="0">
+        <a:scrgbClr r="0" g="0" b="0"/>
+      </a:effectRef>
+      <a:fontRef idx="minor"/>
+    </dgm:style>
+  </dgm:styleLbl>
+  <dgm:styleLbl name="bgAcc1">
+    <dgm:scene3d>
+      <a:camera prst="orthographicFront"/>
+      <a:lightRig rig="threePt" dir="t"/>
+    </dgm:scene3d>
+    <dgm:sp3d/>
+    <dgm:txPr/>
+    <dgm:style>
+      <a:lnRef idx="2">
+        <a:scrgbClr r="0" g="0" b="0"/>
+      </a:lnRef>
+      <a:fillRef idx="1">
+        <a:scrgbClr r="0" g="0" b="0"/>
+      </a:fillRef>
+      <a:effectRef idx="0">
+        <a:scrgbClr r="0" g="0" b="0"/>
+      </a:effectRef>
+      <a:fontRef idx="minor"/>
+    </dgm:style>
+  </dgm:styleLbl>
+  <dgm:styleLbl name="solidFgAcc1">
+    <dgm:scene3d>
+      <a:camera prst="orthographicFront"/>
+      <a:lightRig rig="threePt" dir="t"/>
+    </dgm:scene3d>
+    <dgm:sp3d/>
+    <dgm:txPr/>
+    <dgm:style>
+      <a:lnRef idx="2">
+        <a:scrgbClr r="0" g="0" b="0"/>
+      </a:lnRef>
+      <a:fillRef idx="1">
+        <a:scrgbClr r="0" g="0" b="0"/>
+      </a:fillRef>
+      <a:effectRef idx="0">
+        <a:scrgbClr r="0" g="0" b="0"/>
+      </a:effectRef>
+      <a:fontRef idx="minor"/>
+    </dgm:style>
+  </dgm:styleLbl>
+  <dgm:styleLbl name="solidAlignAcc1">
+    <dgm:scene3d>
+      <a:camera prst="orthographicFront"/>
+      <a:lightRig rig="threePt" dir="t"/>
+    </dgm:scene3d>
+    <dgm:sp3d/>
+    <dgm:txPr/>
+    <dgm:style>
+      <a:lnRef idx="2">
+        <a:scrgbClr r="0" g="0" b="0"/>
+      </a:lnRef>
+      <a:fillRef idx="1">
+        <a:scrgbClr r="0" g="0" b="0"/>
+      </a:fillRef>
+      <a:effectRef idx="0">
+        <a:scrgbClr r="0" g="0" b="0"/>
+      </a:effectRef>
+      <a:fontRef idx="minor"/>
+    </dgm:style>
+  </dgm:styleLbl>
+  <dgm:styleLbl name="solidBgAcc1">
+    <dgm:scene3d>
+      <a:camera prst="orthographicFront"/>
+      <a:lightRig rig="threePt" dir="t"/>
+    </dgm:scene3d>
+    <dgm:sp3d/>
+    <dgm:txPr/>
+    <dgm:style>
+      <a:lnRef idx="2">
+        <a:scrgbClr r="0" g="0" b="0"/>
+      </a:lnRef>
+      <a:fillRef idx="1">
+        <a:scrgbClr r="0" g="0" b="0"/>
+      </a:fillRef>
+      <a:effectRef idx="0">
+        <a:scrgbClr r="0" g="0" b="0"/>
+      </a:effectRef>
+      <a:fontRef idx="minor"/>
+    </dgm:style>
+  </dgm:styleLbl>
+  <dgm:styleLbl name="fgAccFollowNode1">
+    <dgm:scene3d>
+      <a:camera prst="orthographicFront"/>
+      <a:lightRig rig="threePt" dir="t"/>
+    </dgm:scene3d>
+    <dgm:sp3d/>
+    <dgm:txPr/>
+    <dgm:style>
+      <a:lnRef idx="2">
+        <a:scrgbClr r="0" g="0" b="0"/>
+      </a:lnRef>
+      <a:fillRef idx="1">
+        <a:scrgbClr r="0" g="0" b="0"/>
+      </a:fillRef>
+      <a:effectRef idx="0">
+        <a:scrgbClr r="0" g="0" b="0"/>
+      </a:effectRef>
+      <a:fontRef idx="minor"/>
+    </dgm:style>
+  </dgm:styleLbl>
+  <dgm:styleLbl name="alignAccFollowNode1">
+    <dgm:scene3d>
+      <a:camera prst="orthographicFront"/>
+      <a:lightRig rig="threePt" dir="t"/>
+    </dgm:scene3d>
+    <dgm:sp3d/>
+    <dgm:txPr/>
+    <dgm:style>
+      <a:lnRef idx="2">
+        <a:scrgbClr r="0" g="0" b="0"/>
+      </a:lnRef>
+      <a:fillRef idx="1">
+        <a:scrgbClr r="0" g="0" b="0"/>
+      </a:fillRef>
+      <a:effectRef idx="0">
+        <a:scrgbClr r="0" g="0" b="0"/>
+      </a:effectRef>
+      <a:fontRef idx="minor"/>
+    </dgm:style>
+  </dgm:styleLbl>
+  <dgm:styleLbl name="bgAccFollowNode1">
+    <dgm:scene3d>
+      <a:camera prst="orthographicFront"/>
+      <a:lightRig rig="threePt" dir="t"/>
+    </dgm:scene3d>
+    <dgm:sp3d/>
+    <dgm:txPr/>
+    <dgm:style>
+      <a:lnRef idx="2">
+        <a:scrgbClr r="0" g="0" b="0"/>
+      </a:lnRef>
+      <a:fillRef idx="1">
+        <a:scrgbClr r="0" g="0" b="0"/>
+      </a:fillRef>
+      <a:effectRef idx="0">
+        <a:scrgbClr r="0" g="0" b="0"/>
+      </a:effectRef>
+      <a:fontRef idx="minor"/>
+    </dgm:style>
+  </dgm:styleLbl>
+  <dgm:styleLbl name="fgAcc0">
+    <dgm:scene3d>
+      <a:camera prst="orthographicFront"/>
+      <a:lightRig rig="threePt" dir="t"/>
+    </dgm:scene3d>
+    <dgm:sp3d/>
+    <dgm:txPr/>
+    <dgm:style>
+      <a:lnRef idx="2">
+        <a:scrgbClr r="0" g="0" b="0"/>
+      </a:lnRef>
+      <a:fillRef idx="1">
+        <a:scrgbClr r="0" g="0" b="0"/>
+      </a:fillRef>
+      <a:effectRef idx="0">
+        <a:scrgbClr r="0" g="0" b="0"/>
+      </a:effectRef>
+      <a:fontRef idx="minor"/>
+    </dgm:style>
+  </dgm:styleLbl>
+  <dgm:styleLbl name="fgAcc2">
+    <dgm:scene3d>
+      <a:camera prst="orthographicFront"/>
+      <a:lightRig rig="threePt" dir="t"/>
+    </dgm:scene3d>
+    <dgm:sp3d/>
+    <dgm:txPr/>
+    <dgm:style>
+      <a:lnRef idx="2">
+        <a:scrgbClr r="0" g="0" b="0"/>
+      </a:lnRef>
+      <a:fillRef idx="1">
+        <a:scrgbClr r="0" g="0" b="0"/>
+      </a:fillRef>
+      <a:effectRef idx="0">
+        <a:scrgbClr r="0" g="0" b="0"/>
+      </a:effectRef>
+      <a:fontRef idx="minor"/>
+    </dgm:style>
+  </dgm:styleLbl>
+  <dgm:styleLbl name="fgAcc3">
+    <dgm:scene3d>
+      <a:camera prst="orthographicFront"/>
+      <a:lightRig rig="threePt" dir="t"/>
+    </dgm:scene3d>
+    <dgm:sp3d/>
+    <dgm:txPr/>
+    <dgm:style>
+      <a:lnRef idx="2">
+        <a:scrgbClr r="0" g="0" b="0"/>
+      </a:lnRef>
+      <a:fillRef idx="1">
+        <a:scrgbClr r="0" g="0" b="0"/>
+      </a:fillRef>
+      <a:effectRef idx="0">
+        <a:scrgbClr r="0" g="0" b="0"/>
+      </a:effectRef>
+      <a:fontRef idx="minor"/>
+    </dgm:style>
+  </dgm:styleLbl>
+  <dgm:styleLbl name="fgAcc4">
+    <dgm:scene3d>
+      <a:camera prst="orthographicFront"/>
+      <a:lightRig rig="threePt" dir="t"/>
+    </dgm:scene3d>
+    <dgm:sp3d/>
+    <dgm:txPr/>
+    <dgm:style>
+      <a:lnRef idx="2">
+        <a:scrgbClr r="0" g="0" b="0"/>
+      </a:lnRef>
+      <a:fillRef idx="1">
+        <a:scrgbClr r="0" g="0" b="0"/>
+      </a:fillRef>
+      <a:effectRef idx="0">
+        <a:scrgbClr r="0" g="0" b="0"/>
+      </a:effectRef>
+      <a:fontRef idx="minor"/>
+    </dgm:style>
+  </dgm:styleLbl>
+  <dgm:styleLbl name="bgShp">
+    <dgm:scene3d>
+      <a:camera prst="orthographicFront"/>
+      <a:lightRig rig="threePt" dir="t"/>
+    </dgm:scene3d>
+    <dgm:sp3d/>
+    <dgm:txPr/>
+    <dgm:style>
+      <a:lnRef idx="0">
+        <a:scrgbClr r="0" g="0" b="0"/>
+      </a:lnRef>
+      <a:fillRef idx="1">
+        <a:scrgbClr r="0" g="0" b="0"/>
+      </a:fillRef>
+      <a:effectRef idx="0">
+        <a:scrgbClr r="0" g="0" b="0"/>
+      </a:effectRef>
+      <a:fontRef idx="minor"/>
+    </dgm:style>
+  </dgm:styleLbl>
+  <dgm:styleLbl name="dkBgShp">
+    <dgm:scene3d>
+      <a:camera prst="orthographicFront"/>
+      <a:lightRig rig="threePt" dir="t"/>
+    </dgm:scene3d>
+    <dgm:sp3d/>
+    <dgm:txPr/>
+    <dgm:style>
+      <a:lnRef idx="0">
+        <a:scrgbClr r="0" g="0" b="0"/>
+      </a:lnRef>
+      <a:fillRef idx="1">
+        <a:scrgbClr r="0" g="0" b="0"/>
+      </a:fillRef>
+      <a:effectRef idx="0">
+        <a:scrgbClr r="0" g="0" b="0"/>
+      </a:effectRef>
+      <a:fontRef idx="minor"/>
+    </dgm:style>
+  </dgm:styleLbl>
+  <dgm:styleLbl name="trBgShp">
+    <dgm:scene3d>
+      <a:camera prst="orthographicFront"/>
+      <a:lightRig rig="threePt" dir="t"/>
+    </dgm:scene3d>
+    <dgm:sp3d/>
+    <dgm:txPr/>
+    <dgm:style>
+      <a:lnRef idx="0">
+        <a:scrgbClr r="0" g="0" b="0"/>
+      </a:lnRef>
+      <a:fillRef idx="1">
+        <a:scrgbClr r="0" g="0" b="0"/>
+      </a:fillRef>
+      <a:effectRef idx="0">
+        <a:scrgbClr r="0" g="0" b="0"/>
+      </a:effectRef>
+      <a:fontRef idx="minor"/>
+    </dgm:style>
+  </dgm:styleLbl>
+  <dgm:styleLbl name="fgShp">
+    <dgm:scene3d>
+      <a:camera prst="orthographicFront"/>
+      <a:lightRig rig="threePt" dir="t"/>
+    </dgm:scene3d>
+    <dgm:sp3d/>
+    <dgm:txPr/>
+    <dgm:style>
+      <a:lnRef idx="2">
+        <a:scrgbClr r="0" g="0" b="0"/>
+      </a:lnRef>
+      <a:fillRef idx="1">
+        <a:scrgbClr r="0" g="0" b="0"/>
+      </a:fillRef>
+      <a:effectRef idx="0">
+        <a:scrgbClr r="0" g="0" b="0"/>
+      </a:effectRef>
+      <a:fontRef idx="minor"/>
+    </dgm:style>
+  </dgm:styleLbl>
+  <dgm:styleLbl name="revTx">
+    <dgm:scene3d>
+      <a:camera prst="orthographicFront"/>
+      <a:lightRig rig="threePt" dir="t"/>
+    </dgm:scene3d>
+    <dgm:sp3d/>
+    <dgm:txPr/>
+    <dgm:style>
+      <a:lnRef idx="0">
+        <a:scrgbClr r="0" g="0" b="0"/>
+      </a:lnRef>
+      <a:fillRef idx="0">
+        <a:scrgbClr r="0" g="0" b="0"/>
+      </a:fillRef>
+      <a:effectRef idx="0">
+        <a:scrgbClr r="0" g="0" b="0"/>
+      </a:effectRef>
+      <a:fontRef idx="minor"/>
+    </dgm:style>
+  </dgm:styleLbl>
+</dgm:styleDef>
+</file>
+
 <file path=ppt/slideLayouts/slideLayout1.xml><?xml version="1.0" encoding="utf-8"?>
 <p:sldLayout xmlns:a="http://schemas.openxmlformats.org/drawingml/2006/main" xmlns:r="http://schemas.openxmlformats.org/officeDocument/2006/relationships" xmlns:p="http://schemas.openxmlformats.org/presentationml/2006/main" showMasterSp="0" type="title" preserve="1">
   <p:cSld name="Diapositive de titre">
@@ -312,7 +6736,7 @@
             <a:fld id="{B61BEF0D-F0BB-DE4B-95CE-6DB70DBA9567}" type="datetimeFigureOut">
               <a:rPr lang="en-US" dirty="0"/>
               <a:pPr/>
-              <a:t>10/13/2019</a:t>
+              <a:t>1/3/2020</a:t>
             </a:fld>
             <a:endParaRPr lang="en-US" dirty="0"/>
           </a:p>
@@ -745,7 +7169,7 @@
             <a:fld id="{B61BEF0D-F0BB-DE4B-95CE-6DB70DBA9567}" type="datetimeFigureOut">
               <a:rPr lang="en-US" dirty="0"/>
               <a:pPr/>
-              <a:t>10/13/2019</a:t>
+              <a:t>1/3/2020</a:t>
             </a:fld>
             <a:endParaRPr lang="en-US" dirty="0"/>
           </a:p>
@@ -992,7 +7416,7 @@
             <a:fld id="{B61BEF0D-F0BB-DE4B-95CE-6DB70DBA9567}" type="datetimeFigureOut">
               <a:rPr lang="en-US" dirty="0"/>
               <a:pPr/>
-              <a:t>10/13/2019</a:t>
+              <a:t>1/3/2020</a:t>
             </a:fld>
             <a:endParaRPr lang="en-US" dirty="0"/>
           </a:p>
@@ -1297,7 +7721,7 @@
             <a:fld id="{B61BEF0D-F0BB-DE4B-95CE-6DB70DBA9567}" type="datetimeFigureOut">
               <a:rPr lang="en-US" dirty="0"/>
               <a:pPr/>
-              <a:t>10/13/2019</a:t>
+              <a:t>1/3/2020</a:t>
             </a:fld>
             <a:endParaRPr lang="en-US" dirty="0"/>
           </a:p>
@@ -1612,7 +8036,7 @@
             <a:fld id="{B61BEF0D-F0BB-DE4B-95CE-6DB70DBA9567}" type="datetimeFigureOut">
               <a:rPr lang="en-US" dirty="0"/>
               <a:pPr/>
-              <a:t>10/13/2019</a:t>
+              <a:t>1/3/2020</a:t>
             </a:fld>
             <a:endParaRPr lang="en-US" dirty="0"/>
           </a:p>
@@ -1911,7 +8335,7 @@
             <a:fld id="{B61BEF0D-F0BB-DE4B-95CE-6DB70DBA9567}" type="datetimeFigureOut">
               <a:rPr lang="en-US" dirty="0"/>
               <a:pPr/>
-              <a:t>10/13/2019</a:t>
+              <a:t>1/3/2020</a:t>
             </a:fld>
             <a:endParaRPr lang="en-US" dirty="0"/>
           </a:p>
@@ -2275,7 +8699,7 @@
             <a:fld id="{B61BEF0D-F0BB-DE4B-95CE-6DB70DBA9567}" type="datetimeFigureOut">
               <a:rPr lang="en-US" dirty="0"/>
               <a:pPr/>
-              <a:t>10/13/2019</a:t>
+              <a:t>1/3/2020</a:t>
             </a:fld>
             <a:endParaRPr lang="en-US" dirty="0"/>
           </a:p>
@@ -2446,7 +8870,7 @@
             <a:fld id="{B61BEF0D-F0BB-DE4B-95CE-6DB70DBA9567}" type="datetimeFigureOut">
               <a:rPr lang="en-US" dirty="0"/>
               <a:pPr/>
-              <a:t>10/13/2019</a:t>
+              <a:t>1/3/2020</a:t>
             </a:fld>
             <a:endParaRPr lang="en-US" dirty="0"/>
           </a:p>
@@ -2623,7 +9047,7 @@
             <a:fld id="{B61BEF0D-F0BB-DE4B-95CE-6DB70DBA9567}" type="datetimeFigureOut">
               <a:rPr lang="en-US" dirty="0"/>
               <a:pPr/>
-              <a:t>10/13/2019</a:t>
+              <a:t>1/3/2020</a:t>
             </a:fld>
             <a:endParaRPr lang="en-US" dirty="0"/>
           </a:p>
@@ -2790,7 +9214,7 @@
             <a:fld id="{B61BEF0D-F0BB-DE4B-95CE-6DB70DBA9567}" type="datetimeFigureOut">
               <a:rPr lang="en-US" dirty="0"/>
               <a:pPr/>
-              <a:t>10/13/2019</a:t>
+              <a:t>1/3/2020</a:t>
             </a:fld>
             <a:endParaRPr lang="en-US" dirty="0"/>
           </a:p>
@@ -3037,7 +9461,7 @@
             <a:fld id="{B61BEF0D-F0BB-DE4B-95CE-6DB70DBA9567}" type="datetimeFigureOut">
               <a:rPr lang="en-US" dirty="0"/>
               <a:pPr/>
-              <a:t>10/13/2019</a:t>
+              <a:t>1/3/2020</a:t>
             </a:fld>
             <a:endParaRPr lang="en-US" dirty="0"/>
           </a:p>
@@ -3270,7 +9694,7 @@
             <a:fld id="{B61BEF0D-F0BB-DE4B-95CE-6DB70DBA9567}" type="datetimeFigureOut">
               <a:rPr lang="en-US" dirty="0"/>
               <a:pPr/>
-              <a:t>10/13/2019</a:t>
+              <a:t>1/3/2020</a:t>
             </a:fld>
             <a:endParaRPr lang="en-US" dirty="0"/>
           </a:p>
@@ -3649,7 +10073,7 @@
             <a:fld id="{B61BEF0D-F0BB-DE4B-95CE-6DB70DBA9567}" type="datetimeFigureOut">
               <a:rPr lang="en-US" dirty="0"/>
               <a:pPr/>
-              <a:t>10/13/2019</a:t>
+              <a:t>1/3/2020</a:t>
             </a:fld>
             <a:endParaRPr lang="en-US" dirty="0"/>
           </a:p>
@@ -3764,7 +10188,7 @@
             <a:fld id="{B61BEF0D-F0BB-DE4B-95CE-6DB70DBA9567}" type="datetimeFigureOut">
               <a:rPr lang="en-US" dirty="0"/>
               <a:pPr/>
-              <a:t>10/13/2019</a:t>
+              <a:t>1/3/2020</a:t>
             </a:fld>
             <a:endParaRPr lang="en-US" dirty="0"/>
           </a:p>
@@ -3856,7 +10280,7 @@
             <a:fld id="{B61BEF0D-F0BB-DE4B-95CE-6DB70DBA9567}" type="datetimeFigureOut">
               <a:rPr lang="en-US" dirty="0"/>
               <a:pPr/>
-              <a:t>10/13/2019</a:t>
+              <a:t>1/3/2020</a:t>
             </a:fld>
             <a:endParaRPr lang="en-US" dirty="0"/>
           </a:p>
@@ -4108,7 +10532,7 @@
             <a:fld id="{B61BEF0D-F0BB-DE4B-95CE-6DB70DBA9567}" type="datetimeFigureOut">
               <a:rPr lang="en-US" dirty="0"/>
               <a:pPr/>
-              <a:t>10/13/2019</a:t>
+              <a:t>1/3/2020</a:t>
             </a:fld>
             <a:endParaRPr lang="en-US" dirty="0"/>
           </a:p>
@@ -4388,7 +10812,7 @@
             <a:fld id="{B61BEF0D-F0BB-DE4B-95CE-6DB70DBA9567}" type="datetimeFigureOut">
               <a:rPr lang="en-US" dirty="0"/>
               <a:pPr/>
-              <a:t>10/13/2019</a:t>
+              <a:t>1/3/2020</a:t>
             </a:fld>
             <a:endParaRPr lang="en-US" dirty="0"/>
           </a:p>
@@ -4791,7 +11215,7 @@
             <a:fld id="{B61BEF0D-F0BB-DE4B-95CE-6DB70DBA9567}" type="datetimeFigureOut">
               <a:rPr lang="en-US" dirty="0"/>
               <a:pPr/>
-              <a:t>10/13/2019</a:t>
+              <a:t>1/3/2020</a:t>
             </a:fld>
             <a:endParaRPr lang="en-US" dirty="0"/>
           </a:p>
@@ -5308,6 +11732,31 @@
 <file path=ppt/slides/slide1.xml><?xml version="1.0" encoding="utf-8"?>
 <p:sld xmlns:a="http://schemas.openxmlformats.org/drawingml/2006/main" xmlns:r="http://schemas.openxmlformats.org/officeDocument/2006/relationships" xmlns:p="http://schemas.openxmlformats.org/presentationml/2006/main">
   <p:cSld>
+    <p:bg>
+      <p:bgPr>
+        <a:gradFill rotWithShape="1">
+          <a:gsLst>
+            <a:gs pos="10000">
+              <a:schemeClr val="bg1">
+                <a:tint val="97000"/>
+                <a:hueMod val="92000"/>
+                <a:satMod val="169000"/>
+                <a:lumMod val="164000"/>
+              </a:schemeClr>
+            </a:gs>
+            <a:gs pos="100000">
+              <a:schemeClr val="bg1">
+                <a:shade val="96000"/>
+                <a:satMod val="120000"/>
+                <a:lumMod val="90000"/>
+              </a:schemeClr>
+            </a:gs>
+          </a:gsLst>
+          <a:lin ang="6120000" scaled="1"/>
+        </a:gradFill>
+        <a:effectLst/>
+      </p:bgPr>
+    </p:bg>
     <p:spTree>
       <p:nvGrpSpPr>
         <p:cNvPr id="1" name=""/>
@@ -5324,6 +11773,131 @@
       </p:grpSpPr>
       <p:sp>
         <p:nvSpPr>
+          <p:cNvPr id="8" name="Rectangle 7">
+            <a:extLst>
+              <a:ext uri="{FF2B5EF4-FFF2-40B4-BE49-F238E27FC236}">
+                <a16:creationId xmlns:a16="http://schemas.microsoft.com/office/drawing/2014/main" id="{7E134C76-7FB4-4BB7-9322-DD8A4B179ACD}"/>
+              </a:ext>
+              <a:ext uri="{C183D7F6-B498-43B3-948B-1728B52AA6E4}">
+                <adec:decorative xmlns:adec="http://schemas.microsoft.com/office/drawing/2017/decorative" val="1"/>
+              </a:ext>
+            </a:extLst>
+          </p:cNvPr>
+          <p:cNvSpPr>
+            <a:spLocks noGrp="1" noRot="1" noChangeAspect="1" noMove="1" noResize="1" noEditPoints="1" noAdjustHandles="1" noChangeArrowheads="1" noChangeShapeType="1" noTextEdit="1"/>
+          </p:cNvSpPr>
+          <p:nvPr>
+            <p:extLst>
+              <p:ext uri="{386F3935-93C4-4BCD-93E2-E3B085C9AB24}">
+                <p16:designElem xmlns:p16="http://schemas.microsoft.com/office/powerpoint/2015/main" val="1"/>
+              </p:ext>
+            </p:extLst>
+          </p:nvPr>
+        </p:nvSpPr>
+        <p:spPr>
+          <a:xfrm>
+            <a:off x="0" y="0"/>
+            <a:ext cx="12192000" cy="6858000"/>
+          </a:xfrm>
+          <a:prstGeom prst="rect">
+            <a:avLst/>
+          </a:prstGeom>
+          <a:ln>
+            <a:noFill/>
+          </a:ln>
+        </p:spPr>
+        <p:style>
+          <a:lnRef idx="2">
+            <a:schemeClr val="accent1">
+              <a:shade val="50000"/>
+            </a:schemeClr>
+          </a:lnRef>
+          <a:fillRef idx="1002">
+            <a:schemeClr val="dk2"/>
+          </a:fillRef>
+          <a:effectRef idx="0">
+            <a:schemeClr val="accent1"/>
+          </a:effectRef>
+          <a:fontRef idx="minor">
+            <a:schemeClr val="lt1"/>
+          </a:fontRef>
+        </p:style>
+        <p:txBody>
+          <a:bodyPr rtlCol="0" anchor="ctr"/>
+          <a:lstStyle/>
+          <a:p>
+            <a:pPr algn="ctr"/>
+            <a:endParaRPr lang="en-US"/>
+          </a:p>
+        </p:txBody>
+      </p:sp>
+      <p:sp useBgFill="1">
+        <p:nvSpPr>
+          <p:cNvPr id="10" name="Snip Single Corner Rectangle 17">
+            <a:extLst>
+              <a:ext uri="{FF2B5EF4-FFF2-40B4-BE49-F238E27FC236}">
+                <a16:creationId xmlns:a16="http://schemas.microsoft.com/office/drawing/2014/main" id="{C0C57804-4F33-4D85-AA3E-DA0F214BBD91}"/>
+              </a:ext>
+              <a:ext uri="{C183D7F6-B498-43B3-948B-1728B52AA6E4}">
+                <adec:decorative xmlns:adec="http://schemas.microsoft.com/office/drawing/2017/decorative" val="1"/>
+              </a:ext>
+            </a:extLst>
+          </p:cNvPr>
+          <p:cNvSpPr>
+            <a:spLocks noGrp="1" noRot="1" noChangeAspect="1" noMove="1" noResize="1" noEditPoints="1" noAdjustHandles="1" noChangeArrowheads="1" noChangeShapeType="1" noTextEdit="1"/>
+          </p:cNvSpPr>
+          <p:nvPr>
+            <p:extLst>
+              <p:ext uri="{386F3935-93C4-4BCD-93E2-E3B085C9AB24}">
+                <p16:designElem xmlns:p16="http://schemas.microsoft.com/office/powerpoint/2015/main" val="1"/>
+              </p:ext>
+            </p:extLst>
+          </p:nvPr>
+        </p:nvSpPr>
+        <p:spPr>
+          <a:xfrm flipV="1">
+            <a:off x="0" y="1"/>
+            <a:ext cx="12188825" cy="6857999"/>
+          </a:xfrm>
+          <a:prstGeom prst="snip1Rect">
+            <a:avLst>
+              <a:gd name="adj" fmla="val 50000"/>
+            </a:avLst>
+          </a:prstGeom>
+          <a:ln>
+            <a:noFill/>
+          </a:ln>
+          <a:effectLst/>
+        </p:spPr>
+        <p:style>
+          <a:lnRef idx="2">
+            <a:schemeClr val="accent1">
+              <a:shade val="50000"/>
+            </a:schemeClr>
+          </a:lnRef>
+          <a:fillRef idx="1003">
+            <a:schemeClr val="dk2"/>
+          </a:fillRef>
+          <a:effectRef idx="0">
+            <a:schemeClr val="accent1"/>
+          </a:effectRef>
+          <a:fontRef idx="minor">
+            <a:schemeClr val="lt1"/>
+          </a:fontRef>
+        </p:style>
+        <p:txBody>
+          <a:bodyPr wrap="square" rtlCol="0" anchor="ctr">
+            <a:noAutofit/>
+          </a:bodyPr>
+          <a:lstStyle/>
+          <a:p>
+            <a:pPr algn="ctr"/>
+            <a:endParaRPr lang="en-US"/>
+          </a:p>
+        </p:txBody>
+      </p:sp>
+      <p:sp>
+        <p:nvSpPr>
           <p:cNvPr id="2" name="Titre 1">
             <a:extLst>
               <a:ext uri="{FF2B5EF4-FFF2-40B4-BE49-F238E27FC236}">
@@ -5338,24 +11912,31 @@
             <p:ph type="ctrTitle"/>
           </p:nvPr>
         </p:nvSpPr>
-        <p:spPr/>
+        <p:spPr>
+          <a:xfrm>
+            <a:off x="684212" y="685799"/>
+            <a:ext cx="9678988" cy="3673474"/>
+          </a:xfrm>
+        </p:spPr>
         <p:txBody>
-          <a:bodyPr/>
+          <a:bodyPr>
+            <a:normAutofit/>
+          </a:bodyPr>
           <a:lstStyle/>
           <a:p>
             <a:r>
-              <a:rPr lang="fr-FR" dirty="0"/>
-              <a:t>Strong </a:t>
+              <a:rPr lang="fr-FR" sz="6000">
+                <a:solidFill>
+                  <a:schemeClr val="tx2"/>
+                </a:solidFill>
+              </a:rPr>
+              <a:t>Strong artificial intelligence</a:t>
             </a:r>
-            <a:r>
-              <a:rPr lang="fr-FR" dirty="0" err="1"/>
-              <a:t>artificial</a:t>
-            </a:r>
-            <a:r>
-              <a:rPr lang="fr-FR" dirty="0"/>
-              <a:t> intelligence</a:t>
-            </a:r>
-            <a:endParaRPr lang="en-GB" dirty="0"/>
+            <a:endParaRPr lang="en-GB" sz="6000">
+              <a:solidFill>
+                <a:schemeClr val="tx2"/>
+              </a:solidFill>
+            </a:endParaRPr>
           </a:p>
         </p:txBody>
       </p:sp>
@@ -5375,28 +11956,46 @@
             <p:ph type="subTitle" idx="1"/>
           </p:nvPr>
         </p:nvSpPr>
-        <p:spPr/>
+        <p:spPr>
+          <a:xfrm>
+            <a:off x="684212" y="4648198"/>
+            <a:ext cx="7005742" cy="1143002"/>
+          </a:xfrm>
+        </p:spPr>
         <p:txBody>
-          <a:bodyPr/>
+          <a:bodyPr>
+            <a:normAutofit/>
+          </a:bodyPr>
           <a:lstStyle/>
           <a:p>
             <a:r>
-              <a:rPr lang="fr-FR"/>
+              <a:rPr lang="fr-FR">
+                <a:solidFill>
+                  <a:schemeClr val="tx1">
+                    <a:alpha val="80000"/>
+                  </a:schemeClr>
+                </a:solidFill>
+              </a:rPr>
               <a:t>Johnny NGUYEN</a:t>
             </a:r>
           </a:p>
           <a:p>
-            <a:r>
-              <a:rPr lang="fr-FR"/>
-              <a:t>M2 SSTIM</a:t>
-            </a:r>
-            <a:endParaRPr lang="fr-FR" dirty="0"/>
-          </a:p>
-          <a:p>
-            <a:endParaRPr lang="fr-FR" dirty="0"/>
-          </a:p>
-          <a:p>
-            <a:endParaRPr lang="en-GB" dirty="0"/>
+            <a:endParaRPr lang="fr-FR">
+              <a:solidFill>
+                <a:schemeClr val="tx1">
+                  <a:alpha val="80000"/>
+                </a:schemeClr>
+              </a:solidFill>
+            </a:endParaRPr>
+          </a:p>
+          <a:p>
+            <a:endParaRPr lang="en-GB">
+              <a:solidFill>
+                <a:schemeClr val="tx1">
+                  <a:alpha val="80000"/>
+                </a:schemeClr>
+              </a:solidFill>
+            </a:endParaRPr>
           </a:p>
         </p:txBody>
       </p:sp>
@@ -5408,7 +12007,7 @@
     </p:extLst>
   </p:cSld>
   <p:clrMapOvr>
-    <a:masterClrMapping/>
+    <a:overrideClrMapping bg1="lt1" tx1="dk1" bg2="lt2" tx2="dk2" accent1="accent1" accent2="accent2" accent3="accent3" accent4="accent4" accent5="accent5" accent6="accent6" hlink="hlink" folHlink="folHlink"/>
   </p:clrMapOvr>
 </p:sld>
 </file>
@@ -5416,6 +12015,33 @@
 <file path=ppt/slides/slide2.xml><?xml version="1.0" encoding="utf-8"?>
 <p:sld xmlns:a="http://schemas.openxmlformats.org/drawingml/2006/main" xmlns:r="http://schemas.openxmlformats.org/officeDocument/2006/relationships" xmlns:p="http://schemas.openxmlformats.org/presentationml/2006/main">
   <p:cSld>
+    <p:bg>
+      <p:bgPr>
+        <a:gradFill rotWithShape="1">
+          <a:gsLst>
+            <a:gs pos="0">
+              <a:schemeClr val="bg2">
+                <a:tint val="97000"/>
+                <a:hueMod val="92000"/>
+                <a:satMod val="169000"/>
+                <a:lumMod val="164000"/>
+              </a:schemeClr>
+            </a:gs>
+            <a:gs pos="100000">
+              <a:schemeClr val="bg2">
+                <a:shade val="96000"/>
+                <a:satMod val="120000"/>
+                <a:lumMod val="90000"/>
+              </a:schemeClr>
+            </a:gs>
+          </a:gsLst>
+          <a:path path="circle">
+            <a:fillToRect b="100000"/>
+          </a:path>
+        </a:gradFill>
+        <a:effectLst/>
+      </p:bgPr>
+    </p:bg>
     <p:spTree>
       <p:nvGrpSpPr>
         <p:cNvPr id="1" name=""/>
@@ -5432,6 +12058,437 @@
       </p:grpSpPr>
       <p:sp>
         <p:nvSpPr>
+          <p:cNvPr id="10" name="Rectangle 9">
+            <a:extLst>
+              <a:ext uri="{FF2B5EF4-FFF2-40B4-BE49-F238E27FC236}">
+                <a16:creationId xmlns:a16="http://schemas.microsoft.com/office/drawing/2014/main" id="{2C33F367-76E5-4D2A-96B1-4FD443CDD1CF}"/>
+              </a:ext>
+              <a:ext uri="{C183D7F6-B498-43B3-948B-1728B52AA6E4}">
+                <adec:decorative xmlns:adec="http://schemas.microsoft.com/office/drawing/2017/decorative" val="1"/>
+              </a:ext>
+            </a:extLst>
+          </p:cNvPr>
+          <p:cNvSpPr>
+            <a:spLocks noGrp="1" noRot="1" noChangeAspect="1" noMove="1" noResize="1" noEditPoints="1" noAdjustHandles="1" noChangeArrowheads="1" noChangeShapeType="1" noTextEdit="1"/>
+          </p:cNvSpPr>
+          <p:nvPr>
+            <p:extLst>
+              <p:ext uri="{386F3935-93C4-4BCD-93E2-E3B085C9AB24}">
+                <p16:designElem xmlns:p16="http://schemas.microsoft.com/office/powerpoint/2015/main" val="1"/>
+              </p:ext>
+            </p:extLst>
+          </p:nvPr>
+        </p:nvSpPr>
+        <p:spPr>
+          <a:xfrm>
+            <a:off x="0" y="0"/>
+            <a:ext cx="12192000" cy="6858000"/>
+          </a:xfrm>
+          <a:prstGeom prst="rect">
+            <a:avLst/>
+          </a:prstGeom>
+          <a:gradFill>
+            <a:gsLst>
+              <a:gs pos="10000">
+                <a:schemeClr val="dk2">
+                  <a:tint val="97000"/>
+                  <a:hueMod val="92000"/>
+                  <a:satMod val="169000"/>
+                  <a:lumMod val="164000"/>
+                </a:schemeClr>
+              </a:gs>
+              <a:gs pos="100000">
+                <a:schemeClr val="dk2">
+                  <a:shade val="96000"/>
+                  <a:satMod val="120000"/>
+                  <a:lumMod val="90000"/>
+                </a:schemeClr>
+              </a:gs>
+            </a:gsLst>
+            <a:lin ang="6120000" scaled="1"/>
+          </a:gradFill>
+          <a:ln>
+            <a:noFill/>
+          </a:ln>
+        </p:spPr>
+        <p:style>
+          <a:lnRef idx="2">
+            <a:schemeClr val="accent1">
+              <a:shade val="50000"/>
+            </a:schemeClr>
+          </a:lnRef>
+          <a:fillRef idx="1002">
+            <a:schemeClr val="dk2"/>
+          </a:fillRef>
+          <a:effectRef idx="0">
+            <a:schemeClr val="accent1"/>
+          </a:effectRef>
+          <a:fontRef idx="minor">
+            <a:schemeClr val="lt1"/>
+          </a:fontRef>
+        </p:style>
+        <p:txBody>
+          <a:bodyPr rtlCol="0" anchor="ctr"/>
+          <a:lstStyle/>
+          <a:p>
+            <a:pPr algn="ctr"/>
+            <a:endParaRPr lang="en-US"/>
+          </a:p>
+        </p:txBody>
+      </p:sp>
+      <p:sp>
+        <p:nvSpPr>
+          <p:cNvPr id="12" name="Snip Diagonal Corner Rectangle 21">
+            <a:extLst>
+              <a:ext uri="{FF2B5EF4-FFF2-40B4-BE49-F238E27FC236}">
+                <a16:creationId xmlns:a16="http://schemas.microsoft.com/office/drawing/2014/main" id="{6F769419-3E73-449D-B62A-0CDEC946A679}"/>
+              </a:ext>
+              <a:ext uri="{C183D7F6-B498-43B3-948B-1728B52AA6E4}">
+                <adec:decorative xmlns:adec="http://schemas.microsoft.com/office/drawing/2017/decorative" val="1"/>
+              </a:ext>
+            </a:extLst>
+          </p:cNvPr>
+          <p:cNvSpPr>
+            <a:spLocks noGrp="1" noRot="1" noChangeAspect="1" noMove="1" noResize="1" noEditPoints="1" noAdjustHandles="1" noChangeArrowheads="1" noChangeShapeType="1" noTextEdit="1"/>
+          </p:cNvSpPr>
+          <p:nvPr>
+            <p:extLst>
+              <p:ext uri="{386F3935-93C4-4BCD-93E2-E3B085C9AB24}">
+                <p16:designElem xmlns:p16="http://schemas.microsoft.com/office/powerpoint/2015/main" val="1"/>
+              </p:ext>
+            </p:extLst>
+          </p:nvPr>
+        </p:nvSpPr>
+        <p:spPr>
+          <a:xfrm>
+            <a:off x="0" y="-2"/>
+            <a:ext cx="8129873" cy="6858002"/>
+          </a:xfrm>
+          <a:prstGeom prst="snip2DiagRect">
+            <a:avLst>
+              <a:gd name="adj1" fmla="val 0"/>
+              <a:gd name="adj2" fmla="val 0"/>
+            </a:avLst>
+          </a:prstGeom>
+          <a:solidFill>
+            <a:schemeClr val="bg1">
+              <a:alpha val="0"/>
+            </a:schemeClr>
+          </a:solidFill>
+          <a:ln>
+            <a:noFill/>
+          </a:ln>
+          <a:effectLst/>
+        </p:spPr>
+        <p:style>
+          <a:lnRef idx="2">
+            <a:schemeClr val="accent1">
+              <a:shade val="50000"/>
+            </a:schemeClr>
+          </a:lnRef>
+          <a:fillRef idx="1">
+            <a:schemeClr val="accent1"/>
+          </a:fillRef>
+          <a:effectRef idx="0">
+            <a:schemeClr val="accent1"/>
+          </a:effectRef>
+          <a:fontRef idx="minor">
+            <a:schemeClr val="lt1"/>
+          </a:fontRef>
+        </p:style>
+        <p:txBody>
+          <a:bodyPr rtlCol="0" anchor="ctr"/>
+          <a:lstStyle/>
+          <a:p>
+            <a:pPr algn="ctr"/>
+            <a:endParaRPr lang="en-US"/>
+          </a:p>
+        </p:txBody>
+      </p:sp>
+      <p:grpSp>
+        <p:nvGrpSpPr>
+          <p:cNvPr id="14" name="Group 13">
+            <a:extLst>
+              <a:ext uri="{FF2B5EF4-FFF2-40B4-BE49-F238E27FC236}">
+                <a16:creationId xmlns:a16="http://schemas.microsoft.com/office/drawing/2014/main" id="{A6515200-42F9-488F-9895-6CDBCD1E87C8}"/>
+              </a:ext>
+              <a:ext uri="{C183D7F6-B498-43B3-948B-1728B52AA6E4}">
+                <adec:decorative xmlns:adec="http://schemas.microsoft.com/office/drawing/2017/decorative" val="1"/>
+              </a:ext>
+            </a:extLst>
+          </p:cNvPr>
+          <p:cNvGrpSpPr>
+            <a:grpSpLocks noGrp="1" noUngrp="1" noRot="1" noChangeAspect="1" noMove="1" noResize="1"/>
+          </p:cNvGrpSpPr>
+          <p:nvPr>
+            <p:extLst>
+              <p:ext uri="{386F3935-93C4-4BCD-93E2-E3B085C9AB24}">
+                <p16:designElem xmlns:p16="http://schemas.microsoft.com/office/powerpoint/2015/main" val="1"/>
+              </p:ext>
+            </p:extLst>
+          </p:nvPr>
+        </p:nvGrpSpPr>
+        <p:grpSpPr>
+          <a:xfrm>
+            <a:off x="9206969" y="2963333"/>
+            <a:ext cx="2981858" cy="3208867"/>
+            <a:chOff x="9206969" y="2963333"/>
+            <a:chExt cx="2981858" cy="3208867"/>
+          </a:xfrm>
+        </p:grpSpPr>
+        <p:cxnSp>
+          <p:nvCxnSpPr>
+            <p:cNvPr id="15" name="Straight Connector 14">
+              <a:extLst>
+                <a:ext uri="{FF2B5EF4-FFF2-40B4-BE49-F238E27FC236}">
+                  <a16:creationId xmlns:a16="http://schemas.microsoft.com/office/drawing/2014/main" id="{43185F0E-78D5-4C2D-9239-D3515B448837}"/>
+                </a:ext>
+                <a:ext uri="{C183D7F6-B498-43B3-948B-1728B52AA6E4}">
+                  <adec:decorative xmlns:adec="http://schemas.microsoft.com/office/drawing/2017/decorative" val="1"/>
+                </a:ext>
+              </a:extLst>
+            </p:cNvPr>
+            <p:cNvCxnSpPr/>
+            <p:nvPr>
+              <p:extLst>
+                <p:ext uri="{386F3935-93C4-4BCD-93E2-E3B085C9AB24}">
+                  <p16:designElem xmlns:p16="http://schemas.microsoft.com/office/powerpoint/2015/main" val="1"/>
+                </p:ext>
+              </p:extLst>
+            </p:nvPr>
+          </p:nvCxnSpPr>
+          <p:spPr>
+            <a:xfrm flipH="1">
+              <a:off x="11276012" y="2963333"/>
+              <a:ext cx="912814" cy="912812"/>
+            </a:xfrm>
+            <a:prstGeom prst="line">
+              <a:avLst/>
+            </a:prstGeom>
+            <a:ln w="9525">
+              <a:solidFill>
+                <a:srgbClr val="FFFFFF"/>
+              </a:solidFill>
+            </a:ln>
+          </p:spPr>
+          <p:style>
+            <a:lnRef idx="2">
+              <a:schemeClr val="accent1"/>
+            </a:lnRef>
+            <a:fillRef idx="0">
+              <a:schemeClr val="accent1"/>
+            </a:fillRef>
+            <a:effectRef idx="1">
+              <a:schemeClr val="accent1"/>
+            </a:effectRef>
+            <a:fontRef idx="minor">
+              <a:schemeClr val="tx1"/>
+            </a:fontRef>
+          </p:style>
+        </p:cxnSp>
+        <p:cxnSp>
+          <p:nvCxnSpPr>
+            <p:cNvPr id="16" name="Straight Connector 15">
+              <a:extLst>
+                <a:ext uri="{FF2B5EF4-FFF2-40B4-BE49-F238E27FC236}">
+                  <a16:creationId xmlns:a16="http://schemas.microsoft.com/office/drawing/2014/main" id="{D5BD9142-FF9C-4EED-A027-18D095481BB8}"/>
+                </a:ext>
+                <a:ext uri="{C183D7F6-B498-43B3-948B-1728B52AA6E4}">
+                  <adec:decorative xmlns:adec="http://schemas.microsoft.com/office/drawing/2017/decorative" val="1"/>
+                </a:ext>
+              </a:extLst>
+            </p:cNvPr>
+            <p:cNvCxnSpPr/>
+            <p:nvPr>
+              <p:extLst>
+                <p:ext uri="{386F3935-93C4-4BCD-93E2-E3B085C9AB24}">
+                  <p16:designElem xmlns:p16="http://schemas.microsoft.com/office/powerpoint/2015/main" val="1"/>
+                </p:ext>
+              </p:extLst>
+            </p:nvPr>
+          </p:nvCxnSpPr>
+          <p:spPr>
+            <a:xfrm flipH="1">
+              <a:off x="9206969" y="3190344"/>
+              <a:ext cx="2981857" cy="2981856"/>
+            </a:xfrm>
+            <a:prstGeom prst="line">
+              <a:avLst/>
+            </a:prstGeom>
+            <a:ln w="9525">
+              <a:solidFill>
+                <a:srgbClr val="FFFFFF"/>
+              </a:solidFill>
+            </a:ln>
+          </p:spPr>
+          <p:style>
+            <a:lnRef idx="2">
+              <a:schemeClr val="accent1"/>
+            </a:lnRef>
+            <a:fillRef idx="0">
+              <a:schemeClr val="accent1"/>
+            </a:fillRef>
+            <a:effectRef idx="1">
+              <a:schemeClr val="accent1"/>
+            </a:effectRef>
+            <a:fontRef idx="minor">
+              <a:schemeClr val="tx1"/>
+            </a:fontRef>
+          </p:style>
+        </p:cxnSp>
+        <p:cxnSp>
+          <p:nvCxnSpPr>
+            <p:cNvPr id="17" name="Straight Connector 16">
+              <a:extLst>
+                <a:ext uri="{FF2B5EF4-FFF2-40B4-BE49-F238E27FC236}">
+                  <a16:creationId xmlns:a16="http://schemas.microsoft.com/office/drawing/2014/main" id="{42F547D3-9752-4481-B3A8-50E08610B8EC}"/>
+                </a:ext>
+                <a:ext uri="{C183D7F6-B498-43B3-948B-1728B52AA6E4}">
+                  <adec:decorative xmlns:adec="http://schemas.microsoft.com/office/drawing/2017/decorative" val="1"/>
+                </a:ext>
+              </a:extLst>
+            </p:cNvPr>
+            <p:cNvCxnSpPr/>
+            <p:nvPr>
+              <p:extLst>
+                <p:ext uri="{386F3935-93C4-4BCD-93E2-E3B085C9AB24}">
+                  <p16:designElem xmlns:p16="http://schemas.microsoft.com/office/powerpoint/2015/main" val="1"/>
+                </p:ext>
+              </p:extLst>
+            </p:nvPr>
+          </p:nvCxnSpPr>
+          <p:spPr>
+            <a:xfrm flipH="1">
+              <a:off x="10292292" y="3285067"/>
+              <a:ext cx="1896534" cy="1896533"/>
+            </a:xfrm>
+            <a:prstGeom prst="line">
+              <a:avLst/>
+            </a:prstGeom>
+            <a:ln w="9525">
+              <a:solidFill>
+                <a:srgbClr val="FFFFFF"/>
+              </a:solidFill>
+            </a:ln>
+          </p:spPr>
+          <p:style>
+            <a:lnRef idx="2">
+              <a:schemeClr val="accent1"/>
+            </a:lnRef>
+            <a:fillRef idx="0">
+              <a:schemeClr val="accent1"/>
+            </a:fillRef>
+            <a:effectRef idx="1">
+              <a:schemeClr val="accent1"/>
+            </a:effectRef>
+            <a:fontRef idx="minor">
+              <a:schemeClr val="tx1"/>
+            </a:fontRef>
+          </p:style>
+        </p:cxnSp>
+        <p:cxnSp>
+          <p:nvCxnSpPr>
+            <p:cNvPr id="18" name="Straight Connector 17">
+              <a:extLst>
+                <a:ext uri="{FF2B5EF4-FFF2-40B4-BE49-F238E27FC236}">
+                  <a16:creationId xmlns:a16="http://schemas.microsoft.com/office/drawing/2014/main" id="{F1999C2F-3D0D-4813-9696-83630A6FEABD}"/>
+                </a:ext>
+                <a:ext uri="{C183D7F6-B498-43B3-948B-1728B52AA6E4}">
+                  <adec:decorative xmlns:adec="http://schemas.microsoft.com/office/drawing/2017/decorative" val="1"/>
+                </a:ext>
+              </a:extLst>
+            </p:cNvPr>
+            <p:cNvCxnSpPr/>
+            <p:nvPr>
+              <p:extLst>
+                <p:ext uri="{386F3935-93C4-4BCD-93E2-E3B085C9AB24}">
+                  <p16:designElem xmlns:p16="http://schemas.microsoft.com/office/powerpoint/2015/main" val="1"/>
+                </p:ext>
+              </p:extLst>
+            </p:nvPr>
+          </p:nvCxnSpPr>
+          <p:spPr>
+            <a:xfrm flipH="1">
+              <a:off x="10443103" y="3131080"/>
+              <a:ext cx="1745722" cy="1745720"/>
+            </a:xfrm>
+            <a:prstGeom prst="line">
+              <a:avLst/>
+            </a:prstGeom>
+            <a:ln w="28575">
+              <a:solidFill>
+                <a:srgbClr val="FFFFFF"/>
+              </a:solidFill>
+            </a:ln>
+          </p:spPr>
+          <p:style>
+            <a:lnRef idx="2">
+              <a:schemeClr val="accent1"/>
+            </a:lnRef>
+            <a:fillRef idx="0">
+              <a:schemeClr val="accent1"/>
+            </a:fillRef>
+            <a:effectRef idx="1">
+              <a:schemeClr val="accent1"/>
+            </a:effectRef>
+            <a:fontRef idx="minor">
+              <a:schemeClr val="tx1"/>
+            </a:fontRef>
+          </p:style>
+        </p:cxnSp>
+        <p:cxnSp>
+          <p:nvCxnSpPr>
+            <p:cNvPr id="19" name="Straight Connector 18">
+              <a:extLst>
+                <a:ext uri="{FF2B5EF4-FFF2-40B4-BE49-F238E27FC236}">
+                  <a16:creationId xmlns:a16="http://schemas.microsoft.com/office/drawing/2014/main" id="{EC737390-C9CA-456B-9F40-D7A76EA242E7}"/>
+                </a:ext>
+                <a:ext uri="{C183D7F6-B498-43B3-948B-1728B52AA6E4}">
+                  <adec:decorative xmlns:adec="http://schemas.microsoft.com/office/drawing/2017/decorative" val="1"/>
+                </a:ext>
+              </a:extLst>
+            </p:cNvPr>
+            <p:cNvCxnSpPr/>
+            <p:nvPr>
+              <p:extLst>
+                <p:ext uri="{386F3935-93C4-4BCD-93E2-E3B085C9AB24}">
+                  <p16:designElem xmlns:p16="http://schemas.microsoft.com/office/powerpoint/2015/main" val="1"/>
+                </p:ext>
+              </p:extLst>
+            </p:nvPr>
+          </p:nvCxnSpPr>
+          <p:spPr>
+            <a:xfrm flipH="1">
+              <a:off x="10918826" y="3683001"/>
+              <a:ext cx="1270001" cy="1269999"/>
+            </a:xfrm>
+            <a:prstGeom prst="line">
+              <a:avLst/>
+            </a:prstGeom>
+            <a:ln w="28575">
+              <a:solidFill>
+                <a:srgbClr val="FFFFFF"/>
+              </a:solidFill>
+            </a:ln>
+          </p:spPr>
+          <p:style>
+            <a:lnRef idx="2">
+              <a:schemeClr val="accent1"/>
+            </a:lnRef>
+            <a:fillRef idx="0">
+              <a:schemeClr val="accent1"/>
+            </a:fillRef>
+            <a:effectRef idx="1">
+              <a:schemeClr val="accent1"/>
+            </a:effectRef>
+            <a:fontRef idx="minor">
+              <a:schemeClr val="tx1"/>
+            </a:fontRef>
+          </p:style>
+        </p:cxnSp>
+      </p:grpSp>
+      <p:sp>
+        <p:nvSpPr>
           <p:cNvPr id="2" name="Titre 1">
             <a:extLst>
               <a:ext uri="{FF2B5EF4-FFF2-40B4-BE49-F238E27FC236}">
@@ -5446,114 +12503,65 @@
             <p:ph type="title"/>
           </p:nvPr>
         </p:nvSpPr>
-        <p:spPr/>
+        <p:spPr>
+          <a:xfrm>
+            <a:off x="8588661" y="941424"/>
+            <a:ext cx="3043896" cy="3248611"/>
+          </a:xfrm>
+        </p:spPr>
         <p:txBody>
-          <a:bodyPr/>
+          <a:bodyPr>
+            <a:normAutofit/>
+          </a:bodyPr>
           <a:lstStyle/>
           <a:p>
             <a:r>
-              <a:rPr lang="fr-FR" dirty="0" err="1"/>
+              <a:rPr lang="fr-FR" sz="3100">
+                <a:solidFill>
+                  <a:srgbClr val="FFFFFF"/>
+                </a:solidFill>
+              </a:rPr>
               <a:t>Environment</a:t>
             </a:r>
-            <a:endParaRPr lang="en-GB" dirty="0"/>
+            <a:endParaRPr lang="en-GB" sz="3100">
+              <a:solidFill>
+                <a:srgbClr val="FFFFFF"/>
+              </a:solidFill>
+            </a:endParaRPr>
           </a:p>
         </p:txBody>
       </p:sp>
-      <p:sp>
-        <p:nvSpPr>
-          <p:cNvPr id="3" name="Espace réservé du contenu 2">
+      <p:graphicFrame>
+        <p:nvGraphicFramePr>
+          <p:cNvPr id="5" name="Espace réservé du contenu 2">
             <a:extLst>
               <a:ext uri="{FF2B5EF4-FFF2-40B4-BE49-F238E27FC236}">
-                <a16:creationId xmlns:a16="http://schemas.microsoft.com/office/drawing/2014/main" id="{3D68BA70-249B-44C3-BE10-C460A858F977}"/>
+                <a16:creationId xmlns:a16="http://schemas.microsoft.com/office/drawing/2014/main" id="{9C052EF2-23D5-4840-B6B1-5F32104F68AC}"/>
               </a:ext>
             </a:extLst>
           </p:cNvPr>
-          <p:cNvSpPr>
-            <a:spLocks noGrp="1"/>
-          </p:cNvSpPr>
+          <p:cNvGraphicFramePr>
+            <a:graphicFrameLocks noGrp="1"/>
+          </p:cNvGraphicFramePr>
           <p:nvPr>
             <p:ph idx="1"/>
+            <p:extLst>
+              <p:ext uri="{D42A27DB-BD31-4B8C-83A1-F6EECF244321}">
+                <p14:modId xmlns:p14="http://schemas.microsoft.com/office/powerpoint/2010/main" val="3871919060"/>
+              </p:ext>
+            </p:extLst>
           </p:nvPr>
-        </p:nvSpPr>
-        <p:spPr/>
-        <p:txBody>
-          <a:bodyPr/>
-          <a:lstStyle/>
-          <a:p>
-            <a:r>
-              <a:rPr lang="fr-FR"/>
-              <a:t>Work at home after gratuated on Master</a:t>
-            </a:r>
-            <a:endParaRPr lang="fr-FR" dirty="0"/>
-          </a:p>
-          <a:p>
-            <a:r>
-              <a:rPr lang="fr-FR" dirty="0"/>
-              <a:t>Standard IA </a:t>
-            </a:r>
-            <a:r>
-              <a:rPr lang="fr-FR" dirty="0" err="1"/>
-              <a:t>too</a:t>
-            </a:r>
-            <a:r>
-              <a:rPr lang="fr-FR" dirty="0"/>
-              <a:t> </a:t>
-            </a:r>
-            <a:r>
-              <a:rPr lang="fr-FR" dirty="0" err="1"/>
-              <a:t>weak</a:t>
-            </a:r>
-            <a:r>
-              <a:rPr lang="fr-FR" dirty="0"/>
-              <a:t> to </a:t>
-            </a:r>
-            <a:r>
-              <a:rPr lang="fr-FR" dirty="0" err="1"/>
-              <a:t>learn</a:t>
-            </a:r>
-            <a:r>
-              <a:rPr lang="fr-FR" dirty="0"/>
-              <a:t> </a:t>
-            </a:r>
-            <a:r>
-              <a:rPr lang="fr-FR" dirty="0" err="1"/>
-              <a:t>complex</a:t>
-            </a:r>
-            <a:r>
-              <a:rPr lang="fr-FR" dirty="0"/>
-              <a:t> </a:t>
-            </a:r>
-            <a:r>
-              <a:rPr lang="fr-FR" dirty="0" err="1"/>
-              <a:t>things</a:t>
-            </a:r>
-            <a:endParaRPr lang="fr-FR" dirty="0"/>
-          </a:p>
-          <a:p>
-            <a:r>
-              <a:rPr lang="fr-FR"/>
-              <a:t>New technology using daily report and voice command</a:t>
-            </a:r>
-            <a:endParaRPr lang="fr-FR" dirty="0"/>
-          </a:p>
-          <a:p>
-            <a:r>
-              <a:rPr lang="fr-FR"/>
-              <a:t>New reinforcement learning like a baby</a:t>
-            </a:r>
-            <a:endParaRPr lang="fr-FR" dirty="0"/>
-          </a:p>
-          <a:p>
-            <a:endParaRPr lang="fr-FR" dirty="0"/>
-          </a:p>
-          <a:p>
-            <a:pPr marL="0" indent="0">
-              <a:buNone/>
-            </a:pPr>
-            <a:endParaRPr lang="en-GB" dirty="0"/>
-          </a:p>
-        </p:txBody>
-      </p:sp>
+        </p:nvGraphicFramePr>
+        <p:xfrm>
+          <a:off x="940645" y="941424"/>
+          <a:ext cx="6190459" cy="4768713"/>
+        </p:xfrm>
+        <a:graphic>
+          <a:graphicData uri="http://schemas.openxmlformats.org/drawingml/2006/diagram">
+            <dgm:relIds xmlns:dgm="http://schemas.openxmlformats.org/drawingml/2006/diagram" xmlns:r="http://schemas.openxmlformats.org/officeDocument/2006/relationships" r:dm="rId2" r:lo="rId3" r:qs="rId4" r:cs="rId5"/>
+          </a:graphicData>
+        </a:graphic>
+      </p:graphicFrame>
     </p:spTree>
     <p:extLst>
       <p:ext uri="{BB962C8B-B14F-4D97-AF65-F5344CB8AC3E}">
@@ -5570,6 +12578,31 @@
 <file path=ppt/slides/slide3.xml><?xml version="1.0" encoding="utf-8"?>
 <p:sld xmlns:a="http://schemas.openxmlformats.org/drawingml/2006/main" xmlns:r="http://schemas.openxmlformats.org/officeDocument/2006/relationships" xmlns:p="http://schemas.openxmlformats.org/presentationml/2006/main">
   <p:cSld>
+    <p:bg>
+      <p:bgPr>
+        <a:gradFill rotWithShape="1">
+          <a:gsLst>
+            <a:gs pos="10000">
+              <a:schemeClr val="bg2">
+                <a:tint val="97000"/>
+                <a:hueMod val="92000"/>
+                <a:satMod val="169000"/>
+                <a:lumMod val="164000"/>
+              </a:schemeClr>
+            </a:gs>
+            <a:gs pos="100000">
+              <a:schemeClr val="bg2">
+                <a:shade val="96000"/>
+                <a:satMod val="120000"/>
+                <a:lumMod val="90000"/>
+              </a:schemeClr>
+            </a:gs>
+          </a:gsLst>
+          <a:lin ang="6120000" scaled="1"/>
+        </a:gradFill>
+        <a:effectLst/>
+      </p:bgPr>
+    </p:bg>
     <p:spTree>
       <p:nvGrpSpPr>
         <p:cNvPr id="1" name=""/>
@@ -5584,6 +12617,66 @@
           <a:chExt cx="0" cy="0"/>
         </a:xfrm>
       </p:grpSpPr>
+      <p:sp useBgFill="1">
+        <p:nvSpPr>
+          <p:cNvPr id="15" name="Rectangle 14">
+            <a:extLst>
+              <a:ext uri="{FF2B5EF4-FFF2-40B4-BE49-F238E27FC236}">
+                <a16:creationId xmlns:a16="http://schemas.microsoft.com/office/drawing/2014/main" id="{7509B08A-C1EC-478C-86AF-60ADE06D9BBB}"/>
+              </a:ext>
+              <a:ext uri="{C183D7F6-B498-43B3-948B-1728B52AA6E4}">
+                <adec:decorative xmlns:adec="http://schemas.microsoft.com/office/drawing/2017/decorative" val="1"/>
+              </a:ext>
+            </a:extLst>
+          </p:cNvPr>
+          <p:cNvSpPr>
+            <a:spLocks noGrp="1" noRot="1" noChangeAspect="1" noMove="1" noResize="1" noEditPoints="1" noAdjustHandles="1" noChangeArrowheads="1" noChangeShapeType="1" noTextEdit="1"/>
+          </p:cNvSpPr>
+          <p:nvPr>
+            <p:extLst>
+              <p:ext uri="{386F3935-93C4-4BCD-93E2-E3B085C9AB24}">
+                <p16:designElem xmlns:p16="http://schemas.microsoft.com/office/powerpoint/2015/main" val="1"/>
+              </p:ext>
+            </p:extLst>
+          </p:nvPr>
+        </p:nvSpPr>
+        <p:spPr>
+          <a:xfrm>
+            <a:off x="0" y="0"/>
+            <a:ext cx="12192000" cy="6858000"/>
+          </a:xfrm>
+          <a:prstGeom prst="rect">
+            <a:avLst/>
+          </a:prstGeom>
+          <a:ln>
+            <a:noFill/>
+          </a:ln>
+        </p:spPr>
+        <p:style>
+          <a:lnRef idx="2">
+            <a:schemeClr val="accent1">
+              <a:shade val="50000"/>
+            </a:schemeClr>
+          </a:lnRef>
+          <a:fillRef idx="1">
+            <a:schemeClr val="accent1"/>
+          </a:fillRef>
+          <a:effectRef idx="0">
+            <a:schemeClr val="accent1"/>
+          </a:effectRef>
+          <a:fontRef idx="minor">
+            <a:schemeClr val="lt1"/>
+          </a:fontRef>
+        </p:style>
+        <p:txBody>
+          <a:bodyPr rtlCol="0" anchor="ctr"/>
+          <a:lstStyle/>
+          <a:p>
+            <a:pPr algn="ctr"/>
+            <a:endParaRPr lang="en-US"/>
+          </a:p>
+        </p:txBody>
+      </p:sp>
       <p:sp>
         <p:nvSpPr>
           <p:cNvPr id="2" name="Titre 1">
@@ -5600,16 +12693,90 @@
             <p:ph type="title"/>
           </p:nvPr>
         </p:nvSpPr>
-        <p:spPr/>
+        <p:spPr>
+          <a:xfrm>
+            <a:off x="640290" y="685800"/>
+            <a:ext cx="4818656" cy="4603749"/>
+          </a:xfrm>
+        </p:spPr>
         <p:txBody>
-          <a:bodyPr/>
+          <a:bodyPr>
+            <a:normAutofit/>
+          </a:bodyPr>
           <a:lstStyle/>
           <a:p>
+            <a:pPr algn="r"/>
             <a:r>
-              <a:rPr lang="fr-FR" dirty="0"/>
+              <a:rPr lang="fr-FR" sz="5200"/>
               <a:t>issues</a:t>
             </a:r>
-            <a:endParaRPr lang="en-GB" dirty="0"/>
+            <a:endParaRPr lang="en-GB" sz="5200"/>
+          </a:p>
+        </p:txBody>
+      </p:sp>
+      <p:sp>
+        <p:nvSpPr>
+          <p:cNvPr id="17" name="Rectangle 16">
+            <a:extLst>
+              <a:ext uri="{FF2B5EF4-FFF2-40B4-BE49-F238E27FC236}">
+                <a16:creationId xmlns:a16="http://schemas.microsoft.com/office/drawing/2014/main" id="{221CC330-4259-4C32-BF8B-5FE13FFABB3A}"/>
+              </a:ext>
+              <a:ext uri="{C183D7F6-B498-43B3-948B-1728B52AA6E4}">
+                <adec:decorative xmlns:adec="http://schemas.microsoft.com/office/drawing/2017/decorative" val="1"/>
+              </a:ext>
+            </a:extLst>
+          </p:cNvPr>
+          <p:cNvSpPr>
+            <a:spLocks noGrp="1" noRot="1" noChangeAspect="1" noMove="1" noResize="1" noEditPoints="1" noAdjustHandles="1" noChangeArrowheads="1" noChangeShapeType="1" noTextEdit="1"/>
+          </p:cNvSpPr>
+          <p:nvPr>
+            <p:extLst>
+              <p:ext uri="{386F3935-93C4-4BCD-93E2-E3B085C9AB24}">
+                <p16:designElem xmlns:p16="http://schemas.microsoft.com/office/powerpoint/2015/main" val="1"/>
+              </p:ext>
+            </p:extLst>
+          </p:nvPr>
+        </p:nvSpPr>
+        <p:spPr>
+          <a:xfrm>
+            <a:off x="6095999" y="0"/>
+            <a:ext cx="6096001" cy="6858000"/>
+          </a:xfrm>
+          <a:prstGeom prst="rect">
+            <a:avLst/>
+          </a:prstGeom>
+          <a:solidFill>
+            <a:schemeClr val="bg2">
+              <a:alpha val="97000"/>
+            </a:schemeClr>
+          </a:solidFill>
+          <a:ln>
+            <a:noFill/>
+          </a:ln>
+          <a:effectLst/>
+        </p:spPr>
+        <p:style>
+          <a:lnRef idx="2">
+            <a:schemeClr val="accent1">
+              <a:shade val="50000"/>
+            </a:schemeClr>
+          </a:lnRef>
+          <a:fillRef idx="1001">
+            <a:schemeClr val="dk2"/>
+          </a:fillRef>
+          <a:effectRef idx="0">
+            <a:schemeClr val="accent1"/>
+          </a:effectRef>
+          <a:fontRef idx="minor">
+            <a:schemeClr val="lt1"/>
+          </a:fontRef>
+        </p:style>
+        <p:txBody>
+          <a:bodyPr rtlCol="0" anchor="ctr"/>
+          <a:lstStyle/>
+          <a:p>
+            <a:pPr algn="ctr"/>
+            <a:endParaRPr lang="en-US"/>
           </a:p>
         </p:txBody>
       </p:sp>
@@ -5629,194 +12796,71 @@
             <p:ph idx="1"/>
           </p:nvPr>
         </p:nvSpPr>
-        <p:spPr/>
+        <p:spPr>
+          <a:xfrm>
+            <a:off x="6625651" y="685800"/>
+            <a:ext cx="4878959" cy="4603750"/>
+          </a:xfrm>
+        </p:spPr>
         <p:txBody>
-          <a:bodyPr/>
+          <a:bodyPr>
+            <a:normAutofit/>
+          </a:bodyPr>
           <a:lstStyle/>
           <a:p>
             <a:r>
-              <a:rPr lang="fr-FR"/>
+              <a:rPr lang="fr-FR">
+                <a:solidFill>
+                  <a:schemeClr val="tx1"/>
+                </a:solidFill>
+              </a:rPr>
               <a:t>Hard to deploy</a:t>
             </a:r>
-            <a:endParaRPr lang="fr-FR" dirty="0"/>
           </a:p>
           <a:p>
             <a:r>
-              <a:rPr lang="fr-FR" dirty="0" err="1"/>
-              <a:t>Simulate</a:t>
+              <a:rPr lang="fr-FR">
+                <a:solidFill>
+                  <a:schemeClr val="tx1"/>
+                </a:solidFill>
+              </a:rPr>
+              <a:t>Simulate the brain behavior during sleep (sort/compress/delete data)</a:t>
             </a:r>
+          </a:p>
+          <a:p>
             <a:r>
-              <a:rPr lang="fr-FR" dirty="0"/>
-              <a:t> the </a:t>
+              <a:rPr lang="fr-FR">
+                <a:solidFill>
+                  <a:schemeClr val="tx1"/>
+                </a:solidFill>
+              </a:rPr>
+              <a:t>Add a reward (seems like RL, pheromon)</a:t>
             </a:r>
+          </a:p>
+          <a:p>
             <a:r>
-              <a:rPr lang="fr-FR" dirty="0" err="1"/>
-              <a:t>brain</a:t>
+              <a:rPr lang="fr-FR">
+                <a:solidFill>
+                  <a:schemeClr val="tx1"/>
+                </a:solidFill>
+              </a:rPr>
+              <a:t>Launch the SAI each day, it will give a report of what it learned</a:t>
             </a:r>
+          </a:p>
+          <a:p>
             <a:r>
-              <a:rPr lang="fr-FR" dirty="0"/>
-              <a:t> </a:t>
+              <a:rPr lang="fr-FR">
+                <a:solidFill>
+                  <a:schemeClr val="tx1"/>
+                </a:solidFill>
+              </a:rPr>
+              <a:t>Sort what SAI learned</a:t>
             </a:r>
-            <a:r>
-              <a:rPr lang="fr-FR" dirty="0" err="1"/>
-              <a:t>behavior</a:t>
-            </a:r>
-            <a:r>
-              <a:rPr lang="fr-FR" dirty="0"/>
-              <a:t> </a:t>
-            </a:r>
-            <a:r>
-              <a:rPr lang="fr-FR" dirty="0" err="1"/>
-              <a:t>during</a:t>
-            </a:r>
-            <a:r>
-              <a:rPr lang="fr-FR" dirty="0"/>
-              <a:t> </a:t>
-            </a:r>
-            <a:r>
-              <a:rPr lang="fr-FR" dirty="0" err="1"/>
-              <a:t>sleep</a:t>
-            </a:r>
-            <a:r>
-              <a:rPr lang="fr-FR" dirty="0"/>
-              <a:t> (sort/</a:t>
-            </a:r>
-            <a:r>
-              <a:rPr lang="fr-FR" dirty="0" err="1"/>
-              <a:t>compress</a:t>
-            </a:r>
-            <a:r>
-              <a:rPr lang="fr-FR" dirty="0"/>
-              <a:t>/</a:t>
-            </a:r>
-            <a:r>
-              <a:rPr lang="fr-FR" dirty="0" err="1"/>
-              <a:t>delete</a:t>
-            </a:r>
-            <a:r>
-              <a:rPr lang="fr-FR" dirty="0"/>
-              <a:t> data)</a:t>
-            </a:r>
-          </a:p>
-          <a:p>
-            <a:r>
-              <a:rPr lang="fr-FR" dirty="0" err="1"/>
-              <a:t>Add</a:t>
-            </a:r>
-            <a:r>
-              <a:rPr lang="fr-FR" dirty="0"/>
-              <a:t> a </a:t>
-            </a:r>
-            <a:r>
-              <a:rPr lang="fr-FR" dirty="0" err="1"/>
-              <a:t>reward</a:t>
-            </a:r>
-            <a:r>
-              <a:rPr lang="fr-FR" dirty="0"/>
-              <a:t> (</a:t>
-            </a:r>
-            <a:r>
-              <a:rPr lang="fr-FR" dirty="0" err="1"/>
-              <a:t>seems</a:t>
-            </a:r>
-            <a:r>
-              <a:rPr lang="fr-FR" dirty="0"/>
-              <a:t> like RL, </a:t>
-            </a:r>
-            <a:r>
-              <a:rPr lang="fr-FR" dirty="0" err="1"/>
-              <a:t>pheromon</a:t>
-            </a:r>
-            <a:r>
-              <a:rPr lang="fr-FR" dirty="0"/>
-              <a:t>)</a:t>
-            </a:r>
-          </a:p>
-          <a:p>
-            <a:r>
-              <a:rPr lang="fr-FR" dirty="0"/>
-              <a:t>Launch the SAI </a:t>
-            </a:r>
-            <a:r>
-              <a:rPr lang="fr-FR" dirty="0" err="1"/>
-              <a:t>each</a:t>
-            </a:r>
-            <a:r>
-              <a:rPr lang="fr-FR" dirty="0"/>
-              <a:t> </a:t>
-            </a:r>
-            <a:r>
-              <a:rPr lang="fr-FR" dirty="0" err="1"/>
-              <a:t>day</a:t>
-            </a:r>
-            <a:r>
-              <a:rPr lang="fr-FR" dirty="0"/>
-              <a:t>, </a:t>
-            </a:r>
-            <a:r>
-              <a:rPr lang="fr-FR" dirty="0" err="1"/>
-              <a:t>it</a:t>
-            </a:r>
-            <a:r>
-              <a:rPr lang="fr-FR" dirty="0"/>
-              <a:t> </a:t>
-            </a:r>
-            <a:r>
-              <a:rPr lang="fr-FR" dirty="0" err="1"/>
-              <a:t>will</a:t>
-            </a:r>
-            <a:r>
-              <a:rPr lang="fr-FR" dirty="0"/>
-              <a:t> </a:t>
-            </a:r>
-            <a:r>
-              <a:rPr lang="fr-FR" dirty="0" err="1"/>
-              <a:t>give</a:t>
-            </a:r>
-            <a:r>
-              <a:rPr lang="fr-FR" dirty="0"/>
-              <a:t> a report of </a:t>
-            </a:r>
-            <a:r>
-              <a:rPr lang="fr-FR" dirty="0" err="1"/>
-              <a:t>what</a:t>
-            </a:r>
-            <a:r>
-              <a:rPr lang="fr-FR" dirty="0"/>
-              <a:t> </a:t>
-            </a:r>
-            <a:r>
-              <a:rPr lang="fr-FR" dirty="0" err="1"/>
-              <a:t>it</a:t>
-            </a:r>
-            <a:r>
-              <a:rPr lang="fr-FR" dirty="0"/>
-              <a:t> </a:t>
-            </a:r>
-            <a:r>
-              <a:rPr lang="fr-FR" dirty="0" err="1"/>
-              <a:t>learned</a:t>
-            </a:r>
-            <a:endParaRPr lang="fr-FR" dirty="0"/>
-          </a:p>
-          <a:p>
-            <a:r>
-              <a:rPr lang="fr-FR" dirty="0"/>
-              <a:t>Sort </a:t>
-            </a:r>
-            <a:r>
-              <a:rPr lang="fr-FR" dirty="0" err="1"/>
-              <a:t>what</a:t>
-            </a:r>
-            <a:r>
-              <a:rPr lang="fr-FR" dirty="0"/>
-              <a:t> SAI </a:t>
-            </a:r>
-            <a:r>
-              <a:rPr lang="fr-FR" dirty="0" err="1"/>
-              <a:t>learned</a:t>
-            </a:r>
-            <a:endParaRPr lang="en-GB" dirty="0"/>
+            <a:endParaRPr lang="en-GB">
+              <a:solidFill>
+                <a:schemeClr val="tx1"/>
+              </a:solidFill>
+            </a:endParaRPr>
           </a:p>
         </p:txBody>
       </p:sp>
@@ -5836,6 +12880,31 @@
 <file path=ppt/slides/slide4.xml><?xml version="1.0" encoding="utf-8"?>
 <p:sld xmlns:a="http://schemas.openxmlformats.org/drawingml/2006/main" xmlns:r="http://schemas.openxmlformats.org/officeDocument/2006/relationships" xmlns:p="http://schemas.openxmlformats.org/presentationml/2006/main">
   <p:cSld>
+    <p:bg>
+      <p:bgPr>
+        <a:gradFill rotWithShape="1">
+          <a:gsLst>
+            <a:gs pos="10000">
+              <a:schemeClr val="bg2">
+                <a:tint val="97000"/>
+                <a:hueMod val="92000"/>
+                <a:satMod val="169000"/>
+                <a:lumMod val="164000"/>
+              </a:schemeClr>
+            </a:gs>
+            <a:gs pos="100000">
+              <a:schemeClr val="bg2">
+                <a:shade val="96000"/>
+                <a:satMod val="120000"/>
+                <a:lumMod val="90000"/>
+              </a:schemeClr>
+            </a:gs>
+          </a:gsLst>
+          <a:lin ang="6120000" scaled="1"/>
+        </a:gradFill>
+        <a:effectLst/>
+      </p:bgPr>
+    </p:bg>
     <p:spTree>
       <p:nvGrpSpPr>
         <p:cNvPr id="1" name=""/>
@@ -5850,6 +12919,66 @@
           <a:chExt cx="0" cy="0"/>
         </a:xfrm>
       </p:grpSpPr>
+      <p:sp useBgFill="1">
+        <p:nvSpPr>
+          <p:cNvPr id="23" name="Rectangle 7">
+            <a:extLst>
+              <a:ext uri="{FF2B5EF4-FFF2-40B4-BE49-F238E27FC236}">
+                <a16:creationId xmlns:a16="http://schemas.microsoft.com/office/drawing/2014/main" id="{7509B08A-C1EC-478C-86AF-60ADE06D9BBB}"/>
+              </a:ext>
+              <a:ext uri="{C183D7F6-B498-43B3-948B-1728B52AA6E4}">
+                <adec:decorative xmlns:adec="http://schemas.microsoft.com/office/drawing/2017/decorative" val="1"/>
+              </a:ext>
+            </a:extLst>
+          </p:cNvPr>
+          <p:cNvSpPr>
+            <a:spLocks noGrp="1" noRot="1" noChangeAspect="1" noMove="1" noResize="1" noEditPoints="1" noAdjustHandles="1" noChangeArrowheads="1" noChangeShapeType="1" noTextEdit="1"/>
+          </p:cNvSpPr>
+          <p:nvPr>
+            <p:extLst>
+              <p:ext uri="{386F3935-93C4-4BCD-93E2-E3B085C9AB24}">
+                <p16:designElem xmlns:p16="http://schemas.microsoft.com/office/powerpoint/2015/main" val="1"/>
+              </p:ext>
+            </p:extLst>
+          </p:nvPr>
+        </p:nvSpPr>
+        <p:spPr>
+          <a:xfrm>
+            <a:off x="0" y="0"/>
+            <a:ext cx="12192000" cy="6858000"/>
+          </a:xfrm>
+          <a:prstGeom prst="rect">
+            <a:avLst/>
+          </a:prstGeom>
+          <a:ln>
+            <a:noFill/>
+          </a:ln>
+        </p:spPr>
+        <p:style>
+          <a:lnRef idx="2">
+            <a:schemeClr val="accent1">
+              <a:shade val="50000"/>
+            </a:schemeClr>
+          </a:lnRef>
+          <a:fillRef idx="1">
+            <a:schemeClr val="accent1"/>
+          </a:fillRef>
+          <a:effectRef idx="0">
+            <a:schemeClr val="accent1"/>
+          </a:effectRef>
+          <a:fontRef idx="minor">
+            <a:schemeClr val="lt1"/>
+          </a:fontRef>
+        </p:style>
+        <p:txBody>
+          <a:bodyPr rtlCol="0" anchor="ctr"/>
+          <a:lstStyle/>
+          <a:p>
+            <a:pPr algn="ctr"/>
+            <a:endParaRPr lang="en-US"/>
+          </a:p>
+        </p:txBody>
+      </p:sp>
       <p:sp>
         <p:nvSpPr>
           <p:cNvPr id="2" name="Titre 1">
@@ -5866,16 +12995,90 @@
             <p:ph type="title"/>
           </p:nvPr>
         </p:nvSpPr>
-        <p:spPr/>
+        <p:spPr>
+          <a:xfrm>
+            <a:off x="640290" y="685800"/>
+            <a:ext cx="4818656" cy="4603749"/>
+          </a:xfrm>
+        </p:spPr>
         <p:txBody>
-          <a:bodyPr/>
+          <a:bodyPr>
+            <a:normAutofit/>
+          </a:bodyPr>
           <a:lstStyle/>
           <a:p>
+            <a:pPr algn="r"/>
             <a:r>
-              <a:rPr lang="fr-FR" dirty="0"/>
+              <a:rPr lang="fr-FR" sz="5200"/>
               <a:t>Solutions</a:t>
             </a:r>
-            <a:endParaRPr lang="en-GB" dirty="0"/>
+            <a:endParaRPr lang="en-GB" sz="5200"/>
+          </a:p>
+        </p:txBody>
+      </p:sp>
+      <p:sp>
+        <p:nvSpPr>
+          <p:cNvPr id="10" name="Rectangle 9">
+            <a:extLst>
+              <a:ext uri="{FF2B5EF4-FFF2-40B4-BE49-F238E27FC236}">
+                <a16:creationId xmlns:a16="http://schemas.microsoft.com/office/drawing/2014/main" id="{221CC330-4259-4C32-BF8B-5FE13FFABB3A}"/>
+              </a:ext>
+              <a:ext uri="{C183D7F6-B498-43B3-948B-1728B52AA6E4}">
+                <adec:decorative xmlns:adec="http://schemas.microsoft.com/office/drawing/2017/decorative" val="1"/>
+              </a:ext>
+            </a:extLst>
+          </p:cNvPr>
+          <p:cNvSpPr>
+            <a:spLocks noGrp="1" noRot="1" noChangeAspect="1" noMove="1" noResize="1" noEditPoints="1" noAdjustHandles="1" noChangeArrowheads="1" noChangeShapeType="1" noTextEdit="1"/>
+          </p:cNvSpPr>
+          <p:nvPr>
+            <p:extLst>
+              <p:ext uri="{386F3935-93C4-4BCD-93E2-E3B085C9AB24}">
+                <p16:designElem xmlns:p16="http://schemas.microsoft.com/office/powerpoint/2015/main" val="1"/>
+              </p:ext>
+            </p:extLst>
+          </p:nvPr>
+        </p:nvSpPr>
+        <p:spPr>
+          <a:xfrm>
+            <a:off x="6095999" y="0"/>
+            <a:ext cx="6096001" cy="6858000"/>
+          </a:xfrm>
+          <a:prstGeom prst="rect">
+            <a:avLst/>
+          </a:prstGeom>
+          <a:solidFill>
+            <a:schemeClr val="bg2">
+              <a:alpha val="97000"/>
+            </a:schemeClr>
+          </a:solidFill>
+          <a:ln>
+            <a:noFill/>
+          </a:ln>
+          <a:effectLst/>
+        </p:spPr>
+        <p:style>
+          <a:lnRef idx="2">
+            <a:schemeClr val="accent1">
+              <a:shade val="50000"/>
+            </a:schemeClr>
+          </a:lnRef>
+          <a:fillRef idx="1001">
+            <a:schemeClr val="dk2"/>
+          </a:fillRef>
+          <a:effectRef idx="0">
+            <a:schemeClr val="accent1"/>
+          </a:effectRef>
+          <a:fontRef idx="minor">
+            <a:schemeClr val="lt1"/>
+          </a:fontRef>
+        </p:style>
+        <p:txBody>
+          <a:bodyPr rtlCol="0" anchor="ctr"/>
+          <a:lstStyle/>
+          <a:p>
+            <a:pPr algn="ctr"/>
+            <a:endParaRPr lang="en-US"/>
           </a:p>
         </p:txBody>
       </p:sp>
@@ -5895,7 +13098,12 @@
             <p:ph idx="1"/>
           </p:nvPr>
         </p:nvSpPr>
-        <p:spPr/>
+        <p:spPr>
+          <a:xfrm>
+            <a:off x="6625651" y="685800"/>
+            <a:ext cx="4878959" cy="4603750"/>
+          </a:xfrm>
+        </p:spPr>
         <p:txBody>
           <a:bodyPr>
             <a:normAutofit/>
@@ -5903,193 +13111,53 @@
           <a:lstStyle/>
           <a:p>
             <a:r>
-              <a:rPr lang="fr-FR" dirty="0" err="1"/>
-              <a:t>Create</a:t>
+              <a:rPr lang="fr-FR">
+                <a:solidFill>
+                  <a:schemeClr val="tx1"/>
+                </a:solidFill>
+              </a:rPr>
+              <a:t>Create SAI with pyinstaller for multiplatform</a:t>
             </a:r>
+          </a:p>
+          <a:p>
             <a:r>
-              <a:rPr lang="fr-FR" dirty="0"/>
-              <a:t> SAI </a:t>
+              <a:rPr lang="fr-FR">
+                <a:solidFill>
+                  <a:schemeClr val="tx1"/>
+                </a:solidFill>
+              </a:rPr>
+              <a:t>Launch a scan that remove duplicate screenshot and order them by interesting strategie</a:t>
             </a:r>
+          </a:p>
+          <a:p>
             <a:r>
-              <a:rPr lang="fr-FR" err="1"/>
-              <a:t>with</a:t>
+              <a:rPr lang="fr-FR">
+                <a:solidFill>
+                  <a:schemeClr val="tx1"/>
+                </a:solidFill>
+              </a:rPr>
+              <a:t>Increment the reward if there was difference between images</a:t>
             </a:r>
+          </a:p>
+          <a:p>
             <a:r>
-              <a:rPr lang="fr-FR"/>
-              <a:t> pyinstaller for multiplatform</a:t>
+              <a:rPr lang="fr-FR">
+                <a:solidFill>
+                  <a:schemeClr val="tx1"/>
+                </a:solidFill>
+              </a:rPr>
+              <a:t>Create a web page with the strategies learned</a:t>
             </a:r>
-            <a:endParaRPr lang="fr-FR" dirty="0"/>
           </a:p>
           <a:p>
             <a:r>
-              <a:rPr lang="fr-FR" dirty="0"/>
-              <a:t>Launch a scan </a:t>
+              <a:rPr lang="fr-FR">
+                <a:solidFill>
+                  <a:schemeClr val="tx1"/>
+                </a:solidFill>
+              </a:rPr>
+              <a:t>Create a web interface or a vocal controller to order strategies</a:t>
             </a:r>
-            <a:r>
-              <a:rPr lang="fr-FR" dirty="0" err="1"/>
-              <a:t>that</a:t>
-            </a:r>
-            <a:r>
-              <a:rPr lang="fr-FR" dirty="0"/>
-              <a:t> </a:t>
-            </a:r>
-            <a:r>
-              <a:rPr lang="fr-FR" dirty="0" err="1"/>
-              <a:t>remove</a:t>
-            </a:r>
-            <a:r>
-              <a:rPr lang="fr-FR" dirty="0"/>
-              <a:t> duplicate </a:t>
-            </a:r>
-            <a:r>
-              <a:rPr lang="fr-FR" dirty="0" err="1"/>
-              <a:t>screenshot</a:t>
-            </a:r>
-            <a:r>
-              <a:rPr lang="fr-FR" dirty="0"/>
-              <a:t> and </a:t>
-            </a:r>
-            <a:r>
-              <a:rPr lang="fr-FR" dirty="0" err="1"/>
-              <a:t>order</a:t>
-            </a:r>
-            <a:r>
-              <a:rPr lang="fr-FR" dirty="0"/>
-              <a:t> </a:t>
-            </a:r>
-            <a:r>
-              <a:rPr lang="fr-FR" dirty="0" err="1"/>
-              <a:t>them</a:t>
-            </a:r>
-            <a:r>
-              <a:rPr lang="fr-FR" dirty="0"/>
-              <a:t> by </a:t>
-            </a:r>
-            <a:r>
-              <a:rPr lang="fr-FR" dirty="0" err="1"/>
-              <a:t>interesting</a:t>
-            </a:r>
-            <a:r>
-              <a:rPr lang="fr-FR" dirty="0"/>
-              <a:t> </a:t>
-            </a:r>
-            <a:r>
-              <a:rPr lang="fr-FR" dirty="0" err="1"/>
-              <a:t>strategie</a:t>
-            </a:r>
-            <a:endParaRPr lang="fr-FR" dirty="0"/>
-          </a:p>
-          <a:p>
-            <a:r>
-              <a:rPr lang="fr-FR" dirty="0" err="1"/>
-              <a:t>Increment</a:t>
-            </a:r>
-            <a:r>
-              <a:rPr lang="fr-FR" dirty="0"/>
-              <a:t> the </a:t>
-            </a:r>
-            <a:r>
-              <a:rPr lang="fr-FR" dirty="0" err="1"/>
-              <a:t>reward</a:t>
-            </a:r>
-            <a:r>
-              <a:rPr lang="fr-FR" dirty="0"/>
-              <a:t> if </a:t>
-            </a:r>
-            <a:r>
-              <a:rPr lang="fr-FR" dirty="0" err="1"/>
-              <a:t>there</a:t>
-            </a:r>
-            <a:r>
-              <a:rPr lang="fr-FR" dirty="0"/>
-              <a:t> </a:t>
-            </a:r>
-            <a:r>
-              <a:rPr lang="fr-FR" dirty="0" err="1"/>
-              <a:t>was</a:t>
-            </a:r>
-            <a:r>
-              <a:rPr lang="fr-FR" dirty="0"/>
-              <a:t> </a:t>
-            </a:r>
-            <a:r>
-              <a:rPr lang="fr-FR" dirty="0" err="1"/>
-              <a:t>difference</a:t>
-            </a:r>
-            <a:r>
-              <a:rPr lang="fr-FR" dirty="0"/>
-              <a:t> </a:t>
-            </a:r>
-            <a:r>
-              <a:rPr lang="fr-FR" dirty="0" err="1"/>
-              <a:t>between</a:t>
-            </a:r>
-            <a:r>
-              <a:rPr lang="fr-FR" dirty="0"/>
-              <a:t> images</a:t>
-            </a:r>
-          </a:p>
-          <a:p>
-            <a:r>
-              <a:rPr lang="fr-FR" dirty="0" err="1"/>
-              <a:t>Create</a:t>
-            </a:r>
-            <a:r>
-              <a:rPr lang="fr-FR" dirty="0"/>
-              <a:t> a web page </a:t>
-            </a:r>
-            <a:r>
-              <a:rPr lang="fr-FR" dirty="0" err="1"/>
-              <a:t>with</a:t>
-            </a:r>
-            <a:r>
-              <a:rPr lang="fr-FR" dirty="0"/>
-              <a:t> the </a:t>
-            </a:r>
-            <a:r>
-              <a:rPr lang="fr-FR" dirty="0" err="1"/>
-              <a:t>strategies</a:t>
-            </a:r>
-            <a:r>
-              <a:rPr lang="fr-FR" dirty="0"/>
-              <a:t> </a:t>
-            </a:r>
-            <a:r>
-              <a:rPr lang="fr-FR" dirty="0" err="1"/>
-              <a:t>learned</a:t>
-            </a:r>
-            <a:endParaRPr lang="fr-FR" dirty="0"/>
-          </a:p>
-          <a:p>
-            <a:r>
-              <a:rPr lang="fr-FR" dirty="0" err="1"/>
-              <a:t>Create</a:t>
-            </a:r>
-            <a:r>
-              <a:rPr lang="fr-FR" dirty="0"/>
-              <a:t> a web interface or a vocal </a:t>
-            </a:r>
-            <a:r>
-              <a:rPr lang="fr-FR" dirty="0" err="1"/>
-              <a:t>controller</a:t>
-            </a:r>
-            <a:r>
-              <a:rPr lang="fr-FR" dirty="0"/>
-              <a:t> to </a:t>
-            </a:r>
-            <a:r>
-              <a:rPr lang="fr-FR" dirty="0" err="1"/>
-              <a:t>order</a:t>
-            </a:r>
-            <a:r>
-              <a:rPr lang="fr-FR" dirty="0"/>
-              <a:t> </a:t>
-            </a:r>
-            <a:r>
-              <a:rPr lang="fr-FR" dirty="0" err="1"/>
-              <a:t>strategies</a:t>
-            </a:r>
-            <a:endParaRPr lang="fr-FR" dirty="0"/>
           </a:p>
         </p:txBody>
       </p:sp>
@@ -6203,6 +13271,31 @@
 <file path=ppt/slides/slide6.xml><?xml version="1.0" encoding="utf-8"?>
 <p:sld xmlns:a="http://schemas.openxmlformats.org/drawingml/2006/main" xmlns:r="http://schemas.openxmlformats.org/officeDocument/2006/relationships" xmlns:p="http://schemas.openxmlformats.org/presentationml/2006/main">
   <p:cSld>
+    <p:bg>
+      <p:bgPr>
+        <a:gradFill rotWithShape="1">
+          <a:gsLst>
+            <a:gs pos="10000">
+              <a:schemeClr val="bg2">
+                <a:tint val="97000"/>
+                <a:hueMod val="92000"/>
+                <a:satMod val="169000"/>
+                <a:lumMod val="164000"/>
+              </a:schemeClr>
+            </a:gs>
+            <a:gs pos="100000">
+              <a:schemeClr val="bg2">
+                <a:shade val="96000"/>
+                <a:satMod val="120000"/>
+                <a:lumMod val="90000"/>
+              </a:schemeClr>
+            </a:gs>
+          </a:gsLst>
+          <a:lin ang="6120000" scaled="1"/>
+        </a:gradFill>
+        <a:effectLst/>
+      </p:bgPr>
+    </p:bg>
     <p:spTree>
       <p:nvGrpSpPr>
         <p:cNvPr id="1" name=""/>
@@ -6233,188 +13326,57 @@
             <p:ph type="title"/>
           </p:nvPr>
         </p:nvSpPr>
-        <p:spPr/>
+        <p:spPr>
+          <a:xfrm>
+            <a:off x="684212" y="4487332"/>
+            <a:ext cx="8534400" cy="1507067"/>
+          </a:xfrm>
+        </p:spPr>
         <p:txBody>
-          <a:bodyPr/>
+          <a:bodyPr>
+            <a:normAutofit/>
+          </a:bodyPr>
           <a:lstStyle/>
           <a:p>
             <a:r>
-              <a:rPr lang="fr-FR" dirty="0"/>
+              <a:rPr lang="fr-FR"/>
               <a:t>Conclusion</a:t>
             </a:r>
             <a:endParaRPr lang="en-GB" dirty="0"/>
           </a:p>
         </p:txBody>
       </p:sp>
-      <p:sp>
-        <p:nvSpPr>
-          <p:cNvPr id="3" name="Espace réservé du contenu 2">
+      <p:graphicFrame>
+        <p:nvGraphicFramePr>
+          <p:cNvPr id="5" name="Espace réservé du contenu 2">
             <a:extLst>
               <a:ext uri="{FF2B5EF4-FFF2-40B4-BE49-F238E27FC236}">
-                <a16:creationId xmlns:a16="http://schemas.microsoft.com/office/drawing/2014/main" id="{88865BF1-04A4-4123-8162-B16C1D89BB51}"/>
+                <a16:creationId xmlns:a16="http://schemas.microsoft.com/office/drawing/2014/main" id="{9A2F4FC4-8E3A-4880-8CC3-29FF61F63AB1}"/>
               </a:ext>
             </a:extLst>
           </p:cNvPr>
-          <p:cNvSpPr>
-            <a:spLocks noGrp="1"/>
-          </p:cNvSpPr>
+          <p:cNvGraphicFramePr>
+            <a:graphicFrameLocks noGrp="1"/>
+          </p:cNvGraphicFramePr>
           <p:nvPr>
             <p:ph idx="1"/>
+            <p:extLst>
+              <p:ext uri="{D42A27DB-BD31-4B8C-83A1-F6EECF244321}">
+                <p14:modId xmlns:p14="http://schemas.microsoft.com/office/powerpoint/2010/main" val="208525868"/>
+              </p:ext>
+            </p:extLst>
           </p:nvPr>
-        </p:nvSpPr>
-        <p:spPr/>
-        <p:txBody>
-          <a:bodyPr/>
-          <a:lstStyle/>
-          <a:p>
-            <a:r>
-              <a:rPr lang="fr-FR" dirty="0"/>
-              <a:t>Need a </a:t>
-            </a:r>
-            <a:r>
-              <a:rPr lang="fr-FR" dirty="0" err="1"/>
-              <a:t>human</a:t>
-            </a:r>
-            <a:r>
-              <a:rPr lang="fr-FR" dirty="0"/>
-              <a:t> to </a:t>
-            </a:r>
-            <a:r>
-              <a:rPr lang="fr-FR" dirty="0" err="1"/>
-              <a:t>teach</a:t>
-            </a:r>
-            <a:r>
-              <a:rPr lang="fr-FR" dirty="0"/>
-              <a:t> SIA like a baby (Full time 54k €, </a:t>
-            </a:r>
-            <a:r>
-              <a:rPr lang="fr-FR" dirty="0" err="1"/>
-              <a:t>send</a:t>
-            </a:r>
-            <a:r>
-              <a:rPr lang="fr-FR" dirty="0"/>
-              <a:t> CV and ML at johnny.nguyen1192@gmail.com)</a:t>
-            </a:r>
-          </a:p>
-          <a:p>
-            <a:r>
-              <a:rPr lang="fr-FR" dirty="0"/>
-              <a:t>The SIA </a:t>
-            </a:r>
-            <a:r>
-              <a:rPr lang="fr-FR" dirty="0" err="1"/>
-              <a:t>will</a:t>
-            </a:r>
-            <a:r>
-              <a:rPr lang="fr-FR" dirty="0"/>
-              <a:t> looks like the </a:t>
-            </a:r>
-            <a:r>
-              <a:rPr lang="fr-FR" dirty="0" err="1"/>
-              <a:t>human</a:t>
-            </a:r>
-            <a:r>
-              <a:rPr lang="fr-FR" dirty="0"/>
-              <a:t> </a:t>
-            </a:r>
-            <a:r>
-              <a:rPr lang="fr-FR" dirty="0" err="1"/>
-              <a:t>teacher</a:t>
-            </a:r>
-            <a:r>
-              <a:rPr lang="fr-FR" dirty="0"/>
-              <a:t> at the </a:t>
-            </a:r>
-            <a:r>
-              <a:rPr lang="fr-FR" dirty="0" err="1"/>
-              <a:t>beginning</a:t>
-            </a:r>
-            <a:endParaRPr lang="fr-FR" dirty="0"/>
-          </a:p>
-          <a:p>
-            <a:r>
-              <a:rPr lang="fr-FR" dirty="0" err="1"/>
-              <a:t>After</a:t>
-            </a:r>
-            <a:r>
-              <a:rPr lang="fr-FR" dirty="0"/>
-              <a:t> a </a:t>
-            </a:r>
-            <a:r>
-              <a:rPr lang="fr-FR" dirty="0" err="1"/>
-              <a:t>treshold</a:t>
-            </a:r>
-            <a:r>
-              <a:rPr lang="fr-FR" dirty="0"/>
-              <a:t> </a:t>
-            </a:r>
-            <a:r>
-              <a:rPr lang="fr-FR" dirty="0" err="1"/>
-              <a:t>it</a:t>
-            </a:r>
-            <a:r>
-              <a:rPr lang="fr-FR" dirty="0"/>
-              <a:t> </a:t>
-            </a:r>
-            <a:r>
-              <a:rPr lang="fr-FR" dirty="0" err="1"/>
-              <a:t>will</a:t>
-            </a:r>
-            <a:r>
-              <a:rPr lang="fr-FR" dirty="0"/>
-              <a:t> </a:t>
-            </a:r>
-            <a:r>
-              <a:rPr lang="fr-FR" dirty="0" err="1"/>
-              <a:t>learn</a:t>
-            </a:r>
-            <a:r>
-              <a:rPr lang="fr-FR" dirty="0"/>
-              <a:t> </a:t>
-            </a:r>
-            <a:r>
-              <a:rPr lang="fr-FR" dirty="0" err="1"/>
-              <a:t>alone</a:t>
-            </a:r>
-            <a:endParaRPr lang="fr-FR" dirty="0"/>
-          </a:p>
-          <a:p>
-            <a:r>
-              <a:rPr lang="fr-FR" dirty="0"/>
-              <a:t>Self </a:t>
-            </a:r>
-            <a:r>
-              <a:rPr lang="fr-FR" dirty="0" err="1"/>
-              <a:t>learn</a:t>
-            </a:r>
-            <a:r>
-              <a:rPr lang="fr-FR" dirty="0"/>
-              <a:t> </a:t>
-            </a:r>
-            <a:r>
-              <a:rPr lang="fr-FR" dirty="0" err="1"/>
-              <a:t>need</a:t>
-            </a:r>
-            <a:r>
-              <a:rPr lang="fr-FR" dirty="0"/>
-              <a:t> to </a:t>
-            </a:r>
-            <a:r>
-              <a:rPr lang="fr-FR" dirty="0" err="1"/>
-              <a:t>be</a:t>
-            </a:r>
-            <a:r>
-              <a:rPr lang="fr-FR" dirty="0"/>
-              <a:t> </a:t>
-            </a:r>
-            <a:r>
-              <a:rPr lang="fr-FR" dirty="0" err="1"/>
-              <a:t>implemented</a:t>
-            </a:r>
-            <a:endParaRPr lang="en-GB" dirty="0"/>
-          </a:p>
-        </p:txBody>
-      </p:sp>
+        </p:nvGraphicFramePr>
+        <p:xfrm>
+          <a:off x="684212" y="685800"/>
+          <a:ext cx="10820399" cy="3614738"/>
+        </p:xfrm>
+        <a:graphic>
+          <a:graphicData uri="http://schemas.openxmlformats.org/drawingml/2006/diagram">
+            <dgm:relIds xmlns:dgm="http://schemas.openxmlformats.org/drawingml/2006/diagram" xmlns:r="http://schemas.openxmlformats.org/officeDocument/2006/relationships" r:dm="rId2" r:lo="rId3" r:qs="rId4" r:cs="rId5"/>
+          </a:graphicData>
+        </a:graphic>
+      </p:graphicFrame>
     </p:spTree>
     <p:extLst>
       <p:ext uri="{BB962C8B-B14F-4D97-AF65-F5344CB8AC3E}">
@@ -6548,10 +13510,10 @@
       </p:pic>
       <p:pic>
         <p:nvPicPr>
-          <p:cNvPr id="12" name="Graphique 11" descr="Nez">
+          <p:cNvPr id="16" name="Graphique 15" descr="Notation musicale">
             <a:extLst>
               <a:ext uri="{FF2B5EF4-FFF2-40B4-BE49-F238E27FC236}">
-                <a16:creationId xmlns:a16="http://schemas.microsoft.com/office/drawing/2014/main" id="{36052CB2-A72B-44CF-B6D9-899442A3568B}"/>
+                <a16:creationId xmlns:a16="http://schemas.microsoft.com/office/drawing/2014/main" id="{B5409EE7-D25A-4DB8-BB4F-B04FA9D9C255}"/>
               </a:ext>
             </a:extLst>
           </p:cNvPr>
@@ -6565,42 +13527,6 @@
             <a:extLst>
               <a:ext uri="{96DAC541-7B7A-43D3-8B79-37D633B846F1}">
                 <asvg:svgBlip xmlns:asvg="http://schemas.microsoft.com/office/drawing/2016/SVG/main" r:embed="rId7"/>
-              </a:ext>
-            </a:extLst>
-          </a:blip>
-          <a:stretch>
-            <a:fillRect/>
-          </a:stretch>
-        </p:blipFill>
-        <p:spPr>
-          <a:xfrm>
-            <a:off x="5839620" y="4444413"/>
-            <a:ext cx="914400" cy="914400"/>
-          </a:xfrm>
-          <a:prstGeom prst="rect">
-            <a:avLst/>
-          </a:prstGeom>
-        </p:spPr>
-      </p:pic>
-      <p:pic>
-        <p:nvPicPr>
-          <p:cNvPr id="16" name="Graphique 15" descr="Notation musicale">
-            <a:extLst>
-              <a:ext uri="{FF2B5EF4-FFF2-40B4-BE49-F238E27FC236}">
-                <a16:creationId xmlns:a16="http://schemas.microsoft.com/office/drawing/2014/main" id="{B5409EE7-D25A-4DB8-BB4F-B04FA9D9C255}"/>
-              </a:ext>
-            </a:extLst>
-          </p:cNvPr>
-          <p:cNvPicPr>
-            <a:picLocks noChangeAspect="1"/>
-          </p:cNvPicPr>
-          <p:nvPr/>
-        </p:nvPicPr>
-        <p:blipFill>
-          <a:blip r:embed="rId8">
-            <a:extLst>
-              <a:ext uri="{96DAC541-7B7A-43D3-8B79-37D633B846F1}">
-                <asvg:svgBlip xmlns:asvg="http://schemas.microsoft.com/office/drawing/2016/SVG/main" r:embed="rId9"/>
               </a:ext>
             </a:extLst>
           </a:blip>
@@ -6633,10 +13559,10 @@
           <p:nvPr/>
         </p:nvPicPr>
         <p:blipFill>
-          <a:blip r:embed="rId10">
+          <a:blip r:embed="rId8">
             <a:extLst>
               <a:ext uri="{96DAC541-7B7A-43D3-8B79-37D633B846F1}">
-                <asvg:svgBlip xmlns:asvg="http://schemas.microsoft.com/office/drawing/2016/SVG/main" r:embed="rId11"/>
+                <asvg:svgBlip xmlns:asvg="http://schemas.microsoft.com/office/drawing/2016/SVG/main" r:embed="rId9"/>
               </a:ext>
             </a:extLst>
           </a:blip>
@@ -6669,10 +13595,10 @@
           <p:nvPr/>
         </p:nvPicPr>
         <p:blipFill>
-          <a:blip r:embed="rId12">
+          <a:blip r:embed="rId10">
             <a:extLst>
               <a:ext uri="{96DAC541-7B7A-43D3-8B79-37D633B846F1}">
-                <asvg:svgBlip xmlns:asvg="http://schemas.microsoft.com/office/drawing/2016/SVG/main" r:embed="rId13"/>
+                <asvg:svgBlip xmlns:asvg="http://schemas.microsoft.com/office/drawing/2016/SVG/main" r:embed="rId11"/>
               </a:ext>
             </a:extLst>
           </a:blip>
@@ -6705,10 +13631,10 @@
           <p:nvPr/>
         </p:nvPicPr>
         <p:blipFill>
-          <a:blip r:embed="rId14">
+          <a:blip r:embed="rId12">
             <a:extLst>
               <a:ext uri="{96DAC541-7B7A-43D3-8B79-37D633B846F1}">
-                <asvg:svgBlip xmlns:asvg="http://schemas.microsoft.com/office/drawing/2016/SVG/main" r:embed="rId15"/>
+                <asvg:svgBlip xmlns:asvg="http://schemas.microsoft.com/office/drawing/2016/SVG/main" r:embed="rId13"/>
               </a:ext>
             </a:extLst>
           </a:blip>
@@ -6741,10 +13667,10 @@
           <p:nvPr/>
         </p:nvPicPr>
         <p:blipFill>
-          <a:blip r:embed="rId16">
+          <a:blip r:embed="rId14">
             <a:extLst>
               <a:ext uri="{96DAC541-7B7A-43D3-8B79-37D633B846F1}">
-                <asvg:svgBlip xmlns:asvg="http://schemas.microsoft.com/office/drawing/2016/SVG/main" r:embed="rId17"/>
+                <asvg:svgBlip xmlns:asvg="http://schemas.microsoft.com/office/drawing/2016/SVG/main" r:embed="rId15"/>
               </a:ext>
             </a:extLst>
           </a:blip>
@@ -6777,10 +13703,10 @@
           <p:nvPr/>
         </p:nvPicPr>
         <p:blipFill>
-          <a:blip r:embed="rId18">
+          <a:blip r:embed="rId16">
             <a:extLst>
               <a:ext uri="{96DAC541-7B7A-43D3-8B79-37D633B846F1}">
-                <asvg:svgBlip xmlns:asvg="http://schemas.microsoft.com/office/drawing/2016/SVG/main" r:embed="rId19"/>
+                <asvg:svgBlip xmlns:asvg="http://schemas.microsoft.com/office/drawing/2016/SVG/main" r:embed="rId17"/>
               </a:ext>
             </a:extLst>
           </a:blip>
@@ -6813,10 +13739,10 @@
           <p:nvPr/>
         </p:nvPicPr>
         <p:blipFill>
-          <a:blip r:embed="rId20">
+          <a:blip r:embed="rId18">
             <a:extLst>
               <a:ext uri="{96DAC541-7B7A-43D3-8B79-37D633B846F1}">
-                <asvg:svgBlip xmlns:asvg="http://schemas.microsoft.com/office/drawing/2016/SVG/main" r:embed="rId21"/>
+                <asvg:svgBlip xmlns:asvg="http://schemas.microsoft.com/office/drawing/2016/SVG/main" r:embed="rId19"/>
               </a:ext>
             </a:extLst>
           </a:blip>
@@ -7168,6 +14094,42 @@
           </a:p>
         </p:txBody>
       </p:sp>
+      <p:pic>
+        <p:nvPicPr>
+          <p:cNvPr id="5" name="Graphique 4" descr="Oreille">
+            <a:extLst>
+              <a:ext uri="{FF2B5EF4-FFF2-40B4-BE49-F238E27FC236}">
+                <a16:creationId xmlns:a16="http://schemas.microsoft.com/office/drawing/2014/main" id="{B6C86663-F461-4AE7-A33A-A6B84EC549F7}"/>
+              </a:ext>
+            </a:extLst>
+          </p:cNvPr>
+          <p:cNvPicPr>
+            <a:picLocks noChangeAspect="1"/>
+          </p:cNvPicPr>
+          <p:nvPr/>
+        </p:nvPicPr>
+        <p:blipFill>
+          <a:blip r:embed="rId20">
+            <a:extLst>
+              <a:ext uri="{96DAC541-7B7A-43D3-8B79-37D633B846F1}">
+                <asvg:svgBlip xmlns:asvg="http://schemas.microsoft.com/office/drawing/2016/SVG/main" r:embed="rId21"/>
+              </a:ext>
+            </a:extLst>
+          </a:blip>
+          <a:stretch>
+            <a:fillRect/>
+          </a:stretch>
+        </p:blipFill>
+        <p:spPr>
+          <a:xfrm>
+            <a:off x="5855675" y="4444413"/>
+            <a:ext cx="914400" cy="914400"/>
+          </a:xfrm>
+          <a:prstGeom prst="rect">
+            <a:avLst/>
+          </a:prstGeom>
+        </p:spPr>
+      </p:pic>
     </p:spTree>
     <p:extLst>
       <p:ext uri="{BB962C8B-B14F-4D97-AF65-F5344CB8AC3E}">
@@ -7311,7 +14273,7 @@
         </p:nvCxnSpPr>
         <p:spPr>
           <a:xfrm>
-            <a:off x="6312875" y="944798"/>
+            <a:off x="6384258" y="989988"/>
             <a:ext cx="1526233" cy="1340211"/>
           </a:xfrm>
           <a:prstGeom prst="straightConnector1">
@@ -7671,7 +14633,37 @@
         </p:blipFill>
         <p:spPr>
           <a:xfrm>
-            <a:off x="5034967" y="3279624"/>
+            <a:off x="4235704" y="3279623"/>
+            <a:ext cx="1314450" cy="600075"/>
+          </a:xfrm>
+          <a:prstGeom prst="rect">
+            <a:avLst/>
+          </a:prstGeom>
+        </p:spPr>
+      </p:pic>
+      <p:pic>
+        <p:nvPicPr>
+          <p:cNvPr id="3" name="Image 2">
+            <a:extLst>
+              <a:ext uri="{FF2B5EF4-FFF2-40B4-BE49-F238E27FC236}">
+                <a16:creationId xmlns:a16="http://schemas.microsoft.com/office/drawing/2014/main" id="{4D792693-4505-4101-BD7F-57D56B4C40E6}"/>
+              </a:ext>
+            </a:extLst>
+          </p:cNvPr>
+          <p:cNvPicPr>
+            <a:picLocks noChangeAspect="1"/>
+          </p:cNvPicPr>
+          <p:nvPr/>
+        </p:nvPicPr>
+        <p:blipFill>
+          <a:blip r:embed="rId6"/>
+          <a:stretch>
+            <a:fillRect/>
+          </a:stretch>
+        </p:blipFill>
+        <p:spPr>
+          <a:xfrm>
+            <a:off x="5832925" y="3279624"/>
             <a:ext cx="1314450" cy="600075"/>
           </a:xfrm>
           <a:prstGeom prst="rect">
@@ -7725,13 +14717,18 @@
             <p:ph type="title"/>
           </p:nvPr>
         </p:nvSpPr>
-        <p:spPr/>
+        <p:spPr>
+          <a:xfrm>
+            <a:off x="684212" y="4487332"/>
+            <a:ext cx="8534400" cy="1507067"/>
+          </a:xfrm>
+        </p:spPr>
         <p:txBody>
           <a:bodyPr/>
           <a:lstStyle/>
           <a:p>
             <a:r>
-              <a:rPr lang="fr-FR" dirty="0"/>
+              <a:rPr lang="fr-FR"/>
               <a:t>Sources</a:t>
             </a:r>
             <a:endParaRPr lang="en-GB" dirty="0"/>
@@ -7754,17 +14751,22 @@
             <p:ph idx="1"/>
           </p:nvPr>
         </p:nvSpPr>
-        <p:spPr/>
+        <p:spPr>
+          <a:xfrm>
+            <a:off x="684212" y="685800"/>
+            <a:ext cx="8534400" cy="3615267"/>
+          </a:xfrm>
+        </p:spPr>
         <p:txBody>
           <a:bodyPr/>
           <a:lstStyle/>
           <a:p>
             <a:r>
-              <a:rPr lang="fr-FR" dirty="0"/>
+              <a:rPr lang="fr-FR"/>
               <a:t>Annexe prototype: </a:t>
             </a:r>
             <a:r>
-              <a:rPr lang="en-GB" dirty="0">
+              <a:rPr lang="en-GB">
                 <a:hlinkClick r:id="rId2"/>
               </a:rPr>
               <a:t>https://www.draw.io/</a:t>

--- a/SAI_presentation.pptx
+++ b/SAI_presentation.pptx
@@ -11,9 +11,10 @@
     <p:sldId id="259" r:id="rId5"/>
     <p:sldId id="260" r:id="rId6"/>
     <p:sldId id="261" r:id="rId7"/>
-    <p:sldId id="262" r:id="rId8"/>
-    <p:sldId id="264" r:id="rId9"/>
-    <p:sldId id="263" r:id="rId10"/>
+    <p:sldId id="265" r:id="rId8"/>
+    <p:sldId id="262" r:id="rId9"/>
+    <p:sldId id="264" r:id="rId10"/>
+    <p:sldId id="263" r:id="rId11"/>
   </p:sldIdLst>
   <p:sldSz cx="12192000" cy="6858000"/>
   <p:notesSz cx="6858000" cy="9144000"/>
@@ -6736,7 +6737,7 @@
             <a:fld id="{B61BEF0D-F0BB-DE4B-95CE-6DB70DBA9567}" type="datetimeFigureOut">
               <a:rPr lang="en-US" dirty="0"/>
               <a:pPr/>
-              <a:t>1/3/2020</a:t>
+              <a:t>3/1/2020</a:t>
             </a:fld>
             <a:endParaRPr lang="en-US" dirty="0"/>
           </a:p>
@@ -7169,7 +7170,7 @@
             <a:fld id="{B61BEF0D-F0BB-DE4B-95CE-6DB70DBA9567}" type="datetimeFigureOut">
               <a:rPr lang="en-US" dirty="0"/>
               <a:pPr/>
-              <a:t>1/3/2020</a:t>
+              <a:t>3/1/2020</a:t>
             </a:fld>
             <a:endParaRPr lang="en-US" dirty="0"/>
           </a:p>
@@ -7416,7 +7417,7 @@
             <a:fld id="{B61BEF0D-F0BB-DE4B-95CE-6DB70DBA9567}" type="datetimeFigureOut">
               <a:rPr lang="en-US" dirty="0"/>
               <a:pPr/>
-              <a:t>1/3/2020</a:t>
+              <a:t>3/1/2020</a:t>
             </a:fld>
             <a:endParaRPr lang="en-US" dirty="0"/>
           </a:p>
@@ -7721,7 +7722,7 @@
             <a:fld id="{B61BEF0D-F0BB-DE4B-95CE-6DB70DBA9567}" type="datetimeFigureOut">
               <a:rPr lang="en-US" dirty="0"/>
               <a:pPr/>
-              <a:t>1/3/2020</a:t>
+              <a:t>3/1/2020</a:t>
             </a:fld>
             <a:endParaRPr lang="en-US" dirty="0"/>
           </a:p>
@@ -8036,7 +8037,7 @@
             <a:fld id="{B61BEF0D-F0BB-DE4B-95CE-6DB70DBA9567}" type="datetimeFigureOut">
               <a:rPr lang="en-US" dirty="0"/>
               <a:pPr/>
-              <a:t>1/3/2020</a:t>
+              <a:t>3/1/2020</a:t>
             </a:fld>
             <a:endParaRPr lang="en-US" dirty="0"/>
           </a:p>
@@ -8335,7 +8336,7 @@
             <a:fld id="{B61BEF0D-F0BB-DE4B-95CE-6DB70DBA9567}" type="datetimeFigureOut">
               <a:rPr lang="en-US" dirty="0"/>
               <a:pPr/>
-              <a:t>1/3/2020</a:t>
+              <a:t>3/1/2020</a:t>
             </a:fld>
             <a:endParaRPr lang="en-US" dirty="0"/>
           </a:p>
@@ -8699,7 +8700,7 @@
             <a:fld id="{B61BEF0D-F0BB-DE4B-95CE-6DB70DBA9567}" type="datetimeFigureOut">
               <a:rPr lang="en-US" dirty="0"/>
               <a:pPr/>
-              <a:t>1/3/2020</a:t>
+              <a:t>3/1/2020</a:t>
             </a:fld>
             <a:endParaRPr lang="en-US" dirty="0"/>
           </a:p>
@@ -8870,7 +8871,7 @@
             <a:fld id="{B61BEF0D-F0BB-DE4B-95CE-6DB70DBA9567}" type="datetimeFigureOut">
               <a:rPr lang="en-US" dirty="0"/>
               <a:pPr/>
-              <a:t>1/3/2020</a:t>
+              <a:t>3/1/2020</a:t>
             </a:fld>
             <a:endParaRPr lang="en-US" dirty="0"/>
           </a:p>
@@ -9047,7 +9048,7 @@
             <a:fld id="{B61BEF0D-F0BB-DE4B-95CE-6DB70DBA9567}" type="datetimeFigureOut">
               <a:rPr lang="en-US" dirty="0"/>
               <a:pPr/>
-              <a:t>1/3/2020</a:t>
+              <a:t>3/1/2020</a:t>
             </a:fld>
             <a:endParaRPr lang="en-US" dirty="0"/>
           </a:p>
@@ -9214,7 +9215,7 @@
             <a:fld id="{B61BEF0D-F0BB-DE4B-95CE-6DB70DBA9567}" type="datetimeFigureOut">
               <a:rPr lang="en-US" dirty="0"/>
               <a:pPr/>
-              <a:t>1/3/2020</a:t>
+              <a:t>3/1/2020</a:t>
             </a:fld>
             <a:endParaRPr lang="en-US" dirty="0"/>
           </a:p>
@@ -9461,7 +9462,7 @@
             <a:fld id="{B61BEF0D-F0BB-DE4B-95CE-6DB70DBA9567}" type="datetimeFigureOut">
               <a:rPr lang="en-US" dirty="0"/>
               <a:pPr/>
-              <a:t>1/3/2020</a:t>
+              <a:t>3/1/2020</a:t>
             </a:fld>
             <a:endParaRPr lang="en-US" dirty="0"/>
           </a:p>
@@ -9694,7 +9695,7 @@
             <a:fld id="{B61BEF0D-F0BB-DE4B-95CE-6DB70DBA9567}" type="datetimeFigureOut">
               <a:rPr lang="en-US" dirty="0"/>
               <a:pPr/>
-              <a:t>1/3/2020</a:t>
+              <a:t>3/1/2020</a:t>
             </a:fld>
             <a:endParaRPr lang="en-US" dirty="0"/>
           </a:p>
@@ -10073,7 +10074,7 @@
             <a:fld id="{B61BEF0D-F0BB-DE4B-95CE-6DB70DBA9567}" type="datetimeFigureOut">
               <a:rPr lang="en-US" dirty="0"/>
               <a:pPr/>
-              <a:t>1/3/2020</a:t>
+              <a:t>3/1/2020</a:t>
             </a:fld>
             <a:endParaRPr lang="en-US" dirty="0"/>
           </a:p>
@@ -10188,7 +10189,7 @@
             <a:fld id="{B61BEF0D-F0BB-DE4B-95CE-6DB70DBA9567}" type="datetimeFigureOut">
               <a:rPr lang="en-US" dirty="0"/>
               <a:pPr/>
-              <a:t>1/3/2020</a:t>
+              <a:t>3/1/2020</a:t>
             </a:fld>
             <a:endParaRPr lang="en-US" dirty="0"/>
           </a:p>
@@ -10280,7 +10281,7 @@
             <a:fld id="{B61BEF0D-F0BB-DE4B-95CE-6DB70DBA9567}" type="datetimeFigureOut">
               <a:rPr lang="en-US" dirty="0"/>
               <a:pPr/>
-              <a:t>1/3/2020</a:t>
+              <a:t>3/1/2020</a:t>
             </a:fld>
             <a:endParaRPr lang="en-US" dirty="0"/>
           </a:p>
@@ -10532,7 +10533,7 @@
             <a:fld id="{B61BEF0D-F0BB-DE4B-95CE-6DB70DBA9567}" type="datetimeFigureOut">
               <a:rPr lang="en-US" dirty="0"/>
               <a:pPr/>
-              <a:t>1/3/2020</a:t>
+              <a:t>3/1/2020</a:t>
             </a:fld>
             <a:endParaRPr lang="en-US" dirty="0"/>
           </a:p>
@@ -10812,7 +10813,7 @@
             <a:fld id="{B61BEF0D-F0BB-DE4B-95CE-6DB70DBA9567}" type="datetimeFigureOut">
               <a:rPr lang="en-US" dirty="0"/>
               <a:pPr/>
-              <a:t>1/3/2020</a:t>
+              <a:t>3/1/2020</a:t>
             </a:fld>
             <a:endParaRPr lang="en-US" dirty="0"/>
           </a:p>
@@ -11215,7 +11216,7 @@
             <a:fld id="{B61BEF0D-F0BB-DE4B-95CE-6DB70DBA9567}" type="datetimeFigureOut">
               <a:rPr lang="en-US" dirty="0"/>
               <a:pPr/>
-              <a:t>1/3/2020</a:t>
+              <a:t>3/1/2020</a:t>
             </a:fld>
             <a:endParaRPr lang="en-US" dirty="0"/>
           </a:p>
@@ -12012,6 +12013,110 @@
 </p:sld>
 </file>
 
+<file path=ppt/slides/slide10.xml><?xml version="1.0" encoding="utf-8"?>
+<p:sld xmlns:a="http://schemas.openxmlformats.org/drawingml/2006/main" xmlns:r="http://schemas.openxmlformats.org/officeDocument/2006/relationships" xmlns:p="http://schemas.openxmlformats.org/presentationml/2006/main">
+  <p:cSld>
+    <p:spTree>
+      <p:nvGrpSpPr>
+        <p:cNvPr id="1" name=""/>
+        <p:cNvGrpSpPr/>
+        <p:nvPr/>
+      </p:nvGrpSpPr>
+      <p:grpSpPr>
+        <a:xfrm>
+          <a:off x="0" y="0"/>
+          <a:ext cx="0" cy="0"/>
+          <a:chOff x="0" y="0"/>
+          <a:chExt cx="0" cy="0"/>
+        </a:xfrm>
+      </p:grpSpPr>
+      <p:sp>
+        <p:nvSpPr>
+          <p:cNvPr id="2" name="Titre 1">
+            <a:extLst>
+              <a:ext uri="{FF2B5EF4-FFF2-40B4-BE49-F238E27FC236}">
+                <a16:creationId xmlns:a16="http://schemas.microsoft.com/office/drawing/2014/main" id="{60A45B33-4349-4205-A596-A72ABD8F0A69}"/>
+              </a:ext>
+            </a:extLst>
+          </p:cNvPr>
+          <p:cNvSpPr>
+            <a:spLocks noGrp="1"/>
+          </p:cNvSpPr>
+          <p:nvPr>
+            <p:ph type="title"/>
+          </p:nvPr>
+        </p:nvSpPr>
+        <p:spPr>
+          <a:xfrm>
+            <a:off x="684212" y="4487332"/>
+            <a:ext cx="8534400" cy="1507067"/>
+          </a:xfrm>
+        </p:spPr>
+        <p:txBody>
+          <a:bodyPr/>
+          <a:lstStyle/>
+          <a:p>
+            <a:r>
+              <a:rPr lang="fr-FR"/>
+              <a:t>Sources</a:t>
+            </a:r>
+            <a:endParaRPr lang="en-GB" dirty="0"/>
+          </a:p>
+        </p:txBody>
+      </p:sp>
+      <p:sp>
+        <p:nvSpPr>
+          <p:cNvPr id="3" name="Espace réservé du contenu 2">
+            <a:extLst>
+              <a:ext uri="{FF2B5EF4-FFF2-40B4-BE49-F238E27FC236}">
+                <a16:creationId xmlns:a16="http://schemas.microsoft.com/office/drawing/2014/main" id="{825892DE-953F-4021-9EA2-14E93075BB41}"/>
+              </a:ext>
+            </a:extLst>
+          </p:cNvPr>
+          <p:cNvSpPr>
+            <a:spLocks noGrp="1"/>
+          </p:cNvSpPr>
+          <p:nvPr>
+            <p:ph idx="1"/>
+          </p:nvPr>
+        </p:nvSpPr>
+        <p:spPr>
+          <a:xfrm>
+            <a:off x="684212" y="685800"/>
+            <a:ext cx="8534400" cy="3615267"/>
+          </a:xfrm>
+        </p:spPr>
+        <p:txBody>
+          <a:bodyPr/>
+          <a:lstStyle/>
+          <a:p>
+            <a:r>
+              <a:rPr lang="fr-FR"/>
+              <a:t>Annexe prototype: </a:t>
+            </a:r>
+            <a:r>
+              <a:rPr lang="en-GB">
+                <a:hlinkClick r:id="rId2"/>
+              </a:rPr>
+              <a:t>https://www.draw.io/</a:t>
+            </a:r>
+            <a:endParaRPr lang="en-GB" dirty="0"/>
+          </a:p>
+        </p:txBody>
+      </p:sp>
+    </p:spTree>
+    <p:extLst>
+      <p:ext uri="{BB962C8B-B14F-4D97-AF65-F5344CB8AC3E}">
+        <p14:creationId xmlns:p14="http://schemas.microsoft.com/office/powerpoint/2010/main" val="1489863068"/>
+      </p:ext>
+    </p:extLst>
+  </p:cSld>
+  <p:clrMapOvr>
+    <a:masterClrMapping/>
+  </p:clrMapOvr>
+</p:sld>
+</file>
+
 <file path=ppt/slides/slide2.xml><?xml version="1.0" encoding="utf-8"?>
 <p:sld xmlns:a="http://schemas.openxmlformats.org/drawingml/2006/main" xmlns:r="http://schemas.openxmlformats.org/officeDocument/2006/relationships" xmlns:p="http://schemas.openxmlformats.org/presentationml/2006/main">
   <p:cSld>
@@ -13391,6 +13496,186 @@
 </file>
 
 <file path=ppt/slides/slide7.xml><?xml version="1.0" encoding="utf-8"?>
+<p:sld xmlns:a="http://schemas.openxmlformats.org/drawingml/2006/main" xmlns:r="http://schemas.openxmlformats.org/officeDocument/2006/relationships" xmlns:p="http://schemas.openxmlformats.org/presentationml/2006/main">
+  <p:cSld>
+    <p:spTree>
+      <p:nvGrpSpPr>
+        <p:cNvPr id="1" name=""/>
+        <p:cNvGrpSpPr/>
+        <p:nvPr/>
+      </p:nvGrpSpPr>
+      <p:grpSpPr>
+        <a:xfrm>
+          <a:off x="0" y="0"/>
+          <a:ext cx="0" cy="0"/>
+          <a:chOff x="0" y="0"/>
+          <a:chExt cx="0" cy="0"/>
+        </a:xfrm>
+      </p:grpSpPr>
+      <p:sp>
+        <p:nvSpPr>
+          <p:cNvPr id="2" name="Titre 1">
+            <a:extLst>
+              <a:ext uri="{FF2B5EF4-FFF2-40B4-BE49-F238E27FC236}">
+                <a16:creationId xmlns:a16="http://schemas.microsoft.com/office/drawing/2014/main" id="{50C2AE22-9CDD-4DF4-8855-8950B74A3C2C}"/>
+              </a:ext>
+            </a:extLst>
+          </p:cNvPr>
+          <p:cNvSpPr>
+            <a:spLocks noGrp="1"/>
+          </p:cNvSpPr>
+          <p:nvPr>
+            <p:ph type="title"/>
+          </p:nvPr>
+        </p:nvSpPr>
+        <p:spPr/>
+        <p:txBody>
+          <a:bodyPr/>
+          <a:lstStyle/>
+          <a:p>
+            <a:r>
+              <a:rPr lang="fr-FR" dirty="0"/>
+              <a:t>Future </a:t>
+            </a:r>
+            <a:r>
+              <a:rPr lang="fr-FR" dirty="0" err="1"/>
+              <a:t>work</a:t>
+            </a:r>
+            <a:endParaRPr lang="en-GB" dirty="0"/>
+          </a:p>
+        </p:txBody>
+      </p:sp>
+      <p:sp>
+        <p:nvSpPr>
+          <p:cNvPr id="3" name="Espace réservé du contenu 2">
+            <a:extLst>
+              <a:ext uri="{FF2B5EF4-FFF2-40B4-BE49-F238E27FC236}">
+                <a16:creationId xmlns:a16="http://schemas.microsoft.com/office/drawing/2014/main" id="{72E4D2C1-E7EB-4B25-A95A-5210D44CC2AA}"/>
+              </a:ext>
+            </a:extLst>
+          </p:cNvPr>
+          <p:cNvSpPr>
+            <a:spLocks noGrp="1"/>
+          </p:cNvSpPr>
+          <p:nvPr>
+            <p:ph idx="1"/>
+          </p:nvPr>
+        </p:nvSpPr>
+        <p:spPr/>
+        <p:txBody>
+          <a:bodyPr/>
+          <a:lstStyle/>
+          <a:p>
+            <a:r>
+              <a:rPr lang="fr-FR" dirty="0"/>
+              <a:t>Virtual assistant launch </a:t>
+            </a:r>
+            <a:r>
+              <a:rPr lang="fr-FR" dirty="0" err="1"/>
+              <a:t>every</a:t>
+            </a:r>
+            <a:r>
+              <a:rPr lang="fr-FR" dirty="0"/>
+              <a:t> time the computer </a:t>
+            </a:r>
+            <a:r>
+              <a:rPr lang="fr-FR" dirty="0" err="1"/>
+              <a:t>is</a:t>
+            </a:r>
+            <a:r>
+              <a:rPr lang="fr-FR" dirty="0"/>
+              <a:t> up</a:t>
+            </a:r>
+          </a:p>
+          <a:p>
+            <a:r>
+              <a:rPr lang="fr-FR" dirty="0" err="1"/>
+              <a:t>Generate</a:t>
+            </a:r>
+            <a:r>
+              <a:rPr lang="fr-FR" dirty="0"/>
+              <a:t> a </a:t>
+            </a:r>
+            <a:r>
+              <a:rPr lang="fr-FR" dirty="0" err="1"/>
+              <a:t>voice</a:t>
+            </a:r>
+            <a:r>
+              <a:rPr lang="fr-FR" dirty="0"/>
+              <a:t> for the </a:t>
+            </a:r>
+            <a:r>
+              <a:rPr lang="fr-FR" dirty="0" err="1"/>
+              <a:t>virtual</a:t>
+            </a:r>
+            <a:r>
+              <a:rPr lang="fr-FR" dirty="0"/>
+              <a:t> assistant to </a:t>
+            </a:r>
+            <a:r>
+              <a:rPr lang="fr-FR" dirty="0" err="1"/>
+              <a:t>communicate</a:t>
+            </a:r>
+            <a:r>
+              <a:rPr lang="fr-FR" dirty="0"/>
+              <a:t> </a:t>
+            </a:r>
+            <a:r>
+              <a:rPr lang="fr-FR" dirty="0" err="1"/>
+              <a:t>with</a:t>
+            </a:r>
+            <a:r>
+              <a:rPr lang="fr-FR" dirty="0"/>
+              <a:t> the user</a:t>
+            </a:r>
+          </a:p>
+          <a:p>
+            <a:r>
+              <a:rPr lang="fr-FR" dirty="0"/>
+              <a:t>Profiling </a:t>
+            </a:r>
+            <a:r>
+              <a:rPr lang="fr-FR" dirty="0" err="1"/>
+              <a:t>each</a:t>
+            </a:r>
+            <a:r>
+              <a:rPr lang="fr-FR" dirty="0"/>
+              <a:t> user </a:t>
+            </a:r>
+            <a:r>
+              <a:rPr lang="fr-FR" dirty="0" err="1"/>
+              <a:t>that</a:t>
+            </a:r>
+            <a:r>
+              <a:rPr lang="fr-FR" dirty="0"/>
+              <a:t> use the </a:t>
+            </a:r>
+            <a:r>
+              <a:rPr lang="fr-FR" dirty="0" err="1"/>
+              <a:t>virtual</a:t>
+            </a:r>
+            <a:r>
+              <a:rPr lang="fr-FR"/>
+              <a:t> assistant</a:t>
+            </a:r>
+            <a:endParaRPr lang="en-GB"/>
+          </a:p>
+        </p:txBody>
+      </p:sp>
+    </p:spTree>
+    <p:extLst>
+      <p:ext uri="{BB962C8B-B14F-4D97-AF65-F5344CB8AC3E}">
+        <p14:creationId xmlns:p14="http://schemas.microsoft.com/office/powerpoint/2010/main" val="4010460576"/>
+      </p:ext>
+    </p:extLst>
+  </p:cSld>
+  <p:clrMapOvr>
+    <a:masterClrMapping/>
+  </p:clrMapOvr>
+</p:sld>
+</file>
+
+<file path=ppt/slides/slide8.xml><?xml version="1.0" encoding="utf-8"?>
 <p:sld xmlns:a="http://schemas.openxmlformats.org/drawingml/2006/main" xmlns:r="http://schemas.openxmlformats.org/officeDocument/2006/relationships" xmlns:p="http://schemas.openxmlformats.org/presentationml/2006/main">
   <p:cSld>
     <p:spTree>
@@ -14143,7 +14428,7 @@
 </p:sld>
 </file>
 
-<file path=ppt/slides/slide8.xml><?xml version="1.0" encoding="utf-8"?>
+<file path=ppt/slides/slide9.xml><?xml version="1.0" encoding="utf-8"?>
 <p:sld xmlns:a="http://schemas.openxmlformats.org/drawingml/2006/main" xmlns:r="http://schemas.openxmlformats.org/officeDocument/2006/relationships" xmlns:p="http://schemas.openxmlformats.org/presentationml/2006/main">
   <p:cSld>
     <p:spTree>
@@ -14675,110 +14960,6 @@
     <p:extLst>
       <p:ext uri="{BB962C8B-B14F-4D97-AF65-F5344CB8AC3E}">
         <p14:creationId xmlns:p14="http://schemas.microsoft.com/office/powerpoint/2010/main" val="2112816624"/>
-      </p:ext>
-    </p:extLst>
-  </p:cSld>
-  <p:clrMapOvr>
-    <a:masterClrMapping/>
-  </p:clrMapOvr>
-</p:sld>
-</file>
-
-<file path=ppt/slides/slide9.xml><?xml version="1.0" encoding="utf-8"?>
-<p:sld xmlns:a="http://schemas.openxmlformats.org/drawingml/2006/main" xmlns:r="http://schemas.openxmlformats.org/officeDocument/2006/relationships" xmlns:p="http://schemas.openxmlformats.org/presentationml/2006/main">
-  <p:cSld>
-    <p:spTree>
-      <p:nvGrpSpPr>
-        <p:cNvPr id="1" name=""/>
-        <p:cNvGrpSpPr/>
-        <p:nvPr/>
-      </p:nvGrpSpPr>
-      <p:grpSpPr>
-        <a:xfrm>
-          <a:off x="0" y="0"/>
-          <a:ext cx="0" cy="0"/>
-          <a:chOff x="0" y="0"/>
-          <a:chExt cx="0" cy="0"/>
-        </a:xfrm>
-      </p:grpSpPr>
-      <p:sp>
-        <p:nvSpPr>
-          <p:cNvPr id="2" name="Titre 1">
-            <a:extLst>
-              <a:ext uri="{FF2B5EF4-FFF2-40B4-BE49-F238E27FC236}">
-                <a16:creationId xmlns:a16="http://schemas.microsoft.com/office/drawing/2014/main" id="{60A45B33-4349-4205-A596-A72ABD8F0A69}"/>
-              </a:ext>
-            </a:extLst>
-          </p:cNvPr>
-          <p:cNvSpPr>
-            <a:spLocks noGrp="1"/>
-          </p:cNvSpPr>
-          <p:nvPr>
-            <p:ph type="title"/>
-          </p:nvPr>
-        </p:nvSpPr>
-        <p:spPr>
-          <a:xfrm>
-            <a:off x="684212" y="4487332"/>
-            <a:ext cx="8534400" cy="1507067"/>
-          </a:xfrm>
-        </p:spPr>
-        <p:txBody>
-          <a:bodyPr/>
-          <a:lstStyle/>
-          <a:p>
-            <a:r>
-              <a:rPr lang="fr-FR"/>
-              <a:t>Sources</a:t>
-            </a:r>
-            <a:endParaRPr lang="en-GB" dirty="0"/>
-          </a:p>
-        </p:txBody>
-      </p:sp>
-      <p:sp>
-        <p:nvSpPr>
-          <p:cNvPr id="3" name="Espace réservé du contenu 2">
-            <a:extLst>
-              <a:ext uri="{FF2B5EF4-FFF2-40B4-BE49-F238E27FC236}">
-                <a16:creationId xmlns:a16="http://schemas.microsoft.com/office/drawing/2014/main" id="{825892DE-953F-4021-9EA2-14E93075BB41}"/>
-              </a:ext>
-            </a:extLst>
-          </p:cNvPr>
-          <p:cNvSpPr>
-            <a:spLocks noGrp="1"/>
-          </p:cNvSpPr>
-          <p:nvPr>
-            <p:ph idx="1"/>
-          </p:nvPr>
-        </p:nvSpPr>
-        <p:spPr>
-          <a:xfrm>
-            <a:off x="684212" y="685800"/>
-            <a:ext cx="8534400" cy="3615267"/>
-          </a:xfrm>
-        </p:spPr>
-        <p:txBody>
-          <a:bodyPr/>
-          <a:lstStyle/>
-          <a:p>
-            <a:r>
-              <a:rPr lang="fr-FR"/>
-              <a:t>Annexe prototype: </a:t>
-            </a:r>
-            <a:r>
-              <a:rPr lang="en-GB">
-                <a:hlinkClick r:id="rId2"/>
-              </a:rPr>
-              <a:t>https://www.draw.io/</a:t>
-            </a:r>
-            <a:endParaRPr lang="en-GB" dirty="0"/>
-          </a:p>
-        </p:txBody>
-      </p:sp>
-    </p:spTree>
-    <p:extLst>
-      <p:ext uri="{BB962C8B-B14F-4D97-AF65-F5344CB8AC3E}">
-        <p14:creationId xmlns:p14="http://schemas.microsoft.com/office/powerpoint/2010/main" val="1489863068"/>
       </p:ext>
     </p:extLst>
   </p:cSld>

--- a/SAI_presentation.pptx
+++ b/SAI_presentation.pptx
@@ -7,14 +7,15 @@
   <p:sldIdLst>
     <p:sldId id="256" r:id="rId2"/>
     <p:sldId id="257" r:id="rId3"/>
-    <p:sldId id="258" r:id="rId4"/>
-    <p:sldId id="259" r:id="rId5"/>
-    <p:sldId id="260" r:id="rId6"/>
-    <p:sldId id="261" r:id="rId7"/>
-    <p:sldId id="265" r:id="rId8"/>
-    <p:sldId id="262" r:id="rId9"/>
-    <p:sldId id="264" r:id="rId10"/>
-    <p:sldId id="263" r:id="rId11"/>
+    <p:sldId id="266" r:id="rId4"/>
+    <p:sldId id="258" r:id="rId5"/>
+    <p:sldId id="259" r:id="rId6"/>
+    <p:sldId id="260" r:id="rId7"/>
+    <p:sldId id="261" r:id="rId8"/>
+    <p:sldId id="265" r:id="rId9"/>
+    <p:sldId id="262" r:id="rId10"/>
+    <p:sldId id="264" r:id="rId11"/>
+    <p:sldId id="263" r:id="rId12"/>
   </p:sldIdLst>
   <p:sldSz cx="12192000" cy="6858000"/>
   <p:notesSz cx="6858000" cy="9144000"/>
@@ -12035,6 +12036,547 @@
           <p:cNvPr id="2" name="Titre 1">
             <a:extLst>
               <a:ext uri="{FF2B5EF4-FFF2-40B4-BE49-F238E27FC236}">
+                <a16:creationId xmlns:a16="http://schemas.microsoft.com/office/drawing/2014/main" id="{C3A47323-C1D5-4FF9-968A-64ABFA3C1E18}"/>
+              </a:ext>
+            </a:extLst>
+          </p:cNvPr>
+          <p:cNvSpPr>
+            <a:spLocks noGrp="1"/>
+          </p:cNvSpPr>
+          <p:nvPr>
+            <p:ph type="title"/>
+          </p:nvPr>
+        </p:nvSpPr>
+        <p:spPr/>
+        <p:txBody>
+          <a:bodyPr/>
+          <a:lstStyle/>
+          <a:p>
+            <a:r>
+              <a:rPr lang="fr-FR" dirty="0"/>
+              <a:t>Annexe</a:t>
+            </a:r>
+            <a:endParaRPr lang="en-GB" dirty="0"/>
+          </a:p>
+        </p:txBody>
+      </p:sp>
+      <p:pic>
+        <p:nvPicPr>
+          <p:cNvPr id="16" name="Espace réservé du contenu 15">
+            <a:extLst>
+              <a:ext uri="{FF2B5EF4-FFF2-40B4-BE49-F238E27FC236}">
+                <a16:creationId xmlns:a16="http://schemas.microsoft.com/office/drawing/2014/main" id="{B2C4B2A4-24E6-4EA7-8EF4-F1B0389A247E}"/>
+              </a:ext>
+            </a:extLst>
+          </p:cNvPr>
+          <p:cNvPicPr>
+            <a:picLocks noGrp="1" noChangeAspect="1"/>
+          </p:cNvPicPr>
+          <p:nvPr>
+            <p:ph idx="1"/>
+          </p:nvPr>
+        </p:nvPicPr>
+        <p:blipFill>
+          <a:blip r:embed="rId2"/>
+          <a:stretch>
+            <a:fillRect/>
+          </a:stretch>
+        </p:blipFill>
+        <p:spPr>
+          <a:xfrm>
+            <a:off x="7839108" y="2560399"/>
+            <a:ext cx="1314450" cy="600075"/>
+          </a:xfrm>
+          <a:prstGeom prst="rect">
+            <a:avLst/>
+          </a:prstGeom>
+        </p:spPr>
+      </p:pic>
+      <p:sp>
+        <p:nvSpPr>
+          <p:cNvPr id="4" name="ZoneTexte 3">
+            <a:extLst>
+              <a:ext uri="{FF2B5EF4-FFF2-40B4-BE49-F238E27FC236}">
+                <a16:creationId xmlns:a16="http://schemas.microsoft.com/office/drawing/2014/main" id="{308043D7-F2FD-4D07-9420-385AA37319FD}"/>
+              </a:ext>
+            </a:extLst>
+          </p:cNvPr>
+          <p:cNvSpPr txBox="1"/>
+          <p:nvPr/>
+        </p:nvSpPr>
+        <p:spPr>
+          <a:xfrm>
+            <a:off x="499481" y="348122"/>
+            <a:ext cx="1754006" cy="369332"/>
+          </a:xfrm>
+          <a:prstGeom prst="rect">
+            <a:avLst/>
+          </a:prstGeom>
+          <a:noFill/>
+        </p:spPr>
+        <p:txBody>
+          <a:bodyPr wrap="none" rtlCol="0">
+            <a:spAutoFit/>
+          </a:bodyPr>
+          <a:lstStyle/>
+          <a:p>
+            <a:r>
+              <a:rPr lang="fr-FR" dirty="0"/>
+              <a:t>The prototype</a:t>
+            </a:r>
+            <a:endParaRPr lang="en-GB" dirty="0"/>
+          </a:p>
+        </p:txBody>
+      </p:sp>
+      <p:cxnSp>
+        <p:nvCxnSpPr>
+          <p:cNvPr id="5" name="Connecteur droit avec flèche 4">
+            <a:extLst>
+              <a:ext uri="{FF2B5EF4-FFF2-40B4-BE49-F238E27FC236}">
+                <a16:creationId xmlns:a16="http://schemas.microsoft.com/office/drawing/2014/main" id="{76B2BD43-8A32-4F05-90EE-F4CBE6F6B3AC}"/>
+              </a:ext>
+            </a:extLst>
+          </p:cNvPr>
+          <p:cNvCxnSpPr>
+            <a:cxnSpLocks/>
+          </p:cNvCxnSpPr>
+          <p:nvPr/>
+        </p:nvCxnSpPr>
+        <p:spPr>
+          <a:xfrm>
+            <a:off x="6384258" y="989988"/>
+            <a:ext cx="1526233" cy="1340211"/>
+          </a:xfrm>
+          <a:prstGeom prst="straightConnector1">
+            <a:avLst/>
+          </a:prstGeom>
+          <a:ln w="76200">
+            <a:solidFill>
+              <a:schemeClr val="accent1">
+                <a:lumMod val="60000"/>
+                <a:lumOff val="40000"/>
+                <a:alpha val="60000"/>
+              </a:schemeClr>
+            </a:solidFill>
+            <a:tailEnd type="triangle"/>
+          </a:ln>
+        </p:spPr>
+        <p:style>
+          <a:lnRef idx="1">
+            <a:schemeClr val="accent1"/>
+          </a:lnRef>
+          <a:fillRef idx="0">
+            <a:schemeClr val="accent1"/>
+          </a:fillRef>
+          <a:effectRef idx="0">
+            <a:schemeClr val="accent1"/>
+          </a:effectRef>
+          <a:fontRef idx="minor">
+            <a:schemeClr val="tx1"/>
+          </a:fontRef>
+        </p:style>
+      </p:cxnSp>
+      <p:cxnSp>
+        <p:nvCxnSpPr>
+          <p:cNvPr id="6" name="Connecteur droit avec flèche 5">
+            <a:extLst>
+              <a:ext uri="{FF2B5EF4-FFF2-40B4-BE49-F238E27FC236}">
+                <a16:creationId xmlns:a16="http://schemas.microsoft.com/office/drawing/2014/main" id="{4FB2FE4C-19EC-481B-8A75-3B52BCC715A8}"/>
+              </a:ext>
+            </a:extLst>
+          </p:cNvPr>
+          <p:cNvCxnSpPr>
+            <a:cxnSpLocks/>
+          </p:cNvCxnSpPr>
+          <p:nvPr/>
+        </p:nvCxnSpPr>
+        <p:spPr>
+          <a:xfrm>
+            <a:off x="5678751" y="1145219"/>
+            <a:ext cx="0" cy="1606626"/>
+          </a:xfrm>
+          <a:prstGeom prst="straightConnector1">
+            <a:avLst/>
+          </a:prstGeom>
+          <a:ln w="76200">
+            <a:solidFill>
+              <a:schemeClr val="accent1">
+                <a:lumMod val="60000"/>
+                <a:lumOff val="40000"/>
+                <a:alpha val="60000"/>
+              </a:schemeClr>
+            </a:solidFill>
+            <a:tailEnd type="triangle"/>
+          </a:ln>
+        </p:spPr>
+        <p:style>
+          <a:lnRef idx="1">
+            <a:schemeClr val="accent1"/>
+          </a:lnRef>
+          <a:fillRef idx="0">
+            <a:schemeClr val="accent1"/>
+          </a:fillRef>
+          <a:effectRef idx="0">
+            <a:schemeClr val="accent1"/>
+          </a:effectRef>
+          <a:fontRef idx="minor">
+            <a:schemeClr val="tx1"/>
+          </a:fontRef>
+        </p:style>
+      </p:cxnSp>
+      <p:cxnSp>
+        <p:nvCxnSpPr>
+          <p:cNvPr id="7" name="Connecteur droit avec flèche 6">
+            <a:extLst>
+              <a:ext uri="{FF2B5EF4-FFF2-40B4-BE49-F238E27FC236}">
+                <a16:creationId xmlns:a16="http://schemas.microsoft.com/office/drawing/2014/main" id="{5B6CFAE7-3CE4-4665-8A62-A74E96029C14}"/>
+              </a:ext>
+            </a:extLst>
+          </p:cNvPr>
+          <p:cNvCxnSpPr>
+            <a:cxnSpLocks/>
+          </p:cNvCxnSpPr>
+          <p:nvPr/>
+        </p:nvCxnSpPr>
+        <p:spPr>
+          <a:xfrm flipH="1">
+            <a:off x="3426782" y="989988"/>
+            <a:ext cx="1617845" cy="1380680"/>
+          </a:xfrm>
+          <a:prstGeom prst="straightConnector1">
+            <a:avLst/>
+          </a:prstGeom>
+          <a:ln w="76200">
+            <a:solidFill>
+              <a:schemeClr val="accent1">
+                <a:lumMod val="60000"/>
+                <a:lumOff val="40000"/>
+                <a:alpha val="60000"/>
+              </a:schemeClr>
+            </a:solidFill>
+            <a:tailEnd type="triangle"/>
+          </a:ln>
+        </p:spPr>
+        <p:style>
+          <a:lnRef idx="1">
+            <a:schemeClr val="accent1"/>
+          </a:lnRef>
+          <a:fillRef idx="0">
+            <a:schemeClr val="accent1"/>
+          </a:fillRef>
+          <a:effectRef idx="0">
+            <a:schemeClr val="accent1"/>
+          </a:effectRef>
+          <a:fontRef idx="minor">
+            <a:schemeClr val="tx1"/>
+          </a:fontRef>
+        </p:style>
+      </p:cxnSp>
+      <p:sp>
+        <p:nvSpPr>
+          <p:cNvPr id="8" name="ZoneTexte 7">
+            <a:extLst>
+              <a:ext uri="{FF2B5EF4-FFF2-40B4-BE49-F238E27FC236}">
+                <a16:creationId xmlns:a16="http://schemas.microsoft.com/office/drawing/2014/main" id="{9035EBA5-A191-4017-9BC3-68668EEEC5A6}"/>
+              </a:ext>
+            </a:extLst>
+          </p:cNvPr>
+          <p:cNvSpPr txBox="1"/>
+          <p:nvPr/>
+        </p:nvSpPr>
+        <p:spPr>
+          <a:xfrm>
+            <a:off x="2077435" y="3279624"/>
+            <a:ext cx="928459" cy="369332"/>
+          </a:xfrm>
+          <a:prstGeom prst="rect">
+            <a:avLst/>
+          </a:prstGeom>
+          <a:noFill/>
+        </p:spPr>
+        <p:txBody>
+          <a:bodyPr wrap="none" rtlCol="0">
+            <a:spAutoFit/>
+          </a:bodyPr>
+          <a:lstStyle/>
+          <a:p>
+            <a:r>
+              <a:rPr lang="fr-FR" b="1" dirty="0">
+                <a:solidFill>
+                  <a:schemeClr val="bg1"/>
+                </a:solidFill>
+                <a:latin typeface="Times New Roman" panose="02020603050405020304" pitchFamily="18" charset="0"/>
+                <a:cs typeface="Times New Roman" panose="02020603050405020304" pitchFamily="18" charset="0"/>
+              </a:rPr>
+              <a:t>Actions</a:t>
+            </a:r>
+            <a:endParaRPr lang="en-GB" b="1" dirty="0">
+              <a:solidFill>
+                <a:schemeClr val="bg1"/>
+              </a:solidFill>
+              <a:latin typeface="Times New Roman" panose="02020603050405020304" pitchFamily="18" charset="0"/>
+              <a:cs typeface="Times New Roman" panose="02020603050405020304" pitchFamily="18" charset="0"/>
+            </a:endParaRPr>
+          </a:p>
+        </p:txBody>
+      </p:sp>
+      <p:sp>
+        <p:nvSpPr>
+          <p:cNvPr id="9" name="ZoneTexte 8">
+            <a:extLst>
+              <a:ext uri="{FF2B5EF4-FFF2-40B4-BE49-F238E27FC236}">
+                <a16:creationId xmlns:a16="http://schemas.microsoft.com/office/drawing/2014/main" id="{BC7F6B83-CFA6-428A-9163-505D9408D6D0}"/>
+              </a:ext>
+            </a:extLst>
+          </p:cNvPr>
+          <p:cNvSpPr txBox="1"/>
+          <p:nvPr/>
+        </p:nvSpPr>
+        <p:spPr>
+          <a:xfrm>
+            <a:off x="5221551" y="4030132"/>
+            <a:ext cx="941283" cy="369332"/>
+          </a:xfrm>
+          <a:prstGeom prst="rect">
+            <a:avLst/>
+          </a:prstGeom>
+          <a:noFill/>
+        </p:spPr>
+        <p:txBody>
+          <a:bodyPr wrap="none" rtlCol="0">
+            <a:spAutoFit/>
+          </a:bodyPr>
+          <a:lstStyle/>
+          <a:p>
+            <a:r>
+              <a:rPr lang="fr-FR" b="1" dirty="0" err="1">
+                <a:solidFill>
+                  <a:srgbClr val="92D050"/>
+                </a:solidFill>
+                <a:latin typeface="Times New Roman" panose="02020603050405020304" pitchFamily="18" charset="0"/>
+                <a:cs typeface="Times New Roman" panose="02020603050405020304" pitchFamily="18" charset="0"/>
+              </a:rPr>
+              <a:t>Sensors</a:t>
+            </a:r>
+            <a:endParaRPr lang="en-GB" b="1" dirty="0">
+              <a:solidFill>
+                <a:srgbClr val="92D050"/>
+              </a:solidFill>
+              <a:latin typeface="Times New Roman" panose="02020603050405020304" pitchFamily="18" charset="0"/>
+              <a:cs typeface="Times New Roman" panose="02020603050405020304" pitchFamily="18" charset="0"/>
+            </a:endParaRPr>
+          </a:p>
+        </p:txBody>
+      </p:sp>
+      <p:sp>
+        <p:nvSpPr>
+          <p:cNvPr id="10" name="ZoneTexte 9">
+            <a:extLst>
+              <a:ext uri="{FF2B5EF4-FFF2-40B4-BE49-F238E27FC236}">
+                <a16:creationId xmlns:a16="http://schemas.microsoft.com/office/drawing/2014/main" id="{9A0D750E-6B64-4F6A-9699-6D981AE0E69F}"/>
+              </a:ext>
+            </a:extLst>
+          </p:cNvPr>
+          <p:cNvSpPr txBox="1"/>
+          <p:nvPr/>
+        </p:nvSpPr>
+        <p:spPr>
+          <a:xfrm>
+            <a:off x="8239377" y="3279624"/>
+            <a:ext cx="1270541" cy="369332"/>
+          </a:xfrm>
+          <a:prstGeom prst="rect">
+            <a:avLst/>
+          </a:prstGeom>
+          <a:noFill/>
+        </p:spPr>
+        <p:txBody>
+          <a:bodyPr wrap="none" rtlCol="0">
+            <a:spAutoFit/>
+          </a:bodyPr>
+          <a:lstStyle/>
+          <a:p>
+            <a:r>
+              <a:rPr lang="fr-FR" b="1" dirty="0">
+                <a:solidFill>
+                  <a:schemeClr val="accent6">
+                    <a:lumMod val="40000"/>
+                    <a:lumOff val="60000"/>
+                  </a:schemeClr>
+                </a:solidFill>
+                <a:latin typeface="Times New Roman" panose="02020603050405020304" pitchFamily="18" charset="0"/>
+                <a:cs typeface="Times New Roman" panose="02020603050405020304" pitchFamily="18" charset="0"/>
+              </a:rPr>
+              <a:t>Ressources</a:t>
+            </a:r>
+            <a:endParaRPr lang="en-GB" b="1" dirty="0">
+              <a:solidFill>
+                <a:schemeClr val="accent6">
+                  <a:lumMod val="40000"/>
+                  <a:lumOff val="60000"/>
+                </a:schemeClr>
+              </a:solidFill>
+              <a:latin typeface="Times New Roman" panose="02020603050405020304" pitchFamily="18" charset="0"/>
+              <a:cs typeface="Times New Roman" panose="02020603050405020304" pitchFamily="18" charset="0"/>
+            </a:endParaRPr>
+          </a:p>
+        </p:txBody>
+      </p:sp>
+      <p:pic>
+        <p:nvPicPr>
+          <p:cNvPr id="12" name="Image 11">
+            <a:extLst>
+              <a:ext uri="{FF2B5EF4-FFF2-40B4-BE49-F238E27FC236}">
+                <a16:creationId xmlns:a16="http://schemas.microsoft.com/office/drawing/2014/main" id="{460BFFBA-E30E-4BA2-B5A0-8B77D3024A79}"/>
+              </a:ext>
+            </a:extLst>
+          </p:cNvPr>
+          <p:cNvPicPr>
+            <a:picLocks noChangeAspect="1"/>
+          </p:cNvPicPr>
+          <p:nvPr/>
+        </p:nvPicPr>
+        <p:blipFill>
+          <a:blip r:embed="rId3"/>
+          <a:stretch>
+            <a:fillRect/>
+          </a:stretch>
+        </p:blipFill>
+        <p:spPr>
+          <a:xfrm>
+            <a:off x="4979375" y="218769"/>
+            <a:ext cx="1333500" cy="619125"/>
+          </a:xfrm>
+          <a:prstGeom prst="rect">
+            <a:avLst/>
+          </a:prstGeom>
+        </p:spPr>
+      </p:pic>
+      <p:pic>
+        <p:nvPicPr>
+          <p:cNvPr id="13" name="Image 12">
+            <a:extLst>
+              <a:ext uri="{FF2B5EF4-FFF2-40B4-BE49-F238E27FC236}">
+                <a16:creationId xmlns:a16="http://schemas.microsoft.com/office/drawing/2014/main" id="{26956F3D-9551-4FC1-8071-92FE32D0ABE2}"/>
+              </a:ext>
+            </a:extLst>
+          </p:cNvPr>
+          <p:cNvPicPr>
+            <a:picLocks noChangeAspect="1"/>
+          </p:cNvPicPr>
+          <p:nvPr/>
+        </p:nvPicPr>
+        <p:blipFill>
+          <a:blip r:embed="rId4"/>
+          <a:stretch>
+            <a:fillRect/>
+          </a:stretch>
+        </p:blipFill>
+        <p:spPr>
+          <a:xfrm>
+            <a:off x="2102807" y="2514600"/>
+            <a:ext cx="1323975" cy="609600"/>
+          </a:xfrm>
+          <a:prstGeom prst="rect">
+            <a:avLst/>
+          </a:prstGeom>
+        </p:spPr>
+      </p:pic>
+      <p:pic>
+        <p:nvPicPr>
+          <p:cNvPr id="15" name="Image 14">
+            <a:extLst>
+              <a:ext uri="{FF2B5EF4-FFF2-40B4-BE49-F238E27FC236}">
+                <a16:creationId xmlns:a16="http://schemas.microsoft.com/office/drawing/2014/main" id="{492195D9-84DC-4159-939B-CED361C5BBCD}"/>
+              </a:ext>
+            </a:extLst>
+          </p:cNvPr>
+          <p:cNvPicPr>
+            <a:picLocks noChangeAspect="1"/>
+          </p:cNvPicPr>
+          <p:nvPr/>
+        </p:nvPicPr>
+        <p:blipFill>
+          <a:blip r:embed="rId5"/>
+          <a:stretch>
+            <a:fillRect/>
+          </a:stretch>
+        </p:blipFill>
+        <p:spPr>
+          <a:xfrm>
+            <a:off x="4235704" y="3279623"/>
+            <a:ext cx="1314450" cy="600075"/>
+          </a:xfrm>
+          <a:prstGeom prst="rect">
+            <a:avLst/>
+          </a:prstGeom>
+        </p:spPr>
+      </p:pic>
+      <p:pic>
+        <p:nvPicPr>
+          <p:cNvPr id="3" name="Image 2">
+            <a:extLst>
+              <a:ext uri="{FF2B5EF4-FFF2-40B4-BE49-F238E27FC236}">
+                <a16:creationId xmlns:a16="http://schemas.microsoft.com/office/drawing/2014/main" id="{4D792693-4505-4101-BD7F-57D56B4C40E6}"/>
+              </a:ext>
+            </a:extLst>
+          </p:cNvPr>
+          <p:cNvPicPr>
+            <a:picLocks noChangeAspect="1"/>
+          </p:cNvPicPr>
+          <p:nvPr/>
+        </p:nvPicPr>
+        <p:blipFill>
+          <a:blip r:embed="rId6"/>
+          <a:stretch>
+            <a:fillRect/>
+          </a:stretch>
+        </p:blipFill>
+        <p:spPr>
+          <a:xfrm>
+            <a:off x="5832925" y="3279624"/>
+            <a:ext cx="1314450" cy="600075"/>
+          </a:xfrm>
+          <a:prstGeom prst="rect">
+            <a:avLst/>
+          </a:prstGeom>
+        </p:spPr>
+      </p:pic>
+    </p:spTree>
+    <p:extLst>
+      <p:ext uri="{BB962C8B-B14F-4D97-AF65-F5344CB8AC3E}">
+        <p14:creationId xmlns:p14="http://schemas.microsoft.com/office/powerpoint/2010/main" val="2112816624"/>
+      </p:ext>
+    </p:extLst>
+  </p:cSld>
+  <p:clrMapOvr>
+    <a:masterClrMapping/>
+  </p:clrMapOvr>
+</p:sld>
+</file>
+
+<file path=ppt/slides/slide11.xml><?xml version="1.0" encoding="utf-8"?>
+<p:sld xmlns:a="http://schemas.openxmlformats.org/drawingml/2006/main" xmlns:r="http://schemas.openxmlformats.org/officeDocument/2006/relationships" xmlns:p="http://schemas.openxmlformats.org/presentationml/2006/main">
+  <p:cSld>
+    <p:spTree>
+      <p:nvGrpSpPr>
+        <p:cNvPr id="1" name=""/>
+        <p:cNvGrpSpPr/>
+        <p:nvPr/>
+      </p:nvGrpSpPr>
+      <p:grpSpPr>
+        <a:xfrm>
+          <a:off x="0" y="0"/>
+          <a:ext cx="0" cy="0"/>
+          <a:chOff x="0" y="0"/>
+          <a:chExt cx="0" cy="0"/>
+        </a:xfrm>
+      </p:grpSpPr>
+      <p:sp>
+        <p:nvSpPr>
+          <p:cNvPr id="2" name="Titre 1">
+            <a:extLst>
+              <a:ext uri="{FF2B5EF4-FFF2-40B4-BE49-F238E27FC236}">
                 <a16:creationId xmlns:a16="http://schemas.microsoft.com/office/drawing/2014/main" id="{60A45B33-4349-4205-A596-A72ABD8F0A69}"/>
               </a:ext>
             </a:extLst>
@@ -12683,6 +13225,109 @@
 <file path=ppt/slides/slide3.xml><?xml version="1.0" encoding="utf-8"?>
 <p:sld xmlns:a="http://schemas.openxmlformats.org/drawingml/2006/main" xmlns:r="http://schemas.openxmlformats.org/officeDocument/2006/relationships" xmlns:p="http://schemas.openxmlformats.org/presentationml/2006/main">
   <p:cSld>
+    <p:spTree>
+      <p:nvGrpSpPr>
+        <p:cNvPr id="1" name=""/>
+        <p:cNvGrpSpPr/>
+        <p:nvPr/>
+      </p:nvGrpSpPr>
+      <p:grpSpPr>
+        <a:xfrm>
+          <a:off x="0" y="0"/>
+          <a:ext cx="0" cy="0"/>
+          <a:chOff x="0" y="0"/>
+          <a:chExt cx="0" cy="0"/>
+        </a:xfrm>
+      </p:grpSpPr>
+      <p:sp>
+        <p:nvSpPr>
+          <p:cNvPr id="2" name="Titre 1">
+            <a:extLst>
+              <a:ext uri="{FF2B5EF4-FFF2-40B4-BE49-F238E27FC236}">
+                <a16:creationId xmlns:a16="http://schemas.microsoft.com/office/drawing/2014/main" id="{04581F43-D57A-4533-9B0C-D102DDD60DE2}"/>
+              </a:ext>
+            </a:extLst>
+          </p:cNvPr>
+          <p:cNvSpPr>
+            <a:spLocks noGrp="1"/>
+          </p:cNvSpPr>
+          <p:nvPr>
+            <p:ph type="title"/>
+          </p:nvPr>
+        </p:nvSpPr>
+        <p:spPr/>
+        <p:txBody>
+          <a:bodyPr/>
+          <a:lstStyle/>
+          <a:p>
+            <a:r>
+              <a:rPr lang="fr-FR" dirty="0"/>
+              <a:t>Weak IA and Strong IA</a:t>
+            </a:r>
+            <a:endParaRPr lang="en-GB" dirty="0"/>
+          </a:p>
+        </p:txBody>
+      </p:sp>
+      <p:sp>
+        <p:nvSpPr>
+          <p:cNvPr id="3" name="Espace réservé du contenu 2">
+            <a:extLst>
+              <a:ext uri="{FF2B5EF4-FFF2-40B4-BE49-F238E27FC236}">
+                <a16:creationId xmlns:a16="http://schemas.microsoft.com/office/drawing/2014/main" id="{99D4B22A-53DB-4023-B6F3-71D686A8F429}"/>
+              </a:ext>
+            </a:extLst>
+          </p:cNvPr>
+          <p:cNvSpPr>
+            <a:spLocks noGrp="1"/>
+          </p:cNvSpPr>
+          <p:nvPr>
+            <p:ph idx="1"/>
+          </p:nvPr>
+        </p:nvSpPr>
+        <p:spPr/>
+        <p:txBody>
+          <a:bodyPr/>
+          <a:lstStyle/>
+          <a:p>
+            <a:r>
+              <a:rPr lang="fr-FR" dirty="0"/>
+              <a:t>Use </a:t>
+            </a:r>
+            <a:r>
+              <a:rPr lang="fr-FR" dirty="0" err="1"/>
+              <a:t>definitions</a:t>
+            </a:r>
+            <a:endParaRPr lang="fr-FR" dirty="0"/>
+          </a:p>
+          <a:p>
+            <a:r>
+              <a:rPr lang="fr-FR" dirty="0"/>
+              <a:t>Use </a:t>
+            </a:r>
+            <a:r>
+              <a:rPr lang="fr-FR"/>
+              <a:t>schemas</a:t>
+            </a:r>
+            <a:endParaRPr lang="en-GB" dirty="0"/>
+          </a:p>
+        </p:txBody>
+      </p:sp>
+    </p:spTree>
+    <p:extLst>
+      <p:ext uri="{BB962C8B-B14F-4D97-AF65-F5344CB8AC3E}">
+        <p14:creationId xmlns:p14="http://schemas.microsoft.com/office/powerpoint/2010/main" val="4060382238"/>
+      </p:ext>
+    </p:extLst>
+  </p:cSld>
+  <p:clrMapOvr>
+    <a:masterClrMapping/>
+  </p:clrMapOvr>
+</p:sld>
+</file>
+
+<file path=ppt/slides/slide4.xml><?xml version="1.0" encoding="utf-8"?>
+<p:sld xmlns:a="http://schemas.openxmlformats.org/drawingml/2006/main" xmlns:r="http://schemas.openxmlformats.org/officeDocument/2006/relationships" xmlns:p="http://schemas.openxmlformats.org/presentationml/2006/main">
+  <p:cSld>
     <p:bg>
       <p:bgPr>
         <a:gradFill rotWithShape="1">
@@ -12982,7 +13627,7 @@
 </p:sld>
 </file>
 
-<file path=ppt/slides/slide4.xml><?xml version="1.0" encoding="utf-8"?>
+<file path=ppt/slides/slide5.xml><?xml version="1.0" encoding="utf-8"?>
 <p:sld xmlns:a="http://schemas.openxmlformats.org/drawingml/2006/main" xmlns:r="http://schemas.openxmlformats.org/officeDocument/2006/relationships" xmlns:p="http://schemas.openxmlformats.org/presentationml/2006/main">
   <p:cSld>
     <p:bg>
@@ -13279,7 +13924,7 @@
 </p:sld>
 </file>
 
-<file path=ppt/slides/slide5.xml><?xml version="1.0" encoding="utf-8"?>
+<file path=ppt/slides/slide6.xml><?xml version="1.0" encoding="utf-8"?>
 <p:sld xmlns:a="http://schemas.openxmlformats.org/drawingml/2006/main" xmlns:r="http://schemas.openxmlformats.org/officeDocument/2006/relationships" xmlns:p="http://schemas.openxmlformats.org/presentationml/2006/main">
   <p:cSld>
     <p:spTree>
@@ -13373,7 +14018,7 @@
 </p:sld>
 </file>
 
-<file path=ppt/slides/slide6.xml><?xml version="1.0" encoding="utf-8"?>
+<file path=ppt/slides/slide7.xml><?xml version="1.0" encoding="utf-8"?>
 <p:sld xmlns:a="http://schemas.openxmlformats.org/drawingml/2006/main" xmlns:r="http://schemas.openxmlformats.org/officeDocument/2006/relationships" xmlns:p="http://schemas.openxmlformats.org/presentationml/2006/main">
   <p:cSld>
     <p:bg>
@@ -13495,7 +14140,7 @@
 </p:sld>
 </file>
 
-<file path=ppt/slides/slide7.xml><?xml version="1.0" encoding="utf-8"?>
+<file path=ppt/slides/slide8.xml><?xml version="1.0" encoding="utf-8"?>
 <p:sld xmlns:a="http://schemas.openxmlformats.org/drawingml/2006/main" xmlns:r="http://schemas.openxmlformats.org/officeDocument/2006/relationships" xmlns:p="http://schemas.openxmlformats.org/presentationml/2006/main">
   <p:cSld>
     <p:spTree>
@@ -13675,7 +14320,7 @@
 </p:sld>
 </file>
 
-<file path=ppt/slides/slide8.xml><?xml version="1.0" encoding="utf-8"?>
+<file path=ppt/slides/slide9.xml><?xml version="1.0" encoding="utf-8"?>
 <p:sld xmlns:a="http://schemas.openxmlformats.org/drawingml/2006/main" xmlns:r="http://schemas.openxmlformats.org/officeDocument/2006/relationships" xmlns:p="http://schemas.openxmlformats.org/presentationml/2006/main">
   <p:cSld>
     <p:spTree>
@@ -14428,547 +15073,6 @@
 </p:sld>
 </file>
 
-<file path=ppt/slides/slide9.xml><?xml version="1.0" encoding="utf-8"?>
-<p:sld xmlns:a="http://schemas.openxmlformats.org/drawingml/2006/main" xmlns:r="http://schemas.openxmlformats.org/officeDocument/2006/relationships" xmlns:p="http://schemas.openxmlformats.org/presentationml/2006/main">
-  <p:cSld>
-    <p:spTree>
-      <p:nvGrpSpPr>
-        <p:cNvPr id="1" name=""/>
-        <p:cNvGrpSpPr/>
-        <p:nvPr/>
-      </p:nvGrpSpPr>
-      <p:grpSpPr>
-        <a:xfrm>
-          <a:off x="0" y="0"/>
-          <a:ext cx="0" cy="0"/>
-          <a:chOff x="0" y="0"/>
-          <a:chExt cx="0" cy="0"/>
-        </a:xfrm>
-      </p:grpSpPr>
-      <p:sp>
-        <p:nvSpPr>
-          <p:cNvPr id="2" name="Titre 1">
-            <a:extLst>
-              <a:ext uri="{FF2B5EF4-FFF2-40B4-BE49-F238E27FC236}">
-                <a16:creationId xmlns:a16="http://schemas.microsoft.com/office/drawing/2014/main" id="{C3A47323-C1D5-4FF9-968A-64ABFA3C1E18}"/>
-              </a:ext>
-            </a:extLst>
-          </p:cNvPr>
-          <p:cNvSpPr>
-            <a:spLocks noGrp="1"/>
-          </p:cNvSpPr>
-          <p:nvPr>
-            <p:ph type="title"/>
-          </p:nvPr>
-        </p:nvSpPr>
-        <p:spPr/>
-        <p:txBody>
-          <a:bodyPr/>
-          <a:lstStyle/>
-          <a:p>
-            <a:r>
-              <a:rPr lang="fr-FR" dirty="0"/>
-              <a:t>Annexe</a:t>
-            </a:r>
-            <a:endParaRPr lang="en-GB" dirty="0"/>
-          </a:p>
-        </p:txBody>
-      </p:sp>
-      <p:pic>
-        <p:nvPicPr>
-          <p:cNvPr id="16" name="Espace réservé du contenu 15">
-            <a:extLst>
-              <a:ext uri="{FF2B5EF4-FFF2-40B4-BE49-F238E27FC236}">
-                <a16:creationId xmlns:a16="http://schemas.microsoft.com/office/drawing/2014/main" id="{B2C4B2A4-24E6-4EA7-8EF4-F1B0389A247E}"/>
-              </a:ext>
-            </a:extLst>
-          </p:cNvPr>
-          <p:cNvPicPr>
-            <a:picLocks noGrp="1" noChangeAspect="1"/>
-          </p:cNvPicPr>
-          <p:nvPr>
-            <p:ph idx="1"/>
-          </p:nvPr>
-        </p:nvPicPr>
-        <p:blipFill>
-          <a:blip r:embed="rId2"/>
-          <a:stretch>
-            <a:fillRect/>
-          </a:stretch>
-        </p:blipFill>
-        <p:spPr>
-          <a:xfrm>
-            <a:off x="7839108" y="2560399"/>
-            <a:ext cx="1314450" cy="600075"/>
-          </a:xfrm>
-          <a:prstGeom prst="rect">
-            <a:avLst/>
-          </a:prstGeom>
-        </p:spPr>
-      </p:pic>
-      <p:sp>
-        <p:nvSpPr>
-          <p:cNvPr id="4" name="ZoneTexte 3">
-            <a:extLst>
-              <a:ext uri="{FF2B5EF4-FFF2-40B4-BE49-F238E27FC236}">
-                <a16:creationId xmlns:a16="http://schemas.microsoft.com/office/drawing/2014/main" id="{308043D7-F2FD-4D07-9420-385AA37319FD}"/>
-              </a:ext>
-            </a:extLst>
-          </p:cNvPr>
-          <p:cNvSpPr txBox="1"/>
-          <p:nvPr/>
-        </p:nvSpPr>
-        <p:spPr>
-          <a:xfrm>
-            <a:off x="499481" y="348122"/>
-            <a:ext cx="1754006" cy="369332"/>
-          </a:xfrm>
-          <a:prstGeom prst="rect">
-            <a:avLst/>
-          </a:prstGeom>
-          <a:noFill/>
-        </p:spPr>
-        <p:txBody>
-          <a:bodyPr wrap="none" rtlCol="0">
-            <a:spAutoFit/>
-          </a:bodyPr>
-          <a:lstStyle/>
-          <a:p>
-            <a:r>
-              <a:rPr lang="fr-FR" dirty="0"/>
-              <a:t>The prototype</a:t>
-            </a:r>
-            <a:endParaRPr lang="en-GB" dirty="0"/>
-          </a:p>
-        </p:txBody>
-      </p:sp>
-      <p:cxnSp>
-        <p:nvCxnSpPr>
-          <p:cNvPr id="5" name="Connecteur droit avec flèche 4">
-            <a:extLst>
-              <a:ext uri="{FF2B5EF4-FFF2-40B4-BE49-F238E27FC236}">
-                <a16:creationId xmlns:a16="http://schemas.microsoft.com/office/drawing/2014/main" id="{76B2BD43-8A32-4F05-90EE-F4CBE6F6B3AC}"/>
-              </a:ext>
-            </a:extLst>
-          </p:cNvPr>
-          <p:cNvCxnSpPr>
-            <a:cxnSpLocks/>
-          </p:cNvCxnSpPr>
-          <p:nvPr/>
-        </p:nvCxnSpPr>
-        <p:spPr>
-          <a:xfrm>
-            <a:off x="6384258" y="989988"/>
-            <a:ext cx="1526233" cy="1340211"/>
-          </a:xfrm>
-          <a:prstGeom prst="straightConnector1">
-            <a:avLst/>
-          </a:prstGeom>
-          <a:ln w="76200">
-            <a:solidFill>
-              <a:schemeClr val="accent1">
-                <a:lumMod val="60000"/>
-                <a:lumOff val="40000"/>
-                <a:alpha val="60000"/>
-              </a:schemeClr>
-            </a:solidFill>
-            <a:tailEnd type="triangle"/>
-          </a:ln>
-        </p:spPr>
-        <p:style>
-          <a:lnRef idx="1">
-            <a:schemeClr val="accent1"/>
-          </a:lnRef>
-          <a:fillRef idx="0">
-            <a:schemeClr val="accent1"/>
-          </a:fillRef>
-          <a:effectRef idx="0">
-            <a:schemeClr val="accent1"/>
-          </a:effectRef>
-          <a:fontRef idx="minor">
-            <a:schemeClr val="tx1"/>
-          </a:fontRef>
-        </p:style>
-      </p:cxnSp>
-      <p:cxnSp>
-        <p:nvCxnSpPr>
-          <p:cNvPr id="6" name="Connecteur droit avec flèche 5">
-            <a:extLst>
-              <a:ext uri="{FF2B5EF4-FFF2-40B4-BE49-F238E27FC236}">
-                <a16:creationId xmlns:a16="http://schemas.microsoft.com/office/drawing/2014/main" id="{4FB2FE4C-19EC-481B-8A75-3B52BCC715A8}"/>
-              </a:ext>
-            </a:extLst>
-          </p:cNvPr>
-          <p:cNvCxnSpPr>
-            <a:cxnSpLocks/>
-          </p:cNvCxnSpPr>
-          <p:nvPr/>
-        </p:nvCxnSpPr>
-        <p:spPr>
-          <a:xfrm>
-            <a:off x="5678751" y="1145219"/>
-            <a:ext cx="0" cy="1606626"/>
-          </a:xfrm>
-          <a:prstGeom prst="straightConnector1">
-            <a:avLst/>
-          </a:prstGeom>
-          <a:ln w="76200">
-            <a:solidFill>
-              <a:schemeClr val="accent1">
-                <a:lumMod val="60000"/>
-                <a:lumOff val="40000"/>
-                <a:alpha val="60000"/>
-              </a:schemeClr>
-            </a:solidFill>
-            <a:tailEnd type="triangle"/>
-          </a:ln>
-        </p:spPr>
-        <p:style>
-          <a:lnRef idx="1">
-            <a:schemeClr val="accent1"/>
-          </a:lnRef>
-          <a:fillRef idx="0">
-            <a:schemeClr val="accent1"/>
-          </a:fillRef>
-          <a:effectRef idx="0">
-            <a:schemeClr val="accent1"/>
-          </a:effectRef>
-          <a:fontRef idx="minor">
-            <a:schemeClr val="tx1"/>
-          </a:fontRef>
-        </p:style>
-      </p:cxnSp>
-      <p:cxnSp>
-        <p:nvCxnSpPr>
-          <p:cNvPr id="7" name="Connecteur droit avec flèche 6">
-            <a:extLst>
-              <a:ext uri="{FF2B5EF4-FFF2-40B4-BE49-F238E27FC236}">
-                <a16:creationId xmlns:a16="http://schemas.microsoft.com/office/drawing/2014/main" id="{5B6CFAE7-3CE4-4665-8A62-A74E96029C14}"/>
-              </a:ext>
-            </a:extLst>
-          </p:cNvPr>
-          <p:cNvCxnSpPr>
-            <a:cxnSpLocks/>
-          </p:cNvCxnSpPr>
-          <p:nvPr/>
-        </p:nvCxnSpPr>
-        <p:spPr>
-          <a:xfrm flipH="1">
-            <a:off x="3426782" y="989988"/>
-            <a:ext cx="1617845" cy="1380680"/>
-          </a:xfrm>
-          <a:prstGeom prst="straightConnector1">
-            <a:avLst/>
-          </a:prstGeom>
-          <a:ln w="76200">
-            <a:solidFill>
-              <a:schemeClr val="accent1">
-                <a:lumMod val="60000"/>
-                <a:lumOff val="40000"/>
-                <a:alpha val="60000"/>
-              </a:schemeClr>
-            </a:solidFill>
-            <a:tailEnd type="triangle"/>
-          </a:ln>
-        </p:spPr>
-        <p:style>
-          <a:lnRef idx="1">
-            <a:schemeClr val="accent1"/>
-          </a:lnRef>
-          <a:fillRef idx="0">
-            <a:schemeClr val="accent1"/>
-          </a:fillRef>
-          <a:effectRef idx="0">
-            <a:schemeClr val="accent1"/>
-          </a:effectRef>
-          <a:fontRef idx="minor">
-            <a:schemeClr val="tx1"/>
-          </a:fontRef>
-        </p:style>
-      </p:cxnSp>
-      <p:sp>
-        <p:nvSpPr>
-          <p:cNvPr id="8" name="ZoneTexte 7">
-            <a:extLst>
-              <a:ext uri="{FF2B5EF4-FFF2-40B4-BE49-F238E27FC236}">
-                <a16:creationId xmlns:a16="http://schemas.microsoft.com/office/drawing/2014/main" id="{9035EBA5-A191-4017-9BC3-68668EEEC5A6}"/>
-              </a:ext>
-            </a:extLst>
-          </p:cNvPr>
-          <p:cNvSpPr txBox="1"/>
-          <p:nvPr/>
-        </p:nvSpPr>
-        <p:spPr>
-          <a:xfrm>
-            <a:off x="2077435" y="3279624"/>
-            <a:ext cx="928459" cy="369332"/>
-          </a:xfrm>
-          <a:prstGeom prst="rect">
-            <a:avLst/>
-          </a:prstGeom>
-          <a:noFill/>
-        </p:spPr>
-        <p:txBody>
-          <a:bodyPr wrap="none" rtlCol="0">
-            <a:spAutoFit/>
-          </a:bodyPr>
-          <a:lstStyle/>
-          <a:p>
-            <a:r>
-              <a:rPr lang="fr-FR" b="1" dirty="0">
-                <a:solidFill>
-                  <a:schemeClr val="bg1"/>
-                </a:solidFill>
-                <a:latin typeface="Times New Roman" panose="02020603050405020304" pitchFamily="18" charset="0"/>
-                <a:cs typeface="Times New Roman" panose="02020603050405020304" pitchFamily="18" charset="0"/>
-              </a:rPr>
-              <a:t>Actions</a:t>
-            </a:r>
-            <a:endParaRPr lang="en-GB" b="1" dirty="0">
-              <a:solidFill>
-                <a:schemeClr val="bg1"/>
-              </a:solidFill>
-              <a:latin typeface="Times New Roman" panose="02020603050405020304" pitchFamily="18" charset="0"/>
-              <a:cs typeface="Times New Roman" panose="02020603050405020304" pitchFamily="18" charset="0"/>
-            </a:endParaRPr>
-          </a:p>
-        </p:txBody>
-      </p:sp>
-      <p:sp>
-        <p:nvSpPr>
-          <p:cNvPr id="9" name="ZoneTexte 8">
-            <a:extLst>
-              <a:ext uri="{FF2B5EF4-FFF2-40B4-BE49-F238E27FC236}">
-                <a16:creationId xmlns:a16="http://schemas.microsoft.com/office/drawing/2014/main" id="{BC7F6B83-CFA6-428A-9163-505D9408D6D0}"/>
-              </a:ext>
-            </a:extLst>
-          </p:cNvPr>
-          <p:cNvSpPr txBox="1"/>
-          <p:nvPr/>
-        </p:nvSpPr>
-        <p:spPr>
-          <a:xfrm>
-            <a:off x="5221551" y="4030132"/>
-            <a:ext cx="941283" cy="369332"/>
-          </a:xfrm>
-          <a:prstGeom prst="rect">
-            <a:avLst/>
-          </a:prstGeom>
-          <a:noFill/>
-        </p:spPr>
-        <p:txBody>
-          <a:bodyPr wrap="none" rtlCol="0">
-            <a:spAutoFit/>
-          </a:bodyPr>
-          <a:lstStyle/>
-          <a:p>
-            <a:r>
-              <a:rPr lang="fr-FR" b="1" dirty="0" err="1">
-                <a:solidFill>
-                  <a:srgbClr val="92D050"/>
-                </a:solidFill>
-                <a:latin typeface="Times New Roman" panose="02020603050405020304" pitchFamily="18" charset="0"/>
-                <a:cs typeface="Times New Roman" panose="02020603050405020304" pitchFamily="18" charset="0"/>
-              </a:rPr>
-              <a:t>Sensors</a:t>
-            </a:r>
-            <a:endParaRPr lang="en-GB" b="1" dirty="0">
-              <a:solidFill>
-                <a:srgbClr val="92D050"/>
-              </a:solidFill>
-              <a:latin typeface="Times New Roman" panose="02020603050405020304" pitchFamily="18" charset="0"/>
-              <a:cs typeface="Times New Roman" panose="02020603050405020304" pitchFamily="18" charset="0"/>
-            </a:endParaRPr>
-          </a:p>
-        </p:txBody>
-      </p:sp>
-      <p:sp>
-        <p:nvSpPr>
-          <p:cNvPr id="10" name="ZoneTexte 9">
-            <a:extLst>
-              <a:ext uri="{FF2B5EF4-FFF2-40B4-BE49-F238E27FC236}">
-                <a16:creationId xmlns:a16="http://schemas.microsoft.com/office/drawing/2014/main" id="{9A0D750E-6B64-4F6A-9699-6D981AE0E69F}"/>
-              </a:ext>
-            </a:extLst>
-          </p:cNvPr>
-          <p:cNvSpPr txBox="1"/>
-          <p:nvPr/>
-        </p:nvSpPr>
-        <p:spPr>
-          <a:xfrm>
-            <a:off x="8239377" y="3279624"/>
-            <a:ext cx="1270541" cy="369332"/>
-          </a:xfrm>
-          <a:prstGeom prst="rect">
-            <a:avLst/>
-          </a:prstGeom>
-          <a:noFill/>
-        </p:spPr>
-        <p:txBody>
-          <a:bodyPr wrap="none" rtlCol="0">
-            <a:spAutoFit/>
-          </a:bodyPr>
-          <a:lstStyle/>
-          <a:p>
-            <a:r>
-              <a:rPr lang="fr-FR" b="1" dirty="0">
-                <a:solidFill>
-                  <a:schemeClr val="accent6">
-                    <a:lumMod val="40000"/>
-                    <a:lumOff val="60000"/>
-                  </a:schemeClr>
-                </a:solidFill>
-                <a:latin typeface="Times New Roman" panose="02020603050405020304" pitchFamily="18" charset="0"/>
-                <a:cs typeface="Times New Roman" panose="02020603050405020304" pitchFamily="18" charset="0"/>
-              </a:rPr>
-              <a:t>Ressources</a:t>
-            </a:r>
-            <a:endParaRPr lang="en-GB" b="1" dirty="0">
-              <a:solidFill>
-                <a:schemeClr val="accent6">
-                  <a:lumMod val="40000"/>
-                  <a:lumOff val="60000"/>
-                </a:schemeClr>
-              </a:solidFill>
-              <a:latin typeface="Times New Roman" panose="02020603050405020304" pitchFamily="18" charset="0"/>
-              <a:cs typeface="Times New Roman" panose="02020603050405020304" pitchFamily="18" charset="0"/>
-            </a:endParaRPr>
-          </a:p>
-        </p:txBody>
-      </p:sp>
-      <p:pic>
-        <p:nvPicPr>
-          <p:cNvPr id="12" name="Image 11">
-            <a:extLst>
-              <a:ext uri="{FF2B5EF4-FFF2-40B4-BE49-F238E27FC236}">
-                <a16:creationId xmlns:a16="http://schemas.microsoft.com/office/drawing/2014/main" id="{460BFFBA-E30E-4BA2-B5A0-8B77D3024A79}"/>
-              </a:ext>
-            </a:extLst>
-          </p:cNvPr>
-          <p:cNvPicPr>
-            <a:picLocks noChangeAspect="1"/>
-          </p:cNvPicPr>
-          <p:nvPr/>
-        </p:nvPicPr>
-        <p:blipFill>
-          <a:blip r:embed="rId3"/>
-          <a:stretch>
-            <a:fillRect/>
-          </a:stretch>
-        </p:blipFill>
-        <p:spPr>
-          <a:xfrm>
-            <a:off x="4979375" y="218769"/>
-            <a:ext cx="1333500" cy="619125"/>
-          </a:xfrm>
-          <a:prstGeom prst="rect">
-            <a:avLst/>
-          </a:prstGeom>
-        </p:spPr>
-      </p:pic>
-      <p:pic>
-        <p:nvPicPr>
-          <p:cNvPr id="13" name="Image 12">
-            <a:extLst>
-              <a:ext uri="{FF2B5EF4-FFF2-40B4-BE49-F238E27FC236}">
-                <a16:creationId xmlns:a16="http://schemas.microsoft.com/office/drawing/2014/main" id="{26956F3D-9551-4FC1-8071-92FE32D0ABE2}"/>
-              </a:ext>
-            </a:extLst>
-          </p:cNvPr>
-          <p:cNvPicPr>
-            <a:picLocks noChangeAspect="1"/>
-          </p:cNvPicPr>
-          <p:nvPr/>
-        </p:nvPicPr>
-        <p:blipFill>
-          <a:blip r:embed="rId4"/>
-          <a:stretch>
-            <a:fillRect/>
-          </a:stretch>
-        </p:blipFill>
-        <p:spPr>
-          <a:xfrm>
-            <a:off x="2102807" y="2514600"/>
-            <a:ext cx="1323975" cy="609600"/>
-          </a:xfrm>
-          <a:prstGeom prst="rect">
-            <a:avLst/>
-          </a:prstGeom>
-        </p:spPr>
-      </p:pic>
-      <p:pic>
-        <p:nvPicPr>
-          <p:cNvPr id="15" name="Image 14">
-            <a:extLst>
-              <a:ext uri="{FF2B5EF4-FFF2-40B4-BE49-F238E27FC236}">
-                <a16:creationId xmlns:a16="http://schemas.microsoft.com/office/drawing/2014/main" id="{492195D9-84DC-4159-939B-CED361C5BBCD}"/>
-              </a:ext>
-            </a:extLst>
-          </p:cNvPr>
-          <p:cNvPicPr>
-            <a:picLocks noChangeAspect="1"/>
-          </p:cNvPicPr>
-          <p:nvPr/>
-        </p:nvPicPr>
-        <p:blipFill>
-          <a:blip r:embed="rId5"/>
-          <a:stretch>
-            <a:fillRect/>
-          </a:stretch>
-        </p:blipFill>
-        <p:spPr>
-          <a:xfrm>
-            <a:off x="4235704" y="3279623"/>
-            <a:ext cx="1314450" cy="600075"/>
-          </a:xfrm>
-          <a:prstGeom prst="rect">
-            <a:avLst/>
-          </a:prstGeom>
-        </p:spPr>
-      </p:pic>
-      <p:pic>
-        <p:nvPicPr>
-          <p:cNvPr id="3" name="Image 2">
-            <a:extLst>
-              <a:ext uri="{FF2B5EF4-FFF2-40B4-BE49-F238E27FC236}">
-                <a16:creationId xmlns:a16="http://schemas.microsoft.com/office/drawing/2014/main" id="{4D792693-4505-4101-BD7F-57D56B4C40E6}"/>
-              </a:ext>
-            </a:extLst>
-          </p:cNvPr>
-          <p:cNvPicPr>
-            <a:picLocks noChangeAspect="1"/>
-          </p:cNvPicPr>
-          <p:nvPr/>
-        </p:nvPicPr>
-        <p:blipFill>
-          <a:blip r:embed="rId6"/>
-          <a:stretch>
-            <a:fillRect/>
-          </a:stretch>
-        </p:blipFill>
-        <p:spPr>
-          <a:xfrm>
-            <a:off x="5832925" y="3279624"/>
-            <a:ext cx="1314450" cy="600075"/>
-          </a:xfrm>
-          <a:prstGeom prst="rect">
-            <a:avLst/>
-          </a:prstGeom>
-        </p:spPr>
-      </p:pic>
-    </p:spTree>
-    <p:extLst>
-      <p:ext uri="{BB962C8B-B14F-4D97-AF65-F5344CB8AC3E}">
-        <p14:creationId xmlns:p14="http://schemas.microsoft.com/office/powerpoint/2010/main" val="2112816624"/>
-      </p:ext>
-    </p:extLst>
-  </p:cSld>
-  <p:clrMapOvr>
-    <a:masterClrMapping/>
-  </p:clrMapOvr>
-</p:sld>
-</file>
-
 <file path=ppt/theme/theme1.xml><?xml version="1.0" encoding="utf-8"?>
 <a:theme xmlns:a="http://schemas.openxmlformats.org/drawingml/2006/main" name="Secteur">
   <a:themeElements>

--- a/SAI_presentation.pptx
+++ b/SAI_presentation.pptx
@@ -8,14 +8,16 @@
     <p:sldId id="256" r:id="rId2"/>
     <p:sldId id="257" r:id="rId3"/>
     <p:sldId id="266" r:id="rId4"/>
-    <p:sldId id="258" r:id="rId5"/>
-    <p:sldId id="259" r:id="rId6"/>
-    <p:sldId id="260" r:id="rId7"/>
-    <p:sldId id="261" r:id="rId8"/>
-    <p:sldId id="265" r:id="rId9"/>
-    <p:sldId id="262" r:id="rId10"/>
-    <p:sldId id="264" r:id="rId11"/>
-    <p:sldId id="263" r:id="rId12"/>
+    <p:sldId id="267" r:id="rId5"/>
+    <p:sldId id="268" r:id="rId6"/>
+    <p:sldId id="258" r:id="rId7"/>
+    <p:sldId id="259" r:id="rId8"/>
+    <p:sldId id="260" r:id="rId9"/>
+    <p:sldId id="261" r:id="rId10"/>
+    <p:sldId id="265" r:id="rId11"/>
+    <p:sldId id="262" r:id="rId12"/>
+    <p:sldId id="264" r:id="rId13"/>
+    <p:sldId id="263" r:id="rId14"/>
   </p:sldIdLst>
   <p:sldSz cx="12192000" cy="6858000"/>
   <p:notesSz cx="6858000" cy="9144000"/>
@@ -12036,2132 +12038,6 @@
           <p:cNvPr id="2" name="Titre 1">
             <a:extLst>
               <a:ext uri="{FF2B5EF4-FFF2-40B4-BE49-F238E27FC236}">
-                <a16:creationId xmlns:a16="http://schemas.microsoft.com/office/drawing/2014/main" id="{C3A47323-C1D5-4FF9-968A-64ABFA3C1E18}"/>
-              </a:ext>
-            </a:extLst>
-          </p:cNvPr>
-          <p:cNvSpPr>
-            <a:spLocks noGrp="1"/>
-          </p:cNvSpPr>
-          <p:nvPr>
-            <p:ph type="title"/>
-          </p:nvPr>
-        </p:nvSpPr>
-        <p:spPr/>
-        <p:txBody>
-          <a:bodyPr/>
-          <a:lstStyle/>
-          <a:p>
-            <a:r>
-              <a:rPr lang="fr-FR" dirty="0"/>
-              <a:t>Annexe</a:t>
-            </a:r>
-            <a:endParaRPr lang="en-GB" dirty="0"/>
-          </a:p>
-        </p:txBody>
-      </p:sp>
-      <p:pic>
-        <p:nvPicPr>
-          <p:cNvPr id="16" name="Espace réservé du contenu 15">
-            <a:extLst>
-              <a:ext uri="{FF2B5EF4-FFF2-40B4-BE49-F238E27FC236}">
-                <a16:creationId xmlns:a16="http://schemas.microsoft.com/office/drawing/2014/main" id="{B2C4B2A4-24E6-4EA7-8EF4-F1B0389A247E}"/>
-              </a:ext>
-            </a:extLst>
-          </p:cNvPr>
-          <p:cNvPicPr>
-            <a:picLocks noGrp="1" noChangeAspect="1"/>
-          </p:cNvPicPr>
-          <p:nvPr>
-            <p:ph idx="1"/>
-          </p:nvPr>
-        </p:nvPicPr>
-        <p:blipFill>
-          <a:blip r:embed="rId2"/>
-          <a:stretch>
-            <a:fillRect/>
-          </a:stretch>
-        </p:blipFill>
-        <p:spPr>
-          <a:xfrm>
-            <a:off x="7839108" y="2560399"/>
-            <a:ext cx="1314450" cy="600075"/>
-          </a:xfrm>
-          <a:prstGeom prst="rect">
-            <a:avLst/>
-          </a:prstGeom>
-        </p:spPr>
-      </p:pic>
-      <p:sp>
-        <p:nvSpPr>
-          <p:cNvPr id="4" name="ZoneTexte 3">
-            <a:extLst>
-              <a:ext uri="{FF2B5EF4-FFF2-40B4-BE49-F238E27FC236}">
-                <a16:creationId xmlns:a16="http://schemas.microsoft.com/office/drawing/2014/main" id="{308043D7-F2FD-4D07-9420-385AA37319FD}"/>
-              </a:ext>
-            </a:extLst>
-          </p:cNvPr>
-          <p:cNvSpPr txBox="1"/>
-          <p:nvPr/>
-        </p:nvSpPr>
-        <p:spPr>
-          <a:xfrm>
-            <a:off x="499481" y="348122"/>
-            <a:ext cx="1754006" cy="369332"/>
-          </a:xfrm>
-          <a:prstGeom prst="rect">
-            <a:avLst/>
-          </a:prstGeom>
-          <a:noFill/>
-        </p:spPr>
-        <p:txBody>
-          <a:bodyPr wrap="none" rtlCol="0">
-            <a:spAutoFit/>
-          </a:bodyPr>
-          <a:lstStyle/>
-          <a:p>
-            <a:r>
-              <a:rPr lang="fr-FR" dirty="0"/>
-              <a:t>The prototype</a:t>
-            </a:r>
-            <a:endParaRPr lang="en-GB" dirty="0"/>
-          </a:p>
-        </p:txBody>
-      </p:sp>
-      <p:cxnSp>
-        <p:nvCxnSpPr>
-          <p:cNvPr id="5" name="Connecteur droit avec flèche 4">
-            <a:extLst>
-              <a:ext uri="{FF2B5EF4-FFF2-40B4-BE49-F238E27FC236}">
-                <a16:creationId xmlns:a16="http://schemas.microsoft.com/office/drawing/2014/main" id="{76B2BD43-8A32-4F05-90EE-F4CBE6F6B3AC}"/>
-              </a:ext>
-            </a:extLst>
-          </p:cNvPr>
-          <p:cNvCxnSpPr>
-            <a:cxnSpLocks/>
-          </p:cNvCxnSpPr>
-          <p:nvPr/>
-        </p:nvCxnSpPr>
-        <p:spPr>
-          <a:xfrm>
-            <a:off x="6384258" y="989988"/>
-            <a:ext cx="1526233" cy="1340211"/>
-          </a:xfrm>
-          <a:prstGeom prst="straightConnector1">
-            <a:avLst/>
-          </a:prstGeom>
-          <a:ln w="76200">
-            <a:solidFill>
-              <a:schemeClr val="accent1">
-                <a:lumMod val="60000"/>
-                <a:lumOff val="40000"/>
-                <a:alpha val="60000"/>
-              </a:schemeClr>
-            </a:solidFill>
-            <a:tailEnd type="triangle"/>
-          </a:ln>
-        </p:spPr>
-        <p:style>
-          <a:lnRef idx="1">
-            <a:schemeClr val="accent1"/>
-          </a:lnRef>
-          <a:fillRef idx="0">
-            <a:schemeClr val="accent1"/>
-          </a:fillRef>
-          <a:effectRef idx="0">
-            <a:schemeClr val="accent1"/>
-          </a:effectRef>
-          <a:fontRef idx="minor">
-            <a:schemeClr val="tx1"/>
-          </a:fontRef>
-        </p:style>
-      </p:cxnSp>
-      <p:cxnSp>
-        <p:nvCxnSpPr>
-          <p:cNvPr id="6" name="Connecteur droit avec flèche 5">
-            <a:extLst>
-              <a:ext uri="{FF2B5EF4-FFF2-40B4-BE49-F238E27FC236}">
-                <a16:creationId xmlns:a16="http://schemas.microsoft.com/office/drawing/2014/main" id="{4FB2FE4C-19EC-481B-8A75-3B52BCC715A8}"/>
-              </a:ext>
-            </a:extLst>
-          </p:cNvPr>
-          <p:cNvCxnSpPr>
-            <a:cxnSpLocks/>
-          </p:cNvCxnSpPr>
-          <p:nvPr/>
-        </p:nvCxnSpPr>
-        <p:spPr>
-          <a:xfrm>
-            <a:off x="5678751" y="1145219"/>
-            <a:ext cx="0" cy="1606626"/>
-          </a:xfrm>
-          <a:prstGeom prst="straightConnector1">
-            <a:avLst/>
-          </a:prstGeom>
-          <a:ln w="76200">
-            <a:solidFill>
-              <a:schemeClr val="accent1">
-                <a:lumMod val="60000"/>
-                <a:lumOff val="40000"/>
-                <a:alpha val="60000"/>
-              </a:schemeClr>
-            </a:solidFill>
-            <a:tailEnd type="triangle"/>
-          </a:ln>
-        </p:spPr>
-        <p:style>
-          <a:lnRef idx="1">
-            <a:schemeClr val="accent1"/>
-          </a:lnRef>
-          <a:fillRef idx="0">
-            <a:schemeClr val="accent1"/>
-          </a:fillRef>
-          <a:effectRef idx="0">
-            <a:schemeClr val="accent1"/>
-          </a:effectRef>
-          <a:fontRef idx="minor">
-            <a:schemeClr val="tx1"/>
-          </a:fontRef>
-        </p:style>
-      </p:cxnSp>
-      <p:cxnSp>
-        <p:nvCxnSpPr>
-          <p:cNvPr id="7" name="Connecteur droit avec flèche 6">
-            <a:extLst>
-              <a:ext uri="{FF2B5EF4-FFF2-40B4-BE49-F238E27FC236}">
-                <a16:creationId xmlns:a16="http://schemas.microsoft.com/office/drawing/2014/main" id="{5B6CFAE7-3CE4-4665-8A62-A74E96029C14}"/>
-              </a:ext>
-            </a:extLst>
-          </p:cNvPr>
-          <p:cNvCxnSpPr>
-            <a:cxnSpLocks/>
-          </p:cNvCxnSpPr>
-          <p:nvPr/>
-        </p:nvCxnSpPr>
-        <p:spPr>
-          <a:xfrm flipH="1">
-            <a:off x="3426782" y="989988"/>
-            <a:ext cx="1617845" cy="1380680"/>
-          </a:xfrm>
-          <a:prstGeom prst="straightConnector1">
-            <a:avLst/>
-          </a:prstGeom>
-          <a:ln w="76200">
-            <a:solidFill>
-              <a:schemeClr val="accent1">
-                <a:lumMod val="60000"/>
-                <a:lumOff val="40000"/>
-                <a:alpha val="60000"/>
-              </a:schemeClr>
-            </a:solidFill>
-            <a:tailEnd type="triangle"/>
-          </a:ln>
-        </p:spPr>
-        <p:style>
-          <a:lnRef idx="1">
-            <a:schemeClr val="accent1"/>
-          </a:lnRef>
-          <a:fillRef idx="0">
-            <a:schemeClr val="accent1"/>
-          </a:fillRef>
-          <a:effectRef idx="0">
-            <a:schemeClr val="accent1"/>
-          </a:effectRef>
-          <a:fontRef idx="minor">
-            <a:schemeClr val="tx1"/>
-          </a:fontRef>
-        </p:style>
-      </p:cxnSp>
-      <p:sp>
-        <p:nvSpPr>
-          <p:cNvPr id="8" name="ZoneTexte 7">
-            <a:extLst>
-              <a:ext uri="{FF2B5EF4-FFF2-40B4-BE49-F238E27FC236}">
-                <a16:creationId xmlns:a16="http://schemas.microsoft.com/office/drawing/2014/main" id="{9035EBA5-A191-4017-9BC3-68668EEEC5A6}"/>
-              </a:ext>
-            </a:extLst>
-          </p:cNvPr>
-          <p:cNvSpPr txBox="1"/>
-          <p:nvPr/>
-        </p:nvSpPr>
-        <p:spPr>
-          <a:xfrm>
-            <a:off x="2077435" y="3279624"/>
-            <a:ext cx="928459" cy="369332"/>
-          </a:xfrm>
-          <a:prstGeom prst="rect">
-            <a:avLst/>
-          </a:prstGeom>
-          <a:noFill/>
-        </p:spPr>
-        <p:txBody>
-          <a:bodyPr wrap="none" rtlCol="0">
-            <a:spAutoFit/>
-          </a:bodyPr>
-          <a:lstStyle/>
-          <a:p>
-            <a:r>
-              <a:rPr lang="fr-FR" b="1" dirty="0">
-                <a:solidFill>
-                  <a:schemeClr val="bg1"/>
-                </a:solidFill>
-                <a:latin typeface="Times New Roman" panose="02020603050405020304" pitchFamily="18" charset="0"/>
-                <a:cs typeface="Times New Roman" panose="02020603050405020304" pitchFamily="18" charset="0"/>
-              </a:rPr>
-              <a:t>Actions</a:t>
-            </a:r>
-            <a:endParaRPr lang="en-GB" b="1" dirty="0">
-              <a:solidFill>
-                <a:schemeClr val="bg1"/>
-              </a:solidFill>
-              <a:latin typeface="Times New Roman" panose="02020603050405020304" pitchFamily="18" charset="0"/>
-              <a:cs typeface="Times New Roman" panose="02020603050405020304" pitchFamily="18" charset="0"/>
-            </a:endParaRPr>
-          </a:p>
-        </p:txBody>
-      </p:sp>
-      <p:sp>
-        <p:nvSpPr>
-          <p:cNvPr id="9" name="ZoneTexte 8">
-            <a:extLst>
-              <a:ext uri="{FF2B5EF4-FFF2-40B4-BE49-F238E27FC236}">
-                <a16:creationId xmlns:a16="http://schemas.microsoft.com/office/drawing/2014/main" id="{BC7F6B83-CFA6-428A-9163-505D9408D6D0}"/>
-              </a:ext>
-            </a:extLst>
-          </p:cNvPr>
-          <p:cNvSpPr txBox="1"/>
-          <p:nvPr/>
-        </p:nvSpPr>
-        <p:spPr>
-          <a:xfrm>
-            <a:off x="5221551" y="4030132"/>
-            <a:ext cx="941283" cy="369332"/>
-          </a:xfrm>
-          <a:prstGeom prst="rect">
-            <a:avLst/>
-          </a:prstGeom>
-          <a:noFill/>
-        </p:spPr>
-        <p:txBody>
-          <a:bodyPr wrap="none" rtlCol="0">
-            <a:spAutoFit/>
-          </a:bodyPr>
-          <a:lstStyle/>
-          <a:p>
-            <a:r>
-              <a:rPr lang="fr-FR" b="1" dirty="0" err="1">
-                <a:solidFill>
-                  <a:srgbClr val="92D050"/>
-                </a:solidFill>
-                <a:latin typeface="Times New Roman" panose="02020603050405020304" pitchFamily="18" charset="0"/>
-                <a:cs typeface="Times New Roman" panose="02020603050405020304" pitchFamily="18" charset="0"/>
-              </a:rPr>
-              <a:t>Sensors</a:t>
-            </a:r>
-            <a:endParaRPr lang="en-GB" b="1" dirty="0">
-              <a:solidFill>
-                <a:srgbClr val="92D050"/>
-              </a:solidFill>
-              <a:latin typeface="Times New Roman" panose="02020603050405020304" pitchFamily="18" charset="0"/>
-              <a:cs typeface="Times New Roman" panose="02020603050405020304" pitchFamily="18" charset="0"/>
-            </a:endParaRPr>
-          </a:p>
-        </p:txBody>
-      </p:sp>
-      <p:sp>
-        <p:nvSpPr>
-          <p:cNvPr id="10" name="ZoneTexte 9">
-            <a:extLst>
-              <a:ext uri="{FF2B5EF4-FFF2-40B4-BE49-F238E27FC236}">
-                <a16:creationId xmlns:a16="http://schemas.microsoft.com/office/drawing/2014/main" id="{9A0D750E-6B64-4F6A-9699-6D981AE0E69F}"/>
-              </a:ext>
-            </a:extLst>
-          </p:cNvPr>
-          <p:cNvSpPr txBox="1"/>
-          <p:nvPr/>
-        </p:nvSpPr>
-        <p:spPr>
-          <a:xfrm>
-            <a:off x="8239377" y="3279624"/>
-            <a:ext cx="1270541" cy="369332"/>
-          </a:xfrm>
-          <a:prstGeom prst="rect">
-            <a:avLst/>
-          </a:prstGeom>
-          <a:noFill/>
-        </p:spPr>
-        <p:txBody>
-          <a:bodyPr wrap="none" rtlCol="0">
-            <a:spAutoFit/>
-          </a:bodyPr>
-          <a:lstStyle/>
-          <a:p>
-            <a:r>
-              <a:rPr lang="fr-FR" b="1" dirty="0">
-                <a:solidFill>
-                  <a:schemeClr val="accent6">
-                    <a:lumMod val="40000"/>
-                    <a:lumOff val="60000"/>
-                  </a:schemeClr>
-                </a:solidFill>
-                <a:latin typeface="Times New Roman" panose="02020603050405020304" pitchFamily="18" charset="0"/>
-                <a:cs typeface="Times New Roman" panose="02020603050405020304" pitchFamily="18" charset="0"/>
-              </a:rPr>
-              <a:t>Ressources</a:t>
-            </a:r>
-            <a:endParaRPr lang="en-GB" b="1" dirty="0">
-              <a:solidFill>
-                <a:schemeClr val="accent6">
-                  <a:lumMod val="40000"/>
-                  <a:lumOff val="60000"/>
-                </a:schemeClr>
-              </a:solidFill>
-              <a:latin typeface="Times New Roman" panose="02020603050405020304" pitchFamily="18" charset="0"/>
-              <a:cs typeface="Times New Roman" panose="02020603050405020304" pitchFamily="18" charset="0"/>
-            </a:endParaRPr>
-          </a:p>
-        </p:txBody>
-      </p:sp>
-      <p:pic>
-        <p:nvPicPr>
-          <p:cNvPr id="12" name="Image 11">
-            <a:extLst>
-              <a:ext uri="{FF2B5EF4-FFF2-40B4-BE49-F238E27FC236}">
-                <a16:creationId xmlns:a16="http://schemas.microsoft.com/office/drawing/2014/main" id="{460BFFBA-E30E-4BA2-B5A0-8B77D3024A79}"/>
-              </a:ext>
-            </a:extLst>
-          </p:cNvPr>
-          <p:cNvPicPr>
-            <a:picLocks noChangeAspect="1"/>
-          </p:cNvPicPr>
-          <p:nvPr/>
-        </p:nvPicPr>
-        <p:blipFill>
-          <a:blip r:embed="rId3"/>
-          <a:stretch>
-            <a:fillRect/>
-          </a:stretch>
-        </p:blipFill>
-        <p:spPr>
-          <a:xfrm>
-            <a:off x="4979375" y="218769"/>
-            <a:ext cx="1333500" cy="619125"/>
-          </a:xfrm>
-          <a:prstGeom prst="rect">
-            <a:avLst/>
-          </a:prstGeom>
-        </p:spPr>
-      </p:pic>
-      <p:pic>
-        <p:nvPicPr>
-          <p:cNvPr id="13" name="Image 12">
-            <a:extLst>
-              <a:ext uri="{FF2B5EF4-FFF2-40B4-BE49-F238E27FC236}">
-                <a16:creationId xmlns:a16="http://schemas.microsoft.com/office/drawing/2014/main" id="{26956F3D-9551-4FC1-8071-92FE32D0ABE2}"/>
-              </a:ext>
-            </a:extLst>
-          </p:cNvPr>
-          <p:cNvPicPr>
-            <a:picLocks noChangeAspect="1"/>
-          </p:cNvPicPr>
-          <p:nvPr/>
-        </p:nvPicPr>
-        <p:blipFill>
-          <a:blip r:embed="rId4"/>
-          <a:stretch>
-            <a:fillRect/>
-          </a:stretch>
-        </p:blipFill>
-        <p:spPr>
-          <a:xfrm>
-            <a:off x="2102807" y="2514600"/>
-            <a:ext cx="1323975" cy="609600"/>
-          </a:xfrm>
-          <a:prstGeom prst="rect">
-            <a:avLst/>
-          </a:prstGeom>
-        </p:spPr>
-      </p:pic>
-      <p:pic>
-        <p:nvPicPr>
-          <p:cNvPr id="15" name="Image 14">
-            <a:extLst>
-              <a:ext uri="{FF2B5EF4-FFF2-40B4-BE49-F238E27FC236}">
-                <a16:creationId xmlns:a16="http://schemas.microsoft.com/office/drawing/2014/main" id="{492195D9-84DC-4159-939B-CED361C5BBCD}"/>
-              </a:ext>
-            </a:extLst>
-          </p:cNvPr>
-          <p:cNvPicPr>
-            <a:picLocks noChangeAspect="1"/>
-          </p:cNvPicPr>
-          <p:nvPr/>
-        </p:nvPicPr>
-        <p:blipFill>
-          <a:blip r:embed="rId5"/>
-          <a:stretch>
-            <a:fillRect/>
-          </a:stretch>
-        </p:blipFill>
-        <p:spPr>
-          <a:xfrm>
-            <a:off x="4235704" y="3279623"/>
-            <a:ext cx="1314450" cy="600075"/>
-          </a:xfrm>
-          <a:prstGeom prst="rect">
-            <a:avLst/>
-          </a:prstGeom>
-        </p:spPr>
-      </p:pic>
-      <p:pic>
-        <p:nvPicPr>
-          <p:cNvPr id="3" name="Image 2">
-            <a:extLst>
-              <a:ext uri="{FF2B5EF4-FFF2-40B4-BE49-F238E27FC236}">
-                <a16:creationId xmlns:a16="http://schemas.microsoft.com/office/drawing/2014/main" id="{4D792693-4505-4101-BD7F-57D56B4C40E6}"/>
-              </a:ext>
-            </a:extLst>
-          </p:cNvPr>
-          <p:cNvPicPr>
-            <a:picLocks noChangeAspect="1"/>
-          </p:cNvPicPr>
-          <p:nvPr/>
-        </p:nvPicPr>
-        <p:blipFill>
-          <a:blip r:embed="rId6"/>
-          <a:stretch>
-            <a:fillRect/>
-          </a:stretch>
-        </p:blipFill>
-        <p:spPr>
-          <a:xfrm>
-            <a:off x="5832925" y="3279624"/>
-            <a:ext cx="1314450" cy="600075"/>
-          </a:xfrm>
-          <a:prstGeom prst="rect">
-            <a:avLst/>
-          </a:prstGeom>
-        </p:spPr>
-      </p:pic>
-    </p:spTree>
-    <p:extLst>
-      <p:ext uri="{BB962C8B-B14F-4D97-AF65-F5344CB8AC3E}">
-        <p14:creationId xmlns:p14="http://schemas.microsoft.com/office/powerpoint/2010/main" val="2112816624"/>
-      </p:ext>
-    </p:extLst>
-  </p:cSld>
-  <p:clrMapOvr>
-    <a:masterClrMapping/>
-  </p:clrMapOvr>
-</p:sld>
-</file>
-
-<file path=ppt/slides/slide11.xml><?xml version="1.0" encoding="utf-8"?>
-<p:sld xmlns:a="http://schemas.openxmlformats.org/drawingml/2006/main" xmlns:r="http://schemas.openxmlformats.org/officeDocument/2006/relationships" xmlns:p="http://schemas.openxmlformats.org/presentationml/2006/main">
-  <p:cSld>
-    <p:spTree>
-      <p:nvGrpSpPr>
-        <p:cNvPr id="1" name=""/>
-        <p:cNvGrpSpPr/>
-        <p:nvPr/>
-      </p:nvGrpSpPr>
-      <p:grpSpPr>
-        <a:xfrm>
-          <a:off x="0" y="0"/>
-          <a:ext cx="0" cy="0"/>
-          <a:chOff x="0" y="0"/>
-          <a:chExt cx="0" cy="0"/>
-        </a:xfrm>
-      </p:grpSpPr>
-      <p:sp>
-        <p:nvSpPr>
-          <p:cNvPr id="2" name="Titre 1">
-            <a:extLst>
-              <a:ext uri="{FF2B5EF4-FFF2-40B4-BE49-F238E27FC236}">
-                <a16:creationId xmlns:a16="http://schemas.microsoft.com/office/drawing/2014/main" id="{60A45B33-4349-4205-A596-A72ABD8F0A69}"/>
-              </a:ext>
-            </a:extLst>
-          </p:cNvPr>
-          <p:cNvSpPr>
-            <a:spLocks noGrp="1"/>
-          </p:cNvSpPr>
-          <p:nvPr>
-            <p:ph type="title"/>
-          </p:nvPr>
-        </p:nvSpPr>
-        <p:spPr>
-          <a:xfrm>
-            <a:off x="684212" y="4487332"/>
-            <a:ext cx="8534400" cy="1507067"/>
-          </a:xfrm>
-        </p:spPr>
-        <p:txBody>
-          <a:bodyPr/>
-          <a:lstStyle/>
-          <a:p>
-            <a:r>
-              <a:rPr lang="fr-FR"/>
-              <a:t>Sources</a:t>
-            </a:r>
-            <a:endParaRPr lang="en-GB" dirty="0"/>
-          </a:p>
-        </p:txBody>
-      </p:sp>
-      <p:sp>
-        <p:nvSpPr>
-          <p:cNvPr id="3" name="Espace réservé du contenu 2">
-            <a:extLst>
-              <a:ext uri="{FF2B5EF4-FFF2-40B4-BE49-F238E27FC236}">
-                <a16:creationId xmlns:a16="http://schemas.microsoft.com/office/drawing/2014/main" id="{825892DE-953F-4021-9EA2-14E93075BB41}"/>
-              </a:ext>
-            </a:extLst>
-          </p:cNvPr>
-          <p:cNvSpPr>
-            <a:spLocks noGrp="1"/>
-          </p:cNvSpPr>
-          <p:nvPr>
-            <p:ph idx="1"/>
-          </p:nvPr>
-        </p:nvSpPr>
-        <p:spPr>
-          <a:xfrm>
-            <a:off x="684212" y="685800"/>
-            <a:ext cx="8534400" cy="3615267"/>
-          </a:xfrm>
-        </p:spPr>
-        <p:txBody>
-          <a:bodyPr/>
-          <a:lstStyle/>
-          <a:p>
-            <a:r>
-              <a:rPr lang="fr-FR"/>
-              <a:t>Annexe prototype: </a:t>
-            </a:r>
-            <a:r>
-              <a:rPr lang="en-GB">
-                <a:hlinkClick r:id="rId2"/>
-              </a:rPr>
-              <a:t>https://www.draw.io/</a:t>
-            </a:r>
-            <a:endParaRPr lang="en-GB" dirty="0"/>
-          </a:p>
-        </p:txBody>
-      </p:sp>
-    </p:spTree>
-    <p:extLst>
-      <p:ext uri="{BB962C8B-B14F-4D97-AF65-F5344CB8AC3E}">
-        <p14:creationId xmlns:p14="http://schemas.microsoft.com/office/powerpoint/2010/main" val="1489863068"/>
-      </p:ext>
-    </p:extLst>
-  </p:cSld>
-  <p:clrMapOvr>
-    <a:masterClrMapping/>
-  </p:clrMapOvr>
-</p:sld>
-</file>
-
-<file path=ppt/slides/slide2.xml><?xml version="1.0" encoding="utf-8"?>
-<p:sld xmlns:a="http://schemas.openxmlformats.org/drawingml/2006/main" xmlns:r="http://schemas.openxmlformats.org/officeDocument/2006/relationships" xmlns:p="http://schemas.openxmlformats.org/presentationml/2006/main">
-  <p:cSld>
-    <p:bg>
-      <p:bgPr>
-        <a:gradFill rotWithShape="1">
-          <a:gsLst>
-            <a:gs pos="0">
-              <a:schemeClr val="bg2">
-                <a:tint val="97000"/>
-                <a:hueMod val="92000"/>
-                <a:satMod val="169000"/>
-                <a:lumMod val="164000"/>
-              </a:schemeClr>
-            </a:gs>
-            <a:gs pos="100000">
-              <a:schemeClr val="bg2">
-                <a:shade val="96000"/>
-                <a:satMod val="120000"/>
-                <a:lumMod val="90000"/>
-              </a:schemeClr>
-            </a:gs>
-          </a:gsLst>
-          <a:path path="circle">
-            <a:fillToRect b="100000"/>
-          </a:path>
-        </a:gradFill>
-        <a:effectLst/>
-      </p:bgPr>
-    </p:bg>
-    <p:spTree>
-      <p:nvGrpSpPr>
-        <p:cNvPr id="1" name=""/>
-        <p:cNvGrpSpPr/>
-        <p:nvPr/>
-      </p:nvGrpSpPr>
-      <p:grpSpPr>
-        <a:xfrm>
-          <a:off x="0" y="0"/>
-          <a:ext cx="0" cy="0"/>
-          <a:chOff x="0" y="0"/>
-          <a:chExt cx="0" cy="0"/>
-        </a:xfrm>
-      </p:grpSpPr>
-      <p:sp>
-        <p:nvSpPr>
-          <p:cNvPr id="10" name="Rectangle 9">
-            <a:extLst>
-              <a:ext uri="{FF2B5EF4-FFF2-40B4-BE49-F238E27FC236}">
-                <a16:creationId xmlns:a16="http://schemas.microsoft.com/office/drawing/2014/main" id="{2C33F367-76E5-4D2A-96B1-4FD443CDD1CF}"/>
-              </a:ext>
-              <a:ext uri="{C183D7F6-B498-43B3-948B-1728B52AA6E4}">
-                <adec:decorative xmlns:adec="http://schemas.microsoft.com/office/drawing/2017/decorative" val="1"/>
-              </a:ext>
-            </a:extLst>
-          </p:cNvPr>
-          <p:cNvSpPr>
-            <a:spLocks noGrp="1" noRot="1" noChangeAspect="1" noMove="1" noResize="1" noEditPoints="1" noAdjustHandles="1" noChangeArrowheads="1" noChangeShapeType="1" noTextEdit="1"/>
-          </p:cNvSpPr>
-          <p:nvPr>
-            <p:extLst>
-              <p:ext uri="{386F3935-93C4-4BCD-93E2-E3B085C9AB24}">
-                <p16:designElem xmlns:p16="http://schemas.microsoft.com/office/powerpoint/2015/main" val="1"/>
-              </p:ext>
-            </p:extLst>
-          </p:nvPr>
-        </p:nvSpPr>
-        <p:spPr>
-          <a:xfrm>
-            <a:off x="0" y="0"/>
-            <a:ext cx="12192000" cy="6858000"/>
-          </a:xfrm>
-          <a:prstGeom prst="rect">
-            <a:avLst/>
-          </a:prstGeom>
-          <a:gradFill>
-            <a:gsLst>
-              <a:gs pos="10000">
-                <a:schemeClr val="dk2">
-                  <a:tint val="97000"/>
-                  <a:hueMod val="92000"/>
-                  <a:satMod val="169000"/>
-                  <a:lumMod val="164000"/>
-                </a:schemeClr>
-              </a:gs>
-              <a:gs pos="100000">
-                <a:schemeClr val="dk2">
-                  <a:shade val="96000"/>
-                  <a:satMod val="120000"/>
-                  <a:lumMod val="90000"/>
-                </a:schemeClr>
-              </a:gs>
-            </a:gsLst>
-            <a:lin ang="6120000" scaled="1"/>
-          </a:gradFill>
-          <a:ln>
-            <a:noFill/>
-          </a:ln>
-        </p:spPr>
-        <p:style>
-          <a:lnRef idx="2">
-            <a:schemeClr val="accent1">
-              <a:shade val="50000"/>
-            </a:schemeClr>
-          </a:lnRef>
-          <a:fillRef idx="1002">
-            <a:schemeClr val="dk2"/>
-          </a:fillRef>
-          <a:effectRef idx="0">
-            <a:schemeClr val="accent1"/>
-          </a:effectRef>
-          <a:fontRef idx="minor">
-            <a:schemeClr val="lt1"/>
-          </a:fontRef>
-        </p:style>
-        <p:txBody>
-          <a:bodyPr rtlCol="0" anchor="ctr"/>
-          <a:lstStyle/>
-          <a:p>
-            <a:pPr algn="ctr"/>
-            <a:endParaRPr lang="en-US"/>
-          </a:p>
-        </p:txBody>
-      </p:sp>
-      <p:sp>
-        <p:nvSpPr>
-          <p:cNvPr id="12" name="Snip Diagonal Corner Rectangle 21">
-            <a:extLst>
-              <a:ext uri="{FF2B5EF4-FFF2-40B4-BE49-F238E27FC236}">
-                <a16:creationId xmlns:a16="http://schemas.microsoft.com/office/drawing/2014/main" id="{6F769419-3E73-449D-B62A-0CDEC946A679}"/>
-              </a:ext>
-              <a:ext uri="{C183D7F6-B498-43B3-948B-1728B52AA6E4}">
-                <adec:decorative xmlns:adec="http://schemas.microsoft.com/office/drawing/2017/decorative" val="1"/>
-              </a:ext>
-            </a:extLst>
-          </p:cNvPr>
-          <p:cNvSpPr>
-            <a:spLocks noGrp="1" noRot="1" noChangeAspect="1" noMove="1" noResize="1" noEditPoints="1" noAdjustHandles="1" noChangeArrowheads="1" noChangeShapeType="1" noTextEdit="1"/>
-          </p:cNvSpPr>
-          <p:nvPr>
-            <p:extLst>
-              <p:ext uri="{386F3935-93C4-4BCD-93E2-E3B085C9AB24}">
-                <p16:designElem xmlns:p16="http://schemas.microsoft.com/office/powerpoint/2015/main" val="1"/>
-              </p:ext>
-            </p:extLst>
-          </p:nvPr>
-        </p:nvSpPr>
-        <p:spPr>
-          <a:xfrm>
-            <a:off x="0" y="-2"/>
-            <a:ext cx="8129873" cy="6858002"/>
-          </a:xfrm>
-          <a:prstGeom prst="snip2DiagRect">
-            <a:avLst>
-              <a:gd name="adj1" fmla="val 0"/>
-              <a:gd name="adj2" fmla="val 0"/>
-            </a:avLst>
-          </a:prstGeom>
-          <a:solidFill>
-            <a:schemeClr val="bg1">
-              <a:alpha val="0"/>
-            </a:schemeClr>
-          </a:solidFill>
-          <a:ln>
-            <a:noFill/>
-          </a:ln>
-          <a:effectLst/>
-        </p:spPr>
-        <p:style>
-          <a:lnRef idx="2">
-            <a:schemeClr val="accent1">
-              <a:shade val="50000"/>
-            </a:schemeClr>
-          </a:lnRef>
-          <a:fillRef idx="1">
-            <a:schemeClr val="accent1"/>
-          </a:fillRef>
-          <a:effectRef idx="0">
-            <a:schemeClr val="accent1"/>
-          </a:effectRef>
-          <a:fontRef idx="minor">
-            <a:schemeClr val="lt1"/>
-          </a:fontRef>
-        </p:style>
-        <p:txBody>
-          <a:bodyPr rtlCol="0" anchor="ctr"/>
-          <a:lstStyle/>
-          <a:p>
-            <a:pPr algn="ctr"/>
-            <a:endParaRPr lang="en-US"/>
-          </a:p>
-        </p:txBody>
-      </p:sp>
-      <p:grpSp>
-        <p:nvGrpSpPr>
-          <p:cNvPr id="14" name="Group 13">
-            <a:extLst>
-              <a:ext uri="{FF2B5EF4-FFF2-40B4-BE49-F238E27FC236}">
-                <a16:creationId xmlns:a16="http://schemas.microsoft.com/office/drawing/2014/main" id="{A6515200-42F9-488F-9895-6CDBCD1E87C8}"/>
-              </a:ext>
-              <a:ext uri="{C183D7F6-B498-43B3-948B-1728B52AA6E4}">
-                <adec:decorative xmlns:adec="http://schemas.microsoft.com/office/drawing/2017/decorative" val="1"/>
-              </a:ext>
-            </a:extLst>
-          </p:cNvPr>
-          <p:cNvGrpSpPr>
-            <a:grpSpLocks noGrp="1" noUngrp="1" noRot="1" noChangeAspect="1" noMove="1" noResize="1"/>
-          </p:cNvGrpSpPr>
-          <p:nvPr>
-            <p:extLst>
-              <p:ext uri="{386F3935-93C4-4BCD-93E2-E3B085C9AB24}">
-                <p16:designElem xmlns:p16="http://schemas.microsoft.com/office/powerpoint/2015/main" val="1"/>
-              </p:ext>
-            </p:extLst>
-          </p:nvPr>
-        </p:nvGrpSpPr>
-        <p:grpSpPr>
-          <a:xfrm>
-            <a:off x="9206969" y="2963333"/>
-            <a:ext cx="2981858" cy="3208867"/>
-            <a:chOff x="9206969" y="2963333"/>
-            <a:chExt cx="2981858" cy="3208867"/>
-          </a:xfrm>
-        </p:grpSpPr>
-        <p:cxnSp>
-          <p:nvCxnSpPr>
-            <p:cNvPr id="15" name="Straight Connector 14">
-              <a:extLst>
-                <a:ext uri="{FF2B5EF4-FFF2-40B4-BE49-F238E27FC236}">
-                  <a16:creationId xmlns:a16="http://schemas.microsoft.com/office/drawing/2014/main" id="{43185F0E-78D5-4C2D-9239-D3515B448837}"/>
-                </a:ext>
-                <a:ext uri="{C183D7F6-B498-43B3-948B-1728B52AA6E4}">
-                  <adec:decorative xmlns:adec="http://schemas.microsoft.com/office/drawing/2017/decorative" val="1"/>
-                </a:ext>
-              </a:extLst>
-            </p:cNvPr>
-            <p:cNvCxnSpPr/>
-            <p:nvPr>
-              <p:extLst>
-                <p:ext uri="{386F3935-93C4-4BCD-93E2-E3B085C9AB24}">
-                  <p16:designElem xmlns:p16="http://schemas.microsoft.com/office/powerpoint/2015/main" val="1"/>
-                </p:ext>
-              </p:extLst>
-            </p:nvPr>
-          </p:nvCxnSpPr>
-          <p:spPr>
-            <a:xfrm flipH="1">
-              <a:off x="11276012" y="2963333"/>
-              <a:ext cx="912814" cy="912812"/>
-            </a:xfrm>
-            <a:prstGeom prst="line">
-              <a:avLst/>
-            </a:prstGeom>
-            <a:ln w="9525">
-              <a:solidFill>
-                <a:srgbClr val="FFFFFF"/>
-              </a:solidFill>
-            </a:ln>
-          </p:spPr>
-          <p:style>
-            <a:lnRef idx="2">
-              <a:schemeClr val="accent1"/>
-            </a:lnRef>
-            <a:fillRef idx="0">
-              <a:schemeClr val="accent1"/>
-            </a:fillRef>
-            <a:effectRef idx="1">
-              <a:schemeClr val="accent1"/>
-            </a:effectRef>
-            <a:fontRef idx="minor">
-              <a:schemeClr val="tx1"/>
-            </a:fontRef>
-          </p:style>
-        </p:cxnSp>
-        <p:cxnSp>
-          <p:nvCxnSpPr>
-            <p:cNvPr id="16" name="Straight Connector 15">
-              <a:extLst>
-                <a:ext uri="{FF2B5EF4-FFF2-40B4-BE49-F238E27FC236}">
-                  <a16:creationId xmlns:a16="http://schemas.microsoft.com/office/drawing/2014/main" id="{D5BD9142-FF9C-4EED-A027-18D095481BB8}"/>
-                </a:ext>
-                <a:ext uri="{C183D7F6-B498-43B3-948B-1728B52AA6E4}">
-                  <adec:decorative xmlns:adec="http://schemas.microsoft.com/office/drawing/2017/decorative" val="1"/>
-                </a:ext>
-              </a:extLst>
-            </p:cNvPr>
-            <p:cNvCxnSpPr/>
-            <p:nvPr>
-              <p:extLst>
-                <p:ext uri="{386F3935-93C4-4BCD-93E2-E3B085C9AB24}">
-                  <p16:designElem xmlns:p16="http://schemas.microsoft.com/office/powerpoint/2015/main" val="1"/>
-                </p:ext>
-              </p:extLst>
-            </p:nvPr>
-          </p:nvCxnSpPr>
-          <p:spPr>
-            <a:xfrm flipH="1">
-              <a:off x="9206969" y="3190344"/>
-              <a:ext cx="2981857" cy="2981856"/>
-            </a:xfrm>
-            <a:prstGeom prst="line">
-              <a:avLst/>
-            </a:prstGeom>
-            <a:ln w="9525">
-              <a:solidFill>
-                <a:srgbClr val="FFFFFF"/>
-              </a:solidFill>
-            </a:ln>
-          </p:spPr>
-          <p:style>
-            <a:lnRef idx="2">
-              <a:schemeClr val="accent1"/>
-            </a:lnRef>
-            <a:fillRef idx="0">
-              <a:schemeClr val="accent1"/>
-            </a:fillRef>
-            <a:effectRef idx="1">
-              <a:schemeClr val="accent1"/>
-            </a:effectRef>
-            <a:fontRef idx="minor">
-              <a:schemeClr val="tx1"/>
-            </a:fontRef>
-          </p:style>
-        </p:cxnSp>
-        <p:cxnSp>
-          <p:nvCxnSpPr>
-            <p:cNvPr id="17" name="Straight Connector 16">
-              <a:extLst>
-                <a:ext uri="{FF2B5EF4-FFF2-40B4-BE49-F238E27FC236}">
-                  <a16:creationId xmlns:a16="http://schemas.microsoft.com/office/drawing/2014/main" id="{42F547D3-9752-4481-B3A8-50E08610B8EC}"/>
-                </a:ext>
-                <a:ext uri="{C183D7F6-B498-43B3-948B-1728B52AA6E4}">
-                  <adec:decorative xmlns:adec="http://schemas.microsoft.com/office/drawing/2017/decorative" val="1"/>
-                </a:ext>
-              </a:extLst>
-            </p:cNvPr>
-            <p:cNvCxnSpPr/>
-            <p:nvPr>
-              <p:extLst>
-                <p:ext uri="{386F3935-93C4-4BCD-93E2-E3B085C9AB24}">
-                  <p16:designElem xmlns:p16="http://schemas.microsoft.com/office/powerpoint/2015/main" val="1"/>
-                </p:ext>
-              </p:extLst>
-            </p:nvPr>
-          </p:nvCxnSpPr>
-          <p:spPr>
-            <a:xfrm flipH="1">
-              <a:off x="10292292" y="3285067"/>
-              <a:ext cx="1896534" cy="1896533"/>
-            </a:xfrm>
-            <a:prstGeom prst="line">
-              <a:avLst/>
-            </a:prstGeom>
-            <a:ln w="9525">
-              <a:solidFill>
-                <a:srgbClr val="FFFFFF"/>
-              </a:solidFill>
-            </a:ln>
-          </p:spPr>
-          <p:style>
-            <a:lnRef idx="2">
-              <a:schemeClr val="accent1"/>
-            </a:lnRef>
-            <a:fillRef idx="0">
-              <a:schemeClr val="accent1"/>
-            </a:fillRef>
-            <a:effectRef idx="1">
-              <a:schemeClr val="accent1"/>
-            </a:effectRef>
-            <a:fontRef idx="minor">
-              <a:schemeClr val="tx1"/>
-            </a:fontRef>
-          </p:style>
-        </p:cxnSp>
-        <p:cxnSp>
-          <p:nvCxnSpPr>
-            <p:cNvPr id="18" name="Straight Connector 17">
-              <a:extLst>
-                <a:ext uri="{FF2B5EF4-FFF2-40B4-BE49-F238E27FC236}">
-                  <a16:creationId xmlns:a16="http://schemas.microsoft.com/office/drawing/2014/main" id="{F1999C2F-3D0D-4813-9696-83630A6FEABD}"/>
-                </a:ext>
-                <a:ext uri="{C183D7F6-B498-43B3-948B-1728B52AA6E4}">
-                  <adec:decorative xmlns:adec="http://schemas.microsoft.com/office/drawing/2017/decorative" val="1"/>
-                </a:ext>
-              </a:extLst>
-            </p:cNvPr>
-            <p:cNvCxnSpPr/>
-            <p:nvPr>
-              <p:extLst>
-                <p:ext uri="{386F3935-93C4-4BCD-93E2-E3B085C9AB24}">
-                  <p16:designElem xmlns:p16="http://schemas.microsoft.com/office/powerpoint/2015/main" val="1"/>
-                </p:ext>
-              </p:extLst>
-            </p:nvPr>
-          </p:nvCxnSpPr>
-          <p:spPr>
-            <a:xfrm flipH="1">
-              <a:off x="10443103" y="3131080"/>
-              <a:ext cx="1745722" cy="1745720"/>
-            </a:xfrm>
-            <a:prstGeom prst="line">
-              <a:avLst/>
-            </a:prstGeom>
-            <a:ln w="28575">
-              <a:solidFill>
-                <a:srgbClr val="FFFFFF"/>
-              </a:solidFill>
-            </a:ln>
-          </p:spPr>
-          <p:style>
-            <a:lnRef idx="2">
-              <a:schemeClr val="accent1"/>
-            </a:lnRef>
-            <a:fillRef idx="0">
-              <a:schemeClr val="accent1"/>
-            </a:fillRef>
-            <a:effectRef idx="1">
-              <a:schemeClr val="accent1"/>
-            </a:effectRef>
-            <a:fontRef idx="minor">
-              <a:schemeClr val="tx1"/>
-            </a:fontRef>
-          </p:style>
-        </p:cxnSp>
-        <p:cxnSp>
-          <p:nvCxnSpPr>
-            <p:cNvPr id="19" name="Straight Connector 18">
-              <a:extLst>
-                <a:ext uri="{FF2B5EF4-FFF2-40B4-BE49-F238E27FC236}">
-                  <a16:creationId xmlns:a16="http://schemas.microsoft.com/office/drawing/2014/main" id="{EC737390-C9CA-456B-9F40-D7A76EA242E7}"/>
-                </a:ext>
-                <a:ext uri="{C183D7F6-B498-43B3-948B-1728B52AA6E4}">
-                  <adec:decorative xmlns:adec="http://schemas.microsoft.com/office/drawing/2017/decorative" val="1"/>
-                </a:ext>
-              </a:extLst>
-            </p:cNvPr>
-            <p:cNvCxnSpPr/>
-            <p:nvPr>
-              <p:extLst>
-                <p:ext uri="{386F3935-93C4-4BCD-93E2-E3B085C9AB24}">
-                  <p16:designElem xmlns:p16="http://schemas.microsoft.com/office/powerpoint/2015/main" val="1"/>
-                </p:ext>
-              </p:extLst>
-            </p:nvPr>
-          </p:nvCxnSpPr>
-          <p:spPr>
-            <a:xfrm flipH="1">
-              <a:off x="10918826" y="3683001"/>
-              <a:ext cx="1270001" cy="1269999"/>
-            </a:xfrm>
-            <a:prstGeom prst="line">
-              <a:avLst/>
-            </a:prstGeom>
-            <a:ln w="28575">
-              <a:solidFill>
-                <a:srgbClr val="FFFFFF"/>
-              </a:solidFill>
-            </a:ln>
-          </p:spPr>
-          <p:style>
-            <a:lnRef idx="2">
-              <a:schemeClr val="accent1"/>
-            </a:lnRef>
-            <a:fillRef idx="0">
-              <a:schemeClr val="accent1"/>
-            </a:fillRef>
-            <a:effectRef idx="1">
-              <a:schemeClr val="accent1"/>
-            </a:effectRef>
-            <a:fontRef idx="minor">
-              <a:schemeClr val="tx1"/>
-            </a:fontRef>
-          </p:style>
-        </p:cxnSp>
-      </p:grpSp>
-      <p:sp>
-        <p:nvSpPr>
-          <p:cNvPr id="2" name="Titre 1">
-            <a:extLst>
-              <a:ext uri="{FF2B5EF4-FFF2-40B4-BE49-F238E27FC236}">
-                <a16:creationId xmlns:a16="http://schemas.microsoft.com/office/drawing/2014/main" id="{91F2D697-AEBD-4258-8341-1E8F9EDF1DFB}"/>
-              </a:ext>
-            </a:extLst>
-          </p:cNvPr>
-          <p:cNvSpPr>
-            <a:spLocks noGrp="1"/>
-          </p:cNvSpPr>
-          <p:nvPr>
-            <p:ph type="title"/>
-          </p:nvPr>
-        </p:nvSpPr>
-        <p:spPr>
-          <a:xfrm>
-            <a:off x="8588661" y="941424"/>
-            <a:ext cx="3043896" cy="3248611"/>
-          </a:xfrm>
-        </p:spPr>
-        <p:txBody>
-          <a:bodyPr>
-            <a:normAutofit/>
-          </a:bodyPr>
-          <a:lstStyle/>
-          <a:p>
-            <a:r>
-              <a:rPr lang="fr-FR" sz="3100">
-                <a:solidFill>
-                  <a:srgbClr val="FFFFFF"/>
-                </a:solidFill>
-              </a:rPr>
-              <a:t>Environment</a:t>
-            </a:r>
-            <a:endParaRPr lang="en-GB" sz="3100">
-              <a:solidFill>
-                <a:srgbClr val="FFFFFF"/>
-              </a:solidFill>
-            </a:endParaRPr>
-          </a:p>
-        </p:txBody>
-      </p:sp>
-      <p:graphicFrame>
-        <p:nvGraphicFramePr>
-          <p:cNvPr id="5" name="Espace réservé du contenu 2">
-            <a:extLst>
-              <a:ext uri="{FF2B5EF4-FFF2-40B4-BE49-F238E27FC236}">
-                <a16:creationId xmlns:a16="http://schemas.microsoft.com/office/drawing/2014/main" id="{9C052EF2-23D5-4840-B6B1-5F32104F68AC}"/>
-              </a:ext>
-            </a:extLst>
-          </p:cNvPr>
-          <p:cNvGraphicFramePr>
-            <a:graphicFrameLocks noGrp="1"/>
-          </p:cNvGraphicFramePr>
-          <p:nvPr>
-            <p:ph idx="1"/>
-            <p:extLst>
-              <p:ext uri="{D42A27DB-BD31-4B8C-83A1-F6EECF244321}">
-                <p14:modId xmlns:p14="http://schemas.microsoft.com/office/powerpoint/2010/main" val="3871919060"/>
-              </p:ext>
-            </p:extLst>
-          </p:nvPr>
-        </p:nvGraphicFramePr>
-        <p:xfrm>
-          <a:off x="940645" y="941424"/>
-          <a:ext cx="6190459" cy="4768713"/>
-        </p:xfrm>
-        <a:graphic>
-          <a:graphicData uri="http://schemas.openxmlformats.org/drawingml/2006/diagram">
-            <dgm:relIds xmlns:dgm="http://schemas.openxmlformats.org/drawingml/2006/diagram" xmlns:r="http://schemas.openxmlformats.org/officeDocument/2006/relationships" r:dm="rId2" r:lo="rId3" r:qs="rId4" r:cs="rId5"/>
-          </a:graphicData>
-        </a:graphic>
-      </p:graphicFrame>
-    </p:spTree>
-    <p:extLst>
-      <p:ext uri="{BB962C8B-B14F-4D97-AF65-F5344CB8AC3E}">
-        <p14:creationId xmlns:p14="http://schemas.microsoft.com/office/powerpoint/2010/main" val="602710572"/>
-      </p:ext>
-    </p:extLst>
-  </p:cSld>
-  <p:clrMapOvr>
-    <a:masterClrMapping/>
-  </p:clrMapOvr>
-</p:sld>
-</file>
-
-<file path=ppt/slides/slide3.xml><?xml version="1.0" encoding="utf-8"?>
-<p:sld xmlns:a="http://schemas.openxmlformats.org/drawingml/2006/main" xmlns:r="http://schemas.openxmlformats.org/officeDocument/2006/relationships" xmlns:p="http://schemas.openxmlformats.org/presentationml/2006/main">
-  <p:cSld>
-    <p:spTree>
-      <p:nvGrpSpPr>
-        <p:cNvPr id="1" name=""/>
-        <p:cNvGrpSpPr/>
-        <p:nvPr/>
-      </p:nvGrpSpPr>
-      <p:grpSpPr>
-        <a:xfrm>
-          <a:off x="0" y="0"/>
-          <a:ext cx="0" cy="0"/>
-          <a:chOff x="0" y="0"/>
-          <a:chExt cx="0" cy="0"/>
-        </a:xfrm>
-      </p:grpSpPr>
-      <p:sp>
-        <p:nvSpPr>
-          <p:cNvPr id="2" name="Titre 1">
-            <a:extLst>
-              <a:ext uri="{FF2B5EF4-FFF2-40B4-BE49-F238E27FC236}">
-                <a16:creationId xmlns:a16="http://schemas.microsoft.com/office/drawing/2014/main" id="{04581F43-D57A-4533-9B0C-D102DDD60DE2}"/>
-              </a:ext>
-            </a:extLst>
-          </p:cNvPr>
-          <p:cNvSpPr>
-            <a:spLocks noGrp="1"/>
-          </p:cNvSpPr>
-          <p:nvPr>
-            <p:ph type="title"/>
-          </p:nvPr>
-        </p:nvSpPr>
-        <p:spPr/>
-        <p:txBody>
-          <a:bodyPr/>
-          <a:lstStyle/>
-          <a:p>
-            <a:r>
-              <a:rPr lang="fr-FR" dirty="0"/>
-              <a:t>Weak IA and Strong IA</a:t>
-            </a:r>
-            <a:endParaRPr lang="en-GB" dirty="0"/>
-          </a:p>
-        </p:txBody>
-      </p:sp>
-      <p:sp>
-        <p:nvSpPr>
-          <p:cNvPr id="3" name="Espace réservé du contenu 2">
-            <a:extLst>
-              <a:ext uri="{FF2B5EF4-FFF2-40B4-BE49-F238E27FC236}">
-                <a16:creationId xmlns:a16="http://schemas.microsoft.com/office/drawing/2014/main" id="{99D4B22A-53DB-4023-B6F3-71D686A8F429}"/>
-              </a:ext>
-            </a:extLst>
-          </p:cNvPr>
-          <p:cNvSpPr>
-            <a:spLocks noGrp="1"/>
-          </p:cNvSpPr>
-          <p:nvPr>
-            <p:ph idx="1"/>
-          </p:nvPr>
-        </p:nvSpPr>
-        <p:spPr/>
-        <p:txBody>
-          <a:bodyPr/>
-          <a:lstStyle/>
-          <a:p>
-            <a:r>
-              <a:rPr lang="fr-FR" dirty="0"/>
-              <a:t>Use </a:t>
-            </a:r>
-            <a:r>
-              <a:rPr lang="fr-FR" dirty="0" err="1"/>
-              <a:t>definitions</a:t>
-            </a:r>
-            <a:endParaRPr lang="fr-FR" dirty="0"/>
-          </a:p>
-          <a:p>
-            <a:r>
-              <a:rPr lang="fr-FR" dirty="0"/>
-              <a:t>Use </a:t>
-            </a:r>
-            <a:r>
-              <a:rPr lang="fr-FR"/>
-              <a:t>schemas</a:t>
-            </a:r>
-            <a:endParaRPr lang="en-GB" dirty="0"/>
-          </a:p>
-        </p:txBody>
-      </p:sp>
-    </p:spTree>
-    <p:extLst>
-      <p:ext uri="{BB962C8B-B14F-4D97-AF65-F5344CB8AC3E}">
-        <p14:creationId xmlns:p14="http://schemas.microsoft.com/office/powerpoint/2010/main" val="4060382238"/>
-      </p:ext>
-    </p:extLst>
-  </p:cSld>
-  <p:clrMapOvr>
-    <a:masterClrMapping/>
-  </p:clrMapOvr>
-</p:sld>
-</file>
-
-<file path=ppt/slides/slide4.xml><?xml version="1.0" encoding="utf-8"?>
-<p:sld xmlns:a="http://schemas.openxmlformats.org/drawingml/2006/main" xmlns:r="http://schemas.openxmlformats.org/officeDocument/2006/relationships" xmlns:p="http://schemas.openxmlformats.org/presentationml/2006/main">
-  <p:cSld>
-    <p:bg>
-      <p:bgPr>
-        <a:gradFill rotWithShape="1">
-          <a:gsLst>
-            <a:gs pos="10000">
-              <a:schemeClr val="bg2">
-                <a:tint val="97000"/>
-                <a:hueMod val="92000"/>
-                <a:satMod val="169000"/>
-                <a:lumMod val="164000"/>
-              </a:schemeClr>
-            </a:gs>
-            <a:gs pos="100000">
-              <a:schemeClr val="bg2">
-                <a:shade val="96000"/>
-                <a:satMod val="120000"/>
-                <a:lumMod val="90000"/>
-              </a:schemeClr>
-            </a:gs>
-          </a:gsLst>
-          <a:lin ang="6120000" scaled="1"/>
-        </a:gradFill>
-        <a:effectLst/>
-      </p:bgPr>
-    </p:bg>
-    <p:spTree>
-      <p:nvGrpSpPr>
-        <p:cNvPr id="1" name=""/>
-        <p:cNvGrpSpPr/>
-        <p:nvPr/>
-      </p:nvGrpSpPr>
-      <p:grpSpPr>
-        <a:xfrm>
-          <a:off x="0" y="0"/>
-          <a:ext cx="0" cy="0"/>
-          <a:chOff x="0" y="0"/>
-          <a:chExt cx="0" cy="0"/>
-        </a:xfrm>
-      </p:grpSpPr>
-      <p:sp useBgFill="1">
-        <p:nvSpPr>
-          <p:cNvPr id="15" name="Rectangle 14">
-            <a:extLst>
-              <a:ext uri="{FF2B5EF4-FFF2-40B4-BE49-F238E27FC236}">
-                <a16:creationId xmlns:a16="http://schemas.microsoft.com/office/drawing/2014/main" id="{7509B08A-C1EC-478C-86AF-60ADE06D9BBB}"/>
-              </a:ext>
-              <a:ext uri="{C183D7F6-B498-43B3-948B-1728B52AA6E4}">
-                <adec:decorative xmlns:adec="http://schemas.microsoft.com/office/drawing/2017/decorative" val="1"/>
-              </a:ext>
-            </a:extLst>
-          </p:cNvPr>
-          <p:cNvSpPr>
-            <a:spLocks noGrp="1" noRot="1" noChangeAspect="1" noMove="1" noResize="1" noEditPoints="1" noAdjustHandles="1" noChangeArrowheads="1" noChangeShapeType="1" noTextEdit="1"/>
-          </p:cNvSpPr>
-          <p:nvPr>
-            <p:extLst>
-              <p:ext uri="{386F3935-93C4-4BCD-93E2-E3B085C9AB24}">
-                <p16:designElem xmlns:p16="http://schemas.microsoft.com/office/powerpoint/2015/main" val="1"/>
-              </p:ext>
-            </p:extLst>
-          </p:nvPr>
-        </p:nvSpPr>
-        <p:spPr>
-          <a:xfrm>
-            <a:off x="0" y="0"/>
-            <a:ext cx="12192000" cy="6858000"/>
-          </a:xfrm>
-          <a:prstGeom prst="rect">
-            <a:avLst/>
-          </a:prstGeom>
-          <a:ln>
-            <a:noFill/>
-          </a:ln>
-        </p:spPr>
-        <p:style>
-          <a:lnRef idx="2">
-            <a:schemeClr val="accent1">
-              <a:shade val="50000"/>
-            </a:schemeClr>
-          </a:lnRef>
-          <a:fillRef idx="1">
-            <a:schemeClr val="accent1"/>
-          </a:fillRef>
-          <a:effectRef idx="0">
-            <a:schemeClr val="accent1"/>
-          </a:effectRef>
-          <a:fontRef idx="minor">
-            <a:schemeClr val="lt1"/>
-          </a:fontRef>
-        </p:style>
-        <p:txBody>
-          <a:bodyPr rtlCol="0" anchor="ctr"/>
-          <a:lstStyle/>
-          <a:p>
-            <a:pPr algn="ctr"/>
-            <a:endParaRPr lang="en-US"/>
-          </a:p>
-        </p:txBody>
-      </p:sp>
-      <p:sp>
-        <p:nvSpPr>
-          <p:cNvPr id="2" name="Titre 1">
-            <a:extLst>
-              <a:ext uri="{FF2B5EF4-FFF2-40B4-BE49-F238E27FC236}">
-                <a16:creationId xmlns:a16="http://schemas.microsoft.com/office/drawing/2014/main" id="{77851132-74B7-4D74-B115-071128FEC992}"/>
-              </a:ext>
-            </a:extLst>
-          </p:cNvPr>
-          <p:cNvSpPr>
-            <a:spLocks noGrp="1"/>
-          </p:cNvSpPr>
-          <p:nvPr>
-            <p:ph type="title"/>
-          </p:nvPr>
-        </p:nvSpPr>
-        <p:spPr>
-          <a:xfrm>
-            <a:off x="640290" y="685800"/>
-            <a:ext cx="4818656" cy="4603749"/>
-          </a:xfrm>
-        </p:spPr>
-        <p:txBody>
-          <a:bodyPr>
-            <a:normAutofit/>
-          </a:bodyPr>
-          <a:lstStyle/>
-          <a:p>
-            <a:pPr algn="r"/>
-            <a:r>
-              <a:rPr lang="fr-FR" sz="5200"/>
-              <a:t>issues</a:t>
-            </a:r>
-            <a:endParaRPr lang="en-GB" sz="5200"/>
-          </a:p>
-        </p:txBody>
-      </p:sp>
-      <p:sp>
-        <p:nvSpPr>
-          <p:cNvPr id="17" name="Rectangle 16">
-            <a:extLst>
-              <a:ext uri="{FF2B5EF4-FFF2-40B4-BE49-F238E27FC236}">
-                <a16:creationId xmlns:a16="http://schemas.microsoft.com/office/drawing/2014/main" id="{221CC330-4259-4C32-BF8B-5FE13FFABB3A}"/>
-              </a:ext>
-              <a:ext uri="{C183D7F6-B498-43B3-948B-1728B52AA6E4}">
-                <adec:decorative xmlns:adec="http://schemas.microsoft.com/office/drawing/2017/decorative" val="1"/>
-              </a:ext>
-            </a:extLst>
-          </p:cNvPr>
-          <p:cNvSpPr>
-            <a:spLocks noGrp="1" noRot="1" noChangeAspect="1" noMove="1" noResize="1" noEditPoints="1" noAdjustHandles="1" noChangeArrowheads="1" noChangeShapeType="1" noTextEdit="1"/>
-          </p:cNvSpPr>
-          <p:nvPr>
-            <p:extLst>
-              <p:ext uri="{386F3935-93C4-4BCD-93E2-E3B085C9AB24}">
-                <p16:designElem xmlns:p16="http://schemas.microsoft.com/office/powerpoint/2015/main" val="1"/>
-              </p:ext>
-            </p:extLst>
-          </p:nvPr>
-        </p:nvSpPr>
-        <p:spPr>
-          <a:xfrm>
-            <a:off x="6095999" y="0"/>
-            <a:ext cx="6096001" cy="6858000"/>
-          </a:xfrm>
-          <a:prstGeom prst="rect">
-            <a:avLst/>
-          </a:prstGeom>
-          <a:solidFill>
-            <a:schemeClr val="bg2">
-              <a:alpha val="97000"/>
-            </a:schemeClr>
-          </a:solidFill>
-          <a:ln>
-            <a:noFill/>
-          </a:ln>
-          <a:effectLst/>
-        </p:spPr>
-        <p:style>
-          <a:lnRef idx="2">
-            <a:schemeClr val="accent1">
-              <a:shade val="50000"/>
-            </a:schemeClr>
-          </a:lnRef>
-          <a:fillRef idx="1001">
-            <a:schemeClr val="dk2"/>
-          </a:fillRef>
-          <a:effectRef idx="0">
-            <a:schemeClr val="accent1"/>
-          </a:effectRef>
-          <a:fontRef idx="minor">
-            <a:schemeClr val="lt1"/>
-          </a:fontRef>
-        </p:style>
-        <p:txBody>
-          <a:bodyPr rtlCol="0" anchor="ctr"/>
-          <a:lstStyle/>
-          <a:p>
-            <a:pPr algn="ctr"/>
-            <a:endParaRPr lang="en-US"/>
-          </a:p>
-        </p:txBody>
-      </p:sp>
-      <p:sp>
-        <p:nvSpPr>
-          <p:cNvPr id="3" name="Espace réservé du contenu 2">
-            <a:extLst>
-              <a:ext uri="{FF2B5EF4-FFF2-40B4-BE49-F238E27FC236}">
-                <a16:creationId xmlns:a16="http://schemas.microsoft.com/office/drawing/2014/main" id="{A8089F6D-E260-4620-8DCB-5ABC107EF384}"/>
-              </a:ext>
-            </a:extLst>
-          </p:cNvPr>
-          <p:cNvSpPr>
-            <a:spLocks noGrp="1"/>
-          </p:cNvSpPr>
-          <p:nvPr>
-            <p:ph idx="1"/>
-          </p:nvPr>
-        </p:nvSpPr>
-        <p:spPr>
-          <a:xfrm>
-            <a:off x="6625651" y="685800"/>
-            <a:ext cx="4878959" cy="4603750"/>
-          </a:xfrm>
-        </p:spPr>
-        <p:txBody>
-          <a:bodyPr>
-            <a:normAutofit/>
-          </a:bodyPr>
-          <a:lstStyle/>
-          <a:p>
-            <a:r>
-              <a:rPr lang="fr-FR">
-                <a:solidFill>
-                  <a:schemeClr val="tx1"/>
-                </a:solidFill>
-              </a:rPr>
-              <a:t>Hard to deploy</a:t>
-            </a:r>
-          </a:p>
-          <a:p>
-            <a:r>
-              <a:rPr lang="fr-FR">
-                <a:solidFill>
-                  <a:schemeClr val="tx1"/>
-                </a:solidFill>
-              </a:rPr>
-              <a:t>Simulate the brain behavior during sleep (sort/compress/delete data)</a:t>
-            </a:r>
-          </a:p>
-          <a:p>
-            <a:r>
-              <a:rPr lang="fr-FR">
-                <a:solidFill>
-                  <a:schemeClr val="tx1"/>
-                </a:solidFill>
-              </a:rPr>
-              <a:t>Add a reward (seems like RL, pheromon)</a:t>
-            </a:r>
-          </a:p>
-          <a:p>
-            <a:r>
-              <a:rPr lang="fr-FR">
-                <a:solidFill>
-                  <a:schemeClr val="tx1"/>
-                </a:solidFill>
-              </a:rPr>
-              <a:t>Launch the SAI each day, it will give a report of what it learned</a:t>
-            </a:r>
-          </a:p>
-          <a:p>
-            <a:r>
-              <a:rPr lang="fr-FR">
-                <a:solidFill>
-                  <a:schemeClr val="tx1"/>
-                </a:solidFill>
-              </a:rPr>
-              <a:t>Sort what SAI learned</a:t>
-            </a:r>
-            <a:endParaRPr lang="en-GB">
-              <a:solidFill>
-                <a:schemeClr val="tx1"/>
-              </a:solidFill>
-            </a:endParaRPr>
-          </a:p>
-        </p:txBody>
-      </p:sp>
-    </p:spTree>
-    <p:extLst>
-      <p:ext uri="{BB962C8B-B14F-4D97-AF65-F5344CB8AC3E}">
-        <p14:creationId xmlns:p14="http://schemas.microsoft.com/office/powerpoint/2010/main" val="1559484787"/>
-      </p:ext>
-    </p:extLst>
-  </p:cSld>
-  <p:clrMapOvr>
-    <a:masterClrMapping/>
-  </p:clrMapOvr>
-</p:sld>
-</file>
-
-<file path=ppt/slides/slide5.xml><?xml version="1.0" encoding="utf-8"?>
-<p:sld xmlns:a="http://schemas.openxmlformats.org/drawingml/2006/main" xmlns:r="http://schemas.openxmlformats.org/officeDocument/2006/relationships" xmlns:p="http://schemas.openxmlformats.org/presentationml/2006/main">
-  <p:cSld>
-    <p:bg>
-      <p:bgPr>
-        <a:gradFill rotWithShape="1">
-          <a:gsLst>
-            <a:gs pos="10000">
-              <a:schemeClr val="bg2">
-                <a:tint val="97000"/>
-                <a:hueMod val="92000"/>
-                <a:satMod val="169000"/>
-                <a:lumMod val="164000"/>
-              </a:schemeClr>
-            </a:gs>
-            <a:gs pos="100000">
-              <a:schemeClr val="bg2">
-                <a:shade val="96000"/>
-                <a:satMod val="120000"/>
-                <a:lumMod val="90000"/>
-              </a:schemeClr>
-            </a:gs>
-          </a:gsLst>
-          <a:lin ang="6120000" scaled="1"/>
-        </a:gradFill>
-        <a:effectLst/>
-      </p:bgPr>
-    </p:bg>
-    <p:spTree>
-      <p:nvGrpSpPr>
-        <p:cNvPr id="1" name=""/>
-        <p:cNvGrpSpPr/>
-        <p:nvPr/>
-      </p:nvGrpSpPr>
-      <p:grpSpPr>
-        <a:xfrm>
-          <a:off x="0" y="0"/>
-          <a:ext cx="0" cy="0"/>
-          <a:chOff x="0" y="0"/>
-          <a:chExt cx="0" cy="0"/>
-        </a:xfrm>
-      </p:grpSpPr>
-      <p:sp useBgFill="1">
-        <p:nvSpPr>
-          <p:cNvPr id="23" name="Rectangle 7">
-            <a:extLst>
-              <a:ext uri="{FF2B5EF4-FFF2-40B4-BE49-F238E27FC236}">
-                <a16:creationId xmlns:a16="http://schemas.microsoft.com/office/drawing/2014/main" id="{7509B08A-C1EC-478C-86AF-60ADE06D9BBB}"/>
-              </a:ext>
-              <a:ext uri="{C183D7F6-B498-43B3-948B-1728B52AA6E4}">
-                <adec:decorative xmlns:adec="http://schemas.microsoft.com/office/drawing/2017/decorative" val="1"/>
-              </a:ext>
-            </a:extLst>
-          </p:cNvPr>
-          <p:cNvSpPr>
-            <a:spLocks noGrp="1" noRot="1" noChangeAspect="1" noMove="1" noResize="1" noEditPoints="1" noAdjustHandles="1" noChangeArrowheads="1" noChangeShapeType="1" noTextEdit="1"/>
-          </p:cNvSpPr>
-          <p:nvPr>
-            <p:extLst>
-              <p:ext uri="{386F3935-93C4-4BCD-93E2-E3B085C9AB24}">
-                <p16:designElem xmlns:p16="http://schemas.microsoft.com/office/powerpoint/2015/main" val="1"/>
-              </p:ext>
-            </p:extLst>
-          </p:nvPr>
-        </p:nvSpPr>
-        <p:spPr>
-          <a:xfrm>
-            <a:off x="0" y="0"/>
-            <a:ext cx="12192000" cy="6858000"/>
-          </a:xfrm>
-          <a:prstGeom prst="rect">
-            <a:avLst/>
-          </a:prstGeom>
-          <a:ln>
-            <a:noFill/>
-          </a:ln>
-        </p:spPr>
-        <p:style>
-          <a:lnRef idx="2">
-            <a:schemeClr val="accent1">
-              <a:shade val="50000"/>
-            </a:schemeClr>
-          </a:lnRef>
-          <a:fillRef idx="1">
-            <a:schemeClr val="accent1"/>
-          </a:fillRef>
-          <a:effectRef idx="0">
-            <a:schemeClr val="accent1"/>
-          </a:effectRef>
-          <a:fontRef idx="minor">
-            <a:schemeClr val="lt1"/>
-          </a:fontRef>
-        </p:style>
-        <p:txBody>
-          <a:bodyPr rtlCol="0" anchor="ctr"/>
-          <a:lstStyle/>
-          <a:p>
-            <a:pPr algn="ctr"/>
-            <a:endParaRPr lang="en-US"/>
-          </a:p>
-        </p:txBody>
-      </p:sp>
-      <p:sp>
-        <p:nvSpPr>
-          <p:cNvPr id="2" name="Titre 1">
-            <a:extLst>
-              <a:ext uri="{FF2B5EF4-FFF2-40B4-BE49-F238E27FC236}">
-                <a16:creationId xmlns:a16="http://schemas.microsoft.com/office/drawing/2014/main" id="{E286FAAA-D668-42B4-9647-5ECEBD96BC52}"/>
-              </a:ext>
-            </a:extLst>
-          </p:cNvPr>
-          <p:cNvSpPr>
-            <a:spLocks noGrp="1"/>
-          </p:cNvSpPr>
-          <p:nvPr>
-            <p:ph type="title"/>
-          </p:nvPr>
-        </p:nvSpPr>
-        <p:spPr>
-          <a:xfrm>
-            <a:off x="640290" y="685800"/>
-            <a:ext cx="4818656" cy="4603749"/>
-          </a:xfrm>
-        </p:spPr>
-        <p:txBody>
-          <a:bodyPr>
-            <a:normAutofit/>
-          </a:bodyPr>
-          <a:lstStyle/>
-          <a:p>
-            <a:pPr algn="r"/>
-            <a:r>
-              <a:rPr lang="fr-FR" sz="5200"/>
-              <a:t>Solutions</a:t>
-            </a:r>
-            <a:endParaRPr lang="en-GB" sz="5200"/>
-          </a:p>
-        </p:txBody>
-      </p:sp>
-      <p:sp>
-        <p:nvSpPr>
-          <p:cNvPr id="10" name="Rectangle 9">
-            <a:extLst>
-              <a:ext uri="{FF2B5EF4-FFF2-40B4-BE49-F238E27FC236}">
-                <a16:creationId xmlns:a16="http://schemas.microsoft.com/office/drawing/2014/main" id="{221CC330-4259-4C32-BF8B-5FE13FFABB3A}"/>
-              </a:ext>
-              <a:ext uri="{C183D7F6-B498-43B3-948B-1728B52AA6E4}">
-                <adec:decorative xmlns:adec="http://schemas.microsoft.com/office/drawing/2017/decorative" val="1"/>
-              </a:ext>
-            </a:extLst>
-          </p:cNvPr>
-          <p:cNvSpPr>
-            <a:spLocks noGrp="1" noRot="1" noChangeAspect="1" noMove="1" noResize="1" noEditPoints="1" noAdjustHandles="1" noChangeArrowheads="1" noChangeShapeType="1" noTextEdit="1"/>
-          </p:cNvSpPr>
-          <p:nvPr>
-            <p:extLst>
-              <p:ext uri="{386F3935-93C4-4BCD-93E2-E3B085C9AB24}">
-                <p16:designElem xmlns:p16="http://schemas.microsoft.com/office/powerpoint/2015/main" val="1"/>
-              </p:ext>
-            </p:extLst>
-          </p:nvPr>
-        </p:nvSpPr>
-        <p:spPr>
-          <a:xfrm>
-            <a:off x="6095999" y="0"/>
-            <a:ext cx="6096001" cy="6858000"/>
-          </a:xfrm>
-          <a:prstGeom prst="rect">
-            <a:avLst/>
-          </a:prstGeom>
-          <a:solidFill>
-            <a:schemeClr val="bg2">
-              <a:alpha val="97000"/>
-            </a:schemeClr>
-          </a:solidFill>
-          <a:ln>
-            <a:noFill/>
-          </a:ln>
-          <a:effectLst/>
-        </p:spPr>
-        <p:style>
-          <a:lnRef idx="2">
-            <a:schemeClr val="accent1">
-              <a:shade val="50000"/>
-            </a:schemeClr>
-          </a:lnRef>
-          <a:fillRef idx="1001">
-            <a:schemeClr val="dk2"/>
-          </a:fillRef>
-          <a:effectRef idx="0">
-            <a:schemeClr val="accent1"/>
-          </a:effectRef>
-          <a:fontRef idx="minor">
-            <a:schemeClr val="lt1"/>
-          </a:fontRef>
-        </p:style>
-        <p:txBody>
-          <a:bodyPr rtlCol="0" anchor="ctr"/>
-          <a:lstStyle/>
-          <a:p>
-            <a:pPr algn="ctr"/>
-            <a:endParaRPr lang="en-US"/>
-          </a:p>
-        </p:txBody>
-      </p:sp>
-      <p:sp>
-        <p:nvSpPr>
-          <p:cNvPr id="3" name="Espace réservé du contenu 2">
-            <a:extLst>
-              <a:ext uri="{FF2B5EF4-FFF2-40B4-BE49-F238E27FC236}">
-                <a16:creationId xmlns:a16="http://schemas.microsoft.com/office/drawing/2014/main" id="{128178D9-55E1-4BEF-84B2-EF38491DA27C}"/>
-              </a:ext>
-            </a:extLst>
-          </p:cNvPr>
-          <p:cNvSpPr>
-            <a:spLocks noGrp="1"/>
-          </p:cNvSpPr>
-          <p:nvPr>
-            <p:ph idx="1"/>
-          </p:nvPr>
-        </p:nvSpPr>
-        <p:spPr>
-          <a:xfrm>
-            <a:off x="6625651" y="685800"/>
-            <a:ext cx="4878959" cy="4603750"/>
-          </a:xfrm>
-        </p:spPr>
-        <p:txBody>
-          <a:bodyPr>
-            <a:normAutofit/>
-          </a:bodyPr>
-          <a:lstStyle/>
-          <a:p>
-            <a:r>
-              <a:rPr lang="fr-FR">
-                <a:solidFill>
-                  <a:schemeClr val="tx1"/>
-                </a:solidFill>
-              </a:rPr>
-              <a:t>Create SAI with pyinstaller for multiplatform</a:t>
-            </a:r>
-          </a:p>
-          <a:p>
-            <a:r>
-              <a:rPr lang="fr-FR">
-                <a:solidFill>
-                  <a:schemeClr val="tx1"/>
-                </a:solidFill>
-              </a:rPr>
-              <a:t>Launch a scan that remove duplicate screenshot and order them by interesting strategie</a:t>
-            </a:r>
-          </a:p>
-          <a:p>
-            <a:r>
-              <a:rPr lang="fr-FR">
-                <a:solidFill>
-                  <a:schemeClr val="tx1"/>
-                </a:solidFill>
-              </a:rPr>
-              <a:t>Increment the reward if there was difference between images</a:t>
-            </a:r>
-          </a:p>
-          <a:p>
-            <a:r>
-              <a:rPr lang="fr-FR">
-                <a:solidFill>
-                  <a:schemeClr val="tx1"/>
-                </a:solidFill>
-              </a:rPr>
-              <a:t>Create a web page with the strategies learned</a:t>
-            </a:r>
-          </a:p>
-          <a:p>
-            <a:r>
-              <a:rPr lang="fr-FR">
-                <a:solidFill>
-                  <a:schemeClr val="tx1"/>
-                </a:solidFill>
-              </a:rPr>
-              <a:t>Create a web interface or a vocal controller to order strategies</a:t>
-            </a:r>
-          </a:p>
-        </p:txBody>
-      </p:sp>
-    </p:spTree>
-    <p:extLst>
-      <p:ext uri="{BB962C8B-B14F-4D97-AF65-F5344CB8AC3E}">
-        <p14:creationId xmlns:p14="http://schemas.microsoft.com/office/powerpoint/2010/main" val="701313445"/>
-      </p:ext>
-    </p:extLst>
-  </p:cSld>
-  <p:clrMapOvr>
-    <a:masterClrMapping/>
-  </p:clrMapOvr>
-</p:sld>
-</file>
-
-<file path=ppt/slides/slide6.xml><?xml version="1.0" encoding="utf-8"?>
-<p:sld xmlns:a="http://schemas.openxmlformats.org/drawingml/2006/main" xmlns:r="http://schemas.openxmlformats.org/officeDocument/2006/relationships" xmlns:p="http://schemas.openxmlformats.org/presentationml/2006/main">
-  <p:cSld>
-    <p:spTree>
-      <p:nvGrpSpPr>
-        <p:cNvPr id="1" name=""/>
-        <p:cNvGrpSpPr/>
-        <p:nvPr/>
-      </p:nvGrpSpPr>
-      <p:grpSpPr>
-        <a:xfrm>
-          <a:off x="0" y="0"/>
-          <a:ext cx="0" cy="0"/>
-          <a:chOff x="0" y="0"/>
-          <a:chExt cx="0" cy="0"/>
-        </a:xfrm>
-      </p:grpSpPr>
-      <p:sp>
-        <p:nvSpPr>
-          <p:cNvPr id="2" name="Titre 1">
-            <a:extLst>
-              <a:ext uri="{FF2B5EF4-FFF2-40B4-BE49-F238E27FC236}">
-                <a16:creationId xmlns:a16="http://schemas.microsoft.com/office/drawing/2014/main" id="{643ACCC2-1572-47D7-9E8E-170E100F9348}"/>
-              </a:ext>
-            </a:extLst>
-          </p:cNvPr>
-          <p:cNvSpPr>
-            <a:spLocks noGrp="1"/>
-          </p:cNvSpPr>
-          <p:nvPr>
-            <p:ph type="title"/>
-          </p:nvPr>
-        </p:nvSpPr>
-        <p:spPr/>
-        <p:txBody>
-          <a:bodyPr/>
-          <a:lstStyle/>
-          <a:p>
-            <a:r>
-              <a:rPr lang="fr-FR" dirty="0" err="1"/>
-              <a:t>Result</a:t>
-            </a:r>
-            <a:endParaRPr lang="en-GB" dirty="0"/>
-          </a:p>
-        </p:txBody>
-      </p:sp>
-      <p:sp>
-        <p:nvSpPr>
-          <p:cNvPr id="3" name="Espace réservé du contenu 2">
-            <a:extLst>
-              <a:ext uri="{FF2B5EF4-FFF2-40B4-BE49-F238E27FC236}">
-                <a16:creationId xmlns:a16="http://schemas.microsoft.com/office/drawing/2014/main" id="{7528B972-5B40-4B83-A687-4553853739D3}"/>
-              </a:ext>
-            </a:extLst>
-          </p:cNvPr>
-          <p:cNvSpPr>
-            <a:spLocks noGrp="1"/>
-          </p:cNvSpPr>
-          <p:nvPr>
-            <p:ph idx="1"/>
-          </p:nvPr>
-        </p:nvSpPr>
-        <p:spPr/>
-        <p:txBody>
-          <a:bodyPr/>
-          <a:lstStyle/>
-          <a:p>
-            <a:r>
-              <a:rPr lang="fr-FR"/>
-              <a:t>Show a graph with the strategies learn with a little picture</a:t>
-            </a:r>
-          </a:p>
-          <a:p>
-            <a:r>
-              <a:rPr lang="fr-FR"/>
-              <a:t>Show the web interface to choose strategies</a:t>
-            </a:r>
-            <a:endParaRPr lang="en-GB"/>
-          </a:p>
-        </p:txBody>
-      </p:sp>
-    </p:spTree>
-    <p:extLst>
-      <p:ext uri="{BB962C8B-B14F-4D97-AF65-F5344CB8AC3E}">
-        <p14:creationId xmlns:p14="http://schemas.microsoft.com/office/powerpoint/2010/main" val="770528979"/>
-      </p:ext>
-    </p:extLst>
-  </p:cSld>
-  <p:clrMapOvr>
-    <a:masterClrMapping/>
-  </p:clrMapOvr>
-</p:sld>
-</file>
-
-<file path=ppt/slides/slide7.xml><?xml version="1.0" encoding="utf-8"?>
-<p:sld xmlns:a="http://schemas.openxmlformats.org/drawingml/2006/main" xmlns:r="http://schemas.openxmlformats.org/officeDocument/2006/relationships" xmlns:p="http://schemas.openxmlformats.org/presentationml/2006/main">
-  <p:cSld>
-    <p:bg>
-      <p:bgPr>
-        <a:gradFill rotWithShape="1">
-          <a:gsLst>
-            <a:gs pos="10000">
-              <a:schemeClr val="bg2">
-                <a:tint val="97000"/>
-                <a:hueMod val="92000"/>
-                <a:satMod val="169000"/>
-                <a:lumMod val="164000"/>
-              </a:schemeClr>
-            </a:gs>
-            <a:gs pos="100000">
-              <a:schemeClr val="bg2">
-                <a:shade val="96000"/>
-                <a:satMod val="120000"/>
-                <a:lumMod val="90000"/>
-              </a:schemeClr>
-            </a:gs>
-          </a:gsLst>
-          <a:lin ang="6120000" scaled="1"/>
-        </a:gradFill>
-        <a:effectLst/>
-      </p:bgPr>
-    </p:bg>
-    <p:spTree>
-      <p:nvGrpSpPr>
-        <p:cNvPr id="1" name=""/>
-        <p:cNvGrpSpPr/>
-        <p:nvPr/>
-      </p:nvGrpSpPr>
-      <p:grpSpPr>
-        <a:xfrm>
-          <a:off x="0" y="0"/>
-          <a:ext cx="0" cy="0"/>
-          <a:chOff x="0" y="0"/>
-          <a:chExt cx="0" cy="0"/>
-        </a:xfrm>
-      </p:grpSpPr>
-      <p:sp>
-        <p:nvSpPr>
-          <p:cNvPr id="2" name="Titre 1">
-            <a:extLst>
-              <a:ext uri="{FF2B5EF4-FFF2-40B4-BE49-F238E27FC236}">
-                <a16:creationId xmlns:a16="http://schemas.microsoft.com/office/drawing/2014/main" id="{3CDB8273-45A0-4A0F-905C-063E41E279EE}"/>
-              </a:ext>
-            </a:extLst>
-          </p:cNvPr>
-          <p:cNvSpPr>
-            <a:spLocks noGrp="1"/>
-          </p:cNvSpPr>
-          <p:nvPr>
-            <p:ph type="title"/>
-          </p:nvPr>
-        </p:nvSpPr>
-        <p:spPr>
-          <a:xfrm>
-            <a:off x="684212" y="4487332"/>
-            <a:ext cx="8534400" cy="1507067"/>
-          </a:xfrm>
-        </p:spPr>
-        <p:txBody>
-          <a:bodyPr>
-            <a:normAutofit/>
-          </a:bodyPr>
-          <a:lstStyle/>
-          <a:p>
-            <a:r>
-              <a:rPr lang="fr-FR"/>
-              <a:t>Conclusion</a:t>
-            </a:r>
-            <a:endParaRPr lang="en-GB" dirty="0"/>
-          </a:p>
-        </p:txBody>
-      </p:sp>
-      <p:graphicFrame>
-        <p:nvGraphicFramePr>
-          <p:cNvPr id="5" name="Espace réservé du contenu 2">
-            <a:extLst>
-              <a:ext uri="{FF2B5EF4-FFF2-40B4-BE49-F238E27FC236}">
-                <a16:creationId xmlns:a16="http://schemas.microsoft.com/office/drawing/2014/main" id="{9A2F4FC4-8E3A-4880-8CC3-29FF61F63AB1}"/>
-              </a:ext>
-            </a:extLst>
-          </p:cNvPr>
-          <p:cNvGraphicFramePr>
-            <a:graphicFrameLocks noGrp="1"/>
-          </p:cNvGraphicFramePr>
-          <p:nvPr>
-            <p:ph idx="1"/>
-            <p:extLst>
-              <p:ext uri="{D42A27DB-BD31-4B8C-83A1-F6EECF244321}">
-                <p14:modId xmlns:p14="http://schemas.microsoft.com/office/powerpoint/2010/main" val="208525868"/>
-              </p:ext>
-            </p:extLst>
-          </p:nvPr>
-        </p:nvGraphicFramePr>
-        <p:xfrm>
-          <a:off x="684212" y="685800"/>
-          <a:ext cx="10820399" cy="3614738"/>
-        </p:xfrm>
-        <a:graphic>
-          <a:graphicData uri="http://schemas.openxmlformats.org/drawingml/2006/diagram">
-            <dgm:relIds xmlns:dgm="http://schemas.openxmlformats.org/drawingml/2006/diagram" xmlns:r="http://schemas.openxmlformats.org/officeDocument/2006/relationships" r:dm="rId2" r:lo="rId3" r:qs="rId4" r:cs="rId5"/>
-          </a:graphicData>
-        </a:graphic>
-      </p:graphicFrame>
-    </p:spTree>
-    <p:extLst>
-      <p:ext uri="{BB962C8B-B14F-4D97-AF65-F5344CB8AC3E}">
-        <p14:creationId xmlns:p14="http://schemas.microsoft.com/office/powerpoint/2010/main" val="2526747130"/>
-      </p:ext>
-    </p:extLst>
-  </p:cSld>
-  <p:clrMapOvr>
-    <a:masterClrMapping/>
-  </p:clrMapOvr>
-</p:sld>
-</file>
-
-<file path=ppt/slides/slide8.xml><?xml version="1.0" encoding="utf-8"?>
-<p:sld xmlns:a="http://schemas.openxmlformats.org/drawingml/2006/main" xmlns:r="http://schemas.openxmlformats.org/officeDocument/2006/relationships" xmlns:p="http://schemas.openxmlformats.org/presentationml/2006/main">
-  <p:cSld>
-    <p:spTree>
-      <p:nvGrpSpPr>
-        <p:cNvPr id="1" name=""/>
-        <p:cNvGrpSpPr/>
-        <p:nvPr/>
-      </p:nvGrpSpPr>
-      <p:grpSpPr>
-        <a:xfrm>
-          <a:off x="0" y="0"/>
-          <a:ext cx="0" cy="0"/>
-          <a:chOff x="0" y="0"/>
-          <a:chExt cx="0" cy="0"/>
-        </a:xfrm>
-      </p:grpSpPr>
-      <p:sp>
-        <p:nvSpPr>
-          <p:cNvPr id="2" name="Titre 1">
-            <a:extLst>
-              <a:ext uri="{FF2B5EF4-FFF2-40B4-BE49-F238E27FC236}">
                 <a16:creationId xmlns:a16="http://schemas.microsoft.com/office/drawing/2014/main" id="{50C2AE22-9CDD-4DF4-8855-8950B74A3C2C}"/>
               </a:ext>
             </a:extLst>
@@ -14320,7 +12196,7 @@
 </p:sld>
 </file>
 
-<file path=ppt/slides/slide9.xml><?xml version="1.0" encoding="utf-8"?>
+<file path=ppt/slides/slide11.xml><?xml version="1.0" encoding="utf-8"?>
 <p:sld xmlns:a="http://schemas.openxmlformats.org/drawingml/2006/main" xmlns:r="http://schemas.openxmlformats.org/officeDocument/2006/relationships" xmlns:p="http://schemas.openxmlformats.org/presentationml/2006/main">
   <p:cSld>
     <p:spTree>
@@ -15073,6 +12949,2388 @@
 </p:sld>
 </file>
 
+<file path=ppt/slides/slide12.xml><?xml version="1.0" encoding="utf-8"?>
+<p:sld xmlns:a="http://schemas.openxmlformats.org/drawingml/2006/main" xmlns:r="http://schemas.openxmlformats.org/officeDocument/2006/relationships" xmlns:p="http://schemas.openxmlformats.org/presentationml/2006/main">
+  <p:cSld>
+    <p:spTree>
+      <p:nvGrpSpPr>
+        <p:cNvPr id="1" name=""/>
+        <p:cNvGrpSpPr/>
+        <p:nvPr/>
+      </p:nvGrpSpPr>
+      <p:grpSpPr>
+        <a:xfrm>
+          <a:off x="0" y="0"/>
+          <a:ext cx="0" cy="0"/>
+          <a:chOff x="0" y="0"/>
+          <a:chExt cx="0" cy="0"/>
+        </a:xfrm>
+      </p:grpSpPr>
+      <p:sp>
+        <p:nvSpPr>
+          <p:cNvPr id="2" name="Titre 1">
+            <a:extLst>
+              <a:ext uri="{FF2B5EF4-FFF2-40B4-BE49-F238E27FC236}">
+                <a16:creationId xmlns:a16="http://schemas.microsoft.com/office/drawing/2014/main" id="{C3A47323-C1D5-4FF9-968A-64ABFA3C1E18}"/>
+              </a:ext>
+            </a:extLst>
+          </p:cNvPr>
+          <p:cNvSpPr>
+            <a:spLocks noGrp="1"/>
+          </p:cNvSpPr>
+          <p:nvPr>
+            <p:ph type="title"/>
+          </p:nvPr>
+        </p:nvSpPr>
+        <p:spPr/>
+        <p:txBody>
+          <a:bodyPr/>
+          <a:lstStyle/>
+          <a:p>
+            <a:r>
+              <a:rPr lang="fr-FR" dirty="0"/>
+              <a:t>Annexe</a:t>
+            </a:r>
+            <a:endParaRPr lang="en-GB" dirty="0"/>
+          </a:p>
+        </p:txBody>
+      </p:sp>
+      <p:pic>
+        <p:nvPicPr>
+          <p:cNvPr id="16" name="Espace réservé du contenu 15">
+            <a:extLst>
+              <a:ext uri="{FF2B5EF4-FFF2-40B4-BE49-F238E27FC236}">
+                <a16:creationId xmlns:a16="http://schemas.microsoft.com/office/drawing/2014/main" id="{B2C4B2A4-24E6-4EA7-8EF4-F1B0389A247E}"/>
+              </a:ext>
+            </a:extLst>
+          </p:cNvPr>
+          <p:cNvPicPr>
+            <a:picLocks noGrp="1" noChangeAspect="1"/>
+          </p:cNvPicPr>
+          <p:nvPr>
+            <p:ph idx="1"/>
+          </p:nvPr>
+        </p:nvPicPr>
+        <p:blipFill>
+          <a:blip r:embed="rId2"/>
+          <a:stretch>
+            <a:fillRect/>
+          </a:stretch>
+        </p:blipFill>
+        <p:spPr>
+          <a:xfrm>
+            <a:off x="7839108" y="2560399"/>
+            <a:ext cx="1314450" cy="600075"/>
+          </a:xfrm>
+          <a:prstGeom prst="rect">
+            <a:avLst/>
+          </a:prstGeom>
+        </p:spPr>
+      </p:pic>
+      <p:sp>
+        <p:nvSpPr>
+          <p:cNvPr id="4" name="ZoneTexte 3">
+            <a:extLst>
+              <a:ext uri="{FF2B5EF4-FFF2-40B4-BE49-F238E27FC236}">
+                <a16:creationId xmlns:a16="http://schemas.microsoft.com/office/drawing/2014/main" id="{308043D7-F2FD-4D07-9420-385AA37319FD}"/>
+              </a:ext>
+            </a:extLst>
+          </p:cNvPr>
+          <p:cNvSpPr txBox="1"/>
+          <p:nvPr/>
+        </p:nvSpPr>
+        <p:spPr>
+          <a:xfrm>
+            <a:off x="499481" y="348122"/>
+            <a:ext cx="1754006" cy="369332"/>
+          </a:xfrm>
+          <a:prstGeom prst="rect">
+            <a:avLst/>
+          </a:prstGeom>
+          <a:noFill/>
+        </p:spPr>
+        <p:txBody>
+          <a:bodyPr wrap="none" rtlCol="0">
+            <a:spAutoFit/>
+          </a:bodyPr>
+          <a:lstStyle/>
+          <a:p>
+            <a:r>
+              <a:rPr lang="fr-FR" dirty="0"/>
+              <a:t>The prototype</a:t>
+            </a:r>
+            <a:endParaRPr lang="en-GB" dirty="0"/>
+          </a:p>
+        </p:txBody>
+      </p:sp>
+      <p:cxnSp>
+        <p:nvCxnSpPr>
+          <p:cNvPr id="5" name="Connecteur droit avec flèche 4">
+            <a:extLst>
+              <a:ext uri="{FF2B5EF4-FFF2-40B4-BE49-F238E27FC236}">
+                <a16:creationId xmlns:a16="http://schemas.microsoft.com/office/drawing/2014/main" id="{76B2BD43-8A32-4F05-90EE-F4CBE6F6B3AC}"/>
+              </a:ext>
+            </a:extLst>
+          </p:cNvPr>
+          <p:cNvCxnSpPr>
+            <a:cxnSpLocks/>
+          </p:cNvCxnSpPr>
+          <p:nvPr/>
+        </p:nvCxnSpPr>
+        <p:spPr>
+          <a:xfrm>
+            <a:off x="6384258" y="989988"/>
+            <a:ext cx="1526233" cy="1340211"/>
+          </a:xfrm>
+          <a:prstGeom prst="straightConnector1">
+            <a:avLst/>
+          </a:prstGeom>
+          <a:ln w="76200">
+            <a:solidFill>
+              <a:schemeClr val="accent1">
+                <a:lumMod val="60000"/>
+                <a:lumOff val="40000"/>
+                <a:alpha val="60000"/>
+              </a:schemeClr>
+            </a:solidFill>
+            <a:tailEnd type="triangle"/>
+          </a:ln>
+        </p:spPr>
+        <p:style>
+          <a:lnRef idx="1">
+            <a:schemeClr val="accent1"/>
+          </a:lnRef>
+          <a:fillRef idx="0">
+            <a:schemeClr val="accent1"/>
+          </a:fillRef>
+          <a:effectRef idx="0">
+            <a:schemeClr val="accent1"/>
+          </a:effectRef>
+          <a:fontRef idx="minor">
+            <a:schemeClr val="tx1"/>
+          </a:fontRef>
+        </p:style>
+      </p:cxnSp>
+      <p:cxnSp>
+        <p:nvCxnSpPr>
+          <p:cNvPr id="6" name="Connecteur droit avec flèche 5">
+            <a:extLst>
+              <a:ext uri="{FF2B5EF4-FFF2-40B4-BE49-F238E27FC236}">
+                <a16:creationId xmlns:a16="http://schemas.microsoft.com/office/drawing/2014/main" id="{4FB2FE4C-19EC-481B-8A75-3B52BCC715A8}"/>
+              </a:ext>
+            </a:extLst>
+          </p:cNvPr>
+          <p:cNvCxnSpPr>
+            <a:cxnSpLocks/>
+          </p:cNvCxnSpPr>
+          <p:nvPr/>
+        </p:nvCxnSpPr>
+        <p:spPr>
+          <a:xfrm>
+            <a:off x="5678751" y="1145219"/>
+            <a:ext cx="0" cy="1606626"/>
+          </a:xfrm>
+          <a:prstGeom prst="straightConnector1">
+            <a:avLst/>
+          </a:prstGeom>
+          <a:ln w="76200">
+            <a:solidFill>
+              <a:schemeClr val="accent1">
+                <a:lumMod val="60000"/>
+                <a:lumOff val="40000"/>
+                <a:alpha val="60000"/>
+              </a:schemeClr>
+            </a:solidFill>
+            <a:tailEnd type="triangle"/>
+          </a:ln>
+        </p:spPr>
+        <p:style>
+          <a:lnRef idx="1">
+            <a:schemeClr val="accent1"/>
+          </a:lnRef>
+          <a:fillRef idx="0">
+            <a:schemeClr val="accent1"/>
+          </a:fillRef>
+          <a:effectRef idx="0">
+            <a:schemeClr val="accent1"/>
+          </a:effectRef>
+          <a:fontRef idx="minor">
+            <a:schemeClr val="tx1"/>
+          </a:fontRef>
+        </p:style>
+      </p:cxnSp>
+      <p:cxnSp>
+        <p:nvCxnSpPr>
+          <p:cNvPr id="7" name="Connecteur droit avec flèche 6">
+            <a:extLst>
+              <a:ext uri="{FF2B5EF4-FFF2-40B4-BE49-F238E27FC236}">
+                <a16:creationId xmlns:a16="http://schemas.microsoft.com/office/drawing/2014/main" id="{5B6CFAE7-3CE4-4665-8A62-A74E96029C14}"/>
+              </a:ext>
+            </a:extLst>
+          </p:cNvPr>
+          <p:cNvCxnSpPr>
+            <a:cxnSpLocks/>
+          </p:cNvCxnSpPr>
+          <p:nvPr/>
+        </p:nvCxnSpPr>
+        <p:spPr>
+          <a:xfrm flipH="1">
+            <a:off x="3426782" y="989988"/>
+            <a:ext cx="1617845" cy="1380680"/>
+          </a:xfrm>
+          <a:prstGeom prst="straightConnector1">
+            <a:avLst/>
+          </a:prstGeom>
+          <a:ln w="76200">
+            <a:solidFill>
+              <a:schemeClr val="accent1">
+                <a:lumMod val="60000"/>
+                <a:lumOff val="40000"/>
+                <a:alpha val="60000"/>
+              </a:schemeClr>
+            </a:solidFill>
+            <a:tailEnd type="triangle"/>
+          </a:ln>
+        </p:spPr>
+        <p:style>
+          <a:lnRef idx="1">
+            <a:schemeClr val="accent1"/>
+          </a:lnRef>
+          <a:fillRef idx="0">
+            <a:schemeClr val="accent1"/>
+          </a:fillRef>
+          <a:effectRef idx="0">
+            <a:schemeClr val="accent1"/>
+          </a:effectRef>
+          <a:fontRef idx="minor">
+            <a:schemeClr val="tx1"/>
+          </a:fontRef>
+        </p:style>
+      </p:cxnSp>
+      <p:sp>
+        <p:nvSpPr>
+          <p:cNvPr id="8" name="ZoneTexte 7">
+            <a:extLst>
+              <a:ext uri="{FF2B5EF4-FFF2-40B4-BE49-F238E27FC236}">
+                <a16:creationId xmlns:a16="http://schemas.microsoft.com/office/drawing/2014/main" id="{9035EBA5-A191-4017-9BC3-68668EEEC5A6}"/>
+              </a:ext>
+            </a:extLst>
+          </p:cNvPr>
+          <p:cNvSpPr txBox="1"/>
+          <p:nvPr/>
+        </p:nvSpPr>
+        <p:spPr>
+          <a:xfrm>
+            <a:off x="2077435" y="3279624"/>
+            <a:ext cx="928459" cy="369332"/>
+          </a:xfrm>
+          <a:prstGeom prst="rect">
+            <a:avLst/>
+          </a:prstGeom>
+          <a:noFill/>
+        </p:spPr>
+        <p:txBody>
+          <a:bodyPr wrap="none" rtlCol="0">
+            <a:spAutoFit/>
+          </a:bodyPr>
+          <a:lstStyle/>
+          <a:p>
+            <a:r>
+              <a:rPr lang="fr-FR" b="1" dirty="0">
+                <a:solidFill>
+                  <a:schemeClr val="bg1"/>
+                </a:solidFill>
+                <a:latin typeface="Times New Roman" panose="02020603050405020304" pitchFamily="18" charset="0"/>
+                <a:cs typeface="Times New Roman" panose="02020603050405020304" pitchFamily="18" charset="0"/>
+              </a:rPr>
+              <a:t>Actions</a:t>
+            </a:r>
+            <a:endParaRPr lang="en-GB" b="1" dirty="0">
+              <a:solidFill>
+                <a:schemeClr val="bg1"/>
+              </a:solidFill>
+              <a:latin typeface="Times New Roman" panose="02020603050405020304" pitchFamily="18" charset="0"/>
+              <a:cs typeface="Times New Roman" panose="02020603050405020304" pitchFamily="18" charset="0"/>
+            </a:endParaRPr>
+          </a:p>
+        </p:txBody>
+      </p:sp>
+      <p:sp>
+        <p:nvSpPr>
+          <p:cNvPr id="9" name="ZoneTexte 8">
+            <a:extLst>
+              <a:ext uri="{FF2B5EF4-FFF2-40B4-BE49-F238E27FC236}">
+                <a16:creationId xmlns:a16="http://schemas.microsoft.com/office/drawing/2014/main" id="{BC7F6B83-CFA6-428A-9163-505D9408D6D0}"/>
+              </a:ext>
+            </a:extLst>
+          </p:cNvPr>
+          <p:cNvSpPr txBox="1"/>
+          <p:nvPr/>
+        </p:nvSpPr>
+        <p:spPr>
+          <a:xfrm>
+            <a:off x="5221551" y="4030132"/>
+            <a:ext cx="941283" cy="369332"/>
+          </a:xfrm>
+          <a:prstGeom prst="rect">
+            <a:avLst/>
+          </a:prstGeom>
+          <a:noFill/>
+        </p:spPr>
+        <p:txBody>
+          <a:bodyPr wrap="none" rtlCol="0">
+            <a:spAutoFit/>
+          </a:bodyPr>
+          <a:lstStyle/>
+          <a:p>
+            <a:r>
+              <a:rPr lang="fr-FR" b="1" dirty="0" err="1">
+                <a:solidFill>
+                  <a:srgbClr val="92D050"/>
+                </a:solidFill>
+                <a:latin typeface="Times New Roman" panose="02020603050405020304" pitchFamily="18" charset="0"/>
+                <a:cs typeface="Times New Roman" panose="02020603050405020304" pitchFamily="18" charset="0"/>
+              </a:rPr>
+              <a:t>Sensors</a:t>
+            </a:r>
+            <a:endParaRPr lang="en-GB" b="1" dirty="0">
+              <a:solidFill>
+                <a:srgbClr val="92D050"/>
+              </a:solidFill>
+              <a:latin typeface="Times New Roman" panose="02020603050405020304" pitchFamily="18" charset="0"/>
+              <a:cs typeface="Times New Roman" panose="02020603050405020304" pitchFamily="18" charset="0"/>
+            </a:endParaRPr>
+          </a:p>
+        </p:txBody>
+      </p:sp>
+      <p:sp>
+        <p:nvSpPr>
+          <p:cNvPr id="10" name="ZoneTexte 9">
+            <a:extLst>
+              <a:ext uri="{FF2B5EF4-FFF2-40B4-BE49-F238E27FC236}">
+                <a16:creationId xmlns:a16="http://schemas.microsoft.com/office/drawing/2014/main" id="{9A0D750E-6B64-4F6A-9699-6D981AE0E69F}"/>
+              </a:ext>
+            </a:extLst>
+          </p:cNvPr>
+          <p:cNvSpPr txBox="1"/>
+          <p:nvPr/>
+        </p:nvSpPr>
+        <p:spPr>
+          <a:xfrm>
+            <a:off x="8239377" y="3279624"/>
+            <a:ext cx="1270541" cy="369332"/>
+          </a:xfrm>
+          <a:prstGeom prst="rect">
+            <a:avLst/>
+          </a:prstGeom>
+          <a:noFill/>
+        </p:spPr>
+        <p:txBody>
+          <a:bodyPr wrap="none" rtlCol="0">
+            <a:spAutoFit/>
+          </a:bodyPr>
+          <a:lstStyle/>
+          <a:p>
+            <a:r>
+              <a:rPr lang="fr-FR" b="1" dirty="0">
+                <a:solidFill>
+                  <a:schemeClr val="accent6">
+                    <a:lumMod val="40000"/>
+                    <a:lumOff val="60000"/>
+                  </a:schemeClr>
+                </a:solidFill>
+                <a:latin typeface="Times New Roman" panose="02020603050405020304" pitchFamily="18" charset="0"/>
+                <a:cs typeface="Times New Roman" panose="02020603050405020304" pitchFamily="18" charset="0"/>
+              </a:rPr>
+              <a:t>Ressources</a:t>
+            </a:r>
+            <a:endParaRPr lang="en-GB" b="1" dirty="0">
+              <a:solidFill>
+                <a:schemeClr val="accent6">
+                  <a:lumMod val="40000"/>
+                  <a:lumOff val="60000"/>
+                </a:schemeClr>
+              </a:solidFill>
+              <a:latin typeface="Times New Roman" panose="02020603050405020304" pitchFamily="18" charset="0"/>
+              <a:cs typeface="Times New Roman" panose="02020603050405020304" pitchFamily="18" charset="0"/>
+            </a:endParaRPr>
+          </a:p>
+        </p:txBody>
+      </p:sp>
+      <p:pic>
+        <p:nvPicPr>
+          <p:cNvPr id="12" name="Image 11">
+            <a:extLst>
+              <a:ext uri="{FF2B5EF4-FFF2-40B4-BE49-F238E27FC236}">
+                <a16:creationId xmlns:a16="http://schemas.microsoft.com/office/drawing/2014/main" id="{460BFFBA-E30E-4BA2-B5A0-8B77D3024A79}"/>
+              </a:ext>
+            </a:extLst>
+          </p:cNvPr>
+          <p:cNvPicPr>
+            <a:picLocks noChangeAspect="1"/>
+          </p:cNvPicPr>
+          <p:nvPr/>
+        </p:nvPicPr>
+        <p:blipFill>
+          <a:blip r:embed="rId3"/>
+          <a:stretch>
+            <a:fillRect/>
+          </a:stretch>
+        </p:blipFill>
+        <p:spPr>
+          <a:xfrm>
+            <a:off x="4979375" y="218769"/>
+            <a:ext cx="1333500" cy="619125"/>
+          </a:xfrm>
+          <a:prstGeom prst="rect">
+            <a:avLst/>
+          </a:prstGeom>
+        </p:spPr>
+      </p:pic>
+      <p:pic>
+        <p:nvPicPr>
+          <p:cNvPr id="13" name="Image 12">
+            <a:extLst>
+              <a:ext uri="{FF2B5EF4-FFF2-40B4-BE49-F238E27FC236}">
+                <a16:creationId xmlns:a16="http://schemas.microsoft.com/office/drawing/2014/main" id="{26956F3D-9551-4FC1-8071-92FE32D0ABE2}"/>
+              </a:ext>
+            </a:extLst>
+          </p:cNvPr>
+          <p:cNvPicPr>
+            <a:picLocks noChangeAspect="1"/>
+          </p:cNvPicPr>
+          <p:nvPr/>
+        </p:nvPicPr>
+        <p:blipFill>
+          <a:blip r:embed="rId4"/>
+          <a:stretch>
+            <a:fillRect/>
+          </a:stretch>
+        </p:blipFill>
+        <p:spPr>
+          <a:xfrm>
+            <a:off x="2102807" y="2514600"/>
+            <a:ext cx="1323975" cy="609600"/>
+          </a:xfrm>
+          <a:prstGeom prst="rect">
+            <a:avLst/>
+          </a:prstGeom>
+        </p:spPr>
+      </p:pic>
+      <p:pic>
+        <p:nvPicPr>
+          <p:cNvPr id="15" name="Image 14">
+            <a:extLst>
+              <a:ext uri="{FF2B5EF4-FFF2-40B4-BE49-F238E27FC236}">
+                <a16:creationId xmlns:a16="http://schemas.microsoft.com/office/drawing/2014/main" id="{492195D9-84DC-4159-939B-CED361C5BBCD}"/>
+              </a:ext>
+            </a:extLst>
+          </p:cNvPr>
+          <p:cNvPicPr>
+            <a:picLocks noChangeAspect="1"/>
+          </p:cNvPicPr>
+          <p:nvPr/>
+        </p:nvPicPr>
+        <p:blipFill>
+          <a:blip r:embed="rId5"/>
+          <a:stretch>
+            <a:fillRect/>
+          </a:stretch>
+        </p:blipFill>
+        <p:spPr>
+          <a:xfrm>
+            <a:off x="4235704" y="3279623"/>
+            <a:ext cx="1314450" cy="600075"/>
+          </a:xfrm>
+          <a:prstGeom prst="rect">
+            <a:avLst/>
+          </a:prstGeom>
+        </p:spPr>
+      </p:pic>
+      <p:pic>
+        <p:nvPicPr>
+          <p:cNvPr id="3" name="Image 2">
+            <a:extLst>
+              <a:ext uri="{FF2B5EF4-FFF2-40B4-BE49-F238E27FC236}">
+                <a16:creationId xmlns:a16="http://schemas.microsoft.com/office/drawing/2014/main" id="{4D792693-4505-4101-BD7F-57D56B4C40E6}"/>
+              </a:ext>
+            </a:extLst>
+          </p:cNvPr>
+          <p:cNvPicPr>
+            <a:picLocks noChangeAspect="1"/>
+          </p:cNvPicPr>
+          <p:nvPr/>
+        </p:nvPicPr>
+        <p:blipFill>
+          <a:blip r:embed="rId6"/>
+          <a:stretch>
+            <a:fillRect/>
+          </a:stretch>
+        </p:blipFill>
+        <p:spPr>
+          <a:xfrm>
+            <a:off x="5832925" y="3279624"/>
+            <a:ext cx="1314450" cy="600075"/>
+          </a:xfrm>
+          <a:prstGeom prst="rect">
+            <a:avLst/>
+          </a:prstGeom>
+        </p:spPr>
+      </p:pic>
+    </p:spTree>
+    <p:extLst>
+      <p:ext uri="{BB962C8B-B14F-4D97-AF65-F5344CB8AC3E}">
+        <p14:creationId xmlns:p14="http://schemas.microsoft.com/office/powerpoint/2010/main" val="2112816624"/>
+      </p:ext>
+    </p:extLst>
+  </p:cSld>
+  <p:clrMapOvr>
+    <a:masterClrMapping/>
+  </p:clrMapOvr>
+</p:sld>
+</file>
+
+<file path=ppt/slides/slide13.xml><?xml version="1.0" encoding="utf-8"?>
+<p:sld xmlns:a="http://schemas.openxmlformats.org/drawingml/2006/main" xmlns:r="http://schemas.openxmlformats.org/officeDocument/2006/relationships" xmlns:p="http://schemas.openxmlformats.org/presentationml/2006/main">
+  <p:cSld>
+    <p:spTree>
+      <p:nvGrpSpPr>
+        <p:cNvPr id="1" name=""/>
+        <p:cNvGrpSpPr/>
+        <p:nvPr/>
+      </p:nvGrpSpPr>
+      <p:grpSpPr>
+        <a:xfrm>
+          <a:off x="0" y="0"/>
+          <a:ext cx="0" cy="0"/>
+          <a:chOff x="0" y="0"/>
+          <a:chExt cx="0" cy="0"/>
+        </a:xfrm>
+      </p:grpSpPr>
+      <p:sp>
+        <p:nvSpPr>
+          <p:cNvPr id="2" name="Titre 1">
+            <a:extLst>
+              <a:ext uri="{FF2B5EF4-FFF2-40B4-BE49-F238E27FC236}">
+                <a16:creationId xmlns:a16="http://schemas.microsoft.com/office/drawing/2014/main" id="{60A45B33-4349-4205-A596-A72ABD8F0A69}"/>
+              </a:ext>
+            </a:extLst>
+          </p:cNvPr>
+          <p:cNvSpPr>
+            <a:spLocks noGrp="1"/>
+          </p:cNvSpPr>
+          <p:nvPr>
+            <p:ph type="title"/>
+          </p:nvPr>
+        </p:nvSpPr>
+        <p:spPr>
+          <a:xfrm>
+            <a:off x="684212" y="4487332"/>
+            <a:ext cx="8534400" cy="1507067"/>
+          </a:xfrm>
+        </p:spPr>
+        <p:txBody>
+          <a:bodyPr/>
+          <a:lstStyle/>
+          <a:p>
+            <a:r>
+              <a:rPr lang="fr-FR"/>
+              <a:t>Sources</a:t>
+            </a:r>
+            <a:endParaRPr lang="en-GB" dirty="0"/>
+          </a:p>
+        </p:txBody>
+      </p:sp>
+      <p:sp>
+        <p:nvSpPr>
+          <p:cNvPr id="3" name="Espace réservé du contenu 2">
+            <a:extLst>
+              <a:ext uri="{FF2B5EF4-FFF2-40B4-BE49-F238E27FC236}">
+                <a16:creationId xmlns:a16="http://schemas.microsoft.com/office/drawing/2014/main" id="{825892DE-953F-4021-9EA2-14E93075BB41}"/>
+              </a:ext>
+            </a:extLst>
+          </p:cNvPr>
+          <p:cNvSpPr>
+            <a:spLocks noGrp="1"/>
+          </p:cNvSpPr>
+          <p:nvPr>
+            <p:ph idx="1"/>
+          </p:nvPr>
+        </p:nvSpPr>
+        <p:spPr>
+          <a:xfrm>
+            <a:off x="684212" y="685800"/>
+            <a:ext cx="8534400" cy="3615267"/>
+          </a:xfrm>
+        </p:spPr>
+        <p:txBody>
+          <a:bodyPr/>
+          <a:lstStyle/>
+          <a:p>
+            <a:r>
+              <a:rPr lang="fr-FR"/>
+              <a:t>Annexe prototype: </a:t>
+            </a:r>
+            <a:r>
+              <a:rPr lang="en-GB">
+                <a:hlinkClick r:id="rId2"/>
+              </a:rPr>
+              <a:t>https://www.draw.io/</a:t>
+            </a:r>
+            <a:endParaRPr lang="en-GB" dirty="0"/>
+          </a:p>
+        </p:txBody>
+      </p:sp>
+    </p:spTree>
+    <p:extLst>
+      <p:ext uri="{BB962C8B-B14F-4D97-AF65-F5344CB8AC3E}">
+        <p14:creationId xmlns:p14="http://schemas.microsoft.com/office/powerpoint/2010/main" val="1489863068"/>
+      </p:ext>
+    </p:extLst>
+  </p:cSld>
+  <p:clrMapOvr>
+    <a:masterClrMapping/>
+  </p:clrMapOvr>
+</p:sld>
+</file>
+
+<file path=ppt/slides/slide2.xml><?xml version="1.0" encoding="utf-8"?>
+<p:sld xmlns:a="http://schemas.openxmlformats.org/drawingml/2006/main" xmlns:r="http://schemas.openxmlformats.org/officeDocument/2006/relationships" xmlns:p="http://schemas.openxmlformats.org/presentationml/2006/main">
+  <p:cSld>
+    <p:bg>
+      <p:bgPr>
+        <a:gradFill rotWithShape="1">
+          <a:gsLst>
+            <a:gs pos="0">
+              <a:schemeClr val="bg2">
+                <a:tint val="97000"/>
+                <a:hueMod val="92000"/>
+                <a:satMod val="169000"/>
+                <a:lumMod val="164000"/>
+              </a:schemeClr>
+            </a:gs>
+            <a:gs pos="100000">
+              <a:schemeClr val="bg2">
+                <a:shade val="96000"/>
+                <a:satMod val="120000"/>
+                <a:lumMod val="90000"/>
+              </a:schemeClr>
+            </a:gs>
+          </a:gsLst>
+          <a:path path="circle">
+            <a:fillToRect b="100000"/>
+          </a:path>
+        </a:gradFill>
+        <a:effectLst/>
+      </p:bgPr>
+    </p:bg>
+    <p:spTree>
+      <p:nvGrpSpPr>
+        <p:cNvPr id="1" name=""/>
+        <p:cNvGrpSpPr/>
+        <p:nvPr/>
+      </p:nvGrpSpPr>
+      <p:grpSpPr>
+        <a:xfrm>
+          <a:off x="0" y="0"/>
+          <a:ext cx="0" cy="0"/>
+          <a:chOff x="0" y="0"/>
+          <a:chExt cx="0" cy="0"/>
+        </a:xfrm>
+      </p:grpSpPr>
+      <p:sp>
+        <p:nvSpPr>
+          <p:cNvPr id="10" name="Rectangle 9">
+            <a:extLst>
+              <a:ext uri="{FF2B5EF4-FFF2-40B4-BE49-F238E27FC236}">
+                <a16:creationId xmlns:a16="http://schemas.microsoft.com/office/drawing/2014/main" id="{2C33F367-76E5-4D2A-96B1-4FD443CDD1CF}"/>
+              </a:ext>
+              <a:ext uri="{C183D7F6-B498-43B3-948B-1728B52AA6E4}">
+                <adec:decorative xmlns:adec="http://schemas.microsoft.com/office/drawing/2017/decorative" val="1"/>
+              </a:ext>
+            </a:extLst>
+          </p:cNvPr>
+          <p:cNvSpPr>
+            <a:spLocks noGrp="1" noRot="1" noChangeAspect="1" noMove="1" noResize="1" noEditPoints="1" noAdjustHandles="1" noChangeArrowheads="1" noChangeShapeType="1" noTextEdit="1"/>
+          </p:cNvSpPr>
+          <p:nvPr>
+            <p:extLst>
+              <p:ext uri="{386F3935-93C4-4BCD-93E2-E3B085C9AB24}">
+                <p16:designElem xmlns:p16="http://schemas.microsoft.com/office/powerpoint/2015/main" val="1"/>
+              </p:ext>
+            </p:extLst>
+          </p:nvPr>
+        </p:nvSpPr>
+        <p:spPr>
+          <a:xfrm>
+            <a:off x="0" y="0"/>
+            <a:ext cx="12192000" cy="6858000"/>
+          </a:xfrm>
+          <a:prstGeom prst="rect">
+            <a:avLst/>
+          </a:prstGeom>
+          <a:gradFill>
+            <a:gsLst>
+              <a:gs pos="10000">
+                <a:schemeClr val="dk2">
+                  <a:tint val="97000"/>
+                  <a:hueMod val="92000"/>
+                  <a:satMod val="169000"/>
+                  <a:lumMod val="164000"/>
+                </a:schemeClr>
+              </a:gs>
+              <a:gs pos="100000">
+                <a:schemeClr val="dk2">
+                  <a:shade val="96000"/>
+                  <a:satMod val="120000"/>
+                  <a:lumMod val="90000"/>
+                </a:schemeClr>
+              </a:gs>
+            </a:gsLst>
+            <a:lin ang="6120000" scaled="1"/>
+          </a:gradFill>
+          <a:ln>
+            <a:noFill/>
+          </a:ln>
+        </p:spPr>
+        <p:style>
+          <a:lnRef idx="2">
+            <a:schemeClr val="accent1">
+              <a:shade val="50000"/>
+            </a:schemeClr>
+          </a:lnRef>
+          <a:fillRef idx="1002">
+            <a:schemeClr val="dk2"/>
+          </a:fillRef>
+          <a:effectRef idx="0">
+            <a:schemeClr val="accent1"/>
+          </a:effectRef>
+          <a:fontRef idx="minor">
+            <a:schemeClr val="lt1"/>
+          </a:fontRef>
+        </p:style>
+        <p:txBody>
+          <a:bodyPr rtlCol="0" anchor="ctr"/>
+          <a:lstStyle/>
+          <a:p>
+            <a:pPr algn="ctr"/>
+            <a:endParaRPr lang="en-US"/>
+          </a:p>
+        </p:txBody>
+      </p:sp>
+      <p:sp>
+        <p:nvSpPr>
+          <p:cNvPr id="12" name="Snip Diagonal Corner Rectangle 21">
+            <a:extLst>
+              <a:ext uri="{FF2B5EF4-FFF2-40B4-BE49-F238E27FC236}">
+                <a16:creationId xmlns:a16="http://schemas.microsoft.com/office/drawing/2014/main" id="{6F769419-3E73-449D-B62A-0CDEC946A679}"/>
+              </a:ext>
+              <a:ext uri="{C183D7F6-B498-43B3-948B-1728B52AA6E4}">
+                <adec:decorative xmlns:adec="http://schemas.microsoft.com/office/drawing/2017/decorative" val="1"/>
+              </a:ext>
+            </a:extLst>
+          </p:cNvPr>
+          <p:cNvSpPr>
+            <a:spLocks noGrp="1" noRot="1" noChangeAspect="1" noMove="1" noResize="1" noEditPoints="1" noAdjustHandles="1" noChangeArrowheads="1" noChangeShapeType="1" noTextEdit="1"/>
+          </p:cNvSpPr>
+          <p:nvPr>
+            <p:extLst>
+              <p:ext uri="{386F3935-93C4-4BCD-93E2-E3B085C9AB24}">
+                <p16:designElem xmlns:p16="http://schemas.microsoft.com/office/powerpoint/2015/main" val="1"/>
+              </p:ext>
+            </p:extLst>
+          </p:nvPr>
+        </p:nvSpPr>
+        <p:spPr>
+          <a:xfrm>
+            <a:off x="0" y="-2"/>
+            <a:ext cx="8129873" cy="6858002"/>
+          </a:xfrm>
+          <a:prstGeom prst="snip2DiagRect">
+            <a:avLst>
+              <a:gd name="adj1" fmla="val 0"/>
+              <a:gd name="adj2" fmla="val 0"/>
+            </a:avLst>
+          </a:prstGeom>
+          <a:solidFill>
+            <a:schemeClr val="bg1">
+              <a:alpha val="0"/>
+            </a:schemeClr>
+          </a:solidFill>
+          <a:ln>
+            <a:noFill/>
+          </a:ln>
+          <a:effectLst/>
+        </p:spPr>
+        <p:style>
+          <a:lnRef idx="2">
+            <a:schemeClr val="accent1">
+              <a:shade val="50000"/>
+            </a:schemeClr>
+          </a:lnRef>
+          <a:fillRef idx="1">
+            <a:schemeClr val="accent1"/>
+          </a:fillRef>
+          <a:effectRef idx="0">
+            <a:schemeClr val="accent1"/>
+          </a:effectRef>
+          <a:fontRef idx="minor">
+            <a:schemeClr val="lt1"/>
+          </a:fontRef>
+        </p:style>
+        <p:txBody>
+          <a:bodyPr rtlCol="0" anchor="ctr"/>
+          <a:lstStyle/>
+          <a:p>
+            <a:pPr algn="ctr"/>
+            <a:endParaRPr lang="en-US"/>
+          </a:p>
+        </p:txBody>
+      </p:sp>
+      <p:grpSp>
+        <p:nvGrpSpPr>
+          <p:cNvPr id="14" name="Group 13">
+            <a:extLst>
+              <a:ext uri="{FF2B5EF4-FFF2-40B4-BE49-F238E27FC236}">
+                <a16:creationId xmlns:a16="http://schemas.microsoft.com/office/drawing/2014/main" id="{A6515200-42F9-488F-9895-6CDBCD1E87C8}"/>
+              </a:ext>
+              <a:ext uri="{C183D7F6-B498-43B3-948B-1728B52AA6E4}">
+                <adec:decorative xmlns:adec="http://schemas.microsoft.com/office/drawing/2017/decorative" val="1"/>
+              </a:ext>
+            </a:extLst>
+          </p:cNvPr>
+          <p:cNvGrpSpPr>
+            <a:grpSpLocks noGrp="1" noUngrp="1" noRot="1" noChangeAspect="1" noMove="1" noResize="1"/>
+          </p:cNvGrpSpPr>
+          <p:nvPr>
+            <p:extLst>
+              <p:ext uri="{386F3935-93C4-4BCD-93E2-E3B085C9AB24}">
+                <p16:designElem xmlns:p16="http://schemas.microsoft.com/office/powerpoint/2015/main" val="1"/>
+              </p:ext>
+            </p:extLst>
+          </p:nvPr>
+        </p:nvGrpSpPr>
+        <p:grpSpPr>
+          <a:xfrm>
+            <a:off x="9206969" y="2963333"/>
+            <a:ext cx="2981858" cy="3208867"/>
+            <a:chOff x="9206969" y="2963333"/>
+            <a:chExt cx="2981858" cy="3208867"/>
+          </a:xfrm>
+        </p:grpSpPr>
+        <p:cxnSp>
+          <p:nvCxnSpPr>
+            <p:cNvPr id="15" name="Straight Connector 14">
+              <a:extLst>
+                <a:ext uri="{FF2B5EF4-FFF2-40B4-BE49-F238E27FC236}">
+                  <a16:creationId xmlns:a16="http://schemas.microsoft.com/office/drawing/2014/main" id="{43185F0E-78D5-4C2D-9239-D3515B448837}"/>
+                </a:ext>
+                <a:ext uri="{C183D7F6-B498-43B3-948B-1728B52AA6E4}">
+                  <adec:decorative xmlns:adec="http://schemas.microsoft.com/office/drawing/2017/decorative" val="1"/>
+                </a:ext>
+              </a:extLst>
+            </p:cNvPr>
+            <p:cNvCxnSpPr/>
+            <p:nvPr>
+              <p:extLst>
+                <p:ext uri="{386F3935-93C4-4BCD-93E2-E3B085C9AB24}">
+                  <p16:designElem xmlns:p16="http://schemas.microsoft.com/office/powerpoint/2015/main" val="1"/>
+                </p:ext>
+              </p:extLst>
+            </p:nvPr>
+          </p:nvCxnSpPr>
+          <p:spPr>
+            <a:xfrm flipH="1">
+              <a:off x="11276012" y="2963333"/>
+              <a:ext cx="912814" cy="912812"/>
+            </a:xfrm>
+            <a:prstGeom prst="line">
+              <a:avLst/>
+            </a:prstGeom>
+            <a:ln w="9525">
+              <a:solidFill>
+                <a:srgbClr val="FFFFFF"/>
+              </a:solidFill>
+            </a:ln>
+          </p:spPr>
+          <p:style>
+            <a:lnRef idx="2">
+              <a:schemeClr val="accent1"/>
+            </a:lnRef>
+            <a:fillRef idx="0">
+              <a:schemeClr val="accent1"/>
+            </a:fillRef>
+            <a:effectRef idx="1">
+              <a:schemeClr val="accent1"/>
+            </a:effectRef>
+            <a:fontRef idx="minor">
+              <a:schemeClr val="tx1"/>
+            </a:fontRef>
+          </p:style>
+        </p:cxnSp>
+        <p:cxnSp>
+          <p:nvCxnSpPr>
+            <p:cNvPr id="16" name="Straight Connector 15">
+              <a:extLst>
+                <a:ext uri="{FF2B5EF4-FFF2-40B4-BE49-F238E27FC236}">
+                  <a16:creationId xmlns:a16="http://schemas.microsoft.com/office/drawing/2014/main" id="{D5BD9142-FF9C-4EED-A027-18D095481BB8}"/>
+                </a:ext>
+                <a:ext uri="{C183D7F6-B498-43B3-948B-1728B52AA6E4}">
+                  <adec:decorative xmlns:adec="http://schemas.microsoft.com/office/drawing/2017/decorative" val="1"/>
+                </a:ext>
+              </a:extLst>
+            </p:cNvPr>
+            <p:cNvCxnSpPr/>
+            <p:nvPr>
+              <p:extLst>
+                <p:ext uri="{386F3935-93C4-4BCD-93E2-E3B085C9AB24}">
+                  <p16:designElem xmlns:p16="http://schemas.microsoft.com/office/powerpoint/2015/main" val="1"/>
+                </p:ext>
+              </p:extLst>
+            </p:nvPr>
+          </p:nvCxnSpPr>
+          <p:spPr>
+            <a:xfrm flipH="1">
+              <a:off x="9206969" y="3190344"/>
+              <a:ext cx="2981857" cy="2981856"/>
+            </a:xfrm>
+            <a:prstGeom prst="line">
+              <a:avLst/>
+            </a:prstGeom>
+            <a:ln w="9525">
+              <a:solidFill>
+                <a:srgbClr val="FFFFFF"/>
+              </a:solidFill>
+            </a:ln>
+          </p:spPr>
+          <p:style>
+            <a:lnRef idx="2">
+              <a:schemeClr val="accent1"/>
+            </a:lnRef>
+            <a:fillRef idx="0">
+              <a:schemeClr val="accent1"/>
+            </a:fillRef>
+            <a:effectRef idx="1">
+              <a:schemeClr val="accent1"/>
+            </a:effectRef>
+            <a:fontRef idx="minor">
+              <a:schemeClr val="tx1"/>
+            </a:fontRef>
+          </p:style>
+        </p:cxnSp>
+        <p:cxnSp>
+          <p:nvCxnSpPr>
+            <p:cNvPr id="17" name="Straight Connector 16">
+              <a:extLst>
+                <a:ext uri="{FF2B5EF4-FFF2-40B4-BE49-F238E27FC236}">
+                  <a16:creationId xmlns:a16="http://schemas.microsoft.com/office/drawing/2014/main" id="{42F547D3-9752-4481-B3A8-50E08610B8EC}"/>
+                </a:ext>
+                <a:ext uri="{C183D7F6-B498-43B3-948B-1728B52AA6E4}">
+                  <adec:decorative xmlns:adec="http://schemas.microsoft.com/office/drawing/2017/decorative" val="1"/>
+                </a:ext>
+              </a:extLst>
+            </p:cNvPr>
+            <p:cNvCxnSpPr/>
+            <p:nvPr>
+              <p:extLst>
+                <p:ext uri="{386F3935-93C4-4BCD-93E2-E3B085C9AB24}">
+                  <p16:designElem xmlns:p16="http://schemas.microsoft.com/office/powerpoint/2015/main" val="1"/>
+                </p:ext>
+              </p:extLst>
+            </p:nvPr>
+          </p:nvCxnSpPr>
+          <p:spPr>
+            <a:xfrm flipH="1">
+              <a:off x="10292292" y="3285067"/>
+              <a:ext cx="1896534" cy="1896533"/>
+            </a:xfrm>
+            <a:prstGeom prst="line">
+              <a:avLst/>
+            </a:prstGeom>
+            <a:ln w="9525">
+              <a:solidFill>
+                <a:srgbClr val="FFFFFF"/>
+              </a:solidFill>
+            </a:ln>
+          </p:spPr>
+          <p:style>
+            <a:lnRef idx="2">
+              <a:schemeClr val="accent1"/>
+            </a:lnRef>
+            <a:fillRef idx="0">
+              <a:schemeClr val="accent1"/>
+            </a:fillRef>
+            <a:effectRef idx="1">
+              <a:schemeClr val="accent1"/>
+            </a:effectRef>
+            <a:fontRef idx="minor">
+              <a:schemeClr val="tx1"/>
+            </a:fontRef>
+          </p:style>
+        </p:cxnSp>
+        <p:cxnSp>
+          <p:nvCxnSpPr>
+            <p:cNvPr id="18" name="Straight Connector 17">
+              <a:extLst>
+                <a:ext uri="{FF2B5EF4-FFF2-40B4-BE49-F238E27FC236}">
+                  <a16:creationId xmlns:a16="http://schemas.microsoft.com/office/drawing/2014/main" id="{F1999C2F-3D0D-4813-9696-83630A6FEABD}"/>
+                </a:ext>
+                <a:ext uri="{C183D7F6-B498-43B3-948B-1728B52AA6E4}">
+                  <adec:decorative xmlns:adec="http://schemas.microsoft.com/office/drawing/2017/decorative" val="1"/>
+                </a:ext>
+              </a:extLst>
+            </p:cNvPr>
+            <p:cNvCxnSpPr/>
+            <p:nvPr>
+              <p:extLst>
+                <p:ext uri="{386F3935-93C4-4BCD-93E2-E3B085C9AB24}">
+                  <p16:designElem xmlns:p16="http://schemas.microsoft.com/office/powerpoint/2015/main" val="1"/>
+                </p:ext>
+              </p:extLst>
+            </p:nvPr>
+          </p:nvCxnSpPr>
+          <p:spPr>
+            <a:xfrm flipH="1">
+              <a:off x="10443103" y="3131080"/>
+              <a:ext cx="1745722" cy="1745720"/>
+            </a:xfrm>
+            <a:prstGeom prst="line">
+              <a:avLst/>
+            </a:prstGeom>
+            <a:ln w="28575">
+              <a:solidFill>
+                <a:srgbClr val="FFFFFF"/>
+              </a:solidFill>
+            </a:ln>
+          </p:spPr>
+          <p:style>
+            <a:lnRef idx="2">
+              <a:schemeClr val="accent1"/>
+            </a:lnRef>
+            <a:fillRef idx="0">
+              <a:schemeClr val="accent1"/>
+            </a:fillRef>
+            <a:effectRef idx="1">
+              <a:schemeClr val="accent1"/>
+            </a:effectRef>
+            <a:fontRef idx="minor">
+              <a:schemeClr val="tx1"/>
+            </a:fontRef>
+          </p:style>
+        </p:cxnSp>
+        <p:cxnSp>
+          <p:nvCxnSpPr>
+            <p:cNvPr id="19" name="Straight Connector 18">
+              <a:extLst>
+                <a:ext uri="{FF2B5EF4-FFF2-40B4-BE49-F238E27FC236}">
+                  <a16:creationId xmlns:a16="http://schemas.microsoft.com/office/drawing/2014/main" id="{EC737390-C9CA-456B-9F40-D7A76EA242E7}"/>
+                </a:ext>
+                <a:ext uri="{C183D7F6-B498-43B3-948B-1728B52AA6E4}">
+                  <adec:decorative xmlns:adec="http://schemas.microsoft.com/office/drawing/2017/decorative" val="1"/>
+                </a:ext>
+              </a:extLst>
+            </p:cNvPr>
+            <p:cNvCxnSpPr/>
+            <p:nvPr>
+              <p:extLst>
+                <p:ext uri="{386F3935-93C4-4BCD-93E2-E3B085C9AB24}">
+                  <p16:designElem xmlns:p16="http://schemas.microsoft.com/office/powerpoint/2015/main" val="1"/>
+                </p:ext>
+              </p:extLst>
+            </p:nvPr>
+          </p:nvCxnSpPr>
+          <p:spPr>
+            <a:xfrm flipH="1">
+              <a:off x="10918826" y="3683001"/>
+              <a:ext cx="1270001" cy="1269999"/>
+            </a:xfrm>
+            <a:prstGeom prst="line">
+              <a:avLst/>
+            </a:prstGeom>
+            <a:ln w="28575">
+              <a:solidFill>
+                <a:srgbClr val="FFFFFF"/>
+              </a:solidFill>
+            </a:ln>
+          </p:spPr>
+          <p:style>
+            <a:lnRef idx="2">
+              <a:schemeClr val="accent1"/>
+            </a:lnRef>
+            <a:fillRef idx="0">
+              <a:schemeClr val="accent1"/>
+            </a:fillRef>
+            <a:effectRef idx="1">
+              <a:schemeClr val="accent1"/>
+            </a:effectRef>
+            <a:fontRef idx="minor">
+              <a:schemeClr val="tx1"/>
+            </a:fontRef>
+          </p:style>
+        </p:cxnSp>
+      </p:grpSp>
+      <p:sp>
+        <p:nvSpPr>
+          <p:cNvPr id="2" name="Titre 1">
+            <a:extLst>
+              <a:ext uri="{FF2B5EF4-FFF2-40B4-BE49-F238E27FC236}">
+                <a16:creationId xmlns:a16="http://schemas.microsoft.com/office/drawing/2014/main" id="{91F2D697-AEBD-4258-8341-1E8F9EDF1DFB}"/>
+              </a:ext>
+            </a:extLst>
+          </p:cNvPr>
+          <p:cNvSpPr>
+            <a:spLocks noGrp="1"/>
+          </p:cNvSpPr>
+          <p:nvPr>
+            <p:ph type="title"/>
+          </p:nvPr>
+        </p:nvSpPr>
+        <p:spPr>
+          <a:xfrm>
+            <a:off x="8588661" y="941424"/>
+            <a:ext cx="3043896" cy="3248611"/>
+          </a:xfrm>
+        </p:spPr>
+        <p:txBody>
+          <a:bodyPr>
+            <a:normAutofit/>
+          </a:bodyPr>
+          <a:lstStyle/>
+          <a:p>
+            <a:r>
+              <a:rPr lang="fr-FR" sz="3100">
+                <a:solidFill>
+                  <a:srgbClr val="FFFFFF"/>
+                </a:solidFill>
+              </a:rPr>
+              <a:t>Environment</a:t>
+            </a:r>
+            <a:endParaRPr lang="en-GB" sz="3100">
+              <a:solidFill>
+                <a:srgbClr val="FFFFFF"/>
+              </a:solidFill>
+            </a:endParaRPr>
+          </a:p>
+        </p:txBody>
+      </p:sp>
+      <p:graphicFrame>
+        <p:nvGraphicFramePr>
+          <p:cNvPr id="5" name="Espace réservé du contenu 2">
+            <a:extLst>
+              <a:ext uri="{FF2B5EF4-FFF2-40B4-BE49-F238E27FC236}">
+                <a16:creationId xmlns:a16="http://schemas.microsoft.com/office/drawing/2014/main" id="{9C052EF2-23D5-4840-B6B1-5F32104F68AC}"/>
+              </a:ext>
+            </a:extLst>
+          </p:cNvPr>
+          <p:cNvGraphicFramePr>
+            <a:graphicFrameLocks noGrp="1"/>
+          </p:cNvGraphicFramePr>
+          <p:nvPr>
+            <p:ph idx="1"/>
+            <p:extLst>
+              <p:ext uri="{D42A27DB-BD31-4B8C-83A1-F6EECF244321}">
+                <p14:modId xmlns:p14="http://schemas.microsoft.com/office/powerpoint/2010/main" val="3871919060"/>
+              </p:ext>
+            </p:extLst>
+          </p:nvPr>
+        </p:nvGraphicFramePr>
+        <p:xfrm>
+          <a:off x="940645" y="941424"/>
+          <a:ext cx="6190459" cy="4768713"/>
+        </p:xfrm>
+        <a:graphic>
+          <a:graphicData uri="http://schemas.openxmlformats.org/drawingml/2006/diagram">
+            <dgm:relIds xmlns:dgm="http://schemas.openxmlformats.org/drawingml/2006/diagram" xmlns:r="http://schemas.openxmlformats.org/officeDocument/2006/relationships" r:dm="rId2" r:lo="rId3" r:qs="rId4" r:cs="rId5"/>
+          </a:graphicData>
+        </a:graphic>
+      </p:graphicFrame>
+    </p:spTree>
+    <p:extLst>
+      <p:ext uri="{BB962C8B-B14F-4D97-AF65-F5344CB8AC3E}">
+        <p14:creationId xmlns:p14="http://schemas.microsoft.com/office/powerpoint/2010/main" val="602710572"/>
+      </p:ext>
+    </p:extLst>
+  </p:cSld>
+  <p:clrMapOvr>
+    <a:masterClrMapping/>
+  </p:clrMapOvr>
+</p:sld>
+</file>
+
+<file path=ppt/slides/slide3.xml><?xml version="1.0" encoding="utf-8"?>
+<p:sld xmlns:a="http://schemas.openxmlformats.org/drawingml/2006/main" xmlns:r="http://schemas.openxmlformats.org/officeDocument/2006/relationships" xmlns:p="http://schemas.openxmlformats.org/presentationml/2006/main">
+  <p:cSld>
+    <p:spTree>
+      <p:nvGrpSpPr>
+        <p:cNvPr id="1" name=""/>
+        <p:cNvGrpSpPr/>
+        <p:nvPr/>
+      </p:nvGrpSpPr>
+      <p:grpSpPr>
+        <a:xfrm>
+          <a:off x="0" y="0"/>
+          <a:ext cx="0" cy="0"/>
+          <a:chOff x="0" y="0"/>
+          <a:chExt cx="0" cy="0"/>
+        </a:xfrm>
+      </p:grpSpPr>
+      <p:sp>
+        <p:nvSpPr>
+          <p:cNvPr id="2" name="Titre 1">
+            <a:extLst>
+              <a:ext uri="{FF2B5EF4-FFF2-40B4-BE49-F238E27FC236}">
+                <a16:creationId xmlns:a16="http://schemas.microsoft.com/office/drawing/2014/main" id="{04581F43-D57A-4533-9B0C-D102DDD60DE2}"/>
+              </a:ext>
+            </a:extLst>
+          </p:cNvPr>
+          <p:cNvSpPr>
+            <a:spLocks noGrp="1"/>
+          </p:cNvSpPr>
+          <p:nvPr>
+            <p:ph type="title"/>
+          </p:nvPr>
+        </p:nvSpPr>
+        <p:spPr/>
+        <p:txBody>
+          <a:bodyPr/>
+          <a:lstStyle/>
+          <a:p>
+            <a:r>
+              <a:rPr lang="fr-FR" dirty="0"/>
+              <a:t>Weak IA and Strong IA</a:t>
+            </a:r>
+            <a:endParaRPr lang="en-GB" dirty="0"/>
+          </a:p>
+        </p:txBody>
+      </p:sp>
+      <p:sp>
+        <p:nvSpPr>
+          <p:cNvPr id="3" name="Espace réservé du contenu 2">
+            <a:extLst>
+              <a:ext uri="{FF2B5EF4-FFF2-40B4-BE49-F238E27FC236}">
+                <a16:creationId xmlns:a16="http://schemas.microsoft.com/office/drawing/2014/main" id="{99D4B22A-53DB-4023-B6F3-71D686A8F429}"/>
+              </a:ext>
+            </a:extLst>
+          </p:cNvPr>
+          <p:cNvSpPr>
+            <a:spLocks noGrp="1"/>
+          </p:cNvSpPr>
+          <p:nvPr>
+            <p:ph idx="1"/>
+          </p:nvPr>
+        </p:nvSpPr>
+        <p:spPr/>
+        <p:txBody>
+          <a:bodyPr/>
+          <a:lstStyle/>
+          <a:p>
+            <a:r>
+              <a:rPr lang="fr-FR" dirty="0"/>
+              <a:t>Use </a:t>
+            </a:r>
+            <a:r>
+              <a:rPr lang="fr-FR" dirty="0" err="1"/>
+              <a:t>definitions</a:t>
+            </a:r>
+            <a:endParaRPr lang="fr-FR" dirty="0"/>
+          </a:p>
+          <a:p>
+            <a:r>
+              <a:rPr lang="fr-FR" dirty="0"/>
+              <a:t>Use </a:t>
+            </a:r>
+            <a:r>
+              <a:rPr lang="fr-FR"/>
+              <a:t>schemas</a:t>
+            </a:r>
+            <a:endParaRPr lang="en-GB" dirty="0"/>
+          </a:p>
+        </p:txBody>
+      </p:sp>
+    </p:spTree>
+    <p:extLst>
+      <p:ext uri="{BB962C8B-B14F-4D97-AF65-F5344CB8AC3E}">
+        <p14:creationId xmlns:p14="http://schemas.microsoft.com/office/powerpoint/2010/main" val="4060382238"/>
+      </p:ext>
+    </p:extLst>
+  </p:cSld>
+  <p:clrMapOvr>
+    <a:masterClrMapping/>
+  </p:clrMapOvr>
+</p:sld>
+</file>
+
+<file path=ppt/slides/slide4.xml><?xml version="1.0" encoding="utf-8"?>
+<p:sld xmlns:a="http://schemas.openxmlformats.org/drawingml/2006/main" xmlns:r="http://schemas.openxmlformats.org/officeDocument/2006/relationships" xmlns:p="http://schemas.openxmlformats.org/presentationml/2006/main">
+  <p:cSld>
+    <p:spTree>
+      <p:nvGrpSpPr>
+        <p:cNvPr id="1" name=""/>
+        <p:cNvGrpSpPr/>
+        <p:nvPr/>
+      </p:nvGrpSpPr>
+      <p:grpSpPr>
+        <a:xfrm>
+          <a:off x="0" y="0"/>
+          <a:ext cx="0" cy="0"/>
+          <a:chOff x="0" y="0"/>
+          <a:chExt cx="0" cy="0"/>
+        </a:xfrm>
+      </p:grpSpPr>
+      <p:sp>
+        <p:nvSpPr>
+          <p:cNvPr id="2" name="Titre 1">
+            <a:extLst>
+              <a:ext uri="{FF2B5EF4-FFF2-40B4-BE49-F238E27FC236}">
+                <a16:creationId xmlns:a16="http://schemas.microsoft.com/office/drawing/2014/main" id="{DD6D244C-3912-4AA1-942A-E7AA3B670E60}"/>
+              </a:ext>
+            </a:extLst>
+          </p:cNvPr>
+          <p:cNvSpPr>
+            <a:spLocks noGrp="1"/>
+          </p:cNvSpPr>
+          <p:nvPr>
+            <p:ph type="title"/>
+          </p:nvPr>
+        </p:nvSpPr>
+        <p:spPr/>
+        <p:txBody>
+          <a:bodyPr/>
+          <a:lstStyle/>
+          <a:p>
+            <a:r>
+              <a:rPr lang="fr-FR" dirty="0" err="1"/>
+              <a:t>Reinforcement</a:t>
+            </a:r>
+            <a:r>
+              <a:rPr lang="fr-FR" dirty="0"/>
+              <a:t> </a:t>
+            </a:r>
+            <a:r>
+              <a:rPr lang="fr-FR" dirty="0" err="1"/>
+              <a:t>learning</a:t>
+            </a:r>
+            <a:endParaRPr lang="en-GB" dirty="0"/>
+          </a:p>
+        </p:txBody>
+      </p:sp>
+      <p:sp>
+        <p:nvSpPr>
+          <p:cNvPr id="3" name="Espace réservé du contenu 2">
+            <a:extLst>
+              <a:ext uri="{FF2B5EF4-FFF2-40B4-BE49-F238E27FC236}">
+                <a16:creationId xmlns:a16="http://schemas.microsoft.com/office/drawing/2014/main" id="{6CA0B2F4-9F91-47B3-873F-F2B565C0B68D}"/>
+              </a:ext>
+            </a:extLst>
+          </p:cNvPr>
+          <p:cNvSpPr>
+            <a:spLocks noGrp="1"/>
+          </p:cNvSpPr>
+          <p:nvPr>
+            <p:ph idx="1"/>
+          </p:nvPr>
+        </p:nvSpPr>
+        <p:spPr/>
+        <p:txBody>
+          <a:bodyPr/>
+          <a:lstStyle/>
+          <a:p>
+            <a:r>
+              <a:rPr lang="fr-FR" dirty="0" err="1"/>
+              <a:t>Explain</a:t>
+            </a:r>
+            <a:r>
+              <a:rPr lang="fr-FR" dirty="0"/>
+              <a:t> the basics</a:t>
+            </a:r>
+          </a:p>
+          <a:p>
+            <a:r>
+              <a:rPr lang="fr-FR" dirty="0"/>
+              <a:t>Show a </a:t>
+            </a:r>
+            <a:r>
+              <a:rPr lang="fr-FR" dirty="0" err="1"/>
+              <a:t>schema</a:t>
+            </a:r>
+            <a:r>
+              <a:rPr lang="fr-FR" dirty="0"/>
+              <a:t> to </a:t>
+            </a:r>
+            <a:r>
+              <a:rPr lang="fr-FR" dirty="0" err="1"/>
+              <a:t>understand</a:t>
+            </a:r>
+            <a:endParaRPr lang="en-GB" dirty="0"/>
+          </a:p>
+        </p:txBody>
+      </p:sp>
+    </p:spTree>
+    <p:extLst>
+      <p:ext uri="{BB962C8B-B14F-4D97-AF65-F5344CB8AC3E}">
+        <p14:creationId xmlns:p14="http://schemas.microsoft.com/office/powerpoint/2010/main" val="2298708696"/>
+      </p:ext>
+    </p:extLst>
+  </p:cSld>
+  <p:clrMapOvr>
+    <a:masterClrMapping/>
+  </p:clrMapOvr>
+</p:sld>
+</file>
+
+<file path=ppt/slides/slide5.xml><?xml version="1.0" encoding="utf-8"?>
+<p:sld xmlns:a="http://schemas.openxmlformats.org/drawingml/2006/main" xmlns:r="http://schemas.openxmlformats.org/officeDocument/2006/relationships" xmlns:p="http://schemas.openxmlformats.org/presentationml/2006/main">
+  <p:cSld>
+    <p:spTree>
+      <p:nvGrpSpPr>
+        <p:cNvPr id="1" name=""/>
+        <p:cNvGrpSpPr/>
+        <p:nvPr/>
+      </p:nvGrpSpPr>
+      <p:grpSpPr>
+        <a:xfrm>
+          <a:off x="0" y="0"/>
+          <a:ext cx="0" cy="0"/>
+          <a:chOff x="0" y="0"/>
+          <a:chExt cx="0" cy="0"/>
+        </a:xfrm>
+      </p:grpSpPr>
+      <p:sp>
+        <p:nvSpPr>
+          <p:cNvPr id="2" name="Titre 1">
+            <a:extLst>
+              <a:ext uri="{FF2B5EF4-FFF2-40B4-BE49-F238E27FC236}">
+                <a16:creationId xmlns:a16="http://schemas.microsoft.com/office/drawing/2014/main" id="{5ABBF70E-6DDD-4923-8F2A-1949EBDAC838}"/>
+              </a:ext>
+            </a:extLst>
+          </p:cNvPr>
+          <p:cNvSpPr>
+            <a:spLocks noGrp="1"/>
+          </p:cNvSpPr>
+          <p:nvPr>
+            <p:ph type="title"/>
+          </p:nvPr>
+        </p:nvSpPr>
+        <p:spPr/>
+        <p:txBody>
+          <a:bodyPr/>
+          <a:lstStyle/>
+          <a:p>
+            <a:r>
+              <a:rPr lang="fr-FR" dirty="0" err="1"/>
+              <a:t>DYNAMIc</a:t>
+            </a:r>
+            <a:r>
+              <a:rPr lang="fr-FR" dirty="0"/>
+              <a:t> LEARNING</a:t>
+            </a:r>
+            <a:endParaRPr lang="en-GB" dirty="0"/>
+          </a:p>
+        </p:txBody>
+      </p:sp>
+      <p:sp>
+        <p:nvSpPr>
+          <p:cNvPr id="3" name="Espace réservé du contenu 2">
+            <a:extLst>
+              <a:ext uri="{FF2B5EF4-FFF2-40B4-BE49-F238E27FC236}">
+                <a16:creationId xmlns:a16="http://schemas.microsoft.com/office/drawing/2014/main" id="{1718BDDC-E5BD-4AB6-B798-204544EE6BFC}"/>
+              </a:ext>
+            </a:extLst>
+          </p:cNvPr>
+          <p:cNvSpPr>
+            <a:spLocks noGrp="1"/>
+          </p:cNvSpPr>
+          <p:nvPr>
+            <p:ph idx="1"/>
+          </p:nvPr>
+        </p:nvSpPr>
+        <p:spPr/>
+        <p:txBody>
+          <a:bodyPr/>
+          <a:lstStyle/>
+          <a:p>
+            <a:r>
+              <a:rPr lang="fr-FR" dirty="0" err="1"/>
+              <a:t>Explain</a:t>
+            </a:r>
+            <a:r>
+              <a:rPr lang="fr-FR" dirty="0"/>
+              <a:t> the </a:t>
+            </a:r>
+            <a:r>
+              <a:rPr lang="fr-FR" dirty="0" err="1"/>
+              <a:t>research</a:t>
+            </a:r>
+            <a:r>
+              <a:rPr lang="fr-FR" dirty="0"/>
+              <a:t> </a:t>
+            </a:r>
+            <a:r>
+              <a:rPr lang="fr-FR" dirty="0" err="1"/>
+              <a:t>with</a:t>
+            </a:r>
+            <a:r>
+              <a:rPr lang="fr-FR" dirty="0"/>
+              <a:t> </a:t>
+            </a:r>
+            <a:r>
+              <a:rPr lang="fr-FR"/>
+              <a:t>a citation</a:t>
+            </a:r>
+            <a:endParaRPr lang="fr-FR" dirty="0"/>
+          </a:p>
+          <a:p>
+            <a:r>
+              <a:rPr lang="fr-FR" dirty="0"/>
+              <a:t>Show a </a:t>
+            </a:r>
+            <a:r>
+              <a:rPr lang="fr-FR" dirty="0" err="1"/>
+              <a:t>schema</a:t>
+            </a:r>
+            <a:r>
+              <a:rPr lang="fr-FR" dirty="0"/>
+              <a:t> to </a:t>
+            </a:r>
+            <a:r>
+              <a:rPr lang="fr-FR" dirty="0" err="1"/>
+              <a:t>understand</a:t>
+            </a:r>
+            <a:endParaRPr lang="en-GB" dirty="0"/>
+          </a:p>
+          <a:p>
+            <a:endParaRPr lang="en-GB" dirty="0"/>
+          </a:p>
+        </p:txBody>
+      </p:sp>
+    </p:spTree>
+    <p:extLst>
+      <p:ext uri="{BB962C8B-B14F-4D97-AF65-F5344CB8AC3E}">
+        <p14:creationId xmlns:p14="http://schemas.microsoft.com/office/powerpoint/2010/main" val="2768971090"/>
+      </p:ext>
+    </p:extLst>
+  </p:cSld>
+  <p:clrMapOvr>
+    <a:masterClrMapping/>
+  </p:clrMapOvr>
+</p:sld>
+</file>
+
+<file path=ppt/slides/slide6.xml><?xml version="1.0" encoding="utf-8"?>
+<p:sld xmlns:a="http://schemas.openxmlformats.org/drawingml/2006/main" xmlns:r="http://schemas.openxmlformats.org/officeDocument/2006/relationships" xmlns:p="http://schemas.openxmlformats.org/presentationml/2006/main">
+  <p:cSld>
+    <p:bg>
+      <p:bgPr>
+        <a:gradFill rotWithShape="1">
+          <a:gsLst>
+            <a:gs pos="10000">
+              <a:schemeClr val="bg2">
+                <a:tint val="97000"/>
+                <a:hueMod val="92000"/>
+                <a:satMod val="169000"/>
+                <a:lumMod val="164000"/>
+              </a:schemeClr>
+            </a:gs>
+            <a:gs pos="100000">
+              <a:schemeClr val="bg2">
+                <a:shade val="96000"/>
+                <a:satMod val="120000"/>
+                <a:lumMod val="90000"/>
+              </a:schemeClr>
+            </a:gs>
+          </a:gsLst>
+          <a:lin ang="6120000" scaled="1"/>
+        </a:gradFill>
+        <a:effectLst/>
+      </p:bgPr>
+    </p:bg>
+    <p:spTree>
+      <p:nvGrpSpPr>
+        <p:cNvPr id="1" name=""/>
+        <p:cNvGrpSpPr/>
+        <p:nvPr/>
+      </p:nvGrpSpPr>
+      <p:grpSpPr>
+        <a:xfrm>
+          <a:off x="0" y="0"/>
+          <a:ext cx="0" cy="0"/>
+          <a:chOff x="0" y="0"/>
+          <a:chExt cx="0" cy="0"/>
+        </a:xfrm>
+      </p:grpSpPr>
+      <p:sp useBgFill="1">
+        <p:nvSpPr>
+          <p:cNvPr id="15" name="Rectangle 14">
+            <a:extLst>
+              <a:ext uri="{FF2B5EF4-FFF2-40B4-BE49-F238E27FC236}">
+                <a16:creationId xmlns:a16="http://schemas.microsoft.com/office/drawing/2014/main" id="{7509B08A-C1EC-478C-86AF-60ADE06D9BBB}"/>
+              </a:ext>
+              <a:ext uri="{C183D7F6-B498-43B3-948B-1728B52AA6E4}">
+                <adec:decorative xmlns:adec="http://schemas.microsoft.com/office/drawing/2017/decorative" val="1"/>
+              </a:ext>
+            </a:extLst>
+          </p:cNvPr>
+          <p:cNvSpPr>
+            <a:spLocks noGrp="1" noRot="1" noChangeAspect="1" noMove="1" noResize="1" noEditPoints="1" noAdjustHandles="1" noChangeArrowheads="1" noChangeShapeType="1" noTextEdit="1"/>
+          </p:cNvSpPr>
+          <p:nvPr>
+            <p:extLst>
+              <p:ext uri="{386F3935-93C4-4BCD-93E2-E3B085C9AB24}">
+                <p16:designElem xmlns:p16="http://schemas.microsoft.com/office/powerpoint/2015/main" val="1"/>
+              </p:ext>
+            </p:extLst>
+          </p:nvPr>
+        </p:nvSpPr>
+        <p:spPr>
+          <a:xfrm>
+            <a:off x="0" y="0"/>
+            <a:ext cx="12192000" cy="6858000"/>
+          </a:xfrm>
+          <a:prstGeom prst="rect">
+            <a:avLst/>
+          </a:prstGeom>
+          <a:ln>
+            <a:noFill/>
+          </a:ln>
+        </p:spPr>
+        <p:style>
+          <a:lnRef idx="2">
+            <a:schemeClr val="accent1">
+              <a:shade val="50000"/>
+            </a:schemeClr>
+          </a:lnRef>
+          <a:fillRef idx="1">
+            <a:schemeClr val="accent1"/>
+          </a:fillRef>
+          <a:effectRef idx="0">
+            <a:schemeClr val="accent1"/>
+          </a:effectRef>
+          <a:fontRef idx="minor">
+            <a:schemeClr val="lt1"/>
+          </a:fontRef>
+        </p:style>
+        <p:txBody>
+          <a:bodyPr rtlCol="0" anchor="ctr"/>
+          <a:lstStyle/>
+          <a:p>
+            <a:pPr algn="ctr"/>
+            <a:endParaRPr lang="en-US"/>
+          </a:p>
+        </p:txBody>
+      </p:sp>
+      <p:sp>
+        <p:nvSpPr>
+          <p:cNvPr id="2" name="Titre 1">
+            <a:extLst>
+              <a:ext uri="{FF2B5EF4-FFF2-40B4-BE49-F238E27FC236}">
+                <a16:creationId xmlns:a16="http://schemas.microsoft.com/office/drawing/2014/main" id="{77851132-74B7-4D74-B115-071128FEC992}"/>
+              </a:ext>
+            </a:extLst>
+          </p:cNvPr>
+          <p:cNvSpPr>
+            <a:spLocks noGrp="1"/>
+          </p:cNvSpPr>
+          <p:nvPr>
+            <p:ph type="title"/>
+          </p:nvPr>
+        </p:nvSpPr>
+        <p:spPr>
+          <a:xfrm>
+            <a:off x="640290" y="685800"/>
+            <a:ext cx="4818656" cy="4603749"/>
+          </a:xfrm>
+        </p:spPr>
+        <p:txBody>
+          <a:bodyPr>
+            <a:normAutofit/>
+          </a:bodyPr>
+          <a:lstStyle/>
+          <a:p>
+            <a:pPr algn="r"/>
+            <a:r>
+              <a:rPr lang="fr-FR" sz="5200"/>
+              <a:t>issues</a:t>
+            </a:r>
+            <a:endParaRPr lang="en-GB" sz="5200"/>
+          </a:p>
+        </p:txBody>
+      </p:sp>
+      <p:sp>
+        <p:nvSpPr>
+          <p:cNvPr id="17" name="Rectangle 16">
+            <a:extLst>
+              <a:ext uri="{FF2B5EF4-FFF2-40B4-BE49-F238E27FC236}">
+                <a16:creationId xmlns:a16="http://schemas.microsoft.com/office/drawing/2014/main" id="{221CC330-4259-4C32-BF8B-5FE13FFABB3A}"/>
+              </a:ext>
+              <a:ext uri="{C183D7F6-B498-43B3-948B-1728B52AA6E4}">
+                <adec:decorative xmlns:adec="http://schemas.microsoft.com/office/drawing/2017/decorative" val="1"/>
+              </a:ext>
+            </a:extLst>
+          </p:cNvPr>
+          <p:cNvSpPr>
+            <a:spLocks noGrp="1" noRot="1" noChangeAspect="1" noMove="1" noResize="1" noEditPoints="1" noAdjustHandles="1" noChangeArrowheads="1" noChangeShapeType="1" noTextEdit="1"/>
+          </p:cNvSpPr>
+          <p:nvPr>
+            <p:extLst>
+              <p:ext uri="{386F3935-93C4-4BCD-93E2-E3B085C9AB24}">
+                <p16:designElem xmlns:p16="http://schemas.microsoft.com/office/powerpoint/2015/main" val="1"/>
+              </p:ext>
+            </p:extLst>
+          </p:nvPr>
+        </p:nvSpPr>
+        <p:spPr>
+          <a:xfrm>
+            <a:off x="6095999" y="0"/>
+            <a:ext cx="6096001" cy="6858000"/>
+          </a:xfrm>
+          <a:prstGeom prst="rect">
+            <a:avLst/>
+          </a:prstGeom>
+          <a:solidFill>
+            <a:schemeClr val="bg2">
+              <a:alpha val="97000"/>
+            </a:schemeClr>
+          </a:solidFill>
+          <a:ln>
+            <a:noFill/>
+          </a:ln>
+          <a:effectLst/>
+        </p:spPr>
+        <p:style>
+          <a:lnRef idx="2">
+            <a:schemeClr val="accent1">
+              <a:shade val="50000"/>
+            </a:schemeClr>
+          </a:lnRef>
+          <a:fillRef idx="1001">
+            <a:schemeClr val="dk2"/>
+          </a:fillRef>
+          <a:effectRef idx="0">
+            <a:schemeClr val="accent1"/>
+          </a:effectRef>
+          <a:fontRef idx="minor">
+            <a:schemeClr val="lt1"/>
+          </a:fontRef>
+        </p:style>
+        <p:txBody>
+          <a:bodyPr rtlCol="0" anchor="ctr"/>
+          <a:lstStyle/>
+          <a:p>
+            <a:pPr algn="ctr"/>
+            <a:endParaRPr lang="en-US"/>
+          </a:p>
+        </p:txBody>
+      </p:sp>
+      <p:sp>
+        <p:nvSpPr>
+          <p:cNvPr id="3" name="Espace réservé du contenu 2">
+            <a:extLst>
+              <a:ext uri="{FF2B5EF4-FFF2-40B4-BE49-F238E27FC236}">
+                <a16:creationId xmlns:a16="http://schemas.microsoft.com/office/drawing/2014/main" id="{A8089F6D-E260-4620-8DCB-5ABC107EF384}"/>
+              </a:ext>
+            </a:extLst>
+          </p:cNvPr>
+          <p:cNvSpPr>
+            <a:spLocks noGrp="1"/>
+          </p:cNvSpPr>
+          <p:nvPr>
+            <p:ph idx="1"/>
+          </p:nvPr>
+        </p:nvSpPr>
+        <p:spPr>
+          <a:xfrm>
+            <a:off x="6625651" y="685800"/>
+            <a:ext cx="4878959" cy="4603750"/>
+          </a:xfrm>
+        </p:spPr>
+        <p:txBody>
+          <a:bodyPr>
+            <a:normAutofit/>
+          </a:bodyPr>
+          <a:lstStyle/>
+          <a:p>
+            <a:r>
+              <a:rPr lang="fr-FR">
+                <a:solidFill>
+                  <a:schemeClr val="tx1"/>
+                </a:solidFill>
+              </a:rPr>
+              <a:t>Hard to deploy</a:t>
+            </a:r>
+          </a:p>
+          <a:p>
+            <a:r>
+              <a:rPr lang="fr-FR">
+                <a:solidFill>
+                  <a:schemeClr val="tx1"/>
+                </a:solidFill>
+              </a:rPr>
+              <a:t>Simulate the brain behavior during sleep (sort/compress/delete data)</a:t>
+            </a:r>
+          </a:p>
+          <a:p>
+            <a:r>
+              <a:rPr lang="fr-FR">
+                <a:solidFill>
+                  <a:schemeClr val="tx1"/>
+                </a:solidFill>
+              </a:rPr>
+              <a:t>Add a reward (seems like RL, pheromon)</a:t>
+            </a:r>
+          </a:p>
+          <a:p>
+            <a:r>
+              <a:rPr lang="fr-FR">
+                <a:solidFill>
+                  <a:schemeClr val="tx1"/>
+                </a:solidFill>
+              </a:rPr>
+              <a:t>Launch the SAI each day, it will give a report of what it learned</a:t>
+            </a:r>
+          </a:p>
+          <a:p>
+            <a:r>
+              <a:rPr lang="fr-FR">
+                <a:solidFill>
+                  <a:schemeClr val="tx1"/>
+                </a:solidFill>
+              </a:rPr>
+              <a:t>Sort what SAI learned</a:t>
+            </a:r>
+            <a:endParaRPr lang="en-GB">
+              <a:solidFill>
+                <a:schemeClr val="tx1"/>
+              </a:solidFill>
+            </a:endParaRPr>
+          </a:p>
+        </p:txBody>
+      </p:sp>
+    </p:spTree>
+    <p:extLst>
+      <p:ext uri="{BB962C8B-B14F-4D97-AF65-F5344CB8AC3E}">
+        <p14:creationId xmlns:p14="http://schemas.microsoft.com/office/powerpoint/2010/main" val="1559484787"/>
+      </p:ext>
+    </p:extLst>
+  </p:cSld>
+  <p:clrMapOvr>
+    <a:masterClrMapping/>
+  </p:clrMapOvr>
+</p:sld>
+</file>
+
+<file path=ppt/slides/slide7.xml><?xml version="1.0" encoding="utf-8"?>
+<p:sld xmlns:a="http://schemas.openxmlformats.org/drawingml/2006/main" xmlns:r="http://schemas.openxmlformats.org/officeDocument/2006/relationships" xmlns:p="http://schemas.openxmlformats.org/presentationml/2006/main">
+  <p:cSld>
+    <p:bg>
+      <p:bgPr>
+        <a:gradFill rotWithShape="1">
+          <a:gsLst>
+            <a:gs pos="10000">
+              <a:schemeClr val="bg2">
+                <a:tint val="97000"/>
+                <a:hueMod val="92000"/>
+                <a:satMod val="169000"/>
+                <a:lumMod val="164000"/>
+              </a:schemeClr>
+            </a:gs>
+            <a:gs pos="100000">
+              <a:schemeClr val="bg2">
+                <a:shade val="96000"/>
+                <a:satMod val="120000"/>
+                <a:lumMod val="90000"/>
+              </a:schemeClr>
+            </a:gs>
+          </a:gsLst>
+          <a:lin ang="6120000" scaled="1"/>
+        </a:gradFill>
+        <a:effectLst/>
+      </p:bgPr>
+    </p:bg>
+    <p:spTree>
+      <p:nvGrpSpPr>
+        <p:cNvPr id="1" name=""/>
+        <p:cNvGrpSpPr/>
+        <p:nvPr/>
+      </p:nvGrpSpPr>
+      <p:grpSpPr>
+        <a:xfrm>
+          <a:off x="0" y="0"/>
+          <a:ext cx="0" cy="0"/>
+          <a:chOff x="0" y="0"/>
+          <a:chExt cx="0" cy="0"/>
+        </a:xfrm>
+      </p:grpSpPr>
+      <p:sp useBgFill="1">
+        <p:nvSpPr>
+          <p:cNvPr id="23" name="Rectangle 7">
+            <a:extLst>
+              <a:ext uri="{FF2B5EF4-FFF2-40B4-BE49-F238E27FC236}">
+                <a16:creationId xmlns:a16="http://schemas.microsoft.com/office/drawing/2014/main" id="{7509B08A-C1EC-478C-86AF-60ADE06D9BBB}"/>
+              </a:ext>
+              <a:ext uri="{C183D7F6-B498-43B3-948B-1728B52AA6E4}">
+                <adec:decorative xmlns:adec="http://schemas.microsoft.com/office/drawing/2017/decorative" val="1"/>
+              </a:ext>
+            </a:extLst>
+          </p:cNvPr>
+          <p:cNvSpPr>
+            <a:spLocks noGrp="1" noRot="1" noChangeAspect="1" noMove="1" noResize="1" noEditPoints="1" noAdjustHandles="1" noChangeArrowheads="1" noChangeShapeType="1" noTextEdit="1"/>
+          </p:cNvSpPr>
+          <p:nvPr>
+            <p:extLst>
+              <p:ext uri="{386F3935-93C4-4BCD-93E2-E3B085C9AB24}">
+                <p16:designElem xmlns:p16="http://schemas.microsoft.com/office/powerpoint/2015/main" val="1"/>
+              </p:ext>
+            </p:extLst>
+          </p:nvPr>
+        </p:nvSpPr>
+        <p:spPr>
+          <a:xfrm>
+            <a:off x="0" y="0"/>
+            <a:ext cx="12192000" cy="6858000"/>
+          </a:xfrm>
+          <a:prstGeom prst="rect">
+            <a:avLst/>
+          </a:prstGeom>
+          <a:ln>
+            <a:noFill/>
+          </a:ln>
+        </p:spPr>
+        <p:style>
+          <a:lnRef idx="2">
+            <a:schemeClr val="accent1">
+              <a:shade val="50000"/>
+            </a:schemeClr>
+          </a:lnRef>
+          <a:fillRef idx="1">
+            <a:schemeClr val="accent1"/>
+          </a:fillRef>
+          <a:effectRef idx="0">
+            <a:schemeClr val="accent1"/>
+          </a:effectRef>
+          <a:fontRef idx="minor">
+            <a:schemeClr val="lt1"/>
+          </a:fontRef>
+        </p:style>
+        <p:txBody>
+          <a:bodyPr rtlCol="0" anchor="ctr"/>
+          <a:lstStyle/>
+          <a:p>
+            <a:pPr algn="ctr"/>
+            <a:endParaRPr lang="en-US"/>
+          </a:p>
+        </p:txBody>
+      </p:sp>
+      <p:sp>
+        <p:nvSpPr>
+          <p:cNvPr id="2" name="Titre 1">
+            <a:extLst>
+              <a:ext uri="{FF2B5EF4-FFF2-40B4-BE49-F238E27FC236}">
+                <a16:creationId xmlns:a16="http://schemas.microsoft.com/office/drawing/2014/main" id="{E286FAAA-D668-42B4-9647-5ECEBD96BC52}"/>
+              </a:ext>
+            </a:extLst>
+          </p:cNvPr>
+          <p:cNvSpPr>
+            <a:spLocks noGrp="1"/>
+          </p:cNvSpPr>
+          <p:nvPr>
+            <p:ph type="title"/>
+          </p:nvPr>
+        </p:nvSpPr>
+        <p:spPr>
+          <a:xfrm>
+            <a:off x="640290" y="685800"/>
+            <a:ext cx="4818656" cy="4603749"/>
+          </a:xfrm>
+        </p:spPr>
+        <p:txBody>
+          <a:bodyPr>
+            <a:normAutofit/>
+          </a:bodyPr>
+          <a:lstStyle/>
+          <a:p>
+            <a:pPr algn="r"/>
+            <a:r>
+              <a:rPr lang="fr-FR" sz="5200"/>
+              <a:t>Solutions</a:t>
+            </a:r>
+            <a:endParaRPr lang="en-GB" sz="5200"/>
+          </a:p>
+        </p:txBody>
+      </p:sp>
+      <p:sp>
+        <p:nvSpPr>
+          <p:cNvPr id="10" name="Rectangle 9">
+            <a:extLst>
+              <a:ext uri="{FF2B5EF4-FFF2-40B4-BE49-F238E27FC236}">
+                <a16:creationId xmlns:a16="http://schemas.microsoft.com/office/drawing/2014/main" id="{221CC330-4259-4C32-BF8B-5FE13FFABB3A}"/>
+              </a:ext>
+              <a:ext uri="{C183D7F6-B498-43B3-948B-1728B52AA6E4}">
+                <adec:decorative xmlns:adec="http://schemas.microsoft.com/office/drawing/2017/decorative" val="1"/>
+              </a:ext>
+            </a:extLst>
+          </p:cNvPr>
+          <p:cNvSpPr>
+            <a:spLocks noGrp="1" noRot="1" noChangeAspect="1" noMove="1" noResize="1" noEditPoints="1" noAdjustHandles="1" noChangeArrowheads="1" noChangeShapeType="1" noTextEdit="1"/>
+          </p:cNvSpPr>
+          <p:nvPr>
+            <p:extLst>
+              <p:ext uri="{386F3935-93C4-4BCD-93E2-E3B085C9AB24}">
+                <p16:designElem xmlns:p16="http://schemas.microsoft.com/office/powerpoint/2015/main" val="1"/>
+              </p:ext>
+            </p:extLst>
+          </p:nvPr>
+        </p:nvSpPr>
+        <p:spPr>
+          <a:xfrm>
+            <a:off x="6095999" y="0"/>
+            <a:ext cx="6096001" cy="6858000"/>
+          </a:xfrm>
+          <a:prstGeom prst="rect">
+            <a:avLst/>
+          </a:prstGeom>
+          <a:solidFill>
+            <a:schemeClr val="bg2">
+              <a:alpha val="97000"/>
+            </a:schemeClr>
+          </a:solidFill>
+          <a:ln>
+            <a:noFill/>
+          </a:ln>
+          <a:effectLst/>
+        </p:spPr>
+        <p:style>
+          <a:lnRef idx="2">
+            <a:schemeClr val="accent1">
+              <a:shade val="50000"/>
+            </a:schemeClr>
+          </a:lnRef>
+          <a:fillRef idx="1001">
+            <a:schemeClr val="dk2"/>
+          </a:fillRef>
+          <a:effectRef idx="0">
+            <a:schemeClr val="accent1"/>
+          </a:effectRef>
+          <a:fontRef idx="minor">
+            <a:schemeClr val="lt1"/>
+          </a:fontRef>
+        </p:style>
+        <p:txBody>
+          <a:bodyPr rtlCol="0" anchor="ctr"/>
+          <a:lstStyle/>
+          <a:p>
+            <a:pPr algn="ctr"/>
+            <a:endParaRPr lang="en-US"/>
+          </a:p>
+        </p:txBody>
+      </p:sp>
+      <p:sp>
+        <p:nvSpPr>
+          <p:cNvPr id="3" name="Espace réservé du contenu 2">
+            <a:extLst>
+              <a:ext uri="{FF2B5EF4-FFF2-40B4-BE49-F238E27FC236}">
+                <a16:creationId xmlns:a16="http://schemas.microsoft.com/office/drawing/2014/main" id="{128178D9-55E1-4BEF-84B2-EF38491DA27C}"/>
+              </a:ext>
+            </a:extLst>
+          </p:cNvPr>
+          <p:cNvSpPr>
+            <a:spLocks noGrp="1"/>
+          </p:cNvSpPr>
+          <p:nvPr>
+            <p:ph idx="1"/>
+          </p:nvPr>
+        </p:nvSpPr>
+        <p:spPr>
+          <a:xfrm>
+            <a:off x="6625651" y="685800"/>
+            <a:ext cx="4878959" cy="4603750"/>
+          </a:xfrm>
+        </p:spPr>
+        <p:txBody>
+          <a:bodyPr>
+            <a:normAutofit/>
+          </a:bodyPr>
+          <a:lstStyle/>
+          <a:p>
+            <a:r>
+              <a:rPr lang="fr-FR">
+                <a:solidFill>
+                  <a:schemeClr val="tx1"/>
+                </a:solidFill>
+              </a:rPr>
+              <a:t>Create SAI with pyinstaller for multiplatform</a:t>
+            </a:r>
+          </a:p>
+          <a:p>
+            <a:r>
+              <a:rPr lang="fr-FR">
+                <a:solidFill>
+                  <a:schemeClr val="tx1"/>
+                </a:solidFill>
+              </a:rPr>
+              <a:t>Launch a scan that remove duplicate screenshot and order them by interesting strategie</a:t>
+            </a:r>
+          </a:p>
+          <a:p>
+            <a:r>
+              <a:rPr lang="fr-FR">
+                <a:solidFill>
+                  <a:schemeClr val="tx1"/>
+                </a:solidFill>
+              </a:rPr>
+              <a:t>Increment the reward if there was difference between images</a:t>
+            </a:r>
+          </a:p>
+          <a:p>
+            <a:r>
+              <a:rPr lang="fr-FR">
+                <a:solidFill>
+                  <a:schemeClr val="tx1"/>
+                </a:solidFill>
+              </a:rPr>
+              <a:t>Create a web page with the strategies learned</a:t>
+            </a:r>
+          </a:p>
+          <a:p>
+            <a:r>
+              <a:rPr lang="fr-FR">
+                <a:solidFill>
+                  <a:schemeClr val="tx1"/>
+                </a:solidFill>
+              </a:rPr>
+              <a:t>Create a web interface or a vocal controller to order strategies</a:t>
+            </a:r>
+          </a:p>
+        </p:txBody>
+      </p:sp>
+    </p:spTree>
+    <p:extLst>
+      <p:ext uri="{BB962C8B-B14F-4D97-AF65-F5344CB8AC3E}">
+        <p14:creationId xmlns:p14="http://schemas.microsoft.com/office/powerpoint/2010/main" val="701313445"/>
+      </p:ext>
+    </p:extLst>
+  </p:cSld>
+  <p:clrMapOvr>
+    <a:masterClrMapping/>
+  </p:clrMapOvr>
+</p:sld>
+</file>
+
+<file path=ppt/slides/slide8.xml><?xml version="1.0" encoding="utf-8"?>
+<p:sld xmlns:a="http://schemas.openxmlformats.org/drawingml/2006/main" xmlns:r="http://schemas.openxmlformats.org/officeDocument/2006/relationships" xmlns:p="http://schemas.openxmlformats.org/presentationml/2006/main">
+  <p:cSld>
+    <p:spTree>
+      <p:nvGrpSpPr>
+        <p:cNvPr id="1" name=""/>
+        <p:cNvGrpSpPr/>
+        <p:nvPr/>
+      </p:nvGrpSpPr>
+      <p:grpSpPr>
+        <a:xfrm>
+          <a:off x="0" y="0"/>
+          <a:ext cx="0" cy="0"/>
+          <a:chOff x="0" y="0"/>
+          <a:chExt cx="0" cy="0"/>
+        </a:xfrm>
+      </p:grpSpPr>
+      <p:sp>
+        <p:nvSpPr>
+          <p:cNvPr id="2" name="Titre 1">
+            <a:extLst>
+              <a:ext uri="{FF2B5EF4-FFF2-40B4-BE49-F238E27FC236}">
+                <a16:creationId xmlns:a16="http://schemas.microsoft.com/office/drawing/2014/main" id="{643ACCC2-1572-47D7-9E8E-170E100F9348}"/>
+              </a:ext>
+            </a:extLst>
+          </p:cNvPr>
+          <p:cNvSpPr>
+            <a:spLocks noGrp="1"/>
+          </p:cNvSpPr>
+          <p:nvPr>
+            <p:ph type="title"/>
+          </p:nvPr>
+        </p:nvSpPr>
+        <p:spPr/>
+        <p:txBody>
+          <a:bodyPr/>
+          <a:lstStyle/>
+          <a:p>
+            <a:r>
+              <a:rPr lang="fr-FR" dirty="0" err="1"/>
+              <a:t>Result</a:t>
+            </a:r>
+            <a:endParaRPr lang="en-GB" dirty="0"/>
+          </a:p>
+        </p:txBody>
+      </p:sp>
+      <p:sp>
+        <p:nvSpPr>
+          <p:cNvPr id="3" name="Espace réservé du contenu 2">
+            <a:extLst>
+              <a:ext uri="{FF2B5EF4-FFF2-40B4-BE49-F238E27FC236}">
+                <a16:creationId xmlns:a16="http://schemas.microsoft.com/office/drawing/2014/main" id="{7528B972-5B40-4B83-A687-4553853739D3}"/>
+              </a:ext>
+            </a:extLst>
+          </p:cNvPr>
+          <p:cNvSpPr>
+            <a:spLocks noGrp="1"/>
+          </p:cNvSpPr>
+          <p:nvPr>
+            <p:ph idx="1"/>
+          </p:nvPr>
+        </p:nvSpPr>
+        <p:spPr/>
+        <p:txBody>
+          <a:bodyPr/>
+          <a:lstStyle/>
+          <a:p>
+            <a:r>
+              <a:rPr lang="fr-FR"/>
+              <a:t>Show a graph with the strategies learn with a little picture</a:t>
+            </a:r>
+          </a:p>
+          <a:p>
+            <a:r>
+              <a:rPr lang="fr-FR"/>
+              <a:t>Show the web interface to choose strategies</a:t>
+            </a:r>
+            <a:endParaRPr lang="en-GB"/>
+          </a:p>
+        </p:txBody>
+      </p:sp>
+    </p:spTree>
+    <p:extLst>
+      <p:ext uri="{BB962C8B-B14F-4D97-AF65-F5344CB8AC3E}">
+        <p14:creationId xmlns:p14="http://schemas.microsoft.com/office/powerpoint/2010/main" val="770528979"/>
+      </p:ext>
+    </p:extLst>
+  </p:cSld>
+  <p:clrMapOvr>
+    <a:masterClrMapping/>
+  </p:clrMapOvr>
+</p:sld>
+</file>
+
+<file path=ppt/slides/slide9.xml><?xml version="1.0" encoding="utf-8"?>
+<p:sld xmlns:a="http://schemas.openxmlformats.org/drawingml/2006/main" xmlns:r="http://schemas.openxmlformats.org/officeDocument/2006/relationships" xmlns:p="http://schemas.openxmlformats.org/presentationml/2006/main">
+  <p:cSld>
+    <p:bg>
+      <p:bgPr>
+        <a:gradFill rotWithShape="1">
+          <a:gsLst>
+            <a:gs pos="10000">
+              <a:schemeClr val="bg2">
+                <a:tint val="97000"/>
+                <a:hueMod val="92000"/>
+                <a:satMod val="169000"/>
+                <a:lumMod val="164000"/>
+              </a:schemeClr>
+            </a:gs>
+            <a:gs pos="100000">
+              <a:schemeClr val="bg2">
+                <a:shade val="96000"/>
+                <a:satMod val="120000"/>
+                <a:lumMod val="90000"/>
+              </a:schemeClr>
+            </a:gs>
+          </a:gsLst>
+          <a:lin ang="6120000" scaled="1"/>
+        </a:gradFill>
+        <a:effectLst/>
+      </p:bgPr>
+    </p:bg>
+    <p:spTree>
+      <p:nvGrpSpPr>
+        <p:cNvPr id="1" name=""/>
+        <p:cNvGrpSpPr/>
+        <p:nvPr/>
+      </p:nvGrpSpPr>
+      <p:grpSpPr>
+        <a:xfrm>
+          <a:off x="0" y="0"/>
+          <a:ext cx="0" cy="0"/>
+          <a:chOff x="0" y="0"/>
+          <a:chExt cx="0" cy="0"/>
+        </a:xfrm>
+      </p:grpSpPr>
+      <p:sp>
+        <p:nvSpPr>
+          <p:cNvPr id="2" name="Titre 1">
+            <a:extLst>
+              <a:ext uri="{FF2B5EF4-FFF2-40B4-BE49-F238E27FC236}">
+                <a16:creationId xmlns:a16="http://schemas.microsoft.com/office/drawing/2014/main" id="{3CDB8273-45A0-4A0F-905C-063E41E279EE}"/>
+              </a:ext>
+            </a:extLst>
+          </p:cNvPr>
+          <p:cNvSpPr>
+            <a:spLocks noGrp="1"/>
+          </p:cNvSpPr>
+          <p:nvPr>
+            <p:ph type="title"/>
+          </p:nvPr>
+        </p:nvSpPr>
+        <p:spPr>
+          <a:xfrm>
+            <a:off x="684212" y="4487332"/>
+            <a:ext cx="8534400" cy="1507067"/>
+          </a:xfrm>
+        </p:spPr>
+        <p:txBody>
+          <a:bodyPr>
+            <a:normAutofit/>
+          </a:bodyPr>
+          <a:lstStyle/>
+          <a:p>
+            <a:r>
+              <a:rPr lang="fr-FR"/>
+              <a:t>Conclusion</a:t>
+            </a:r>
+            <a:endParaRPr lang="en-GB" dirty="0"/>
+          </a:p>
+        </p:txBody>
+      </p:sp>
+      <p:graphicFrame>
+        <p:nvGraphicFramePr>
+          <p:cNvPr id="5" name="Espace réservé du contenu 2">
+            <a:extLst>
+              <a:ext uri="{FF2B5EF4-FFF2-40B4-BE49-F238E27FC236}">
+                <a16:creationId xmlns:a16="http://schemas.microsoft.com/office/drawing/2014/main" id="{9A2F4FC4-8E3A-4880-8CC3-29FF61F63AB1}"/>
+              </a:ext>
+            </a:extLst>
+          </p:cNvPr>
+          <p:cNvGraphicFramePr>
+            <a:graphicFrameLocks noGrp="1"/>
+          </p:cNvGraphicFramePr>
+          <p:nvPr>
+            <p:ph idx="1"/>
+            <p:extLst>
+              <p:ext uri="{D42A27DB-BD31-4B8C-83A1-F6EECF244321}">
+                <p14:modId xmlns:p14="http://schemas.microsoft.com/office/powerpoint/2010/main" val="208525868"/>
+              </p:ext>
+            </p:extLst>
+          </p:nvPr>
+        </p:nvGraphicFramePr>
+        <p:xfrm>
+          <a:off x="684212" y="685800"/>
+          <a:ext cx="10820399" cy="3614738"/>
+        </p:xfrm>
+        <a:graphic>
+          <a:graphicData uri="http://schemas.openxmlformats.org/drawingml/2006/diagram">
+            <dgm:relIds xmlns:dgm="http://schemas.openxmlformats.org/drawingml/2006/diagram" xmlns:r="http://schemas.openxmlformats.org/officeDocument/2006/relationships" r:dm="rId2" r:lo="rId3" r:qs="rId4" r:cs="rId5"/>
+          </a:graphicData>
+        </a:graphic>
+      </p:graphicFrame>
+    </p:spTree>
+    <p:extLst>
+      <p:ext uri="{BB962C8B-B14F-4D97-AF65-F5344CB8AC3E}">
+        <p14:creationId xmlns:p14="http://schemas.microsoft.com/office/powerpoint/2010/main" val="2526747130"/>
+      </p:ext>
+    </p:extLst>
+  </p:cSld>
+  <p:clrMapOvr>
+    <a:masterClrMapping/>
+  </p:clrMapOvr>
+</p:sld>
+</file>
+
 <file path=ppt/theme/theme1.xml><?xml version="1.0" encoding="utf-8"?>
 <a:theme xmlns:a="http://schemas.openxmlformats.org/drawingml/2006/main" name="Secteur">
   <a:themeElements>

--- a/SAI_presentation.pptx
+++ b/SAI_presentation.pptx
@@ -6740,7 +6740,7 @@
             <a:fld id="{B61BEF0D-F0BB-DE4B-95CE-6DB70DBA9567}" type="datetimeFigureOut">
               <a:rPr lang="en-US" dirty="0"/>
               <a:pPr/>
-              <a:t>3/1/2020</a:t>
+              <a:t>3/2/2020</a:t>
             </a:fld>
             <a:endParaRPr lang="en-US" dirty="0"/>
           </a:p>
@@ -7173,7 +7173,7 @@
             <a:fld id="{B61BEF0D-F0BB-DE4B-95CE-6DB70DBA9567}" type="datetimeFigureOut">
               <a:rPr lang="en-US" dirty="0"/>
               <a:pPr/>
-              <a:t>3/1/2020</a:t>
+              <a:t>3/2/2020</a:t>
             </a:fld>
             <a:endParaRPr lang="en-US" dirty="0"/>
           </a:p>
@@ -7420,7 +7420,7 @@
             <a:fld id="{B61BEF0D-F0BB-DE4B-95CE-6DB70DBA9567}" type="datetimeFigureOut">
               <a:rPr lang="en-US" dirty="0"/>
               <a:pPr/>
-              <a:t>3/1/2020</a:t>
+              <a:t>3/2/2020</a:t>
             </a:fld>
             <a:endParaRPr lang="en-US" dirty="0"/>
           </a:p>
@@ -7725,7 +7725,7 @@
             <a:fld id="{B61BEF0D-F0BB-DE4B-95CE-6DB70DBA9567}" type="datetimeFigureOut">
               <a:rPr lang="en-US" dirty="0"/>
               <a:pPr/>
-              <a:t>3/1/2020</a:t>
+              <a:t>3/2/2020</a:t>
             </a:fld>
             <a:endParaRPr lang="en-US" dirty="0"/>
           </a:p>
@@ -8040,7 +8040,7 @@
             <a:fld id="{B61BEF0D-F0BB-DE4B-95CE-6DB70DBA9567}" type="datetimeFigureOut">
               <a:rPr lang="en-US" dirty="0"/>
               <a:pPr/>
-              <a:t>3/1/2020</a:t>
+              <a:t>3/2/2020</a:t>
             </a:fld>
             <a:endParaRPr lang="en-US" dirty="0"/>
           </a:p>
@@ -8339,7 +8339,7 @@
             <a:fld id="{B61BEF0D-F0BB-DE4B-95CE-6DB70DBA9567}" type="datetimeFigureOut">
               <a:rPr lang="en-US" dirty="0"/>
               <a:pPr/>
-              <a:t>3/1/2020</a:t>
+              <a:t>3/2/2020</a:t>
             </a:fld>
             <a:endParaRPr lang="en-US" dirty="0"/>
           </a:p>
@@ -8703,7 +8703,7 @@
             <a:fld id="{B61BEF0D-F0BB-DE4B-95CE-6DB70DBA9567}" type="datetimeFigureOut">
               <a:rPr lang="en-US" dirty="0"/>
               <a:pPr/>
-              <a:t>3/1/2020</a:t>
+              <a:t>3/2/2020</a:t>
             </a:fld>
             <a:endParaRPr lang="en-US" dirty="0"/>
           </a:p>
@@ -8874,7 +8874,7 @@
             <a:fld id="{B61BEF0D-F0BB-DE4B-95CE-6DB70DBA9567}" type="datetimeFigureOut">
               <a:rPr lang="en-US" dirty="0"/>
               <a:pPr/>
-              <a:t>3/1/2020</a:t>
+              <a:t>3/2/2020</a:t>
             </a:fld>
             <a:endParaRPr lang="en-US" dirty="0"/>
           </a:p>
@@ -9051,7 +9051,7 @@
             <a:fld id="{B61BEF0D-F0BB-DE4B-95CE-6DB70DBA9567}" type="datetimeFigureOut">
               <a:rPr lang="en-US" dirty="0"/>
               <a:pPr/>
-              <a:t>3/1/2020</a:t>
+              <a:t>3/2/2020</a:t>
             </a:fld>
             <a:endParaRPr lang="en-US" dirty="0"/>
           </a:p>
@@ -9218,7 +9218,7 @@
             <a:fld id="{B61BEF0D-F0BB-DE4B-95CE-6DB70DBA9567}" type="datetimeFigureOut">
               <a:rPr lang="en-US" dirty="0"/>
               <a:pPr/>
-              <a:t>3/1/2020</a:t>
+              <a:t>3/2/2020</a:t>
             </a:fld>
             <a:endParaRPr lang="en-US" dirty="0"/>
           </a:p>
@@ -9465,7 +9465,7 @@
             <a:fld id="{B61BEF0D-F0BB-DE4B-95CE-6DB70DBA9567}" type="datetimeFigureOut">
               <a:rPr lang="en-US" dirty="0"/>
               <a:pPr/>
-              <a:t>3/1/2020</a:t>
+              <a:t>3/2/2020</a:t>
             </a:fld>
             <a:endParaRPr lang="en-US" dirty="0"/>
           </a:p>
@@ -9698,7 +9698,7 @@
             <a:fld id="{B61BEF0D-F0BB-DE4B-95CE-6DB70DBA9567}" type="datetimeFigureOut">
               <a:rPr lang="en-US" dirty="0"/>
               <a:pPr/>
-              <a:t>3/1/2020</a:t>
+              <a:t>3/2/2020</a:t>
             </a:fld>
             <a:endParaRPr lang="en-US" dirty="0"/>
           </a:p>
@@ -10077,7 +10077,7 @@
             <a:fld id="{B61BEF0D-F0BB-DE4B-95CE-6DB70DBA9567}" type="datetimeFigureOut">
               <a:rPr lang="en-US" dirty="0"/>
               <a:pPr/>
-              <a:t>3/1/2020</a:t>
+              <a:t>3/2/2020</a:t>
             </a:fld>
             <a:endParaRPr lang="en-US" dirty="0"/>
           </a:p>
@@ -10192,7 +10192,7 @@
             <a:fld id="{B61BEF0D-F0BB-DE4B-95CE-6DB70DBA9567}" type="datetimeFigureOut">
               <a:rPr lang="en-US" dirty="0"/>
               <a:pPr/>
-              <a:t>3/1/2020</a:t>
+              <a:t>3/2/2020</a:t>
             </a:fld>
             <a:endParaRPr lang="en-US" dirty="0"/>
           </a:p>
@@ -10284,7 +10284,7 @@
             <a:fld id="{B61BEF0D-F0BB-DE4B-95CE-6DB70DBA9567}" type="datetimeFigureOut">
               <a:rPr lang="en-US" dirty="0"/>
               <a:pPr/>
-              <a:t>3/1/2020</a:t>
+              <a:t>3/2/2020</a:t>
             </a:fld>
             <a:endParaRPr lang="en-US" dirty="0"/>
           </a:p>
@@ -10536,7 +10536,7 @@
             <a:fld id="{B61BEF0D-F0BB-DE4B-95CE-6DB70DBA9567}" type="datetimeFigureOut">
               <a:rPr lang="en-US" dirty="0"/>
               <a:pPr/>
-              <a:t>3/1/2020</a:t>
+              <a:t>3/2/2020</a:t>
             </a:fld>
             <a:endParaRPr lang="en-US" dirty="0"/>
           </a:p>
@@ -10816,7 +10816,7 @@
             <a:fld id="{B61BEF0D-F0BB-DE4B-95CE-6DB70DBA9567}" type="datetimeFigureOut">
               <a:rPr lang="en-US" dirty="0"/>
               <a:pPr/>
-              <a:t>3/1/2020</a:t>
+              <a:t>3/2/2020</a:t>
             </a:fld>
             <a:endParaRPr lang="en-US" dirty="0"/>
           </a:p>
@@ -11219,7 +11219,7 @@
             <a:fld id="{B61BEF0D-F0BB-DE4B-95CE-6DB70DBA9567}" type="datetimeFigureOut">
               <a:rPr lang="en-US" dirty="0"/>
               <a:pPr/>
-              <a:t>3/1/2020</a:t>
+              <a:t>3/2/2020</a:t>
             </a:fld>
             <a:endParaRPr lang="en-US" dirty="0"/>
           </a:p>
@@ -14221,8 +14221,34 @@
         </p:nvSpPr>
         <p:spPr/>
         <p:txBody>
-          <a:bodyPr/>
+          <a:bodyPr>
+            <a:normAutofit lnSpcReduction="10000"/>
+          </a:bodyPr>
           <a:lstStyle/>
+          <a:p>
+            <a:r>
+              <a:rPr lang="en-GB" dirty="0"/>
+              <a:t>“Weak artificial intelligence (weak AI), is artificial intelligence that implements a limited part of mind, or as narrow AI, is focused on one narrow task. In John Searle's terms it “would be useful for testing hypothesis about minds, but would not actually be minds” “ from Wikipedia</a:t>
+            </a:r>
+          </a:p>
+          <a:p>
+            <a:r>
+              <a:rPr lang="en-GB" dirty="0"/>
+              <a:t> ”Strong artificial intelligence (strong AI) is the speculative intelligence of a machine that has the capacity to understand or learn any intellectual task that a human being </a:t>
+            </a:r>
+            <a:r>
+              <a:rPr lang="en-GB"/>
+              <a:t>can” from </a:t>
+            </a:r>
+            <a:r>
+              <a:rPr lang="en-GB" dirty="0" err="1"/>
+              <a:t>wikipedia</a:t>
+            </a:r>
+            <a:endParaRPr lang="en-GB" dirty="0"/>
+          </a:p>
+          <a:p>
+            <a:endParaRPr lang="en-GB" dirty="0"/>
+          </a:p>
           <a:p>
             <a:r>
               <a:rPr lang="fr-FR" dirty="0"/>
@@ -14230,17 +14256,6 @@
             </a:r>
             <a:r>
               <a:rPr lang="fr-FR" dirty="0" err="1"/>
-              <a:t>definitions</a:t>
-            </a:r>
-            <a:endParaRPr lang="fr-FR" dirty="0"/>
-          </a:p>
-          <a:p>
-            <a:r>
-              <a:rPr lang="fr-FR" dirty="0"/>
-              <a:t>Use </a:t>
-            </a:r>
-            <a:r>
-              <a:rPr lang="fr-FR"/>
               <a:t>schemas</a:t>
             </a:r>
             <a:endParaRPr lang="en-GB" dirty="0"/>

--- a/SAI_presentation.pptx
+++ b/SAI_presentation.pptx
@@ -14351,13 +14351,63 @@
           <a:lstStyle/>
           <a:p>
             <a:r>
+              <a:rPr lang="fr-FR" dirty="0"/>
+              <a:t>Policy:  </a:t>
+            </a:r>
+          </a:p>
+          <a:p>
+            <a:r>
+              <a:rPr lang="fr-FR" dirty="0"/>
+              <a:t>State value-fonction:</a:t>
+            </a:r>
+          </a:p>
+          <a:p>
+            <a:r>
               <a:rPr lang="fr-FR" dirty="0" err="1"/>
-              <a:t>Explain</a:t>
+              <a:t>Explains</a:t>
             </a:r>
             <a:r>
               <a:rPr lang="fr-FR" dirty="0"/>
-              <a:t> the basics</a:t>
-            </a:r>
+              <a:t> </a:t>
+            </a:r>
+            <a:r>
+              <a:rPr lang="fr-FR" dirty="0" err="1"/>
+              <a:t>that</a:t>
+            </a:r>
+            <a:r>
+              <a:rPr lang="fr-FR" dirty="0"/>
+              <a:t> </a:t>
+            </a:r>
+            <a:r>
+              <a:rPr lang="fr-FR" dirty="0" err="1"/>
+              <a:t>approach</a:t>
+            </a:r>
+            <a:r>
+              <a:rPr lang="fr-FR" dirty="0"/>
+              <a:t> </a:t>
+            </a:r>
+            <a:r>
+              <a:rPr lang="fr-FR" dirty="0" err="1"/>
+              <a:t>with</a:t>
+            </a:r>
+            <a:r>
+              <a:rPr lang="fr-FR" dirty="0"/>
+              <a:t> Q-</a:t>
+            </a:r>
+            <a:r>
+              <a:rPr lang="fr-FR"/>
+              <a:t>learning</a:t>
+            </a:r>
+            <a:endParaRPr lang="fr-FR" dirty="0"/>
+          </a:p>
+          <a:p>
+            <a:endParaRPr lang="fr-FR" dirty="0"/>
+          </a:p>
+          <a:p>
+            <a:pPr marL="0" indent="0">
+              <a:buNone/>
+            </a:pPr>
+            <a:endParaRPr lang="fr-FR" dirty="0"/>
           </a:p>
           <a:p>
             <a:r>
@@ -14375,6 +14425,29 @@
             <a:r>
               <a:rPr lang="fr-FR" dirty="0" err="1"/>
               <a:t>understand</a:t>
+            </a:r>
+            <a:endParaRPr lang="fr-FR" dirty="0"/>
+          </a:p>
+          <a:p>
+            <a:r>
+              <a:rPr lang="fr-FR" dirty="0" err="1"/>
+              <a:t>Explains</a:t>
+            </a:r>
+            <a:r>
+              <a:rPr lang="fr-FR" dirty="0"/>
+              <a:t> </a:t>
+            </a:r>
+            <a:r>
+              <a:rPr lang="fr-FR" dirty="0" err="1"/>
+              <a:t>with</a:t>
+            </a:r>
+            <a:r>
+              <a:rPr lang="fr-FR" dirty="0"/>
+              <a:t> simple </a:t>
+            </a:r>
+            <a:r>
+              <a:rPr lang="fr-FR" dirty="0" err="1"/>
+              <a:t>words</a:t>
             </a:r>
             <a:endParaRPr lang="en-GB" dirty="0"/>
           </a:p>

--- a/SAI_presentation.pptx
+++ b/SAI_presentation.pptx
@@ -14549,22 +14549,46 @@
               <a:rPr lang="fr-FR" dirty="0" err="1"/>
               <a:t>research</a:t>
             </a:r>
-            <a:r>
-              <a:rPr lang="fr-FR" dirty="0"/>
-              <a:t> </a:t>
-            </a:r>
-            <a:r>
-              <a:rPr lang="fr-FR" dirty="0" err="1"/>
-              <a:t>with</a:t>
-            </a:r>
-            <a:r>
-              <a:rPr lang="fr-FR" dirty="0"/>
-              <a:t> </a:t>
-            </a:r>
-            <a:r>
-              <a:rPr lang="fr-FR"/>
-              <a:t>a citation</a:t>
-            </a:r>
+            <a:endParaRPr lang="fr-FR" dirty="0"/>
+          </a:p>
+          <a:p>
+            <a:r>
+              <a:rPr lang="en-GB" dirty="0"/>
+              <a:t>B. </a:t>
+            </a:r>
+            <a:r>
+              <a:rPr lang="en-GB" dirty="0" err="1"/>
+              <a:t>Lubars</a:t>
+            </a:r>
+            <a:r>
+              <a:rPr lang="en-GB" dirty="0"/>
+              <a:t>, </a:t>
+            </a:r>
+            <a:r>
+              <a:rPr lang="en-GB" dirty="0" err="1"/>
+              <a:t>Chenhao</a:t>
+            </a:r>
+            <a:r>
+              <a:rPr lang="en-GB" dirty="0"/>
+              <a:t> Tan, 2019, “Ask what AI can do, but what  AI should do: towards a framework of task </a:t>
+            </a:r>
+            <a:r>
+              <a:rPr lang="en-GB" dirty="0" err="1"/>
+              <a:t>delegability</a:t>
+            </a:r>
+            <a:r>
+              <a:rPr lang="en-GB" dirty="0"/>
+              <a:t>”, </a:t>
+            </a:r>
+            <a:r>
+              <a:rPr lang="en-GB" u="sng" dirty="0">
+                <a:hlinkClick r:id="rId2"/>
+              </a:rPr>
+              <a:t>https://arxiv.org/pdf/1902.03245v1.pdf</a:t>
+            </a:r>
+            <a:endParaRPr lang="en-GB" dirty="0"/>
+          </a:p>
+          <a:p>
             <a:endParaRPr lang="fr-FR" dirty="0"/>
           </a:p>
           <a:p>

--- a/SAI_presentation.pptx
+++ b/SAI_presentation.pptx
@@ -6740,7 +6740,7 @@
             <a:fld id="{B61BEF0D-F0BB-DE4B-95CE-6DB70DBA9567}" type="datetimeFigureOut">
               <a:rPr lang="en-US" dirty="0"/>
               <a:pPr/>
-              <a:t>3/2/2020</a:t>
+              <a:t>3/3/2020</a:t>
             </a:fld>
             <a:endParaRPr lang="en-US" dirty="0"/>
           </a:p>
@@ -7173,7 +7173,7 @@
             <a:fld id="{B61BEF0D-F0BB-DE4B-95CE-6DB70DBA9567}" type="datetimeFigureOut">
               <a:rPr lang="en-US" dirty="0"/>
               <a:pPr/>
-              <a:t>3/2/2020</a:t>
+              <a:t>3/3/2020</a:t>
             </a:fld>
             <a:endParaRPr lang="en-US" dirty="0"/>
           </a:p>
@@ -7420,7 +7420,7 @@
             <a:fld id="{B61BEF0D-F0BB-DE4B-95CE-6DB70DBA9567}" type="datetimeFigureOut">
               <a:rPr lang="en-US" dirty="0"/>
               <a:pPr/>
-              <a:t>3/2/2020</a:t>
+              <a:t>3/3/2020</a:t>
             </a:fld>
             <a:endParaRPr lang="en-US" dirty="0"/>
           </a:p>
@@ -7725,7 +7725,7 @@
             <a:fld id="{B61BEF0D-F0BB-DE4B-95CE-6DB70DBA9567}" type="datetimeFigureOut">
               <a:rPr lang="en-US" dirty="0"/>
               <a:pPr/>
-              <a:t>3/2/2020</a:t>
+              <a:t>3/3/2020</a:t>
             </a:fld>
             <a:endParaRPr lang="en-US" dirty="0"/>
           </a:p>
@@ -8040,7 +8040,7 @@
             <a:fld id="{B61BEF0D-F0BB-DE4B-95CE-6DB70DBA9567}" type="datetimeFigureOut">
               <a:rPr lang="en-US" dirty="0"/>
               <a:pPr/>
-              <a:t>3/2/2020</a:t>
+              <a:t>3/3/2020</a:t>
             </a:fld>
             <a:endParaRPr lang="en-US" dirty="0"/>
           </a:p>
@@ -8339,7 +8339,7 @@
             <a:fld id="{B61BEF0D-F0BB-DE4B-95CE-6DB70DBA9567}" type="datetimeFigureOut">
               <a:rPr lang="en-US" dirty="0"/>
               <a:pPr/>
-              <a:t>3/2/2020</a:t>
+              <a:t>3/3/2020</a:t>
             </a:fld>
             <a:endParaRPr lang="en-US" dirty="0"/>
           </a:p>
@@ -8703,7 +8703,7 @@
             <a:fld id="{B61BEF0D-F0BB-DE4B-95CE-6DB70DBA9567}" type="datetimeFigureOut">
               <a:rPr lang="en-US" dirty="0"/>
               <a:pPr/>
-              <a:t>3/2/2020</a:t>
+              <a:t>3/3/2020</a:t>
             </a:fld>
             <a:endParaRPr lang="en-US" dirty="0"/>
           </a:p>
@@ -8874,7 +8874,7 @@
             <a:fld id="{B61BEF0D-F0BB-DE4B-95CE-6DB70DBA9567}" type="datetimeFigureOut">
               <a:rPr lang="en-US" dirty="0"/>
               <a:pPr/>
-              <a:t>3/2/2020</a:t>
+              <a:t>3/3/2020</a:t>
             </a:fld>
             <a:endParaRPr lang="en-US" dirty="0"/>
           </a:p>
@@ -9051,7 +9051,7 @@
             <a:fld id="{B61BEF0D-F0BB-DE4B-95CE-6DB70DBA9567}" type="datetimeFigureOut">
               <a:rPr lang="en-US" dirty="0"/>
               <a:pPr/>
-              <a:t>3/2/2020</a:t>
+              <a:t>3/3/2020</a:t>
             </a:fld>
             <a:endParaRPr lang="en-US" dirty="0"/>
           </a:p>
@@ -9218,7 +9218,7 @@
             <a:fld id="{B61BEF0D-F0BB-DE4B-95CE-6DB70DBA9567}" type="datetimeFigureOut">
               <a:rPr lang="en-US" dirty="0"/>
               <a:pPr/>
-              <a:t>3/2/2020</a:t>
+              <a:t>3/3/2020</a:t>
             </a:fld>
             <a:endParaRPr lang="en-US" dirty="0"/>
           </a:p>
@@ -9465,7 +9465,7 @@
             <a:fld id="{B61BEF0D-F0BB-DE4B-95CE-6DB70DBA9567}" type="datetimeFigureOut">
               <a:rPr lang="en-US" dirty="0"/>
               <a:pPr/>
-              <a:t>3/2/2020</a:t>
+              <a:t>3/3/2020</a:t>
             </a:fld>
             <a:endParaRPr lang="en-US" dirty="0"/>
           </a:p>
@@ -9698,7 +9698,7 @@
             <a:fld id="{B61BEF0D-F0BB-DE4B-95CE-6DB70DBA9567}" type="datetimeFigureOut">
               <a:rPr lang="en-US" dirty="0"/>
               <a:pPr/>
-              <a:t>3/2/2020</a:t>
+              <a:t>3/3/2020</a:t>
             </a:fld>
             <a:endParaRPr lang="en-US" dirty="0"/>
           </a:p>
@@ -10077,7 +10077,7 @@
             <a:fld id="{B61BEF0D-F0BB-DE4B-95CE-6DB70DBA9567}" type="datetimeFigureOut">
               <a:rPr lang="en-US" dirty="0"/>
               <a:pPr/>
-              <a:t>3/2/2020</a:t>
+              <a:t>3/3/2020</a:t>
             </a:fld>
             <a:endParaRPr lang="en-US" dirty="0"/>
           </a:p>
@@ -10192,7 +10192,7 @@
             <a:fld id="{B61BEF0D-F0BB-DE4B-95CE-6DB70DBA9567}" type="datetimeFigureOut">
               <a:rPr lang="en-US" dirty="0"/>
               <a:pPr/>
-              <a:t>3/2/2020</a:t>
+              <a:t>3/3/2020</a:t>
             </a:fld>
             <a:endParaRPr lang="en-US" dirty="0"/>
           </a:p>
@@ -10284,7 +10284,7 @@
             <a:fld id="{B61BEF0D-F0BB-DE4B-95CE-6DB70DBA9567}" type="datetimeFigureOut">
               <a:rPr lang="en-US" dirty="0"/>
               <a:pPr/>
-              <a:t>3/2/2020</a:t>
+              <a:t>3/3/2020</a:t>
             </a:fld>
             <a:endParaRPr lang="en-US" dirty="0"/>
           </a:p>
@@ -10536,7 +10536,7 @@
             <a:fld id="{B61BEF0D-F0BB-DE4B-95CE-6DB70DBA9567}" type="datetimeFigureOut">
               <a:rPr lang="en-US" dirty="0"/>
               <a:pPr/>
-              <a:t>3/2/2020</a:t>
+              <a:t>3/3/2020</a:t>
             </a:fld>
             <a:endParaRPr lang="en-US" dirty="0"/>
           </a:p>
@@ -10816,7 +10816,7 @@
             <a:fld id="{B61BEF0D-F0BB-DE4B-95CE-6DB70DBA9567}" type="datetimeFigureOut">
               <a:rPr lang="en-US" dirty="0"/>
               <a:pPr/>
-              <a:t>3/2/2020</a:t>
+              <a:t>3/3/2020</a:t>
             </a:fld>
             <a:endParaRPr lang="en-US" dirty="0"/>
           </a:p>
@@ -11219,7 +11219,7 @@
             <a:fld id="{B61BEF0D-F0BB-DE4B-95CE-6DB70DBA9567}" type="datetimeFigureOut">
               <a:rPr lang="en-US" dirty="0"/>
               <a:pPr/>
-              <a:t>3/2/2020</a:t>
+              <a:t>3/3/2020</a:t>
             </a:fld>
             <a:endParaRPr lang="en-US" dirty="0"/>
           </a:p>
@@ -14176,6 +14176,93 @@
       </p:grpSpPr>
       <p:sp>
         <p:nvSpPr>
+          <p:cNvPr id="9" name="Rectangle : coins arrondis 8">
+            <a:extLst>
+              <a:ext uri="{FF2B5EF4-FFF2-40B4-BE49-F238E27FC236}">
+                <a16:creationId xmlns:a16="http://schemas.microsoft.com/office/drawing/2014/main" id="{F1CFE77F-98E2-4A55-A3D6-33FBEF813D9F}"/>
+              </a:ext>
+            </a:extLst>
+          </p:cNvPr>
+          <p:cNvSpPr/>
+          <p:nvPr/>
+        </p:nvSpPr>
+        <p:spPr>
+          <a:xfrm>
+            <a:off x="62143" y="2574524"/>
+            <a:ext cx="4810579" cy="2974020"/>
+          </a:xfrm>
+          <a:prstGeom prst="roundRect">
+            <a:avLst/>
+          </a:prstGeom>
+          <a:solidFill>
+            <a:schemeClr val="accent1">
+              <a:lumMod val="60000"/>
+              <a:lumOff val="40000"/>
+            </a:schemeClr>
+          </a:solidFill>
+          <a:ln>
+            <a:solidFill>
+              <a:schemeClr val="accent1">
+                <a:lumMod val="60000"/>
+                <a:lumOff val="40000"/>
+              </a:schemeClr>
+            </a:solidFill>
+          </a:ln>
+        </p:spPr>
+        <p:style>
+          <a:lnRef idx="2">
+            <a:schemeClr val="accent1">
+              <a:shade val="50000"/>
+            </a:schemeClr>
+          </a:lnRef>
+          <a:fillRef idx="1">
+            <a:schemeClr val="accent1"/>
+          </a:fillRef>
+          <a:effectRef idx="0">
+            <a:schemeClr val="accent1"/>
+          </a:effectRef>
+          <a:fontRef idx="minor">
+            <a:schemeClr val="lt1"/>
+          </a:fontRef>
+        </p:style>
+        <p:txBody>
+          <a:bodyPr rtlCol="0" anchor="ctr"/>
+          <a:lstStyle/>
+          <a:p>
+            <a:endParaRPr lang="fr-FR" dirty="0"/>
+          </a:p>
+          <a:p>
+            <a:endParaRPr lang="fr-FR" dirty="0"/>
+          </a:p>
+          <a:p>
+            <a:endParaRPr lang="fr-FR" dirty="0"/>
+          </a:p>
+          <a:p>
+            <a:endParaRPr lang="fr-FR" dirty="0"/>
+          </a:p>
+          <a:p>
+            <a:endParaRPr lang="fr-FR" dirty="0"/>
+          </a:p>
+          <a:p>
+            <a:endParaRPr lang="fr-FR" dirty="0"/>
+          </a:p>
+          <a:p>
+            <a:endParaRPr lang="fr-FR" dirty="0"/>
+          </a:p>
+          <a:p>
+            <a:endParaRPr lang="fr-FR" dirty="0"/>
+          </a:p>
+          <a:p>
+            <a:r>
+              <a:rPr lang="fr-FR" dirty="0"/>
+              <a:t>Weak AI</a:t>
+            </a:r>
+            <a:endParaRPr lang="en-GB" dirty="0"/>
+          </a:p>
+        </p:txBody>
+      </p:sp>
+      <p:sp>
+        <p:nvSpPr>
           <p:cNvPr id="2" name="Titre 1">
             <a:extLst>
               <a:ext uri="{FF2B5EF4-FFF2-40B4-BE49-F238E27FC236}">
@@ -14190,7 +14277,12 @@
             <p:ph type="title"/>
           </p:nvPr>
         </p:nvSpPr>
-        <p:spPr/>
+        <p:spPr>
+          <a:xfrm>
+            <a:off x="684212" y="5241935"/>
+            <a:ext cx="8534400" cy="1507067"/>
+          </a:xfrm>
+        </p:spPr>
         <p:txBody>
           <a:bodyPr/>
           <a:lstStyle/>
@@ -14219,7 +14311,12 @@
             <p:ph idx="1"/>
           </p:nvPr>
         </p:nvSpPr>
-        <p:spPr/>
+        <p:spPr>
+          <a:xfrm>
+            <a:off x="684212" y="685800"/>
+            <a:ext cx="10989924" cy="2288219"/>
+          </a:xfrm>
+        </p:spPr>
         <p:txBody>
           <a:bodyPr>
             <a:normAutofit lnSpcReduction="10000"/>
@@ -14234,11 +14331,7 @@
           <a:p>
             <a:r>
               <a:rPr lang="en-GB" dirty="0"/>
-              <a:t> ”Strong artificial intelligence (strong AI) is the speculative intelligence of a machine that has the capacity to understand or learn any intellectual task that a human being </a:t>
-            </a:r>
-            <a:r>
-              <a:rPr lang="en-GB"/>
-              <a:t>can” from </a:t>
+              <a:t> ”Strong artificial intelligence (strong AI) is the speculative intelligence of a machine that has the capacity to understand or learn any intellectual task that a human being can” from </a:t>
             </a:r>
             <a:r>
               <a:rPr lang="en-GB" dirty="0" err="1"/>
@@ -14250,13 +14343,265 @@
             <a:endParaRPr lang="en-GB" dirty="0"/>
           </a:p>
           <a:p>
+            <a:endParaRPr lang="en-GB" dirty="0"/>
+          </a:p>
+        </p:txBody>
+      </p:sp>
+      <p:sp>
+        <p:nvSpPr>
+          <p:cNvPr id="4" name="Ellipse 3">
+            <a:extLst>
+              <a:ext uri="{FF2B5EF4-FFF2-40B4-BE49-F238E27FC236}">
+                <a16:creationId xmlns:a16="http://schemas.microsoft.com/office/drawing/2014/main" id="{AC80E051-2046-4C72-8127-9A9044A13D05}"/>
+              </a:ext>
+            </a:extLst>
+          </p:cNvPr>
+          <p:cNvSpPr/>
+          <p:nvPr/>
+        </p:nvSpPr>
+        <p:spPr>
+          <a:xfrm>
+            <a:off x="1920431" y="3718851"/>
+            <a:ext cx="728281" cy="723280"/>
+          </a:xfrm>
+          <a:prstGeom prst="ellipse">
+            <a:avLst/>
+          </a:prstGeom>
+          <a:solidFill>
+            <a:schemeClr val="accent1">
+              <a:lumMod val="40000"/>
+              <a:lumOff val="60000"/>
+            </a:schemeClr>
+          </a:solidFill>
+          <a:ln>
+            <a:solidFill>
+              <a:schemeClr val="accent1">
+                <a:lumMod val="40000"/>
+                <a:lumOff val="60000"/>
+              </a:schemeClr>
+            </a:solidFill>
+          </a:ln>
+        </p:spPr>
+        <p:style>
+          <a:lnRef idx="2">
+            <a:schemeClr val="accent1">
+              <a:shade val="50000"/>
+            </a:schemeClr>
+          </a:lnRef>
+          <a:fillRef idx="1">
+            <a:schemeClr val="accent1"/>
+          </a:fillRef>
+          <a:effectRef idx="0">
+            <a:schemeClr val="accent1"/>
+          </a:effectRef>
+          <a:fontRef idx="minor">
+            <a:schemeClr val="lt1"/>
+          </a:fontRef>
+        </p:style>
+        <p:txBody>
+          <a:bodyPr rtlCol="0" anchor="ctr"/>
+          <a:lstStyle/>
+          <a:p>
+            <a:pPr algn="ctr"/>
             <a:r>
               <a:rPr lang="fr-FR" dirty="0"/>
-              <a:t>Use </a:t>
+              <a:t>ML</a:t>
+            </a:r>
+            <a:endParaRPr lang="en-GB" dirty="0"/>
+          </a:p>
+        </p:txBody>
+      </p:sp>
+      <p:sp>
+        <p:nvSpPr>
+          <p:cNvPr id="6" name="Ellipse 5">
+            <a:extLst>
+              <a:ext uri="{FF2B5EF4-FFF2-40B4-BE49-F238E27FC236}">
+                <a16:creationId xmlns:a16="http://schemas.microsoft.com/office/drawing/2014/main" id="{5AFD6155-6201-4209-83BA-519691B23877}"/>
+              </a:ext>
+            </a:extLst>
+          </p:cNvPr>
+          <p:cNvSpPr/>
+          <p:nvPr/>
+        </p:nvSpPr>
+        <p:spPr>
+          <a:xfrm>
+            <a:off x="2759838" y="3303364"/>
+            <a:ext cx="1217359" cy="407078"/>
+          </a:xfrm>
+          <a:prstGeom prst="ellipse">
+            <a:avLst/>
+          </a:prstGeom>
+          <a:solidFill>
+            <a:schemeClr val="accent1">
+              <a:lumMod val="40000"/>
+              <a:lumOff val="60000"/>
+            </a:schemeClr>
+          </a:solidFill>
+          <a:ln>
+            <a:solidFill>
+              <a:schemeClr val="accent1">
+                <a:lumMod val="40000"/>
+                <a:lumOff val="60000"/>
+              </a:schemeClr>
+            </a:solidFill>
+          </a:ln>
+        </p:spPr>
+        <p:style>
+          <a:lnRef idx="2">
+            <a:schemeClr val="accent1">
+              <a:shade val="50000"/>
+            </a:schemeClr>
+          </a:lnRef>
+          <a:fillRef idx="1">
+            <a:schemeClr val="accent1"/>
+          </a:fillRef>
+          <a:effectRef idx="0">
+            <a:schemeClr val="accent1"/>
+          </a:effectRef>
+          <a:fontRef idx="minor">
+            <a:schemeClr val="lt1"/>
+          </a:fontRef>
+        </p:style>
+        <p:txBody>
+          <a:bodyPr rtlCol="0" anchor="ctr"/>
+          <a:lstStyle/>
+          <a:p>
+            <a:pPr algn="ctr"/>
+            <a:r>
+              <a:rPr lang="fr-FR" dirty="0"/>
+              <a:t>Vision</a:t>
+            </a:r>
+            <a:endParaRPr lang="en-GB" dirty="0"/>
+          </a:p>
+        </p:txBody>
+      </p:sp>
+      <p:sp>
+        <p:nvSpPr>
+          <p:cNvPr id="7" name="Ellipse 6">
+            <a:extLst>
+              <a:ext uri="{FF2B5EF4-FFF2-40B4-BE49-F238E27FC236}">
+                <a16:creationId xmlns:a16="http://schemas.microsoft.com/office/drawing/2014/main" id="{EC000436-8A5D-4F20-BE29-74EF1D1B49E0}"/>
+              </a:ext>
+            </a:extLst>
+          </p:cNvPr>
+          <p:cNvSpPr/>
+          <p:nvPr/>
+        </p:nvSpPr>
+        <p:spPr>
+          <a:xfrm>
+            <a:off x="140305" y="3208677"/>
+            <a:ext cx="1590841" cy="675306"/>
+          </a:xfrm>
+          <a:prstGeom prst="ellipse">
+            <a:avLst/>
+          </a:prstGeom>
+          <a:solidFill>
+            <a:schemeClr val="accent1">
+              <a:lumMod val="40000"/>
+              <a:lumOff val="60000"/>
+            </a:schemeClr>
+          </a:solidFill>
+          <a:ln>
+            <a:solidFill>
+              <a:schemeClr val="accent1">
+                <a:lumMod val="40000"/>
+                <a:lumOff val="60000"/>
+              </a:schemeClr>
+            </a:solidFill>
+          </a:ln>
+        </p:spPr>
+        <p:style>
+          <a:lnRef idx="2">
+            <a:schemeClr val="accent1">
+              <a:shade val="50000"/>
+            </a:schemeClr>
+          </a:lnRef>
+          <a:fillRef idx="1">
+            <a:schemeClr val="accent1"/>
+          </a:fillRef>
+          <a:effectRef idx="0">
+            <a:schemeClr val="accent1"/>
+          </a:effectRef>
+          <a:fontRef idx="minor">
+            <a:schemeClr val="lt1"/>
+          </a:fontRef>
+        </p:style>
+        <p:txBody>
+          <a:bodyPr rtlCol="0" anchor="ctr"/>
+          <a:lstStyle/>
+          <a:p>
+            <a:pPr algn="ctr"/>
+            <a:r>
+              <a:rPr lang="fr-FR" dirty="0"/>
+              <a:t>Speech</a:t>
+            </a:r>
+            <a:endParaRPr lang="en-GB" dirty="0"/>
+          </a:p>
+        </p:txBody>
+      </p:sp>
+      <p:sp>
+        <p:nvSpPr>
+          <p:cNvPr id="8" name="Ellipse 7">
+            <a:extLst>
+              <a:ext uri="{FF2B5EF4-FFF2-40B4-BE49-F238E27FC236}">
+                <a16:creationId xmlns:a16="http://schemas.microsoft.com/office/drawing/2014/main" id="{E7407A93-F21C-4FA3-9FD3-16783859255B}"/>
+              </a:ext>
+            </a:extLst>
+          </p:cNvPr>
+          <p:cNvSpPr/>
+          <p:nvPr/>
+        </p:nvSpPr>
+        <p:spPr>
+          <a:xfrm>
+            <a:off x="1516011" y="4628815"/>
+            <a:ext cx="1530131" cy="675306"/>
+          </a:xfrm>
+          <a:prstGeom prst="ellipse">
+            <a:avLst/>
+          </a:prstGeom>
+          <a:solidFill>
+            <a:schemeClr val="accent1">
+              <a:lumMod val="40000"/>
+              <a:lumOff val="60000"/>
+            </a:schemeClr>
+          </a:solidFill>
+          <a:ln>
+            <a:solidFill>
+              <a:schemeClr val="accent1">
+                <a:lumMod val="40000"/>
+                <a:lumOff val="60000"/>
+              </a:schemeClr>
+            </a:solidFill>
+          </a:ln>
+        </p:spPr>
+        <p:style>
+          <a:lnRef idx="2">
+            <a:schemeClr val="accent1">
+              <a:shade val="50000"/>
+            </a:schemeClr>
+          </a:lnRef>
+          <a:fillRef idx="1">
+            <a:schemeClr val="accent1"/>
+          </a:fillRef>
+          <a:effectRef idx="0">
+            <a:schemeClr val="accent1"/>
+          </a:effectRef>
+          <a:fontRef idx="minor">
+            <a:schemeClr val="lt1"/>
+          </a:fontRef>
+        </p:style>
+        <p:txBody>
+          <a:bodyPr rtlCol="0" anchor="ctr"/>
+          <a:lstStyle/>
+          <a:p>
+            <a:pPr algn="ctr"/>
+            <a:r>
+              <a:rPr lang="fr-FR" dirty="0"/>
+              <a:t>Expert </a:t>
             </a:r>
             <a:r>
               <a:rPr lang="fr-FR" dirty="0" err="1"/>
-              <a:t>schemas</a:t>
+              <a:t>systems</a:t>
             </a:r>
             <a:endParaRPr lang="en-GB" dirty="0"/>
           </a:p>

--- a/SAI_presentation.pptx
+++ b/SAI_presentation.pptx
@@ -14188,7 +14188,7 @@
         </p:nvSpPr>
         <p:spPr>
           <a:xfrm>
-            <a:off x="62143" y="2574524"/>
+            <a:off x="665822" y="2574524"/>
             <a:ext cx="4810579" cy="2974020"/>
           </a:xfrm>
           <a:prstGeom prst="roundRect">
@@ -14331,11 +14331,11 @@
           <a:p>
             <a:r>
               <a:rPr lang="en-GB" dirty="0"/>
-              <a:t> ”Strong artificial intelligence (strong AI) is the speculative intelligence of a machine that has the capacity to understand or learn any intellectual task that a human being can” from </a:t>
-            </a:r>
-            <a:r>
-              <a:rPr lang="en-GB" dirty="0" err="1"/>
-              <a:t>wikipedia</a:t>
+              <a:t> ”Strong artificial intelligence (strong AI) is the speculative intelligence of a machine that has the capacity to understand or learn any intellectual task that a human being can” </a:t>
+            </a:r>
+            <a:r>
+              <a:rPr lang="en-GB"/>
+              <a:t>from Wikipedia</a:t>
             </a:r>
             <a:endParaRPr lang="en-GB" dirty="0"/>
           </a:p>
@@ -14361,7 +14361,7 @@
         </p:nvSpPr>
         <p:spPr>
           <a:xfrm>
-            <a:off x="1920431" y="3718851"/>
+            <a:off x="2524110" y="3718851"/>
             <a:ext cx="728281" cy="723280"/>
           </a:xfrm>
           <a:prstGeom prst="ellipse">
@@ -14425,7 +14425,7 @@
         </p:nvSpPr>
         <p:spPr>
           <a:xfrm>
-            <a:off x="2759838" y="3303364"/>
+            <a:off x="3363517" y="3303364"/>
             <a:ext cx="1217359" cy="407078"/>
           </a:xfrm>
           <a:prstGeom prst="ellipse">
@@ -14489,7 +14489,7 @@
         </p:nvSpPr>
         <p:spPr>
           <a:xfrm>
-            <a:off x="140305" y="3208677"/>
+            <a:off x="743984" y="3208677"/>
             <a:ext cx="1590841" cy="675306"/>
           </a:xfrm>
           <a:prstGeom prst="ellipse">
@@ -14553,7 +14553,7 @@
         </p:nvSpPr>
         <p:spPr>
           <a:xfrm>
-            <a:off x="1516011" y="4628815"/>
+            <a:off x="2119690" y="4628815"/>
             <a:ext cx="1530131" cy="675306"/>
           </a:xfrm>
           <a:prstGeom prst="ellipse">
@@ -14602,6 +14602,357 @@
             <a:r>
               <a:rPr lang="fr-FR" dirty="0" err="1"/>
               <a:t>systems</a:t>
+            </a:r>
+            <a:endParaRPr lang="en-GB" dirty="0"/>
+          </a:p>
+        </p:txBody>
+      </p:sp>
+      <p:sp>
+        <p:nvSpPr>
+          <p:cNvPr id="10" name="Rectangle : coins arrondis 9">
+            <a:extLst>
+              <a:ext uri="{FF2B5EF4-FFF2-40B4-BE49-F238E27FC236}">
+                <a16:creationId xmlns:a16="http://schemas.microsoft.com/office/drawing/2014/main" id="{6864F216-A0BE-4F8A-AF5F-A8A3582863B5}"/>
+              </a:ext>
+            </a:extLst>
+          </p:cNvPr>
+          <p:cNvSpPr/>
+          <p:nvPr/>
+        </p:nvSpPr>
+        <p:spPr>
+          <a:xfrm>
+            <a:off x="6819528" y="2574524"/>
+            <a:ext cx="4810579" cy="2974020"/>
+          </a:xfrm>
+          <a:prstGeom prst="roundRect">
+            <a:avLst/>
+          </a:prstGeom>
+          <a:solidFill>
+            <a:schemeClr val="accent1">
+              <a:lumMod val="60000"/>
+              <a:lumOff val="40000"/>
+            </a:schemeClr>
+          </a:solidFill>
+          <a:ln>
+            <a:solidFill>
+              <a:schemeClr val="accent1">
+                <a:lumMod val="60000"/>
+                <a:lumOff val="40000"/>
+              </a:schemeClr>
+            </a:solidFill>
+          </a:ln>
+        </p:spPr>
+        <p:style>
+          <a:lnRef idx="2">
+            <a:schemeClr val="accent1">
+              <a:shade val="50000"/>
+            </a:schemeClr>
+          </a:lnRef>
+          <a:fillRef idx="1">
+            <a:schemeClr val="accent1"/>
+          </a:fillRef>
+          <a:effectRef idx="0">
+            <a:schemeClr val="accent1"/>
+          </a:effectRef>
+          <a:fontRef idx="minor">
+            <a:schemeClr val="lt1"/>
+          </a:fontRef>
+        </p:style>
+        <p:txBody>
+          <a:bodyPr rtlCol="0" anchor="ctr"/>
+          <a:lstStyle/>
+          <a:p>
+            <a:endParaRPr lang="fr-FR" dirty="0"/>
+          </a:p>
+          <a:p>
+            <a:endParaRPr lang="fr-FR" dirty="0"/>
+          </a:p>
+          <a:p>
+            <a:endParaRPr lang="fr-FR" dirty="0"/>
+          </a:p>
+          <a:p>
+            <a:endParaRPr lang="fr-FR" dirty="0"/>
+          </a:p>
+          <a:p>
+            <a:endParaRPr lang="fr-FR" dirty="0"/>
+          </a:p>
+          <a:p>
+            <a:endParaRPr lang="fr-FR" dirty="0"/>
+          </a:p>
+          <a:p>
+            <a:endParaRPr lang="fr-FR" dirty="0"/>
+          </a:p>
+          <a:p>
+            <a:endParaRPr lang="fr-FR" dirty="0"/>
+          </a:p>
+          <a:p>
+            <a:r>
+              <a:rPr lang="fr-FR" dirty="0"/>
+              <a:t>Strong AI</a:t>
+            </a:r>
+            <a:endParaRPr lang="en-GB" dirty="0"/>
+          </a:p>
+        </p:txBody>
+      </p:sp>
+      <p:sp>
+        <p:nvSpPr>
+          <p:cNvPr id="11" name="Ellipse 10">
+            <a:extLst>
+              <a:ext uri="{FF2B5EF4-FFF2-40B4-BE49-F238E27FC236}">
+                <a16:creationId xmlns:a16="http://schemas.microsoft.com/office/drawing/2014/main" id="{1E61E1E7-8B05-4DFD-A2DC-A68656E0D4B6}"/>
+              </a:ext>
+            </a:extLst>
+          </p:cNvPr>
+          <p:cNvSpPr/>
+          <p:nvPr/>
+        </p:nvSpPr>
+        <p:spPr>
+          <a:xfrm>
+            <a:off x="7103871" y="4147662"/>
+            <a:ext cx="4378998" cy="859228"/>
+          </a:xfrm>
+          <a:prstGeom prst="ellipse">
+            <a:avLst/>
+          </a:prstGeom>
+          <a:solidFill>
+            <a:schemeClr val="accent1">
+              <a:lumMod val="40000"/>
+              <a:lumOff val="60000"/>
+            </a:schemeClr>
+          </a:solidFill>
+          <a:ln>
+            <a:solidFill>
+              <a:schemeClr val="accent1">
+                <a:lumMod val="40000"/>
+                <a:lumOff val="60000"/>
+              </a:schemeClr>
+            </a:solidFill>
+          </a:ln>
+        </p:spPr>
+        <p:style>
+          <a:lnRef idx="2">
+            <a:schemeClr val="accent1">
+              <a:shade val="50000"/>
+            </a:schemeClr>
+          </a:lnRef>
+          <a:fillRef idx="1">
+            <a:schemeClr val="accent1"/>
+          </a:fillRef>
+          <a:effectRef idx="0">
+            <a:schemeClr val="accent1"/>
+          </a:effectRef>
+          <a:fontRef idx="minor">
+            <a:schemeClr val="lt1"/>
+          </a:fontRef>
+        </p:style>
+        <p:txBody>
+          <a:bodyPr rtlCol="0" anchor="ctr"/>
+          <a:lstStyle/>
+          <a:p>
+            <a:pPr algn="ctr"/>
+            <a:r>
+              <a:rPr lang="fr-FR" sz="1400" dirty="0"/>
+              <a:t>Dynamic </a:t>
+            </a:r>
+            <a:r>
+              <a:rPr lang="fr-FR" sz="1400" dirty="0" err="1"/>
+              <a:t>Reinforcement</a:t>
+            </a:r>
+            <a:r>
+              <a:rPr lang="fr-FR" sz="1400" dirty="0"/>
+              <a:t> Learning</a:t>
+            </a:r>
+            <a:endParaRPr lang="en-GB" sz="1400" dirty="0"/>
+          </a:p>
+        </p:txBody>
+      </p:sp>
+      <p:sp>
+        <p:nvSpPr>
+          <p:cNvPr id="12" name="Ellipse 11">
+            <a:extLst>
+              <a:ext uri="{FF2B5EF4-FFF2-40B4-BE49-F238E27FC236}">
+                <a16:creationId xmlns:a16="http://schemas.microsoft.com/office/drawing/2014/main" id="{CEE491A8-5BFD-4C5F-B64C-AA1C691FAD2C}"/>
+              </a:ext>
+            </a:extLst>
+          </p:cNvPr>
+          <p:cNvSpPr/>
+          <p:nvPr/>
+        </p:nvSpPr>
+        <p:spPr>
+          <a:xfrm>
+            <a:off x="9898031" y="3332409"/>
+            <a:ext cx="1217359" cy="407078"/>
+          </a:xfrm>
+          <a:prstGeom prst="ellipse">
+            <a:avLst/>
+          </a:prstGeom>
+          <a:solidFill>
+            <a:schemeClr val="accent1">
+              <a:lumMod val="40000"/>
+              <a:lumOff val="60000"/>
+            </a:schemeClr>
+          </a:solidFill>
+          <a:ln>
+            <a:solidFill>
+              <a:schemeClr val="accent1">
+                <a:lumMod val="40000"/>
+                <a:lumOff val="60000"/>
+              </a:schemeClr>
+            </a:solidFill>
+          </a:ln>
+        </p:spPr>
+        <p:style>
+          <a:lnRef idx="2">
+            <a:schemeClr val="accent1">
+              <a:shade val="50000"/>
+            </a:schemeClr>
+          </a:lnRef>
+          <a:fillRef idx="1">
+            <a:schemeClr val="accent1"/>
+          </a:fillRef>
+          <a:effectRef idx="0">
+            <a:schemeClr val="accent1"/>
+          </a:effectRef>
+          <a:fontRef idx="minor">
+            <a:schemeClr val="lt1"/>
+          </a:fontRef>
+        </p:style>
+        <p:txBody>
+          <a:bodyPr rtlCol="0" anchor="ctr"/>
+          <a:lstStyle/>
+          <a:p>
+            <a:pPr algn="ctr"/>
+            <a:r>
+              <a:rPr lang="fr-FR" dirty="0"/>
+              <a:t>Vision</a:t>
+            </a:r>
+            <a:endParaRPr lang="en-GB" dirty="0"/>
+          </a:p>
+        </p:txBody>
+      </p:sp>
+      <p:sp>
+        <p:nvSpPr>
+          <p:cNvPr id="13" name="Ellipse 12">
+            <a:extLst>
+              <a:ext uri="{FF2B5EF4-FFF2-40B4-BE49-F238E27FC236}">
+                <a16:creationId xmlns:a16="http://schemas.microsoft.com/office/drawing/2014/main" id="{94631795-6C92-4516-9C0C-E09D0B888AA6}"/>
+              </a:ext>
+            </a:extLst>
+          </p:cNvPr>
+          <p:cNvSpPr/>
+          <p:nvPr/>
+        </p:nvSpPr>
+        <p:spPr>
+          <a:xfrm>
+            <a:off x="6965781" y="3288850"/>
+            <a:ext cx="1590841" cy="675306"/>
+          </a:xfrm>
+          <a:prstGeom prst="ellipse">
+            <a:avLst/>
+          </a:prstGeom>
+          <a:solidFill>
+            <a:schemeClr val="accent1">
+              <a:lumMod val="40000"/>
+              <a:lumOff val="60000"/>
+            </a:schemeClr>
+          </a:solidFill>
+          <a:ln>
+            <a:solidFill>
+              <a:schemeClr val="accent1">
+                <a:lumMod val="40000"/>
+                <a:lumOff val="60000"/>
+              </a:schemeClr>
+            </a:solidFill>
+          </a:ln>
+        </p:spPr>
+        <p:style>
+          <a:lnRef idx="2">
+            <a:schemeClr val="accent1">
+              <a:shade val="50000"/>
+            </a:schemeClr>
+          </a:lnRef>
+          <a:fillRef idx="1">
+            <a:schemeClr val="accent1"/>
+          </a:fillRef>
+          <a:effectRef idx="0">
+            <a:schemeClr val="accent1"/>
+          </a:effectRef>
+          <a:fontRef idx="minor">
+            <a:schemeClr val="lt1"/>
+          </a:fontRef>
+        </p:style>
+        <p:txBody>
+          <a:bodyPr rtlCol="0" anchor="ctr"/>
+          <a:lstStyle/>
+          <a:p>
+            <a:pPr algn="ctr"/>
+            <a:r>
+              <a:rPr lang="fr-FR" dirty="0"/>
+              <a:t>Speech</a:t>
+            </a:r>
+            <a:endParaRPr lang="en-GB" dirty="0"/>
+          </a:p>
+        </p:txBody>
+      </p:sp>
+      <p:sp>
+        <p:nvSpPr>
+          <p:cNvPr id="14" name="Ellipse 13">
+            <a:extLst>
+              <a:ext uri="{FF2B5EF4-FFF2-40B4-BE49-F238E27FC236}">
+                <a16:creationId xmlns:a16="http://schemas.microsoft.com/office/drawing/2014/main" id="{F7AE7EBD-FAB3-4FD3-BD2E-500D60D84FC4}"/>
+              </a:ext>
+            </a:extLst>
+          </p:cNvPr>
+          <p:cNvSpPr/>
+          <p:nvPr/>
+        </p:nvSpPr>
+        <p:spPr>
+          <a:xfrm>
+            <a:off x="8287927" y="2688196"/>
+            <a:ext cx="1873780" cy="675306"/>
+          </a:xfrm>
+          <a:prstGeom prst="ellipse">
+            <a:avLst/>
+          </a:prstGeom>
+          <a:solidFill>
+            <a:schemeClr val="accent1">
+              <a:lumMod val="40000"/>
+              <a:lumOff val="60000"/>
+            </a:schemeClr>
+          </a:solidFill>
+          <a:ln>
+            <a:solidFill>
+              <a:schemeClr val="accent1">
+                <a:lumMod val="40000"/>
+                <a:lumOff val="60000"/>
+              </a:schemeClr>
+            </a:solidFill>
+          </a:ln>
+        </p:spPr>
+        <p:style>
+          <a:lnRef idx="2">
+            <a:schemeClr val="accent1">
+              <a:shade val="50000"/>
+            </a:schemeClr>
+          </a:lnRef>
+          <a:fillRef idx="1">
+            <a:schemeClr val="accent1"/>
+          </a:fillRef>
+          <a:effectRef idx="0">
+            <a:schemeClr val="accent1"/>
+          </a:effectRef>
+          <a:fontRef idx="minor">
+            <a:schemeClr val="lt1"/>
+          </a:fontRef>
+        </p:style>
+        <p:txBody>
+          <a:bodyPr rtlCol="0" anchor="ctr"/>
+          <a:lstStyle/>
+          <a:p>
+            <a:pPr algn="ctr"/>
+            <a:r>
+              <a:rPr lang="fr-FR" dirty="0" err="1"/>
+              <a:t>Conscious</a:t>
             </a:r>
             <a:endParaRPr lang="en-GB" dirty="0"/>
           </a:p>

--- a/SAI_presentation.pptx
+++ b/SAI_presentation.pptx
@@ -14325,19 +14325,67 @@
           <a:p>
             <a:r>
               <a:rPr lang="en-GB" dirty="0"/>
-              <a:t>“Weak artificial intelligence (weak AI), is artificial intelligence that implements a limited part of mind, or as narrow AI, is focused on one narrow task. In John Searle's terms it “would be useful for testing hypothesis about minds, but would not actually be minds” “ from Wikipedia</a:t>
-            </a:r>
-          </a:p>
-          <a:p>
+              <a:t>“Weak artificial intelligence (weak AI), is artificial intelligence that implements a </a:t>
+            </a:r>
+            <a:r>
+              <a:rPr lang="en-GB" dirty="0">
+                <a:solidFill>
+                  <a:schemeClr val="accent1">
+                    <a:lumMod val="60000"/>
+                    <a:lumOff val="40000"/>
+                  </a:schemeClr>
+                </a:solidFill>
+              </a:rPr>
+              <a:t>limited part of mind</a:t>
+            </a:r>
             <a:r>
               <a:rPr lang="en-GB" dirty="0"/>
-              <a:t> ”Strong artificial intelligence (strong AI) is the speculative intelligence of a machine that has the capacity to understand or learn any intellectual task that a human being can” </a:t>
-            </a:r>
-            <a:r>
-              <a:rPr lang="en-GB"/>
-              <a:t>from Wikipedia</a:t>
-            </a:r>
-            <a:endParaRPr lang="en-GB" dirty="0"/>
+              <a:t>, or as narrow AI, is focused on </a:t>
+            </a:r>
+            <a:r>
+              <a:rPr lang="en-GB" dirty="0">
+                <a:solidFill>
+                  <a:schemeClr val="accent5">
+                    <a:lumMod val="75000"/>
+                  </a:schemeClr>
+                </a:solidFill>
+              </a:rPr>
+              <a:t>one narrow task</a:t>
+            </a:r>
+            <a:r>
+              <a:rPr lang="en-GB" dirty="0"/>
+              <a:t>. In John Searle's terms it “would be useful for testing hypothesis about minds, but would not actually be minds” “ from Wikipedia</a:t>
+            </a:r>
+          </a:p>
+          <a:p>
+            <a:r>
+              <a:rPr lang="en-GB" dirty="0"/>
+              <a:t> ”Strong artificial intelligence (strong AI) is the </a:t>
+            </a:r>
+            <a:r>
+              <a:rPr lang="en-GB" dirty="0">
+                <a:solidFill>
+                  <a:schemeClr val="accent2"/>
+                </a:solidFill>
+              </a:rPr>
+              <a:t>speculative intelligence of a machine that has the capacity</a:t>
+            </a:r>
+            <a:r>
+              <a:rPr lang="en-GB" dirty="0"/>
+              <a:t> to </a:t>
+            </a:r>
+            <a:r>
+              <a:rPr lang="en-GB" dirty="0">
+                <a:solidFill>
+                  <a:srgbClr val="FFFF00"/>
+                </a:solidFill>
+              </a:rPr>
+              <a:t>understand or learn any intellectual task that a human being can</a:t>
+            </a:r>
+            <a:r>
+              <a:rPr lang="en-GB" dirty="0"/>
+              <a:t>” from Wikipedia</a:t>
+            </a:r>
           </a:p>
           <a:p>
             <a:endParaRPr lang="en-GB" dirty="0"/>
@@ -14404,10 +14452,22 @@
           <a:p>
             <a:pPr algn="ctr"/>
             <a:r>
-              <a:rPr lang="fr-FR" dirty="0"/>
+              <a:rPr lang="fr-FR" dirty="0">
+                <a:solidFill>
+                  <a:schemeClr val="accent5">
+                    <a:lumMod val="75000"/>
+                  </a:schemeClr>
+                </a:solidFill>
+              </a:rPr>
               <a:t>ML</a:t>
             </a:r>
-            <a:endParaRPr lang="en-GB" dirty="0"/>
+            <a:endParaRPr lang="en-GB" dirty="0">
+              <a:solidFill>
+                <a:schemeClr val="accent5">
+                  <a:lumMod val="75000"/>
+                </a:schemeClr>
+              </a:solidFill>
+            </a:endParaRPr>
           </a:p>
         </p:txBody>
       </p:sp>
@@ -14596,14 +14656,35 @@
           <a:p>
             <a:pPr algn="ctr"/>
             <a:r>
-              <a:rPr lang="fr-FR" dirty="0"/>
+              <a:rPr lang="fr-FR" dirty="0">
+                <a:solidFill>
+                  <a:schemeClr val="accent1">
+                    <a:lumMod val="60000"/>
+                    <a:lumOff val="40000"/>
+                  </a:schemeClr>
+                </a:solidFill>
+              </a:rPr>
               <a:t>Expert </a:t>
             </a:r>
             <a:r>
-              <a:rPr lang="fr-FR" dirty="0" err="1"/>
+              <a:rPr lang="fr-FR" dirty="0" err="1">
+                <a:solidFill>
+                  <a:schemeClr val="accent1">
+                    <a:lumMod val="60000"/>
+                    <a:lumOff val="40000"/>
+                  </a:schemeClr>
+                </a:solidFill>
+              </a:rPr>
               <a:t>systems</a:t>
             </a:r>
-            <a:endParaRPr lang="en-GB" dirty="0"/>
+            <a:endParaRPr lang="en-GB" dirty="0">
+              <a:solidFill>
+                <a:schemeClr val="accent1">
+                  <a:lumMod val="60000"/>
+                  <a:lumOff val="40000"/>
+                </a:schemeClr>
+              </a:solidFill>
+            </a:endParaRPr>
           </a:p>
         </p:txBody>
       </p:sp>
@@ -14751,18 +14832,34 @@
           <a:p>
             <a:pPr algn="ctr"/>
             <a:r>
-              <a:rPr lang="fr-FR" sz="1400" dirty="0"/>
+              <a:rPr lang="fr-FR" sz="1400" dirty="0">
+                <a:solidFill>
+                  <a:srgbClr val="FFFF00"/>
+                </a:solidFill>
+              </a:rPr>
               <a:t>Dynamic </a:t>
             </a:r>
             <a:r>
-              <a:rPr lang="fr-FR" sz="1400" dirty="0" err="1"/>
+              <a:rPr lang="fr-FR" sz="1400" dirty="0" err="1">
+                <a:solidFill>
+                  <a:srgbClr val="FFFF00"/>
+                </a:solidFill>
+              </a:rPr>
               <a:t>Reinforcement</a:t>
             </a:r>
             <a:r>
-              <a:rPr lang="fr-FR" sz="1400" dirty="0"/>
+              <a:rPr lang="fr-FR" sz="1400" dirty="0">
+                <a:solidFill>
+                  <a:srgbClr val="FFFF00"/>
+                </a:solidFill>
+              </a:rPr>
               <a:t> Learning</a:t>
             </a:r>
-            <a:endParaRPr lang="en-GB" sz="1400" dirty="0"/>
+            <a:endParaRPr lang="en-GB" sz="1400" dirty="0">
+              <a:solidFill>
+                <a:srgbClr val="FFFF00"/>
+              </a:solidFill>
+            </a:endParaRPr>
           </a:p>
         </p:txBody>
       </p:sp>
@@ -14951,10 +15048,18 @@
           <a:p>
             <a:pPr algn="ctr"/>
             <a:r>
-              <a:rPr lang="fr-FR" dirty="0" err="1"/>
+              <a:rPr lang="fr-FR" dirty="0" err="1">
+                <a:solidFill>
+                  <a:schemeClr val="accent2"/>
+                </a:solidFill>
+              </a:rPr>
               <a:t>Conscious</a:t>
             </a:r>
-            <a:endParaRPr lang="en-GB" dirty="0"/>
+            <a:endParaRPr lang="en-GB" dirty="0">
+              <a:solidFill>
+                <a:schemeClr val="accent2"/>
+              </a:solidFill>
+            </a:endParaRPr>
           </a:p>
         </p:txBody>
       </p:sp>

--- a/SAI_presentation.pptx
+++ b/SAI_presentation.pptx
@@ -6740,7 +6740,7 @@
             <a:fld id="{B61BEF0D-F0BB-DE4B-95CE-6DB70DBA9567}" type="datetimeFigureOut">
               <a:rPr lang="en-US" dirty="0"/>
               <a:pPr/>
-              <a:t>3/3/2020</a:t>
+              <a:t>3/4/2020</a:t>
             </a:fld>
             <a:endParaRPr lang="en-US" dirty="0"/>
           </a:p>
@@ -7173,7 +7173,7 @@
             <a:fld id="{B61BEF0D-F0BB-DE4B-95CE-6DB70DBA9567}" type="datetimeFigureOut">
               <a:rPr lang="en-US" dirty="0"/>
               <a:pPr/>
-              <a:t>3/3/2020</a:t>
+              <a:t>3/4/2020</a:t>
             </a:fld>
             <a:endParaRPr lang="en-US" dirty="0"/>
           </a:p>
@@ -7420,7 +7420,7 @@
             <a:fld id="{B61BEF0D-F0BB-DE4B-95CE-6DB70DBA9567}" type="datetimeFigureOut">
               <a:rPr lang="en-US" dirty="0"/>
               <a:pPr/>
-              <a:t>3/3/2020</a:t>
+              <a:t>3/4/2020</a:t>
             </a:fld>
             <a:endParaRPr lang="en-US" dirty="0"/>
           </a:p>
@@ -7725,7 +7725,7 @@
             <a:fld id="{B61BEF0D-F0BB-DE4B-95CE-6DB70DBA9567}" type="datetimeFigureOut">
               <a:rPr lang="en-US" dirty="0"/>
               <a:pPr/>
-              <a:t>3/3/2020</a:t>
+              <a:t>3/4/2020</a:t>
             </a:fld>
             <a:endParaRPr lang="en-US" dirty="0"/>
           </a:p>
@@ -8040,7 +8040,7 @@
             <a:fld id="{B61BEF0D-F0BB-DE4B-95CE-6DB70DBA9567}" type="datetimeFigureOut">
               <a:rPr lang="en-US" dirty="0"/>
               <a:pPr/>
-              <a:t>3/3/2020</a:t>
+              <a:t>3/4/2020</a:t>
             </a:fld>
             <a:endParaRPr lang="en-US" dirty="0"/>
           </a:p>
@@ -8339,7 +8339,7 @@
             <a:fld id="{B61BEF0D-F0BB-DE4B-95CE-6DB70DBA9567}" type="datetimeFigureOut">
               <a:rPr lang="en-US" dirty="0"/>
               <a:pPr/>
-              <a:t>3/3/2020</a:t>
+              <a:t>3/4/2020</a:t>
             </a:fld>
             <a:endParaRPr lang="en-US" dirty="0"/>
           </a:p>
@@ -8703,7 +8703,7 @@
             <a:fld id="{B61BEF0D-F0BB-DE4B-95CE-6DB70DBA9567}" type="datetimeFigureOut">
               <a:rPr lang="en-US" dirty="0"/>
               <a:pPr/>
-              <a:t>3/3/2020</a:t>
+              <a:t>3/4/2020</a:t>
             </a:fld>
             <a:endParaRPr lang="en-US" dirty="0"/>
           </a:p>
@@ -8874,7 +8874,7 @@
             <a:fld id="{B61BEF0D-F0BB-DE4B-95CE-6DB70DBA9567}" type="datetimeFigureOut">
               <a:rPr lang="en-US" dirty="0"/>
               <a:pPr/>
-              <a:t>3/3/2020</a:t>
+              <a:t>3/4/2020</a:t>
             </a:fld>
             <a:endParaRPr lang="en-US" dirty="0"/>
           </a:p>
@@ -9051,7 +9051,7 @@
             <a:fld id="{B61BEF0D-F0BB-DE4B-95CE-6DB70DBA9567}" type="datetimeFigureOut">
               <a:rPr lang="en-US" dirty="0"/>
               <a:pPr/>
-              <a:t>3/3/2020</a:t>
+              <a:t>3/4/2020</a:t>
             </a:fld>
             <a:endParaRPr lang="en-US" dirty="0"/>
           </a:p>
@@ -9218,7 +9218,7 @@
             <a:fld id="{B61BEF0D-F0BB-DE4B-95CE-6DB70DBA9567}" type="datetimeFigureOut">
               <a:rPr lang="en-US" dirty="0"/>
               <a:pPr/>
-              <a:t>3/3/2020</a:t>
+              <a:t>3/4/2020</a:t>
             </a:fld>
             <a:endParaRPr lang="en-US" dirty="0"/>
           </a:p>
@@ -9465,7 +9465,7 @@
             <a:fld id="{B61BEF0D-F0BB-DE4B-95CE-6DB70DBA9567}" type="datetimeFigureOut">
               <a:rPr lang="en-US" dirty="0"/>
               <a:pPr/>
-              <a:t>3/3/2020</a:t>
+              <a:t>3/4/2020</a:t>
             </a:fld>
             <a:endParaRPr lang="en-US" dirty="0"/>
           </a:p>
@@ -9698,7 +9698,7 @@
             <a:fld id="{B61BEF0D-F0BB-DE4B-95CE-6DB70DBA9567}" type="datetimeFigureOut">
               <a:rPr lang="en-US" dirty="0"/>
               <a:pPr/>
-              <a:t>3/3/2020</a:t>
+              <a:t>3/4/2020</a:t>
             </a:fld>
             <a:endParaRPr lang="en-US" dirty="0"/>
           </a:p>
@@ -10077,7 +10077,7 @@
             <a:fld id="{B61BEF0D-F0BB-DE4B-95CE-6DB70DBA9567}" type="datetimeFigureOut">
               <a:rPr lang="en-US" dirty="0"/>
               <a:pPr/>
-              <a:t>3/3/2020</a:t>
+              <a:t>3/4/2020</a:t>
             </a:fld>
             <a:endParaRPr lang="en-US" dirty="0"/>
           </a:p>
@@ -10192,7 +10192,7 @@
             <a:fld id="{B61BEF0D-F0BB-DE4B-95CE-6DB70DBA9567}" type="datetimeFigureOut">
               <a:rPr lang="en-US" dirty="0"/>
               <a:pPr/>
-              <a:t>3/3/2020</a:t>
+              <a:t>3/4/2020</a:t>
             </a:fld>
             <a:endParaRPr lang="en-US" dirty="0"/>
           </a:p>
@@ -10284,7 +10284,7 @@
             <a:fld id="{B61BEF0D-F0BB-DE4B-95CE-6DB70DBA9567}" type="datetimeFigureOut">
               <a:rPr lang="en-US" dirty="0"/>
               <a:pPr/>
-              <a:t>3/3/2020</a:t>
+              <a:t>3/4/2020</a:t>
             </a:fld>
             <a:endParaRPr lang="en-US" dirty="0"/>
           </a:p>
@@ -10536,7 +10536,7 @@
             <a:fld id="{B61BEF0D-F0BB-DE4B-95CE-6DB70DBA9567}" type="datetimeFigureOut">
               <a:rPr lang="en-US" dirty="0"/>
               <a:pPr/>
-              <a:t>3/3/2020</a:t>
+              <a:t>3/4/2020</a:t>
             </a:fld>
             <a:endParaRPr lang="en-US" dirty="0"/>
           </a:p>
@@ -10816,7 +10816,7 @@
             <a:fld id="{B61BEF0D-F0BB-DE4B-95CE-6DB70DBA9567}" type="datetimeFigureOut">
               <a:rPr lang="en-US" dirty="0"/>
               <a:pPr/>
-              <a:t>3/3/2020</a:t>
+              <a:t>3/4/2020</a:t>
             </a:fld>
             <a:endParaRPr lang="en-US" dirty="0"/>
           </a:p>
@@ -11219,7 +11219,7 @@
             <a:fld id="{B61BEF0D-F0BB-DE4B-95CE-6DB70DBA9567}" type="datetimeFigureOut">
               <a:rPr lang="en-US" dirty="0"/>
               <a:pPr/>
-              <a:t>3/3/2020</a:t>
+              <a:t>3/4/2020</a:t>
             </a:fld>
             <a:endParaRPr lang="en-US" dirty="0"/>
           </a:p>
@@ -15153,13 +15153,58 @@
           <a:p>
             <a:r>
               <a:rPr lang="fr-FR" dirty="0"/>
-              <a:t>Policy:  </a:t>
-            </a:r>
-          </a:p>
-          <a:p>
+              <a:t>Policy:  the </a:t>
+            </a:r>
+            <a:r>
+              <a:rPr lang="fr-FR" dirty="0" err="1"/>
+              <a:t>agent’s</a:t>
+            </a:r>
             <a:r>
               <a:rPr lang="fr-FR" dirty="0"/>
-              <a:t>State value-fonction:</a:t>
+              <a:t> action </a:t>
+            </a:r>
+            <a:r>
+              <a:rPr lang="fr-FR" dirty="0" err="1"/>
+              <a:t>selection</a:t>
+            </a:r>
+            <a:endParaRPr lang="fr-FR" dirty="0"/>
+          </a:p>
+          <a:p>
+            <a:r>
+              <a:rPr lang="fr-FR" dirty="0"/>
+              <a:t>State value-fonction: how « good » </a:t>
+            </a:r>
+            <a:r>
+              <a:rPr lang="fr-FR" dirty="0" err="1"/>
+              <a:t>it</a:t>
+            </a:r>
+            <a:r>
+              <a:rPr lang="fr-FR" dirty="0"/>
+              <a:t> </a:t>
+            </a:r>
+            <a:r>
+              <a:rPr lang="fr-FR" dirty="0" err="1"/>
+              <a:t>is</a:t>
+            </a:r>
+            <a:r>
+              <a:rPr lang="fr-FR" dirty="0"/>
+              <a:t> to </a:t>
+            </a:r>
+            <a:r>
+              <a:rPr lang="fr-FR" dirty="0" err="1"/>
+              <a:t>be</a:t>
+            </a:r>
+            <a:r>
+              <a:rPr lang="fr-FR" dirty="0"/>
+              <a:t> in a </a:t>
+            </a:r>
+            <a:r>
+              <a:rPr lang="fr-FR" dirty="0" err="1"/>
+              <a:t>given</a:t>
+            </a:r>
+            <a:r>
+              <a:rPr lang="fr-FR" dirty="0"/>
+              <a:t> state</a:t>
             </a:r>
           </a:p>
           <a:p>
@@ -15180,7 +15225,7 @@
               <a:t> </a:t>
             </a:r>
             <a:r>
-              <a:rPr lang="fr-FR" dirty="0" err="1"/>
+              <a:rPr lang="fr-FR"/>
               <a:t>approach</a:t>
             </a:r>
             <a:r>
@@ -15196,7 +15241,7 @@
               <a:t> Q-</a:t>
             </a:r>
             <a:r>
-              <a:rPr lang="fr-FR"/>
+              <a:rPr lang="fr-FR" dirty="0" err="1"/>
               <a:t>learning</a:t>
             </a:r>
             <a:endParaRPr lang="fr-FR" dirty="0"/>

--- a/SAI_presentation.pptx
+++ b/SAI_presentation.pptx
@@ -15146,14 +15146,21 @@
             <p:ph idx="1"/>
           </p:nvPr>
         </p:nvSpPr>
-        <p:spPr/>
+        <p:spPr>
+          <a:xfrm>
+            <a:off x="684212" y="685800"/>
+            <a:ext cx="11362786" cy="3615267"/>
+          </a:xfrm>
+        </p:spPr>
         <p:txBody>
-          <a:bodyPr/>
+          <a:bodyPr>
+            <a:normAutofit/>
+          </a:bodyPr>
           <a:lstStyle/>
           <a:p>
             <a:r>
               <a:rPr lang="fr-FR" dirty="0"/>
-              <a:t>Policy:  the </a:t>
+              <a:t>Policy (a):  the </a:t>
             </a:r>
             <a:r>
               <a:rPr lang="fr-FR" dirty="0" err="1"/>
@@ -15172,7 +15179,7 @@
           <a:p>
             <a:r>
               <a:rPr lang="fr-FR" dirty="0"/>
-              <a:t>State value-fonction: how « good » </a:t>
+              <a:t>State value-fonction (s): how « good » </a:t>
             </a:r>
             <a:r>
               <a:rPr lang="fr-FR" dirty="0" err="1"/>
@@ -15208,43 +15215,33 @@
             </a:r>
           </a:p>
           <a:p>
-            <a:r>
-              <a:rPr lang="fr-FR" dirty="0" err="1"/>
-              <a:t>Explains</a:t>
-            </a:r>
+            <a:pPr marL="0" indent="0">
+              <a:buNone/>
+            </a:pPr>
             <a:r>
               <a:rPr lang="fr-FR" dirty="0"/>
-              <a:t> </a:t>
-            </a:r>
-            <a:r>
-              <a:rPr lang="fr-FR" dirty="0" err="1"/>
-              <a:t>that</a:t>
-            </a:r>
-            <a:r>
-              <a:rPr lang="fr-FR" dirty="0"/>
-              <a:t> </a:t>
-            </a:r>
-            <a:r>
-              <a:rPr lang="fr-FR"/>
-              <a:t>approach</a:t>
-            </a:r>
-            <a:r>
-              <a:rPr lang="fr-FR" dirty="0"/>
-              <a:t> </a:t>
-            </a:r>
-            <a:r>
-              <a:rPr lang="fr-FR" dirty="0" err="1"/>
-              <a:t>with</a:t>
-            </a:r>
-            <a:r>
-              <a:rPr lang="fr-FR" dirty="0"/>
-              <a:t> Q-</a:t>
-            </a:r>
-            <a:r>
-              <a:rPr lang="fr-FR" dirty="0" err="1"/>
-              <a:t>learning</a:t>
-            </a:r>
-            <a:endParaRPr lang="fr-FR" dirty="0"/>
+              <a:t>					</a:t>
+            </a:r>
+            <a:r>
+              <a:rPr lang="fr-FR" sz="4000" b="1" dirty="0"/>
+              <a:t>Q(s, a) =  </a:t>
+            </a:r>
+            <a:r>
+              <a:rPr lang="fr-FR" sz="4000" b="1" dirty="0" err="1"/>
+              <a:t>sum</a:t>
+            </a:r>
+            <a:r>
+              <a:rPr lang="fr-FR" sz="4000" b="1" dirty="0"/>
+              <a:t>(prob of </a:t>
+            </a:r>
+            <a:r>
+              <a:rPr lang="fr-FR" sz="4000" b="1" dirty="0" err="1"/>
+              <a:t>each</a:t>
+            </a:r>
+            <a:r>
+              <a:rPr lang="fr-FR" sz="4000" b="1" dirty="0"/>
+              <a:t> state) </a:t>
+            </a:r>
           </a:p>
           <a:p>
             <a:endParaRPr lang="fr-FR" dirty="0"/>

--- a/SAI_presentation.pptx
+++ b/SAI_presentation.pptx
@@ -15154,7 +15154,7 @@
         </p:spPr>
         <p:txBody>
           <a:bodyPr>
-            <a:normAutofit/>
+            <a:normAutofit lnSpcReduction="10000"/>
           </a:bodyPr>
           <a:lstStyle/>
           <a:p>
@@ -15273,8 +15273,44 @@
           </a:p>
           <a:p>
             <a:r>
+              <a:rPr lang="fr-FR" dirty="0"/>
+              <a:t>This formula </a:t>
+            </a:r>
+            <a:r>
               <a:rPr lang="fr-FR" dirty="0" err="1"/>
-              <a:t>Explains</a:t>
+              <a:t>give</a:t>
+            </a:r>
+            <a:r>
+              <a:rPr lang="fr-FR" dirty="0"/>
+              <a:t> us the power to </a:t>
+            </a:r>
+            <a:r>
+              <a:rPr lang="fr-FR" dirty="0" err="1"/>
+              <a:t>make</a:t>
+            </a:r>
+            <a:r>
+              <a:rPr lang="fr-FR" dirty="0"/>
+              <a:t> a </a:t>
+            </a:r>
+            <a:r>
+              <a:rPr lang="fr-FR" dirty="0" err="1"/>
+              <a:t>decision</a:t>
+            </a:r>
+            <a:r>
+              <a:rPr lang="fr-FR" dirty="0"/>
+              <a:t> for the </a:t>
+            </a:r>
+            <a:r>
+              <a:rPr lang="fr-FR" dirty="0" err="1"/>
+              <a:t>next</a:t>
+            </a:r>
+            <a:r>
+              <a:rPr lang="fr-FR" dirty="0"/>
+              <a:t> action </a:t>
+            </a:r>
+            <a:r>
+              <a:rPr lang="fr-FR" dirty="0" err="1"/>
+              <a:t>using</a:t>
             </a:r>
             <a:r>
               <a:rPr lang="fr-FR" dirty="0"/>
@@ -15282,15 +15318,11 @@
             </a:r>
             <a:r>
               <a:rPr lang="fr-FR" dirty="0" err="1"/>
-              <a:t>with</a:t>
-            </a:r>
-            <a:r>
-              <a:rPr lang="fr-FR" dirty="0"/>
-              <a:t> simple </a:t>
-            </a:r>
-            <a:r>
-              <a:rPr lang="fr-FR" dirty="0" err="1"/>
-              <a:t>words</a:t>
+              <a:t>random</a:t>
+            </a:r>
+            <a:r>
+              <a:rPr lang="fr-FR"/>
+              <a:t> training</a:t>
             </a:r>
             <a:endParaRPr lang="en-GB" dirty="0"/>
           </a:p>

--- a/SAI_presentation.pptx
+++ b/SAI_presentation.pptx
@@ -6740,7 +6740,7 @@
             <a:fld id="{B61BEF0D-F0BB-DE4B-95CE-6DB70DBA9567}" type="datetimeFigureOut">
               <a:rPr lang="en-US" dirty="0"/>
               <a:pPr/>
-              <a:t>3/4/2020</a:t>
+              <a:t>3/5/2020</a:t>
             </a:fld>
             <a:endParaRPr lang="en-US" dirty="0"/>
           </a:p>
@@ -7173,7 +7173,7 @@
             <a:fld id="{B61BEF0D-F0BB-DE4B-95CE-6DB70DBA9567}" type="datetimeFigureOut">
               <a:rPr lang="en-US" dirty="0"/>
               <a:pPr/>
-              <a:t>3/4/2020</a:t>
+              <a:t>3/5/2020</a:t>
             </a:fld>
             <a:endParaRPr lang="en-US" dirty="0"/>
           </a:p>
@@ -7420,7 +7420,7 @@
             <a:fld id="{B61BEF0D-F0BB-DE4B-95CE-6DB70DBA9567}" type="datetimeFigureOut">
               <a:rPr lang="en-US" dirty="0"/>
               <a:pPr/>
-              <a:t>3/4/2020</a:t>
+              <a:t>3/5/2020</a:t>
             </a:fld>
             <a:endParaRPr lang="en-US" dirty="0"/>
           </a:p>
@@ -7725,7 +7725,7 @@
             <a:fld id="{B61BEF0D-F0BB-DE4B-95CE-6DB70DBA9567}" type="datetimeFigureOut">
               <a:rPr lang="en-US" dirty="0"/>
               <a:pPr/>
-              <a:t>3/4/2020</a:t>
+              <a:t>3/5/2020</a:t>
             </a:fld>
             <a:endParaRPr lang="en-US" dirty="0"/>
           </a:p>
@@ -8040,7 +8040,7 @@
             <a:fld id="{B61BEF0D-F0BB-DE4B-95CE-6DB70DBA9567}" type="datetimeFigureOut">
               <a:rPr lang="en-US" dirty="0"/>
               <a:pPr/>
-              <a:t>3/4/2020</a:t>
+              <a:t>3/5/2020</a:t>
             </a:fld>
             <a:endParaRPr lang="en-US" dirty="0"/>
           </a:p>
@@ -8339,7 +8339,7 @@
             <a:fld id="{B61BEF0D-F0BB-DE4B-95CE-6DB70DBA9567}" type="datetimeFigureOut">
               <a:rPr lang="en-US" dirty="0"/>
               <a:pPr/>
-              <a:t>3/4/2020</a:t>
+              <a:t>3/5/2020</a:t>
             </a:fld>
             <a:endParaRPr lang="en-US" dirty="0"/>
           </a:p>
@@ -8703,7 +8703,7 @@
             <a:fld id="{B61BEF0D-F0BB-DE4B-95CE-6DB70DBA9567}" type="datetimeFigureOut">
               <a:rPr lang="en-US" dirty="0"/>
               <a:pPr/>
-              <a:t>3/4/2020</a:t>
+              <a:t>3/5/2020</a:t>
             </a:fld>
             <a:endParaRPr lang="en-US" dirty="0"/>
           </a:p>
@@ -8874,7 +8874,7 @@
             <a:fld id="{B61BEF0D-F0BB-DE4B-95CE-6DB70DBA9567}" type="datetimeFigureOut">
               <a:rPr lang="en-US" dirty="0"/>
               <a:pPr/>
-              <a:t>3/4/2020</a:t>
+              <a:t>3/5/2020</a:t>
             </a:fld>
             <a:endParaRPr lang="en-US" dirty="0"/>
           </a:p>
@@ -9051,7 +9051,7 @@
             <a:fld id="{B61BEF0D-F0BB-DE4B-95CE-6DB70DBA9567}" type="datetimeFigureOut">
               <a:rPr lang="en-US" dirty="0"/>
               <a:pPr/>
-              <a:t>3/4/2020</a:t>
+              <a:t>3/5/2020</a:t>
             </a:fld>
             <a:endParaRPr lang="en-US" dirty="0"/>
           </a:p>
@@ -9218,7 +9218,7 @@
             <a:fld id="{B61BEF0D-F0BB-DE4B-95CE-6DB70DBA9567}" type="datetimeFigureOut">
               <a:rPr lang="en-US" dirty="0"/>
               <a:pPr/>
-              <a:t>3/4/2020</a:t>
+              <a:t>3/5/2020</a:t>
             </a:fld>
             <a:endParaRPr lang="en-US" dirty="0"/>
           </a:p>
@@ -9465,7 +9465,7 @@
             <a:fld id="{B61BEF0D-F0BB-DE4B-95CE-6DB70DBA9567}" type="datetimeFigureOut">
               <a:rPr lang="en-US" dirty="0"/>
               <a:pPr/>
-              <a:t>3/4/2020</a:t>
+              <a:t>3/5/2020</a:t>
             </a:fld>
             <a:endParaRPr lang="en-US" dirty="0"/>
           </a:p>
@@ -9698,7 +9698,7 @@
             <a:fld id="{B61BEF0D-F0BB-DE4B-95CE-6DB70DBA9567}" type="datetimeFigureOut">
               <a:rPr lang="en-US" dirty="0"/>
               <a:pPr/>
-              <a:t>3/4/2020</a:t>
+              <a:t>3/5/2020</a:t>
             </a:fld>
             <a:endParaRPr lang="en-US" dirty="0"/>
           </a:p>
@@ -10077,7 +10077,7 @@
             <a:fld id="{B61BEF0D-F0BB-DE4B-95CE-6DB70DBA9567}" type="datetimeFigureOut">
               <a:rPr lang="en-US" dirty="0"/>
               <a:pPr/>
-              <a:t>3/4/2020</a:t>
+              <a:t>3/5/2020</a:t>
             </a:fld>
             <a:endParaRPr lang="en-US" dirty="0"/>
           </a:p>
@@ -10192,7 +10192,7 @@
             <a:fld id="{B61BEF0D-F0BB-DE4B-95CE-6DB70DBA9567}" type="datetimeFigureOut">
               <a:rPr lang="en-US" dirty="0"/>
               <a:pPr/>
-              <a:t>3/4/2020</a:t>
+              <a:t>3/5/2020</a:t>
             </a:fld>
             <a:endParaRPr lang="en-US" dirty="0"/>
           </a:p>
@@ -10284,7 +10284,7 @@
             <a:fld id="{B61BEF0D-F0BB-DE4B-95CE-6DB70DBA9567}" type="datetimeFigureOut">
               <a:rPr lang="en-US" dirty="0"/>
               <a:pPr/>
-              <a:t>3/4/2020</a:t>
+              <a:t>3/5/2020</a:t>
             </a:fld>
             <a:endParaRPr lang="en-US" dirty="0"/>
           </a:p>
@@ -10536,7 +10536,7 @@
             <a:fld id="{B61BEF0D-F0BB-DE4B-95CE-6DB70DBA9567}" type="datetimeFigureOut">
               <a:rPr lang="en-US" dirty="0"/>
               <a:pPr/>
-              <a:t>3/4/2020</a:t>
+              <a:t>3/5/2020</a:t>
             </a:fld>
             <a:endParaRPr lang="en-US" dirty="0"/>
           </a:p>
@@ -10816,7 +10816,7 @@
             <a:fld id="{B61BEF0D-F0BB-DE4B-95CE-6DB70DBA9567}" type="datetimeFigureOut">
               <a:rPr lang="en-US" dirty="0"/>
               <a:pPr/>
-              <a:t>3/4/2020</a:t>
+              <a:t>3/5/2020</a:t>
             </a:fld>
             <a:endParaRPr lang="en-US" dirty="0"/>
           </a:p>
@@ -11219,7 +11219,7 @@
             <a:fld id="{B61BEF0D-F0BB-DE4B-95CE-6DB70DBA9567}" type="datetimeFigureOut">
               <a:rPr lang="en-US" dirty="0"/>
               <a:pPr/>
-              <a:t>3/4/2020</a:t>
+              <a:t>3/5/2020</a:t>
             </a:fld>
             <a:endParaRPr lang="en-US" dirty="0"/>
           </a:p>
@@ -15159,8 +15159,16 @@
           <a:lstStyle/>
           <a:p>
             <a:r>
+              <a:rPr lang="fr-FR" b="1" dirty="0">
+                <a:solidFill>
+                  <a:srgbClr val="00B050"/>
+                </a:solidFill>
+              </a:rPr>
+              <a:t>Policy</a:t>
+            </a:r>
+            <a:r>
               <a:rPr lang="fr-FR" dirty="0"/>
-              <a:t>Policy (a):  the </a:t>
+              <a:t> :  the </a:t>
             </a:r>
             <a:r>
               <a:rPr lang="fr-FR" dirty="0" err="1"/>
@@ -15178,8 +15186,16 @@
           </a:p>
           <a:p>
             <a:r>
+              <a:rPr lang="fr-FR" b="1" dirty="0">
+                <a:solidFill>
+                  <a:srgbClr val="FFFF00"/>
+                </a:solidFill>
+              </a:rPr>
+              <a:t>State value-fonction </a:t>
+            </a:r>
+            <a:r>
               <a:rPr lang="fr-FR" dirty="0"/>
-              <a:t>State value-fonction (s): how « good » </a:t>
+              <a:t>: how « good » </a:t>
             </a:r>
             <a:r>
               <a:rPr lang="fr-FR" dirty="0" err="1"/>
@@ -15224,7 +15240,31 @@
             </a:r>
             <a:r>
               <a:rPr lang="fr-FR" sz="4000" b="1" dirty="0"/>
-              <a:t>Q(s, a) =  </a:t>
+              <a:t>Q(</a:t>
+            </a:r>
+            <a:r>
+              <a:rPr lang="fr-FR" sz="4000" b="1" dirty="0">
+                <a:solidFill>
+                  <a:srgbClr val="FFFF00"/>
+                </a:solidFill>
+              </a:rPr>
+              <a:t>s</a:t>
+            </a:r>
+            <a:r>
+              <a:rPr lang="fr-FR" sz="4000" b="1" dirty="0"/>
+              <a:t>, </a:t>
+            </a:r>
+            <a:r>
+              <a:rPr lang="fr-FR" sz="4000" b="1" dirty="0">
+                <a:solidFill>
+                  <a:srgbClr val="00B050"/>
+                </a:solidFill>
+              </a:rPr>
+              <a:t>a</a:t>
+            </a:r>
+            <a:r>
+              <a:rPr lang="fr-FR" sz="4000" b="1" dirty="0"/>
+              <a:t>) =  </a:t>
             </a:r>
             <a:r>
               <a:rPr lang="fr-FR" sz="4000" b="1" dirty="0" err="1"/>
@@ -15321,7 +15361,7 @@
               <a:t>random</a:t>
             </a:r>
             <a:r>
-              <a:rPr lang="fr-FR"/>
+              <a:rPr lang="fr-FR" dirty="0"/>
               <a:t> training</a:t>
             </a:r>
             <a:endParaRPr lang="en-GB" dirty="0"/>

--- a/SAI_presentation.pptx
+++ b/SAI_presentation.pptx
@@ -15453,16 +15453,72 @@
           <a:lstStyle/>
           <a:p>
             <a:r>
-              <a:rPr lang="fr-FR" dirty="0" err="1"/>
-              <a:t>Explain</a:t>
-            </a:r>
-            <a:r>
               <a:rPr lang="fr-FR" dirty="0"/>
-              <a:t> the </a:t>
+              <a:t>This </a:t>
             </a:r>
             <a:r>
               <a:rPr lang="fr-FR" dirty="0" err="1"/>
               <a:t>research</a:t>
+            </a:r>
+            <a:r>
+              <a:rPr lang="fr-FR" dirty="0"/>
+              <a:t> show us </a:t>
+            </a:r>
+            <a:r>
+              <a:rPr lang="fr-FR" dirty="0" err="1"/>
+              <a:t>that</a:t>
+            </a:r>
+            <a:r>
+              <a:rPr lang="fr-FR" dirty="0"/>
+              <a:t> the AI </a:t>
+            </a:r>
+            <a:r>
+              <a:rPr lang="fr-FR" dirty="0" err="1"/>
+              <a:t>will</a:t>
+            </a:r>
+            <a:r>
+              <a:rPr lang="fr-FR" dirty="0"/>
+              <a:t> </a:t>
+            </a:r>
+            <a:r>
+              <a:rPr lang="fr-FR" dirty="0" err="1"/>
+              <a:t>learn</a:t>
+            </a:r>
+            <a:r>
+              <a:rPr lang="fr-FR" dirty="0"/>
+              <a:t> </a:t>
+            </a:r>
+            <a:r>
+              <a:rPr lang="fr-FR" dirty="0" err="1"/>
+              <a:t>better</a:t>
+            </a:r>
+            <a:r>
+              <a:rPr lang="fr-FR" dirty="0"/>
+              <a:t> </a:t>
+            </a:r>
+            <a:r>
+              <a:rPr lang="fr-FR" dirty="0" err="1"/>
+              <a:t>policy</a:t>
+            </a:r>
+            <a:r>
+              <a:rPr lang="fr-FR" dirty="0"/>
+              <a:t> </a:t>
+            </a:r>
+            <a:r>
+              <a:rPr lang="fr-FR" dirty="0" err="1"/>
+              <a:t>using</a:t>
+            </a:r>
+            <a:r>
+              <a:rPr lang="fr-FR" dirty="0"/>
+              <a:t> Human </a:t>
+            </a:r>
+            <a:r>
+              <a:rPr lang="fr-FR" dirty="0" err="1"/>
+              <a:t>decision</a:t>
+            </a:r>
+            <a:r>
+              <a:rPr lang="fr-FR"/>
+              <a:t>.</a:t>
             </a:r>
             <a:endParaRPr lang="fr-FR" dirty="0"/>
           </a:p>

--- a/SAI_presentation.pptx
+++ b/SAI_presentation.pptx
@@ -15309,6 +15309,26 @@
               <a:rPr lang="fr-FR" dirty="0" err="1"/>
               <a:t>understand</a:t>
             </a:r>
+            <a:r>
+              <a:rPr lang="fr-FR" dirty="0"/>
+              <a:t> (tic tac </a:t>
+            </a:r>
+            <a:r>
+              <a:rPr lang="fr-FR" dirty="0" err="1"/>
+              <a:t>toe</a:t>
+            </a:r>
+            <a:r>
+              <a:rPr lang="fr-FR" dirty="0"/>
+              <a:t> </a:t>
+            </a:r>
+            <a:r>
+              <a:rPr lang="fr-FR" dirty="0" err="1"/>
+              <a:t>example</a:t>
+            </a:r>
+            <a:r>
+              <a:rPr lang="fr-FR"/>
+              <a:t>)</a:t>
+            </a:r>
             <a:endParaRPr lang="fr-FR" dirty="0"/>
           </a:p>
           <a:p>

--- a/SAI_presentation.pptx
+++ b/SAI_presentation.pptx
@@ -6740,7 +6740,7 @@
             <a:fld id="{B61BEF0D-F0BB-DE4B-95CE-6DB70DBA9567}" type="datetimeFigureOut">
               <a:rPr lang="en-US" dirty="0"/>
               <a:pPr/>
-              <a:t>3/5/2020</a:t>
+              <a:t>3/6/2020</a:t>
             </a:fld>
             <a:endParaRPr lang="en-US" dirty="0"/>
           </a:p>
@@ -7173,7 +7173,7 @@
             <a:fld id="{B61BEF0D-F0BB-DE4B-95CE-6DB70DBA9567}" type="datetimeFigureOut">
               <a:rPr lang="en-US" dirty="0"/>
               <a:pPr/>
-              <a:t>3/5/2020</a:t>
+              <a:t>3/6/2020</a:t>
             </a:fld>
             <a:endParaRPr lang="en-US" dirty="0"/>
           </a:p>
@@ -7420,7 +7420,7 @@
             <a:fld id="{B61BEF0D-F0BB-DE4B-95CE-6DB70DBA9567}" type="datetimeFigureOut">
               <a:rPr lang="en-US" dirty="0"/>
               <a:pPr/>
-              <a:t>3/5/2020</a:t>
+              <a:t>3/6/2020</a:t>
             </a:fld>
             <a:endParaRPr lang="en-US" dirty="0"/>
           </a:p>
@@ -7725,7 +7725,7 @@
             <a:fld id="{B61BEF0D-F0BB-DE4B-95CE-6DB70DBA9567}" type="datetimeFigureOut">
               <a:rPr lang="en-US" dirty="0"/>
               <a:pPr/>
-              <a:t>3/5/2020</a:t>
+              <a:t>3/6/2020</a:t>
             </a:fld>
             <a:endParaRPr lang="en-US" dirty="0"/>
           </a:p>
@@ -8040,7 +8040,7 @@
             <a:fld id="{B61BEF0D-F0BB-DE4B-95CE-6DB70DBA9567}" type="datetimeFigureOut">
               <a:rPr lang="en-US" dirty="0"/>
               <a:pPr/>
-              <a:t>3/5/2020</a:t>
+              <a:t>3/6/2020</a:t>
             </a:fld>
             <a:endParaRPr lang="en-US" dirty="0"/>
           </a:p>
@@ -8339,7 +8339,7 @@
             <a:fld id="{B61BEF0D-F0BB-DE4B-95CE-6DB70DBA9567}" type="datetimeFigureOut">
               <a:rPr lang="en-US" dirty="0"/>
               <a:pPr/>
-              <a:t>3/5/2020</a:t>
+              <a:t>3/6/2020</a:t>
             </a:fld>
             <a:endParaRPr lang="en-US" dirty="0"/>
           </a:p>
@@ -8703,7 +8703,7 @@
             <a:fld id="{B61BEF0D-F0BB-DE4B-95CE-6DB70DBA9567}" type="datetimeFigureOut">
               <a:rPr lang="en-US" dirty="0"/>
               <a:pPr/>
-              <a:t>3/5/2020</a:t>
+              <a:t>3/6/2020</a:t>
             </a:fld>
             <a:endParaRPr lang="en-US" dirty="0"/>
           </a:p>
@@ -8874,7 +8874,7 @@
             <a:fld id="{B61BEF0D-F0BB-DE4B-95CE-6DB70DBA9567}" type="datetimeFigureOut">
               <a:rPr lang="en-US" dirty="0"/>
               <a:pPr/>
-              <a:t>3/5/2020</a:t>
+              <a:t>3/6/2020</a:t>
             </a:fld>
             <a:endParaRPr lang="en-US" dirty="0"/>
           </a:p>
@@ -9051,7 +9051,7 @@
             <a:fld id="{B61BEF0D-F0BB-DE4B-95CE-6DB70DBA9567}" type="datetimeFigureOut">
               <a:rPr lang="en-US" dirty="0"/>
               <a:pPr/>
-              <a:t>3/5/2020</a:t>
+              <a:t>3/6/2020</a:t>
             </a:fld>
             <a:endParaRPr lang="en-US" dirty="0"/>
           </a:p>
@@ -9218,7 +9218,7 @@
             <a:fld id="{B61BEF0D-F0BB-DE4B-95CE-6DB70DBA9567}" type="datetimeFigureOut">
               <a:rPr lang="en-US" dirty="0"/>
               <a:pPr/>
-              <a:t>3/5/2020</a:t>
+              <a:t>3/6/2020</a:t>
             </a:fld>
             <a:endParaRPr lang="en-US" dirty="0"/>
           </a:p>
@@ -9465,7 +9465,7 @@
             <a:fld id="{B61BEF0D-F0BB-DE4B-95CE-6DB70DBA9567}" type="datetimeFigureOut">
               <a:rPr lang="en-US" dirty="0"/>
               <a:pPr/>
-              <a:t>3/5/2020</a:t>
+              <a:t>3/6/2020</a:t>
             </a:fld>
             <a:endParaRPr lang="en-US" dirty="0"/>
           </a:p>
@@ -9698,7 +9698,7 @@
             <a:fld id="{B61BEF0D-F0BB-DE4B-95CE-6DB70DBA9567}" type="datetimeFigureOut">
               <a:rPr lang="en-US" dirty="0"/>
               <a:pPr/>
-              <a:t>3/5/2020</a:t>
+              <a:t>3/6/2020</a:t>
             </a:fld>
             <a:endParaRPr lang="en-US" dirty="0"/>
           </a:p>
@@ -10077,7 +10077,7 @@
             <a:fld id="{B61BEF0D-F0BB-DE4B-95CE-6DB70DBA9567}" type="datetimeFigureOut">
               <a:rPr lang="en-US" dirty="0"/>
               <a:pPr/>
-              <a:t>3/5/2020</a:t>
+              <a:t>3/6/2020</a:t>
             </a:fld>
             <a:endParaRPr lang="en-US" dirty="0"/>
           </a:p>
@@ -10192,7 +10192,7 @@
             <a:fld id="{B61BEF0D-F0BB-DE4B-95CE-6DB70DBA9567}" type="datetimeFigureOut">
               <a:rPr lang="en-US" dirty="0"/>
               <a:pPr/>
-              <a:t>3/5/2020</a:t>
+              <a:t>3/6/2020</a:t>
             </a:fld>
             <a:endParaRPr lang="en-US" dirty="0"/>
           </a:p>
@@ -10284,7 +10284,7 @@
             <a:fld id="{B61BEF0D-F0BB-DE4B-95CE-6DB70DBA9567}" type="datetimeFigureOut">
               <a:rPr lang="en-US" dirty="0"/>
               <a:pPr/>
-              <a:t>3/5/2020</a:t>
+              <a:t>3/6/2020</a:t>
             </a:fld>
             <a:endParaRPr lang="en-US" dirty="0"/>
           </a:p>
@@ -10536,7 +10536,7 @@
             <a:fld id="{B61BEF0D-F0BB-DE4B-95CE-6DB70DBA9567}" type="datetimeFigureOut">
               <a:rPr lang="en-US" dirty="0"/>
               <a:pPr/>
-              <a:t>3/5/2020</a:t>
+              <a:t>3/6/2020</a:t>
             </a:fld>
             <a:endParaRPr lang="en-US" dirty="0"/>
           </a:p>
@@ -10816,7 +10816,7 @@
             <a:fld id="{B61BEF0D-F0BB-DE4B-95CE-6DB70DBA9567}" type="datetimeFigureOut">
               <a:rPr lang="en-US" dirty="0"/>
               <a:pPr/>
-              <a:t>3/5/2020</a:t>
+              <a:t>3/6/2020</a:t>
             </a:fld>
             <a:endParaRPr lang="en-US" dirty="0"/>
           </a:p>
@@ -11219,7 +11219,7 @@
             <a:fld id="{B61BEF0D-F0BB-DE4B-95CE-6DB70DBA9567}" type="datetimeFigureOut">
               <a:rPr lang="en-US" dirty="0"/>
               <a:pPr/>
-              <a:t>3/5/2020</a:t>
+              <a:t>3/6/2020</a:t>
             </a:fld>
             <a:endParaRPr lang="en-US" dirty="0"/>
           </a:p>
@@ -15537,10 +15537,9 @@
               <a:t>decision</a:t>
             </a:r>
             <a:r>
-              <a:rPr lang="fr-FR"/>
+              <a:rPr lang="fr-FR" dirty="0"/>
               <a:t>.</a:t>
             </a:r>
-            <a:endParaRPr lang="fr-FR" dirty="0"/>
           </a:p>
           <a:p>
             <a:r>
@@ -15583,25 +15582,159 @@
             <a:endParaRPr lang="fr-FR" dirty="0"/>
           </a:p>
           <a:p>
+            <a:endParaRPr lang="en-GB" dirty="0"/>
+          </a:p>
+          <a:p>
+            <a:endParaRPr lang="en-GB" dirty="0"/>
+          </a:p>
+        </p:txBody>
+      </p:sp>
+      <p:sp>
+        <p:nvSpPr>
+          <p:cNvPr id="4" name="Rectangle 3">
+            <a:extLst>
+              <a:ext uri="{FF2B5EF4-FFF2-40B4-BE49-F238E27FC236}">
+                <a16:creationId xmlns:a16="http://schemas.microsoft.com/office/drawing/2014/main" id="{001AFB83-D8C7-451F-B5B1-7CC8B478896D}"/>
+              </a:ext>
+            </a:extLst>
+          </p:cNvPr>
+          <p:cNvSpPr/>
+          <p:nvPr/>
+        </p:nvSpPr>
+        <p:spPr>
+          <a:xfrm>
+            <a:off x="2521262" y="3979173"/>
+            <a:ext cx="1882066" cy="807868"/>
+          </a:xfrm>
+          <a:prstGeom prst="rect">
+            <a:avLst/>
+          </a:prstGeom>
+        </p:spPr>
+        <p:style>
+          <a:lnRef idx="2">
+            <a:schemeClr val="accent1">
+              <a:shade val="50000"/>
+            </a:schemeClr>
+          </a:lnRef>
+          <a:fillRef idx="1">
+            <a:schemeClr val="accent1"/>
+          </a:fillRef>
+          <a:effectRef idx="0">
+            <a:schemeClr val="accent1"/>
+          </a:effectRef>
+          <a:fontRef idx="minor">
+            <a:schemeClr val="lt1"/>
+          </a:fontRef>
+        </p:style>
+        <p:txBody>
+          <a:bodyPr rtlCol="0" anchor="ctr"/>
+          <a:lstStyle/>
+          <a:p>
+            <a:pPr algn="ctr"/>
             <a:r>
               <a:rPr lang="fr-FR" dirty="0"/>
-              <a:t>Show a </a:t>
-            </a:r>
+              <a:t>Training</a:t>
+            </a:r>
+            <a:endParaRPr lang="en-GB" dirty="0"/>
+          </a:p>
+        </p:txBody>
+      </p:sp>
+      <p:sp>
+        <p:nvSpPr>
+          <p:cNvPr id="5" name="Rectangle 4">
+            <a:extLst>
+              <a:ext uri="{FF2B5EF4-FFF2-40B4-BE49-F238E27FC236}">
+                <a16:creationId xmlns:a16="http://schemas.microsoft.com/office/drawing/2014/main" id="{17A9BB1A-A8C4-4D45-BC88-08199D5EEEA7}"/>
+              </a:ext>
+            </a:extLst>
+          </p:cNvPr>
+          <p:cNvSpPr/>
+          <p:nvPr/>
+        </p:nvSpPr>
+        <p:spPr>
+          <a:xfrm>
+            <a:off x="5487884" y="3979173"/>
+            <a:ext cx="1882066" cy="807868"/>
+          </a:xfrm>
+          <a:prstGeom prst="rect">
+            <a:avLst/>
+          </a:prstGeom>
+        </p:spPr>
+        <p:style>
+          <a:lnRef idx="2">
+            <a:schemeClr val="accent1">
+              <a:shade val="50000"/>
+            </a:schemeClr>
+          </a:lnRef>
+          <a:fillRef idx="1">
+            <a:schemeClr val="accent1"/>
+          </a:fillRef>
+          <a:effectRef idx="0">
+            <a:schemeClr val="accent1"/>
+          </a:effectRef>
+          <a:fontRef idx="minor">
+            <a:schemeClr val="lt1"/>
+          </a:fontRef>
+        </p:style>
+        <p:txBody>
+          <a:bodyPr rtlCol="0" anchor="ctr"/>
+          <a:lstStyle/>
+          <a:p>
+            <a:pPr algn="ctr"/>
             <a:r>
               <a:rPr lang="fr-FR" dirty="0" err="1"/>
-              <a:t>schema</a:t>
-            </a:r>
+              <a:t>Decision</a:t>
+            </a:r>
+            <a:endParaRPr lang="en-GB" dirty="0"/>
+          </a:p>
+        </p:txBody>
+      </p:sp>
+      <p:sp>
+        <p:nvSpPr>
+          <p:cNvPr id="6" name="Rectangle 5">
+            <a:extLst>
+              <a:ext uri="{FF2B5EF4-FFF2-40B4-BE49-F238E27FC236}">
+                <a16:creationId xmlns:a16="http://schemas.microsoft.com/office/drawing/2014/main" id="{6FAEF210-ED99-45EF-8734-8925E9DED7C8}"/>
+              </a:ext>
+            </a:extLst>
+          </p:cNvPr>
+          <p:cNvSpPr/>
+          <p:nvPr/>
+        </p:nvSpPr>
+        <p:spPr>
+          <a:xfrm>
+            <a:off x="2521262" y="2842992"/>
+            <a:ext cx="1882066" cy="807868"/>
+          </a:xfrm>
+          <a:prstGeom prst="rect">
+            <a:avLst/>
+          </a:prstGeom>
+        </p:spPr>
+        <p:style>
+          <a:lnRef idx="2">
+            <a:schemeClr val="accent1">
+              <a:shade val="50000"/>
+            </a:schemeClr>
+          </a:lnRef>
+          <a:fillRef idx="1">
+            <a:schemeClr val="accent1"/>
+          </a:fillRef>
+          <a:effectRef idx="0">
+            <a:schemeClr val="accent1"/>
+          </a:effectRef>
+          <a:fontRef idx="minor">
+            <a:schemeClr val="lt1"/>
+          </a:fontRef>
+        </p:style>
+        <p:txBody>
+          <a:bodyPr rtlCol="0" anchor="ctr"/>
+          <a:lstStyle/>
+          <a:p>
+            <a:pPr algn="ctr"/>
             <a:r>
               <a:rPr lang="fr-FR" dirty="0"/>
-              <a:t> to </a:t>
-            </a:r>
-            <a:r>
-              <a:rPr lang="fr-FR" dirty="0" err="1"/>
-              <a:t>understand</a:t>
-            </a:r>
-            <a:endParaRPr lang="en-GB" dirty="0"/>
-          </a:p>
-          <a:p>
+              <a:t>Expert</a:t>
+            </a:r>
             <a:endParaRPr lang="en-GB" dirty="0"/>
           </a:p>
         </p:txBody>

--- a/SAI_presentation.pptx
+++ b/SAI_presentation.pptx
@@ -15490,50 +15490,124 @@
             </a:r>
             <a:r>
               <a:rPr lang="fr-FR" dirty="0"/>
-              <a:t> the AI </a:t>
+              <a:t> the </a:t>
+            </a:r>
+            <a:r>
+              <a:rPr lang="fr-FR" b="1" dirty="0">
+                <a:solidFill>
+                  <a:srgbClr val="00B050"/>
+                </a:solidFill>
+              </a:rPr>
+              <a:t>AI </a:t>
+            </a:r>
+            <a:r>
+              <a:rPr lang="fr-FR" b="1" dirty="0" err="1">
+                <a:solidFill>
+                  <a:srgbClr val="00B050"/>
+                </a:solidFill>
+              </a:rPr>
+              <a:t>will</a:t>
+            </a:r>
+            <a:r>
+              <a:rPr lang="fr-FR" b="1" dirty="0">
+                <a:solidFill>
+                  <a:srgbClr val="00B050"/>
+                </a:solidFill>
+              </a:rPr>
+              <a:t> </a:t>
+            </a:r>
+            <a:r>
+              <a:rPr lang="fr-FR" b="1" dirty="0" err="1">
+                <a:solidFill>
+                  <a:srgbClr val="00B050"/>
+                </a:solidFill>
+              </a:rPr>
+              <a:t>learn</a:t>
+            </a:r>
+            <a:r>
+              <a:rPr lang="fr-FR" b="1" dirty="0">
+                <a:solidFill>
+                  <a:srgbClr val="00B050"/>
+                </a:solidFill>
+              </a:rPr>
+              <a:t> </a:t>
+            </a:r>
+            <a:r>
+              <a:rPr lang="fr-FR" b="1" dirty="0" err="1">
+                <a:solidFill>
+                  <a:srgbClr val="00B050"/>
+                </a:solidFill>
+              </a:rPr>
+              <a:t>better</a:t>
+            </a:r>
+            <a:r>
+              <a:rPr lang="fr-FR" b="1" dirty="0">
+                <a:solidFill>
+                  <a:srgbClr val="00B050"/>
+                </a:solidFill>
+              </a:rPr>
+              <a:t> </a:t>
+            </a:r>
+            <a:r>
+              <a:rPr lang="fr-FR" b="1" dirty="0" err="1">
+                <a:solidFill>
+                  <a:srgbClr val="00B050"/>
+                </a:solidFill>
+              </a:rPr>
+              <a:t>policy</a:t>
+            </a:r>
+            <a:r>
+              <a:rPr lang="fr-FR" b="1" dirty="0">
+                <a:solidFill>
+                  <a:srgbClr val="00B050"/>
+                </a:solidFill>
+              </a:rPr>
+              <a:t> </a:t>
             </a:r>
             <a:r>
               <a:rPr lang="fr-FR" dirty="0" err="1"/>
-              <a:t>will</a:t>
+              <a:t>using</a:t>
             </a:r>
             <a:r>
               <a:rPr lang="fr-FR" dirty="0"/>
               <a:t> </a:t>
             </a:r>
             <a:r>
+              <a:rPr lang="fr-FR" b="1" dirty="0">
+                <a:solidFill>
+                  <a:srgbClr val="FFC000"/>
+                </a:solidFill>
+              </a:rPr>
+              <a:t>an expert </a:t>
+            </a:r>
+            <a:r>
+              <a:rPr lang="fr-FR" dirty="0"/>
+              <a:t>to </a:t>
+            </a:r>
+            <a:r>
               <a:rPr lang="fr-FR" dirty="0" err="1"/>
-              <a:t>learn</a:t>
+              <a:t>make</a:t>
             </a:r>
             <a:r>
               <a:rPr lang="fr-FR" dirty="0"/>
+              <a:t> a</a:t>
+            </a:r>
+            <a:r>
+              <a:rPr lang="fr-FR" b="1" dirty="0">
+                <a:solidFill>
+                  <a:srgbClr val="FFC000"/>
+                </a:solidFill>
+              </a:rPr>
               <a:t> </a:t>
             </a:r>
             <a:r>
-              <a:rPr lang="fr-FR" dirty="0" err="1"/>
-              <a:t>better</a:t>
-            </a:r>
-            <a:r>
-              <a:rPr lang="fr-FR" dirty="0"/>
-              <a:t> </a:t>
-            </a:r>
-            <a:r>
-              <a:rPr lang="fr-FR" dirty="0" err="1"/>
-              <a:t>policy</a:t>
-            </a:r>
-            <a:r>
-              <a:rPr lang="fr-FR" dirty="0"/>
-              <a:t> </a:t>
-            </a:r>
-            <a:r>
-              <a:rPr lang="fr-FR" dirty="0" err="1"/>
-              <a:t>using</a:t>
-            </a:r>
-            <a:r>
-              <a:rPr lang="fr-FR" dirty="0"/>
-              <a:t> Human </a:t>
-            </a:r>
-            <a:r>
-              <a:rPr lang="fr-FR" dirty="0" err="1"/>
+              <a:rPr lang="fr-FR" b="1" dirty="0" err="1">
+                <a:solidFill>
+                  <a:schemeClr val="accent2">
+                    <a:lumMod val="75000"/>
+                  </a:schemeClr>
+                </a:solidFill>
+              </a:rPr>
               <a:t>decision</a:t>
             </a:r>
             <a:r>
@@ -15609,6 +15683,18 @@
           <a:prstGeom prst="rect">
             <a:avLst/>
           </a:prstGeom>
+          <a:solidFill>
+            <a:schemeClr val="tx2">
+              <a:lumMod val="75000"/>
+            </a:schemeClr>
+          </a:solidFill>
+          <a:ln>
+            <a:solidFill>
+              <a:schemeClr val="tx2">
+                <a:lumMod val="50000"/>
+              </a:schemeClr>
+            </a:solidFill>
+          </a:ln>
         </p:spPr>
         <p:style>
           <a:lnRef idx="2">
@@ -15632,10 +15718,18 @@
           <a:p>
             <a:pPr algn="ctr"/>
             <a:r>
-              <a:rPr lang="fr-FR" dirty="0"/>
+              <a:rPr lang="fr-FR" b="1" dirty="0">
+                <a:solidFill>
+                  <a:srgbClr val="00B050"/>
+                </a:solidFill>
+              </a:rPr>
               <a:t>Training</a:t>
             </a:r>
-            <a:endParaRPr lang="en-GB" dirty="0"/>
+            <a:endParaRPr lang="en-GB" b="1" dirty="0">
+              <a:solidFill>
+                <a:srgbClr val="00B050"/>
+              </a:solidFill>
+            </a:endParaRPr>
           </a:p>
         </p:txBody>
       </p:sp>
@@ -15659,6 +15753,18 @@
           <a:prstGeom prst="rect">
             <a:avLst/>
           </a:prstGeom>
+          <a:solidFill>
+            <a:schemeClr val="tx2">
+              <a:lumMod val="75000"/>
+            </a:schemeClr>
+          </a:solidFill>
+          <a:ln>
+            <a:solidFill>
+              <a:schemeClr val="tx2">
+                <a:lumMod val="50000"/>
+              </a:schemeClr>
+            </a:solidFill>
+          </a:ln>
         </p:spPr>
         <p:style>
           <a:lnRef idx="2">
@@ -15682,10 +15788,22 @@
           <a:p>
             <a:pPr algn="ctr"/>
             <a:r>
-              <a:rPr lang="fr-FR" dirty="0" err="1"/>
+              <a:rPr lang="fr-FR" b="1" dirty="0" err="1">
+                <a:solidFill>
+                  <a:schemeClr val="accent2">
+                    <a:lumMod val="75000"/>
+                  </a:schemeClr>
+                </a:solidFill>
+              </a:rPr>
               <a:t>Decision</a:t>
             </a:r>
-            <a:endParaRPr lang="en-GB" dirty="0"/>
+            <a:endParaRPr lang="en-GB" b="1" dirty="0">
+              <a:solidFill>
+                <a:schemeClr val="accent2">
+                  <a:lumMod val="75000"/>
+                </a:schemeClr>
+              </a:solidFill>
+            </a:endParaRPr>
           </a:p>
         </p:txBody>
       </p:sp>
@@ -15709,6 +15827,18 @@
           <a:prstGeom prst="rect">
             <a:avLst/>
           </a:prstGeom>
+          <a:solidFill>
+            <a:schemeClr val="tx2">
+              <a:lumMod val="75000"/>
+            </a:schemeClr>
+          </a:solidFill>
+          <a:ln>
+            <a:solidFill>
+              <a:schemeClr val="tx2">
+                <a:lumMod val="50000"/>
+              </a:schemeClr>
+            </a:solidFill>
+          </a:ln>
         </p:spPr>
         <p:style>
           <a:lnRef idx="2">
@@ -15732,10 +15862,18 @@
           <a:p>
             <a:pPr algn="ctr"/>
             <a:r>
-              <a:rPr lang="fr-FR" dirty="0"/>
+              <a:rPr lang="fr-FR" b="1" dirty="0">
+                <a:solidFill>
+                  <a:srgbClr val="FFC000"/>
+                </a:solidFill>
+              </a:rPr>
               <a:t>Expert</a:t>
             </a:r>
-            <a:endParaRPr lang="en-GB" dirty="0"/>
+            <a:endParaRPr lang="en-GB" b="1" dirty="0">
+              <a:solidFill>
+                <a:srgbClr val="FFC000"/>
+              </a:solidFill>
+            </a:endParaRPr>
           </a:p>
         </p:txBody>
       </p:sp>

--- a/SAI_presentation.pptx
+++ b/SAI_presentation.pptx
@@ -15821,7 +15821,7 @@
         </p:nvSpPr>
         <p:spPr>
           <a:xfrm>
-            <a:off x="2521262" y="2842992"/>
+            <a:off x="4004573" y="2771815"/>
             <a:ext cx="1882066" cy="807868"/>
           </a:xfrm>
           <a:prstGeom prst="rect">
@@ -15877,6 +15877,101 @@
           </a:p>
         </p:txBody>
       </p:sp>
+      <p:cxnSp>
+        <p:nvCxnSpPr>
+          <p:cNvPr id="7" name="Connecteur droit avec flèche 6">
+            <a:extLst>
+              <a:ext uri="{FF2B5EF4-FFF2-40B4-BE49-F238E27FC236}">
+                <a16:creationId xmlns:a16="http://schemas.microsoft.com/office/drawing/2014/main" id="{050A1325-F3BB-47A4-9B6C-7EBAFC746D3E}"/>
+              </a:ext>
+            </a:extLst>
+          </p:cNvPr>
+          <p:cNvCxnSpPr>
+            <a:cxnSpLocks/>
+            <a:endCxn id="5" idx="1"/>
+          </p:cNvCxnSpPr>
+          <p:nvPr/>
+        </p:nvCxnSpPr>
+        <p:spPr>
+          <a:xfrm>
+            <a:off x="4483223" y="4383107"/>
+            <a:ext cx="1004661" cy="0"/>
+          </a:xfrm>
+          <a:prstGeom prst="straightConnector1">
+            <a:avLst/>
+          </a:prstGeom>
+          <a:ln w="76200">
+            <a:solidFill>
+              <a:schemeClr val="accent1">
+                <a:lumMod val="50000"/>
+                <a:alpha val="60000"/>
+              </a:schemeClr>
+            </a:solidFill>
+            <a:tailEnd type="triangle"/>
+          </a:ln>
+        </p:spPr>
+        <p:style>
+          <a:lnRef idx="1">
+            <a:schemeClr val="accent1"/>
+          </a:lnRef>
+          <a:fillRef idx="0">
+            <a:schemeClr val="accent1"/>
+          </a:fillRef>
+          <a:effectRef idx="0">
+            <a:schemeClr val="accent1"/>
+          </a:effectRef>
+          <a:fontRef idx="minor">
+            <a:schemeClr val="tx1"/>
+          </a:fontRef>
+        </p:style>
+      </p:cxnSp>
+      <p:cxnSp>
+        <p:nvCxnSpPr>
+          <p:cNvPr id="12" name="Connecteur droit avec flèche 11">
+            <a:extLst>
+              <a:ext uri="{FF2B5EF4-FFF2-40B4-BE49-F238E27FC236}">
+                <a16:creationId xmlns:a16="http://schemas.microsoft.com/office/drawing/2014/main" id="{6BB9BBF3-45E0-4229-BB34-DEBEF07CBB5B}"/>
+              </a:ext>
+            </a:extLst>
+          </p:cNvPr>
+          <p:cNvCxnSpPr>
+            <a:cxnSpLocks/>
+          </p:cNvCxnSpPr>
+          <p:nvPr/>
+        </p:nvCxnSpPr>
+        <p:spPr>
+          <a:xfrm>
+            <a:off x="4985553" y="3657600"/>
+            <a:ext cx="0" cy="579600"/>
+          </a:xfrm>
+          <a:prstGeom prst="straightConnector1">
+            <a:avLst/>
+          </a:prstGeom>
+          <a:ln w="76200">
+            <a:solidFill>
+              <a:schemeClr val="accent1">
+                <a:lumMod val="50000"/>
+                <a:alpha val="60000"/>
+              </a:schemeClr>
+            </a:solidFill>
+            <a:tailEnd type="triangle"/>
+          </a:ln>
+        </p:spPr>
+        <p:style>
+          <a:lnRef idx="1">
+            <a:schemeClr val="accent1"/>
+          </a:lnRef>
+          <a:fillRef idx="0">
+            <a:schemeClr val="accent1"/>
+          </a:fillRef>
+          <a:effectRef idx="0">
+            <a:schemeClr val="accent1"/>
+          </a:effectRef>
+          <a:fontRef idx="minor">
+            <a:schemeClr val="tx1"/>
+          </a:fontRef>
+        </p:style>
+      </p:cxnSp>
     </p:spTree>
     <p:extLst>
       <p:ext uri="{BB962C8B-B14F-4D97-AF65-F5344CB8AC3E}">

--- a/SAI_presentation.pptx
+++ b/SAI_presentation.pptx
@@ -11,13 +11,14 @@
     <p:sldId id="267" r:id="rId5"/>
     <p:sldId id="268" r:id="rId6"/>
     <p:sldId id="258" r:id="rId7"/>
-    <p:sldId id="259" r:id="rId8"/>
-    <p:sldId id="260" r:id="rId9"/>
-    <p:sldId id="261" r:id="rId10"/>
-    <p:sldId id="265" r:id="rId11"/>
-    <p:sldId id="262" r:id="rId12"/>
-    <p:sldId id="264" r:id="rId13"/>
-    <p:sldId id="263" r:id="rId14"/>
+    <p:sldId id="269" r:id="rId8"/>
+    <p:sldId id="259" r:id="rId9"/>
+    <p:sldId id="260" r:id="rId10"/>
+    <p:sldId id="261" r:id="rId11"/>
+    <p:sldId id="265" r:id="rId12"/>
+    <p:sldId id="262" r:id="rId13"/>
+    <p:sldId id="264" r:id="rId14"/>
+    <p:sldId id="263" r:id="rId15"/>
   </p:sldIdLst>
   <p:sldSz cx="12192000" cy="6858000"/>
   <p:notesSz cx="6858000" cy="9144000"/>
@@ -6740,7 +6741,7 @@
             <a:fld id="{B61BEF0D-F0BB-DE4B-95CE-6DB70DBA9567}" type="datetimeFigureOut">
               <a:rPr lang="en-US" dirty="0"/>
               <a:pPr/>
-              <a:t>3/6/2020</a:t>
+              <a:t>3/7/2020</a:t>
             </a:fld>
             <a:endParaRPr lang="en-US" dirty="0"/>
           </a:p>
@@ -7173,7 +7174,7 @@
             <a:fld id="{B61BEF0D-F0BB-DE4B-95CE-6DB70DBA9567}" type="datetimeFigureOut">
               <a:rPr lang="en-US" dirty="0"/>
               <a:pPr/>
-              <a:t>3/6/2020</a:t>
+              <a:t>3/7/2020</a:t>
             </a:fld>
             <a:endParaRPr lang="en-US" dirty="0"/>
           </a:p>
@@ -7420,7 +7421,7 @@
             <a:fld id="{B61BEF0D-F0BB-DE4B-95CE-6DB70DBA9567}" type="datetimeFigureOut">
               <a:rPr lang="en-US" dirty="0"/>
               <a:pPr/>
-              <a:t>3/6/2020</a:t>
+              <a:t>3/7/2020</a:t>
             </a:fld>
             <a:endParaRPr lang="en-US" dirty="0"/>
           </a:p>
@@ -7725,7 +7726,7 @@
             <a:fld id="{B61BEF0D-F0BB-DE4B-95CE-6DB70DBA9567}" type="datetimeFigureOut">
               <a:rPr lang="en-US" dirty="0"/>
               <a:pPr/>
-              <a:t>3/6/2020</a:t>
+              <a:t>3/7/2020</a:t>
             </a:fld>
             <a:endParaRPr lang="en-US" dirty="0"/>
           </a:p>
@@ -8040,7 +8041,7 @@
             <a:fld id="{B61BEF0D-F0BB-DE4B-95CE-6DB70DBA9567}" type="datetimeFigureOut">
               <a:rPr lang="en-US" dirty="0"/>
               <a:pPr/>
-              <a:t>3/6/2020</a:t>
+              <a:t>3/7/2020</a:t>
             </a:fld>
             <a:endParaRPr lang="en-US" dirty="0"/>
           </a:p>
@@ -8339,7 +8340,7 @@
             <a:fld id="{B61BEF0D-F0BB-DE4B-95CE-6DB70DBA9567}" type="datetimeFigureOut">
               <a:rPr lang="en-US" dirty="0"/>
               <a:pPr/>
-              <a:t>3/6/2020</a:t>
+              <a:t>3/7/2020</a:t>
             </a:fld>
             <a:endParaRPr lang="en-US" dirty="0"/>
           </a:p>
@@ -8703,7 +8704,7 @@
             <a:fld id="{B61BEF0D-F0BB-DE4B-95CE-6DB70DBA9567}" type="datetimeFigureOut">
               <a:rPr lang="en-US" dirty="0"/>
               <a:pPr/>
-              <a:t>3/6/2020</a:t>
+              <a:t>3/7/2020</a:t>
             </a:fld>
             <a:endParaRPr lang="en-US" dirty="0"/>
           </a:p>
@@ -8874,7 +8875,7 @@
             <a:fld id="{B61BEF0D-F0BB-DE4B-95CE-6DB70DBA9567}" type="datetimeFigureOut">
               <a:rPr lang="en-US" dirty="0"/>
               <a:pPr/>
-              <a:t>3/6/2020</a:t>
+              <a:t>3/7/2020</a:t>
             </a:fld>
             <a:endParaRPr lang="en-US" dirty="0"/>
           </a:p>
@@ -9051,7 +9052,7 @@
             <a:fld id="{B61BEF0D-F0BB-DE4B-95CE-6DB70DBA9567}" type="datetimeFigureOut">
               <a:rPr lang="en-US" dirty="0"/>
               <a:pPr/>
-              <a:t>3/6/2020</a:t>
+              <a:t>3/7/2020</a:t>
             </a:fld>
             <a:endParaRPr lang="en-US" dirty="0"/>
           </a:p>
@@ -9218,7 +9219,7 @@
             <a:fld id="{B61BEF0D-F0BB-DE4B-95CE-6DB70DBA9567}" type="datetimeFigureOut">
               <a:rPr lang="en-US" dirty="0"/>
               <a:pPr/>
-              <a:t>3/6/2020</a:t>
+              <a:t>3/7/2020</a:t>
             </a:fld>
             <a:endParaRPr lang="en-US" dirty="0"/>
           </a:p>
@@ -9465,7 +9466,7 @@
             <a:fld id="{B61BEF0D-F0BB-DE4B-95CE-6DB70DBA9567}" type="datetimeFigureOut">
               <a:rPr lang="en-US" dirty="0"/>
               <a:pPr/>
-              <a:t>3/6/2020</a:t>
+              <a:t>3/7/2020</a:t>
             </a:fld>
             <a:endParaRPr lang="en-US" dirty="0"/>
           </a:p>
@@ -9698,7 +9699,7 @@
             <a:fld id="{B61BEF0D-F0BB-DE4B-95CE-6DB70DBA9567}" type="datetimeFigureOut">
               <a:rPr lang="en-US" dirty="0"/>
               <a:pPr/>
-              <a:t>3/6/2020</a:t>
+              <a:t>3/7/2020</a:t>
             </a:fld>
             <a:endParaRPr lang="en-US" dirty="0"/>
           </a:p>
@@ -10077,7 +10078,7 @@
             <a:fld id="{B61BEF0D-F0BB-DE4B-95CE-6DB70DBA9567}" type="datetimeFigureOut">
               <a:rPr lang="en-US" dirty="0"/>
               <a:pPr/>
-              <a:t>3/6/2020</a:t>
+              <a:t>3/7/2020</a:t>
             </a:fld>
             <a:endParaRPr lang="en-US" dirty="0"/>
           </a:p>
@@ -10192,7 +10193,7 @@
             <a:fld id="{B61BEF0D-F0BB-DE4B-95CE-6DB70DBA9567}" type="datetimeFigureOut">
               <a:rPr lang="en-US" dirty="0"/>
               <a:pPr/>
-              <a:t>3/6/2020</a:t>
+              <a:t>3/7/2020</a:t>
             </a:fld>
             <a:endParaRPr lang="en-US" dirty="0"/>
           </a:p>
@@ -10284,7 +10285,7 @@
             <a:fld id="{B61BEF0D-F0BB-DE4B-95CE-6DB70DBA9567}" type="datetimeFigureOut">
               <a:rPr lang="en-US" dirty="0"/>
               <a:pPr/>
-              <a:t>3/6/2020</a:t>
+              <a:t>3/7/2020</a:t>
             </a:fld>
             <a:endParaRPr lang="en-US" dirty="0"/>
           </a:p>
@@ -10536,7 +10537,7 @@
             <a:fld id="{B61BEF0D-F0BB-DE4B-95CE-6DB70DBA9567}" type="datetimeFigureOut">
               <a:rPr lang="en-US" dirty="0"/>
               <a:pPr/>
-              <a:t>3/6/2020</a:t>
+              <a:t>3/7/2020</a:t>
             </a:fld>
             <a:endParaRPr lang="en-US" dirty="0"/>
           </a:p>
@@ -10816,7 +10817,7 @@
             <a:fld id="{B61BEF0D-F0BB-DE4B-95CE-6DB70DBA9567}" type="datetimeFigureOut">
               <a:rPr lang="en-US" dirty="0"/>
               <a:pPr/>
-              <a:t>3/6/2020</a:t>
+              <a:t>3/7/2020</a:t>
             </a:fld>
             <a:endParaRPr lang="en-US" dirty="0"/>
           </a:p>
@@ -11219,7 +11220,7 @@
             <a:fld id="{B61BEF0D-F0BB-DE4B-95CE-6DB70DBA9567}" type="datetimeFigureOut">
               <a:rPr lang="en-US" dirty="0"/>
               <a:pPr/>
-              <a:t>3/6/2020</a:t>
+              <a:t>3/7/2020</a:t>
             </a:fld>
             <a:endParaRPr lang="en-US" dirty="0"/>
           </a:p>
@@ -12019,6 +12020,128 @@
 <file path=ppt/slides/slide10.xml><?xml version="1.0" encoding="utf-8"?>
 <p:sld xmlns:a="http://schemas.openxmlformats.org/drawingml/2006/main" xmlns:r="http://schemas.openxmlformats.org/officeDocument/2006/relationships" xmlns:p="http://schemas.openxmlformats.org/presentationml/2006/main">
   <p:cSld>
+    <p:bg>
+      <p:bgPr>
+        <a:gradFill rotWithShape="1">
+          <a:gsLst>
+            <a:gs pos="10000">
+              <a:schemeClr val="bg2">
+                <a:tint val="97000"/>
+                <a:hueMod val="92000"/>
+                <a:satMod val="169000"/>
+                <a:lumMod val="164000"/>
+              </a:schemeClr>
+            </a:gs>
+            <a:gs pos="100000">
+              <a:schemeClr val="bg2">
+                <a:shade val="96000"/>
+                <a:satMod val="120000"/>
+                <a:lumMod val="90000"/>
+              </a:schemeClr>
+            </a:gs>
+          </a:gsLst>
+          <a:lin ang="6120000" scaled="1"/>
+        </a:gradFill>
+        <a:effectLst/>
+      </p:bgPr>
+    </p:bg>
+    <p:spTree>
+      <p:nvGrpSpPr>
+        <p:cNvPr id="1" name=""/>
+        <p:cNvGrpSpPr/>
+        <p:nvPr/>
+      </p:nvGrpSpPr>
+      <p:grpSpPr>
+        <a:xfrm>
+          <a:off x="0" y="0"/>
+          <a:ext cx="0" cy="0"/>
+          <a:chOff x="0" y="0"/>
+          <a:chExt cx="0" cy="0"/>
+        </a:xfrm>
+      </p:grpSpPr>
+      <p:sp>
+        <p:nvSpPr>
+          <p:cNvPr id="2" name="Titre 1">
+            <a:extLst>
+              <a:ext uri="{FF2B5EF4-FFF2-40B4-BE49-F238E27FC236}">
+                <a16:creationId xmlns:a16="http://schemas.microsoft.com/office/drawing/2014/main" id="{3CDB8273-45A0-4A0F-905C-063E41E279EE}"/>
+              </a:ext>
+            </a:extLst>
+          </p:cNvPr>
+          <p:cNvSpPr>
+            <a:spLocks noGrp="1"/>
+          </p:cNvSpPr>
+          <p:nvPr>
+            <p:ph type="title"/>
+          </p:nvPr>
+        </p:nvSpPr>
+        <p:spPr>
+          <a:xfrm>
+            <a:off x="684212" y="4487332"/>
+            <a:ext cx="8534400" cy="1507067"/>
+          </a:xfrm>
+        </p:spPr>
+        <p:txBody>
+          <a:bodyPr>
+            <a:normAutofit/>
+          </a:bodyPr>
+          <a:lstStyle/>
+          <a:p>
+            <a:r>
+              <a:rPr lang="fr-FR"/>
+              <a:t>Conclusion</a:t>
+            </a:r>
+            <a:endParaRPr lang="en-GB" dirty="0"/>
+          </a:p>
+        </p:txBody>
+      </p:sp>
+      <p:graphicFrame>
+        <p:nvGraphicFramePr>
+          <p:cNvPr id="5" name="Espace réservé du contenu 2">
+            <a:extLst>
+              <a:ext uri="{FF2B5EF4-FFF2-40B4-BE49-F238E27FC236}">
+                <a16:creationId xmlns:a16="http://schemas.microsoft.com/office/drawing/2014/main" id="{9A2F4FC4-8E3A-4880-8CC3-29FF61F63AB1}"/>
+              </a:ext>
+            </a:extLst>
+          </p:cNvPr>
+          <p:cNvGraphicFramePr>
+            <a:graphicFrameLocks noGrp="1"/>
+          </p:cNvGraphicFramePr>
+          <p:nvPr>
+            <p:ph idx="1"/>
+            <p:extLst>
+              <p:ext uri="{D42A27DB-BD31-4B8C-83A1-F6EECF244321}">
+                <p14:modId xmlns:p14="http://schemas.microsoft.com/office/powerpoint/2010/main" val="208525868"/>
+              </p:ext>
+            </p:extLst>
+          </p:nvPr>
+        </p:nvGraphicFramePr>
+        <p:xfrm>
+          <a:off x="684212" y="685800"/>
+          <a:ext cx="10820399" cy="3614738"/>
+        </p:xfrm>
+        <a:graphic>
+          <a:graphicData uri="http://schemas.openxmlformats.org/drawingml/2006/diagram">
+            <dgm:relIds xmlns:dgm="http://schemas.openxmlformats.org/drawingml/2006/diagram" xmlns:r="http://schemas.openxmlformats.org/officeDocument/2006/relationships" r:dm="rId2" r:lo="rId3" r:qs="rId4" r:cs="rId5"/>
+          </a:graphicData>
+        </a:graphic>
+      </p:graphicFrame>
+    </p:spTree>
+    <p:extLst>
+      <p:ext uri="{BB962C8B-B14F-4D97-AF65-F5344CB8AC3E}">
+        <p14:creationId xmlns:p14="http://schemas.microsoft.com/office/powerpoint/2010/main" val="2526747130"/>
+      </p:ext>
+    </p:extLst>
+  </p:cSld>
+  <p:clrMapOvr>
+    <a:masterClrMapping/>
+  </p:clrMapOvr>
+</p:sld>
+</file>
+
+<file path=ppt/slides/slide11.xml><?xml version="1.0" encoding="utf-8"?>
+<p:sld xmlns:a="http://schemas.openxmlformats.org/drawingml/2006/main" xmlns:r="http://schemas.openxmlformats.org/officeDocument/2006/relationships" xmlns:p="http://schemas.openxmlformats.org/presentationml/2006/main">
+  <p:cSld>
     <p:spTree>
       <p:nvGrpSpPr>
         <p:cNvPr id="1" name=""/>
@@ -12196,7 +12319,7 @@
 </p:sld>
 </file>
 
-<file path=ppt/slides/slide11.xml><?xml version="1.0" encoding="utf-8"?>
+<file path=ppt/slides/slide12.xml><?xml version="1.0" encoding="utf-8"?>
 <p:sld xmlns:a="http://schemas.openxmlformats.org/drawingml/2006/main" xmlns:r="http://schemas.openxmlformats.org/officeDocument/2006/relationships" xmlns:p="http://schemas.openxmlformats.org/presentationml/2006/main">
   <p:cSld>
     <p:spTree>
@@ -12949,7 +13072,7 @@
 </p:sld>
 </file>
 
-<file path=ppt/slides/slide12.xml><?xml version="1.0" encoding="utf-8"?>
+<file path=ppt/slides/slide13.xml><?xml version="1.0" encoding="utf-8"?>
 <p:sld xmlns:a="http://schemas.openxmlformats.org/drawingml/2006/main" xmlns:r="http://schemas.openxmlformats.org/officeDocument/2006/relationships" xmlns:p="http://schemas.openxmlformats.org/presentationml/2006/main">
   <p:cSld>
     <p:spTree>
@@ -13490,7 +13613,7 @@
 </p:sld>
 </file>
 
-<file path=ppt/slides/slide13.xml><?xml version="1.0" encoding="utf-8"?>
+<file path=ppt/slides/slide14.xml><?xml version="1.0" encoding="utf-8"?>
 <p:sld xmlns:a="http://schemas.openxmlformats.org/drawingml/2006/main" xmlns:r="http://schemas.openxmlformats.org/officeDocument/2006/relationships" xmlns:p="http://schemas.openxmlformats.org/presentationml/2006/main">
   <p:cSld>
     <p:spTree>
@@ -16290,6 +16413,136 @@
 <file path=ppt/slides/slide7.xml><?xml version="1.0" encoding="utf-8"?>
 <p:sld xmlns:a="http://schemas.openxmlformats.org/drawingml/2006/main" xmlns:r="http://schemas.openxmlformats.org/officeDocument/2006/relationships" xmlns:p="http://schemas.openxmlformats.org/presentationml/2006/main">
   <p:cSld>
+    <p:spTree>
+      <p:nvGrpSpPr>
+        <p:cNvPr id="1" name=""/>
+        <p:cNvGrpSpPr/>
+        <p:nvPr/>
+      </p:nvGrpSpPr>
+      <p:grpSpPr>
+        <a:xfrm>
+          <a:off x="0" y="0"/>
+          <a:ext cx="0" cy="0"/>
+          <a:chOff x="0" y="0"/>
+          <a:chExt cx="0" cy="0"/>
+        </a:xfrm>
+      </p:grpSpPr>
+      <p:sp>
+        <p:nvSpPr>
+          <p:cNvPr id="2" name="Titre 1">
+            <a:extLst>
+              <a:ext uri="{FF2B5EF4-FFF2-40B4-BE49-F238E27FC236}">
+                <a16:creationId xmlns:a16="http://schemas.microsoft.com/office/drawing/2014/main" id="{3EF1CC8A-0E88-49C8-A8F5-3DF150718C98}"/>
+              </a:ext>
+            </a:extLst>
+          </p:cNvPr>
+          <p:cNvSpPr>
+            <a:spLocks noGrp="1"/>
+          </p:cNvSpPr>
+          <p:nvPr>
+            <p:ph type="title"/>
+          </p:nvPr>
+        </p:nvSpPr>
+        <p:spPr/>
+        <p:txBody>
+          <a:bodyPr/>
+          <a:lstStyle/>
+          <a:p>
+            <a:r>
+              <a:rPr lang="fr-FR" dirty="0"/>
+              <a:t>Hard to </a:t>
+            </a:r>
+            <a:r>
+              <a:rPr lang="fr-FR" dirty="0" err="1"/>
+              <a:t>deploy</a:t>
+            </a:r>
+            <a:endParaRPr lang="en-GB" dirty="0"/>
+          </a:p>
+        </p:txBody>
+      </p:sp>
+      <p:sp>
+        <p:nvSpPr>
+          <p:cNvPr id="3" name="Espace réservé du contenu 2">
+            <a:extLst>
+              <a:ext uri="{FF2B5EF4-FFF2-40B4-BE49-F238E27FC236}">
+                <a16:creationId xmlns:a16="http://schemas.microsoft.com/office/drawing/2014/main" id="{A715B977-D044-4124-B0FA-225274B6F4B7}"/>
+              </a:ext>
+            </a:extLst>
+          </p:cNvPr>
+          <p:cNvSpPr>
+            <a:spLocks noGrp="1"/>
+          </p:cNvSpPr>
+          <p:nvPr>
+            <p:ph idx="1"/>
+          </p:nvPr>
+        </p:nvSpPr>
+        <p:spPr/>
+        <p:txBody>
+          <a:bodyPr/>
+          <a:lstStyle/>
+          <a:p>
+            <a:r>
+              <a:rPr lang="fr-FR" dirty="0"/>
+              <a:t>Need to test </a:t>
+            </a:r>
+            <a:r>
+              <a:rPr lang="fr-FR" dirty="0" err="1"/>
+              <a:t>mic</a:t>
+            </a:r>
+            <a:r>
+              <a:rPr lang="fr-FR" dirty="0"/>
+              <a:t> and </a:t>
+            </a:r>
+            <a:r>
+              <a:rPr lang="fr-FR" dirty="0" err="1"/>
+              <a:t>screenshot</a:t>
+            </a:r>
+            <a:r>
+              <a:rPr lang="fr-FR" dirty="0"/>
+              <a:t> in </a:t>
+            </a:r>
+            <a:r>
+              <a:rPr lang="fr-FR" dirty="0" err="1"/>
+              <a:t>every</a:t>
+            </a:r>
+            <a:r>
+              <a:rPr lang="fr-FR" dirty="0"/>
+              <a:t> support</a:t>
+            </a:r>
+          </a:p>
+          <a:p>
+            <a:r>
+              <a:rPr lang="fr-FR" dirty="0" err="1"/>
+              <a:t>Schema</a:t>
+            </a:r>
+            <a:r>
+              <a:rPr lang="fr-FR" dirty="0"/>
+              <a:t> to </a:t>
+            </a:r>
+            <a:r>
+              <a:rPr lang="fr-FR"/>
+              <a:t>understand </a:t>
+            </a:r>
+            <a:endParaRPr lang="en-GB" dirty="0"/>
+          </a:p>
+        </p:txBody>
+      </p:sp>
+    </p:spTree>
+    <p:extLst>
+      <p:ext uri="{BB962C8B-B14F-4D97-AF65-F5344CB8AC3E}">
+        <p14:creationId xmlns:p14="http://schemas.microsoft.com/office/powerpoint/2010/main" val="2219832683"/>
+      </p:ext>
+    </p:extLst>
+  </p:cSld>
+  <p:clrMapOvr>
+    <a:masterClrMapping/>
+  </p:clrMapOvr>
+</p:sld>
+</file>
+
+<file path=ppt/slides/slide8.xml><?xml version="1.0" encoding="utf-8"?>
+<p:sld xmlns:a="http://schemas.openxmlformats.org/drawingml/2006/main" xmlns:r="http://schemas.openxmlformats.org/officeDocument/2006/relationships" xmlns:p="http://schemas.openxmlformats.org/presentationml/2006/main">
+  <p:cSld>
     <p:bg>
       <p:bgPr>
         <a:gradFill rotWithShape="1">
@@ -16584,7 +16837,7 @@
 </p:sld>
 </file>
 
-<file path=ppt/slides/slide8.xml><?xml version="1.0" encoding="utf-8"?>
+<file path=ppt/slides/slide9.xml><?xml version="1.0" encoding="utf-8"?>
 <p:sld xmlns:a="http://schemas.openxmlformats.org/drawingml/2006/main" xmlns:r="http://schemas.openxmlformats.org/officeDocument/2006/relationships" xmlns:p="http://schemas.openxmlformats.org/presentationml/2006/main">
   <p:cSld>
     <p:spTree>
@@ -16669,128 +16922,6 @@
     <p:extLst>
       <p:ext uri="{BB962C8B-B14F-4D97-AF65-F5344CB8AC3E}">
         <p14:creationId xmlns:p14="http://schemas.microsoft.com/office/powerpoint/2010/main" val="770528979"/>
-      </p:ext>
-    </p:extLst>
-  </p:cSld>
-  <p:clrMapOvr>
-    <a:masterClrMapping/>
-  </p:clrMapOvr>
-</p:sld>
-</file>
-
-<file path=ppt/slides/slide9.xml><?xml version="1.0" encoding="utf-8"?>
-<p:sld xmlns:a="http://schemas.openxmlformats.org/drawingml/2006/main" xmlns:r="http://schemas.openxmlformats.org/officeDocument/2006/relationships" xmlns:p="http://schemas.openxmlformats.org/presentationml/2006/main">
-  <p:cSld>
-    <p:bg>
-      <p:bgPr>
-        <a:gradFill rotWithShape="1">
-          <a:gsLst>
-            <a:gs pos="10000">
-              <a:schemeClr val="bg2">
-                <a:tint val="97000"/>
-                <a:hueMod val="92000"/>
-                <a:satMod val="169000"/>
-                <a:lumMod val="164000"/>
-              </a:schemeClr>
-            </a:gs>
-            <a:gs pos="100000">
-              <a:schemeClr val="bg2">
-                <a:shade val="96000"/>
-                <a:satMod val="120000"/>
-                <a:lumMod val="90000"/>
-              </a:schemeClr>
-            </a:gs>
-          </a:gsLst>
-          <a:lin ang="6120000" scaled="1"/>
-        </a:gradFill>
-        <a:effectLst/>
-      </p:bgPr>
-    </p:bg>
-    <p:spTree>
-      <p:nvGrpSpPr>
-        <p:cNvPr id="1" name=""/>
-        <p:cNvGrpSpPr/>
-        <p:nvPr/>
-      </p:nvGrpSpPr>
-      <p:grpSpPr>
-        <a:xfrm>
-          <a:off x="0" y="0"/>
-          <a:ext cx="0" cy="0"/>
-          <a:chOff x="0" y="0"/>
-          <a:chExt cx="0" cy="0"/>
-        </a:xfrm>
-      </p:grpSpPr>
-      <p:sp>
-        <p:nvSpPr>
-          <p:cNvPr id="2" name="Titre 1">
-            <a:extLst>
-              <a:ext uri="{FF2B5EF4-FFF2-40B4-BE49-F238E27FC236}">
-                <a16:creationId xmlns:a16="http://schemas.microsoft.com/office/drawing/2014/main" id="{3CDB8273-45A0-4A0F-905C-063E41E279EE}"/>
-              </a:ext>
-            </a:extLst>
-          </p:cNvPr>
-          <p:cNvSpPr>
-            <a:spLocks noGrp="1"/>
-          </p:cNvSpPr>
-          <p:nvPr>
-            <p:ph type="title"/>
-          </p:nvPr>
-        </p:nvSpPr>
-        <p:spPr>
-          <a:xfrm>
-            <a:off x="684212" y="4487332"/>
-            <a:ext cx="8534400" cy="1507067"/>
-          </a:xfrm>
-        </p:spPr>
-        <p:txBody>
-          <a:bodyPr>
-            <a:normAutofit/>
-          </a:bodyPr>
-          <a:lstStyle/>
-          <a:p>
-            <a:r>
-              <a:rPr lang="fr-FR"/>
-              <a:t>Conclusion</a:t>
-            </a:r>
-            <a:endParaRPr lang="en-GB" dirty="0"/>
-          </a:p>
-        </p:txBody>
-      </p:sp>
-      <p:graphicFrame>
-        <p:nvGraphicFramePr>
-          <p:cNvPr id="5" name="Espace réservé du contenu 2">
-            <a:extLst>
-              <a:ext uri="{FF2B5EF4-FFF2-40B4-BE49-F238E27FC236}">
-                <a16:creationId xmlns:a16="http://schemas.microsoft.com/office/drawing/2014/main" id="{9A2F4FC4-8E3A-4880-8CC3-29FF61F63AB1}"/>
-              </a:ext>
-            </a:extLst>
-          </p:cNvPr>
-          <p:cNvGraphicFramePr>
-            <a:graphicFrameLocks noGrp="1"/>
-          </p:cNvGraphicFramePr>
-          <p:nvPr>
-            <p:ph idx="1"/>
-            <p:extLst>
-              <p:ext uri="{D42A27DB-BD31-4B8C-83A1-F6EECF244321}">
-                <p14:modId xmlns:p14="http://schemas.microsoft.com/office/powerpoint/2010/main" val="208525868"/>
-              </p:ext>
-            </p:extLst>
-          </p:nvPr>
-        </p:nvGraphicFramePr>
-        <p:xfrm>
-          <a:off x="684212" y="685800"/>
-          <a:ext cx="10820399" cy="3614738"/>
-        </p:xfrm>
-        <a:graphic>
-          <a:graphicData uri="http://schemas.openxmlformats.org/drawingml/2006/diagram">
-            <dgm:relIds xmlns:dgm="http://schemas.openxmlformats.org/drawingml/2006/diagram" xmlns:r="http://schemas.openxmlformats.org/officeDocument/2006/relationships" r:dm="rId2" r:lo="rId3" r:qs="rId4" r:cs="rId5"/>
-          </a:graphicData>
-        </a:graphic>
-      </p:graphicFrame>
-    </p:spTree>
-    <p:extLst>
-      <p:ext uri="{BB962C8B-B14F-4D97-AF65-F5344CB8AC3E}">
-        <p14:creationId xmlns:p14="http://schemas.microsoft.com/office/powerpoint/2010/main" val="2526747130"/>
       </p:ext>
     </p:extLst>
   </p:cSld>

--- a/SAI_presentation.pptx
+++ b/SAI_presentation.pptx
@@ -12,13 +12,14 @@
     <p:sldId id="268" r:id="rId6"/>
     <p:sldId id="258" r:id="rId7"/>
     <p:sldId id="269" r:id="rId8"/>
-    <p:sldId id="259" r:id="rId9"/>
-    <p:sldId id="260" r:id="rId10"/>
-    <p:sldId id="261" r:id="rId11"/>
-    <p:sldId id="265" r:id="rId12"/>
-    <p:sldId id="262" r:id="rId13"/>
-    <p:sldId id="264" r:id="rId14"/>
-    <p:sldId id="263" r:id="rId15"/>
+    <p:sldId id="270" r:id="rId9"/>
+    <p:sldId id="259" r:id="rId10"/>
+    <p:sldId id="260" r:id="rId11"/>
+    <p:sldId id="261" r:id="rId12"/>
+    <p:sldId id="265" r:id="rId13"/>
+    <p:sldId id="262" r:id="rId14"/>
+    <p:sldId id="264" r:id="rId15"/>
+    <p:sldId id="263" r:id="rId16"/>
   </p:sldIdLst>
   <p:sldSz cx="12192000" cy="6858000"/>
   <p:notesSz cx="6858000" cy="9144000"/>
@@ -12020,6 +12021,100 @@
 <file path=ppt/slides/slide10.xml><?xml version="1.0" encoding="utf-8"?>
 <p:sld xmlns:a="http://schemas.openxmlformats.org/drawingml/2006/main" xmlns:r="http://schemas.openxmlformats.org/officeDocument/2006/relationships" xmlns:p="http://schemas.openxmlformats.org/presentationml/2006/main">
   <p:cSld>
+    <p:spTree>
+      <p:nvGrpSpPr>
+        <p:cNvPr id="1" name=""/>
+        <p:cNvGrpSpPr/>
+        <p:nvPr/>
+      </p:nvGrpSpPr>
+      <p:grpSpPr>
+        <a:xfrm>
+          <a:off x="0" y="0"/>
+          <a:ext cx="0" cy="0"/>
+          <a:chOff x="0" y="0"/>
+          <a:chExt cx="0" cy="0"/>
+        </a:xfrm>
+      </p:grpSpPr>
+      <p:sp>
+        <p:nvSpPr>
+          <p:cNvPr id="2" name="Titre 1">
+            <a:extLst>
+              <a:ext uri="{FF2B5EF4-FFF2-40B4-BE49-F238E27FC236}">
+                <a16:creationId xmlns:a16="http://schemas.microsoft.com/office/drawing/2014/main" id="{643ACCC2-1572-47D7-9E8E-170E100F9348}"/>
+              </a:ext>
+            </a:extLst>
+          </p:cNvPr>
+          <p:cNvSpPr>
+            <a:spLocks noGrp="1"/>
+          </p:cNvSpPr>
+          <p:nvPr>
+            <p:ph type="title"/>
+          </p:nvPr>
+        </p:nvSpPr>
+        <p:spPr/>
+        <p:txBody>
+          <a:bodyPr/>
+          <a:lstStyle/>
+          <a:p>
+            <a:r>
+              <a:rPr lang="fr-FR" dirty="0" err="1"/>
+              <a:t>Result</a:t>
+            </a:r>
+            <a:endParaRPr lang="en-GB" dirty="0"/>
+          </a:p>
+        </p:txBody>
+      </p:sp>
+      <p:sp>
+        <p:nvSpPr>
+          <p:cNvPr id="3" name="Espace réservé du contenu 2">
+            <a:extLst>
+              <a:ext uri="{FF2B5EF4-FFF2-40B4-BE49-F238E27FC236}">
+                <a16:creationId xmlns:a16="http://schemas.microsoft.com/office/drawing/2014/main" id="{7528B972-5B40-4B83-A687-4553853739D3}"/>
+              </a:ext>
+            </a:extLst>
+          </p:cNvPr>
+          <p:cNvSpPr>
+            <a:spLocks noGrp="1"/>
+          </p:cNvSpPr>
+          <p:nvPr>
+            <p:ph idx="1"/>
+          </p:nvPr>
+        </p:nvSpPr>
+        <p:spPr/>
+        <p:txBody>
+          <a:bodyPr/>
+          <a:lstStyle/>
+          <a:p>
+            <a:r>
+              <a:rPr lang="fr-FR"/>
+              <a:t>Show a graph with the strategies learn with a little picture</a:t>
+            </a:r>
+          </a:p>
+          <a:p>
+            <a:r>
+              <a:rPr lang="fr-FR"/>
+              <a:t>Show the web interface to choose strategies</a:t>
+            </a:r>
+            <a:endParaRPr lang="en-GB"/>
+          </a:p>
+        </p:txBody>
+      </p:sp>
+    </p:spTree>
+    <p:extLst>
+      <p:ext uri="{BB962C8B-B14F-4D97-AF65-F5344CB8AC3E}">
+        <p14:creationId xmlns:p14="http://schemas.microsoft.com/office/powerpoint/2010/main" val="770528979"/>
+      </p:ext>
+    </p:extLst>
+  </p:cSld>
+  <p:clrMapOvr>
+    <a:masterClrMapping/>
+  </p:clrMapOvr>
+</p:sld>
+</file>
+
+<file path=ppt/slides/slide11.xml><?xml version="1.0" encoding="utf-8"?>
+<p:sld xmlns:a="http://schemas.openxmlformats.org/drawingml/2006/main" xmlns:r="http://schemas.openxmlformats.org/officeDocument/2006/relationships" xmlns:p="http://schemas.openxmlformats.org/presentationml/2006/main">
+  <p:cSld>
     <p:bg>
       <p:bgPr>
         <a:gradFill rotWithShape="1">
@@ -12139,7 +12234,7 @@
 </p:sld>
 </file>
 
-<file path=ppt/slides/slide11.xml><?xml version="1.0" encoding="utf-8"?>
+<file path=ppt/slides/slide12.xml><?xml version="1.0" encoding="utf-8"?>
 <p:sld xmlns:a="http://schemas.openxmlformats.org/drawingml/2006/main" xmlns:r="http://schemas.openxmlformats.org/officeDocument/2006/relationships" xmlns:p="http://schemas.openxmlformats.org/presentationml/2006/main">
   <p:cSld>
     <p:spTree>
@@ -12319,7 +12414,7 @@
 </p:sld>
 </file>
 
-<file path=ppt/slides/slide12.xml><?xml version="1.0" encoding="utf-8"?>
+<file path=ppt/slides/slide13.xml><?xml version="1.0" encoding="utf-8"?>
 <p:sld xmlns:a="http://schemas.openxmlformats.org/drawingml/2006/main" xmlns:r="http://schemas.openxmlformats.org/officeDocument/2006/relationships" xmlns:p="http://schemas.openxmlformats.org/presentationml/2006/main">
   <p:cSld>
     <p:spTree>
@@ -13072,7 +13167,7 @@
 </p:sld>
 </file>
 
-<file path=ppt/slides/slide13.xml><?xml version="1.0" encoding="utf-8"?>
+<file path=ppt/slides/slide14.xml><?xml version="1.0" encoding="utf-8"?>
 <p:sld xmlns:a="http://schemas.openxmlformats.org/drawingml/2006/main" xmlns:r="http://schemas.openxmlformats.org/officeDocument/2006/relationships" xmlns:p="http://schemas.openxmlformats.org/presentationml/2006/main">
   <p:cSld>
     <p:spTree>
@@ -13613,7 +13708,7 @@
 </p:sld>
 </file>
 
-<file path=ppt/slides/slide14.xml><?xml version="1.0" encoding="utf-8"?>
+<file path=ppt/slides/slide15.xml><?xml version="1.0" encoding="utf-8"?>
 <p:sld xmlns:a="http://schemas.openxmlformats.org/drawingml/2006/main" xmlns:r="http://schemas.openxmlformats.org/officeDocument/2006/relationships" xmlns:p="http://schemas.openxmlformats.org/presentationml/2006/main">
   <p:cSld>
     <p:spTree>
@@ -16543,6 +16638,162 @@
 <file path=ppt/slides/slide8.xml><?xml version="1.0" encoding="utf-8"?>
 <p:sld xmlns:a="http://schemas.openxmlformats.org/drawingml/2006/main" xmlns:r="http://schemas.openxmlformats.org/officeDocument/2006/relationships" xmlns:p="http://schemas.openxmlformats.org/presentationml/2006/main">
   <p:cSld>
+    <p:spTree>
+      <p:nvGrpSpPr>
+        <p:cNvPr id="1" name=""/>
+        <p:cNvGrpSpPr/>
+        <p:nvPr/>
+      </p:nvGrpSpPr>
+      <p:grpSpPr>
+        <a:xfrm>
+          <a:off x="0" y="0"/>
+          <a:ext cx="0" cy="0"/>
+          <a:chOff x="0" y="0"/>
+          <a:chExt cx="0" cy="0"/>
+        </a:xfrm>
+      </p:grpSpPr>
+      <p:sp>
+        <p:nvSpPr>
+          <p:cNvPr id="2" name="Titre 1">
+            <a:extLst>
+              <a:ext uri="{FF2B5EF4-FFF2-40B4-BE49-F238E27FC236}">
+                <a16:creationId xmlns:a16="http://schemas.microsoft.com/office/drawing/2014/main" id="{22B5C4A5-BF9E-47ED-A092-6F3A182FA5C8}"/>
+              </a:ext>
+            </a:extLst>
+          </p:cNvPr>
+          <p:cNvSpPr>
+            <a:spLocks noGrp="1"/>
+          </p:cNvSpPr>
+          <p:nvPr>
+            <p:ph type="title"/>
+          </p:nvPr>
+        </p:nvSpPr>
+        <p:spPr/>
+        <p:txBody>
+          <a:bodyPr/>
+          <a:lstStyle/>
+          <a:p>
+            <a:r>
+              <a:rPr lang="fr-FR" dirty="0" err="1"/>
+              <a:t>Simulate</a:t>
+            </a:r>
+            <a:r>
+              <a:rPr lang="fr-FR" dirty="0"/>
+              <a:t> the </a:t>
+            </a:r>
+            <a:r>
+              <a:rPr lang="fr-FR" dirty="0" err="1"/>
+              <a:t>brain</a:t>
+            </a:r>
+            <a:endParaRPr lang="en-GB" dirty="0"/>
+          </a:p>
+        </p:txBody>
+      </p:sp>
+      <p:sp>
+        <p:nvSpPr>
+          <p:cNvPr id="3" name="Espace réservé du contenu 2">
+            <a:extLst>
+              <a:ext uri="{FF2B5EF4-FFF2-40B4-BE49-F238E27FC236}">
+                <a16:creationId xmlns:a16="http://schemas.microsoft.com/office/drawing/2014/main" id="{868CEF82-D586-476A-8139-F86F1D271B1F}"/>
+              </a:ext>
+            </a:extLst>
+          </p:cNvPr>
+          <p:cNvSpPr>
+            <a:spLocks noGrp="1"/>
+          </p:cNvSpPr>
+          <p:nvPr>
+            <p:ph idx="1"/>
+          </p:nvPr>
+        </p:nvSpPr>
+        <p:spPr/>
+        <p:txBody>
+          <a:bodyPr/>
+          <a:lstStyle/>
+          <a:p>
+            <a:r>
+              <a:rPr lang="fr-FR" dirty="0"/>
+              <a:t>A </a:t>
+            </a:r>
+            <a:r>
+              <a:rPr lang="fr-FR" dirty="0" err="1"/>
+              <a:t>human</a:t>
+            </a:r>
+            <a:r>
+              <a:rPr lang="fr-FR" dirty="0"/>
+              <a:t> </a:t>
+            </a:r>
+            <a:r>
+              <a:rPr lang="fr-FR" dirty="0" err="1"/>
+              <a:t>sleep</a:t>
+            </a:r>
+            <a:r>
+              <a:rPr lang="fr-FR" dirty="0"/>
+              <a:t> to </a:t>
+            </a:r>
+            <a:r>
+              <a:rPr lang="fr-FR" dirty="0" err="1"/>
+              <a:t>organize</a:t>
+            </a:r>
+            <a:r>
+              <a:rPr lang="fr-FR" dirty="0"/>
+              <a:t> </a:t>
+            </a:r>
+            <a:r>
+              <a:rPr lang="fr-FR" dirty="0" err="1"/>
+              <a:t>it</a:t>
+            </a:r>
+            <a:r>
+              <a:rPr lang="fr-FR" dirty="0"/>
+              <a:t> memory</a:t>
+            </a:r>
+          </a:p>
+          <a:p>
+            <a:r>
+              <a:rPr lang="fr-FR" dirty="0"/>
+              <a:t>So do SAI </a:t>
+            </a:r>
+            <a:r>
+              <a:rPr lang="fr-FR" dirty="0" err="1"/>
+              <a:t>need</a:t>
+            </a:r>
+            <a:r>
+              <a:rPr lang="fr-FR" dirty="0"/>
+              <a:t> to</a:t>
+            </a:r>
+          </a:p>
+          <a:p>
+            <a:r>
+              <a:rPr lang="fr-FR" dirty="0" err="1"/>
+              <a:t>Schema</a:t>
+            </a:r>
+            <a:r>
+              <a:rPr lang="fr-FR" dirty="0"/>
+              <a:t> to </a:t>
+            </a:r>
+            <a:r>
+              <a:rPr lang="fr-FR"/>
+              <a:t>explain</a:t>
+            </a:r>
+            <a:endParaRPr lang="en-GB"/>
+          </a:p>
+        </p:txBody>
+      </p:sp>
+    </p:spTree>
+    <p:extLst>
+      <p:ext uri="{BB962C8B-B14F-4D97-AF65-F5344CB8AC3E}">
+        <p14:creationId xmlns:p14="http://schemas.microsoft.com/office/powerpoint/2010/main" val="2885582855"/>
+      </p:ext>
+    </p:extLst>
+  </p:cSld>
+  <p:clrMapOvr>
+    <a:masterClrMapping/>
+  </p:clrMapOvr>
+</p:sld>
+</file>
+
+<file path=ppt/slides/slide9.xml><?xml version="1.0" encoding="utf-8"?>
+<p:sld xmlns:a="http://schemas.openxmlformats.org/drawingml/2006/main" xmlns:r="http://schemas.openxmlformats.org/officeDocument/2006/relationships" xmlns:p="http://schemas.openxmlformats.org/presentationml/2006/main">
+  <p:cSld>
     <p:bg>
       <p:bgPr>
         <a:gradFill rotWithShape="1">
@@ -16828,100 +17079,6 @@
     <p:extLst>
       <p:ext uri="{BB962C8B-B14F-4D97-AF65-F5344CB8AC3E}">
         <p14:creationId xmlns:p14="http://schemas.microsoft.com/office/powerpoint/2010/main" val="701313445"/>
-      </p:ext>
-    </p:extLst>
-  </p:cSld>
-  <p:clrMapOvr>
-    <a:masterClrMapping/>
-  </p:clrMapOvr>
-</p:sld>
-</file>
-
-<file path=ppt/slides/slide9.xml><?xml version="1.0" encoding="utf-8"?>
-<p:sld xmlns:a="http://schemas.openxmlformats.org/drawingml/2006/main" xmlns:r="http://schemas.openxmlformats.org/officeDocument/2006/relationships" xmlns:p="http://schemas.openxmlformats.org/presentationml/2006/main">
-  <p:cSld>
-    <p:spTree>
-      <p:nvGrpSpPr>
-        <p:cNvPr id="1" name=""/>
-        <p:cNvGrpSpPr/>
-        <p:nvPr/>
-      </p:nvGrpSpPr>
-      <p:grpSpPr>
-        <a:xfrm>
-          <a:off x="0" y="0"/>
-          <a:ext cx="0" cy="0"/>
-          <a:chOff x="0" y="0"/>
-          <a:chExt cx="0" cy="0"/>
-        </a:xfrm>
-      </p:grpSpPr>
-      <p:sp>
-        <p:nvSpPr>
-          <p:cNvPr id="2" name="Titre 1">
-            <a:extLst>
-              <a:ext uri="{FF2B5EF4-FFF2-40B4-BE49-F238E27FC236}">
-                <a16:creationId xmlns:a16="http://schemas.microsoft.com/office/drawing/2014/main" id="{643ACCC2-1572-47D7-9E8E-170E100F9348}"/>
-              </a:ext>
-            </a:extLst>
-          </p:cNvPr>
-          <p:cNvSpPr>
-            <a:spLocks noGrp="1"/>
-          </p:cNvSpPr>
-          <p:nvPr>
-            <p:ph type="title"/>
-          </p:nvPr>
-        </p:nvSpPr>
-        <p:spPr/>
-        <p:txBody>
-          <a:bodyPr/>
-          <a:lstStyle/>
-          <a:p>
-            <a:r>
-              <a:rPr lang="fr-FR" dirty="0" err="1"/>
-              <a:t>Result</a:t>
-            </a:r>
-            <a:endParaRPr lang="en-GB" dirty="0"/>
-          </a:p>
-        </p:txBody>
-      </p:sp>
-      <p:sp>
-        <p:nvSpPr>
-          <p:cNvPr id="3" name="Espace réservé du contenu 2">
-            <a:extLst>
-              <a:ext uri="{FF2B5EF4-FFF2-40B4-BE49-F238E27FC236}">
-                <a16:creationId xmlns:a16="http://schemas.microsoft.com/office/drawing/2014/main" id="{7528B972-5B40-4B83-A687-4553853739D3}"/>
-              </a:ext>
-            </a:extLst>
-          </p:cNvPr>
-          <p:cNvSpPr>
-            <a:spLocks noGrp="1"/>
-          </p:cNvSpPr>
-          <p:nvPr>
-            <p:ph idx="1"/>
-          </p:nvPr>
-        </p:nvSpPr>
-        <p:spPr/>
-        <p:txBody>
-          <a:bodyPr/>
-          <a:lstStyle/>
-          <a:p>
-            <a:r>
-              <a:rPr lang="fr-FR"/>
-              <a:t>Show a graph with the strategies learn with a little picture</a:t>
-            </a:r>
-          </a:p>
-          <a:p>
-            <a:r>
-              <a:rPr lang="fr-FR"/>
-              <a:t>Show the web interface to choose strategies</a:t>
-            </a:r>
-            <a:endParaRPr lang="en-GB"/>
-          </a:p>
-        </p:txBody>
-      </p:sp>
-    </p:spTree>
-    <p:extLst>
-      <p:ext uri="{BB962C8B-B14F-4D97-AF65-F5344CB8AC3E}">
-        <p14:creationId xmlns:p14="http://schemas.microsoft.com/office/powerpoint/2010/main" val="770528979"/>
       </p:ext>
     </p:extLst>
   </p:cSld>

--- a/SAI_presentation.pptx
+++ b/SAI_presentation.pptx
@@ -13,13 +13,14 @@
     <p:sldId id="258" r:id="rId7"/>
     <p:sldId id="269" r:id="rId8"/>
     <p:sldId id="270" r:id="rId9"/>
-    <p:sldId id="259" r:id="rId10"/>
-    <p:sldId id="260" r:id="rId11"/>
-    <p:sldId id="261" r:id="rId12"/>
-    <p:sldId id="265" r:id="rId13"/>
-    <p:sldId id="262" r:id="rId14"/>
-    <p:sldId id="264" r:id="rId15"/>
-    <p:sldId id="263" r:id="rId16"/>
+    <p:sldId id="271" r:id="rId10"/>
+    <p:sldId id="259" r:id="rId11"/>
+    <p:sldId id="260" r:id="rId12"/>
+    <p:sldId id="261" r:id="rId13"/>
+    <p:sldId id="265" r:id="rId14"/>
+    <p:sldId id="262" r:id="rId15"/>
+    <p:sldId id="264" r:id="rId16"/>
+    <p:sldId id="263" r:id="rId17"/>
   </p:sldIdLst>
   <p:sldSz cx="12192000" cy="6858000"/>
   <p:notesSz cx="6858000" cy="9144000"/>
@@ -12021,6 +12022,303 @@
 <file path=ppt/slides/slide10.xml><?xml version="1.0" encoding="utf-8"?>
 <p:sld xmlns:a="http://schemas.openxmlformats.org/drawingml/2006/main" xmlns:r="http://schemas.openxmlformats.org/officeDocument/2006/relationships" xmlns:p="http://schemas.openxmlformats.org/presentationml/2006/main">
   <p:cSld>
+    <p:bg>
+      <p:bgPr>
+        <a:gradFill rotWithShape="1">
+          <a:gsLst>
+            <a:gs pos="10000">
+              <a:schemeClr val="bg2">
+                <a:tint val="97000"/>
+                <a:hueMod val="92000"/>
+                <a:satMod val="169000"/>
+                <a:lumMod val="164000"/>
+              </a:schemeClr>
+            </a:gs>
+            <a:gs pos="100000">
+              <a:schemeClr val="bg2">
+                <a:shade val="96000"/>
+                <a:satMod val="120000"/>
+                <a:lumMod val="90000"/>
+              </a:schemeClr>
+            </a:gs>
+          </a:gsLst>
+          <a:lin ang="6120000" scaled="1"/>
+        </a:gradFill>
+        <a:effectLst/>
+      </p:bgPr>
+    </p:bg>
+    <p:spTree>
+      <p:nvGrpSpPr>
+        <p:cNvPr id="1" name=""/>
+        <p:cNvGrpSpPr/>
+        <p:nvPr/>
+      </p:nvGrpSpPr>
+      <p:grpSpPr>
+        <a:xfrm>
+          <a:off x="0" y="0"/>
+          <a:ext cx="0" cy="0"/>
+          <a:chOff x="0" y="0"/>
+          <a:chExt cx="0" cy="0"/>
+        </a:xfrm>
+      </p:grpSpPr>
+      <p:sp useBgFill="1">
+        <p:nvSpPr>
+          <p:cNvPr id="23" name="Rectangle 7">
+            <a:extLst>
+              <a:ext uri="{FF2B5EF4-FFF2-40B4-BE49-F238E27FC236}">
+                <a16:creationId xmlns:a16="http://schemas.microsoft.com/office/drawing/2014/main" id="{7509B08A-C1EC-478C-86AF-60ADE06D9BBB}"/>
+              </a:ext>
+              <a:ext uri="{C183D7F6-B498-43B3-948B-1728B52AA6E4}">
+                <adec:decorative xmlns:adec="http://schemas.microsoft.com/office/drawing/2017/decorative" val="1"/>
+              </a:ext>
+            </a:extLst>
+          </p:cNvPr>
+          <p:cNvSpPr>
+            <a:spLocks noGrp="1" noRot="1" noChangeAspect="1" noMove="1" noResize="1" noEditPoints="1" noAdjustHandles="1" noChangeArrowheads="1" noChangeShapeType="1" noTextEdit="1"/>
+          </p:cNvSpPr>
+          <p:nvPr>
+            <p:extLst>
+              <p:ext uri="{386F3935-93C4-4BCD-93E2-E3B085C9AB24}">
+                <p16:designElem xmlns:p16="http://schemas.microsoft.com/office/powerpoint/2015/main" val="1"/>
+              </p:ext>
+            </p:extLst>
+          </p:nvPr>
+        </p:nvSpPr>
+        <p:spPr>
+          <a:xfrm>
+            <a:off x="0" y="0"/>
+            <a:ext cx="12192000" cy="6858000"/>
+          </a:xfrm>
+          <a:prstGeom prst="rect">
+            <a:avLst/>
+          </a:prstGeom>
+          <a:ln>
+            <a:noFill/>
+          </a:ln>
+        </p:spPr>
+        <p:style>
+          <a:lnRef idx="2">
+            <a:schemeClr val="accent1">
+              <a:shade val="50000"/>
+            </a:schemeClr>
+          </a:lnRef>
+          <a:fillRef idx="1">
+            <a:schemeClr val="accent1"/>
+          </a:fillRef>
+          <a:effectRef idx="0">
+            <a:schemeClr val="accent1"/>
+          </a:effectRef>
+          <a:fontRef idx="minor">
+            <a:schemeClr val="lt1"/>
+          </a:fontRef>
+        </p:style>
+        <p:txBody>
+          <a:bodyPr rtlCol="0" anchor="ctr"/>
+          <a:lstStyle/>
+          <a:p>
+            <a:pPr algn="ctr"/>
+            <a:endParaRPr lang="en-US"/>
+          </a:p>
+        </p:txBody>
+      </p:sp>
+      <p:sp>
+        <p:nvSpPr>
+          <p:cNvPr id="2" name="Titre 1">
+            <a:extLst>
+              <a:ext uri="{FF2B5EF4-FFF2-40B4-BE49-F238E27FC236}">
+                <a16:creationId xmlns:a16="http://schemas.microsoft.com/office/drawing/2014/main" id="{E286FAAA-D668-42B4-9647-5ECEBD96BC52}"/>
+              </a:ext>
+            </a:extLst>
+          </p:cNvPr>
+          <p:cNvSpPr>
+            <a:spLocks noGrp="1"/>
+          </p:cNvSpPr>
+          <p:nvPr>
+            <p:ph type="title"/>
+          </p:nvPr>
+        </p:nvSpPr>
+        <p:spPr>
+          <a:xfrm>
+            <a:off x="640290" y="685800"/>
+            <a:ext cx="4818656" cy="4603749"/>
+          </a:xfrm>
+        </p:spPr>
+        <p:txBody>
+          <a:bodyPr>
+            <a:normAutofit/>
+          </a:bodyPr>
+          <a:lstStyle/>
+          <a:p>
+            <a:pPr algn="r"/>
+            <a:r>
+              <a:rPr lang="fr-FR" sz="5200"/>
+              <a:t>Solutions</a:t>
+            </a:r>
+            <a:endParaRPr lang="en-GB" sz="5200"/>
+          </a:p>
+        </p:txBody>
+      </p:sp>
+      <p:sp>
+        <p:nvSpPr>
+          <p:cNvPr id="10" name="Rectangle 9">
+            <a:extLst>
+              <a:ext uri="{FF2B5EF4-FFF2-40B4-BE49-F238E27FC236}">
+                <a16:creationId xmlns:a16="http://schemas.microsoft.com/office/drawing/2014/main" id="{221CC330-4259-4C32-BF8B-5FE13FFABB3A}"/>
+              </a:ext>
+              <a:ext uri="{C183D7F6-B498-43B3-948B-1728B52AA6E4}">
+                <adec:decorative xmlns:adec="http://schemas.microsoft.com/office/drawing/2017/decorative" val="1"/>
+              </a:ext>
+            </a:extLst>
+          </p:cNvPr>
+          <p:cNvSpPr>
+            <a:spLocks noGrp="1" noRot="1" noChangeAspect="1" noMove="1" noResize="1" noEditPoints="1" noAdjustHandles="1" noChangeArrowheads="1" noChangeShapeType="1" noTextEdit="1"/>
+          </p:cNvSpPr>
+          <p:nvPr>
+            <p:extLst>
+              <p:ext uri="{386F3935-93C4-4BCD-93E2-E3B085C9AB24}">
+                <p16:designElem xmlns:p16="http://schemas.microsoft.com/office/powerpoint/2015/main" val="1"/>
+              </p:ext>
+            </p:extLst>
+          </p:nvPr>
+        </p:nvSpPr>
+        <p:spPr>
+          <a:xfrm>
+            <a:off x="6095999" y="0"/>
+            <a:ext cx="6096001" cy="6858000"/>
+          </a:xfrm>
+          <a:prstGeom prst="rect">
+            <a:avLst/>
+          </a:prstGeom>
+          <a:solidFill>
+            <a:schemeClr val="bg2">
+              <a:alpha val="97000"/>
+            </a:schemeClr>
+          </a:solidFill>
+          <a:ln>
+            <a:noFill/>
+          </a:ln>
+          <a:effectLst/>
+        </p:spPr>
+        <p:style>
+          <a:lnRef idx="2">
+            <a:schemeClr val="accent1">
+              <a:shade val="50000"/>
+            </a:schemeClr>
+          </a:lnRef>
+          <a:fillRef idx="1001">
+            <a:schemeClr val="dk2"/>
+          </a:fillRef>
+          <a:effectRef idx="0">
+            <a:schemeClr val="accent1"/>
+          </a:effectRef>
+          <a:fontRef idx="minor">
+            <a:schemeClr val="lt1"/>
+          </a:fontRef>
+        </p:style>
+        <p:txBody>
+          <a:bodyPr rtlCol="0" anchor="ctr"/>
+          <a:lstStyle/>
+          <a:p>
+            <a:pPr algn="ctr"/>
+            <a:endParaRPr lang="en-US"/>
+          </a:p>
+        </p:txBody>
+      </p:sp>
+      <p:sp>
+        <p:nvSpPr>
+          <p:cNvPr id="3" name="Espace réservé du contenu 2">
+            <a:extLst>
+              <a:ext uri="{FF2B5EF4-FFF2-40B4-BE49-F238E27FC236}">
+                <a16:creationId xmlns:a16="http://schemas.microsoft.com/office/drawing/2014/main" id="{128178D9-55E1-4BEF-84B2-EF38491DA27C}"/>
+              </a:ext>
+            </a:extLst>
+          </p:cNvPr>
+          <p:cNvSpPr>
+            <a:spLocks noGrp="1"/>
+          </p:cNvSpPr>
+          <p:nvPr>
+            <p:ph idx="1"/>
+          </p:nvPr>
+        </p:nvSpPr>
+        <p:spPr>
+          <a:xfrm>
+            <a:off x="6625651" y="685800"/>
+            <a:ext cx="4878959" cy="4603750"/>
+          </a:xfrm>
+        </p:spPr>
+        <p:txBody>
+          <a:bodyPr>
+            <a:normAutofit/>
+          </a:bodyPr>
+          <a:lstStyle/>
+          <a:p>
+            <a:r>
+              <a:rPr lang="fr-FR">
+                <a:solidFill>
+                  <a:schemeClr val="tx1"/>
+                </a:solidFill>
+              </a:rPr>
+              <a:t>Create SAI with pyinstaller for multiplatform</a:t>
+            </a:r>
+          </a:p>
+          <a:p>
+            <a:r>
+              <a:rPr lang="fr-FR">
+                <a:solidFill>
+                  <a:schemeClr val="tx1"/>
+                </a:solidFill>
+              </a:rPr>
+              <a:t>Launch a scan that remove duplicate screenshot and order them by interesting strategie</a:t>
+            </a:r>
+          </a:p>
+          <a:p>
+            <a:r>
+              <a:rPr lang="fr-FR">
+                <a:solidFill>
+                  <a:schemeClr val="tx1"/>
+                </a:solidFill>
+              </a:rPr>
+              <a:t>Increment the reward if there was difference between images</a:t>
+            </a:r>
+          </a:p>
+          <a:p>
+            <a:r>
+              <a:rPr lang="fr-FR">
+                <a:solidFill>
+                  <a:schemeClr val="tx1"/>
+                </a:solidFill>
+              </a:rPr>
+              <a:t>Create a web page with the strategies learned</a:t>
+            </a:r>
+          </a:p>
+          <a:p>
+            <a:r>
+              <a:rPr lang="fr-FR">
+                <a:solidFill>
+                  <a:schemeClr val="tx1"/>
+                </a:solidFill>
+              </a:rPr>
+              <a:t>Create a web interface or a vocal controller to order strategies</a:t>
+            </a:r>
+          </a:p>
+        </p:txBody>
+      </p:sp>
+    </p:spTree>
+    <p:extLst>
+      <p:ext uri="{BB962C8B-B14F-4D97-AF65-F5344CB8AC3E}">
+        <p14:creationId xmlns:p14="http://schemas.microsoft.com/office/powerpoint/2010/main" val="701313445"/>
+      </p:ext>
+    </p:extLst>
+  </p:cSld>
+  <p:clrMapOvr>
+    <a:masterClrMapping/>
+  </p:clrMapOvr>
+</p:sld>
+</file>
+
+<file path=ppt/slides/slide11.xml><?xml version="1.0" encoding="utf-8"?>
+<p:sld xmlns:a="http://schemas.openxmlformats.org/drawingml/2006/main" xmlns:r="http://schemas.openxmlformats.org/officeDocument/2006/relationships" xmlns:p="http://schemas.openxmlformats.org/presentationml/2006/main">
+  <p:cSld>
     <p:spTree>
       <p:nvGrpSpPr>
         <p:cNvPr id="1" name=""/>
@@ -12112,7 +12410,7 @@
 </p:sld>
 </file>
 
-<file path=ppt/slides/slide11.xml><?xml version="1.0" encoding="utf-8"?>
+<file path=ppt/slides/slide12.xml><?xml version="1.0" encoding="utf-8"?>
 <p:sld xmlns:a="http://schemas.openxmlformats.org/drawingml/2006/main" xmlns:r="http://schemas.openxmlformats.org/officeDocument/2006/relationships" xmlns:p="http://schemas.openxmlformats.org/presentationml/2006/main">
   <p:cSld>
     <p:bg>
@@ -12234,7 +12532,7 @@
 </p:sld>
 </file>
 
-<file path=ppt/slides/slide12.xml><?xml version="1.0" encoding="utf-8"?>
+<file path=ppt/slides/slide13.xml><?xml version="1.0" encoding="utf-8"?>
 <p:sld xmlns:a="http://schemas.openxmlformats.org/drawingml/2006/main" xmlns:r="http://schemas.openxmlformats.org/officeDocument/2006/relationships" xmlns:p="http://schemas.openxmlformats.org/presentationml/2006/main">
   <p:cSld>
     <p:spTree>
@@ -12414,7 +12712,7 @@
 </p:sld>
 </file>
 
-<file path=ppt/slides/slide13.xml><?xml version="1.0" encoding="utf-8"?>
+<file path=ppt/slides/slide14.xml><?xml version="1.0" encoding="utf-8"?>
 <p:sld xmlns:a="http://schemas.openxmlformats.org/drawingml/2006/main" xmlns:r="http://schemas.openxmlformats.org/officeDocument/2006/relationships" xmlns:p="http://schemas.openxmlformats.org/presentationml/2006/main">
   <p:cSld>
     <p:spTree>
@@ -13167,7 +13465,7 @@
 </p:sld>
 </file>
 
-<file path=ppt/slides/slide14.xml><?xml version="1.0" encoding="utf-8"?>
+<file path=ppt/slides/slide15.xml><?xml version="1.0" encoding="utf-8"?>
 <p:sld xmlns:a="http://schemas.openxmlformats.org/drawingml/2006/main" xmlns:r="http://schemas.openxmlformats.org/officeDocument/2006/relationships" xmlns:p="http://schemas.openxmlformats.org/presentationml/2006/main">
   <p:cSld>
     <p:spTree>
@@ -13708,7 +14006,7 @@
 </p:sld>
 </file>
 
-<file path=ppt/slides/slide15.xml><?xml version="1.0" encoding="utf-8"?>
+<file path=ppt/slides/slide16.xml><?xml version="1.0" encoding="utf-8"?>
 <p:sld xmlns:a="http://schemas.openxmlformats.org/drawingml/2006/main" xmlns:r="http://schemas.openxmlformats.org/officeDocument/2006/relationships" xmlns:p="http://schemas.openxmlformats.org/presentationml/2006/main">
   <p:cSld>
     <p:spTree>
@@ -16794,31 +17092,6 @@
 <file path=ppt/slides/slide9.xml><?xml version="1.0" encoding="utf-8"?>
 <p:sld xmlns:a="http://schemas.openxmlformats.org/drawingml/2006/main" xmlns:r="http://schemas.openxmlformats.org/officeDocument/2006/relationships" xmlns:p="http://schemas.openxmlformats.org/presentationml/2006/main">
   <p:cSld>
-    <p:bg>
-      <p:bgPr>
-        <a:gradFill rotWithShape="1">
-          <a:gsLst>
-            <a:gs pos="10000">
-              <a:schemeClr val="bg2">
-                <a:tint val="97000"/>
-                <a:hueMod val="92000"/>
-                <a:satMod val="169000"/>
-                <a:lumMod val="164000"/>
-              </a:schemeClr>
-            </a:gs>
-            <a:gs pos="100000">
-              <a:schemeClr val="bg2">
-                <a:shade val="96000"/>
-                <a:satMod val="120000"/>
-                <a:lumMod val="90000"/>
-              </a:schemeClr>
-            </a:gs>
-          </a:gsLst>
-          <a:lin ang="6120000" scaled="1"/>
-        </a:gradFill>
-        <a:effectLst/>
-      </p:bgPr>
-    </p:bg>
     <p:spTree>
       <p:nvGrpSpPr>
         <p:cNvPr id="1" name=""/>
@@ -16833,72 +17106,12 @@
           <a:chExt cx="0" cy="0"/>
         </a:xfrm>
       </p:grpSpPr>
-      <p:sp useBgFill="1">
-        <p:nvSpPr>
-          <p:cNvPr id="23" name="Rectangle 7">
-            <a:extLst>
-              <a:ext uri="{FF2B5EF4-FFF2-40B4-BE49-F238E27FC236}">
-                <a16:creationId xmlns:a16="http://schemas.microsoft.com/office/drawing/2014/main" id="{7509B08A-C1EC-478C-86AF-60ADE06D9BBB}"/>
-              </a:ext>
-              <a:ext uri="{C183D7F6-B498-43B3-948B-1728B52AA6E4}">
-                <adec:decorative xmlns:adec="http://schemas.microsoft.com/office/drawing/2017/decorative" val="1"/>
-              </a:ext>
-            </a:extLst>
-          </p:cNvPr>
-          <p:cNvSpPr>
-            <a:spLocks noGrp="1" noRot="1" noChangeAspect="1" noMove="1" noResize="1" noEditPoints="1" noAdjustHandles="1" noChangeArrowheads="1" noChangeShapeType="1" noTextEdit="1"/>
-          </p:cNvSpPr>
-          <p:nvPr>
-            <p:extLst>
-              <p:ext uri="{386F3935-93C4-4BCD-93E2-E3B085C9AB24}">
-                <p16:designElem xmlns:p16="http://schemas.microsoft.com/office/powerpoint/2015/main" val="1"/>
-              </p:ext>
-            </p:extLst>
-          </p:nvPr>
-        </p:nvSpPr>
-        <p:spPr>
-          <a:xfrm>
-            <a:off x="0" y="0"/>
-            <a:ext cx="12192000" cy="6858000"/>
-          </a:xfrm>
-          <a:prstGeom prst="rect">
-            <a:avLst/>
-          </a:prstGeom>
-          <a:ln>
-            <a:noFill/>
-          </a:ln>
-        </p:spPr>
-        <p:style>
-          <a:lnRef idx="2">
-            <a:schemeClr val="accent1">
-              <a:shade val="50000"/>
-            </a:schemeClr>
-          </a:lnRef>
-          <a:fillRef idx="1">
-            <a:schemeClr val="accent1"/>
-          </a:fillRef>
-          <a:effectRef idx="0">
-            <a:schemeClr val="accent1"/>
-          </a:effectRef>
-          <a:fontRef idx="minor">
-            <a:schemeClr val="lt1"/>
-          </a:fontRef>
-        </p:style>
-        <p:txBody>
-          <a:bodyPr rtlCol="0" anchor="ctr"/>
-          <a:lstStyle/>
-          <a:p>
-            <a:pPr algn="ctr"/>
-            <a:endParaRPr lang="en-US"/>
-          </a:p>
-        </p:txBody>
-      </p:sp>
       <p:sp>
         <p:nvSpPr>
           <p:cNvPr id="2" name="Titre 1">
             <a:extLst>
               <a:ext uri="{FF2B5EF4-FFF2-40B4-BE49-F238E27FC236}">
-                <a16:creationId xmlns:a16="http://schemas.microsoft.com/office/drawing/2014/main" id="{E286FAAA-D668-42B4-9647-5ECEBD96BC52}"/>
+                <a16:creationId xmlns:a16="http://schemas.microsoft.com/office/drawing/2014/main" id="{9EE18481-A455-44BD-AD4D-5787A0C4DC9F}"/>
               </a:ext>
             </a:extLst>
           </p:cNvPr>
@@ -16909,90 +17122,24 @@
             <p:ph type="title"/>
           </p:nvPr>
         </p:nvSpPr>
-        <p:spPr>
-          <a:xfrm>
-            <a:off x="640290" y="685800"/>
-            <a:ext cx="4818656" cy="4603749"/>
-          </a:xfrm>
-        </p:spPr>
+        <p:spPr/>
         <p:txBody>
-          <a:bodyPr>
-            <a:normAutofit/>
-          </a:bodyPr>
+          <a:bodyPr/>
           <a:lstStyle/>
           <a:p>
-            <a:pPr algn="r"/>
-            <a:r>
-              <a:rPr lang="fr-FR" sz="5200"/>
-              <a:t>Solutions</a:t>
-            </a:r>
-            <a:endParaRPr lang="en-GB" sz="5200"/>
-          </a:p>
-        </p:txBody>
-      </p:sp>
-      <p:sp>
-        <p:nvSpPr>
-          <p:cNvPr id="10" name="Rectangle 9">
-            <a:extLst>
-              <a:ext uri="{FF2B5EF4-FFF2-40B4-BE49-F238E27FC236}">
-                <a16:creationId xmlns:a16="http://schemas.microsoft.com/office/drawing/2014/main" id="{221CC330-4259-4C32-BF8B-5FE13FFABB3A}"/>
-              </a:ext>
-              <a:ext uri="{C183D7F6-B498-43B3-948B-1728B52AA6E4}">
-                <adec:decorative xmlns:adec="http://schemas.microsoft.com/office/drawing/2017/decorative" val="1"/>
-              </a:ext>
-            </a:extLst>
-          </p:cNvPr>
-          <p:cNvSpPr>
-            <a:spLocks noGrp="1" noRot="1" noChangeAspect="1" noMove="1" noResize="1" noEditPoints="1" noAdjustHandles="1" noChangeArrowheads="1" noChangeShapeType="1" noTextEdit="1"/>
-          </p:cNvSpPr>
-          <p:nvPr>
-            <p:extLst>
-              <p:ext uri="{386F3935-93C4-4BCD-93E2-E3B085C9AB24}">
-                <p16:designElem xmlns:p16="http://schemas.microsoft.com/office/powerpoint/2015/main" val="1"/>
-              </p:ext>
-            </p:extLst>
-          </p:nvPr>
-        </p:nvSpPr>
-        <p:spPr>
-          <a:xfrm>
-            <a:off x="6095999" y="0"/>
-            <a:ext cx="6096001" cy="6858000"/>
-          </a:xfrm>
-          <a:prstGeom prst="rect">
-            <a:avLst/>
-          </a:prstGeom>
-          <a:solidFill>
-            <a:schemeClr val="bg2">
-              <a:alpha val="97000"/>
-            </a:schemeClr>
-          </a:solidFill>
-          <a:ln>
-            <a:noFill/>
-          </a:ln>
-          <a:effectLst/>
-        </p:spPr>
-        <p:style>
-          <a:lnRef idx="2">
-            <a:schemeClr val="accent1">
-              <a:shade val="50000"/>
-            </a:schemeClr>
-          </a:lnRef>
-          <a:fillRef idx="1001">
-            <a:schemeClr val="dk2"/>
-          </a:fillRef>
-          <a:effectRef idx="0">
-            <a:schemeClr val="accent1"/>
-          </a:effectRef>
-          <a:fontRef idx="minor">
-            <a:schemeClr val="lt1"/>
-          </a:fontRef>
-        </p:style>
-        <p:txBody>
-          <a:bodyPr rtlCol="0" anchor="ctr"/>
-          <a:lstStyle/>
-          <a:p>
-            <a:pPr algn="ctr"/>
-            <a:endParaRPr lang="en-US"/>
+            <a:r>
+              <a:rPr lang="fr-FR" dirty="0" err="1"/>
+              <a:t>Add</a:t>
+            </a:r>
+            <a:r>
+              <a:rPr lang="fr-FR" dirty="0"/>
+              <a:t> a </a:t>
+            </a:r>
+            <a:r>
+              <a:rPr lang="fr-FR" dirty="0" err="1"/>
+              <a:t>reward</a:t>
+            </a:r>
+            <a:endParaRPr lang="en-GB" dirty="0"/>
           </a:p>
         </p:txBody>
       </p:sp>
@@ -17001,7 +17148,7 @@
           <p:cNvPr id="3" name="Espace réservé du contenu 2">
             <a:extLst>
               <a:ext uri="{FF2B5EF4-FFF2-40B4-BE49-F238E27FC236}">
-                <a16:creationId xmlns:a16="http://schemas.microsoft.com/office/drawing/2014/main" id="{128178D9-55E1-4BEF-84B2-EF38491DA27C}"/>
+                <a16:creationId xmlns:a16="http://schemas.microsoft.com/office/drawing/2014/main" id="{46812B09-29C0-4173-89F9-C37DB57FBC45}"/>
               </a:ext>
             </a:extLst>
           </p:cNvPr>
@@ -17012,73 +17159,77 @@
             <p:ph idx="1"/>
           </p:nvPr>
         </p:nvSpPr>
-        <p:spPr>
-          <a:xfrm>
-            <a:off x="6625651" y="685800"/>
-            <a:ext cx="4878959" cy="4603750"/>
-          </a:xfrm>
-        </p:spPr>
+        <p:spPr/>
         <p:txBody>
-          <a:bodyPr>
-            <a:normAutofit/>
-          </a:bodyPr>
+          <a:bodyPr/>
           <a:lstStyle/>
           <a:p>
             <a:r>
-              <a:rPr lang="fr-FR">
-                <a:solidFill>
-                  <a:schemeClr val="tx1"/>
-                </a:solidFill>
-              </a:rPr>
-              <a:t>Create SAI with pyinstaller for multiplatform</a:t>
-            </a:r>
-          </a:p>
-          <a:p>
-            <a:r>
-              <a:rPr lang="fr-FR">
-                <a:solidFill>
-                  <a:schemeClr val="tx1"/>
-                </a:solidFill>
-              </a:rPr>
-              <a:t>Launch a scan that remove duplicate screenshot and order them by interesting strategie</a:t>
-            </a:r>
-          </a:p>
-          <a:p>
-            <a:r>
-              <a:rPr lang="fr-FR">
-                <a:solidFill>
-                  <a:schemeClr val="tx1"/>
-                </a:solidFill>
-              </a:rPr>
-              <a:t>Increment the reward if there was difference between images</a:t>
-            </a:r>
-          </a:p>
-          <a:p>
-            <a:r>
-              <a:rPr lang="fr-FR">
-                <a:solidFill>
-                  <a:schemeClr val="tx1"/>
-                </a:solidFill>
-              </a:rPr>
-              <a:t>Create a web page with the strategies learned</a:t>
-            </a:r>
-          </a:p>
-          <a:p>
-            <a:r>
-              <a:rPr lang="fr-FR">
-                <a:solidFill>
-                  <a:schemeClr val="tx1"/>
-                </a:solidFill>
-              </a:rPr>
-              <a:t>Create a web interface or a vocal controller to order strategies</a:t>
-            </a:r>
+              <a:rPr lang="fr-FR" dirty="0"/>
+              <a:t>The </a:t>
+            </a:r>
+            <a:r>
+              <a:rPr lang="fr-FR" dirty="0" err="1"/>
+              <a:t>reward</a:t>
+            </a:r>
+            <a:r>
+              <a:rPr lang="fr-FR" dirty="0"/>
+              <a:t> </a:t>
+            </a:r>
+            <a:r>
+              <a:rPr lang="fr-FR" dirty="0" err="1"/>
+              <a:t>will</a:t>
+            </a:r>
+            <a:r>
+              <a:rPr lang="fr-FR" dirty="0"/>
+              <a:t> impact the </a:t>
+            </a:r>
+            <a:r>
+              <a:rPr lang="fr-FR" dirty="0" err="1"/>
+              <a:t>next</a:t>
+            </a:r>
+            <a:r>
+              <a:rPr lang="fr-FR" dirty="0"/>
+              <a:t> </a:t>
+            </a:r>
+            <a:r>
+              <a:rPr lang="fr-FR" dirty="0" err="1"/>
+              <a:t>decision</a:t>
+            </a:r>
+            <a:r>
+              <a:rPr lang="fr-FR" dirty="0"/>
+              <a:t> for SAI</a:t>
+            </a:r>
+          </a:p>
+          <a:p>
+            <a:r>
+              <a:rPr lang="fr-FR" dirty="0" err="1"/>
+              <a:t>Explain</a:t>
+            </a:r>
+            <a:r>
+              <a:rPr lang="fr-FR" dirty="0"/>
+              <a:t> </a:t>
+            </a:r>
+            <a:r>
+              <a:rPr lang="fr-FR" dirty="0" err="1"/>
+              <a:t>with</a:t>
+            </a:r>
+            <a:r>
+              <a:rPr lang="fr-FR" dirty="0"/>
+              <a:t> a </a:t>
+            </a:r>
+            <a:r>
+              <a:rPr lang="fr-FR"/>
+              <a:t>schema</a:t>
+            </a:r>
+            <a:endParaRPr lang="en-GB"/>
           </a:p>
         </p:txBody>
       </p:sp>
     </p:spTree>
     <p:extLst>
       <p:ext uri="{BB962C8B-B14F-4D97-AF65-F5344CB8AC3E}">
-        <p14:creationId xmlns:p14="http://schemas.microsoft.com/office/powerpoint/2010/main" val="701313445"/>
+        <p14:creationId xmlns:p14="http://schemas.microsoft.com/office/powerpoint/2010/main" val="1766098369"/>
       </p:ext>
     </p:extLst>
   </p:cSld>

--- a/SAI_presentation.pptx
+++ b/SAI_presentation.pptx
@@ -14,13 +14,14 @@
     <p:sldId id="269" r:id="rId8"/>
     <p:sldId id="270" r:id="rId9"/>
     <p:sldId id="271" r:id="rId10"/>
-    <p:sldId id="259" r:id="rId11"/>
-    <p:sldId id="260" r:id="rId12"/>
-    <p:sldId id="261" r:id="rId13"/>
-    <p:sldId id="265" r:id="rId14"/>
-    <p:sldId id="262" r:id="rId15"/>
-    <p:sldId id="264" r:id="rId16"/>
-    <p:sldId id="263" r:id="rId17"/>
+    <p:sldId id="272" r:id="rId11"/>
+    <p:sldId id="259" r:id="rId12"/>
+    <p:sldId id="260" r:id="rId13"/>
+    <p:sldId id="261" r:id="rId14"/>
+    <p:sldId id="265" r:id="rId15"/>
+    <p:sldId id="262" r:id="rId16"/>
+    <p:sldId id="264" r:id="rId17"/>
+    <p:sldId id="263" r:id="rId18"/>
   </p:sldIdLst>
   <p:sldSz cx="12192000" cy="6858000"/>
   <p:notesSz cx="6858000" cy="9144000"/>
@@ -6743,7 +6744,7 @@
             <a:fld id="{B61BEF0D-F0BB-DE4B-95CE-6DB70DBA9567}" type="datetimeFigureOut">
               <a:rPr lang="en-US" dirty="0"/>
               <a:pPr/>
-              <a:t>3/7/2020</a:t>
+              <a:t>3/8/2020</a:t>
             </a:fld>
             <a:endParaRPr lang="en-US" dirty="0"/>
           </a:p>
@@ -7176,7 +7177,7 @@
             <a:fld id="{B61BEF0D-F0BB-DE4B-95CE-6DB70DBA9567}" type="datetimeFigureOut">
               <a:rPr lang="en-US" dirty="0"/>
               <a:pPr/>
-              <a:t>3/7/2020</a:t>
+              <a:t>3/8/2020</a:t>
             </a:fld>
             <a:endParaRPr lang="en-US" dirty="0"/>
           </a:p>
@@ -7423,7 +7424,7 @@
             <a:fld id="{B61BEF0D-F0BB-DE4B-95CE-6DB70DBA9567}" type="datetimeFigureOut">
               <a:rPr lang="en-US" dirty="0"/>
               <a:pPr/>
-              <a:t>3/7/2020</a:t>
+              <a:t>3/8/2020</a:t>
             </a:fld>
             <a:endParaRPr lang="en-US" dirty="0"/>
           </a:p>
@@ -7728,7 +7729,7 @@
             <a:fld id="{B61BEF0D-F0BB-DE4B-95CE-6DB70DBA9567}" type="datetimeFigureOut">
               <a:rPr lang="en-US" dirty="0"/>
               <a:pPr/>
-              <a:t>3/7/2020</a:t>
+              <a:t>3/8/2020</a:t>
             </a:fld>
             <a:endParaRPr lang="en-US" dirty="0"/>
           </a:p>
@@ -8043,7 +8044,7 @@
             <a:fld id="{B61BEF0D-F0BB-DE4B-95CE-6DB70DBA9567}" type="datetimeFigureOut">
               <a:rPr lang="en-US" dirty="0"/>
               <a:pPr/>
-              <a:t>3/7/2020</a:t>
+              <a:t>3/8/2020</a:t>
             </a:fld>
             <a:endParaRPr lang="en-US" dirty="0"/>
           </a:p>
@@ -8342,7 +8343,7 @@
             <a:fld id="{B61BEF0D-F0BB-DE4B-95CE-6DB70DBA9567}" type="datetimeFigureOut">
               <a:rPr lang="en-US" dirty="0"/>
               <a:pPr/>
-              <a:t>3/7/2020</a:t>
+              <a:t>3/8/2020</a:t>
             </a:fld>
             <a:endParaRPr lang="en-US" dirty="0"/>
           </a:p>
@@ -8706,7 +8707,7 @@
             <a:fld id="{B61BEF0D-F0BB-DE4B-95CE-6DB70DBA9567}" type="datetimeFigureOut">
               <a:rPr lang="en-US" dirty="0"/>
               <a:pPr/>
-              <a:t>3/7/2020</a:t>
+              <a:t>3/8/2020</a:t>
             </a:fld>
             <a:endParaRPr lang="en-US" dirty="0"/>
           </a:p>
@@ -8877,7 +8878,7 @@
             <a:fld id="{B61BEF0D-F0BB-DE4B-95CE-6DB70DBA9567}" type="datetimeFigureOut">
               <a:rPr lang="en-US" dirty="0"/>
               <a:pPr/>
-              <a:t>3/7/2020</a:t>
+              <a:t>3/8/2020</a:t>
             </a:fld>
             <a:endParaRPr lang="en-US" dirty="0"/>
           </a:p>
@@ -9054,7 +9055,7 @@
             <a:fld id="{B61BEF0D-F0BB-DE4B-95CE-6DB70DBA9567}" type="datetimeFigureOut">
               <a:rPr lang="en-US" dirty="0"/>
               <a:pPr/>
-              <a:t>3/7/2020</a:t>
+              <a:t>3/8/2020</a:t>
             </a:fld>
             <a:endParaRPr lang="en-US" dirty="0"/>
           </a:p>
@@ -9221,7 +9222,7 @@
             <a:fld id="{B61BEF0D-F0BB-DE4B-95CE-6DB70DBA9567}" type="datetimeFigureOut">
               <a:rPr lang="en-US" dirty="0"/>
               <a:pPr/>
-              <a:t>3/7/2020</a:t>
+              <a:t>3/8/2020</a:t>
             </a:fld>
             <a:endParaRPr lang="en-US" dirty="0"/>
           </a:p>
@@ -9468,7 +9469,7 @@
             <a:fld id="{B61BEF0D-F0BB-DE4B-95CE-6DB70DBA9567}" type="datetimeFigureOut">
               <a:rPr lang="en-US" dirty="0"/>
               <a:pPr/>
-              <a:t>3/7/2020</a:t>
+              <a:t>3/8/2020</a:t>
             </a:fld>
             <a:endParaRPr lang="en-US" dirty="0"/>
           </a:p>
@@ -9701,7 +9702,7 @@
             <a:fld id="{B61BEF0D-F0BB-DE4B-95CE-6DB70DBA9567}" type="datetimeFigureOut">
               <a:rPr lang="en-US" dirty="0"/>
               <a:pPr/>
-              <a:t>3/7/2020</a:t>
+              <a:t>3/8/2020</a:t>
             </a:fld>
             <a:endParaRPr lang="en-US" dirty="0"/>
           </a:p>
@@ -10080,7 +10081,7 @@
             <a:fld id="{B61BEF0D-F0BB-DE4B-95CE-6DB70DBA9567}" type="datetimeFigureOut">
               <a:rPr lang="en-US" dirty="0"/>
               <a:pPr/>
-              <a:t>3/7/2020</a:t>
+              <a:t>3/8/2020</a:t>
             </a:fld>
             <a:endParaRPr lang="en-US" dirty="0"/>
           </a:p>
@@ -10195,7 +10196,7 @@
             <a:fld id="{B61BEF0D-F0BB-DE4B-95CE-6DB70DBA9567}" type="datetimeFigureOut">
               <a:rPr lang="en-US" dirty="0"/>
               <a:pPr/>
-              <a:t>3/7/2020</a:t>
+              <a:t>3/8/2020</a:t>
             </a:fld>
             <a:endParaRPr lang="en-US" dirty="0"/>
           </a:p>
@@ -10287,7 +10288,7 @@
             <a:fld id="{B61BEF0D-F0BB-DE4B-95CE-6DB70DBA9567}" type="datetimeFigureOut">
               <a:rPr lang="en-US" dirty="0"/>
               <a:pPr/>
-              <a:t>3/7/2020</a:t>
+              <a:t>3/8/2020</a:t>
             </a:fld>
             <a:endParaRPr lang="en-US" dirty="0"/>
           </a:p>
@@ -10539,7 +10540,7 @@
             <a:fld id="{B61BEF0D-F0BB-DE4B-95CE-6DB70DBA9567}" type="datetimeFigureOut">
               <a:rPr lang="en-US" dirty="0"/>
               <a:pPr/>
-              <a:t>3/7/2020</a:t>
+              <a:t>3/8/2020</a:t>
             </a:fld>
             <a:endParaRPr lang="en-US" dirty="0"/>
           </a:p>
@@ -10819,7 +10820,7 @@
             <a:fld id="{B61BEF0D-F0BB-DE4B-95CE-6DB70DBA9567}" type="datetimeFigureOut">
               <a:rPr lang="en-US" dirty="0"/>
               <a:pPr/>
-              <a:t>3/7/2020</a:t>
+              <a:t>3/8/2020</a:t>
             </a:fld>
             <a:endParaRPr lang="en-US" dirty="0"/>
           </a:p>
@@ -11222,7 +11223,7 @@
             <a:fld id="{B61BEF0D-F0BB-DE4B-95CE-6DB70DBA9567}" type="datetimeFigureOut">
               <a:rPr lang="en-US" dirty="0"/>
               <a:pPr/>
-              <a:t>3/7/2020</a:t>
+              <a:t>3/8/2020</a:t>
             </a:fld>
             <a:endParaRPr lang="en-US" dirty="0"/>
           </a:p>
@@ -12022,6 +12023,209 @@
 <file path=ppt/slides/slide10.xml><?xml version="1.0" encoding="utf-8"?>
 <p:sld xmlns:a="http://schemas.openxmlformats.org/drawingml/2006/main" xmlns:r="http://schemas.openxmlformats.org/officeDocument/2006/relationships" xmlns:p="http://schemas.openxmlformats.org/presentationml/2006/main">
   <p:cSld>
+    <p:spTree>
+      <p:nvGrpSpPr>
+        <p:cNvPr id="1" name=""/>
+        <p:cNvGrpSpPr/>
+        <p:nvPr/>
+      </p:nvGrpSpPr>
+      <p:grpSpPr>
+        <a:xfrm>
+          <a:off x="0" y="0"/>
+          <a:ext cx="0" cy="0"/>
+          <a:chOff x="0" y="0"/>
+          <a:chExt cx="0" cy="0"/>
+        </a:xfrm>
+      </p:grpSpPr>
+      <p:sp>
+        <p:nvSpPr>
+          <p:cNvPr id="2" name="Titre 1">
+            <a:extLst>
+              <a:ext uri="{FF2B5EF4-FFF2-40B4-BE49-F238E27FC236}">
+                <a16:creationId xmlns:a16="http://schemas.microsoft.com/office/drawing/2014/main" id="{22965269-F56B-485C-9491-09F62BD887E9}"/>
+              </a:ext>
+            </a:extLst>
+          </p:cNvPr>
+          <p:cNvSpPr>
+            <a:spLocks noGrp="1"/>
+          </p:cNvSpPr>
+          <p:nvPr>
+            <p:ph type="title"/>
+          </p:nvPr>
+        </p:nvSpPr>
+        <p:spPr/>
+        <p:txBody>
+          <a:bodyPr/>
+          <a:lstStyle/>
+          <a:p>
+            <a:r>
+              <a:rPr lang="fr-FR" dirty="0"/>
+              <a:t>SAI </a:t>
+            </a:r>
+            <a:r>
+              <a:rPr lang="fr-FR" dirty="0" err="1"/>
+              <a:t>everytime</a:t>
+            </a:r>
+            <a:endParaRPr lang="en-GB" dirty="0"/>
+          </a:p>
+        </p:txBody>
+      </p:sp>
+      <p:sp>
+        <p:nvSpPr>
+          <p:cNvPr id="3" name="Espace réservé du contenu 2">
+            <a:extLst>
+              <a:ext uri="{FF2B5EF4-FFF2-40B4-BE49-F238E27FC236}">
+                <a16:creationId xmlns:a16="http://schemas.microsoft.com/office/drawing/2014/main" id="{8B6D93B1-8384-47F9-818D-27D3F4A94675}"/>
+              </a:ext>
+            </a:extLst>
+          </p:cNvPr>
+          <p:cNvSpPr>
+            <a:spLocks noGrp="1"/>
+          </p:cNvSpPr>
+          <p:nvPr>
+            <p:ph idx="1"/>
+          </p:nvPr>
+        </p:nvSpPr>
+        <p:spPr/>
+        <p:txBody>
+          <a:bodyPr/>
+          <a:lstStyle/>
+          <a:p>
+            <a:r>
+              <a:rPr lang="fr-FR" dirty="0"/>
+              <a:t>SAI </a:t>
+            </a:r>
+            <a:r>
+              <a:rPr lang="fr-FR" dirty="0" err="1"/>
+              <a:t>need</a:t>
+            </a:r>
+            <a:r>
+              <a:rPr lang="fr-FR" dirty="0"/>
+              <a:t> to </a:t>
+            </a:r>
+            <a:r>
+              <a:rPr lang="fr-FR" dirty="0" err="1"/>
+              <a:t>be</a:t>
+            </a:r>
+            <a:r>
+              <a:rPr lang="fr-FR" dirty="0"/>
+              <a:t> launch </a:t>
+            </a:r>
+            <a:r>
+              <a:rPr lang="fr-FR" dirty="0" err="1"/>
+              <a:t>everytime</a:t>
+            </a:r>
+            <a:r>
+              <a:rPr lang="fr-FR" dirty="0"/>
+              <a:t> the computer </a:t>
+            </a:r>
+            <a:r>
+              <a:rPr lang="fr-FR" dirty="0" err="1"/>
+              <a:t>is</a:t>
+            </a:r>
+            <a:r>
+              <a:rPr lang="fr-FR" dirty="0"/>
+              <a:t> up, </a:t>
+            </a:r>
+            <a:r>
+              <a:rPr lang="fr-FR" dirty="0" err="1"/>
+              <a:t>it</a:t>
+            </a:r>
+            <a:r>
+              <a:rPr lang="fr-FR" dirty="0"/>
+              <a:t> </a:t>
+            </a:r>
+            <a:r>
+              <a:rPr lang="fr-FR" dirty="0" err="1"/>
+              <a:t>needs</a:t>
+            </a:r>
+            <a:r>
+              <a:rPr lang="fr-FR" dirty="0"/>
+              <a:t> to run as a daemon </a:t>
+            </a:r>
+            <a:r>
+              <a:rPr lang="fr-FR" dirty="0" err="1"/>
+              <a:t>that</a:t>
+            </a:r>
+            <a:r>
+              <a:rPr lang="fr-FR" dirty="0"/>
+              <a:t> use the </a:t>
+            </a:r>
+            <a:r>
+              <a:rPr lang="fr-FR" dirty="0" err="1"/>
+              <a:t>mic</a:t>
+            </a:r>
+            <a:r>
+              <a:rPr lang="fr-FR" dirty="0"/>
+              <a:t> and let the </a:t>
+            </a:r>
+            <a:r>
+              <a:rPr lang="fr-FR" dirty="0" err="1"/>
+              <a:t>mic</a:t>
+            </a:r>
+            <a:r>
+              <a:rPr lang="fr-FR" dirty="0"/>
+              <a:t> for </a:t>
+            </a:r>
+            <a:r>
+              <a:rPr lang="fr-FR" dirty="0" err="1"/>
+              <a:t>another</a:t>
+            </a:r>
+            <a:r>
+              <a:rPr lang="fr-FR" dirty="0"/>
+              <a:t> application if </a:t>
+            </a:r>
+            <a:r>
+              <a:rPr lang="fr-FR" dirty="0" err="1"/>
+              <a:t>its</a:t>
+            </a:r>
+            <a:r>
+              <a:rPr lang="fr-FR" dirty="0"/>
+              <a:t> </a:t>
+            </a:r>
+            <a:r>
+              <a:rPr lang="fr-FR" dirty="0" err="1"/>
+              <a:t>need</a:t>
+            </a:r>
+            <a:endParaRPr lang="fr-FR" dirty="0"/>
+          </a:p>
+          <a:p>
+            <a:r>
+              <a:rPr lang="fr-FR" dirty="0"/>
+              <a:t>A </a:t>
+            </a:r>
+            <a:r>
+              <a:rPr lang="fr-FR" dirty="0" err="1"/>
+              <a:t>schema</a:t>
+            </a:r>
+            <a:r>
+              <a:rPr lang="fr-FR" dirty="0"/>
+              <a:t> to </a:t>
+            </a:r>
+            <a:r>
+              <a:rPr lang="fr-FR"/>
+              <a:t>explain</a:t>
+            </a:r>
+            <a:endParaRPr lang="en-GB"/>
+          </a:p>
+        </p:txBody>
+      </p:sp>
+    </p:spTree>
+    <p:extLst>
+      <p:ext uri="{BB962C8B-B14F-4D97-AF65-F5344CB8AC3E}">
+        <p14:creationId xmlns:p14="http://schemas.microsoft.com/office/powerpoint/2010/main" val="289160787"/>
+      </p:ext>
+    </p:extLst>
+  </p:cSld>
+  <p:clrMapOvr>
+    <a:masterClrMapping/>
+  </p:clrMapOvr>
+</p:sld>
+</file>
+
+<file path=ppt/slides/slide11.xml><?xml version="1.0" encoding="utf-8"?>
+<p:sld xmlns:a="http://schemas.openxmlformats.org/drawingml/2006/main" xmlns:r="http://schemas.openxmlformats.org/officeDocument/2006/relationships" xmlns:p="http://schemas.openxmlformats.org/presentationml/2006/main">
+  <p:cSld>
     <p:bg>
       <p:bgPr>
         <a:gradFill rotWithShape="1">
@@ -12316,7 +12520,7 @@
 </p:sld>
 </file>
 
-<file path=ppt/slides/slide11.xml><?xml version="1.0" encoding="utf-8"?>
+<file path=ppt/slides/slide12.xml><?xml version="1.0" encoding="utf-8"?>
 <p:sld xmlns:a="http://schemas.openxmlformats.org/drawingml/2006/main" xmlns:r="http://schemas.openxmlformats.org/officeDocument/2006/relationships" xmlns:p="http://schemas.openxmlformats.org/presentationml/2006/main">
   <p:cSld>
     <p:spTree>
@@ -12410,7 +12614,7 @@
 </p:sld>
 </file>
 
-<file path=ppt/slides/slide12.xml><?xml version="1.0" encoding="utf-8"?>
+<file path=ppt/slides/slide13.xml><?xml version="1.0" encoding="utf-8"?>
 <p:sld xmlns:a="http://schemas.openxmlformats.org/drawingml/2006/main" xmlns:r="http://schemas.openxmlformats.org/officeDocument/2006/relationships" xmlns:p="http://schemas.openxmlformats.org/presentationml/2006/main">
   <p:cSld>
     <p:bg>
@@ -12532,7 +12736,7 @@
 </p:sld>
 </file>
 
-<file path=ppt/slides/slide13.xml><?xml version="1.0" encoding="utf-8"?>
+<file path=ppt/slides/slide14.xml><?xml version="1.0" encoding="utf-8"?>
 <p:sld xmlns:a="http://schemas.openxmlformats.org/drawingml/2006/main" xmlns:r="http://schemas.openxmlformats.org/officeDocument/2006/relationships" xmlns:p="http://schemas.openxmlformats.org/presentationml/2006/main">
   <p:cSld>
     <p:spTree>
@@ -12712,7 +12916,7 @@
 </p:sld>
 </file>
 
-<file path=ppt/slides/slide14.xml><?xml version="1.0" encoding="utf-8"?>
+<file path=ppt/slides/slide15.xml><?xml version="1.0" encoding="utf-8"?>
 <p:sld xmlns:a="http://schemas.openxmlformats.org/drawingml/2006/main" xmlns:r="http://schemas.openxmlformats.org/officeDocument/2006/relationships" xmlns:p="http://schemas.openxmlformats.org/presentationml/2006/main">
   <p:cSld>
     <p:spTree>
@@ -13465,7 +13669,7 @@
 </p:sld>
 </file>
 
-<file path=ppt/slides/slide15.xml><?xml version="1.0" encoding="utf-8"?>
+<file path=ppt/slides/slide16.xml><?xml version="1.0" encoding="utf-8"?>
 <p:sld xmlns:a="http://schemas.openxmlformats.org/drawingml/2006/main" xmlns:r="http://schemas.openxmlformats.org/officeDocument/2006/relationships" xmlns:p="http://schemas.openxmlformats.org/presentationml/2006/main">
   <p:cSld>
     <p:spTree>
@@ -14006,7 +14210,7 @@
 </p:sld>
 </file>
 
-<file path=ppt/slides/slide16.xml><?xml version="1.0" encoding="utf-8"?>
+<file path=ppt/slides/slide17.xml><?xml version="1.0" encoding="utf-8"?>
 <p:sld xmlns:a="http://schemas.openxmlformats.org/drawingml/2006/main" xmlns:r="http://schemas.openxmlformats.org/officeDocument/2006/relationships" xmlns:p="http://schemas.openxmlformats.org/presentationml/2006/main">
   <p:cSld>
     <p:spTree>

--- a/SAI_presentation.pptx
+++ b/SAI_presentation.pptx
@@ -16939,54 +16939,337 @@
           <a:lstStyle/>
           <a:p>
             <a:r>
+              <a:rPr lang="fr-FR" dirty="0">
+                <a:solidFill>
+                  <a:schemeClr val="tx1"/>
+                </a:solidFill>
+              </a:rPr>
+              <a:t>Hard to </a:t>
+            </a:r>
+            <a:r>
+              <a:rPr lang="fr-FR" dirty="0" err="1">
+                <a:solidFill>
+                  <a:schemeClr val="tx1"/>
+                </a:solidFill>
+              </a:rPr>
+              <a:t>deploy</a:t>
+            </a:r>
+            <a:endParaRPr lang="fr-FR" dirty="0">
+              <a:solidFill>
+                <a:schemeClr val="tx1"/>
+              </a:solidFill>
+            </a:endParaRPr>
+          </a:p>
+          <a:p>
+            <a:r>
+              <a:rPr lang="fr-FR" dirty="0" err="1">
+                <a:solidFill>
+                  <a:schemeClr val="tx1"/>
+                </a:solidFill>
+              </a:rPr>
+              <a:t>Simulate</a:t>
+            </a:r>
+            <a:r>
+              <a:rPr lang="fr-FR" dirty="0">
+                <a:solidFill>
+                  <a:schemeClr val="tx1"/>
+                </a:solidFill>
+              </a:rPr>
+              <a:t> the </a:t>
+            </a:r>
+            <a:r>
+              <a:rPr lang="fr-FR" dirty="0" err="1">
+                <a:solidFill>
+                  <a:schemeClr val="tx1"/>
+                </a:solidFill>
+              </a:rPr>
+              <a:t>brain</a:t>
+            </a:r>
+            <a:r>
+              <a:rPr lang="fr-FR" dirty="0">
+                <a:solidFill>
+                  <a:schemeClr val="tx1"/>
+                </a:solidFill>
+              </a:rPr>
+              <a:t> </a:t>
+            </a:r>
+            <a:r>
+              <a:rPr lang="fr-FR" dirty="0" err="1">
+                <a:solidFill>
+                  <a:schemeClr val="tx1"/>
+                </a:solidFill>
+              </a:rPr>
+              <a:t>behavior</a:t>
+            </a:r>
+            <a:r>
+              <a:rPr lang="fr-FR" dirty="0">
+                <a:solidFill>
+                  <a:schemeClr val="tx1"/>
+                </a:solidFill>
+              </a:rPr>
+              <a:t> </a:t>
+            </a:r>
+            <a:r>
+              <a:rPr lang="fr-FR" dirty="0" err="1">
+                <a:solidFill>
+                  <a:schemeClr val="tx1"/>
+                </a:solidFill>
+              </a:rPr>
+              <a:t>during</a:t>
+            </a:r>
+            <a:r>
+              <a:rPr lang="fr-FR" dirty="0">
+                <a:solidFill>
+                  <a:schemeClr val="tx1"/>
+                </a:solidFill>
+              </a:rPr>
+              <a:t> </a:t>
+            </a:r>
+            <a:r>
+              <a:rPr lang="fr-FR" dirty="0" err="1">
+                <a:solidFill>
+                  <a:schemeClr val="tx1"/>
+                </a:solidFill>
+              </a:rPr>
+              <a:t>sleep</a:t>
+            </a:r>
+            <a:r>
+              <a:rPr lang="fr-FR" dirty="0">
+                <a:solidFill>
+                  <a:schemeClr val="tx1"/>
+                </a:solidFill>
+              </a:rPr>
+              <a:t> (sort/</a:t>
+            </a:r>
+            <a:r>
+              <a:rPr lang="fr-FR" dirty="0" err="1">
+                <a:solidFill>
+                  <a:schemeClr val="tx1"/>
+                </a:solidFill>
+              </a:rPr>
+              <a:t>compress</a:t>
+            </a:r>
+            <a:r>
+              <a:rPr lang="fr-FR" dirty="0">
+                <a:solidFill>
+                  <a:schemeClr val="tx1"/>
+                </a:solidFill>
+              </a:rPr>
+              <a:t>/</a:t>
+            </a:r>
+            <a:r>
+              <a:rPr lang="fr-FR" dirty="0" err="1">
+                <a:solidFill>
+                  <a:schemeClr val="tx1"/>
+                </a:solidFill>
+              </a:rPr>
+              <a:t>delete</a:t>
+            </a:r>
+            <a:r>
+              <a:rPr lang="fr-FR" dirty="0">
+                <a:solidFill>
+                  <a:schemeClr val="tx1"/>
+                </a:solidFill>
+              </a:rPr>
+              <a:t> data)</a:t>
+            </a:r>
+          </a:p>
+          <a:p>
+            <a:r>
+              <a:rPr lang="fr-FR" dirty="0" err="1">
+                <a:solidFill>
+                  <a:schemeClr val="tx1"/>
+                </a:solidFill>
+              </a:rPr>
+              <a:t>Add</a:t>
+            </a:r>
+            <a:r>
+              <a:rPr lang="fr-FR" dirty="0">
+                <a:solidFill>
+                  <a:schemeClr val="tx1"/>
+                </a:solidFill>
+              </a:rPr>
+              <a:t> a </a:t>
+            </a:r>
+            <a:r>
+              <a:rPr lang="fr-FR" dirty="0" err="1">
+                <a:solidFill>
+                  <a:schemeClr val="tx1"/>
+                </a:solidFill>
+              </a:rPr>
+              <a:t>reward</a:t>
+            </a:r>
+            <a:r>
+              <a:rPr lang="fr-FR" dirty="0">
+                <a:solidFill>
+                  <a:schemeClr val="tx1"/>
+                </a:solidFill>
+              </a:rPr>
+              <a:t> (</a:t>
+            </a:r>
+            <a:r>
+              <a:rPr lang="fr-FR" dirty="0" err="1">
+                <a:solidFill>
+                  <a:schemeClr val="tx1"/>
+                </a:solidFill>
+              </a:rPr>
+              <a:t>seems</a:t>
+            </a:r>
+            <a:r>
+              <a:rPr lang="fr-FR" dirty="0">
+                <a:solidFill>
+                  <a:schemeClr val="tx1"/>
+                </a:solidFill>
+              </a:rPr>
+              <a:t> like RL, </a:t>
+            </a:r>
+            <a:r>
+              <a:rPr lang="fr-FR" dirty="0" err="1">
+                <a:solidFill>
+                  <a:schemeClr val="tx1"/>
+                </a:solidFill>
+              </a:rPr>
+              <a:t>pheromon</a:t>
+            </a:r>
+            <a:r>
+              <a:rPr lang="fr-FR" dirty="0">
+                <a:solidFill>
+                  <a:schemeClr val="tx1"/>
+                </a:solidFill>
+              </a:rPr>
+              <a:t>)</a:t>
+            </a:r>
+          </a:p>
+          <a:p>
+            <a:r>
+              <a:rPr lang="fr-FR" dirty="0">
+                <a:solidFill>
+                  <a:schemeClr val="tx1"/>
+                </a:solidFill>
+              </a:rPr>
+              <a:t>Launch the SAI </a:t>
+            </a:r>
+            <a:r>
+              <a:rPr lang="fr-FR" dirty="0" err="1">
+                <a:solidFill>
+                  <a:schemeClr val="tx1"/>
+                </a:solidFill>
+              </a:rPr>
+              <a:t>each</a:t>
+            </a:r>
+            <a:r>
+              <a:rPr lang="fr-FR" dirty="0">
+                <a:solidFill>
+                  <a:schemeClr val="tx1"/>
+                </a:solidFill>
+              </a:rPr>
+              <a:t> </a:t>
+            </a:r>
+            <a:r>
+              <a:rPr lang="fr-FR" dirty="0" err="1">
+                <a:solidFill>
+                  <a:schemeClr val="tx1"/>
+                </a:solidFill>
+              </a:rPr>
+              <a:t>day</a:t>
+            </a:r>
+            <a:r>
+              <a:rPr lang="fr-FR" dirty="0">
+                <a:solidFill>
+                  <a:schemeClr val="tx1"/>
+                </a:solidFill>
+              </a:rPr>
+              <a:t>, </a:t>
+            </a:r>
+            <a:r>
+              <a:rPr lang="fr-FR" dirty="0" err="1">
+                <a:solidFill>
+                  <a:schemeClr val="tx1"/>
+                </a:solidFill>
+              </a:rPr>
+              <a:t>it</a:t>
+            </a:r>
+            <a:r>
+              <a:rPr lang="fr-FR" dirty="0">
+                <a:solidFill>
+                  <a:schemeClr val="tx1"/>
+                </a:solidFill>
+              </a:rPr>
+              <a:t> </a:t>
+            </a:r>
+            <a:r>
+              <a:rPr lang="fr-FR" dirty="0" err="1">
+                <a:solidFill>
+                  <a:schemeClr val="tx1"/>
+                </a:solidFill>
+              </a:rPr>
+              <a:t>will</a:t>
+            </a:r>
+            <a:r>
+              <a:rPr lang="fr-FR" dirty="0">
+                <a:solidFill>
+                  <a:schemeClr val="tx1"/>
+                </a:solidFill>
+              </a:rPr>
+              <a:t> </a:t>
+            </a:r>
+            <a:r>
+              <a:rPr lang="fr-FR" dirty="0" err="1">
+                <a:solidFill>
+                  <a:schemeClr val="tx1"/>
+                </a:solidFill>
+              </a:rPr>
+              <a:t>give</a:t>
+            </a:r>
+            <a:r>
+              <a:rPr lang="fr-FR" dirty="0">
+                <a:solidFill>
+                  <a:schemeClr val="tx1"/>
+                </a:solidFill>
+              </a:rPr>
+              <a:t> a report of </a:t>
+            </a:r>
+            <a:r>
+              <a:rPr lang="fr-FR" dirty="0" err="1">
+                <a:solidFill>
+                  <a:schemeClr val="tx1"/>
+                </a:solidFill>
+              </a:rPr>
+              <a:t>what</a:t>
+            </a:r>
+            <a:r>
+              <a:rPr lang="fr-FR" dirty="0">
+                <a:solidFill>
+                  <a:schemeClr val="tx1"/>
+                </a:solidFill>
+              </a:rPr>
+              <a:t> </a:t>
+            </a:r>
+            <a:r>
+              <a:rPr lang="fr-FR" dirty="0" err="1">
+                <a:solidFill>
+                  <a:schemeClr val="tx1"/>
+                </a:solidFill>
+              </a:rPr>
+              <a:t>it</a:t>
+            </a:r>
+            <a:r>
+              <a:rPr lang="fr-FR" dirty="0">
+                <a:solidFill>
+                  <a:schemeClr val="tx1"/>
+                </a:solidFill>
+              </a:rPr>
+              <a:t> </a:t>
+            </a:r>
+            <a:r>
               <a:rPr lang="fr-FR">
                 <a:solidFill>
                   <a:schemeClr val="tx1"/>
                 </a:solidFill>
               </a:rPr>
-              <a:t>Hard to deploy</a:t>
-            </a:r>
-          </a:p>
-          <a:p>
-            <a:r>
-              <a:rPr lang="fr-FR">
-                <a:solidFill>
-                  <a:schemeClr val="tx1"/>
-                </a:solidFill>
-              </a:rPr>
-              <a:t>Simulate the brain behavior during sleep (sort/compress/delete data)</a:t>
-            </a:r>
-          </a:p>
-          <a:p>
-            <a:r>
-              <a:rPr lang="fr-FR">
-                <a:solidFill>
-                  <a:schemeClr val="tx1"/>
-                </a:solidFill>
-              </a:rPr>
-              <a:t>Add a reward (seems like RL, pheromon)</a:t>
-            </a:r>
-          </a:p>
-          <a:p>
-            <a:r>
-              <a:rPr lang="fr-FR">
-                <a:solidFill>
-                  <a:schemeClr val="tx1"/>
-                </a:solidFill>
-              </a:rPr>
-              <a:t>Launch the SAI each day, it will give a report of what it learned</a:t>
-            </a:r>
-          </a:p>
-          <a:p>
-            <a:r>
-              <a:rPr lang="fr-FR">
-                <a:solidFill>
-                  <a:schemeClr val="tx1"/>
-                </a:solidFill>
-              </a:rPr>
-              <a:t>Sort what SAI learned</a:t>
-            </a:r>
-            <a:endParaRPr lang="en-GB">
+              <a:t>learned</a:t>
+            </a:r>
+            <a:endParaRPr lang="en-GB" dirty="0">
               <a:solidFill>
                 <a:schemeClr val="tx1"/>
               </a:solidFill>

--- a/SAI_presentation.pptx
+++ b/SAI_presentation.pptx
@@ -15,13 +15,14 @@
     <p:sldId id="270" r:id="rId9"/>
     <p:sldId id="271" r:id="rId10"/>
     <p:sldId id="272" r:id="rId11"/>
-    <p:sldId id="259" r:id="rId12"/>
-    <p:sldId id="260" r:id="rId13"/>
-    <p:sldId id="261" r:id="rId14"/>
-    <p:sldId id="265" r:id="rId15"/>
-    <p:sldId id="262" r:id="rId16"/>
-    <p:sldId id="264" r:id="rId17"/>
-    <p:sldId id="263" r:id="rId18"/>
+    <p:sldId id="273" r:id="rId12"/>
+    <p:sldId id="259" r:id="rId13"/>
+    <p:sldId id="260" r:id="rId14"/>
+    <p:sldId id="261" r:id="rId15"/>
+    <p:sldId id="265" r:id="rId16"/>
+    <p:sldId id="262" r:id="rId17"/>
+    <p:sldId id="264" r:id="rId18"/>
+    <p:sldId id="263" r:id="rId19"/>
   </p:sldIdLst>
   <p:sldSz cx="12192000" cy="6858000"/>
   <p:notesSz cx="6858000" cy="9144000"/>
@@ -12226,6 +12227,113 @@
 <file path=ppt/slides/slide11.xml><?xml version="1.0" encoding="utf-8"?>
 <p:sld xmlns:a="http://schemas.openxmlformats.org/drawingml/2006/main" xmlns:r="http://schemas.openxmlformats.org/officeDocument/2006/relationships" xmlns:p="http://schemas.openxmlformats.org/presentationml/2006/main">
   <p:cSld>
+    <p:spTree>
+      <p:nvGrpSpPr>
+        <p:cNvPr id="1" name=""/>
+        <p:cNvGrpSpPr/>
+        <p:nvPr/>
+      </p:nvGrpSpPr>
+      <p:grpSpPr>
+        <a:xfrm>
+          <a:off x="0" y="0"/>
+          <a:ext cx="0" cy="0"/>
+          <a:chOff x="0" y="0"/>
+          <a:chExt cx="0" cy="0"/>
+        </a:xfrm>
+      </p:grpSpPr>
+      <p:sp>
+        <p:nvSpPr>
+          <p:cNvPr id="2" name="Titre 1">
+            <a:extLst>
+              <a:ext uri="{FF2B5EF4-FFF2-40B4-BE49-F238E27FC236}">
+                <a16:creationId xmlns:a16="http://schemas.microsoft.com/office/drawing/2014/main" id="{C4DC637E-2BCF-46A5-AAB2-8D5832E6F96F}"/>
+              </a:ext>
+            </a:extLst>
+          </p:cNvPr>
+          <p:cNvSpPr>
+            <a:spLocks noGrp="1"/>
+          </p:cNvSpPr>
+          <p:nvPr>
+            <p:ph type="title"/>
+          </p:nvPr>
+        </p:nvSpPr>
+        <p:spPr/>
+        <p:txBody>
+          <a:bodyPr/>
+          <a:lstStyle/>
+          <a:p>
+            <a:r>
+              <a:rPr lang="fr-FR" dirty="0"/>
+              <a:t>Issues</a:t>
+            </a:r>
+            <a:endParaRPr lang="en-GB" dirty="0"/>
+          </a:p>
+        </p:txBody>
+      </p:sp>
+      <p:sp>
+        <p:nvSpPr>
+          <p:cNvPr id="3" name="Espace réservé du contenu 2">
+            <a:extLst>
+              <a:ext uri="{FF2B5EF4-FFF2-40B4-BE49-F238E27FC236}">
+                <a16:creationId xmlns:a16="http://schemas.microsoft.com/office/drawing/2014/main" id="{1A557666-F24F-405D-A07F-C9648E2EE10F}"/>
+              </a:ext>
+            </a:extLst>
+          </p:cNvPr>
+          <p:cNvSpPr>
+            <a:spLocks noGrp="1"/>
+          </p:cNvSpPr>
+          <p:nvPr>
+            <p:ph idx="1"/>
+          </p:nvPr>
+        </p:nvSpPr>
+        <p:spPr/>
+        <p:txBody>
+          <a:bodyPr/>
+          <a:lstStyle/>
+          <a:p>
+            <a:r>
+              <a:rPr lang="fr-FR" dirty="0"/>
+              <a:t>Issues </a:t>
+            </a:r>
+            <a:r>
+              <a:rPr lang="fr-FR" dirty="0" err="1"/>
+              <a:t>synthesis</a:t>
+            </a:r>
+            <a:endParaRPr lang="fr-FR" dirty="0"/>
+          </a:p>
+          <a:p>
+            <a:r>
+              <a:rPr lang="fr-FR" dirty="0"/>
+              <a:t>Use a </a:t>
+            </a:r>
+            <a:r>
+              <a:rPr lang="fr-FR" dirty="0" err="1"/>
+              <a:t>complex</a:t>
+            </a:r>
+            <a:r>
+              <a:rPr lang="fr-FR"/>
+              <a:t> shema</a:t>
+            </a:r>
+            <a:endParaRPr lang="en-GB" dirty="0"/>
+          </a:p>
+        </p:txBody>
+      </p:sp>
+    </p:spTree>
+    <p:extLst>
+      <p:ext uri="{BB962C8B-B14F-4D97-AF65-F5344CB8AC3E}">
+        <p14:creationId xmlns:p14="http://schemas.microsoft.com/office/powerpoint/2010/main" val="2039711715"/>
+      </p:ext>
+    </p:extLst>
+  </p:cSld>
+  <p:clrMapOvr>
+    <a:masterClrMapping/>
+  </p:clrMapOvr>
+</p:sld>
+</file>
+
+<file path=ppt/slides/slide12.xml><?xml version="1.0" encoding="utf-8"?>
+<p:sld xmlns:a="http://schemas.openxmlformats.org/drawingml/2006/main" xmlns:r="http://schemas.openxmlformats.org/officeDocument/2006/relationships" xmlns:p="http://schemas.openxmlformats.org/presentationml/2006/main">
+  <p:cSld>
     <p:bg>
       <p:bgPr>
         <a:gradFill rotWithShape="1">
@@ -12520,7 +12628,7 @@
 </p:sld>
 </file>
 
-<file path=ppt/slides/slide12.xml><?xml version="1.0" encoding="utf-8"?>
+<file path=ppt/slides/slide13.xml><?xml version="1.0" encoding="utf-8"?>
 <p:sld xmlns:a="http://schemas.openxmlformats.org/drawingml/2006/main" xmlns:r="http://schemas.openxmlformats.org/officeDocument/2006/relationships" xmlns:p="http://schemas.openxmlformats.org/presentationml/2006/main">
   <p:cSld>
     <p:spTree>
@@ -12614,7 +12722,7 @@
 </p:sld>
 </file>
 
-<file path=ppt/slides/slide13.xml><?xml version="1.0" encoding="utf-8"?>
+<file path=ppt/slides/slide14.xml><?xml version="1.0" encoding="utf-8"?>
 <p:sld xmlns:a="http://schemas.openxmlformats.org/drawingml/2006/main" xmlns:r="http://schemas.openxmlformats.org/officeDocument/2006/relationships" xmlns:p="http://schemas.openxmlformats.org/presentationml/2006/main">
   <p:cSld>
     <p:bg>
@@ -12736,7 +12844,7 @@
 </p:sld>
 </file>
 
-<file path=ppt/slides/slide14.xml><?xml version="1.0" encoding="utf-8"?>
+<file path=ppt/slides/slide15.xml><?xml version="1.0" encoding="utf-8"?>
 <p:sld xmlns:a="http://schemas.openxmlformats.org/drawingml/2006/main" xmlns:r="http://schemas.openxmlformats.org/officeDocument/2006/relationships" xmlns:p="http://schemas.openxmlformats.org/presentationml/2006/main">
   <p:cSld>
     <p:spTree>
@@ -12916,7 +13024,7 @@
 </p:sld>
 </file>
 
-<file path=ppt/slides/slide15.xml><?xml version="1.0" encoding="utf-8"?>
+<file path=ppt/slides/slide16.xml><?xml version="1.0" encoding="utf-8"?>
 <p:sld xmlns:a="http://schemas.openxmlformats.org/drawingml/2006/main" xmlns:r="http://schemas.openxmlformats.org/officeDocument/2006/relationships" xmlns:p="http://schemas.openxmlformats.org/presentationml/2006/main">
   <p:cSld>
     <p:spTree>
@@ -13669,7 +13777,7 @@
 </p:sld>
 </file>
 
-<file path=ppt/slides/slide16.xml><?xml version="1.0" encoding="utf-8"?>
+<file path=ppt/slides/slide17.xml><?xml version="1.0" encoding="utf-8"?>
 <p:sld xmlns:a="http://schemas.openxmlformats.org/drawingml/2006/main" xmlns:r="http://schemas.openxmlformats.org/officeDocument/2006/relationships" xmlns:p="http://schemas.openxmlformats.org/presentationml/2006/main">
   <p:cSld>
     <p:spTree>
@@ -14210,7 +14318,7 @@
 </p:sld>
 </file>
 
-<file path=ppt/slides/slide17.xml><?xml version="1.0" encoding="utf-8"?>
+<file path=ppt/slides/slide18.xml><?xml version="1.0" encoding="utf-8"?>
 <p:sld xmlns:a="http://schemas.openxmlformats.org/drawingml/2006/main" xmlns:r="http://schemas.openxmlformats.org/officeDocument/2006/relationships" xmlns:p="http://schemas.openxmlformats.org/presentationml/2006/main">
   <p:cSld>
     <p:spTree>

--- a/SAI_presentation.pptx
+++ b/SAI_presentation.pptx
@@ -17,12 +17,13 @@
     <p:sldId id="272" r:id="rId11"/>
     <p:sldId id="273" r:id="rId12"/>
     <p:sldId id="259" r:id="rId13"/>
-    <p:sldId id="260" r:id="rId14"/>
-    <p:sldId id="261" r:id="rId15"/>
-    <p:sldId id="265" r:id="rId16"/>
-    <p:sldId id="262" r:id="rId17"/>
-    <p:sldId id="264" r:id="rId18"/>
-    <p:sldId id="263" r:id="rId19"/>
+    <p:sldId id="274" r:id="rId14"/>
+    <p:sldId id="260" r:id="rId15"/>
+    <p:sldId id="261" r:id="rId16"/>
+    <p:sldId id="265" r:id="rId17"/>
+    <p:sldId id="262" r:id="rId18"/>
+    <p:sldId id="264" r:id="rId19"/>
+    <p:sldId id="263" r:id="rId20"/>
   </p:sldIdLst>
   <p:sldSz cx="12192000" cy="6858000"/>
   <p:notesSz cx="6858000" cy="9144000"/>
@@ -6745,7 +6746,7 @@
             <a:fld id="{B61BEF0D-F0BB-DE4B-95CE-6DB70DBA9567}" type="datetimeFigureOut">
               <a:rPr lang="en-US" dirty="0"/>
               <a:pPr/>
-              <a:t>3/8/2020</a:t>
+              <a:t>3/9/2020</a:t>
             </a:fld>
             <a:endParaRPr lang="en-US" dirty="0"/>
           </a:p>
@@ -7178,7 +7179,7 @@
             <a:fld id="{B61BEF0D-F0BB-DE4B-95CE-6DB70DBA9567}" type="datetimeFigureOut">
               <a:rPr lang="en-US" dirty="0"/>
               <a:pPr/>
-              <a:t>3/8/2020</a:t>
+              <a:t>3/9/2020</a:t>
             </a:fld>
             <a:endParaRPr lang="en-US" dirty="0"/>
           </a:p>
@@ -7425,7 +7426,7 @@
             <a:fld id="{B61BEF0D-F0BB-DE4B-95CE-6DB70DBA9567}" type="datetimeFigureOut">
               <a:rPr lang="en-US" dirty="0"/>
               <a:pPr/>
-              <a:t>3/8/2020</a:t>
+              <a:t>3/9/2020</a:t>
             </a:fld>
             <a:endParaRPr lang="en-US" dirty="0"/>
           </a:p>
@@ -7730,7 +7731,7 @@
             <a:fld id="{B61BEF0D-F0BB-DE4B-95CE-6DB70DBA9567}" type="datetimeFigureOut">
               <a:rPr lang="en-US" dirty="0"/>
               <a:pPr/>
-              <a:t>3/8/2020</a:t>
+              <a:t>3/9/2020</a:t>
             </a:fld>
             <a:endParaRPr lang="en-US" dirty="0"/>
           </a:p>
@@ -8045,7 +8046,7 @@
             <a:fld id="{B61BEF0D-F0BB-DE4B-95CE-6DB70DBA9567}" type="datetimeFigureOut">
               <a:rPr lang="en-US" dirty="0"/>
               <a:pPr/>
-              <a:t>3/8/2020</a:t>
+              <a:t>3/9/2020</a:t>
             </a:fld>
             <a:endParaRPr lang="en-US" dirty="0"/>
           </a:p>
@@ -8344,7 +8345,7 @@
             <a:fld id="{B61BEF0D-F0BB-DE4B-95CE-6DB70DBA9567}" type="datetimeFigureOut">
               <a:rPr lang="en-US" dirty="0"/>
               <a:pPr/>
-              <a:t>3/8/2020</a:t>
+              <a:t>3/9/2020</a:t>
             </a:fld>
             <a:endParaRPr lang="en-US" dirty="0"/>
           </a:p>
@@ -8708,7 +8709,7 @@
             <a:fld id="{B61BEF0D-F0BB-DE4B-95CE-6DB70DBA9567}" type="datetimeFigureOut">
               <a:rPr lang="en-US" dirty="0"/>
               <a:pPr/>
-              <a:t>3/8/2020</a:t>
+              <a:t>3/9/2020</a:t>
             </a:fld>
             <a:endParaRPr lang="en-US" dirty="0"/>
           </a:p>
@@ -8879,7 +8880,7 @@
             <a:fld id="{B61BEF0D-F0BB-DE4B-95CE-6DB70DBA9567}" type="datetimeFigureOut">
               <a:rPr lang="en-US" dirty="0"/>
               <a:pPr/>
-              <a:t>3/8/2020</a:t>
+              <a:t>3/9/2020</a:t>
             </a:fld>
             <a:endParaRPr lang="en-US" dirty="0"/>
           </a:p>
@@ -9056,7 +9057,7 @@
             <a:fld id="{B61BEF0D-F0BB-DE4B-95CE-6DB70DBA9567}" type="datetimeFigureOut">
               <a:rPr lang="en-US" dirty="0"/>
               <a:pPr/>
-              <a:t>3/8/2020</a:t>
+              <a:t>3/9/2020</a:t>
             </a:fld>
             <a:endParaRPr lang="en-US" dirty="0"/>
           </a:p>
@@ -9223,7 +9224,7 @@
             <a:fld id="{B61BEF0D-F0BB-DE4B-95CE-6DB70DBA9567}" type="datetimeFigureOut">
               <a:rPr lang="en-US" dirty="0"/>
               <a:pPr/>
-              <a:t>3/8/2020</a:t>
+              <a:t>3/9/2020</a:t>
             </a:fld>
             <a:endParaRPr lang="en-US" dirty="0"/>
           </a:p>
@@ -9470,7 +9471,7 @@
             <a:fld id="{B61BEF0D-F0BB-DE4B-95CE-6DB70DBA9567}" type="datetimeFigureOut">
               <a:rPr lang="en-US" dirty="0"/>
               <a:pPr/>
-              <a:t>3/8/2020</a:t>
+              <a:t>3/9/2020</a:t>
             </a:fld>
             <a:endParaRPr lang="en-US" dirty="0"/>
           </a:p>
@@ -9703,7 +9704,7 @@
             <a:fld id="{B61BEF0D-F0BB-DE4B-95CE-6DB70DBA9567}" type="datetimeFigureOut">
               <a:rPr lang="en-US" dirty="0"/>
               <a:pPr/>
-              <a:t>3/8/2020</a:t>
+              <a:t>3/9/2020</a:t>
             </a:fld>
             <a:endParaRPr lang="en-US" dirty="0"/>
           </a:p>
@@ -10082,7 +10083,7 @@
             <a:fld id="{B61BEF0D-F0BB-DE4B-95CE-6DB70DBA9567}" type="datetimeFigureOut">
               <a:rPr lang="en-US" dirty="0"/>
               <a:pPr/>
-              <a:t>3/8/2020</a:t>
+              <a:t>3/9/2020</a:t>
             </a:fld>
             <a:endParaRPr lang="en-US" dirty="0"/>
           </a:p>
@@ -10197,7 +10198,7 @@
             <a:fld id="{B61BEF0D-F0BB-DE4B-95CE-6DB70DBA9567}" type="datetimeFigureOut">
               <a:rPr lang="en-US" dirty="0"/>
               <a:pPr/>
-              <a:t>3/8/2020</a:t>
+              <a:t>3/9/2020</a:t>
             </a:fld>
             <a:endParaRPr lang="en-US" dirty="0"/>
           </a:p>
@@ -10289,7 +10290,7 @@
             <a:fld id="{B61BEF0D-F0BB-DE4B-95CE-6DB70DBA9567}" type="datetimeFigureOut">
               <a:rPr lang="en-US" dirty="0"/>
               <a:pPr/>
-              <a:t>3/8/2020</a:t>
+              <a:t>3/9/2020</a:t>
             </a:fld>
             <a:endParaRPr lang="en-US" dirty="0"/>
           </a:p>
@@ -10541,7 +10542,7 @@
             <a:fld id="{B61BEF0D-F0BB-DE4B-95CE-6DB70DBA9567}" type="datetimeFigureOut">
               <a:rPr lang="en-US" dirty="0"/>
               <a:pPr/>
-              <a:t>3/8/2020</a:t>
+              <a:t>3/9/2020</a:t>
             </a:fld>
             <a:endParaRPr lang="en-US" dirty="0"/>
           </a:p>
@@ -10821,7 +10822,7 @@
             <a:fld id="{B61BEF0D-F0BB-DE4B-95CE-6DB70DBA9567}" type="datetimeFigureOut">
               <a:rPr lang="en-US" dirty="0"/>
               <a:pPr/>
-              <a:t>3/8/2020</a:t>
+              <a:t>3/9/2020</a:t>
             </a:fld>
             <a:endParaRPr lang="en-US" dirty="0"/>
           </a:p>
@@ -11224,7 +11225,7 @@
             <a:fld id="{B61BEF0D-F0BB-DE4B-95CE-6DB70DBA9567}" type="datetimeFigureOut">
               <a:rPr lang="en-US" dirty="0"/>
               <a:pPr/>
-              <a:t>3/8/2020</a:t>
+              <a:t>3/9/2020</a:t>
             </a:fld>
             <a:endParaRPr lang="en-US" dirty="0"/>
           </a:p>
@@ -12650,6 +12651,141 @@
           <p:cNvPr id="2" name="Titre 1">
             <a:extLst>
               <a:ext uri="{FF2B5EF4-FFF2-40B4-BE49-F238E27FC236}">
+                <a16:creationId xmlns:a16="http://schemas.microsoft.com/office/drawing/2014/main" id="{3A345F8F-D253-4F3B-8984-2D2310B3CDA5}"/>
+              </a:ext>
+            </a:extLst>
+          </p:cNvPr>
+          <p:cNvSpPr>
+            <a:spLocks noGrp="1"/>
+          </p:cNvSpPr>
+          <p:nvPr>
+            <p:ph type="title"/>
+          </p:nvPr>
+        </p:nvSpPr>
+        <p:spPr/>
+        <p:txBody>
+          <a:bodyPr/>
+          <a:lstStyle/>
+          <a:p>
+            <a:r>
+              <a:rPr lang="fr-FR" dirty="0" err="1"/>
+              <a:t>Pyinstaller</a:t>
+            </a:r>
+            <a:endParaRPr lang="en-GB" dirty="0"/>
+          </a:p>
+        </p:txBody>
+      </p:sp>
+      <p:sp>
+        <p:nvSpPr>
+          <p:cNvPr id="3" name="Espace réservé du contenu 2">
+            <a:extLst>
+              <a:ext uri="{FF2B5EF4-FFF2-40B4-BE49-F238E27FC236}">
+                <a16:creationId xmlns:a16="http://schemas.microsoft.com/office/drawing/2014/main" id="{53970EB4-9339-4AA4-BF41-10FEA9FA384E}"/>
+              </a:ext>
+            </a:extLst>
+          </p:cNvPr>
+          <p:cNvSpPr>
+            <a:spLocks noGrp="1"/>
+          </p:cNvSpPr>
+          <p:nvPr>
+            <p:ph idx="1"/>
+          </p:nvPr>
+        </p:nvSpPr>
+        <p:spPr/>
+        <p:txBody>
+          <a:bodyPr/>
+          <a:lstStyle/>
+          <a:p>
+            <a:r>
+              <a:rPr lang="fr-FR" dirty="0" err="1"/>
+              <a:t>We</a:t>
+            </a:r>
+            <a:r>
+              <a:rPr lang="fr-FR" dirty="0"/>
+              <a:t> </a:t>
+            </a:r>
+            <a:r>
+              <a:rPr lang="fr-FR" dirty="0" err="1"/>
+              <a:t>choose</a:t>
+            </a:r>
+            <a:r>
+              <a:rPr lang="fr-FR" dirty="0"/>
+              <a:t> to use </a:t>
+            </a:r>
+            <a:r>
+              <a:rPr lang="fr-FR" dirty="0" err="1"/>
+              <a:t>pyinstaller</a:t>
+            </a:r>
+            <a:r>
+              <a:rPr lang="fr-FR" dirty="0"/>
+              <a:t> to </a:t>
+            </a:r>
+            <a:r>
+              <a:rPr lang="fr-FR" dirty="0" err="1"/>
+              <a:t>deploy</a:t>
+            </a:r>
+            <a:r>
+              <a:rPr lang="fr-FR" dirty="0"/>
+              <a:t> SAI </a:t>
+            </a:r>
+            <a:r>
+              <a:rPr lang="fr-FR"/>
+              <a:t>on Windows and OS X</a:t>
+            </a:r>
+            <a:endParaRPr lang="fr-FR" dirty="0"/>
+          </a:p>
+          <a:p>
+            <a:r>
+              <a:rPr lang="fr-FR" dirty="0" err="1"/>
+              <a:t>Schema</a:t>
+            </a:r>
+            <a:r>
+              <a:rPr lang="fr-FR" dirty="0"/>
+              <a:t> to </a:t>
+            </a:r>
+            <a:r>
+              <a:rPr lang="fr-FR" dirty="0" err="1"/>
+              <a:t>explain</a:t>
+            </a:r>
+            <a:endParaRPr lang="en-GB" dirty="0"/>
+          </a:p>
+        </p:txBody>
+      </p:sp>
+    </p:spTree>
+    <p:extLst>
+      <p:ext uri="{BB962C8B-B14F-4D97-AF65-F5344CB8AC3E}">
+        <p14:creationId xmlns:p14="http://schemas.microsoft.com/office/powerpoint/2010/main" val="3090106205"/>
+      </p:ext>
+    </p:extLst>
+  </p:cSld>
+  <p:clrMapOvr>
+    <a:masterClrMapping/>
+  </p:clrMapOvr>
+</p:sld>
+</file>
+
+<file path=ppt/slides/slide14.xml><?xml version="1.0" encoding="utf-8"?>
+<p:sld xmlns:a="http://schemas.openxmlformats.org/drawingml/2006/main" xmlns:r="http://schemas.openxmlformats.org/officeDocument/2006/relationships" xmlns:p="http://schemas.openxmlformats.org/presentationml/2006/main">
+  <p:cSld>
+    <p:spTree>
+      <p:nvGrpSpPr>
+        <p:cNvPr id="1" name=""/>
+        <p:cNvGrpSpPr/>
+        <p:nvPr/>
+      </p:nvGrpSpPr>
+      <p:grpSpPr>
+        <a:xfrm>
+          <a:off x="0" y="0"/>
+          <a:ext cx="0" cy="0"/>
+          <a:chOff x="0" y="0"/>
+          <a:chExt cx="0" cy="0"/>
+        </a:xfrm>
+      </p:grpSpPr>
+      <p:sp>
+        <p:nvSpPr>
+          <p:cNvPr id="2" name="Titre 1">
+            <a:extLst>
+              <a:ext uri="{FF2B5EF4-FFF2-40B4-BE49-F238E27FC236}">
                 <a16:creationId xmlns:a16="http://schemas.microsoft.com/office/drawing/2014/main" id="{643ACCC2-1572-47D7-9E8E-170E100F9348}"/>
               </a:ext>
             </a:extLst>
@@ -12722,7 +12858,7 @@
 </p:sld>
 </file>
 
-<file path=ppt/slides/slide14.xml><?xml version="1.0" encoding="utf-8"?>
+<file path=ppt/slides/slide15.xml><?xml version="1.0" encoding="utf-8"?>
 <p:sld xmlns:a="http://schemas.openxmlformats.org/drawingml/2006/main" xmlns:r="http://schemas.openxmlformats.org/officeDocument/2006/relationships" xmlns:p="http://schemas.openxmlformats.org/presentationml/2006/main">
   <p:cSld>
     <p:bg>
@@ -12844,7 +12980,7 @@
 </p:sld>
 </file>
 
-<file path=ppt/slides/slide15.xml><?xml version="1.0" encoding="utf-8"?>
+<file path=ppt/slides/slide16.xml><?xml version="1.0" encoding="utf-8"?>
 <p:sld xmlns:a="http://schemas.openxmlformats.org/drawingml/2006/main" xmlns:r="http://schemas.openxmlformats.org/officeDocument/2006/relationships" xmlns:p="http://schemas.openxmlformats.org/presentationml/2006/main">
   <p:cSld>
     <p:spTree>
@@ -13024,7 +13160,7 @@
 </p:sld>
 </file>
 
-<file path=ppt/slides/slide16.xml><?xml version="1.0" encoding="utf-8"?>
+<file path=ppt/slides/slide17.xml><?xml version="1.0" encoding="utf-8"?>
 <p:sld xmlns:a="http://schemas.openxmlformats.org/drawingml/2006/main" xmlns:r="http://schemas.openxmlformats.org/officeDocument/2006/relationships" xmlns:p="http://schemas.openxmlformats.org/presentationml/2006/main">
   <p:cSld>
     <p:spTree>
@@ -13777,7 +13913,7 @@
 </p:sld>
 </file>
 
-<file path=ppt/slides/slide17.xml><?xml version="1.0" encoding="utf-8"?>
+<file path=ppt/slides/slide18.xml><?xml version="1.0" encoding="utf-8"?>
 <p:sld xmlns:a="http://schemas.openxmlformats.org/drawingml/2006/main" xmlns:r="http://schemas.openxmlformats.org/officeDocument/2006/relationships" xmlns:p="http://schemas.openxmlformats.org/presentationml/2006/main">
   <p:cSld>
     <p:spTree>
@@ -14318,7 +14454,7 @@
 </p:sld>
 </file>
 
-<file path=ppt/slides/slide18.xml><?xml version="1.0" encoding="utf-8"?>
+<file path=ppt/slides/slide19.xml><?xml version="1.0" encoding="utf-8"?>
 <p:sld xmlns:a="http://schemas.openxmlformats.org/drawingml/2006/main" xmlns:r="http://schemas.openxmlformats.org/officeDocument/2006/relationships" xmlns:p="http://schemas.openxmlformats.org/presentationml/2006/main">
   <p:cSld>
     <p:spTree>

--- a/SAI_presentation.pptx
+++ b/SAI_presentation.pptx
@@ -18,12 +18,13 @@
     <p:sldId id="273" r:id="rId12"/>
     <p:sldId id="259" r:id="rId13"/>
     <p:sldId id="274" r:id="rId14"/>
-    <p:sldId id="260" r:id="rId15"/>
-    <p:sldId id="261" r:id="rId16"/>
-    <p:sldId id="265" r:id="rId17"/>
-    <p:sldId id="262" r:id="rId18"/>
-    <p:sldId id="264" r:id="rId19"/>
-    <p:sldId id="263" r:id="rId20"/>
+    <p:sldId id="275" r:id="rId15"/>
+    <p:sldId id="260" r:id="rId16"/>
+    <p:sldId id="261" r:id="rId17"/>
+    <p:sldId id="265" r:id="rId18"/>
+    <p:sldId id="262" r:id="rId19"/>
+    <p:sldId id="264" r:id="rId20"/>
+    <p:sldId id="263" r:id="rId21"/>
   </p:sldIdLst>
   <p:sldSz cx="12192000" cy="6858000"/>
   <p:notesSz cx="6858000" cy="9144000"/>
@@ -2468,10 +2469,38 @@
         <a:lstStyle/>
         <a:p>
           <a:r>
-            <a:rPr lang="fr-FR"/>
-            <a:t>The SAI will looks like the human teacher at the beginning</a:t>
+            <a:rPr lang="fr-FR" dirty="0"/>
+            <a:t>The SAI </a:t>
           </a:r>
-          <a:endParaRPr lang="en-US"/>
+          <a:r>
+            <a:rPr lang="fr-FR" dirty="0" err="1"/>
+            <a:t>will</a:t>
+          </a:r>
+          <a:r>
+            <a:rPr lang="fr-FR" dirty="0"/>
+            <a:t> looks like the </a:t>
+          </a:r>
+          <a:r>
+            <a:rPr lang="fr-FR" dirty="0" err="1"/>
+            <a:t>human</a:t>
+          </a:r>
+          <a:r>
+            <a:rPr lang="fr-FR" dirty="0"/>
+            <a:t> </a:t>
+          </a:r>
+          <a:r>
+            <a:rPr lang="fr-FR" dirty="0" err="1"/>
+            <a:t>teacher</a:t>
+          </a:r>
+          <a:r>
+            <a:rPr lang="fr-FR" dirty="0"/>
+            <a:t> at the </a:t>
+          </a:r>
+          <a:r>
+            <a:rPr lang="fr-FR" dirty="0" err="1"/>
+            <a:t>beginning</a:t>
+          </a:r>
+          <a:endParaRPr lang="en-US" dirty="0"/>
         </a:p>
       </dgm:t>
     </dgm:pt>
@@ -2505,10 +2534,50 @@
         <a:lstStyle/>
         <a:p>
           <a:r>
-            <a:rPr lang="fr-FR"/>
-            <a:t>After a threshold it will learn alone</a:t>
+            <a:rPr lang="fr-FR" dirty="0" err="1"/>
+            <a:t>After</a:t>
           </a:r>
-          <a:endParaRPr lang="en-US"/>
+          <a:r>
+            <a:rPr lang="fr-FR" dirty="0"/>
+            <a:t> a </a:t>
+          </a:r>
+          <a:r>
+            <a:rPr lang="fr-FR" dirty="0" err="1"/>
+            <a:t>threshold</a:t>
+          </a:r>
+          <a:r>
+            <a:rPr lang="fr-FR" dirty="0"/>
+            <a:t> </a:t>
+          </a:r>
+          <a:r>
+            <a:rPr lang="fr-FR" dirty="0" err="1"/>
+            <a:t>it</a:t>
+          </a:r>
+          <a:r>
+            <a:rPr lang="fr-FR" dirty="0"/>
+            <a:t> </a:t>
+          </a:r>
+          <a:r>
+            <a:rPr lang="fr-FR" dirty="0" err="1"/>
+            <a:t>will</a:t>
+          </a:r>
+          <a:r>
+            <a:rPr lang="fr-FR" dirty="0"/>
+            <a:t> </a:t>
+          </a:r>
+          <a:r>
+            <a:rPr lang="fr-FR" dirty="0" err="1"/>
+            <a:t>learn</a:t>
+          </a:r>
+          <a:r>
+            <a:rPr lang="fr-FR" dirty="0"/>
+            <a:t> </a:t>
+          </a:r>
+          <a:r>
+            <a:rPr lang="fr-FR" dirty="0" err="1"/>
+            <a:t>alone</a:t>
+          </a:r>
+          <a:endParaRPr lang="en-US" dirty="0"/>
         </a:p>
       </dgm:t>
     </dgm:pt>
@@ -2542,10 +2611,38 @@
         <a:lstStyle/>
         <a:p>
           <a:r>
-            <a:rPr lang="fr-FR"/>
-            <a:t>Self learn need to be implemented</a:t>
+            <a:rPr lang="fr-FR" dirty="0"/>
+            <a:t>Self </a:t>
           </a:r>
-          <a:endParaRPr lang="en-US"/>
+          <a:r>
+            <a:rPr lang="fr-FR" dirty="0" err="1"/>
+            <a:t>learn</a:t>
+          </a:r>
+          <a:r>
+            <a:rPr lang="fr-FR" dirty="0"/>
+            <a:t> </a:t>
+          </a:r>
+          <a:r>
+            <a:rPr lang="fr-FR" dirty="0" err="1"/>
+            <a:t>need</a:t>
+          </a:r>
+          <a:r>
+            <a:rPr lang="fr-FR" dirty="0"/>
+            <a:t> to </a:t>
+          </a:r>
+          <a:r>
+            <a:rPr lang="fr-FR" dirty="0" err="1"/>
+            <a:t>be</a:t>
+          </a:r>
+          <a:r>
+            <a:rPr lang="fr-FR" dirty="0"/>
+            <a:t> </a:t>
+          </a:r>
+          <a:r>
+            <a:rPr lang="fr-FR" dirty="0" err="1"/>
+            <a:t>implemented</a:t>
+          </a:r>
+          <a:endParaRPr lang="en-US" dirty="0"/>
         </a:p>
       </dgm:t>
     </dgm:pt>
@@ -3749,10 +3846,38 @@
             <a:buNone/>
           </a:pPr>
           <a:r>
-            <a:rPr lang="fr-FR" sz="1500" kern="1200"/>
-            <a:t>The SAI will looks like the human teacher at the beginning</a:t>
+            <a:rPr lang="fr-FR" sz="1500" kern="1200" dirty="0"/>
+            <a:t>The SAI </a:t>
           </a:r>
-          <a:endParaRPr lang="en-US" sz="1500" kern="1200"/>
+          <a:r>
+            <a:rPr lang="fr-FR" sz="1500" kern="1200" dirty="0" err="1"/>
+            <a:t>will</a:t>
+          </a:r>
+          <a:r>
+            <a:rPr lang="fr-FR" sz="1500" kern="1200" dirty="0"/>
+            <a:t> looks like the </a:t>
+          </a:r>
+          <a:r>
+            <a:rPr lang="fr-FR" sz="1500" kern="1200" dirty="0" err="1"/>
+            <a:t>human</a:t>
+          </a:r>
+          <a:r>
+            <a:rPr lang="fr-FR" sz="1500" kern="1200" dirty="0"/>
+            <a:t> </a:t>
+          </a:r>
+          <a:r>
+            <a:rPr lang="fr-FR" sz="1500" kern="1200" dirty="0" err="1"/>
+            <a:t>teacher</a:t>
+          </a:r>
+          <a:r>
+            <a:rPr lang="fr-FR" sz="1500" kern="1200" dirty="0"/>
+            <a:t> at the </a:t>
+          </a:r>
+          <a:r>
+            <a:rPr lang="fr-FR" sz="1500" kern="1200" dirty="0" err="1"/>
+            <a:t>beginning</a:t>
+          </a:r>
+          <a:endParaRPr lang="en-US" sz="1500" kern="1200" dirty="0"/>
         </a:p>
       </dsp:txBody>
       <dsp:txXfrm>
@@ -3898,10 +4023,50 @@
             <a:buNone/>
           </a:pPr>
           <a:r>
-            <a:rPr lang="fr-FR" sz="1500" kern="1200"/>
-            <a:t>After a threshold it will learn alone</a:t>
+            <a:rPr lang="fr-FR" sz="1500" kern="1200" dirty="0" err="1"/>
+            <a:t>After</a:t>
           </a:r>
-          <a:endParaRPr lang="en-US" sz="1500" kern="1200"/>
+          <a:r>
+            <a:rPr lang="fr-FR" sz="1500" kern="1200" dirty="0"/>
+            <a:t> a </a:t>
+          </a:r>
+          <a:r>
+            <a:rPr lang="fr-FR" sz="1500" kern="1200" dirty="0" err="1"/>
+            <a:t>threshold</a:t>
+          </a:r>
+          <a:r>
+            <a:rPr lang="fr-FR" sz="1500" kern="1200" dirty="0"/>
+            <a:t> </a:t>
+          </a:r>
+          <a:r>
+            <a:rPr lang="fr-FR" sz="1500" kern="1200" dirty="0" err="1"/>
+            <a:t>it</a:t>
+          </a:r>
+          <a:r>
+            <a:rPr lang="fr-FR" sz="1500" kern="1200" dirty="0"/>
+            <a:t> </a:t>
+          </a:r>
+          <a:r>
+            <a:rPr lang="fr-FR" sz="1500" kern="1200" dirty="0" err="1"/>
+            <a:t>will</a:t>
+          </a:r>
+          <a:r>
+            <a:rPr lang="fr-FR" sz="1500" kern="1200" dirty="0"/>
+            <a:t> </a:t>
+          </a:r>
+          <a:r>
+            <a:rPr lang="fr-FR" sz="1500" kern="1200" dirty="0" err="1"/>
+            <a:t>learn</a:t>
+          </a:r>
+          <a:r>
+            <a:rPr lang="fr-FR" sz="1500" kern="1200" dirty="0"/>
+            <a:t> </a:t>
+          </a:r>
+          <a:r>
+            <a:rPr lang="fr-FR" sz="1500" kern="1200" dirty="0" err="1"/>
+            <a:t>alone</a:t>
+          </a:r>
+          <a:endParaRPr lang="en-US" sz="1500" kern="1200" dirty="0"/>
         </a:p>
       </dsp:txBody>
       <dsp:txXfrm>
@@ -4047,10 +4212,38 @@
             <a:buNone/>
           </a:pPr>
           <a:r>
-            <a:rPr lang="fr-FR" sz="1500" kern="1200"/>
-            <a:t>Self learn need to be implemented</a:t>
+            <a:rPr lang="fr-FR" sz="1500" kern="1200" dirty="0"/>
+            <a:t>Self </a:t>
           </a:r>
-          <a:endParaRPr lang="en-US" sz="1500" kern="1200"/>
+          <a:r>
+            <a:rPr lang="fr-FR" sz="1500" kern="1200" dirty="0" err="1"/>
+            <a:t>learn</a:t>
+          </a:r>
+          <a:r>
+            <a:rPr lang="fr-FR" sz="1500" kern="1200" dirty="0"/>
+            <a:t> </a:t>
+          </a:r>
+          <a:r>
+            <a:rPr lang="fr-FR" sz="1500" kern="1200" dirty="0" err="1"/>
+            <a:t>need</a:t>
+          </a:r>
+          <a:r>
+            <a:rPr lang="fr-FR" sz="1500" kern="1200" dirty="0"/>
+            <a:t> to </a:t>
+          </a:r>
+          <a:r>
+            <a:rPr lang="fr-FR" sz="1500" kern="1200" dirty="0" err="1"/>
+            <a:t>be</a:t>
+          </a:r>
+          <a:r>
+            <a:rPr lang="fr-FR" sz="1500" kern="1200" dirty="0"/>
+            <a:t> </a:t>
+          </a:r>
+          <a:r>
+            <a:rPr lang="fr-FR" sz="1500" kern="1200" dirty="0" err="1"/>
+            <a:t>implemented</a:t>
+          </a:r>
+          <a:endParaRPr lang="en-US" sz="1500" kern="1200" dirty="0"/>
         </a:p>
       </dsp:txBody>
       <dsp:txXfrm>
@@ -12566,53 +12759,409 @@
           <a:lstStyle/>
           <a:p>
             <a:r>
-              <a:rPr lang="fr-FR">
+              <a:rPr lang="fr-FR" dirty="0" err="1">
                 <a:solidFill>
                   <a:schemeClr val="tx1"/>
                 </a:solidFill>
               </a:rPr>
-              <a:t>Create SAI with pyinstaller for multiplatform</a:t>
-            </a:r>
-          </a:p>
-          <a:p>
-            <a:r>
-              <a:rPr lang="fr-FR">
+              <a:t>Create</a:t>
+            </a:r>
+            <a:r>
+              <a:rPr lang="fr-FR" dirty="0">
                 <a:solidFill>
                   <a:schemeClr val="tx1"/>
                 </a:solidFill>
               </a:rPr>
-              <a:t>Launch a scan that remove duplicate screenshot and order them by interesting strategie</a:t>
-            </a:r>
-          </a:p>
-          <a:p>
-            <a:r>
-              <a:rPr lang="fr-FR">
+              <a:t> SAI </a:t>
+            </a:r>
+            <a:r>
+              <a:rPr lang="fr-FR" dirty="0" err="1">
                 <a:solidFill>
                   <a:schemeClr val="tx1"/>
                 </a:solidFill>
               </a:rPr>
-              <a:t>Increment the reward if there was difference between images</a:t>
-            </a:r>
-          </a:p>
-          <a:p>
-            <a:r>
-              <a:rPr lang="fr-FR">
+              <a:t>with</a:t>
+            </a:r>
+            <a:r>
+              <a:rPr lang="fr-FR" dirty="0">
                 <a:solidFill>
                   <a:schemeClr val="tx1"/>
                 </a:solidFill>
               </a:rPr>
-              <a:t>Create a web page with the strategies learned</a:t>
-            </a:r>
-          </a:p>
-          <a:p>
-            <a:r>
-              <a:rPr lang="fr-FR">
+              <a:t> </a:t>
+            </a:r>
+            <a:r>
+              <a:rPr lang="fr-FR" dirty="0" err="1">
                 <a:solidFill>
                   <a:schemeClr val="tx1"/>
                 </a:solidFill>
               </a:rPr>
-              <a:t>Create a web interface or a vocal controller to order strategies</a:t>
-            </a:r>
+              <a:t>pyinstaller</a:t>
+            </a:r>
+            <a:r>
+              <a:rPr lang="fr-FR" dirty="0">
+                <a:solidFill>
+                  <a:schemeClr val="tx1"/>
+                </a:solidFill>
+              </a:rPr>
+              <a:t> for </a:t>
+            </a:r>
+            <a:r>
+              <a:rPr lang="fr-FR" dirty="0" err="1">
+                <a:solidFill>
+                  <a:schemeClr val="tx1"/>
+                </a:solidFill>
+              </a:rPr>
+              <a:t>multiplatform</a:t>
+            </a:r>
+            <a:endParaRPr lang="fr-FR" dirty="0">
+              <a:solidFill>
+                <a:schemeClr val="tx1"/>
+              </a:solidFill>
+            </a:endParaRPr>
+          </a:p>
+          <a:p>
+            <a:r>
+              <a:rPr lang="fr-FR" dirty="0">
+                <a:solidFill>
+                  <a:schemeClr val="tx1"/>
+                </a:solidFill>
+              </a:rPr>
+              <a:t>Launch a scan </a:t>
+            </a:r>
+            <a:r>
+              <a:rPr lang="fr-FR" dirty="0" err="1">
+                <a:solidFill>
+                  <a:schemeClr val="tx1"/>
+                </a:solidFill>
+              </a:rPr>
+              <a:t>that</a:t>
+            </a:r>
+            <a:r>
+              <a:rPr lang="fr-FR" dirty="0">
+                <a:solidFill>
+                  <a:schemeClr val="tx1"/>
+                </a:solidFill>
+              </a:rPr>
+              <a:t> </a:t>
+            </a:r>
+            <a:r>
+              <a:rPr lang="fr-FR" dirty="0" err="1">
+                <a:solidFill>
+                  <a:schemeClr val="tx1"/>
+                </a:solidFill>
+              </a:rPr>
+              <a:t>remove</a:t>
+            </a:r>
+            <a:r>
+              <a:rPr lang="fr-FR" dirty="0">
+                <a:solidFill>
+                  <a:schemeClr val="tx1"/>
+                </a:solidFill>
+              </a:rPr>
+              <a:t> duplicate </a:t>
+            </a:r>
+            <a:r>
+              <a:rPr lang="fr-FR" dirty="0" err="1">
+                <a:solidFill>
+                  <a:schemeClr val="tx1"/>
+                </a:solidFill>
+              </a:rPr>
+              <a:t>screenshot</a:t>
+            </a:r>
+            <a:r>
+              <a:rPr lang="fr-FR" dirty="0">
+                <a:solidFill>
+                  <a:schemeClr val="tx1"/>
+                </a:solidFill>
+              </a:rPr>
+              <a:t> and </a:t>
+            </a:r>
+            <a:r>
+              <a:rPr lang="fr-FR" dirty="0" err="1">
+                <a:solidFill>
+                  <a:schemeClr val="tx1"/>
+                </a:solidFill>
+              </a:rPr>
+              <a:t>order</a:t>
+            </a:r>
+            <a:r>
+              <a:rPr lang="fr-FR" dirty="0">
+                <a:solidFill>
+                  <a:schemeClr val="tx1"/>
+                </a:solidFill>
+              </a:rPr>
+              <a:t> </a:t>
+            </a:r>
+            <a:r>
+              <a:rPr lang="fr-FR" dirty="0" err="1">
+                <a:solidFill>
+                  <a:schemeClr val="tx1"/>
+                </a:solidFill>
+              </a:rPr>
+              <a:t>them</a:t>
+            </a:r>
+            <a:r>
+              <a:rPr lang="fr-FR" dirty="0">
+                <a:solidFill>
+                  <a:schemeClr val="tx1"/>
+                </a:solidFill>
+              </a:rPr>
+              <a:t> by </a:t>
+            </a:r>
+            <a:r>
+              <a:rPr lang="fr-FR" dirty="0" err="1">
+                <a:solidFill>
+                  <a:schemeClr val="tx1"/>
+                </a:solidFill>
+              </a:rPr>
+              <a:t>interesting</a:t>
+            </a:r>
+            <a:r>
+              <a:rPr lang="fr-FR" dirty="0">
+                <a:solidFill>
+                  <a:schemeClr val="tx1"/>
+                </a:solidFill>
+              </a:rPr>
+              <a:t> </a:t>
+            </a:r>
+            <a:r>
+              <a:rPr lang="fr-FR" dirty="0" err="1">
+                <a:solidFill>
+                  <a:schemeClr val="tx1"/>
+                </a:solidFill>
+              </a:rPr>
+              <a:t>strategie</a:t>
+            </a:r>
+            <a:endParaRPr lang="fr-FR" dirty="0">
+              <a:solidFill>
+                <a:schemeClr val="tx1"/>
+              </a:solidFill>
+            </a:endParaRPr>
+          </a:p>
+          <a:p>
+            <a:r>
+              <a:rPr lang="fr-FR" dirty="0" err="1">
+                <a:solidFill>
+                  <a:schemeClr val="tx1"/>
+                </a:solidFill>
+              </a:rPr>
+              <a:t>Increment</a:t>
+            </a:r>
+            <a:r>
+              <a:rPr lang="fr-FR" dirty="0">
+                <a:solidFill>
+                  <a:schemeClr val="tx1"/>
+                </a:solidFill>
+              </a:rPr>
+              <a:t> the </a:t>
+            </a:r>
+            <a:r>
+              <a:rPr lang="fr-FR" dirty="0" err="1">
+                <a:solidFill>
+                  <a:schemeClr val="tx1"/>
+                </a:solidFill>
+              </a:rPr>
+              <a:t>reward</a:t>
+            </a:r>
+            <a:r>
+              <a:rPr lang="fr-FR" dirty="0">
+                <a:solidFill>
+                  <a:schemeClr val="tx1"/>
+                </a:solidFill>
+              </a:rPr>
+              <a:t> if </a:t>
+            </a:r>
+            <a:r>
+              <a:rPr lang="fr-FR" dirty="0" err="1">
+                <a:solidFill>
+                  <a:schemeClr val="tx1"/>
+                </a:solidFill>
+              </a:rPr>
+              <a:t>there</a:t>
+            </a:r>
+            <a:r>
+              <a:rPr lang="fr-FR" dirty="0">
+                <a:solidFill>
+                  <a:schemeClr val="tx1"/>
+                </a:solidFill>
+              </a:rPr>
+              <a:t> </a:t>
+            </a:r>
+            <a:r>
+              <a:rPr lang="fr-FR" dirty="0" err="1">
+                <a:solidFill>
+                  <a:schemeClr val="tx1"/>
+                </a:solidFill>
+              </a:rPr>
+              <a:t>was</a:t>
+            </a:r>
+            <a:r>
+              <a:rPr lang="fr-FR" dirty="0">
+                <a:solidFill>
+                  <a:schemeClr val="tx1"/>
+                </a:solidFill>
+              </a:rPr>
+              <a:t> </a:t>
+            </a:r>
+            <a:r>
+              <a:rPr lang="fr-FR" dirty="0" err="1">
+                <a:solidFill>
+                  <a:schemeClr val="tx1"/>
+                </a:solidFill>
+              </a:rPr>
+              <a:t>difference</a:t>
+            </a:r>
+            <a:r>
+              <a:rPr lang="fr-FR" dirty="0">
+                <a:solidFill>
+                  <a:schemeClr val="tx1"/>
+                </a:solidFill>
+              </a:rPr>
+              <a:t> </a:t>
+            </a:r>
+            <a:r>
+              <a:rPr lang="fr-FR" dirty="0" err="1">
+                <a:solidFill>
+                  <a:schemeClr val="tx1"/>
+                </a:solidFill>
+              </a:rPr>
+              <a:t>between</a:t>
+            </a:r>
+            <a:r>
+              <a:rPr lang="fr-FR" dirty="0">
+                <a:solidFill>
+                  <a:schemeClr val="tx1"/>
+                </a:solidFill>
+              </a:rPr>
+              <a:t> images</a:t>
+            </a:r>
+          </a:p>
+          <a:p>
+            <a:r>
+              <a:rPr lang="fr-FR" dirty="0" err="1">
+                <a:solidFill>
+                  <a:schemeClr val="tx1"/>
+                </a:solidFill>
+              </a:rPr>
+              <a:t>Create</a:t>
+            </a:r>
+            <a:r>
+              <a:rPr lang="fr-FR" dirty="0">
+                <a:solidFill>
+                  <a:schemeClr val="tx1"/>
+                </a:solidFill>
+              </a:rPr>
+              <a:t> a web page </a:t>
+            </a:r>
+            <a:r>
+              <a:rPr lang="fr-FR" dirty="0" err="1">
+                <a:solidFill>
+                  <a:schemeClr val="tx1"/>
+                </a:solidFill>
+              </a:rPr>
+              <a:t>with</a:t>
+            </a:r>
+            <a:r>
+              <a:rPr lang="fr-FR" dirty="0">
+                <a:solidFill>
+                  <a:schemeClr val="tx1"/>
+                </a:solidFill>
+              </a:rPr>
+              <a:t> the </a:t>
+            </a:r>
+            <a:r>
+              <a:rPr lang="fr-FR" dirty="0" err="1">
+                <a:solidFill>
+                  <a:schemeClr val="tx1"/>
+                </a:solidFill>
+              </a:rPr>
+              <a:t>strategies</a:t>
+            </a:r>
+            <a:r>
+              <a:rPr lang="fr-FR" dirty="0">
+                <a:solidFill>
+                  <a:schemeClr val="tx1"/>
+                </a:solidFill>
+              </a:rPr>
+              <a:t> </a:t>
+            </a:r>
+            <a:r>
+              <a:rPr lang="fr-FR" dirty="0" err="1">
+                <a:solidFill>
+                  <a:schemeClr val="tx1"/>
+                </a:solidFill>
+              </a:rPr>
+              <a:t>learned</a:t>
+            </a:r>
+            <a:endParaRPr lang="fr-FR" dirty="0">
+              <a:solidFill>
+                <a:schemeClr val="tx1"/>
+              </a:solidFill>
+            </a:endParaRPr>
+          </a:p>
+          <a:p>
+            <a:r>
+              <a:rPr lang="fr-FR" dirty="0" err="1">
+                <a:solidFill>
+                  <a:schemeClr val="tx1"/>
+                </a:solidFill>
+              </a:rPr>
+              <a:t>Create</a:t>
+            </a:r>
+            <a:r>
+              <a:rPr lang="fr-FR" dirty="0">
+                <a:solidFill>
+                  <a:schemeClr val="tx1"/>
+                </a:solidFill>
+              </a:rPr>
+              <a:t> a web interface or a vocal </a:t>
+            </a:r>
+            <a:r>
+              <a:rPr lang="fr-FR" dirty="0" err="1">
+                <a:solidFill>
+                  <a:schemeClr val="tx1"/>
+                </a:solidFill>
+              </a:rPr>
+              <a:t>controller</a:t>
+            </a:r>
+            <a:r>
+              <a:rPr lang="fr-FR" dirty="0">
+                <a:solidFill>
+                  <a:schemeClr val="tx1"/>
+                </a:solidFill>
+              </a:rPr>
+              <a:t> to </a:t>
+            </a:r>
+            <a:r>
+              <a:rPr lang="fr-FR" dirty="0" err="1">
+                <a:solidFill>
+                  <a:schemeClr val="tx1"/>
+                </a:solidFill>
+              </a:rPr>
+              <a:t>order</a:t>
+            </a:r>
+            <a:r>
+              <a:rPr lang="fr-FR" dirty="0">
+                <a:solidFill>
+                  <a:schemeClr val="tx1"/>
+                </a:solidFill>
+              </a:rPr>
+              <a:t> </a:t>
+            </a:r>
+            <a:r>
+              <a:rPr lang="fr-FR" dirty="0" err="1">
+                <a:solidFill>
+                  <a:schemeClr val="tx1"/>
+                </a:solidFill>
+              </a:rPr>
+              <a:t>strategies</a:t>
+            </a:r>
+            <a:endParaRPr lang="fr-FR" dirty="0">
+              <a:solidFill>
+                <a:schemeClr val="tx1"/>
+              </a:solidFill>
+            </a:endParaRPr>
           </a:p>
         </p:txBody>
       </p:sp>
@@ -12786,6 +13335,86 @@
           <p:cNvPr id="2" name="Titre 1">
             <a:extLst>
               <a:ext uri="{FF2B5EF4-FFF2-40B4-BE49-F238E27FC236}">
+                <a16:creationId xmlns:a16="http://schemas.microsoft.com/office/drawing/2014/main" id="{92D545E4-A5D0-4F16-BD8E-4521F1C661DC}"/>
+              </a:ext>
+            </a:extLst>
+          </p:cNvPr>
+          <p:cNvSpPr>
+            <a:spLocks noGrp="1"/>
+          </p:cNvSpPr>
+          <p:nvPr>
+            <p:ph type="title"/>
+          </p:nvPr>
+        </p:nvSpPr>
+        <p:spPr/>
+        <p:txBody>
+          <a:bodyPr/>
+          <a:lstStyle/>
+          <a:p>
+            <a:endParaRPr lang="en-GB"/>
+          </a:p>
+        </p:txBody>
+      </p:sp>
+      <p:sp>
+        <p:nvSpPr>
+          <p:cNvPr id="3" name="Espace réservé du contenu 2">
+            <a:extLst>
+              <a:ext uri="{FF2B5EF4-FFF2-40B4-BE49-F238E27FC236}">
+                <a16:creationId xmlns:a16="http://schemas.microsoft.com/office/drawing/2014/main" id="{5B99CC49-DE21-41E0-9844-8CC20E5BB507}"/>
+              </a:ext>
+            </a:extLst>
+          </p:cNvPr>
+          <p:cNvSpPr>
+            <a:spLocks noGrp="1"/>
+          </p:cNvSpPr>
+          <p:nvPr>
+            <p:ph idx="1"/>
+          </p:nvPr>
+        </p:nvSpPr>
+        <p:spPr/>
+        <p:txBody>
+          <a:bodyPr/>
+          <a:lstStyle/>
+          <a:p>
+            <a:endParaRPr lang="en-GB"/>
+          </a:p>
+        </p:txBody>
+      </p:sp>
+    </p:spTree>
+    <p:extLst>
+      <p:ext uri="{BB962C8B-B14F-4D97-AF65-F5344CB8AC3E}">
+        <p14:creationId xmlns:p14="http://schemas.microsoft.com/office/powerpoint/2010/main" val="1111033551"/>
+      </p:ext>
+    </p:extLst>
+  </p:cSld>
+  <p:clrMapOvr>
+    <a:masterClrMapping/>
+  </p:clrMapOvr>
+</p:sld>
+</file>
+
+<file path=ppt/slides/slide15.xml><?xml version="1.0" encoding="utf-8"?>
+<p:sld xmlns:a="http://schemas.openxmlformats.org/drawingml/2006/main" xmlns:r="http://schemas.openxmlformats.org/officeDocument/2006/relationships" xmlns:p="http://schemas.openxmlformats.org/presentationml/2006/main">
+  <p:cSld>
+    <p:spTree>
+      <p:nvGrpSpPr>
+        <p:cNvPr id="1" name=""/>
+        <p:cNvGrpSpPr/>
+        <p:nvPr/>
+      </p:nvGrpSpPr>
+      <p:grpSpPr>
+        <a:xfrm>
+          <a:off x="0" y="0"/>
+          <a:ext cx="0" cy="0"/>
+          <a:chOff x="0" y="0"/>
+          <a:chExt cx="0" cy="0"/>
+        </a:xfrm>
+      </p:grpSpPr>
+      <p:sp>
+        <p:nvSpPr>
+          <p:cNvPr id="2" name="Titre 1">
+            <a:extLst>
+              <a:ext uri="{FF2B5EF4-FFF2-40B4-BE49-F238E27FC236}">
                 <a16:creationId xmlns:a16="http://schemas.microsoft.com/office/drawing/2014/main" id="{643ACCC2-1572-47D7-9E8E-170E100F9348}"/>
               </a:ext>
             </a:extLst>
@@ -12858,7 +13487,7 @@
 </p:sld>
 </file>
 
-<file path=ppt/slides/slide15.xml><?xml version="1.0" encoding="utf-8"?>
+<file path=ppt/slides/slide16.xml><?xml version="1.0" encoding="utf-8"?>
 <p:sld xmlns:a="http://schemas.openxmlformats.org/drawingml/2006/main" xmlns:r="http://schemas.openxmlformats.org/officeDocument/2006/relationships" xmlns:p="http://schemas.openxmlformats.org/presentationml/2006/main">
   <p:cSld>
     <p:bg>
@@ -12952,7 +13581,7 @@
             <p:ph idx="1"/>
             <p:extLst>
               <p:ext uri="{D42A27DB-BD31-4B8C-83A1-F6EECF244321}">
-                <p14:modId xmlns:p14="http://schemas.microsoft.com/office/powerpoint/2010/main" val="208525868"/>
+                <p14:modId xmlns:p14="http://schemas.microsoft.com/office/powerpoint/2010/main" val="779853592"/>
               </p:ext>
             </p:extLst>
           </p:nvPr>
@@ -12980,7 +13609,7 @@
 </p:sld>
 </file>
 
-<file path=ppt/slides/slide16.xml><?xml version="1.0" encoding="utf-8"?>
+<file path=ppt/slides/slide17.xml><?xml version="1.0" encoding="utf-8"?>
 <p:sld xmlns:a="http://schemas.openxmlformats.org/drawingml/2006/main" xmlns:r="http://schemas.openxmlformats.org/officeDocument/2006/relationships" xmlns:p="http://schemas.openxmlformats.org/presentationml/2006/main">
   <p:cSld>
     <p:spTree>
@@ -13140,10 +13769,23 @@
               <a:t>virtual</a:t>
             </a:r>
             <a:r>
-              <a:rPr lang="fr-FR"/>
+              <a:rPr lang="fr-FR" dirty="0"/>
               <a:t> assistant</a:t>
             </a:r>
-            <a:endParaRPr lang="en-GB"/>
+          </a:p>
+          <a:p>
+            <a:r>
+              <a:rPr lang="en-GB" dirty="0"/>
+              <a:t>Create SAI with </a:t>
+            </a:r>
+            <a:r>
+              <a:rPr lang="en-GB" dirty="0" err="1"/>
+              <a:t>kivy</a:t>
+            </a:r>
+            <a:r>
+              <a:rPr lang="en-GB" dirty="0"/>
+              <a:t> for multiapplication</a:t>
+            </a:r>
           </a:p>
         </p:txBody>
       </p:sp>
@@ -13160,7 +13802,7 @@
 </p:sld>
 </file>
 
-<file path=ppt/slides/slide17.xml><?xml version="1.0" encoding="utf-8"?>
+<file path=ppt/slides/slide18.xml><?xml version="1.0" encoding="utf-8"?>
 <p:sld xmlns:a="http://schemas.openxmlformats.org/drawingml/2006/main" xmlns:r="http://schemas.openxmlformats.org/officeDocument/2006/relationships" xmlns:p="http://schemas.openxmlformats.org/presentationml/2006/main">
   <p:cSld>
     <p:spTree>
@@ -13913,7 +14555,7 @@
 </p:sld>
 </file>
 
-<file path=ppt/slides/slide18.xml><?xml version="1.0" encoding="utf-8"?>
+<file path=ppt/slides/slide19.xml><?xml version="1.0" encoding="utf-8"?>
 <p:sld xmlns:a="http://schemas.openxmlformats.org/drawingml/2006/main" xmlns:r="http://schemas.openxmlformats.org/officeDocument/2006/relationships" xmlns:p="http://schemas.openxmlformats.org/presentationml/2006/main">
   <p:cSld>
     <p:spTree>
@@ -14445,110 +15087,6 @@
     <p:extLst>
       <p:ext uri="{BB962C8B-B14F-4D97-AF65-F5344CB8AC3E}">
         <p14:creationId xmlns:p14="http://schemas.microsoft.com/office/powerpoint/2010/main" val="2112816624"/>
-      </p:ext>
-    </p:extLst>
-  </p:cSld>
-  <p:clrMapOvr>
-    <a:masterClrMapping/>
-  </p:clrMapOvr>
-</p:sld>
-</file>
-
-<file path=ppt/slides/slide19.xml><?xml version="1.0" encoding="utf-8"?>
-<p:sld xmlns:a="http://schemas.openxmlformats.org/drawingml/2006/main" xmlns:r="http://schemas.openxmlformats.org/officeDocument/2006/relationships" xmlns:p="http://schemas.openxmlformats.org/presentationml/2006/main">
-  <p:cSld>
-    <p:spTree>
-      <p:nvGrpSpPr>
-        <p:cNvPr id="1" name=""/>
-        <p:cNvGrpSpPr/>
-        <p:nvPr/>
-      </p:nvGrpSpPr>
-      <p:grpSpPr>
-        <a:xfrm>
-          <a:off x="0" y="0"/>
-          <a:ext cx="0" cy="0"/>
-          <a:chOff x="0" y="0"/>
-          <a:chExt cx="0" cy="0"/>
-        </a:xfrm>
-      </p:grpSpPr>
-      <p:sp>
-        <p:nvSpPr>
-          <p:cNvPr id="2" name="Titre 1">
-            <a:extLst>
-              <a:ext uri="{FF2B5EF4-FFF2-40B4-BE49-F238E27FC236}">
-                <a16:creationId xmlns:a16="http://schemas.microsoft.com/office/drawing/2014/main" id="{60A45B33-4349-4205-A596-A72ABD8F0A69}"/>
-              </a:ext>
-            </a:extLst>
-          </p:cNvPr>
-          <p:cNvSpPr>
-            <a:spLocks noGrp="1"/>
-          </p:cNvSpPr>
-          <p:nvPr>
-            <p:ph type="title"/>
-          </p:nvPr>
-        </p:nvSpPr>
-        <p:spPr>
-          <a:xfrm>
-            <a:off x="684212" y="4487332"/>
-            <a:ext cx="8534400" cy="1507067"/>
-          </a:xfrm>
-        </p:spPr>
-        <p:txBody>
-          <a:bodyPr/>
-          <a:lstStyle/>
-          <a:p>
-            <a:r>
-              <a:rPr lang="fr-FR"/>
-              <a:t>Sources</a:t>
-            </a:r>
-            <a:endParaRPr lang="en-GB" dirty="0"/>
-          </a:p>
-        </p:txBody>
-      </p:sp>
-      <p:sp>
-        <p:nvSpPr>
-          <p:cNvPr id="3" name="Espace réservé du contenu 2">
-            <a:extLst>
-              <a:ext uri="{FF2B5EF4-FFF2-40B4-BE49-F238E27FC236}">
-                <a16:creationId xmlns:a16="http://schemas.microsoft.com/office/drawing/2014/main" id="{825892DE-953F-4021-9EA2-14E93075BB41}"/>
-              </a:ext>
-            </a:extLst>
-          </p:cNvPr>
-          <p:cNvSpPr>
-            <a:spLocks noGrp="1"/>
-          </p:cNvSpPr>
-          <p:nvPr>
-            <p:ph idx="1"/>
-          </p:nvPr>
-        </p:nvSpPr>
-        <p:spPr>
-          <a:xfrm>
-            <a:off x="684212" y="685800"/>
-            <a:ext cx="8534400" cy="3615267"/>
-          </a:xfrm>
-        </p:spPr>
-        <p:txBody>
-          <a:bodyPr/>
-          <a:lstStyle/>
-          <a:p>
-            <a:r>
-              <a:rPr lang="fr-FR"/>
-              <a:t>Annexe prototype: </a:t>
-            </a:r>
-            <a:r>
-              <a:rPr lang="en-GB">
-                <a:hlinkClick r:id="rId2"/>
-              </a:rPr>
-              <a:t>https://www.draw.io/</a:t>
-            </a:r>
-            <a:endParaRPr lang="en-GB" dirty="0"/>
-          </a:p>
-        </p:txBody>
-      </p:sp>
-    </p:spTree>
-    <p:extLst>
-      <p:ext uri="{BB962C8B-B14F-4D97-AF65-F5344CB8AC3E}">
-        <p14:creationId xmlns:p14="http://schemas.microsoft.com/office/powerpoint/2010/main" val="1489863068"/>
       </p:ext>
     </p:extLst>
   </p:cSld>
@@ -15121,6 +15659,110 @@
 </p:sld>
 </file>
 
+<file path=ppt/slides/slide20.xml><?xml version="1.0" encoding="utf-8"?>
+<p:sld xmlns:a="http://schemas.openxmlformats.org/drawingml/2006/main" xmlns:r="http://schemas.openxmlformats.org/officeDocument/2006/relationships" xmlns:p="http://schemas.openxmlformats.org/presentationml/2006/main">
+  <p:cSld>
+    <p:spTree>
+      <p:nvGrpSpPr>
+        <p:cNvPr id="1" name=""/>
+        <p:cNvGrpSpPr/>
+        <p:nvPr/>
+      </p:nvGrpSpPr>
+      <p:grpSpPr>
+        <a:xfrm>
+          <a:off x="0" y="0"/>
+          <a:ext cx="0" cy="0"/>
+          <a:chOff x="0" y="0"/>
+          <a:chExt cx="0" cy="0"/>
+        </a:xfrm>
+      </p:grpSpPr>
+      <p:sp>
+        <p:nvSpPr>
+          <p:cNvPr id="2" name="Titre 1">
+            <a:extLst>
+              <a:ext uri="{FF2B5EF4-FFF2-40B4-BE49-F238E27FC236}">
+                <a16:creationId xmlns:a16="http://schemas.microsoft.com/office/drawing/2014/main" id="{60A45B33-4349-4205-A596-A72ABD8F0A69}"/>
+              </a:ext>
+            </a:extLst>
+          </p:cNvPr>
+          <p:cNvSpPr>
+            <a:spLocks noGrp="1"/>
+          </p:cNvSpPr>
+          <p:nvPr>
+            <p:ph type="title"/>
+          </p:nvPr>
+        </p:nvSpPr>
+        <p:spPr>
+          <a:xfrm>
+            <a:off x="684212" y="4487332"/>
+            <a:ext cx="8534400" cy="1507067"/>
+          </a:xfrm>
+        </p:spPr>
+        <p:txBody>
+          <a:bodyPr/>
+          <a:lstStyle/>
+          <a:p>
+            <a:r>
+              <a:rPr lang="fr-FR"/>
+              <a:t>Sources</a:t>
+            </a:r>
+            <a:endParaRPr lang="en-GB" dirty="0"/>
+          </a:p>
+        </p:txBody>
+      </p:sp>
+      <p:sp>
+        <p:nvSpPr>
+          <p:cNvPr id="3" name="Espace réservé du contenu 2">
+            <a:extLst>
+              <a:ext uri="{FF2B5EF4-FFF2-40B4-BE49-F238E27FC236}">
+                <a16:creationId xmlns:a16="http://schemas.microsoft.com/office/drawing/2014/main" id="{825892DE-953F-4021-9EA2-14E93075BB41}"/>
+              </a:ext>
+            </a:extLst>
+          </p:cNvPr>
+          <p:cNvSpPr>
+            <a:spLocks noGrp="1"/>
+          </p:cNvSpPr>
+          <p:nvPr>
+            <p:ph idx="1"/>
+          </p:nvPr>
+        </p:nvSpPr>
+        <p:spPr>
+          <a:xfrm>
+            <a:off x="684212" y="685800"/>
+            <a:ext cx="8534400" cy="3615267"/>
+          </a:xfrm>
+        </p:spPr>
+        <p:txBody>
+          <a:bodyPr/>
+          <a:lstStyle/>
+          <a:p>
+            <a:r>
+              <a:rPr lang="fr-FR"/>
+              <a:t>Annexe prototype: </a:t>
+            </a:r>
+            <a:r>
+              <a:rPr lang="en-GB">
+                <a:hlinkClick r:id="rId2"/>
+              </a:rPr>
+              <a:t>https://www.draw.io/</a:t>
+            </a:r>
+            <a:endParaRPr lang="en-GB" dirty="0"/>
+          </a:p>
+        </p:txBody>
+      </p:sp>
+    </p:spTree>
+    <p:extLst>
+      <p:ext uri="{BB962C8B-B14F-4D97-AF65-F5344CB8AC3E}">
+        <p14:creationId xmlns:p14="http://schemas.microsoft.com/office/powerpoint/2010/main" val="1489863068"/>
+      </p:ext>
+    </p:extLst>
+  </p:cSld>
+  <p:clrMapOvr>
+    <a:masterClrMapping/>
+  </p:clrMapOvr>
+</p:sld>
+</file>
+
 <file path=ppt/slides/slide3.xml><?xml version="1.0" encoding="utf-8"?>
 <p:sld xmlns:a="http://schemas.openxmlformats.org/drawingml/2006/main" xmlns:r="http://schemas.openxmlformats.org/officeDocument/2006/relationships" xmlns:p="http://schemas.openxmlformats.org/presentationml/2006/main">
   <p:cSld>

--- a/SAI_presentation.pptx
+++ b/SAI_presentation.pptx
@@ -13351,7 +13351,11 @@
           <a:bodyPr/>
           <a:lstStyle/>
           <a:p>
-            <a:endParaRPr lang="en-GB"/>
+            <a:r>
+              <a:rPr lang="fr-FR"/>
+              <a:t>Clean and Strategy</a:t>
+            </a:r>
+            <a:endParaRPr lang="en-GB" dirty="0"/>
           </a:p>
         </p:txBody>
       </p:sp>
@@ -13376,7 +13380,87 @@
           <a:bodyPr/>
           <a:lstStyle/>
           <a:p>
-            <a:endParaRPr lang="en-GB"/>
+            <a:r>
+              <a:rPr lang="fr-FR" dirty="0"/>
+              <a:t>Method </a:t>
+            </a:r>
+            <a:r>
+              <a:rPr lang="fr-FR" dirty="0" err="1"/>
+              <a:t>used</a:t>
+            </a:r>
+            <a:r>
+              <a:rPr lang="fr-FR" dirty="0"/>
+              <a:t> to </a:t>
+            </a:r>
+            <a:r>
+              <a:rPr lang="fr-FR" dirty="0" err="1"/>
+              <a:t>remove</a:t>
+            </a:r>
+            <a:r>
+              <a:rPr lang="fr-FR" dirty="0"/>
+              <a:t> duplicate scan</a:t>
+            </a:r>
+          </a:p>
+          <a:p>
+            <a:r>
+              <a:rPr lang="fr-FR" dirty="0"/>
+              <a:t>Method </a:t>
+            </a:r>
+            <a:r>
+              <a:rPr lang="fr-FR" dirty="0" err="1"/>
+              <a:t>used</a:t>
+            </a:r>
+            <a:r>
+              <a:rPr lang="fr-FR" dirty="0"/>
+              <a:t> to </a:t>
+            </a:r>
+            <a:r>
+              <a:rPr lang="fr-FR" dirty="0" err="1"/>
+              <a:t>order</a:t>
+            </a:r>
+            <a:r>
+              <a:rPr lang="fr-FR" dirty="0"/>
+              <a:t> </a:t>
+            </a:r>
+            <a:r>
+              <a:rPr lang="fr-FR" dirty="0" err="1"/>
+              <a:t>them</a:t>
+            </a:r>
+            <a:r>
+              <a:rPr lang="fr-FR" dirty="0"/>
+              <a:t> by </a:t>
+            </a:r>
+            <a:r>
+              <a:rPr lang="fr-FR" dirty="0" err="1"/>
+              <a:t>strategie</a:t>
+            </a:r>
+            <a:endParaRPr lang="fr-FR" dirty="0"/>
+          </a:p>
+          <a:p>
+            <a:r>
+              <a:rPr lang="fr-FR" dirty="0" err="1"/>
+              <a:t>Explain</a:t>
+            </a:r>
+            <a:r>
+              <a:rPr lang="fr-FR" dirty="0"/>
+              <a:t> </a:t>
+            </a:r>
+            <a:r>
+              <a:rPr lang="fr-FR" dirty="0" err="1"/>
+              <a:t>with</a:t>
+            </a:r>
+            <a:r>
+              <a:rPr lang="fr-FR" dirty="0"/>
+              <a:t> a </a:t>
+            </a:r>
+            <a:r>
+              <a:rPr lang="fr-FR" dirty="0" err="1"/>
+              <a:t>schema</a:t>
+            </a:r>
+            <a:endParaRPr lang="fr-FR" dirty="0"/>
+          </a:p>
+          <a:p>
+            <a:endParaRPr lang="en-GB" dirty="0"/>
           </a:p>
         </p:txBody>
       </p:sp>

--- a/SAI_presentation.pptx
+++ b/SAI_presentation.pptx
@@ -19,12 +19,13 @@
     <p:sldId id="259" r:id="rId13"/>
     <p:sldId id="274" r:id="rId14"/>
     <p:sldId id="275" r:id="rId15"/>
-    <p:sldId id="260" r:id="rId16"/>
-    <p:sldId id="261" r:id="rId17"/>
-    <p:sldId id="265" r:id="rId18"/>
-    <p:sldId id="262" r:id="rId19"/>
-    <p:sldId id="264" r:id="rId20"/>
-    <p:sldId id="263" r:id="rId21"/>
+    <p:sldId id="276" r:id="rId16"/>
+    <p:sldId id="260" r:id="rId17"/>
+    <p:sldId id="261" r:id="rId18"/>
+    <p:sldId id="265" r:id="rId19"/>
+    <p:sldId id="262" r:id="rId20"/>
+    <p:sldId id="264" r:id="rId21"/>
+    <p:sldId id="263" r:id="rId22"/>
   </p:sldIdLst>
   <p:sldSz cx="12192000" cy="6858000"/>
   <p:notesSz cx="6858000" cy="9144000"/>
@@ -6939,7 +6940,7 @@
             <a:fld id="{B61BEF0D-F0BB-DE4B-95CE-6DB70DBA9567}" type="datetimeFigureOut">
               <a:rPr lang="en-US" dirty="0"/>
               <a:pPr/>
-              <a:t>3/9/2020</a:t>
+              <a:t>3/10/2020</a:t>
             </a:fld>
             <a:endParaRPr lang="en-US" dirty="0"/>
           </a:p>
@@ -7372,7 +7373,7 @@
             <a:fld id="{B61BEF0D-F0BB-DE4B-95CE-6DB70DBA9567}" type="datetimeFigureOut">
               <a:rPr lang="en-US" dirty="0"/>
               <a:pPr/>
-              <a:t>3/9/2020</a:t>
+              <a:t>3/10/2020</a:t>
             </a:fld>
             <a:endParaRPr lang="en-US" dirty="0"/>
           </a:p>
@@ -7619,7 +7620,7 @@
             <a:fld id="{B61BEF0D-F0BB-DE4B-95CE-6DB70DBA9567}" type="datetimeFigureOut">
               <a:rPr lang="en-US" dirty="0"/>
               <a:pPr/>
-              <a:t>3/9/2020</a:t>
+              <a:t>3/10/2020</a:t>
             </a:fld>
             <a:endParaRPr lang="en-US" dirty="0"/>
           </a:p>
@@ -7924,7 +7925,7 @@
             <a:fld id="{B61BEF0D-F0BB-DE4B-95CE-6DB70DBA9567}" type="datetimeFigureOut">
               <a:rPr lang="en-US" dirty="0"/>
               <a:pPr/>
-              <a:t>3/9/2020</a:t>
+              <a:t>3/10/2020</a:t>
             </a:fld>
             <a:endParaRPr lang="en-US" dirty="0"/>
           </a:p>
@@ -8239,7 +8240,7 @@
             <a:fld id="{B61BEF0D-F0BB-DE4B-95CE-6DB70DBA9567}" type="datetimeFigureOut">
               <a:rPr lang="en-US" dirty="0"/>
               <a:pPr/>
-              <a:t>3/9/2020</a:t>
+              <a:t>3/10/2020</a:t>
             </a:fld>
             <a:endParaRPr lang="en-US" dirty="0"/>
           </a:p>
@@ -8538,7 +8539,7 @@
             <a:fld id="{B61BEF0D-F0BB-DE4B-95CE-6DB70DBA9567}" type="datetimeFigureOut">
               <a:rPr lang="en-US" dirty="0"/>
               <a:pPr/>
-              <a:t>3/9/2020</a:t>
+              <a:t>3/10/2020</a:t>
             </a:fld>
             <a:endParaRPr lang="en-US" dirty="0"/>
           </a:p>
@@ -8902,7 +8903,7 @@
             <a:fld id="{B61BEF0D-F0BB-DE4B-95CE-6DB70DBA9567}" type="datetimeFigureOut">
               <a:rPr lang="en-US" dirty="0"/>
               <a:pPr/>
-              <a:t>3/9/2020</a:t>
+              <a:t>3/10/2020</a:t>
             </a:fld>
             <a:endParaRPr lang="en-US" dirty="0"/>
           </a:p>
@@ -9073,7 +9074,7 @@
             <a:fld id="{B61BEF0D-F0BB-DE4B-95CE-6DB70DBA9567}" type="datetimeFigureOut">
               <a:rPr lang="en-US" dirty="0"/>
               <a:pPr/>
-              <a:t>3/9/2020</a:t>
+              <a:t>3/10/2020</a:t>
             </a:fld>
             <a:endParaRPr lang="en-US" dirty="0"/>
           </a:p>
@@ -9250,7 +9251,7 @@
             <a:fld id="{B61BEF0D-F0BB-DE4B-95CE-6DB70DBA9567}" type="datetimeFigureOut">
               <a:rPr lang="en-US" dirty="0"/>
               <a:pPr/>
-              <a:t>3/9/2020</a:t>
+              <a:t>3/10/2020</a:t>
             </a:fld>
             <a:endParaRPr lang="en-US" dirty="0"/>
           </a:p>
@@ -9417,7 +9418,7 @@
             <a:fld id="{B61BEF0D-F0BB-DE4B-95CE-6DB70DBA9567}" type="datetimeFigureOut">
               <a:rPr lang="en-US" dirty="0"/>
               <a:pPr/>
-              <a:t>3/9/2020</a:t>
+              <a:t>3/10/2020</a:t>
             </a:fld>
             <a:endParaRPr lang="en-US" dirty="0"/>
           </a:p>
@@ -9664,7 +9665,7 @@
             <a:fld id="{B61BEF0D-F0BB-DE4B-95CE-6DB70DBA9567}" type="datetimeFigureOut">
               <a:rPr lang="en-US" dirty="0"/>
               <a:pPr/>
-              <a:t>3/9/2020</a:t>
+              <a:t>3/10/2020</a:t>
             </a:fld>
             <a:endParaRPr lang="en-US" dirty="0"/>
           </a:p>
@@ -9897,7 +9898,7 @@
             <a:fld id="{B61BEF0D-F0BB-DE4B-95CE-6DB70DBA9567}" type="datetimeFigureOut">
               <a:rPr lang="en-US" dirty="0"/>
               <a:pPr/>
-              <a:t>3/9/2020</a:t>
+              <a:t>3/10/2020</a:t>
             </a:fld>
             <a:endParaRPr lang="en-US" dirty="0"/>
           </a:p>
@@ -10276,7 +10277,7 @@
             <a:fld id="{B61BEF0D-F0BB-DE4B-95CE-6DB70DBA9567}" type="datetimeFigureOut">
               <a:rPr lang="en-US" dirty="0"/>
               <a:pPr/>
-              <a:t>3/9/2020</a:t>
+              <a:t>3/10/2020</a:t>
             </a:fld>
             <a:endParaRPr lang="en-US" dirty="0"/>
           </a:p>
@@ -10391,7 +10392,7 @@
             <a:fld id="{B61BEF0D-F0BB-DE4B-95CE-6DB70DBA9567}" type="datetimeFigureOut">
               <a:rPr lang="en-US" dirty="0"/>
               <a:pPr/>
-              <a:t>3/9/2020</a:t>
+              <a:t>3/10/2020</a:t>
             </a:fld>
             <a:endParaRPr lang="en-US" dirty="0"/>
           </a:p>
@@ -10483,7 +10484,7 @@
             <a:fld id="{B61BEF0D-F0BB-DE4B-95CE-6DB70DBA9567}" type="datetimeFigureOut">
               <a:rPr lang="en-US" dirty="0"/>
               <a:pPr/>
-              <a:t>3/9/2020</a:t>
+              <a:t>3/10/2020</a:t>
             </a:fld>
             <a:endParaRPr lang="en-US" dirty="0"/>
           </a:p>
@@ -10735,7 +10736,7 @@
             <a:fld id="{B61BEF0D-F0BB-DE4B-95CE-6DB70DBA9567}" type="datetimeFigureOut">
               <a:rPr lang="en-US" dirty="0"/>
               <a:pPr/>
-              <a:t>3/9/2020</a:t>
+              <a:t>3/10/2020</a:t>
             </a:fld>
             <a:endParaRPr lang="en-US" dirty="0"/>
           </a:p>
@@ -11015,7 +11016,7 @@
             <a:fld id="{B61BEF0D-F0BB-DE4B-95CE-6DB70DBA9567}" type="datetimeFigureOut">
               <a:rPr lang="en-US" dirty="0"/>
               <a:pPr/>
-              <a:t>3/9/2020</a:t>
+              <a:t>3/10/2020</a:t>
             </a:fld>
             <a:endParaRPr lang="en-US" dirty="0"/>
           </a:p>
@@ -11418,7 +11419,7 @@
             <a:fld id="{B61BEF0D-F0BB-DE4B-95CE-6DB70DBA9567}" type="datetimeFigureOut">
               <a:rPr lang="en-US" dirty="0"/>
               <a:pPr/>
-              <a:t>3/9/2020</a:t>
+              <a:t>3/10/2020</a:t>
             </a:fld>
             <a:endParaRPr lang="en-US" dirty="0"/>
           </a:p>
@@ -13499,6 +13500,185 @@
           <p:cNvPr id="2" name="Titre 1">
             <a:extLst>
               <a:ext uri="{FF2B5EF4-FFF2-40B4-BE49-F238E27FC236}">
+                <a16:creationId xmlns:a16="http://schemas.microsoft.com/office/drawing/2014/main" id="{73F253BD-1F85-4113-B77A-999D8DBEC881}"/>
+              </a:ext>
+            </a:extLst>
+          </p:cNvPr>
+          <p:cNvSpPr>
+            <a:spLocks noGrp="1"/>
+          </p:cNvSpPr>
+          <p:nvPr>
+            <p:ph type="title"/>
+          </p:nvPr>
+        </p:nvSpPr>
+        <p:spPr/>
+        <p:txBody>
+          <a:bodyPr/>
+          <a:lstStyle/>
+          <a:p>
+            <a:r>
+              <a:rPr lang="fr-FR" dirty="0" err="1"/>
+              <a:t>Difference</a:t>
+            </a:r>
+            <a:r>
+              <a:rPr lang="fr-FR" dirty="0"/>
+              <a:t> </a:t>
+            </a:r>
+            <a:r>
+              <a:rPr lang="fr-FR" dirty="0" err="1"/>
+              <a:t>between</a:t>
+            </a:r>
+            <a:r>
+              <a:rPr lang="fr-FR" dirty="0"/>
+              <a:t> images</a:t>
+            </a:r>
+            <a:endParaRPr lang="en-GB" dirty="0"/>
+          </a:p>
+        </p:txBody>
+      </p:sp>
+      <p:sp>
+        <p:nvSpPr>
+          <p:cNvPr id="3" name="Espace réservé du contenu 2">
+            <a:extLst>
+              <a:ext uri="{FF2B5EF4-FFF2-40B4-BE49-F238E27FC236}">
+                <a16:creationId xmlns:a16="http://schemas.microsoft.com/office/drawing/2014/main" id="{5AD76F7E-2C59-4EEC-8FFE-513BCEB9FD72}"/>
+              </a:ext>
+            </a:extLst>
+          </p:cNvPr>
+          <p:cNvSpPr>
+            <a:spLocks noGrp="1"/>
+          </p:cNvSpPr>
+          <p:nvPr>
+            <p:ph idx="1"/>
+          </p:nvPr>
+        </p:nvSpPr>
+        <p:spPr/>
+        <p:txBody>
+          <a:bodyPr/>
+          <a:lstStyle/>
+          <a:p>
+            <a:r>
+              <a:rPr lang="fr-FR" dirty="0" err="1"/>
+              <a:t>Create</a:t>
+            </a:r>
+            <a:r>
+              <a:rPr lang="fr-FR" dirty="0"/>
+              <a:t> a </a:t>
+            </a:r>
+            <a:r>
+              <a:rPr lang="fr-FR" dirty="0" err="1"/>
+              <a:t>strategy</a:t>
+            </a:r>
+            <a:r>
+              <a:rPr lang="fr-FR" dirty="0"/>
+              <a:t> </a:t>
+            </a:r>
+            <a:r>
+              <a:rPr lang="fr-FR" dirty="0" err="1"/>
+              <a:t>when</a:t>
+            </a:r>
+            <a:r>
+              <a:rPr lang="fr-FR" dirty="0"/>
+              <a:t> </a:t>
+            </a:r>
+            <a:r>
+              <a:rPr lang="fr-FR" dirty="0" err="1"/>
+              <a:t>some</a:t>
+            </a:r>
+            <a:r>
+              <a:rPr lang="fr-FR" dirty="0"/>
+              <a:t> images are </a:t>
+            </a:r>
+            <a:r>
+              <a:rPr lang="fr-FR" dirty="0" err="1"/>
+              <a:t>really</a:t>
+            </a:r>
+            <a:r>
+              <a:rPr lang="fr-FR" dirty="0"/>
+              <a:t> </a:t>
+            </a:r>
+            <a:r>
+              <a:rPr lang="fr-FR" dirty="0" err="1"/>
+              <a:t>different</a:t>
+            </a:r>
+            <a:r>
+              <a:rPr lang="fr-FR" dirty="0"/>
+              <a:t> </a:t>
+            </a:r>
+            <a:r>
+              <a:rPr lang="fr-FR" dirty="0" err="1"/>
+              <a:t>using</a:t>
+            </a:r>
+            <a:r>
+              <a:rPr lang="fr-FR" dirty="0"/>
+              <a:t> a </a:t>
+            </a:r>
+            <a:r>
+              <a:rPr lang="fr-FR" dirty="0" err="1"/>
+              <a:t>threshold</a:t>
+            </a:r>
+            <a:endParaRPr lang="fr-FR" dirty="0"/>
+          </a:p>
+          <a:p>
+            <a:r>
+              <a:rPr lang="fr-FR" dirty="0" err="1"/>
+              <a:t>Explain</a:t>
+            </a:r>
+            <a:r>
+              <a:rPr lang="fr-FR" dirty="0"/>
+              <a:t> </a:t>
+            </a:r>
+            <a:r>
+              <a:rPr lang="fr-FR" dirty="0" err="1"/>
+              <a:t>with</a:t>
+            </a:r>
+            <a:r>
+              <a:rPr lang="fr-FR" dirty="0"/>
+              <a:t> a </a:t>
+            </a:r>
+            <a:r>
+              <a:rPr lang="fr-FR"/>
+              <a:t>schema</a:t>
+            </a:r>
+            <a:endParaRPr lang="en-GB"/>
+          </a:p>
+        </p:txBody>
+      </p:sp>
+    </p:spTree>
+    <p:extLst>
+      <p:ext uri="{BB962C8B-B14F-4D97-AF65-F5344CB8AC3E}">
+        <p14:creationId xmlns:p14="http://schemas.microsoft.com/office/powerpoint/2010/main" val="4208273751"/>
+      </p:ext>
+    </p:extLst>
+  </p:cSld>
+  <p:clrMapOvr>
+    <a:masterClrMapping/>
+  </p:clrMapOvr>
+</p:sld>
+</file>
+
+<file path=ppt/slides/slide16.xml><?xml version="1.0" encoding="utf-8"?>
+<p:sld xmlns:a="http://schemas.openxmlformats.org/drawingml/2006/main" xmlns:r="http://schemas.openxmlformats.org/officeDocument/2006/relationships" xmlns:p="http://schemas.openxmlformats.org/presentationml/2006/main">
+  <p:cSld>
+    <p:spTree>
+      <p:nvGrpSpPr>
+        <p:cNvPr id="1" name=""/>
+        <p:cNvGrpSpPr/>
+        <p:nvPr/>
+      </p:nvGrpSpPr>
+      <p:grpSpPr>
+        <a:xfrm>
+          <a:off x="0" y="0"/>
+          <a:ext cx="0" cy="0"/>
+          <a:chOff x="0" y="0"/>
+          <a:chExt cx="0" cy="0"/>
+        </a:xfrm>
+      </p:grpSpPr>
+      <p:sp>
+        <p:nvSpPr>
+          <p:cNvPr id="2" name="Titre 1">
+            <a:extLst>
+              <a:ext uri="{FF2B5EF4-FFF2-40B4-BE49-F238E27FC236}">
                 <a16:creationId xmlns:a16="http://schemas.microsoft.com/office/drawing/2014/main" id="{643ACCC2-1572-47D7-9E8E-170E100F9348}"/>
               </a:ext>
             </a:extLst>
@@ -13571,7 +13751,7 @@
 </p:sld>
 </file>
 
-<file path=ppt/slides/slide16.xml><?xml version="1.0" encoding="utf-8"?>
+<file path=ppt/slides/slide17.xml><?xml version="1.0" encoding="utf-8"?>
 <p:sld xmlns:a="http://schemas.openxmlformats.org/drawingml/2006/main" xmlns:r="http://schemas.openxmlformats.org/officeDocument/2006/relationships" xmlns:p="http://schemas.openxmlformats.org/presentationml/2006/main">
   <p:cSld>
     <p:bg>
@@ -13693,7 +13873,7 @@
 </p:sld>
 </file>
 
-<file path=ppt/slides/slide17.xml><?xml version="1.0" encoding="utf-8"?>
+<file path=ppt/slides/slide18.xml><?xml version="1.0" encoding="utf-8"?>
 <p:sld xmlns:a="http://schemas.openxmlformats.org/drawingml/2006/main" xmlns:r="http://schemas.openxmlformats.org/officeDocument/2006/relationships" xmlns:p="http://schemas.openxmlformats.org/presentationml/2006/main">
   <p:cSld>
     <p:spTree>
@@ -13886,7 +14066,7 @@
 </p:sld>
 </file>
 
-<file path=ppt/slides/slide18.xml><?xml version="1.0" encoding="utf-8"?>
+<file path=ppt/slides/slide19.xml><?xml version="1.0" encoding="utf-8"?>
 <p:sld xmlns:a="http://schemas.openxmlformats.org/drawingml/2006/main" xmlns:r="http://schemas.openxmlformats.org/officeDocument/2006/relationships" xmlns:p="http://schemas.openxmlformats.org/presentationml/2006/main">
   <p:cSld>
     <p:spTree>
@@ -14639,547 +14819,6 @@
 </p:sld>
 </file>
 
-<file path=ppt/slides/slide19.xml><?xml version="1.0" encoding="utf-8"?>
-<p:sld xmlns:a="http://schemas.openxmlformats.org/drawingml/2006/main" xmlns:r="http://schemas.openxmlformats.org/officeDocument/2006/relationships" xmlns:p="http://schemas.openxmlformats.org/presentationml/2006/main">
-  <p:cSld>
-    <p:spTree>
-      <p:nvGrpSpPr>
-        <p:cNvPr id="1" name=""/>
-        <p:cNvGrpSpPr/>
-        <p:nvPr/>
-      </p:nvGrpSpPr>
-      <p:grpSpPr>
-        <a:xfrm>
-          <a:off x="0" y="0"/>
-          <a:ext cx="0" cy="0"/>
-          <a:chOff x="0" y="0"/>
-          <a:chExt cx="0" cy="0"/>
-        </a:xfrm>
-      </p:grpSpPr>
-      <p:sp>
-        <p:nvSpPr>
-          <p:cNvPr id="2" name="Titre 1">
-            <a:extLst>
-              <a:ext uri="{FF2B5EF4-FFF2-40B4-BE49-F238E27FC236}">
-                <a16:creationId xmlns:a16="http://schemas.microsoft.com/office/drawing/2014/main" id="{C3A47323-C1D5-4FF9-968A-64ABFA3C1E18}"/>
-              </a:ext>
-            </a:extLst>
-          </p:cNvPr>
-          <p:cNvSpPr>
-            <a:spLocks noGrp="1"/>
-          </p:cNvSpPr>
-          <p:nvPr>
-            <p:ph type="title"/>
-          </p:nvPr>
-        </p:nvSpPr>
-        <p:spPr/>
-        <p:txBody>
-          <a:bodyPr/>
-          <a:lstStyle/>
-          <a:p>
-            <a:r>
-              <a:rPr lang="fr-FR" dirty="0"/>
-              <a:t>Annexe</a:t>
-            </a:r>
-            <a:endParaRPr lang="en-GB" dirty="0"/>
-          </a:p>
-        </p:txBody>
-      </p:sp>
-      <p:pic>
-        <p:nvPicPr>
-          <p:cNvPr id="16" name="Espace réservé du contenu 15">
-            <a:extLst>
-              <a:ext uri="{FF2B5EF4-FFF2-40B4-BE49-F238E27FC236}">
-                <a16:creationId xmlns:a16="http://schemas.microsoft.com/office/drawing/2014/main" id="{B2C4B2A4-24E6-4EA7-8EF4-F1B0389A247E}"/>
-              </a:ext>
-            </a:extLst>
-          </p:cNvPr>
-          <p:cNvPicPr>
-            <a:picLocks noGrp="1" noChangeAspect="1"/>
-          </p:cNvPicPr>
-          <p:nvPr>
-            <p:ph idx="1"/>
-          </p:nvPr>
-        </p:nvPicPr>
-        <p:blipFill>
-          <a:blip r:embed="rId2"/>
-          <a:stretch>
-            <a:fillRect/>
-          </a:stretch>
-        </p:blipFill>
-        <p:spPr>
-          <a:xfrm>
-            <a:off x="7839108" y="2560399"/>
-            <a:ext cx="1314450" cy="600075"/>
-          </a:xfrm>
-          <a:prstGeom prst="rect">
-            <a:avLst/>
-          </a:prstGeom>
-        </p:spPr>
-      </p:pic>
-      <p:sp>
-        <p:nvSpPr>
-          <p:cNvPr id="4" name="ZoneTexte 3">
-            <a:extLst>
-              <a:ext uri="{FF2B5EF4-FFF2-40B4-BE49-F238E27FC236}">
-                <a16:creationId xmlns:a16="http://schemas.microsoft.com/office/drawing/2014/main" id="{308043D7-F2FD-4D07-9420-385AA37319FD}"/>
-              </a:ext>
-            </a:extLst>
-          </p:cNvPr>
-          <p:cNvSpPr txBox="1"/>
-          <p:nvPr/>
-        </p:nvSpPr>
-        <p:spPr>
-          <a:xfrm>
-            <a:off x="499481" y="348122"/>
-            <a:ext cx="1754006" cy="369332"/>
-          </a:xfrm>
-          <a:prstGeom prst="rect">
-            <a:avLst/>
-          </a:prstGeom>
-          <a:noFill/>
-        </p:spPr>
-        <p:txBody>
-          <a:bodyPr wrap="none" rtlCol="0">
-            <a:spAutoFit/>
-          </a:bodyPr>
-          <a:lstStyle/>
-          <a:p>
-            <a:r>
-              <a:rPr lang="fr-FR" dirty="0"/>
-              <a:t>The prototype</a:t>
-            </a:r>
-            <a:endParaRPr lang="en-GB" dirty="0"/>
-          </a:p>
-        </p:txBody>
-      </p:sp>
-      <p:cxnSp>
-        <p:nvCxnSpPr>
-          <p:cNvPr id="5" name="Connecteur droit avec flèche 4">
-            <a:extLst>
-              <a:ext uri="{FF2B5EF4-FFF2-40B4-BE49-F238E27FC236}">
-                <a16:creationId xmlns:a16="http://schemas.microsoft.com/office/drawing/2014/main" id="{76B2BD43-8A32-4F05-90EE-F4CBE6F6B3AC}"/>
-              </a:ext>
-            </a:extLst>
-          </p:cNvPr>
-          <p:cNvCxnSpPr>
-            <a:cxnSpLocks/>
-          </p:cNvCxnSpPr>
-          <p:nvPr/>
-        </p:nvCxnSpPr>
-        <p:spPr>
-          <a:xfrm>
-            <a:off x="6384258" y="989988"/>
-            <a:ext cx="1526233" cy="1340211"/>
-          </a:xfrm>
-          <a:prstGeom prst="straightConnector1">
-            <a:avLst/>
-          </a:prstGeom>
-          <a:ln w="76200">
-            <a:solidFill>
-              <a:schemeClr val="accent1">
-                <a:lumMod val="60000"/>
-                <a:lumOff val="40000"/>
-                <a:alpha val="60000"/>
-              </a:schemeClr>
-            </a:solidFill>
-            <a:tailEnd type="triangle"/>
-          </a:ln>
-        </p:spPr>
-        <p:style>
-          <a:lnRef idx="1">
-            <a:schemeClr val="accent1"/>
-          </a:lnRef>
-          <a:fillRef idx="0">
-            <a:schemeClr val="accent1"/>
-          </a:fillRef>
-          <a:effectRef idx="0">
-            <a:schemeClr val="accent1"/>
-          </a:effectRef>
-          <a:fontRef idx="minor">
-            <a:schemeClr val="tx1"/>
-          </a:fontRef>
-        </p:style>
-      </p:cxnSp>
-      <p:cxnSp>
-        <p:nvCxnSpPr>
-          <p:cNvPr id="6" name="Connecteur droit avec flèche 5">
-            <a:extLst>
-              <a:ext uri="{FF2B5EF4-FFF2-40B4-BE49-F238E27FC236}">
-                <a16:creationId xmlns:a16="http://schemas.microsoft.com/office/drawing/2014/main" id="{4FB2FE4C-19EC-481B-8A75-3B52BCC715A8}"/>
-              </a:ext>
-            </a:extLst>
-          </p:cNvPr>
-          <p:cNvCxnSpPr>
-            <a:cxnSpLocks/>
-          </p:cNvCxnSpPr>
-          <p:nvPr/>
-        </p:nvCxnSpPr>
-        <p:spPr>
-          <a:xfrm>
-            <a:off x="5678751" y="1145219"/>
-            <a:ext cx="0" cy="1606626"/>
-          </a:xfrm>
-          <a:prstGeom prst="straightConnector1">
-            <a:avLst/>
-          </a:prstGeom>
-          <a:ln w="76200">
-            <a:solidFill>
-              <a:schemeClr val="accent1">
-                <a:lumMod val="60000"/>
-                <a:lumOff val="40000"/>
-                <a:alpha val="60000"/>
-              </a:schemeClr>
-            </a:solidFill>
-            <a:tailEnd type="triangle"/>
-          </a:ln>
-        </p:spPr>
-        <p:style>
-          <a:lnRef idx="1">
-            <a:schemeClr val="accent1"/>
-          </a:lnRef>
-          <a:fillRef idx="0">
-            <a:schemeClr val="accent1"/>
-          </a:fillRef>
-          <a:effectRef idx="0">
-            <a:schemeClr val="accent1"/>
-          </a:effectRef>
-          <a:fontRef idx="minor">
-            <a:schemeClr val="tx1"/>
-          </a:fontRef>
-        </p:style>
-      </p:cxnSp>
-      <p:cxnSp>
-        <p:nvCxnSpPr>
-          <p:cNvPr id="7" name="Connecteur droit avec flèche 6">
-            <a:extLst>
-              <a:ext uri="{FF2B5EF4-FFF2-40B4-BE49-F238E27FC236}">
-                <a16:creationId xmlns:a16="http://schemas.microsoft.com/office/drawing/2014/main" id="{5B6CFAE7-3CE4-4665-8A62-A74E96029C14}"/>
-              </a:ext>
-            </a:extLst>
-          </p:cNvPr>
-          <p:cNvCxnSpPr>
-            <a:cxnSpLocks/>
-          </p:cNvCxnSpPr>
-          <p:nvPr/>
-        </p:nvCxnSpPr>
-        <p:spPr>
-          <a:xfrm flipH="1">
-            <a:off x="3426782" y="989988"/>
-            <a:ext cx="1617845" cy="1380680"/>
-          </a:xfrm>
-          <a:prstGeom prst="straightConnector1">
-            <a:avLst/>
-          </a:prstGeom>
-          <a:ln w="76200">
-            <a:solidFill>
-              <a:schemeClr val="accent1">
-                <a:lumMod val="60000"/>
-                <a:lumOff val="40000"/>
-                <a:alpha val="60000"/>
-              </a:schemeClr>
-            </a:solidFill>
-            <a:tailEnd type="triangle"/>
-          </a:ln>
-        </p:spPr>
-        <p:style>
-          <a:lnRef idx="1">
-            <a:schemeClr val="accent1"/>
-          </a:lnRef>
-          <a:fillRef idx="0">
-            <a:schemeClr val="accent1"/>
-          </a:fillRef>
-          <a:effectRef idx="0">
-            <a:schemeClr val="accent1"/>
-          </a:effectRef>
-          <a:fontRef idx="minor">
-            <a:schemeClr val="tx1"/>
-          </a:fontRef>
-        </p:style>
-      </p:cxnSp>
-      <p:sp>
-        <p:nvSpPr>
-          <p:cNvPr id="8" name="ZoneTexte 7">
-            <a:extLst>
-              <a:ext uri="{FF2B5EF4-FFF2-40B4-BE49-F238E27FC236}">
-                <a16:creationId xmlns:a16="http://schemas.microsoft.com/office/drawing/2014/main" id="{9035EBA5-A191-4017-9BC3-68668EEEC5A6}"/>
-              </a:ext>
-            </a:extLst>
-          </p:cNvPr>
-          <p:cNvSpPr txBox="1"/>
-          <p:nvPr/>
-        </p:nvSpPr>
-        <p:spPr>
-          <a:xfrm>
-            <a:off x="2077435" y="3279624"/>
-            <a:ext cx="928459" cy="369332"/>
-          </a:xfrm>
-          <a:prstGeom prst="rect">
-            <a:avLst/>
-          </a:prstGeom>
-          <a:noFill/>
-        </p:spPr>
-        <p:txBody>
-          <a:bodyPr wrap="none" rtlCol="0">
-            <a:spAutoFit/>
-          </a:bodyPr>
-          <a:lstStyle/>
-          <a:p>
-            <a:r>
-              <a:rPr lang="fr-FR" b="1" dirty="0">
-                <a:solidFill>
-                  <a:schemeClr val="bg1"/>
-                </a:solidFill>
-                <a:latin typeface="Times New Roman" panose="02020603050405020304" pitchFamily="18" charset="0"/>
-                <a:cs typeface="Times New Roman" panose="02020603050405020304" pitchFamily="18" charset="0"/>
-              </a:rPr>
-              <a:t>Actions</a:t>
-            </a:r>
-            <a:endParaRPr lang="en-GB" b="1" dirty="0">
-              <a:solidFill>
-                <a:schemeClr val="bg1"/>
-              </a:solidFill>
-              <a:latin typeface="Times New Roman" panose="02020603050405020304" pitchFamily="18" charset="0"/>
-              <a:cs typeface="Times New Roman" panose="02020603050405020304" pitchFamily="18" charset="0"/>
-            </a:endParaRPr>
-          </a:p>
-        </p:txBody>
-      </p:sp>
-      <p:sp>
-        <p:nvSpPr>
-          <p:cNvPr id="9" name="ZoneTexte 8">
-            <a:extLst>
-              <a:ext uri="{FF2B5EF4-FFF2-40B4-BE49-F238E27FC236}">
-                <a16:creationId xmlns:a16="http://schemas.microsoft.com/office/drawing/2014/main" id="{BC7F6B83-CFA6-428A-9163-505D9408D6D0}"/>
-              </a:ext>
-            </a:extLst>
-          </p:cNvPr>
-          <p:cNvSpPr txBox="1"/>
-          <p:nvPr/>
-        </p:nvSpPr>
-        <p:spPr>
-          <a:xfrm>
-            <a:off x="5221551" y="4030132"/>
-            <a:ext cx="941283" cy="369332"/>
-          </a:xfrm>
-          <a:prstGeom prst="rect">
-            <a:avLst/>
-          </a:prstGeom>
-          <a:noFill/>
-        </p:spPr>
-        <p:txBody>
-          <a:bodyPr wrap="none" rtlCol="0">
-            <a:spAutoFit/>
-          </a:bodyPr>
-          <a:lstStyle/>
-          <a:p>
-            <a:r>
-              <a:rPr lang="fr-FR" b="1" dirty="0" err="1">
-                <a:solidFill>
-                  <a:srgbClr val="92D050"/>
-                </a:solidFill>
-                <a:latin typeface="Times New Roman" panose="02020603050405020304" pitchFamily="18" charset="0"/>
-                <a:cs typeface="Times New Roman" panose="02020603050405020304" pitchFamily="18" charset="0"/>
-              </a:rPr>
-              <a:t>Sensors</a:t>
-            </a:r>
-            <a:endParaRPr lang="en-GB" b="1" dirty="0">
-              <a:solidFill>
-                <a:srgbClr val="92D050"/>
-              </a:solidFill>
-              <a:latin typeface="Times New Roman" panose="02020603050405020304" pitchFamily="18" charset="0"/>
-              <a:cs typeface="Times New Roman" panose="02020603050405020304" pitchFamily="18" charset="0"/>
-            </a:endParaRPr>
-          </a:p>
-        </p:txBody>
-      </p:sp>
-      <p:sp>
-        <p:nvSpPr>
-          <p:cNvPr id="10" name="ZoneTexte 9">
-            <a:extLst>
-              <a:ext uri="{FF2B5EF4-FFF2-40B4-BE49-F238E27FC236}">
-                <a16:creationId xmlns:a16="http://schemas.microsoft.com/office/drawing/2014/main" id="{9A0D750E-6B64-4F6A-9699-6D981AE0E69F}"/>
-              </a:ext>
-            </a:extLst>
-          </p:cNvPr>
-          <p:cNvSpPr txBox="1"/>
-          <p:nvPr/>
-        </p:nvSpPr>
-        <p:spPr>
-          <a:xfrm>
-            <a:off x="8239377" y="3279624"/>
-            <a:ext cx="1270541" cy="369332"/>
-          </a:xfrm>
-          <a:prstGeom prst="rect">
-            <a:avLst/>
-          </a:prstGeom>
-          <a:noFill/>
-        </p:spPr>
-        <p:txBody>
-          <a:bodyPr wrap="none" rtlCol="0">
-            <a:spAutoFit/>
-          </a:bodyPr>
-          <a:lstStyle/>
-          <a:p>
-            <a:r>
-              <a:rPr lang="fr-FR" b="1" dirty="0">
-                <a:solidFill>
-                  <a:schemeClr val="accent6">
-                    <a:lumMod val="40000"/>
-                    <a:lumOff val="60000"/>
-                  </a:schemeClr>
-                </a:solidFill>
-                <a:latin typeface="Times New Roman" panose="02020603050405020304" pitchFamily="18" charset="0"/>
-                <a:cs typeface="Times New Roman" panose="02020603050405020304" pitchFamily="18" charset="0"/>
-              </a:rPr>
-              <a:t>Ressources</a:t>
-            </a:r>
-            <a:endParaRPr lang="en-GB" b="1" dirty="0">
-              <a:solidFill>
-                <a:schemeClr val="accent6">
-                  <a:lumMod val="40000"/>
-                  <a:lumOff val="60000"/>
-                </a:schemeClr>
-              </a:solidFill>
-              <a:latin typeface="Times New Roman" panose="02020603050405020304" pitchFamily="18" charset="0"/>
-              <a:cs typeface="Times New Roman" panose="02020603050405020304" pitchFamily="18" charset="0"/>
-            </a:endParaRPr>
-          </a:p>
-        </p:txBody>
-      </p:sp>
-      <p:pic>
-        <p:nvPicPr>
-          <p:cNvPr id="12" name="Image 11">
-            <a:extLst>
-              <a:ext uri="{FF2B5EF4-FFF2-40B4-BE49-F238E27FC236}">
-                <a16:creationId xmlns:a16="http://schemas.microsoft.com/office/drawing/2014/main" id="{460BFFBA-E30E-4BA2-B5A0-8B77D3024A79}"/>
-              </a:ext>
-            </a:extLst>
-          </p:cNvPr>
-          <p:cNvPicPr>
-            <a:picLocks noChangeAspect="1"/>
-          </p:cNvPicPr>
-          <p:nvPr/>
-        </p:nvPicPr>
-        <p:blipFill>
-          <a:blip r:embed="rId3"/>
-          <a:stretch>
-            <a:fillRect/>
-          </a:stretch>
-        </p:blipFill>
-        <p:spPr>
-          <a:xfrm>
-            <a:off x="4979375" y="218769"/>
-            <a:ext cx="1333500" cy="619125"/>
-          </a:xfrm>
-          <a:prstGeom prst="rect">
-            <a:avLst/>
-          </a:prstGeom>
-        </p:spPr>
-      </p:pic>
-      <p:pic>
-        <p:nvPicPr>
-          <p:cNvPr id="13" name="Image 12">
-            <a:extLst>
-              <a:ext uri="{FF2B5EF4-FFF2-40B4-BE49-F238E27FC236}">
-                <a16:creationId xmlns:a16="http://schemas.microsoft.com/office/drawing/2014/main" id="{26956F3D-9551-4FC1-8071-92FE32D0ABE2}"/>
-              </a:ext>
-            </a:extLst>
-          </p:cNvPr>
-          <p:cNvPicPr>
-            <a:picLocks noChangeAspect="1"/>
-          </p:cNvPicPr>
-          <p:nvPr/>
-        </p:nvPicPr>
-        <p:blipFill>
-          <a:blip r:embed="rId4"/>
-          <a:stretch>
-            <a:fillRect/>
-          </a:stretch>
-        </p:blipFill>
-        <p:spPr>
-          <a:xfrm>
-            <a:off x="2102807" y="2514600"/>
-            <a:ext cx="1323975" cy="609600"/>
-          </a:xfrm>
-          <a:prstGeom prst="rect">
-            <a:avLst/>
-          </a:prstGeom>
-        </p:spPr>
-      </p:pic>
-      <p:pic>
-        <p:nvPicPr>
-          <p:cNvPr id="15" name="Image 14">
-            <a:extLst>
-              <a:ext uri="{FF2B5EF4-FFF2-40B4-BE49-F238E27FC236}">
-                <a16:creationId xmlns:a16="http://schemas.microsoft.com/office/drawing/2014/main" id="{492195D9-84DC-4159-939B-CED361C5BBCD}"/>
-              </a:ext>
-            </a:extLst>
-          </p:cNvPr>
-          <p:cNvPicPr>
-            <a:picLocks noChangeAspect="1"/>
-          </p:cNvPicPr>
-          <p:nvPr/>
-        </p:nvPicPr>
-        <p:blipFill>
-          <a:blip r:embed="rId5"/>
-          <a:stretch>
-            <a:fillRect/>
-          </a:stretch>
-        </p:blipFill>
-        <p:spPr>
-          <a:xfrm>
-            <a:off x="4235704" y="3279623"/>
-            <a:ext cx="1314450" cy="600075"/>
-          </a:xfrm>
-          <a:prstGeom prst="rect">
-            <a:avLst/>
-          </a:prstGeom>
-        </p:spPr>
-      </p:pic>
-      <p:pic>
-        <p:nvPicPr>
-          <p:cNvPr id="3" name="Image 2">
-            <a:extLst>
-              <a:ext uri="{FF2B5EF4-FFF2-40B4-BE49-F238E27FC236}">
-                <a16:creationId xmlns:a16="http://schemas.microsoft.com/office/drawing/2014/main" id="{4D792693-4505-4101-BD7F-57D56B4C40E6}"/>
-              </a:ext>
-            </a:extLst>
-          </p:cNvPr>
-          <p:cNvPicPr>
-            <a:picLocks noChangeAspect="1"/>
-          </p:cNvPicPr>
-          <p:nvPr/>
-        </p:nvPicPr>
-        <p:blipFill>
-          <a:blip r:embed="rId6"/>
-          <a:stretch>
-            <a:fillRect/>
-          </a:stretch>
-        </p:blipFill>
-        <p:spPr>
-          <a:xfrm>
-            <a:off x="5832925" y="3279624"/>
-            <a:ext cx="1314450" cy="600075"/>
-          </a:xfrm>
-          <a:prstGeom prst="rect">
-            <a:avLst/>
-          </a:prstGeom>
-        </p:spPr>
-      </p:pic>
-    </p:spTree>
-    <p:extLst>
-      <p:ext uri="{BB962C8B-B14F-4D97-AF65-F5344CB8AC3E}">
-        <p14:creationId xmlns:p14="http://schemas.microsoft.com/office/powerpoint/2010/main" val="2112816624"/>
-      </p:ext>
-    </p:extLst>
-  </p:cSld>
-  <p:clrMapOvr>
-    <a:masterClrMapping/>
-  </p:clrMapOvr>
-</p:sld>
-</file>
-
 <file path=ppt/slides/slide2.xml><?xml version="1.0" encoding="utf-8"?>
 <p:sld xmlns:a="http://schemas.openxmlformats.org/drawingml/2006/main" xmlns:r="http://schemas.openxmlformats.org/officeDocument/2006/relationships" xmlns:p="http://schemas.openxmlformats.org/presentationml/2006/main">
   <p:cSld>
@@ -15765,6 +15404,547 @@
           <p:cNvPr id="2" name="Titre 1">
             <a:extLst>
               <a:ext uri="{FF2B5EF4-FFF2-40B4-BE49-F238E27FC236}">
+                <a16:creationId xmlns:a16="http://schemas.microsoft.com/office/drawing/2014/main" id="{C3A47323-C1D5-4FF9-968A-64ABFA3C1E18}"/>
+              </a:ext>
+            </a:extLst>
+          </p:cNvPr>
+          <p:cNvSpPr>
+            <a:spLocks noGrp="1"/>
+          </p:cNvSpPr>
+          <p:nvPr>
+            <p:ph type="title"/>
+          </p:nvPr>
+        </p:nvSpPr>
+        <p:spPr/>
+        <p:txBody>
+          <a:bodyPr/>
+          <a:lstStyle/>
+          <a:p>
+            <a:r>
+              <a:rPr lang="fr-FR" dirty="0"/>
+              <a:t>Annexe</a:t>
+            </a:r>
+            <a:endParaRPr lang="en-GB" dirty="0"/>
+          </a:p>
+        </p:txBody>
+      </p:sp>
+      <p:pic>
+        <p:nvPicPr>
+          <p:cNvPr id="16" name="Espace réservé du contenu 15">
+            <a:extLst>
+              <a:ext uri="{FF2B5EF4-FFF2-40B4-BE49-F238E27FC236}">
+                <a16:creationId xmlns:a16="http://schemas.microsoft.com/office/drawing/2014/main" id="{B2C4B2A4-24E6-4EA7-8EF4-F1B0389A247E}"/>
+              </a:ext>
+            </a:extLst>
+          </p:cNvPr>
+          <p:cNvPicPr>
+            <a:picLocks noGrp="1" noChangeAspect="1"/>
+          </p:cNvPicPr>
+          <p:nvPr>
+            <p:ph idx="1"/>
+          </p:nvPr>
+        </p:nvPicPr>
+        <p:blipFill>
+          <a:blip r:embed="rId2"/>
+          <a:stretch>
+            <a:fillRect/>
+          </a:stretch>
+        </p:blipFill>
+        <p:spPr>
+          <a:xfrm>
+            <a:off x="7839108" y="2560399"/>
+            <a:ext cx="1314450" cy="600075"/>
+          </a:xfrm>
+          <a:prstGeom prst="rect">
+            <a:avLst/>
+          </a:prstGeom>
+        </p:spPr>
+      </p:pic>
+      <p:sp>
+        <p:nvSpPr>
+          <p:cNvPr id="4" name="ZoneTexte 3">
+            <a:extLst>
+              <a:ext uri="{FF2B5EF4-FFF2-40B4-BE49-F238E27FC236}">
+                <a16:creationId xmlns:a16="http://schemas.microsoft.com/office/drawing/2014/main" id="{308043D7-F2FD-4D07-9420-385AA37319FD}"/>
+              </a:ext>
+            </a:extLst>
+          </p:cNvPr>
+          <p:cNvSpPr txBox="1"/>
+          <p:nvPr/>
+        </p:nvSpPr>
+        <p:spPr>
+          <a:xfrm>
+            <a:off x="499481" y="348122"/>
+            <a:ext cx="1754006" cy="369332"/>
+          </a:xfrm>
+          <a:prstGeom prst="rect">
+            <a:avLst/>
+          </a:prstGeom>
+          <a:noFill/>
+        </p:spPr>
+        <p:txBody>
+          <a:bodyPr wrap="none" rtlCol="0">
+            <a:spAutoFit/>
+          </a:bodyPr>
+          <a:lstStyle/>
+          <a:p>
+            <a:r>
+              <a:rPr lang="fr-FR" dirty="0"/>
+              <a:t>The prototype</a:t>
+            </a:r>
+            <a:endParaRPr lang="en-GB" dirty="0"/>
+          </a:p>
+        </p:txBody>
+      </p:sp>
+      <p:cxnSp>
+        <p:nvCxnSpPr>
+          <p:cNvPr id="5" name="Connecteur droit avec flèche 4">
+            <a:extLst>
+              <a:ext uri="{FF2B5EF4-FFF2-40B4-BE49-F238E27FC236}">
+                <a16:creationId xmlns:a16="http://schemas.microsoft.com/office/drawing/2014/main" id="{76B2BD43-8A32-4F05-90EE-F4CBE6F6B3AC}"/>
+              </a:ext>
+            </a:extLst>
+          </p:cNvPr>
+          <p:cNvCxnSpPr>
+            <a:cxnSpLocks/>
+          </p:cNvCxnSpPr>
+          <p:nvPr/>
+        </p:nvCxnSpPr>
+        <p:spPr>
+          <a:xfrm>
+            <a:off x="6384258" y="989988"/>
+            <a:ext cx="1526233" cy="1340211"/>
+          </a:xfrm>
+          <a:prstGeom prst="straightConnector1">
+            <a:avLst/>
+          </a:prstGeom>
+          <a:ln w="76200">
+            <a:solidFill>
+              <a:schemeClr val="accent1">
+                <a:lumMod val="60000"/>
+                <a:lumOff val="40000"/>
+                <a:alpha val="60000"/>
+              </a:schemeClr>
+            </a:solidFill>
+            <a:tailEnd type="triangle"/>
+          </a:ln>
+        </p:spPr>
+        <p:style>
+          <a:lnRef idx="1">
+            <a:schemeClr val="accent1"/>
+          </a:lnRef>
+          <a:fillRef idx="0">
+            <a:schemeClr val="accent1"/>
+          </a:fillRef>
+          <a:effectRef idx="0">
+            <a:schemeClr val="accent1"/>
+          </a:effectRef>
+          <a:fontRef idx="minor">
+            <a:schemeClr val="tx1"/>
+          </a:fontRef>
+        </p:style>
+      </p:cxnSp>
+      <p:cxnSp>
+        <p:nvCxnSpPr>
+          <p:cNvPr id="6" name="Connecteur droit avec flèche 5">
+            <a:extLst>
+              <a:ext uri="{FF2B5EF4-FFF2-40B4-BE49-F238E27FC236}">
+                <a16:creationId xmlns:a16="http://schemas.microsoft.com/office/drawing/2014/main" id="{4FB2FE4C-19EC-481B-8A75-3B52BCC715A8}"/>
+              </a:ext>
+            </a:extLst>
+          </p:cNvPr>
+          <p:cNvCxnSpPr>
+            <a:cxnSpLocks/>
+          </p:cNvCxnSpPr>
+          <p:nvPr/>
+        </p:nvCxnSpPr>
+        <p:spPr>
+          <a:xfrm>
+            <a:off x="5678751" y="1145219"/>
+            <a:ext cx="0" cy="1606626"/>
+          </a:xfrm>
+          <a:prstGeom prst="straightConnector1">
+            <a:avLst/>
+          </a:prstGeom>
+          <a:ln w="76200">
+            <a:solidFill>
+              <a:schemeClr val="accent1">
+                <a:lumMod val="60000"/>
+                <a:lumOff val="40000"/>
+                <a:alpha val="60000"/>
+              </a:schemeClr>
+            </a:solidFill>
+            <a:tailEnd type="triangle"/>
+          </a:ln>
+        </p:spPr>
+        <p:style>
+          <a:lnRef idx="1">
+            <a:schemeClr val="accent1"/>
+          </a:lnRef>
+          <a:fillRef idx="0">
+            <a:schemeClr val="accent1"/>
+          </a:fillRef>
+          <a:effectRef idx="0">
+            <a:schemeClr val="accent1"/>
+          </a:effectRef>
+          <a:fontRef idx="minor">
+            <a:schemeClr val="tx1"/>
+          </a:fontRef>
+        </p:style>
+      </p:cxnSp>
+      <p:cxnSp>
+        <p:nvCxnSpPr>
+          <p:cNvPr id="7" name="Connecteur droit avec flèche 6">
+            <a:extLst>
+              <a:ext uri="{FF2B5EF4-FFF2-40B4-BE49-F238E27FC236}">
+                <a16:creationId xmlns:a16="http://schemas.microsoft.com/office/drawing/2014/main" id="{5B6CFAE7-3CE4-4665-8A62-A74E96029C14}"/>
+              </a:ext>
+            </a:extLst>
+          </p:cNvPr>
+          <p:cNvCxnSpPr>
+            <a:cxnSpLocks/>
+          </p:cNvCxnSpPr>
+          <p:nvPr/>
+        </p:nvCxnSpPr>
+        <p:spPr>
+          <a:xfrm flipH="1">
+            <a:off x="3426782" y="989988"/>
+            <a:ext cx="1617845" cy="1380680"/>
+          </a:xfrm>
+          <a:prstGeom prst="straightConnector1">
+            <a:avLst/>
+          </a:prstGeom>
+          <a:ln w="76200">
+            <a:solidFill>
+              <a:schemeClr val="accent1">
+                <a:lumMod val="60000"/>
+                <a:lumOff val="40000"/>
+                <a:alpha val="60000"/>
+              </a:schemeClr>
+            </a:solidFill>
+            <a:tailEnd type="triangle"/>
+          </a:ln>
+        </p:spPr>
+        <p:style>
+          <a:lnRef idx="1">
+            <a:schemeClr val="accent1"/>
+          </a:lnRef>
+          <a:fillRef idx="0">
+            <a:schemeClr val="accent1"/>
+          </a:fillRef>
+          <a:effectRef idx="0">
+            <a:schemeClr val="accent1"/>
+          </a:effectRef>
+          <a:fontRef idx="minor">
+            <a:schemeClr val="tx1"/>
+          </a:fontRef>
+        </p:style>
+      </p:cxnSp>
+      <p:sp>
+        <p:nvSpPr>
+          <p:cNvPr id="8" name="ZoneTexte 7">
+            <a:extLst>
+              <a:ext uri="{FF2B5EF4-FFF2-40B4-BE49-F238E27FC236}">
+                <a16:creationId xmlns:a16="http://schemas.microsoft.com/office/drawing/2014/main" id="{9035EBA5-A191-4017-9BC3-68668EEEC5A6}"/>
+              </a:ext>
+            </a:extLst>
+          </p:cNvPr>
+          <p:cNvSpPr txBox="1"/>
+          <p:nvPr/>
+        </p:nvSpPr>
+        <p:spPr>
+          <a:xfrm>
+            <a:off x="2077435" y="3279624"/>
+            <a:ext cx="928459" cy="369332"/>
+          </a:xfrm>
+          <a:prstGeom prst="rect">
+            <a:avLst/>
+          </a:prstGeom>
+          <a:noFill/>
+        </p:spPr>
+        <p:txBody>
+          <a:bodyPr wrap="none" rtlCol="0">
+            <a:spAutoFit/>
+          </a:bodyPr>
+          <a:lstStyle/>
+          <a:p>
+            <a:r>
+              <a:rPr lang="fr-FR" b="1" dirty="0">
+                <a:solidFill>
+                  <a:schemeClr val="bg1"/>
+                </a:solidFill>
+                <a:latin typeface="Times New Roman" panose="02020603050405020304" pitchFamily="18" charset="0"/>
+                <a:cs typeface="Times New Roman" panose="02020603050405020304" pitchFamily="18" charset="0"/>
+              </a:rPr>
+              <a:t>Actions</a:t>
+            </a:r>
+            <a:endParaRPr lang="en-GB" b="1" dirty="0">
+              <a:solidFill>
+                <a:schemeClr val="bg1"/>
+              </a:solidFill>
+              <a:latin typeface="Times New Roman" panose="02020603050405020304" pitchFamily="18" charset="0"/>
+              <a:cs typeface="Times New Roman" panose="02020603050405020304" pitchFamily="18" charset="0"/>
+            </a:endParaRPr>
+          </a:p>
+        </p:txBody>
+      </p:sp>
+      <p:sp>
+        <p:nvSpPr>
+          <p:cNvPr id="9" name="ZoneTexte 8">
+            <a:extLst>
+              <a:ext uri="{FF2B5EF4-FFF2-40B4-BE49-F238E27FC236}">
+                <a16:creationId xmlns:a16="http://schemas.microsoft.com/office/drawing/2014/main" id="{BC7F6B83-CFA6-428A-9163-505D9408D6D0}"/>
+              </a:ext>
+            </a:extLst>
+          </p:cNvPr>
+          <p:cNvSpPr txBox="1"/>
+          <p:nvPr/>
+        </p:nvSpPr>
+        <p:spPr>
+          <a:xfrm>
+            <a:off x="5221551" y="4030132"/>
+            <a:ext cx="941283" cy="369332"/>
+          </a:xfrm>
+          <a:prstGeom prst="rect">
+            <a:avLst/>
+          </a:prstGeom>
+          <a:noFill/>
+        </p:spPr>
+        <p:txBody>
+          <a:bodyPr wrap="none" rtlCol="0">
+            <a:spAutoFit/>
+          </a:bodyPr>
+          <a:lstStyle/>
+          <a:p>
+            <a:r>
+              <a:rPr lang="fr-FR" b="1" dirty="0" err="1">
+                <a:solidFill>
+                  <a:srgbClr val="92D050"/>
+                </a:solidFill>
+                <a:latin typeface="Times New Roman" panose="02020603050405020304" pitchFamily="18" charset="0"/>
+                <a:cs typeface="Times New Roman" panose="02020603050405020304" pitchFamily="18" charset="0"/>
+              </a:rPr>
+              <a:t>Sensors</a:t>
+            </a:r>
+            <a:endParaRPr lang="en-GB" b="1" dirty="0">
+              <a:solidFill>
+                <a:srgbClr val="92D050"/>
+              </a:solidFill>
+              <a:latin typeface="Times New Roman" panose="02020603050405020304" pitchFamily="18" charset="0"/>
+              <a:cs typeface="Times New Roman" panose="02020603050405020304" pitchFamily="18" charset="0"/>
+            </a:endParaRPr>
+          </a:p>
+        </p:txBody>
+      </p:sp>
+      <p:sp>
+        <p:nvSpPr>
+          <p:cNvPr id="10" name="ZoneTexte 9">
+            <a:extLst>
+              <a:ext uri="{FF2B5EF4-FFF2-40B4-BE49-F238E27FC236}">
+                <a16:creationId xmlns:a16="http://schemas.microsoft.com/office/drawing/2014/main" id="{9A0D750E-6B64-4F6A-9699-6D981AE0E69F}"/>
+              </a:ext>
+            </a:extLst>
+          </p:cNvPr>
+          <p:cNvSpPr txBox="1"/>
+          <p:nvPr/>
+        </p:nvSpPr>
+        <p:spPr>
+          <a:xfrm>
+            <a:off x="8239377" y="3279624"/>
+            <a:ext cx="1270541" cy="369332"/>
+          </a:xfrm>
+          <a:prstGeom prst="rect">
+            <a:avLst/>
+          </a:prstGeom>
+          <a:noFill/>
+        </p:spPr>
+        <p:txBody>
+          <a:bodyPr wrap="none" rtlCol="0">
+            <a:spAutoFit/>
+          </a:bodyPr>
+          <a:lstStyle/>
+          <a:p>
+            <a:r>
+              <a:rPr lang="fr-FR" b="1" dirty="0">
+                <a:solidFill>
+                  <a:schemeClr val="accent6">
+                    <a:lumMod val="40000"/>
+                    <a:lumOff val="60000"/>
+                  </a:schemeClr>
+                </a:solidFill>
+                <a:latin typeface="Times New Roman" panose="02020603050405020304" pitchFamily="18" charset="0"/>
+                <a:cs typeface="Times New Roman" panose="02020603050405020304" pitchFamily="18" charset="0"/>
+              </a:rPr>
+              <a:t>Ressources</a:t>
+            </a:r>
+            <a:endParaRPr lang="en-GB" b="1" dirty="0">
+              <a:solidFill>
+                <a:schemeClr val="accent6">
+                  <a:lumMod val="40000"/>
+                  <a:lumOff val="60000"/>
+                </a:schemeClr>
+              </a:solidFill>
+              <a:latin typeface="Times New Roman" panose="02020603050405020304" pitchFamily="18" charset="0"/>
+              <a:cs typeface="Times New Roman" panose="02020603050405020304" pitchFamily="18" charset="0"/>
+            </a:endParaRPr>
+          </a:p>
+        </p:txBody>
+      </p:sp>
+      <p:pic>
+        <p:nvPicPr>
+          <p:cNvPr id="12" name="Image 11">
+            <a:extLst>
+              <a:ext uri="{FF2B5EF4-FFF2-40B4-BE49-F238E27FC236}">
+                <a16:creationId xmlns:a16="http://schemas.microsoft.com/office/drawing/2014/main" id="{460BFFBA-E30E-4BA2-B5A0-8B77D3024A79}"/>
+              </a:ext>
+            </a:extLst>
+          </p:cNvPr>
+          <p:cNvPicPr>
+            <a:picLocks noChangeAspect="1"/>
+          </p:cNvPicPr>
+          <p:nvPr/>
+        </p:nvPicPr>
+        <p:blipFill>
+          <a:blip r:embed="rId3"/>
+          <a:stretch>
+            <a:fillRect/>
+          </a:stretch>
+        </p:blipFill>
+        <p:spPr>
+          <a:xfrm>
+            <a:off x="4979375" y="218769"/>
+            <a:ext cx="1333500" cy="619125"/>
+          </a:xfrm>
+          <a:prstGeom prst="rect">
+            <a:avLst/>
+          </a:prstGeom>
+        </p:spPr>
+      </p:pic>
+      <p:pic>
+        <p:nvPicPr>
+          <p:cNvPr id="13" name="Image 12">
+            <a:extLst>
+              <a:ext uri="{FF2B5EF4-FFF2-40B4-BE49-F238E27FC236}">
+                <a16:creationId xmlns:a16="http://schemas.microsoft.com/office/drawing/2014/main" id="{26956F3D-9551-4FC1-8071-92FE32D0ABE2}"/>
+              </a:ext>
+            </a:extLst>
+          </p:cNvPr>
+          <p:cNvPicPr>
+            <a:picLocks noChangeAspect="1"/>
+          </p:cNvPicPr>
+          <p:nvPr/>
+        </p:nvPicPr>
+        <p:blipFill>
+          <a:blip r:embed="rId4"/>
+          <a:stretch>
+            <a:fillRect/>
+          </a:stretch>
+        </p:blipFill>
+        <p:spPr>
+          <a:xfrm>
+            <a:off x="2102807" y="2514600"/>
+            <a:ext cx="1323975" cy="609600"/>
+          </a:xfrm>
+          <a:prstGeom prst="rect">
+            <a:avLst/>
+          </a:prstGeom>
+        </p:spPr>
+      </p:pic>
+      <p:pic>
+        <p:nvPicPr>
+          <p:cNvPr id="15" name="Image 14">
+            <a:extLst>
+              <a:ext uri="{FF2B5EF4-FFF2-40B4-BE49-F238E27FC236}">
+                <a16:creationId xmlns:a16="http://schemas.microsoft.com/office/drawing/2014/main" id="{492195D9-84DC-4159-939B-CED361C5BBCD}"/>
+              </a:ext>
+            </a:extLst>
+          </p:cNvPr>
+          <p:cNvPicPr>
+            <a:picLocks noChangeAspect="1"/>
+          </p:cNvPicPr>
+          <p:nvPr/>
+        </p:nvPicPr>
+        <p:blipFill>
+          <a:blip r:embed="rId5"/>
+          <a:stretch>
+            <a:fillRect/>
+          </a:stretch>
+        </p:blipFill>
+        <p:spPr>
+          <a:xfrm>
+            <a:off x="4235704" y="3279623"/>
+            <a:ext cx="1314450" cy="600075"/>
+          </a:xfrm>
+          <a:prstGeom prst="rect">
+            <a:avLst/>
+          </a:prstGeom>
+        </p:spPr>
+      </p:pic>
+      <p:pic>
+        <p:nvPicPr>
+          <p:cNvPr id="3" name="Image 2">
+            <a:extLst>
+              <a:ext uri="{FF2B5EF4-FFF2-40B4-BE49-F238E27FC236}">
+                <a16:creationId xmlns:a16="http://schemas.microsoft.com/office/drawing/2014/main" id="{4D792693-4505-4101-BD7F-57D56B4C40E6}"/>
+              </a:ext>
+            </a:extLst>
+          </p:cNvPr>
+          <p:cNvPicPr>
+            <a:picLocks noChangeAspect="1"/>
+          </p:cNvPicPr>
+          <p:nvPr/>
+        </p:nvPicPr>
+        <p:blipFill>
+          <a:blip r:embed="rId6"/>
+          <a:stretch>
+            <a:fillRect/>
+          </a:stretch>
+        </p:blipFill>
+        <p:spPr>
+          <a:xfrm>
+            <a:off x="5832925" y="3279624"/>
+            <a:ext cx="1314450" cy="600075"/>
+          </a:xfrm>
+          <a:prstGeom prst="rect">
+            <a:avLst/>
+          </a:prstGeom>
+        </p:spPr>
+      </p:pic>
+    </p:spTree>
+    <p:extLst>
+      <p:ext uri="{BB962C8B-B14F-4D97-AF65-F5344CB8AC3E}">
+        <p14:creationId xmlns:p14="http://schemas.microsoft.com/office/powerpoint/2010/main" val="2112816624"/>
+      </p:ext>
+    </p:extLst>
+  </p:cSld>
+  <p:clrMapOvr>
+    <a:masterClrMapping/>
+  </p:clrMapOvr>
+</p:sld>
+</file>
+
+<file path=ppt/slides/slide21.xml><?xml version="1.0" encoding="utf-8"?>
+<p:sld xmlns:a="http://schemas.openxmlformats.org/drawingml/2006/main" xmlns:r="http://schemas.openxmlformats.org/officeDocument/2006/relationships" xmlns:p="http://schemas.openxmlformats.org/presentationml/2006/main">
+  <p:cSld>
+    <p:spTree>
+      <p:nvGrpSpPr>
+        <p:cNvPr id="1" name=""/>
+        <p:cNvGrpSpPr/>
+        <p:nvPr/>
+      </p:nvGrpSpPr>
+      <p:grpSpPr>
+        <a:xfrm>
+          <a:off x="0" y="0"/>
+          <a:ext cx="0" cy="0"/>
+          <a:chOff x="0" y="0"/>
+          <a:chExt cx="0" cy="0"/>
+        </a:xfrm>
+      </p:grpSpPr>
+      <p:sp>
+        <p:nvSpPr>
+          <p:cNvPr id="2" name="Titre 1">
+            <a:extLst>
+              <a:ext uri="{FF2B5EF4-FFF2-40B4-BE49-F238E27FC236}">
                 <a16:creationId xmlns:a16="http://schemas.microsoft.com/office/drawing/2014/main" id="{60A45B33-4349-4205-A596-A72ABD8F0A69}"/>
               </a:ext>
             </a:extLst>

--- a/SAI_presentation.pptx
+++ b/SAI_presentation.pptx
@@ -20,12 +20,13 @@
     <p:sldId id="274" r:id="rId14"/>
     <p:sldId id="275" r:id="rId15"/>
     <p:sldId id="276" r:id="rId16"/>
-    <p:sldId id="260" r:id="rId17"/>
-    <p:sldId id="261" r:id="rId18"/>
-    <p:sldId id="265" r:id="rId19"/>
-    <p:sldId id="262" r:id="rId20"/>
-    <p:sldId id="264" r:id="rId21"/>
-    <p:sldId id="263" r:id="rId22"/>
+    <p:sldId id="277" r:id="rId17"/>
+    <p:sldId id="260" r:id="rId18"/>
+    <p:sldId id="261" r:id="rId19"/>
+    <p:sldId id="265" r:id="rId20"/>
+    <p:sldId id="262" r:id="rId21"/>
+    <p:sldId id="264" r:id="rId22"/>
+    <p:sldId id="263" r:id="rId23"/>
   </p:sldIdLst>
   <p:sldSz cx="12192000" cy="6858000"/>
   <p:notesSz cx="6858000" cy="9144000"/>
@@ -13679,6 +13680,188 @@
           <p:cNvPr id="2" name="Titre 1">
             <a:extLst>
               <a:ext uri="{FF2B5EF4-FFF2-40B4-BE49-F238E27FC236}">
+                <a16:creationId xmlns:a16="http://schemas.microsoft.com/office/drawing/2014/main" id="{089CF4B4-AB53-4D2D-828B-D4BAF1BD4348}"/>
+              </a:ext>
+            </a:extLst>
+          </p:cNvPr>
+          <p:cNvSpPr>
+            <a:spLocks noGrp="1"/>
+          </p:cNvSpPr>
+          <p:nvPr>
+            <p:ph type="title"/>
+          </p:nvPr>
+        </p:nvSpPr>
+        <p:spPr/>
+        <p:txBody>
+          <a:bodyPr/>
+          <a:lstStyle/>
+          <a:p>
+            <a:r>
+              <a:rPr lang="fr-FR" dirty="0" err="1"/>
+              <a:t>Strategy</a:t>
+            </a:r>
+            <a:r>
+              <a:rPr lang="fr-FR" dirty="0"/>
+              <a:t> </a:t>
+            </a:r>
+            <a:r>
+              <a:rPr lang="fr-FR" dirty="0" err="1"/>
+              <a:t>learning</a:t>
+            </a:r>
+            <a:endParaRPr lang="en-GB" dirty="0"/>
+          </a:p>
+        </p:txBody>
+      </p:sp>
+      <p:sp>
+        <p:nvSpPr>
+          <p:cNvPr id="3" name="Espace réservé du contenu 2">
+            <a:extLst>
+              <a:ext uri="{FF2B5EF4-FFF2-40B4-BE49-F238E27FC236}">
+                <a16:creationId xmlns:a16="http://schemas.microsoft.com/office/drawing/2014/main" id="{F93A2F86-BF71-4592-BA0E-8194E747B9CE}"/>
+              </a:ext>
+            </a:extLst>
+          </p:cNvPr>
+          <p:cNvSpPr>
+            <a:spLocks noGrp="1"/>
+          </p:cNvSpPr>
+          <p:nvPr>
+            <p:ph idx="1"/>
+          </p:nvPr>
+        </p:nvSpPr>
+        <p:spPr/>
+        <p:txBody>
+          <a:bodyPr/>
+          <a:lstStyle/>
+          <a:p>
+            <a:r>
+              <a:rPr lang="fr-FR" dirty="0"/>
+              <a:t>The web page </a:t>
+            </a:r>
+            <a:r>
+              <a:rPr lang="fr-FR" dirty="0" err="1"/>
+              <a:t>will</a:t>
+            </a:r>
+            <a:r>
+              <a:rPr lang="fr-FR" dirty="0"/>
+              <a:t> </a:t>
+            </a:r>
+            <a:r>
+              <a:rPr lang="fr-FR" dirty="0" err="1"/>
+              <a:t>allow</a:t>
+            </a:r>
+            <a:r>
+              <a:rPr lang="fr-FR" dirty="0"/>
+              <a:t> the user to </a:t>
+            </a:r>
+            <a:r>
+              <a:rPr lang="fr-FR" dirty="0" err="1"/>
+              <a:t>choose</a:t>
+            </a:r>
+            <a:r>
+              <a:rPr lang="fr-FR" dirty="0"/>
+              <a:t> the best </a:t>
+            </a:r>
+            <a:r>
+              <a:rPr lang="fr-FR" dirty="0" err="1"/>
+              <a:t>way</a:t>
+            </a:r>
+            <a:r>
+              <a:rPr lang="fr-FR" dirty="0"/>
+              <a:t> SAI </a:t>
+            </a:r>
+            <a:r>
+              <a:rPr lang="fr-FR" dirty="0" err="1"/>
+              <a:t>will</a:t>
+            </a:r>
+            <a:r>
+              <a:rPr lang="fr-FR" dirty="0"/>
+              <a:t> </a:t>
+            </a:r>
+            <a:r>
+              <a:rPr lang="fr-FR" dirty="0" err="1"/>
+              <a:t>understand</a:t>
+            </a:r>
+            <a:r>
+              <a:rPr lang="fr-FR" dirty="0"/>
+              <a:t> how </a:t>
+            </a:r>
+            <a:r>
+              <a:rPr lang="fr-FR" dirty="0" err="1"/>
+              <a:t>it</a:t>
+            </a:r>
+            <a:r>
+              <a:rPr lang="fr-FR" dirty="0"/>
+              <a:t> </a:t>
+            </a:r>
+            <a:r>
+              <a:rPr lang="fr-FR" dirty="0" err="1"/>
+              <a:t>needs</a:t>
+            </a:r>
+            <a:r>
+              <a:rPr lang="fr-FR" dirty="0"/>
+              <a:t> to do</a:t>
+            </a:r>
+          </a:p>
+          <a:p>
+            <a:r>
+              <a:rPr lang="fr-FR" dirty="0" err="1"/>
+              <a:t>Explain</a:t>
+            </a:r>
+            <a:r>
+              <a:rPr lang="fr-FR" dirty="0"/>
+              <a:t> </a:t>
+            </a:r>
+            <a:r>
+              <a:rPr lang="fr-FR" dirty="0" err="1"/>
+              <a:t>with</a:t>
+            </a:r>
+            <a:r>
+              <a:rPr lang="fr-FR" dirty="0"/>
+              <a:t> a </a:t>
+            </a:r>
+            <a:r>
+              <a:rPr lang="fr-FR"/>
+              <a:t>schema</a:t>
+            </a:r>
+            <a:endParaRPr lang="en-GB"/>
+          </a:p>
+        </p:txBody>
+      </p:sp>
+    </p:spTree>
+    <p:extLst>
+      <p:ext uri="{BB962C8B-B14F-4D97-AF65-F5344CB8AC3E}">
+        <p14:creationId xmlns:p14="http://schemas.microsoft.com/office/powerpoint/2010/main" val="3361873828"/>
+      </p:ext>
+    </p:extLst>
+  </p:cSld>
+  <p:clrMapOvr>
+    <a:masterClrMapping/>
+  </p:clrMapOvr>
+</p:sld>
+</file>
+
+<file path=ppt/slides/slide17.xml><?xml version="1.0" encoding="utf-8"?>
+<p:sld xmlns:a="http://schemas.openxmlformats.org/drawingml/2006/main" xmlns:r="http://schemas.openxmlformats.org/officeDocument/2006/relationships" xmlns:p="http://schemas.openxmlformats.org/presentationml/2006/main">
+  <p:cSld>
+    <p:spTree>
+      <p:nvGrpSpPr>
+        <p:cNvPr id="1" name=""/>
+        <p:cNvGrpSpPr/>
+        <p:nvPr/>
+      </p:nvGrpSpPr>
+      <p:grpSpPr>
+        <a:xfrm>
+          <a:off x="0" y="0"/>
+          <a:ext cx="0" cy="0"/>
+          <a:chOff x="0" y="0"/>
+          <a:chExt cx="0" cy="0"/>
+        </a:xfrm>
+      </p:grpSpPr>
+      <p:sp>
+        <p:nvSpPr>
+          <p:cNvPr id="2" name="Titre 1">
+            <a:extLst>
+              <a:ext uri="{FF2B5EF4-FFF2-40B4-BE49-F238E27FC236}">
                 <a16:creationId xmlns:a16="http://schemas.microsoft.com/office/drawing/2014/main" id="{643ACCC2-1572-47D7-9E8E-170E100F9348}"/>
               </a:ext>
             </a:extLst>
@@ -13751,7 +13934,7 @@
 </p:sld>
 </file>
 
-<file path=ppt/slides/slide17.xml><?xml version="1.0" encoding="utf-8"?>
+<file path=ppt/slides/slide18.xml><?xml version="1.0" encoding="utf-8"?>
 <p:sld xmlns:a="http://schemas.openxmlformats.org/drawingml/2006/main" xmlns:r="http://schemas.openxmlformats.org/officeDocument/2006/relationships" xmlns:p="http://schemas.openxmlformats.org/presentationml/2006/main">
   <p:cSld>
     <p:bg>
@@ -13873,7 +14056,7 @@
 </p:sld>
 </file>
 
-<file path=ppt/slides/slide18.xml><?xml version="1.0" encoding="utf-8"?>
+<file path=ppt/slides/slide19.xml><?xml version="1.0" encoding="utf-8"?>
 <p:sld xmlns:a="http://schemas.openxmlformats.org/drawingml/2006/main" xmlns:r="http://schemas.openxmlformats.org/officeDocument/2006/relationships" xmlns:p="http://schemas.openxmlformats.org/presentationml/2006/main">
   <p:cSld>
     <p:spTree>
@@ -14066,7 +14249,570 @@
 </p:sld>
 </file>
 
-<file path=ppt/slides/slide19.xml><?xml version="1.0" encoding="utf-8"?>
+<file path=ppt/slides/slide2.xml><?xml version="1.0" encoding="utf-8"?>
+<p:sld xmlns:a="http://schemas.openxmlformats.org/drawingml/2006/main" xmlns:r="http://schemas.openxmlformats.org/officeDocument/2006/relationships" xmlns:p="http://schemas.openxmlformats.org/presentationml/2006/main">
+  <p:cSld>
+    <p:bg>
+      <p:bgPr>
+        <a:gradFill rotWithShape="1">
+          <a:gsLst>
+            <a:gs pos="0">
+              <a:schemeClr val="bg2">
+                <a:tint val="97000"/>
+                <a:hueMod val="92000"/>
+                <a:satMod val="169000"/>
+                <a:lumMod val="164000"/>
+              </a:schemeClr>
+            </a:gs>
+            <a:gs pos="100000">
+              <a:schemeClr val="bg2">
+                <a:shade val="96000"/>
+                <a:satMod val="120000"/>
+                <a:lumMod val="90000"/>
+              </a:schemeClr>
+            </a:gs>
+          </a:gsLst>
+          <a:path path="circle">
+            <a:fillToRect b="100000"/>
+          </a:path>
+        </a:gradFill>
+        <a:effectLst/>
+      </p:bgPr>
+    </p:bg>
+    <p:spTree>
+      <p:nvGrpSpPr>
+        <p:cNvPr id="1" name=""/>
+        <p:cNvGrpSpPr/>
+        <p:nvPr/>
+      </p:nvGrpSpPr>
+      <p:grpSpPr>
+        <a:xfrm>
+          <a:off x="0" y="0"/>
+          <a:ext cx="0" cy="0"/>
+          <a:chOff x="0" y="0"/>
+          <a:chExt cx="0" cy="0"/>
+        </a:xfrm>
+      </p:grpSpPr>
+      <p:sp>
+        <p:nvSpPr>
+          <p:cNvPr id="10" name="Rectangle 9">
+            <a:extLst>
+              <a:ext uri="{FF2B5EF4-FFF2-40B4-BE49-F238E27FC236}">
+                <a16:creationId xmlns:a16="http://schemas.microsoft.com/office/drawing/2014/main" id="{2C33F367-76E5-4D2A-96B1-4FD443CDD1CF}"/>
+              </a:ext>
+              <a:ext uri="{C183D7F6-B498-43B3-948B-1728B52AA6E4}">
+                <adec:decorative xmlns:adec="http://schemas.microsoft.com/office/drawing/2017/decorative" val="1"/>
+              </a:ext>
+            </a:extLst>
+          </p:cNvPr>
+          <p:cNvSpPr>
+            <a:spLocks noGrp="1" noRot="1" noChangeAspect="1" noMove="1" noResize="1" noEditPoints="1" noAdjustHandles="1" noChangeArrowheads="1" noChangeShapeType="1" noTextEdit="1"/>
+          </p:cNvSpPr>
+          <p:nvPr>
+            <p:extLst>
+              <p:ext uri="{386F3935-93C4-4BCD-93E2-E3B085C9AB24}">
+                <p16:designElem xmlns:p16="http://schemas.microsoft.com/office/powerpoint/2015/main" val="1"/>
+              </p:ext>
+            </p:extLst>
+          </p:nvPr>
+        </p:nvSpPr>
+        <p:spPr>
+          <a:xfrm>
+            <a:off x="0" y="0"/>
+            <a:ext cx="12192000" cy="6858000"/>
+          </a:xfrm>
+          <a:prstGeom prst="rect">
+            <a:avLst/>
+          </a:prstGeom>
+          <a:gradFill>
+            <a:gsLst>
+              <a:gs pos="10000">
+                <a:schemeClr val="dk2">
+                  <a:tint val="97000"/>
+                  <a:hueMod val="92000"/>
+                  <a:satMod val="169000"/>
+                  <a:lumMod val="164000"/>
+                </a:schemeClr>
+              </a:gs>
+              <a:gs pos="100000">
+                <a:schemeClr val="dk2">
+                  <a:shade val="96000"/>
+                  <a:satMod val="120000"/>
+                  <a:lumMod val="90000"/>
+                </a:schemeClr>
+              </a:gs>
+            </a:gsLst>
+            <a:lin ang="6120000" scaled="1"/>
+          </a:gradFill>
+          <a:ln>
+            <a:noFill/>
+          </a:ln>
+        </p:spPr>
+        <p:style>
+          <a:lnRef idx="2">
+            <a:schemeClr val="accent1">
+              <a:shade val="50000"/>
+            </a:schemeClr>
+          </a:lnRef>
+          <a:fillRef idx="1002">
+            <a:schemeClr val="dk2"/>
+          </a:fillRef>
+          <a:effectRef idx="0">
+            <a:schemeClr val="accent1"/>
+          </a:effectRef>
+          <a:fontRef idx="minor">
+            <a:schemeClr val="lt1"/>
+          </a:fontRef>
+        </p:style>
+        <p:txBody>
+          <a:bodyPr rtlCol="0" anchor="ctr"/>
+          <a:lstStyle/>
+          <a:p>
+            <a:pPr algn="ctr"/>
+            <a:endParaRPr lang="en-US"/>
+          </a:p>
+        </p:txBody>
+      </p:sp>
+      <p:sp>
+        <p:nvSpPr>
+          <p:cNvPr id="12" name="Snip Diagonal Corner Rectangle 21">
+            <a:extLst>
+              <a:ext uri="{FF2B5EF4-FFF2-40B4-BE49-F238E27FC236}">
+                <a16:creationId xmlns:a16="http://schemas.microsoft.com/office/drawing/2014/main" id="{6F769419-3E73-449D-B62A-0CDEC946A679}"/>
+              </a:ext>
+              <a:ext uri="{C183D7F6-B498-43B3-948B-1728B52AA6E4}">
+                <adec:decorative xmlns:adec="http://schemas.microsoft.com/office/drawing/2017/decorative" val="1"/>
+              </a:ext>
+            </a:extLst>
+          </p:cNvPr>
+          <p:cNvSpPr>
+            <a:spLocks noGrp="1" noRot="1" noChangeAspect="1" noMove="1" noResize="1" noEditPoints="1" noAdjustHandles="1" noChangeArrowheads="1" noChangeShapeType="1" noTextEdit="1"/>
+          </p:cNvSpPr>
+          <p:nvPr>
+            <p:extLst>
+              <p:ext uri="{386F3935-93C4-4BCD-93E2-E3B085C9AB24}">
+                <p16:designElem xmlns:p16="http://schemas.microsoft.com/office/powerpoint/2015/main" val="1"/>
+              </p:ext>
+            </p:extLst>
+          </p:nvPr>
+        </p:nvSpPr>
+        <p:spPr>
+          <a:xfrm>
+            <a:off x="0" y="-2"/>
+            <a:ext cx="8129873" cy="6858002"/>
+          </a:xfrm>
+          <a:prstGeom prst="snip2DiagRect">
+            <a:avLst>
+              <a:gd name="adj1" fmla="val 0"/>
+              <a:gd name="adj2" fmla="val 0"/>
+            </a:avLst>
+          </a:prstGeom>
+          <a:solidFill>
+            <a:schemeClr val="bg1">
+              <a:alpha val="0"/>
+            </a:schemeClr>
+          </a:solidFill>
+          <a:ln>
+            <a:noFill/>
+          </a:ln>
+          <a:effectLst/>
+        </p:spPr>
+        <p:style>
+          <a:lnRef idx="2">
+            <a:schemeClr val="accent1">
+              <a:shade val="50000"/>
+            </a:schemeClr>
+          </a:lnRef>
+          <a:fillRef idx="1">
+            <a:schemeClr val="accent1"/>
+          </a:fillRef>
+          <a:effectRef idx="0">
+            <a:schemeClr val="accent1"/>
+          </a:effectRef>
+          <a:fontRef idx="minor">
+            <a:schemeClr val="lt1"/>
+          </a:fontRef>
+        </p:style>
+        <p:txBody>
+          <a:bodyPr rtlCol="0" anchor="ctr"/>
+          <a:lstStyle/>
+          <a:p>
+            <a:pPr algn="ctr"/>
+            <a:endParaRPr lang="en-US"/>
+          </a:p>
+        </p:txBody>
+      </p:sp>
+      <p:grpSp>
+        <p:nvGrpSpPr>
+          <p:cNvPr id="14" name="Group 13">
+            <a:extLst>
+              <a:ext uri="{FF2B5EF4-FFF2-40B4-BE49-F238E27FC236}">
+                <a16:creationId xmlns:a16="http://schemas.microsoft.com/office/drawing/2014/main" id="{A6515200-42F9-488F-9895-6CDBCD1E87C8}"/>
+              </a:ext>
+              <a:ext uri="{C183D7F6-B498-43B3-948B-1728B52AA6E4}">
+                <adec:decorative xmlns:adec="http://schemas.microsoft.com/office/drawing/2017/decorative" val="1"/>
+              </a:ext>
+            </a:extLst>
+          </p:cNvPr>
+          <p:cNvGrpSpPr>
+            <a:grpSpLocks noGrp="1" noUngrp="1" noRot="1" noChangeAspect="1" noMove="1" noResize="1"/>
+          </p:cNvGrpSpPr>
+          <p:nvPr>
+            <p:extLst>
+              <p:ext uri="{386F3935-93C4-4BCD-93E2-E3B085C9AB24}">
+                <p16:designElem xmlns:p16="http://schemas.microsoft.com/office/powerpoint/2015/main" val="1"/>
+              </p:ext>
+            </p:extLst>
+          </p:nvPr>
+        </p:nvGrpSpPr>
+        <p:grpSpPr>
+          <a:xfrm>
+            <a:off x="9206969" y="2963333"/>
+            <a:ext cx="2981858" cy="3208867"/>
+            <a:chOff x="9206969" y="2963333"/>
+            <a:chExt cx="2981858" cy="3208867"/>
+          </a:xfrm>
+        </p:grpSpPr>
+        <p:cxnSp>
+          <p:nvCxnSpPr>
+            <p:cNvPr id="15" name="Straight Connector 14">
+              <a:extLst>
+                <a:ext uri="{FF2B5EF4-FFF2-40B4-BE49-F238E27FC236}">
+                  <a16:creationId xmlns:a16="http://schemas.microsoft.com/office/drawing/2014/main" id="{43185F0E-78D5-4C2D-9239-D3515B448837}"/>
+                </a:ext>
+                <a:ext uri="{C183D7F6-B498-43B3-948B-1728B52AA6E4}">
+                  <adec:decorative xmlns:adec="http://schemas.microsoft.com/office/drawing/2017/decorative" val="1"/>
+                </a:ext>
+              </a:extLst>
+            </p:cNvPr>
+            <p:cNvCxnSpPr/>
+            <p:nvPr>
+              <p:extLst>
+                <p:ext uri="{386F3935-93C4-4BCD-93E2-E3B085C9AB24}">
+                  <p16:designElem xmlns:p16="http://schemas.microsoft.com/office/powerpoint/2015/main" val="1"/>
+                </p:ext>
+              </p:extLst>
+            </p:nvPr>
+          </p:nvCxnSpPr>
+          <p:spPr>
+            <a:xfrm flipH="1">
+              <a:off x="11276012" y="2963333"/>
+              <a:ext cx="912814" cy="912812"/>
+            </a:xfrm>
+            <a:prstGeom prst="line">
+              <a:avLst/>
+            </a:prstGeom>
+            <a:ln w="9525">
+              <a:solidFill>
+                <a:srgbClr val="FFFFFF"/>
+              </a:solidFill>
+            </a:ln>
+          </p:spPr>
+          <p:style>
+            <a:lnRef idx="2">
+              <a:schemeClr val="accent1"/>
+            </a:lnRef>
+            <a:fillRef idx="0">
+              <a:schemeClr val="accent1"/>
+            </a:fillRef>
+            <a:effectRef idx="1">
+              <a:schemeClr val="accent1"/>
+            </a:effectRef>
+            <a:fontRef idx="minor">
+              <a:schemeClr val="tx1"/>
+            </a:fontRef>
+          </p:style>
+        </p:cxnSp>
+        <p:cxnSp>
+          <p:nvCxnSpPr>
+            <p:cNvPr id="16" name="Straight Connector 15">
+              <a:extLst>
+                <a:ext uri="{FF2B5EF4-FFF2-40B4-BE49-F238E27FC236}">
+                  <a16:creationId xmlns:a16="http://schemas.microsoft.com/office/drawing/2014/main" id="{D5BD9142-FF9C-4EED-A027-18D095481BB8}"/>
+                </a:ext>
+                <a:ext uri="{C183D7F6-B498-43B3-948B-1728B52AA6E4}">
+                  <adec:decorative xmlns:adec="http://schemas.microsoft.com/office/drawing/2017/decorative" val="1"/>
+                </a:ext>
+              </a:extLst>
+            </p:cNvPr>
+            <p:cNvCxnSpPr/>
+            <p:nvPr>
+              <p:extLst>
+                <p:ext uri="{386F3935-93C4-4BCD-93E2-E3B085C9AB24}">
+                  <p16:designElem xmlns:p16="http://schemas.microsoft.com/office/powerpoint/2015/main" val="1"/>
+                </p:ext>
+              </p:extLst>
+            </p:nvPr>
+          </p:nvCxnSpPr>
+          <p:spPr>
+            <a:xfrm flipH="1">
+              <a:off x="9206969" y="3190344"/>
+              <a:ext cx="2981857" cy="2981856"/>
+            </a:xfrm>
+            <a:prstGeom prst="line">
+              <a:avLst/>
+            </a:prstGeom>
+            <a:ln w="9525">
+              <a:solidFill>
+                <a:srgbClr val="FFFFFF"/>
+              </a:solidFill>
+            </a:ln>
+          </p:spPr>
+          <p:style>
+            <a:lnRef idx="2">
+              <a:schemeClr val="accent1"/>
+            </a:lnRef>
+            <a:fillRef idx="0">
+              <a:schemeClr val="accent1"/>
+            </a:fillRef>
+            <a:effectRef idx="1">
+              <a:schemeClr val="accent1"/>
+            </a:effectRef>
+            <a:fontRef idx="minor">
+              <a:schemeClr val="tx1"/>
+            </a:fontRef>
+          </p:style>
+        </p:cxnSp>
+        <p:cxnSp>
+          <p:nvCxnSpPr>
+            <p:cNvPr id="17" name="Straight Connector 16">
+              <a:extLst>
+                <a:ext uri="{FF2B5EF4-FFF2-40B4-BE49-F238E27FC236}">
+                  <a16:creationId xmlns:a16="http://schemas.microsoft.com/office/drawing/2014/main" id="{42F547D3-9752-4481-B3A8-50E08610B8EC}"/>
+                </a:ext>
+                <a:ext uri="{C183D7F6-B498-43B3-948B-1728B52AA6E4}">
+                  <adec:decorative xmlns:adec="http://schemas.microsoft.com/office/drawing/2017/decorative" val="1"/>
+                </a:ext>
+              </a:extLst>
+            </p:cNvPr>
+            <p:cNvCxnSpPr/>
+            <p:nvPr>
+              <p:extLst>
+                <p:ext uri="{386F3935-93C4-4BCD-93E2-E3B085C9AB24}">
+                  <p16:designElem xmlns:p16="http://schemas.microsoft.com/office/powerpoint/2015/main" val="1"/>
+                </p:ext>
+              </p:extLst>
+            </p:nvPr>
+          </p:nvCxnSpPr>
+          <p:spPr>
+            <a:xfrm flipH="1">
+              <a:off x="10292292" y="3285067"/>
+              <a:ext cx="1896534" cy="1896533"/>
+            </a:xfrm>
+            <a:prstGeom prst="line">
+              <a:avLst/>
+            </a:prstGeom>
+            <a:ln w="9525">
+              <a:solidFill>
+                <a:srgbClr val="FFFFFF"/>
+              </a:solidFill>
+            </a:ln>
+          </p:spPr>
+          <p:style>
+            <a:lnRef idx="2">
+              <a:schemeClr val="accent1"/>
+            </a:lnRef>
+            <a:fillRef idx="0">
+              <a:schemeClr val="accent1"/>
+            </a:fillRef>
+            <a:effectRef idx="1">
+              <a:schemeClr val="accent1"/>
+            </a:effectRef>
+            <a:fontRef idx="minor">
+              <a:schemeClr val="tx1"/>
+            </a:fontRef>
+          </p:style>
+        </p:cxnSp>
+        <p:cxnSp>
+          <p:nvCxnSpPr>
+            <p:cNvPr id="18" name="Straight Connector 17">
+              <a:extLst>
+                <a:ext uri="{FF2B5EF4-FFF2-40B4-BE49-F238E27FC236}">
+                  <a16:creationId xmlns:a16="http://schemas.microsoft.com/office/drawing/2014/main" id="{F1999C2F-3D0D-4813-9696-83630A6FEABD}"/>
+                </a:ext>
+                <a:ext uri="{C183D7F6-B498-43B3-948B-1728B52AA6E4}">
+                  <adec:decorative xmlns:adec="http://schemas.microsoft.com/office/drawing/2017/decorative" val="1"/>
+                </a:ext>
+              </a:extLst>
+            </p:cNvPr>
+            <p:cNvCxnSpPr/>
+            <p:nvPr>
+              <p:extLst>
+                <p:ext uri="{386F3935-93C4-4BCD-93E2-E3B085C9AB24}">
+                  <p16:designElem xmlns:p16="http://schemas.microsoft.com/office/powerpoint/2015/main" val="1"/>
+                </p:ext>
+              </p:extLst>
+            </p:nvPr>
+          </p:nvCxnSpPr>
+          <p:spPr>
+            <a:xfrm flipH="1">
+              <a:off x="10443103" y="3131080"/>
+              <a:ext cx="1745722" cy="1745720"/>
+            </a:xfrm>
+            <a:prstGeom prst="line">
+              <a:avLst/>
+            </a:prstGeom>
+            <a:ln w="28575">
+              <a:solidFill>
+                <a:srgbClr val="FFFFFF"/>
+              </a:solidFill>
+            </a:ln>
+          </p:spPr>
+          <p:style>
+            <a:lnRef idx="2">
+              <a:schemeClr val="accent1"/>
+            </a:lnRef>
+            <a:fillRef idx="0">
+              <a:schemeClr val="accent1"/>
+            </a:fillRef>
+            <a:effectRef idx="1">
+              <a:schemeClr val="accent1"/>
+            </a:effectRef>
+            <a:fontRef idx="minor">
+              <a:schemeClr val="tx1"/>
+            </a:fontRef>
+          </p:style>
+        </p:cxnSp>
+        <p:cxnSp>
+          <p:nvCxnSpPr>
+            <p:cNvPr id="19" name="Straight Connector 18">
+              <a:extLst>
+                <a:ext uri="{FF2B5EF4-FFF2-40B4-BE49-F238E27FC236}">
+                  <a16:creationId xmlns:a16="http://schemas.microsoft.com/office/drawing/2014/main" id="{EC737390-C9CA-456B-9F40-D7A76EA242E7}"/>
+                </a:ext>
+                <a:ext uri="{C183D7F6-B498-43B3-948B-1728B52AA6E4}">
+                  <adec:decorative xmlns:adec="http://schemas.microsoft.com/office/drawing/2017/decorative" val="1"/>
+                </a:ext>
+              </a:extLst>
+            </p:cNvPr>
+            <p:cNvCxnSpPr/>
+            <p:nvPr>
+              <p:extLst>
+                <p:ext uri="{386F3935-93C4-4BCD-93E2-E3B085C9AB24}">
+                  <p16:designElem xmlns:p16="http://schemas.microsoft.com/office/powerpoint/2015/main" val="1"/>
+                </p:ext>
+              </p:extLst>
+            </p:nvPr>
+          </p:nvCxnSpPr>
+          <p:spPr>
+            <a:xfrm flipH="1">
+              <a:off x="10918826" y="3683001"/>
+              <a:ext cx="1270001" cy="1269999"/>
+            </a:xfrm>
+            <a:prstGeom prst="line">
+              <a:avLst/>
+            </a:prstGeom>
+            <a:ln w="28575">
+              <a:solidFill>
+                <a:srgbClr val="FFFFFF"/>
+              </a:solidFill>
+            </a:ln>
+          </p:spPr>
+          <p:style>
+            <a:lnRef idx="2">
+              <a:schemeClr val="accent1"/>
+            </a:lnRef>
+            <a:fillRef idx="0">
+              <a:schemeClr val="accent1"/>
+            </a:fillRef>
+            <a:effectRef idx="1">
+              <a:schemeClr val="accent1"/>
+            </a:effectRef>
+            <a:fontRef idx="minor">
+              <a:schemeClr val="tx1"/>
+            </a:fontRef>
+          </p:style>
+        </p:cxnSp>
+      </p:grpSp>
+      <p:sp>
+        <p:nvSpPr>
+          <p:cNvPr id="2" name="Titre 1">
+            <a:extLst>
+              <a:ext uri="{FF2B5EF4-FFF2-40B4-BE49-F238E27FC236}">
+                <a16:creationId xmlns:a16="http://schemas.microsoft.com/office/drawing/2014/main" id="{91F2D697-AEBD-4258-8341-1E8F9EDF1DFB}"/>
+              </a:ext>
+            </a:extLst>
+          </p:cNvPr>
+          <p:cNvSpPr>
+            <a:spLocks noGrp="1"/>
+          </p:cNvSpPr>
+          <p:nvPr>
+            <p:ph type="title"/>
+          </p:nvPr>
+        </p:nvSpPr>
+        <p:spPr>
+          <a:xfrm>
+            <a:off x="8588661" y="941424"/>
+            <a:ext cx="3043896" cy="3248611"/>
+          </a:xfrm>
+        </p:spPr>
+        <p:txBody>
+          <a:bodyPr>
+            <a:normAutofit/>
+          </a:bodyPr>
+          <a:lstStyle/>
+          <a:p>
+            <a:r>
+              <a:rPr lang="fr-FR" sz="3100">
+                <a:solidFill>
+                  <a:srgbClr val="FFFFFF"/>
+                </a:solidFill>
+              </a:rPr>
+              <a:t>Environment</a:t>
+            </a:r>
+            <a:endParaRPr lang="en-GB" sz="3100">
+              <a:solidFill>
+                <a:srgbClr val="FFFFFF"/>
+              </a:solidFill>
+            </a:endParaRPr>
+          </a:p>
+        </p:txBody>
+      </p:sp>
+      <p:graphicFrame>
+        <p:nvGraphicFramePr>
+          <p:cNvPr id="5" name="Espace réservé du contenu 2">
+            <a:extLst>
+              <a:ext uri="{FF2B5EF4-FFF2-40B4-BE49-F238E27FC236}">
+                <a16:creationId xmlns:a16="http://schemas.microsoft.com/office/drawing/2014/main" id="{9C052EF2-23D5-4840-B6B1-5F32104F68AC}"/>
+              </a:ext>
+            </a:extLst>
+          </p:cNvPr>
+          <p:cNvGraphicFramePr>
+            <a:graphicFrameLocks noGrp="1"/>
+          </p:cNvGraphicFramePr>
+          <p:nvPr>
+            <p:ph idx="1"/>
+            <p:extLst>
+              <p:ext uri="{D42A27DB-BD31-4B8C-83A1-F6EECF244321}">
+                <p14:modId xmlns:p14="http://schemas.microsoft.com/office/powerpoint/2010/main" val="3871919060"/>
+              </p:ext>
+            </p:extLst>
+          </p:nvPr>
+        </p:nvGraphicFramePr>
+        <p:xfrm>
+          <a:off x="940645" y="941424"/>
+          <a:ext cx="6190459" cy="4768713"/>
+        </p:xfrm>
+        <a:graphic>
+          <a:graphicData uri="http://schemas.openxmlformats.org/drawingml/2006/diagram">
+            <dgm:relIds xmlns:dgm="http://schemas.openxmlformats.org/drawingml/2006/diagram" xmlns:r="http://schemas.openxmlformats.org/officeDocument/2006/relationships" r:dm="rId2" r:lo="rId3" r:qs="rId4" r:cs="rId5"/>
+          </a:graphicData>
+        </a:graphic>
+      </p:graphicFrame>
+    </p:spTree>
+    <p:extLst>
+      <p:ext uri="{BB962C8B-B14F-4D97-AF65-F5344CB8AC3E}">
+        <p14:creationId xmlns:p14="http://schemas.microsoft.com/office/powerpoint/2010/main" val="602710572"/>
+      </p:ext>
+    </p:extLst>
+  </p:cSld>
+  <p:clrMapOvr>
+    <a:masterClrMapping/>
+  </p:clrMapOvr>
+</p:sld>
+</file>
+
+<file path=ppt/slides/slide20.xml><?xml version="1.0" encoding="utf-8"?>
 <p:sld xmlns:a="http://schemas.openxmlformats.org/drawingml/2006/main" xmlns:r="http://schemas.openxmlformats.org/officeDocument/2006/relationships" xmlns:p="http://schemas.openxmlformats.org/presentationml/2006/main">
   <p:cSld>
     <p:spTree>
@@ -14819,570 +15565,7 @@
 </p:sld>
 </file>
 
-<file path=ppt/slides/slide2.xml><?xml version="1.0" encoding="utf-8"?>
-<p:sld xmlns:a="http://schemas.openxmlformats.org/drawingml/2006/main" xmlns:r="http://schemas.openxmlformats.org/officeDocument/2006/relationships" xmlns:p="http://schemas.openxmlformats.org/presentationml/2006/main">
-  <p:cSld>
-    <p:bg>
-      <p:bgPr>
-        <a:gradFill rotWithShape="1">
-          <a:gsLst>
-            <a:gs pos="0">
-              <a:schemeClr val="bg2">
-                <a:tint val="97000"/>
-                <a:hueMod val="92000"/>
-                <a:satMod val="169000"/>
-                <a:lumMod val="164000"/>
-              </a:schemeClr>
-            </a:gs>
-            <a:gs pos="100000">
-              <a:schemeClr val="bg2">
-                <a:shade val="96000"/>
-                <a:satMod val="120000"/>
-                <a:lumMod val="90000"/>
-              </a:schemeClr>
-            </a:gs>
-          </a:gsLst>
-          <a:path path="circle">
-            <a:fillToRect b="100000"/>
-          </a:path>
-        </a:gradFill>
-        <a:effectLst/>
-      </p:bgPr>
-    </p:bg>
-    <p:spTree>
-      <p:nvGrpSpPr>
-        <p:cNvPr id="1" name=""/>
-        <p:cNvGrpSpPr/>
-        <p:nvPr/>
-      </p:nvGrpSpPr>
-      <p:grpSpPr>
-        <a:xfrm>
-          <a:off x="0" y="0"/>
-          <a:ext cx="0" cy="0"/>
-          <a:chOff x="0" y="0"/>
-          <a:chExt cx="0" cy="0"/>
-        </a:xfrm>
-      </p:grpSpPr>
-      <p:sp>
-        <p:nvSpPr>
-          <p:cNvPr id="10" name="Rectangle 9">
-            <a:extLst>
-              <a:ext uri="{FF2B5EF4-FFF2-40B4-BE49-F238E27FC236}">
-                <a16:creationId xmlns:a16="http://schemas.microsoft.com/office/drawing/2014/main" id="{2C33F367-76E5-4D2A-96B1-4FD443CDD1CF}"/>
-              </a:ext>
-              <a:ext uri="{C183D7F6-B498-43B3-948B-1728B52AA6E4}">
-                <adec:decorative xmlns:adec="http://schemas.microsoft.com/office/drawing/2017/decorative" val="1"/>
-              </a:ext>
-            </a:extLst>
-          </p:cNvPr>
-          <p:cNvSpPr>
-            <a:spLocks noGrp="1" noRot="1" noChangeAspect="1" noMove="1" noResize="1" noEditPoints="1" noAdjustHandles="1" noChangeArrowheads="1" noChangeShapeType="1" noTextEdit="1"/>
-          </p:cNvSpPr>
-          <p:nvPr>
-            <p:extLst>
-              <p:ext uri="{386F3935-93C4-4BCD-93E2-E3B085C9AB24}">
-                <p16:designElem xmlns:p16="http://schemas.microsoft.com/office/powerpoint/2015/main" val="1"/>
-              </p:ext>
-            </p:extLst>
-          </p:nvPr>
-        </p:nvSpPr>
-        <p:spPr>
-          <a:xfrm>
-            <a:off x="0" y="0"/>
-            <a:ext cx="12192000" cy="6858000"/>
-          </a:xfrm>
-          <a:prstGeom prst="rect">
-            <a:avLst/>
-          </a:prstGeom>
-          <a:gradFill>
-            <a:gsLst>
-              <a:gs pos="10000">
-                <a:schemeClr val="dk2">
-                  <a:tint val="97000"/>
-                  <a:hueMod val="92000"/>
-                  <a:satMod val="169000"/>
-                  <a:lumMod val="164000"/>
-                </a:schemeClr>
-              </a:gs>
-              <a:gs pos="100000">
-                <a:schemeClr val="dk2">
-                  <a:shade val="96000"/>
-                  <a:satMod val="120000"/>
-                  <a:lumMod val="90000"/>
-                </a:schemeClr>
-              </a:gs>
-            </a:gsLst>
-            <a:lin ang="6120000" scaled="1"/>
-          </a:gradFill>
-          <a:ln>
-            <a:noFill/>
-          </a:ln>
-        </p:spPr>
-        <p:style>
-          <a:lnRef idx="2">
-            <a:schemeClr val="accent1">
-              <a:shade val="50000"/>
-            </a:schemeClr>
-          </a:lnRef>
-          <a:fillRef idx="1002">
-            <a:schemeClr val="dk2"/>
-          </a:fillRef>
-          <a:effectRef idx="0">
-            <a:schemeClr val="accent1"/>
-          </a:effectRef>
-          <a:fontRef idx="minor">
-            <a:schemeClr val="lt1"/>
-          </a:fontRef>
-        </p:style>
-        <p:txBody>
-          <a:bodyPr rtlCol="0" anchor="ctr"/>
-          <a:lstStyle/>
-          <a:p>
-            <a:pPr algn="ctr"/>
-            <a:endParaRPr lang="en-US"/>
-          </a:p>
-        </p:txBody>
-      </p:sp>
-      <p:sp>
-        <p:nvSpPr>
-          <p:cNvPr id="12" name="Snip Diagonal Corner Rectangle 21">
-            <a:extLst>
-              <a:ext uri="{FF2B5EF4-FFF2-40B4-BE49-F238E27FC236}">
-                <a16:creationId xmlns:a16="http://schemas.microsoft.com/office/drawing/2014/main" id="{6F769419-3E73-449D-B62A-0CDEC946A679}"/>
-              </a:ext>
-              <a:ext uri="{C183D7F6-B498-43B3-948B-1728B52AA6E4}">
-                <adec:decorative xmlns:adec="http://schemas.microsoft.com/office/drawing/2017/decorative" val="1"/>
-              </a:ext>
-            </a:extLst>
-          </p:cNvPr>
-          <p:cNvSpPr>
-            <a:spLocks noGrp="1" noRot="1" noChangeAspect="1" noMove="1" noResize="1" noEditPoints="1" noAdjustHandles="1" noChangeArrowheads="1" noChangeShapeType="1" noTextEdit="1"/>
-          </p:cNvSpPr>
-          <p:nvPr>
-            <p:extLst>
-              <p:ext uri="{386F3935-93C4-4BCD-93E2-E3B085C9AB24}">
-                <p16:designElem xmlns:p16="http://schemas.microsoft.com/office/powerpoint/2015/main" val="1"/>
-              </p:ext>
-            </p:extLst>
-          </p:nvPr>
-        </p:nvSpPr>
-        <p:spPr>
-          <a:xfrm>
-            <a:off x="0" y="-2"/>
-            <a:ext cx="8129873" cy="6858002"/>
-          </a:xfrm>
-          <a:prstGeom prst="snip2DiagRect">
-            <a:avLst>
-              <a:gd name="adj1" fmla="val 0"/>
-              <a:gd name="adj2" fmla="val 0"/>
-            </a:avLst>
-          </a:prstGeom>
-          <a:solidFill>
-            <a:schemeClr val="bg1">
-              <a:alpha val="0"/>
-            </a:schemeClr>
-          </a:solidFill>
-          <a:ln>
-            <a:noFill/>
-          </a:ln>
-          <a:effectLst/>
-        </p:spPr>
-        <p:style>
-          <a:lnRef idx="2">
-            <a:schemeClr val="accent1">
-              <a:shade val="50000"/>
-            </a:schemeClr>
-          </a:lnRef>
-          <a:fillRef idx="1">
-            <a:schemeClr val="accent1"/>
-          </a:fillRef>
-          <a:effectRef idx="0">
-            <a:schemeClr val="accent1"/>
-          </a:effectRef>
-          <a:fontRef idx="minor">
-            <a:schemeClr val="lt1"/>
-          </a:fontRef>
-        </p:style>
-        <p:txBody>
-          <a:bodyPr rtlCol="0" anchor="ctr"/>
-          <a:lstStyle/>
-          <a:p>
-            <a:pPr algn="ctr"/>
-            <a:endParaRPr lang="en-US"/>
-          </a:p>
-        </p:txBody>
-      </p:sp>
-      <p:grpSp>
-        <p:nvGrpSpPr>
-          <p:cNvPr id="14" name="Group 13">
-            <a:extLst>
-              <a:ext uri="{FF2B5EF4-FFF2-40B4-BE49-F238E27FC236}">
-                <a16:creationId xmlns:a16="http://schemas.microsoft.com/office/drawing/2014/main" id="{A6515200-42F9-488F-9895-6CDBCD1E87C8}"/>
-              </a:ext>
-              <a:ext uri="{C183D7F6-B498-43B3-948B-1728B52AA6E4}">
-                <adec:decorative xmlns:adec="http://schemas.microsoft.com/office/drawing/2017/decorative" val="1"/>
-              </a:ext>
-            </a:extLst>
-          </p:cNvPr>
-          <p:cNvGrpSpPr>
-            <a:grpSpLocks noGrp="1" noUngrp="1" noRot="1" noChangeAspect="1" noMove="1" noResize="1"/>
-          </p:cNvGrpSpPr>
-          <p:nvPr>
-            <p:extLst>
-              <p:ext uri="{386F3935-93C4-4BCD-93E2-E3B085C9AB24}">
-                <p16:designElem xmlns:p16="http://schemas.microsoft.com/office/powerpoint/2015/main" val="1"/>
-              </p:ext>
-            </p:extLst>
-          </p:nvPr>
-        </p:nvGrpSpPr>
-        <p:grpSpPr>
-          <a:xfrm>
-            <a:off x="9206969" y="2963333"/>
-            <a:ext cx="2981858" cy="3208867"/>
-            <a:chOff x="9206969" y="2963333"/>
-            <a:chExt cx="2981858" cy="3208867"/>
-          </a:xfrm>
-        </p:grpSpPr>
-        <p:cxnSp>
-          <p:nvCxnSpPr>
-            <p:cNvPr id="15" name="Straight Connector 14">
-              <a:extLst>
-                <a:ext uri="{FF2B5EF4-FFF2-40B4-BE49-F238E27FC236}">
-                  <a16:creationId xmlns:a16="http://schemas.microsoft.com/office/drawing/2014/main" id="{43185F0E-78D5-4C2D-9239-D3515B448837}"/>
-                </a:ext>
-                <a:ext uri="{C183D7F6-B498-43B3-948B-1728B52AA6E4}">
-                  <adec:decorative xmlns:adec="http://schemas.microsoft.com/office/drawing/2017/decorative" val="1"/>
-                </a:ext>
-              </a:extLst>
-            </p:cNvPr>
-            <p:cNvCxnSpPr/>
-            <p:nvPr>
-              <p:extLst>
-                <p:ext uri="{386F3935-93C4-4BCD-93E2-E3B085C9AB24}">
-                  <p16:designElem xmlns:p16="http://schemas.microsoft.com/office/powerpoint/2015/main" val="1"/>
-                </p:ext>
-              </p:extLst>
-            </p:nvPr>
-          </p:nvCxnSpPr>
-          <p:spPr>
-            <a:xfrm flipH="1">
-              <a:off x="11276012" y="2963333"/>
-              <a:ext cx="912814" cy="912812"/>
-            </a:xfrm>
-            <a:prstGeom prst="line">
-              <a:avLst/>
-            </a:prstGeom>
-            <a:ln w="9525">
-              <a:solidFill>
-                <a:srgbClr val="FFFFFF"/>
-              </a:solidFill>
-            </a:ln>
-          </p:spPr>
-          <p:style>
-            <a:lnRef idx="2">
-              <a:schemeClr val="accent1"/>
-            </a:lnRef>
-            <a:fillRef idx="0">
-              <a:schemeClr val="accent1"/>
-            </a:fillRef>
-            <a:effectRef idx="1">
-              <a:schemeClr val="accent1"/>
-            </a:effectRef>
-            <a:fontRef idx="minor">
-              <a:schemeClr val="tx1"/>
-            </a:fontRef>
-          </p:style>
-        </p:cxnSp>
-        <p:cxnSp>
-          <p:nvCxnSpPr>
-            <p:cNvPr id="16" name="Straight Connector 15">
-              <a:extLst>
-                <a:ext uri="{FF2B5EF4-FFF2-40B4-BE49-F238E27FC236}">
-                  <a16:creationId xmlns:a16="http://schemas.microsoft.com/office/drawing/2014/main" id="{D5BD9142-FF9C-4EED-A027-18D095481BB8}"/>
-                </a:ext>
-                <a:ext uri="{C183D7F6-B498-43B3-948B-1728B52AA6E4}">
-                  <adec:decorative xmlns:adec="http://schemas.microsoft.com/office/drawing/2017/decorative" val="1"/>
-                </a:ext>
-              </a:extLst>
-            </p:cNvPr>
-            <p:cNvCxnSpPr/>
-            <p:nvPr>
-              <p:extLst>
-                <p:ext uri="{386F3935-93C4-4BCD-93E2-E3B085C9AB24}">
-                  <p16:designElem xmlns:p16="http://schemas.microsoft.com/office/powerpoint/2015/main" val="1"/>
-                </p:ext>
-              </p:extLst>
-            </p:nvPr>
-          </p:nvCxnSpPr>
-          <p:spPr>
-            <a:xfrm flipH="1">
-              <a:off x="9206969" y="3190344"/>
-              <a:ext cx="2981857" cy="2981856"/>
-            </a:xfrm>
-            <a:prstGeom prst="line">
-              <a:avLst/>
-            </a:prstGeom>
-            <a:ln w="9525">
-              <a:solidFill>
-                <a:srgbClr val="FFFFFF"/>
-              </a:solidFill>
-            </a:ln>
-          </p:spPr>
-          <p:style>
-            <a:lnRef idx="2">
-              <a:schemeClr val="accent1"/>
-            </a:lnRef>
-            <a:fillRef idx="0">
-              <a:schemeClr val="accent1"/>
-            </a:fillRef>
-            <a:effectRef idx="1">
-              <a:schemeClr val="accent1"/>
-            </a:effectRef>
-            <a:fontRef idx="minor">
-              <a:schemeClr val="tx1"/>
-            </a:fontRef>
-          </p:style>
-        </p:cxnSp>
-        <p:cxnSp>
-          <p:nvCxnSpPr>
-            <p:cNvPr id="17" name="Straight Connector 16">
-              <a:extLst>
-                <a:ext uri="{FF2B5EF4-FFF2-40B4-BE49-F238E27FC236}">
-                  <a16:creationId xmlns:a16="http://schemas.microsoft.com/office/drawing/2014/main" id="{42F547D3-9752-4481-B3A8-50E08610B8EC}"/>
-                </a:ext>
-                <a:ext uri="{C183D7F6-B498-43B3-948B-1728B52AA6E4}">
-                  <adec:decorative xmlns:adec="http://schemas.microsoft.com/office/drawing/2017/decorative" val="1"/>
-                </a:ext>
-              </a:extLst>
-            </p:cNvPr>
-            <p:cNvCxnSpPr/>
-            <p:nvPr>
-              <p:extLst>
-                <p:ext uri="{386F3935-93C4-4BCD-93E2-E3B085C9AB24}">
-                  <p16:designElem xmlns:p16="http://schemas.microsoft.com/office/powerpoint/2015/main" val="1"/>
-                </p:ext>
-              </p:extLst>
-            </p:nvPr>
-          </p:nvCxnSpPr>
-          <p:spPr>
-            <a:xfrm flipH="1">
-              <a:off x="10292292" y="3285067"/>
-              <a:ext cx="1896534" cy="1896533"/>
-            </a:xfrm>
-            <a:prstGeom prst="line">
-              <a:avLst/>
-            </a:prstGeom>
-            <a:ln w="9525">
-              <a:solidFill>
-                <a:srgbClr val="FFFFFF"/>
-              </a:solidFill>
-            </a:ln>
-          </p:spPr>
-          <p:style>
-            <a:lnRef idx="2">
-              <a:schemeClr val="accent1"/>
-            </a:lnRef>
-            <a:fillRef idx="0">
-              <a:schemeClr val="accent1"/>
-            </a:fillRef>
-            <a:effectRef idx="1">
-              <a:schemeClr val="accent1"/>
-            </a:effectRef>
-            <a:fontRef idx="minor">
-              <a:schemeClr val="tx1"/>
-            </a:fontRef>
-          </p:style>
-        </p:cxnSp>
-        <p:cxnSp>
-          <p:nvCxnSpPr>
-            <p:cNvPr id="18" name="Straight Connector 17">
-              <a:extLst>
-                <a:ext uri="{FF2B5EF4-FFF2-40B4-BE49-F238E27FC236}">
-                  <a16:creationId xmlns:a16="http://schemas.microsoft.com/office/drawing/2014/main" id="{F1999C2F-3D0D-4813-9696-83630A6FEABD}"/>
-                </a:ext>
-                <a:ext uri="{C183D7F6-B498-43B3-948B-1728B52AA6E4}">
-                  <adec:decorative xmlns:adec="http://schemas.microsoft.com/office/drawing/2017/decorative" val="1"/>
-                </a:ext>
-              </a:extLst>
-            </p:cNvPr>
-            <p:cNvCxnSpPr/>
-            <p:nvPr>
-              <p:extLst>
-                <p:ext uri="{386F3935-93C4-4BCD-93E2-E3B085C9AB24}">
-                  <p16:designElem xmlns:p16="http://schemas.microsoft.com/office/powerpoint/2015/main" val="1"/>
-                </p:ext>
-              </p:extLst>
-            </p:nvPr>
-          </p:nvCxnSpPr>
-          <p:spPr>
-            <a:xfrm flipH="1">
-              <a:off x="10443103" y="3131080"/>
-              <a:ext cx="1745722" cy="1745720"/>
-            </a:xfrm>
-            <a:prstGeom prst="line">
-              <a:avLst/>
-            </a:prstGeom>
-            <a:ln w="28575">
-              <a:solidFill>
-                <a:srgbClr val="FFFFFF"/>
-              </a:solidFill>
-            </a:ln>
-          </p:spPr>
-          <p:style>
-            <a:lnRef idx="2">
-              <a:schemeClr val="accent1"/>
-            </a:lnRef>
-            <a:fillRef idx="0">
-              <a:schemeClr val="accent1"/>
-            </a:fillRef>
-            <a:effectRef idx="1">
-              <a:schemeClr val="accent1"/>
-            </a:effectRef>
-            <a:fontRef idx="minor">
-              <a:schemeClr val="tx1"/>
-            </a:fontRef>
-          </p:style>
-        </p:cxnSp>
-        <p:cxnSp>
-          <p:nvCxnSpPr>
-            <p:cNvPr id="19" name="Straight Connector 18">
-              <a:extLst>
-                <a:ext uri="{FF2B5EF4-FFF2-40B4-BE49-F238E27FC236}">
-                  <a16:creationId xmlns:a16="http://schemas.microsoft.com/office/drawing/2014/main" id="{EC737390-C9CA-456B-9F40-D7A76EA242E7}"/>
-                </a:ext>
-                <a:ext uri="{C183D7F6-B498-43B3-948B-1728B52AA6E4}">
-                  <adec:decorative xmlns:adec="http://schemas.microsoft.com/office/drawing/2017/decorative" val="1"/>
-                </a:ext>
-              </a:extLst>
-            </p:cNvPr>
-            <p:cNvCxnSpPr/>
-            <p:nvPr>
-              <p:extLst>
-                <p:ext uri="{386F3935-93C4-4BCD-93E2-E3B085C9AB24}">
-                  <p16:designElem xmlns:p16="http://schemas.microsoft.com/office/powerpoint/2015/main" val="1"/>
-                </p:ext>
-              </p:extLst>
-            </p:nvPr>
-          </p:nvCxnSpPr>
-          <p:spPr>
-            <a:xfrm flipH="1">
-              <a:off x="10918826" y="3683001"/>
-              <a:ext cx="1270001" cy="1269999"/>
-            </a:xfrm>
-            <a:prstGeom prst="line">
-              <a:avLst/>
-            </a:prstGeom>
-            <a:ln w="28575">
-              <a:solidFill>
-                <a:srgbClr val="FFFFFF"/>
-              </a:solidFill>
-            </a:ln>
-          </p:spPr>
-          <p:style>
-            <a:lnRef idx="2">
-              <a:schemeClr val="accent1"/>
-            </a:lnRef>
-            <a:fillRef idx="0">
-              <a:schemeClr val="accent1"/>
-            </a:fillRef>
-            <a:effectRef idx="1">
-              <a:schemeClr val="accent1"/>
-            </a:effectRef>
-            <a:fontRef idx="minor">
-              <a:schemeClr val="tx1"/>
-            </a:fontRef>
-          </p:style>
-        </p:cxnSp>
-      </p:grpSp>
-      <p:sp>
-        <p:nvSpPr>
-          <p:cNvPr id="2" name="Titre 1">
-            <a:extLst>
-              <a:ext uri="{FF2B5EF4-FFF2-40B4-BE49-F238E27FC236}">
-                <a16:creationId xmlns:a16="http://schemas.microsoft.com/office/drawing/2014/main" id="{91F2D697-AEBD-4258-8341-1E8F9EDF1DFB}"/>
-              </a:ext>
-            </a:extLst>
-          </p:cNvPr>
-          <p:cNvSpPr>
-            <a:spLocks noGrp="1"/>
-          </p:cNvSpPr>
-          <p:nvPr>
-            <p:ph type="title"/>
-          </p:nvPr>
-        </p:nvSpPr>
-        <p:spPr>
-          <a:xfrm>
-            <a:off x="8588661" y="941424"/>
-            <a:ext cx="3043896" cy="3248611"/>
-          </a:xfrm>
-        </p:spPr>
-        <p:txBody>
-          <a:bodyPr>
-            <a:normAutofit/>
-          </a:bodyPr>
-          <a:lstStyle/>
-          <a:p>
-            <a:r>
-              <a:rPr lang="fr-FR" sz="3100">
-                <a:solidFill>
-                  <a:srgbClr val="FFFFFF"/>
-                </a:solidFill>
-              </a:rPr>
-              <a:t>Environment</a:t>
-            </a:r>
-            <a:endParaRPr lang="en-GB" sz="3100">
-              <a:solidFill>
-                <a:srgbClr val="FFFFFF"/>
-              </a:solidFill>
-            </a:endParaRPr>
-          </a:p>
-        </p:txBody>
-      </p:sp>
-      <p:graphicFrame>
-        <p:nvGraphicFramePr>
-          <p:cNvPr id="5" name="Espace réservé du contenu 2">
-            <a:extLst>
-              <a:ext uri="{FF2B5EF4-FFF2-40B4-BE49-F238E27FC236}">
-                <a16:creationId xmlns:a16="http://schemas.microsoft.com/office/drawing/2014/main" id="{9C052EF2-23D5-4840-B6B1-5F32104F68AC}"/>
-              </a:ext>
-            </a:extLst>
-          </p:cNvPr>
-          <p:cNvGraphicFramePr>
-            <a:graphicFrameLocks noGrp="1"/>
-          </p:cNvGraphicFramePr>
-          <p:nvPr>
-            <p:ph idx="1"/>
-            <p:extLst>
-              <p:ext uri="{D42A27DB-BD31-4B8C-83A1-F6EECF244321}">
-                <p14:modId xmlns:p14="http://schemas.microsoft.com/office/powerpoint/2010/main" val="3871919060"/>
-              </p:ext>
-            </p:extLst>
-          </p:nvPr>
-        </p:nvGraphicFramePr>
-        <p:xfrm>
-          <a:off x="940645" y="941424"/>
-          <a:ext cx="6190459" cy="4768713"/>
-        </p:xfrm>
-        <a:graphic>
-          <a:graphicData uri="http://schemas.openxmlformats.org/drawingml/2006/diagram">
-            <dgm:relIds xmlns:dgm="http://schemas.openxmlformats.org/drawingml/2006/diagram" xmlns:r="http://schemas.openxmlformats.org/officeDocument/2006/relationships" r:dm="rId2" r:lo="rId3" r:qs="rId4" r:cs="rId5"/>
-          </a:graphicData>
-        </a:graphic>
-      </p:graphicFrame>
-    </p:spTree>
-    <p:extLst>
-      <p:ext uri="{BB962C8B-B14F-4D97-AF65-F5344CB8AC3E}">
-        <p14:creationId xmlns:p14="http://schemas.microsoft.com/office/powerpoint/2010/main" val="602710572"/>
-      </p:ext>
-    </p:extLst>
-  </p:cSld>
-  <p:clrMapOvr>
-    <a:masterClrMapping/>
-  </p:clrMapOvr>
-</p:sld>
-</file>
-
-<file path=ppt/slides/slide20.xml><?xml version="1.0" encoding="utf-8"?>
+<file path=ppt/slides/slide21.xml><?xml version="1.0" encoding="utf-8"?>
 <p:sld xmlns:a="http://schemas.openxmlformats.org/drawingml/2006/main" xmlns:r="http://schemas.openxmlformats.org/officeDocument/2006/relationships" xmlns:p="http://schemas.openxmlformats.org/presentationml/2006/main">
   <p:cSld>
     <p:spTree>
@@ -15923,7 +16106,7 @@
 </p:sld>
 </file>
 
-<file path=ppt/slides/slide21.xml><?xml version="1.0" encoding="utf-8"?>
+<file path=ppt/slides/slide22.xml><?xml version="1.0" encoding="utf-8"?>
 <p:sld xmlns:a="http://schemas.openxmlformats.org/drawingml/2006/main" xmlns:r="http://schemas.openxmlformats.org/officeDocument/2006/relationships" xmlns:p="http://schemas.openxmlformats.org/presentationml/2006/main">
   <p:cSld>
     <p:spTree>

--- a/SAI_presentation.pptx
+++ b/SAI_presentation.pptx
@@ -20,13 +20,14 @@
     <p:sldId id="274" r:id="rId14"/>
     <p:sldId id="275" r:id="rId15"/>
     <p:sldId id="276" r:id="rId16"/>
-    <p:sldId id="277" r:id="rId17"/>
-    <p:sldId id="260" r:id="rId18"/>
-    <p:sldId id="261" r:id="rId19"/>
-    <p:sldId id="265" r:id="rId20"/>
-    <p:sldId id="262" r:id="rId21"/>
-    <p:sldId id="264" r:id="rId22"/>
-    <p:sldId id="263" r:id="rId23"/>
+    <p:sldId id="278" r:id="rId17"/>
+    <p:sldId id="277" r:id="rId18"/>
+    <p:sldId id="260" r:id="rId19"/>
+    <p:sldId id="261" r:id="rId20"/>
+    <p:sldId id="265" r:id="rId21"/>
+    <p:sldId id="262" r:id="rId22"/>
+    <p:sldId id="264" r:id="rId23"/>
+    <p:sldId id="263" r:id="rId24"/>
   </p:sldIdLst>
   <p:sldSz cx="12192000" cy="6858000"/>
   <p:notesSz cx="6858000" cy="9144000"/>
@@ -13680,6 +13681,145 @@
           <p:cNvPr id="2" name="Titre 1">
             <a:extLst>
               <a:ext uri="{FF2B5EF4-FFF2-40B4-BE49-F238E27FC236}">
+                <a16:creationId xmlns:a16="http://schemas.microsoft.com/office/drawing/2014/main" id="{C341764B-6001-4A87-B677-0F7F3AFD8F0F}"/>
+              </a:ext>
+            </a:extLst>
+          </p:cNvPr>
+          <p:cNvSpPr>
+            <a:spLocks noGrp="1"/>
+          </p:cNvSpPr>
+          <p:nvPr>
+            <p:ph type="title"/>
+          </p:nvPr>
+        </p:nvSpPr>
+        <p:spPr/>
+        <p:txBody>
+          <a:bodyPr/>
+          <a:lstStyle/>
+          <a:p>
+            <a:r>
+              <a:rPr lang="fr-FR" dirty="0"/>
+              <a:t>Web page</a:t>
+            </a:r>
+            <a:endParaRPr lang="en-GB" dirty="0"/>
+          </a:p>
+        </p:txBody>
+      </p:sp>
+      <p:sp>
+        <p:nvSpPr>
+          <p:cNvPr id="3" name="Espace réservé du contenu 2">
+            <a:extLst>
+              <a:ext uri="{FF2B5EF4-FFF2-40B4-BE49-F238E27FC236}">
+                <a16:creationId xmlns:a16="http://schemas.microsoft.com/office/drawing/2014/main" id="{D3695AE4-7733-4B0C-9C6A-328D9BF71E68}"/>
+              </a:ext>
+            </a:extLst>
+          </p:cNvPr>
+          <p:cNvSpPr>
+            <a:spLocks noGrp="1"/>
+          </p:cNvSpPr>
+          <p:nvPr>
+            <p:ph idx="1"/>
+          </p:nvPr>
+        </p:nvSpPr>
+        <p:spPr/>
+        <p:txBody>
+          <a:bodyPr/>
+          <a:lstStyle/>
+          <a:p>
+            <a:r>
+              <a:rPr lang="fr-FR" dirty="0"/>
+              <a:t>The web page </a:t>
+            </a:r>
+            <a:r>
+              <a:rPr lang="fr-FR" dirty="0" err="1"/>
+              <a:t>will</a:t>
+            </a:r>
+            <a:r>
+              <a:rPr lang="fr-FR" dirty="0"/>
+              <a:t> show us all the </a:t>
+            </a:r>
+            <a:r>
+              <a:rPr lang="fr-FR" dirty="0" err="1"/>
+              <a:t>strategies</a:t>
+            </a:r>
+            <a:r>
+              <a:rPr lang="fr-FR" dirty="0"/>
+              <a:t> SAI record </a:t>
+            </a:r>
+            <a:r>
+              <a:rPr lang="fr-FR" dirty="0" err="1"/>
+              <a:t>during</a:t>
+            </a:r>
+            <a:r>
+              <a:rPr lang="fr-FR" dirty="0"/>
+              <a:t> the </a:t>
+            </a:r>
+            <a:r>
+              <a:rPr lang="fr-FR" dirty="0" err="1"/>
+              <a:t>day</a:t>
+            </a:r>
+            <a:endParaRPr lang="fr-FR" dirty="0"/>
+          </a:p>
+          <a:p>
+            <a:r>
+              <a:rPr lang="fr-FR" dirty="0" err="1"/>
+              <a:t>Explain</a:t>
+            </a:r>
+            <a:r>
+              <a:rPr lang="fr-FR" dirty="0"/>
+              <a:t> </a:t>
+            </a:r>
+            <a:r>
+              <a:rPr lang="fr-FR" dirty="0" err="1"/>
+              <a:t>with</a:t>
+            </a:r>
+            <a:r>
+              <a:rPr lang="fr-FR" dirty="0"/>
+              <a:t> a </a:t>
+            </a:r>
+            <a:r>
+              <a:rPr lang="fr-FR"/>
+              <a:t>schema</a:t>
+            </a:r>
+            <a:endParaRPr lang="en-GB"/>
+          </a:p>
+        </p:txBody>
+      </p:sp>
+    </p:spTree>
+    <p:extLst>
+      <p:ext uri="{BB962C8B-B14F-4D97-AF65-F5344CB8AC3E}">
+        <p14:creationId xmlns:p14="http://schemas.microsoft.com/office/powerpoint/2010/main" val="3444838072"/>
+      </p:ext>
+    </p:extLst>
+  </p:cSld>
+  <p:clrMapOvr>
+    <a:masterClrMapping/>
+  </p:clrMapOvr>
+</p:sld>
+</file>
+
+<file path=ppt/slides/slide17.xml><?xml version="1.0" encoding="utf-8"?>
+<p:sld xmlns:a="http://schemas.openxmlformats.org/drawingml/2006/main" xmlns:r="http://schemas.openxmlformats.org/officeDocument/2006/relationships" xmlns:p="http://schemas.openxmlformats.org/presentationml/2006/main">
+  <p:cSld>
+    <p:spTree>
+      <p:nvGrpSpPr>
+        <p:cNvPr id="1" name=""/>
+        <p:cNvGrpSpPr/>
+        <p:nvPr/>
+      </p:nvGrpSpPr>
+      <p:grpSpPr>
+        <a:xfrm>
+          <a:off x="0" y="0"/>
+          <a:ext cx="0" cy="0"/>
+          <a:chOff x="0" y="0"/>
+          <a:chExt cx="0" cy="0"/>
+        </a:xfrm>
+      </p:grpSpPr>
+      <p:sp>
+        <p:nvSpPr>
+          <p:cNvPr id="2" name="Titre 1">
+            <a:extLst>
+              <a:ext uri="{FF2B5EF4-FFF2-40B4-BE49-F238E27FC236}">
                 <a16:creationId xmlns:a16="http://schemas.microsoft.com/office/drawing/2014/main" id="{089CF4B4-AB53-4D2D-828B-D4BAF1BD4348}"/>
               </a:ext>
             </a:extLst>
@@ -13840,7 +13980,7 @@
 </p:sld>
 </file>
 
-<file path=ppt/slides/slide17.xml><?xml version="1.0" encoding="utf-8"?>
+<file path=ppt/slides/slide18.xml><?xml version="1.0" encoding="utf-8"?>
 <p:sld xmlns:a="http://schemas.openxmlformats.org/drawingml/2006/main" xmlns:r="http://schemas.openxmlformats.org/officeDocument/2006/relationships" xmlns:p="http://schemas.openxmlformats.org/presentationml/2006/main">
   <p:cSld>
     <p:spTree>
@@ -13934,7 +14074,7 @@
 </p:sld>
 </file>
 
-<file path=ppt/slides/slide18.xml><?xml version="1.0" encoding="utf-8"?>
+<file path=ppt/slides/slide19.xml><?xml version="1.0" encoding="utf-8"?>
 <p:sld xmlns:a="http://schemas.openxmlformats.org/drawingml/2006/main" xmlns:r="http://schemas.openxmlformats.org/officeDocument/2006/relationships" xmlns:p="http://schemas.openxmlformats.org/presentationml/2006/main">
   <p:cSld>
     <p:bg>
@@ -14047,199 +14187,6 @@
     <p:extLst>
       <p:ext uri="{BB962C8B-B14F-4D97-AF65-F5344CB8AC3E}">
         <p14:creationId xmlns:p14="http://schemas.microsoft.com/office/powerpoint/2010/main" val="2526747130"/>
-      </p:ext>
-    </p:extLst>
-  </p:cSld>
-  <p:clrMapOvr>
-    <a:masterClrMapping/>
-  </p:clrMapOvr>
-</p:sld>
-</file>
-
-<file path=ppt/slides/slide19.xml><?xml version="1.0" encoding="utf-8"?>
-<p:sld xmlns:a="http://schemas.openxmlformats.org/drawingml/2006/main" xmlns:r="http://schemas.openxmlformats.org/officeDocument/2006/relationships" xmlns:p="http://schemas.openxmlformats.org/presentationml/2006/main">
-  <p:cSld>
-    <p:spTree>
-      <p:nvGrpSpPr>
-        <p:cNvPr id="1" name=""/>
-        <p:cNvGrpSpPr/>
-        <p:nvPr/>
-      </p:nvGrpSpPr>
-      <p:grpSpPr>
-        <a:xfrm>
-          <a:off x="0" y="0"/>
-          <a:ext cx="0" cy="0"/>
-          <a:chOff x="0" y="0"/>
-          <a:chExt cx="0" cy="0"/>
-        </a:xfrm>
-      </p:grpSpPr>
-      <p:sp>
-        <p:nvSpPr>
-          <p:cNvPr id="2" name="Titre 1">
-            <a:extLst>
-              <a:ext uri="{FF2B5EF4-FFF2-40B4-BE49-F238E27FC236}">
-                <a16:creationId xmlns:a16="http://schemas.microsoft.com/office/drawing/2014/main" id="{50C2AE22-9CDD-4DF4-8855-8950B74A3C2C}"/>
-              </a:ext>
-            </a:extLst>
-          </p:cNvPr>
-          <p:cNvSpPr>
-            <a:spLocks noGrp="1"/>
-          </p:cNvSpPr>
-          <p:nvPr>
-            <p:ph type="title"/>
-          </p:nvPr>
-        </p:nvSpPr>
-        <p:spPr/>
-        <p:txBody>
-          <a:bodyPr/>
-          <a:lstStyle/>
-          <a:p>
-            <a:r>
-              <a:rPr lang="fr-FR" dirty="0"/>
-              <a:t>Future </a:t>
-            </a:r>
-            <a:r>
-              <a:rPr lang="fr-FR" dirty="0" err="1"/>
-              <a:t>work</a:t>
-            </a:r>
-            <a:endParaRPr lang="en-GB" dirty="0"/>
-          </a:p>
-        </p:txBody>
-      </p:sp>
-      <p:sp>
-        <p:nvSpPr>
-          <p:cNvPr id="3" name="Espace réservé du contenu 2">
-            <a:extLst>
-              <a:ext uri="{FF2B5EF4-FFF2-40B4-BE49-F238E27FC236}">
-                <a16:creationId xmlns:a16="http://schemas.microsoft.com/office/drawing/2014/main" id="{72E4D2C1-E7EB-4B25-A95A-5210D44CC2AA}"/>
-              </a:ext>
-            </a:extLst>
-          </p:cNvPr>
-          <p:cNvSpPr>
-            <a:spLocks noGrp="1"/>
-          </p:cNvSpPr>
-          <p:nvPr>
-            <p:ph idx="1"/>
-          </p:nvPr>
-        </p:nvSpPr>
-        <p:spPr/>
-        <p:txBody>
-          <a:bodyPr/>
-          <a:lstStyle/>
-          <a:p>
-            <a:r>
-              <a:rPr lang="fr-FR" dirty="0"/>
-              <a:t>Virtual assistant launch </a:t>
-            </a:r>
-            <a:r>
-              <a:rPr lang="fr-FR" dirty="0" err="1"/>
-              <a:t>every</a:t>
-            </a:r>
-            <a:r>
-              <a:rPr lang="fr-FR" dirty="0"/>
-              <a:t> time the computer </a:t>
-            </a:r>
-            <a:r>
-              <a:rPr lang="fr-FR" dirty="0" err="1"/>
-              <a:t>is</a:t>
-            </a:r>
-            <a:r>
-              <a:rPr lang="fr-FR" dirty="0"/>
-              <a:t> up</a:t>
-            </a:r>
-          </a:p>
-          <a:p>
-            <a:r>
-              <a:rPr lang="fr-FR" dirty="0" err="1"/>
-              <a:t>Generate</a:t>
-            </a:r>
-            <a:r>
-              <a:rPr lang="fr-FR" dirty="0"/>
-              <a:t> a </a:t>
-            </a:r>
-            <a:r>
-              <a:rPr lang="fr-FR" dirty="0" err="1"/>
-              <a:t>voice</a:t>
-            </a:r>
-            <a:r>
-              <a:rPr lang="fr-FR" dirty="0"/>
-              <a:t> for the </a:t>
-            </a:r>
-            <a:r>
-              <a:rPr lang="fr-FR" dirty="0" err="1"/>
-              <a:t>virtual</a:t>
-            </a:r>
-            <a:r>
-              <a:rPr lang="fr-FR" dirty="0"/>
-              <a:t> assistant to </a:t>
-            </a:r>
-            <a:r>
-              <a:rPr lang="fr-FR" dirty="0" err="1"/>
-              <a:t>communicate</a:t>
-            </a:r>
-            <a:r>
-              <a:rPr lang="fr-FR" dirty="0"/>
-              <a:t> </a:t>
-            </a:r>
-            <a:r>
-              <a:rPr lang="fr-FR" dirty="0" err="1"/>
-              <a:t>with</a:t>
-            </a:r>
-            <a:r>
-              <a:rPr lang="fr-FR" dirty="0"/>
-              <a:t> the user</a:t>
-            </a:r>
-          </a:p>
-          <a:p>
-            <a:r>
-              <a:rPr lang="fr-FR" dirty="0"/>
-              <a:t>Profiling </a:t>
-            </a:r>
-            <a:r>
-              <a:rPr lang="fr-FR" dirty="0" err="1"/>
-              <a:t>each</a:t>
-            </a:r>
-            <a:r>
-              <a:rPr lang="fr-FR" dirty="0"/>
-              <a:t> user </a:t>
-            </a:r>
-            <a:r>
-              <a:rPr lang="fr-FR" dirty="0" err="1"/>
-              <a:t>that</a:t>
-            </a:r>
-            <a:r>
-              <a:rPr lang="fr-FR" dirty="0"/>
-              <a:t> use the </a:t>
-            </a:r>
-            <a:r>
-              <a:rPr lang="fr-FR" dirty="0" err="1"/>
-              <a:t>virtual</a:t>
-            </a:r>
-            <a:r>
-              <a:rPr lang="fr-FR" dirty="0"/>
-              <a:t> assistant</a:t>
-            </a:r>
-          </a:p>
-          <a:p>
-            <a:r>
-              <a:rPr lang="en-GB" dirty="0"/>
-              <a:t>Create SAI with </a:t>
-            </a:r>
-            <a:r>
-              <a:rPr lang="en-GB" dirty="0" err="1"/>
-              <a:t>kivy</a:t>
-            </a:r>
-            <a:r>
-              <a:rPr lang="en-GB" dirty="0"/>
-              <a:t> for multiapplication</a:t>
-            </a:r>
-          </a:p>
-        </p:txBody>
-      </p:sp>
-    </p:spTree>
-    <p:extLst>
-      <p:ext uri="{BB962C8B-B14F-4D97-AF65-F5344CB8AC3E}">
-        <p14:creationId xmlns:p14="http://schemas.microsoft.com/office/powerpoint/2010/main" val="4010460576"/>
       </p:ext>
     </p:extLst>
   </p:cSld>
@@ -14813,6 +14760,199 @@
 </file>
 
 <file path=ppt/slides/slide20.xml><?xml version="1.0" encoding="utf-8"?>
+<p:sld xmlns:a="http://schemas.openxmlformats.org/drawingml/2006/main" xmlns:r="http://schemas.openxmlformats.org/officeDocument/2006/relationships" xmlns:p="http://schemas.openxmlformats.org/presentationml/2006/main">
+  <p:cSld>
+    <p:spTree>
+      <p:nvGrpSpPr>
+        <p:cNvPr id="1" name=""/>
+        <p:cNvGrpSpPr/>
+        <p:nvPr/>
+      </p:nvGrpSpPr>
+      <p:grpSpPr>
+        <a:xfrm>
+          <a:off x="0" y="0"/>
+          <a:ext cx="0" cy="0"/>
+          <a:chOff x="0" y="0"/>
+          <a:chExt cx="0" cy="0"/>
+        </a:xfrm>
+      </p:grpSpPr>
+      <p:sp>
+        <p:nvSpPr>
+          <p:cNvPr id="2" name="Titre 1">
+            <a:extLst>
+              <a:ext uri="{FF2B5EF4-FFF2-40B4-BE49-F238E27FC236}">
+                <a16:creationId xmlns:a16="http://schemas.microsoft.com/office/drawing/2014/main" id="{50C2AE22-9CDD-4DF4-8855-8950B74A3C2C}"/>
+              </a:ext>
+            </a:extLst>
+          </p:cNvPr>
+          <p:cNvSpPr>
+            <a:spLocks noGrp="1"/>
+          </p:cNvSpPr>
+          <p:nvPr>
+            <p:ph type="title"/>
+          </p:nvPr>
+        </p:nvSpPr>
+        <p:spPr/>
+        <p:txBody>
+          <a:bodyPr/>
+          <a:lstStyle/>
+          <a:p>
+            <a:r>
+              <a:rPr lang="fr-FR" dirty="0"/>
+              <a:t>Future </a:t>
+            </a:r>
+            <a:r>
+              <a:rPr lang="fr-FR" dirty="0" err="1"/>
+              <a:t>work</a:t>
+            </a:r>
+            <a:endParaRPr lang="en-GB" dirty="0"/>
+          </a:p>
+        </p:txBody>
+      </p:sp>
+      <p:sp>
+        <p:nvSpPr>
+          <p:cNvPr id="3" name="Espace réservé du contenu 2">
+            <a:extLst>
+              <a:ext uri="{FF2B5EF4-FFF2-40B4-BE49-F238E27FC236}">
+                <a16:creationId xmlns:a16="http://schemas.microsoft.com/office/drawing/2014/main" id="{72E4D2C1-E7EB-4B25-A95A-5210D44CC2AA}"/>
+              </a:ext>
+            </a:extLst>
+          </p:cNvPr>
+          <p:cNvSpPr>
+            <a:spLocks noGrp="1"/>
+          </p:cNvSpPr>
+          <p:nvPr>
+            <p:ph idx="1"/>
+          </p:nvPr>
+        </p:nvSpPr>
+        <p:spPr/>
+        <p:txBody>
+          <a:bodyPr/>
+          <a:lstStyle/>
+          <a:p>
+            <a:r>
+              <a:rPr lang="fr-FR" dirty="0"/>
+              <a:t>Virtual assistant launch </a:t>
+            </a:r>
+            <a:r>
+              <a:rPr lang="fr-FR" dirty="0" err="1"/>
+              <a:t>every</a:t>
+            </a:r>
+            <a:r>
+              <a:rPr lang="fr-FR" dirty="0"/>
+              <a:t> time the computer </a:t>
+            </a:r>
+            <a:r>
+              <a:rPr lang="fr-FR" dirty="0" err="1"/>
+              <a:t>is</a:t>
+            </a:r>
+            <a:r>
+              <a:rPr lang="fr-FR" dirty="0"/>
+              <a:t> up</a:t>
+            </a:r>
+          </a:p>
+          <a:p>
+            <a:r>
+              <a:rPr lang="fr-FR" dirty="0" err="1"/>
+              <a:t>Generate</a:t>
+            </a:r>
+            <a:r>
+              <a:rPr lang="fr-FR" dirty="0"/>
+              <a:t> a </a:t>
+            </a:r>
+            <a:r>
+              <a:rPr lang="fr-FR" dirty="0" err="1"/>
+              <a:t>voice</a:t>
+            </a:r>
+            <a:r>
+              <a:rPr lang="fr-FR" dirty="0"/>
+              <a:t> for the </a:t>
+            </a:r>
+            <a:r>
+              <a:rPr lang="fr-FR" dirty="0" err="1"/>
+              <a:t>virtual</a:t>
+            </a:r>
+            <a:r>
+              <a:rPr lang="fr-FR" dirty="0"/>
+              <a:t> assistant to </a:t>
+            </a:r>
+            <a:r>
+              <a:rPr lang="fr-FR" dirty="0" err="1"/>
+              <a:t>communicate</a:t>
+            </a:r>
+            <a:r>
+              <a:rPr lang="fr-FR" dirty="0"/>
+              <a:t> </a:t>
+            </a:r>
+            <a:r>
+              <a:rPr lang="fr-FR" dirty="0" err="1"/>
+              <a:t>with</a:t>
+            </a:r>
+            <a:r>
+              <a:rPr lang="fr-FR" dirty="0"/>
+              <a:t> the user</a:t>
+            </a:r>
+          </a:p>
+          <a:p>
+            <a:r>
+              <a:rPr lang="fr-FR" dirty="0"/>
+              <a:t>Profiling </a:t>
+            </a:r>
+            <a:r>
+              <a:rPr lang="fr-FR" dirty="0" err="1"/>
+              <a:t>each</a:t>
+            </a:r>
+            <a:r>
+              <a:rPr lang="fr-FR" dirty="0"/>
+              <a:t> user </a:t>
+            </a:r>
+            <a:r>
+              <a:rPr lang="fr-FR" dirty="0" err="1"/>
+              <a:t>that</a:t>
+            </a:r>
+            <a:r>
+              <a:rPr lang="fr-FR" dirty="0"/>
+              <a:t> use the </a:t>
+            </a:r>
+            <a:r>
+              <a:rPr lang="fr-FR" dirty="0" err="1"/>
+              <a:t>virtual</a:t>
+            </a:r>
+            <a:r>
+              <a:rPr lang="fr-FR" dirty="0"/>
+              <a:t> assistant</a:t>
+            </a:r>
+          </a:p>
+          <a:p>
+            <a:r>
+              <a:rPr lang="en-GB" dirty="0"/>
+              <a:t>Create SAI with </a:t>
+            </a:r>
+            <a:r>
+              <a:rPr lang="en-GB" dirty="0" err="1"/>
+              <a:t>kivy</a:t>
+            </a:r>
+            <a:r>
+              <a:rPr lang="en-GB" dirty="0"/>
+              <a:t> for multiapplication</a:t>
+            </a:r>
+          </a:p>
+        </p:txBody>
+      </p:sp>
+    </p:spTree>
+    <p:extLst>
+      <p:ext uri="{BB962C8B-B14F-4D97-AF65-F5344CB8AC3E}">
+        <p14:creationId xmlns:p14="http://schemas.microsoft.com/office/powerpoint/2010/main" val="4010460576"/>
+      </p:ext>
+    </p:extLst>
+  </p:cSld>
+  <p:clrMapOvr>
+    <a:masterClrMapping/>
+  </p:clrMapOvr>
+</p:sld>
+</file>
+
+<file path=ppt/slides/slide21.xml><?xml version="1.0" encoding="utf-8"?>
 <p:sld xmlns:a="http://schemas.openxmlformats.org/drawingml/2006/main" xmlns:r="http://schemas.openxmlformats.org/officeDocument/2006/relationships" xmlns:p="http://schemas.openxmlformats.org/presentationml/2006/main">
   <p:cSld>
     <p:spTree>
@@ -15565,7 +15705,7 @@
 </p:sld>
 </file>
 
-<file path=ppt/slides/slide21.xml><?xml version="1.0" encoding="utf-8"?>
+<file path=ppt/slides/slide22.xml><?xml version="1.0" encoding="utf-8"?>
 <p:sld xmlns:a="http://schemas.openxmlformats.org/drawingml/2006/main" xmlns:r="http://schemas.openxmlformats.org/officeDocument/2006/relationships" xmlns:p="http://schemas.openxmlformats.org/presentationml/2006/main">
   <p:cSld>
     <p:spTree>
@@ -16106,7 +16246,7 @@
 </p:sld>
 </file>
 
-<file path=ppt/slides/slide22.xml><?xml version="1.0" encoding="utf-8"?>
+<file path=ppt/slides/slide23.xml><?xml version="1.0" encoding="utf-8"?>
 <p:sld xmlns:a="http://schemas.openxmlformats.org/drawingml/2006/main" xmlns:r="http://schemas.openxmlformats.org/officeDocument/2006/relationships" xmlns:p="http://schemas.openxmlformats.org/presentationml/2006/main">
   <p:cSld>
     <p:spTree>

--- a/SAI_presentation.pptx
+++ b/SAI_presentation.pptx
@@ -6942,7 +6942,7 @@
             <a:fld id="{B61BEF0D-F0BB-DE4B-95CE-6DB70DBA9567}" type="datetimeFigureOut">
               <a:rPr lang="en-US" dirty="0"/>
               <a:pPr/>
-              <a:t>3/10/2020</a:t>
+              <a:t>3/11/2020</a:t>
             </a:fld>
             <a:endParaRPr lang="en-US" dirty="0"/>
           </a:p>
@@ -7375,7 +7375,7 @@
             <a:fld id="{B61BEF0D-F0BB-DE4B-95CE-6DB70DBA9567}" type="datetimeFigureOut">
               <a:rPr lang="en-US" dirty="0"/>
               <a:pPr/>
-              <a:t>3/10/2020</a:t>
+              <a:t>3/11/2020</a:t>
             </a:fld>
             <a:endParaRPr lang="en-US" dirty="0"/>
           </a:p>
@@ -7622,7 +7622,7 @@
             <a:fld id="{B61BEF0D-F0BB-DE4B-95CE-6DB70DBA9567}" type="datetimeFigureOut">
               <a:rPr lang="en-US" dirty="0"/>
               <a:pPr/>
-              <a:t>3/10/2020</a:t>
+              <a:t>3/11/2020</a:t>
             </a:fld>
             <a:endParaRPr lang="en-US" dirty="0"/>
           </a:p>
@@ -7927,7 +7927,7 @@
             <a:fld id="{B61BEF0D-F0BB-DE4B-95CE-6DB70DBA9567}" type="datetimeFigureOut">
               <a:rPr lang="en-US" dirty="0"/>
               <a:pPr/>
-              <a:t>3/10/2020</a:t>
+              <a:t>3/11/2020</a:t>
             </a:fld>
             <a:endParaRPr lang="en-US" dirty="0"/>
           </a:p>
@@ -8242,7 +8242,7 @@
             <a:fld id="{B61BEF0D-F0BB-DE4B-95CE-6DB70DBA9567}" type="datetimeFigureOut">
               <a:rPr lang="en-US" dirty="0"/>
               <a:pPr/>
-              <a:t>3/10/2020</a:t>
+              <a:t>3/11/2020</a:t>
             </a:fld>
             <a:endParaRPr lang="en-US" dirty="0"/>
           </a:p>
@@ -8541,7 +8541,7 @@
             <a:fld id="{B61BEF0D-F0BB-DE4B-95CE-6DB70DBA9567}" type="datetimeFigureOut">
               <a:rPr lang="en-US" dirty="0"/>
               <a:pPr/>
-              <a:t>3/10/2020</a:t>
+              <a:t>3/11/2020</a:t>
             </a:fld>
             <a:endParaRPr lang="en-US" dirty="0"/>
           </a:p>
@@ -8905,7 +8905,7 @@
             <a:fld id="{B61BEF0D-F0BB-DE4B-95CE-6DB70DBA9567}" type="datetimeFigureOut">
               <a:rPr lang="en-US" dirty="0"/>
               <a:pPr/>
-              <a:t>3/10/2020</a:t>
+              <a:t>3/11/2020</a:t>
             </a:fld>
             <a:endParaRPr lang="en-US" dirty="0"/>
           </a:p>
@@ -9076,7 +9076,7 @@
             <a:fld id="{B61BEF0D-F0BB-DE4B-95CE-6DB70DBA9567}" type="datetimeFigureOut">
               <a:rPr lang="en-US" dirty="0"/>
               <a:pPr/>
-              <a:t>3/10/2020</a:t>
+              <a:t>3/11/2020</a:t>
             </a:fld>
             <a:endParaRPr lang="en-US" dirty="0"/>
           </a:p>
@@ -9253,7 +9253,7 @@
             <a:fld id="{B61BEF0D-F0BB-DE4B-95CE-6DB70DBA9567}" type="datetimeFigureOut">
               <a:rPr lang="en-US" dirty="0"/>
               <a:pPr/>
-              <a:t>3/10/2020</a:t>
+              <a:t>3/11/2020</a:t>
             </a:fld>
             <a:endParaRPr lang="en-US" dirty="0"/>
           </a:p>
@@ -9420,7 +9420,7 @@
             <a:fld id="{B61BEF0D-F0BB-DE4B-95CE-6DB70DBA9567}" type="datetimeFigureOut">
               <a:rPr lang="en-US" dirty="0"/>
               <a:pPr/>
-              <a:t>3/10/2020</a:t>
+              <a:t>3/11/2020</a:t>
             </a:fld>
             <a:endParaRPr lang="en-US" dirty="0"/>
           </a:p>
@@ -9667,7 +9667,7 @@
             <a:fld id="{B61BEF0D-F0BB-DE4B-95CE-6DB70DBA9567}" type="datetimeFigureOut">
               <a:rPr lang="en-US" dirty="0"/>
               <a:pPr/>
-              <a:t>3/10/2020</a:t>
+              <a:t>3/11/2020</a:t>
             </a:fld>
             <a:endParaRPr lang="en-US" dirty="0"/>
           </a:p>
@@ -9900,7 +9900,7 @@
             <a:fld id="{B61BEF0D-F0BB-DE4B-95CE-6DB70DBA9567}" type="datetimeFigureOut">
               <a:rPr lang="en-US" dirty="0"/>
               <a:pPr/>
-              <a:t>3/10/2020</a:t>
+              <a:t>3/11/2020</a:t>
             </a:fld>
             <a:endParaRPr lang="en-US" dirty="0"/>
           </a:p>
@@ -10279,7 +10279,7 @@
             <a:fld id="{B61BEF0D-F0BB-DE4B-95CE-6DB70DBA9567}" type="datetimeFigureOut">
               <a:rPr lang="en-US" dirty="0"/>
               <a:pPr/>
-              <a:t>3/10/2020</a:t>
+              <a:t>3/11/2020</a:t>
             </a:fld>
             <a:endParaRPr lang="en-US" dirty="0"/>
           </a:p>
@@ -10394,7 +10394,7 @@
             <a:fld id="{B61BEF0D-F0BB-DE4B-95CE-6DB70DBA9567}" type="datetimeFigureOut">
               <a:rPr lang="en-US" dirty="0"/>
               <a:pPr/>
-              <a:t>3/10/2020</a:t>
+              <a:t>3/11/2020</a:t>
             </a:fld>
             <a:endParaRPr lang="en-US" dirty="0"/>
           </a:p>
@@ -10486,7 +10486,7 @@
             <a:fld id="{B61BEF0D-F0BB-DE4B-95CE-6DB70DBA9567}" type="datetimeFigureOut">
               <a:rPr lang="en-US" dirty="0"/>
               <a:pPr/>
-              <a:t>3/10/2020</a:t>
+              <a:t>3/11/2020</a:t>
             </a:fld>
             <a:endParaRPr lang="en-US" dirty="0"/>
           </a:p>
@@ -10738,7 +10738,7 @@
             <a:fld id="{B61BEF0D-F0BB-DE4B-95CE-6DB70DBA9567}" type="datetimeFigureOut">
               <a:rPr lang="en-US" dirty="0"/>
               <a:pPr/>
-              <a:t>3/10/2020</a:t>
+              <a:t>3/11/2020</a:t>
             </a:fld>
             <a:endParaRPr lang="en-US" dirty="0"/>
           </a:p>
@@ -11018,7 +11018,7 @@
             <a:fld id="{B61BEF0D-F0BB-DE4B-95CE-6DB70DBA9567}" type="datetimeFigureOut">
               <a:rPr lang="en-US" dirty="0"/>
               <a:pPr/>
-              <a:t>3/10/2020</a:t>
+              <a:t>3/11/2020</a:t>
             </a:fld>
             <a:endParaRPr lang="en-US" dirty="0"/>
           </a:p>
@@ -11421,7 +11421,7 @@
             <a:fld id="{B61BEF0D-F0BB-DE4B-95CE-6DB70DBA9567}" type="datetimeFigureOut">
               <a:rPr lang="en-US" dirty="0"/>
               <a:pPr/>
-              <a:t>3/10/2020</a:t>
+              <a:t>3/11/2020</a:t>
             </a:fld>
             <a:endParaRPr lang="en-US" dirty="0"/>
           </a:p>
@@ -18880,6 +18880,147 @@
           </a:p>
         </p:txBody>
       </p:sp>
+      <p:pic>
+        <p:nvPicPr>
+          <p:cNvPr id="1028" name="Picture 4" descr="RÃ©sultat de recherche d'images pour &quot;windows 10 logo png&quot;">
+            <a:extLst>
+              <a:ext uri="{FF2B5EF4-FFF2-40B4-BE49-F238E27FC236}">
+                <a16:creationId xmlns:a16="http://schemas.microsoft.com/office/drawing/2014/main" id="{B943F35D-1A7B-4E6C-8DA1-3CCE1CDD91D5}"/>
+              </a:ext>
+            </a:extLst>
+          </p:cNvPr>
+          <p:cNvPicPr>
+            <a:picLocks noChangeAspect="1" noChangeArrowheads="1"/>
+          </p:cNvPicPr>
+          <p:nvPr/>
+        </p:nvPicPr>
+        <p:blipFill>
+          <a:blip r:embed="rId2">
+            <a:extLst>
+              <a:ext uri="{28A0092B-C50C-407E-A947-70E740481C1C}">
+                <a14:useLocalDpi xmlns:a14="http://schemas.microsoft.com/office/drawing/2010/main" val="0"/>
+              </a:ext>
+            </a:extLst>
+          </a:blip>
+          <a:srcRect/>
+          <a:stretch>
+            <a:fillRect/>
+          </a:stretch>
+        </p:blipFill>
+        <p:spPr bwMode="auto">
+          <a:xfrm>
+            <a:off x="2819400" y="3028950"/>
+            <a:ext cx="2028825" cy="2028825"/>
+          </a:xfrm>
+          <a:prstGeom prst="rect">
+            <a:avLst/>
+          </a:prstGeom>
+          <a:noFill/>
+          <a:extLst>
+            <a:ext uri="{909E8E84-426E-40DD-AFC4-6F175D3DCCD1}">
+              <a14:hiddenFill xmlns:a14="http://schemas.microsoft.com/office/drawing/2010/main">
+                <a:solidFill>
+                  <a:srgbClr val="FFFFFF"/>
+                </a:solidFill>
+              </a14:hiddenFill>
+            </a:ext>
+          </a:extLst>
+        </p:spPr>
+      </p:pic>
+      <p:pic>
+        <p:nvPicPr>
+          <p:cNvPr id="1030" name="Picture 6" descr="RÃ©sultat de recherche d'images pour &quot;OS X logo png&quot;">
+            <a:extLst>
+              <a:ext uri="{FF2B5EF4-FFF2-40B4-BE49-F238E27FC236}">
+                <a16:creationId xmlns:a16="http://schemas.microsoft.com/office/drawing/2014/main" id="{D260BE88-B9FC-4A76-8DD5-E827CBD8AD1A}"/>
+              </a:ext>
+            </a:extLst>
+          </p:cNvPr>
+          <p:cNvPicPr>
+            <a:picLocks noChangeAspect="1" noChangeArrowheads="1"/>
+          </p:cNvPicPr>
+          <p:nvPr/>
+        </p:nvPicPr>
+        <p:blipFill>
+          <a:blip r:embed="rId3">
+            <a:extLst>
+              <a:ext uri="{28A0092B-C50C-407E-A947-70E740481C1C}">
+                <a14:useLocalDpi xmlns:a14="http://schemas.microsoft.com/office/drawing/2010/main" val="0"/>
+              </a:ext>
+            </a:extLst>
+          </a:blip>
+          <a:srcRect/>
+          <a:stretch>
+            <a:fillRect/>
+          </a:stretch>
+        </p:blipFill>
+        <p:spPr bwMode="auto">
+          <a:xfrm>
+            <a:off x="5410200" y="3102502"/>
+            <a:ext cx="3455326" cy="1384830"/>
+          </a:xfrm>
+          <a:prstGeom prst="rect">
+            <a:avLst/>
+          </a:prstGeom>
+          <a:noFill/>
+          <a:extLst>
+            <a:ext uri="{909E8E84-426E-40DD-AFC4-6F175D3DCCD1}">
+              <a14:hiddenFill xmlns:a14="http://schemas.microsoft.com/office/drawing/2010/main">
+                <a:solidFill>
+                  <a:srgbClr val="FFFFFF"/>
+                </a:solidFill>
+              </a14:hiddenFill>
+            </a:ext>
+          </a:extLst>
+        </p:spPr>
+      </p:pic>
+      <p:pic>
+        <p:nvPicPr>
+          <p:cNvPr id="1032" name="Picture 8" descr="RÃ©sultat de recherche d'images pour &quot;linux logo png&quot;">
+            <a:extLst>
+              <a:ext uri="{FF2B5EF4-FFF2-40B4-BE49-F238E27FC236}">
+                <a16:creationId xmlns:a16="http://schemas.microsoft.com/office/drawing/2014/main" id="{BC3CBF51-4965-4D4A-967C-39BDD21829A6}"/>
+              </a:ext>
+            </a:extLst>
+          </p:cNvPr>
+          <p:cNvPicPr>
+            <a:picLocks noChangeAspect="1" noChangeArrowheads="1"/>
+          </p:cNvPicPr>
+          <p:nvPr/>
+        </p:nvPicPr>
+        <p:blipFill>
+          <a:blip r:embed="rId4">
+            <a:extLst>
+              <a:ext uri="{28A0092B-C50C-407E-A947-70E740481C1C}">
+                <a14:useLocalDpi xmlns:a14="http://schemas.microsoft.com/office/drawing/2010/main" val="0"/>
+              </a:ext>
+            </a:extLst>
+          </a:blip>
+          <a:srcRect/>
+          <a:stretch>
+            <a:fillRect/>
+          </a:stretch>
+        </p:blipFill>
+        <p:spPr bwMode="auto">
+          <a:xfrm>
+            <a:off x="9564204" y="3028950"/>
+            <a:ext cx="1981684" cy="2295525"/>
+          </a:xfrm>
+          <a:prstGeom prst="rect">
+            <a:avLst/>
+          </a:prstGeom>
+          <a:noFill/>
+          <a:extLst>
+            <a:ext uri="{909E8E84-426E-40DD-AFC4-6F175D3DCCD1}">
+              <a14:hiddenFill xmlns:a14="http://schemas.microsoft.com/office/drawing/2010/main">
+                <a:solidFill>
+                  <a:srgbClr val="FFFFFF"/>
+                </a:solidFill>
+              </a14:hiddenFill>
+            </a:ext>
+          </a:extLst>
+        </p:spPr>
+      </p:pic>
     </p:spTree>
     <p:extLst>
       <p:ext uri="{BB962C8B-B14F-4D97-AF65-F5344CB8AC3E}">

--- a/SAI_presentation.pptx
+++ b/SAI_presentation.pptx
@@ -18910,7 +18910,7 @@
         <p:spPr bwMode="auto">
           <a:xfrm>
             <a:off x="2819400" y="3028950"/>
-            <a:ext cx="2028825" cy="2028825"/>
+            <a:ext cx="1272117" cy="1272117"/>
           </a:xfrm>
           <a:prstGeom prst="rect">
             <a:avLst/>
@@ -18956,8 +18956,8 @@
         </p:blipFill>
         <p:spPr bwMode="auto">
           <a:xfrm>
-            <a:off x="5410200" y="3102502"/>
-            <a:ext cx="3455326" cy="1384830"/>
+            <a:off x="4842029" y="3102502"/>
+            <a:ext cx="2359679" cy="945715"/>
           </a:xfrm>
           <a:prstGeom prst="rect">
             <a:avLst/>
@@ -19003,8 +19003,8 @@
         </p:blipFill>
         <p:spPr bwMode="auto">
           <a:xfrm>
-            <a:off x="9564204" y="3028950"/>
-            <a:ext cx="1981684" cy="2295525"/>
+            <a:off x="7952220" y="2720352"/>
+            <a:ext cx="1525401" cy="1766980"/>
           </a:xfrm>
           <a:prstGeom prst="rect">
             <a:avLst/>
@@ -19019,6 +19019,78 @@
               </a14:hiddenFill>
             </a:ext>
           </a:extLst>
+        </p:spPr>
+      </p:pic>
+      <p:pic>
+        <p:nvPicPr>
+          <p:cNvPr id="5" name="Graphique 4" descr="Caméra vidéo">
+            <a:extLst>
+              <a:ext uri="{FF2B5EF4-FFF2-40B4-BE49-F238E27FC236}">
+                <a16:creationId xmlns:a16="http://schemas.microsoft.com/office/drawing/2014/main" id="{5E7BB6DA-FEFB-472E-90E6-C5753B78828E}"/>
+              </a:ext>
+            </a:extLst>
+          </p:cNvPr>
+          <p:cNvPicPr>
+            <a:picLocks noChangeAspect="1"/>
+          </p:cNvPicPr>
+          <p:nvPr/>
+        </p:nvPicPr>
+        <p:blipFill>
+          <a:blip r:embed="rId5">
+            <a:extLst>
+              <a:ext uri="{96DAC541-7B7A-43D3-8B79-37D633B846F1}">
+                <asvg:svgBlip xmlns:asvg="http://schemas.microsoft.com/office/drawing/2016/SVG/main" r:embed="rId6"/>
+              </a:ext>
+            </a:extLst>
+          </a:blip>
+          <a:stretch>
+            <a:fillRect/>
+          </a:stretch>
+        </p:blipFill>
+        <p:spPr>
+          <a:xfrm>
+            <a:off x="7345020" y="1213285"/>
+            <a:ext cx="914400" cy="914400"/>
+          </a:xfrm>
+          <a:prstGeom prst="rect">
+            <a:avLst/>
+          </a:prstGeom>
+        </p:spPr>
+      </p:pic>
+      <p:pic>
+        <p:nvPicPr>
+          <p:cNvPr id="7" name="Graphique 6" descr="Microphone">
+            <a:extLst>
+              <a:ext uri="{FF2B5EF4-FFF2-40B4-BE49-F238E27FC236}">
+                <a16:creationId xmlns:a16="http://schemas.microsoft.com/office/drawing/2014/main" id="{1CFBF61F-E947-4CCD-8C33-2B8DE915A526}"/>
+              </a:ext>
+            </a:extLst>
+          </p:cNvPr>
+          <p:cNvPicPr>
+            <a:picLocks noChangeAspect="1"/>
+          </p:cNvPicPr>
+          <p:nvPr/>
+        </p:nvPicPr>
+        <p:blipFill>
+          <a:blip r:embed="rId7">
+            <a:extLst>
+              <a:ext uri="{96DAC541-7B7A-43D3-8B79-37D633B846F1}">
+                <asvg:svgBlip xmlns:asvg="http://schemas.microsoft.com/office/drawing/2016/SVG/main" r:embed="rId8"/>
+              </a:ext>
+            </a:extLst>
+          </a:blip>
+          <a:stretch>
+            <a:fillRect/>
+          </a:stretch>
+        </p:blipFill>
+        <p:spPr>
+          <a:xfrm>
+            <a:off x="7495020" y="1363285"/>
+            <a:ext cx="914400" cy="914400"/>
+          </a:xfrm>
+          <a:prstGeom prst="rect">
+            <a:avLst/>
+          </a:prstGeom>
         </p:spPr>
       </p:pic>
     </p:spTree>

--- a/SAI_presentation.pptx
+++ b/SAI_presentation.pptx
@@ -18782,6 +18782,98 @@
       </p:grpSpPr>
       <p:sp>
         <p:nvSpPr>
+          <p:cNvPr id="6" name="Rectangle 5">
+            <a:extLst>
+              <a:ext uri="{FF2B5EF4-FFF2-40B4-BE49-F238E27FC236}">
+                <a16:creationId xmlns:a16="http://schemas.microsoft.com/office/drawing/2014/main" id="{183AA359-6AC9-4C7D-A2F7-3C815F26ED45}"/>
+              </a:ext>
+            </a:extLst>
+          </p:cNvPr>
+          <p:cNvSpPr/>
+          <p:nvPr/>
+        </p:nvSpPr>
+        <p:spPr>
+          <a:xfrm>
+            <a:off x="3923930" y="3719744"/>
+            <a:ext cx="4456590" cy="1367161"/>
+          </a:xfrm>
+          <a:prstGeom prst="rect">
+            <a:avLst/>
+          </a:prstGeom>
+        </p:spPr>
+        <p:style>
+          <a:lnRef idx="2">
+            <a:schemeClr val="accent1">
+              <a:shade val="50000"/>
+            </a:schemeClr>
+          </a:lnRef>
+          <a:fillRef idx="1">
+            <a:schemeClr val="accent1"/>
+          </a:fillRef>
+          <a:effectRef idx="0">
+            <a:schemeClr val="accent1"/>
+          </a:effectRef>
+          <a:fontRef idx="minor">
+            <a:schemeClr val="lt1"/>
+          </a:fontRef>
+        </p:style>
+        <p:txBody>
+          <a:bodyPr rtlCol="0" anchor="ctr"/>
+          <a:lstStyle/>
+          <a:p>
+            <a:pPr algn="ctr"/>
+            <a:endParaRPr lang="en-GB" dirty="0"/>
+          </a:p>
+        </p:txBody>
+      </p:sp>
+      <p:sp>
+        <p:nvSpPr>
+          <p:cNvPr id="4" name="Rectangle 3">
+            <a:extLst>
+              <a:ext uri="{FF2B5EF4-FFF2-40B4-BE49-F238E27FC236}">
+                <a16:creationId xmlns:a16="http://schemas.microsoft.com/office/drawing/2014/main" id="{5FE974CB-A904-49AA-B075-49D66F427928}"/>
+              </a:ext>
+            </a:extLst>
+          </p:cNvPr>
+          <p:cNvSpPr/>
+          <p:nvPr/>
+        </p:nvSpPr>
+        <p:spPr>
+          <a:xfrm>
+            <a:off x="2465032" y="1683189"/>
+            <a:ext cx="8072761" cy="1953245"/>
+          </a:xfrm>
+          <a:prstGeom prst="rect">
+            <a:avLst/>
+          </a:prstGeom>
+        </p:spPr>
+        <p:style>
+          <a:lnRef idx="2">
+            <a:schemeClr val="accent1">
+              <a:shade val="50000"/>
+            </a:schemeClr>
+          </a:lnRef>
+          <a:fillRef idx="1">
+            <a:schemeClr val="accent1"/>
+          </a:fillRef>
+          <a:effectRef idx="0">
+            <a:schemeClr val="accent1"/>
+          </a:effectRef>
+          <a:fontRef idx="minor">
+            <a:schemeClr val="lt1"/>
+          </a:fontRef>
+        </p:style>
+        <p:txBody>
+          <a:bodyPr rtlCol="0" anchor="ctr"/>
+          <a:lstStyle/>
+          <a:p>
+            <a:pPr algn="ctr"/>
+            <a:endParaRPr lang="en-GB"/>
+          </a:p>
+        </p:txBody>
+      </p:sp>
+      <p:sp>
+        <p:nvSpPr>
           <p:cNvPr id="2" name="Titre 1">
             <a:extLst>
               <a:ext uri="{FF2B5EF4-FFF2-40B4-BE49-F238E27FC236}">
@@ -18873,9 +18965,30 @@
               <a:t> to </a:t>
             </a:r>
             <a:r>
-              <a:rPr lang="fr-FR"/>
-              <a:t>understand </a:t>
-            </a:r>
+              <a:rPr lang="fr-FR" dirty="0" err="1"/>
+              <a:t>understand</a:t>
+            </a:r>
+            <a:r>
+              <a:rPr lang="fr-FR" dirty="0"/>
+              <a:t> </a:t>
+            </a:r>
+          </a:p>
+          <a:p>
+            <a:endParaRPr lang="fr-FR" dirty="0"/>
+          </a:p>
+          <a:p>
+            <a:endParaRPr lang="fr-FR" dirty="0"/>
+          </a:p>
+          <a:p>
+            <a:endParaRPr lang="fr-FR" dirty="0"/>
+          </a:p>
+          <a:p>
+            <a:endParaRPr lang="fr-FR" dirty="0"/>
+          </a:p>
+          <a:p>
+            <a:endParaRPr lang="fr-FR" dirty="0"/>
+          </a:p>
+          <a:p>
             <a:endParaRPr lang="en-GB" dirty="0"/>
           </a:p>
         </p:txBody>
@@ -18909,7 +19022,7 @@
         </p:blipFill>
         <p:spPr bwMode="auto">
           <a:xfrm>
-            <a:off x="2819400" y="3028950"/>
+            <a:off x="2882946" y="2033588"/>
             <a:ext cx="1272117" cy="1272117"/>
           </a:xfrm>
           <a:prstGeom prst="rect">
@@ -18956,7 +19069,7 @@
         </p:blipFill>
         <p:spPr bwMode="auto">
           <a:xfrm>
-            <a:off x="4842029" y="3102502"/>
+            <a:off x="7678987" y="2186953"/>
             <a:ext cx="2359679" cy="945715"/>
           </a:xfrm>
           <a:prstGeom prst="rect">
@@ -19003,7 +19116,7 @@
         </p:blipFill>
         <p:spPr bwMode="auto">
           <a:xfrm>
-            <a:off x="7952220" y="2720352"/>
+            <a:off x="5597105" y="1683189"/>
             <a:ext cx="1525401" cy="1766980"/>
           </a:xfrm>
           <a:prstGeom prst="rect">
@@ -19049,7 +19162,7 @@
         </p:blipFill>
         <p:spPr>
           <a:xfrm>
-            <a:off x="7345020" y="1213285"/>
+            <a:off x="4951412" y="3843867"/>
             <a:ext cx="914400" cy="914400"/>
           </a:xfrm>
           <a:prstGeom prst="rect">
@@ -19085,7 +19198,7 @@
         </p:blipFill>
         <p:spPr>
           <a:xfrm>
-            <a:off x="7495020" y="1363285"/>
+            <a:off x="6326190" y="3843867"/>
             <a:ext cx="914400" cy="914400"/>
           </a:xfrm>
           <a:prstGeom prst="rect">

--- a/SAI_presentation.pptx
+++ b/SAI_presentation.pptx
@@ -6942,7 +6942,7 @@
             <a:fld id="{B61BEF0D-F0BB-DE4B-95CE-6DB70DBA9567}" type="datetimeFigureOut">
               <a:rPr lang="en-US" dirty="0"/>
               <a:pPr/>
-              <a:t>3/11/2020</a:t>
+              <a:t>3/12/2020</a:t>
             </a:fld>
             <a:endParaRPr lang="en-US" dirty="0"/>
           </a:p>
@@ -7375,7 +7375,7 @@
             <a:fld id="{B61BEF0D-F0BB-DE4B-95CE-6DB70DBA9567}" type="datetimeFigureOut">
               <a:rPr lang="en-US" dirty="0"/>
               <a:pPr/>
-              <a:t>3/11/2020</a:t>
+              <a:t>3/12/2020</a:t>
             </a:fld>
             <a:endParaRPr lang="en-US" dirty="0"/>
           </a:p>
@@ -7622,7 +7622,7 @@
             <a:fld id="{B61BEF0D-F0BB-DE4B-95CE-6DB70DBA9567}" type="datetimeFigureOut">
               <a:rPr lang="en-US" dirty="0"/>
               <a:pPr/>
-              <a:t>3/11/2020</a:t>
+              <a:t>3/12/2020</a:t>
             </a:fld>
             <a:endParaRPr lang="en-US" dirty="0"/>
           </a:p>
@@ -7927,7 +7927,7 @@
             <a:fld id="{B61BEF0D-F0BB-DE4B-95CE-6DB70DBA9567}" type="datetimeFigureOut">
               <a:rPr lang="en-US" dirty="0"/>
               <a:pPr/>
-              <a:t>3/11/2020</a:t>
+              <a:t>3/12/2020</a:t>
             </a:fld>
             <a:endParaRPr lang="en-US" dirty="0"/>
           </a:p>
@@ -8242,7 +8242,7 @@
             <a:fld id="{B61BEF0D-F0BB-DE4B-95CE-6DB70DBA9567}" type="datetimeFigureOut">
               <a:rPr lang="en-US" dirty="0"/>
               <a:pPr/>
-              <a:t>3/11/2020</a:t>
+              <a:t>3/12/2020</a:t>
             </a:fld>
             <a:endParaRPr lang="en-US" dirty="0"/>
           </a:p>
@@ -8541,7 +8541,7 @@
             <a:fld id="{B61BEF0D-F0BB-DE4B-95CE-6DB70DBA9567}" type="datetimeFigureOut">
               <a:rPr lang="en-US" dirty="0"/>
               <a:pPr/>
-              <a:t>3/11/2020</a:t>
+              <a:t>3/12/2020</a:t>
             </a:fld>
             <a:endParaRPr lang="en-US" dirty="0"/>
           </a:p>
@@ -8905,7 +8905,7 @@
             <a:fld id="{B61BEF0D-F0BB-DE4B-95CE-6DB70DBA9567}" type="datetimeFigureOut">
               <a:rPr lang="en-US" dirty="0"/>
               <a:pPr/>
-              <a:t>3/11/2020</a:t>
+              <a:t>3/12/2020</a:t>
             </a:fld>
             <a:endParaRPr lang="en-US" dirty="0"/>
           </a:p>
@@ -9076,7 +9076,7 @@
             <a:fld id="{B61BEF0D-F0BB-DE4B-95CE-6DB70DBA9567}" type="datetimeFigureOut">
               <a:rPr lang="en-US" dirty="0"/>
               <a:pPr/>
-              <a:t>3/11/2020</a:t>
+              <a:t>3/12/2020</a:t>
             </a:fld>
             <a:endParaRPr lang="en-US" dirty="0"/>
           </a:p>
@@ -9253,7 +9253,7 @@
             <a:fld id="{B61BEF0D-F0BB-DE4B-95CE-6DB70DBA9567}" type="datetimeFigureOut">
               <a:rPr lang="en-US" dirty="0"/>
               <a:pPr/>
-              <a:t>3/11/2020</a:t>
+              <a:t>3/12/2020</a:t>
             </a:fld>
             <a:endParaRPr lang="en-US" dirty="0"/>
           </a:p>
@@ -9420,7 +9420,7 @@
             <a:fld id="{B61BEF0D-F0BB-DE4B-95CE-6DB70DBA9567}" type="datetimeFigureOut">
               <a:rPr lang="en-US" dirty="0"/>
               <a:pPr/>
-              <a:t>3/11/2020</a:t>
+              <a:t>3/12/2020</a:t>
             </a:fld>
             <a:endParaRPr lang="en-US" dirty="0"/>
           </a:p>
@@ -9667,7 +9667,7 @@
             <a:fld id="{B61BEF0D-F0BB-DE4B-95CE-6DB70DBA9567}" type="datetimeFigureOut">
               <a:rPr lang="en-US" dirty="0"/>
               <a:pPr/>
-              <a:t>3/11/2020</a:t>
+              <a:t>3/12/2020</a:t>
             </a:fld>
             <a:endParaRPr lang="en-US" dirty="0"/>
           </a:p>
@@ -9900,7 +9900,7 @@
             <a:fld id="{B61BEF0D-F0BB-DE4B-95CE-6DB70DBA9567}" type="datetimeFigureOut">
               <a:rPr lang="en-US" dirty="0"/>
               <a:pPr/>
-              <a:t>3/11/2020</a:t>
+              <a:t>3/12/2020</a:t>
             </a:fld>
             <a:endParaRPr lang="en-US" dirty="0"/>
           </a:p>
@@ -10279,7 +10279,7 @@
             <a:fld id="{B61BEF0D-F0BB-DE4B-95CE-6DB70DBA9567}" type="datetimeFigureOut">
               <a:rPr lang="en-US" dirty="0"/>
               <a:pPr/>
-              <a:t>3/11/2020</a:t>
+              <a:t>3/12/2020</a:t>
             </a:fld>
             <a:endParaRPr lang="en-US" dirty="0"/>
           </a:p>
@@ -10394,7 +10394,7 @@
             <a:fld id="{B61BEF0D-F0BB-DE4B-95CE-6DB70DBA9567}" type="datetimeFigureOut">
               <a:rPr lang="en-US" dirty="0"/>
               <a:pPr/>
-              <a:t>3/11/2020</a:t>
+              <a:t>3/12/2020</a:t>
             </a:fld>
             <a:endParaRPr lang="en-US" dirty="0"/>
           </a:p>
@@ -10486,7 +10486,7 @@
             <a:fld id="{B61BEF0D-F0BB-DE4B-95CE-6DB70DBA9567}" type="datetimeFigureOut">
               <a:rPr lang="en-US" dirty="0"/>
               <a:pPr/>
-              <a:t>3/11/2020</a:t>
+              <a:t>3/12/2020</a:t>
             </a:fld>
             <a:endParaRPr lang="en-US" dirty="0"/>
           </a:p>
@@ -10738,7 +10738,7 @@
             <a:fld id="{B61BEF0D-F0BB-DE4B-95CE-6DB70DBA9567}" type="datetimeFigureOut">
               <a:rPr lang="en-US" dirty="0"/>
               <a:pPr/>
-              <a:t>3/11/2020</a:t>
+              <a:t>3/12/2020</a:t>
             </a:fld>
             <a:endParaRPr lang="en-US" dirty="0"/>
           </a:p>
@@ -11018,7 +11018,7 @@
             <a:fld id="{B61BEF0D-F0BB-DE4B-95CE-6DB70DBA9567}" type="datetimeFigureOut">
               <a:rPr lang="en-US" dirty="0"/>
               <a:pPr/>
-              <a:t>3/11/2020</a:t>
+              <a:t>3/12/2020</a:t>
             </a:fld>
             <a:endParaRPr lang="en-US" dirty="0"/>
           </a:p>
@@ -11421,7 +11421,7 @@
             <a:fld id="{B61BEF0D-F0BB-DE4B-95CE-6DB70DBA9567}" type="datetimeFigureOut">
               <a:rPr lang="en-US" dirty="0"/>
               <a:pPr/>
-              <a:t>3/11/2020</a:t>
+              <a:t>3/12/2020</a:t>
             </a:fld>
             <a:endParaRPr lang="en-US" dirty="0"/>
           </a:p>
@@ -18957,21 +18957,10 @@
           </a:p>
           <a:p>
             <a:r>
-              <a:rPr lang="fr-FR" dirty="0" err="1"/>
-              <a:t>Schema</a:t>
-            </a:r>
-            <a:r>
-              <a:rPr lang="fr-FR" dirty="0"/>
-              <a:t> to </a:t>
-            </a:r>
-            <a:r>
-              <a:rPr lang="fr-FR" dirty="0" err="1"/>
-              <a:t>understand</a:t>
-            </a:r>
-            <a:r>
-              <a:rPr lang="fr-FR" dirty="0"/>
-              <a:t> </a:t>
-            </a:r>
+              <a:rPr lang="fr-FR"/>
+              <a:t>We need to add an adapter that translate the data from the mic and the screen</a:t>
+            </a:r>
+            <a:endParaRPr lang="fr-FR" dirty="0"/>
           </a:p>
           <a:p>
             <a:endParaRPr lang="fr-FR" dirty="0"/>

--- a/SAI_presentation.pptx
+++ b/SAI_presentation.pptx
@@ -18921,7 +18921,12 @@
             <p:ph idx="1"/>
           </p:nvPr>
         </p:nvSpPr>
-        <p:spPr/>
+        <p:spPr>
+          <a:xfrm>
+            <a:off x="1044772" y="500063"/>
+            <a:ext cx="8264281" cy="3232956"/>
+          </a:xfrm>
+        </p:spPr>
         <p:txBody>
           <a:bodyPr/>
           <a:lstStyle/>
@@ -18959,6 +18964,12 @@
             <a:r>
               <a:rPr lang="fr-FR"/>
               <a:t>We need to add an adapter that translate the data from the mic and the screen</a:t>
+            </a:r>
+          </a:p>
+          <a:p>
+            <a:r>
+              <a:rPr lang="fr-FR"/>
+              <a:t>This adapter will detect the os before interpreting inputs</a:t>
             </a:r>
             <a:endParaRPr lang="fr-FR" dirty="0"/>
           </a:p>

--- a/SAI_presentation.pptx
+++ b/SAI_presentation.pptx
@@ -19337,13 +19337,20 @@
               <a:t>So do SAI </a:t>
             </a:r>
             <a:r>
-              <a:rPr lang="fr-FR" dirty="0" err="1"/>
+              <a:rPr lang="fr-FR" err="1"/>
               <a:t>need</a:t>
             </a:r>
             <a:r>
-              <a:rPr lang="fr-FR" dirty="0"/>
+              <a:rPr lang="fr-FR"/>
               <a:t> to</a:t>
             </a:r>
+          </a:p>
+          <a:p>
+            <a:r>
+              <a:rPr lang="fr-FR"/>
+              <a:t>It will compress data as much as he can</a:t>
+            </a:r>
+            <a:endParaRPr lang="fr-FR" dirty="0"/>
           </a:p>
           <a:p>
             <a:r>

--- a/SAI_presentation.pptx
+++ b/SAI_presentation.pptx
@@ -6942,7 +6942,7 @@
             <a:fld id="{B61BEF0D-F0BB-DE4B-95CE-6DB70DBA9567}" type="datetimeFigureOut">
               <a:rPr lang="en-US" dirty="0"/>
               <a:pPr/>
-              <a:t>3/12/2020</a:t>
+              <a:t>3/13/2020</a:t>
             </a:fld>
             <a:endParaRPr lang="en-US" dirty="0"/>
           </a:p>
@@ -7375,7 +7375,7 @@
             <a:fld id="{B61BEF0D-F0BB-DE4B-95CE-6DB70DBA9567}" type="datetimeFigureOut">
               <a:rPr lang="en-US" dirty="0"/>
               <a:pPr/>
-              <a:t>3/12/2020</a:t>
+              <a:t>3/13/2020</a:t>
             </a:fld>
             <a:endParaRPr lang="en-US" dirty="0"/>
           </a:p>
@@ -7622,7 +7622,7 @@
             <a:fld id="{B61BEF0D-F0BB-DE4B-95CE-6DB70DBA9567}" type="datetimeFigureOut">
               <a:rPr lang="en-US" dirty="0"/>
               <a:pPr/>
-              <a:t>3/12/2020</a:t>
+              <a:t>3/13/2020</a:t>
             </a:fld>
             <a:endParaRPr lang="en-US" dirty="0"/>
           </a:p>
@@ -7927,7 +7927,7 @@
             <a:fld id="{B61BEF0D-F0BB-DE4B-95CE-6DB70DBA9567}" type="datetimeFigureOut">
               <a:rPr lang="en-US" dirty="0"/>
               <a:pPr/>
-              <a:t>3/12/2020</a:t>
+              <a:t>3/13/2020</a:t>
             </a:fld>
             <a:endParaRPr lang="en-US" dirty="0"/>
           </a:p>
@@ -8242,7 +8242,7 @@
             <a:fld id="{B61BEF0D-F0BB-DE4B-95CE-6DB70DBA9567}" type="datetimeFigureOut">
               <a:rPr lang="en-US" dirty="0"/>
               <a:pPr/>
-              <a:t>3/12/2020</a:t>
+              <a:t>3/13/2020</a:t>
             </a:fld>
             <a:endParaRPr lang="en-US" dirty="0"/>
           </a:p>
@@ -8541,7 +8541,7 @@
             <a:fld id="{B61BEF0D-F0BB-DE4B-95CE-6DB70DBA9567}" type="datetimeFigureOut">
               <a:rPr lang="en-US" dirty="0"/>
               <a:pPr/>
-              <a:t>3/12/2020</a:t>
+              <a:t>3/13/2020</a:t>
             </a:fld>
             <a:endParaRPr lang="en-US" dirty="0"/>
           </a:p>
@@ -8905,7 +8905,7 @@
             <a:fld id="{B61BEF0D-F0BB-DE4B-95CE-6DB70DBA9567}" type="datetimeFigureOut">
               <a:rPr lang="en-US" dirty="0"/>
               <a:pPr/>
-              <a:t>3/12/2020</a:t>
+              <a:t>3/13/2020</a:t>
             </a:fld>
             <a:endParaRPr lang="en-US" dirty="0"/>
           </a:p>
@@ -9076,7 +9076,7 @@
             <a:fld id="{B61BEF0D-F0BB-DE4B-95CE-6DB70DBA9567}" type="datetimeFigureOut">
               <a:rPr lang="en-US" dirty="0"/>
               <a:pPr/>
-              <a:t>3/12/2020</a:t>
+              <a:t>3/13/2020</a:t>
             </a:fld>
             <a:endParaRPr lang="en-US" dirty="0"/>
           </a:p>
@@ -9253,7 +9253,7 @@
             <a:fld id="{B61BEF0D-F0BB-DE4B-95CE-6DB70DBA9567}" type="datetimeFigureOut">
               <a:rPr lang="en-US" dirty="0"/>
               <a:pPr/>
-              <a:t>3/12/2020</a:t>
+              <a:t>3/13/2020</a:t>
             </a:fld>
             <a:endParaRPr lang="en-US" dirty="0"/>
           </a:p>
@@ -9420,7 +9420,7 @@
             <a:fld id="{B61BEF0D-F0BB-DE4B-95CE-6DB70DBA9567}" type="datetimeFigureOut">
               <a:rPr lang="en-US" dirty="0"/>
               <a:pPr/>
-              <a:t>3/12/2020</a:t>
+              <a:t>3/13/2020</a:t>
             </a:fld>
             <a:endParaRPr lang="en-US" dirty="0"/>
           </a:p>
@@ -9667,7 +9667,7 @@
             <a:fld id="{B61BEF0D-F0BB-DE4B-95CE-6DB70DBA9567}" type="datetimeFigureOut">
               <a:rPr lang="en-US" dirty="0"/>
               <a:pPr/>
-              <a:t>3/12/2020</a:t>
+              <a:t>3/13/2020</a:t>
             </a:fld>
             <a:endParaRPr lang="en-US" dirty="0"/>
           </a:p>
@@ -9900,7 +9900,7 @@
             <a:fld id="{B61BEF0D-F0BB-DE4B-95CE-6DB70DBA9567}" type="datetimeFigureOut">
               <a:rPr lang="en-US" dirty="0"/>
               <a:pPr/>
-              <a:t>3/12/2020</a:t>
+              <a:t>3/13/2020</a:t>
             </a:fld>
             <a:endParaRPr lang="en-US" dirty="0"/>
           </a:p>
@@ -10279,7 +10279,7 @@
             <a:fld id="{B61BEF0D-F0BB-DE4B-95CE-6DB70DBA9567}" type="datetimeFigureOut">
               <a:rPr lang="en-US" dirty="0"/>
               <a:pPr/>
-              <a:t>3/12/2020</a:t>
+              <a:t>3/13/2020</a:t>
             </a:fld>
             <a:endParaRPr lang="en-US" dirty="0"/>
           </a:p>
@@ -10394,7 +10394,7 @@
             <a:fld id="{B61BEF0D-F0BB-DE4B-95CE-6DB70DBA9567}" type="datetimeFigureOut">
               <a:rPr lang="en-US" dirty="0"/>
               <a:pPr/>
-              <a:t>3/12/2020</a:t>
+              <a:t>3/13/2020</a:t>
             </a:fld>
             <a:endParaRPr lang="en-US" dirty="0"/>
           </a:p>
@@ -10486,7 +10486,7 @@
             <a:fld id="{B61BEF0D-F0BB-DE4B-95CE-6DB70DBA9567}" type="datetimeFigureOut">
               <a:rPr lang="en-US" dirty="0"/>
               <a:pPr/>
-              <a:t>3/12/2020</a:t>
+              <a:t>3/13/2020</a:t>
             </a:fld>
             <a:endParaRPr lang="en-US" dirty="0"/>
           </a:p>
@@ -10738,7 +10738,7 @@
             <a:fld id="{B61BEF0D-F0BB-DE4B-95CE-6DB70DBA9567}" type="datetimeFigureOut">
               <a:rPr lang="en-US" dirty="0"/>
               <a:pPr/>
-              <a:t>3/12/2020</a:t>
+              <a:t>3/13/2020</a:t>
             </a:fld>
             <a:endParaRPr lang="en-US" dirty="0"/>
           </a:p>
@@ -11018,7 +11018,7 @@
             <a:fld id="{B61BEF0D-F0BB-DE4B-95CE-6DB70DBA9567}" type="datetimeFigureOut">
               <a:rPr lang="en-US" dirty="0"/>
               <a:pPr/>
-              <a:t>3/12/2020</a:t>
+              <a:t>3/13/2020</a:t>
             </a:fld>
             <a:endParaRPr lang="en-US" dirty="0"/>
           </a:p>
@@ -11421,7 +11421,7 @@
             <a:fld id="{B61BEF0D-F0BB-DE4B-95CE-6DB70DBA9567}" type="datetimeFigureOut">
               <a:rPr lang="en-US" dirty="0"/>
               <a:pPr/>
-              <a:t>3/12/2020</a:t>
+              <a:t>3/13/2020</a:t>
             </a:fld>
             <a:endParaRPr lang="en-US" dirty="0"/>
           </a:p>
@@ -18794,8 +18794,8 @@
         </p:nvSpPr>
         <p:spPr>
           <a:xfrm>
-            <a:off x="3923930" y="3719744"/>
-            <a:ext cx="4456590" cy="1367161"/>
+            <a:off x="5527786" y="1683190"/>
+            <a:ext cx="988424" cy="3232955"/>
           </a:xfrm>
           <a:prstGeom prst="rect">
             <a:avLst/>
@@ -18840,8 +18840,8 @@
         </p:nvSpPr>
         <p:spPr>
           <a:xfrm>
-            <a:off x="2465032" y="1683189"/>
-            <a:ext cx="8072761" cy="1953245"/>
+            <a:off x="2465033" y="1683189"/>
+            <a:ext cx="620806" cy="3232956"/>
           </a:xfrm>
           <a:prstGeom prst="rect">
             <a:avLst/>
@@ -18962,16 +18962,91 @@
           </a:p>
           <a:p>
             <a:r>
-              <a:rPr lang="fr-FR"/>
-              <a:t>We need to add an adapter that translate the data from the mic and the screen</a:t>
-            </a:r>
-          </a:p>
-          <a:p>
-            <a:r>
-              <a:rPr lang="fr-FR"/>
-              <a:t>This adapter will detect the os before interpreting inputs</a:t>
-            </a:r>
-            <a:endParaRPr lang="fr-FR" dirty="0"/>
+              <a:rPr lang="fr-FR" dirty="0" err="1"/>
+              <a:t>We</a:t>
+            </a:r>
+            <a:r>
+              <a:rPr lang="fr-FR" dirty="0"/>
+              <a:t> </a:t>
+            </a:r>
+            <a:r>
+              <a:rPr lang="fr-FR" dirty="0" err="1"/>
+              <a:t>need</a:t>
+            </a:r>
+            <a:r>
+              <a:rPr lang="fr-FR" dirty="0"/>
+              <a:t> to </a:t>
+            </a:r>
+            <a:r>
+              <a:rPr lang="fr-FR" dirty="0" err="1"/>
+              <a:t>add</a:t>
+            </a:r>
+            <a:r>
+              <a:rPr lang="fr-FR" dirty="0"/>
+              <a:t> an adapter </a:t>
+            </a:r>
+            <a:r>
+              <a:rPr lang="fr-FR" dirty="0" err="1"/>
+              <a:t>that</a:t>
+            </a:r>
+            <a:r>
+              <a:rPr lang="fr-FR" dirty="0"/>
+              <a:t> translate the data </a:t>
+            </a:r>
+            <a:r>
+              <a:rPr lang="fr-FR" dirty="0" err="1"/>
+              <a:t>from</a:t>
+            </a:r>
+            <a:r>
+              <a:rPr lang="fr-FR" dirty="0"/>
+              <a:t> the </a:t>
+            </a:r>
+            <a:r>
+              <a:rPr lang="fr-FR" dirty="0" err="1"/>
+              <a:t>mic</a:t>
+            </a:r>
+            <a:r>
+              <a:rPr lang="fr-FR" dirty="0"/>
+              <a:t> and the screen</a:t>
+            </a:r>
+          </a:p>
+          <a:p>
+            <a:r>
+              <a:rPr lang="fr-FR" dirty="0"/>
+              <a:t>This adapter </a:t>
+            </a:r>
+            <a:r>
+              <a:rPr lang="fr-FR" dirty="0" err="1"/>
+              <a:t>will</a:t>
+            </a:r>
+            <a:r>
+              <a:rPr lang="fr-FR" dirty="0"/>
+              <a:t> </a:t>
+            </a:r>
+            <a:r>
+              <a:rPr lang="fr-FR" dirty="0" err="1"/>
+              <a:t>detect</a:t>
+            </a:r>
+            <a:r>
+              <a:rPr lang="fr-FR" dirty="0"/>
+              <a:t> the os </a:t>
+            </a:r>
+            <a:r>
+              <a:rPr lang="fr-FR" dirty="0" err="1"/>
+              <a:t>before</a:t>
+            </a:r>
+            <a:r>
+              <a:rPr lang="fr-FR" dirty="0"/>
+              <a:t> </a:t>
+            </a:r>
+            <a:r>
+              <a:rPr lang="fr-FR" dirty="0" err="1"/>
+              <a:t>interpreting</a:t>
+            </a:r>
+            <a:r>
+              <a:rPr lang="fr-FR" dirty="0"/>
+              <a:t> inputs</a:t>
+            </a:r>
           </a:p>
           <a:p>
             <a:endParaRPr lang="fr-FR" dirty="0"/>
@@ -19022,8 +19097,8 @@
         </p:blipFill>
         <p:spPr bwMode="auto">
           <a:xfrm>
-            <a:off x="2882946" y="2033588"/>
-            <a:ext cx="1272117" cy="1272117"/>
+            <a:off x="676867" y="1689264"/>
+            <a:ext cx="854553" cy="854553"/>
           </a:xfrm>
           <a:prstGeom prst="rect">
             <a:avLst/>
@@ -19069,8 +19144,8 @@
         </p:blipFill>
         <p:spPr bwMode="auto">
           <a:xfrm>
-            <a:off x="7678987" y="2186953"/>
-            <a:ext cx="2359679" cy="945715"/>
+            <a:off x="576926" y="4013969"/>
+            <a:ext cx="1181100" cy="473363"/>
           </a:xfrm>
           <a:prstGeom prst="rect">
             <a:avLst/>
@@ -19116,8 +19191,8 @@
         </p:blipFill>
         <p:spPr bwMode="auto">
           <a:xfrm>
-            <a:off x="5597105" y="1683189"/>
-            <a:ext cx="1525401" cy="1766980"/>
+            <a:off x="633302" y="2642799"/>
+            <a:ext cx="898118" cy="1040354"/>
           </a:xfrm>
           <a:prstGeom prst="rect">
             <a:avLst/>
@@ -19162,7 +19237,7 @@
         </p:blipFill>
         <p:spPr>
           <a:xfrm>
-            <a:off x="4951412" y="3843867"/>
+            <a:off x="4506100" y="2123664"/>
             <a:ext cx="914400" cy="914400"/>
           </a:xfrm>
           <a:prstGeom prst="rect">
@@ -19198,7 +19273,7 @@
         </p:blipFill>
         <p:spPr>
           <a:xfrm>
-            <a:off x="6326190" y="3843867"/>
+            <a:off x="4506100" y="3299667"/>
             <a:ext cx="914400" cy="914400"/>
           </a:xfrm>
           <a:prstGeom prst="rect">

--- a/SAI_presentation.pptx
+++ b/SAI_presentation.pptx
@@ -18795,11 +18795,25 @@
         <p:spPr>
           <a:xfrm>
             <a:off x="5527786" y="1683190"/>
-            <a:ext cx="988424" cy="3232955"/>
+            <a:ext cx="620807" cy="3232956"/>
           </a:xfrm>
           <a:prstGeom prst="rect">
             <a:avLst/>
           </a:prstGeom>
+          <a:solidFill>
+            <a:schemeClr val="tx2">
+              <a:lumMod val="60000"/>
+              <a:lumOff val="40000"/>
+            </a:schemeClr>
+          </a:solidFill>
+          <a:ln>
+            <a:solidFill>
+              <a:schemeClr val="tx2">
+                <a:lumMod val="60000"/>
+                <a:lumOff val="40000"/>
+              </a:schemeClr>
+            </a:solidFill>
+          </a:ln>
         </p:spPr>
         <p:style>
           <a:lnRef idx="2">
@@ -18846,6 +18860,20 @@
           <a:prstGeom prst="rect">
             <a:avLst/>
           </a:prstGeom>
+          <a:solidFill>
+            <a:schemeClr val="tx2">
+              <a:lumMod val="60000"/>
+              <a:lumOff val="40000"/>
+            </a:schemeClr>
+          </a:solidFill>
+          <a:ln>
+            <a:solidFill>
+              <a:schemeClr val="tx2">
+                <a:lumMod val="60000"/>
+                <a:lumOff val="40000"/>
+              </a:schemeClr>
+            </a:solidFill>
+          </a:ln>
         </p:spPr>
         <p:style>
           <a:lnRef idx="2">

--- a/SAI_presentation.pptx
+++ b/SAI_presentation.pptx
@@ -18801,17 +18801,11 @@
             <a:avLst/>
           </a:prstGeom>
           <a:solidFill>
-            <a:schemeClr val="tx2">
-              <a:lumMod val="60000"/>
-              <a:lumOff val="40000"/>
-            </a:schemeClr>
+            <a:srgbClr val="00B050"/>
           </a:solidFill>
           <a:ln>
             <a:solidFill>
-              <a:schemeClr val="tx2">
-                <a:lumMod val="60000"/>
-                <a:lumOff val="40000"/>
-              </a:schemeClr>
+              <a:srgbClr val="00B050"/>
             </a:solidFill>
           </a:ln>
         </p:spPr>
@@ -18861,17 +18855,11 @@
             <a:avLst/>
           </a:prstGeom>
           <a:solidFill>
-            <a:schemeClr val="tx2">
-              <a:lumMod val="60000"/>
-              <a:lumOff val="40000"/>
-            </a:schemeClr>
+            <a:srgbClr val="FFFF00"/>
           </a:solidFill>
           <a:ln>
             <a:solidFill>
-              <a:schemeClr val="tx2">
-                <a:lumMod val="60000"/>
-                <a:lumOff val="40000"/>
-              </a:schemeClr>
+              <a:srgbClr val="FFFF00"/>
             </a:solidFill>
           </a:ln>
         </p:spPr>
@@ -18985,7 +18973,15 @@
             </a:r>
             <a:r>
               <a:rPr lang="fr-FR" dirty="0"/>
-              <a:t> support</a:t>
+              <a:t> </a:t>
+            </a:r>
+            <a:r>
+              <a:rPr lang="fr-FR" b="1" dirty="0">
+                <a:solidFill>
+                  <a:srgbClr val="FFFF00"/>
+                </a:solidFill>
+              </a:rPr>
+              <a:t>operating system</a:t>
             </a:r>
           </a:p>
           <a:p>
@@ -19073,7 +19069,15 @@
             </a:r>
             <a:r>
               <a:rPr lang="fr-FR" dirty="0"/>
-              <a:t> inputs</a:t>
+              <a:t> </a:t>
+            </a:r>
+            <a:r>
+              <a:rPr lang="fr-FR" b="1" dirty="0">
+                <a:solidFill>
+                  <a:srgbClr val="00B050"/>
+                </a:solidFill>
+              </a:rPr>
+              <a:t>inputs</a:t>
             </a:r>
           </a:p>
           <a:p>

--- a/SAI_presentation.pptx
+++ b/SAI_presentation.pptx
@@ -6942,7 +6942,7 @@
             <a:fld id="{B61BEF0D-F0BB-DE4B-95CE-6DB70DBA9567}" type="datetimeFigureOut">
               <a:rPr lang="en-US" dirty="0"/>
               <a:pPr/>
-              <a:t>3/13/2020</a:t>
+              <a:t>3/14/2020</a:t>
             </a:fld>
             <a:endParaRPr lang="en-US" dirty="0"/>
           </a:p>
@@ -7375,7 +7375,7 @@
             <a:fld id="{B61BEF0D-F0BB-DE4B-95CE-6DB70DBA9567}" type="datetimeFigureOut">
               <a:rPr lang="en-US" dirty="0"/>
               <a:pPr/>
-              <a:t>3/13/2020</a:t>
+              <a:t>3/14/2020</a:t>
             </a:fld>
             <a:endParaRPr lang="en-US" dirty="0"/>
           </a:p>
@@ -7622,7 +7622,7 @@
             <a:fld id="{B61BEF0D-F0BB-DE4B-95CE-6DB70DBA9567}" type="datetimeFigureOut">
               <a:rPr lang="en-US" dirty="0"/>
               <a:pPr/>
-              <a:t>3/13/2020</a:t>
+              <a:t>3/14/2020</a:t>
             </a:fld>
             <a:endParaRPr lang="en-US" dirty="0"/>
           </a:p>
@@ -7927,7 +7927,7 @@
             <a:fld id="{B61BEF0D-F0BB-DE4B-95CE-6DB70DBA9567}" type="datetimeFigureOut">
               <a:rPr lang="en-US" dirty="0"/>
               <a:pPr/>
-              <a:t>3/13/2020</a:t>
+              <a:t>3/14/2020</a:t>
             </a:fld>
             <a:endParaRPr lang="en-US" dirty="0"/>
           </a:p>
@@ -8242,7 +8242,7 @@
             <a:fld id="{B61BEF0D-F0BB-DE4B-95CE-6DB70DBA9567}" type="datetimeFigureOut">
               <a:rPr lang="en-US" dirty="0"/>
               <a:pPr/>
-              <a:t>3/13/2020</a:t>
+              <a:t>3/14/2020</a:t>
             </a:fld>
             <a:endParaRPr lang="en-US" dirty="0"/>
           </a:p>
@@ -8541,7 +8541,7 @@
             <a:fld id="{B61BEF0D-F0BB-DE4B-95CE-6DB70DBA9567}" type="datetimeFigureOut">
               <a:rPr lang="en-US" dirty="0"/>
               <a:pPr/>
-              <a:t>3/13/2020</a:t>
+              <a:t>3/14/2020</a:t>
             </a:fld>
             <a:endParaRPr lang="en-US" dirty="0"/>
           </a:p>
@@ -8905,7 +8905,7 @@
             <a:fld id="{B61BEF0D-F0BB-DE4B-95CE-6DB70DBA9567}" type="datetimeFigureOut">
               <a:rPr lang="en-US" dirty="0"/>
               <a:pPr/>
-              <a:t>3/13/2020</a:t>
+              <a:t>3/14/2020</a:t>
             </a:fld>
             <a:endParaRPr lang="en-US" dirty="0"/>
           </a:p>
@@ -9076,7 +9076,7 @@
             <a:fld id="{B61BEF0D-F0BB-DE4B-95CE-6DB70DBA9567}" type="datetimeFigureOut">
               <a:rPr lang="en-US" dirty="0"/>
               <a:pPr/>
-              <a:t>3/13/2020</a:t>
+              <a:t>3/14/2020</a:t>
             </a:fld>
             <a:endParaRPr lang="en-US" dirty="0"/>
           </a:p>
@@ -9253,7 +9253,7 @@
             <a:fld id="{B61BEF0D-F0BB-DE4B-95CE-6DB70DBA9567}" type="datetimeFigureOut">
               <a:rPr lang="en-US" dirty="0"/>
               <a:pPr/>
-              <a:t>3/13/2020</a:t>
+              <a:t>3/14/2020</a:t>
             </a:fld>
             <a:endParaRPr lang="en-US" dirty="0"/>
           </a:p>
@@ -9420,7 +9420,7 @@
             <a:fld id="{B61BEF0D-F0BB-DE4B-95CE-6DB70DBA9567}" type="datetimeFigureOut">
               <a:rPr lang="en-US" dirty="0"/>
               <a:pPr/>
-              <a:t>3/13/2020</a:t>
+              <a:t>3/14/2020</a:t>
             </a:fld>
             <a:endParaRPr lang="en-US" dirty="0"/>
           </a:p>
@@ -9667,7 +9667,7 @@
             <a:fld id="{B61BEF0D-F0BB-DE4B-95CE-6DB70DBA9567}" type="datetimeFigureOut">
               <a:rPr lang="en-US" dirty="0"/>
               <a:pPr/>
-              <a:t>3/13/2020</a:t>
+              <a:t>3/14/2020</a:t>
             </a:fld>
             <a:endParaRPr lang="en-US" dirty="0"/>
           </a:p>
@@ -9900,7 +9900,7 @@
             <a:fld id="{B61BEF0D-F0BB-DE4B-95CE-6DB70DBA9567}" type="datetimeFigureOut">
               <a:rPr lang="en-US" dirty="0"/>
               <a:pPr/>
-              <a:t>3/13/2020</a:t>
+              <a:t>3/14/2020</a:t>
             </a:fld>
             <a:endParaRPr lang="en-US" dirty="0"/>
           </a:p>
@@ -10279,7 +10279,7 @@
             <a:fld id="{B61BEF0D-F0BB-DE4B-95CE-6DB70DBA9567}" type="datetimeFigureOut">
               <a:rPr lang="en-US" dirty="0"/>
               <a:pPr/>
-              <a:t>3/13/2020</a:t>
+              <a:t>3/14/2020</a:t>
             </a:fld>
             <a:endParaRPr lang="en-US" dirty="0"/>
           </a:p>
@@ -10394,7 +10394,7 @@
             <a:fld id="{B61BEF0D-F0BB-DE4B-95CE-6DB70DBA9567}" type="datetimeFigureOut">
               <a:rPr lang="en-US" dirty="0"/>
               <a:pPr/>
-              <a:t>3/13/2020</a:t>
+              <a:t>3/14/2020</a:t>
             </a:fld>
             <a:endParaRPr lang="en-US" dirty="0"/>
           </a:p>
@@ -10486,7 +10486,7 @@
             <a:fld id="{B61BEF0D-F0BB-DE4B-95CE-6DB70DBA9567}" type="datetimeFigureOut">
               <a:rPr lang="en-US" dirty="0"/>
               <a:pPr/>
-              <a:t>3/13/2020</a:t>
+              <a:t>3/14/2020</a:t>
             </a:fld>
             <a:endParaRPr lang="en-US" dirty="0"/>
           </a:p>
@@ -10738,7 +10738,7 @@
             <a:fld id="{B61BEF0D-F0BB-DE4B-95CE-6DB70DBA9567}" type="datetimeFigureOut">
               <a:rPr lang="en-US" dirty="0"/>
               <a:pPr/>
-              <a:t>3/13/2020</a:t>
+              <a:t>3/14/2020</a:t>
             </a:fld>
             <a:endParaRPr lang="en-US" dirty="0"/>
           </a:p>
@@ -11018,7 +11018,7 @@
             <a:fld id="{B61BEF0D-F0BB-DE4B-95CE-6DB70DBA9567}" type="datetimeFigureOut">
               <a:rPr lang="en-US" dirty="0"/>
               <a:pPr/>
-              <a:t>3/13/2020</a:t>
+              <a:t>3/14/2020</a:t>
             </a:fld>
             <a:endParaRPr lang="en-US" dirty="0"/>
           </a:p>
@@ -11421,7 +11421,7 @@
             <a:fld id="{B61BEF0D-F0BB-DE4B-95CE-6DB70DBA9567}" type="datetimeFigureOut">
               <a:rPr lang="en-US" dirty="0"/>
               <a:pPr/>
-              <a:t>3/13/2020</a:t>
+              <a:t>3/14/2020</a:t>
             </a:fld>
             <a:endParaRPr lang="en-US" dirty="0"/>
           </a:p>
@@ -13303,6 +13303,114 @@
           </a:p>
         </p:txBody>
       </p:sp>
+      <p:sp>
+        <p:nvSpPr>
+          <p:cNvPr id="4" name="Rectangle 3">
+            <a:extLst>
+              <a:ext uri="{FF2B5EF4-FFF2-40B4-BE49-F238E27FC236}">
+                <a16:creationId xmlns:a16="http://schemas.microsoft.com/office/drawing/2014/main" id="{A810C1CD-F941-464D-B834-8C57EAE14EBD}"/>
+              </a:ext>
+            </a:extLst>
+          </p:cNvPr>
+          <p:cNvSpPr/>
+          <p:nvPr/>
+        </p:nvSpPr>
+        <p:spPr>
+          <a:xfrm>
+            <a:off x="7551895" y="2870855"/>
+            <a:ext cx="620807" cy="3232956"/>
+          </a:xfrm>
+          <a:prstGeom prst="rect">
+            <a:avLst/>
+          </a:prstGeom>
+          <a:solidFill>
+            <a:srgbClr val="00B050"/>
+          </a:solidFill>
+          <a:ln>
+            <a:solidFill>
+              <a:srgbClr val="00B050"/>
+            </a:solidFill>
+          </a:ln>
+        </p:spPr>
+        <p:style>
+          <a:lnRef idx="2">
+            <a:schemeClr val="accent1">
+              <a:shade val="50000"/>
+            </a:schemeClr>
+          </a:lnRef>
+          <a:fillRef idx="1">
+            <a:schemeClr val="accent1"/>
+          </a:fillRef>
+          <a:effectRef idx="0">
+            <a:schemeClr val="accent1"/>
+          </a:effectRef>
+          <a:fontRef idx="minor">
+            <a:schemeClr val="lt1"/>
+          </a:fontRef>
+        </p:style>
+        <p:txBody>
+          <a:bodyPr rtlCol="0" anchor="ctr"/>
+          <a:lstStyle/>
+          <a:p>
+            <a:pPr algn="ctr"/>
+            <a:endParaRPr lang="en-GB" dirty="0"/>
+          </a:p>
+        </p:txBody>
+      </p:sp>
+      <p:sp>
+        <p:nvSpPr>
+          <p:cNvPr id="5" name="Rectangle 4">
+            <a:extLst>
+              <a:ext uri="{FF2B5EF4-FFF2-40B4-BE49-F238E27FC236}">
+                <a16:creationId xmlns:a16="http://schemas.microsoft.com/office/drawing/2014/main" id="{017A18ED-A5B0-4D0F-8A49-69AF7BB05528}"/>
+              </a:ext>
+            </a:extLst>
+          </p:cNvPr>
+          <p:cNvSpPr/>
+          <p:nvPr/>
+        </p:nvSpPr>
+        <p:spPr>
+          <a:xfrm>
+            <a:off x="4489142" y="2870854"/>
+            <a:ext cx="620806" cy="3232956"/>
+          </a:xfrm>
+          <a:prstGeom prst="rect">
+            <a:avLst/>
+          </a:prstGeom>
+          <a:solidFill>
+            <a:srgbClr val="FFFF00"/>
+          </a:solidFill>
+          <a:ln>
+            <a:solidFill>
+              <a:srgbClr val="FFFF00"/>
+            </a:solidFill>
+          </a:ln>
+        </p:spPr>
+        <p:style>
+          <a:lnRef idx="2">
+            <a:schemeClr val="accent1">
+              <a:shade val="50000"/>
+            </a:schemeClr>
+          </a:lnRef>
+          <a:fillRef idx="1">
+            <a:schemeClr val="accent1"/>
+          </a:fillRef>
+          <a:effectRef idx="0">
+            <a:schemeClr val="accent1"/>
+          </a:effectRef>
+          <a:fontRef idx="minor">
+            <a:schemeClr val="lt1"/>
+          </a:fontRef>
+        </p:style>
+        <p:txBody>
+          <a:bodyPr rtlCol="0" anchor="ctr"/>
+          <a:lstStyle/>
+          <a:p>
+            <a:pPr algn="ctr"/>
+            <a:endParaRPr lang="en-GB" dirty="0"/>
+          </a:p>
+        </p:txBody>
+      </p:sp>
     </p:spTree>
     <p:extLst>
       <p:ext uri="{BB962C8B-B14F-4D97-AF65-F5344CB8AC3E}">
@@ -18782,114 +18890,6 @@
       </p:grpSpPr>
       <p:sp>
         <p:nvSpPr>
-          <p:cNvPr id="6" name="Rectangle 5">
-            <a:extLst>
-              <a:ext uri="{FF2B5EF4-FFF2-40B4-BE49-F238E27FC236}">
-                <a16:creationId xmlns:a16="http://schemas.microsoft.com/office/drawing/2014/main" id="{183AA359-6AC9-4C7D-A2F7-3C815F26ED45}"/>
-              </a:ext>
-            </a:extLst>
-          </p:cNvPr>
-          <p:cNvSpPr/>
-          <p:nvPr/>
-        </p:nvSpPr>
-        <p:spPr>
-          <a:xfrm>
-            <a:off x="5527786" y="1683190"/>
-            <a:ext cx="620807" cy="3232956"/>
-          </a:xfrm>
-          <a:prstGeom prst="rect">
-            <a:avLst/>
-          </a:prstGeom>
-          <a:solidFill>
-            <a:srgbClr val="00B050"/>
-          </a:solidFill>
-          <a:ln>
-            <a:solidFill>
-              <a:srgbClr val="00B050"/>
-            </a:solidFill>
-          </a:ln>
-        </p:spPr>
-        <p:style>
-          <a:lnRef idx="2">
-            <a:schemeClr val="accent1">
-              <a:shade val="50000"/>
-            </a:schemeClr>
-          </a:lnRef>
-          <a:fillRef idx="1">
-            <a:schemeClr val="accent1"/>
-          </a:fillRef>
-          <a:effectRef idx="0">
-            <a:schemeClr val="accent1"/>
-          </a:effectRef>
-          <a:fontRef idx="minor">
-            <a:schemeClr val="lt1"/>
-          </a:fontRef>
-        </p:style>
-        <p:txBody>
-          <a:bodyPr rtlCol="0" anchor="ctr"/>
-          <a:lstStyle/>
-          <a:p>
-            <a:pPr algn="ctr"/>
-            <a:endParaRPr lang="en-GB" dirty="0"/>
-          </a:p>
-        </p:txBody>
-      </p:sp>
-      <p:sp>
-        <p:nvSpPr>
-          <p:cNvPr id="4" name="Rectangle 3">
-            <a:extLst>
-              <a:ext uri="{FF2B5EF4-FFF2-40B4-BE49-F238E27FC236}">
-                <a16:creationId xmlns:a16="http://schemas.microsoft.com/office/drawing/2014/main" id="{5FE974CB-A904-49AA-B075-49D66F427928}"/>
-              </a:ext>
-            </a:extLst>
-          </p:cNvPr>
-          <p:cNvSpPr/>
-          <p:nvPr/>
-        </p:nvSpPr>
-        <p:spPr>
-          <a:xfrm>
-            <a:off x="2465033" y="1683189"/>
-            <a:ext cx="620806" cy="3232956"/>
-          </a:xfrm>
-          <a:prstGeom prst="rect">
-            <a:avLst/>
-          </a:prstGeom>
-          <a:solidFill>
-            <a:srgbClr val="FFFF00"/>
-          </a:solidFill>
-          <a:ln>
-            <a:solidFill>
-              <a:srgbClr val="FFFF00"/>
-            </a:solidFill>
-          </a:ln>
-        </p:spPr>
-        <p:style>
-          <a:lnRef idx="2">
-            <a:schemeClr val="accent1">
-              <a:shade val="50000"/>
-            </a:schemeClr>
-          </a:lnRef>
-          <a:fillRef idx="1">
-            <a:schemeClr val="accent1"/>
-          </a:fillRef>
-          <a:effectRef idx="0">
-            <a:schemeClr val="accent1"/>
-          </a:effectRef>
-          <a:fontRef idx="minor">
-            <a:schemeClr val="lt1"/>
-          </a:fontRef>
-        </p:style>
-        <p:txBody>
-          <a:bodyPr rtlCol="0" anchor="ctr"/>
-          <a:lstStyle/>
-          <a:p>
-            <a:pPr algn="ctr"/>
-            <a:endParaRPr lang="en-GB"/>
-          </a:p>
-        </p:txBody>
-      </p:sp>
-      <p:sp>
-        <p:nvSpPr>
           <p:cNvPr id="2" name="Titre 1">
             <a:extLst>
               <a:ext uri="{FF2B5EF4-FFF2-40B4-BE49-F238E27FC236}">

--- a/SAI_presentation.pptx
+++ b/SAI_presentation.pptx
@@ -19313,6 +19313,42 @@
           </a:prstGeom>
         </p:spPr>
       </p:pic>
+      <p:pic>
+        <p:nvPicPr>
+          <p:cNvPr id="6" name="Graphique 5" descr="Point d’interrogation">
+            <a:extLst>
+              <a:ext uri="{FF2B5EF4-FFF2-40B4-BE49-F238E27FC236}">
+                <a16:creationId xmlns:a16="http://schemas.microsoft.com/office/drawing/2014/main" id="{A3D3B2FE-2C60-47C8-AADB-CFB77679DFA3}"/>
+              </a:ext>
+            </a:extLst>
+          </p:cNvPr>
+          <p:cNvPicPr>
+            <a:picLocks noChangeAspect="1"/>
+          </p:cNvPicPr>
+          <p:nvPr/>
+        </p:nvPicPr>
+        <p:blipFill>
+          <a:blip r:embed="rId9">
+            <a:extLst>
+              <a:ext uri="{96DAC541-7B7A-43D3-8B79-37D633B846F1}">
+                <asvg:svgBlip xmlns:asvg="http://schemas.microsoft.com/office/drawing/2016/SVG/main" r:embed="rId10"/>
+              </a:ext>
+            </a:extLst>
+          </a:blip>
+          <a:stretch>
+            <a:fillRect/>
+          </a:stretch>
+        </p:blipFill>
+        <p:spPr>
+          <a:xfrm>
+            <a:off x="2425747" y="2642799"/>
+            <a:ext cx="914400" cy="914400"/>
+          </a:xfrm>
+          <a:prstGeom prst="rect">
+            <a:avLst/>
+          </a:prstGeom>
+        </p:spPr>
+      </p:pic>
     </p:spTree>
     <p:extLst>
       <p:ext uri="{BB962C8B-B14F-4D97-AF65-F5344CB8AC3E}">

--- a/SAI_presentation.pptx
+++ b/SAI_presentation.pptx
@@ -19341,7 +19341,7 @@
         </p:blipFill>
         <p:spPr>
           <a:xfrm>
-            <a:off x="2425747" y="2642799"/>
+            <a:off x="2407822" y="2874887"/>
             <a:ext cx="914400" cy="914400"/>
           </a:xfrm>
           <a:prstGeom prst="rect">
@@ -19349,6 +19349,98 @@
           </a:prstGeom>
         </p:spPr>
       </p:pic>
+      <p:sp>
+        <p:nvSpPr>
+          <p:cNvPr id="4" name="Flèche : droite 3">
+            <a:extLst>
+              <a:ext uri="{FF2B5EF4-FFF2-40B4-BE49-F238E27FC236}">
+                <a16:creationId xmlns:a16="http://schemas.microsoft.com/office/drawing/2014/main" id="{60E24E58-C620-46F4-9417-00126E57DE76}"/>
+              </a:ext>
+            </a:extLst>
+          </p:cNvPr>
+          <p:cNvSpPr/>
+          <p:nvPr/>
+        </p:nvSpPr>
+        <p:spPr>
+          <a:xfrm rot="9501193">
+            <a:off x="3395033" y="2707187"/>
+            <a:ext cx="978408" cy="484632"/>
+          </a:xfrm>
+          <a:prstGeom prst="rightArrow">
+            <a:avLst/>
+          </a:prstGeom>
+        </p:spPr>
+        <p:style>
+          <a:lnRef idx="2">
+            <a:schemeClr val="accent1">
+              <a:shade val="50000"/>
+            </a:schemeClr>
+          </a:lnRef>
+          <a:fillRef idx="1">
+            <a:schemeClr val="accent1"/>
+          </a:fillRef>
+          <a:effectRef idx="0">
+            <a:schemeClr val="accent1"/>
+          </a:effectRef>
+          <a:fontRef idx="minor">
+            <a:schemeClr val="lt1"/>
+          </a:fontRef>
+        </p:style>
+        <p:txBody>
+          <a:bodyPr rtlCol="0" anchor="ctr"/>
+          <a:lstStyle/>
+          <a:p>
+            <a:pPr algn="ctr"/>
+            <a:endParaRPr lang="en-GB"/>
+          </a:p>
+        </p:txBody>
+      </p:sp>
+      <p:sp>
+        <p:nvSpPr>
+          <p:cNvPr id="11" name="Flèche : droite 10">
+            <a:extLst>
+              <a:ext uri="{FF2B5EF4-FFF2-40B4-BE49-F238E27FC236}">
+                <a16:creationId xmlns:a16="http://schemas.microsoft.com/office/drawing/2014/main" id="{2EEE9E33-C5E1-485E-A8DC-AF5E95E6AC41}"/>
+              </a:ext>
+            </a:extLst>
+          </p:cNvPr>
+          <p:cNvSpPr/>
+          <p:nvPr/>
+        </p:nvSpPr>
+        <p:spPr>
+          <a:xfrm rot="12465652">
+            <a:off x="3393360" y="3611430"/>
+            <a:ext cx="978408" cy="484632"/>
+          </a:xfrm>
+          <a:prstGeom prst="rightArrow">
+            <a:avLst/>
+          </a:prstGeom>
+        </p:spPr>
+        <p:style>
+          <a:lnRef idx="2">
+            <a:schemeClr val="accent1">
+              <a:shade val="50000"/>
+            </a:schemeClr>
+          </a:lnRef>
+          <a:fillRef idx="1">
+            <a:schemeClr val="accent1"/>
+          </a:fillRef>
+          <a:effectRef idx="0">
+            <a:schemeClr val="accent1"/>
+          </a:effectRef>
+          <a:fontRef idx="minor">
+            <a:schemeClr val="lt1"/>
+          </a:fontRef>
+        </p:style>
+        <p:txBody>
+          <a:bodyPr rtlCol="0" anchor="ctr"/>
+          <a:lstStyle/>
+          <a:p>
+            <a:pPr algn="ctr"/>
+            <a:endParaRPr lang="en-GB"/>
+          </a:p>
+        </p:txBody>
+      </p:sp>
     </p:spTree>
     <p:extLst>
       <p:ext uri="{BB962C8B-B14F-4D97-AF65-F5344CB8AC3E}">

--- a/SAI_presentation.pptx
+++ b/SAI_presentation.pptx
@@ -6942,7 +6942,7 @@
             <a:fld id="{B61BEF0D-F0BB-DE4B-95CE-6DB70DBA9567}" type="datetimeFigureOut">
               <a:rPr lang="en-US" dirty="0"/>
               <a:pPr/>
-              <a:t>3/14/2020</a:t>
+              <a:t>3/15/2020</a:t>
             </a:fld>
             <a:endParaRPr lang="en-US" dirty="0"/>
           </a:p>
@@ -7375,7 +7375,7 @@
             <a:fld id="{B61BEF0D-F0BB-DE4B-95CE-6DB70DBA9567}" type="datetimeFigureOut">
               <a:rPr lang="en-US" dirty="0"/>
               <a:pPr/>
-              <a:t>3/14/2020</a:t>
+              <a:t>3/15/2020</a:t>
             </a:fld>
             <a:endParaRPr lang="en-US" dirty="0"/>
           </a:p>
@@ -7622,7 +7622,7 @@
             <a:fld id="{B61BEF0D-F0BB-DE4B-95CE-6DB70DBA9567}" type="datetimeFigureOut">
               <a:rPr lang="en-US" dirty="0"/>
               <a:pPr/>
-              <a:t>3/14/2020</a:t>
+              <a:t>3/15/2020</a:t>
             </a:fld>
             <a:endParaRPr lang="en-US" dirty="0"/>
           </a:p>
@@ -7927,7 +7927,7 @@
             <a:fld id="{B61BEF0D-F0BB-DE4B-95CE-6DB70DBA9567}" type="datetimeFigureOut">
               <a:rPr lang="en-US" dirty="0"/>
               <a:pPr/>
-              <a:t>3/14/2020</a:t>
+              <a:t>3/15/2020</a:t>
             </a:fld>
             <a:endParaRPr lang="en-US" dirty="0"/>
           </a:p>
@@ -8242,7 +8242,7 @@
             <a:fld id="{B61BEF0D-F0BB-DE4B-95CE-6DB70DBA9567}" type="datetimeFigureOut">
               <a:rPr lang="en-US" dirty="0"/>
               <a:pPr/>
-              <a:t>3/14/2020</a:t>
+              <a:t>3/15/2020</a:t>
             </a:fld>
             <a:endParaRPr lang="en-US" dirty="0"/>
           </a:p>
@@ -8541,7 +8541,7 @@
             <a:fld id="{B61BEF0D-F0BB-DE4B-95CE-6DB70DBA9567}" type="datetimeFigureOut">
               <a:rPr lang="en-US" dirty="0"/>
               <a:pPr/>
-              <a:t>3/14/2020</a:t>
+              <a:t>3/15/2020</a:t>
             </a:fld>
             <a:endParaRPr lang="en-US" dirty="0"/>
           </a:p>
@@ -8905,7 +8905,7 @@
             <a:fld id="{B61BEF0D-F0BB-DE4B-95CE-6DB70DBA9567}" type="datetimeFigureOut">
               <a:rPr lang="en-US" dirty="0"/>
               <a:pPr/>
-              <a:t>3/14/2020</a:t>
+              <a:t>3/15/2020</a:t>
             </a:fld>
             <a:endParaRPr lang="en-US" dirty="0"/>
           </a:p>
@@ -9076,7 +9076,7 @@
             <a:fld id="{B61BEF0D-F0BB-DE4B-95CE-6DB70DBA9567}" type="datetimeFigureOut">
               <a:rPr lang="en-US" dirty="0"/>
               <a:pPr/>
-              <a:t>3/14/2020</a:t>
+              <a:t>3/15/2020</a:t>
             </a:fld>
             <a:endParaRPr lang="en-US" dirty="0"/>
           </a:p>
@@ -9253,7 +9253,7 @@
             <a:fld id="{B61BEF0D-F0BB-DE4B-95CE-6DB70DBA9567}" type="datetimeFigureOut">
               <a:rPr lang="en-US" dirty="0"/>
               <a:pPr/>
-              <a:t>3/14/2020</a:t>
+              <a:t>3/15/2020</a:t>
             </a:fld>
             <a:endParaRPr lang="en-US" dirty="0"/>
           </a:p>
@@ -9420,7 +9420,7 @@
             <a:fld id="{B61BEF0D-F0BB-DE4B-95CE-6DB70DBA9567}" type="datetimeFigureOut">
               <a:rPr lang="en-US" dirty="0"/>
               <a:pPr/>
-              <a:t>3/14/2020</a:t>
+              <a:t>3/15/2020</a:t>
             </a:fld>
             <a:endParaRPr lang="en-US" dirty="0"/>
           </a:p>
@@ -9667,7 +9667,7 @@
             <a:fld id="{B61BEF0D-F0BB-DE4B-95CE-6DB70DBA9567}" type="datetimeFigureOut">
               <a:rPr lang="en-US" dirty="0"/>
               <a:pPr/>
-              <a:t>3/14/2020</a:t>
+              <a:t>3/15/2020</a:t>
             </a:fld>
             <a:endParaRPr lang="en-US" dirty="0"/>
           </a:p>
@@ -9900,7 +9900,7 @@
             <a:fld id="{B61BEF0D-F0BB-DE4B-95CE-6DB70DBA9567}" type="datetimeFigureOut">
               <a:rPr lang="en-US" dirty="0"/>
               <a:pPr/>
-              <a:t>3/14/2020</a:t>
+              <a:t>3/15/2020</a:t>
             </a:fld>
             <a:endParaRPr lang="en-US" dirty="0"/>
           </a:p>
@@ -10279,7 +10279,7 @@
             <a:fld id="{B61BEF0D-F0BB-DE4B-95CE-6DB70DBA9567}" type="datetimeFigureOut">
               <a:rPr lang="en-US" dirty="0"/>
               <a:pPr/>
-              <a:t>3/14/2020</a:t>
+              <a:t>3/15/2020</a:t>
             </a:fld>
             <a:endParaRPr lang="en-US" dirty="0"/>
           </a:p>
@@ -10394,7 +10394,7 @@
             <a:fld id="{B61BEF0D-F0BB-DE4B-95CE-6DB70DBA9567}" type="datetimeFigureOut">
               <a:rPr lang="en-US" dirty="0"/>
               <a:pPr/>
-              <a:t>3/14/2020</a:t>
+              <a:t>3/15/2020</a:t>
             </a:fld>
             <a:endParaRPr lang="en-US" dirty="0"/>
           </a:p>
@@ -10486,7 +10486,7 @@
             <a:fld id="{B61BEF0D-F0BB-DE4B-95CE-6DB70DBA9567}" type="datetimeFigureOut">
               <a:rPr lang="en-US" dirty="0"/>
               <a:pPr/>
-              <a:t>3/14/2020</a:t>
+              <a:t>3/15/2020</a:t>
             </a:fld>
             <a:endParaRPr lang="en-US" dirty="0"/>
           </a:p>
@@ -10738,7 +10738,7 @@
             <a:fld id="{B61BEF0D-F0BB-DE4B-95CE-6DB70DBA9567}" type="datetimeFigureOut">
               <a:rPr lang="en-US" dirty="0"/>
               <a:pPr/>
-              <a:t>3/14/2020</a:t>
+              <a:t>3/15/2020</a:t>
             </a:fld>
             <a:endParaRPr lang="en-US" dirty="0"/>
           </a:p>
@@ -11018,7 +11018,7 @@
             <a:fld id="{B61BEF0D-F0BB-DE4B-95CE-6DB70DBA9567}" type="datetimeFigureOut">
               <a:rPr lang="en-US" dirty="0"/>
               <a:pPr/>
-              <a:t>3/14/2020</a:t>
+              <a:t>3/15/2020</a:t>
             </a:fld>
             <a:endParaRPr lang="en-US" dirty="0"/>
           </a:p>
@@ -11421,7 +11421,7 @@
             <a:fld id="{B61BEF0D-F0BB-DE4B-95CE-6DB70DBA9567}" type="datetimeFigureOut">
               <a:rPr lang="en-US" dirty="0"/>
               <a:pPr/>
-              <a:t>3/14/2020</a:t>
+              <a:t>3/15/2020</a:t>
             </a:fld>
             <a:endParaRPr lang="en-US" dirty="0"/>
           </a:p>
@@ -19129,7 +19129,7 @@
         </p:blipFill>
         <p:spPr bwMode="auto">
           <a:xfrm>
-            <a:off x="676867" y="1689264"/>
+            <a:off x="5541838" y="1580125"/>
             <a:ext cx="854553" cy="854553"/>
           </a:xfrm>
           <a:prstGeom prst="rect">
@@ -19176,7 +19176,7 @@
         </p:blipFill>
         <p:spPr bwMode="auto">
           <a:xfrm>
-            <a:off x="576926" y="4013969"/>
+            <a:off x="5441897" y="3904830"/>
             <a:ext cx="1181100" cy="473363"/>
           </a:xfrm>
           <a:prstGeom prst="rect">
@@ -19223,7 +19223,7 @@
         </p:blipFill>
         <p:spPr bwMode="auto">
           <a:xfrm>
-            <a:off x="633302" y="2642799"/>
+            <a:off x="5498273" y="2533660"/>
             <a:ext cx="898118" cy="1040354"/>
           </a:xfrm>
           <a:prstGeom prst="rect">
@@ -19269,7 +19269,7 @@
         </p:blipFill>
         <p:spPr>
           <a:xfrm>
-            <a:off x="4506100" y="2123664"/>
+            <a:off x="836364" y="1810757"/>
             <a:ext cx="914400" cy="914400"/>
           </a:xfrm>
           <a:prstGeom prst="rect">
@@ -19305,7 +19305,7 @@
         </p:blipFill>
         <p:spPr>
           <a:xfrm>
-            <a:off x="4506100" y="3299667"/>
+            <a:off x="857233" y="3116814"/>
             <a:ext cx="914400" cy="914400"/>
           </a:xfrm>
           <a:prstGeom prst="rect">
@@ -19341,7 +19341,7 @@
         </p:blipFill>
         <p:spPr>
           <a:xfrm>
-            <a:off x="2407822" y="2874887"/>
+            <a:off x="3177753" y="2533660"/>
             <a:ext cx="914400" cy="914400"/>
           </a:xfrm>
           <a:prstGeom prst="rect">
@@ -19362,8 +19362,8 @@
           <p:nvPr/>
         </p:nvSpPr>
         <p:spPr>
-          <a:xfrm rot="9501193">
-            <a:off x="3395033" y="2707187"/>
+          <a:xfrm rot="1192363">
+            <a:off x="2166072" y="2419824"/>
             <a:ext cx="978408" cy="484632"/>
           </a:xfrm>
           <a:prstGeom prst="rightArrow">
@@ -19408,8 +19408,8 @@
           <p:nvPr/>
         </p:nvSpPr>
         <p:spPr>
-          <a:xfrm rot="12465652">
-            <a:off x="3393360" y="3611430"/>
+          <a:xfrm rot="20407754">
+            <a:off x="2146108" y="3205690"/>
             <a:ext cx="978408" cy="484632"/>
           </a:xfrm>
           <a:prstGeom prst="rightArrow">

--- a/SAI_presentation.pptx
+++ b/SAI_presentation.pptx
@@ -19129,7 +19129,7 @@
         </p:blipFill>
         <p:spPr bwMode="auto">
           <a:xfrm>
-            <a:off x="5541838" y="1580125"/>
+            <a:off x="5215593" y="1689264"/>
             <a:ext cx="854553" cy="854553"/>
           </a:xfrm>
           <a:prstGeom prst="rect">
@@ -19176,7 +19176,7 @@
         </p:blipFill>
         <p:spPr bwMode="auto">
           <a:xfrm>
-            <a:off x="5441897" y="3904830"/>
+            <a:off x="5115652" y="4013969"/>
             <a:ext cx="1181100" cy="473363"/>
           </a:xfrm>
           <a:prstGeom prst="rect">
@@ -19223,7 +19223,7 @@
         </p:blipFill>
         <p:spPr bwMode="auto">
           <a:xfrm>
-            <a:off x="5498273" y="2533660"/>
+            <a:off x="5172028" y="2642799"/>
             <a:ext cx="898118" cy="1040354"/>
           </a:xfrm>
           <a:prstGeom prst="rect">
@@ -19341,7 +19341,7 @@
         </p:blipFill>
         <p:spPr>
           <a:xfrm>
-            <a:off x="3177753" y="2533660"/>
+            <a:off x="3026620" y="2598041"/>
             <a:ext cx="914400" cy="914400"/>
           </a:xfrm>
           <a:prstGeom prst="rect">
@@ -19410,6 +19410,144 @@
         <p:spPr>
           <a:xfrm rot="20407754">
             <a:off x="2146108" y="3205690"/>
+            <a:ext cx="978408" cy="484632"/>
+          </a:xfrm>
+          <a:prstGeom prst="rightArrow">
+            <a:avLst/>
+          </a:prstGeom>
+        </p:spPr>
+        <p:style>
+          <a:lnRef idx="2">
+            <a:schemeClr val="accent1">
+              <a:shade val="50000"/>
+            </a:schemeClr>
+          </a:lnRef>
+          <a:fillRef idx="1">
+            <a:schemeClr val="accent1"/>
+          </a:fillRef>
+          <a:effectRef idx="0">
+            <a:schemeClr val="accent1"/>
+          </a:effectRef>
+          <a:fontRef idx="minor">
+            <a:schemeClr val="lt1"/>
+          </a:fontRef>
+        </p:style>
+        <p:txBody>
+          <a:bodyPr rtlCol="0" anchor="ctr"/>
+          <a:lstStyle/>
+          <a:p>
+            <a:pPr algn="ctr"/>
+            <a:endParaRPr lang="en-GB"/>
+          </a:p>
+        </p:txBody>
+      </p:sp>
+      <p:sp>
+        <p:nvSpPr>
+          <p:cNvPr id="12" name="Flèche : droite 11">
+            <a:extLst>
+              <a:ext uri="{FF2B5EF4-FFF2-40B4-BE49-F238E27FC236}">
+                <a16:creationId xmlns:a16="http://schemas.microsoft.com/office/drawing/2014/main" id="{B1161E6E-B388-4907-BA7E-7A35F22C52B3}"/>
+              </a:ext>
+            </a:extLst>
+          </p:cNvPr>
+          <p:cNvSpPr/>
+          <p:nvPr/>
+        </p:nvSpPr>
+        <p:spPr>
+          <a:xfrm rot="1192363">
+            <a:off x="3919765" y="3528256"/>
+            <a:ext cx="978408" cy="484632"/>
+          </a:xfrm>
+          <a:prstGeom prst="rightArrow">
+            <a:avLst/>
+          </a:prstGeom>
+        </p:spPr>
+        <p:style>
+          <a:lnRef idx="2">
+            <a:schemeClr val="accent1">
+              <a:shade val="50000"/>
+            </a:schemeClr>
+          </a:lnRef>
+          <a:fillRef idx="1">
+            <a:schemeClr val="accent1"/>
+          </a:fillRef>
+          <a:effectRef idx="0">
+            <a:schemeClr val="accent1"/>
+          </a:effectRef>
+          <a:fontRef idx="minor">
+            <a:schemeClr val="lt1"/>
+          </a:fontRef>
+        </p:style>
+        <p:txBody>
+          <a:bodyPr rtlCol="0" anchor="ctr"/>
+          <a:lstStyle/>
+          <a:p>
+            <a:pPr algn="ctr"/>
+            <a:endParaRPr lang="en-GB"/>
+          </a:p>
+        </p:txBody>
+      </p:sp>
+      <p:sp>
+        <p:nvSpPr>
+          <p:cNvPr id="13" name="Flèche : droite 12">
+            <a:extLst>
+              <a:ext uri="{FF2B5EF4-FFF2-40B4-BE49-F238E27FC236}">
+                <a16:creationId xmlns:a16="http://schemas.microsoft.com/office/drawing/2014/main" id="{47C70D6E-52A3-4A95-8C00-68EFB4FE86BC}"/>
+              </a:ext>
+            </a:extLst>
+          </p:cNvPr>
+          <p:cNvSpPr/>
+          <p:nvPr/>
+        </p:nvSpPr>
+        <p:spPr>
+          <a:xfrm rot="20407754">
+            <a:off x="3994257" y="2201469"/>
+            <a:ext cx="978408" cy="484632"/>
+          </a:xfrm>
+          <a:prstGeom prst="rightArrow">
+            <a:avLst/>
+          </a:prstGeom>
+        </p:spPr>
+        <p:style>
+          <a:lnRef idx="2">
+            <a:schemeClr val="accent1">
+              <a:shade val="50000"/>
+            </a:schemeClr>
+          </a:lnRef>
+          <a:fillRef idx="1">
+            <a:schemeClr val="accent1"/>
+          </a:fillRef>
+          <a:effectRef idx="0">
+            <a:schemeClr val="accent1"/>
+          </a:effectRef>
+          <a:fontRef idx="minor">
+            <a:schemeClr val="lt1"/>
+          </a:fontRef>
+        </p:style>
+        <p:txBody>
+          <a:bodyPr rtlCol="0" anchor="ctr"/>
+          <a:lstStyle/>
+          <a:p>
+            <a:pPr algn="ctr"/>
+            <a:endParaRPr lang="en-GB"/>
+          </a:p>
+        </p:txBody>
+      </p:sp>
+      <p:sp>
+        <p:nvSpPr>
+          <p:cNvPr id="14" name="Flèche : droite 13">
+            <a:extLst>
+              <a:ext uri="{FF2B5EF4-FFF2-40B4-BE49-F238E27FC236}">
+                <a16:creationId xmlns:a16="http://schemas.microsoft.com/office/drawing/2014/main" id="{64166315-10C4-4FE2-A07A-1ACA040B73BE}"/>
+              </a:ext>
+            </a:extLst>
+          </p:cNvPr>
+          <p:cNvSpPr/>
+          <p:nvPr/>
+        </p:nvSpPr>
+        <p:spPr>
+          <a:xfrm>
+            <a:off x="4069824" y="2861342"/>
             <a:ext cx="978408" cy="484632"/>
           </a:xfrm>
           <a:prstGeom prst="rightArrow">

--- a/SAI_presentation.pptx
+++ b/SAI_presentation.pptx
@@ -19007,7 +19007,19 @@
             </a:r>
             <a:r>
               <a:rPr lang="fr-FR" dirty="0"/>
-              <a:t> an adapter </a:t>
+              <a:t> an </a:t>
+            </a:r>
+            <a:r>
+              <a:rPr lang="fr-FR" b="1" dirty="0">
+                <a:solidFill>
+                  <a:srgbClr val="FFC000"/>
+                </a:solidFill>
+              </a:rPr>
+              <a:t>adapter</a:t>
+            </a:r>
+            <a:r>
+              <a:rPr lang="fr-FR" dirty="0"/>
+              <a:t> </a:t>
             </a:r>
             <a:r>
               <a:rPr lang="fr-FR" dirty="0" err="1"/>
@@ -19176,7 +19188,7 @@
         </p:blipFill>
         <p:spPr bwMode="auto">
           <a:xfrm>
-            <a:off x="5115652" y="4013969"/>
+            <a:off x="5049635" y="4042634"/>
             <a:ext cx="1181100" cy="473363"/>
           </a:xfrm>
           <a:prstGeom prst="rect">
@@ -19369,6 +19381,14 @@
           <a:prstGeom prst="rightArrow">
             <a:avLst/>
           </a:prstGeom>
+          <a:solidFill>
+            <a:srgbClr val="00B050"/>
+          </a:solidFill>
+          <a:ln>
+            <a:solidFill>
+              <a:srgbClr val="00B050"/>
+            </a:solidFill>
+          </a:ln>
         </p:spPr>
         <p:style>
           <a:lnRef idx="2">
@@ -19415,6 +19435,14 @@
           <a:prstGeom prst="rightArrow">
             <a:avLst/>
           </a:prstGeom>
+          <a:solidFill>
+            <a:srgbClr val="00B050"/>
+          </a:solidFill>
+          <a:ln>
+            <a:solidFill>
+              <a:srgbClr val="00B050"/>
+            </a:solidFill>
+          </a:ln>
         </p:spPr>
         <p:style>
           <a:lnRef idx="2">
@@ -19461,6 +19489,14 @@
           <a:prstGeom prst="rightArrow">
             <a:avLst/>
           </a:prstGeom>
+          <a:solidFill>
+            <a:srgbClr val="FFFF00"/>
+          </a:solidFill>
+          <a:ln>
+            <a:solidFill>
+              <a:srgbClr val="FFFF00"/>
+            </a:solidFill>
+          </a:ln>
         </p:spPr>
         <p:style>
           <a:lnRef idx="2">
@@ -19507,6 +19543,14 @@
           <a:prstGeom prst="rightArrow">
             <a:avLst/>
           </a:prstGeom>
+          <a:solidFill>
+            <a:srgbClr val="FFFF00"/>
+          </a:solidFill>
+          <a:ln>
+            <a:solidFill>
+              <a:srgbClr val="FFFF00"/>
+            </a:solidFill>
+          </a:ln>
         </p:spPr>
         <p:style>
           <a:lnRef idx="2">
@@ -19553,6 +19597,14 @@
           <a:prstGeom prst="rightArrow">
             <a:avLst/>
           </a:prstGeom>
+          <a:solidFill>
+            <a:srgbClr val="FFFF00"/>
+          </a:solidFill>
+          <a:ln>
+            <a:solidFill>
+              <a:srgbClr val="FFFF00"/>
+            </a:solidFill>
+          </a:ln>
         </p:spPr>
         <p:style>
           <a:lnRef idx="2">

--- a/SAI_presentation.pptx
+++ b/SAI_presentation.pptx
@@ -6942,7 +6942,7 @@
             <a:fld id="{B61BEF0D-F0BB-DE4B-95CE-6DB70DBA9567}" type="datetimeFigureOut">
               <a:rPr lang="en-US" dirty="0"/>
               <a:pPr/>
-              <a:t>3/15/2020</a:t>
+              <a:t>3/16/2020</a:t>
             </a:fld>
             <a:endParaRPr lang="en-US" dirty="0"/>
           </a:p>
@@ -7375,7 +7375,7 @@
             <a:fld id="{B61BEF0D-F0BB-DE4B-95CE-6DB70DBA9567}" type="datetimeFigureOut">
               <a:rPr lang="en-US" dirty="0"/>
               <a:pPr/>
-              <a:t>3/15/2020</a:t>
+              <a:t>3/16/2020</a:t>
             </a:fld>
             <a:endParaRPr lang="en-US" dirty="0"/>
           </a:p>
@@ -7622,7 +7622,7 @@
             <a:fld id="{B61BEF0D-F0BB-DE4B-95CE-6DB70DBA9567}" type="datetimeFigureOut">
               <a:rPr lang="en-US" dirty="0"/>
               <a:pPr/>
-              <a:t>3/15/2020</a:t>
+              <a:t>3/16/2020</a:t>
             </a:fld>
             <a:endParaRPr lang="en-US" dirty="0"/>
           </a:p>
@@ -7927,7 +7927,7 @@
             <a:fld id="{B61BEF0D-F0BB-DE4B-95CE-6DB70DBA9567}" type="datetimeFigureOut">
               <a:rPr lang="en-US" dirty="0"/>
               <a:pPr/>
-              <a:t>3/15/2020</a:t>
+              <a:t>3/16/2020</a:t>
             </a:fld>
             <a:endParaRPr lang="en-US" dirty="0"/>
           </a:p>
@@ -8242,7 +8242,7 @@
             <a:fld id="{B61BEF0D-F0BB-DE4B-95CE-6DB70DBA9567}" type="datetimeFigureOut">
               <a:rPr lang="en-US" dirty="0"/>
               <a:pPr/>
-              <a:t>3/15/2020</a:t>
+              <a:t>3/16/2020</a:t>
             </a:fld>
             <a:endParaRPr lang="en-US" dirty="0"/>
           </a:p>
@@ -8541,7 +8541,7 @@
             <a:fld id="{B61BEF0D-F0BB-DE4B-95CE-6DB70DBA9567}" type="datetimeFigureOut">
               <a:rPr lang="en-US" dirty="0"/>
               <a:pPr/>
-              <a:t>3/15/2020</a:t>
+              <a:t>3/16/2020</a:t>
             </a:fld>
             <a:endParaRPr lang="en-US" dirty="0"/>
           </a:p>
@@ -8905,7 +8905,7 @@
             <a:fld id="{B61BEF0D-F0BB-DE4B-95CE-6DB70DBA9567}" type="datetimeFigureOut">
               <a:rPr lang="en-US" dirty="0"/>
               <a:pPr/>
-              <a:t>3/15/2020</a:t>
+              <a:t>3/16/2020</a:t>
             </a:fld>
             <a:endParaRPr lang="en-US" dirty="0"/>
           </a:p>
@@ -9076,7 +9076,7 @@
             <a:fld id="{B61BEF0D-F0BB-DE4B-95CE-6DB70DBA9567}" type="datetimeFigureOut">
               <a:rPr lang="en-US" dirty="0"/>
               <a:pPr/>
-              <a:t>3/15/2020</a:t>
+              <a:t>3/16/2020</a:t>
             </a:fld>
             <a:endParaRPr lang="en-US" dirty="0"/>
           </a:p>
@@ -9253,7 +9253,7 @@
             <a:fld id="{B61BEF0D-F0BB-DE4B-95CE-6DB70DBA9567}" type="datetimeFigureOut">
               <a:rPr lang="en-US" dirty="0"/>
               <a:pPr/>
-              <a:t>3/15/2020</a:t>
+              <a:t>3/16/2020</a:t>
             </a:fld>
             <a:endParaRPr lang="en-US" dirty="0"/>
           </a:p>
@@ -9420,7 +9420,7 @@
             <a:fld id="{B61BEF0D-F0BB-DE4B-95CE-6DB70DBA9567}" type="datetimeFigureOut">
               <a:rPr lang="en-US" dirty="0"/>
               <a:pPr/>
-              <a:t>3/15/2020</a:t>
+              <a:t>3/16/2020</a:t>
             </a:fld>
             <a:endParaRPr lang="en-US" dirty="0"/>
           </a:p>
@@ -9667,7 +9667,7 @@
             <a:fld id="{B61BEF0D-F0BB-DE4B-95CE-6DB70DBA9567}" type="datetimeFigureOut">
               <a:rPr lang="en-US" dirty="0"/>
               <a:pPr/>
-              <a:t>3/15/2020</a:t>
+              <a:t>3/16/2020</a:t>
             </a:fld>
             <a:endParaRPr lang="en-US" dirty="0"/>
           </a:p>
@@ -9900,7 +9900,7 @@
             <a:fld id="{B61BEF0D-F0BB-DE4B-95CE-6DB70DBA9567}" type="datetimeFigureOut">
               <a:rPr lang="en-US" dirty="0"/>
               <a:pPr/>
-              <a:t>3/15/2020</a:t>
+              <a:t>3/16/2020</a:t>
             </a:fld>
             <a:endParaRPr lang="en-US" dirty="0"/>
           </a:p>
@@ -10279,7 +10279,7 @@
             <a:fld id="{B61BEF0D-F0BB-DE4B-95CE-6DB70DBA9567}" type="datetimeFigureOut">
               <a:rPr lang="en-US" dirty="0"/>
               <a:pPr/>
-              <a:t>3/15/2020</a:t>
+              <a:t>3/16/2020</a:t>
             </a:fld>
             <a:endParaRPr lang="en-US" dirty="0"/>
           </a:p>
@@ -10394,7 +10394,7 @@
             <a:fld id="{B61BEF0D-F0BB-DE4B-95CE-6DB70DBA9567}" type="datetimeFigureOut">
               <a:rPr lang="en-US" dirty="0"/>
               <a:pPr/>
-              <a:t>3/15/2020</a:t>
+              <a:t>3/16/2020</a:t>
             </a:fld>
             <a:endParaRPr lang="en-US" dirty="0"/>
           </a:p>
@@ -10486,7 +10486,7 @@
             <a:fld id="{B61BEF0D-F0BB-DE4B-95CE-6DB70DBA9567}" type="datetimeFigureOut">
               <a:rPr lang="en-US" dirty="0"/>
               <a:pPr/>
-              <a:t>3/15/2020</a:t>
+              <a:t>3/16/2020</a:t>
             </a:fld>
             <a:endParaRPr lang="en-US" dirty="0"/>
           </a:p>
@@ -10738,7 +10738,7 @@
             <a:fld id="{B61BEF0D-F0BB-DE4B-95CE-6DB70DBA9567}" type="datetimeFigureOut">
               <a:rPr lang="en-US" dirty="0"/>
               <a:pPr/>
-              <a:t>3/15/2020</a:t>
+              <a:t>3/16/2020</a:t>
             </a:fld>
             <a:endParaRPr lang="en-US" dirty="0"/>
           </a:p>
@@ -11018,7 +11018,7 @@
             <a:fld id="{B61BEF0D-F0BB-DE4B-95CE-6DB70DBA9567}" type="datetimeFigureOut">
               <a:rPr lang="en-US" dirty="0"/>
               <a:pPr/>
-              <a:t>3/15/2020</a:t>
+              <a:t>3/16/2020</a:t>
             </a:fld>
             <a:endParaRPr lang="en-US" dirty="0"/>
           </a:p>
@@ -11421,7 +11421,7 @@
             <a:fld id="{B61BEF0D-F0BB-DE4B-95CE-6DB70DBA9567}" type="datetimeFigureOut">
               <a:rPr lang="en-US" dirty="0"/>
               <a:pPr/>
-              <a:t>3/15/2020</a:t>
+              <a:t>3/16/2020</a:t>
             </a:fld>
             <a:endParaRPr lang="en-US" dirty="0"/>
           </a:p>
@@ -19794,6 +19794,78 @@
           </a:p>
         </p:txBody>
       </p:sp>
+      <p:pic>
+        <p:nvPicPr>
+          <p:cNvPr id="5" name="Graphique 4" descr="Cerveau">
+            <a:extLst>
+              <a:ext uri="{FF2B5EF4-FFF2-40B4-BE49-F238E27FC236}">
+                <a16:creationId xmlns:a16="http://schemas.microsoft.com/office/drawing/2014/main" id="{454DE4F6-EA57-4830-884A-EAC8768B7135}"/>
+              </a:ext>
+            </a:extLst>
+          </p:cNvPr>
+          <p:cNvPicPr>
+            <a:picLocks noChangeAspect="1"/>
+          </p:cNvPicPr>
+          <p:nvPr/>
+        </p:nvPicPr>
+        <p:blipFill>
+          <a:blip r:embed="rId2">
+            <a:extLst>
+              <a:ext uri="{96DAC541-7B7A-43D3-8B79-37D633B846F1}">
+                <asvg:svgBlip xmlns:asvg="http://schemas.microsoft.com/office/drawing/2016/SVG/main" r:embed="rId3"/>
+              </a:ext>
+            </a:extLst>
+          </a:blip>
+          <a:stretch>
+            <a:fillRect/>
+          </a:stretch>
+        </p:blipFill>
+        <p:spPr>
+          <a:xfrm>
+            <a:off x="1647825" y="3714750"/>
+            <a:ext cx="914400" cy="914400"/>
+          </a:xfrm>
+          <a:prstGeom prst="rect">
+            <a:avLst/>
+          </a:prstGeom>
+        </p:spPr>
+      </p:pic>
+      <p:pic>
+        <p:nvPicPr>
+          <p:cNvPr id="7" name="Graphique 6" descr="Lune et étoiles">
+            <a:extLst>
+              <a:ext uri="{FF2B5EF4-FFF2-40B4-BE49-F238E27FC236}">
+                <a16:creationId xmlns:a16="http://schemas.microsoft.com/office/drawing/2014/main" id="{23C90920-7244-4B47-810F-267E693071C2}"/>
+              </a:ext>
+            </a:extLst>
+          </p:cNvPr>
+          <p:cNvPicPr>
+            <a:picLocks noChangeAspect="1"/>
+          </p:cNvPicPr>
+          <p:nvPr/>
+        </p:nvPicPr>
+        <p:blipFill>
+          <a:blip r:embed="rId4">
+            <a:extLst>
+              <a:ext uri="{96DAC541-7B7A-43D3-8B79-37D633B846F1}">
+                <asvg:svgBlip xmlns:asvg="http://schemas.microsoft.com/office/drawing/2016/SVG/main" r:embed="rId5"/>
+              </a:ext>
+            </a:extLst>
+          </a:blip>
+          <a:stretch>
+            <a:fillRect/>
+          </a:stretch>
+        </p:blipFill>
+        <p:spPr>
+          <a:xfrm>
+            <a:off x="2973388" y="3843867"/>
+            <a:ext cx="914400" cy="914400"/>
+          </a:xfrm>
+          <a:prstGeom prst="rect">
+            <a:avLst/>
+          </a:prstGeom>
+        </p:spPr>
+      </p:pic>
     </p:spTree>
     <p:extLst>
       <p:ext uri="{BB962C8B-B14F-4D97-AF65-F5344CB8AC3E}">

--- a/SAI_presentation.pptx
+++ b/SAI_presentation.pptx
@@ -19866,6 +19866,78 @@
           </a:prstGeom>
         </p:spPr>
       </p:pic>
+      <p:pic>
+        <p:nvPicPr>
+          <p:cNvPr id="6" name="Graphique 5" descr="Boîte">
+            <a:extLst>
+              <a:ext uri="{FF2B5EF4-FFF2-40B4-BE49-F238E27FC236}">
+                <a16:creationId xmlns:a16="http://schemas.microsoft.com/office/drawing/2014/main" id="{9DFBB98E-3DE0-4BB3-8D08-0E32063C2F5B}"/>
+              </a:ext>
+            </a:extLst>
+          </p:cNvPr>
+          <p:cNvPicPr>
+            <a:picLocks noChangeAspect="1"/>
+          </p:cNvPicPr>
+          <p:nvPr/>
+        </p:nvPicPr>
+        <p:blipFill>
+          <a:blip r:embed="rId6">
+            <a:extLst>
+              <a:ext uri="{96DAC541-7B7A-43D3-8B79-37D633B846F1}">
+                <asvg:svgBlip xmlns:asvg="http://schemas.microsoft.com/office/drawing/2016/SVG/main" r:embed="rId7"/>
+              </a:ext>
+            </a:extLst>
+          </a:blip>
+          <a:stretch>
+            <a:fillRect/>
+          </a:stretch>
+        </p:blipFill>
+        <p:spPr>
+          <a:xfrm>
+            <a:off x="6329364" y="4030132"/>
+            <a:ext cx="914400" cy="914400"/>
+          </a:xfrm>
+          <a:prstGeom prst="rect">
+            <a:avLst/>
+          </a:prstGeom>
+        </p:spPr>
+      </p:pic>
+      <p:pic>
+        <p:nvPicPr>
+          <p:cNvPr id="9" name="Graphique 8" descr="Document">
+            <a:extLst>
+              <a:ext uri="{FF2B5EF4-FFF2-40B4-BE49-F238E27FC236}">
+                <a16:creationId xmlns:a16="http://schemas.microsoft.com/office/drawing/2014/main" id="{E6C969EA-E39F-4CA8-AD50-B155FF824B98}"/>
+              </a:ext>
+            </a:extLst>
+          </p:cNvPr>
+          <p:cNvPicPr>
+            <a:picLocks noChangeAspect="1"/>
+          </p:cNvPicPr>
+          <p:nvPr/>
+        </p:nvPicPr>
+        <p:blipFill>
+          <a:blip r:embed="rId8">
+            <a:extLst>
+              <a:ext uri="{96DAC541-7B7A-43D3-8B79-37D633B846F1}">
+                <asvg:svgBlip xmlns:asvg="http://schemas.microsoft.com/office/drawing/2016/SVG/main" r:embed="rId9"/>
+              </a:ext>
+            </a:extLst>
+          </a:blip>
+          <a:stretch>
+            <a:fillRect/>
+          </a:stretch>
+        </p:blipFill>
+        <p:spPr>
+          <a:xfrm>
+            <a:off x="7582089" y="4171950"/>
+            <a:ext cx="914400" cy="914400"/>
+          </a:xfrm>
+          <a:prstGeom prst="rect">
+            <a:avLst/>
+          </a:prstGeom>
+        </p:spPr>
+      </p:pic>
     </p:spTree>
     <p:extLst>
       <p:ext uri="{BB962C8B-B14F-4D97-AF65-F5344CB8AC3E}">

--- a/SAI_presentation.pptx
+++ b/SAI_presentation.pptx
@@ -19938,6 +19938,78 @@
           </a:prstGeom>
         </p:spPr>
       </p:pic>
+      <p:pic>
+        <p:nvPicPr>
+          <p:cNvPr id="8" name="Graphique 7" descr="Pièces de puzzle">
+            <a:extLst>
+              <a:ext uri="{FF2B5EF4-FFF2-40B4-BE49-F238E27FC236}">
+                <a16:creationId xmlns:a16="http://schemas.microsoft.com/office/drawing/2014/main" id="{6D238D58-E40D-4257-968C-10CF54D64EF5}"/>
+              </a:ext>
+            </a:extLst>
+          </p:cNvPr>
+          <p:cNvPicPr>
+            <a:picLocks noChangeAspect="1"/>
+          </p:cNvPicPr>
+          <p:nvPr/>
+        </p:nvPicPr>
+        <p:blipFill>
+          <a:blip r:embed="rId10">
+            <a:extLst>
+              <a:ext uri="{96DAC541-7B7A-43D3-8B79-37D633B846F1}">
+                <asvg:svgBlip xmlns:asvg="http://schemas.microsoft.com/office/drawing/2016/SVG/main" r:embed="rId11"/>
+              </a:ext>
+            </a:extLst>
+          </a:blip>
+          <a:stretch>
+            <a:fillRect/>
+          </a:stretch>
+        </p:blipFill>
+        <p:spPr>
+          <a:xfrm>
+            <a:off x="4298951" y="3236667"/>
+            <a:ext cx="914400" cy="914400"/>
+          </a:xfrm>
+          <a:prstGeom prst="rect">
+            <a:avLst/>
+          </a:prstGeom>
+        </p:spPr>
+      </p:pic>
+      <p:pic>
+        <p:nvPicPr>
+          <p:cNvPr id="11" name="Graphique 10" descr="Cerveau dans une tête">
+            <a:extLst>
+              <a:ext uri="{FF2B5EF4-FFF2-40B4-BE49-F238E27FC236}">
+                <a16:creationId xmlns:a16="http://schemas.microsoft.com/office/drawing/2014/main" id="{DDC4FD58-98D6-456B-B5A5-B0E8A309C696}"/>
+              </a:ext>
+            </a:extLst>
+          </p:cNvPr>
+          <p:cNvPicPr>
+            <a:picLocks noChangeAspect="1"/>
+          </p:cNvPicPr>
+          <p:nvPr/>
+        </p:nvPicPr>
+        <p:blipFill>
+          <a:blip r:embed="rId12">
+            <a:extLst>
+              <a:ext uri="{96DAC541-7B7A-43D3-8B79-37D633B846F1}">
+                <asvg:svgBlip xmlns:asvg="http://schemas.microsoft.com/office/drawing/2016/SVG/main" r:embed="rId13"/>
+              </a:ext>
+            </a:extLst>
+          </a:blip>
+          <a:stretch>
+            <a:fillRect/>
+          </a:stretch>
+        </p:blipFill>
+        <p:spPr>
+          <a:xfrm>
+            <a:off x="5117213" y="3790437"/>
+            <a:ext cx="914400" cy="914400"/>
+          </a:xfrm>
+          <a:prstGeom prst="rect">
+            <a:avLst/>
+          </a:prstGeom>
+        </p:spPr>
+      </p:pic>
     </p:spTree>
     <p:extLst>
       <p:ext uri="{BB962C8B-B14F-4D97-AF65-F5344CB8AC3E}">

--- a/SAI_presentation.pptx
+++ b/SAI_presentation.pptx
@@ -6942,7 +6942,7 @@
             <a:fld id="{B61BEF0D-F0BB-DE4B-95CE-6DB70DBA9567}" type="datetimeFigureOut">
               <a:rPr lang="en-US" dirty="0"/>
               <a:pPr/>
-              <a:t>3/16/2020</a:t>
+              <a:t>3/17/2020</a:t>
             </a:fld>
             <a:endParaRPr lang="en-US" dirty="0"/>
           </a:p>
@@ -7375,7 +7375,7 @@
             <a:fld id="{B61BEF0D-F0BB-DE4B-95CE-6DB70DBA9567}" type="datetimeFigureOut">
               <a:rPr lang="en-US" dirty="0"/>
               <a:pPr/>
-              <a:t>3/16/2020</a:t>
+              <a:t>3/17/2020</a:t>
             </a:fld>
             <a:endParaRPr lang="en-US" dirty="0"/>
           </a:p>
@@ -7622,7 +7622,7 @@
             <a:fld id="{B61BEF0D-F0BB-DE4B-95CE-6DB70DBA9567}" type="datetimeFigureOut">
               <a:rPr lang="en-US" dirty="0"/>
               <a:pPr/>
-              <a:t>3/16/2020</a:t>
+              <a:t>3/17/2020</a:t>
             </a:fld>
             <a:endParaRPr lang="en-US" dirty="0"/>
           </a:p>
@@ -7927,7 +7927,7 @@
             <a:fld id="{B61BEF0D-F0BB-DE4B-95CE-6DB70DBA9567}" type="datetimeFigureOut">
               <a:rPr lang="en-US" dirty="0"/>
               <a:pPr/>
-              <a:t>3/16/2020</a:t>
+              <a:t>3/17/2020</a:t>
             </a:fld>
             <a:endParaRPr lang="en-US" dirty="0"/>
           </a:p>
@@ -8242,7 +8242,7 @@
             <a:fld id="{B61BEF0D-F0BB-DE4B-95CE-6DB70DBA9567}" type="datetimeFigureOut">
               <a:rPr lang="en-US" dirty="0"/>
               <a:pPr/>
-              <a:t>3/16/2020</a:t>
+              <a:t>3/17/2020</a:t>
             </a:fld>
             <a:endParaRPr lang="en-US" dirty="0"/>
           </a:p>
@@ -8541,7 +8541,7 @@
             <a:fld id="{B61BEF0D-F0BB-DE4B-95CE-6DB70DBA9567}" type="datetimeFigureOut">
               <a:rPr lang="en-US" dirty="0"/>
               <a:pPr/>
-              <a:t>3/16/2020</a:t>
+              <a:t>3/17/2020</a:t>
             </a:fld>
             <a:endParaRPr lang="en-US" dirty="0"/>
           </a:p>
@@ -8905,7 +8905,7 @@
             <a:fld id="{B61BEF0D-F0BB-DE4B-95CE-6DB70DBA9567}" type="datetimeFigureOut">
               <a:rPr lang="en-US" dirty="0"/>
               <a:pPr/>
-              <a:t>3/16/2020</a:t>
+              <a:t>3/17/2020</a:t>
             </a:fld>
             <a:endParaRPr lang="en-US" dirty="0"/>
           </a:p>
@@ -9076,7 +9076,7 @@
             <a:fld id="{B61BEF0D-F0BB-DE4B-95CE-6DB70DBA9567}" type="datetimeFigureOut">
               <a:rPr lang="en-US" dirty="0"/>
               <a:pPr/>
-              <a:t>3/16/2020</a:t>
+              <a:t>3/17/2020</a:t>
             </a:fld>
             <a:endParaRPr lang="en-US" dirty="0"/>
           </a:p>
@@ -9253,7 +9253,7 @@
             <a:fld id="{B61BEF0D-F0BB-DE4B-95CE-6DB70DBA9567}" type="datetimeFigureOut">
               <a:rPr lang="en-US" dirty="0"/>
               <a:pPr/>
-              <a:t>3/16/2020</a:t>
+              <a:t>3/17/2020</a:t>
             </a:fld>
             <a:endParaRPr lang="en-US" dirty="0"/>
           </a:p>
@@ -9420,7 +9420,7 @@
             <a:fld id="{B61BEF0D-F0BB-DE4B-95CE-6DB70DBA9567}" type="datetimeFigureOut">
               <a:rPr lang="en-US" dirty="0"/>
               <a:pPr/>
-              <a:t>3/16/2020</a:t>
+              <a:t>3/17/2020</a:t>
             </a:fld>
             <a:endParaRPr lang="en-US" dirty="0"/>
           </a:p>
@@ -9667,7 +9667,7 @@
             <a:fld id="{B61BEF0D-F0BB-DE4B-95CE-6DB70DBA9567}" type="datetimeFigureOut">
               <a:rPr lang="en-US" dirty="0"/>
               <a:pPr/>
-              <a:t>3/16/2020</a:t>
+              <a:t>3/17/2020</a:t>
             </a:fld>
             <a:endParaRPr lang="en-US" dirty="0"/>
           </a:p>
@@ -9900,7 +9900,7 @@
             <a:fld id="{B61BEF0D-F0BB-DE4B-95CE-6DB70DBA9567}" type="datetimeFigureOut">
               <a:rPr lang="en-US" dirty="0"/>
               <a:pPr/>
-              <a:t>3/16/2020</a:t>
+              <a:t>3/17/2020</a:t>
             </a:fld>
             <a:endParaRPr lang="en-US" dirty="0"/>
           </a:p>
@@ -10279,7 +10279,7 @@
             <a:fld id="{B61BEF0D-F0BB-DE4B-95CE-6DB70DBA9567}" type="datetimeFigureOut">
               <a:rPr lang="en-US" dirty="0"/>
               <a:pPr/>
-              <a:t>3/16/2020</a:t>
+              <a:t>3/17/2020</a:t>
             </a:fld>
             <a:endParaRPr lang="en-US" dirty="0"/>
           </a:p>
@@ -10394,7 +10394,7 @@
             <a:fld id="{B61BEF0D-F0BB-DE4B-95CE-6DB70DBA9567}" type="datetimeFigureOut">
               <a:rPr lang="en-US" dirty="0"/>
               <a:pPr/>
-              <a:t>3/16/2020</a:t>
+              <a:t>3/17/2020</a:t>
             </a:fld>
             <a:endParaRPr lang="en-US" dirty="0"/>
           </a:p>
@@ -10486,7 +10486,7 @@
             <a:fld id="{B61BEF0D-F0BB-DE4B-95CE-6DB70DBA9567}" type="datetimeFigureOut">
               <a:rPr lang="en-US" dirty="0"/>
               <a:pPr/>
-              <a:t>3/16/2020</a:t>
+              <a:t>3/17/2020</a:t>
             </a:fld>
             <a:endParaRPr lang="en-US" dirty="0"/>
           </a:p>
@@ -10738,7 +10738,7 @@
             <a:fld id="{B61BEF0D-F0BB-DE4B-95CE-6DB70DBA9567}" type="datetimeFigureOut">
               <a:rPr lang="en-US" dirty="0"/>
               <a:pPr/>
-              <a:t>3/16/2020</a:t>
+              <a:t>3/17/2020</a:t>
             </a:fld>
             <a:endParaRPr lang="en-US" dirty="0"/>
           </a:p>
@@ -11018,7 +11018,7 @@
             <a:fld id="{B61BEF0D-F0BB-DE4B-95CE-6DB70DBA9567}" type="datetimeFigureOut">
               <a:rPr lang="en-US" dirty="0"/>
               <a:pPr/>
-              <a:t>3/16/2020</a:t>
+              <a:t>3/17/2020</a:t>
             </a:fld>
             <a:endParaRPr lang="en-US" dirty="0"/>
           </a:p>
@@ -11421,7 +11421,7 @@
             <a:fld id="{B61BEF0D-F0BB-DE4B-95CE-6DB70DBA9567}" type="datetimeFigureOut">
               <a:rPr lang="en-US" dirty="0"/>
               <a:pPr/>
-              <a:t>3/16/2020</a:t>
+              <a:t>3/17/2020</a:t>
             </a:fld>
             <a:endParaRPr lang="en-US" dirty="0"/>
           </a:p>
@@ -19822,7 +19822,7 @@
         </p:blipFill>
         <p:spPr>
           <a:xfrm>
-            <a:off x="1647825" y="3714750"/>
+            <a:off x="6227620" y="3794485"/>
             <a:ext cx="914400" cy="914400"/>
           </a:xfrm>
           <a:prstGeom prst="rect">
@@ -19858,7 +19858,7 @@
         </p:blipFill>
         <p:spPr>
           <a:xfrm>
-            <a:off x="2973388" y="3843867"/>
+            <a:off x="2468479" y="3843867"/>
             <a:ext cx="914400" cy="914400"/>
           </a:xfrm>
           <a:prstGeom prst="rect">
@@ -19894,7 +19894,7 @@
         </p:blipFill>
         <p:spPr>
           <a:xfrm>
-            <a:off x="6329364" y="4030132"/>
+            <a:off x="9791077" y="3794485"/>
             <a:ext cx="914400" cy="914400"/>
           </a:xfrm>
           <a:prstGeom prst="rect">
@@ -19930,7 +19930,7 @@
         </p:blipFill>
         <p:spPr>
           <a:xfrm>
-            <a:off x="7582089" y="4171950"/>
+            <a:off x="7903975" y="3794485"/>
             <a:ext cx="914400" cy="914400"/>
           </a:xfrm>
           <a:prstGeom prst="rect">
@@ -19966,7 +19966,7 @@
         </p:blipFill>
         <p:spPr>
           <a:xfrm>
-            <a:off x="4298951" y="3236667"/>
+            <a:off x="4412544" y="3794485"/>
             <a:ext cx="914400" cy="914400"/>
           </a:xfrm>
           <a:prstGeom prst="rect">
@@ -20002,7 +20002,7 @@
         </p:blipFill>
         <p:spPr>
           <a:xfrm>
-            <a:off x="5117213" y="3790437"/>
+            <a:off x="684212" y="3843867"/>
             <a:ext cx="914400" cy="914400"/>
           </a:xfrm>
           <a:prstGeom prst="rect">

--- a/SAI_presentation.pptx
+++ b/SAI_presentation.pptx
@@ -20010,6 +20010,236 @@
           </a:prstGeom>
         </p:spPr>
       </p:pic>
+      <p:sp>
+        <p:nvSpPr>
+          <p:cNvPr id="4" name="Flèche : droite 3">
+            <a:extLst>
+              <a:ext uri="{FF2B5EF4-FFF2-40B4-BE49-F238E27FC236}">
+                <a16:creationId xmlns:a16="http://schemas.microsoft.com/office/drawing/2014/main" id="{8BF9777A-04D4-4CD2-A522-88F8A8F2D461}"/>
+              </a:ext>
+            </a:extLst>
+          </p:cNvPr>
+          <p:cNvSpPr/>
+          <p:nvPr/>
+        </p:nvSpPr>
+        <p:spPr>
+          <a:xfrm>
+            <a:off x="1638115" y="4183025"/>
+            <a:ext cx="682949" cy="262055"/>
+          </a:xfrm>
+          <a:prstGeom prst="rightArrow">
+            <a:avLst/>
+          </a:prstGeom>
+        </p:spPr>
+        <p:style>
+          <a:lnRef idx="2">
+            <a:schemeClr val="accent1">
+              <a:shade val="50000"/>
+            </a:schemeClr>
+          </a:lnRef>
+          <a:fillRef idx="1">
+            <a:schemeClr val="accent1"/>
+          </a:fillRef>
+          <a:effectRef idx="0">
+            <a:schemeClr val="accent1"/>
+          </a:effectRef>
+          <a:fontRef idx="minor">
+            <a:schemeClr val="lt1"/>
+          </a:fontRef>
+        </p:style>
+        <p:txBody>
+          <a:bodyPr rtlCol="0" anchor="ctr"/>
+          <a:lstStyle/>
+          <a:p>
+            <a:pPr algn="ctr"/>
+            <a:endParaRPr lang="en-GB"/>
+          </a:p>
+        </p:txBody>
+      </p:sp>
+      <p:sp>
+        <p:nvSpPr>
+          <p:cNvPr id="12" name="Flèche : droite 11">
+            <a:extLst>
+              <a:ext uri="{FF2B5EF4-FFF2-40B4-BE49-F238E27FC236}">
+                <a16:creationId xmlns:a16="http://schemas.microsoft.com/office/drawing/2014/main" id="{F633A220-CB68-4338-9646-BF4448EBDD92}"/>
+              </a:ext>
+            </a:extLst>
+          </p:cNvPr>
+          <p:cNvSpPr/>
+          <p:nvPr/>
+        </p:nvSpPr>
+        <p:spPr>
+          <a:xfrm>
+            <a:off x="3511868" y="4201766"/>
+            <a:ext cx="682949" cy="262055"/>
+          </a:xfrm>
+          <a:prstGeom prst="rightArrow">
+            <a:avLst/>
+          </a:prstGeom>
+        </p:spPr>
+        <p:style>
+          <a:lnRef idx="2">
+            <a:schemeClr val="accent1">
+              <a:shade val="50000"/>
+            </a:schemeClr>
+          </a:lnRef>
+          <a:fillRef idx="1">
+            <a:schemeClr val="accent1"/>
+          </a:fillRef>
+          <a:effectRef idx="0">
+            <a:schemeClr val="accent1"/>
+          </a:effectRef>
+          <a:fontRef idx="minor">
+            <a:schemeClr val="lt1"/>
+          </a:fontRef>
+        </p:style>
+        <p:txBody>
+          <a:bodyPr rtlCol="0" anchor="ctr"/>
+          <a:lstStyle/>
+          <a:p>
+            <a:pPr algn="ctr"/>
+            <a:endParaRPr lang="en-GB"/>
+          </a:p>
+        </p:txBody>
+      </p:sp>
+      <p:sp>
+        <p:nvSpPr>
+          <p:cNvPr id="13" name="Flèche : droite 12">
+            <a:extLst>
+              <a:ext uri="{FF2B5EF4-FFF2-40B4-BE49-F238E27FC236}">
+                <a16:creationId xmlns:a16="http://schemas.microsoft.com/office/drawing/2014/main" id="{2C3EA434-20D4-4851-978F-9F12469037C6}"/>
+              </a:ext>
+            </a:extLst>
+          </p:cNvPr>
+          <p:cNvSpPr/>
+          <p:nvPr/>
+        </p:nvSpPr>
+        <p:spPr>
+          <a:xfrm>
+            <a:off x="5366447" y="4193550"/>
+            <a:ext cx="682949" cy="262055"/>
+          </a:xfrm>
+          <a:prstGeom prst="rightArrow">
+            <a:avLst/>
+          </a:prstGeom>
+        </p:spPr>
+        <p:style>
+          <a:lnRef idx="2">
+            <a:schemeClr val="accent1">
+              <a:shade val="50000"/>
+            </a:schemeClr>
+          </a:lnRef>
+          <a:fillRef idx="1">
+            <a:schemeClr val="accent1"/>
+          </a:fillRef>
+          <a:effectRef idx="0">
+            <a:schemeClr val="accent1"/>
+          </a:effectRef>
+          <a:fontRef idx="minor">
+            <a:schemeClr val="lt1"/>
+          </a:fontRef>
+        </p:style>
+        <p:txBody>
+          <a:bodyPr rtlCol="0" anchor="ctr"/>
+          <a:lstStyle/>
+          <a:p>
+            <a:pPr algn="ctr"/>
+            <a:endParaRPr lang="en-GB"/>
+          </a:p>
+        </p:txBody>
+      </p:sp>
+      <p:sp>
+        <p:nvSpPr>
+          <p:cNvPr id="14" name="Flèche : droite 13">
+            <a:extLst>
+              <a:ext uri="{FF2B5EF4-FFF2-40B4-BE49-F238E27FC236}">
+                <a16:creationId xmlns:a16="http://schemas.microsoft.com/office/drawing/2014/main" id="{579E44C8-6EA1-4371-8D46-74C35AB4445F}"/>
+              </a:ext>
+            </a:extLst>
+          </p:cNvPr>
+          <p:cNvSpPr/>
+          <p:nvPr/>
+        </p:nvSpPr>
+        <p:spPr>
+          <a:xfrm>
+            <a:off x="7162263" y="4183025"/>
+            <a:ext cx="682949" cy="262055"/>
+          </a:xfrm>
+          <a:prstGeom prst="rightArrow">
+            <a:avLst/>
+          </a:prstGeom>
+        </p:spPr>
+        <p:style>
+          <a:lnRef idx="2">
+            <a:schemeClr val="accent1">
+              <a:shade val="50000"/>
+            </a:schemeClr>
+          </a:lnRef>
+          <a:fillRef idx="1">
+            <a:schemeClr val="accent1"/>
+          </a:fillRef>
+          <a:effectRef idx="0">
+            <a:schemeClr val="accent1"/>
+          </a:effectRef>
+          <a:fontRef idx="minor">
+            <a:schemeClr val="lt1"/>
+          </a:fontRef>
+        </p:style>
+        <p:txBody>
+          <a:bodyPr rtlCol="0" anchor="ctr"/>
+          <a:lstStyle/>
+          <a:p>
+            <a:pPr algn="ctr"/>
+            <a:endParaRPr lang="en-GB"/>
+          </a:p>
+        </p:txBody>
+      </p:sp>
+      <p:sp>
+        <p:nvSpPr>
+          <p:cNvPr id="15" name="Flèche : droite 14">
+            <a:extLst>
+              <a:ext uri="{FF2B5EF4-FFF2-40B4-BE49-F238E27FC236}">
+                <a16:creationId xmlns:a16="http://schemas.microsoft.com/office/drawing/2014/main" id="{3CFAC59C-390C-434A-B3D5-A407AD8778EF}"/>
+              </a:ext>
+            </a:extLst>
+          </p:cNvPr>
+          <p:cNvSpPr/>
+          <p:nvPr/>
+        </p:nvSpPr>
+        <p:spPr>
+          <a:xfrm>
+            <a:off x="8876245" y="4170039"/>
+            <a:ext cx="682949" cy="262055"/>
+          </a:xfrm>
+          <a:prstGeom prst="rightArrow">
+            <a:avLst/>
+          </a:prstGeom>
+        </p:spPr>
+        <p:style>
+          <a:lnRef idx="2">
+            <a:schemeClr val="accent1">
+              <a:shade val="50000"/>
+            </a:schemeClr>
+          </a:lnRef>
+          <a:fillRef idx="1">
+            <a:schemeClr val="accent1"/>
+          </a:fillRef>
+          <a:effectRef idx="0">
+            <a:schemeClr val="accent1"/>
+          </a:effectRef>
+          <a:fontRef idx="minor">
+            <a:schemeClr val="lt1"/>
+          </a:fontRef>
+        </p:style>
+        <p:txBody>
+          <a:bodyPr rtlCol="0" anchor="ctr"/>
+          <a:lstStyle/>
+          <a:p>
+            <a:pPr algn="ctr"/>
+            <a:endParaRPr lang="en-GB"/>
+          </a:p>
+        </p:txBody>
+      </p:sp>
     </p:spTree>
     <p:extLst>
       <p:ext uri="{BB962C8B-B14F-4D97-AF65-F5344CB8AC3E}">

--- a/SAI_presentation.pptx
+++ b/SAI_presentation.pptx
@@ -19724,8 +19724,48 @@
               <a:t>A </a:t>
             </a:r>
             <a:r>
-              <a:rPr lang="fr-FR" dirty="0" err="1"/>
+              <a:rPr lang="fr-FR" b="1" dirty="0" err="1">
+                <a:solidFill>
+                  <a:srgbClr val="0070C0"/>
+                </a:solidFill>
+              </a:rPr>
               <a:t>human</a:t>
+            </a:r>
+            <a:r>
+              <a:rPr lang="fr-FR" b="1" dirty="0">
+                <a:solidFill>
+                  <a:srgbClr val="0070C0"/>
+                </a:solidFill>
+              </a:rPr>
+              <a:t> </a:t>
+            </a:r>
+            <a:r>
+              <a:rPr lang="fr-FR" b="1" dirty="0" err="1">
+                <a:solidFill>
+                  <a:srgbClr val="92D050"/>
+                </a:solidFill>
+              </a:rPr>
+              <a:t>sleep</a:t>
+            </a:r>
+            <a:r>
+              <a:rPr lang="fr-FR" b="1" dirty="0">
+                <a:solidFill>
+                  <a:srgbClr val="0070C0"/>
+                </a:solidFill>
+              </a:rPr>
+              <a:t> </a:t>
+            </a:r>
+            <a:r>
+              <a:rPr lang="fr-FR" dirty="0"/>
+              <a:t>to </a:t>
+            </a:r>
+            <a:r>
+              <a:rPr lang="fr-FR" b="1" dirty="0" err="1">
+                <a:solidFill>
+                  <a:srgbClr val="002060"/>
+                </a:solidFill>
+              </a:rPr>
+              <a:t>organize</a:t>
             </a:r>
             <a:r>
               <a:rPr lang="fr-FR" dirty="0"/>
@@ -19733,7 +19773,102 @@
             </a:r>
             <a:r>
               <a:rPr lang="fr-FR" dirty="0" err="1"/>
-              <a:t>sleep</a:t>
+              <a:t>it</a:t>
+            </a:r>
+            <a:r>
+              <a:rPr lang="fr-FR" dirty="0"/>
+              <a:t> memory</a:t>
+            </a:r>
+          </a:p>
+          <a:p>
+            <a:r>
+              <a:rPr lang="fr-FR" dirty="0"/>
+              <a:t>So do </a:t>
+            </a:r>
+            <a:r>
+              <a:rPr lang="fr-FR" b="1" dirty="0">
+                <a:solidFill>
+                  <a:srgbClr val="FFC000"/>
+                </a:solidFill>
+              </a:rPr>
+              <a:t>SAI</a:t>
+            </a:r>
+            <a:r>
+              <a:rPr lang="fr-FR" dirty="0"/>
+              <a:t> </a:t>
+            </a:r>
+            <a:r>
+              <a:rPr lang="fr-FR" dirty="0" err="1"/>
+              <a:t>need</a:t>
+            </a:r>
+            <a:r>
+              <a:rPr lang="fr-FR" dirty="0"/>
+              <a:t> to</a:t>
+            </a:r>
+          </a:p>
+          <a:p>
+            <a:r>
+              <a:rPr lang="fr-FR" dirty="0"/>
+              <a:t>It </a:t>
+            </a:r>
+            <a:r>
+              <a:rPr lang="fr-FR" dirty="0" err="1"/>
+              <a:t>will</a:t>
+            </a:r>
+            <a:r>
+              <a:rPr lang="fr-FR" dirty="0"/>
+              <a:t> </a:t>
+            </a:r>
+            <a:r>
+              <a:rPr lang="fr-FR" b="1" dirty="0" err="1">
+                <a:solidFill>
+                  <a:schemeClr val="accent6">
+                    <a:lumMod val="75000"/>
+                  </a:schemeClr>
+                </a:solidFill>
+              </a:rPr>
+              <a:t>compress</a:t>
+            </a:r>
+            <a:r>
+              <a:rPr lang="fr-FR" dirty="0"/>
+              <a:t> </a:t>
+            </a:r>
+            <a:r>
+              <a:rPr lang="fr-FR" b="1" dirty="0">
+                <a:solidFill>
+                  <a:schemeClr val="accent3">
+                    <a:lumMod val="60000"/>
+                    <a:lumOff val="40000"/>
+                  </a:schemeClr>
+                </a:solidFill>
+              </a:rPr>
+              <a:t>data</a:t>
+            </a:r>
+            <a:r>
+              <a:rPr lang="fr-FR" dirty="0"/>
+              <a:t> as </a:t>
+            </a:r>
+            <a:r>
+              <a:rPr lang="fr-FR" dirty="0" err="1"/>
+              <a:t>much</a:t>
+            </a:r>
+            <a:r>
+              <a:rPr lang="fr-FR" dirty="0"/>
+              <a:t> as </a:t>
+            </a:r>
+            <a:r>
+              <a:rPr lang="fr-FR" dirty="0" err="1"/>
+              <a:t>he</a:t>
+            </a:r>
+            <a:r>
+              <a:rPr lang="fr-FR" dirty="0"/>
+              <a:t> can</a:t>
+            </a:r>
+          </a:p>
+          <a:p>
+            <a:r>
+              <a:rPr lang="fr-FR" dirty="0" err="1"/>
+              <a:t>Schema</a:t>
             </a:r>
             <a:r>
               <a:rPr lang="fr-FR" dirty="0"/>
@@ -19741,56 +19876,9 @@
             </a:r>
             <a:r>
               <a:rPr lang="fr-FR" dirty="0" err="1"/>
-              <a:t>organize</a:t>
-            </a:r>
-            <a:r>
-              <a:rPr lang="fr-FR" dirty="0"/>
-              <a:t> </a:t>
-            </a:r>
-            <a:r>
-              <a:rPr lang="fr-FR" dirty="0" err="1"/>
-              <a:t>it</a:t>
-            </a:r>
-            <a:r>
-              <a:rPr lang="fr-FR" dirty="0"/>
-              <a:t> memory</a:t>
-            </a:r>
-          </a:p>
-          <a:p>
-            <a:r>
-              <a:rPr lang="fr-FR" dirty="0"/>
-              <a:t>So do SAI </a:t>
-            </a:r>
-            <a:r>
-              <a:rPr lang="fr-FR" err="1"/>
-              <a:t>need</a:t>
-            </a:r>
-            <a:r>
-              <a:rPr lang="fr-FR"/>
-              <a:t> to</a:t>
-            </a:r>
-          </a:p>
-          <a:p>
-            <a:r>
-              <a:rPr lang="fr-FR"/>
-              <a:t>It will compress data as much as he can</a:t>
-            </a:r>
-            <a:endParaRPr lang="fr-FR" dirty="0"/>
-          </a:p>
-          <a:p>
-            <a:r>
-              <a:rPr lang="fr-FR" dirty="0" err="1"/>
-              <a:t>Schema</a:t>
-            </a:r>
-            <a:r>
-              <a:rPr lang="fr-FR" dirty="0"/>
-              <a:t> to </a:t>
-            </a:r>
-            <a:r>
-              <a:rPr lang="fr-FR"/>
               <a:t>explain</a:t>
             </a:r>
-            <a:endParaRPr lang="en-GB"/>
+            <a:endParaRPr lang="en-GB" dirty="0"/>
           </a:p>
         </p:txBody>
       </p:sp>

--- a/SAI_presentation.pptx
+++ b/SAI_presentation.pptx
@@ -6942,7 +6942,7 @@
             <a:fld id="{B61BEF0D-F0BB-DE4B-95CE-6DB70DBA9567}" type="datetimeFigureOut">
               <a:rPr lang="en-US" dirty="0"/>
               <a:pPr/>
-              <a:t>3/17/2020</a:t>
+              <a:t>3/18/2020</a:t>
             </a:fld>
             <a:endParaRPr lang="en-US" dirty="0"/>
           </a:p>
@@ -7375,7 +7375,7 @@
             <a:fld id="{B61BEF0D-F0BB-DE4B-95CE-6DB70DBA9567}" type="datetimeFigureOut">
               <a:rPr lang="en-US" dirty="0"/>
               <a:pPr/>
-              <a:t>3/17/2020</a:t>
+              <a:t>3/18/2020</a:t>
             </a:fld>
             <a:endParaRPr lang="en-US" dirty="0"/>
           </a:p>
@@ -7622,7 +7622,7 @@
             <a:fld id="{B61BEF0D-F0BB-DE4B-95CE-6DB70DBA9567}" type="datetimeFigureOut">
               <a:rPr lang="en-US" dirty="0"/>
               <a:pPr/>
-              <a:t>3/17/2020</a:t>
+              <a:t>3/18/2020</a:t>
             </a:fld>
             <a:endParaRPr lang="en-US" dirty="0"/>
           </a:p>
@@ -7927,7 +7927,7 @@
             <a:fld id="{B61BEF0D-F0BB-DE4B-95CE-6DB70DBA9567}" type="datetimeFigureOut">
               <a:rPr lang="en-US" dirty="0"/>
               <a:pPr/>
-              <a:t>3/17/2020</a:t>
+              <a:t>3/18/2020</a:t>
             </a:fld>
             <a:endParaRPr lang="en-US" dirty="0"/>
           </a:p>
@@ -8242,7 +8242,7 @@
             <a:fld id="{B61BEF0D-F0BB-DE4B-95CE-6DB70DBA9567}" type="datetimeFigureOut">
               <a:rPr lang="en-US" dirty="0"/>
               <a:pPr/>
-              <a:t>3/17/2020</a:t>
+              <a:t>3/18/2020</a:t>
             </a:fld>
             <a:endParaRPr lang="en-US" dirty="0"/>
           </a:p>
@@ -8541,7 +8541,7 @@
             <a:fld id="{B61BEF0D-F0BB-DE4B-95CE-6DB70DBA9567}" type="datetimeFigureOut">
               <a:rPr lang="en-US" dirty="0"/>
               <a:pPr/>
-              <a:t>3/17/2020</a:t>
+              <a:t>3/18/2020</a:t>
             </a:fld>
             <a:endParaRPr lang="en-US" dirty="0"/>
           </a:p>
@@ -8905,7 +8905,7 @@
             <a:fld id="{B61BEF0D-F0BB-DE4B-95CE-6DB70DBA9567}" type="datetimeFigureOut">
               <a:rPr lang="en-US" dirty="0"/>
               <a:pPr/>
-              <a:t>3/17/2020</a:t>
+              <a:t>3/18/2020</a:t>
             </a:fld>
             <a:endParaRPr lang="en-US" dirty="0"/>
           </a:p>
@@ -9076,7 +9076,7 @@
             <a:fld id="{B61BEF0D-F0BB-DE4B-95CE-6DB70DBA9567}" type="datetimeFigureOut">
               <a:rPr lang="en-US" dirty="0"/>
               <a:pPr/>
-              <a:t>3/17/2020</a:t>
+              <a:t>3/18/2020</a:t>
             </a:fld>
             <a:endParaRPr lang="en-US" dirty="0"/>
           </a:p>
@@ -9253,7 +9253,7 @@
             <a:fld id="{B61BEF0D-F0BB-DE4B-95CE-6DB70DBA9567}" type="datetimeFigureOut">
               <a:rPr lang="en-US" dirty="0"/>
               <a:pPr/>
-              <a:t>3/17/2020</a:t>
+              <a:t>3/18/2020</a:t>
             </a:fld>
             <a:endParaRPr lang="en-US" dirty="0"/>
           </a:p>
@@ -9420,7 +9420,7 @@
             <a:fld id="{B61BEF0D-F0BB-DE4B-95CE-6DB70DBA9567}" type="datetimeFigureOut">
               <a:rPr lang="en-US" dirty="0"/>
               <a:pPr/>
-              <a:t>3/17/2020</a:t>
+              <a:t>3/18/2020</a:t>
             </a:fld>
             <a:endParaRPr lang="en-US" dirty="0"/>
           </a:p>
@@ -9667,7 +9667,7 @@
             <a:fld id="{B61BEF0D-F0BB-DE4B-95CE-6DB70DBA9567}" type="datetimeFigureOut">
               <a:rPr lang="en-US" dirty="0"/>
               <a:pPr/>
-              <a:t>3/17/2020</a:t>
+              <a:t>3/18/2020</a:t>
             </a:fld>
             <a:endParaRPr lang="en-US" dirty="0"/>
           </a:p>
@@ -9900,7 +9900,7 @@
             <a:fld id="{B61BEF0D-F0BB-DE4B-95CE-6DB70DBA9567}" type="datetimeFigureOut">
               <a:rPr lang="en-US" dirty="0"/>
               <a:pPr/>
-              <a:t>3/17/2020</a:t>
+              <a:t>3/18/2020</a:t>
             </a:fld>
             <a:endParaRPr lang="en-US" dirty="0"/>
           </a:p>
@@ -10279,7 +10279,7 @@
             <a:fld id="{B61BEF0D-F0BB-DE4B-95CE-6DB70DBA9567}" type="datetimeFigureOut">
               <a:rPr lang="en-US" dirty="0"/>
               <a:pPr/>
-              <a:t>3/17/2020</a:t>
+              <a:t>3/18/2020</a:t>
             </a:fld>
             <a:endParaRPr lang="en-US" dirty="0"/>
           </a:p>
@@ -10394,7 +10394,7 @@
             <a:fld id="{B61BEF0D-F0BB-DE4B-95CE-6DB70DBA9567}" type="datetimeFigureOut">
               <a:rPr lang="en-US" dirty="0"/>
               <a:pPr/>
-              <a:t>3/17/2020</a:t>
+              <a:t>3/18/2020</a:t>
             </a:fld>
             <a:endParaRPr lang="en-US" dirty="0"/>
           </a:p>
@@ -10486,7 +10486,7 @@
             <a:fld id="{B61BEF0D-F0BB-DE4B-95CE-6DB70DBA9567}" type="datetimeFigureOut">
               <a:rPr lang="en-US" dirty="0"/>
               <a:pPr/>
-              <a:t>3/17/2020</a:t>
+              <a:t>3/18/2020</a:t>
             </a:fld>
             <a:endParaRPr lang="en-US" dirty="0"/>
           </a:p>
@@ -10738,7 +10738,7 @@
             <a:fld id="{B61BEF0D-F0BB-DE4B-95CE-6DB70DBA9567}" type="datetimeFigureOut">
               <a:rPr lang="en-US" dirty="0"/>
               <a:pPr/>
-              <a:t>3/17/2020</a:t>
+              <a:t>3/18/2020</a:t>
             </a:fld>
             <a:endParaRPr lang="en-US" dirty="0"/>
           </a:p>
@@ -11018,7 +11018,7 @@
             <a:fld id="{B61BEF0D-F0BB-DE4B-95CE-6DB70DBA9567}" type="datetimeFigureOut">
               <a:rPr lang="en-US" dirty="0"/>
               <a:pPr/>
-              <a:t>3/17/2020</a:t>
+              <a:t>3/18/2020</a:t>
             </a:fld>
             <a:endParaRPr lang="en-US" dirty="0"/>
           </a:p>
@@ -11421,7 +11421,7 @@
             <a:fld id="{B61BEF0D-F0BB-DE4B-95CE-6DB70DBA9567}" type="datetimeFigureOut">
               <a:rPr lang="en-US" dirty="0"/>
               <a:pPr/>
-              <a:t>3/17/2020</a:t>
+              <a:t>3/18/2020</a:t>
             </a:fld>
             <a:endParaRPr lang="en-US" dirty="0"/>
           </a:p>
@@ -19141,7 +19141,7 @@
         </p:blipFill>
         <p:spPr bwMode="auto">
           <a:xfrm>
-            <a:off x="5215593" y="1689264"/>
+            <a:off x="7097659" y="1943391"/>
             <a:ext cx="854553" cy="854553"/>
           </a:xfrm>
           <a:prstGeom prst="rect">
@@ -19188,7 +19188,7 @@
         </p:blipFill>
         <p:spPr bwMode="auto">
           <a:xfrm>
-            <a:off x="5049635" y="4042634"/>
+            <a:off x="6931701" y="4296761"/>
             <a:ext cx="1181100" cy="473363"/>
           </a:xfrm>
           <a:prstGeom prst="rect">
@@ -19235,7 +19235,7 @@
         </p:blipFill>
         <p:spPr bwMode="auto">
           <a:xfrm>
-            <a:off x="5172028" y="2642799"/>
+            <a:off x="7054094" y="2896926"/>
             <a:ext cx="898118" cy="1040354"/>
           </a:xfrm>
           <a:prstGeom prst="rect">
@@ -19281,7 +19281,7 @@
         </p:blipFill>
         <p:spPr>
           <a:xfrm>
-            <a:off x="836364" y="1810757"/>
+            <a:off x="2718430" y="2064884"/>
             <a:ext cx="914400" cy="914400"/>
           </a:xfrm>
           <a:prstGeom prst="rect">
@@ -19317,7 +19317,7 @@
         </p:blipFill>
         <p:spPr>
           <a:xfrm>
-            <a:off x="857233" y="3116814"/>
+            <a:off x="2739299" y="3370941"/>
             <a:ext cx="914400" cy="914400"/>
           </a:xfrm>
           <a:prstGeom prst="rect">
@@ -19353,7 +19353,7 @@
         </p:blipFill>
         <p:spPr>
           <a:xfrm>
-            <a:off x="3026620" y="2598041"/>
+            <a:off x="4908686" y="2852168"/>
             <a:ext cx="914400" cy="914400"/>
           </a:xfrm>
           <a:prstGeom prst="rect">
@@ -19375,7 +19375,7 @@
         </p:nvSpPr>
         <p:spPr>
           <a:xfrm rot="1192363">
-            <a:off x="2166072" y="2419824"/>
+            <a:off x="4048138" y="2673951"/>
             <a:ext cx="978408" cy="484632"/>
           </a:xfrm>
           <a:prstGeom prst="rightArrow">
@@ -19429,7 +19429,7 @@
         </p:nvSpPr>
         <p:spPr>
           <a:xfrm rot="20407754">
-            <a:off x="2146108" y="3205690"/>
+            <a:off x="4028174" y="3459817"/>
             <a:ext cx="978408" cy="484632"/>
           </a:xfrm>
           <a:prstGeom prst="rightArrow">
@@ -19483,7 +19483,7 @@
         </p:nvSpPr>
         <p:spPr>
           <a:xfrm rot="1192363">
-            <a:off x="3919765" y="3528256"/>
+            <a:off x="5801831" y="3782383"/>
             <a:ext cx="978408" cy="484632"/>
           </a:xfrm>
           <a:prstGeom prst="rightArrow">
@@ -19537,7 +19537,7 @@
         </p:nvSpPr>
         <p:spPr>
           <a:xfrm rot="20407754">
-            <a:off x="3994257" y="2201469"/>
+            <a:off x="5876323" y="2455596"/>
             <a:ext cx="978408" cy="484632"/>
           </a:xfrm>
           <a:prstGeom prst="rightArrow">
@@ -19591,7 +19591,7 @@
         </p:nvSpPr>
         <p:spPr>
           <a:xfrm>
-            <a:off x="4069824" y="2861342"/>
+            <a:off x="5951890" y="3115469"/>
             <a:ext cx="978408" cy="484632"/>
           </a:xfrm>
           <a:prstGeom prst="rightArrow">
@@ -19783,7 +19783,15 @@
           <a:p>
             <a:r>
               <a:rPr lang="fr-FR" dirty="0"/>
-              <a:t>So do </a:t>
+              <a:t>So </a:t>
+            </a:r>
+            <a:r>
+              <a:rPr lang="fr-FR" dirty="0" err="1"/>
+              <a:t>does</a:t>
+            </a:r>
+            <a:r>
+              <a:rPr lang="fr-FR" dirty="0"/>
+              <a:t> </a:t>
             </a:r>
             <a:r>
               <a:rPr lang="fr-FR" b="1" dirty="0">
@@ -19864,21 +19872,6 @@
               <a:rPr lang="fr-FR" dirty="0"/>
               <a:t> can</a:t>
             </a:r>
-          </a:p>
-          <a:p>
-            <a:r>
-              <a:rPr lang="fr-FR" dirty="0" err="1"/>
-              <a:t>Schema</a:t>
-            </a:r>
-            <a:r>
-              <a:rPr lang="fr-FR" dirty="0"/>
-              <a:t> to </a:t>
-            </a:r>
-            <a:r>
-              <a:rPr lang="fr-FR" dirty="0" err="1"/>
-              <a:t>explain</a:t>
-            </a:r>
-            <a:endParaRPr lang="en-GB" dirty="0"/>
           </a:p>
         </p:txBody>
       </p:sp>
@@ -20478,6 +20471,42 @@
           </a:p>
         </p:txBody>
       </p:sp>
+      <p:pic>
+        <p:nvPicPr>
+          <p:cNvPr id="5" name="Graphique 4" descr="Dollar">
+            <a:extLst>
+              <a:ext uri="{FF2B5EF4-FFF2-40B4-BE49-F238E27FC236}">
+                <a16:creationId xmlns:a16="http://schemas.microsoft.com/office/drawing/2014/main" id="{191997C7-9880-4DA0-95F2-183E247ACA00}"/>
+              </a:ext>
+            </a:extLst>
+          </p:cNvPr>
+          <p:cNvPicPr>
+            <a:picLocks noChangeAspect="1"/>
+          </p:cNvPicPr>
+          <p:nvPr/>
+        </p:nvPicPr>
+        <p:blipFill>
+          <a:blip r:embed="rId2">
+            <a:extLst>
+              <a:ext uri="{96DAC541-7B7A-43D3-8B79-37D633B846F1}">
+                <asvg:svgBlip xmlns:asvg="http://schemas.microsoft.com/office/drawing/2016/SVG/main" r:embed="rId3"/>
+              </a:ext>
+            </a:extLst>
+          </a:blip>
+          <a:stretch>
+            <a:fillRect/>
+          </a:stretch>
+        </p:blipFill>
+        <p:spPr>
+          <a:xfrm>
+            <a:off x="1582738" y="3386667"/>
+            <a:ext cx="914400" cy="914400"/>
+          </a:xfrm>
+          <a:prstGeom prst="rect">
+            <a:avLst/>
+          </a:prstGeom>
+        </p:spPr>
+      </p:pic>
     </p:spTree>
     <p:extLst>
       <p:ext uri="{BB962C8B-B14F-4D97-AF65-F5344CB8AC3E}">

--- a/SAI_presentation.pptx
+++ b/SAI_presentation.pptx
@@ -20507,6 +20507,78 @@
           </a:prstGeom>
         </p:spPr>
       </p:pic>
+      <p:pic>
+        <p:nvPicPr>
+          <p:cNvPr id="6" name="Graphique 5" descr="Graphique à barres">
+            <a:extLst>
+              <a:ext uri="{FF2B5EF4-FFF2-40B4-BE49-F238E27FC236}">
+                <a16:creationId xmlns:a16="http://schemas.microsoft.com/office/drawing/2014/main" id="{3F723DAA-8A25-4819-AF6A-4254DD4B563F}"/>
+              </a:ext>
+            </a:extLst>
+          </p:cNvPr>
+          <p:cNvPicPr>
+            <a:picLocks noChangeAspect="1"/>
+          </p:cNvPicPr>
+          <p:nvPr/>
+        </p:nvPicPr>
+        <p:blipFill>
+          <a:blip r:embed="rId4">
+            <a:extLst>
+              <a:ext uri="{96DAC541-7B7A-43D3-8B79-37D633B846F1}">
+                <asvg:svgBlip xmlns:asvg="http://schemas.microsoft.com/office/drawing/2016/SVG/main" r:embed="rId5"/>
+              </a:ext>
+            </a:extLst>
+          </a:blip>
+          <a:stretch>
+            <a:fillRect/>
+          </a:stretch>
+        </p:blipFill>
+        <p:spPr>
+          <a:xfrm>
+            <a:off x="3395664" y="3367617"/>
+            <a:ext cx="914400" cy="914400"/>
+          </a:xfrm>
+          <a:prstGeom prst="rect">
+            <a:avLst/>
+          </a:prstGeom>
+        </p:spPr>
+      </p:pic>
+      <p:pic>
+        <p:nvPicPr>
+          <p:cNvPr id="8" name="Graphique 7" descr="Tête avec engrenages">
+            <a:extLst>
+              <a:ext uri="{FF2B5EF4-FFF2-40B4-BE49-F238E27FC236}">
+                <a16:creationId xmlns:a16="http://schemas.microsoft.com/office/drawing/2014/main" id="{9B70B60E-543B-4AA9-BC06-5FC88F318CE0}"/>
+              </a:ext>
+            </a:extLst>
+          </p:cNvPr>
+          <p:cNvPicPr>
+            <a:picLocks noChangeAspect="1"/>
+          </p:cNvPicPr>
+          <p:nvPr/>
+        </p:nvPicPr>
+        <p:blipFill>
+          <a:blip r:embed="rId6">
+            <a:extLst>
+              <a:ext uri="{96DAC541-7B7A-43D3-8B79-37D633B846F1}">
+                <asvg:svgBlip xmlns:asvg="http://schemas.microsoft.com/office/drawing/2016/SVG/main" r:embed="rId7"/>
+              </a:ext>
+            </a:extLst>
+          </a:blip>
+          <a:stretch>
+            <a:fillRect/>
+          </a:stretch>
+        </p:blipFill>
+        <p:spPr>
+          <a:xfrm>
+            <a:off x="5392738" y="3399367"/>
+            <a:ext cx="914400" cy="914400"/>
+          </a:xfrm>
+          <a:prstGeom prst="rect">
+            <a:avLst/>
+          </a:prstGeom>
+        </p:spPr>
+      </p:pic>
     </p:spTree>
     <p:extLst>
       <p:ext uri="{BB962C8B-B14F-4D97-AF65-F5344CB8AC3E}">

--- a/SAI_presentation.pptx
+++ b/SAI_presentation.pptx
@@ -20414,7 +20414,14 @@
               <a:t>The </a:t>
             </a:r>
             <a:r>
-              <a:rPr lang="fr-FR" dirty="0" err="1"/>
+              <a:rPr lang="fr-FR" b="1" dirty="0" err="1">
+                <a:solidFill>
+                  <a:schemeClr val="accent4">
+                    <a:lumMod val="60000"/>
+                    <a:lumOff val="40000"/>
+                  </a:schemeClr>
+                </a:solidFill>
+              </a:rPr>
               <a:t>reward</a:t>
             </a:r>
             <a:r>
@@ -20430,8 +20437,55 @@
               <a:t> impact the </a:t>
             </a:r>
             <a:r>
+              <a:rPr lang="fr-FR" b="1" dirty="0" err="1">
+                <a:solidFill>
+                  <a:schemeClr val="tx2">
+                    <a:lumMod val="40000"/>
+                    <a:lumOff val="60000"/>
+                  </a:schemeClr>
+                </a:solidFill>
+              </a:rPr>
+              <a:t>next</a:t>
+            </a:r>
+            <a:r>
+              <a:rPr lang="fr-FR" b="1" dirty="0">
+                <a:solidFill>
+                  <a:schemeClr val="tx2">
+                    <a:lumMod val="40000"/>
+                    <a:lumOff val="60000"/>
+                  </a:schemeClr>
+                </a:solidFill>
+              </a:rPr>
+              <a:t> </a:t>
+            </a:r>
+            <a:r>
+              <a:rPr lang="fr-FR" b="1" dirty="0" err="1">
+                <a:solidFill>
+                  <a:schemeClr val="tx2">
+                    <a:lumMod val="40000"/>
+                    <a:lumOff val="60000"/>
+                  </a:schemeClr>
+                </a:solidFill>
+              </a:rPr>
+              <a:t>decision</a:t>
+            </a:r>
+            <a:r>
+              <a:rPr lang="fr-FR" dirty="0"/>
+              <a:t> for </a:t>
+            </a:r>
+            <a:r>
+              <a:rPr lang="fr-FR" b="1" dirty="0">
+                <a:solidFill>
+                  <a:srgbClr val="FFC000"/>
+                </a:solidFill>
+              </a:rPr>
+              <a:t>SAI</a:t>
+            </a:r>
+          </a:p>
+          <a:p>
+            <a:r>
               <a:rPr lang="fr-FR" dirty="0" err="1"/>
-              <a:t>next</a:t>
+              <a:t>Explain</a:t>
             </a:r>
             <a:r>
               <a:rPr lang="fr-FR" dirty="0"/>
@@ -20439,24 +20493,6 @@
             </a:r>
             <a:r>
               <a:rPr lang="fr-FR" dirty="0" err="1"/>
-              <a:t>decision</a:t>
-            </a:r>
-            <a:r>
-              <a:rPr lang="fr-FR" dirty="0"/>
-              <a:t> for SAI</a:t>
-            </a:r>
-          </a:p>
-          <a:p>
-            <a:r>
-              <a:rPr lang="fr-FR" dirty="0" err="1"/>
-              <a:t>Explain</a:t>
-            </a:r>
-            <a:r>
-              <a:rPr lang="fr-FR" dirty="0"/>
-              <a:t> </a:t>
-            </a:r>
-            <a:r>
-              <a:rPr lang="fr-FR" dirty="0" err="1"/>
               <a:t>with</a:t>
             </a:r>
             <a:r>
@@ -20464,10 +20500,10 @@
               <a:t> a </a:t>
             </a:r>
             <a:r>
-              <a:rPr lang="fr-FR"/>
+              <a:rPr lang="fr-FR" dirty="0" err="1"/>
               <a:t>schema</a:t>
             </a:r>
-            <a:endParaRPr lang="en-GB"/>
+            <a:endParaRPr lang="en-GB" dirty="0"/>
           </a:p>
         </p:txBody>
       </p:sp>

--- a/SAI_presentation.pptx
+++ b/SAI_presentation.pptx
@@ -6942,7 +6942,7 @@
             <a:fld id="{B61BEF0D-F0BB-DE4B-95CE-6DB70DBA9567}" type="datetimeFigureOut">
               <a:rPr lang="en-US" dirty="0"/>
               <a:pPr/>
-              <a:t>3/18/2020</a:t>
+              <a:t>3/19/2020</a:t>
             </a:fld>
             <a:endParaRPr lang="en-US" dirty="0"/>
           </a:p>
@@ -7375,7 +7375,7 @@
             <a:fld id="{B61BEF0D-F0BB-DE4B-95CE-6DB70DBA9567}" type="datetimeFigureOut">
               <a:rPr lang="en-US" dirty="0"/>
               <a:pPr/>
-              <a:t>3/18/2020</a:t>
+              <a:t>3/19/2020</a:t>
             </a:fld>
             <a:endParaRPr lang="en-US" dirty="0"/>
           </a:p>
@@ -7622,7 +7622,7 @@
             <a:fld id="{B61BEF0D-F0BB-DE4B-95CE-6DB70DBA9567}" type="datetimeFigureOut">
               <a:rPr lang="en-US" dirty="0"/>
               <a:pPr/>
-              <a:t>3/18/2020</a:t>
+              <a:t>3/19/2020</a:t>
             </a:fld>
             <a:endParaRPr lang="en-US" dirty="0"/>
           </a:p>
@@ -7927,7 +7927,7 @@
             <a:fld id="{B61BEF0D-F0BB-DE4B-95CE-6DB70DBA9567}" type="datetimeFigureOut">
               <a:rPr lang="en-US" dirty="0"/>
               <a:pPr/>
-              <a:t>3/18/2020</a:t>
+              <a:t>3/19/2020</a:t>
             </a:fld>
             <a:endParaRPr lang="en-US" dirty="0"/>
           </a:p>
@@ -8242,7 +8242,7 @@
             <a:fld id="{B61BEF0D-F0BB-DE4B-95CE-6DB70DBA9567}" type="datetimeFigureOut">
               <a:rPr lang="en-US" dirty="0"/>
               <a:pPr/>
-              <a:t>3/18/2020</a:t>
+              <a:t>3/19/2020</a:t>
             </a:fld>
             <a:endParaRPr lang="en-US" dirty="0"/>
           </a:p>
@@ -8541,7 +8541,7 @@
             <a:fld id="{B61BEF0D-F0BB-DE4B-95CE-6DB70DBA9567}" type="datetimeFigureOut">
               <a:rPr lang="en-US" dirty="0"/>
               <a:pPr/>
-              <a:t>3/18/2020</a:t>
+              <a:t>3/19/2020</a:t>
             </a:fld>
             <a:endParaRPr lang="en-US" dirty="0"/>
           </a:p>
@@ -8905,7 +8905,7 @@
             <a:fld id="{B61BEF0D-F0BB-DE4B-95CE-6DB70DBA9567}" type="datetimeFigureOut">
               <a:rPr lang="en-US" dirty="0"/>
               <a:pPr/>
-              <a:t>3/18/2020</a:t>
+              <a:t>3/19/2020</a:t>
             </a:fld>
             <a:endParaRPr lang="en-US" dirty="0"/>
           </a:p>
@@ -9076,7 +9076,7 @@
             <a:fld id="{B61BEF0D-F0BB-DE4B-95CE-6DB70DBA9567}" type="datetimeFigureOut">
               <a:rPr lang="en-US" dirty="0"/>
               <a:pPr/>
-              <a:t>3/18/2020</a:t>
+              <a:t>3/19/2020</a:t>
             </a:fld>
             <a:endParaRPr lang="en-US" dirty="0"/>
           </a:p>
@@ -9253,7 +9253,7 @@
             <a:fld id="{B61BEF0D-F0BB-DE4B-95CE-6DB70DBA9567}" type="datetimeFigureOut">
               <a:rPr lang="en-US" dirty="0"/>
               <a:pPr/>
-              <a:t>3/18/2020</a:t>
+              <a:t>3/19/2020</a:t>
             </a:fld>
             <a:endParaRPr lang="en-US" dirty="0"/>
           </a:p>
@@ -9420,7 +9420,7 @@
             <a:fld id="{B61BEF0D-F0BB-DE4B-95CE-6DB70DBA9567}" type="datetimeFigureOut">
               <a:rPr lang="en-US" dirty="0"/>
               <a:pPr/>
-              <a:t>3/18/2020</a:t>
+              <a:t>3/19/2020</a:t>
             </a:fld>
             <a:endParaRPr lang="en-US" dirty="0"/>
           </a:p>
@@ -9667,7 +9667,7 @@
             <a:fld id="{B61BEF0D-F0BB-DE4B-95CE-6DB70DBA9567}" type="datetimeFigureOut">
               <a:rPr lang="en-US" dirty="0"/>
               <a:pPr/>
-              <a:t>3/18/2020</a:t>
+              <a:t>3/19/2020</a:t>
             </a:fld>
             <a:endParaRPr lang="en-US" dirty="0"/>
           </a:p>
@@ -9900,7 +9900,7 @@
             <a:fld id="{B61BEF0D-F0BB-DE4B-95CE-6DB70DBA9567}" type="datetimeFigureOut">
               <a:rPr lang="en-US" dirty="0"/>
               <a:pPr/>
-              <a:t>3/18/2020</a:t>
+              <a:t>3/19/2020</a:t>
             </a:fld>
             <a:endParaRPr lang="en-US" dirty="0"/>
           </a:p>
@@ -10279,7 +10279,7 @@
             <a:fld id="{B61BEF0D-F0BB-DE4B-95CE-6DB70DBA9567}" type="datetimeFigureOut">
               <a:rPr lang="en-US" dirty="0"/>
               <a:pPr/>
-              <a:t>3/18/2020</a:t>
+              <a:t>3/19/2020</a:t>
             </a:fld>
             <a:endParaRPr lang="en-US" dirty="0"/>
           </a:p>
@@ -10394,7 +10394,7 @@
             <a:fld id="{B61BEF0D-F0BB-DE4B-95CE-6DB70DBA9567}" type="datetimeFigureOut">
               <a:rPr lang="en-US" dirty="0"/>
               <a:pPr/>
-              <a:t>3/18/2020</a:t>
+              <a:t>3/19/2020</a:t>
             </a:fld>
             <a:endParaRPr lang="en-US" dirty="0"/>
           </a:p>
@@ -10486,7 +10486,7 @@
             <a:fld id="{B61BEF0D-F0BB-DE4B-95CE-6DB70DBA9567}" type="datetimeFigureOut">
               <a:rPr lang="en-US" dirty="0"/>
               <a:pPr/>
-              <a:t>3/18/2020</a:t>
+              <a:t>3/19/2020</a:t>
             </a:fld>
             <a:endParaRPr lang="en-US" dirty="0"/>
           </a:p>
@@ -10738,7 +10738,7 @@
             <a:fld id="{B61BEF0D-F0BB-DE4B-95CE-6DB70DBA9567}" type="datetimeFigureOut">
               <a:rPr lang="en-US" dirty="0"/>
               <a:pPr/>
-              <a:t>3/18/2020</a:t>
+              <a:t>3/19/2020</a:t>
             </a:fld>
             <a:endParaRPr lang="en-US" dirty="0"/>
           </a:p>
@@ -11018,7 +11018,7 @@
             <a:fld id="{B61BEF0D-F0BB-DE4B-95CE-6DB70DBA9567}" type="datetimeFigureOut">
               <a:rPr lang="en-US" dirty="0"/>
               <a:pPr/>
-              <a:t>3/18/2020</a:t>
+              <a:t>3/19/2020</a:t>
             </a:fld>
             <a:endParaRPr lang="en-US" dirty="0"/>
           </a:p>
@@ -11421,7 +11421,7 @@
             <a:fld id="{B61BEF0D-F0BB-DE4B-95CE-6DB70DBA9567}" type="datetimeFigureOut">
               <a:rPr lang="en-US" dirty="0"/>
               <a:pPr/>
-              <a:t>3/18/2020</a:t>
+              <a:t>3/19/2020</a:t>
             </a:fld>
             <a:endParaRPr lang="en-US" dirty="0"/>
           </a:p>
@@ -20535,7 +20535,7 @@
         </p:blipFill>
         <p:spPr>
           <a:xfrm>
-            <a:off x="1582738" y="3386667"/>
+            <a:off x="4681806" y="2481589"/>
             <a:ext cx="914400" cy="914400"/>
           </a:xfrm>
           <a:prstGeom prst="rect">
@@ -20571,7 +20571,7 @@
         </p:blipFill>
         <p:spPr>
           <a:xfrm>
-            <a:off x="3395664" y="3367617"/>
+            <a:off x="6609381" y="3669458"/>
             <a:ext cx="914400" cy="914400"/>
           </a:xfrm>
           <a:prstGeom prst="rect">
@@ -20607,7 +20607,7 @@
         </p:blipFill>
         <p:spPr>
           <a:xfrm>
-            <a:off x="5392738" y="3399367"/>
+            <a:off x="2973388" y="3669458"/>
             <a:ext cx="914400" cy="914400"/>
           </a:xfrm>
           <a:prstGeom prst="rect">
@@ -20615,6 +20615,98 @@
           </a:prstGeom>
         </p:spPr>
       </p:pic>
+      <p:sp>
+        <p:nvSpPr>
+          <p:cNvPr id="4" name="Flèche : droite 3">
+            <a:extLst>
+              <a:ext uri="{FF2B5EF4-FFF2-40B4-BE49-F238E27FC236}">
+                <a16:creationId xmlns:a16="http://schemas.microsoft.com/office/drawing/2014/main" id="{7E7500BF-E373-41AD-B704-18015206972B}"/>
+              </a:ext>
+            </a:extLst>
+          </p:cNvPr>
+          <p:cNvSpPr/>
+          <p:nvPr/>
+        </p:nvSpPr>
+        <p:spPr>
+          <a:xfrm>
+            <a:off x="4214336" y="3946321"/>
+            <a:ext cx="2068497" cy="360674"/>
+          </a:xfrm>
+          <a:prstGeom prst="rightArrow">
+            <a:avLst/>
+          </a:prstGeom>
+        </p:spPr>
+        <p:style>
+          <a:lnRef idx="2">
+            <a:schemeClr val="accent1">
+              <a:shade val="50000"/>
+            </a:schemeClr>
+          </a:lnRef>
+          <a:fillRef idx="1">
+            <a:schemeClr val="accent1"/>
+          </a:fillRef>
+          <a:effectRef idx="0">
+            <a:schemeClr val="accent1"/>
+          </a:effectRef>
+          <a:fontRef idx="minor">
+            <a:schemeClr val="lt1"/>
+          </a:fontRef>
+        </p:style>
+        <p:txBody>
+          <a:bodyPr rtlCol="0" anchor="ctr"/>
+          <a:lstStyle/>
+          <a:p>
+            <a:pPr algn="ctr"/>
+            <a:endParaRPr lang="en-GB"/>
+          </a:p>
+        </p:txBody>
+      </p:sp>
+      <p:sp>
+        <p:nvSpPr>
+          <p:cNvPr id="7" name="Flèche : bas 6">
+            <a:extLst>
+              <a:ext uri="{FF2B5EF4-FFF2-40B4-BE49-F238E27FC236}">
+                <a16:creationId xmlns:a16="http://schemas.microsoft.com/office/drawing/2014/main" id="{DEA3F0E8-3642-4CB8-B662-D7DCB05AB946}"/>
+              </a:ext>
+            </a:extLst>
+          </p:cNvPr>
+          <p:cNvSpPr/>
+          <p:nvPr/>
+        </p:nvSpPr>
+        <p:spPr>
+          <a:xfrm>
+            <a:off x="4988085" y="3533313"/>
+            <a:ext cx="301841" cy="407080"/>
+          </a:xfrm>
+          <a:prstGeom prst="downArrow">
+            <a:avLst/>
+          </a:prstGeom>
+        </p:spPr>
+        <p:style>
+          <a:lnRef idx="2">
+            <a:schemeClr val="accent1">
+              <a:shade val="50000"/>
+            </a:schemeClr>
+          </a:lnRef>
+          <a:fillRef idx="1">
+            <a:schemeClr val="accent1"/>
+          </a:fillRef>
+          <a:effectRef idx="0">
+            <a:schemeClr val="accent1"/>
+          </a:effectRef>
+          <a:fontRef idx="minor">
+            <a:schemeClr val="lt1"/>
+          </a:fontRef>
+        </p:style>
+        <p:txBody>
+          <a:bodyPr rtlCol="0" anchor="ctr"/>
+          <a:lstStyle/>
+          <a:p>
+            <a:pPr algn="ctr"/>
+            <a:endParaRPr lang="en-GB"/>
+          </a:p>
+        </p:txBody>
+      </p:sp>
     </p:spTree>
     <p:extLst>
       <p:ext uri="{BB962C8B-B14F-4D97-AF65-F5344CB8AC3E}">

--- a/SAI_presentation.pptx
+++ b/SAI_presentation.pptx
@@ -12408,6 +12408,114 @@
           </a:p>
         </p:txBody>
       </p:sp>
+      <p:pic>
+        <p:nvPicPr>
+          <p:cNvPr id="5" name="Graphique 4" descr="Ordinateur">
+            <a:extLst>
+              <a:ext uri="{FF2B5EF4-FFF2-40B4-BE49-F238E27FC236}">
+                <a16:creationId xmlns:a16="http://schemas.microsoft.com/office/drawing/2014/main" id="{64D4E488-440D-4802-8148-FCF9C098ED48}"/>
+              </a:ext>
+            </a:extLst>
+          </p:cNvPr>
+          <p:cNvPicPr>
+            <a:picLocks noChangeAspect="1"/>
+          </p:cNvPicPr>
+          <p:nvPr/>
+        </p:nvPicPr>
+        <p:blipFill>
+          <a:blip r:embed="rId2">
+            <a:extLst>
+              <a:ext uri="{96DAC541-7B7A-43D3-8B79-37D633B846F1}">
+                <asvg:svgBlip xmlns:asvg="http://schemas.microsoft.com/office/drawing/2016/SVG/main" r:embed="rId3"/>
+              </a:ext>
+            </a:extLst>
+          </a:blip>
+          <a:stretch>
+            <a:fillRect/>
+          </a:stretch>
+        </p:blipFill>
+        <p:spPr>
+          <a:xfrm>
+            <a:off x="4348164" y="4545539"/>
+            <a:ext cx="914400" cy="914400"/>
+          </a:xfrm>
+          <a:prstGeom prst="rect">
+            <a:avLst/>
+          </a:prstGeom>
+        </p:spPr>
+      </p:pic>
+      <p:pic>
+        <p:nvPicPr>
+          <p:cNvPr id="7" name="Graphique 6" descr="Micro de radio">
+            <a:extLst>
+              <a:ext uri="{FF2B5EF4-FFF2-40B4-BE49-F238E27FC236}">
+                <a16:creationId xmlns:a16="http://schemas.microsoft.com/office/drawing/2014/main" id="{CB7E0AAE-5A37-4CED-8BAA-BFE865BE2E78}"/>
+              </a:ext>
+            </a:extLst>
+          </p:cNvPr>
+          <p:cNvPicPr>
+            <a:picLocks noChangeAspect="1"/>
+          </p:cNvPicPr>
+          <p:nvPr/>
+        </p:nvPicPr>
+        <p:blipFill>
+          <a:blip r:embed="rId4">
+            <a:extLst>
+              <a:ext uri="{96DAC541-7B7A-43D3-8B79-37D633B846F1}">
+                <asvg:svgBlip xmlns:asvg="http://schemas.microsoft.com/office/drawing/2016/SVG/main" r:embed="rId5"/>
+              </a:ext>
+            </a:extLst>
+          </a:blip>
+          <a:stretch>
+            <a:fillRect/>
+          </a:stretch>
+        </p:blipFill>
+        <p:spPr>
+          <a:xfrm>
+            <a:off x="6627812" y="3631139"/>
+            <a:ext cx="914400" cy="914400"/>
+          </a:xfrm>
+          <a:prstGeom prst="rect">
+            <a:avLst/>
+          </a:prstGeom>
+        </p:spPr>
+      </p:pic>
+      <p:pic>
+        <p:nvPicPr>
+          <p:cNvPr id="8" name="Graphique 7" descr="Tête avec engrenages">
+            <a:extLst>
+              <a:ext uri="{FF2B5EF4-FFF2-40B4-BE49-F238E27FC236}">
+                <a16:creationId xmlns:a16="http://schemas.microsoft.com/office/drawing/2014/main" id="{39673A69-588D-486B-BD6C-8823312BAC93}"/>
+              </a:ext>
+            </a:extLst>
+          </p:cNvPr>
+          <p:cNvPicPr>
+            <a:picLocks noChangeAspect="1"/>
+          </p:cNvPicPr>
+          <p:nvPr/>
+        </p:nvPicPr>
+        <p:blipFill>
+          <a:blip r:embed="rId6">
+            <a:extLst>
+              <a:ext uri="{96DAC541-7B7A-43D3-8B79-37D633B846F1}">
+                <asvg:svgBlip xmlns:asvg="http://schemas.microsoft.com/office/drawing/2016/SVG/main" r:embed="rId7"/>
+              </a:ext>
+            </a:extLst>
+          </a:blip>
+          <a:stretch>
+            <a:fillRect/>
+          </a:stretch>
+        </p:blipFill>
+        <p:spPr>
+          <a:xfrm>
+            <a:off x="4494212" y="3134254"/>
+            <a:ext cx="914400" cy="914400"/>
+          </a:xfrm>
+          <a:prstGeom prst="rect">
+            <a:avLst/>
+          </a:prstGeom>
+        </p:spPr>
+      </p:pic>
     </p:spTree>
     <p:extLst>
       <p:ext uri="{BB962C8B-B14F-4D97-AF65-F5344CB8AC3E}">

--- a/SAI_presentation.pptx
+++ b/SAI_presentation.pptx
@@ -12290,8 +12290,16 @@
           <a:lstStyle/>
           <a:p>
             <a:r>
+              <a:rPr lang="fr-FR" b="1" dirty="0">
+                <a:solidFill>
+                  <a:srgbClr val="FFC000"/>
+                </a:solidFill>
+              </a:rPr>
+              <a:t>SAI</a:t>
+            </a:r>
+            <a:r>
               <a:rPr lang="fr-FR" dirty="0"/>
-              <a:t>SAI </a:t>
+              <a:t> </a:t>
             </a:r>
             <a:r>
               <a:rPr lang="fr-FR" dirty="0" err="1"/>
@@ -12315,7 +12323,19 @@
             </a:r>
             <a:r>
               <a:rPr lang="fr-FR" dirty="0"/>
-              <a:t> the computer </a:t>
+              <a:t> the </a:t>
+            </a:r>
+            <a:r>
+              <a:rPr lang="fr-FR" b="1" dirty="0">
+                <a:solidFill>
+                  <a:srgbClr val="00B050"/>
+                </a:solidFill>
+              </a:rPr>
+              <a:t>computer</a:t>
+            </a:r>
+            <a:r>
+              <a:rPr lang="fr-FR" dirty="0"/>
+              <a:t> </a:t>
             </a:r>
             <a:r>
               <a:rPr lang="fr-FR" dirty="0" err="1"/>
@@ -12350,7 +12370,11 @@
               <a:t> use the </a:t>
             </a:r>
             <a:r>
-              <a:rPr lang="fr-FR" dirty="0" err="1"/>
+              <a:rPr lang="fr-FR" b="1" dirty="0" err="1">
+                <a:solidFill>
+                  <a:srgbClr val="002060"/>
+                </a:solidFill>
+              </a:rPr>
               <a:t>mic</a:t>
             </a:r>
             <a:r>
@@ -12358,7 +12382,11 @@
               <a:t> and let the </a:t>
             </a:r>
             <a:r>
-              <a:rPr lang="fr-FR" dirty="0" err="1"/>
+              <a:rPr lang="fr-FR" b="1" dirty="0" err="1">
+                <a:solidFill>
+                  <a:srgbClr val="002060"/>
+                </a:solidFill>
+              </a:rPr>
               <a:t>mic</a:t>
             </a:r>
             <a:r>
@@ -12401,10 +12429,10 @@
               <a:t> to </a:t>
             </a:r>
             <a:r>
-              <a:rPr lang="fr-FR"/>
+              <a:rPr lang="fr-FR" dirty="0" err="1"/>
               <a:t>explain</a:t>
             </a:r>
-            <a:endParaRPr lang="en-GB"/>
+            <a:endParaRPr lang="en-GB" dirty="0"/>
           </a:p>
         </p:txBody>
       </p:sp>
@@ -12436,7 +12464,7 @@
         </p:blipFill>
         <p:spPr>
           <a:xfrm>
-            <a:off x="4348164" y="4545539"/>
+            <a:off x="4494212" y="4487332"/>
             <a:ext cx="914400" cy="914400"/>
           </a:xfrm>
           <a:prstGeom prst="rect">

--- a/SAI_presentation.pptx
+++ b/SAI_presentation.pptx
@@ -6942,7 +6942,7 @@
             <a:fld id="{B61BEF0D-F0BB-DE4B-95CE-6DB70DBA9567}" type="datetimeFigureOut">
               <a:rPr lang="en-US" dirty="0"/>
               <a:pPr/>
-              <a:t>3/19/2020</a:t>
+              <a:t>3/20/2020</a:t>
             </a:fld>
             <a:endParaRPr lang="en-US" dirty="0"/>
           </a:p>
@@ -7375,7 +7375,7 @@
             <a:fld id="{B61BEF0D-F0BB-DE4B-95CE-6DB70DBA9567}" type="datetimeFigureOut">
               <a:rPr lang="en-US" dirty="0"/>
               <a:pPr/>
-              <a:t>3/19/2020</a:t>
+              <a:t>3/20/2020</a:t>
             </a:fld>
             <a:endParaRPr lang="en-US" dirty="0"/>
           </a:p>
@@ -7622,7 +7622,7 @@
             <a:fld id="{B61BEF0D-F0BB-DE4B-95CE-6DB70DBA9567}" type="datetimeFigureOut">
               <a:rPr lang="en-US" dirty="0"/>
               <a:pPr/>
-              <a:t>3/19/2020</a:t>
+              <a:t>3/20/2020</a:t>
             </a:fld>
             <a:endParaRPr lang="en-US" dirty="0"/>
           </a:p>
@@ -7927,7 +7927,7 @@
             <a:fld id="{B61BEF0D-F0BB-DE4B-95CE-6DB70DBA9567}" type="datetimeFigureOut">
               <a:rPr lang="en-US" dirty="0"/>
               <a:pPr/>
-              <a:t>3/19/2020</a:t>
+              <a:t>3/20/2020</a:t>
             </a:fld>
             <a:endParaRPr lang="en-US" dirty="0"/>
           </a:p>
@@ -8242,7 +8242,7 @@
             <a:fld id="{B61BEF0D-F0BB-DE4B-95CE-6DB70DBA9567}" type="datetimeFigureOut">
               <a:rPr lang="en-US" dirty="0"/>
               <a:pPr/>
-              <a:t>3/19/2020</a:t>
+              <a:t>3/20/2020</a:t>
             </a:fld>
             <a:endParaRPr lang="en-US" dirty="0"/>
           </a:p>
@@ -8541,7 +8541,7 @@
             <a:fld id="{B61BEF0D-F0BB-DE4B-95CE-6DB70DBA9567}" type="datetimeFigureOut">
               <a:rPr lang="en-US" dirty="0"/>
               <a:pPr/>
-              <a:t>3/19/2020</a:t>
+              <a:t>3/20/2020</a:t>
             </a:fld>
             <a:endParaRPr lang="en-US" dirty="0"/>
           </a:p>
@@ -8905,7 +8905,7 @@
             <a:fld id="{B61BEF0D-F0BB-DE4B-95CE-6DB70DBA9567}" type="datetimeFigureOut">
               <a:rPr lang="en-US" dirty="0"/>
               <a:pPr/>
-              <a:t>3/19/2020</a:t>
+              <a:t>3/20/2020</a:t>
             </a:fld>
             <a:endParaRPr lang="en-US" dirty="0"/>
           </a:p>
@@ -9076,7 +9076,7 @@
             <a:fld id="{B61BEF0D-F0BB-DE4B-95CE-6DB70DBA9567}" type="datetimeFigureOut">
               <a:rPr lang="en-US" dirty="0"/>
               <a:pPr/>
-              <a:t>3/19/2020</a:t>
+              <a:t>3/20/2020</a:t>
             </a:fld>
             <a:endParaRPr lang="en-US" dirty="0"/>
           </a:p>
@@ -9253,7 +9253,7 @@
             <a:fld id="{B61BEF0D-F0BB-DE4B-95CE-6DB70DBA9567}" type="datetimeFigureOut">
               <a:rPr lang="en-US" dirty="0"/>
               <a:pPr/>
-              <a:t>3/19/2020</a:t>
+              <a:t>3/20/2020</a:t>
             </a:fld>
             <a:endParaRPr lang="en-US" dirty="0"/>
           </a:p>
@@ -9420,7 +9420,7 @@
             <a:fld id="{B61BEF0D-F0BB-DE4B-95CE-6DB70DBA9567}" type="datetimeFigureOut">
               <a:rPr lang="en-US" dirty="0"/>
               <a:pPr/>
-              <a:t>3/19/2020</a:t>
+              <a:t>3/20/2020</a:t>
             </a:fld>
             <a:endParaRPr lang="en-US" dirty="0"/>
           </a:p>
@@ -9667,7 +9667,7 @@
             <a:fld id="{B61BEF0D-F0BB-DE4B-95CE-6DB70DBA9567}" type="datetimeFigureOut">
               <a:rPr lang="en-US" dirty="0"/>
               <a:pPr/>
-              <a:t>3/19/2020</a:t>
+              <a:t>3/20/2020</a:t>
             </a:fld>
             <a:endParaRPr lang="en-US" dirty="0"/>
           </a:p>
@@ -9900,7 +9900,7 @@
             <a:fld id="{B61BEF0D-F0BB-DE4B-95CE-6DB70DBA9567}" type="datetimeFigureOut">
               <a:rPr lang="en-US" dirty="0"/>
               <a:pPr/>
-              <a:t>3/19/2020</a:t>
+              <a:t>3/20/2020</a:t>
             </a:fld>
             <a:endParaRPr lang="en-US" dirty="0"/>
           </a:p>
@@ -10279,7 +10279,7 @@
             <a:fld id="{B61BEF0D-F0BB-DE4B-95CE-6DB70DBA9567}" type="datetimeFigureOut">
               <a:rPr lang="en-US" dirty="0"/>
               <a:pPr/>
-              <a:t>3/19/2020</a:t>
+              <a:t>3/20/2020</a:t>
             </a:fld>
             <a:endParaRPr lang="en-US" dirty="0"/>
           </a:p>
@@ -10394,7 +10394,7 @@
             <a:fld id="{B61BEF0D-F0BB-DE4B-95CE-6DB70DBA9567}" type="datetimeFigureOut">
               <a:rPr lang="en-US" dirty="0"/>
               <a:pPr/>
-              <a:t>3/19/2020</a:t>
+              <a:t>3/20/2020</a:t>
             </a:fld>
             <a:endParaRPr lang="en-US" dirty="0"/>
           </a:p>
@@ -10486,7 +10486,7 @@
             <a:fld id="{B61BEF0D-F0BB-DE4B-95CE-6DB70DBA9567}" type="datetimeFigureOut">
               <a:rPr lang="en-US" dirty="0"/>
               <a:pPr/>
-              <a:t>3/19/2020</a:t>
+              <a:t>3/20/2020</a:t>
             </a:fld>
             <a:endParaRPr lang="en-US" dirty="0"/>
           </a:p>
@@ -10738,7 +10738,7 @@
             <a:fld id="{B61BEF0D-F0BB-DE4B-95CE-6DB70DBA9567}" type="datetimeFigureOut">
               <a:rPr lang="en-US" dirty="0"/>
               <a:pPr/>
-              <a:t>3/19/2020</a:t>
+              <a:t>3/20/2020</a:t>
             </a:fld>
             <a:endParaRPr lang="en-US" dirty="0"/>
           </a:p>
@@ -11018,7 +11018,7 @@
             <a:fld id="{B61BEF0D-F0BB-DE4B-95CE-6DB70DBA9567}" type="datetimeFigureOut">
               <a:rPr lang="en-US" dirty="0"/>
               <a:pPr/>
-              <a:t>3/19/2020</a:t>
+              <a:t>3/20/2020</a:t>
             </a:fld>
             <a:endParaRPr lang="en-US" dirty="0"/>
           </a:p>
@@ -11421,7 +11421,7 @@
             <a:fld id="{B61BEF0D-F0BB-DE4B-95CE-6DB70DBA9567}" type="datetimeFigureOut">
               <a:rPr lang="en-US" dirty="0"/>
               <a:pPr/>
-              <a:t>3/19/2020</a:t>
+              <a:t>3/20/2020</a:t>
             </a:fld>
             <a:endParaRPr lang="en-US" dirty="0"/>
           </a:p>
@@ -12464,7 +12464,7 @@
         </p:blipFill>
         <p:spPr>
           <a:xfrm>
-            <a:off x="4494212" y="4487332"/>
+            <a:off x="3430589" y="3479800"/>
             <a:ext cx="914400" cy="914400"/>
           </a:xfrm>
           <a:prstGeom prst="rect">
@@ -12500,7 +12500,7 @@
         </p:blipFill>
         <p:spPr>
           <a:xfrm>
-            <a:off x="6627812" y="3631139"/>
+            <a:off x="6825885" y="4030132"/>
             <a:ext cx="914400" cy="914400"/>
           </a:xfrm>
           <a:prstGeom prst="rect">
@@ -12536,7 +12536,79 @@
         </p:blipFill>
         <p:spPr>
           <a:xfrm>
-            <a:off x="4494212" y="3134254"/>
+            <a:off x="5564189" y="3631139"/>
+            <a:ext cx="914400" cy="914400"/>
+          </a:xfrm>
+          <a:prstGeom prst="rect">
+            <a:avLst/>
+          </a:prstGeom>
+        </p:spPr>
+      </p:pic>
+      <p:pic>
+        <p:nvPicPr>
+          <p:cNvPr id="6" name="Graphique 5" descr="Parole">
+            <a:extLst>
+              <a:ext uri="{FF2B5EF4-FFF2-40B4-BE49-F238E27FC236}">
+                <a16:creationId xmlns:a16="http://schemas.microsoft.com/office/drawing/2014/main" id="{8F292A96-33FC-427A-87E4-5F58A0D6032F}"/>
+              </a:ext>
+            </a:extLst>
+          </p:cNvPr>
+          <p:cNvPicPr>
+            <a:picLocks noChangeAspect="1"/>
+          </p:cNvPicPr>
+          <p:nvPr/>
+        </p:nvPicPr>
+        <p:blipFill>
+          <a:blip r:embed="rId8">
+            <a:extLst>
+              <a:ext uri="{96DAC541-7B7A-43D3-8B79-37D633B846F1}">
+                <asvg:svgBlip xmlns:asvg="http://schemas.microsoft.com/office/drawing/2016/SVG/main" r:embed="rId9"/>
+              </a:ext>
+            </a:extLst>
+          </a:blip>
+          <a:stretch>
+            <a:fillRect/>
+          </a:stretch>
+        </p:blipFill>
+        <p:spPr>
+          <a:xfrm>
+            <a:off x="8550070" y="3433234"/>
+            <a:ext cx="914400" cy="914400"/>
+          </a:xfrm>
+          <a:prstGeom prst="rect">
+            <a:avLst/>
+          </a:prstGeom>
+        </p:spPr>
+      </p:pic>
+      <p:pic>
+        <p:nvPicPr>
+          <p:cNvPr id="10" name="Graphique 9" descr="Notation musicale">
+            <a:extLst>
+              <a:ext uri="{FF2B5EF4-FFF2-40B4-BE49-F238E27FC236}">
+                <a16:creationId xmlns:a16="http://schemas.microsoft.com/office/drawing/2014/main" id="{351F199E-152F-45C7-92F5-9CBB67E3B8D5}"/>
+              </a:ext>
+            </a:extLst>
+          </p:cNvPr>
+          <p:cNvPicPr>
+            <a:picLocks noChangeAspect="1"/>
+          </p:cNvPicPr>
+          <p:nvPr/>
+        </p:nvPicPr>
+        <p:blipFill>
+          <a:blip r:embed="rId10">
+            <a:extLst>
+              <a:ext uri="{96DAC541-7B7A-43D3-8B79-37D633B846F1}">
+                <asvg:svgBlip xmlns:asvg="http://schemas.microsoft.com/office/drawing/2016/SVG/main" r:embed="rId11"/>
+              </a:ext>
+            </a:extLst>
+          </a:blip>
+          <a:stretch>
+            <a:fillRect/>
+          </a:stretch>
+        </p:blipFill>
+        <p:spPr>
+          <a:xfrm>
+            <a:off x="8582464" y="5023643"/>
             <a:ext cx="914400" cy="914400"/>
           </a:xfrm>
           <a:prstGeom prst="rect">

--- a/SAI_presentation.pptx
+++ b/SAI_presentation.pptx
@@ -12378,8 +12378,62 @@
               <a:t>mic</a:t>
             </a:r>
             <a:r>
+              <a:rPr lang="fr-FR" b="1" dirty="0">
+                <a:solidFill>
+                  <a:srgbClr val="002060"/>
+                </a:solidFill>
+              </a:rPr>
+              <a:t> </a:t>
+            </a:r>
+            <a:r>
+              <a:rPr lang="fr-FR" dirty="0">
+                <a:solidFill>
+                  <a:srgbClr val="002060"/>
+                </a:solidFill>
+              </a:rPr>
+              <a:t>to </a:t>
+            </a:r>
+            <a:r>
+              <a:rPr lang="fr-FR" dirty="0" err="1">
+                <a:solidFill>
+                  <a:srgbClr val="002060"/>
+                </a:solidFill>
+              </a:rPr>
+              <a:t>listen</a:t>
+            </a:r>
+            <a:r>
+              <a:rPr lang="fr-FR" dirty="0">
+                <a:solidFill>
+                  <a:srgbClr val="002060"/>
+                </a:solidFill>
+              </a:rPr>
+              <a:t> </a:t>
+            </a:r>
+            <a:r>
+              <a:rPr lang="fr-FR" b="1" dirty="0">
+                <a:solidFill>
+                  <a:schemeClr val="accent6">
+                    <a:lumMod val="60000"/>
+                    <a:lumOff val="40000"/>
+                  </a:schemeClr>
+                </a:solidFill>
+              </a:rPr>
+              <a:t>a command</a:t>
+            </a:r>
+            <a:r>
+              <a:rPr lang="fr-FR" dirty="0">
+                <a:solidFill>
+                  <a:schemeClr val="accent6">
+                    <a:lumMod val="60000"/>
+                    <a:lumOff val="40000"/>
+                  </a:schemeClr>
+                </a:solidFill>
+              </a:rPr>
+              <a:t> </a:t>
+            </a:r>
+            <a:r>
               <a:rPr lang="fr-FR" dirty="0"/>
-              <a:t> and let the </a:t>
+              <a:t>and let the </a:t>
             </a:r>
             <a:r>
               <a:rPr lang="fr-FR" b="1" dirty="0" err="1">
@@ -12394,12 +12448,24 @@
               <a:t> for </a:t>
             </a:r>
             <a:r>
-              <a:rPr lang="fr-FR" dirty="0" err="1"/>
+              <a:rPr lang="fr-FR" b="1" dirty="0" err="1">
+                <a:solidFill>
+                  <a:srgbClr val="FFFF00"/>
+                </a:solidFill>
+              </a:rPr>
               <a:t>another</a:t>
             </a:r>
             <a:r>
+              <a:rPr lang="fr-FR" b="1" dirty="0">
+                <a:solidFill>
+                  <a:srgbClr val="FFFF00"/>
+                </a:solidFill>
+              </a:rPr>
+              <a:t> application</a:t>
+            </a:r>
+            <a:r>
               <a:rPr lang="fr-FR" dirty="0"/>
-              <a:t> application if </a:t>
+              <a:t> if </a:t>
             </a:r>
             <a:r>
               <a:rPr lang="fr-FR" dirty="0" err="1"/>

--- a/SAI_presentation.pptx
+++ b/SAI_presentation.pptx
@@ -12530,7 +12530,7 @@
         </p:blipFill>
         <p:spPr>
           <a:xfrm>
-            <a:off x="3430589" y="3479800"/>
+            <a:off x="4733632" y="3979334"/>
             <a:ext cx="914400" cy="914400"/>
           </a:xfrm>
           <a:prstGeom prst="rect">
@@ -12602,7 +12602,7 @@
         </p:blipFill>
         <p:spPr>
           <a:xfrm>
-            <a:off x="5564189" y="3631139"/>
+            <a:off x="5354629" y="2725945"/>
             <a:ext cx="914400" cy="914400"/>
           </a:xfrm>
           <a:prstGeom prst="rect">
@@ -12674,7 +12674,7 @@
         </p:blipFill>
         <p:spPr>
           <a:xfrm>
-            <a:off x="8582464" y="5023643"/>
+            <a:off x="5153091" y="5079999"/>
             <a:ext cx="914400" cy="914400"/>
           </a:xfrm>
           <a:prstGeom prst="rect">
@@ -12682,6 +12682,236 @@
           </a:prstGeom>
         </p:spPr>
       </p:pic>
+      <p:sp>
+        <p:nvSpPr>
+          <p:cNvPr id="4" name="Flèche : bas 3">
+            <a:extLst>
+              <a:ext uri="{FF2B5EF4-FFF2-40B4-BE49-F238E27FC236}">
+                <a16:creationId xmlns:a16="http://schemas.microsoft.com/office/drawing/2014/main" id="{D59CD8F2-10B5-4F53-88AF-2BCFC611260F}"/>
+              </a:ext>
+            </a:extLst>
+          </p:cNvPr>
+          <p:cNvSpPr/>
+          <p:nvPr/>
+        </p:nvSpPr>
+        <p:spPr>
+          <a:xfrm rot="3732868">
+            <a:off x="7993698" y="3766190"/>
+            <a:ext cx="204210" cy="669928"/>
+          </a:xfrm>
+          <a:prstGeom prst="downArrow">
+            <a:avLst/>
+          </a:prstGeom>
+        </p:spPr>
+        <p:style>
+          <a:lnRef idx="2">
+            <a:schemeClr val="accent1">
+              <a:shade val="50000"/>
+            </a:schemeClr>
+          </a:lnRef>
+          <a:fillRef idx="1">
+            <a:schemeClr val="accent1"/>
+          </a:fillRef>
+          <a:effectRef idx="0">
+            <a:schemeClr val="accent1"/>
+          </a:effectRef>
+          <a:fontRef idx="minor">
+            <a:schemeClr val="lt1"/>
+          </a:fontRef>
+        </p:style>
+        <p:txBody>
+          <a:bodyPr rtlCol="0" anchor="ctr"/>
+          <a:lstStyle/>
+          <a:p>
+            <a:pPr algn="ctr"/>
+            <a:endParaRPr lang="en-GB"/>
+          </a:p>
+        </p:txBody>
+      </p:sp>
+      <p:sp>
+        <p:nvSpPr>
+          <p:cNvPr id="12" name="Flèche : bas 11">
+            <a:extLst>
+              <a:ext uri="{FF2B5EF4-FFF2-40B4-BE49-F238E27FC236}">
+                <a16:creationId xmlns:a16="http://schemas.microsoft.com/office/drawing/2014/main" id="{236D4982-8480-4DA2-8513-EE88FF8C0975}"/>
+              </a:ext>
+            </a:extLst>
+          </p:cNvPr>
+          <p:cNvSpPr/>
+          <p:nvPr/>
+        </p:nvSpPr>
+        <p:spPr>
+          <a:xfrm rot="14618119">
+            <a:off x="6344583" y="4761969"/>
+            <a:ext cx="204210" cy="669928"/>
+          </a:xfrm>
+          <a:prstGeom prst="downArrow">
+            <a:avLst/>
+          </a:prstGeom>
+        </p:spPr>
+        <p:style>
+          <a:lnRef idx="2">
+            <a:schemeClr val="accent1">
+              <a:shade val="50000"/>
+            </a:schemeClr>
+          </a:lnRef>
+          <a:fillRef idx="1">
+            <a:schemeClr val="accent1"/>
+          </a:fillRef>
+          <a:effectRef idx="0">
+            <a:schemeClr val="accent1"/>
+          </a:effectRef>
+          <a:fontRef idx="minor">
+            <a:schemeClr val="lt1"/>
+          </a:fontRef>
+        </p:style>
+        <p:txBody>
+          <a:bodyPr rtlCol="0" anchor="ctr"/>
+          <a:lstStyle/>
+          <a:p>
+            <a:pPr algn="ctr"/>
+            <a:endParaRPr lang="en-GB"/>
+          </a:p>
+        </p:txBody>
+      </p:sp>
+      <p:sp>
+        <p:nvSpPr>
+          <p:cNvPr id="13" name="Flèche : bas 12">
+            <a:extLst>
+              <a:ext uri="{FF2B5EF4-FFF2-40B4-BE49-F238E27FC236}">
+                <a16:creationId xmlns:a16="http://schemas.microsoft.com/office/drawing/2014/main" id="{C4A2AA50-047C-4245-B443-A5571DC2DB86}"/>
+              </a:ext>
+            </a:extLst>
+          </p:cNvPr>
+          <p:cNvSpPr/>
+          <p:nvPr/>
+        </p:nvSpPr>
+        <p:spPr>
+          <a:xfrm rot="5400000">
+            <a:off x="6188552" y="4132840"/>
+            <a:ext cx="204210" cy="669928"/>
+          </a:xfrm>
+          <a:prstGeom prst="downArrow">
+            <a:avLst/>
+          </a:prstGeom>
+        </p:spPr>
+        <p:style>
+          <a:lnRef idx="2">
+            <a:schemeClr val="accent1">
+              <a:shade val="50000"/>
+            </a:schemeClr>
+          </a:lnRef>
+          <a:fillRef idx="1">
+            <a:schemeClr val="accent1"/>
+          </a:fillRef>
+          <a:effectRef idx="0">
+            <a:schemeClr val="accent1"/>
+          </a:effectRef>
+          <a:fontRef idx="minor">
+            <a:schemeClr val="lt1"/>
+          </a:fontRef>
+        </p:style>
+        <p:txBody>
+          <a:bodyPr rtlCol="0" anchor="ctr"/>
+          <a:lstStyle/>
+          <a:p>
+            <a:pPr algn="ctr"/>
+            <a:endParaRPr lang="en-GB"/>
+          </a:p>
+        </p:txBody>
+      </p:sp>
+      <p:sp>
+        <p:nvSpPr>
+          <p:cNvPr id="14" name="Flèche : bas 13">
+            <a:extLst>
+              <a:ext uri="{FF2B5EF4-FFF2-40B4-BE49-F238E27FC236}">
+                <a16:creationId xmlns:a16="http://schemas.microsoft.com/office/drawing/2014/main" id="{D4836C54-A49D-49D7-814B-300210671829}"/>
+              </a:ext>
+            </a:extLst>
+          </p:cNvPr>
+          <p:cNvSpPr/>
+          <p:nvPr/>
+        </p:nvSpPr>
+        <p:spPr>
+          <a:xfrm rot="7014157">
+            <a:off x="6423387" y="3553355"/>
+            <a:ext cx="204210" cy="669928"/>
+          </a:xfrm>
+          <a:prstGeom prst="downArrow">
+            <a:avLst/>
+          </a:prstGeom>
+        </p:spPr>
+        <p:style>
+          <a:lnRef idx="2">
+            <a:schemeClr val="accent1">
+              <a:shade val="50000"/>
+            </a:schemeClr>
+          </a:lnRef>
+          <a:fillRef idx="1">
+            <a:schemeClr val="accent1"/>
+          </a:fillRef>
+          <a:effectRef idx="0">
+            <a:schemeClr val="accent1"/>
+          </a:effectRef>
+          <a:fontRef idx="minor">
+            <a:schemeClr val="lt1"/>
+          </a:fontRef>
+        </p:style>
+        <p:txBody>
+          <a:bodyPr rtlCol="0" anchor="ctr"/>
+          <a:lstStyle/>
+          <a:p>
+            <a:pPr algn="ctr"/>
+            <a:endParaRPr lang="en-GB"/>
+          </a:p>
+        </p:txBody>
+      </p:sp>
+      <p:sp>
+        <p:nvSpPr>
+          <p:cNvPr id="15" name="Flèche : bas 14">
+            <a:extLst>
+              <a:ext uri="{FF2B5EF4-FFF2-40B4-BE49-F238E27FC236}">
+                <a16:creationId xmlns:a16="http://schemas.microsoft.com/office/drawing/2014/main" id="{6544CD3B-E89F-4550-BD5A-FEECA0CF36CC}"/>
+              </a:ext>
+            </a:extLst>
+          </p:cNvPr>
+          <p:cNvSpPr/>
+          <p:nvPr/>
+        </p:nvSpPr>
+        <p:spPr>
+          <a:xfrm rot="1747778">
+            <a:off x="5088727" y="3305381"/>
+            <a:ext cx="204210" cy="669928"/>
+          </a:xfrm>
+          <a:prstGeom prst="downArrow">
+            <a:avLst/>
+          </a:prstGeom>
+        </p:spPr>
+        <p:style>
+          <a:lnRef idx="2">
+            <a:schemeClr val="accent1">
+              <a:shade val="50000"/>
+            </a:schemeClr>
+          </a:lnRef>
+          <a:fillRef idx="1">
+            <a:schemeClr val="accent1"/>
+          </a:fillRef>
+          <a:effectRef idx="0">
+            <a:schemeClr val="accent1"/>
+          </a:effectRef>
+          <a:fontRef idx="minor">
+            <a:schemeClr val="lt1"/>
+          </a:fontRef>
+        </p:style>
+        <p:txBody>
+          <a:bodyPr rtlCol="0" anchor="ctr"/>
+          <a:lstStyle/>
+          <a:p>
+            <a:pPr algn="ctr"/>
+            <a:endParaRPr lang="en-GB"/>
+          </a:p>
+        </p:txBody>
+      </p:sp>
     </p:spTree>
     <p:extLst>
       <p:ext uri="{BB962C8B-B14F-4D97-AF65-F5344CB8AC3E}">

--- a/SAI_presentation.pptx
+++ b/SAI_presentation.pptx
@@ -6942,7 +6942,7 @@
             <a:fld id="{B61BEF0D-F0BB-DE4B-95CE-6DB70DBA9567}" type="datetimeFigureOut">
               <a:rPr lang="en-US" dirty="0"/>
               <a:pPr/>
-              <a:t>3/20/2020</a:t>
+              <a:t>3/21/2020</a:t>
             </a:fld>
             <a:endParaRPr lang="en-US" dirty="0"/>
           </a:p>
@@ -7375,7 +7375,7 @@
             <a:fld id="{B61BEF0D-F0BB-DE4B-95CE-6DB70DBA9567}" type="datetimeFigureOut">
               <a:rPr lang="en-US" dirty="0"/>
               <a:pPr/>
-              <a:t>3/20/2020</a:t>
+              <a:t>3/21/2020</a:t>
             </a:fld>
             <a:endParaRPr lang="en-US" dirty="0"/>
           </a:p>
@@ -7622,7 +7622,7 @@
             <a:fld id="{B61BEF0D-F0BB-DE4B-95CE-6DB70DBA9567}" type="datetimeFigureOut">
               <a:rPr lang="en-US" dirty="0"/>
               <a:pPr/>
-              <a:t>3/20/2020</a:t>
+              <a:t>3/21/2020</a:t>
             </a:fld>
             <a:endParaRPr lang="en-US" dirty="0"/>
           </a:p>
@@ -7927,7 +7927,7 @@
             <a:fld id="{B61BEF0D-F0BB-DE4B-95CE-6DB70DBA9567}" type="datetimeFigureOut">
               <a:rPr lang="en-US" dirty="0"/>
               <a:pPr/>
-              <a:t>3/20/2020</a:t>
+              <a:t>3/21/2020</a:t>
             </a:fld>
             <a:endParaRPr lang="en-US" dirty="0"/>
           </a:p>
@@ -8242,7 +8242,7 @@
             <a:fld id="{B61BEF0D-F0BB-DE4B-95CE-6DB70DBA9567}" type="datetimeFigureOut">
               <a:rPr lang="en-US" dirty="0"/>
               <a:pPr/>
-              <a:t>3/20/2020</a:t>
+              <a:t>3/21/2020</a:t>
             </a:fld>
             <a:endParaRPr lang="en-US" dirty="0"/>
           </a:p>
@@ -8541,7 +8541,7 @@
             <a:fld id="{B61BEF0D-F0BB-DE4B-95CE-6DB70DBA9567}" type="datetimeFigureOut">
               <a:rPr lang="en-US" dirty="0"/>
               <a:pPr/>
-              <a:t>3/20/2020</a:t>
+              <a:t>3/21/2020</a:t>
             </a:fld>
             <a:endParaRPr lang="en-US" dirty="0"/>
           </a:p>
@@ -8905,7 +8905,7 @@
             <a:fld id="{B61BEF0D-F0BB-DE4B-95CE-6DB70DBA9567}" type="datetimeFigureOut">
               <a:rPr lang="en-US" dirty="0"/>
               <a:pPr/>
-              <a:t>3/20/2020</a:t>
+              <a:t>3/21/2020</a:t>
             </a:fld>
             <a:endParaRPr lang="en-US" dirty="0"/>
           </a:p>
@@ -9076,7 +9076,7 @@
             <a:fld id="{B61BEF0D-F0BB-DE4B-95CE-6DB70DBA9567}" type="datetimeFigureOut">
               <a:rPr lang="en-US" dirty="0"/>
               <a:pPr/>
-              <a:t>3/20/2020</a:t>
+              <a:t>3/21/2020</a:t>
             </a:fld>
             <a:endParaRPr lang="en-US" dirty="0"/>
           </a:p>
@@ -9253,7 +9253,7 @@
             <a:fld id="{B61BEF0D-F0BB-DE4B-95CE-6DB70DBA9567}" type="datetimeFigureOut">
               <a:rPr lang="en-US" dirty="0"/>
               <a:pPr/>
-              <a:t>3/20/2020</a:t>
+              <a:t>3/21/2020</a:t>
             </a:fld>
             <a:endParaRPr lang="en-US" dirty="0"/>
           </a:p>
@@ -9420,7 +9420,7 @@
             <a:fld id="{B61BEF0D-F0BB-DE4B-95CE-6DB70DBA9567}" type="datetimeFigureOut">
               <a:rPr lang="en-US" dirty="0"/>
               <a:pPr/>
-              <a:t>3/20/2020</a:t>
+              <a:t>3/21/2020</a:t>
             </a:fld>
             <a:endParaRPr lang="en-US" dirty="0"/>
           </a:p>
@@ -9667,7 +9667,7 @@
             <a:fld id="{B61BEF0D-F0BB-DE4B-95CE-6DB70DBA9567}" type="datetimeFigureOut">
               <a:rPr lang="en-US" dirty="0"/>
               <a:pPr/>
-              <a:t>3/20/2020</a:t>
+              <a:t>3/21/2020</a:t>
             </a:fld>
             <a:endParaRPr lang="en-US" dirty="0"/>
           </a:p>
@@ -9900,7 +9900,7 @@
             <a:fld id="{B61BEF0D-F0BB-DE4B-95CE-6DB70DBA9567}" type="datetimeFigureOut">
               <a:rPr lang="en-US" dirty="0"/>
               <a:pPr/>
-              <a:t>3/20/2020</a:t>
+              <a:t>3/21/2020</a:t>
             </a:fld>
             <a:endParaRPr lang="en-US" dirty="0"/>
           </a:p>
@@ -10279,7 +10279,7 @@
             <a:fld id="{B61BEF0D-F0BB-DE4B-95CE-6DB70DBA9567}" type="datetimeFigureOut">
               <a:rPr lang="en-US" dirty="0"/>
               <a:pPr/>
-              <a:t>3/20/2020</a:t>
+              <a:t>3/21/2020</a:t>
             </a:fld>
             <a:endParaRPr lang="en-US" dirty="0"/>
           </a:p>
@@ -10394,7 +10394,7 @@
             <a:fld id="{B61BEF0D-F0BB-DE4B-95CE-6DB70DBA9567}" type="datetimeFigureOut">
               <a:rPr lang="en-US" dirty="0"/>
               <a:pPr/>
-              <a:t>3/20/2020</a:t>
+              <a:t>3/21/2020</a:t>
             </a:fld>
             <a:endParaRPr lang="en-US" dirty="0"/>
           </a:p>
@@ -10486,7 +10486,7 @@
             <a:fld id="{B61BEF0D-F0BB-DE4B-95CE-6DB70DBA9567}" type="datetimeFigureOut">
               <a:rPr lang="en-US" dirty="0"/>
               <a:pPr/>
-              <a:t>3/20/2020</a:t>
+              <a:t>3/21/2020</a:t>
             </a:fld>
             <a:endParaRPr lang="en-US" dirty="0"/>
           </a:p>
@@ -10738,7 +10738,7 @@
             <a:fld id="{B61BEF0D-F0BB-DE4B-95CE-6DB70DBA9567}" type="datetimeFigureOut">
               <a:rPr lang="en-US" dirty="0"/>
               <a:pPr/>
-              <a:t>3/20/2020</a:t>
+              <a:t>3/21/2020</a:t>
             </a:fld>
             <a:endParaRPr lang="en-US" dirty="0"/>
           </a:p>
@@ -11018,7 +11018,7 @@
             <a:fld id="{B61BEF0D-F0BB-DE4B-95CE-6DB70DBA9567}" type="datetimeFigureOut">
               <a:rPr lang="en-US" dirty="0"/>
               <a:pPr/>
-              <a:t>3/20/2020</a:t>
+              <a:t>3/21/2020</a:t>
             </a:fld>
             <a:endParaRPr lang="en-US" dirty="0"/>
           </a:p>
@@ -11421,7 +11421,7 @@
             <a:fld id="{B61BEF0D-F0BB-DE4B-95CE-6DB70DBA9567}" type="datetimeFigureOut">
               <a:rPr lang="en-US" dirty="0"/>
               <a:pPr/>
-              <a:t>3/20/2020</a:t>
+              <a:t>3/21/2020</a:t>
             </a:fld>
             <a:endParaRPr lang="en-US" dirty="0"/>
           </a:p>
@@ -12993,13 +12993,90 @@
           <a:lstStyle/>
           <a:p>
             <a:r>
+              <a:rPr lang="fr-FR" dirty="0" err="1"/>
+              <a:t>Create</a:t>
+            </a:r>
+            <a:r>
               <a:rPr lang="fr-FR" dirty="0"/>
-              <a:t>Issues </a:t>
+              <a:t> an adapter to </a:t>
             </a:r>
             <a:r>
               <a:rPr lang="fr-FR" dirty="0" err="1"/>
-              <a:t>synthesis</a:t>
-            </a:r>
+              <a:t>easely</a:t>
+            </a:r>
+            <a:r>
+              <a:rPr lang="fr-FR" dirty="0"/>
+              <a:t> </a:t>
+            </a:r>
+            <a:r>
+              <a:rPr lang="fr-FR" dirty="0" err="1"/>
+              <a:t>deploy</a:t>
+            </a:r>
+            <a:endParaRPr lang="fr-FR" dirty="0"/>
+          </a:p>
+          <a:p>
+            <a:r>
+              <a:rPr lang="fr-FR" dirty="0" err="1"/>
+              <a:t>Compress</a:t>
+            </a:r>
+            <a:r>
+              <a:rPr lang="fr-FR" dirty="0"/>
+              <a:t> data </a:t>
+            </a:r>
+            <a:r>
+              <a:rPr lang="fr-FR" dirty="0" err="1"/>
+              <a:t>gather</a:t>
+            </a:r>
+            <a:r>
+              <a:rPr lang="fr-FR" dirty="0"/>
+              <a:t> by SAI</a:t>
+            </a:r>
+          </a:p>
+          <a:p>
+            <a:r>
+              <a:rPr lang="fr-FR" dirty="0" err="1"/>
+              <a:t>Create</a:t>
+            </a:r>
+            <a:r>
+              <a:rPr lang="fr-FR" dirty="0"/>
+              <a:t> a </a:t>
+            </a:r>
+            <a:r>
+              <a:rPr lang="fr-FR" dirty="0" err="1"/>
+              <a:t>reward</a:t>
+            </a:r>
+            <a:r>
+              <a:rPr lang="fr-FR" dirty="0"/>
+              <a:t> </a:t>
+            </a:r>
+            <a:r>
+              <a:rPr lang="fr-FR" dirty="0" err="1"/>
+              <a:t>using</a:t>
+            </a:r>
+            <a:r>
+              <a:rPr lang="fr-FR" dirty="0"/>
+              <a:t> RL</a:t>
+            </a:r>
+          </a:p>
+          <a:p>
+            <a:r>
+              <a:rPr lang="fr-FR" dirty="0" err="1"/>
+              <a:t>Make</a:t>
+            </a:r>
+            <a:r>
+              <a:rPr lang="fr-FR" dirty="0"/>
+              <a:t> SAI </a:t>
+            </a:r>
+            <a:r>
+              <a:rPr lang="fr-FR" dirty="0" err="1"/>
+              <a:t>robust</a:t>
+            </a:r>
+            <a:endParaRPr lang="fr-FR" dirty="0"/>
+          </a:p>
+          <a:p>
+            <a:endParaRPr lang="fr-FR" dirty="0"/>
+          </a:p>
+          <a:p>
             <a:endParaRPr lang="fr-FR" dirty="0"/>
           </a:p>
           <a:p>
@@ -13012,8 +13089,12 @@
               <a:t>complex</a:t>
             </a:r>
             <a:r>
-              <a:rPr lang="fr-FR"/>
-              <a:t> shema</a:t>
+              <a:rPr lang="fr-FR" dirty="0"/>
+              <a:t> </a:t>
+            </a:r>
+            <a:r>
+              <a:rPr lang="fr-FR" dirty="0" err="1"/>
+              <a:t>shema</a:t>
             </a:r>
             <a:endParaRPr lang="en-GB" dirty="0"/>
           </a:p>

--- a/SAI_presentation.pptx
+++ b/SAI_presentation.pptx
@@ -13074,29 +13074,1621 @@
             <a:endParaRPr lang="fr-FR" dirty="0"/>
           </a:p>
           <a:p>
+            <a:pPr marL="0" indent="0">
+              <a:buNone/>
+            </a:pPr>
             <a:endParaRPr lang="fr-FR" dirty="0"/>
           </a:p>
           <a:p>
+            <a:pPr marL="0" indent="0">
+              <a:buNone/>
+            </a:pPr>
             <a:endParaRPr lang="fr-FR" dirty="0"/>
           </a:p>
           <a:p>
-            <a:r>
-              <a:rPr lang="fr-FR" dirty="0"/>
-              <a:t>Use a </a:t>
-            </a:r>
-            <a:r>
-              <a:rPr lang="fr-FR" dirty="0" err="1"/>
-              <a:t>complex</a:t>
-            </a:r>
-            <a:r>
-              <a:rPr lang="fr-FR" dirty="0"/>
-              <a:t> </a:t>
-            </a:r>
-            <a:r>
-              <a:rPr lang="fr-FR" dirty="0" err="1"/>
-              <a:t>shema</a:t>
-            </a:r>
-            <a:endParaRPr lang="en-GB" dirty="0"/>
+            <a:pPr marL="0" indent="0">
+              <a:buNone/>
+            </a:pPr>
+            <a:endParaRPr lang="fr-FR" dirty="0"/>
+          </a:p>
+          <a:p>
+            <a:pPr marL="0" indent="0">
+              <a:buNone/>
+            </a:pPr>
+            <a:endParaRPr lang="fr-FR" dirty="0"/>
+          </a:p>
+          <a:p>
+            <a:pPr marL="0" indent="0">
+              <a:buNone/>
+            </a:pPr>
+            <a:endParaRPr lang="fr-FR" dirty="0"/>
+          </a:p>
+          <a:p>
+            <a:pPr marL="0" indent="0">
+              <a:buNone/>
+            </a:pPr>
+            <a:endParaRPr lang="fr-FR" dirty="0"/>
+          </a:p>
+          <a:p>
+            <a:pPr marL="0" indent="0">
+              <a:buNone/>
+            </a:pPr>
+            <a:endParaRPr lang="fr-FR" dirty="0"/>
+          </a:p>
+        </p:txBody>
+      </p:sp>
+      <p:pic>
+        <p:nvPicPr>
+          <p:cNvPr id="4" name="Picture 4" descr="RÃ©sultat de recherche d'images pour &quot;windows 10 logo png&quot;">
+            <a:extLst>
+              <a:ext uri="{FF2B5EF4-FFF2-40B4-BE49-F238E27FC236}">
+                <a16:creationId xmlns:a16="http://schemas.microsoft.com/office/drawing/2014/main" id="{632D05D3-115B-4FB4-B6ED-F7E67B154C9D}"/>
+              </a:ext>
+            </a:extLst>
+          </p:cNvPr>
+          <p:cNvPicPr>
+            <a:picLocks noChangeAspect="1" noChangeArrowheads="1"/>
+          </p:cNvPicPr>
+          <p:nvPr/>
+        </p:nvPicPr>
+        <p:blipFill>
+          <a:blip r:embed="rId2">
+            <a:extLst>
+              <a:ext uri="{28A0092B-C50C-407E-A947-70E740481C1C}">
+                <a14:useLocalDpi xmlns:a14="http://schemas.microsoft.com/office/drawing/2010/main" val="0"/>
+              </a:ext>
+            </a:extLst>
+          </a:blip>
+          <a:srcRect/>
+          <a:stretch>
+            <a:fillRect/>
+          </a:stretch>
+        </p:blipFill>
+        <p:spPr bwMode="auto">
+          <a:xfrm>
+            <a:off x="4629668" y="1832143"/>
+            <a:ext cx="854553" cy="854553"/>
+          </a:xfrm>
+          <a:prstGeom prst="rect">
+            <a:avLst/>
+          </a:prstGeom>
+          <a:noFill/>
+          <a:extLst>
+            <a:ext uri="{909E8E84-426E-40DD-AFC4-6F175D3DCCD1}">
+              <a14:hiddenFill xmlns:a14="http://schemas.microsoft.com/office/drawing/2010/main">
+                <a:solidFill>
+                  <a:srgbClr val="FFFFFF"/>
+                </a:solidFill>
+              </a14:hiddenFill>
+            </a:ext>
+          </a:extLst>
+        </p:spPr>
+      </p:pic>
+      <p:pic>
+        <p:nvPicPr>
+          <p:cNvPr id="5" name="Picture 6" descr="RÃ©sultat de recherche d'images pour &quot;OS X logo png&quot;">
+            <a:extLst>
+              <a:ext uri="{FF2B5EF4-FFF2-40B4-BE49-F238E27FC236}">
+                <a16:creationId xmlns:a16="http://schemas.microsoft.com/office/drawing/2014/main" id="{80D051A5-2BC3-4D6F-A43B-29BDC899F4C6}"/>
+              </a:ext>
+            </a:extLst>
+          </p:cNvPr>
+          <p:cNvPicPr>
+            <a:picLocks noChangeAspect="1" noChangeArrowheads="1"/>
+          </p:cNvPicPr>
+          <p:nvPr/>
+        </p:nvPicPr>
+        <p:blipFill>
+          <a:blip r:embed="rId3">
+            <a:extLst>
+              <a:ext uri="{28A0092B-C50C-407E-A947-70E740481C1C}">
+                <a14:useLocalDpi xmlns:a14="http://schemas.microsoft.com/office/drawing/2010/main" val="0"/>
+              </a:ext>
+            </a:extLst>
+          </a:blip>
+          <a:srcRect/>
+          <a:stretch>
+            <a:fillRect/>
+          </a:stretch>
+        </p:blipFill>
+        <p:spPr bwMode="auto">
+          <a:xfrm>
+            <a:off x="4463710" y="4185513"/>
+            <a:ext cx="1181100" cy="473363"/>
+          </a:xfrm>
+          <a:prstGeom prst="rect">
+            <a:avLst/>
+          </a:prstGeom>
+          <a:noFill/>
+          <a:extLst>
+            <a:ext uri="{909E8E84-426E-40DD-AFC4-6F175D3DCCD1}">
+              <a14:hiddenFill xmlns:a14="http://schemas.microsoft.com/office/drawing/2010/main">
+                <a:solidFill>
+                  <a:srgbClr val="FFFFFF"/>
+                </a:solidFill>
+              </a14:hiddenFill>
+            </a:ext>
+          </a:extLst>
+        </p:spPr>
+      </p:pic>
+      <p:pic>
+        <p:nvPicPr>
+          <p:cNvPr id="6" name="Picture 8" descr="RÃ©sultat de recherche d'images pour &quot;linux logo png&quot;">
+            <a:extLst>
+              <a:ext uri="{FF2B5EF4-FFF2-40B4-BE49-F238E27FC236}">
+                <a16:creationId xmlns:a16="http://schemas.microsoft.com/office/drawing/2014/main" id="{A148C457-3235-4D1D-9F09-6B2FCB96A1CC}"/>
+              </a:ext>
+            </a:extLst>
+          </p:cNvPr>
+          <p:cNvPicPr>
+            <a:picLocks noChangeAspect="1" noChangeArrowheads="1"/>
+          </p:cNvPicPr>
+          <p:nvPr/>
+        </p:nvPicPr>
+        <p:blipFill>
+          <a:blip r:embed="rId4">
+            <a:extLst>
+              <a:ext uri="{28A0092B-C50C-407E-A947-70E740481C1C}">
+                <a14:useLocalDpi xmlns:a14="http://schemas.microsoft.com/office/drawing/2010/main" val="0"/>
+              </a:ext>
+            </a:extLst>
+          </a:blip>
+          <a:srcRect/>
+          <a:stretch>
+            <a:fillRect/>
+          </a:stretch>
+        </p:blipFill>
+        <p:spPr bwMode="auto">
+          <a:xfrm>
+            <a:off x="4586103" y="2785678"/>
+            <a:ext cx="898118" cy="1040354"/>
+          </a:xfrm>
+          <a:prstGeom prst="rect">
+            <a:avLst/>
+          </a:prstGeom>
+          <a:noFill/>
+          <a:extLst>
+            <a:ext uri="{909E8E84-426E-40DD-AFC4-6F175D3DCCD1}">
+              <a14:hiddenFill xmlns:a14="http://schemas.microsoft.com/office/drawing/2010/main">
+                <a:solidFill>
+                  <a:srgbClr val="FFFFFF"/>
+                </a:solidFill>
+              </a14:hiddenFill>
+            </a:ext>
+          </a:extLst>
+        </p:spPr>
+      </p:pic>
+      <p:pic>
+        <p:nvPicPr>
+          <p:cNvPr id="7" name="Graphique 6" descr="Caméra vidéo">
+            <a:extLst>
+              <a:ext uri="{FF2B5EF4-FFF2-40B4-BE49-F238E27FC236}">
+                <a16:creationId xmlns:a16="http://schemas.microsoft.com/office/drawing/2014/main" id="{43091EBC-6029-4FE6-8BFE-766AAE91E08B}"/>
+              </a:ext>
+            </a:extLst>
+          </p:cNvPr>
+          <p:cNvPicPr>
+            <a:picLocks noChangeAspect="1"/>
+          </p:cNvPicPr>
+          <p:nvPr/>
+        </p:nvPicPr>
+        <p:blipFill>
+          <a:blip r:embed="rId5">
+            <a:extLst>
+              <a:ext uri="{96DAC541-7B7A-43D3-8B79-37D633B846F1}">
+                <asvg:svgBlip xmlns:asvg="http://schemas.microsoft.com/office/drawing/2016/SVG/main" r:embed="rId6"/>
+              </a:ext>
+            </a:extLst>
+          </a:blip>
+          <a:stretch>
+            <a:fillRect/>
+          </a:stretch>
+        </p:blipFill>
+        <p:spPr>
+          <a:xfrm>
+            <a:off x="250439" y="1953636"/>
+            <a:ext cx="914400" cy="914400"/>
+          </a:xfrm>
+          <a:prstGeom prst="rect">
+            <a:avLst/>
+          </a:prstGeom>
+        </p:spPr>
+      </p:pic>
+      <p:pic>
+        <p:nvPicPr>
+          <p:cNvPr id="8" name="Graphique 7" descr="Microphone">
+            <a:extLst>
+              <a:ext uri="{FF2B5EF4-FFF2-40B4-BE49-F238E27FC236}">
+                <a16:creationId xmlns:a16="http://schemas.microsoft.com/office/drawing/2014/main" id="{992F8A9B-EF21-446F-8788-3BAC5BC9B88D}"/>
+              </a:ext>
+            </a:extLst>
+          </p:cNvPr>
+          <p:cNvPicPr>
+            <a:picLocks noChangeAspect="1"/>
+          </p:cNvPicPr>
+          <p:nvPr/>
+        </p:nvPicPr>
+        <p:blipFill>
+          <a:blip r:embed="rId7">
+            <a:extLst>
+              <a:ext uri="{96DAC541-7B7A-43D3-8B79-37D633B846F1}">
+                <asvg:svgBlip xmlns:asvg="http://schemas.microsoft.com/office/drawing/2016/SVG/main" r:embed="rId8"/>
+              </a:ext>
+            </a:extLst>
+          </a:blip>
+          <a:stretch>
+            <a:fillRect/>
+          </a:stretch>
+        </p:blipFill>
+        <p:spPr>
+          <a:xfrm>
+            <a:off x="271308" y="3259693"/>
+            <a:ext cx="914400" cy="914400"/>
+          </a:xfrm>
+          <a:prstGeom prst="rect">
+            <a:avLst/>
+          </a:prstGeom>
+        </p:spPr>
+      </p:pic>
+      <p:pic>
+        <p:nvPicPr>
+          <p:cNvPr id="9" name="Graphique 8" descr="Point d’interrogation">
+            <a:extLst>
+              <a:ext uri="{FF2B5EF4-FFF2-40B4-BE49-F238E27FC236}">
+                <a16:creationId xmlns:a16="http://schemas.microsoft.com/office/drawing/2014/main" id="{2762E42A-769B-4598-B22B-96B8AA4DB7BC}"/>
+              </a:ext>
+            </a:extLst>
+          </p:cNvPr>
+          <p:cNvPicPr>
+            <a:picLocks noChangeAspect="1"/>
+          </p:cNvPicPr>
+          <p:nvPr/>
+        </p:nvPicPr>
+        <p:blipFill>
+          <a:blip r:embed="rId9">
+            <a:extLst>
+              <a:ext uri="{96DAC541-7B7A-43D3-8B79-37D633B846F1}">
+                <asvg:svgBlip xmlns:asvg="http://schemas.microsoft.com/office/drawing/2016/SVG/main" r:embed="rId10"/>
+              </a:ext>
+            </a:extLst>
+          </a:blip>
+          <a:stretch>
+            <a:fillRect/>
+          </a:stretch>
+        </p:blipFill>
+        <p:spPr>
+          <a:xfrm>
+            <a:off x="2440695" y="2740920"/>
+            <a:ext cx="914400" cy="914400"/>
+          </a:xfrm>
+          <a:prstGeom prst="rect">
+            <a:avLst/>
+          </a:prstGeom>
+        </p:spPr>
+      </p:pic>
+      <p:sp>
+        <p:nvSpPr>
+          <p:cNvPr id="10" name="Flèche : droite 9">
+            <a:extLst>
+              <a:ext uri="{FF2B5EF4-FFF2-40B4-BE49-F238E27FC236}">
+                <a16:creationId xmlns:a16="http://schemas.microsoft.com/office/drawing/2014/main" id="{B70BF090-360F-43DC-B4D7-774920498776}"/>
+              </a:ext>
+            </a:extLst>
+          </p:cNvPr>
+          <p:cNvSpPr/>
+          <p:nvPr/>
+        </p:nvSpPr>
+        <p:spPr>
+          <a:xfrm rot="1192363">
+            <a:off x="1580147" y="2562703"/>
+            <a:ext cx="978408" cy="484632"/>
+          </a:xfrm>
+          <a:prstGeom prst="rightArrow">
+            <a:avLst/>
+          </a:prstGeom>
+          <a:solidFill>
+            <a:srgbClr val="00B050"/>
+          </a:solidFill>
+          <a:ln>
+            <a:solidFill>
+              <a:srgbClr val="00B050"/>
+            </a:solidFill>
+          </a:ln>
+        </p:spPr>
+        <p:style>
+          <a:lnRef idx="2">
+            <a:schemeClr val="accent1">
+              <a:shade val="50000"/>
+            </a:schemeClr>
+          </a:lnRef>
+          <a:fillRef idx="1">
+            <a:schemeClr val="accent1"/>
+          </a:fillRef>
+          <a:effectRef idx="0">
+            <a:schemeClr val="accent1"/>
+          </a:effectRef>
+          <a:fontRef idx="minor">
+            <a:schemeClr val="lt1"/>
+          </a:fontRef>
+        </p:style>
+        <p:txBody>
+          <a:bodyPr rtlCol="0" anchor="ctr"/>
+          <a:lstStyle/>
+          <a:p>
+            <a:pPr algn="ctr"/>
+            <a:endParaRPr lang="en-GB"/>
+          </a:p>
+        </p:txBody>
+      </p:sp>
+      <p:sp>
+        <p:nvSpPr>
+          <p:cNvPr id="11" name="Flèche : droite 10">
+            <a:extLst>
+              <a:ext uri="{FF2B5EF4-FFF2-40B4-BE49-F238E27FC236}">
+                <a16:creationId xmlns:a16="http://schemas.microsoft.com/office/drawing/2014/main" id="{B8AFC977-6531-442E-A5B9-DA0B24E59AFD}"/>
+              </a:ext>
+            </a:extLst>
+          </p:cNvPr>
+          <p:cNvSpPr/>
+          <p:nvPr/>
+        </p:nvSpPr>
+        <p:spPr>
+          <a:xfrm rot="20407754">
+            <a:off x="1560183" y="3348569"/>
+            <a:ext cx="978408" cy="484632"/>
+          </a:xfrm>
+          <a:prstGeom prst="rightArrow">
+            <a:avLst/>
+          </a:prstGeom>
+          <a:solidFill>
+            <a:srgbClr val="00B050"/>
+          </a:solidFill>
+          <a:ln>
+            <a:solidFill>
+              <a:srgbClr val="00B050"/>
+            </a:solidFill>
+          </a:ln>
+        </p:spPr>
+        <p:style>
+          <a:lnRef idx="2">
+            <a:schemeClr val="accent1">
+              <a:shade val="50000"/>
+            </a:schemeClr>
+          </a:lnRef>
+          <a:fillRef idx="1">
+            <a:schemeClr val="accent1"/>
+          </a:fillRef>
+          <a:effectRef idx="0">
+            <a:schemeClr val="accent1"/>
+          </a:effectRef>
+          <a:fontRef idx="minor">
+            <a:schemeClr val="lt1"/>
+          </a:fontRef>
+        </p:style>
+        <p:txBody>
+          <a:bodyPr rtlCol="0" anchor="ctr"/>
+          <a:lstStyle/>
+          <a:p>
+            <a:pPr algn="ctr"/>
+            <a:endParaRPr lang="en-GB"/>
+          </a:p>
+        </p:txBody>
+      </p:sp>
+      <p:sp>
+        <p:nvSpPr>
+          <p:cNvPr id="12" name="Flèche : droite 11">
+            <a:extLst>
+              <a:ext uri="{FF2B5EF4-FFF2-40B4-BE49-F238E27FC236}">
+                <a16:creationId xmlns:a16="http://schemas.microsoft.com/office/drawing/2014/main" id="{7C69BADA-3DA2-43B8-8669-0F30035EAC88}"/>
+              </a:ext>
+            </a:extLst>
+          </p:cNvPr>
+          <p:cNvSpPr/>
+          <p:nvPr/>
+        </p:nvSpPr>
+        <p:spPr>
+          <a:xfrm rot="1192363">
+            <a:off x="3333840" y="3671135"/>
+            <a:ext cx="978408" cy="484632"/>
+          </a:xfrm>
+          <a:prstGeom prst="rightArrow">
+            <a:avLst/>
+          </a:prstGeom>
+          <a:solidFill>
+            <a:srgbClr val="FFFF00"/>
+          </a:solidFill>
+          <a:ln>
+            <a:solidFill>
+              <a:srgbClr val="FFFF00"/>
+            </a:solidFill>
+          </a:ln>
+        </p:spPr>
+        <p:style>
+          <a:lnRef idx="2">
+            <a:schemeClr val="accent1">
+              <a:shade val="50000"/>
+            </a:schemeClr>
+          </a:lnRef>
+          <a:fillRef idx="1">
+            <a:schemeClr val="accent1"/>
+          </a:fillRef>
+          <a:effectRef idx="0">
+            <a:schemeClr val="accent1"/>
+          </a:effectRef>
+          <a:fontRef idx="minor">
+            <a:schemeClr val="lt1"/>
+          </a:fontRef>
+        </p:style>
+        <p:txBody>
+          <a:bodyPr rtlCol="0" anchor="ctr"/>
+          <a:lstStyle/>
+          <a:p>
+            <a:pPr algn="ctr"/>
+            <a:endParaRPr lang="en-GB"/>
+          </a:p>
+        </p:txBody>
+      </p:sp>
+      <p:sp>
+        <p:nvSpPr>
+          <p:cNvPr id="13" name="Flèche : droite 12">
+            <a:extLst>
+              <a:ext uri="{FF2B5EF4-FFF2-40B4-BE49-F238E27FC236}">
+                <a16:creationId xmlns:a16="http://schemas.microsoft.com/office/drawing/2014/main" id="{6C40359D-0D88-4C05-971C-778A79DE12CD}"/>
+              </a:ext>
+            </a:extLst>
+          </p:cNvPr>
+          <p:cNvSpPr/>
+          <p:nvPr/>
+        </p:nvSpPr>
+        <p:spPr>
+          <a:xfrm rot="20407754">
+            <a:off x="3408332" y="2344348"/>
+            <a:ext cx="978408" cy="484632"/>
+          </a:xfrm>
+          <a:prstGeom prst="rightArrow">
+            <a:avLst/>
+          </a:prstGeom>
+          <a:solidFill>
+            <a:srgbClr val="FFFF00"/>
+          </a:solidFill>
+          <a:ln>
+            <a:solidFill>
+              <a:srgbClr val="FFFF00"/>
+            </a:solidFill>
+          </a:ln>
+        </p:spPr>
+        <p:style>
+          <a:lnRef idx="2">
+            <a:schemeClr val="accent1">
+              <a:shade val="50000"/>
+            </a:schemeClr>
+          </a:lnRef>
+          <a:fillRef idx="1">
+            <a:schemeClr val="accent1"/>
+          </a:fillRef>
+          <a:effectRef idx="0">
+            <a:schemeClr val="accent1"/>
+          </a:effectRef>
+          <a:fontRef idx="minor">
+            <a:schemeClr val="lt1"/>
+          </a:fontRef>
+        </p:style>
+        <p:txBody>
+          <a:bodyPr rtlCol="0" anchor="ctr"/>
+          <a:lstStyle/>
+          <a:p>
+            <a:pPr algn="ctr"/>
+            <a:endParaRPr lang="en-GB"/>
+          </a:p>
+        </p:txBody>
+      </p:sp>
+      <p:sp>
+        <p:nvSpPr>
+          <p:cNvPr id="14" name="Flèche : droite 13">
+            <a:extLst>
+              <a:ext uri="{FF2B5EF4-FFF2-40B4-BE49-F238E27FC236}">
+                <a16:creationId xmlns:a16="http://schemas.microsoft.com/office/drawing/2014/main" id="{1893519D-CD55-44F8-9CB4-2C8D5DC8702E}"/>
+              </a:ext>
+            </a:extLst>
+          </p:cNvPr>
+          <p:cNvSpPr/>
+          <p:nvPr/>
+        </p:nvSpPr>
+        <p:spPr>
+          <a:xfrm>
+            <a:off x="3483899" y="3004221"/>
+            <a:ext cx="978408" cy="484632"/>
+          </a:xfrm>
+          <a:prstGeom prst="rightArrow">
+            <a:avLst/>
+          </a:prstGeom>
+          <a:solidFill>
+            <a:srgbClr val="FFFF00"/>
+          </a:solidFill>
+          <a:ln>
+            <a:solidFill>
+              <a:srgbClr val="FFFF00"/>
+            </a:solidFill>
+          </a:ln>
+        </p:spPr>
+        <p:style>
+          <a:lnRef idx="2">
+            <a:schemeClr val="accent1">
+              <a:shade val="50000"/>
+            </a:schemeClr>
+          </a:lnRef>
+          <a:fillRef idx="1">
+            <a:schemeClr val="accent1"/>
+          </a:fillRef>
+          <a:effectRef idx="0">
+            <a:schemeClr val="accent1"/>
+          </a:effectRef>
+          <a:fontRef idx="minor">
+            <a:schemeClr val="lt1"/>
+          </a:fontRef>
+        </p:style>
+        <p:txBody>
+          <a:bodyPr rtlCol="0" anchor="ctr"/>
+          <a:lstStyle/>
+          <a:p>
+            <a:pPr algn="ctr"/>
+            <a:endParaRPr lang="en-GB"/>
+          </a:p>
+        </p:txBody>
+      </p:sp>
+      <p:pic>
+        <p:nvPicPr>
+          <p:cNvPr id="15" name="Graphique 14" descr="Cerveau">
+            <a:extLst>
+              <a:ext uri="{FF2B5EF4-FFF2-40B4-BE49-F238E27FC236}">
+                <a16:creationId xmlns:a16="http://schemas.microsoft.com/office/drawing/2014/main" id="{EF3E0705-CA69-47CF-9260-C3B2ADD6B378}"/>
+              </a:ext>
+            </a:extLst>
+          </p:cNvPr>
+          <p:cNvPicPr>
+            <a:picLocks noChangeAspect="1"/>
+          </p:cNvPicPr>
+          <p:nvPr/>
+        </p:nvPicPr>
+        <p:blipFill>
+          <a:blip r:embed="rId11">
+            <a:extLst>
+              <a:ext uri="{96DAC541-7B7A-43D3-8B79-37D633B846F1}">
+                <asvg:svgBlip xmlns:asvg="http://schemas.microsoft.com/office/drawing/2016/SVG/main" r:embed="rId12"/>
+              </a:ext>
+            </a:extLst>
+          </a:blip>
+          <a:stretch>
+            <a:fillRect/>
+          </a:stretch>
+        </p:blipFill>
+        <p:spPr>
+          <a:xfrm>
+            <a:off x="5819694" y="5710117"/>
+            <a:ext cx="914400" cy="914400"/>
+          </a:xfrm>
+          <a:prstGeom prst="rect">
+            <a:avLst/>
+          </a:prstGeom>
+        </p:spPr>
+      </p:pic>
+      <p:pic>
+        <p:nvPicPr>
+          <p:cNvPr id="16" name="Graphique 15" descr="Lune et étoiles">
+            <a:extLst>
+              <a:ext uri="{FF2B5EF4-FFF2-40B4-BE49-F238E27FC236}">
+                <a16:creationId xmlns:a16="http://schemas.microsoft.com/office/drawing/2014/main" id="{D9251C28-70E5-4A1C-98DD-6E47DC918C5F}"/>
+              </a:ext>
+            </a:extLst>
+          </p:cNvPr>
+          <p:cNvPicPr>
+            <a:picLocks noChangeAspect="1"/>
+          </p:cNvPicPr>
+          <p:nvPr/>
+        </p:nvPicPr>
+        <p:blipFill>
+          <a:blip r:embed="rId13">
+            <a:extLst>
+              <a:ext uri="{96DAC541-7B7A-43D3-8B79-37D633B846F1}">
+                <asvg:svgBlip xmlns:asvg="http://schemas.microsoft.com/office/drawing/2016/SVG/main" r:embed="rId14"/>
+              </a:ext>
+            </a:extLst>
+          </a:blip>
+          <a:stretch>
+            <a:fillRect/>
+          </a:stretch>
+        </p:blipFill>
+        <p:spPr>
+          <a:xfrm>
+            <a:off x="2060553" y="5759499"/>
+            <a:ext cx="914400" cy="914400"/>
+          </a:xfrm>
+          <a:prstGeom prst="rect">
+            <a:avLst/>
+          </a:prstGeom>
+        </p:spPr>
+      </p:pic>
+      <p:pic>
+        <p:nvPicPr>
+          <p:cNvPr id="17" name="Graphique 16" descr="Boîte">
+            <a:extLst>
+              <a:ext uri="{FF2B5EF4-FFF2-40B4-BE49-F238E27FC236}">
+                <a16:creationId xmlns:a16="http://schemas.microsoft.com/office/drawing/2014/main" id="{9E880D7A-C92A-4FB2-9A91-4EE8094839EC}"/>
+              </a:ext>
+            </a:extLst>
+          </p:cNvPr>
+          <p:cNvPicPr>
+            <a:picLocks noChangeAspect="1"/>
+          </p:cNvPicPr>
+          <p:nvPr/>
+        </p:nvPicPr>
+        <p:blipFill>
+          <a:blip r:embed="rId15">
+            <a:extLst>
+              <a:ext uri="{96DAC541-7B7A-43D3-8B79-37D633B846F1}">
+                <asvg:svgBlip xmlns:asvg="http://schemas.microsoft.com/office/drawing/2016/SVG/main" r:embed="rId16"/>
+              </a:ext>
+            </a:extLst>
+          </a:blip>
+          <a:stretch>
+            <a:fillRect/>
+          </a:stretch>
+        </p:blipFill>
+        <p:spPr>
+          <a:xfrm>
+            <a:off x="9383151" y="5710117"/>
+            <a:ext cx="914400" cy="914400"/>
+          </a:xfrm>
+          <a:prstGeom prst="rect">
+            <a:avLst/>
+          </a:prstGeom>
+        </p:spPr>
+      </p:pic>
+      <p:pic>
+        <p:nvPicPr>
+          <p:cNvPr id="18" name="Graphique 17" descr="Document">
+            <a:extLst>
+              <a:ext uri="{FF2B5EF4-FFF2-40B4-BE49-F238E27FC236}">
+                <a16:creationId xmlns:a16="http://schemas.microsoft.com/office/drawing/2014/main" id="{3D18A8DE-E9D1-4274-BC76-179B3434DD04}"/>
+              </a:ext>
+            </a:extLst>
+          </p:cNvPr>
+          <p:cNvPicPr>
+            <a:picLocks noChangeAspect="1"/>
+          </p:cNvPicPr>
+          <p:nvPr/>
+        </p:nvPicPr>
+        <p:blipFill>
+          <a:blip r:embed="rId17">
+            <a:extLst>
+              <a:ext uri="{96DAC541-7B7A-43D3-8B79-37D633B846F1}">
+                <asvg:svgBlip xmlns:asvg="http://schemas.microsoft.com/office/drawing/2016/SVG/main" r:embed="rId18"/>
+              </a:ext>
+            </a:extLst>
+          </a:blip>
+          <a:stretch>
+            <a:fillRect/>
+          </a:stretch>
+        </p:blipFill>
+        <p:spPr>
+          <a:xfrm>
+            <a:off x="7496049" y="5710117"/>
+            <a:ext cx="914400" cy="914400"/>
+          </a:xfrm>
+          <a:prstGeom prst="rect">
+            <a:avLst/>
+          </a:prstGeom>
+        </p:spPr>
+      </p:pic>
+      <p:pic>
+        <p:nvPicPr>
+          <p:cNvPr id="19" name="Graphique 18" descr="Pièces de puzzle">
+            <a:extLst>
+              <a:ext uri="{FF2B5EF4-FFF2-40B4-BE49-F238E27FC236}">
+                <a16:creationId xmlns:a16="http://schemas.microsoft.com/office/drawing/2014/main" id="{F00ACC8C-DE80-4F11-BB24-77DF120010E4}"/>
+              </a:ext>
+            </a:extLst>
+          </p:cNvPr>
+          <p:cNvPicPr>
+            <a:picLocks noChangeAspect="1"/>
+          </p:cNvPicPr>
+          <p:nvPr/>
+        </p:nvPicPr>
+        <p:blipFill>
+          <a:blip r:embed="rId19">
+            <a:extLst>
+              <a:ext uri="{96DAC541-7B7A-43D3-8B79-37D633B846F1}">
+                <asvg:svgBlip xmlns:asvg="http://schemas.microsoft.com/office/drawing/2016/SVG/main" r:embed="rId20"/>
+              </a:ext>
+            </a:extLst>
+          </a:blip>
+          <a:stretch>
+            <a:fillRect/>
+          </a:stretch>
+        </p:blipFill>
+        <p:spPr>
+          <a:xfrm>
+            <a:off x="4004618" y="5710117"/>
+            <a:ext cx="914400" cy="914400"/>
+          </a:xfrm>
+          <a:prstGeom prst="rect">
+            <a:avLst/>
+          </a:prstGeom>
+        </p:spPr>
+      </p:pic>
+      <p:pic>
+        <p:nvPicPr>
+          <p:cNvPr id="20" name="Graphique 19" descr="Cerveau dans une tête">
+            <a:extLst>
+              <a:ext uri="{FF2B5EF4-FFF2-40B4-BE49-F238E27FC236}">
+                <a16:creationId xmlns:a16="http://schemas.microsoft.com/office/drawing/2014/main" id="{A8BB59D1-EA04-42D8-8229-3E89C1E5B3DF}"/>
+              </a:ext>
+            </a:extLst>
+          </p:cNvPr>
+          <p:cNvPicPr>
+            <a:picLocks noChangeAspect="1"/>
+          </p:cNvPicPr>
+          <p:nvPr/>
+        </p:nvPicPr>
+        <p:blipFill>
+          <a:blip r:embed="rId21">
+            <a:extLst>
+              <a:ext uri="{96DAC541-7B7A-43D3-8B79-37D633B846F1}">
+                <asvg:svgBlip xmlns:asvg="http://schemas.microsoft.com/office/drawing/2016/SVG/main" r:embed="rId22"/>
+              </a:ext>
+            </a:extLst>
+          </a:blip>
+          <a:stretch>
+            <a:fillRect/>
+          </a:stretch>
+        </p:blipFill>
+        <p:spPr>
+          <a:xfrm>
+            <a:off x="276286" y="5759499"/>
+            <a:ext cx="914400" cy="914400"/>
+          </a:xfrm>
+          <a:prstGeom prst="rect">
+            <a:avLst/>
+          </a:prstGeom>
+        </p:spPr>
+      </p:pic>
+      <p:sp>
+        <p:nvSpPr>
+          <p:cNvPr id="21" name="Flèche : droite 20">
+            <a:extLst>
+              <a:ext uri="{FF2B5EF4-FFF2-40B4-BE49-F238E27FC236}">
+                <a16:creationId xmlns:a16="http://schemas.microsoft.com/office/drawing/2014/main" id="{1199E2B7-E41D-42CD-8914-A978F7F995ED}"/>
+              </a:ext>
+            </a:extLst>
+          </p:cNvPr>
+          <p:cNvSpPr/>
+          <p:nvPr/>
+        </p:nvSpPr>
+        <p:spPr>
+          <a:xfrm>
+            <a:off x="1230189" y="6098657"/>
+            <a:ext cx="682949" cy="262055"/>
+          </a:xfrm>
+          <a:prstGeom prst="rightArrow">
+            <a:avLst/>
+          </a:prstGeom>
+        </p:spPr>
+        <p:style>
+          <a:lnRef idx="2">
+            <a:schemeClr val="accent1">
+              <a:shade val="50000"/>
+            </a:schemeClr>
+          </a:lnRef>
+          <a:fillRef idx="1">
+            <a:schemeClr val="accent1"/>
+          </a:fillRef>
+          <a:effectRef idx="0">
+            <a:schemeClr val="accent1"/>
+          </a:effectRef>
+          <a:fontRef idx="minor">
+            <a:schemeClr val="lt1"/>
+          </a:fontRef>
+        </p:style>
+        <p:txBody>
+          <a:bodyPr rtlCol="0" anchor="ctr"/>
+          <a:lstStyle/>
+          <a:p>
+            <a:pPr algn="ctr"/>
+            <a:endParaRPr lang="en-GB"/>
+          </a:p>
+        </p:txBody>
+      </p:sp>
+      <p:sp>
+        <p:nvSpPr>
+          <p:cNvPr id="22" name="Flèche : droite 21">
+            <a:extLst>
+              <a:ext uri="{FF2B5EF4-FFF2-40B4-BE49-F238E27FC236}">
+                <a16:creationId xmlns:a16="http://schemas.microsoft.com/office/drawing/2014/main" id="{1DC6B156-CA22-405B-9F53-6D11D4100E53}"/>
+              </a:ext>
+            </a:extLst>
+          </p:cNvPr>
+          <p:cNvSpPr/>
+          <p:nvPr/>
+        </p:nvSpPr>
+        <p:spPr>
+          <a:xfrm>
+            <a:off x="3103942" y="6117398"/>
+            <a:ext cx="682949" cy="262055"/>
+          </a:xfrm>
+          <a:prstGeom prst="rightArrow">
+            <a:avLst/>
+          </a:prstGeom>
+        </p:spPr>
+        <p:style>
+          <a:lnRef idx="2">
+            <a:schemeClr val="accent1">
+              <a:shade val="50000"/>
+            </a:schemeClr>
+          </a:lnRef>
+          <a:fillRef idx="1">
+            <a:schemeClr val="accent1"/>
+          </a:fillRef>
+          <a:effectRef idx="0">
+            <a:schemeClr val="accent1"/>
+          </a:effectRef>
+          <a:fontRef idx="minor">
+            <a:schemeClr val="lt1"/>
+          </a:fontRef>
+        </p:style>
+        <p:txBody>
+          <a:bodyPr rtlCol="0" anchor="ctr"/>
+          <a:lstStyle/>
+          <a:p>
+            <a:pPr algn="ctr"/>
+            <a:endParaRPr lang="en-GB"/>
+          </a:p>
+        </p:txBody>
+      </p:sp>
+      <p:sp>
+        <p:nvSpPr>
+          <p:cNvPr id="23" name="Flèche : droite 22">
+            <a:extLst>
+              <a:ext uri="{FF2B5EF4-FFF2-40B4-BE49-F238E27FC236}">
+                <a16:creationId xmlns:a16="http://schemas.microsoft.com/office/drawing/2014/main" id="{2314034C-C1E2-46C0-9290-18F37309396E}"/>
+              </a:ext>
+            </a:extLst>
+          </p:cNvPr>
+          <p:cNvSpPr/>
+          <p:nvPr/>
+        </p:nvSpPr>
+        <p:spPr>
+          <a:xfrm>
+            <a:off x="4958521" y="6109182"/>
+            <a:ext cx="682949" cy="262055"/>
+          </a:xfrm>
+          <a:prstGeom prst="rightArrow">
+            <a:avLst/>
+          </a:prstGeom>
+        </p:spPr>
+        <p:style>
+          <a:lnRef idx="2">
+            <a:schemeClr val="accent1">
+              <a:shade val="50000"/>
+            </a:schemeClr>
+          </a:lnRef>
+          <a:fillRef idx="1">
+            <a:schemeClr val="accent1"/>
+          </a:fillRef>
+          <a:effectRef idx="0">
+            <a:schemeClr val="accent1"/>
+          </a:effectRef>
+          <a:fontRef idx="minor">
+            <a:schemeClr val="lt1"/>
+          </a:fontRef>
+        </p:style>
+        <p:txBody>
+          <a:bodyPr rtlCol="0" anchor="ctr"/>
+          <a:lstStyle/>
+          <a:p>
+            <a:pPr algn="ctr"/>
+            <a:endParaRPr lang="en-GB"/>
+          </a:p>
+        </p:txBody>
+      </p:sp>
+      <p:sp>
+        <p:nvSpPr>
+          <p:cNvPr id="24" name="Flèche : droite 23">
+            <a:extLst>
+              <a:ext uri="{FF2B5EF4-FFF2-40B4-BE49-F238E27FC236}">
+                <a16:creationId xmlns:a16="http://schemas.microsoft.com/office/drawing/2014/main" id="{B50BFD43-8060-431D-BCBD-233B70089C42}"/>
+              </a:ext>
+            </a:extLst>
+          </p:cNvPr>
+          <p:cNvSpPr/>
+          <p:nvPr/>
+        </p:nvSpPr>
+        <p:spPr>
+          <a:xfrm>
+            <a:off x="6754337" y="6098657"/>
+            <a:ext cx="682949" cy="262055"/>
+          </a:xfrm>
+          <a:prstGeom prst="rightArrow">
+            <a:avLst/>
+          </a:prstGeom>
+        </p:spPr>
+        <p:style>
+          <a:lnRef idx="2">
+            <a:schemeClr val="accent1">
+              <a:shade val="50000"/>
+            </a:schemeClr>
+          </a:lnRef>
+          <a:fillRef idx="1">
+            <a:schemeClr val="accent1"/>
+          </a:fillRef>
+          <a:effectRef idx="0">
+            <a:schemeClr val="accent1"/>
+          </a:effectRef>
+          <a:fontRef idx="minor">
+            <a:schemeClr val="lt1"/>
+          </a:fontRef>
+        </p:style>
+        <p:txBody>
+          <a:bodyPr rtlCol="0" anchor="ctr"/>
+          <a:lstStyle/>
+          <a:p>
+            <a:pPr algn="ctr"/>
+            <a:endParaRPr lang="en-GB"/>
+          </a:p>
+        </p:txBody>
+      </p:sp>
+      <p:sp>
+        <p:nvSpPr>
+          <p:cNvPr id="25" name="Flèche : droite 24">
+            <a:extLst>
+              <a:ext uri="{FF2B5EF4-FFF2-40B4-BE49-F238E27FC236}">
+                <a16:creationId xmlns:a16="http://schemas.microsoft.com/office/drawing/2014/main" id="{6873825C-9E39-4ABF-9E84-85069EEA2D9C}"/>
+              </a:ext>
+            </a:extLst>
+          </p:cNvPr>
+          <p:cNvSpPr/>
+          <p:nvPr/>
+        </p:nvSpPr>
+        <p:spPr>
+          <a:xfrm>
+            <a:off x="8468319" y="6085671"/>
+            <a:ext cx="682949" cy="262055"/>
+          </a:xfrm>
+          <a:prstGeom prst="rightArrow">
+            <a:avLst/>
+          </a:prstGeom>
+        </p:spPr>
+        <p:style>
+          <a:lnRef idx="2">
+            <a:schemeClr val="accent1">
+              <a:shade val="50000"/>
+            </a:schemeClr>
+          </a:lnRef>
+          <a:fillRef idx="1">
+            <a:schemeClr val="accent1"/>
+          </a:fillRef>
+          <a:effectRef idx="0">
+            <a:schemeClr val="accent1"/>
+          </a:effectRef>
+          <a:fontRef idx="minor">
+            <a:schemeClr val="lt1"/>
+          </a:fontRef>
+        </p:style>
+        <p:txBody>
+          <a:bodyPr rtlCol="0" anchor="ctr"/>
+          <a:lstStyle/>
+          <a:p>
+            <a:pPr algn="ctr"/>
+            <a:endParaRPr lang="en-GB"/>
+          </a:p>
+        </p:txBody>
+      </p:sp>
+      <p:pic>
+        <p:nvPicPr>
+          <p:cNvPr id="26" name="Graphique 25" descr="Ordinateur">
+            <a:extLst>
+              <a:ext uri="{FF2B5EF4-FFF2-40B4-BE49-F238E27FC236}">
+                <a16:creationId xmlns:a16="http://schemas.microsoft.com/office/drawing/2014/main" id="{162547F3-1C0E-4647-97B9-8DA09EBB66DC}"/>
+              </a:ext>
+            </a:extLst>
+          </p:cNvPr>
+          <p:cNvPicPr>
+            <a:picLocks noChangeAspect="1"/>
+          </p:cNvPicPr>
+          <p:nvPr/>
+        </p:nvPicPr>
+        <p:blipFill>
+          <a:blip r:embed="rId23">
+            <a:extLst>
+              <a:ext uri="{96DAC541-7B7A-43D3-8B79-37D633B846F1}">
+                <asvg:svgBlip xmlns:asvg="http://schemas.microsoft.com/office/drawing/2016/SVG/main" r:embed="rId24"/>
+              </a:ext>
+            </a:extLst>
+          </a:blip>
+          <a:stretch>
+            <a:fillRect/>
+          </a:stretch>
+        </p:blipFill>
+        <p:spPr>
+          <a:xfrm>
+            <a:off x="6582667" y="3914932"/>
+            <a:ext cx="914400" cy="914400"/>
+          </a:xfrm>
+          <a:prstGeom prst="rect">
+            <a:avLst/>
+          </a:prstGeom>
+        </p:spPr>
+      </p:pic>
+      <p:pic>
+        <p:nvPicPr>
+          <p:cNvPr id="27" name="Graphique 26" descr="Micro de radio">
+            <a:extLst>
+              <a:ext uri="{FF2B5EF4-FFF2-40B4-BE49-F238E27FC236}">
+                <a16:creationId xmlns:a16="http://schemas.microsoft.com/office/drawing/2014/main" id="{20445940-117C-45F9-BF5D-6CD9DD818BB8}"/>
+              </a:ext>
+            </a:extLst>
+          </p:cNvPr>
+          <p:cNvPicPr>
+            <a:picLocks noChangeAspect="1"/>
+          </p:cNvPicPr>
+          <p:nvPr/>
+        </p:nvPicPr>
+        <p:blipFill>
+          <a:blip r:embed="rId25">
+            <a:extLst>
+              <a:ext uri="{96DAC541-7B7A-43D3-8B79-37D633B846F1}">
+                <asvg:svgBlip xmlns:asvg="http://schemas.microsoft.com/office/drawing/2016/SVG/main" r:embed="rId26"/>
+              </a:ext>
+            </a:extLst>
+          </a:blip>
+          <a:stretch>
+            <a:fillRect/>
+          </a:stretch>
+        </p:blipFill>
+        <p:spPr>
+          <a:xfrm>
+            <a:off x="8674920" y="3965730"/>
+            <a:ext cx="914400" cy="914400"/>
+          </a:xfrm>
+          <a:prstGeom prst="rect">
+            <a:avLst/>
+          </a:prstGeom>
+        </p:spPr>
+      </p:pic>
+      <p:pic>
+        <p:nvPicPr>
+          <p:cNvPr id="28" name="Graphique 27" descr="Tête avec engrenages">
+            <a:extLst>
+              <a:ext uri="{FF2B5EF4-FFF2-40B4-BE49-F238E27FC236}">
+                <a16:creationId xmlns:a16="http://schemas.microsoft.com/office/drawing/2014/main" id="{27FAD365-255D-463A-90DC-43091F6F8C98}"/>
+              </a:ext>
+            </a:extLst>
+          </p:cNvPr>
+          <p:cNvPicPr>
+            <a:picLocks noChangeAspect="1"/>
+          </p:cNvPicPr>
+          <p:nvPr/>
+        </p:nvPicPr>
+        <p:blipFill>
+          <a:blip r:embed="rId27">
+            <a:extLst>
+              <a:ext uri="{96DAC541-7B7A-43D3-8B79-37D633B846F1}">
+                <asvg:svgBlip xmlns:asvg="http://schemas.microsoft.com/office/drawing/2016/SVG/main" r:embed="rId28"/>
+              </a:ext>
+            </a:extLst>
+          </a:blip>
+          <a:stretch>
+            <a:fillRect/>
+          </a:stretch>
+        </p:blipFill>
+        <p:spPr>
+          <a:xfrm>
+            <a:off x="7203664" y="2661543"/>
+            <a:ext cx="914400" cy="914400"/>
+          </a:xfrm>
+          <a:prstGeom prst="rect">
+            <a:avLst/>
+          </a:prstGeom>
+        </p:spPr>
+      </p:pic>
+      <p:pic>
+        <p:nvPicPr>
+          <p:cNvPr id="29" name="Graphique 28" descr="Parole">
+            <a:extLst>
+              <a:ext uri="{FF2B5EF4-FFF2-40B4-BE49-F238E27FC236}">
+                <a16:creationId xmlns:a16="http://schemas.microsoft.com/office/drawing/2014/main" id="{3087F7AA-DB4E-4292-B874-084A0A7588A6}"/>
+              </a:ext>
+            </a:extLst>
+          </p:cNvPr>
+          <p:cNvPicPr>
+            <a:picLocks noChangeAspect="1"/>
+          </p:cNvPicPr>
+          <p:nvPr/>
+        </p:nvPicPr>
+        <p:blipFill>
+          <a:blip r:embed="rId29">
+            <a:extLst>
+              <a:ext uri="{96DAC541-7B7A-43D3-8B79-37D633B846F1}">
+                <asvg:svgBlip xmlns:asvg="http://schemas.microsoft.com/office/drawing/2016/SVG/main" r:embed="rId30"/>
+              </a:ext>
+            </a:extLst>
+          </a:blip>
+          <a:stretch>
+            <a:fillRect/>
+          </a:stretch>
+        </p:blipFill>
+        <p:spPr>
+          <a:xfrm>
+            <a:off x="10399105" y="3368832"/>
+            <a:ext cx="914400" cy="914400"/>
+          </a:xfrm>
+          <a:prstGeom prst="rect">
+            <a:avLst/>
+          </a:prstGeom>
+        </p:spPr>
+      </p:pic>
+      <p:pic>
+        <p:nvPicPr>
+          <p:cNvPr id="30" name="Graphique 29" descr="Notation musicale">
+            <a:extLst>
+              <a:ext uri="{FF2B5EF4-FFF2-40B4-BE49-F238E27FC236}">
+                <a16:creationId xmlns:a16="http://schemas.microsoft.com/office/drawing/2014/main" id="{C6DFDB75-45DB-43A2-87DA-DC8A0CB1EAB7}"/>
+              </a:ext>
+            </a:extLst>
+          </p:cNvPr>
+          <p:cNvPicPr>
+            <a:picLocks noChangeAspect="1"/>
+          </p:cNvPicPr>
+          <p:nvPr/>
+        </p:nvPicPr>
+        <p:blipFill>
+          <a:blip r:embed="rId31">
+            <a:extLst>
+              <a:ext uri="{96DAC541-7B7A-43D3-8B79-37D633B846F1}">
+                <asvg:svgBlip xmlns:asvg="http://schemas.microsoft.com/office/drawing/2016/SVG/main" r:embed="rId32"/>
+              </a:ext>
+            </a:extLst>
+          </a:blip>
+          <a:stretch>
+            <a:fillRect/>
+          </a:stretch>
+        </p:blipFill>
+        <p:spPr>
+          <a:xfrm>
+            <a:off x="7002126" y="5015597"/>
+            <a:ext cx="914400" cy="914400"/>
+          </a:xfrm>
+          <a:prstGeom prst="rect">
+            <a:avLst/>
+          </a:prstGeom>
+        </p:spPr>
+      </p:pic>
+      <p:sp>
+        <p:nvSpPr>
+          <p:cNvPr id="31" name="Flèche : bas 30">
+            <a:extLst>
+              <a:ext uri="{FF2B5EF4-FFF2-40B4-BE49-F238E27FC236}">
+                <a16:creationId xmlns:a16="http://schemas.microsoft.com/office/drawing/2014/main" id="{E0444035-31BC-487A-88D2-20EB54AE4304}"/>
+              </a:ext>
+            </a:extLst>
+          </p:cNvPr>
+          <p:cNvSpPr/>
+          <p:nvPr/>
+        </p:nvSpPr>
+        <p:spPr>
+          <a:xfrm rot="3732868">
+            <a:off x="9842733" y="3701788"/>
+            <a:ext cx="204210" cy="669928"/>
+          </a:xfrm>
+          <a:prstGeom prst="downArrow">
+            <a:avLst/>
+          </a:prstGeom>
+        </p:spPr>
+        <p:style>
+          <a:lnRef idx="2">
+            <a:schemeClr val="accent1">
+              <a:shade val="50000"/>
+            </a:schemeClr>
+          </a:lnRef>
+          <a:fillRef idx="1">
+            <a:schemeClr val="accent1"/>
+          </a:fillRef>
+          <a:effectRef idx="0">
+            <a:schemeClr val="accent1"/>
+          </a:effectRef>
+          <a:fontRef idx="minor">
+            <a:schemeClr val="lt1"/>
+          </a:fontRef>
+        </p:style>
+        <p:txBody>
+          <a:bodyPr rtlCol="0" anchor="ctr"/>
+          <a:lstStyle/>
+          <a:p>
+            <a:pPr algn="ctr"/>
+            <a:endParaRPr lang="en-GB"/>
+          </a:p>
+        </p:txBody>
+      </p:sp>
+      <p:sp>
+        <p:nvSpPr>
+          <p:cNvPr id="32" name="Flèche : bas 31">
+            <a:extLst>
+              <a:ext uri="{FF2B5EF4-FFF2-40B4-BE49-F238E27FC236}">
+                <a16:creationId xmlns:a16="http://schemas.microsoft.com/office/drawing/2014/main" id="{DE90A64C-ADC8-40AB-A84E-4CD418EF7E5F}"/>
+              </a:ext>
+            </a:extLst>
+          </p:cNvPr>
+          <p:cNvSpPr/>
+          <p:nvPr/>
+        </p:nvSpPr>
+        <p:spPr>
+          <a:xfrm rot="14618119">
+            <a:off x="8193618" y="4697567"/>
+            <a:ext cx="204210" cy="669928"/>
+          </a:xfrm>
+          <a:prstGeom prst="downArrow">
+            <a:avLst/>
+          </a:prstGeom>
+        </p:spPr>
+        <p:style>
+          <a:lnRef idx="2">
+            <a:schemeClr val="accent1">
+              <a:shade val="50000"/>
+            </a:schemeClr>
+          </a:lnRef>
+          <a:fillRef idx="1">
+            <a:schemeClr val="accent1"/>
+          </a:fillRef>
+          <a:effectRef idx="0">
+            <a:schemeClr val="accent1"/>
+          </a:effectRef>
+          <a:fontRef idx="minor">
+            <a:schemeClr val="lt1"/>
+          </a:fontRef>
+        </p:style>
+        <p:txBody>
+          <a:bodyPr rtlCol="0" anchor="ctr"/>
+          <a:lstStyle/>
+          <a:p>
+            <a:pPr algn="ctr"/>
+            <a:endParaRPr lang="en-GB"/>
+          </a:p>
+        </p:txBody>
+      </p:sp>
+      <p:sp>
+        <p:nvSpPr>
+          <p:cNvPr id="33" name="Flèche : bas 32">
+            <a:extLst>
+              <a:ext uri="{FF2B5EF4-FFF2-40B4-BE49-F238E27FC236}">
+                <a16:creationId xmlns:a16="http://schemas.microsoft.com/office/drawing/2014/main" id="{7337FC5F-39F0-4EE8-BB1B-0E5A88AAE0F0}"/>
+              </a:ext>
+            </a:extLst>
+          </p:cNvPr>
+          <p:cNvSpPr/>
+          <p:nvPr/>
+        </p:nvSpPr>
+        <p:spPr>
+          <a:xfrm rot="5400000">
+            <a:off x="8037587" y="4068438"/>
+            <a:ext cx="204210" cy="669928"/>
+          </a:xfrm>
+          <a:prstGeom prst="downArrow">
+            <a:avLst/>
+          </a:prstGeom>
+        </p:spPr>
+        <p:style>
+          <a:lnRef idx="2">
+            <a:schemeClr val="accent1">
+              <a:shade val="50000"/>
+            </a:schemeClr>
+          </a:lnRef>
+          <a:fillRef idx="1">
+            <a:schemeClr val="accent1"/>
+          </a:fillRef>
+          <a:effectRef idx="0">
+            <a:schemeClr val="accent1"/>
+          </a:effectRef>
+          <a:fontRef idx="minor">
+            <a:schemeClr val="lt1"/>
+          </a:fontRef>
+        </p:style>
+        <p:txBody>
+          <a:bodyPr rtlCol="0" anchor="ctr"/>
+          <a:lstStyle/>
+          <a:p>
+            <a:pPr algn="ctr"/>
+            <a:endParaRPr lang="en-GB"/>
+          </a:p>
+        </p:txBody>
+      </p:sp>
+      <p:sp>
+        <p:nvSpPr>
+          <p:cNvPr id="34" name="Flèche : bas 33">
+            <a:extLst>
+              <a:ext uri="{FF2B5EF4-FFF2-40B4-BE49-F238E27FC236}">
+                <a16:creationId xmlns:a16="http://schemas.microsoft.com/office/drawing/2014/main" id="{71911700-EA93-4E63-9E00-D624E01CE5EE}"/>
+              </a:ext>
+            </a:extLst>
+          </p:cNvPr>
+          <p:cNvSpPr/>
+          <p:nvPr/>
+        </p:nvSpPr>
+        <p:spPr>
+          <a:xfrm rot="7014157">
+            <a:off x="8272422" y="3488953"/>
+            <a:ext cx="204210" cy="669928"/>
+          </a:xfrm>
+          <a:prstGeom prst="downArrow">
+            <a:avLst/>
+          </a:prstGeom>
+        </p:spPr>
+        <p:style>
+          <a:lnRef idx="2">
+            <a:schemeClr val="accent1">
+              <a:shade val="50000"/>
+            </a:schemeClr>
+          </a:lnRef>
+          <a:fillRef idx="1">
+            <a:schemeClr val="accent1"/>
+          </a:fillRef>
+          <a:effectRef idx="0">
+            <a:schemeClr val="accent1"/>
+          </a:effectRef>
+          <a:fontRef idx="minor">
+            <a:schemeClr val="lt1"/>
+          </a:fontRef>
+        </p:style>
+        <p:txBody>
+          <a:bodyPr rtlCol="0" anchor="ctr"/>
+          <a:lstStyle/>
+          <a:p>
+            <a:pPr algn="ctr"/>
+            <a:endParaRPr lang="en-GB"/>
+          </a:p>
+        </p:txBody>
+      </p:sp>
+      <p:sp>
+        <p:nvSpPr>
+          <p:cNvPr id="35" name="Flèche : bas 34">
+            <a:extLst>
+              <a:ext uri="{FF2B5EF4-FFF2-40B4-BE49-F238E27FC236}">
+                <a16:creationId xmlns:a16="http://schemas.microsoft.com/office/drawing/2014/main" id="{1B94B5E6-6042-47B3-88F0-1B94707ACCB7}"/>
+              </a:ext>
+            </a:extLst>
+          </p:cNvPr>
+          <p:cNvSpPr/>
+          <p:nvPr/>
+        </p:nvSpPr>
+        <p:spPr>
+          <a:xfrm rot="1747778">
+            <a:off x="6937762" y="3240979"/>
+            <a:ext cx="204210" cy="669928"/>
+          </a:xfrm>
+          <a:prstGeom prst="downArrow">
+            <a:avLst/>
+          </a:prstGeom>
+        </p:spPr>
+        <p:style>
+          <a:lnRef idx="2">
+            <a:schemeClr val="accent1">
+              <a:shade val="50000"/>
+            </a:schemeClr>
+          </a:lnRef>
+          <a:fillRef idx="1">
+            <a:schemeClr val="accent1"/>
+          </a:fillRef>
+          <a:effectRef idx="0">
+            <a:schemeClr val="accent1"/>
+          </a:effectRef>
+          <a:fontRef idx="minor">
+            <a:schemeClr val="lt1"/>
+          </a:fontRef>
+        </p:style>
+        <p:txBody>
+          <a:bodyPr rtlCol="0" anchor="ctr"/>
+          <a:lstStyle/>
+          <a:p>
+            <a:pPr algn="ctr"/>
+            <a:endParaRPr lang="en-GB"/>
+          </a:p>
+        </p:txBody>
+      </p:sp>
+      <p:pic>
+        <p:nvPicPr>
+          <p:cNvPr id="36" name="Graphique 35" descr="Dollar">
+            <a:extLst>
+              <a:ext uri="{FF2B5EF4-FFF2-40B4-BE49-F238E27FC236}">
+                <a16:creationId xmlns:a16="http://schemas.microsoft.com/office/drawing/2014/main" id="{D1FCA88D-3469-4F7B-98E9-829950B480B8}"/>
+              </a:ext>
+            </a:extLst>
+          </p:cNvPr>
+          <p:cNvPicPr>
+            <a:picLocks noChangeAspect="1"/>
+          </p:cNvPicPr>
+          <p:nvPr/>
+        </p:nvPicPr>
+        <p:blipFill>
+          <a:blip r:embed="rId33">
+            <a:extLst>
+              <a:ext uri="{96DAC541-7B7A-43D3-8B79-37D633B846F1}">
+                <asvg:svgBlip xmlns:asvg="http://schemas.microsoft.com/office/drawing/2016/SVG/main" r:embed="rId34"/>
+              </a:ext>
+            </a:extLst>
+          </a:blip>
+          <a:stretch>
+            <a:fillRect/>
+          </a:stretch>
+        </p:blipFill>
+        <p:spPr>
+          <a:xfrm>
+            <a:off x="8641190" y="309433"/>
+            <a:ext cx="914400" cy="914400"/>
+          </a:xfrm>
+          <a:prstGeom prst="rect">
+            <a:avLst/>
+          </a:prstGeom>
+        </p:spPr>
+      </p:pic>
+      <p:pic>
+        <p:nvPicPr>
+          <p:cNvPr id="37" name="Graphique 36" descr="Graphique à barres">
+            <a:extLst>
+              <a:ext uri="{FF2B5EF4-FFF2-40B4-BE49-F238E27FC236}">
+                <a16:creationId xmlns:a16="http://schemas.microsoft.com/office/drawing/2014/main" id="{0FF70A42-3150-4E08-9544-0A3CCE2A8AE8}"/>
+              </a:ext>
+            </a:extLst>
+          </p:cNvPr>
+          <p:cNvPicPr>
+            <a:picLocks noChangeAspect="1"/>
+          </p:cNvPicPr>
+          <p:nvPr/>
+        </p:nvPicPr>
+        <p:blipFill>
+          <a:blip r:embed="rId35">
+            <a:extLst>
+              <a:ext uri="{96DAC541-7B7A-43D3-8B79-37D633B846F1}">
+                <asvg:svgBlip xmlns:asvg="http://schemas.microsoft.com/office/drawing/2016/SVG/main" r:embed="rId36"/>
+              </a:ext>
+            </a:extLst>
+          </a:blip>
+          <a:stretch>
+            <a:fillRect/>
+          </a:stretch>
+        </p:blipFill>
+        <p:spPr>
+          <a:xfrm>
+            <a:off x="10568765" y="1497302"/>
+            <a:ext cx="914400" cy="914400"/>
+          </a:xfrm>
+          <a:prstGeom prst="rect">
+            <a:avLst/>
+          </a:prstGeom>
+        </p:spPr>
+      </p:pic>
+      <p:pic>
+        <p:nvPicPr>
+          <p:cNvPr id="38" name="Graphique 37" descr="Tête avec engrenages">
+            <a:extLst>
+              <a:ext uri="{FF2B5EF4-FFF2-40B4-BE49-F238E27FC236}">
+                <a16:creationId xmlns:a16="http://schemas.microsoft.com/office/drawing/2014/main" id="{E8E178C1-FBEE-4226-BFF1-80B06E74B6B0}"/>
+              </a:ext>
+            </a:extLst>
+          </p:cNvPr>
+          <p:cNvPicPr>
+            <a:picLocks noChangeAspect="1"/>
+          </p:cNvPicPr>
+          <p:nvPr/>
+        </p:nvPicPr>
+        <p:blipFill>
+          <a:blip r:embed="rId27">
+            <a:extLst>
+              <a:ext uri="{96DAC541-7B7A-43D3-8B79-37D633B846F1}">
+                <asvg:svgBlip xmlns:asvg="http://schemas.microsoft.com/office/drawing/2016/SVG/main" r:embed="rId28"/>
+              </a:ext>
+            </a:extLst>
+          </a:blip>
+          <a:stretch>
+            <a:fillRect/>
+          </a:stretch>
+        </p:blipFill>
+        <p:spPr>
+          <a:xfrm>
+            <a:off x="6932772" y="1497302"/>
+            <a:ext cx="914400" cy="914400"/>
+          </a:xfrm>
+          <a:prstGeom prst="rect">
+            <a:avLst/>
+          </a:prstGeom>
+        </p:spPr>
+      </p:pic>
+      <p:sp>
+        <p:nvSpPr>
+          <p:cNvPr id="39" name="Flèche : droite 38">
+            <a:extLst>
+              <a:ext uri="{FF2B5EF4-FFF2-40B4-BE49-F238E27FC236}">
+                <a16:creationId xmlns:a16="http://schemas.microsoft.com/office/drawing/2014/main" id="{5E4B50DA-22E3-4B8B-B018-95F8E91B7925}"/>
+              </a:ext>
+            </a:extLst>
+          </p:cNvPr>
+          <p:cNvSpPr/>
+          <p:nvPr/>
+        </p:nvSpPr>
+        <p:spPr>
+          <a:xfrm>
+            <a:off x="8173720" y="1774165"/>
+            <a:ext cx="2068497" cy="360674"/>
+          </a:xfrm>
+          <a:prstGeom prst="rightArrow">
+            <a:avLst/>
+          </a:prstGeom>
+        </p:spPr>
+        <p:style>
+          <a:lnRef idx="2">
+            <a:schemeClr val="accent1">
+              <a:shade val="50000"/>
+            </a:schemeClr>
+          </a:lnRef>
+          <a:fillRef idx="1">
+            <a:schemeClr val="accent1"/>
+          </a:fillRef>
+          <a:effectRef idx="0">
+            <a:schemeClr val="accent1"/>
+          </a:effectRef>
+          <a:fontRef idx="minor">
+            <a:schemeClr val="lt1"/>
+          </a:fontRef>
+        </p:style>
+        <p:txBody>
+          <a:bodyPr rtlCol="0" anchor="ctr"/>
+          <a:lstStyle/>
+          <a:p>
+            <a:pPr algn="ctr"/>
+            <a:endParaRPr lang="en-GB"/>
+          </a:p>
+        </p:txBody>
+      </p:sp>
+      <p:sp>
+        <p:nvSpPr>
+          <p:cNvPr id="40" name="Flèche : bas 39">
+            <a:extLst>
+              <a:ext uri="{FF2B5EF4-FFF2-40B4-BE49-F238E27FC236}">
+                <a16:creationId xmlns:a16="http://schemas.microsoft.com/office/drawing/2014/main" id="{9E709818-18F1-44CC-847B-AAE702F27A44}"/>
+              </a:ext>
+            </a:extLst>
+          </p:cNvPr>
+          <p:cNvSpPr/>
+          <p:nvPr/>
+        </p:nvSpPr>
+        <p:spPr>
+          <a:xfrm>
+            <a:off x="8947469" y="1361157"/>
+            <a:ext cx="301841" cy="407080"/>
+          </a:xfrm>
+          <a:prstGeom prst="downArrow">
+            <a:avLst/>
+          </a:prstGeom>
+        </p:spPr>
+        <p:style>
+          <a:lnRef idx="2">
+            <a:schemeClr val="accent1">
+              <a:shade val="50000"/>
+            </a:schemeClr>
+          </a:lnRef>
+          <a:fillRef idx="1">
+            <a:schemeClr val="accent1"/>
+          </a:fillRef>
+          <a:effectRef idx="0">
+            <a:schemeClr val="accent1"/>
+          </a:effectRef>
+          <a:fontRef idx="minor">
+            <a:schemeClr val="lt1"/>
+          </a:fontRef>
+        </p:style>
+        <p:txBody>
+          <a:bodyPr rtlCol="0" anchor="ctr"/>
+          <a:lstStyle/>
+          <a:p>
+            <a:pPr algn="ctr"/>
+            <a:endParaRPr lang="en-GB"/>
           </a:p>
         </p:txBody>
       </p:sp>
@@ -20299,7 +21891,12 @@
             <p:ph idx="1"/>
           </p:nvPr>
         </p:nvSpPr>
-        <p:spPr/>
+        <p:spPr>
+          <a:xfrm>
+            <a:off x="684212" y="685800"/>
+            <a:ext cx="8534400" cy="3615267"/>
+          </a:xfrm>
+        </p:spPr>
         <p:txBody>
           <a:bodyPr/>
           <a:lstStyle/>

--- a/SAI_presentation.pptx
+++ b/SAI_presentation.pptx
@@ -12944,6 +12944,190 @@
       </p:grpSpPr>
       <p:sp>
         <p:nvSpPr>
+          <p:cNvPr id="44" name="Rectangle 43">
+            <a:extLst>
+              <a:ext uri="{FF2B5EF4-FFF2-40B4-BE49-F238E27FC236}">
+                <a16:creationId xmlns:a16="http://schemas.microsoft.com/office/drawing/2014/main" id="{CA7052FE-ADDE-4C4D-9265-EA9C3436BFD4}"/>
+              </a:ext>
+            </a:extLst>
+          </p:cNvPr>
+          <p:cNvSpPr/>
+          <p:nvPr/>
+        </p:nvSpPr>
+        <p:spPr>
+          <a:xfrm>
+            <a:off x="6868174" y="306544"/>
+            <a:ext cx="5043788" cy="2085866"/>
+          </a:xfrm>
+          <a:prstGeom prst="rect">
+            <a:avLst/>
+          </a:prstGeom>
+        </p:spPr>
+        <p:style>
+          <a:lnRef idx="2">
+            <a:schemeClr val="accent1">
+              <a:shade val="50000"/>
+            </a:schemeClr>
+          </a:lnRef>
+          <a:fillRef idx="1">
+            <a:schemeClr val="accent1"/>
+          </a:fillRef>
+          <a:effectRef idx="0">
+            <a:schemeClr val="accent1"/>
+          </a:effectRef>
+          <a:fontRef idx="minor">
+            <a:schemeClr val="lt1"/>
+          </a:fontRef>
+        </p:style>
+        <p:txBody>
+          <a:bodyPr rtlCol="0" anchor="ctr"/>
+          <a:lstStyle/>
+          <a:p>
+            <a:pPr algn="ctr"/>
+            <a:endParaRPr lang="en-GB"/>
+          </a:p>
+        </p:txBody>
+      </p:sp>
+      <p:sp>
+        <p:nvSpPr>
+          <p:cNvPr id="43" name="Rectangle 42">
+            <a:extLst>
+              <a:ext uri="{FF2B5EF4-FFF2-40B4-BE49-F238E27FC236}">
+                <a16:creationId xmlns:a16="http://schemas.microsoft.com/office/drawing/2014/main" id="{8E4B775B-56F6-4FE6-B413-0CFEE52AF3BE}"/>
+              </a:ext>
+            </a:extLst>
+          </p:cNvPr>
+          <p:cNvSpPr/>
+          <p:nvPr/>
+        </p:nvSpPr>
+        <p:spPr>
+          <a:xfrm>
+            <a:off x="6278942" y="2649980"/>
+            <a:ext cx="5633020" cy="3009050"/>
+          </a:xfrm>
+          <a:prstGeom prst="rect">
+            <a:avLst/>
+          </a:prstGeom>
+        </p:spPr>
+        <p:style>
+          <a:lnRef idx="2">
+            <a:schemeClr val="accent1">
+              <a:shade val="50000"/>
+            </a:schemeClr>
+          </a:lnRef>
+          <a:fillRef idx="1">
+            <a:schemeClr val="accent1"/>
+          </a:fillRef>
+          <a:effectRef idx="0">
+            <a:schemeClr val="accent1"/>
+          </a:effectRef>
+          <a:fontRef idx="minor">
+            <a:schemeClr val="lt1"/>
+          </a:fontRef>
+        </p:style>
+        <p:txBody>
+          <a:bodyPr rtlCol="0" anchor="ctr"/>
+          <a:lstStyle/>
+          <a:p>
+            <a:pPr algn="ctr"/>
+            <a:endParaRPr lang="en-GB"/>
+          </a:p>
+        </p:txBody>
+      </p:sp>
+      <p:sp>
+        <p:nvSpPr>
+          <p:cNvPr id="42" name="Rectangle 41">
+            <a:extLst>
+              <a:ext uri="{FF2B5EF4-FFF2-40B4-BE49-F238E27FC236}">
+                <a16:creationId xmlns:a16="http://schemas.microsoft.com/office/drawing/2014/main" id="{A0BEFE8C-1FC6-4754-8DB3-381CB38CFAEF}"/>
+              </a:ext>
+            </a:extLst>
+          </p:cNvPr>
+          <p:cNvSpPr/>
+          <p:nvPr/>
+        </p:nvSpPr>
+        <p:spPr>
+          <a:xfrm>
+            <a:off x="130051" y="5710116"/>
+            <a:ext cx="11183454" cy="1090223"/>
+          </a:xfrm>
+          <a:prstGeom prst="rect">
+            <a:avLst/>
+          </a:prstGeom>
+        </p:spPr>
+        <p:style>
+          <a:lnRef idx="2">
+            <a:schemeClr val="accent1">
+              <a:shade val="50000"/>
+            </a:schemeClr>
+          </a:lnRef>
+          <a:fillRef idx="1">
+            <a:schemeClr val="accent1"/>
+          </a:fillRef>
+          <a:effectRef idx="0">
+            <a:schemeClr val="accent1"/>
+          </a:effectRef>
+          <a:fontRef idx="minor">
+            <a:schemeClr val="lt1"/>
+          </a:fontRef>
+        </p:style>
+        <p:txBody>
+          <a:bodyPr rtlCol="0" anchor="ctr"/>
+          <a:lstStyle/>
+          <a:p>
+            <a:pPr algn="ctr"/>
+            <a:endParaRPr lang="en-GB"/>
+          </a:p>
+        </p:txBody>
+      </p:sp>
+      <p:sp>
+        <p:nvSpPr>
+          <p:cNvPr id="41" name="Rectangle 40">
+            <a:extLst>
+              <a:ext uri="{FF2B5EF4-FFF2-40B4-BE49-F238E27FC236}">
+                <a16:creationId xmlns:a16="http://schemas.microsoft.com/office/drawing/2014/main" id="{43B2111F-69A9-4849-A311-E34BF741BC4B}"/>
+              </a:ext>
+            </a:extLst>
+          </p:cNvPr>
+          <p:cNvSpPr/>
+          <p:nvPr/>
+        </p:nvSpPr>
+        <p:spPr>
+          <a:xfrm>
+            <a:off x="190242" y="1883704"/>
+            <a:ext cx="5594730" cy="3228216"/>
+          </a:xfrm>
+          <a:prstGeom prst="rect">
+            <a:avLst/>
+          </a:prstGeom>
+        </p:spPr>
+        <p:style>
+          <a:lnRef idx="2">
+            <a:schemeClr val="accent1">
+              <a:shade val="50000"/>
+            </a:schemeClr>
+          </a:lnRef>
+          <a:fillRef idx="1">
+            <a:schemeClr val="accent1"/>
+          </a:fillRef>
+          <a:effectRef idx="0">
+            <a:schemeClr val="accent1"/>
+          </a:effectRef>
+          <a:fontRef idx="minor">
+            <a:schemeClr val="lt1"/>
+          </a:fontRef>
+        </p:style>
+        <p:txBody>
+          <a:bodyPr rtlCol="0" anchor="ctr"/>
+          <a:lstStyle/>
+          <a:p>
+            <a:pPr algn="ctr"/>
+            <a:endParaRPr lang="en-GB"/>
+          </a:p>
+        </p:txBody>
+      </p:sp>
+      <p:sp>
+        <p:nvSpPr>
           <p:cNvPr id="2" name="Titre 1">
             <a:extLst>
               <a:ext uri="{FF2B5EF4-FFF2-40B4-BE49-F238E27FC236}">

--- a/SAI_presentation.pptx
+++ b/SAI_presentation.pptx
@@ -6942,7 +6942,7 @@
             <a:fld id="{B61BEF0D-F0BB-DE4B-95CE-6DB70DBA9567}" type="datetimeFigureOut">
               <a:rPr lang="en-US" dirty="0"/>
               <a:pPr/>
-              <a:t>3/21/2020</a:t>
+              <a:t>3/22/2020</a:t>
             </a:fld>
             <a:endParaRPr lang="en-US" dirty="0"/>
           </a:p>
@@ -7375,7 +7375,7 @@
             <a:fld id="{B61BEF0D-F0BB-DE4B-95CE-6DB70DBA9567}" type="datetimeFigureOut">
               <a:rPr lang="en-US" dirty="0"/>
               <a:pPr/>
-              <a:t>3/21/2020</a:t>
+              <a:t>3/22/2020</a:t>
             </a:fld>
             <a:endParaRPr lang="en-US" dirty="0"/>
           </a:p>
@@ -7622,7 +7622,7 @@
             <a:fld id="{B61BEF0D-F0BB-DE4B-95CE-6DB70DBA9567}" type="datetimeFigureOut">
               <a:rPr lang="en-US" dirty="0"/>
               <a:pPr/>
-              <a:t>3/21/2020</a:t>
+              <a:t>3/22/2020</a:t>
             </a:fld>
             <a:endParaRPr lang="en-US" dirty="0"/>
           </a:p>
@@ -7927,7 +7927,7 @@
             <a:fld id="{B61BEF0D-F0BB-DE4B-95CE-6DB70DBA9567}" type="datetimeFigureOut">
               <a:rPr lang="en-US" dirty="0"/>
               <a:pPr/>
-              <a:t>3/21/2020</a:t>
+              <a:t>3/22/2020</a:t>
             </a:fld>
             <a:endParaRPr lang="en-US" dirty="0"/>
           </a:p>
@@ -8242,7 +8242,7 @@
             <a:fld id="{B61BEF0D-F0BB-DE4B-95CE-6DB70DBA9567}" type="datetimeFigureOut">
               <a:rPr lang="en-US" dirty="0"/>
               <a:pPr/>
-              <a:t>3/21/2020</a:t>
+              <a:t>3/22/2020</a:t>
             </a:fld>
             <a:endParaRPr lang="en-US" dirty="0"/>
           </a:p>
@@ -8541,7 +8541,7 @@
             <a:fld id="{B61BEF0D-F0BB-DE4B-95CE-6DB70DBA9567}" type="datetimeFigureOut">
               <a:rPr lang="en-US" dirty="0"/>
               <a:pPr/>
-              <a:t>3/21/2020</a:t>
+              <a:t>3/22/2020</a:t>
             </a:fld>
             <a:endParaRPr lang="en-US" dirty="0"/>
           </a:p>
@@ -8905,7 +8905,7 @@
             <a:fld id="{B61BEF0D-F0BB-DE4B-95CE-6DB70DBA9567}" type="datetimeFigureOut">
               <a:rPr lang="en-US" dirty="0"/>
               <a:pPr/>
-              <a:t>3/21/2020</a:t>
+              <a:t>3/22/2020</a:t>
             </a:fld>
             <a:endParaRPr lang="en-US" dirty="0"/>
           </a:p>
@@ -9076,7 +9076,7 @@
             <a:fld id="{B61BEF0D-F0BB-DE4B-95CE-6DB70DBA9567}" type="datetimeFigureOut">
               <a:rPr lang="en-US" dirty="0"/>
               <a:pPr/>
-              <a:t>3/21/2020</a:t>
+              <a:t>3/22/2020</a:t>
             </a:fld>
             <a:endParaRPr lang="en-US" dirty="0"/>
           </a:p>
@@ -9253,7 +9253,7 @@
             <a:fld id="{B61BEF0D-F0BB-DE4B-95CE-6DB70DBA9567}" type="datetimeFigureOut">
               <a:rPr lang="en-US" dirty="0"/>
               <a:pPr/>
-              <a:t>3/21/2020</a:t>
+              <a:t>3/22/2020</a:t>
             </a:fld>
             <a:endParaRPr lang="en-US" dirty="0"/>
           </a:p>
@@ -9420,7 +9420,7 @@
             <a:fld id="{B61BEF0D-F0BB-DE4B-95CE-6DB70DBA9567}" type="datetimeFigureOut">
               <a:rPr lang="en-US" dirty="0"/>
               <a:pPr/>
-              <a:t>3/21/2020</a:t>
+              <a:t>3/22/2020</a:t>
             </a:fld>
             <a:endParaRPr lang="en-US" dirty="0"/>
           </a:p>
@@ -9667,7 +9667,7 @@
             <a:fld id="{B61BEF0D-F0BB-DE4B-95CE-6DB70DBA9567}" type="datetimeFigureOut">
               <a:rPr lang="en-US" dirty="0"/>
               <a:pPr/>
-              <a:t>3/21/2020</a:t>
+              <a:t>3/22/2020</a:t>
             </a:fld>
             <a:endParaRPr lang="en-US" dirty="0"/>
           </a:p>
@@ -9900,7 +9900,7 @@
             <a:fld id="{B61BEF0D-F0BB-DE4B-95CE-6DB70DBA9567}" type="datetimeFigureOut">
               <a:rPr lang="en-US" dirty="0"/>
               <a:pPr/>
-              <a:t>3/21/2020</a:t>
+              <a:t>3/22/2020</a:t>
             </a:fld>
             <a:endParaRPr lang="en-US" dirty="0"/>
           </a:p>
@@ -10279,7 +10279,7 @@
             <a:fld id="{B61BEF0D-F0BB-DE4B-95CE-6DB70DBA9567}" type="datetimeFigureOut">
               <a:rPr lang="en-US" dirty="0"/>
               <a:pPr/>
-              <a:t>3/21/2020</a:t>
+              <a:t>3/22/2020</a:t>
             </a:fld>
             <a:endParaRPr lang="en-US" dirty="0"/>
           </a:p>
@@ -10394,7 +10394,7 @@
             <a:fld id="{B61BEF0D-F0BB-DE4B-95CE-6DB70DBA9567}" type="datetimeFigureOut">
               <a:rPr lang="en-US" dirty="0"/>
               <a:pPr/>
-              <a:t>3/21/2020</a:t>
+              <a:t>3/22/2020</a:t>
             </a:fld>
             <a:endParaRPr lang="en-US" dirty="0"/>
           </a:p>
@@ -10486,7 +10486,7 @@
             <a:fld id="{B61BEF0D-F0BB-DE4B-95CE-6DB70DBA9567}" type="datetimeFigureOut">
               <a:rPr lang="en-US" dirty="0"/>
               <a:pPr/>
-              <a:t>3/21/2020</a:t>
+              <a:t>3/22/2020</a:t>
             </a:fld>
             <a:endParaRPr lang="en-US" dirty="0"/>
           </a:p>
@@ -10738,7 +10738,7 @@
             <a:fld id="{B61BEF0D-F0BB-DE4B-95CE-6DB70DBA9567}" type="datetimeFigureOut">
               <a:rPr lang="en-US" dirty="0"/>
               <a:pPr/>
-              <a:t>3/21/2020</a:t>
+              <a:t>3/22/2020</a:t>
             </a:fld>
             <a:endParaRPr lang="en-US" dirty="0"/>
           </a:p>
@@ -11018,7 +11018,7 @@
             <a:fld id="{B61BEF0D-F0BB-DE4B-95CE-6DB70DBA9567}" type="datetimeFigureOut">
               <a:rPr lang="en-US" dirty="0"/>
               <a:pPr/>
-              <a:t>3/21/2020</a:t>
+              <a:t>3/22/2020</a:t>
             </a:fld>
             <a:endParaRPr lang="en-US" dirty="0"/>
           </a:p>
@@ -11421,7 +11421,7 @@
             <a:fld id="{B61BEF0D-F0BB-DE4B-95CE-6DB70DBA9567}" type="datetimeFigureOut">
               <a:rPr lang="en-US" dirty="0"/>
               <a:pPr/>
-              <a:t>3/21/2020</a:t>
+              <a:t>3/22/2020</a:t>
             </a:fld>
             <a:endParaRPr lang="en-US" dirty="0"/>
           </a:p>
@@ -12962,6 +12962,18 @@
           <a:prstGeom prst="rect">
             <a:avLst/>
           </a:prstGeom>
+          <a:solidFill>
+            <a:schemeClr val="accent3">
+              <a:lumMod val="75000"/>
+            </a:schemeClr>
+          </a:solidFill>
+          <a:ln>
+            <a:solidFill>
+              <a:schemeClr val="accent3">
+                <a:lumMod val="75000"/>
+              </a:schemeClr>
+            </a:solidFill>
+          </a:ln>
         </p:spPr>
         <p:style>
           <a:lnRef idx="2">
@@ -12984,7 +12996,7 @@
           <a:lstStyle/>
           <a:p>
             <a:pPr algn="ctr"/>
-            <a:endParaRPr lang="en-GB"/>
+            <a:endParaRPr lang="en-GB" dirty="0"/>
           </a:p>
         </p:txBody>
       </p:sp>
@@ -13002,12 +13014,26 @@
         </p:nvSpPr>
         <p:spPr>
           <a:xfrm>
-            <a:off x="6278942" y="2649980"/>
+            <a:off x="6271082" y="2669568"/>
             <a:ext cx="5633020" cy="3009050"/>
           </a:xfrm>
           <a:prstGeom prst="rect">
             <a:avLst/>
           </a:prstGeom>
+          <a:solidFill>
+            <a:schemeClr val="accent1">
+              <a:lumMod val="20000"/>
+              <a:lumOff val="80000"/>
+            </a:schemeClr>
+          </a:solidFill>
+          <a:ln>
+            <a:solidFill>
+              <a:schemeClr val="accent1">
+                <a:lumMod val="20000"/>
+                <a:lumOff val="80000"/>
+              </a:schemeClr>
+            </a:solidFill>
+          </a:ln>
         </p:spPr>
         <p:style>
           <a:lnRef idx="2">
@@ -13054,6 +13080,20 @@
           <a:prstGeom prst="rect">
             <a:avLst/>
           </a:prstGeom>
+          <a:solidFill>
+            <a:schemeClr val="bg2">
+              <a:lumMod val="60000"/>
+              <a:lumOff val="40000"/>
+            </a:schemeClr>
+          </a:solidFill>
+          <a:ln>
+            <a:solidFill>
+              <a:schemeClr val="bg2">
+                <a:lumMod val="60000"/>
+                <a:lumOff val="40000"/>
+              </a:schemeClr>
+            </a:solidFill>
+          </a:ln>
         </p:spPr>
         <p:style>
           <a:lnRef idx="2">
@@ -13094,12 +13134,26 @@
         </p:nvSpPr>
         <p:spPr>
           <a:xfrm>
-            <a:off x="190242" y="1883704"/>
+            <a:off x="207139" y="1787381"/>
             <a:ext cx="5594730" cy="3228216"/>
           </a:xfrm>
           <a:prstGeom prst="rect">
             <a:avLst/>
           </a:prstGeom>
+          <a:solidFill>
+            <a:schemeClr val="accent4">
+              <a:lumMod val="40000"/>
+              <a:lumOff val="60000"/>
+            </a:schemeClr>
+          </a:solidFill>
+          <a:ln>
+            <a:solidFill>
+              <a:schemeClr val="accent4">
+                <a:lumMod val="40000"/>
+                <a:lumOff val="60000"/>
+              </a:schemeClr>
+            </a:solidFill>
+          </a:ln>
         </p:spPr>
         <p:style>
           <a:lnRef idx="2">
@@ -13182,7 +13236,22 @@
             </a:r>
             <a:r>
               <a:rPr lang="fr-FR" dirty="0"/>
-              <a:t> an adapter to </a:t>
+              <a:t> an </a:t>
+            </a:r>
+            <a:r>
+              <a:rPr lang="fr-FR" b="1" dirty="0">
+                <a:solidFill>
+                  <a:schemeClr val="accent4">
+                    <a:lumMod val="40000"/>
+                    <a:lumOff val="60000"/>
+                  </a:schemeClr>
+                </a:solidFill>
+              </a:rPr>
+              <a:t>adapter</a:t>
+            </a:r>
+            <a:r>
+              <a:rPr lang="fr-FR" dirty="0"/>
+              <a:t> to </a:t>
             </a:r>
             <a:r>
               <a:rPr lang="fr-FR" dirty="0" err="1"/>
@@ -13200,7 +13269,11 @@
           </a:p>
           <a:p>
             <a:r>
-              <a:rPr lang="fr-FR" dirty="0" err="1"/>
+              <a:rPr lang="fr-FR" b="1" dirty="0" err="1">
+                <a:solidFill>
+                  <a:srgbClr val="00B0F0"/>
+                </a:solidFill>
+              </a:rPr>
               <a:t>Compress</a:t>
             </a:r>
             <a:r>
@@ -13226,7 +13299,13 @@
               <a:t> a </a:t>
             </a:r>
             <a:r>
-              <a:rPr lang="fr-FR" dirty="0" err="1"/>
+              <a:rPr lang="fr-FR" b="1" dirty="0" err="1">
+                <a:solidFill>
+                  <a:schemeClr val="accent3">
+                    <a:lumMod val="75000"/>
+                  </a:schemeClr>
+                </a:solidFill>
+              </a:rPr>
               <a:t>reward</a:t>
             </a:r>
             <a:r>
@@ -13252,10 +13331,24 @@
               <a:t> SAI </a:t>
             </a:r>
             <a:r>
-              <a:rPr lang="fr-FR" dirty="0" err="1"/>
+              <a:rPr lang="fr-FR" b="1" dirty="0" err="1">
+                <a:solidFill>
+                  <a:schemeClr val="accent1">
+                    <a:lumMod val="20000"/>
+                    <a:lumOff val="80000"/>
+                  </a:schemeClr>
+                </a:solidFill>
+              </a:rPr>
               <a:t>robust</a:t>
             </a:r>
-            <a:endParaRPr lang="fr-FR" dirty="0"/>
+            <a:endParaRPr lang="fr-FR" b="1" dirty="0">
+              <a:solidFill>
+                <a:schemeClr val="accent1">
+                  <a:lumMod val="20000"/>
+                  <a:lumOff val="80000"/>
+                </a:schemeClr>
+              </a:solidFill>
+            </a:endParaRPr>
           </a:p>
           <a:p>
             <a:pPr marL="0" indent="0">
@@ -14644,7 +14737,7 @@
         </p:nvSpPr>
         <p:spPr>
           <a:xfrm rot="1747778">
-            <a:off x="6937762" y="3240979"/>
+            <a:off x="7095770" y="3427243"/>
             <a:ext cx="204210" cy="669928"/>
           </a:xfrm>
           <a:prstGeom prst="downArrow">

--- a/SAI_presentation.pptx
+++ b/SAI_presentation.pptx
@@ -15732,37 +15732,242 @@
             </a:r>
             <a:r>
               <a:rPr lang="fr-FR" dirty="0"/>
-              <a:t> SAI </a:t>
-            </a:r>
-            <a:r>
-              <a:rPr lang="fr-FR"/>
-              <a:t>on Windows and OS X</a:t>
-            </a:r>
+              <a:t> SAI on Windows and OS X</a:t>
+            </a:r>
+          </a:p>
+          <a:p>
             <a:endParaRPr lang="fr-FR" dirty="0"/>
           </a:p>
           <a:p>
-            <a:r>
-              <a:rPr lang="fr-FR" dirty="0" err="1"/>
-              <a:t>Schema</a:t>
-            </a:r>
-            <a:r>
-              <a:rPr lang="fr-FR" dirty="0"/>
-              <a:t> to </a:t>
-            </a:r>
-            <a:r>
-              <a:rPr lang="fr-FR" dirty="0" err="1"/>
-              <a:t>explain</a:t>
-            </a:r>
-            <a:endParaRPr lang="en-GB" dirty="0"/>
+            <a:endParaRPr lang="fr-FR" dirty="0"/>
+          </a:p>
+          <a:p>
+            <a:endParaRPr lang="fr-FR" dirty="0"/>
+          </a:p>
+          <a:p>
+            <a:endParaRPr lang="fr-FR" dirty="0"/>
           </a:p>
         </p:txBody>
       </p:sp>
+      <p:pic>
+        <p:nvPicPr>
+          <p:cNvPr id="6" name="Picture 4" descr="RÃ©sultat de recherche d'images pour &quot;windows 10 logo png&quot;">
+            <a:extLst>
+              <a:ext uri="{FF2B5EF4-FFF2-40B4-BE49-F238E27FC236}">
+                <a16:creationId xmlns:a16="http://schemas.microsoft.com/office/drawing/2014/main" id="{8131B6F4-A27F-45AF-B61E-B0FC84411335}"/>
+              </a:ext>
+            </a:extLst>
+          </p:cNvPr>
+          <p:cNvPicPr>
+            <a:picLocks noChangeAspect="1" noChangeArrowheads="1"/>
+          </p:cNvPicPr>
+          <p:nvPr/>
+        </p:nvPicPr>
+        <p:blipFill>
+          <a:blip r:embed="rId2">
+            <a:extLst>
+              <a:ext uri="{28A0092B-C50C-407E-A947-70E740481C1C}">
+                <a14:useLocalDpi xmlns:a14="http://schemas.microsoft.com/office/drawing/2010/main" val="0"/>
+              </a:ext>
+            </a:extLst>
+          </a:blip>
+          <a:srcRect/>
+          <a:stretch>
+            <a:fillRect/>
+          </a:stretch>
+        </p:blipFill>
+        <p:spPr bwMode="auto">
+          <a:xfrm>
+            <a:off x="6995364" y="1949589"/>
+            <a:ext cx="854553" cy="854553"/>
+          </a:xfrm>
+          <a:prstGeom prst="rect">
+            <a:avLst/>
+          </a:prstGeom>
+          <a:noFill/>
+          <a:extLst>
+            <a:ext uri="{909E8E84-426E-40DD-AFC4-6F175D3DCCD1}">
+              <a14:hiddenFill xmlns:a14="http://schemas.microsoft.com/office/drawing/2010/main">
+                <a:solidFill>
+                  <a:srgbClr val="FFFFFF"/>
+                </a:solidFill>
+              </a14:hiddenFill>
+            </a:ext>
+          </a:extLst>
+        </p:spPr>
+      </p:pic>
+      <p:pic>
+        <p:nvPicPr>
+          <p:cNvPr id="7" name="Picture 6" descr="RÃ©sultat de recherche d'images pour &quot;OS X logo png&quot;">
+            <a:extLst>
+              <a:ext uri="{FF2B5EF4-FFF2-40B4-BE49-F238E27FC236}">
+                <a16:creationId xmlns:a16="http://schemas.microsoft.com/office/drawing/2014/main" id="{CF1027BD-EDD2-4249-BC79-F666502E039F}"/>
+              </a:ext>
+            </a:extLst>
+          </p:cNvPr>
+          <p:cNvPicPr>
+            <a:picLocks noChangeAspect="1" noChangeArrowheads="1"/>
+          </p:cNvPicPr>
+          <p:nvPr/>
+        </p:nvPicPr>
+        <p:blipFill>
+          <a:blip r:embed="rId3">
+            <a:extLst>
+              <a:ext uri="{28A0092B-C50C-407E-A947-70E740481C1C}">
+                <a14:useLocalDpi xmlns:a14="http://schemas.microsoft.com/office/drawing/2010/main" val="0"/>
+              </a:ext>
+            </a:extLst>
+          </a:blip>
+          <a:srcRect/>
+          <a:stretch>
+            <a:fillRect/>
+          </a:stretch>
+        </p:blipFill>
+        <p:spPr bwMode="auto">
+          <a:xfrm>
+            <a:off x="6829406" y="4302959"/>
+            <a:ext cx="1181100" cy="473363"/>
+          </a:xfrm>
+          <a:prstGeom prst="rect">
+            <a:avLst/>
+          </a:prstGeom>
+          <a:noFill/>
+          <a:extLst>
+            <a:ext uri="{909E8E84-426E-40DD-AFC4-6F175D3DCCD1}">
+              <a14:hiddenFill xmlns:a14="http://schemas.microsoft.com/office/drawing/2010/main">
+                <a:solidFill>
+                  <a:srgbClr val="FFFFFF"/>
+                </a:solidFill>
+              </a14:hiddenFill>
+            </a:ext>
+          </a:extLst>
+        </p:spPr>
+      </p:pic>
+      <p:pic>
+        <p:nvPicPr>
+          <p:cNvPr id="8" name="Picture 8" descr="RÃ©sultat de recherche d'images pour &quot;linux logo png&quot;">
+            <a:extLst>
+              <a:ext uri="{FF2B5EF4-FFF2-40B4-BE49-F238E27FC236}">
+                <a16:creationId xmlns:a16="http://schemas.microsoft.com/office/drawing/2014/main" id="{F006053A-D8E7-4B5B-A418-F49C933E6DBE}"/>
+              </a:ext>
+            </a:extLst>
+          </p:cNvPr>
+          <p:cNvPicPr>
+            <a:picLocks noChangeAspect="1" noChangeArrowheads="1"/>
+          </p:cNvPicPr>
+          <p:nvPr/>
+        </p:nvPicPr>
+        <p:blipFill>
+          <a:blip r:embed="rId4">
+            <a:extLst>
+              <a:ext uri="{28A0092B-C50C-407E-A947-70E740481C1C}">
+                <a14:useLocalDpi xmlns:a14="http://schemas.microsoft.com/office/drawing/2010/main" val="0"/>
+              </a:ext>
+            </a:extLst>
+          </a:blip>
+          <a:srcRect/>
+          <a:stretch>
+            <a:fillRect/>
+          </a:stretch>
+        </p:blipFill>
+        <p:spPr bwMode="auto">
+          <a:xfrm>
+            <a:off x="6951799" y="2903124"/>
+            <a:ext cx="898118" cy="1040354"/>
+          </a:xfrm>
+          <a:prstGeom prst="rect">
+            <a:avLst/>
+          </a:prstGeom>
+          <a:noFill/>
+          <a:extLst>
+            <a:ext uri="{909E8E84-426E-40DD-AFC4-6F175D3DCCD1}">
+              <a14:hiddenFill xmlns:a14="http://schemas.microsoft.com/office/drawing/2010/main">
+                <a:solidFill>
+                  <a:srgbClr val="FFFFFF"/>
+                </a:solidFill>
+              </a14:hiddenFill>
+            </a:ext>
+          </a:extLst>
+        </p:spPr>
+      </p:pic>
+      <p:pic>
+        <p:nvPicPr>
+          <p:cNvPr id="9" name="Graphique 8" descr="Caméra vidéo">
+            <a:extLst>
+              <a:ext uri="{FF2B5EF4-FFF2-40B4-BE49-F238E27FC236}">
+                <a16:creationId xmlns:a16="http://schemas.microsoft.com/office/drawing/2014/main" id="{45685769-E9BC-4BC8-9298-F04DB0FF6D50}"/>
+              </a:ext>
+            </a:extLst>
+          </p:cNvPr>
+          <p:cNvPicPr>
+            <a:picLocks noChangeAspect="1"/>
+          </p:cNvPicPr>
+          <p:nvPr/>
+        </p:nvPicPr>
+        <p:blipFill>
+          <a:blip r:embed="rId5">
+            <a:extLst>
+              <a:ext uri="{96DAC541-7B7A-43D3-8B79-37D633B846F1}">
+                <asvg:svgBlip xmlns:asvg="http://schemas.microsoft.com/office/drawing/2016/SVG/main" r:embed="rId6"/>
+              </a:ext>
+            </a:extLst>
+          </a:blip>
+          <a:stretch>
+            <a:fillRect/>
+          </a:stretch>
+        </p:blipFill>
+        <p:spPr>
+          <a:xfrm>
+            <a:off x="2616135" y="2071082"/>
+            <a:ext cx="914400" cy="914400"/>
+          </a:xfrm>
+          <a:prstGeom prst="rect">
+            <a:avLst/>
+          </a:prstGeom>
+        </p:spPr>
+      </p:pic>
+      <p:pic>
+        <p:nvPicPr>
+          <p:cNvPr id="10" name="Graphique 9" descr="Microphone">
+            <a:extLst>
+              <a:ext uri="{FF2B5EF4-FFF2-40B4-BE49-F238E27FC236}">
+                <a16:creationId xmlns:a16="http://schemas.microsoft.com/office/drawing/2014/main" id="{7B5A71A8-5903-418D-8920-9DF16EE9A1F1}"/>
+              </a:ext>
+            </a:extLst>
+          </p:cNvPr>
+          <p:cNvPicPr>
+            <a:picLocks noChangeAspect="1"/>
+          </p:cNvPicPr>
+          <p:nvPr/>
+        </p:nvPicPr>
+        <p:blipFill>
+          <a:blip r:embed="rId7">
+            <a:extLst>
+              <a:ext uri="{96DAC541-7B7A-43D3-8B79-37D633B846F1}">
+                <asvg:svgBlip xmlns:asvg="http://schemas.microsoft.com/office/drawing/2016/SVG/main" r:embed="rId8"/>
+              </a:ext>
+            </a:extLst>
+          </a:blip>
+          <a:stretch>
+            <a:fillRect/>
+          </a:stretch>
+        </p:blipFill>
+        <p:spPr>
+          <a:xfrm>
+            <a:off x="2637004" y="3377139"/>
+            <a:ext cx="914400" cy="914400"/>
+          </a:xfrm>
+          <a:prstGeom prst="rect">
+            <a:avLst/>
+          </a:prstGeom>
+        </p:spPr>
+      </p:pic>
       <p:sp>
         <p:nvSpPr>
-          <p:cNvPr id="4" name="Rectangle 3">
+          <p:cNvPr id="11" name="Flèche : droite 10">
             <a:extLst>
               <a:ext uri="{FF2B5EF4-FFF2-40B4-BE49-F238E27FC236}">
-                <a16:creationId xmlns:a16="http://schemas.microsoft.com/office/drawing/2014/main" id="{A810C1CD-F941-464D-B834-8C57EAE14EBD}"/>
+                <a16:creationId xmlns:a16="http://schemas.microsoft.com/office/drawing/2014/main" id="{7EF6963B-DA6F-4AC1-BACD-C595897251AC}"/>
               </a:ext>
             </a:extLst>
           </p:cNvPr>
@@ -15770,11 +15975,11 @@
           <p:nvPr/>
         </p:nvSpPr>
         <p:spPr>
-          <a:xfrm>
-            <a:off x="7551895" y="2870855"/>
-            <a:ext cx="620807" cy="3232956"/>
+          <a:xfrm rot="1192363">
+            <a:off x="3945843" y="2680149"/>
+            <a:ext cx="978408" cy="484632"/>
           </a:xfrm>
-          <a:prstGeom prst="rect">
+          <a:prstGeom prst="rightArrow">
             <a:avLst/>
           </a:prstGeom>
           <a:solidFill>
@@ -15807,16 +16012,16 @@
           <a:lstStyle/>
           <a:p>
             <a:pPr algn="ctr"/>
-            <a:endParaRPr lang="en-GB" dirty="0"/>
+            <a:endParaRPr lang="en-GB"/>
           </a:p>
         </p:txBody>
       </p:sp>
       <p:sp>
         <p:nvSpPr>
-          <p:cNvPr id="5" name="Rectangle 4">
+          <p:cNvPr id="12" name="Flèche : droite 11">
             <a:extLst>
               <a:ext uri="{FF2B5EF4-FFF2-40B4-BE49-F238E27FC236}">
-                <a16:creationId xmlns:a16="http://schemas.microsoft.com/office/drawing/2014/main" id="{017A18ED-A5B0-4D0F-8A49-69AF7BB05528}"/>
+                <a16:creationId xmlns:a16="http://schemas.microsoft.com/office/drawing/2014/main" id="{3F8D0A72-962D-4A9D-881D-7F608DD66762}"/>
               </a:ext>
             </a:extLst>
           </p:cNvPr>
@@ -15824,11 +16029,65 @@
           <p:nvPr/>
         </p:nvSpPr>
         <p:spPr>
-          <a:xfrm>
-            <a:off x="4489142" y="2870854"/>
-            <a:ext cx="620806" cy="3232956"/>
+          <a:xfrm rot="20407754">
+            <a:off x="3925879" y="3466015"/>
+            <a:ext cx="978408" cy="484632"/>
           </a:xfrm>
-          <a:prstGeom prst="rect">
+          <a:prstGeom prst="rightArrow">
+            <a:avLst/>
+          </a:prstGeom>
+          <a:solidFill>
+            <a:srgbClr val="00B050"/>
+          </a:solidFill>
+          <a:ln>
+            <a:solidFill>
+              <a:srgbClr val="00B050"/>
+            </a:solidFill>
+          </a:ln>
+        </p:spPr>
+        <p:style>
+          <a:lnRef idx="2">
+            <a:schemeClr val="accent1">
+              <a:shade val="50000"/>
+            </a:schemeClr>
+          </a:lnRef>
+          <a:fillRef idx="1">
+            <a:schemeClr val="accent1"/>
+          </a:fillRef>
+          <a:effectRef idx="0">
+            <a:schemeClr val="accent1"/>
+          </a:effectRef>
+          <a:fontRef idx="minor">
+            <a:schemeClr val="lt1"/>
+          </a:fontRef>
+        </p:style>
+        <p:txBody>
+          <a:bodyPr rtlCol="0" anchor="ctr"/>
+          <a:lstStyle/>
+          <a:p>
+            <a:pPr algn="ctr"/>
+            <a:endParaRPr lang="en-GB"/>
+          </a:p>
+        </p:txBody>
+      </p:sp>
+      <p:sp>
+        <p:nvSpPr>
+          <p:cNvPr id="13" name="Flèche : droite 12">
+            <a:extLst>
+              <a:ext uri="{FF2B5EF4-FFF2-40B4-BE49-F238E27FC236}">
+                <a16:creationId xmlns:a16="http://schemas.microsoft.com/office/drawing/2014/main" id="{0C8032AF-78E0-41BB-B588-19A4F130E142}"/>
+              </a:ext>
+            </a:extLst>
+          </p:cNvPr>
+          <p:cNvSpPr/>
+          <p:nvPr/>
+        </p:nvSpPr>
+        <p:spPr>
+          <a:xfrm rot="1192363">
+            <a:off x="5699536" y="3788581"/>
+            <a:ext cx="978408" cy="484632"/>
+          </a:xfrm>
+          <a:prstGeom prst="rightArrow">
             <a:avLst/>
           </a:prstGeom>
           <a:solidFill>
@@ -15861,10 +16120,165 @@
           <a:lstStyle/>
           <a:p>
             <a:pPr algn="ctr"/>
-            <a:endParaRPr lang="en-GB" dirty="0"/>
+            <a:endParaRPr lang="en-GB"/>
           </a:p>
         </p:txBody>
       </p:sp>
+      <p:sp>
+        <p:nvSpPr>
+          <p:cNvPr id="14" name="Flèche : droite 13">
+            <a:extLst>
+              <a:ext uri="{FF2B5EF4-FFF2-40B4-BE49-F238E27FC236}">
+                <a16:creationId xmlns:a16="http://schemas.microsoft.com/office/drawing/2014/main" id="{A2A46947-DC4E-48B0-AB36-DC23061B3C0E}"/>
+              </a:ext>
+            </a:extLst>
+          </p:cNvPr>
+          <p:cNvSpPr/>
+          <p:nvPr/>
+        </p:nvSpPr>
+        <p:spPr>
+          <a:xfrm rot="20407754">
+            <a:off x="5774028" y="2461794"/>
+            <a:ext cx="978408" cy="484632"/>
+          </a:xfrm>
+          <a:prstGeom prst="rightArrow">
+            <a:avLst/>
+          </a:prstGeom>
+          <a:solidFill>
+            <a:srgbClr val="FFFF00"/>
+          </a:solidFill>
+          <a:ln>
+            <a:solidFill>
+              <a:srgbClr val="FFFF00"/>
+            </a:solidFill>
+          </a:ln>
+        </p:spPr>
+        <p:style>
+          <a:lnRef idx="2">
+            <a:schemeClr val="accent1">
+              <a:shade val="50000"/>
+            </a:schemeClr>
+          </a:lnRef>
+          <a:fillRef idx="1">
+            <a:schemeClr val="accent1"/>
+          </a:fillRef>
+          <a:effectRef idx="0">
+            <a:schemeClr val="accent1"/>
+          </a:effectRef>
+          <a:fontRef idx="minor">
+            <a:schemeClr val="lt1"/>
+          </a:fontRef>
+        </p:style>
+        <p:txBody>
+          <a:bodyPr rtlCol="0" anchor="ctr"/>
+          <a:lstStyle/>
+          <a:p>
+            <a:pPr algn="ctr"/>
+            <a:endParaRPr lang="en-GB"/>
+          </a:p>
+        </p:txBody>
+      </p:sp>
+      <p:sp>
+        <p:nvSpPr>
+          <p:cNvPr id="15" name="Flèche : droite 14">
+            <a:extLst>
+              <a:ext uri="{FF2B5EF4-FFF2-40B4-BE49-F238E27FC236}">
+                <a16:creationId xmlns:a16="http://schemas.microsoft.com/office/drawing/2014/main" id="{420D7DB5-A0EC-4A22-B814-FFDD4A9BBC0E}"/>
+              </a:ext>
+            </a:extLst>
+          </p:cNvPr>
+          <p:cNvSpPr/>
+          <p:nvPr/>
+        </p:nvSpPr>
+        <p:spPr>
+          <a:xfrm>
+            <a:off x="5849595" y="3121667"/>
+            <a:ext cx="978408" cy="484632"/>
+          </a:xfrm>
+          <a:prstGeom prst="rightArrow">
+            <a:avLst/>
+          </a:prstGeom>
+          <a:solidFill>
+            <a:srgbClr val="FFFF00"/>
+          </a:solidFill>
+          <a:ln>
+            <a:solidFill>
+              <a:srgbClr val="FFFF00"/>
+            </a:solidFill>
+          </a:ln>
+        </p:spPr>
+        <p:style>
+          <a:lnRef idx="2">
+            <a:schemeClr val="accent1">
+              <a:shade val="50000"/>
+            </a:schemeClr>
+          </a:lnRef>
+          <a:fillRef idx="1">
+            <a:schemeClr val="accent1"/>
+          </a:fillRef>
+          <a:effectRef idx="0">
+            <a:schemeClr val="accent1"/>
+          </a:effectRef>
+          <a:fontRef idx="minor">
+            <a:schemeClr val="lt1"/>
+          </a:fontRef>
+        </p:style>
+        <p:txBody>
+          <a:bodyPr rtlCol="0" anchor="ctr"/>
+          <a:lstStyle/>
+          <a:p>
+            <a:pPr algn="ctr"/>
+            <a:endParaRPr lang="en-GB"/>
+          </a:p>
+        </p:txBody>
+      </p:sp>
+      <p:pic>
+        <p:nvPicPr>
+          <p:cNvPr id="1026" name="Picture 2" descr="RÃ©sultat de recherche d'images pour &quot;pyinstaller logo&quot;">
+            <a:extLst>
+              <a:ext uri="{FF2B5EF4-FFF2-40B4-BE49-F238E27FC236}">
+                <a16:creationId xmlns:a16="http://schemas.microsoft.com/office/drawing/2014/main" id="{1B3635C7-2401-436C-A767-67DFE7FDF584}"/>
+              </a:ext>
+            </a:extLst>
+          </p:cNvPr>
+          <p:cNvPicPr>
+            <a:picLocks noChangeAspect="1" noChangeArrowheads="1"/>
+          </p:cNvPicPr>
+          <p:nvPr/>
+        </p:nvPicPr>
+        <p:blipFill>
+          <a:blip r:embed="rId9">
+            <a:extLst>
+              <a:ext uri="{28A0092B-C50C-407E-A947-70E740481C1C}">
+                <a14:useLocalDpi xmlns:a14="http://schemas.microsoft.com/office/drawing/2010/main" val="0"/>
+              </a:ext>
+            </a:extLst>
+          </a:blip>
+          <a:srcRect/>
+          <a:stretch>
+            <a:fillRect/>
+          </a:stretch>
+        </p:blipFill>
+        <p:spPr bwMode="auto">
+          <a:xfrm>
+            <a:off x="4950873" y="2998837"/>
+            <a:ext cx="756603" cy="756603"/>
+          </a:xfrm>
+          <a:prstGeom prst="rect">
+            <a:avLst/>
+          </a:prstGeom>
+          <a:noFill/>
+          <a:extLst>
+            <a:ext uri="{909E8E84-426E-40DD-AFC4-6F175D3DCCD1}">
+              <a14:hiddenFill xmlns:a14="http://schemas.microsoft.com/office/drawing/2010/main">
+                <a:solidFill>
+                  <a:srgbClr val="FFFFFF"/>
+                </a:solidFill>
+              </a14:hiddenFill>
+            </a:ext>
+          </a:extLst>
+        </p:spPr>
+      </p:pic>
     </p:spTree>
     <p:extLst>
       <p:ext uri="{BB962C8B-B14F-4D97-AF65-F5344CB8AC3E}">

--- a/SAI_presentation.pptx
+++ b/SAI_presentation.pptx
@@ -15736,6 +15736,44 @@
             </a:r>
           </a:p>
           <a:p>
+            <a:r>
+              <a:rPr lang="fr-FR" dirty="0" err="1"/>
+              <a:t>Pyinstaller</a:t>
+            </a:r>
+            <a:r>
+              <a:rPr lang="fr-FR" dirty="0"/>
+              <a:t> </a:t>
+            </a:r>
+            <a:r>
+              <a:rPr lang="fr-FR" dirty="0" err="1"/>
+              <a:t>allows</a:t>
+            </a:r>
+            <a:r>
+              <a:rPr lang="fr-FR" dirty="0"/>
+              <a:t> us to </a:t>
+            </a:r>
+            <a:r>
+              <a:rPr lang="fr-FR" dirty="0" err="1"/>
+              <a:t>create</a:t>
+            </a:r>
+            <a:r>
+              <a:rPr lang="fr-FR" dirty="0"/>
+              <a:t> </a:t>
+            </a:r>
+            <a:r>
+              <a:rPr lang="fr-FR" dirty="0" err="1"/>
+              <a:t>executable</a:t>
+            </a:r>
+            <a:r>
+              <a:rPr lang="fr-FR"/>
+              <a:t> for </a:t>
+            </a:r>
+            <a:r>
+              <a:rPr lang="fr-FR" dirty="0"/>
+              <a:t>all platforms</a:t>
+            </a:r>
+          </a:p>
+          <a:p>
             <a:endParaRPr lang="fr-FR" dirty="0"/>
           </a:p>
           <a:p>

--- a/SAI_presentation.pptx
+++ b/SAI_presentation.pptx
@@ -6942,7 +6942,7 @@
             <a:fld id="{B61BEF0D-F0BB-DE4B-95CE-6DB70DBA9567}" type="datetimeFigureOut">
               <a:rPr lang="en-US" dirty="0"/>
               <a:pPr/>
-              <a:t>3/22/2020</a:t>
+              <a:t>3/23/2020</a:t>
             </a:fld>
             <a:endParaRPr lang="en-US" dirty="0"/>
           </a:p>
@@ -7375,7 +7375,7 @@
             <a:fld id="{B61BEF0D-F0BB-DE4B-95CE-6DB70DBA9567}" type="datetimeFigureOut">
               <a:rPr lang="en-US" dirty="0"/>
               <a:pPr/>
-              <a:t>3/22/2020</a:t>
+              <a:t>3/23/2020</a:t>
             </a:fld>
             <a:endParaRPr lang="en-US" dirty="0"/>
           </a:p>
@@ -7622,7 +7622,7 @@
             <a:fld id="{B61BEF0D-F0BB-DE4B-95CE-6DB70DBA9567}" type="datetimeFigureOut">
               <a:rPr lang="en-US" dirty="0"/>
               <a:pPr/>
-              <a:t>3/22/2020</a:t>
+              <a:t>3/23/2020</a:t>
             </a:fld>
             <a:endParaRPr lang="en-US" dirty="0"/>
           </a:p>
@@ -7927,7 +7927,7 @@
             <a:fld id="{B61BEF0D-F0BB-DE4B-95CE-6DB70DBA9567}" type="datetimeFigureOut">
               <a:rPr lang="en-US" dirty="0"/>
               <a:pPr/>
-              <a:t>3/22/2020</a:t>
+              <a:t>3/23/2020</a:t>
             </a:fld>
             <a:endParaRPr lang="en-US" dirty="0"/>
           </a:p>
@@ -8242,7 +8242,7 @@
             <a:fld id="{B61BEF0D-F0BB-DE4B-95CE-6DB70DBA9567}" type="datetimeFigureOut">
               <a:rPr lang="en-US" dirty="0"/>
               <a:pPr/>
-              <a:t>3/22/2020</a:t>
+              <a:t>3/23/2020</a:t>
             </a:fld>
             <a:endParaRPr lang="en-US" dirty="0"/>
           </a:p>
@@ -8541,7 +8541,7 @@
             <a:fld id="{B61BEF0D-F0BB-DE4B-95CE-6DB70DBA9567}" type="datetimeFigureOut">
               <a:rPr lang="en-US" dirty="0"/>
               <a:pPr/>
-              <a:t>3/22/2020</a:t>
+              <a:t>3/23/2020</a:t>
             </a:fld>
             <a:endParaRPr lang="en-US" dirty="0"/>
           </a:p>
@@ -8905,7 +8905,7 @@
             <a:fld id="{B61BEF0D-F0BB-DE4B-95CE-6DB70DBA9567}" type="datetimeFigureOut">
               <a:rPr lang="en-US" dirty="0"/>
               <a:pPr/>
-              <a:t>3/22/2020</a:t>
+              <a:t>3/23/2020</a:t>
             </a:fld>
             <a:endParaRPr lang="en-US" dirty="0"/>
           </a:p>
@@ -9076,7 +9076,7 @@
             <a:fld id="{B61BEF0D-F0BB-DE4B-95CE-6DB70DBA9567}" type="datetimeFigureOut">
               <a:rPr lang="en-US" dirty="0"/>
               <a:pPr/>
-              <a:t>3/22/2020</a:t>
+              <a:t>3/23/2020</a:t>
             </a:fld>
             <a:endParaRPr lang="en-US" dirty="0"/>
           </a:p>
@@ -9253,7 +9253,7 @@
             <a:fld id="{B61BEF0D-F0BB-DE4B-95CE-6DB70DBA9567}" type="datetimeFigureOut">
               <a:rPr lang="en-US" dirty="0"/>
               <a:pPr/>
-              <a:t>3/22/2020</a:t>
+              <a:t>3/23/2020</a:t>
             </a:fld>
             <a:endParaRPr lang="en-US" dirty="0"/>
           </a:p>
@@ -9420,7 +9420,7 @@
             <a:fld id="{B61BEF0D-F0BB-DE4B-95CE-6DB70DBA9567}" type="datetimeFigureOut">
               <a:rPr lang="en-US" dirty="0"/>
               <a:pPr/>
-              <a:t>3/22/2020</a:t>
+              <a:t>3/23/2020</a:t>
             </a:fld>
             <a:endParaRPr lang="en-US" dirty="0"/>
           </a:p>
@@ -9667,7 +9667,7 @@
             <a:fld id="{B61BEF0D-F0BB-DE4B-95CE-6DB70DBA9567}" type="datetimeFigureOut">
               <a:rPr lang="en-US" dirty="0"/>
               <a:pPr/>
-              <a:t>3/22/2020</a:t>
+              <a:t>3/23/2020</a:t>
             </a:fld>
             <a:endParaRPr lang="en-US" dirty="0"/>
           </a:p>
@@ -9900,7 +9900,7 @@
             <a:fld id="{B61BEF0D-F0BB-DE4B-95CE-6DB70DBA9567}" type="datetimeFigureOut">
               <a:rPr lang="en-US" dirty="0"/>
               <a:pPr/>
-              <a:t>3/22/2020</a:t>
+              <a:t>3/23/2020</a:t>
             </a:fld>
             <a:endParaRPr lang="en-US" dirty="0"/>
           </a:p>
@@ -10279,7 +10279,7 @@
             <a:fld id="{B61BEF0D-F0BB-DE4B-95CE-6DB70DBA9567}" type="datetimeFigureOut">
               <a:rPr lang="en-US" dirty="0"/>
               <a:pPr/>
-              <a:t>3/22/2020</a:t>
+              <a:t>3/23/2020</a:t>
             </a:fld>
             <a:endParaRPr lang="en-US" dirty="0"/>
           </a:p>
@@ -10394,7 +10394,7 @@
             <a:fld id="{B61BEF0D-F0BB-DE4B-95CE-6DB70DBA9567}" type="datetimeFigureOut">
               <a:rPr lang="en-US" dirty="0"/>
               <a:pPr/>
-              <a:t>3/22/2020</a:t>
+              <a:t>3/23/2020</a:t>
             </a:fld>
             <a:endParaRPr lang="en-US" dirty="0"/>
           </a:p>
@@ -10486,7 +10486,7 @@
             <a:fld id="{B61BEF0D-F0BB-DE4B-95CE-6DB70DBA9567}" type="datetimeFigureOut">
               <a:rPr lang="en-US" dirty="0"/>
               <a:pPr/>
-              <a:t>3/22/2020</a:t>
+              <a:t>3/23/2020</a:t>
             </a:fld>
             <a:endParaRPr lang="en-US" dirty="0"/>
           </a:p>
@@ -10738,7 +10738,7 @@
             <a:fld id="{B61BEF0D-F0BB-DE4B-95CE-6DB70DBA9567}" type="datetimeFigureOut">
               <a:rPr lang="en-US" dirty="0"/>
               <a:pPr/>
-              <a:t>3/22/2020</a:t>
+              <a:t>3/23/2020</a:t>
             </a:fld>
             <a:endParaRPr lang="en-US" dirty="0"/>
           </a:p>
@@ -11018,7 +11018,7 @@
             <a:fld id="{B61BEF0D-F0BB-DE4B-95CE-6DB70DBA9567}" type="datetimeFigureOut">
               <a:rPr lang="en-US" dirty="0"/>
               <a:pPr/>
-              <a:t>3/22/2020</a:t>
+              <a:t>3/23/2020</a:t>
             </a:fld>
             <a:endParaRPr lang="en-US" dirty="0"/>
           </a:p>
@@ -11421,7 +11421,7 @@
             <a:fld id="{B61BEF0D-F0BB-DE4B-95CE-6DB70DBA9567}" type="datetimeFigureOut">
               <a:rPr lang="en-US" dirty="0"/>
               <a:pPr/>
-              <a:t>3/22/2020</a:t>
+              <a:t>3/23/2020</a:t>
             </a:fld>
             <a:endParaRPr lang="en-US" dirty="0"/>
           </a:p>
@@ -12303,58 +12303,6 @@
             </a:r>
             <a:r>
               <a:rPr lang="fr-FR" dirty="0" err="1"/>
-              <a:t>need</a:t>
-            </a:r>
-            <a:r>
-              <a:rPr lang="fr-FR" dirty="0"/>
-              <a:t> to </a:t>
-            </a:r>
-            <a:r>
-              <a:rPr lang="fr-FR" dirty="0" err="1"/>
-              <a:t>be</a:t>
-            </a:r>
-            <a:r>
-              <a:rPr lang="fr-FR" dirty="0"/>
-              <a:t> launch </a:t>
-            </a:r>
-            <a:r>
-              <a:rPr lang="fr-FR" dirty="0" err="1"/>
-              <a:t>everytime</a:t>
-            </a:r>
-            <a:r>
-              <a:rPr lang="fr-FR" dirty="0"/>
-              <a:t> the </a:t>
-            </a:r>
-            <a:r>
-              <a:rPr lang="fr-FR" b="1" dirty="0">
-                <a:solidFill>
-                  <a:srgbClr val="00B050"/>
-                </a:solidFill>
-              </a:rPr>
-              <a:t>computer</a:t>
-            </a:r>
-            <a:r>
-              <a:rPr lang="fr-FR" dirty="0"/>
-              <a:t> </a:t>
-            </a:r>
-            <a:r>
-              <a:rPr lang="fr-FR" dirty="0" err="1"/>
-              <a:t>is</a:t>
-            </a:r>
-            <a:r>
-              <a:rPr lang="fr-FR" dirty="0"/>
-              <a:t> up, </a:t>
-            </a:r>
-            <a:r>
-              <a:rPr lang="fr-FR" dirty="0" err="1"/>
-              <a:t>it</a:t>
-            </a:r>
-            <a:r>
-              <a:rPr lang="fr-FR" dirty="0"/>
-              <a:t> </a:t>
-            </a:r>
-            <a:r>
-              <a:rPr lang="fr-FR" dirty="0" err="1"/>
               <a:t>needs</a:t>
             </a:r>
             <a:r>
@@ -16481,6 +16429,78 @@
           </a:p>
         </p:txBody>
       </p:sp>
+      <p:pic>
+        <p:nvPicPr>
+          <p:cNvPr id="5" name="Graphique 4" descr="Image">
+            <a:extLst>
+              <a:ext uri="{FF2B5EF4-FFF2-40B4-BE49-F238E27FC236}">
+                <a16:creationId xmlns:a16="http://schemas.microsoft.com/office/drawing/2014/main" id="{968FBE39-CB06-48BC-AC2D-6A7704FE5BFE}"/>
+              </a:ext>
+            </a:extLst>
+          </p:cNvPr>
+          <p:cNvPicPr>
+            <a:picLocks noChangeAspect="1"/>
+          </p:cNvPicPr>
+          <p:nvPr/>
+        </p:nvPicPr>
+        <p:blipFill>
+          <a:blip r:embed="rId2">
+            <a:extLst>
+              <a:ext uri="{96DAC541-7B7A-43D3-8B79-37D633B846F1}">
+                <asvg:svgBlip xmlns:asvg="http://schemas.microsoft.com/office/drawing/2016/SVG/main" r:embed="rId3"/>
+              </a:ext>
+            </a:extLst>
+          </a:blip>
+          <a:stretch>
+            <a:fillRect/>
+          </a:stretch>
+        </p:blipFill>
+        <p:spPr>
+          <a:xfrm>
+            <a:off x="5638800" y="2971800"/>
+            <a:ext cx="914400" cy="914400"/>
+          </a:xfrm>
+          <a:prstGeom prst="rect">
+            <a:avLst/>
+          </a:prstGeom>
+        </p:spPr>
+      </p:pic>
+      <p:pic>
+        <p:nvPicPr>
+          <p:cNvPr id="6" name="Graphique 5" descr="Image">
+            <a:extLst>
+              <a:ext uri="{FF2B5EF4-FFF2-40B4-BE49-F238E27FC236}">
+                <a16:creationId xmlns:a16="http://schemas.microsoft.com/office/drawing/2014/main" id="{499067B6-F85E-4192-B447-A39FC3CCE1A9}"/>
+              </a:ext>
+            </a:extLst>
+          </p:cNvPr>
+          <p:cNvPicPr>
+            <a:picLocks noChangeAspect="1"/>
+          </p:cNvPicPr>
+          <p:nvPr/>
+        </p:nvPicPr>
+        <p:blipFill>
+          <a:blip r:embed="rId2">
+            <a:extLst>
+              <a:ext uri="{96DAC541-7B7A-43D3-8B79-37D633B846F1}">
+                <asvg:svgBlip xmlns:asvg="http://schemas.microsoft.com/office/drawing/2016/SVG/main" r:embed="rId3"/>
+              </a:ext>
+            </a:extLst>
+          </a:blip>
+          <a:stretch>
+            <a:fillRect/>
+          </a:stretch>
+        </p:blipFill>
+        <p:spPr>
+          <a:xfrm>
+            <a:off x="6553200" y="2971800"/>
+            <a:ext cx="914400" cy="914400"/>
+          </a:xfrm>
+          <a:prstGeom prst="rect">
+            <a:avLst/>
+          </a:prstGeom>
+        </p:spPr>
+      </p:pic>
     </p:spTree>
     <p:extLst>
       <p:ext uri="{BB962C8B-B14F-4D97-AF65-F5344CB8AC3E}">

--- a/SAI_presentation.pptx
+++ b/SAI_presentation.pptx
@@ -16501,6 +16501,42 @@
           </a:prstGeom>
         </p:spPr>
       </p:pic>
+      <p:pic>
+        <p:nvPicPr>
+          <p:cNvPr id="7" name="Graphique 6" descr="Ampoule et engrenage">
+            <a:extLst>
+              <a:ext uri="{FF2B5EF4-FFF2-40B4-BE49-F238E27FC236}">
+                <a16:creationId xmlns:a16="http://schemas.microsoft.com/office/drawing/2014/main" id="{2C5EB943-2682-47ED-B5AE-17412C7C0BB4}"/>
+              </a:ext>
+            </a:extLst>
+          </p:cNvPr>
+          <p:cNvPicPr>
+            <a:picLocks noChangeAspect="1"/>
+          </p:cNvPicPr>
+          <p:nvPr/>
+        </p:nvPicPr>
+        <p:blipFill>
+          <a:blip r:embed="rId4">
+            <a:extLst>
+              <a:ext uri="{96DAC541-7B7A-43D3-8B79-37D633B846F1}">
+                <asvg:svgBlip xmlns:asvg="http://schemas.microsoft.com/office/drawing/2016/SVG/main" r:embed="rId5"/>
+              </a:ext>
+            </a:extLst>
+          </a:blip>
+          <a:stretch>
+            <a:fillRect/>
+          </a:stretch>
+        </p:blipFill>
+        <p:spPr>
+          <a:xfrm>
+            <a:off x="4344988" y="3429000"/>
+            <a:ext cx="914400" cy="914400"/>
+          </a:xfrm>
+          <a:prstGeom prst="rect">
+            <a:avLst/>
+          </a:prstGeom>
+        </p:spPr>
+      </p:pic>
     </p:spTree>
     <p:extLst>
       <p:ext uri="{BB962C8B-B14F-4D97-AF65-F5344CB8AC3E}">

--- a/SAI_presentation.pptx
+++ b/SAI_presentation.pptx
@@ -16317,8 +16317,12 @@
           <a:lstStyle/>
           <a:p>
             <a:r>
-              <a:rPr lang="fr-FR"/>
-              <a:t>Clean and Strategy</a:t>
+              <a:rPr lang="fr-FR" dirty="0"/>
+              <a:t>Clean and </a:t>
+            </a:r>
+            <a:r>
+              <a:rPr lang="fr-FR" dirty="0" err="1"/>
+              <a:t>Strategy</a:t>
             </a:r>
             <a:endParaRPr lang="en-GB" dirty="0"/>
           </a:p>
@@ -16377,15 +16381,7 @@
             </a:r>
             <a:r>
               <a:rPr lang="fr-FR" dirty="0"/>
-              <a:t> to </a:t>
-            </a:r>
-            <a:r>
-              <a:rPr lang="fr-FR" dirty="0" err="1"/>
-              <a:t>order</a:t>
-            </a:r>
-            <a:r>
-              <a:rPr lang="fr-FR" dirty="0"/>
-              <a:t> </a:t>
+              <a:t> to sort </a:t>
             </a:r>
             <a:r>
               <a:rPr lang="fr-FR" dirty="0" err="1"/>
@@ -16457,7 +16453,7 @@
         </p:blipFill>
         <p:spPr>
           <a:xfrm>
-            <a:off x="5638800" y="2971800"/>
+            <a:off x="6599382" y="1281545"/>
             <a:ext cx="914400" cy="914400"/>
           </a:xfrm>
           <a:prstGeom prst="rect">
@@ -16493,7 +16489,7 @@
         </p:blipFill>
         <p:spPr>
           <a:xfrm>
-            <a:off x="6553200" y="2971800"/>
+            <a:off x="7513782" y="1281545"/>
             <a:ext cx="914400" cy="914400"/>
           </a:xfrm>
           <a:prstGeom prst="rect">
@@ -16529,7 +16525,43 @@
         </p:blipFill>
         <p:spPr>
           <a:xfrm>
-            <a:off x="4344988" y="3429000"/>
+            <a:off x="7748588" y="2025841"/>
+            <a:ext cx="914400" cy="914400"/>
+          </a:xfrm>
+          <a:prstGeom prst="rect">
+            <a:avLst/>
+          </a:prstGeom>
+        </p:spPr>
+      </p:pic>
+      <p:pic>
+        <p:nvPicPr>
+          <p:cNvPr id="8" name="Graphique 7" descr="Graphique à barres avec tendance à la hausse">
+            <a:extLst>
+              <a:ext uri="{FF2B5EF4-FFF2-40B4-BE49-F238E27FC236}">
+                <a16:creationId xmlns:a16="http://schemas.microsoft.com/office/drawing/2014/main" id="{D2276499-F871-43C2-BC21-CCB9D531BA1E}"/>
+              </a:ext>
+            </a:extLst>
+          </p:cNvPr>
+          <p:cNvPicPr>
+            <a:picLocks noChangeAspect="1"/>
+          </p:cNvPicPr>
+          <p:nvPr/>
+        </p:nvPicPr>
+        <p:blipFill>
+          <a:blip r:embed="rId6">
+            <a:extLst>
+              <a:ext uri="{96DAC541-7B7A-43D3-8B79-37D633B846F1}">
+                <asvg:svgBlip xmlns:asvg="http://schemas.microsoft.com/office/drawing/2016/SVG/main" r:embed="rId7"/>
+              </a:ext>
+            </a:extLst>
+          </a:blip>
+          <a:stretch>
+            <a:fillRect/>
+          </a:stretch>
+        </p:blipFill>
+        <p:spPr>
+          <a:xfrm>
+            <a:off x="6599382" y="2116667"/>
             <a:ext cx="914400" cy="914400"/>
           </a:xfrm>
           <a:prstGeom prst="rect">

--- a/SAI_presentation.pptx
+++ b/SAI_presentation.pptx
@@ -6942,7 +6942,7 @@
             <a:fld id="{B61BEF0D-F0BB-DE4B-95CE-6DB70DBA9567}" type="datetimeFigureOut">
               <a:rPr lang="en-US" dirty="0"/>
               <a:pPr/>
-              <a:t>3/23/2020</a:t>
+              <a:t>3/24/2020</a:t>
             </a:fld>
             <a:endParaRPr lang="en-US" dirty="0"/>
           </a:p>
@@ -7375,7 +7375,7 @@
             <a:fld id="{B61BEF0D-F0BB-DE4B-95CE-6DB70DBA9567}" type="datetimeFigureOut">
               <a:rPr lang="en-US" dirty="0"/>
               <a:pPr/>
-              <a:t>3/23/2020</a:t>
+              <a:t>3/24/2020</a:t>
             </a:fld>
             <a:endParaRPr lang="en-US" dirty="0"/>
           </a:p>
@@ -7622,7 +7622,7 @@
             <a:fld id="{B61BEF0D-F0BB-DE4B-95CE-6DB70DBA9567}" type="datetimeFigureOut">
               <a:rPr lang="en-US" dirty="0"/>
               <a:pPr/>
-              <a:t>3/23/2020</a:t>
+              <a:t>3/24/2020</a:t>
             </a:fld>
             <a:endParaRPr lang="en-US" dirty="0"/>
           </a:p>
@@ -7927,7 +7927,7 @@
             <a:fld id="{B61BEF0D-F0BB-DE4B-95CE-6DB70DBA9567}" type="datetimeFigureOut">
               <a:rPr lang="en-US" dirty="0"/>
               <a:pPr/>
-              <a:t>3/23/2020</a:t>
+              <a:t>3/24/2020</a:t>
             </a:fld>
             <a:endParaRPr lang="en-US" dirty="0"/>
           </a:p>
@@ -8242,7 +8242,7 @@
             <a:fld id="{B61BEF0D-F0BB-DE4B-95CE-6DB70DBA9567}" type="datetimeFigureOut">
               <a:rPr lang="en-US" dirty="0"/>
               <a:pPr/>
-              <a:t>3/23/2020</a:t>
+              <a:t>3/24/2020</a:t>
             </a:fld>
             <a:endParaRPr lang="en-US" dirty="0"/>
           </a:p>
@@ -8541,7 +8541,7 @@
             <a:fld id="{B61BEF0D-F0BB-DE4B-95CE-6DB70DBA9567}" type="datetimeFigureOut">
               <a:rPr lang="en-US" dirty="0"/>
               <a:pPr/>
-              <a:t>3/23/2020</a:t>
+              <a:t>3/24/2020</a:t>
             </a:fld>
             <a:endParaRPr lang="en-US" dirty="0"/>
           </a:p>
@@ -8905,7 +8905,7 @@
             <a:fld id="{B61BEF0D-F0BB-DE4B-95CE-6DB70DBA9567}" type="datetimeFigureOut">
               <a:rPr lang="en-US" dirty="0"/>
               <a:pPr/>
-              <a:t>3/23/2020</a:t>
+              <a:t>3/24/2020</a:t>
             </a:fld>
             <a:endParaRPr lang="en-US" dirty="0"/>
           </a:p>
@@ -9076,7 +9076,7 @@
             <a:fld id="{B61BEF0D-F0BB-DE4B-95CE-6DB70DBA9567}" type="datetimeFigureOut">
               <a:rPr lang="en-US" dirty="0"/>
               <a:pPr/>
-              <a:t>3/23/2020</a:t>
+              <a:t>3/24/2020</a:t>
             </a:fld>
             <a:endParaRPr lang="en-US" dirty="0"/>
           </a:p>
@@ -9253,7 +9253,7 @@
             <a:fld id="{B61BEF0D-F0BB-DE4B-95CE-6DB70DBA9567}" type="datetimeFigureOut">
               <a:rPr lang="en-US" dirty="0"/>
               <a:pPr/>
-              <a:t>3/23/2020</a:t>
+              <a:t>3/24/2020</a:t>
             </a:fld>
             <a:endParaRPr lang="en-US" dirty="0"/>
           </a:p>
@@ -9420,7 +9420,7 @@
             <a:fld id="{B61BEF0D-F0BB-DE4B-95CE-6DB70DBA9567}" type="datetimeFigureOut">
               <a:rPr lang="en-US" dirty="0"/>
               <a:pPr/>
-              <a:t>3/23/2020</a:t>
+              <a:t>3/24/2020</a:t>
             </a:fld>
             <a:endParaRPr lang="en-US" dirty="0"/>
           </a:p>
@@ -9667,7 +9667,7 @@
             <a:fld id="{B61BEF0D-F0BB-DE4B-95CE-6DB70DBA9567}" type="datetimeFigureOut">
               <a:rPr lang="en-US" dirty="0"/>
               <a:pPr/>
-              <a:t>3/23/2020</a:t>
+              <a:t>3/24/2020</a:t>
             </a:fld>
             <a:endParaRPr lang="en-US" dirty="0"/>
           </a:p>
@@ -9900,7 +9900,7 @@
             <a:fld id="{B61BEF0D-F0BB-DE4B-95CE-6DB70DBA9567}" type="datetimeFigureOut">
               <a:rPr lang="en-US" dirty="0"/>
               <a:pPr/>
-              <a:t>3/23/2020</a:t>
+              <a:t>3/24/2020</a:t>
             </a:fld>
             <a:endParaRPr lang="en-US" dirty="0"/>
           </a:p>
@@ -10279,7 +10279,7 @@
             <a:fld id="{B61BEF0D-F0BB-DE4B-95CE-6DB70DBA9567}" type="datetimeFigureOut">
               <a:rPr lang="en-US" dirty="0"/>
               <a:pPr/>
-              <a:t>3/23/2020</a:t>
+              <a:t>3/24/2020</a:t>
             </a:fld>
             <a:endParaRPr lang="en-US" dirty="0"/>
           </a:p>
@@ -10394,7 +10394,7 @@
             <a:fld id="{B61BEF0D-F0BB-DE4B-95CE-6DB70DBA9567}" type="datetimeFigureOut">
               <a:rPr lang="en-US" dirty="0"/>
               <a:pPr/>
-              <a:t>3/23/2020</a:t>
+              <a:t>3/24/2020</a:t>
             </a:fld>
             <a:endParaRPr lang="en-US" dirty="0"/>
           </a:p>
@@ -10486,7 +10486,7 @@
             <a:fld id="{B61BEF0D-F0BB-DE4B-95CE-6DB70DBA9567}" type="datetimeFigureOut">
               <a:rPr lang="en-US" dirty="0"/>
               <a:pPr/>
-              <a:t>3/23/2020</a:t>
+              <a:t>3/24/2020</a:t>
             </a:fld>
             <a:endParaRPr lang="en-US" dirty="0"/>
           </a:p>
@@ -10738,7 +10738,7 @@
             <a:fld id="{B61BEF0D-F0BB-DE4B-95CE-6DB70DBA9567}" type="datetimeFigureOut">
               <a:rPr lang="en-US" dirty="0"/>
               <a:pPr/>
-              <a:t>3/23/2020</a:t>
+              <a:t>3/24/2020</a:t>
             </a:fld>
             <a:endParaRPr lang="en-US" dirty="0"/>
           </a:p>
@@ -11018,7 +11018,7 @@
             <a:fld id="{B61BEF0D-F0BB-DE4B-95CE-6DB70DBA9567}" type="datetimeFigureOut">
               <a:rPr lang="en-US" dirty="0"/>
               <a:pPr/>
-              <a:t>3/23/2020</a:t>
+              <a:t>3/24/2020</a:t>
             </a:fld>
             <a:endParaRPr lang="en-US" dirty="0"/>
           </a:p>
@@ -11421,7 +11421,7 @@
             <a:fld id="{B61BEF0D-F0BB-DE4B-95CE-6DB70DBA9567}" type="datetimeFigureOut">
               <a:rPr lang="en-US" dirty="0"/>
               <a:pPr/>
-              <a:t>3/23/2020</a:t>
+              <a:t>3/24/2020</a:t>
             </a:fld>
             <a:endParaRPr lang="en-US" dirty="0"/>
           </a:p>
@@ -16453,7 +16453,7 @@
         </p:blipFill>
         <p:spPr>
           <a:xfrm>
-            <a:off x="6599382" y="1281545"/>
+            <a:off x="7496961" y="1680584"/>
             <a:ext cx="914400" cy="914400"/>
           </a:xfrm>
           <a:prstGeom prst="rect">
@@ -16489,7 +16489,7 @@
         </p:blipFill>
         <p:spPr>
           <a:xfrm>
-            <a:off x="7513782" y="1281545"/>
+            <a:off x="8304212" y="1579033"/>
             <a:ext cx="914400" cy="914400"/>
           </a:xfrm>
           <a:prstGeom prst="rect">
@@ -16525,7 +16525,7 @@
         </p:blipFill>
         <p:spPr>
           <a:xfrm>
-            <a:off x="7748588" y="2025841"/>
+            <a:off x="8304212" y="3572932"/>
             <a:ext cx="914400" cy="914400"/>
           </a:xfrm>
           <a:prstGeom prst="rect">
@@ -16561,7 +16561,43 @@
         </p:blipFill>
         <p:spPr>
           <a:xfrm>
-            <a:off x="6599382" y="2116667"/>
+            <a:off x="5003186" y="3648433"/>
+            <a:ext cx="914400" cy="914400"/>
+          </a:xfrm>
+          <a:prstGeom prst="rect">
+            <a:avLst/>
+          </a:prstGeom>
+        </p:spPr>
+      </p:pic>
+      <p:pic>
+        <p:nvPicPr>
+          <p:cNvPr id="9" name="Graphique 8" descr="Fermer">
+            <a:extLst>
+              <a:ext uri="{FF2B5EF4-FFF2-40B4-BE49-F238E27FC236}">
+                <a16:creationId xmlns:a16="http://schemas.microsoft.com/office/drawing/2014/main" id="{DED7C00A-47A8-4804-8FC0-F396175C909F}"/>
+              </a:ext>
+            </a:extLst>
+          </p:cNvPr>
+          <p:cNvPicPr>
+            <a:picLocks noChangeAspect="1"/>
+          </p:cNvPicPr>
+          <p:nvPr/>
+        </p:nvPicPr>
+        <p:blipFill>
+          <a:blip r:embed="rId8">
+            <a:extLst>
+              <a:ext uri="{96DAC541-7B7A-43D3-8B79-37D633B846F1}">
+                <asvg:svgBlip xmlns:asvg="http://schemas.microsoft.com/office/drawing/2016/SVG/main" r:embed="rId9"/>
+              </a:ext>
+            </a:extLst>
+          </a:blip>
+          <a:stretch>
+            <a:fillRect/>
+          </a:stretch>
+        </p:blipFill>
+        <p:spPr>
+          <a:xfrm>
+            <a:off x="8304212" y="1591932"/>
             <a:ext cx="914400" cy="914400"/>
           </a:xfrm>
           <a:prstGeom prst="rect">

--- a/SAI_presentation.pptx
+++ b/SAI_presentation.pptx
@@ -16453,7 +16453,7 @@
         </p:blipFill>
         <p:spPr>
           <a:xfrm>
-            <a:off x="7496961" y="1680584"/>
+            <a:off x="6288946" y="1579033"/>
             <a:ext cx="914400" cy="914400"/>
           </a:xfrm>
           <a:prstGeom prst="rect">
@@ -16489,7 +16489,7 @@
         </p:blipFill>
         <p:spPr>
           <a:xfrm>
-            <a:off x="8304212" y="1579033"/>
+            <a:off x="9405078" y="1579033"/>
             <a:ext cx="914400" cy="914400"/>
           </a:xfrm>
           <a:prstGeom prst="rect">
@@ -16525,7 +16525,7 @@
         </p:blipFill>
         <p:spPr>
           <a:xfrm>
-            <a:off x="8304212" y="3572932"/>
+            <a:off x="9862278" y="3648433"/>
             <a:ext cx="914400" cy="914400"/>
           </a:xfrm>
           <a:prstGeom prst="rect">
@@ -16561,7 +16561,7 @@
         </p:blipFill>
         <p:spPr>
           <a:xfrm>
-            <a:off x="5003186" y="3648433"/>
+            <a:off x="6382179" y="3648433"/>
             <a:ext cx="914400" cy="914400"/>
           </a:xfrm>
           <a:prstGeom prst="rect">
@@ -16597,7 +16597,79 @@
         </p:blipFill>
         <p:spPr>
           <a:xfrm>
-            <a:off x="8304212" y="1591932"/>
+            <a:off x="9485504" y="1579033"/>
+            <a:ext cx="914400" cy="914400"/>
+          </a:xfrm>
+          <a:prstGeom prst="rect">
+            <a:avLst/>
+          </a:prstGeom>
+        </p:spPr>
+      </p:pic>
+      <p:pic>
+        <p:nvPicPr>
+          <p:cNvPr id="10" name="Graphique 9" descr="Image">
+            <a:extLst>
+              <a:ext uri="{FF2B5EF4-FFF2-40B4-BE49-F238E27FC236}">
+                <a16:creationId xmlns:a16="http://schemas.microsoft.com/office/drawing/2014/main" id="{E0EEB8D1-6BD2-4FE9-AFD2-F52BB00F889D}"/>
+              </a:ext>
+            </a:extLst>
+          </p:cNvPr>
+          <p:cNvPicPr>
+            <a:picLocks noChangeAspect="1"/>
+          </p:cNvPicPr>
+          <p:nvPr/>
+        </p:nvPicPr>
+        <p:blipFill>
+          <a:blip r:embed="rId2">
+            <a:extLst>
+              <a:ext uri="{96DAC541-7B7A-43D3-8B79-37D633B846F1}">
+                <asvg:svgBlip xmlns:asvg="http://schemas.microsoft.com/office/drawing/2016/SVG/main" r:embed="rId3"/>
+              </a:ext>
+            </a:extLst>
+          </a:blip>
+          <a:stretch>
+            <a:fillRect/>
+          </a:stretch>
+        </p:blipFill>
+        <p:spPr>
+          <a:xfrm>
+            <a:off x="6839379" y="2222498"/>
+            <a:ext cx="914400" cy="914400"/>
+          </a:xfrm>
+          <a:prstGeom prst="rect">
+            <a:avLst/>
+          </a:prstGeom>
+        </p:spPr>
+      </p:pic>
+      <p:pic>
+        <p:nvPicPr>
+          <p:cNvPr id="11" name="Graphique 10" descr="Image">
+            <a:extLst>
+              <a:ext uri="{FF2B5EF4-FFF2-40B4-BE49-F238E27FC236}">
+                <a16:creationId xmlns:a16="http://schemas.microsoft.com/office/drawing/2014/main" id="{FD44B111-44AE-4C90-982B-CAD2A774AEF5}"/>
+              </a:ext>
+            </a:extLst>
+          </p:cNvPr>
+          <p:cNvPicPr>
+            <a:picLocks noChangeAspect="1"/>
+          </p:cNvPicPr>
+          <p:nvPr/>
+        </p:nvPicPr>
+        <p:blipFill>
+          <a:blip r:embed="rId2">
+            <a:extLst>
+              <a:ext uri="{96DAC541-7B7A-43D3-8B79-37D633B846F1}">
+                <asvg:svgBlip xmlns:asvg="http://schemas.microsoft.com/office/drawing/2016/SVG/main" r:embed="rId3"/>
+              </a:ext>
+            </a:extLst>
+          </a:blip>
+          <a:stretch>
+            <a:fillRect/>
+          </a:stretch>
+        </p:blipFill>
+        <p:spPr>
+          <a:xfrm>
+            <a:off x="10023130" y="2316175"/>
             <a:ext cx="914400" cy="914400"/>
           </a:xfrm>
           <a:prstGeom prst="rect">

--- a/SAI_presentation.pptx
+++ b/SAI_presentation.pptx
@@ -16362,12 +16362,24 @@
               <a:t> to </a:t>
             </a:r>
             <a:r>
-              <a:rPr lang="fr-FR" dirty="0" err="1"/>
+              <a:rPr lang="fr-FR" b="1" dirty="0" err="1">
+                <a:solidFill>
+                  <a:srgbClr val="FF0000"/>
+                </a:solidFill>
+              </a:rPr>
               <a:t>remove</a:t>
             </a:r>
             <a:r>
               <a:rPr lang="fr-FR" dirty="0"/>
-              <a:t> duplicate scan</a:t>
+              <a:t> </a:t>
+            </a:r>
+            <a:r>
+              <a:rPr lang="fr-FR" b="1" dirty="0">
+                <a:solidFill>
+                  <a:srgbClr val="FFFF00"/>
+                </a:solidFill>
+              </a:rPr>
+              <a:t>duplicate scan</a:t>
             </a:r>
           </a:p>
           <a:p>
@@ -16381,7 +16393,19 @@
             </a:r>
             <a:r>
               <a:rPr lang="fr-FR" dirty="0"/>
-              <a:t> to sort </a:t>
+              <a:t> to </a:t>
+            </a:r>
+            <a:r>
+              <a:rPr lang="fr-FR" b="1" dirty="0">
+                <a:solidFill>
+                  <a:srgbClr val="92D050"/>
+                </a:solidFill>
+              </a:rPr>
+              <a:t>sort</a:t>
+            </a:r>
+            <a:r>
+              <a:rPr lang="fr-FR" dirty="0"/>
+              <a:t> </a:t>
             </a:r>
             <a:r>
               <a:rPr lang="fr-FR" dirty="0" err="1"/>
@@ -16392,10 +16416,18 @@
               <a:t> by </a:t>
             </a:r>
             <a:r>
-              <a:rPr lang="fr-FR" dirty="0" err="1"/>
+              <a:rPr lang="fr-FR" b="1" dirty="0" err="1">
+                <a:solidFill>
+                  <a:srgbClr val="0070C0"/>
+                </a:solidFill>
+              </a:rPr>
               <a:t>strategie</a:t>
             </a:r>
-            <a:endParaRPr lang="fr-FR" dirty="0"/>
+            <a:endParaRPr lang="fr-FR" b="1" dirty="0">
+              <a:solidFill>
+                <a:srgbClr val="0070C0"/>
+              </a:solidFill>
+            </a:endParaRPr>
           </a:p>
           <a:p>
             <a:r>
@@ -16597,7 +16629,7 @@
         </p:blipFill>
         <p:spPr>
           <a:xfrm>
-            <a:off x="9485504" y="1579033"/>
+            <a:off x="9405078" y="1579033"/>
             <a:ext cx="914400" cy="914400"/>
           </a:xfrm>
           <a:prstGeom prst="rect">

--- a/SAI_presentation.pptx
+++ b/SAI_presentation.pptx
@@ -6942,7 +6942,7 @@
             <a:fld id="{B61BEF0D-F0BB-DE4B-95CE-6DB70DBA9567}" type="datetimeFigureOut">
               <a:rPr lang="en-US" dirty="0"/>
               <a:pPr/>
-              <a:t>3/24/2020</a:t>
+              <a:t>3/25/2020</a:t>
             </a:fld>
             <a:endParaRPr lang="en-US" dirty="0"/>
           </a:p>
@@ -7375,7 +7375,7 @@
             <a:fld id="{B61BEF0D-F0BB-DE4B-95CE-6DB70DBA9567}" type="datetimeFigureOut">
               <a:rPr lang="en-US" dirty="0"/>
               <a:pPr/>
-              <a:t>3/24/2020</a:t>
+              <a:t>3/25/2020</a:t>
             </a:fld>
             <a:endParaRPr lang="en-US" dirty="0"/>
           </a:p>
@@ -7622,7 +7622,7 @@
             <a:fld id="{B61BEF0D-F0BB-DE4B-95CE-6DB70DBA9567}" type="datetimeFigureOut">
               <a:rPr lang="en-US" dirty="0"/>
               <a:pPr/>
-              <a:t>3/24/2020</a:t>
+              <a:t>3/25/2020</a:t>
             </a:fld>
             <a:endParaRPr lang="en-US" dirty="0"/>
           </a:p>
@@ -7927,7 +7927,7 @@
             <a:fld id="{B61BEF0D-F0BB-DE4B-95CE-6DB70DBA9567}" type="datetimeFigureOut">
               <a:rPr lang="en-US" dirty="0"/>
               <a:pPr/>
-              <a:t>3/24/2020</a:t>
+              <a:t>3/25/2020</a:t>
             </a:fld>
             <a:endParaRPr lang="en-US" dirty="0"/>
           </a:p>
@@ -8242,7 +8242,7 @@
             <a:fld id="{B61BEF0D-F0BB-DE4B-95CE-6DB70DBA9567}" type="datetimeFigureOut">
               <a:rPr lang="en-US" dirty="0"/>
               <a:pPr/>
-              <a:t>3/24/2020</a:t>
+              <a:t>3/25/2020</a:t>
             </a:fld>
             <a:endParaRPr lang="en-US" dirty="0"/>
           </a:p>
@@ -8541,7 +8541,7 @@
             <a:fld id="{B61BEF0D-F0BB-DE4B-95CE-6DB70DBA9567}" type="datetimeFigureOut">
               <a:rPr lang="en-US" dirty="0"/>
               <a:pPr/>
-              <a:t>3/24/2020</a:t>
+              <a:t>3/25/2020</a:t>
             </a:fld>
             <a:endParaRPr lang="en-US" dirty="0"/>
           </a:p>
@@ -8905,7 +8905,7 @@
             <a:fld id="{B61BEF0D-F0BB-DE4B-95CE-6DB70DBA9567}" type="datetimeFigureOut">
               <a:rPr lang="en-US" dirty="0"/>
               <a:pPr/>
-              <a:t>3/24/2020</a:t>
+              <a:t>3/25/2020</a:t>
             </a:fld>
             <a:endParaRPr lang="en-US" dirty="0"/>
           </a:p>
@@ -9076,7 +9076,7 @@
             <a:fld id="{B61BEF0D-F0BB-DE4B-95CE-6DB70DBA9567}" type="datetimeFigureOut">
               <a:rPr lang="en-US" dirty="0"/>
               <a:pPr/>
-              <a:t>3/24/2020</a:t>
+              <a:t>3/25/2020</a:t>
             </a:fld>
             <a:endParaRPr lang="en-US" dirty="0"/>
           </a:p>
@@ -9253,7 +9253,7 @@
             <a:fld id="{B61BEF0D-F0BB-DE4B-95CE-6DB70DBA9567}" type="datetimeFigureOut">
               <a:rPr lang="en-US" dirty="0"/>
               <a:pPr/>
-              <a:t>3/24/2020</a:t>
+              <a:t>3/25/2020</a:t>
             </a:fld>
             <a:endParaRPr lang="en-US" dirty="0"/>
           </a:p>
@@ -9420,7 +9420,7 @@
             <a:fld id="{B61BEF0D-F0BB-DE4B-95CE-6DB70DBA9567}" type="datetimeFigureOut">
               <a:rPr lang="en-US" dirty="0"/>
               <a:pPr/>
-              <a:t>3/24/2020</a:t>
+              <a:t>3/25/2020</a:t>
             </a:fld>
             <a:endParaRPr lang="en-US" dirty="0"/>
           </a:p>
@@ -9667,7 +9667,7 @@
             <a:fld id="{B61BEF0D-F0BB-DE4B-95CE-6DB70DBA9567}" type="datetimeFigureOut">
               <a:rPr lang="en-US" dirty="0"/>
               <a:pPr/>
-              <a:t>3/24/2020</a:t>
+              <a:t>3/25/2020</a:t>
             </a:fld>
             <a:endParaRPr lang="en-US" dirty="0"/>
           </a:p>
@@ -9900,7 +9900,7 @@
             <a:fld id="{B61BEF0D-F0BB-DE4B-95CE-6DB70DBA9567}" type="datetimeFigureOut">
               <a:rPr lang="en-US" dirty="0"/>
               <a:pPr/>
-              <a:t>3/24/2020</a:t>
+              <a:t>3/25/2020</a:t>
             </a:fld>
             <a:endParaRPr lang="en-US" dirty="0"/>
           </a:p>
@@ -10279,7 +10279,7 @@
             <a:fld id="{B61BEF0D-F0BB-DE4B-95CE-6DB70DBA9567}" type="datetimeFigureOut">
               <a:rPr lang="en-US" dirty="0"/>
               <a:pPr/>
-              <a:t>3/24/2020</a:t>
+              <a:t>3/25/2020</a:t>
             </a:fld>
             <a:endParaRPr lang="en-US" dirty="0"/>
           </a:p>
@@ -10394,7 +10394,7 @@
             <a:fld id="{B61BEF0D-F0BB-DE4B-95CE-6DB70DBA9567}" type="datetimeFigureOut">
               <a:rPr lang="en-US" dirty="0"/>
               <a:pPr/>
-              <a:t>3/24/2020</a:t>
+              <a:t>3/25/2020</a:t>
             </a:fld>
             <a:endParaRPr lang="en-US" dirty="0"/>
           </a:p>
@@ -10486,7 +10486,7 @@
             <a:fld id="{B61BEF0D-F0BB-DE4B-95CE-6DB70DBA9567}" type="datetimeFigureOut">
               <a:rPr lang="en-US" dirty="0"/>
               <a:pPr/>
-              <a:t>3/24/2020</a:t>
+              <a:t>3/25/2020</a:t>
             </a:fld>
             <a:endParaRPr lang="en-US" dirty="0"/>
           </a:p>
@@ -10738,7 +10738,7 @@
             <a:fld id="{B61BEF0D-F0BB-DE4B-95CE-6DB70DBA9567}" type="datetimeFigureOut">
               <a:rPr lang="en-US" dirty="0"/>
               <a:pPr/>
-              <a:t>3/24/2020</a:t>
+              <a:t>3/25/2020</a:t>
             </a:fld>
             <a:endParaRPr lang="en-US" dirty="0"/>
           </a:p>
@@ -11018,7 +11018,7 @@
             <a:fld id="{B61BEF0D-F0BB-DE4B-95CE-6DB70DBA9567}" type="datetimeFigureOut">
               <a:rPr lang="en-US" dirty="0"/>
               <a:pPr/>
-              <a:t>3/24/2020</a:t>
+              <a:t>3/25/2020</a:t>
             </a:fld>
             <a:endParaRPr lang="en-US" dirty="0"/>
           </a:p>
@@ -11421,7 +11421,7 @@
             <a:fld id="{B61BEF0D-F0BB-DE4B-95CE-6DB70DBA9567}" type="datetimeFigureOut">
               <a:rPr lang="en-US" dirty="0"/>
               <a:pPr/>
-              <a:t>3/24/2020</a:t>
+              <a:t>3/25/2020</a:t>
             </a:fld>
             <a:endParaRPr lang="en-US" dirty="0"/>
           </a:p>
@@ -16383,6 +16383,18 @@
             </a:r>
           </a:p>
           <a:p>
+            <a:endParaRPr lang="fr-FR" dirty="0"/>
+          </a:p>
+          <a:p>
+            <a:endParaRPr lang="fr-FR" dirty="0"/>
+          </a:p>
+          <a:p>
+            <a:endParaRPr lang="fr-FR" dirty="0"/>
+          </a:p>
+          <a:p>
+            <a:endParaRPr lang="fr-FR" dirty="0"/>
+          </a:p>
+          <a:p>
             <a:r>
               <a:rPr lang="fr-FR" dirty="0"/>
               <a:t>Method </a:t>
@@ -16428,29 +16440,6 @@
                 <a:srgbClr val="0070C0"/>
               </a:solidFill>
             </a:endParaRPr>
-          </a:p>
-          <a:p>
-            <a:r>
-              <a:rPr lang="fr-FR" dirty="0" err="1"/>
-              <a:t>Explain</a:t>
-            </a:r>
-            <a:r>
-              <a:rPr lang="fr-FR" dirty="0"/>
-              <a:t> </a:t>
-            </a:r>
-            <a:r>
-              <a:rPr lang="fr-FR" dirty="0" err="1"/>
-              <a:t>with</a:t>
-            </a:r>
-            <a:r>
-              <a:rPr lang="fr-FR" dirty="0"/>
-              <a:t> a </a:t>
-            </a:r>
-            <a:r>
-              <a:rPr lang="fr-FR" dirty="0" err="1"/>
-              <a:t>schema</a:t>
-            </a:r>
-            <a:endParaRPr lang="fr-FR" dirty="0"/>
           </a:p>
           <a:p>
             <a:endParaRPr lang="en-GB" dirty="0"/>
@@ -16485,7 +16474,7 @@
         </p:blipFill>
         <p:spPr>
           <a:xfrm>
-            <a:off x="6288946" y="1579033"/>
+            <a:off x="3562395" y="1395835"/>
             <a:ext cx="914400" cy="914400"/>
           </a:xfrm>
           <a:prstGeom prst="rect">
@@ -16521,7 +16510,7 @@
         </p:blipFill>
         <p:spPr>
           <a:xfrm>
-            <a:off x="9405078" y="1579033"/>
+            <a:off x="6678527" y="1395835"/>
             <a:ext cx="914400" cy="914400"/>
           </a:xfrm>
           <a:prstGeom prst="rect">
@@ -16557,7 +16546,7 @@
         </p:blipFill>
         <p:spPr>
           <a:xfrm>
-            <a:off x="9862278" y="3648433"/>
+            <a:off x="7042494" y="3904301"/>
             <a:ext cx="914400" cy="914400"/>
           </a:xfrm>
           <a:prstGeom prst="rect">
@@ -16593,7 +16582,7 @@
         </p:blipFill>
         <p:spPr>
           <a:xfrm>
-            <a:off x="6382179" y="3648433"/>
+            <a:off x="3562395" y="3904301"/>
             <a:ext cx="914400" cy="914400"/>
           </a:xfrm>
           <a:prstGeom prst="rect">
@@ -16629,7 +16618,7 @@
         </p:blipFill>
         <p:spPr>
           <a:xfrm>
-            <a:off x="9405078" y="1579033"/>
+            <a:off x="6678527" y="1395835"/>
             <a:ext cx="914400" cy="914400"/>
           </a:xfrm>
           <a:prstGeom prst="rect">
@@ -16665,7 +16654,7 @@
         </p:blipFill>
         <p:spPr>
           <a:xfrm>
-            <a:off x="6839379" y="2222498"/>
+            <a:off x="4112828" y="2039300"/>
             <a:ext cx="914400" cy="914400"/>
           </a:xfrm>
           <a:prstGeom prst="rect">
@@ -16701,7 +16690,7 @@
         </p:blipFill>
         <p:spPr>
           <a:xfrm>
-            <a:off x="10023130" y="2316175"/>
+            <a:off x="7296579" y="2132977"/>
             <a:ext cx="914400" cy="914400"/>
           </a:xfrm>
           <a:prstGeom prst="rect">

--- a/SAI_presentation.pptx
+++ b/SAI_presentation.pptx
@@ -16698,6 +16698,98 @@
           </a:prstGeom>
         </p:spPr>
       </p:pic>
+      <p:sp>
+        <p:nvSpPr>
+          <p:cNvPr id="4" name="Flèche : droite 3">
+            <a:extLst>
+              <a:ext uri="{FF2B5EF4-FFF2-40B4-BE49-F238E27FC236}">
+                <a16:creationId xmlns:a16="http://schemas.microsoft.com/office/drawing/2014/main" id="{15B9DAC4-2F64-421C-B7E8-D72F0180FF28}"/>
+              </a:ext>
+            </a:extLst>
+          </p:cNvPr>
+          <p:cNvSpPr/>
+          <p:nvPr/>
+        </p:nvSpPr>
+        <p:spPr>
+          <a:xfrm>
+            <a:off x="5285064" y="1921079"/>
+            <a:ext cx="1182848" cy="545284"/>
+          </a:xfrm>
+          <a:prstGeom prst="rightArrow">
+            <a:avLst/>
+          </a:prstGeom>
+        </p:spPr>
+        <p:style>
+          <a:lnRef idx="2">
+            <a:schemeClr val="accent1">
+              <a:shade val="50000"/>
+            </a:schemeClr>
+          </a:lnRef>
+          <a:fillRef idx="1">
+            <a:schemeClr val="accent1"/>
+          </a:fillRef>
+          <a:effectRef idx="0">
+            <a:schemeClr val="accent1"/>
+          </a:effectRef>
+          <a:fontRef idx="minor">
+            <a:schemeClr val="lt1"/>
+          </a:fontRef>
+        </p:style>
+        <p:txBody>
+          <a:bodyPr rtlCol="0" anchor="ctr"/>
+          <a:lstStyle/>
+          <a:p>
+            <a:pPr algn="ctr"/>
+            <a:endParaRPr lang="en-GB"/>
+          </a:p>
+        </p:txBody>
+      </p:sp>
+      <p:sp>
+        <p:nvSpPr>
+          <p:cNvPr id="12" name="Flèche : droite 11">
+            <a:extLst>
+              <a:ext uri="{FF2B5EF4-FFF2-40B4-BE49-F238E27FC236}">
+                <a16:creationId xmlns:a16="http://schemas.microsoft.com/office/drawing/2014/main" id="{D0030319-3B40-4CFB-BCC6-30C1AE788EBF}"/>
+              </a:ext>
+            </a:extLst>
+          </p:cNvPr>
+          <p:cNvSpPr/>
+          <p:nvPr/>
+        </p:nvSpPr>
+        <p:spPr>
+          <a:xfrm>
+            <a:off x="5149507" y="4088859"/>
+            <a:ext cx="1182848" cy="545284"/>
+          </a:xfrm>
+          <a:prstGeom prst="rightArrow">
+            <a:avLst/>
+          </a:prstGeom>
+        </p:spPr>
+        <p:style>
+          <a:lnRef idx="2">
+            <a:schemeClr val="accent1">
+              <a:shade val="50000"/>
+            </a:schemeClr>
+          </a:lnRef>
+          <a:fillRef idx="1">
+            <a:schemeClr val="accent1"/>
+          </a:fillRef>
+          <a:effectRef idx="0">
+            <a:schemeClr val="accent1"/>
+          </a:effectRef>
+          <a:fontRef idx="minor">
+            <a:schemeClr val="lt1"/>
+          </a:fontRef>
+        </p:style>
+        <p:txBody>
+          <a:bodyPr rtlCol="0" anchor="ctr"/>
+          <a:lstStyle/>
+          <a:p>
+            <a:pPr algn="ctr"/>
+            <a:endParaRPr lang="en-GB"/>
+          </a:p>
+        </p:txBody>
+      </p:sp>
     </p:spTree>
     <p:extLst>
       <p:ext uri="{BB962C8B-B14F-4D97-AF65-F5344CB8AC3E}">

--- a/SAI_presentation.pptx
+++ b/SAI_presentation.pptx
@@ -16433,7 +16433,7 @@
                   <a:srgbClr val="0070C0"/>
                 </a:solidFill>
               </a:rPr>
-              <a:t>strategie</a:t>
+              <a:t>strategy</a:t>
             </a:r>
             <a:endParaRPr lang="fr-FR" b="1" dirty="0">
               <a:solidFill>
@@ -16718,6 +16718,14 @@
           <a:prstGeom prst="rightArrow">
             <a:avLst/>
           </a:prstGeom>
+          <a:solidFill>
+            <a:srgbClr val="00B0F0"/>
+          </a:solidFill>
+          <a:ln>
+            <a:solidFill>
+              <a:srgbClr val="00B0F0"/>
+            </a:solidFill>
+          </a:ln>
         </p:spPr>
         <p:style>
           <a:lnRef idx="2">
@@ -16740,7 +16748,7 @@
           <a:lstStyle/>
           <a:p>
             <a:pPr algn="ctr"/>
-            <a:endParaRPr lang="en-GB"/>
+            <a:endParaRPr lang="en-GB" sz="1600" dirty="0"/>
           </a:p>
         </p:txBody>
       </p:sp>
@@ -16764,6 +16772,14 @@
           <a:prstGeom prst="rightArrow">
             <a:avLst/>
           </a:prstGeom>
+          <a:solidFill>
+            <a:srgbClr val="00B0F0"/>
+          </a:solidFill>
+          <a:ln>
+            <a:solidFill>
+              <a:srgbClr val="00B0F0"/>
+            </a:solidFill>
+          </a:ln>
         </p:spPr>
         <p:style>
           <a:lnRef idx="2">
@@ -16786,7 +16802,91 @@
           <a:lstStyle/>
           <a:p>
             <a:pPr algn="ctr"/>
-            <a:endParaRPr lang="en-GB"/>
+            <a:endParaRPr lang="en-GB" sz="1600" dirty="0"/>
+          </a:p>
+          <a:p>
+            <a:pPr algn="ctr"/>
+            <a:endParaRPr lang="en-GB" sz="1600" dirty="0"/>
+          </a:p>
+        </p:txBody>
+      </p:sp>
+      <p:sp>
+        <p:nvSpPr>
+          <p:cNvPr id="13" name="ZoneTexte 12">
+            <a:extLst>
+              <a:ext uri="{FF2B5EF4-FFF2-40B4-BE49-F238E27FC236}">
+                <a16:creationId xmlns:a16="http://schemas.microsoft.com/office/drawing/2014/main" id="{F2AB9910-13B1-48E0-883D-6F78AE207280}"/>
+              </a:ext>
+            </a:extLst>
+          </p:cNvPr>
+          <p:cNvSpPr txBox="1"/>
+          <p:nvPr/>
+        </p:nvSpPr>
+        <p:spPr>
+          <a:xfrm>
+            <a:off x="4895422" y="2388441"/>
+            <a:ext cx="2707905" cy="369332"/>
+          </a:xfrm>
+          <a:prstGeom prst="rect">
+            <a:avLst/>
+          </a:prstGeom>
+          <a:noFill/>
+        </p:spPr>
+        <p:txBody>
+          <a:bodyPr wrap="square" rtlCol="0">
+            <a:spAutoFit/>
+          </a:bodyPr>
+          <a:lstStyle/>
+          <a:p>
+            <a:r>
+              <a:rPr lang="fr-FR" dirty="0" err="1"/>
+              <a:t>removeDuplicate</a:t>
+            </a:r>
+            <a:r>
+              <a:rPr lang="fr-FR" dirty="0"/>
+              <a:t>()</a:t>
+            </a:r>
+            <a:endParaRPr lang="en-GB" dirty="0"/>
+          </a:p>
+        </p:txBody>
+      </p:sp>
+      <p:sp>
+        <p:nvSpPr>
+          <p:cNvPr id="14" name="ZoneTexte 13">
+            <a:extLst>
+              <a:ext uri="{FF2B5EF4-FFF2-40B4-BE49-F238E27FC236}">
+                <a16:creationId xmlns:a16="http://schemas.microsoft.com/office/drawing/2014/main" id="{307E060C-C11A-4EB9-92E1-29598398EAE6}"/>
+              </a:ext>
+            </a:extLst>
+          </p:cNvPr>
+          <p:cNvSpPr txBox="1"/>
+          <p:nvPr/>
+        </p:nvSpPr>
+        <p:spPr>
+          <a:xfrm>
+            <a:off x="5027228" y="4575200"/>
+            <a:ext cx="2327750" cy="369332"/>
+          </a:xfrm>
+          <a:prstGeom prst="rect">
+            <a:avLst/>
+          </a:prstGeom>
+          <a:noFill/>
+        </p:spPr>
+        <p:txBody>
+          <a:bodyPr wrap="square" rtlCol="0">
+            <a:spAutoFit/>
+          </a:bodyPr>
+          <a:lstStyle/>
+          <a:p>
+            <a:r>
+              <a:rPr lang="fr-FR" dirty="0" err="1"/>
+              <a:t>sortStrategy</a:t>
+            </a:r>
+            <a:r>
+              <a:rPr lang="fr-FR" dirty="0"/>
+              <a:t>()</a:t>
+            </a:r>
+            <a:endParaRPr lang="en-GB" dirty="0"/>
           </a:p>
         </p:txBody>
       </p:sp>

--- a/SAI_presentation.pptx
+++ b/SAI_presentation.pptx
@@ -6942,7 +6942,7 @@
             <a:fld id="{B61BEF0D-F0BB-DE4B-95CE-6DB70DBA9567}" type="datetimeFigureOut">
               <a:rPr lang="en-US" dirty="0"/>
               <a:pPr/>
-              <a:t>3/25/2020</a:t>
+              <a:t>3/26/2020</a:t>
             </a:fld>
             <a:endParaRPr lang="en-US" dirty="0"/>
           </a:p>
@@ -7375,7 +7375,7 @@
             <a:fld id="{B61BEF0D-F0BB-DE4B-95CE-6DB70DBA9567}" type="datetimeFigureOut">
               <a:rPr lang="en-US" dirty="0"/>
               <a:pPr/>
-              <a:t>3/25/2020</a:t>
+              <a:t>3/26/2020</a:t>
             </a:fld>
             <a:endParaRPr lang="en-US" dirty="0"/>
           </a:p>
@@ -7622,7 +7622,7 @@
             <a:fld id="{B61BEF0D-F0BB-DE4B-95CE-6DB70DBA9567}" type="datetimeFigureOut">
               <a:rPr lang="en-US" dirty="0"/>
               <a:pPr/>
-              <a:t>3/25/2020</a:t>
+              <a:t>3/26/2020</a:t>
             </a:fld>
             <a:endParaRPr lang="en-US" dirty="0"/>
           </a:p>
@@ -7927,7 +7927,7 @@
             <a:fld id="{B61BEF0D-F0BB-DE4B-95CE-6DB70DBA9567}" type="datetimeFigureOut">
               <a:rPr lang="en-US" dirty="0"/>
               <a:pPr/>
-              <a:t>3/25/2020</a:t>
+              <a:t>3/26/2020</a:t>
             </a:fld>
             <a:endParaRPr lang="en-US" dirty="0"/>
           </a:p>
@@ -8242,7 +8242,7 @@
             <a:fld id="{B61BEF0D-F0BB-DE4B-95CE-6DB70DBA9567}" type="datetimeFigureOut">
               <a:rPr lang="en-US" dirty="0"/>
               <a:pPr/>
-              <a:t>3/25/2020</a:t>
+              <a:t>3/26/2020</a:t>
             </a:fld>
             <a:endParaRPr lang="en-US" dirty="0"/>
           </a:p>
@@ -8541,7 +8541,7 @@
             <a:fld id="{B61BEF0D-F0BB-DE4B-95CE-6DB70DBA9567}" type="datetimeFigureOut">
               <a:rPr lang="en-US" dirty="0"/>
               <a:pPr/>
-              <a:t>3/25/2020</a:t>
+              <a:t>3/26/2020</a:t>
             </a:fld>
             <a:endParaRPr lang="en-US" dirty="0"/>
           </a:p>
@@ -8905,7 +8905,7 @@
             <a:fld id="{B61BEF0D-F0BB-DE4B-95CE-6DB70DBA9567}" type="datetimeFigureOut">
               <a:rPr lang="en-US" dirty="0"/>
               <a:pPr/>
-              <a:t>3/25/2020</a:t>
+              <a:t>3/26/2020</a:t>
             </a:fld>
             <a:endParaRPr lang="en-US" dirty="0"/>
           </a:p>
@@ -9076,7 +9076,7 @@
             <a:fld id="{B61BEF0D-F0BB-DE4B-95CE-6DB70DBA9567}" type="datetimeFigureOut">
               <a:rPr lang="en-US" dirty="0"/>
               <a:pPr/>
-              <a:t>3/25/2020</a:t>
+              <a:t>3/26/2020</a:t>
             </a:fld>
             <a:endParaRPr lang="en-US" dirty="0"/>
           </a:p>
@@ -9253,7 +9253,7 @@
             <a:fld id="{B61BEF0D-F0BB-DE4B-95CE-6DB70DBA9567}" type="datetimeFigureOut">
               <a:rPr lang="en-US" dirty="0"/>
               <a:pPr/>
-              <a:t>3/25/2020</a:t>
+              <a:t>3/26/2020</a:t>
             </a:fld>
             <a:endParaRPr lang="en-US" dirty="0"/>
           </a:p>
@@ -9420,7 +9420,7 @@
             <a:fld id="{B61BEF0D-F0BB-DE4B-95CE-6DB70DBA9567}" type="datetimeFigureOut">
               <a:rPr lang="en-US" dirty="0"/>
               <a:pPr/>
-              <a:t>3/25/2020</a:t>
+              <a:t>3/26/2020</a:t>
             </a:fld>
             <a:endParaRPr lang="en-US" dirty="0"/>
           </a:p>
@@ -9667,7 +9667,7 @@
             <a:fld id="{B61BEF0D-F0BB-DE4B-95CE-6DB70DBA9567}" type="datetimeFigureOut">
               <a:rPr lang="en-US" dirty="0"/>
               <a:pPr/>
-              <a:t>3/25/2020</a:t>
+              <a:t>3/26/2020</a:t>
             </a:fld>
             <a:endParaRPr lang="en-US" dirty="0"/>
           </a:p>
@@ -9900,7 +9900,7 @@
             <a:fld id="{B61BEF0D-F0BB-DE4B-95CE-6DB70DBA9567}" type="datetimeFigureOut">
               <a:rPr lang="en-US" dirty="0"/>
               <a:pPr/>
-              <a:t>3/25/2020</a:t>
+              <a:t>3/26/2020</a:t>
             </a:fld>
             <a:endParaRPr lang="en-US" dirty="0"/>
           </a:p>
@@ -10279,7 +10279,7 @@
             <a:fld id="{B61BEF0D-F0BB-DE4B-95CE-6DB70DBA9567}" type="datetimeFigureOut">
               <a:rPr lang="en-US" dirty="0"/>
               <a:pPr/>
-              <a:t>3/25/2020</a:t>
+              <a:t>3/26/2020</a:t>
             </a:fld>
             <a:endParaRPr lang="en-US" dirty="0"/>
           </a:p>
@@ -10394,7 +10394,7 @@
             <a:fld id="{B61BEF0D-F0BB-DE4B-95CE-6DB70DBA9567}" type="datetimeFigureOut">
               <a:rPr lang="en-US" dirty="0"/>
               <a:pPr/>
-              <a:t>3/25/2020</a:t>
+              <a:t>3/26/2020</a:t>
             </a:fld>
             <a:endParaRPr lang="en-US" dirty="0"/>
           </a:p>
@@ -10486,7 +10486,7 @@
             <a:fld id="{B61BEF0D-F0BB-DE4B-95CE-6DB70DBA9567}" type="datetimeFigureOut">
               <a:rPr lang="en-US" dirty="0"/>
               <a:pPr/>
-              <a:t>3/25/2020</a:t>
+              <a:t>3/26/2020</a:t>
             </a:fld>
             <a:endParaRPr lang="en-US" dirty="0"/>
           </a:p>
@@ -10738,7 +10738,7 @@
             <a:fld id="{B61BEF0D-F0BB-DE4B-95CE-6DB70DBA9567}" type="datetimeFigureOut">
               <a:rPr lang="en-US" dirty="0"/>
               <a:pPr/>
-              <a:t>3/25/2020</a:t>
+              <a:t>3/26/2020</a:t>
             </a:fld>
             <a:endParaRPr lang="en-US" dirty="0"/>
           </a:p>
@@ -11018,7 +11018,7 @@
             <a:fld id="{B61BEF0D-F0BB-DE4B-95CE-6DB70DBA9567}" type="datetimeFigureOut">
               <a:rPr lang="en-US" dirty="0"/>
               <a:pPr/>
-              <a:t>3/25/2020</a:t>
+              <a:t>3/26/2020</a:t>
             </a:fld>
             <a:endParaRPr lang="en-US" dirty="0"/>
           </a:p>
@@ -11421,7 +11421,7 @@
             <a:fld id="{B61BEF0D-F0BB-DE4B-95CE-6DB70DBA9567}" type="datetimeFigureOut">
               <a:rPr lang="en-US" dirty="0"/>
               <a:pPr/>
-              <a:t>3/25/2020</a:t>
+              <a:t>3/26/2020</a:t>
             </a:fld>
             <a:endParaRPr lang="en-US" dirty="0"/>
           </a:p>
@@ -17069,6 +17069,78 @@
           </a:p>
         </p:txBody>
       </p:sp>
+      <p:pic>
+        <p:nvPicPr>
+          <p:cNvPr id="4" name="Graphique 3" descr="Image">
+            <a:extLst>
+              <a:ext uri="{FF2B5EF4-FFF2-40B4-BE49-F238E27FC236}">
+                <a16:creationId xmlns:a16="http://schemas.microsoft.com/office/drawing/2014/main" id="{D7D2B978-C28D-4159-B7C9-152EA3E76EDE}"/>
+              </a:ext>
+            </a:extLst>
+          </p:cNvPr>
+          <p:cNvPicPr>
+            <a:picLocks noChangeAspect="1"/>
+          </p:cNvPicPr>
+          <p:nvPr/>
+        </p:nvPicPr>
+        <p:blipFill>
+          <a:blip r:embed="rId2">
+            <a:extLst>
+              <a:ext uri="{96DAC541-7B7A-43D3-8B79-37D633B846F1}">
+                <asvg:svgBlip xmlns:asvg="http://schemas.microsoft.com/office/drawing/2016/SVG/main" r:embed="rId3"/>
+              </a:ext>
+            </a:extLst>
+          </a:blip>
+          <a:stretch>
+            <a:fillRect/>
+          </a:stretch>
+        </p:blipFill>
+        <p:spPr>
+          <a:xfrm>
+            <a:off x="1862904" y="3158067"/>
+            <a:ext cx="914400" cy="914400"/>
+          </a:xfrm>
+          <a:prstGeom prst="rect">
+            <a:avLst/>
+          </a:prstGeom>
+        </p:spPr>
+      </p:pic>
+      <p:pic>
+        <p:nvPicPr>
+          <p:cNvPr id="5" name="Graphique 4" descr="Image">
+            <a:extLst>
+              <a:ext uri="{FF2B5EF4-FFF2-40B4-BE49-F238E27FC236}">
+                <a16:creationId xmlns:a16="http://schemas.microsoft.com/office/drawing/2014/main" id="{0B7047A4-FBC2-4D6F-A1F9-E195E39B6875}"/>
+              </a:ext>
+            </a:extLst>
+          </p:cNvPr>
+          <p:cNvPicPr>
+            <a:picLocks noChangeAspect="1"/>
+          </p:cNvPicPr>
+          <p:nvPr/>
+        </p:nvPicPr>
+        <p:blipFill>
+          <a:blip r:embed="rId2">
+            <a:extLst>
+              <a:ext uri="{96DAC541-7B7A-43D3-8B79-37D633B846F1}">
+                <asvg:svgBlip xmlns:asvg="http://schemas.microsoft.com/office/drawing/2016/SVG/main" r:embed="rId3"/>
+              </a:ext>
+            </a:extLst>
+          </a:blip>
+          <a:stretch>
+            <a:fillRect/>
+          </a:stretch>
+        </p:blipFill>
+        <p:spPr>
+          <a:xfrm>
+            <a:off x="2413337" y="3801532"/>
+            <a:ext cx="914400" cy="914400"/>
+          </a:xfrm>
+          <a:prstGeom prst="rect">
+            <a:avLst/>
+          </a:prstGeom>
+        </p:spPr>
+      </p:pic>
     </p:spTree>
     <p:extLst>
       <p:ext uri="{BB962C8B-B14F-4D97-AF65-F5344CB8AC3E}">

--- a/SAI_presentation.pptx
+++ b/SAI_presentation.pptx
@@ -17141,6 +17141,42 @@
           </a:prstGeom>
         </p:spPr>
       </p:pic>
+      <p:pic>
+        <p:nvPicPr>
+          <p:cNvPr id="6" name="Graphique 5" descr="Ampoule et engrenage">
+            <a:extLst>
+              <a:ext uri="{FF2B5EF4-FFF2-40B4-BE49-F238E27FC236}">
+                <a16:creationId xmlns:a16="http://schemas.microsoft.com/office/drawing/2014/main" id="{95AC170B-FCFE-4FD8-861B-848ED4E54BBA}"/>
+              </a:ext>
+            </a:extLst>
+          </p:cNvPr>
+          <p:cNvPicPr>
+            <a:picLocks noChangeAspect="1"/>
+          </p:cNvPicPr>
+          <p:nvPr/>
+        </p:nvPicPr>
+        <p:blipFill>
+          <a:blip r:embed="rId4">
+            <a:extLst>
+              <a:ext uri="{96DAC541-7B7A-43D3-8B79-37D633B846F1}">
+                <asvg:svgBlip xmlns:asvg="http://schemas.microsoft.com/office/drawing/2016/SVG/main" r:embed="rId5"/>
+              </a:ext>
+            </a:extLst>
+          </a:blip>
+          <a:stretch>
+            <a:fillRect/>
+          </a:stretch>
+        </p:blipFill>
+        <p:spPr>
+          <a:xfrm>
+            <a:off x="4494212" y="3386667"/>
+            <a:ext cx="914400" cy="914400"/>
+          </a:xfrm>
+          <a:prstGeom prst="rect">
+            <a:avLst/>
+          </a:prstGeom>
+        </p:spPr>
+      </p:pic>
     </p:spTree>
     <p:extLst>
       <p:ext uri="{BB962C8B-B14F-4D97-AF65-F5344CB8AC3E}">

--- a/SAI_presentation.pptx
+++ b/SAI_presentation.pptx
@@ -17177,6 +17177,53 @@
           </a:prstGeom>
         </p:spPr>
       </p:pic>
+      <p:pic>
+        <p:nvPicPr>
+          <p:cNvPr id="1026" name="Picture 2" descr="RÃ©sultat de recherche d'images pour &quot;threshold icon png&quot;">
+            <a:extLst>
+              <a:ext uri="{FF2B5EF4-FFF2-40B4-BE49-F238E27FC236}">
+                <a16:creationId xmlns:a16="http://schemas.microsoft.com/office/drawing/2014/main" id="{FEE79BD3-EEDB-4A25-AFE0-9C677A9DA565}"/>
+              </a:ext>
+            </a:extLst>
+          </p:cNvPr>
+          <p:cNvPicPr>
+            <a:picLocks noChangeAspect="1" noChangeArrowheads="1"/>
+          </p:cNvPicPr>
+          <p:nvPr/>
+        </p:nvPicPr>
+        <p:blipFill>
+          <a:blip r:embed="rId6">
+            <a:extLst>
+              <a:ext uri="{28A0092B-C50C-407E-A947-70E740481C1C}">
+                <a14:useLocalDpi xmlns:a14="http://schemas.microsoft.com/office/drawing/2010/main" val="0"/>
+              </a:ext>
+            </a:extLst>
+          </a:blip>
+          <a:srcRect/>
+          <a:stretch>
+            <a:fillRect/>
+          </a:stretch>
+        </p:blipFill>
+        <p:spPr bwMode="auto">
+          <a:xfrm>
+            <a:off x="5986653" y="3255433"/>
+            <a:ext cx="914401" cy="914401"/>
+          </a:xfrm>
+          <a:prstGeom prst="rect">
+            <a:avLst/>
+          </a:prstGeom>
+          <a:noFill/>
+          <a:extLst>
+            <a:ext uri="{909E8E84-426E-40DD-AFC4-6F175D3DCCD1}">
+              <a14:hiddenFill xmlns:a14="http://schemas.microsoft.com/office/drawing/2010/main">
+                <a:solidFill>
+                  <a:srgbClr val="FFFFFF"/>
+                </a:solidFill>
+              </a14:hiddenFill>
+            </a:ext>
+          </a:extLst>
+        </p:spPr>
+      </p:pic>
     </p:spTree>
     <p:extLst>
       <p:ext uri="{BB962C8B-B14F-4D97-AF65-F5344CB8AC3E}">

--- a/SAI_presentation.pptx
+++ b/SAI_presentation.pptx
@@ -6942,7 +6942,7 @@
             <a:fld id="{B61BEF0D-F0BB-DE4B-95CE-6DB70DBA9567}" type="datetimeFigureOut">
               <a:rPr lang="en-US" dirty="0"/>
               <a:pPr/>
-              <a:t>3/26/2020</a:t>
+              <a:t>3/27/2020</a:t>
             </a:fld>
             <a:endParaRPr lang="en-US" dirty="0"/>
           </a:p>
@@ -7375,7 +7375,7 @@
             <a:fld id="{B61BEF0D-F0BB-DE4B-95CE-6DB70DBA9567}" type="datetimeFigureOut">
               <a:rPr lang="en-US" dirty="0"/>
               <a:pPr/>
-              <a:t>3/26/2020</a:t>
+              <a:t>3/27/2020</a:t>
             </a:fld>
             <a:endParaRPr lang="en-US" dirty="0"/>
           </a:p>
@@ -7622,7 +7622,7 @@
             <a:fld id="{B61BEF0D-F0BB-DE4B-95CE-6DB70DBA9567}" type="datetimeFigureOut">
               <a:rPr lang="en-US" dirty="0"/>
               <a:pPr/>
-              <a:t>3/26/2020</a:t>
+              <a:t>3/27/2020</a:t>
             </a:fld>
             <a:endParaRPr lang="en-US" dirty="0"/>
           </a:p>
@@ -7927,7 +7927,7 @@
             <a:fld id="{B61BEF0D-F0BB-DE4B-95CE-6DB70DBA9567}" type="datetimeFigureOut">
               <a:rPr lang="en-US" dirty="0"/>
               <a:pPr/>
-              <a:t>3/26/2020</a:t>
+              <a:t>3/27/2020</a:t>
             </a:fld>
             <a:endParaRPr lang="en-US" dirty="0"/>
           </a:p>
@@ -8242,7 +8242,7 @@
             <a:fld id="{B61BEF0D-F0BB-DE4B-95CE-6DB70DBA9567}" type="datetimeFigureOut">
               <a:rPr lang="en-US" dirty="0"/>
               <a:pPr/>
-              <a:t>3/26/2020</a:t>
+              <a:t>3/27/2020</a:t>
             </a:fld>
             <a:endParaRPr lang="en-US" dirty="0"/>
           </a:p>
@@ -8541,7 +8541,7 @@
             <a:fld id="{B61BEF0D-F0BB-DE4B-95CE-6DB70DBA9567}" type="datetimeFigureOut">
               <a:rPr lang="en-US" dirty="0"/>
               <a:pPr/>
-              <a:t>3/26/2020</a:t>
+              <a:t>3/27/2020</a:t>
             </a:fld>
             <a:endParaRPr lang="en-US" dirty="0"/>
           </a:p>
@@ -8905,7 +8905,7 @@
             <a:fld id="{B61BEF0D-F0BB-DE4B-95CE-6DB70DBA9567}" type="datetimeFigureOut">
               <a:rPr lang="en-US" dirty="0"/>
               <a:pPr/>
-              <a:t>3/26/2020</a:t>
+              <a:t>3/27/2020</a:t>
             </a:fld>
             <a:endParaRPr lang="en-US" dirty="0"/>
           </a:p>
@@ -9076,7 +9076,7 @@
             <a:fld id="{B61BEF0D-F0BB-DE4B-95CE-6DB70DBA9567}" type="datetimeFigureOut">
               <a:rPr lang="en-US" dirty="0"/>
               <a:pPr/>
-              <a:t>3/26/2020</a:t>
+              <a:t>3/27/2020</a:t>
             </a:fld>
             <a:endParaRPr lang="en-US" dirty="0"/>
           </a:p>
@@ -9253,7 +9253,7 @@
             <a:fld id="{B61BEF0D-F0BB-DE4B-95CE-6DB70DBA9567}" type="datetimeFigureOut">
               <a:rPr lang="en-US" dirty="0"/>
               <a:pPr/>
-              <a:t>3/26/2020</a:t>
+              <a:t>3/27/2020</a:t>
             </a:fld>
             <a:endParaRPr lang="en-US" dirty="0"/>
           </a:p>
@@ -9420,7 +9420,7 @@
             <a:fld id="{B61BEF0D-F0BB-DE4B-95CE-6DB70DBA9567}" type="datetimeFigureOut">
               <a:rPr lang="en-US" dirty="0"/>
               <a:pPr/>
-              <a:t>3/26/2020</a:t>
+              <a:t>3/27/2020</a:t>
             </a:fld>
             <a:endParaRPr lang="en-US" dirty="0"/>
           </a:p>
@@ -9667,7 +9667,7 @@
             <a:fld id="{B61BEF0D-F0BB-DE4B-95CE-6DB70DBA9567}" type="datetimeFigureOut">
               <a:rPr lang="en-US" dirty="0"/>
               <a:pPr/>
-              <a:t>3/26/2020</a:t>
+              <a:t>3/27/2020</a:t>
             </a:fld>
             <a:endParaRPr lang="en-US" dirty="0"/>
           </a:p>
@@ -9900,7 +9900,7 @@
             <a:fld id="{B61BEF0D-F0BB-DE4B-95CE-6DB70DBA9567}" type="datetimeFigureOut">
               <a:rPr lang="en-US" dirty="0"/>
               <a:pPr/>
-              <a:t>3/26/2020</a:t>
+              <a:t>3/27/2020</a:t>
             </a:fld>
             <a:endParaRPr lang="en-US" dirty="0"/>
           </a:p>
@@ -10279,7 +10279,7 @@
             <a:fld id="{B61BEF0D-F0BB-DE4B-95CE-6DB70DBA9567}" type="datetimeFigureOut">
               <a:rPr lang="en-US" dirty="0"/>
               <a:pPr/>
-              <a:t>3/26/2020</a:t>
+              <a:t>3/27/2020</a:t>
             </a:fld>
             <a:endParaRPr lang="en-US" dirty="0"/>
           </a:p>
@@ -10394,7 +10394,7 @@
             <a:fld id="{B61BEF0D-F0BB-DE4B-95CE-6DB70DBA9567}" type="datetimeFigureOut">
               <a:rPr lang="en-US" dirty="0"/>
               <a:pPr/>
-              <a:t>3/26/2020</a:t>
+              <a:t>3/27/2020</a:t>
             </a:fld>
             <a:endParaRPr lang="en-US" dirty="0"/>
           </a:p>
@@ -10486,7 +10486,7 @@
             <a:fld id="{B61BEF0D-F0BB-DE4B-95CE-6DB70DBA9567}" type="datetimeFigureOut">
               <a:rPr lang="en-US" dirty="0"/>
               <a:pPr/>
-              <a:t>3/26/2020</a:t>
+              <a:t>3/27/2020</a:t>
             </a:fld>
             <a:endParaRPr lang="en-US" dirty="0"/>
           </a:p>
@@ -10738,7 +10738,7 @@
             <a:fld id="{B61BEF0D-F0BB-DE4B-95CE-6DB70DBA9567}" type="datetimeFigureOut">
               <a:rPr lang="en-US" dirty="0"/>
               <a:pPr/>
-              <a:t>3/26/2020</a:t>
+              <a:t>3/27/2020</a:t>
             </a:fld>
             <a:endParaRPr lang="en-US" dirty="0"/>
           </a:p>
@@ -11018,7 +11018,7 @@
             <a:fld id="{B61BEF0D-F0BB-DE4B-95CE-6DB70DBA9567}" type="datetimeFigureOut">
               <a:rPr lang="en-US" dirty="0"/>
               <a:pPr/>
-              <a:t>3/26/2020</a:t>
+              <a:t>3/27/2020</a:t>
             </a:fld>
             <a:endParaRPr lang="en-US" dirty="0"/>
           </a:p>
@@ -11421,7 +11421,7 @@
             <a:fld id="{B61BEF0D-F0BB-DE4B-95CE-6DB70DBA9567}" type="datetimeFigureOut">
               <a:rPr lang="en-US" dirty="0"/>
               <a:pPr/>
-              <a:t>3/26/2020</a:t>
+              <a:t>3/27/2020</a:t>
             </a:fld>
             <a:endParaRPr lang="en-US" dirty="0"/>
           </a:p>
@@ -16983,7 +16983,7 @@
           <a:lstStyle/>
           <a:p>
             <a:r>
-              <a:rPr lang="fr-FR" dirty="0" err="1"/>
+              <a:rPr lang="fr-FR" b="1" dirty="0" err="1"/>
               <a:t>Create</a:t>
             </a:r>
             <a:r>
@@ -16991,7 +16991,11 @@
               <a:t> a </a:t>
             </a:r>
             <a:r>
-              <a:rPr lang="fr-FR" dirty="0" err="1"/>
+              <a:rPr lang="fr-FR" b="1" dirty="0" err="1">
+                <a:solidFill>
+                  <a:srgbClr val="0070C0"/>
+                </a:solidFill>
+              </a:rPr>
               <a:t>strategy</a:t>
             </a:r>
             <a:r>
@@ -17007,12 +17011,24 @@
               <a:t> </a:t>
             </a:r>
             <a:r>
-              <a:rPr lang="fr-FR" dirty="0" err="1"/>
+              <a:rPr lang="fr-FR" b="1" dirty="0" err="1">
+                <a:solidFill>
+                  <a:srgbClr val="FFFF00"/>
+                </a:solidFill>
+              </a:rPr>
               <a:t>some</a:t>
             </a:r>
             <a:r>
+              <a:rPr lang="fr-FR" b="1" dirty="0">
+                <a:solidFill>
+                  <a:srgbClr val="FFFF00"/>
+                </a:solidFill>
+              </a:rPr>
+              <a:t> images </a:t>
+            </a:r>
+            <a:r>
               <a:rPr lang="fr-FR" dirty="0"/>
-              <a:t> images are </a:t>
+              <a:t>are </a:t>
             </a:r>
             <a:r>
               <a:rPr lang="fr-FR" dirty="0" err="1"/>
@@ -17039,10 +17055,24 @@
               <a:t> a </a:t>
             </a:r>
             <a:r>
-              <a:rPr lang="fr-FR" dirty="0" err="1"/>
+              <a:rPr lang="fr-FR" b="1" dirty="0" err="1">
+                <a:solidFill>
+                  <a:schemeClr val="accent6">
+                    <a:lumMod val="40000"/>
+                    <a:lumOff val="60000"/>
+                  </a:schemeClr>
+                </a:solidFill>
+              </a:rPr>
               <a:t>threshold</a:t>
             </a:r>
-            <a:endParaRPr lang="fr-FR" dirty="0"/>
+            <a:endParaRPr lang="fr-FR" b="1" dirty="0">
+              <a:solidFill>
+                <a:schemeClr val="accent6">
+                  <a:lumMod val="40000"/>
+                  <a:lumOff val="60000"/>
+                </a:schemeClr>
+              </a:solidFill>
+            </a:endParaRPr>
           </a:p>
           <a:p>
             <a:r>
@@ -17062,10 +17092,10 @@
               <a:t> a </a:t>
             </a:r>
             <a:r>
-              <a:rPr lang="fr-FR"/>
+              <a:rPr lang="fr-FR" dirty="0" err="1"/>
               <a:t>schema</a:t>
             </a:r>
-            <a:endParaRPr lang="en-GB"/>
+            <a:endParaRPr lang="en-GB" dirty="0"/>
           </a:p>
         </p:txBody>
       </p:sp>
@@ -17169,7 +17199,7 @@
         </p:blipFill>
         <p:spPr>
           <a:xfrm>
-            <a:off x="4494212" y="3386667"/>
+            <a:off x="7797445" y="3368746"/>
             <a:ext cx="914400" cy="914400"/>
           </a:xfrm>
           <a:prstGeom prst="rect">
@@ -17206,7 +17236,7 @@
         </p:blipFill>
         <p:spPr bwMode="auto">
           <a:xfrm>
-            <a:off x="5986653" y="3255433"/>
+            <a:off x="4758774" y="3366279"/>
             <a:ext cx="914401" cy="914401"/>
           </a:xfrm>
           <a:prstGeom prst="rect">

--- a/SAI_presentation.pptx
+++ b/SAI_presentation.pptx
@@ -17199,7 +17199,7 @@
         </p:blipFill>
         <p:spPr>
           <a:xfrm>
-            <a:off x="7797445" y="3368746"/>
+            <a:off x="7197445" y="3439767"/>
             <a:ext cx="914400" cy="914400"/>
           </a:xfrm>
           <a:prstGeom prst="rect">
@@ -17254,6 +17254,300 @@
           </a:extLst>
         </p:spPr>
       </p:pic>
+      <p:sp>
+        <p:nvSpPr>
+          <p:cNvPr id="8" name="Signe Plus 7">
+            <a:extLst>
+              <a:ext uri="{FF2B5EF4-FFF2-40B4-BE49-F238E27FC236}">
+                <a16:creationId xmlns:a16="http://schemas.microsoft.com/office/drawing/2014/main" id="{8C1B28C2-2CB5-4525-B4D8-01F117288700}"/>
+              </a:ext>
+            </a:extLst>
+          </p:cNvPr>
+          <p:cNvSpPr/>
+          <p:nvPr/>
+        </p:nvSpPr>
+        <p:spPr>
+          <a:xfrm>
+            <a:off x="3568823" y="3429000"/>
+            <a:ext cx="937606" cy="914400"/>
+          </a:xfrm>
+          <a:prstGeom prst="mathPlus">
+            <a:avLst/>
+          </a:prstGeom>
+        </p:spPr>
+        <p:style>
+          <a:lnRef idx="2">
+            <a:schemeClr val="accent1">
+              <a:shade val="50000"/>
+            </a:schemeClr>
+          </a:lnRef>
+          <a:fillRef idx="1">
+            <a:schemeClr val="accent1"/>
+          </a:fillRef>
+          <a:effectRef idx="0">
+            <a:schemeClr val="accent1"/>
+          </a:effectRef>
+          <a:fontRef idx="minor">
+            <a:schemeClr val="lt1"/>
+          </a:fontRef>
+        </p:style>
+        <p:txBody>
+          <a:bodyPr rot="0" spcFirstLastPara="0" vert="horz" wrap="square" lIns="91440" tIns="45720" rIns="91440" bIns="45720" numCol="1" spcCol="0" rtlCol="0" fromWordArt="0" anchor="ctr" anchorCtr="0" forceAA="0" compatLnSpc="1">
+            <a:prstTxWarp prst="textNoShape">
+              <a:avLst/>
+            </a:prstTxWarp>
+            <a:noAutofit/>
+          </a:bodyPr>
+          <a:lstStyle>
+            <a:defPPr>
+              <a:defRPr lang="en-US"/>
+            </a:defPPr>
+            <a:lvl1pPr marL="0" algn="l" defTabSz="457200" rtl="0" eaLnBrk="1" latinLnBrk="0" hangingPunct="1">
+              <a:defRPr sz="1800" kern="1200">
+                <a:solidFill>
+                  <a:schemeClr val="lt1"/>
+                </a:solidFill>
+                <a:latin typeface="+mn-lt"/>
+                <a:ea typeface="+mn-ea"/>
+                <a:cs typeface="+mn-cs"/>
+              </a:defRPr>
+            </a:lvl1pPr>
+            <a:lvl2pPr marL="457200" algn="l" defTabSz="457200" rtl="0" eaLnBrk="1" latinLnBrk="0" hangingPunct="1">
+              <a:defRPr sz="1800" kern="1200">
+                <a:solidFill>
+                  <a:schemeClr val="lt1"/>
+                </a:solidFill>
+                <a:latin typeface="+mn-lt"/>
+                <a:ea typeface="+mn-ea"/>
+                <a:cs typeface="+mn-cs"/>
+              </a:defRPr>
+            </a:lvl2pPr>
+            <a:lvl3pPr marL="914400" algn="l" defTabSz="457200" rtl="0" eaLnBrk="1" latinLnBrk="0" hangingPunct="1">
+              <a:defRPr sz="1800" kern="1200">
+                <a:solidFill>
+                  <a:schemeClr val="lt1"/>
+                </a:solidFill>
+                <a:latin typeface="+mn-lt"/>
+                <a:ea typeface="+mn-ea"/>
+                <a:cs typeface="+mn-cs"/>
+              </a:defRPr>
+            </a:lvl3pPr>
+            <a:lvl4pPr marL="1371600" algn="l" defTabSz="457200" rtl="0" eaLnBrk="1" latinLnBrk="0" hangingPunct="1">
+              <a:defRPr sz="1800" kern="1200">
+                <a:solidFill>
+                  <a:schemeClr val="lt1"/>
+                </a:solidFill>
+                <a:latin typeface="+mn-lt"/>
+                <a:ea typeface="+mn-ea"/>
+                <a:cs typeface="+mn-cs"/>
+              </a:defRPr>
+            </a:lvl4pPr>
+            <a:lvl5pPr marL="1828800" algn="l" defTabSz="457200" rtl="0" eaLnBrk="1" latinLnBrk="0" hangingPunct="1">
+              <a:defRPr sz="1800" kern="1200">
+                <a:solidFill>
+                  <a:schemeClr val="lt1"/>
+                </a:solidFill>
+                <a:latin typeface="+mn-lt"/>
+                <a:ea typeface="+mn-ea"/>
+                <a:cs typeface="+mn-cs"/>
+              </a:defRPr>
+            </a:lvl5pPr>
+            <a:lvl6pPr marL="2286000" algn="l" defTabSz="457200" rtl="0" eaLnBrk="1" latinLnBrk="0" hangingPunct="1">
+              <a:defRPr sz="1800" kern="1200">
+                <a:solidFill>
+                  <a:schemeClr val="lt1"/>
+                </a:solidFill>
+                <a:latin typeface="+mn-lt"/>
+                <a:ea typeface="+mn-ea"/>
+                <a:cs typeface="+mn-cs"/>
+              </a:defRPr>
+            </a:lvl6pPr>
+            <a:lvl7pPr marL="2743200" algn="l" defTabSz="457200" rtl="0" eaLnBrk="1" latinLnBrk="0" hangingPunct="1">
+              <a:defRPr sz="1800" kern="1200">
+                <a:solidFill>
+                  <a:schemeClr val="lt1"/>
+                </a:solidFill>
+                <a:latin typeface="+mn-lt"/>
+                <a:ea typeface="+mn-ea"/>
+                <a:cs typeface="+mn-cs"/>
+              </a:defRPr>
+            </a:lvl7pPr>
+            <a:lvl8pPr marL="3200400" algn="l" defTabSz="457200" rtl="0" eaLnBrk="1" latinLnBrk="0" hangingPunct="1">
+              <a:defRPr sz="1800" kern="1200">
+                <a:solidFill>
+                  <a:schemeClr val="lt1"/>
+                </a:solidFill>
+                <a:latin typeface="+mn-lt"/>
+                <a:ea typeface="+mn-ea"/>
+                <a:cs typeface="+mn-cs"/>
+              </a:defRPr>
+            </a:lvl8pPr>
+            <a:lvl9pPr marL="3657600" algn="l" defTabSz="457200" rtl="0" eaLnBrk="1" latinLnBrk="0" hangingPunct="1">
+              <a:defRPr sz="1800" kern="1200">
+                <a:solidFill>
+                  <a:schemeClr val="lt1"/>
+                </a:solidFill>
+                <a:latin typeface="+mn-lt"/>
+                <a:ea typeface="+mn-ea"/>
+                <a:cs typeface="+mn-cs"/>
+              </a:defRPr>
+            </a:lvl9pPr>
+          </a:lstStyle>
+          <a:p>
+            <a:pPr algn="ctr"/>
+            <a:endParaRPr lang="en-GB"/>
+          </a:p>
+        </p:txBody>
+      </p:sp>
+      <p:sp>
+        <p:nvSpPr>
+          <p:cNvPr id="9" name="Est égal à 8">
+            <a:extLst>
+              <a:ext uri="{FF2B5EF4-FFF2-40B4-BE49-F238E27FC236}">
+                <a16:creationId xmlns:a16="http://schemas.microsoft.com/office/drawing/2014/main" id="{02C0E2FF-8EA3-4B93-BD15-1EEDFE45AEAF}"/>
+              </a:ext>
+            </a:extLst>
+          </p:cNvPr>
+          <p:cNvSpPr/>
+          <p:nvPr/>
+        </p:nvSpPr>
+        <p:spPr>
+          <a:xfrm>
+            <a:off x="6096000" y="3654310"/>
+            <a:ext cx="738345" cy="566116"/>
+          </a:xfrm>
+          <a:prstGeom prst="mathEqual">
+            <a:avLst/>
+          </a:prstGeom>
+        </p:spPr>
+        <p:style>
+          <a:lnRef idx="2">
+            <a:schemeClr val="accent1">
+              <a:shade val="50000"/>
+            </a:schemeClr>
+          </a:lnRef>
+          <a:fillRef idx="1">
+            <a:schemeClr val="accent1"/>
+          </a:fillRef>
+          <a:effectRef idx="0">
+            <a:schemeClr val="accent1"/>
+          </a:effectRef>
+          <a:fontRef idx="minor">
+            <a:schemeClr val="lt1"/>
+          </a:fontRef>
+        </p:style>
+        <p:txBody>
+          <a:bodyPr rot="0" spcFirstLastPara="0" vert="horz" wrap="square" lIns="91440" tIns="45720" rIns="91440" bIns="45720" numCol="1" spcCol="0" rtlCol="0" fromWordArt="0" anchor="ctr" anchorCtr="0" forceAA="0" compatLnSpc="1">
+            <a:prstTxWarp prst="textNoShape">
+              <a:avLst/>
+            </a:prstTxWarp>
+            <a:noAutofit/>
+          </a:bodyPr>
+          <a:lstStyle>
+            <a:defPPr>
+              <a:defRPr lang="en-US"/>
+            </a:defPPr>
+            <a:lvl1pPr marL="0" algn="l" defTabSz="457200" rtl="0" eaLnBrk="1" latinLnBrk="0" hangingPunct="1">
+              <a:defRPr sz="1800" kern="1200">
+                <a:solidFill>
+                  <a:schemeClr val="lt1"/>
+                </a:solidFill>
+                <a:latin typeface="+mn-lt"/>
+                <a:ea typeface="+mn-ea"/>
+                <a:cs typeface="+mn-cs"/>
+              </a:defRPr>
+            </a:lvl1pPr>
+            <a:lvl2pPr marL="457200" algn="l" defTabSz="457200" rtl="0" eaLnBrk="1" latinLnBrk="0" hangingPunct="1">
+              <a:defRPr sz="1800" kern="1200">
+                <a:solidFill>
+                  <a:schemeClr val="lt1"/>
+                </a:solidFill>
+                <a:latin typeface="+mn-lt"/>
+                <a:ea typeface="+mn-ea"/>
+                <a:cs typeface="+mn-cs"/>
+              </a:defRPr>
+            </a:lvl2pPr>
+            <a:lvl3pPr marL="914400" algn="l" defTabSz="457200" rtl="0" eaLnBrk="1" latinLnBrk="0" hangingPunct="1">
+              <a:defRPr sz="1800" kern="1200">
+                <a:solidFill>
+                  <a:schemeClr val="lt1"/>
+                </a:solidFill>
+                <a:latin typeface="+mn-lt"/>
+                <a:ea typeface="+mn-ea"/>
+                <a:cs typeface="+mn-cs"/>
+              </a:defRPr>
+            </a:lvl3pPr>
+            <a:lvl4pPr marL="1371600" algn="l" defTabSz="457200" rtl="0" eaLnBrk="1" latinLnBrk="0" hangingPunct="1">
+              <a:defRPr sz="1800" kern="1200">
+                <a:solidFill>
+                  <a:schemeClr val="lt1"/>
+                </a:solidFill>
+                <a:latin typeface="+mn-lt"/>
+                <a:ea typeface="+mn-ea"/>
+                <a:cs typeface="+mn-cs"/>
+              </a:defRPr>
+            </a:lvl4pPr>
+            <a:lvl5pPr marL="1828800" algn="l" defTabSz="457200" rtl="0" eaLnBrk="1" latinLnBrk="0" hangingPunct="1">
+              <a:defRPr sz="1800" kern="1200">
+                <a:solidFill>
+                  <a:schemeClr val="lt1"/>
+                </a:solidFill>
+                <a:latin typeface="+mn-lt"/>
+                <a:ea typeface="+mn-ea"/>
+                <a:cs typeface="+mn-cs"/>
+              </a:defRPr>
+            </a:lvl5pPr>
+            <a:lvl6pPr marL="2286000" algn="l" defTabSz="457200" rtl="0" eaLnBrk="1" latinLnBrk="0" hangingPunct="1">
+              <a:defRPr sz="1800" kern="1200">
+                <a:solidFill>
+                  <a:schemeClr val="lt1"/>
+                </a:solidFill>
+                <a:latin typeface="+mn-lt"/>
+                <a:ea typeface="+mn-ea"/>
+                <a:cs typeface="+mn-cs"/>
+              </a:defRPr>
+            </a:lvl6pPr>
+            <a:lvl7pPr marL="2743200" algn="l" defTabSz="457200" rtl="0" eaLnBrk="1" latinLnBrk="0" hangingPunct="1">
+              <a:defRPr sz="1800" kern="1200">
+                <a:solidFill>
+                  <a:schemeClr val="lt1"/>
+                </a:solidFill>
+                <a:latin typeface="+mn-lt"/>
+                <a:ea typeface="+mn-ea"/>
+                <a:cs typeface="+mn-cs"/>
+              </a:defRPr>
+            </a:lvl7pPr>
+            <a:lvl8pPr marL="3200400" algn="l" defTabSz="457200" rtl="0" eaLnBrk="1" latinLnBrk="0" hangingPunct="1">
+              <a:defRPr sz="1800" kern="1200">
+                <a:solidFill>
+                  <a:schemeClr val="lt1"/>
+                </a:solidFill>
+                <a:latin typeface="+mn-lt"/>
+                <a:ea typeface="+mn-ea"/>
+                <a:cs typeface="+mn-cs"/>
+              </a:defRPr>
+            </a:lvl8pPr>
+            <a:lvl9pPr marL="3657600" algn="l" defTabSz="457200" rtl="0" eaLnBrk="1" latinLnBrk="0" hangingPunct="1">
+              <a:defRPr sz="1800" kern="1200">
+                <a:solidFill>
+                  <a:schemeClr val="lt1"/>
+                </a:solidFill>
+                <a:latin typeface="+mn-lt"/>
+                <a:ea typeface="+mn-ea"/>
+                <a:cs typeface="+mn-cs"/>
+              </a:defRPr>
+            </a:lvl9pPr>
+          </a:lstStyle>
+          <a:p>
+            <a:pPr algn="ctr"/>
+            <a:endParaRPr lang="en-GB">
+              <a:solidFill>
+                <a:schemeClr val="tx1"/>
+              </a:solidFill>
+            </a:endParaRPr>
+          </a:p>
+        </p:txBody>
+      </p:sp>
     </p:spTree>
     <p:extLst>
       <p:ext uri="{BB962C8B-B14F-4D97-AF65-F5344CB8AC3E}">

--- a/SAI_presentation.pptx
+++ b/SAI_presentation.pptx
@@ -17075,26 +17075,9 @@
             </a:endParaRPr>
           </a:p>
           <a:p>
-            <a:r>
-              <a:rPr lang="fr-FR" dirty="0" err="1"/>
-              <a:t>Explain</a:t>
-            </a:r>
-            <a:r>
-              <a:rPr lang="fr-FR" dirty="0"/>
-              <a:t> </a:t>
-            </a:r>
-            <a:r>
-              <a:rPr lang="fr-FR" dirty="0" err="1"/>
-              <a:t>with</a:t>
-            </a:r>
-            <a:r>
-              <a:rPr lang="fr-FR" dirty="0"/>
-              <a:t> a </a:t>
-            </a:r>
-            <a:r>
-              <a:rPr lang="fr-FR" dirty="0" err="1"/>
-              <a:t>schema</a:t>
-            </a:r>
+            <a:pPr marL="0" indent="0">
+              <a:buNone/>
+            </a:pPr>
             <a:endParaRPr lang="en-GB" dirty="0"/>
           </a:p>
         </p:txBody>
@@ -17687,6 +17670,150 @@
           </a:p>
         </p:txBody>
       </p:sp>
+      <p:pic>
+        <p:nvPicPr>
+          <p:cNvPr id="5" name="Graphique 4" descr="Monde">
+            <a:extLst>
+              <a:ext uri="{FF2B5EF4-FFF2-40B4-BE49-F238E27FC236}">
+                <a16:creationId xmlns:a16="http://schemas.microsoft.com/office/drawing/2014/main" id="{0C050CD2-33F2-499F-A1BB-64AC53A3CCEF}"/>
+              </a:ext>
+            </a:extLst>
+          </p:cNvPr>
+          <p:cNvPicPr>
+            <a:picLocks noChangeAspect="1"/>
+          </p:cNvPicPr>
+          <p:nvPr/>
+        </p:nvPicPr>
+        <p:blipFill>
+          <a:blip r:embed="rId2">
+            <a:extLst>
+              <a:ext uri="{96DAC541-7B7A-43D3-8B79-37D633B846F1}">
+                <asvg:svgBlip xmlns:asvg="http://schemas.microsoft.com/office/drawing/2016/SVG/main" r:embed="rId3"/>
+              </a:ext>
+            </a:extLst>
+          </a:blip>
+          <a:stretch>
+            <a:fillRect/>
+          </a:stretch>
+        </p:blipFill>
+        <p:spPr>
+          <a:xfrm>
+            <a:off x="1982587" y="3710496"/>
+            <a:ext cx="914400" cy="914400"/>
+          </a:xfrm>
+          <a:prstGeom prst="rect">
+            <a:avLst/>
+          </a:prstGeom>
+        </p:spPr>
+      </p:pic>
+      <p:pic>
+        <p:nvPicPr>
+          <p:cNvPr id="6" name="Graphique 5" descr="Ampoule et engrenage">
+            <a:extLst>
+              <a:ext uri="{FF2B5EF4-FFF2-40B4-BE49-F238E27FC236}">
+                <a16:creationId xmlns:a16="http://schemas.microsoft.com/office/drawing/2014/main" id="{C695E499-CAEB-4BF4-9F29-AEF2A346229D}"/>
+              </a:ext>
+            </a:extLst>
+          </p:cNvPr>
+          <p:cNvPicPr>
+            <a:picLocks noChangeAspect="1"/>
+          </p:cNvPicPr>
+          <p:nvPr/>
+        </p:nvPicPr>
+        <p:blipFill>
+          <a:blip r:embed="rId4">
+            <a:extLst>
+              <a:ext uri="{96DAC541-7B7A-43D3-8B79-37D633B846F1}">
+                <asvg:svgBlip xmlns:asvg="http://schemas.microsoft.com/office/drawing/2016/SVG/main" r:embed="rId5"/>
+              </a:ext>
+            </a:extLst>
+          </a:blip>
+          <a:stretch>
+            <a:fillRect/>
+          </a:stretch>
+        </p:blipFill>
+        <p:spPr>
+          <a:xfrm>
+            <a:off x="3558895" y="3253296"/>
+            <a:ext cx="914400" cy="914400"/>
+          </a:xfrm>
+          <a:prstGeom prst="rect">
+            <a:avLst/>
+          </a:prstGeom>
+        </p:spPr>
+      </p:pic>
+      <p:pic>
+        <p:nvPicPr>
+          <p:cNvPr id="7" name="Graphique 6" descr="Ampoule et engrenage">
+            <a:extLst>
+              <a:ext uri="{FF2B5EF4-FFF2-40B4-BE49-F238E27FC236}">
+                <a16:creationId xmlns:a16="http://schemas.microsoft.com/office/drawing/2014/main" id="{AFBCBC37-D4E8-497E-A54A-17CB448095FA}"/>
+              </a:ext>
+            </a:extLst>
+          </p:cNvPr>
+          <p:cNvPicPr>
+            <a:picLocks noChangeAspect="1"/>
+          </p:cNvPicPr>
+          <p:nvPr/>
+        </p:nvPicPr>
+        <p:blipFill>
+          <a:blip r:embed="rId4">
+            <a:extLst>
+              <a:ext uri="{96DAC541-7B7A-43D3-8B79-37D633B846F1}">
+                <asvg:svgBlip xmlns:asvg="http://schemas.microsoft.com/office/drawing/2016/SVG/main" r:embed="rId5"/>
+              </a:ext>
+            </a:extLst>
+          </a:blip>
+          <a:stretch>
+            <a:fillRect/>
+          </a:stretch>
+        </p:blipFill>
+        <p:spPr>
+          <a:xfrm>
+            <a:off x="4037012" y="4030132"/>
+            <a:ext cx="914400" cy="914400"/>
+          </a:xfrm>
+          <a:prstGeom prst="rect">
+            <a:avLst/>
+          </a:prstGeom>
+        </p:spPr>
+      </p:pic>
+      <p:pic>
+        <p:nvPicPr>
+          <p:cNvPr id="8" name="Graphique 7" descr="Ampoule et engrenage">
+            <a:extLst>
+              <a:ext uri="{FF2B5EF4-FFF2-40B4-BE49-F238E27FC236}">
+                <a16:creationId xmlns:a16="http://schemas.microsoft.com/office/drawing/2014/main" id="{DB0647B2-0745-4B12-80BB-80E66217D890}"/>
+              </a:ext>
+            </a:extLst>
+          </p:cNvPr>
+          <p:cNvPicPr>
+            <a:picLocks noChangeAspect="1"/>
+          </p:cNvPicPr>
+          <p:nvPr/>
+        </p:nvPicPr>
+        <p:blipFill>
+          <a:blip r:embed="rId4">
+            <a:extLst>
+              <a:ext uri="{96DAC541-7B7A-43D3-8B79-37D633B846F1}">
+                <asvg:svgBlip xmlns:asvg="http://schemas.microsoft.com/office/drawing/2016/SVG/main" r:embed="rId5"/>
+              </a:ext>
+            </a:extLst>
+          </a:blip>
+          <a:stretch>
+            <a:fillRect/>
+          </a:stretch>
+        </p:blipFill>
+        <p:spPr>
+          <a:xfrm>
+            <a:off x="4573387" y="3253296"/>
+            <a:ext cx="914400" cy="914400"/>
+          </a:xfrm>
+          <a:prstGeom prst="rect">
+            <a:avLst/>
+          </a:prstGeom>
+        </p:spPr>
+      </p:pic>
     </p:spTree>
     <p:extLst>
       <p:ext uri="{BB962C8B-B14F-4D97-AF65-F5344CB8AC3E}">

--- a/SAI_presentation.pptx
+++ b/SAI_presentation.pptx
@@ -6942,7 +6942,7 @@
             <a:fld id="{B61BEF0D-F0BB-DE4B-95CE-6DB70DBA9567}" type="datetimeFigureOut">
               <a:rPr lang="en-US" dirty="0"/>
               <a:pPr/>
-              <a:t>3/27/2020</a:t>
+              <a:t>3/28/2020</a:t>
             </a:fld>
             <a:endParaRPr lang="en-US" dirty="0"/>
           </a:p>
@@ -7375,7 +7375,7 @@
             <a:fld id="{B61BEF0D-F0BB-DE4B-95CE-6DB70DBA9567}" type="datetimeFigureOut">
               <a:rPr lang="en-US" dirty="0"/>
               <a:pPr/>
-              <a:t>3/27/2020</a:t>
+              <a:t>3/28/2020</a:t>
             </a:fld>
             <a:endParaRPr lang="en-US" dirty="0"/>
           </a:p>
@@ -7622,7 +7622,7 @@
             <a:fld id="{B61BEF0D-F0BB-DE4B-95CE-6DB70DBA9567}" type="datetimeFigureOut">
               <a:rPr lang="en-US" dirty="0"/>
               <a:pPr/>
-              <a:t>3/27/2020</a:t>
+              <a:t>3/28/2020</a:t>
             </a:fld>
             <a:endParaRPr lang="en-US" dirty="0"/>
           </a:p>
@@ -7927,7 +7927,7 @@
             <a:fld id="{B61BEF0D-F0BB-DE4B-95CE-6DB70DBA9567}" type="datetimeFigureOut">
               <a:rPr lang="en-US" dirty="0"/>
               <a:pPr/>
-              <a:t>3/27/2020</a:t>
+              <a:t>3/28/2020</a:t>
             </a:fld>
             <a:endParaRPr lang="en-US" dirty="0"/>
           </a:p>
@@ -8242,7 +8242,7 @@
             <a:fld id="{B61BEF0D-F0BB-DE4B-95CE-6DB70DBA9567}" type="datetimeFigureOut">
               <a:rPr lang="en-US" dirty="0"/>
               <a:pPr/>
-              <a:t>3/27/2020</a:t>
+              <a:t>3/28/2020</a:t>
             </a:fld>
             <a:endParaRPr lang="en-US" dirty="0"/>
           </a:p>
@@ -8541,7 +8541,7 @@
             <a:fld id="{B61BEF0D-F0BB-DE4B-95CE-6DB70DBA9567}" type="datetimeFigureOut">
               <a:rPr lang="en-US" dirty="0"/>
               <a:pPr/>
-              <a:t>3/27/2020</a:t>
+              <a:t>3/28/2020</a:t>
             </a:fld>
             <a:endParaRPr lang="en-US" dirty="0"/>
           </a:p>
@@ -8905,7 +8905,7 @@
             <a:fld id="{B61BEF0D-F0BB-DE4B-95CE-6DB70DBA9567}" type="datetimeFigureOut">
               <a:rPr lang="en-US" dirty="0"/>
               <a:pPr/>
-              <a:t>3/27/2020</a:t>
+              <a:t>3/28/2020</a:t>
             </a:fld>
             <a:endParaRPr lang="en-US" dirty="0"/>
           </a:p>
@@ -9076,7 +9076,7 @@
             <a:fld id="{B61BEF0D-F0BB-DE4B-95CE-6DB70DBA9567}" type="datetimeFigureOut">
               <a:rPr lang="en-US" dirty="0"/>
               <a:pPr/>
-              <a:t>3/27/2020</a:t>
+              <a:t>3/28/2020</a:t>
             </a:fld>
             <a:endParaRPr lang="en-US" dirty="0"/>
           </a:p>
@@ -9253,7 +9253,7 @@
             <a:fld id="{B61BEF0D-F0BB-DE4B-95CE-6DB70DBA9567}" type="datetimeFigureOut">
               <a:rPr lang="en-US" dirty="0"/>
               <a:pPr/>
-              <a:t>3/27/2020</a:t>
+              <a:t>3/28/2020</a:t>
             </a:fld>
             <a:endParaRPr lang="en-US" dirty="0"/>
           </a:p>
@@ -9420,7 +9420,7 @@
             <a:fld id="{B61BEF0D-F0BB-DE4B-95CE-6DB70DBA9567}" type="datetimeFigureOut">
               <a:rPr lang="en-US" dirty="0"/>
               <a:pPr/>
-              <a:t>3/27/2020</a:t>
+              <a:t>3/28/2020</a:t>
             </a:fld>
             <a:endParaRPr lang="en-US" dirty="0"/>
           </a:p>
@@ -9667,7 +9667,7 @@
             <a:fld id="{B61BEF0D-F0BB-DE4B-95CE-6DB70DBA9567}" type="datetimeFigureOut">
               <a:rPr lang="en-US" dirty="0"/>
               <a:pPr/>
-              <a:t>3/27/2020</a:t>
+              <a:t>3/28/2020</a:t>
             </a:fld>
             <a:endParaRPr lang="en-US" dirty="0"/>
           </a:p>
@@ -9900,7 +9900,7 @@
             <a:fld id="{B61BEF0D-F0BB-DE4B-95CE-6DB70DBA9567}" type="datetimeFigureOut">
               <a:rPr lang="en-US" dirty="0"/>
               <a:pPr/>
-              <a:t>3/27/2020</a:t>
+              <a:t>3/28/2020</a:t>
             </a:fld>
             <a:endParaRPr lang="en-US" dirty="0"/>
           </a:p>
@@ -10279,7 +10279,7 @@
             <a:fld id="{B61BEF0D-F0BB-DE4B-95CE-6DB70DBA9567}" type="datetimeFigureOut">
               <a:rPr lang="en-US" dirty="0"/>
               <a:pPr/>
-              <a:t>3/27/2020</a:t>
+              <a:t>3/28/2020</a:t>
             </a:fld>
             <a:endParaRPr lang="en-US" dirty="0"/>
           </a:p>
@@ -10394,7 +10394,7 @@
             <a:fld id="{B61BEF0D-F0BB-DE4B-95CE-6DB70DBA9567}" type="datetimeFigureOut">
               <a:rPr lang="en-US" dirty="0"/>
               <a:pPr/>
-              <a:t>3/27/2020</a:t>
+              <a:t>3/28/2020</a:t>
             </a:fld>
             <a:endParaRPr lang="en-US" dirty="0"/>
           </a:p>
@@ -10486,7 +10486,7 @@
             <a:fld id="{B61BEF0D-F0BB-DE4B-95CE-6DB70DBA9567}" type="datetimeFigureOut">
               <a:rPr lang="en-US" dirty="0"/>
               <a:pPr/>
-              <a:t>3/27/2020</a:t>
+              <a:t>3/28/2020</a:t>
             </a:fld>
             <a:endParaRPr lang="en-US" dirty="0"/>
           </a:p>
@@ -10738,7 +10738,7 @@
             <a:fld id="{B61BEF0D-F0BB-DE4B-95CE-6DB70DBA9567}" type="datetimeFigureOut">
               <a:rPr lang="en-US" dirty="0"/>
               <a:pPr/>
-              <a:t>3/27/2020</a:t>
+              <a:t>3/28/2020</a:t>
             </a:fld>
             <a:endParaRPr lang="en-US" dirty="0"/>
           </a:p>
@@ -11018,7 +11018,7 @@
             <a:fld id="{B61BEF0D-F0BB-DE4B-95CE-6DB70DBA9567}" type="datetimeFigureOut">
               <a:rPr lang="en-US" dirty="0"/>
               <a:pPr/>
-              <a:t>3/27/2020</a:t>
+              <a:t>3/28/2020</a:t>
             </a:fld>
             <a:endParaRPr lang="en-US" dirty="0"/>
           </a:p>
@@ -11421,7 +11421,7 @@
             <a:fld id="{B61BEF0D-F0BB-DE4B-95CE-6DB70DBA9567}" type="datetimeFigureOut">
               <a:rPr lang="en-US" dirty="0"/>
               <a:pPr/>
-              <a:t>3/27/2020</a:t>
+              <a:t>3/28/2020</a:t>
             </a:fld>
             <a:endParaRPr lang="en-US" dirty="0"/>
           </a:p>
@@ -17563,6 +17563,52 @@
       </p:grpSpPr>
       <p:sp>
         <p:nvSpPr>
+          <p:cNvPr id="4" name="Rectangle 3">
+            <a:extLst>
+              <a:ext uri="{FF2B5EF4-FFF2-40B4-BE49-F238E27FC236}">
+                <a16:creationId xmlns:a16="http://schemas.microsoft.com/office/drawing/2014/main" id="{FB329B1D-B999-42F2-AF76-67A414193A73}"/>
+              </a:ext>
+            </a:extLst>
+          </p:cNvPr>
+          <p:cNvSpPr/>
+          <p:nvPr/>
+        </p:nvSpPr>
+        <p:spPr>
+          <a:xfrm>
+            <a:off x="4751033" y="2898395"/>
+            <a:ext cx="2689934" cy="3719744"/>
+          </a:xfrm>
+          <a:prstGeom prst="rect">
+            <a:avLst/>
+          </a:prstGeom>
+        </p:spPr>
+        <p:style>
+          <a:lnRef idx="2">
+            <a:schemeClr val="accent1">
+              <a:shade val="50000"/>
+            </a:schemeClr>
+          </a:lnRef>
+          <a:fillRef idx="1">
+            <a:schemeClr val="accent1"/>
+          </a:fillRef>
+          <a:effectRef idx="0">
+            <a:schemeClr val="accent1"/>
+          </a:effectRef>
+          <a:fontRef idx="minor">
+            <a:schemeClr val="lt1"/>
+          </a:fontRef>
+        </p:style>
+        <p:txBody>
+          <a:bodyPr rtlCol="0" anchor="ctr"/>
+          <a:lstStyle/>
+          <a:p>
+            <a:pPr algn="ctr"/>
+            <a:endParaRPr lang="en-GB"/>
+          </a:p>
+        </p:txBody>
+      </p:sp>
+      <p:sp>
+        <p:nvSpPr>
           <p:cNvPr id="2" name="Titre 1">
             <a:extLst>
               <a:ext uri="{FF2B5EF4-FFF2-40B4-BE49-F238E27FC236}">
@@ -17698,8 +17744,8 @@
         </p:blipFill>
         <p:spPr>
           <a:xfrm>
-            <a:off x="1982587" y="3710496"/>
-            <a:ext cx="914400" cy="914400"/>
+            <a:off x="4843568" y="3067031"/>
+            <a:ext cx="641781" cy="641781"/>
           </a:xfrm>
           <a:prstGeom prst="rect">
             <a:avLst/>
@@ -17734,7 +17780,7 @@
         </p:blipFill>
         <p:spPr>
           <a:xfrm>
-            <a:off x="3558895" y="3253296"/>
+            <a:off x="5485349" y="3843867"/>
             <a:ext cx="914400" cy="914400"/>
           </a:xfrm>
           <a:prstGeom prst="rect">
@@ -17770,7 +17816,7 @@
         </p:blipFill>
         <p:spPr>
           <a:xfrm>
-            <a:off x="4037012" y="4030132"/>
+            <a:off x="5963466" y="4620703"/>
             <a:ext cx="914400" cy="914400"/>
           </a:xfrm>
           <a:prstGeom prst="rect">
@@ -17806,7 +17852,7 @@
         </p:blipFill>
         <p:spPr>
           <a:xfrm>
-            <a:off x="4573387" y="3253296"/>
+            <a:off x="6499841" y="3843867"/>
             <a:ext cx="914400" cy="914400"/>
           </a:xfrm>
           <a:prstGeom prst="rect">

--- a/SAI_presentation.pptx
+++ b/SAI_presentation.pptx
@@ -17581,6 +17581,18 @@
           <a:prstGeom prst="rect">
             <a:avLst/>
           </a:prstGeom>
+          <a:solidFill>
+            <a:schemeClr val="tx1">
+              <a:lumMod val="95000"/>
+            </a:schemeClr>
+          </a:solidFill>
+          <a:ln>
+            <a:solidFill>
+              <a:schemeClr val="tx1">
+                <a:lumMod val="95000"/>
+              </a:schemeClr>
+            </a:solidFill>
+          </a:ln>
         </p:spPr>
         <p:style>
           <a:lnRef idx="2">
@@ -17659,7 +17671,17 @@
           <a:p>
             <a:r>
               <a:rPr lang="fr-FR" dirty="0"/>
-              <a:t>The web page </a:t>
+              <a:t>The </a:t>
+            </a:r>
+            <a:r>
+              <a:rPr lang="fr-FR" b="1" dirty="0">
+                <a:solidFill>
+                  <a:schemeClr val="tx1">
+                    <a:lumMod val="95000"/>
+                  </a:schemeClr>
+                </a:solidFill>
+              </a:rPr>
+              <a:t>web page </a:t>
             </a:r>
             <a:r>
               <a:rPr lang="fr-FR" dirty="0" err="1"/>
@@ -17670,7 +17692,11 @@
               <a:t> show us all the </a:t>
             </a:r>
             <a:r>
-              <a:rPr lang="fr-FR" dirty="0" err="1"/>
+              <a:rPr lang="fr-FR" b="1" dirty="0" err="1">
+                <a:solidFill>
+                  <a:srgbClr val="0070C0"/>
+                </a:solidFill>
+              </a:rPr>
               <a:t>strategies</a:t>
             </a:r>
             <a:r>
@@ -17709,10 +17735,10 @@
               <a:t> a </a:t>
             </a:r>
             <a:r>
-              <a:rPr lang="fr-FR"/>
+              <a:rPr lang="fr-FR" dirty="0" err="1"/>
               <a:t>schema</a:t>
             </a:r>
-            <a:endParaRPr lang="en-GB"/>
+            <a:endParaRPr lang="en-GB" dirty="0"/>
           </a:p>
         </p:txBody>
       </p:sp>
@@ -17744,7 +17770,7 @@
         </p:blipFill>
         <p:spPr>
           <a:xfrm>
-            <a:off x="4843568" y="3067031"/>
+            <a:off x="4843568" y="2989719"/>
             <a:ext cx="641781" cy="641781"/>
           </a:xfrm>
           <a:prstGeom prst="rect">

--- a/SAI_presentation.pptx
+++ b/SAI_presentation.pptx
@@ -17886,6 +17886,114 @@
           </a:prstGeom>
         </p:spPr>
       </p:pic>
+      <p:pic>
+        <p:nvPicPr>
+          <p:cNvPr id="10" name="Graphique 9" descr="Horloge">
+            <a:extLst>
+              <a:ext uri="{FF2B5EF4-FFF2-40B4-BE49-F238E27FC236}">
+                <a16:creationId xmlns:a16="http://schemas.microsoft.com/office/drawing/2014/main" id="{479E69F6-6BE9-4170-BB96-7D173C73EC8F}"/>
+              </a:ext>
+            </a:extLst>
+          </p:cNvPr>
+          <p:cNvPicPr>
+            <a:picLocks noChangeAspect="1"/>
+          </p:cNvPicPr>
+          <p:nvPr/>
+        </p:nvPicPr>
+        <p:blipFill>
+          <a:blip r:embed="rId6">
+            <a:extLst>
+              <a:ext uri="{96DAC541-7B7A-43D3-8B79-37D633B846F1}">
+                <asvg:svgBlip xmlns:asvg="http://schemas.microsoft.com/office/drawing/2016/SVG/main" r:embed="rId7"/>
+              </a:ext>
+            </a:extLst>
+          </a:blip>
+          <a:stretch>
+            <a:fillRect/>
+          </a:stretch>
+        </p:blipFill>
+        <p:spPr>
+          <a:xfrm>
+            <a:off x="9011147" y="2989719"/>
+            <a:ext cx="914400" cy="914400"/>
+          </a:xfrm>
+          <a:prstGeom prst="rect">
+            <a:avLst/>
+          </a:prstGeom>
+        </p:spPr>
+      </p:pic>
+      <p:pic>
+        <p:nvPicPr>
+          <p:cNvPr id="12" name="Graphique 11" descr="Actualiser">
+            <a:extLst>
+              <a:ext uri="{FF2B5EF4-FFF2-40B4-BE49-F238E27FC236}">
+                <a16:creationId xmlns:a16="http://schemas.microsoft.com/office/drawing/2014/main" id="{9489F746-EE44-4F66-8664-D00408CD640E}"/>
+              </a:ext>
+            </a:extLst>
+          </p:cNvPr>
+          <p:cNvPicPr>
+            <a:picLocks noChangeAspect="1"/>
+          </p:cNvPicPr>
+          <p:nvPr/>
+        </p:nvPicPr>
+        <p:blipFill>
+          <a:blip r:embed="rId8">
+            <a:extLst>
+              <a:ext uri="{96DAC541-7B7A-43D3-8B79-37D633B846F1}">
+                <asvg:svgBlip xmlns:asvg="http://schemas.microsoft.com/office/drawing/2016/SVG/main" r:embed="rId9"/>
+              </a:ext>
+            </a:extLst>
+          </a:blip>
+          <a:stretch>
+            <a:fillRect/>
+          </a:stretch>
+        </p:blipFill>
+        <p:spPr>
+          <a:xfrm>
+            <a:off x="9161147" y="3139719"/>
+            <a:ext cx="914400" cy="914400"/>
+          </a:xfrm>
+          <a:prstGeom prst="rect">
+            <a:avLst/>
+          </a:prstGeom>
+        </p:spPr>
+      </p:pic>
+      <p:pic>
+        <p:nvPicPr>
+          <p:cNvPr id="17" name="Graphique 16" descr="Tête avec engrenages">
+            <a:extLst>
+              <a:ext uri="{FF2B5EF4-FFF2-40B4-BE49-F238E27FC236}">
+                <a16:creationId xmlns:a16="http://schemas.microsoft.com/office/drawing/2014/main" id="{CAC4CC61-8AA2-42E5-953B-592A704E2740}"/>
+              </a:ext>
+            </a:extLst>
+          </p:cNvPr>
+          <p:cNvPicPr>
+            <a:picLocks noChangeAspect="1"/>
+          </p:cNvPicPr>
+          <p:nvPr/>
+        </p:nvPicPr>
+        <p:blipFill>
+          <a:blip r:embed="rId10">
+            <a:extLst>
+              <a:ext uri="{96DAC541-7B7A-43D3-8B79-37D633B846F1}">
+                <asvg:svgBlip xmlns:asvg="http://schemas.microsoft.com/office/drawing/2016/SVG/main" r:embed="rId11"/>
+              </a:ext>
+            </a:extLst>
+          </a:blip>
+          <a:stretch>
+            <a:fillRect/>
+          </a:stretch>
+        </p:blipFill>
+        <p:spPr>
+          <a:xfrm>
+            <a:off x="9696729" y="3801617"/>
+            <a:ext cx="914400" cy="914400"/>
+          </a:xfrm>
+          <a:prstGeom prst="rect">
+            <a:avLst/>
+          </a:prstGeom>
+        </p:spPr>
+      </p:pic>
     </p:spTree>
     <p:extLst>
       <p:ext uri="{BB962C8B-B14F-4D97-AF65-F5344CB8AC3E}">

--- a/SAI_presentation.pptx
+++ b/SAI_presentation.pptx
@@ -6942,7 +6942,7 @@
             <a:fld id="{B61BEF0D-F0BB-DE4B-95CE-6DB70DBA9567}" type="datetimeFigureOut">
               <a:rPr lang="en-US" dirty="0"/>
               <a:pPr/>
-              <a:t>3/28/2020</a:t>
+              <a:t>3/29/2020</a:t>
             </a:fld>
             <a:endParaRPr lang="en-US" dirty="0"/>
           </a:p>
@@ -7375,7 +7375,7 @@
             <a:fld id="{B61BEF0D-F0BB-DE4B-95CE-6DB70DBA9567}" type="datetimeFigureOut">
               <a:rPr lang="en-US" dirty="0"/>
               <a:pPr/>
-              <a:t>3/28/2020</a:t>
+              <a:t>3/29/2020</a:t>
             </a:fld>
             <a:endParaRPr lang="en-US" dirty="0"/>
           </a:p>
@@ -7622,7 +7622,7 @@
             <a:fld id="{B61BEF0D-F0BB-DE4B-95CE-6DB70DBA9567}" type="datetimeFigureOut">
               <a:rPr lang="en-US" dirty="0"/>
               <a:pPr/>
-              <a:t>3/28/2020</a:t>
+              <a:t>3/29/2020</a:t>
             </a:fld>
             <a:endParaRPr lang="en-US" dirty="0"/>
           </a:p>
@@ -7927,7 +7927,7 @@
             <a:fld id="{B61BEF0D-F0BB-DE4B-95CE-6DB70DBA9567}" type="datetimeFigureOut">
               <a:rPr lang="en-US" dirty="0"/>
               <a:pPr/>
-              <a:t>3/28/2020</a:t>
+              <a:t>3/29/2020</a:t>
             </a:fld>
             <a:endParaRPr lang="en-US" dirty="0"/>
           </a:p>
@@ -8242,7 +8242,7 @@
             <a:fld id="{B61BEF0D-F0BB-DE4B-95CE-6DB70DBA9567}" type="datetimeFigureOut">
               <a:rPr lang="en-US" dirty="0"/>
               <a:pPr/>
-              <a:t>3/28/2020</a:t>
+              <a:t>3/29/2020</a:t>
             </a:fld>
             <a:endParaRPr lang="en-US" dirty="0"/>
           </a:p>
@@ -8541,7 +8541,7 @@
             <a:fld id="{B61BEF0D-F0BB-DE4B-95CE-6DB70DBA9567}" type="datetimeFigureOut">
               <a:rPr lang="en-US" dirty="0"/>
               <a:pPr/>
-              <a:t>3/28/2020</a:t>
+              <a:t>3/29/2020</a:t>
             </a:fld>
             <a:endParaRPr lang="en-US" dirty="0"/>
           </a:p>
@@ -8905,7 +8905,7 @@
             <a:fld id="{B61BEF0D-F0BB-DE4B-95CE-6DB70DBA9567}" type="datetimeFigureOut">
               <a:rPr lang="en-US" dirty="0"/>
               <a:pPr/>
-              <a:t>3/28/2020</a:t>
+              <a:t>3/29/2020</a:t>
             </a:fld>
             <a:endParaRPr lang="en-US" dirty="0"/>
           </a:p>
@@ -9076,7 +9076,7 @@
             <a:fld id="{B61BEF0D-F0BB-DE4B-95CE-6DB70DBA9567}" type="datetimeFigureOut">
               <a:rPr lang="en-US" dirty="0"/>
               <a:pPr/>
-              <a:t>3/28/2020</a:t>
+              <a:t>3/29/2020</a:t>
             </a:fld>
             <a:endParaRPr lang="en-US" dirty="0"/>
           </a:p>
@@ -9253,7 +9253,7 @@
             <a:fld id="{B61BEF0D-F0BB-DE4B-95CE-6DB70DBA9567}" type="datetimeFigureOut">
               <a:rPr lang="en-US" dirty="0"/>
               <a:pPr/>
-              <a:t>3/28/2020</a:t>
+              <a:t>3/29/2020</a:t>
             </a:fld>
             <a:endParaRPr lang="en-US" dirty="0"/>
           </a:p>
@@ -9420,7 +9420,7 @@
             <a:fld id="{B61BEF0D-F0BB-DE4B-95CE-6DB70DBA9567}" type="datetimeFigureOut">
               <a:rPr lang="en-US" dirty="0"/>
               <a:pPr/>
-              <a:t>3/28/2020</a:t>
+              <a:t>3/29/2020</a:t>
             </a:fld>
             <a:endParaRPr lang="en-US" dirty="0"/>
           </a:p>
@@ -9667,7 +9667,7 @@
             <a:fld id="{B61BEF0D-F0BB-DE4B-95CE-6DB70DBA9567}" type="datetimeFigureOut">
               <a:rPr lang="en-US" dirty="0"/>
               <a:pPr/>
-              <a:t>3/28/2020</a:t>
+              <a:t>3/29/2020</a:t>
             </a:fld>
             <a:endParaRPr lang="en-US" dirty="0"/>
           </a:p>
@@ -9900,7 +9900,7 @@
             <a:fld id="{B61BEF0D-F0BB-DE4B-95CE-6DB70DBA9567}" type="datetimeFigureOut">
               <a:rPr lang="en-US" dirty="0"/>
               <a:pPr/>
-              <a:t>3/28/2020</a:t>
+              <a:t>3/29/2020</a:t>
             </a:fld>
             <a:endParaRPr lang="en-US" dirty="0"/>
           </a:p>
@@ -10279,7 +10279,7 @@
             <a:fld id="{B61BEF0D-F0BB-DE4B-95CE-6DB70DBA9567}" type="datetimeFigureOut">
               <a:rPr lang="en-US" dirty="0"/>
               <a:pPr/>
-              <a:t>3/28/2020</a:t>
+              <a:t>3/29/2020</a:t>
             </a:fld>
             <a:endParaRPr lang="en-US" dirty="0"/>
           </a:p>
@@ -10394,7 +10394,7 @@
             <a:fld id="{B61BEF0D-F0BB-DE4B-95CE-6DB70DBA9567}" type="datetimeFigureOut">
               <a:rPr lang="en-US" dirty="0"/>
               <a:pPr/>
-              <a:t>3/28/2020</a:t>
+              <a:t>3/29/2020</a:t>
             </a:fld>
             <a:endParaRPr lang="en-US" dirty="0"/>
           </a:p>
@@ -10486,7 +10486,7 @@
             <a:fld id="{B61BEF0D-F0BB-DE4B-95CE-6DB70DBA9567}" type="datetimeFigureOut">
               <a:rPr lang="en-US" dirty="0"/>
               <a:pPr/>
-              <a:t>3/28/2020</a:t>
+              <a:t>3/29/2020</a:t>
             </a:fld>
             <a:endParaRPr lang="en-US" dirty="0"/>
           </a:p>
@@ -10738,7 +10738,7 @@
             <a:fld id="{B61BEF0D-F0BB-DE4B-95CE-6DB70DBA9567}" type="datetimeFigureOut">
               <a:rPr lang="en-US" dirty="0"/>
               <a:pPr/>
-              <a:t>3/28/2020</a:t>
+              <a:t>3/29/2020</a:t>
             </a:fld>
             <a:endParaRPr lang="en-US" dirty="0"/>
           </a:p>
@@ -11018,7 +11018,7 @@
             <a:fld id="{B61BEF0D-F0BB-DE4B-95CE-6DB70DBA9567}" type="datetimeFigureOut">
               <a:rPr lang="en-US" dirty="0"/>
               <a:pPr/>
-              <a:t>3/28/2020</a:t>
+              <a:t>3/29/2020</a:t>
             </a:fld>
             <a:endParaRPr lang="en-US" dirty="0"/>
           </a:p>
@@ -11421,7 +11421,7 @@
             <a:fld id="{B61BEF0D-F0BB-DE4B-95CE-6DB70DBA9567}" type="datetimeFigureOut">
               <a:rPr lang="en-US" dirty="0"/>
               <a:pPr/>
-              <a:t>3/28/2020</a:t>
+              <a:t>3/29/2020</a:t>
             </a:fld>
             <a:endParaRPr lang="en-US" dirty="0"/>
           </a:p>
@@ -17701,21 +17701,61 @@
             </a:r>
             <a:r>
               <a:rPr lang="fr-FR" dirty="0"/>
-              <a:t> SAI record </a:t>
-            </a:r>
-            <a:r>
-              <a:rPr lang="fr-FR" dirty="0" err="1"/>
+              <a:t> </a:t>
+            </a:r>
+            <a:r>
+              <a:rPr lang="fr-FR" b="1" dirty="0">
+                <a:solidFill>
+                  <a:srgbClr val="FFC000"/>
+                </a:solidFill>
+              </a:rPr>
+              <a:t>SAI</a:t>
+            </a:r>
+            <a:r>
+              <a:rPr lang="fr-FR" dirty="0"/>
+              <a:t> record </a:t>
+            </a:r>
+            <a:r>
+              <a:rPr lang="fr-FR" b="1" dirty="0" err="1">
+                <a:solidFill>
+                  <a:schemeClr val="accent3">
+                    <a:lumMod val="60000"/>
+                    <a:lumOff val="40000"/>
+                  </a:schemeClr>
+                </a:solidFill>
+              </a:rPr>
               <a:t>during</a:t>
             </a:r>
             <a:r>
-              <a:rPr lang="fr-FR" dirty="0"/>
+              <a:rPr lang="fr-FR" b="1" dirty="0">
+                <a:solidFill>
+                  <a:schemeClr val="accent3">
+                    <a:lumMod val="60000"/>
+                    <a:lumOff val="40000"/>
+                  </a:schemeClr>
+                </a:solidFill>
+              </a:rPr>
               <a:t> the </a:t>
             </a:r>
             <a:r>
-              <a:rPr lang="fr-FR" dirty="0" err="1"/>
+              <a:rPr lang="fr-FR" b="1" dirty="0" err="1">
+                <a:solidFill>
+                  <a:schemeClr val="accent3">
+                    <a:lumMod val="60000"/>
+                    <a:lumOff val="40000"/>
+                  </a:schemeClr>
+                </a:solidFill>
+              </a:rPr>
               <a:t>day</a:t>
             </a:r>
-            <a:endParaRPr lang="fr-FR" dirty="0"/>
+            <a:endParaRPr lang="fr-FR" b="1" dirty="0">
+              <a:solidFill>
+                <a:schemeClr val="accent3">
+                  <a:lumMod val="60000"/>
+                  <a:lumOff val="40000"/>
+                </a:schemeClr>
+              </a:solidFill>
+            </a:endParaRPr>
           </a:p>
           <a:p>
             <a:r>
@@ -17806,7 +17846,7 @@
         </p:blipFill>
         <p:spPr>
           <a:xfrm>
-            <a:off x="5485349" y="3843867"/>
+            <a:off x="5028149" y="4248269"/>
             <a:ext cx="914400" cy="914400"/>
           </a:xfrm>
           <a:prstGeom prst="rect">
@@ -17842,7 +17882,7 @@
         </p:blipFill>
         <p:spPr>
           <a:xfrm>
-            <a:off x="5963466" y="4620703"/>
+            <a:off x="5506266" y="5025105"/>
             <a:ext cx="914400" cy="914400"/>
           </a:xfrm>
           <a:prstGeom prst="rect">
@@ -17878,7 +17918,7 @@
         </p:blipFill>
         <p:spPr>
           <a:xfrm>
-            <a:off x="6499841" y="3843867"/>
+            <a:off x="6042641" y="4248269"/>
             <a:ext cx="914400" cy="914400"/>
           </a:xfrm>
           <a:prstGeom prst="rect">
@@ -17914,7 +17954,7 @@
         </p:blipFill>
         <p:spPr>
           <a:xfrm>
-            <a:off x="9011147" y="2989719"/>
+            <a:off x="8761411" y="2319245"/>
             <a:ext cx="914400" cy="914400"/>
           </a:xfrm>
           <a:prstGeom prst="rect">
@@ -17950,7 +17990,7 @@
         </p:blipFill>
         <p:spPr>
           <a:xfrm>
-            <a:off x="9161147" y="3139719"/>
+            <a:off x="7961576" y="2587098"/>
             <a:ext cx="914400" cy="914400"/>
           </a:xfrm>
           <a:prstGeom prst="rect">
@@ -17986,7 +18026,7 @@
         </p:blipFill>
         <p:spPr>
           <a:xfrm>
-            <a:off x="9696729" y="3801617"/>
+            <a:off x="3363556" y="4030132"/>
             <a:ext cx="914400" cy="914400"/>
           </a:xfrm>
           <a:prstGeom prst="rect">

--- a/SAI_presentation.pptx
+++ b/SAI_presentation.pptx
@@ -17713,7 +17713,21 @@
             </a:r>
             <a:r>
               <a:rPr lang="fr-FR" dirty="0"/>
-              <a:t> record </a:t>
+              <a:t> </a:t>
+            </a:r>
+            <a:r>
+              <a:rPr lang="fr-FR" b="1" dirty="0">
+                <a:solidFill>
+                  <a:schemeClr val="tx1">
+                    <a:lumMod val="85000"/>
+                  </a:schemeClr>
+                </a:solidFill>
+              </a:rPr>
+              <a:t>record</a:t>
+            </a:r>
+            <a:r>
+              <a:rPr lang="fr-FR" dirty="0"/>
+              <a:t> </a:t>
             </a:r>
             <a:r>
               <a:rPr lang="fr-FR" b="1" dirty="0" err="1">
@@ -18026,7 +18040,7 @@
         </p:blipFill>
         <p:spPr>
           <a:xfrm>
-            <a:off x="3363556" y="4030132"/>
+            <a:off x="2973388" y="3863592"/>
             <a:ext cx="914400" cy="914400"/>
           </a:xfrm>
           <a:prstGeom prst="rect">
@@ -18034,6 +18048,141 @@
           </a:prstGeom>
         </p:spPr>
       </p:pic>
+      <p:cxnSp>
+        <p:nvCxnSpPr>
+          <p:cNvPr id="11" name="Connecteur droit avec flèche 10">
+            <a:extLst>
+              <a:ext uri="{FF2B5EF4-FFF2-40B4-BE49-F238E27FC236}">
+                <a16:creationId xmlns:a16="http://schemas.microsoft.com/office/drawing/2014/main" id="{49046588-8882-40B8-AFD8-13FBAD213412}"/>
+              </a:ext>
+            </a:extLst>
+          </p:cNvPr>
+          <p:cNvCxnSpPr/>
+          <p:nvPr/>
+        </p:nvCxnSpPr>
+        <p:spPr>
+          <a:xfrm>
+            <a:off x="4012707" y="4487332"/>
+            <a:ext cx="1493559" cy="857025"/>
+          </a:xfrm>
+          <a:prstGeom prst="straightConnector1">
+            <a:avLst/>
+          </a:prstGeom>
+          <a:ln>
+            <a:solidFill>
+              <a:schemeClr val="tx1">
+                <a:lumMod val="85000"/>
+                <a:alpha val="60000"/>
+              </a:schemeClr>
+            </a:solidFill>
+            <a:tailEnd type="triangle"/>
+          </a:ln>
+        </p:spPr>
+        <p:style>
+          <a:lnRef idx="1">
+            <a:schemeClr val="accent1"/>
+          </a:lnRef>
+          <a:fillRef idx="0">
+            <a:schemeClr val="accent1"/>
+          </a:fillRef>
+          <a:effectRef idx="0">
+            <a:schemeClr val="accent1"/>
+          </a:effectRef>
+          <a:fontRef idx="minor">
+            <a:schemeClr val="tx1"/>
+          </a:fontRef>
+        </p:style>
+      </p:cxnSp>
+      <p:cxnSp>
+        <p:nvCxnSpPr>
+          <p:cNvPr id="14" name="Connecteur droit avec flèche 13">
+            <a:extLst>
+              <a:ext uri="{FF2B5EF4-FFF2-40B4-BE49-F238E27FC236}">
+                <a16:creationId xmlns:a16="http://schemas.microsoft.com/office/drawing/2014/main" id="{A8DB9E10-DB04-4D81-B1EF-92D338CE39DA}"/>
+              </a:ext>
+            </a:extLst>
+          </p:cNvPr>
+          <p:cNvCxnSpPr/>
+          <p:nvPr/>
+        </p:nvCxnSpPr>
+        <p:spPr>
+          <a:xfrm>
+            <a:off x="4012707" y="4248269"/>
+            <a:ext cx="2029934" cy="239063"/>
+          </a:xfrm>
+          <a:prstGeom prst="straightConnector1">
+            <a:avLst/>
+          </a:prstGeom>
+          <a:ln>
+            <a:solidFill>
+              <a:schemeClr val="tx1">
+                <a:lumMod val="85000"/>
+                <a:alpha val="60000"/>
+              </a:schemeClr>
+            </a:solidFill>
+            <a:tailEnd type="triangle"/>
+          </a:ln>
+        </p:spPr>
+        <p:style>
+          <a:lnRef idx="1">
+            <a:schemeClr val="accent1"/>
+          </a:lnRef>
+          <a:fillRef idx="0">
+            <a:schemeClr val="accent1"/>
+          </a:fillRef>
+          <a:effectRef idx="0">
+            <a:schemeClr val="accent1"/>
+          </a:effectRef>
+          <a:fontRef idx="minor">
+            <a:schemeClr val="tx1"/>
+          </a:fontRef>
+        </p:style>
+      </p:cxnSp>
+      <p:cxnSp>
+        <p:nvCxnSpPr>
+          <p:cNvPr id="16" name="Connecteur droit avec flèche 15">
+            <a:extLst>
+              <a:ext uri="{FF2B5EF4-FFF2-40B4-BE49-F238E27FC236}">
+                <a16:creationId xmlns:a16="http://schemas.microsoft.com/office/drawing/2014/main" id="{8119E420-423A-45B3-A215-0D0CB95A378F}"/>
+              </a:ext>
+            </a:extLst>
+          </p:cNvPr>
+          <p:cNvCxnSpPr/>
+          <p:nvPr/>
+        </p:nvCxnSpPr>
+        <p:spPr>
+          <a:xfrm>
+            <a:off x="4012707" y="4367800"/>
+            <a:ext cx="938705" cy="239711"/>
+          </a:xfrm>
+          <a:prstGeom prst="straightConnector1">
+            <a:avLst/>
+          </a:prstGeom>
+          <a:ln>
+            <a:solidFill>
+              <a:schemeClr val="tx1">
+                <a:lumMod val="85000"/>
+                <a:alpha val="60000"/>
+              </a:schemeClr>
+            </a:solidFill>
+            <a:tailEnd type="triangle"/>
+          </a:ln>
+        </p:spPr>
+        <p:style>
+          <a:lnRef idx="1">
+            <a:schemeClr val="accent1"/>
+          </a:lnRef>
+          <a:fillRef idx="0">
+            <a:schemeClr val="accent1"/>
+          </a:fillRef>
+          <a:effectRef idx="0">
+            <a:schemeClr val="accent1"/>
+          </a:effectRef>
+          <a:fontRef idx="minor">
+            <a:schemeClr val="tx1"/>
+          </a:fontRef>
+        </p:style>
+      </p:cxnSp>
     </p:spTree>
     <p:extLst>
       <p:ext uri="{BB962C8B-B14F-4D97-AF65-F5344CB8AC3E}">

--- a/SAI_presentation.pptx
+++ b/SAI_presentation.pptx
@@ -17968,7 +17968,7 @@
         </p:blipFill>
         <p:spPr>
           <a:xfrm>
-            <a:off x="8761411" y="2319245"/>
+            <a:off x="7944505" y="2602536"/>
             <a:ext cx="914400" cy="914400"/>
           </a:xfrm>
           <a:prstGeom prst="rect">
@@ -18004,8 +18004,8 @@
         </p:blipFill>
         <p:spPr>
           <a:xfrm>
-            <a:off x="7961576" y="2587098"/>
-            <a:ext cx="914400" cy="914400"/>
+            <a:off x="6671159" y="3059736"/>
+            <a:ext cx="571764" cy="571764"/>
           </a:xfrm>
           <a:prstGeom prst="rect">
             <a:avLst/>
@@ -18162,6 +18162,55 @@
             <a:solidFill>
               <a:schemeClr val="tx1">
                 <a:lumMod val="85000"/>
+                <a:alpha val="60000"/>
+              </a:schemeClr>
+            </a:solidFill>
+            <a:tailEnd type="triangle"/>
+          </a:ln>
+        </p:spPr>
+        <p:style>
+          <a:lnRef idx="1">
+            <a:schemeClr val="accent1"/>
+          </a:lnRef>
+          <a:fillRef idx="0">
+            <a:schemeClr val="accent1"/>
+          </a:fillRef>
+          <a:effectRef idx="0">
+            <a:schemeClr val="accent1"/>
+          </a:effectRef>
+          <a:fontRef idx="minor">
+            <a:schemeClr val="tx1"/>
+          </a:fontRef>
+        </p:style>
+      </p:cxnSp>
+      <p:cxnSp>
+        <p:nvCxnSpPr>
+          <p:cNvPr id="13" name="Connecteur droit avec flèche 12">
+            <a:extLst>
+              <a:ext uri="{FF2B5EF4-FFF2-40B4-BE49-F238E27FC236}">
+                <a16:creationId xmlns:a16="http://schemas.microsoft.com/office/drawing/2014/main" id="{FD02414A-A8CC-49B9-852E-816555F7BD14}"/>
+              </a:ext>
+            </a:extLst>
+          </p:cNvPr>
+          <p:cNvCxnSpPr>
+            <a:cxnSpLocks/>
+            <a:stCxn id="12" idx="3"/>
+          </p:cNvCxnSpPr>
+          <p:nvPr/>
+        </p:nvCxnSpPr>
+        <p:spPr>
+          <a:xfrm flipV="1">
+            <a:off x="7242923" y="3222596"/>
+            <a:ext cx="629666" cy="123022"/>
+          </a:xfrm>
+          <a:prstGeom prst="straightConnector1">
+            <a:avLst/>
+          </a:prstGeom>
+          <a:ln>
+            <a:solidFill>
+              <a:schemeClr val="accent3">
+                <a:lumMod val="40000"/>
+                <a:lumOff val="60000"/>
                 <a:alpha val="60000"/>
               </a:schemeClr>
             </a:solidFill>

--- a/SAI_presentation.pptx
+++ b/SAI_presentation.pptx
@@ -6942,7 +6942,7 @@
             <a:fld id="{B61BEF0D-F0BB-DE4B-95CE-6DB70DBA9567}" type="datetimeFigureOut">
               <a:rPr lang="en-US" dirty="0"/>
               <a:pPr/>
-              <a:t>3/29/2020</a:t>
+              <a:t>3/30/2020</a:t>
             </a:fld>
             <a:endParaRPr lang="en-US" dirty="0"/>
           </a:p>
@@ -7375,7 +7375,7 @@
             <a:fld id="{B61BEF0D-F0BB-DE4B-95CE-6DB70DBA9567}" type="datetimeFigureOut">
               <a:rPr lang="en-US" dirty="0"/>
               <a:pPr/>
-              <a:t>3/29/2020</a:t>
+              <a:t>3/30/2020</a:t>
             </a:fld>
             <a:endParaRPr lang="en-US" dirty="0"/>
           </a:p>
@@ -7622,7 +7622,7 @@
             <a:fld id="{B61BEF0D-F0BB-DE4B-95CE-6DB70DBA9567}" type="datetimeFigureOut">
               <a:rPr lang="en-US" dirty="0"/>
               <a:pPr/>
-              <a:t>3/29/2020</a:t>
+              <a:t>3/30/2020</a:t>
             </a:fld>
             <a:endParaRPr lang="en-US" dirty="0"/>
           </a:p>
@@ -7927,7 +7927,7 @@
             <a:fld id="{B61BEF0D-F0BB-DE4B-95CE-6DB70DBA9567}" type="datetimeFigureOut">
               <a:rPr lang="en-US" dirty="0"/>
               <a:pPr/>
-              <a:t>3/29/2020</a:t>
+              <a:t>3/30/2020</a:t>
             </a:fld>
             <a:endParaRPr lang="en-US" dirty="0"/>
           </a:p>
@@ -8242,7 +8242,7 @@
             <a:fld id="{B61BEF0D-F0BB-DE4B-95CE-6DB70DBA9567}" type="datetimeFigureOut">
               <a:rPr lang="en-US" dirty="0"/>
               <a:pPr/>
-              <a:t>3/29/2020</a:t>
+              <a:t>3/30/2020</a:t>
             </a:fld>
             <a:endParaRPr lang="en-US" dirty="0"/>
           </a:p>
@@ -8541,7 +8541,7 @@
             <a:fld id="{B61BEF0D-F0BB-DE4B-95CE-6DB70DBA9567}" type="datetimeFigureOut">
               <a:rPr lang="en-US" dirty="0"/>
               <a:pPr/>
-              <a:t>3/29/2020</a:t>
+              <a:t>3/30/2020</a:t>
             </a:fld>
             <a:endParaRPr lang="en-US" dirty="0"/>
           </a:p>
@@ -8905,7 +8905,7 @@
             <a:fld id="{B61BEF0D-F0BB-DE4B-95CE-6DB70DBA9567}" type="datetimeFigureOut">
               <a:rPr lang="en-US" dirty="0"/>
               <a:pPr/>
-              <a:t>3/29/2020</a:t>
+              <a:t>3/30/2020</a:t>
             </a:fld>
             <a:endParaRPr lang="en-US" dirty="0"/>
           </a:p>
@@ -9076,7 +9076,7 @@
             <a:fld id="{B61BEF0D-F0BB-DE4B-95CE-6DB70DBA9567}" type="datetimeFigureOut">
               <a:rPr lang="en-US" dirty="0"/>
               <a:pPr/>
-              <a:t>3/29/2020</a:t>
+              <a:t>3/30/2020</a:t>
             </a:fld>
             <a:endParaRPr lang="en-US" dirty="0"/>
           </a:p>
@@ -9253,7 +9253,7 @@
             <a:fld id="{B61BEF0D-F0BB-DE4B-95CE-6DB70DBA9567}" type="datetimeFigureOut">
               <a:rPr lang="en-US" dirty="0"/>
               <a:pPr/>
-              <a:t>3/29/2020</a:t>
+              <a:t>3/30/2020</a:t>
             </a:fld>
             <a:endParaRPr lang="en-US" dirty="0"/>
           </a:p>
@@ -9420,7 +9420,7 @@
             <a:fld id="{B61BEF0D-F0BB-DE4B-95CE-6DB70DBA9567}" type="datetimeFigureOut">
               <a:rPr lang="en-US" dirty="0"/>
               <a:pPr/>
-              <a:t>3/29/2020</a:t>
+              <a:t>3/30/2020</a:t>
             </a:fld>
             <a:endParaRPr lang="en-US" dirty="0"/>
           </a:p>
@@ -9667,7 +9667,7 @@
             <a:fld id="{B61BEF0D-F0BB-DE4B-95CE-6DB70DBA9567}" type="datetimeFigureOut">
               <a:rPr lang="en-US" dirty="0"/>
               <a:pPr/>
-              <a:t>3/29/2020</a:t>
+              <a:t>3/30/2020</a:t>
             </a:fld>
             <a:endParaRPr lang="en-US" dirty="0"/>
           </a:p>
@@ -9900,7 +9900,7 @@
             <a:fld id="{B61BEF0D-F0BB-DE4B-95CE-6DB70DBA9567}" type="datetimeFigureOut">
               <a:rPr lang="en-US" dirty="0"/>
               <a:pPr/>
-              <a:t>3/29/2020</a:t>
+              <a:t>3/30/2020</a:t>
             </a:fld>
             <a:endParaRPr lang="en-US" dirty="0"/>
           </a:p>
@@ -10279,7 +10279,7 @@
             <a:fld id="{B61BEF0D-F0BB-DE4B-95CE-6DB70DBA9567}" type="datetimeFigureOut">
               <a:rPr lang="en-US" dirty="0"/>
               <a:pPr/>
-              <a:t>3/29/2020</a:t>
+              <a:t>3/30/2020</a:t>
             </a:fld>
             <a:endParaRPr lang="en-US" dirty="0"/>
           </a:p>
@@ -10394,7 +10394,7 @@
             <a:fld id="{B61BEF0D-F0BB-DE4B-95CE-6DB70DBA9567}" type="datetimeFigureOut">
               <a:rPr lang="en-US" dirty="0"/>
               <a:pPr/>
-              <a:t>3/29/2020</a:t>
+              <a:t>3/30/2020</a:t>
             </a:fld>
             <a:endParaRPr lang="en-US" dirty="0"/>
           </a:p>
@@ -10486,7 +10486,7 @@
             <a:fld id="{B61BEF0D-F0BB-DE4B-95CE-6DB70DBA9567}" type="datetimeFigureOut">
               <a:rPr lang="en-US" dirty="0"/>
               <a:pPr/>
-              <a:t>3/29/2020</a:t>
+              <a:t>3/30/2020</a:t>
             </a:fld>
             <a:endParaRPr lang="en-US" dirty="0"/>
           </a:p>
@@ -10738,7 +10738,7 @@
             <a:fld id="{B61BEF0D-F0BB-DE4B-95CE-6DB70DBA9567}" type="datetimeFigureOut">
               <a:rPr lang="en-US" dirty="0"/>
               <a:pPr/>
-              <a:t>3/29/2020</a:t>
+              <a:t>3/30/2020</a:t>
             </a:fld>
             <a:endParaRPr lang="en-US" dirty="0"/>
           </a:p>
@@ -11018,7 +11018,7 @@
             <a:fld id="{B61BEF0D-F0BB-DE4B-95CE-6DB70DBA9567}" type="datetimeFigureOut">
               <a:rPr lang="en-US" dirty="0"/>
               <a:pPr/>
-              <a:t>3/29/2020</a:t>
+              <a:t>3/30/2020</a:t>
             </a:fld>
             <a:endParaRPr lang="en-US" dirty="0"/>
           </a:p>
@@ -11421,7 +11421,7 @@
             <a:fld id="{B61BEF0D-F0BB-DE4B-95CE-6DB70DBA9567}" type="datetimeFigureOut">
               <a:rPr lang="en-US" dirty="0"/>
               <a:pPr/>
-              <a:t>3/29/2020</a:t>
+              <a:t>3/30/2020</a:t>
             </a:fld>
             <a:endParaRPr lang="en-US" dirty="0"/>
           </a:p>
@@ -17771,29 +17771,6 @@
               </a:solidFill>
             </a:endParaRPr>
           </a:p>
-          <a:p>
-            <a:r>
-              <a:rPr lang="fr-FR" dirty="0" err="1"/>
-              <a:t>Explain</a:t>
-            </a:r>
-            <a:r>
-              <a:rPr lang="fr-FR" dirty="0"/>
-              <a:t> </a:t>
-            </a:r>
-            <a:r>
-              <a:rPr lang="fr-FR" dirty="0" err="1"/>
-              <a:t>with</a:t>
-            </a:r>
-            <a:r>
-              <a:rPr lang="fr-FR" dirty="0"/>
-              <a:t> a </a:t>
-            </a:r>
-            <a:r>
-              <a:rPr lang="fr-FR" dirty="0" err="1"/>
-              <a:t>schema</a:t>
-            </a:r>
-            <a:endParaRPr lang="en-GB" dirty="0"/>
-          </a:p>
         </p:txBody>
       </p:sp>
       <p:pic>
@@ -18407,13 +18384,386 @@
               <a:t> a </a:t>
             </a:r>
             <a:r>
-              <a:rPr lang="fr-FR"/>
+              <a:rPr lang="fr-FR" dirty="0" err="1"/>
               <a:t>schema</a:t>
             </a:r>
-            <a:endParaRPr lang="en-GB"/>
+            <a:endParaRPr lang="en-GB" dirty="0"/>
           </a:p>
         </p:txBody>
       </p:sp>
+      <p:sp>
+        <p:nvSpPr>
+          <p:cNvPr id="4" name="Rectangle 3">
+            <a:extLst>
+              <a:ext uri="{FF2B5EF4-FFF2-40B4-BE49-F238E27FC236}">
+                <a16:creationId xmlns:a16="http://schemas.microsoft.com/office/drawing/2014/main" id="{64413460-5A15-4874-858D-35057B41DD79}"/>
+              </a:ext>
+            </a:extLst>
+          </p:cNvPr>
+          <p:cNvSpPr/>
+          <p:nvPr/>
+        </p:nvSpPr>
+        <p:spPr>
+          <a:xfrm>
+            <a:off x="5430541" y="2730615"/>
+            <a:ext cx="2689934" cy="3719744"/>
+          </a:xfrm>
+          <a:prstGeom prst="rect">
+            <a:avLst/>
+          </a:prstGeom>
+          <a:solidFill>
+            <a:schemeClr val="tx1">
+              <a:lumMod val="95000"/>
+            </a:schemeClr>
+          </a:solidFill>
+          <a:ln>
+            <a:solidFill>
+              <a:schemeClr val="tx1">
+                <a:lumMod val="95000"/>
+              </a:schemeClr>
+            </a:solidFill>
+          </a:ln>
+        </p:spPr>
+        <p:style>
+          <a:lnRef idx="2">
+            <a:schemeClr val="accent1">
+              <a:shade val="50000"/>
+            </a:schemeClr>
+          </a:lnRef>
+          <a:fillRef idx="1">
+            <a:schemeClr val="accent1"/>
+          </a:fillRef>
+          <a:effectRef idx="0">
+            <a:schemeClr val="accent1"/>
+          </a:effectRef>
+          <a:fontRef idx="minor">
+            <a:schemeClr val="lt1"/>
+          </a:fontRef>
+        </p:style>
+        <p:txBody>
+          <a:bodyPr rtlCol="0" anchor="ctr"/>
+          <a:lstStyle/>
+          <a:p>
+            <a:pPr algn="ctr"/>
+            <a:endParaRPr lang="en-GB"/>
+          </a:p>
+        </p:txBody>
+      </p:sp>
+      <p:pic>
+        <p:nvPicPr>
+          <p:cNvPr id="5" name="Graphique 4" descr="Monde">
+            <a:extLst>
+              <a:ext uri="{FF2B5EF4-FFF2-40B4-BE49-F238E27FC236}">
+                <a16:creationId xmlns:a16="http://schemas.microsoft.com/office/drawing/2014/main" id="{D9F63643-CA9D-4FB8-8F6F-98B64A36E37D}"/>
+              </a:ext>
+            </a:extLst>
+          </p:cNvPr>
+          <p:cNvPicPr>
+            <a:picLocks noChangeAspect="1"/>
+          </p:cNvPicPr>
+          <p:nvPr/>
+        </p:nvPicPr>
+        <p:blipFill>
+          <a:blip r:embed="rId2">
+            <a:extLst>
+              <a:ext uri="{96DAC541-7B7A-43D3-8B79-37D633B846F1}">
+                <asvg:svgBlip xmlns:asvg="http://schemas.microsoft.com/office/drawing/2016/SVG/main" r:embed="rId3"/>
+              </a:ext>
+            </a:extLst>
+          </a:blip>
+          <a:stretch>
+            <a:fillRect/>
+          </a:stretch>
+        </p:blipFill>
+        <p:spPr>
+          <a:xfrm>
+            <a:off x="5523076" y="2821939"/>
+            <a:ext cx="641781" cy="641781"/>
+          </a:xfrm>
+          <a:prstGeom prst="rect">
+            <a:avLst/>
+          </a:prstGeom>
+        </p:spPr>
+      </p:pic>
+      <p:pic>
+        <p:nvPicPr>
+          <p:cNvPr id="6" name="Graphique 5" descr="Ampoule et engrenage">
+            <a:extLst>
+              <a:ext uri="{FF2B5EF4-FFF2-40B4-BE49-F238E27FC236}">
+                <a16:creationId xmlns:a16="http://schemas.microsoft.com/office/drawing/2014/main" id="{0B4A8D7A-4CDC-4721-B4A2-E392D6359560}"/>
+              </a:ext>
+            </a:extLst>
+          </p:cNvPr>
+          <p:cNvPicPr>
+            <a:picLocks noChangeAspect="1"/>
+          </p:cNvPicPr>
+          <p:nvPr/>
+        </p:nvPicPr>
+        <p:blipFill>
+          <a:blip r:embed="rId4">
+            <a:extLst>
+              <a:ext uri="{96DAC541-7B7A-43D3-8B79-37D633B846F1}">
+                <asvg:svgBlip xmlns:asvg="http://schemas.microsoft.com/office/drawing/2016/SVG/main" r:embed="rId5"/>
+              </a:ext>
+            </a:extLst>
+          </a:blip>
+          <a:stretch>
+            <a:fillRect/>
+          </a:stretch>
+        </p:blipFill>
+        <p:spPr>
+          <a:xfrm>
+            <a:off x="5707657" y="4080489"/>
+            <a:ext cx="914400" cy="914400"/>
+          </a:xfrm>
+          <a:prstGeom prst="rect">
+            <a:avLst/>
+          </a:prstGeom>
+        </p:spPr>
+      </p:pic>
+      <p:pic>
+        <p:nvPicPr>
+          <p:cNvPr id="7" name="Graphique 6" descr="Ampoule et engrenage">
+            <a:extLst>
+              <a:ext uri="{FF2B5EF4-FFF2-40B4-BE49-F238E27FC236}">
+                <a16:creationId xmlns:a16="http://schemas.microsoft.com/office/drawing/2014/main" id="{CC2F196C-46B2-43F8-BBE0-697B73CF5F4D}"/>
+              </a:ext>
+            </a:extLst>
+          </p:cNvPr>
+          <p:cNvPicPr>
+            <a:picLocks noChangeAspect="1"/>
+          </p:cNvPicPr>
+          <p:nvPr/>
+        </p:nvPicPr>
+        <p:blipFill>
+          <a:blip r:embed="rId4">
+            <a:extLst>
+              <a:ext uri="{96DAC541-7B7A-43D3-8B79-37D633B846F1}">
+                <asvg:svgBlip xmlns:asvg="http://schemas.microsoft.com/office/drawing/2016/SVG/main" r:embed="rId5"/>
+              </a:ext>
+            </a:extLst>
+          </a:blip>
+          <a:stretch>
+            <a:fillRect/>
+          </a:stretch>
+        </p:blipFill>
+        <p:spPr>
+          <a:xfrm>
+            <a:off x="6185774" y="4857325"/>
+            <a:ext cx="914400" cy="914400"/>
+          </a:xfrm>
+          <a:prstGeom prst="rect">
+            <a:avLst/>
+          </a:prstGeom>
+        </p:spPr>
+      </p:pic>
+      <p:pic>
+        <p:nvPicPr>
+          <p:cNvPr id="8" name="Graphique 7" descr="Ampoule et engrenage">
+            <a:extLst>
+              <a:ext uri="{FF2B5EF4-FFF2-40B4-BE49-F238E27FC236}">
+                <a16:creationId xmlns:a16="http://schemas.microsoft.com/office/drawing/2014/main" id="{8A20387E-13B3-477D-8EBA-DC0B14E2E4C9}"/>
+              </a:ext>
+            </a:extLst>
+          </p:cNvPr>
+          <p:cNvPicPr>
+            <a:picLocks noChangeAspect="1"/>
+          </p:cNvPicPr>
+          <p:nvPr/>
+        </p:nvPicPr>
+        <p:blipFill>
+          <a:blip r:embed="rId4">
+            <a:extLst>
+              <a:ext uri="{96DAC541-7B7A-43D3-8B79-37D633B846F1}">
+                <asvg:svgBlip xmlns:asvg="http://schemas.microsoft.com/office/drawing/2016/SVG/main" r:embed="rId5"/>
+              </a:ext>
+            </a:extLst>
+          </a:blip>
+          <a:stretch>
+            <a:fillRect/>
+          </a:stretch>
+        </p:blipFill>
+        <p:spPr>
+          <a:xfrm>
+            <a:off x="6722149" y="4080489"/>
+            <a:ext cx="914400" cy="914400"/>
+          </a:xfrm>
+          <a:prstGeom prst="rect">
+            <a:avLst/>
+          </a:prstGeom>
+        </p:spPr>
+      </p:pic>
+      <p:pic>
+        <p:nvPicPr>
+          <p:cNvPr id="9" name="Graphique 8" descr="Tête avec engrenages">
+            <a:extLst>
+              <a:ext uri="{FF2B5EF4-FFF2-40B4-BE49-F238E27FC236}">
+                <a16:creationId xmlns:a16="http://schemas.microsoft.com/office/drawing/2014/main" id="{1A18EF52-3E85-46E2-94A7-ACFE71EE9F80}"/>
+              </a:ext>
+            </a:extLst>
+          </p:cNvPr>
+          <p:cNvPicPr>
+            <a:picLocks noChangeAspect="1"/>
+          </p:cNvPicPr>
+          <p:nvPr/>
+        </p:nvPicPr>
+        <p:blipFill>
+          <a:blip r:embed="rId6">
+            <a:extLst>
+              <a:ext uri="{96DAC541-7B7A-43D3-8B79-37D633B846F1}">
+                <asvg:svgBlip xmlns:asvg="http://schemas.microsoft.com/office/drawing/2016/SVG/main" r:embed="rId7"/>
+              </a:ext>
+            </a:extLst>
+          </a:blip>
+          <a:stretch>
+            <a:fillRect/>
+          </a:stretch>
+        </p:blipFill>
+        <p:spPr>
+          <a:xfrm>
+            <a:off x="3652896" y="3695812"/>
+            <a:ext cx="914400" cy="914400"/>
+          </a:xfrm>
+          <a:prstGeom prst="rect">
+            <a:avLst/>
+          </a:prstGeom>
+        </p:spPr>
+      </p:pic>
+      <p:cxnSp>
+        <p:nvCxnSpPr>
+          <p:cNvPr id="10" name="Connecteur droit avec flèche 9">
+            <a:extLst>
+              <a:ext uri="{FF2B5EF4-FFF2-40B4-BE49-F238E27FC236}">
+                <a16:creationId xmlns:a16="http://schemas.microsoft.com/office/drawing/2014/main" id="{11A88239-3F78-4E8E-80D1-7DBAAF35F143}"/>
+              </a:ext>
+            </a:extLst>
+          </p:cNvPr>
+          <p:cNvCxnSpPr/>
+          <p:nvPr/>
+        </p:nvCxnSpPr>
+        <p:spPr>
+          <a:xfrm>
+            <a:off x="4692215" y="4319552"/>
+            <a:ext cx="1493559" cy="857025"/>
+          </a:xfrm>
+          <a:prstGeom prst="straightConnector1">
+            <a:avLst/>
+          </a:prstGeom>
+          <a:ln>
+            <a:solidFill>
+              <a:schemeClr val="tx1">
+                <a:lumMod val="85000"/>
+                <a:alpha val="60000"/>
+              </a:schemeClr>
+            </a:solidFill>
+            <a:tailEnd type="triangle"/>
+          </a:ln>
+        </p:spPr>
+        <p:style>
+          <a:lnRef idx="1">
+            <a:schemeClr val="accent1"/>
+          </a:lnRef>
+          <a:fillRef idx="0">
+            <a:schemeClr val="accent1"/>
+          </a:fillRef>
+          <a:effectRef idx="0">
+            <a:schemeClr val="accent1"/>
+          </a:effectRef>
+          <a:fontRef idx="minor">
+            <a:schemeClr val="tx1"/>
+          </a:fontRef>
+        </p:style>
+      </p:cxnSp>
+      <p:cxnSp>
+        <p:nvCxnSpPr>
+          <p:cNvPr id="11" name="Connecteur droit avec flèche 10">
+            <a:extLst>
+              <a:ext uri="{FF2B5EF4-FFF2-40B4-BE49-F238E27FC236}">
+                <a16:creationId xmlns:a16="http://schemas.microsoft.com/office/drawing/2014/main" id="{2E3A1095-3C96-4071-BA14-802B2DB85EF6}"/>
+              </a:ext>
+            </a:extLst>
+          </p:cNvPr>
+          <p:cNvCxnSpPr/>
+          <p:nvPr/>
+        </p:nvCxnSpPr>
+        <p:spPr>
+          <a:xfrm>
+            <a:off x="4692215" y="4080489"/>
+            <a:ext cx="2029934" cy="239063"/>
+          </a:xfrm>
+          <a:prstGeom prst="straightConnector1">
+            <a:avLst/>
+          </a:prstGeom>
+          <a:ln>
+            <a:solidFill>
+              <a:schemeClr val="tx1">
+                <a:lumMod val="85000"/>
+                <a:alpha val="60000"/>
+              </a:schemeClr>
+            </a:solidFill>
+            <a:tailEnd type="triangle"/>
+          </a:ln>
+        </p:spPr>
+        <p:style>
+          <a:lnRef idx="1">
+            <a:schemeClr val="accent1"/>
+          </a:lnRef>
+          <a:fillRef idx="0">
+            <a:schemeClr val="accent1"/>
+          </a:fillRef>
+          <a:effectRef idx="0">
+            <a:schemeClr val="accent1"/>
+          </a:effectRef>
+          <a:fontRef idx="minor">
+            <a:schemeClr val="tx1"/>
+          </a:fontRef>
+        </p:style>
+      </p:cxnSp>
+      <p:cxnSp>
+        <p:nvCxnSpPr>
+          <p:cNvPr id="12" name="Connecteur droit avec flèche 11">
+            <a:extLst>
+              <a:ext uri="{FF2B5EF4-FFF2-40B4-BE49-F238E27FC236}">
+                <a16:creationId xmlns:a16="http://schemas.microsoft.com/office/drawing/2014/main" id="{3C67EBC5-9AFB-4F1A-BD5A-AE8C81A0052A}"/>
+              </a:ext>
+            </a:extLst>
+          </p:cNvPr>
+          <p:cNvCxnSpPr/>
+          <p:nvPr/>
+        </p:nvCxnSpPr>
+        <p:spPr>
+          <a:xfrm>
+            <a:off x="4692215" y="4200020"/>
+            <a:ext cx="938705" cy="239711"/>
+          </a:xfrm>
+          <a:prstGeom prst="straightConnector1">
+            <a:avLst/>
+          </a:prstGeom>
+          <a:ln>
+            <a:solidFill>
+              <a:schemeClr val="tx1">
+                <a:lumMod val="85000"/>
+                <a:alpha val="60000"/>
+              </a:schemeClr>
+            </a:solidFill>
+            <a:tailEnd type="triangle"/>
+          </a:ln>
+        </p:spPr>
+        <p:style>
+          <a:lnRef idx="1">
+            <a:schemeClr val="accent1"/>
+          </a:lnRef>
+          <a:fillRef idx="0">
+            <a:schemeClr val="accent1"/>
+          </a:fillRef>
+          <a:effectRef idx="0">
+            <a:schemeClr val="accent1"/>
+          </a:effectRef>
+          <a:fontRef idx="minor">
+            <a:schemeClr val="tx1"/>
+          </a:fontRef>
+        </p:style>
+      </p:cxnSp>
     </p:spTree>
     <p:extLst>
       <p:ext uri="{BB962C8B-B14F-4D97-AF65-F5344CB8AC3E}">

--- a/SAI_presentation.pptx
+++ b/SAI_presentation.pptx
@@ -18299,7 +18299,17 @@
           <a:p>
             <a:r>
               <a:rPr lang="fr-FR" dirty="0"/>
-              <a:t>The web page </a:t>
+              <a:t>The </a:t>
+            </a:r>
+            <a:r>
+              <a:rPr lang="fr-FR" b="1" dirty="0">
+                <a:solidFill>
+                  <a:schemeClr val="tx1">
+                    <a:lumMod val="95000"/>
+                  </a:schemeClr>
+                </a:solidFill>
+              </a:rPr>
+              <a:t>web page </a:t>
             </a:r>
             <a:r>
               <a:rPr lang="fr-FR" dirty="0" err="1"/>
@@ -18331,7 +18341,31 @@
             </a:r>
             <a:r>
               <a:rPr lang="fr-FR" dirty="0"/>
-              <a:t> SAI </a:t>
+              <a:t> (</a:t>
+            </a:r>
+            <a:r>
+              <a:rPr lang="fr-FR" b="1" dirty="0" err="1">
+                <a:solidFill>
+                  <a:srgbClr val="0070C0"/>
+                </a:solidFill>
+              </a:rPr>
+              <a:t>strategy</a:t>
+            </a:r>
+            <a:r>
+              <a:rPr lang="fr-FR" dirty="0"/>
+              <a:t>) </a:t>
+            </a:r>
+            <a:r>
+              <a:rPr lang="fr-FR" b="1" dirty="0">
+                <a:solidFill>
+                  <a:srgbClr val="FFC000"/>
+                </a:solidFill>
+              </a:rPr>
+              <a:t>SAI</a:t>
+            </a:r>
+            <a:r>
+              <a:rPr lang="fr-FR" dirty="0"/>
+              <a:t> </a:t>
             </a:r>
             <a:r>
               <a:rPr lang="fr-FR" dirty="0" err="1"/>

--- a/SAI_presentation.pptx
+++ b/SAI_presentation.pptx
@@ -18798,6 +18798,42 @@
           </a:fontRef>
         </p:style>
       </p:cxnSp>
+      <p:pic>
+        <p:nvPicPr>
+          <p:cNvPr id="14" name="Graphique 13" descr="Visage souriant noir">
+            <a:extLst>
+              <a:ext uri="{FF2B5EF4-FFF2-40B4-BE49-F238E27FC236}">
+                <a16:creationId xmlns:a16="http://schemas.microsoft.com/office/drawing/2014/main" id="{B45FBF34-02CE-43D9-BD8F-AB06833CA7F8}"/>
+              </a:ext>
+            </a:extLst>
+          </p:cNvPr>
+          <p:cNvPicPr>
+            <a:picLocks noChangeAspect="1"/>
+          </p:cNvPicPr>
+          <p:nvPr/>
+        </p:nvPicPr>
+        <p:blipFill>
+          <a:blip r:embed="rId8">
+            <a:extLst>
+              <a:ext uri="{96DAC541-7B7A-43D3-8B79-37D633B846F1}">
+                <asvg:svgBlip xmlns:asvg="http://schemas.microsoft.com/office/drawing/2016/SVG/main" r:embed="rId9"/>
+              </a:ext>
+            </a:extLst>
+          </a:blip>
+          <a:stretch>
+            <a:fillRect/>
+          </a:stretch>
+        </p:blipFill>
+        <p:spPr>
+          <a:xfrm>
+            <a:off x="9736577" y="3429000"/>
+            <a:ext cx="914400" cy="914400"/>
+          </a:xfrm>
+          <a:prstGeom prst="rect">
+            <a:avLst/>
+          </a:prstGeom>
+        </p:spPr>
+      </p:pic>
     </p:spTree>
     <p:extLst>
       <p:ext uri="{BB962C8B-B14F-4D97-AF65-F5344CB8AC3E}">

--- a/SAI_presentation.pptx
+++ b/SAI_presentation.pptx
@@ -6942,7 +6942,7 @@
             <a:fld id="{B61BEF0D-F0BB-DE4B-95CE-6DB70DBA9567}" type="datetimeFigureOut">
               <a:rPr lang="en-US" dirty="0"/>
               <a:pPr/>
-              <a:t>3/30/2020</a:t>
+              <a:t>3/31/2020</a:t>
             </a:fld>
             <a:endParaRPr lang="en-US" dirty="0"/>
           </a:p>
@@ -7375,7 +7375,7 @@
             <a:fld id="{B61BEF0D-F0BB-DE4B-95CE-6DB70DBA9567}" type="datetimeFigureOut">
               <a:rPr lang="en-US" dirty="0"/>
               <a:pPr/>
-              <a:t>3/30/2020</a:t>
+              <a:t>3/31/2020</a:t>
             </a:fld>
             <a:endParaRPr lang="en-US" dirty="0"/>
           </a:p>
@@ -7622,7 +7622,7 @@
             <a:fld id="{B61BEF0D-F0BB-DE4B-95CE-6DB70DBA9567}" type="datetimeFigureOut">
               <a:rPr lang="en-US" dirty="0"/>
               <a:pPr/>
-              <a:t>3/30/2020</a:t>
+              <a:t>3/31/2020</a:t>
             </a:fld>
             <a:endParaRPr lang="en-US" dirty="0"/>
           </a:p>
@@ -7927,7 +7927,7 @@
             <a:fld id="{B61BEF0D-F0BB-DE4B-95CE-6DB70DBA9567}" type="datetimeFigureOut">
               <a:rPr lang="en-US" dirty="0"/>
               <a:pPr/>
-              <a:t>3/30/2020</a:t>
+              <a:t>3/31/2020</a:t>
             </a:fld>
             <a:endParaRPr lang="en-US" dirty="0"/>
           </a:p>
@@ -8242,7 +8242,7 @@
             <a:fld id="{B61BEF0D-F0BB-DE4B-95CE-6DB70DBA9567}" type="datetimeFigureOut">
               <a:rPr lang="en-US" dirty="0"/>
               <a:pPr/>
-              <a:t>3/30/2020</a:t>
+              <a:t>3/31/2020</a:t>
             </a:fld>
             <a:endParaRPr lang="en-US" dirty="0"/>
           </a:p>
@@ -8541,7 +8541,7 @@
             <a:fld id="{B61BEF0D-F0BB-DE4B-95CE-6DB70DBA9567}" type="datetimeFigureOut">
               <a:rPr lang="en-US" dirty="0"/>
               <a:pPr/>
-              <a:t>3/30/2020</a:t>
+              <a:t>3/31/2020</a:t>
             </a:fld>
             <a:endParaRPr lang="en-US" dirty="0"/>
           </a:p>
@@ -8905,7 +8905,7 @@
             <a:fld id="{B61BEF0D-F0BB-DE4B-95CE-6DB70DBA9567}" type="datetimeFigureOut">
               <a:rPr lang="en-US" dirty="0"/>
               <a:pPr/>
-              <a:t>3/30/2020</a:t>
+              <a:t>3/31/2020</a:t>
             </a:fld>
             <a:endParaRPr lang="en-US" dirty="0"/>
           </a:p>
@@ -9076,7 +9076,7 @@
             <a:fld id="{B61BEF0D-F0BB-DE4B-95CE-6DB70DBA9567}" type="datetimeFigureOut">
               <a:rPr lang="en-US" dirty="0"/>
               <a:pPr/>
-              <a:t>3/30/2020</a:t>
+              <a:t>3/31/2020</a:t>
             </a:fld>
             <a:endParaRPr lang="en-US" dirty="0"/>
           </a:p>
@@ -9253,7 +9253,7 @@
             <a:fld id="{B61BEF0D-F0BB-DE4B-95CE-6DB70DBA9567}" type="datetimeFigureOut">
               <a:rPr lang="en-US" dirty="0"/>
               <a:pPr/>
-              <a:t>3/30/2020</a:t>
+              <a:t>3/31/2020</a:t>
             </a:fld>
             <a:endParaRPr lang="en-US" dirty="0"/>
           </a:p>
@@ -9420,7 +9420,7 @@
             <a:fld id="{B61BEF0D-F0BB-DE4B-95CE-6DB70DBA9567}" type="datetimeFigureOut">
               <a:rPr lang="en-US" dirty="0"/>
               <a:pPr/>
-              <a:t>3/30/2020</a:t>
+              <a:t>3/31/2020</a:t>
             </a:fld>
             <a:endParaRPr lang="en-US" dirty="0"/>
           </a:p>
@@ -9667,7 +9667,7 @@
             <a:fld id="{B61BEF0D-F0BB-DE4B-95CE-6DB70DBA9567}" type="datetimeFigureOut">
               <a:rPr lang="en-US" dirty="0"/>
               <a:pPr/>
-              <a:t>3/30/2020</a:t>
+              <a:t>3/31/2020</a:t>
             </a:fld>
             <a:endParaRPr lang="en-US" dirty="0"/>
           </a:p>
@@ -9900,7 +9900,7 @@
             <a:fld id="{B61BEF0D-F0BB-DE4B-95CE-6DB70DBA9567}" type="datetimeFigureOut">
               <a:rPr lang="en-US" dirty="0"/>
               <a:pPr/>
-              <a:t>3/30/2020</a:t>
+              <a:t>3/31/2020</a:t>
             </a:fld>
             <a:endParaRPr lang="en-US" dirty="0"/>
           </a:p>
@@ -10279,7 +10279,7 @@
             <a:fld id="{B61BEF0D-F0BB-DE4B-95CE-6DB70DBA9567}" type="datetimeFigureOut">
               <a:rPr lang="en-US" dirty="0"/>
               <a:pPr/>
-              <a:t>3/30/2020</a:t>
+              <a:t>3/31/2020</a:t>
             </a:fld>
             <a:endParaRPr lang="en-US" dirty="0"/>
           </a:p>
@@ -10394,7 +10394,7 @@
             <a:fld id="{B61BEF0D-F0BB-DE4B-95CE-6DB70DBA9567}" type="datetimeFigureOut">
               <a:rPr lang="en-US" dirty="0"/>
               <a:pPr/>
-              <a:t>3/30/2020</a:t>
+              <a:t>3/31/2020</a:t>
             </a:fld>
             <a:endParaRPr lang="en-US" dirty="0"/>
           </a:p>
@@ -10486,7 +10486,7 @@
             <a:fld id="{B61BEF0D-F0BB-DE4B-95CE-6DB70DBA9567}" type="datetimeFigureOut">
               <a:rPr lang="en-US" dirty="0"/>
               <a:pPr/>
-              <a:t>3/30/2020</a:t>
+              <a:t>3/31/2020</a:t>
             </a:fld>
             <a:endParaRPr lang="en-US" dirty="0"/>
           </a:p>
@@ -10738,7 +10738,7 @@
             <a:fld id="{B61BEF0D-F0BB-DE4B-95CE-6DB70DBA9567}" type="datetimeFigureOut">
               <a:rPr lang="en-US" dirty="0"/>
               <a:pPr/>
-              <a:t>3/30/2020</a:t>
+              <a:t>3/31/2020</a:t>
             </a:fld>
             <a:endParaRPr lang="en-US" dirty="0"/>
           </a:p>
@@ -11018,7 +11018,7 @@
             <a:fld id="{B61BEF0D-F0BB-DE4B-95CE-6DB70DBA9567}" type="datetimeFigureOut">
               <a:rPr lang="en-US" dirty="0"/>
               <a:pPr/>
-              <a:t>3/30/2020</a:t>
+              <a:t>3/31/2020</a:t>
             </a:fld>
             <a:endParaRPr lang="en-US" dirty="0"/>
           </a:p>
@@ -11421,7 +11421,7 @@
             <a:fld id="{B61BEF0D-F0BB-DE4B-95CE-6DB70DBA9567}" type="datetimeFigureOut">
               <a:rPr lang="en-US" dirty="0"/>
               <a:pPr/>
-              <a:t>3/30/2020</a:t>
+              <a:t>3/31/2020</a:t>
             </a:fld>
             <a:endParaRPr lang="en-US" dirty="0"/>
           </a:p>
@@ -18826,7 +18826,7 @@
         </p:blipFill>
         <p:spPr>
           <a:xfrm>
-            <a:off x="9736577" y="3429000"/>
+            <a:off x="9653720" y="3605372"/>
             <a:ext cx="914400" cy="914400"/>
           </a:xfrm>
           <a:prstGeom prst="rect">
@@ -18834,6 +18834,52 @@
           </a:prstGeom>
         </p:spPr>
       </p:pic>
+      <p:sp>
+        <p:nvSpPr>
+          <p:cNvPr id="13" name="Flèche : droite 12">
+            <a:extLst>
+              <a:ext uri="{FF2B5EF4-FFF2-40B4-BE49-F238E27FC236}">
+                <a16:creationId xmlns:a16="http://schemas.microsoft.com/office/drawing/2014/main" id="{758D04B2-D796-4F0C-B392-CCEC1D1E29B9}"/>
+              </a:ext>
+            </a:extLst>
+          </p:cNvPr>
+          <p:cNvSpPr/>
+          <p:nvPr/>
+        </p:nvSpPr>
+        <p:spPr>
+          <a:xfrm rot="10325417">
+            <a:off x="7855050" y="4105316"/>
+            <a:ext cx="1785993" cy="307713"/>
+          </a:xfrm>
+          <a:prstGeom prst="rightArrow">
+            <a:avLst/>
+          </a:prstGeom>
+        </p:spPr>
+        <p:style>
+          <a:lnRef idx="2">
+            <a:schemeClr val="accent1">
+              <a:shade val="50000"/>
+            </a:schemeClr>
+          </a:lnRef>
+          <a:fillRef idx="1">
+            <a:schemeClr val="accent1"/>
+          </a:fillRef>
+          <a:effectRef idx="0">
+            <a:schemeClr val="accent1"/>
+          </a:effectRef>
+          <a:fontRef idx="minor">
+            <a:schemeClr val="lt1"/>
+          </a:fontRef>
+        </p:style>
+        <p:txBody>
+          <a:bodyPr rtlCol="0" anchor="ctr"/>
+          <a:lstStyle/>
+          <a:p>
+            <a:pPr algn="ctr"/>
+            <a:endParaRPr lang="en-GB"/>
+          </a:p>
+        </p:txBody>
+      </p:sp>
     </p:spTree>
     <p:extLst>
       <p:ext uri="{BB962C8B-B14F-4D97-AF65-F5344CB8AC3E}">

--- a/SAI_presentation.pptx
+++ b/SAI_presentation.pptx
@@ -18325,15 +18325,35 @@
             </a:r>
             <a:r>
               <a:rPr lang="fr-FR" dirty="0"/>
-              <a:t> the user to </a:t>
-            </a:r>
-            <a:r>
-              <a:rPr lang="fr-FR" dirty="0" err="1"/>
+              <a:t> the </a:t>
+            </a:r>
+            <a:r>
+              <a:rPr lang="fr-FR" b="1" dirty="0">
+                <a:solidFill>
+                  <a:srgbClr val="002060"/>
+                </a:solidFill>
+              </a:rPr>
+              <a:t>user to </a:t>
+            </a:r>
+            <a:r>
+              <a:rPr lang="fr-FR" b="1" dirty="0" err="1">
+                <a:solidFill>
+                  <a:srgbClr val="002060"/>
+                </a:solidFill>
+              </a:rPr>
               <a:t>choose</a:t>
             </a:r>
             <a:r>
+              <a:rPr lang="fr-FR" b="1" dirty="0">
+                <a:solidFill>
+                  <a:srgbClr val="002060"/>
+                </a:solidFill>
+              </a:rPr>
+              <a:t> </a:t>
+            </a:r>
+            <a:r>
               <a:rPr lang="fr-FR" dirty="0"/>
-              <a:t> the best </a:t>
+              <a:t>the best </a:t>
             </a:r>
             <a:r>
               <a:rPr lang="fr-FR" dirty="0" err="1"/>
@@ -18854,6 +18874,9 @@
           <a:prstGeom prst="rightArrow">
             <a:avLst/>
           </a:prstGeom>
+          <a:solidFill>
+            <a:srgbClr val="002060"/>
+          </a:solidFill>
         </p:spPr>
         <p:style>
           <a:lnRef idx="2">

--- a/SAI_presentation.pptx
+++ b/SAI_presentation.pptx
@@ -18396,7 +18396,11 @@
               <a:t> </a:t>
             </a:r>
             <a:r>
-              <a:rPr lang="fr-FR" dirty="0" err="1"/>
+              <a:rPr lang="fr-FR" b="1" dirty="0" err="1">
+                <a:solidFill>
+                  <a:srgbClr val="FF0000"/>
+                </a:solidFill>
+              </a:rPr>
               <a:t>understand</a:t>
             </a:r>
             <a:r>
@@ -18412,35 +18416,23 @@
               <a:t> </a:t>
             </a:r>
             <a:r>
-              <a:rPr lang="fr-FR" dirty="0" err="1"/>
+              <a:rPr lang="fr-FR" b="1" dirty="0" err="1">
+                <a:solidFill>
+                  <a:srgbClr val="FF0000"/>
+                </a:solidFill>
+              </a:rPr>
               <a:t>needs</a:t>
             </a:r>
             <a:r>
-              <a:rPr lang="fr-FR" dirty="0"/>
+              <a:rPr lang="fr-FR" b="1" dirty="0">
+                <a:solidFill>
+                  <a:srgbClr val="FF0000"/>
+                </a:solidFill>
+              </a:rPr>
               <a:t> to do</a:t>
             </a:r>
           </a:p>
           <a:p>
-            <a:r>
-              <a:rPr lang="fr-FR" dirty="0" err="1"/>
-              <a:t>Explain</a:t>
-            </a:r>
-            <a:r>
-              <a:rPr lang="fr-FR" dirty="0"/>
-              <a:t> </a:t>
-            </a:r>
-            <a:r>
-              <a:rPr lang="fr-FR" dirty="0" err="1"/>
-              <a:t>with</a:t>
-            </a:r>
-            <a:r>
-              <a:rPr lang="fr-FR" dirty="0"/>
-              <a:t> a </a:t>
-            </a:r>
-            <a:r>
-              <a:rPr lang="fr-FR" dirty="0" err="1"/>
-              <a:t>schema</a:t>
-            </a:r>
             <a:endParaRPr lang="en-GB" dirty="0"/>
           </a:p>
         </p:txBody>
@@ -18626,10 +18618,10 @@
           <p:nvPr/>
         </p:nvPicPr>
         <p:blipFill>
-          <a:blip r:embed="rId4">
+          <a:blip r:embed="rId6">
             <a:extLst>
               <a:ext uri="{96DAC541-7B7A-43D3-8B79-37D633B846F1}">
-                <asvg:svgBlip xmlns:asvg="http://schemas.microsoft.com/office/drawing/2016/SVG/main" r:embed="rId5"/>
+                <asvg:svgBlip xmlns:asvg="http://schemas.microsoft.com/office/drawing/2016/SVG/main" r:embed="rId7"/>
               </a:ext>
             </a:extLst>
           </a:blip>
@@ -18662,10 +18654,10 @@
           <p:nvPr/>
         </p:nvPicPr>
         <p:blipFill>
-          <a:blip r:embed="rId6">
+          <a:blip r:embed="rId8">
             <a:extLst>
               <a:ext uri="{96DAC541-7B7A-43D3-8B79-37D633B846F1}">
-                <asvg:svgBlip xmlns:asvg="http://schemas.microsoft.com/office/drawing/2016/SVG/main" r:embed="rId7"/>
+                <asvg:svgBlip xmlns:asvg="http://schemas.microsoft.com/office/drawing/2016/SVG/main" r:embed="rId9"/>
               </a:ext>
             </a:extLst>
           </a:blip>
@@ -18833,10 +18825,10 @@
           <p:nvPr/>
         </p:nvPicPr>
         <p:blipFill>
-          <a:blip r:embed="rId8">
+          <a:blip r:embed="rId10">
             <a:extLst>
               <a:ext uri="{96DAC541-7B7A-43D3-8B79-37D633B846F1}">
-                <asvg:svgBlip xmlns:asvg="http://schemas.microsoft.com/office/drawing/2016/SVG/main" r:embed="rId9"/>
+                <asvg:svgBlip xmlns:asvg="http://schemas.microsoft.com/office/drawing/2016/SVG/main" r:embed="rId11"/>
               </a:ext>
             </a:extLst>
           </a:blip>

--- a/SAI_presentation.pptx
+++ b/SAI_presentation.pptx
@@ -6942,7 +6942,7 @@
             <a:fld id="{B61BEF0D-F0BB-DE4B-95CE-6DB70DBA9567}" type="datetimeFigureOut">
               <a:rPr lang="en-US" dirty="0"/>
               <a:pPr/>
-              <a:t>3/31/2020</a:t>
+              <a:t>4/1/2020</a:t>
             </a:fld>
             <a:endParaRPr lang="en-US" dirty="0"/>
           </a:p>
@@ -7375,7 +7375,7 @@
             <a:fld id="{B61BEF0D-F0BB-DE4B-95CE-6DB70DBA9567}" type="datetimeFigureOut">
               <a:rPr lang="en-US" dirty="0"/>
               <a:pPr/>
-              <a:t>3/31/2020</a:t>
+              <a:t>4/1/2020</a:t>
             </a:fld>
             <a:endParaRPr lang="en-US" dirty="0"/>
           </a:p>
@@ -7622,7 +7622,7 @@
             <a:fld id="{B61BEF0D-F0BB-DE4B-95CE-6DB70DBA9567}" type="datetimeFigureOut">
               <a:rPr lang="en-US" dirty="0"/>
               <a:pPr/>
-              <a:t>3/31/2020</a:t>
+              <a:t>4/1/2020</a:t>
             </a:fld>
             <a:endParaRPr lang="en-US" dirty="0"/>
           </a:p>
@@ -7927,7 +7927,7 @@
             <a:fld id="{B61BEF0D-F0BB-DE4B-95CE-6DB70DBA9567}" type="datetimeFigureOut">
               <a:rPr lang="en-US" dirty="0"/>
               <a:pPr/>
-              <a:t>3/31/2020</a:t>
+              <a:t>4/1/2020</a:t>
             </a:fld>
             <a:endParaRPr lang="en-US" dirty="0"/>
           </a:p>
@@ -8242,7 +8242,7 @@
             <a:fld id="{B61BEF0D-F0BB-DE4B-95CE-6DB70DBA9567}" type="datetimeFigureOut">
               <a:rPr lang="en-US" dirty="0"/>
               <a:pPr/>
-              <a:t>3/31/2020</a:t>
+              <a:t>4/1/2020</a:t>
             </a:fld>
             <a:endParaRPr lang="en-US" dirty="0"/>
           </a:p>
@@ -8541,7 +8541,7 @@
             <a:fld id="{B61BEF0D-F0BB-DE4B-95CE-6DB70DBA9567}" type="datetimeFigureOut">
               <a:rPr lang="en-US" dirty="0"/>
               <a:pPr/>
-              <a:t>3/31/2020</a:t>
+              <a:t>4/1/2020</a:t>
             </a:fld>
             <a:endParaRPr lang="en-US" dirty="0"/>
           </a:p>
@@ -8905,7 +8905,7 @@
             <a:fld id="{B61BEF0D-F0BB-DE4B-95CE-6DB70DBA9567}" type="datetimeFigureOut">
               <a:rPr lang="en-US" dirty="0"/>
               <a:pPr/>
-              <a:t>3/31/2020</a:t>
+              <a:t>4/1/2020</a:t>
             </a:fld>
             <a:endParaRPr lang="en-US" dirty="0"/>
           </a:p>
@@ -9076,7 +9076,7 @@
             <a:fld id="{B61BEF0D-F0BB-DE4B-95CE-6DB70DBA9567}" type="datetimeFigureOut">
               <a:rPr lang="en-US" dirty="0"/>
               <a:pPr/>
-              <a:t>3/31/2020</a:t>
+              <a:t>4/1/2020</a:t>
             </a:fld>
             <a:endParaRPr lang="en-US" dirty="0"/>
           </a:p>
@@ -9253,7 +9253,7 @@
             <a:fld id="{B61BEF0D-F0BB-DE4B-95CE-6DB70DBA9567}" type="datetimeFigureOut">
               <a:rPr lang="en-US" dirty="0"/>
               <a:pPr/>
-              <a:t>3/31/2020</a:t>
+              <a:t>4/1/2020</a:t>
             </a:fld>
             <a:endParaRPr lang="en-US" dirty="0"/>
           </a:p>
@@ -9420,7 +9420,7 @@
             <a:fld id="{B61BEF0D-F0BB-DE4B-95CE-6DB70DBA9567}" type="datetimeFigureOut">
               <a:rPr lang="en-US" dirty="0"/>
               <a:pPr/>
-              <a:t>3/31/2020</a:t>
+              <a:t>4/1/2020</a:t>
             </a:fld>
             <a:endParaRPr lang="en-US" dirty="0"/>
           </a:p>
@@ -9667,7 +9667,7 @@
             <a:fld id="{B61BEF0D-F0BB-DE4B-95CE-6DB70DBA9567}" type="datetimeFigureOut">
               <a:rPr lang="en-US" dirty="0"/>
               <a:pPr/>
-              <a:t>3/31/2020</a:t>
+              <a:t>4/1/2020</a:t>
             </a:fld>
             <a:endParaRPr lang="en-US" dirty="0"/>
           </a:p>
@@ -9900,7 +9900,7 @@
             <a:fld id="{B61BEF0D-F0BB-DE4B-95CE-6DB70DBA9567}" type="datetimeFigureOut">
               <a:rPr lang="en-US" dirty="0"/>
               <a:pPr/>
-              <a:t>3/31/2020</a:t>
+              <a:t>4/1/2020</a:t>
             </a:fld>
             <a:endParaRPr lang="en-US" dirty="0"/>
           </a:p>
@@ -10279,7 +10279,7 @@
             <a:fld id="{B61BEF0D-F0BB-DE4B-95CE-6DB70DBA9567}" type="datetimeFigureOut">
               <a:rPr lang="en-US" dirty="0"/>
               <a:pPr/>
-              <a:t>3/31/2020</a:t>
+              <a:t>4/1/2020</a:t>
             </a:fld>
             <a:endParaRPr lang="en-US" dirty="0"/>
           </a:p>
@@ -10394,7 +10394,7 @@
             <a:fld id="{B61BEF0D-F0BB-DE4B-95CE-6DB70DBA9567}" type="datetimeFigureOut">
               <a:rPr lang="en-US" dirty="0"/>
               <a:pPr/>
-              <a:t>3/31/2020</a:t>
+              <a:t>4/1/2020</a:t>
             </a:fld>
             <a:endParaRPr lang="en-US" dirty="0"/>
           </a:p>
@@ -10486,7 +10486,7 @@
             <a:fld id="{B61BEF0D-F0BB-DE4B-95CE-6DB70DBA9567}" type="datetimeFigureOut">
               <a:rPr lang="en-US" dirty="0"/>
               <a:pPr/>
-              <a:t>3/31/2020</a:t>
+              <a:t>4/1/2020</a:t>
             </a:fld>
             <a:endParaRPr lang="en-US" dirty="0"/>
           </a:p>
@@ -10738,7 +10738,7 @@
             <a:fld id="{B61BEF0D-F0BB-DE4B-95CE-6DB70DBA9567}" type="datetimeFigureOut">
               <a:rPr lang="en-US" dirty="0"/>
               <a:pPr/>
-              <a:t>3/31/2020</a:t>
+              <a:t>4/1/2020</a:t>
             </a:fld>
             <a:endParaRPr lang="en-US" dirty="0"/>
           </a:p>
@@ -11018,7 +11018,7 @@
             <a:fld id="{B61BEF0D-F0BB-DE4B-95CE-6DB70DBA9567}" type="datetimeFigureOut">
               <a:rPr lang="en-US" dirty="0"/>
               <a:pPr/>
-              <a:t>3/31/2020</a:t>
+              <a:t>4/1/2020</a:t>
             </a:fld>
             <a:endParaRPr lang="en-US" dirty="0"/>
           </a:p>
@@ -11421,7 +11421,7 @@
             <a:fld id="{B61BEF0D-F0BB-DE4B-95CE-6DB70DBA9567}" type="datetimeFigureOut">
               <a:rPr lang="en-US" dirty="0"/>
               <a:pPr/>
-              <a:t>3/31/2020</a:t>
+              <a:t>4/1/2020</a:t>
             </a:fld>
             <a:endParaRPr lang="en-US" dirty="0"/>
           </a:p>
@@ -18976,19 +18976,124 @@
           <a:lstStyle/>
           <a:p>
             <a:r>
-              <a:rPr lang="fr-FR"/>
-              <a:t>Show a graph with the strategies learn with a little picture</a:t>
-            </a:r>
-          </a:p>
-          <a:p>
-            <a:r>
-              <a:rPr lang="fr-FR"/>
-              <a:t>Show the web interface to choose strategies</a:t>
-            </a:r>
-            <a:endParaRPr lang="en-GB"/>
+              <a:rPr lang="fr-FR" dirty="0"/>
+              <a:t>Show a graph </a:t>
+            </a:r>
+            <a:r>
+              <a:rPr lang="fr-FR" dirty="0" err="1"/>
+              <a:t>with</a:t>
+            </a:r>
+            <a:r>
+              <a:rPr lang="fr-FR" dirty="0"/>
+              <a:t> the </a:t>
+            </a:r>
+            <a:r>
+              <a:rPr lang="fr-FR" dirty="0" err="1"/>
+              <a:t>strategies</a:t>
+            </a:r>
+            <a:r>
+              <a:rPr lang="fr-FR" dirty="0"/>
+              <a:t> </a:t>
+            </a:r>
+            <a:r>
+              <a:rPr lang="fr-FR" dirty="0" err="1"/>
+              <a:t>learn</a:t>
+            </a:r>
+            <a:r>
+              <a:rPr lang="fr-FR" dirty="0"/>
+              <a:t> </a:t>
+            </a:r>
+            <a:r>
+              <a:rPr lang="fr-FR" dirty="0" err="1"/>
+              <a:t>with</a:t>
+            </a:r>
+            <a:r>
+              <a:rPr lang="fr-FR" dirty="0"/>
+              <a:t> a </a:t>
+            </a:r>
+            <a:r>
+              <a:rPr lang="fr-FR" dirty="0" err="1"/>
+              <a:t>little</a:t>
+            </a:r>
+            <a:r>
+              <a:rPr lang="fr-FR" dirty="0"/>
+              <a:t> </a:t>
+            </a:r>
+            <a:r>
+              <a:rPr lang="fr-FR" dirty="0" err="1"/>
+              <a:t>picture</a:t>
+            </a:r>
+            <a:endParaRPr lang="fr-FR" dirty="0"/>
+          </a:p>
+          <a:p>
+            <a:r>
+              <a:rPr lang="fr-FR" dirty="0"/>
+              <a:t>Show the web interface to </a:t>
+            </a:r>
+            <a:r>
+              <a:rPr lang="fr-FR" dirty="0" err="1"/>
+              <a:t>choose</a:t>
+            </a:r>
+            <a:r>
+              <a:rPr lang="fr-FR" dirty="0"/>
+              <a:t> </a:t>
+            </a:r>
+            <a:r>
+              <a:rPr lang="fr-FR" dirty="0" err="1"/>
+              <a:t>strategies</a:t>
+            </a:r>
+            <a:endParaRPr lang="fr-FR" dirty="0"/>
+          </a:p>
+          <a:p>
+            <a:endParaRPr lang="fr-FR" dirty="0"/>
+          </a:p>
+          <a:p>
+            <a:endParaRPr lang="fr-FR" dirty="0"/>
+          </a:p>
+          <a:p>
+            <a:endParaRPr lang="fr-FR" dirty="0"/>
+          </a:p>
+          <a:p>
+            <a:endParaRPr lang="fr-FR" dirty="0"/>
+          </a:p>
+          <a:p>
+            <a:endParaRPr lang="fr-FR" dirty="0"/>
+          </a:p>
+          <a:p>
+            <a:endParaRPr lang="en-GB" dirty="0"/>
           </a:p>
         </p:txBody>
       </p:sp>
+      <p:pic>
+        <p:nvPicPr>
+          <p:cNvPr id="4" name="Image 3">
+            <a:extLst>
+              <a:ext uri="{FF2B5EF4-FFF2-40B4-BE49-F238E27FC236}">
+                <a16:creationId xmlns:a16="http://schemas.microsoft.com/office/drawing/2014/main" id="{9D62F857-5EC1-4AE8-891B-4ED50A500B12}"/>
+              </a:ext>
+            </a:extLst>
+          </p:cNvPr>
+          <p:cNvPicPr>
+            <a:picLocks noChangeAspect="1"/>
+          </p:cNvPicPr>
+          <p:nvPr/>
+        </p:nvPicPr>
+        <p:blipFill>
+          <a:blip r:embed="rId2"/>
+          <a:stretch>
+            <a:fillRect/>
+          </a:stretch>
+        </p:blipFill>
+        <p:spPr>
+          <a:xfrm>
+            <a:off x="909421" y="1812721"/>
+            <a:ext cx="3536806" cy="2488346"/>
+          </a:xfrm>
+          <a:prstGeom prst="rect">
+            <a:avLst/>
+          </a:prstGeom>
+        </p:spPr>
+      </p:pic>
     </p:spTree>
     <p:extLst>
       <p:ext uri="{BB962C8B-B14F-4D97-AF65-F5344CB8AC3E}">

--- a/SAI_presentation.pptx
+++ b/SAI_presentation.pptx
@@ -6942,7 +6942,7 @@
             <a:fld id="{B61BEF0D-F0BB-DE4B-95CE-6DB70DBA9567}" type="datetimeFigureOut">
               <a:rPr lang="en-US" dirty="0"/>
               <a:pPr/>
-              <a:t>4/1/2020</a:t>
+              <a:t>4/4/2020</a:t>
             </a:fld>
             <a:endParaRPr lang="en-US" dirty="0"/>
           </a:p>
@@ -7375,7 +7375,7 @@
             <a:fld id="{B61BEF0D-F0BB-DE4B-95CE-6DB70DBA9567}" type="datetimeFigureOut">
               <a:rPr lang="en-US" dirty="0"/>
               <a:pPr/>
-              <a:t>4/1/2020</a:t>
+              <a:t>4/4/2020</a:t>
             </a:fld>
             <a:endParaRPr lang="en-US" dirty="0"/>
           </a:p>
@@ -7622,7 +7622,7 @@
             <a:fld id="{B61BEF0D-F0BB-DE4B-95CE-6DB70DBA9567}" type="datetimeFigureOut">
               <a:rPr lang="en-US" dirty="0"/>
               <a:pPr/>
-              <a:t>4/1/2020</a:t>
+              <a:t>4/4/2020</a:t>
             </a:fld>
             <a:endParaRPr lang="en-US" dirty="0"/>
           </a:p>
@@ -7927,7 +7927,7 @@
             <a:fld id="{B61BEF0D-F0BB-DE4B-95CE-6DB70DBA9567}" type="datetimeFigureOut">
               <a:rPr lang="en-US" dirty="0"/>
               <a:pPr/>
-              <a:t>4/1/2020</a:t>
+              <a:t>4/4/2020</a:t>
             </a:fld>
             <a:endParaRPr lang="en-US" dirty="0"/>
           </a:p>
@@ -8242,7 +8242,7 @@
             <a:fld id="{B61BEF0D-F0BB-DE4B-95CE-6DB70DBA9567}" type="datetimeFigureOut">
               <a:rPr lang="en-US" dirty="0"/>
               <a:pPr/>
-              <a:t>4/1/2020</a:t>
+              <a:t>4/4/2020</a:t>
             </a:fld>
             <a:endParaRPr lang="en-US" dirty="0"/>
           </a:p>
@@ -8541,7 +8541,7 @@
             <a:fld id="{B61BEF0D-F0BB-DE4B-95CE-6DB70DBA9567}" type="datetimeFigureOut">
               <a:rPr lang="en-US" dirty="0"/>
               <a:pPr/>
-              <a:t>4/1/2020</a:t>
+              <a:t>4/4/2020</a:t>
             </a:fld>
             <a:endParaRPr lang="en-US" dirty="0"/>
           </a:p>
@@ -8905,7 +8905,7 @@
             <a:fld id="{B61BEF0D-F0BB-DE4B-95CE-6DB70DBA9567}" type="datetimeFigureOut">
               <a:rPr lang="en-US" dirty="0"/>
               <a:pPr/>
-              <a:t>4/1/2020</a:t>
+              <a:t>4/4/2020</a:t>
             </a:fld>
             <a:endParaRPr lang="en-US" dirty="0"/>
           </a:p>
@@ -9076,7 +9076,7 @@
             <a:fld id="{B61BEF0D-F0BB-DE4B-95CE-6DB70DBA9567}" type="datetimeFigureOut">
               <a:rPr lang="en-US" dirty="0"/>
               <a:pPr/>
-              <a:t>4/1/2020</a:t>
+              <a:t>4/4/2020</a:t>
             </a:fld>
             <a:endParaRPr lang="en-US" dirty="0"/>
           </a:p>
@@ -9253,7 +9253,7 @@
             <a:fld id="{B61BEF0D-F0BB-DE4B-95CE-6DB70DBA9567}" type="datetimeFigureOut">
               <a:rPr lang="en-US" dirty="0"/>
               <a:pPr/>
-              <a:t>4/1/2020</a:t>
+              <a:t>4/4/2020</a:t>
             </a:fld>
             <a:endParaRPr lang="en-US" dirty="0"/>
           </a:p>
@@ -9420,7 +9420,7 @@
             <a:fld id="{B61BEF0D-F0BB-DE4B-95CE-6DB70DBA9567}" type="datetimeFigureOut">
               <a:rPr lang="en-US" dirty="0"/>
               <a:pPr/>
-              <a:t>4/1/2020</a:t>
+              <a:t>4/4/2020</a:t>
             </a:fld>
             <a:endParaRPr lang="en-US" dirty="0"/>
           </a:p>
@@ -9667,7 +9667,7 @@
             <a:fld id="{B61BEF0D-F0BB-DE4B-95CE-6DB70DBA9567}" type="datetimeFigureOut">
               <a:rPr lang="en-US" dirty="0"/>
               <a:pPr/>
-              <a:t>4/1/2020</a:t>
+              <a:t>4/4/2020</a:t>
             </a:fld>
             <a:endParaRPr lang="en-US" dirty="0"/>
           </a:p>
@@ -9900,7 +9900,7 @@
             <a:fld id="{B61BEF0D-F0BB-DE4B-95CE-6DB70DBA9567}" type="datetimeFigureOut">
               <a:rPr lang="en-US" dirty="0"/>
               <a:pPr/>
-              <a:t>4/1/2020</a:t>
+              <a:t>4/4/2020</a:t>
             </a:fld>
             <a:endParaRPr lang="en-US" dirty="0"/>
           </a:p>
@@ -10279,7 +10279,7 @@
             <a:fld id="{B61BEF0D-F0BB-DE4B-95CE-6DB70DBA9567}" type="datetimeFigureOut">
               <a:rPr lang="en-US" dirty="0"/>
               <a:pPr/>
-              <a:t>4/1/2020</a:t>
+              <a:t>4/4/2020</a:t>
             </a:fld>
             <a:endParaRPr lang="en-US" dirty="0"/>
           </a:p>
@@ -10394,7 +10394,7 @@
             <a:fld id="{B61BEF0D-F0BB-DE4B-95CE-6DB70DBA9567}" type="datetimeFigureOut">
               <a:rPr lang="en-US" dirty="0"/>
               <a:pPr/>
-              <a:t>4/1/2020</a:t>
+              <a:t>4/4/2020</a:t>
             </a:fld>
             <a:endParaRPr lang="en-US" dirty="0"/>
           </a:p>
@@ -10486,7 +10486,7 @@
             <a:fld id="{B61BEF0D-F0BB-DE4B-95CE-6DB70DBA9567}" type="datetimeFigureOut">
               <a:rPr lang="en-US" dirty="0"/>
               <a:pPr/>
-              <a:t>4/1/2020</a:t>
+              <a:t>4/4/2020</a:t>
             </a:fld>
             <a:endParaRPr lang="en-US" dirty="0"/>
           </a:p>
@@ -10738,7 +10738,7 @@
             <a:fld id="{B61BEF0D-F0BB-DE4B-95CE-6DB70DBA9567}" type="datetimeFigureOut">
               <a:rPr lang="en-US" dirty="0"/>
               <a:pPr/>
-              <a:t>4/1/2020</a:t>
+              <a:t>4/4/2020</a:t>
             </a:fld>
             <a:endParaRPr lang="en-US" dirty="0"/>
           </a:p>
@@ -11018,7 +11018,7 @@
             <a:fld id="{B61BEF0D-F0BB-DE4B-95CE-6DB70DBA9567}" type="datetimeFigureOut">
               <a:rPr lang="en-US" dirty="0"/>
               <a:pPr/>
-              <a:t>4/1/2020</a:t>
+              <a:t>4/4/2020</a:t>
             </a:fld>
             <a:endParaRPr lang="en-US" dirty="0"/>
           </a:p>
@@ -11421,7 +11421,7 @@
             <a:fld id="{B61BEF0D-F0BB-DE4B-95CE-6DB70DBA9567}" type="datetimeFigureOut">
               <a:rPr lang="en-US" dirty="0"/>
               <a:pPr/>
-              <a:t>4/1/2020</a:t>
+              <a:t>4/4/2020</a:t>
             </a:fld>
             <a:endParaRPr lang="en-US" dirty="0"/>
           </a:p>
@@ -18975,91 +18975,6 @@
           <a:bodyPr/>
           <a:lstStyle/>
           <a:p>
-            <a:r>
-              <a:rPr lang="fr-FR" dirty="0"/>
-              <a:t>Show a graph </a:t>
-            </a:r>
-            <a:r>
-              <a:rPr lang="fr-FR" dirty="0" err="1"/>
-              <a:t>with</a:t>
-            </a:r>
-            <a:r>
-              <a:rPr lang="fr-FR" dirty="0"/>
-              <a:t> the </a:t>
-            </a:r>
-            <a:r>
-              <a:rPr lang="fr-FR" dirty="0" err="1"/>
-              <a:t>strategies</a:t>
-            </a:r>
-            <a:r>
-              <a:rPr lang="fr-FR" dirty="0"/>
-              <a:t> </a:t>
-            </a:r>
-            <a:r>
-              <a:rPr lang="fr-FR" dirty="0" err="1"/>
-              <a:t>learn</a:t>
-            </a:r>
-            <a:r>
-              <a:rPr lang="fr-FR" dirty="0"/>
-              <a:t> </a:t>
-            </a:r>
-            <a:r>
-              <a:rPr lang="fr-FR" dirty="0" err="1"/>
-              <a:t>with</a:t>
-            </a:r>
-            <a:r>
-              <a:rPr lang="fr-FR" dirty="0"/>
-              <a:t> a </a:t>
-            </a:r>
-            <a:r>
-              <a:rPr lang="fr-FR" dirty="0" err="1"/>
-              <a:t>little</a:t>
-            </a:r>
-            <a:r>
-              <a:rPr lang="fr-FR" dirty="0"/>
-              <a:t> </a:t>
-            </a:r>
-            <a:r>
-              <a:rPr lang="fr-FR" dirty="0" err="1"/>
-              <a:t>picture</a:t>
-            </a:r>
-            <a:endParaRPr lang="fr-FR" dirty="0"/>
-          </a:p>
-          <a:p>
-            <a:r>
-              <a:rPr lang="fr-FR" dirty="0"/>
-              <a:t>Show the web interface to </a:t>
-            </a:r>
-            <a:r>
-              <a:rPr lang="fr-FR" dirty="0" err="1"/>
-              <a:t>choose</a:t>
-            </a:r>
-            <a:r>
-              <a:rPr lang="fr-FR" dirty="0"/>
-              <a:t> </a:t>
-            </a:r>
-            <a:r>
-              <a:rPr lang="fr-FR" dirty="0" err="1"/>
-              <a:t>strategies</a:t>
-            </a:r>
-            <a:endParaRPr lang="fr-FR" dirty="0"/>
-          </a:p>
-          <a:p>
-            <a:endParaRPr lang="fr-FR" dirty="0"/>
-          </a:p>
-          <a:p>
-            <a:endParaRPr lang="fr-FR" dirty="0"/>
-          </a:p>
-          <a:p>
-            <a:endParaRPr lang="fr-FR" dirty="0"/>
-          </a:p>
-          <a:p>
-            <a:endParaRPr lang="fr-FR" dirty="0"/>
-          </a:p>
-          <a:p>
-            <a:endParaRPr lang="fr-FR" dirty="0"/>
-          </a:p>
-          <a:p>
             <a:endParaRPr lang="en-GB" dirty="0"/>
           </a:p>
         </p:txBody>
@@ -19086,8 +19001,98 @@
         </p:blipFill>
         <p:spPr>
           <a:xfrm>
-            <a:off x="909421" y="1812721"/>
-            <a:ext cx="3536806" cy="2488346"/>
+            <a:off x="636074" y="380699"/>
+            <a:ext cx="3002931" cy="2112734"/>
+          </a:xfrm>
+          <a:prstGeom prst="rect">
+            <a:avLst/>
+          </a:prstGeom>
+        </p:spPr>
+      </p:pic>
+      <p:pic>
+        <p:nvPicPr>
+          <p:cNvPr id="6" name="Image 5" descr="Une image contenant capture d’écran, oiseau&#10;&#10;Description générée automatiquement">
+            <a:extLst>
+              <a:ext uri="{FF2B5EF4-FFF2-40B4-BE49-F238E27FC236}">
+                <a16:creationId xmlns:a16="http://schemas.microsoft.com/office/drawing/2014/main" id="{0AF7F0D6-8E6D-49FA-8B44-6BFC53D2DF47}"/>
+              </a:ext>
+            </a:extLst>
+          </p:cNvPr>
+          <p:cNvPicPr>
+            <a:picLocks noChangeAspect="1"/>
+          </p:cNvPicPr>
+          <p:nvPr/>
+        </p:nvPicPr>
+        <p:blipFill>
+          <a:blip r:embed="rId3"/>
+          <a:stretch>
+            <a:fillRect/>
+          </a:stretch>
+        </p:blipFill>
+        <p:spPr>
+          <a:xfrm>
+            <a:off x="2440760" y="4532481"/>
+            <a:ext cx="2708721" cy="1151740"/>
+          </a:xfrm>
+          <a:prstGeom prst="rect">
+            <a:avLst/>
+          </a:prstGeom>
+        </p:spPr>
+      </p:pic>
+      <p:pic>
+        <p:nvPicPr>
+          <p:cNvPr id="8" name="Image 7" descr="Une image contenant capture d’écran&#10;&#10;Description générée automatiquement">
+            <a:extLst>
+              <a:ext uri="{FF2B5EF4-FFF2-40B4-BE49-F238E27FC236}">
+                <a16:creationId xmlns:a16="http://schemas.microsoft.com/office/drawing/2014/main" id="{C942D87B-80D2-4A93-8A91-5AB910811A68}"/>
+              </a:ext>
+            </a:extLst>
+          </p:cNvPr>
+          <p:cNvPicPr>
+            <a:picLocks noChangeAspect="1"/>
+          </p:cNvPicPr>
+          <p:nvPr/>
+        </p:nvPicPr>
+        <p:blipFill>
+          <a:blip r:embed="rId4"/>
+          <a:stretch>
+            <a:fillRect/>
+          </a:stretch>
+        </p:blipFill>
+        <p:spPr>
+          <a:xfrm>
+            <a:off x="2770200" y="3150726"/>
+            <a:ext cx="6774767" cy="2880610"/>
+          </a:xfrm>
+          <a:prstGeom prst="rect">
+            <a:avLst/>
+          </a:prstGeom>
+        </p:spPr>
+      </p:pic>
+      <p:pic>
+        <p:nvPicPr>
+          <p:cNvPr id="10" name="Image 9" descr="Une image contenant capture d’écran&#10;&#10;Description générée automatiquement">
+            <a:extLst>
+              <a:ext uri="{FF2B5EF4-FFF2-40B4-BE49-F238E27FC236}">
+                <a16:creationId xmlns:a16="http://schemas.microsoft.com/office/drawing/2014/main" id="{C77288A5-4F31-438B-84DC-837FEAB13938}"/>
+              </a:ext>
+            </a:extLst>
+          </p:cNvPr>
+          <p:cNvPicPr>
+            <a:picLocks noChangeAspect="1"/>
+          </p:cNvPicPr>
+          <p:nvPr/>
+        </p:nvPicPr>
+        <p:blipFill>
+          <a:blip r:embed="rId5"/>
+          <a:stretch>
+            <a:fillRect/>
+          </a:stretch>
+        </p:blipFill>
+        <p:spPr>
+          <a:xfrm>
+            <a:off x="4507811" y="2493433"/>
+            <a:ext cx="6774767" cy="2880610"/>
           </a:xfrm>
           <a:prstGeom prst="rect">
             <a:avLst/>

--- a/SAI_presentation.pptx
+++ b/SAI_presentation.pptx
@@ -19001,7 +19001,7 @@
         </p:blipFill>
         <p:spPr>
           <a:xfrm>
-            <a:off x="636074" y="380699"/>
+            <a:off x="4510236" y="267295"/>
             <a:ext cx="3002931" cy="2112734"/>
           </a:xfrm>
           <a:prstGeom prst="rect">
@@ -19031,8 +19031,8 @@
         </p:blipFill>
         <p:spPr>
           <a:xfrm>
-            <a:off x="2440760" y="4532481"/>
-            <a:ext cx="2708721" cy="1151740"/>
+            <a:off x="0" y="2591926"/>
+            <a:ext cx="3867652" cy="1644514"/>
           </a:xfrm>
           <a:prstGeom prst="rect">
             <a:avLst/>
@@ -19061,8 +19061,8 @@
         </p:blipFill>
         <p:spPr>
           <a:xfrm>
-            <a:off x="2770200" y="3150726"/>
-            <a:ext cx="6774767" cy="2880610"/>
+            <a:off x="4077876" y="2591926"/>
+            <a:ext cx="3867652" cy="1644514"/>
           </a:xfrm>
           <a:prstGeom prst="rect">
             <a:avLst/>
@@ -19091,8 +19091,8 @@
         </p:blipFill>
         <p:spPr>
           <a:xfrm>
-            <a:off x="4507811" y="2493433"/>
-            <a:ext cx="6774767" cy="2880610"/>
+            <a:off x="8146536" y="2591926"/>
+            <a:ext cx="3867653" cy="1644514"/>
           </a:xfrm>
           <a:prstGeom prst="rect">
             <a:avLst/>

--- a/SAI_presentation.pptx
+++ b/SAI_presentation.pptx
@@ -19099,6 +19099,98 @@
           </a:prstGeom>
         </p:spPr>
       </p:pic>
+      <p:sp>
+        <p:nvSpPr>
+          <p:cNvPr id="5" name="Flèche : droite 4">
+            <a:extLst>
+              <a:ext uri="{FF2B5EF4-FFF2-40B4-BE49-F238E27FC236}">
+                <a16:creationId xmlns:a16="http://schemas.microsoft.com/office/drawing/2014/main" id="{ED5BC045-61E3-4912-A527-7355BB8C8E6C}"/>
+              </a:ext>
+            </a:extLst>
+          </p:cNvPr>
+          <p:cNvSpPr/>
+          <p:nvPr/>
+        </p:nvSpPr>
+        <p:spPr>
+          <a:xfrm>
+            <a:off x="3934438" y="3254930"/>
+            <a:ext cx="67111" cy="319287"/>
+          </a:xfrm>
+          <a:prstGeom prst="rightArrow">
+            <a:avLst/>
+          </a:prstGeom>
+        </p:spPr>
+        <p:style>
+          <a:lnRef idx="2">
+            <a:schemeClr val="accent1">
+              <a:shade val="50000"/>
+            </a:schemeClr>
+          </a:lnRef>
+          <a:fillRef idx="1">
+            <a:schemeClr val="accent1"/>
+          </a:fillRef>
+          <a:effectRef idx="0">
+            <a:schemeClr val="accent1"/>
+          </a:effectRef>
+          <a:fontRef idx="minor">
+            <a:schemeClr val="lt1"/>
+          </a:fontRef>
+        </p:style>
+        <p:txBody>
+          <a:bodyPr rtlCol="0" anchor="ctr"/>
+          <a:lstStyle/>
+          <a:p>
+            <a:pPr algn="ctr"/>
+            <a:endParaRPr lang="en-GB"/>
+          </a:p>
+        </p:txBody>
+      </p:sp>
+      <p:sp>
+        <p:nvSpPr>
+          <p:cNvPr id="9" name="Flèche : droite 8">
+            <a:extLst>
+              <a:ext uri="{FF2B5EF4-FFF2-40B4-BE49-F238E27FC236}">
+                <a16:creationId xmlns:a16="http://schemas.microsoft.com/office/drawing/2014/main" id="{F0E62A44-5A51-4131-9F9D-03F9B47BB065}"/>
+              </a:ext>
+            </a:extLst>
+          </p:cNvPr>
+          <p:cNvSpPr/>
+          <p:nvPr/>
+        </p:nvSpPr>
+        <p:spPr>
+          <a:xfrm>
+            <a:off x="8004501" y="3281495"/>
+            <a:ext cx="67111" cy="319287"/>
+          </a:xfrm>
+          <a:prstGeom prst="rightArrow">
+            <a:avLst/>
+          </a:prstGeom>
+        </p:spPr>
+        <p:style>
+          <a:lnRef idx="2">
+            <a:schemeClr val="accent1">
+              <a:shade val="50000"/>
+            </a:schemeClr>
+          </a:lnRef>
+          <a:fillRef idx="1">
+            <a:schemeClr val="accent1"/>
+          </a:fillRef>
+          <a:effectRef idx="0">
+            <a:schemeClr val="accent1"/>
+          </a:effectRef>
+          <a:fontRef idx="minor">
+            <a:schemeClr val="lt1"/>
+          </a:fontRef>
+        </p:style>
+        <p:txBody>
+          <a:bodyPr rtlCol="0" anchor="ctr"/>
+          <a:lstStyle/>
+          <a:p>
+            <a:pPr algn="ctr"/>
+            <a:endParaRPr lang="en-GB"/>
+          </a:p>
+        </p:txBody>
+      </p:sp>
     </p:spTree>
     <p:extLst>
       <p:ext uri="{BB962C8B-B14F-4D97-AF65-F5344CB8AC3E}">

--- a/SAI_presentation.pptx
+++ b/SAI_presentation.pptx
@@ -6942,7 +6942,7 @@
             <a:fld id="{B61BEF0D-F0BB-DE4B-95CE-6DB70DBA9567}" type="datetimeFigureOut">
               <a:rPr lang="en-US" dirty="0"/>
               <a:pPr/>
-              <a:t>4/4/2020</a:t>
+              <a:t>4/5/2020</a:t>
             </a:fld>
             <a:endParaRPr lang="en-US" dirty="0"/>
           </a:p>
@@ -7375,7 +7375,7 @@
             <a:fld id="{B61BEF0D-F0BB-DE4B-95CE-6DB70DBA9567}" type="datetimeFigureOut">
               <a:rPr lang="en-US" dirty="0"/>
               <a:pPr/>
-              <a:t>4/4/2020</a:t>
+              <a:t>4/5/2020</a:t>
             </a:fld>
             <a:endParaRPr lang="en-US" dirty="0"/>
           </a:p>
@@ -7622,7 +7622,7 @@
             <a:fld id="{B61BEF0D-F0BB-DE4B-95CE-6DB70DBA9567}" type="datetimeFigureOut">
               <a:rPr lang="en-US" dirty="0"/>
               <a:pPr/>
-              <a:t>4/4/2020</a:t>
+              <a:t>4/5/2020</a:t>
             </a:fld>
             <a:endParaRPr lang="en-US" dirty="0"/>
           </a:p>
@@ -7927,7 +7927,7 @@
             <a:fld id="{B61BEF0D-F0BB-DE4B-95CE-6DB70DBA9567}" type="datetimeFigureOut">
               <a:rPr lang="en-US" dirty="0"/>
               <a:pPr/>
-              <a:t>4/4/2020</a:t>
+              <a:t>4/5/2020</a:t>
             </a:fld>
             <a:endParaRPr lang="en-US" dirty="0"/>
           </a:p>
@@ -8242,7 +8242,7 @@
             <a:fld id="{B61BEF0D-F0BB-DE4B-95CE-6DB70DBA9567}" type="datetimeFigureOut">
               <a:rPr lang="en-US" dirty="0"/>
               <a:pPr/>
-              <a:t>4/4/2020</a:t>
+              <a:t>4/5/2020</a:t>
             </a:fld>
             <a:endParaRPr lang="en-US" dirty="0"/>
           </a:p>
@@ -8541,7 +8541,7 @@
             <a:fld id="{B61BEF0D-F0BB-DE4B-95CE-6DB70DBA9567}" type="datetimeFigureOut">
               <a:rPr lang="en-US" dirty="0"/>
               <a:pPr/>
-              <a:t>4/4/2020</a:t>
+              <a:t>4/5/2020</a:t>
             </a:fld>
             <a:endParaRPr lang="en-US" dirty="0"/>
           </a:p>
@@ -8905,7 +8905,7 @@
             <a:fld id="{B61BEF0D-F0BB-DE4B-95CE-6DB70DBA9567}" type="datetimeFigureOut">
               <a:rPr lang="en-US" dirty="0"/>
               <a:pPr/>
-              <a:t>4/4/2020</a:t>
+              <a:t>4/5/2020</a:t>
             </a:fld>
             <a:endParaRPr lang="en-US" dirty="0"/>
           </a:p>
@@ -9076,7 +9076,7 @@
             <a:fld id="{B61BEF0D-F0BB-DE4B-95CE-6DB70DBA9567}" type="datetimeFigureOut">
               <a:rPr lang="en-US" dirty="0"/>
               <a:pPr/>
-              <a:t>4/4/2020</a:t>
+              <a:t>4/5/2020</a:t>
             </a:fld>
             <a:endParaRPr lang="en-US" dirty="0"/>
           </a:p>
@@ -9253,7 +9253,7 @@
             <a:fld id="{B61BEF0D-F0BB-DE4B-95CE-6DB70DBA9567}" type="datetimeFigureOut">
               <a:rPr lang="en-US" dirty="0"/>
               <a:pPr/>
-              <a:t>4/4/2020</a:t>
+              <a:t>4/5/2020</a:t>
             </a:fld>
             <a:endParaRPr lang="en-US" dirty="0"/>
           </a:p>
@@ -9420,7 +9420,7 @@
             <a:fld id="{B61BEF0D-F0BB-DE4B-95CE-6DB70DBA9567}" type="datetimeFigureOut">
               <a:rPr lang="en-US" dirty="0"/>
               <a:pPr/>
-              <a:t>4/4/2020</a:t>
+              <a:t>4/5/2020</a:t>
             </a:fld>
             <a:endParaRPr lang="en-US" dirty="0"/>
           </a:p>
@@ -9667,7 +9667,7 @@
             <a:fld id="{B61BEF0D-F0BB-DE4B-95CE-6DB70DBA9567}" type="datetimeFigureOut">
               <a:rPr lang="en-US" dirty="0"/>
               <a:pPr/>
-              <a:t>4/4/2020</a:t>
+              <a:t>4/5/2020</a:t>
             </a:fld>
             <a:endParaRPr lang="en-US" dirty="0"/>
           </a:p>
@@ -9900,7 +9900,7 @@
             <a:fld id="{B61BEF0D-F0BB-DE4B-95CE-6DB70DBA9567}" type="datetimeFigureOut">
               <a:rPr lang="en-US" dirty="0"/>
               <a:pPr/>
-              <a:t>4/4/2020</a:t>
+              <a:t>4/5/2020</a:t>
             </a:fld>
             <a:endParaRPr lang="en-US" dirty="0"/>
           </a:p>
@@ -10279,7 +10279,7 @@
             <a:fld id="{B61BEF0D-F0BB-DE4B-95CE-6DB70DBA9567}" type="datetimeFigureOut">
               <a:rPr lang="en-US" dirty="0"/>
               <a:pPr/>
-              <a:t>4/4/2020</a:t>
+              <a:t>4/5/2020</a:t>
             </a:fld>
             <a:endParaRPr lang="en-US" dirty="0"/>
           </a:p>
@@ -10394,7 +10394,7 @@
             <a:fld id="{B61BEF0D-F0BB-DE4B-95CE-6DB70DBA9567}" type="datetimeFigureOut">
               <a:rPr lang="en-US" dirty="0"/>
               <a:pPr/>
-              <a:t>4/4/2020</a:t>
+              <a:t>4/5/2020</a:t>
             </a:fld>
             <a:endParaRPr lang="en-US" dirty="0"/>
           </a:p>
@@ -10486,7 +10486,7 @@
             <a:fld id="{B61BEF0D-F0BB-DE4B-95CE-6DB70DBA9567}" type="datetimeFigureOut">
               <a:rPr lang="en-US" dirty="0"/>
               <a:pPr/>
-              <a:t>4/4/2020</a:t>
+              <a:t>4/5/2020</a:t>
             </a:fld>
             <a:endParaRPr lang="en-US" dirty="0"/>
           </a:p>
@@ -10738,7 +10738,7 @@
             <a:fld id="{B61BEF0D-F0BB-DE4B-95CE-6DB70DBA9567}" type="datetimeFigureOut">
               <a:rPr lang="en-US" dirty="0"/>
               <a:pPr/>
-              <a:t>4/4/2020</a:t>
+              <a:t>4/5/2020</a:t>
             </a:fld>
             <a:endParaRPr lang="en-US" dirty="0"/>
           </a:p>
@@ -11018,7 +11018,7 @@
             <a:fld id="{B61BEF0D-F0BB-DE4B-95CE-6DB70DBA9567}" type="datetimeFigureOut">
               <a:rPr lang="en-US" dirty="0"/>
               <a:pPr/>
-              <a:t>4/4/2020</a:t>
+              <a:t>4/5/2020</a:t>
             </a:fld>
             <a:endParaRPr lang="en-US" dirty="0"/>
           </a:p>
@@ -11421,7 +11421,7 @@
             <a:fld id="{B61BEF0D-F0BB-DE4B-95CE-6DB70DBA9567}" type="datetimeFigureOut">
               <a:rPr lang="en-US" dirty="0"/>
               <a:pPr/>
-              <a:t>4/4/2020</a:t>
+              <a:t>4/5/2020</a:t>
             </a:fld>
             <a:endParaRPr lang="en-US" dirty="0"/>
           </a:p>
@@ -19001,8 +19001,8 @@
         </p:blipFill>
         <p:spPr>
           <a:xfrm>
-            <a:off x="4510236" y="267295"/>
-            <a:ext cx="3002931" cy="2112734"/>
+            <a:off x="4051883" y="68130"/>
+            <a:ext cx="4046535" cy="2846969"/>
           </a:xfrm>
           <a:prstGeom prst="rect">
             <a:avLst/>
@@ -19031,7 +19031,7 @@
         </p:blipFill>
         <p:spPr>
           <a:xfrm>
-            <a:off x="0" y="2591926"/>
+            <a:off x="83890" y="3103655"/>
             <a:ext cx="3867652" cy="1644514"/>
           </a:xfrm>
           <a:prstGeom prst="rect">
@@ -19061,7 +19061,7 @@
         </p:blipFill>
         <p:spPr>
           <a:xfrm>
-            <a:off x="4077876" y="2591926"/>
+            <a:off x="4161766" y="3103655"/>
             <a:ext cx="3867652" cy="1644514"/>
           </a:xfrm>
           <a:prstGeom prst="rect">
@@ -19091,7 +19091,7 @@
         </p:blipFill>
         <p:spPr>
           <a:xfrm>
-            <a:off x="8146536" y="2591926"/>
+            <a:off x="8230426" y="3103655"/>
             <a:ext cx="3867653" cy="1644514"/>
           </a:xfrm>
           <a:prstGeom prst="rect">
@@ -19113,8 +19113,8 @@
         </p:nvSpPr>
         <p:spPr>
           <a:xfrm>
-            <a:off x="3934438" y="3254930"/>
-            <a:ext cx="67111" cy="319287"/>
+            <a:off x="3993737" y="3766659"/>
+            <a:ext cx="151251" cy="319287"/>
           </a:xfrm>
           <a:prstGeom prst="rightArrow">
             <a:avLst/>
@@ -19159,8 +19159,8 @@
         </p:nvSpPr>
         <p:spPr>
           <a:xfrm>
-            <a:off x="8004501" y="3281495"/>
-            <a:ext cx="67111" cy="319287"/>
+            <a:off x="8073250" y="3793224"/>
+            <a:ext cx="132009" cy="319287"/>
           </a:xfrm>
           <a:prstGeom prst="rightArrow">
             <a:avLst/>

--- a/SAI_presentation.pptx
+++ b/SAI_presentation.pptx
@@ -19191,6 +19191,171 @@
           </a:p>
         </p:txBody>
       </p:sp>
+      <p:sp>
+        <p:nvSpPr>
+          <p:cNvPr id="11" name="Bulle narrative : rectangle 10">
+            <a:extLst>
+              <a:ext uri="{FF2B5EF4-FFF2-40B4-BE49-F238E27FC236}">
+                <a16:creationId xmlns:a16="http://schemas.microsoft.com/office/drawing/2014/main" id="{DA571948-BFED-44C5-A29B-38E1A841D144}"/>
+              </a:ext>
+            </a:extLst>
+          </p:cNvPr>
+          <p:cNvSpPr/>
+          <p:nvPr/>
+        </p:nvSpPr>
+        <p:spPr>
+          <a:xfrm>
+            <a:off x="2701255" y="5176007"/>
+            <a:ext cx="1350628" cy="818392"/>
+          </a:xfrm>
+          <a:prstGeom prst="wedgeRectCallout">
+            <a:avLst>
+              <a:gd name="adj1" fmla="val -53752"/>
+              <a:gd name="adj2" fmla="val -124060"/>
+            </a:avLst>
+          </a:prstGeom>
+        </p:spPr>
+        <p:style>
+          <a:lnRef idx="2">
+            <a:schemeClr val="accent1">
+              <a:shade val="50000"/>
+            </a:schemeClr>
+          </a:lnRef>
+          <a:fillRef idx="1">
+            <a:schemeClr val="accent1"/>
+          </a:fillRef>
+          <a:effectRef idx="0">
+            <a:schemeClr val="accent1"/>
+          </a:effectRef>
+          <a:fontRef idx="minor">
+            <a:schemeClr val="lt1"/>
+          </a:fontRef>
+        </p:style>
+        <p:txBody>
+          <a:bodyPr rtlCol="0" anchor="ctr"/>
+          <a:lstStyle/>
+          <a:p>
+            <a:pPr algn="ctr"/>
+            <a:r>
+              <a:rPr lang="en-GB" dirty="0">
+                <a:hlinkClick r:id="rId6"/>
+              </a:rPr>
+              <a:t>GEORGIA-PACIFIC</a:t>
+            </a:r>
+            <a:endParaRPr lang="en-GB" dirty="0"/>
+          </a:p>
+        </p:txBody>
+      </p:sp>
+      <p:sp>
+        <p:nvSpPr>
+          <p:cNvPr id="12" name="Bulle narrative : rectangle 11">
+            <a:extLst>
+              <a:ext uri="{FF2B5EF4-FFF2-40B4-BE49-F238E27FC236}">
+                <a16:creationId xmlns:a16="http://schemas.microsoft.com/office/drawing/2014/main" id="{304A7D1D-F1D1-49B5-AA75-AFD35641AB94}"/>
+              </a:ext>
+            </a:extLst>
+          </p:cNvPr>
+          <p:cNvSpPr/>
+          <p:nvPr/>
+        </p:nvSpPr>
+        <p:spPr>
+          <a:xfrm>
+            <a:off x="6722622" y="5196520"/>
+            <a:ext cx="1350628" cy="818392"/>
+          </a:xfrm>
+          <a:prstGeom prst="wedgeRectCallout">
+            <a:avLst>
+              <a:gd name="adj1" fmla="val -4063"/>
+              <a:gd name="adj2" fmla="val -250142"/>
+            </a:avLst>
+          </a:prstGeom>
+        </p:spPr>
+        <p:style>
+          <a:lnRef idx="2">
+            <a:schemeClr val="accent1">
+              <a:shade val="50000"/>
+            </a:schemeClr>
+          </a:lnRef>
+          <a:fillRef idx="1">
+            <a:schemeClr val="accent1"/>
+          </a:fillRef>
+          <a:effectRef idx="0">
+            <a:schemeClr val="accent1"/>
+          </a:effectRef>
+          <a:fontRef idx="minor">
+            <a:schemeClr val="lt1"/>
+          </a:fontRef>
+        </p:style>
+        <p:txBody>
+          <a:bodyPr rtlCol="0" anchor="ctr"/>
+          <a:lstStyle/>
+          <a:p>
+            <a:pPr algn="ctr"/>
+            <a:r>
+              <a:rPr lang="en-GB" dirty="0">
+                <a:hlinkClick r:id="rId6"/>
+              </a:rPr>
+              <a:t>GEORGIA-PACIFIC</a:t>
+            </a:r>
+            <a:endParaRPr lang="en-GB" dirty="0"/>
+          </a:p>
+        </p:txBody>
+      </p:sp>
+      <p:sp>
+        <p:nvSpPr>
+          <p:cNvPr id="13" name="Bulle narrative : rectangle 12">
+            <a:extLst>
+              <a:ext uri="{FF2B5EF4-FFF2-40B4-BE49-F238E27FC236}">
+                <a16:creationId xmlns:a16="http://schemas.microsoft.com/office/drawing/2014/main" id="{417EF19A-8C2D-4EE7-8CC7-BC51D89E19EB}"/>
+              </a:ext>
+            </a:extLst>
+          </p:cNvPr>
+          <p:cNvSpPr/>
+          <p:nvPr/>
+        </p:nvSpPr>
+        <p:spPr>
+          <a:xfrm>
+            <a:off x="10165079" y="5131618"/>
+            <a:ext cx="1350628" cy="818392"/>
+          </a:xfrm>
+          <a:prstGeom prst="wedgeRectCallout">
+            <a:avLst>
+              <a:gd name="adj1" fmla="val -53752"/>
+              <a:gd name="adj2" fmla="val -124060"/>
+            </a:avLst>
+          </a:prstGeom>
+        </p:spPr>
+        <p:style>
+          <a:lnRef idx="2">
+            <a:schemeClr val="accent1">
+              <a:shade val="50000"/>
+            </a:schemeClr>
+          </a:lnRef>
+          <a:fillRef idx="1">
+            <a:schemeClr val="accent1"/>
+          </a:fillRef>
+          <a:effectRef idx="0">
+            <a:schemeClr val="accent1"/>
+          </a:effectRef>
+          <a:fontRef idx="minor">
+            <a:schemeClr val="lt1"/>
+          </a:fontRef>
+        </p:style>
+        <p:txBody>
+          <a:bodyPr rtlCol="0" anchor="ctr"/>
+          <a:lstStyle/>
+          <a:p>
+            <a:pPr algn="ctr"/>
+            <a:r>
+              <a:rPr lang="en-GB" dirty="0">
+                <a:hlinkClick r:id="rId6"/>
+              </a:rPr>
+              <a:t>GEORGIA-PACIFIC</a:t>
+            </a:r>
+            <a:endParaRPr lang="en-GB" dirty="0"/>
+          </a:p>
+        </p:txBody>
+      </p:sp>
     </p:spTree>
     <p:extLst>
       <p:ext uri="{BB962C8B-B14F-4D97-AF65-F5344CB8AC3E}">

--- a/SAI_presentation.pptx
+++ b/SAI_presentation.pptx
@@ -19237,12 +19237,13 @@
           <a:p>
             <a:pPr algn="ctr"/>
             <a:r>
-              <a:rPr lang="en-GB" dirty="0">
-                <a:hlinkClick r:id="rId6"/>
-              </a:rPr>
-              <a:t>GEORGIA-PACIFIC</a:t>
-            </a:r>
-            <a:endParaRPr lang="en-GB" dirty="0"/>
+              <a:rPr lang="fr-FR" dirty="0"/>
+              <a:t>B</a:t>
+            </a:r>
+            <a:r>
+              <a:rPr lang="en-GB" dirty="0"/>
+              <a:t>ox to show SAI understanding</a:t>
+            </a:r>
           </a:p>
         </p:txBody>
       </p:sp>
@@ -19292,12 +19293,9 @@
           <a:p>
             <a:pPr algn="ctr"/>
             <a:r>
-              <a:rPr lang="en-GB" dirty="0">
-                <a:hlinkClick r:id="rId6"/>
-              </a:rPr>
-              <a:t>GEORGIA-PACIFIC</a:t>
-            </a:r>
-            <a:endParaRPr lang="en-GB" dirty="0"/>
+              <a:rPr lang="en-GB" dirty="0"/>
+              <a:t>Click to match the strategy with their label</a:t>
+            </a:r>
           </a:p>
         </p:txBody>
       </p:sp>
@@ -19320,8 +19318,8 @@
           </a:xfrm>
           <a:prstGeom prst="wedgeRectCallout">
             <a:avLst>
-              <a:gd name="adj1" fmla="val -53752"/>
-              <a:gd name="adj2" fmla="val -124060"/>
+              <a:gd name="adj1" fmla="val -46920"/>
+              <a:gd name="adj2" fmla="val -136361"/>
             </a:avLst>
           </a:prstGeom>
         </p:spPr>
@@ -19347,10 +19345,12 @@
           <a:p>
             <a:pPr algn="ctr"/>
             <a:r>
-              <a:rPr lang="en-GB" dirty="0">
-                <a:hlinkClick r:id="rId6"/>
-              </a:rPr>
-              <a:t>GEORGIA-PACIFIC</a:t>
+              <a:rPr lang="en-GB" dirty="0"/>
+              <a:t>Show the </a:t>
+            </a:r>
+            <a:r>
+              <a:rPr lang="en-GB" dirty="0" err="1"/>
+              <a:t>understading</a:t>
             </a:r>
             <a:endParaRPr lang="en-GB" dirty="0"/>
           </a:p>

--- a/SAI_presentation.pptx
+++ b/SAI_presentation.pptx
@@ -6942,7 +6942,7 @@
             <a:fld id="{B61BEF0D-F0BB-DE4B-95CE-6DB70DBA9567}" type="datetimeFigureOut">
               <a:rPr lang="en-US" dirty="0"/>
               <a:pPr/>
-              <a:t>4/5/2020</a:t>
+              <a:t>4/6/2020</a:t>
             </a:fld>
             <a:endParaRPr lang="en-US" dirty="0"/>
           </a:p>
@@ -7375,7 +7375,7 @@
             <a:fld id="{B61BEF0D-F0BB-DE4B-95CE-6DB70DBA9567}" type="datetimeFigureOut">
               <a:rPr lang="en-US" dirty="0"/>
               <a:pPr/>
-              <a:t>4/5/2020</a:t>
+              <a:t>4/6/2020</a:t>
             </a:fld>
             <a:endParaRPr lang="en-US" dirty="0"/>
           </a:p>
@@ -7622,7 +7622,7 @@
             <a:fld id="{B61BEF0D-F0BB-DE4B-95CE-6DB70DBA9567}" type="datetimeFigureOut">
               <a:rPr lang="en-US" dirty="0"/>
               <a:pPr/>
-              <a:t>4/5/2020</a:t>
+              <a:t>4/6/2020</a:t>
             </a:fld>
             <a:endParaRPr lang="en-US" dirty="0"/>
           </a:p>
@@ -7927,7 +7927,7 @@
             <a:fld id="{B61BEF0D-F0BB-DE4B-95CE-6DB70DBA9567}" type="datetimeFigureOut">
               <a:rPr lang="en-US" dirty="0"/>
               <a:pPr/>
-              <a:t>4/5/2020</a:t>
+              <a:t>4/6/2020</a:t>
             </a:fld>
             <a:endParaRPr lang="en-US" dirty="0"/>
           </a:p>
@@ -8242,7 +8242,7 @@
             <a:fld id="{B61BEF0D-F0BB-DE4B-95CE-6DB70DBA9567}" type="datetimeFigureOut">
               <a:rPr lang="en-US" dirty="0"/>
               <a:pPr/>
-              <a:t>4/5/2020</a:t>
+              <a:t>4/6/2020</a:t>
             </a:fld>
             <a:endParaRPr lang="en-US" dirty="0"/>
           </a:p>
@@ -8541,7 +8541,7 @@
             <a:fld id="{B61BEF0D-F0BB-DE4B-95CE-6DB70DBA9567}" type="datetimeFigureOut">
               <a:rPr lang="en-US" dirty="0"/>
               <a:pPr/>
-              <a:t>4/5/2020</a:t>
+              <a:t>4/6/2020</a:t>
             </a:fld>
             <a:endParaRPr lang="en-US" dirty="0"/>
           </a:p>
@@ -8905,7 +8905,7 @@
             <a:fld id="{B61BEF0D-F0BB-DE4B-95CE-6DB70DBA9567}" type="datetimeFigureOut">
               <a:rPr lang="en-US" dirty="0"/>
               <a:pPr/>
-              <a:t>4/5/2020</a:t>
+              <a:t>4/6/2020</a:t>
             </a:fld>
             <a:endParaRPr lang="en-US" dirty="0"/>
           </a:p>
@@ -9076,7 +9076,7 @@
             <a:fld id="{B61BEF0D-F0BB-DE4B-95CE-6DB70DBA9567}" type="datetimeFigureOut">
               <a:rPr lang="en-US" dirty="0"/>
               <a:pPr/>
-              <a:t>4/5/2020</a:t>
+              <a:t>4/6/2020</a:t>
             </a:fld>
             <a:endParaRPr lang="en-US" dirty="0"/>
           </a:p>
@@ -9253,7 +9253,7 @@
             <a:fld id="{B61BEF0D-F0BB-DE4B-95CE-6DB70DBA9567}" type="datetimeFigureOut">
               <a:rPr lang="en-US" dirty="0"/>
               <a:pPr/>
-              <a:t>4/5/2020</a:t>
+              <a:t>4/6/2020</a:t>
             </a:fld>
             <a:endParaRPr lang="en-US" dirty="0"/>
           </a:p>
@@ -9420,7 +9420,7 @@
             <a:fld id="{B61BEF0D-F0BB-DE4B-95CE-6DB70DBA9567}" type="datetimeFigureOut">
               <a:rPr lang="en-US" dirty="0"/>
               <a:pPr/>
-              <a:t>4/5/2020</a:t>
+              <a:t>4/6/2020</a:t>
             </a:fld>
             <a:endParaRPr lang="en-US" dirty="0"/>
           </a:p>
@@ -9667,7 +9667,7 @@
             <a:fld id="{B61BEF0D-F0BB-DE4B-95CE-6DB70DBA9567}" type="datetimeFigureOut">
               <a:rPr lang="en-US" dirty="0"/>
               <a:pPr/>
-              <a:t>4/5/2020</a:t>
+              <a:t>4/6/2020</a:t>
             </a:fld>
             <a:endParaRPr lang="en-US" dirty="0"/>
           </a:p>
@@ -9900,7 +9900,7 @@
             <a:fld id="{B61BEF0D-F0BB-DE4B-95CE-6DB70DBA9567}" type="datetimeFigureOut">
               <a:rPr lang="en-US" dirty="0"/>
               <a:pPr/>
-              <a:t>4/5/2020</a:t>
+              <a:t>4/6/2020</a:t>
             </a:fld>
             <a:endParaRPr lang="en-US" dirty="0"/>
           </a:p>
@@ -10279,7 +10279,7 @@
             <a:fld id="{B61BEF0D-F0BB-DE4B-95CE-6DB70DBA9567}" type="datetimeFigureOut">
               <a:rPr lang="en-US" dirty="0"/>
               <a:pPr/>
-              <a:t>4/5/2020</a:t>
+              <a:t>4/6/2020</a:t>
             </a:fld>
             <a:endParaRPr lang="en-US" dirty="0"/>
           </a:p>
@@ -10394,7 +10394,7 @@
             <a:fld id="{B61BEF0D-F0BB-DE4B-95CE-6DB70DBA9567}" type="datetimeFigureOut">
               <a:rPr lang="en-US" dirty="0"/>
               <a:pPr/>
-              <a:t>4/5/2020</a:t>
+              <a:t>4/6/2020</a:t>
             </a:fld>
             <a:endParaRPr lang="en-US" dirty="0"/>
           </a:p>
@@ -10486,7 +10486,7 @@
             <a:fld id="{B61BEF0D-F0BB-DE4B-95CE-6DB70DBA9567}" type="datetimeFigureOut">
               <a:rPr lang="en-US" dirty="0"/>
               <a:pPr/>
-              <a:t>4/5/2020</a:t>
+              <a:t>4/6/2020</a:t>
             </a:fld>
             <a:endParaRPr lang="en-US" dirty="0"/>
           </a:p>
@@ -10738,7 +10738,7 @@
             <a:fld id="{B61BEF0D-F0BB-DE4B-95CE-6DB70DBA9567}" type="datetimeFigureOut">
               <a:rPr lang="en-US" dirty="0"/>
               <a:pPr/>
-              <a:t>4/5/2020</a:t>
+              <a:t>4/6/2020</a:t>
             </a:fld>
             <a:endParaRPr lang="en-US" dirty="0"/>
           </a:p>
@@ -11018,7 +11018,7 @@
             <a:fld id="{B61BEF0D-F0BB-DE4B-95CE-6DB70DBA9567}" type="datetimeFigureOut">
               <a:rPr lang="en-US" dirty="0"/>
               <a:pPr/>
-              <a:t>4/5/2020</a:t>
+              <a:t>4/6/2020</a:t>
             </a:fld>
             <a:endParaRPr lang="en-US" dirty="0"/>
           </a:p>
@@ -11421,7 +11421,7 @@
             <a:fld id="{B61BEF0D-F0BB-DE4B-95CE-6DB70DBA9567}" type="datetimeFigureOut">
               <a:rPr lang="en-US" dirty="0"/>
               <a:pPr/>
-              <a:t>4/5/2020</a:t>
+              <a:t>4/6/2020</a:t>
             </a:fld>
             <a:endParaRPr lang="en-US" dirty="0"/>
           </a:p>
@@ -19214,6 +19214,14 @@
               <a:gd name="adj2" fmla="val -124060"/>
             </a:avLst>
           </a:prstGeom>
+          <a:solidFill>
+            <a:srgbClr val="00B0F0"/>
+          </a:solidFill>
+          <a:ln>
+            <a:solidFill>
+              <a:srgbClr val="00B0F0"/>
+            </a:solidFill>
+          </a:ln>
         </p:spPr>
         <p:style>
           <a:lnRef idx="2">
@@ -19270,6 +19278,14 @@
               <a:gd name="adj2" fmla="val -250142"/>
             </a:avLst>
           </a:prstGeom>
+          <a:solidFill>
+            <a:srgbClr val="00B0F0"/>
+          </a:solidFill>
+          <a:ln>
+            <a:solidFill>
+              <a:srgbClr val="00B0F0"/>
+            </a:solidFill>
+          </a:ln>
         </p:spPr>
         <p:style>
           <a:lnRef idx="2">
@@ -19322,6 +19338,14 @@
               <a:gd name="adj2" fmla="val -136361"/>
             </a:avLst>
           </a:prstGeom>
+          <a:solidFill>
+            <a:srgbClr val="00B0F0"/>
+          </a:solidFill>
+          <a:ln>
+            <a:solidFill>
+              <a:srgbClr val="00B0F0"/>
+            </a:solidFill>
+          </a:ln>
         </p:spPr>
         <p:style>
           <a:lnRef idx="2">

--- a/SAI_presentation.pptx
+++ b/SAI_presentation.pptx
@@ -19205,13 +19205,13 @@
         </p:nvSpPr>
         <p:spPr>
           <a:xfrm>
-            <a:off x="2701255" y="5176007"/>
-            <a:ext cx="1350628" cy="818392"/>
+            <a:off x="2701254" y="5176006"/>
+            <a:ext cx="1837189" cy="922789"/>
           </a:xfrm>
           <a:prstGeom prst="wedgeRectCallout">
             <a:avLst>
-              <a:gd name="adj1" fmla="val -53752"/>
-              <a:gd name="adj2" fmla="val -124060"/>
+              <a:gd name="adj1" fmla="val -45989"/>
+              <a:gd name="adj2" fmla="val -117696"/>
             </a:avLst>
           </a:prstGeom>
           <a:solidFill>
@@ -19269,13 +19269,13 @@
         </p:nvSpPr>
         <p:spPr>
           <a:xfrm>
-            <a:off x="6722622" y="5196520"/>
-            <a:ext cx="1350628" cy="818392"/>
+            <a:off x="6722622" y="5196519"/>
+            <a:ext cx="1968372" cy="826003"/>
           </a:xfrm>
           <a:prstGeom prst="wedgeRectCallout">
             <a:avLst>
-              <a:gd name="adj1" fmla="val -4063"/>
-              <a:gd name="adj2" fmla="val -250142"/>
+              <a:gd name="adj1" fmla="val -18980"/>
+              <a:gd name="adj2" fmla="val -247095"/>
             </a:avLst>
           </a:prstGeom>
           <a:solidFill>
@@ -19329,13 +19329,13 @@
         </p:nvSpPr>
         <p:spPr>
           <a:xfrm>
-            <a:off x="10165079" y="5131618"/>
-            <a:ext cx="1350628" cy="818392"/>
+            <a:off x="9731230" y="5131618"/>
+            <a:ext cx="2105636" cy="656786"/>
           </a:xfrm>
           <a:prstGeom prst="wedgeRectCallout">
             <a:avLst>
-              <a:gd name="adj1" fmla="val -46920"/>
-              <a:gd name="adj2" fmla="val -136361"/>
+              <a:gd name="adj1" fmla="val -28992"/>
+              <a:gd name="adj2" fmla="val -159352"/>
             </a:avLst>
           </a:prstGeom>
           <a:solidFill>

--- a/SAI_presentation.pptx
+++ b/SAI_presentation.pptx
@@ -19001,7 +19001,7 @@
         </p:blipFill>
         <p:spPr>
           <a:xfrm>
-            <a:off x="4051883" y="68130"/>
+            <a:off x="4069362" y="82812"/>
             <a:ext cx="4046535" cy="2846969"/>
           </a:xfrm>
           <a:prstGeom prst="rect">
@@ -19377,6 +19377,102 @@
               <a:t>understading</a:t>
             </a:r>
             <a:endParaRPr lang="en-GB" dirty="0"/>
+          </a:p>
+        </p:txBody>
+      </p:sp>
+      <p:sp>
+        <p:nvSpPr>
+          <p:cNvPr id="14" name="ZoneTexte 13">
+            <a:extLst>
+              <a:ext uri="{FF2B5EF4-FFF2-40B4-BE49-F238E27FC236}">
+                <a16:creationId xmlns:a16="http://schemas.microsoft.com/office/drawing/2014/main" id="{650B99DC-B831-4132-ACAD-6D065108A238}"/>
+              </a:ext>
+            </a:extLst>
+          </p:cNvPr>
+          <p:cNvSpPr txBox="1"/>
+          <p:nvPr/>
+        </p:nvSpPr>
+        <p:spPr>
+          <a:xfrm>
+            <a:off x="5033393" y="2516697"/>
+            <a:ext cx="2575421" cy="369332"/>
+          </a:xfrm>
+          <a:prstGeom prst="rect">
+            <a:avLst/>
+          </a:prstGeom>
+          <a:noFill/>
+        </p:spPr>
+        <p:txBody>
+          <a:bodyPr wrap="square" rtlCol="0">
+            <a:spAutoFit/>
+          </a:bodyPr>
+          <a:lstStyle/>
+          <a:p>
+            <a:r>
+              <a:rPr lang="fr-FR" dirty="0">
+                <a:solidFill>
+                  <a:schemeClr val="bg1"/>
+                </a:solidFill>
+              </a:rPr>
+              <a:t>Time</a:t>
+            </a:r>
+            <a:endParaRPr lang="en-GB" dirty="0">
+              <a:solidFill>
+                <a:schemeClr val="bg1"/>
+              </a:solidFill>
+            </a:endParaRPr>
+          </a:p>
+        </p:txBody>
+      </p:sp>
+      <p:sp>
+        <p:nvSpPr>
+          <p:cNvPr id="15" name="ZoneTexte 14">
+            <a:extLst>
+              <a:ext uri="{FF2B5EF4-FFF2-40B4-BE49-F238E27FC236}">
+                <a16:creationId xmlns:a16="http://schemas.microsoft.com/office/drawing/2014/main" id="{3FBCF1A4-4E92-4010-95A9-A55FD5B9419D}"/>
+              </a:ext>
+            </a:extLst>
+          </p:cNvPr>
+          <p:cNvSpPr txBox="1"/>
+          <p:nvPr/>
+        </p:nvSpPr>
+        <p:spPr>
+          <a:xfrm rot="16200000">
+            <a:off x="3179543" y="1263071"/>
+            <a:ext cx="1964447" cy="369332"/>
+          </a:xfrm>
+          <a:prstGeom prst="rect">
+            <a:avLst/>
+          </a:prstGeom>
+          <a:noFill/>
+        </p:spPr>
+        <p:txBody>
+          <a:bodyPr wrap="square" rtlCol="0">
+            <a:spAutoFit/>
+          </a:bodyPr>
+          <a:lstStyle/>
+          <a:p>
+            <a:r>
+              <a:rPr lang="fr-FR" dirty="0">
+                <a:solidFill>
+                  <a:schemeClr val="bg1"/>
+                </a:solidFill>
+              </a:rPr>
+              <a:t>Nb </a:t>
+            </a:r>
+            <a:r>
+              <a:rPr lang="fr-FR" dirty="0" err="1">
+                <a:solidFill>
+                  <a:schemeClr val="bg1"/>
+                </a:solidFill>
+              </a:rPr>
+              <a:t>commands</a:t>
+            </a:r>
+            <a:endParaRPr lang="en-GB" dirty="0">
+              <a:solidFill>
+                <a:schemeClr val="bg1"/>
+              </a:solidFill>
+            </a:endParaRPr>
           </a:p>
         </p:txBody>
       </p:sp>

--- a/SAI_presentation.pptx
+++ b/SAI_presentation.pptx
@@ -4,6 +4,9 @@
   <p:sldMasterIdLst>
     <p:sldMasterId id="2147483648" r:id="rId1"/>
   </p:sldMasterIdLst>
+  <p:notesMasterIdLst>
+    <p:notesMasterId r:id="rId25"/>
+  </p:notesMasterIdLst>
   <p:sldIdLst>
     <p:sldId id="256" r:id="rId2"/>
     <p:sldId id="257" r:id="rId3"/>
@@ -2407,7 +2410,7 @@
   <dgm:whole/>
   <dgm:extLst>
     <a:ext uri="http://schemas.microsoft.com/office/drawing/2008/diagram">
-      <dsp:dataModelExt xmlns:dsp="http://schemas.microsoft.com/office/drawing/2008/diagram" relId="rId6" minVer="http://schemas.openxmlformats.org/drawingml/2006/diagram"/>
+      <dsp:dataModelExt xmlns:dsp="http://schemas.microsoft.com/office/drawing/2008/diagram" relId="rId7" minVer="http://schemas.openxmlformats.org/drawingml/2006/diagram"/>
     </a:ext>
   </dgm:extLst>
 </dgm:dataModel>
@@ -6750,6 +6753,712 @@
 </dgm:styleDef>
 </file>
 
+<file path=ppt/notesMasters/notesMaster1.xml><?xml version="1.0" encoding="utf-8"?>
+<p:notesMaster xmlns:a="http://schemas.openxmlformats.org/drawingml/2006/main" xmlns:r="http://schemas.openxmlformats.org/officeDocument/2006/relationships" xmlns:p="http://schemas.openxmlformats.org/presentationml/2006/main">
+  <p:cSld>
+    <p:bg>
+      <p:bgRef idx="1001">
+        <a:schemeClr val="bg1"/>
+      </p:bgRef>
+    </p:bg>
+    <p:spTree>
+      <p:nvGrpSpPr>
+        <p:cNvPr id="1" name=""/>
+        <p:cNvGrpSpPr/>
+        <p:nvPr/>
+      </p:nvGrpSpPr>
+      <p:grpSpPr>
+        <a:xfrm>
+          <a:off x="0" y="0"/>
+          <a:ext cx="0" cy="0"/>
+          <a:chOff x="0" y="0"/>
+          <a:chExt cx="0" cy="0"/>
+        </a:xfrm>
+      </p:grpSpPr>
+      <p:sp>
+        <p:nvSpPr>
+          <p:cNvPr id="2" name="Espace réservé de l'en-tête 1"/>
+          <p:cNvSpPr>
+            <a:spLocks noGrp="1"/>
+          </p:cNvSpPr>
+          <p:nvPr>
+            <p:ph type="hdr" sz="quarter"/>
+          </p:nvPr>
+        </p:nvSpPr>
+        <p:spPr>
+          <a:xfrm>
+            <a:off x="0" y="0"/>
+            <a:ext cx="2971800" cy="458788"/>
+          </a:xfrm>
+          <a:prstGeom prst="rect">
+            <a:avLst/>
+          </a:prstGeom>
+        </p:spPr>
+        <p:txBody>
+          <a:bodyPr vert="horz" lIns="91440" tIns="45720" rIns="91440" bIns="45720" rtlCol="0"/>
+          <a:lstStyle>
+            <a:lvl1pPr algn="l">
+              <a:defRPr sz="1200"/>
+            </a:lvl1pPr>
+          </a:lstStyle>
+          <a:p>
+            <a:endParaRPr lang="en-GB"/>
+          </a:p>
+        </p:txBody>
+      </p:sp>
+      <p:sp>
+        <p:nvSpPr>
+          <p:cNvPr id="3" name="Espace réservé de la date 2"/>
+          <p:cNvSpPr>
+            <a:spLocks noGrp="1"/>
+          </p:cNvSpPr>
+          <p:nvPr>
+            <p:ph type="dt" idx="1"/>
+          </p:nvPr>
+        </p:nvSpPr>
+        <p:spPr>
+          <a:xfrm>
+            <a:off x="3884613" y="0"/>
+            <a:ext cx="2971800" cy="458788"/>
+          </a:xfrm>
+          <a:prstGeom prst="rect">
+            <a:avLst/>
+          </a:prstGeom>
+        </p:spPr>
+        <p:txBody>
+          <a:bodyPr vert="horz" lIns="91440" tIns="45720" rIns="91440" bIns="45720" rtlCol="0"/>
+          <a:lstStyle>
+            <a:lvl1pPr algn="r">
+              <a:defRPr sz="1200"/>
+            </a:lvl1pPr>
+          </a:lstStyle>
+          <a:p>
+            <a:fld id="{76162502-F79B-49BA-ABA1-44817C9D6501}" type="datetimeFigureOut">
+              <a:rPr lang="en-GB" smtClean="0"/>
+              <a:t>07/04/2020</a:t>
+            </a:fld>
+            <a:endParaRPr lang="en-GB"/>
+          </a:p>
+        </p:txBody>
+      </p:sp>
+      <p:sp>
+        <p:nvSpPr>
+          <p:cNvPr id="4" name="Espace réservé de l'image des diapositives 3"/>
+          <p:cNvSpPr>
+            <a:spLocks noGrp="1" noRot="1" noChangeAspect="1"/>
+          </p:cNvSpPr>
+          <p:nvPr>
+            <p:ph type="sldImg" idx="2"/>
+          </p:nvPr>
+        </p:nvSpPr>
+        <p:spPr>
+          <a:xfrm>
+            <a:off x="685800" y="1143000"/>
+            <a:ext cx="5486400" cy="3086100"/>
+          </a:xfrm>
+          <a:prstGeom prst="rect">
+            <a:avLst/>
+          </a:prstGeom>
+          <a:noFill/>
+          <a:ln w="12700">
+            <a:solidFill>
+              <a:prstClr val="black"/>
+            </a:solidFill>
+          </a:ln>
+        </p:spPr>
+        <p:txBody>
+          <a:bodyPr vert="horz" lIns="91440" tIns="45720" rIns="91440" bIns="45720" rtlCol="0" anchor="ctr"/>
+          <a:lstStyle/>
+          <a:p>
+            <a:endParaRPr lang="en-GB"/>
+          </a:p>
+        </p:txBody>
+      </p:sp>
+      <p:sp>
+        <p:nvSpPr>
+          <p:cNvPr id="5" name="Espace réservé des notes 4"/>
+          <p:cNvSpPr>
+            <a:spLocks noGrp="1"/>
+          </p:cNvSpPr>
+          <p:nvPr>
+            <p:ph type="body" sz="quarter" idx="3"/>
+          </p:nvPr>
+        </p:nvSpPr>
+        <p:spPr>
+          <a:xfrm>
+            <a:off x="685800" y="4400550"/>
+            <a:ext cx="5486400" cy="3600450"/>
+          </a:xfrm>
+          <a:prstGeom prst="rect">
+            <a:avLst/>
+          </a:prstGeom>
+        </p:spPr>
+        <p:txBody>
+          <a:bodyPr vert="horz" lIns="91440" tIns="45720" rIns="91440" bIns="45720" rtlCol="0"/>
+          <a:lstStyle/>
+          <a:p>
+            <a:pPr lvl="0"/>
+            <a:r>
+              <a:rPr lang="fr-FR"/>
+              <a:t>Cliquez pour modifier les styles du texte du masque</a:t>
+            </a:r>
+          </a:p>
+          <a:p>
+            <a:pPr lvl="1"/>
+            <a:r>
+              <a:rPr lang="fr-FR"/>
+              <a:t>Deuxième niveau</a:t>
+            </a:r>
+          </a:p>
+          <a:p>
+            <a:pPr lvl="2"/>
+            <a:r>
+              <a:rPr lang="fr-FR"/>
+              <a:t>Troisième niveau</a:t>
+            </a:r>
+          </a:p>
+          <a:p>
+            <a:pPr lvl="3"/>
+            <a:r>
+              <a:rPr lang="fr-FR"/>
+              <a:t>Quatrième niveau</a:t>
+            </a:r>
+          </a:p>
+          <a:p>
+            <a:pPr lvl="4"/>
+            <a:r>
+              <a:rPr lang="fr-FR"/>
+              <a:t>Cinquième niveau</a:t>
+            </a:r>
+            <a:endParaRPr lang="en-GB"/>
+          </a:p>
+        </p:txBody>
+      </p:sp>
+      <p:sp>
+        <p:nvSpPr>
+          <p:cNvPr id="6" name="Espace réservé du pied de page 5"/>
+          <p:cNvSpPr>
+            <a:spLocks noGrp="1"/>
+          </p:cNvSpPr>
+          <p:nvPr>
+            <p:ph type="ftr" sz="quarter" idx="4"/>
+          </p:nvPr>
+        </p:nvSpPr>
+        <p:spPr>
+          <a:xfrm>
+            <a:off x="0" y="8685213"/>
+            <a:ext cx="2971800" cy="458787"/>
+          </a:xfrm>
+          <a:prstGeom prst="rect">
+            <a:avLst/>
+          </a:prstGeom>
+        </p:spPr>
+        <p:txBody>
+          <a:bodyPr vert="horz" lIns="91440" tIns="45720" rIns="91440" bIns="45720" rtlCol="0" anchor="b"/>
+          <a:lstStyle>
+            <a:lvl1pPr algn="l">
+              <a:defRPr sz="1200"/>
+            </a:lvl1pPr>
+          </a:lstStyle>
+          <a:p>
+            <a:endParaRPr lang="en-GB"/>
+          </a:p>
+        </p:txBody>
+      </p:sp>
+      <p:sp>
+        <p:nvSpPr>
+          <p:cNvPr id="7" name="Espace réservé du numéro de diapositive 6"/>
+          <p:cNvSpPr>
+            <a:spLocks noGrp="1"/>
+          </p:cNvSpPr>
+          <p:nvPr>
+            <p:ph type="sldNum" sz="quarter" idx="5"/>
+          </p:nvPr>
+        </p:nvSpPr>
+        <p:spPr>
+          <a:xfrm>
+            <a:off x="3884613" y="8685213"/>
+            <a:ext cx="2971800" cy="458787"/>
+          </a:xfrm>
+          <a:prstGeom prst="rect">
+            <a:avLst/>
+          </a:prstGeom>
+        </p:spPr>
+        <p:txBody>
+          <a:bodyPr vert="horz" lIns="91440" tIns="45720" rIns="91440" bIns="45720" rtlCol="0" anchor="b"/>
+          <a:lstStyle>
+            <a:lvl1pPr algn="r">
+              <a:defRPr sz="1200"/>
+            </a:lvl1pPr>
+          </a:lstStyle>
+          <a:p>
+            <a:fld id="{70E91AD3-41F0-4AF2-986E-6281E051088E}" type="slidenum">
+              <a:rPr lang="en-GB" smtClean="0"/>
+              <a:t>‹N°›</a:t>
+            </a:fld>
+            <a:endParaRPr lang="en-GB"/>
+          </a:p>
+        </p:txBody>
+      </p:sp>
+    </p:spTree>
+    <p:extLst>
+      <p:ext uri="{BB962C8B-B14F-4D97-AF65-F5344CB8AC3E}">
+        <p14:creationId xmlns:p14="http://schemas.microsoft.com/office/powerpoint/2010/main" val="4006388551"/>
+      </p:ext>
+    </p:extLst>
+  </p:cSld>
+  <p:clrMap bg1="lt1" tx1="dk1" bg2="lt2" tx2="dk2" accent1="accent1" accent2="accent2" accent3="accent3" accent4="accent4" accent5="accent5" accent6="accent6" hlink="hlink" folHlink="folHlink"/>
+  <p:notesStyle>
+    <a:lvl1pPr marL="0" algn="l" defTabSz="914400" rtl="0" eaLnBrk="1" latinLnBrk="0" hangingPunct="1">
+      <a:defRPr sz="1200" kern="1200">
+        <a:solidFill>
+          <a:schemeClr val="tx1"/>
+        </a:solidFill>
+        <a:latin typeface="+mn-lt"/>
+        <a:ea typeface="+mn-ea"/>
+        <a:cs typeface="+mn-cs"/>
+      </a:defRPr>
+    </a:lvl1pPr>
+    <a:lvl2pPr marL="457200" algn="l" defTabSz="914400" rtl="0" eaLnBrk="1" latinLnBrk="0" hangingPunct="1">
+      <a:defRPr sz="1200" kern="1200">
+        <a:solidFill>
+          <a:schemeClr val="tx1"/>
+        </a:solidFill>
+        <a:latin typeface="+mn-lt"/>
+        <a:ea typeface="+mn-ea"/>
+        <a:cs typeface="+mn-cs"/>
+      </a:defRPr>
+    </a:lvl2pPr>
+    <a:lvl3pPr marL="914400" algn="l" defTabSz="914400" rtl="0" eaLnBrk="1" latinLnBrk="0" hangingPunct="1">
+      <a:defRPr sz="1200" kern="1200">
+        <a:solidFill>
+          <a:schemeClr val="tx1"/>
+        </a:solidFill>
+        <a:latin typeface="+mn-lt"/>
+        <a:ea typeface="+mn-ea"/>
+        <a:cs typeface="+mn-cs"/>
+      </a:defRPr>
+    </a:lvl3pPr>
+    <a:lvl4pPr marL="1371600" algn="l" defTabSz="914400" rtl="0" eaLnBrk="1" latinLnBrk="0" hangingPunct="1">
+      <a:defRPr sz="1200" kern="1200">
+        <a:solidFill>
+          <a:schemeClr val="tx1"/>
+        </a:solidFill>
+        <a:latin typeface="+mn-lt"/>
+        <a:ea typeface="+mn-ea"/>
+        <a:cs typeface="+mn-cs"/>
+      </a:defRPr>
+    </a:lvl4pPr>
+    <a:lvl5pPr marL="1828800" algn="l" defTabSz="914400" rtl="0" eaLnBrk="1" latinLnBrk="0" hangingPunct="1">
+      <a:defRPr sz="1200" kern="1200">
+        <a:solidFill>
+          <a:schemeClr val="tx1"/>
+        </a:solidFill>
+        <a:latin typeface="+mn-lt"/>
+        <a:ea typeface="+mn-ea"/>
+        <a:cs typeface="+mn-cs"/>
+      </a:defRPr>
+    </a:lvl5pPr>
+    <a:lvl6pPr marL="2286000" algn="l" defTabSz="914400" rtl="0" eaLnBrk="1" latinLnBrk="0" hangingPunct="1">
+      <a:defRPr sz="1200" kern="1200">
+        <a:solidFill>
+          <a:schemeClr val="tx1"/>
+        </a:solidFill>
+        <a:latin typeface="+mn-lt"/>
+        <a:ea typeface="+mn-ea"/>
+        <a:cs typeface="+mn-cs"/>
+      </a:defRPr>
+    </a:lvl6pPr>
+    <a:lvl7pPr marL="2743200" algn="l" defTabSz="914400" rtl="0" eaLnBrk="1" latinLnBrk="0" hangingPunct="1">
+      <a:defRPr sz="1200" kern="1200">
+        <a:solidFill>
+          <a:schemeClr val="tx1"/>
+        </a:solidFill>
+        <a:latin typeface="+mn-lt"/>
+        <a:ea typeface="+mn-ea"/>
+        <a:cs typeface="+mn-cs"/>
+      </a:defRPr>
+    </a:lvl7pPr>
+    <a:lvl8pPr marL="3200400" algn="l" defTabSz="914400" rtl="0" eaLnBrk="1" latinLnBrk="0" hangingPunct="1">
+      <a:defRPr sz="1200" kern="1200">
+        <a:solidFill>
+          <a:schemeClr val="tx1"/>
+        </a:solidFill>
+        <a:latin typeface="+mn-lt"/>
+        <a:ea typeface="+mn-ea"/>
+        <a:cs typeface="+mn-cs"/>
+      </a:defRPr>
+    </a:lvl8pPr>
+    <a:lvl9pPr marL="3657600" algn="l" defTabSz="914400" rtl="0" eaLnBrk="1" latinLnBrk="0" hangingPunct="1">
+      <a:defRPr sz="1200" kern="1200">
+        <a:solidFill>
+          <a:schemeClr val="tx1"/>
+        </a:solidFill>
+        <a:latin typeface="+mn-lt"/>
+        <a:ea typeface="+mn-ea"/>
+        <a:cs typeface="+mn-cs"/>
+      </a:defRPr>
+    </a:lvl9pPr>
+  </p:notesStyle>
+</p:notesMaster>
+</file>
+
+<file path=ppt/notesSlides/notesSlide1.xml><?xml version="1.0" encoding="utf-8"?>
+<p:notes xmlns:a="http://schemas.openxmlformats.org/drawingml/2006/main" xmlns:r="http://schemas.openxmlformats.org/officeDocument/2006/relationships" xmlns:p="http://schemas.openxmlformats.org/presentationml/2006/main">
+  <p:cSld>
+    <p:spTree>
+      <p:nvGrpSpPr>
+        <p:cNvPr id="1" name=""/>
+        <p:cNvGrpSpPr/>
+        <p:nvPr/>
+      </p:nvGrpSpPr>
+      <p:grpSpPr>
+        <a:xfrm>
+          <a:off x="0" y="0"/>
+          <a:ext cx="0" cy="0"/>
+          <a:chOff x="0" y="0"/>
+          <a:chExt cx="0" cy="0"/>
+        </a:xfrm>
+      </p:grpSpPr>
+      <p:sp>
+        <p:nvSpPr>
+          <p:cNvPr id="2" name="Espace réservé de l'image des diapositives 1"/>
+          <p:cNvSpPr>
+            <a:spLocks noGrp="1" noRot="1" noChangeAspect="1"/>
+          </p:cNvSpPr>
+          <p:nvPr>
+            <p:ph type="sldImg"/>
+          </p:nvPr>
+        </p:nvSpPr>
+        <p:spPr/>
+      </p:sp>
+      <p:sp>
+        <p:nvSpPr>
+          <p:cNvPr id="3" name="Espace réservé des notes 2"/>
+          <p:cNvSpPr>
+            <a:spLocks noGrp="1"/>
+          </p:cNvSpPr>
+          <p:nvPr>
+            <p:ph type="body" idx="1"/>
+          </p:nvPr>
+        </p:nvSpPr>
+        <p:spPr/>
+        <p:txBody>
+          <a:bodyPr/>
+          <a:lstStyle/>
+          <a:p>
+            <a:r>
+              <a:rPr lang="fr-FR" dirty="0"/>
+              <a:t>Hello </a:t>
+            </a:r>
+            <a:r>
+              <a:rPr lang="fr-FR" dirty="0" err="1"/>
+              <a:t>everyone</a:t>
+            </a:r>
+            <a:endParaRPr lang="fr-FR" dirty="0"/>
+          </a:p>
+          <a:p>
+            <a:br>
+              <a:rPr lang="fr-FR" dirty="0"/>
+            </a:br>
+            <a:r>
+              <a:rPr lang="fr-FR" dirty="0" err="1"/>
+              <a:t>My</a:t>
+            </a:r>
+            <a:r>
+              <a:rPr lang="fr-FR" dirty="0"/>
+              <a:t> </a:t>
+            </a:r>
+            <a:r>
+              <a:rPr lang="fr-FR" dirty="0" err="1"/>
+              <a:t>name</a:t>
+            </a:r>
+            <a:r>
+              <a:rPr lang="fr-FR" dirty="0"/>
+              <a:t> </a:t>
+            </a:r>
+            <a:r>
+              <a:rPr lang="fr-FR" dirty="0" err="1"/>
+              <a:t>is</a:t>
+            </a:r>
+            <a:r>
+              <a:rPr lang="fr-FR" dirty="0"/>
+              <a:t> Johnny NGUYEN</a:t>
+            </a:r>
+          </a:p>
+          <a:p>
+            <a:r>
+              <a:rPr lang="fr-FR" dirty="0"/>
+              <a:t>I </a:t>
+            </a:r>
+            <a:r>
+              <a:rPr lang="fr-FR" dirty="0" err="1"/>
+              <a:t>hope</a:t>
+            </a:r>
+            <a:r>
+              <a:rPr lang="fr-FR" dirty="0"/>
+              <a:t> </a:t>
+            </a:r>
+            <a:r>
+              <a:rPr lang="fr-FR" dirty="0" err="1"/>
+              <a:t>that</a:t>
+            </a:r>
+            <a:r>
+              <a:rPr lang="fr-FR" dirty="0"/>
+              <a:t> </a:t>
+            </a:r>
+            <a:r>
+              <a:rPr lang="fr-FR" dirty="0" err="1"/>
+              <a:t>you</a:t>
+            </a:r>
+            <a:r>
+              <a:rPr lang="fr-FR" dirty="0"/>
+              <a:t> are all </a:t>
+            </a:r>
+            <a:r>
+              <a:rPr lang="fr-FR" dirty="0" err="1"/>
+              <a:t>safe</a:t>
+            </a:r>
+            <a:r>
+              <a:rPr lang="fr-FR" dirty="0"/>
+              <a:t> </a:t>
+            </a:r>
+            <a:r>
+              <a:rPr lang="fr-FR" dirty="0" err="1"/>
+              <a:t>with</a:t>
+            </a:r>
+            <a:r>
+              <a:rPr lang="fr-FR" dirty="0"/>
+              <a:t> </a:t>
+            </a:r>
+            <a:r>
+              <a:rPr lang="fr-FR" dirty="0" err="1"/>
+              <a:t>this</a:t>
+            </a:r>
+            <a:r>
+              <a:rPr lang="fr-FR" dirty="0"/>
+              <a:t> </a:t>
+            </a:r>
+            <a:r>
+              <a:rPr lang="fr-FR" dirty="0" err="1"/>
+              <a:t>epidemic</a:t>
+            </a:r>
+            <a:endParaRPr lang="fr-FR" dirty="0"/>
+          </a:p>
+          <a:p>
+            <a:r>
+              <a:rPr lang="fr-FR" dirty="0" err="1"/>
+              <a:t>I’m</a:t>
+            </a:r>
+            <a:r>
+              <a:rPr lang="fr-FR" dirty="0"/>
+              <a:t> </a:t>
+            </a:r>
+            <a:r>
+              <a:rPr lang="fr-FR" dirty="0" err="1"/>
+              <a:t>from</a:t>
+            </a:r>
+            <a:r>
+              <a:rPr lang="fr-FR" dirty="0"/>
+              <a:t> France</a:t>
+            </a:r>
+          </a:p>
+          <a:p>
+            <a:r>
+              <a:rPr lang="fr-FR" dirty="0"/>
+              <a:t>And </a:t>
+            </a:r>
+            <a:r>
+              <a:rPr lang="fr-FR" dirty="0" err="1"/>
+              <a:t>today</a:t>
+            </a:r>
+            <a:r>
+              <a:rPr lang="fr-FR" dirty="0"/>
+              <a:t> </a:t>
+            </a:r>
+            <a:r>
+              <a:rPr lang="fr-FR" dirty="0" err="1"/>
+              <a:t>I’m</a:t>
+            </a:r>
+            <a:r>
+              <a:rPr lang="fr-FR" dirty="0"/>
+              <a:t> </a:t>
+            </a:r>
+            <a:r>
+              <a:rPr lang="fr-FR" dirty="0" err="1"/>
+              <a:t>going</a:t>
+            </a:r>
+            <a:r>
+              <a:rPr lang="fr-FR" dirty="0"/>
+              <a:t> to show </a:t>
+            </a:r>
+            <a:r>
+              <a:rPr lang="fr-FR" dirty="0" err="1"/>
+              <a:t>you</a:t>
+            </a:r>
+            <a:r>
+              <a:rPr lang="fr-FR" dirty="0"/>
+              <a:t> </a:t>
+            </a:r>
+            <a:r>
+              <a:rPr lang="fr-FR" dirty="0" err="1"/>
+              <a:t>what</a:t>
+            </a:r>
+            <a:r>
+              <a:rPr lang="fr-FR" dirty="0"/>
+              <a:t> </a:t>
+            </a:r>
+            <a:r>
+              <a:rPr lang="fr-FR" dirty="0" err="1"/>
+              <a:t>my</a:t>
+            </a:r>
+            <a:r>
+              <a:rPr lang="fr-FR" dirty="0"/>
+              <a:t> </a:t>
+            </a:r>
+            <a:r>
+              <a:rPr lang="fr-FR" dirty="0" err="1"/>
+              <a:t>work</a:t>
+            </a:r>
+            <a:r>
+              <a:rPr lang="fr-FR" dirty="0"/>
+              <a:t> </a:t>
+            </a:r>
+            <a:r>
+              <a:rPr lang="fr-FR" dirty="0" err="1"/>
+              <a:t>consist</a:t>
+            </a:r>
+            <a:r>
+              <a:rPr lang="fr-FR" dirty="0"/>
+              <a:t> to</a:t>
+            </a:r>
+            <a:br>
+              <a:rPr lang="fr-FR" dirty="0"/>
+            </a:br>
+            <a:endParaRPr lang="en-GB" dirty="0"/>
+          </a:p>
+        </p:txBody>
+      </p:sp>
+      <p:sp>
+        <p:nvSpPr>
+          <p:cNvPr id="4" name="Espace réservé du numéro de diapositive 3"/>
+          <p:cNvSpPr>
+            <a:spLocks noGrp="1"/>
+          </p:cNvSpPr>
+          <p:nvPr>
+            <p:ph type="sldNum" sz="quarter" idx="5"/>
+          </p:nvPr>
+        </p:nvSpPr>
+        <p:spPr/>
+        <p:txBody>
+          <a:bodyPr/>
+          <a:lstStyle/>
+          <a:p>
+            <a:fld id="{70E91AD3-41F0-4AF2-986E-6281E051088E}" type="slidenum">
+              <a:rPr lang="en-GB" smtClean="0"/>
+              <a:t>1</a:t>
+            </a:fld>
+            <a:endParaRPr lang="en-GB"/>
+          </a:p>
+        </p:txBody>
+      </p:sp>
+    </p:spTree>
+    <p:extLst>
+      <p:ext uri="{BB962C8B-B14F-4D97-AF65-F5344CB8AC3E}">
+        <p14:creationId xmlns:p14="http://schemas.microsoft.com/office/powerpoint/2010/main" val="1423620871"/>
+      </p:ext>
+    </p:extLst>
+  </p:cSld>
+  <p:clrMapOvr>
+    <a:masterClrMapping/>
+  </p:clrMapOvr>
+</p:notes>
+</file>
+
+<file path=ppt/notesSlides/notesSlide2.xml><?xml version="1.0" encoding="utf-8"?>
+<p:notes xmlns:a="http://schemas.openxmlformats.org/drawingml/2006/main" xmlns:r="http://schemas.openxmlformats.org/officeDocument/2006/relationships" xmlns:p="http://schemas.openxmlformats.org/presentationml/2006/main">
+  <p:cSld>
+    <p:spTree>
+      <p:nvGrpSpPr>
+        <p:cNvPr id="1" name=""/>
+        <p:cNvGrpSpPr/>
+        <p:nvPr/>
+      </p:nvGrpSpPr>
+      <p:grpSpPr>
+        <a:xfrm>
+          <a:off x="0" y="0"/>
+          <a:ext cx="0" cy="0"/>
+          <a:chOff x="0" y="0"/>
+          <a:chExt cx="0" cy="0"/>
+        </a:xfrm>
+      </p:grpSpPr>
+      <p:sp>
+        <p:nvSpPr>
+          <p:cNvPr id="2" name="Espace réservé de l'image des diapositives 1"/>
+          <p:cNvSpPr>
+            <a:spLocks noGrp="1" noRot="1" noChangeAspect="1"/>
+          </p:cNvSpPr>
+          <p:nvPr>
+            <p:ph type="sldImg"/>
+          </p:nvPr>
+        </p:nvSpPr>
+        <p:spPr/>
+      </p:sp>
+      <p:sp>
+        <p:nvSpPr>
+          <p:cNvPr id="3" name="Espace réservé des notes 2"/>
+          <p:cNvSpPr>
+            <a:spLocks noGrp="1"/>
+          </p:cNvSpPr>
+          <p:nvPr>
+            <p:ph type="body" idx="1"/>
+          </p:nvPr>
+        </p:nvSpPr>
+        <p:spPr/>
+        <p:txBody>
+          <a:bodyPr/>
+          <a:lstStyle/>
+          <a:p>
+            <a:endParaRPr lang="en-GB" dirty="0"/>
+          </a:p>
+        </p:txBody>
+      </p:sp>
+      <p:sp>
+        <p:nvSpPr>
+          <p:cNvPr id="4" name="Espace réservé du numéro de diapositive 3"/>
+          <p:cNvSpPr>
+            <a:spLocks noGrp="1"/>
+          </p:cNvSpPr>
+          <p:nvPr>
+            <p:ph type="sldNum" sz="quarter" idx="5"/>
+          </p:nvPr>
+        </p:nvSpPr>
+        <p:spPr/>
+        <p:txBody>
+          <a:bodyPr/>
+          <a:lstStyle/>
+          <a:p>
+            <a:fld id="{70E91AD3-41F0-4AF2-986E-6281E051088E}" type="slidenum">
+              <a:rPr lang="en-GB" smtClean="0"/>
+              <a:t>2</a:t>
+            </a:fld>
+            <a:endParaRPr lang="en-GB"/>
+          </a:p>
+        </p:txBody>
+      </p:sp>
+    </p:spTree>
+    <p:extLst>
+      <p:ext uri="{BB962C8B-B14F-4D97-AF65-F5344CB8AC3E}">
+        <p14:creationId xmlns:p14="http://schemas.microsoft.com/office/powerpoint/2010/main" val="1647600525"/>
+      </p:ext>
+    </p:extLst>
+  </p:cSld>
+  <p:clrMapOvr>
+    <a:masterClrMapping/>
+  </p:clrMapOvr>
+</p:notes>
+</file>
+
 <file path=ppt/slideLayouts/slideLayout1.xml><?xml version="1.0" encoding="utf-8"?>
 <p:sldLayout xmlns:a="http://schemas.openxmlformats.org/drawingml/2006/main" xmlns:r="http://schemas.openxmlformats.org/officeDocument/2006/relationships" xmlns:p="http://schemas.openxmlformats.org/presentationml/2006/main" showMasterSp="0" type="title" preserve="1">
   <p:cSld name="Diapositive de titre">
@@ -6942,7 +7651,7 @@
             <a:fld id="{B61BEF0D-F0BB-DE4B-95CE-6DB70DBA9567}" type="datetimeFigureOut">
               <a:rPr lang="en-US" dirty="0"/>
               <a:pPr/>
-              <a:t>4/6/2020</a:t>
+              <a:t>4/7/2020</a:t>
             </a:fld>
             <a:endParaRPr lang="en-US" dirty="0"/>
           </a:p>
@@ -7375,7 +8084,7 @@
             <a:fld id="{B61BEF0D-F0BB-DE4B-95CE-6DB70DBA9567}" type="datetimeFigureOut">
               <a:rPr lang="en-US" dirty="0"/>
               <a:pPr/>
-              <a:t>4/6/2020</a:t>
+              <a:t>4/7/2020</a:t>
             </a:fld>
             <a:endParaRPr lang="en-US" dirty="0"/>
           </a:p>
@@ -7622,7 +8331,7 @@
             <a:fld id="{B61BEF0D-F0BB-DE4B-95CE-6DB70DBA9567}" type="datetimeFigureOut">
               <a:rPr lang="en-US" dirty="0"/>
               <a:pPr/>
-              <a:t>4/6/2020</a:t>
+              <a:t>4/7/2020</a:t>
             </a:fld>
             <a:endParaRPr lang="en-US" dirty="0"/>
           </a:p>
@@ -7927,7 +8636,7 @@
             <a:fld id="{B61BEF0D-F0BB-DE4B-95CE-6DB70DBA9567}" type="datetimeFigureOut">
               <a:rPr lang="en-US" dirty="0"/>
               <a:pPr/>
-              <a:t>4/6/2020</a:t>
+              <a:t>4/7/2020</a:t>
             </a:fld>
             <a:endParaRPr lang="en-US" dirty="0"/>
           </a:p>
@@ -8242,7 +8951,7 @@
             <a:fld id="{B61BEF0D-F0BB-DE4B-95CE-6DB70DBA9567}" type="datetimeFigureOut">
               <a:rPr lang="en-US" dirty="0"/>
               <a:pPr/>
-              <a:t>4/6/2020</a:t>
+              <a:t>4/7/2020</a:t>
             </a:fld>
             <a:endParaRPr lang="en-US" dirty="0"/>
           </a:p>
@@ -8541,7 +9250,7 @@
             <a:fld id="{B61BEF0D-F0BB-DE4B-95CE-6DB70DBA9567}" type="datetimeFigureOut">
               <a:rPr lang="en-US" dirty="0"/>
               <a:pPr/>
-              <a:t>4/6/2020</a:t>
+              <a:t>4/7/2020</a:t>
             </a:fld>
             <a:endParaRPr lang="en-US" dirty="0"/>
           </a:p>
@@ -8905,7 +9614,7 @@
             <a:fld id="{B61BEF0D-F0BB-DE4B-95CE-6DB70DBA9567}" type="datetimeFigureOut">
               <a:rPr lang="en-US" dirty="0"/>
               <a:pPr/>
-              <a:t>4/6/2020</a:t>
+              <a:t>4/7/2020</a:t>
             </a:fld>
             <a:endParaRPr lang="en-US" dirty="0"/>
           </a:p>
@@ -9076,7 +9785,7 @@
             <a:fld id="{B61BEF0D-F0BB-DE4B-95CE-6DB70DBA9567}" type="datetimeFigureOut">
               <a:rPr lang="en-US" dirty="0"/>
               <a:pPr/>
-              <a:t>4/6/2020</a:t>
+              <a:t>4/7/2020</a:t>
             </a:fld>
             <a:endParaRPr lang="en-US" dirty="0"/>
           </a:p>
@@ -9253,7 +9962,7 @@
             <a:fld id="{B61BEF0D-F0BB-DE4B-95CE-6DB70DBA9567}" type="datetimeFigureOut">
               <a:rPr lang="en-US" dirty="0"/>
               <a:pPr/>
-              <a:t>4/6/2020</a:t>
+              <a:t>4/7/2020</a:t>
             </a:fld>
             <a:endParaRPr lang="en-US" dirty="0"/>
           </a:p>
@@ -9420,7 +10129,7 @@
             <a:fld id="{B61BEF0D-F0BB-DE4B-95CE-6DB70DBA9567}" type="datetimeFigureOut">
               <a:rPr lang="en-US" dirty="0"/>
               <a:pPr/>
-              <a:t>4/6/2020</a:t>
+              <a:t>4/7/2020</a:t>
             </a:fld>
             <a:endParaRPr lang="en-US" dirty="0"/>
           </a:p>
@@ -9667,7 +10376,7 @@
             <a:fld id="{B61BEF0D-F0BB-DE4B-95CE-6DB70DBA9567}" type="datetimeFigureOut">
               <a:rPr lang="en-US" dirty="0"/>
               <a:pPr/>
-              <a:t>4/6/2020</a:t>
+              <a:t>4/7/2020</a:t>
             </a:fld>
             <a:endParaRPr lang="en-US" dirty="0"/>
           </a:p>
@@ -9900,7 +10609,7 @@
             <a:fld id="{B61BEF0D-F0BB-DE4B-95CE-6DB70DBA9567}" type="datetimeFigureOut">
               <a:rPr lang="en-US" dirty="0"/>
               <a:pPr/>
-              <a:t>4/6/2020</a:t>
+              <a:t>4/7/2020</a:t>
             </a:fld>
             <a:endParaRPr lang="en-US" dirty="0"/>
           </a:p>
@@ -10279,7 +10988,7 @@
             <a:fld id="{B61BEF0D-F0BB-DE4B-95CE-6DB70DBA9567}" type="datetimeFigureOut">
               <a:rPr lang="en-US" dirty="0"/>
               <a:pPr/>
-              <a:t>4/6/2020</a:t>
+              <a:t>4/7/2020</a:t>
             </a:fld>
             <a:endParaRPr lang="en-US" dirty="0"/>
           </a:p>
@@ -10394,7 +11103,7 @@
             <a:fld id="{B61BEF0D-F0BB-DE4B-95CE-6DB70DBA9567}" type="datetimeFigureOut">
               <a:rPr lang="en-US" dirty="0"/>
               <a:pPr/>
-              <a:t>4/6/2020</a:t>
+              <a:t>4/7/2020</a:t>
             </a:fld>
             <a:endParaRPr lang="en-US" dirty="0"/>
           </a:p>
@@ -10486,7 +11195,7 @@
             <a:fld id="{B61BEF0D-F0BB-DE4B-95CE-6DB70DBA9567}" type="datetimeFigureOut">
               <a:rPr lang="en-US" dirty="0"/>
               <a:pPr/>
-              <a:t>4/6/2020</a:t>
+              <a:t>4/7/2020</a:t>
             </a:fld>
             <a:endParaRPr lang="en-US" dirty="0"/>
           </a:p>
@@ -10738,7 +11447,7 @@
             <a:fld id="{B61BEF0D-F0BB-DE4B-95CE-6DB70DBA9567}" type="datetimeFigureOut">
               <a:rPr lang="en-US" dirty="0"/>
               <a:pPr/>
-              <a:t>4/6/2020</a:t>
+              <a:t>4/7/2020</a:t>
             </a:fld>
             <a:endParaRPr lang="en-US" dirty="0"/>
           </a:p>
@@ -11018,7 +11727,7 @@
             <a:fld id="{B61BEF0D-F0BB-DE4B-95CE-6DB70DBA9567}" type="datetimeFigureOut">
               <a:rPr lang="en-US" dirty="0"/>
               <a:pPr/>
-              <a:t>4/6/2020</a:t>
+              <a:t>4/7/2020</a:t>
             </a:fld>
             <a:endParaRPr lang="en-US" dirty="0"/>
           </a:p>
@@ -11421,7 +12130,7 @@
             <a:fld id="{B61BEF0D-F0BB-DE4B-95CE-6DB70DBA9567}" type="datetimeFigureOut">
               <a:rPr lang="en-US" dirty="0"/>
               <a:pPr/>
-              <a:t>4/6/2020</a:t>
+              <a:t>4/7/2020</a:t>
             </a:fld>
             <a:endParaRPr lang="en-US" dirty="0"/>
           </a:p>
@@ -19370,13 +20079,8 @@
             <a:pPr algn="ctr"/>
             <a:r>
               <a:rPr lang="en-GB" dirty="0"/>
-              <a:t>Show the </a:t>
-            </a:r>
-            <a:r>
-              <a:rPr lang="en-GB" dirty="0" err="1"/>
-              <a:t>understading</a:t>
-            </a:r>
-            <a:endParaRPr lang="en-GB" dirty="0"/>
+              <a:t>Show the understanding</a:t>
+            </a:r>
           </a:p>
         </p:txBody>
       </p:sp>
@@ -20157,7 +20861,7 @@
         </p:xfrm>
         <a:graphic>
           <a:graphicData uri="http://schemas.openxmlformats.org/drawingml/2006/diagram">
-            <dgm:relIds xmlns:dgm="http://schemas.openxmlformats.org/drawingml/2006/diagram" xmlns:r="http://schemas.openxmlformats.org/officeDocument/2006/relationships" r:dm="rId2" r:lo="rId3" r:qs="rId4" r:cs="rId5"/>
+            <dgm:relIds xmlns:dgm="http://schemas.openxmlformats.org/drawingml/2006/diagram" xmlns:r="http://schemas.openxmlformats.org/officeDocument/2006/relationships" r:dm="rId3" r:lo="rId4" r:qs="rId5" r:cs="rId6"/>
           </a:graphicData>
         </a:graphic>
       </p:graphicFrame>
@@ -26304,4 +27008,299 @@
     </a:ext>
   </a:extLst>
 </a:theme>
+</file>
+
+<file path=ppt/theme/theme2.xml><?xml version="1.0" encoding="utf-8"?>
+<a:theme xmlns:a="http://schemas.openxmlformats.org/drawingml/2006/main" name="Thème Office">
+  <a:themeElements>
+    <a:clrScheme name="Office">
+      <a:dk1>
+        <a:sysClr val="windowText" lastClr="000000"/>
+      </a:dk1>
+      <a:lt1>
+        <a:sysClr val="window" lastClr="FFFFFF"/>
+      </a:lt1>
+      <a:dk2>
+        <a:srgbClr val="44546A"/>
+      </a:dk2>
+      <a:lt2>
+        <a:srgbClr val="E7E6E6"/>
+      </a:lt2>
+      <a:accent1>
+        <a:srgbClr val="4472C4"/>
+      </a:accent1>
+      <a:accent2>
+        <a:srgbClr val="ED7D31"/>
+      </a:accent2>
+      <a:accent3>
+        <a:srgbClr val="A5A5A5"/>
+      </a:accent3>
+      <a:accent4>
+        <a:srgbClr val="FFC000"/>
+      </a:accent4>
+      <a:accent5>
+        <a:srgbClr val="5B9BD5"/>
+      </a:accent5>
+      <a:accent6>
+        <a:srgbClr val="70AD47"/>
+      </a:accent6>
+      <a:hlink>
+        <a:srgbClr val="0563C1"/>
+      </a:hlink>
+      <a:folHlink>
+        <a:srgbClr val="954F72"/>
+      </a:folHlink>
+    </a:clrScheme>
+    <a:fontScheme name="Office">
+      <a:majorFont>
+        <a:latin typeface="Calibri Light" panose="020F0302020204030204"/>
+        <a:ea typeface=""/>
+        <a:cs typeface=""/>
+        <a:font script="Jpan" typeface="游ゴシック Light"/>
+        <a:font script="Hang" typeface="맑은 고딕"/>
+        <a:font script="Hans" typeface="等线 Light"/>
+        <a:font script="Hant" typeface="新細明體"/>
+        <a:font script="Arab" typeface="Times New Roman"/>
+        <a:font script="Hebr" typeface="Times New Roman"/>
+        <a:font script="Thai" typeface="Angsana New"/>
+        <a:font script="Ethi" typeface="Nyala"/>
+        <a:font script="Beng" typeface="Vrinda"/>
+        <a:font script="Gujr" typeface="Shruti"/>
+        <a:font script="Khmr" typeface="MoolBoran"/>
+        <a:font script="Knda" typeface="Tunga"/>
+        <a:font script="Guru" typeface="Raavi"/>
+        <a:font script="Cans" typeface="Euphemia"/>
+        <a:font script="Cher" typeface="Plantagenet Cherokee"/>
+        <a:font script="Yiii" typeface="Microsoft Yi Baiti"/>
+        <a:font script="Tibt" typeface="Microsoft Himalaya"/>
+        <a:font script="Thaa" typeface="MV Boli"/>
+        <a:font script="Deva" typeface="Mangal"/>
+        <a:font script="Telu" typeface="Gautami"/>
+        <a:font script="Taml" typeface="Latha"/>
+        <a:font script="Syrc" typeface="Estrangelo Edessa"/>
+        <a:font script="Orya" typeface="Kalinga"/>
+        <a:font script="Mlym" typeface="Kartika"/>
+        <a:font script="Laoo" typeface="DokChampa"/>
+        <a:font script="Sinh" typeface="Iskoola Pota"/>
+        <a:font script="Mong" typeface="Mongolian Baiti"/>
+        <a:font script="Viet" typeface="Times New Roman"/>
+        <a:font script="Uigh" typeface="Microsoft Uighur"/>
+        <a:font script="Geor" typeface="Sylfaen"/>
+        <a:font script="Armn" typeface="Arial"/>
+        <a:font script="Bugi" typeface="Leelawadee UI"/>
+        <a:font script="Bopo" typeface="Microsoft JhengHei"/>
+        <a:font script="Java" typeface="Javanese Text"/>
+        <a:font script="Lisu" typeface="Segoe UI"/>
+        <a:font script="Mymr" typeface="Myanmar Text"/>
+        <a:font script="Nkoo" typeface="Ebrima"/>
+        <a:font script="Olck" typeface="Nirmala UI"/>
+        <a:font script="Osma" typeface="Ebrima"/>
+        <a:font script="Phag" typeface="Phagspa"/>
+        <a:font script="Syrn" typeface="Estrangelo Edessa"/>
+        <a:font script="Syrj" typeface="Estrangelo Edessa"/>
+        <a:font script="Syre" typeface="Estrangelo Edessa"/>
+        <a:font script="Sora" typeface="Nirmala UI"/>
+        <a:font script="Tale" typeface="Microsoft Tai Le"/>
+        <a:font script="Talu" typeface="Microsoft New Tai Lue"/>
+        <a:font script="Tfng" typeface="Ebrima"/>
+      </a:majorFont>
+      <a:minorFont>
+        <a:latin typeface="Calibri" panose="020F0502020204030204"/>
+        <a:ea typeface=""/>
+        <a:cs typeface=""/>
+        <a:font script="Jpan" typeface="游ゴシック"/>
+        <a:font script="Hang" typeface="맑은 고딕"/>
+        <a:font script="Hans" typeface="等线"/>
+        <a:font script="Hant" typeface="新細明體"/>
+        <a:font script="Arab" typeface="Arial"/>
+        <a:font script="Hebr" typeface="Arial"/>
+        <a:font script="Thai" typeface="Cordia New"/>
+        <a:font script="Ethi" typeface="Nyala"/>
+        <a:font script="Beng" typeface="Vrinda"/>
+        <a:font script="Gujr" typeface="Shruti"/>
+        <a:font script="Khmr" typeface="DaunPenh"/>
+        <a:font script="Knda" typeface="Tunga"/>
+        <a:font script="Guru" typeface="Raavi"/>
+        <a:font script="Cans" typeface="Euphemia"/>
+        <a:font script="Cher" typeface="Plantagenet Cherokee"/>
+        <a:font script="Yiii" typeface="Microsoft Yi Baiti"/>
+        <a:font script="Tibt" typeface="Microsoft Himalaya"/>
+        <a:font script="Thaa" typeface="MV Boli"/>
+        <a:font script="Deva" typeface="Mangal"/>
+        <a:font script="Telu" typeface="Gautami"/>
+        <a:font script="Taml" typeface="Latha"/>
+        <a:font script="Syrc" typeface="Estrangelo Edessa"/>
+        <a:font script="Orya" typeface="Kalinga"/>
+        <a:font script="Mlym" typeface="Kartika"/>
+        <a:font script="Laoo" typeface="DokChampa"/>
+        <a:font script="Sinh" typeface="Iskoola Pota"/>
+        <a:font script="Mong" typeface="Mongolian Baiti"/>
+        <a:font script="Viet" typeface="Arial"/>
+        <a:font script="Uigh" typeface="Microsoft Uighur"/>
+        <a:font script="Geor" typeface="Sylfaen"/>
+        <a:font script="Armn" typeface="Arial"/>
+        <a:font script="Bugi" typeface="Leelawadee UI"/>
+        <a:font script="Bopo" typeface="Microsoft JhengHei"/>
+        <a:font script="Java" typeface="Javanese Text"/>
+        <a:font script="Lisu" typeface="Segoe UI"/>
+        <a:font script="Mymr" typeface="Myanmar Text"/>
+        <a:font script="Nkoo" typeface="Ebrima"/>
+        <a:font script="Olck" typeface="Nirmala UI"/>
+        <a:font script="Osma" typeface="Ebrima"/>
+        <a:font script="Phag" typeface="Phagspa"/>
+        <a:font script="Syrn" typeface="Estrangelo Edessa"/>
+        <a:font script="Syrj" typeface="Estrangelo Edessa"/>
+        <a:font script="Syre" typeface="Estrangelo Edessa"/>
+        <a:font script="Sora" typeface="Nirmala UI"/>
+        <a:font script="Tale" typeface="Microsoft Tai Le"/>
+        <a:font script="Talu" typeface="Microsoft New Tai Lue"/>
+        <a:font script="Tfng" typeface="Ebrima"/>
+      </a:minorFont>
+    </a:fontScheme>
+    <a:fmtScheme name="Office">
+      <a:fillStyleLst>
+        <a:solidFill>
+          <a:schemeClr val="phClr"/>
+        </a:solidFill>
+        <a:gradFill rotWithShape="1">
+          <a:gsLst>
+            <a:gs pos="0">
+              <a:schemeClr val="phClr">
+                <a:lumMod val="110000"/>
+                <a:satMod val="105000"/>
+                <a:tint val="67000"/>
+              </a:schemeClr>
+            </a:gs>
+            <a:gs pos="50000">
+              <a:schemeClr val="phClr">
+                <a:lumMod val="105000"/>
+                <a:satMod val="103000"/>
+                <a:tint val="73000"/>
+              </a:schemeClr>
+            </a:gs>
+            <a:gs pos="100000">
+              <a:schemeClr val="phClr">
+                <a:lumMod val="105000"/>
+                <a:satMod val="109000"/>
+                <a:tint val="81000"/>
+              </a:schemeClr>
+            </a:gs>
+          </a:gsLst>
+          <a:lin ang="5400000" scaled="0"/>
+        </a:gradFill>
+        <a:gradFill rotWithShape="1">
+          <a:gsLst>
+            <a:gs pos="0">
+              <a:schemeClr val="phClr">
+                <a:satMod val="103000"/>
+                <a:lumMod val="102000"/>
+                <a:tint val="94000"/>
+              </a:schemeClr>
+            </a:gs>
+            <a:gs pos="50000">
+              <a:schemeClr val="phClr">
+                <a:satMod val="110000"/>
+                <a:lumMod val="100000"/>
+                <a:shade val="100000"/>
+              </a:schemeClr>
+            </a:gs>
+            <a:gs pos="100000">
+              <a:schemeClr val="phClr">
+                <a:lumMod val="99000"/>
+                <a:satMod val="120000"/>
+                <a:shade val="78000"/>
+              </a:schemeClr>
+            </a:gs>
+          </a:gsLst>
+          <a:lin ang="5400000" scaled="0"/>
+        </a:gradFill>
+      </a:fillStyleLst>
+      <a:lnStyleLst>
+        <a:ln w="6350" cap="flat" cmpd="sng" algn="ctr">
+          <a:solidFill>
+            <a:schemeClr val="phClr"/>
+          </a:solidFill>
+          <a:prstDash val="solid"/>
+          <a:miter lim="800000"/>
+        </a:ln>
+        <a:ln w="12700" cap="flat" cmpd="sng" algn="ctr">
+          <a:solidFill>
+            <a:schemeClr val="phClr"/>
+          </a:solidFill>
+          <a:prstDash val="solid"/>
+          <a:miter lim="800000"/>
+        </a:ln>
+        <a:ln w="19050" cap="flat" cmpd="sng" algn="ctr">
+          <a:solidFill>
+            <a:schemeClr val="phClr"/>
+          </a:solidFill>
+          <a:prstDash val="solid"/>
+          <a:miter lim="800000"/>
+        </a:ln>
+      </a:lnStyleLst>
+      <a:effectStyleLst>
+        <a:effectStyle>
+          <a:effectLst/>
+        </a:effectStyle>
+        <a:effectStyle>
+          <a:effectLst/>
+        </a:effectStyle>
+        <a:effectStyle>
+          <a:effectLst>
+            <a:outerShdw blurRad="57150" dist="19050" dir="5400000" algn="ctr" rotWithShape="0">
+              <a:srgbClr val="000000">
+                <a:alpha val="63000"/>
+              </a:srgbClr>
+            </a:outerShdw>
+          </a:effectLst>
+        </a:effectStyle>
+      </a:effectStyleLst>
+      <a:bgFillStyleLst>
+        <a:solidFill>
+          <a:schemeClr val="phClr"/>
+        </a:solidFill>
+        <a:solidFill>
+          <a:schemeClr val="phClr">
+            <a:tint val="95000"/>
+            <a:satMod val="170000"/>
+          </a:schemeClr>
+        </a:solidFill>
+        <a:gradFill rotWithShape="1">
+          <a:gsLst>
+            <a:gs pos="0">
+              <a:schemeClr val="phClr">
+                <a:tint val="93000"/>
+                <a:satMod val="150000"/>
+                <a:shade val="98000"/>
+                <a:lumMod val="102000"/>
+              </a:schemeClr>
+            </a:gs>
+            <a:gs pos="50000">
+              <a:schemeClr val="phClr">
+                <a:tint val="98000"/>
+                <a:satMod val="130000"/>
+                <a:shade val="90000"/>
+                <a:lumMod val="103000"/>
+              </a:schemeClr>
+            </a:gs>
+            <a:gs pos="100000">
+              <a:schemeClr val="phClr">
+                <a:shade val="63000"/>
+                <a:satMod val="120000"/>
+              </a:schemeClr>
+            </a:gs>
+          </a:gsLst>
+          <a:lin ang="5400000" scaled="0"/>
+        </a:gradFill>
+      </a:bgFillStyleLst>
+    </a:fmtScheme>
+  </a:themeElements>
+  <a:objectDefaults/>
+  <a:extraClrSchemeLst/>
+  <a:extLst>
+    <a:ext uri="{05A4C25C-085E-4340-85A3-A5531E510DB2}">
+      <thm15:themeFamily xmlns:thm15="http://schemas.microsoft.com/office/thememl/2012/main" name="Office Theme" id="{62F939B6-93AF-4DB8-9C6B-D6C7DFDC589F}" vid="{4A3C46E8-61CC-4603-A589-7422A47A8E4A}"/>
+    </a:ext>
+  </a:extLst>
+</a:theme>
 </file>
--- a/SAI_presentation.pptx
+++ b/SAI_presentation.pptx
@@ -7419,6 +7419,175 @@
           <a:bodyPr/>
           <a:lstStyle/>
           <a:p>
+            <a:r>
+              <a:rPr lang="fr-FR" dirty="0"/>
+              <a:t>First I </a:t>
+            </a:r>
+            <a:r>
+              <a:rPr lang="fr-FR" dirty="0" err="1"/>
+              <a:t>will</a:t>
+            </a:r>
+            <a:r>
+              <a:rPr lang="fr-FR" dirty="0"/>
+              <a:t> </a:t>
+            </a:r>
+            <a:r>
+              <a:rPr lang="fr-FR" dirty="0" err="1"/>
+              <a:t>present</a:t>
+            </a:r>
+            <a:r>
+              <a:rPr lang="fr-FR" dirty="0"/>
+              <a:t> </a:t>
+            </a:r>
+            <a:r>
+              <a:rPr lang="fr-FR" dirty="0" err="1"/>
+              <a:t>you</a:t>
+            </a:r>
+            <a:r>
+              <a:rPr lang="fr-FR" dirty="0"/>
+              <a:t> </a:t>
+            </a:r>
+            <a:r>
+              <a:rPr lang="fr-FR" dirty="0" err="1"/>
+              <a:t>my</a:t>
+            </a:r>
+            <a:r>
+              <a:rPr lang="fr-FR" dirty="0"/>
+              <a:t> situation</a:t>
+            </a:r>
+          </a:p>
+          <a:p>
+            <a:endParaRPr lang="fr-FR" dirty="0"/>
+          </a:p>
+          <a:p>
+            <a:r>
+              <a:rPr lang="fr-FR" dirty="0"/>
+              <a:t>Second I </a:t>
+            </a:r>
+            <a:r>
+              <a:rPr lang="fr-FR" dirty="0" err="1"/>
+              <a:t>will</a:t>
+            </a:r>
+            <a:r>
+              <a:rPr lang="fr-FR" dirty="0"/>
+              <a:t> </a:t>
+            </a:r>
+            <a:r>
+              <a:rPr lang="fr-FR" dirty="0" err="1"/>
+              <a:t>explain</a:t>
+            </a:r>
+            <a:r>
+              <a:rPr lang="fr-FR" dirty="0"/>
+              <a:t> </a:t>
+            </a:r>
+            <a:r>
+              <a:rPr lang="fr-FR" dirty="0" err="1"/>
+              <a:t>you</a:t>
+            </a:r>
+            <a:r>
+              <a:rPr lang="fr-FR" dirty="0"/>
+              <a:t> the AI I </a:t>
+            </a:r>
+            <a:r>
+              <a:rPr lang="fr-FR" dirty="0" err="1"/>
+              <a:t>want</a:t>
+            </a:r>
+            <a:r>
+              <a:rPr lang="fr-FR" dirty="0"/>
+              <a:t> to </a:t>
+            </a:r>
+            <a:r>
+              <a:rPr lang="fr-FR" dirty="0" err="1"/>
+              <a:t>create</a:t>
+            </a:r>
+            <a:endParaRPr lang="fr-FR" dirty="0"/>
+          </a:p>
+          <a:p>
+            <a:endParaRPr lang="fr-FR" dirty="0"/>
+          </a:p>
+          <a:p>
+            <a:r>
+              <a:rPr lang="fr-FR" dirty="0" err="1"/>
+              <a:t>Third</a:t>
+            </a:r>
+            <a:r>
+              <a:rPr lang="fr-FR" dirty="0"/>
+              <a:t> the technologies </a:t>
+            </a:r>
+            <a:r>
+              <a:rPr lang="fr-FR" dirty="0" err="1"/>
+              <a:t>that</a:t>
+            </a:r>
+            <a:r>
+              <a:rPr lang="fr-FR" dirty="0"/>
+              <a:t> </a:t>
+            </a:r>
+            <a:r>
+              <a:rPr lang="fr-FR" dirty="0" err="1"/>
+              <a:t>will</a:t>
+            </a:r>
+            <a:r>
+              <a:rPr lang="fr-FR" dirty="0"/>
+              <a:t> </a:t>
+            </a:r>
+            <a:r>
+              <a:rPr lang="fr-FR" dirty="0" err="1"/>
+              <a:t>be</a:t>
+            </a:r>
+            <a:r>
+              <a:rPr lang="fr-FR" dirty="0"/>
+              <a:t> </a:t>
+            </a:r>
+            <a:r>
+              <a:rPr lang="fr-FR" dirty="0" err="1"/>
+              <a:t>covered</a:t>
+            </a:r>
+            <a:endParaRPr lang="fr-FR" dirty="0"/>
+          </a:p>
+          <a:p>
+            <a:endParaRPr lang="fr-FR" dirty="0"/>
+          </a:p>
+          <a:p>
+            <a:r>
+              <a:rPr lang="fr-FR" dirty="0"/>
+              <a:t>And the new </a:t>
+            </a:r>
+            <a:r>
+              <a:rPr lang="fr-FR" dirty="0" err="1"/>
+              <a:t>algorithm</a:t>
+            </a:r>
+            <a:r>
+              <a:rPr lang="fr-FR" dirty="0"/>
+              <a:t> </a:t>
+            </a:r>
+            <a:r>
+              <a:rPr lang="fr-FR" dirty="0" err="1"/>
+              <a:t>that</a:t>
+            </a:r>
+            <a:r>
+              <a:rPr lang="fr-FR" dirty="0"/>
+              <a:t> </a:t>
+            </a:r>
+            <a:r>
+              <a:rPr lang="fr-FR" dirty="0" err="1"/>
+              <a:t>will</a:t>
+            </a:r>
+            <a:r>
+              <a:rPr lang="fr-FR" dirty="0"/>
+              <a:t> </a:t>
+            </a:r>
+            <a:r>
+              <a:rPr lang="fr-FR" dirty="0" err="1"/>
+              <a:t>be</a:t>
+            </a:r>
+            <a:r>
+              <a:rPr lang="fr-FR" dirty="0"/>
+              <a:t> </a:t>
+            </a:r>
+            <a:r>
+              <a:rPr lang="fr-FR"/>
+              <a:t>use for the AI</a:t>
+            </a:r>
             <a:endParaRPr lang="en-GB" dirty="0"/>
           </a:p>
         </p:txBody>

--- a/SAI_presentation.pptx
+++ b/SAI_presentation.pptx
@@ -7582,12 +7582,290 @@
             </a:r>
             <a:r>
               <a:rPr lang="fr-FR" dirty="0"/>
+              <a:t> use for the AI</a:t>
+            </a:r>
+          </a:p>
+          <a:p>
+            <a:endParaRPr lang="fr-FR" dirty="0"/>
+          </a:p>
+          <a:p>
+            <a:endParaRPr lang="fr-FR" dirty="0"/>
+          </a:p>
+          <a:p>
+            <a:r>
+              <a:rPr lang="fr-FR" dirty="0" err="1"/>
+              <a:t>Well</a:t>
+            </a:r>
+            <a:r>
+              <a:rPr lang="fr-FR" dirty="0"/>
+              <a:t>, </a:t>
+            </a:r>
+            <a:r>
+              <a:rPr lang="fr-FR" dirty="0" err="1"/>
+              <a:t>what</a:t>
+            </a:r>
+            <a:r>
+              <a:rPr lang="fr-FR" dirty="0"/>
               <a:t> </a:t>
             </a:r>
             <a:r>
+              <a:rPr lang="fr-FR" dirty="0" err="1"/>
+              <a:t>is</a:t>
+            </a:r>
+            <a:r>
+              <a:rPr lang="fr-FR" dirty="0"/>
+              <a:t> </a:t>
+            </a:r>
+            <a:r>
+              <a:rPr lang="fr-FR" dirty="0" err="1"/>
+              <a:t>my</a:t>
+            </a:r>
+            <a:r>
+              <a:rPr lang="fr-FR" dirty="0"/>
+              <a:t> job ?</a:t>
+            </a:r>
+          </a:p>
+          <a:p>
+            <a:r>
+              <a:rPr lang="fr-FR" dirty="0" err="1"/>
+              <a:t>Actually</a:t>
+            </a:r>
+            <a:r>
+              <a:rPr lang="fr-FR" dirty="0"/>
+              <a:t> </a:t>
+            </a:r>
+            <a:r>
+              <a:rPr lang="fr-FR" dirty="0" err="1"/>
+              <a:t>I’m</a:t>
+            </a:r>
+            <a:r>
+              <a:rPr lang="fr-FR" dirty="0"/>
+              <a:t> </a:t>
+            </a:r>
+            <a:r>
+              <a:rPr lang="fr-FR" dirty="0" err="1"/>
+              <a:t>currently</a:t>
+            </a:r>
+            <a:r>
+              <a:rPr lang="fr-FR" dirty="0"/>
+              <a:t> </a:t>
+            </a:r>
+            <a:r>
+              <a:rPr lang="fr-FR" dirty="0" err="1"/>
+              <a:t>searching</a:t>
+            </a:r>
+            <a:r>
+              <a:rPr lang="fr-FR" dirty="0"/>
+              <a:t> for a Data </a:t>
+            </a:r>
+            <a:r>
+              <a:rPr lang="fr-FR" dirty="0" err="1"/>
+              <a:t>Scientist</a:t>
+            </a:r>
+            <a:r>
+              <a:rPr lang="fr-FR" dirty="0"/>
+              <a:t> job </a:t>
+            </a:r>
+            <a:r>
+              <a:rPr lang="fr-FR" dirty="0" err="1"/>
+              <a:t>near</a:t>
+            </a:r>
+            <a:r>
+              <a:rPr lang="fr-FR" dirty="0"/>
+              <a:t> </a:t>
+            </a:r>
+            <a:r>
+              <a:rPr lang="fr-FR" dirty="0" err="1"/>
+              <a:t>from</a:t>
+            </a:r>
+            <a:r>
+              <a:rPr lang="fr-FR" dirty="0"/>
+              <a:t> </a:t>
+            </a:r>
+            <a:r>
+              <a:rPr lang="fr-FR" dirty="0" err="1"/>
+              <a:t>my</a:t>
+            </a:r>
+            <a:r>
+              <a:rPr lang="fr-FR" dirty="0"/>
+              <a:t> house in Simiane-Collongue</a:t>
+            </a:r>
+          </a:p>
+          <a:p>
+            <a:r>
+              <a:rPr lang="fr-FR" dirty="0"/>
+              <a:t>And to </a:t>
+            </a:r>
+            <a:r>
+              <a:rPr lang="fr-FR" dirty="0" err="1"/>
+              <a:t>synthetisis</a:t>
+            </a:r>
+            <a:r>
+              <a:rPr lang="fr-FR" dirty="0"/>
+              <a:t>, </a:t>
+            </a:r>
+            <a:r>
+              <a:rPr lang="fr-FR" dirty="0" err="1"/>
+              <a:t>it</a:t>
+            </a:r>
+            <a:r>
+              <a:rPr lang="fr-FR" dirty="0"/>
+              <a:t> </a:t>
+            </a:r>
+            <a:r>
+              <a:rPr lang="fr-FR" dirty="0" err="1"/>
+              <a:t>is</a:t>
+            </a:r>
+            <a:r>
+              <a:rPr lang="fr-FR" dirty="0"/>
+              <a:t> a </a:t>
+            </a:r>
+            <a:r>
+              <a:rPr lang="fr-FR" dirty="0" err="1"/>
+              <a:t>campaign</a:t>
+            </a:r>
+            <a:r>
+              <a:rPr lang="fr-FR" dirty="0"/>
+              <a:t> and </a:t>
+            </a:r>
+            <a:r>
+              <a:rPr lang="fr-FR" dirty="0" err="1"/>
+              <a:t>there</a:t>
+            </a:r>
+            <a:r>
+              <a:rPr lang="fr-FR" dirty="0"/>
+              <a:t> </a:t>
+            </a:r>
+            <a:r>
+              <a:rPr lang="fr-FR" dirty="0" err="1"/>
+              <a:t>was</a:t>
+            </a:r>
+            <a:r>
+              <a:rPr lang="fr-FR" dirty="0"/>
+              <a:t> </a:t>
+            </a:r>
+            <a:r>
+              <a:rPr lang="fr-FR" dirty="0" err="1"/>
+              <a:t>actually</a:t>
+            </a:r>
+            <a:r>
+              <a:rPr lang="fr-FR" dirty="0"/>
+              <a:t> no </a:t>
+            </a:r>
+            <a:r>
+              <a:rPr lang="fr-FR" dirty="0" err="1"/>
+              <a:t>similar</a:t>
+            </a:r>
+            <a:r>
+              <a:rPr lang="fr-FR" dirty="0"/>
+              <a:t> job</a:t>
+            </a:r>
+          </a:p>
+          <a:p>
+            <a:r>
+              <a:rPr lang="fr-FR" dirty="0" err="1"/>
+              <a:t>Why</a:t>
+            </a:r>
+            <a:r>
+              <a:rPr lang="fr-FR" dirty="0"/>
+              <a:t> </a:t>
+            </a:r>
+            <a:r>
+              <a:rPr lang="fr-FR" dirty="0" err="1"/>
+              <a:t>am</a:t>
+            </a:r>
+            <a:r>
+              <a:rPr lang="fr-FR" dirty="0"/>
+              <a:t> I </a:t>
+            </a:r>
+            <a:r>
+              <a:rPr lang="fr-FR" dirty="0" err="1"/>
+              <a:t>want</a:t>
+            </a:r>
+            <a:r>
+              <a:rPr lang="fr-FR" dirty="0"/>
+              <a:t> to change job </a:t>
+            </a:r>
+            <a:r>
+              <a:rPr lang="fr-FR" dirty="0" err="1"/>
+              <a:t>after</a:t>
+            </a:r>
+            <a:r>
+              <a:rPr lang="fr-FR" dirty="0"/>
+              <a:t> </a:t>
+            </a:r>
+            <a:r>
+              <a:rPr lang="fr-FR" dirty="0" err="1"/>
+              <a:t>my</a:t>
+            </a:r>
+            <a:r>
+              <a:rPr lang="fr-FR" dirty="0"/>
+              <a:t> Master</a:t>
+            </a:r>
+          </a:p>
+          <a:p>
+            <a:r>
+              <a:rPr lang="fr-FR" dirty="0" err="1"/>
+              <a:t>Because</a:t>
+            </a:r>
+            <a:r>
+              <a:rPr lang="fr-FR" dirty="0"/>
+              <a:t> I </a:t>
+            </a:r>
+            <a:r>
+              <a:rPr lang="fr-FR" dirty="0" err="1"/>
+              <a:t>think</a:t>
+            </a:r>
+            <a:r>
+              <a:rPr lang="fr-FR" dirty="0"/>
+              <a:t> </a:t>
+            </a:r>
+            <a:r>
+              <a:rPr lang="fr-FR" dirty="0" err="1"/>
+              <a:t>that</a:t>
+            </a:r>
+            <a:r>
+              <a:rPr lang="fr-FR" dirty="0"/>
+              <a:t> </a:t>
+            </a:r>
+            <a:r>
+              <a:rPr lang="fr-FR" dirty="0" err="1"/>
+              <a:t>my</a:t>
+            </a:r>
+            <a:r>
+              <a:rPr lang="fr-FR" dirty="0"/>
+              <a:t> </a:t>
+            </a:r>
+            <a:r>
+              <a:rPr lang="fr-FR" dirty="0" err="1"/>
+              <a:t>dream</a:t>
+            </a:r>
+            <a:r>
+              <a:rPr lang="fr-FR" dirty="0"/>
+              <a:t> </a:t>
+            </a:r>
+            <a:r>
+              <a:rPr lang="fr-FR" dirty="0" err="1"/>
+              <a:t>was</a:t>
+            </a:r>
+            <a:r>
+              <a:rPr lang="fr-FR" dirty="0"/>
+              <a:t> to </a:t>
+            </a:r>
+            <a:r>
+              <a:rPr lang="fr-FR" dirty="0" err="1"/>
+              <a:t>worked</a:t>
+            </a:r>
+            <a:r>
+              <a:rPr lang="fr-FR" dirty="0"/>
+              <a:t> </a:t>
+            </a:r>
+            <a:r>
               <a:rPr lang="fr-FR"/>
-              <a:t>use for the AI</a:t>
-            </a:r>
+              <a:t>at Google</a:t>
+            </a:r>
+          </a:p>
+          <a:p>
             <a:endParaRPr lang="en-GB" dirty="0"/>
           </a:p>
         </p:txBody>
@@ -7619,6 +7897,90 @@
     <p:extLst>
       <p:ext uri="{BB962C8B-B14F-4D97-AF65-F5344CB8AC3E}">
         <p14:creationId xmlns:p14="http://schemas.microsoft.com/office/powerpoint/2010/main" val="1647600525"/>
+      </p:ext>
+    </p:extLst>
+  </p:cSld>
+  <p:clrMapOvr>
+    <a:masterClrMapping/>
+  </p:clrMapOvr>
+</p:notes>
+</file>
+
+<file path=ppt/notesSlides/notesSlide3.xml><?xml version="1.0" encoding="utf-8"?>
+<p:notes xmlns:a="http://schemas.openxmlformats.org/drawingml/2006/main" xmlns:r="http://schemas.openxmlformats.org/officeDocument/2006/relationships" xmlns:p="http://schemas.openxmlformats.org/presentationml/2006/main">
+  <p:cSld>
+    <p:spTree>
+      <p:nvGrpSpPr>
+        <p:cNvPr id="1" name=""/>
+        <p:cNvGrpSpPr/>
+        <p:nvPr/>
+      </p:nvGrpSpPr>
+      <p:grpSpPr>
+        <a:xfrm>
+          <a:off x="0" y="0"/>
+          <a:ext cx="0" cy="0"/>
+          <a:chOff x="0" y="0"/>
+          <a:chExt cx="0" cy="0"/>
+        </a:xfrm>
+      </p:grpSpPr>
+      <p:sp>
+        <p:nvSpPr>
+          <p:cNvPr id="2" name="Espace réservé de l'image des diapositives 1"/>
+          <p:cNvSpPr>
+            <a:spLocks noGrp="1" noRot="1" noChangeAspect="1"/>
+          </p:cNvSpPr>
+          <p:nvPr>
+            <p:ph type="sldImg"/>
+          </p:nvPr>
+        </p:nvSpPr>
+        <p:spPr/>
+      </p:sp>
+      <p:sp>
+        <p:nvSpPr>
+          <p:cNvPr id="3" name="Espace réservé des notes 2"/>
+          <p:cNvSpPr>
+            <a:spLocks noGrp="1"/>
+          </p:cNvSpPr>
+          <p:nvPr>
+            <p:ph type="body" idx="1"/>
+          </p:nvPr>
+        </p:nvSpPr>
+        <p:spPr/>
+        <p:txBody>
+          <a:bodyPr/>
+          <a:lstStyle/>
+          <a:p>
+            <a:endParaRPr lang="en-GB" dirty="0"/>
+          </a:p>
+        </p:txBody>
+      </p:sp>
+      <p:sp>
+        <p:nvSpPr>
+          <p:cNvPr id="4" name="Espace réservé du numéro de diapositive 3"/>
+          <p:cNvSpPr>
+            <a:spLocks noGrp="1"/>
+          </p:cNvSpPr>
+          <p:nvPr>
+            <p:ph type="sldNum" sz="quarter" idx="5"/>
+          </p:nvPr>
+        </p:nvSpPr>
+        <p:spPr/>
+        <p:txBody>
+          <a:bodyPr/>
+          <a:lstStyle/>
+          <a:p>
+            <a:fld id="{70E91AD3-41F0-4AF2-986E-6281E051088E}" type="slidenum">
+              <a:rPr lang="en-GB" smtClean="0"/>
+              <a:t>3</a:t>
+            </a:fld>
+            <a:endParaRPr lang="en-GB"/>
+          </a:p>
+        </p:txBody>
+      </p:sp>
+    </p:spTree>
+    <p:extLst>
+      <p:ext uri="{BB962C8B-B14F-4D97-AF65-F5344CB8AC3E}">
+        <p14:creationId xmlns:p14="http://schemas.microsoft.com/office/powerpoint/2010/main" val="1642094159"/>
       </p:ext>
     </p:extLst>
   </p:cSld>

--- a/SAI_presentation.pptx
+++ b/SAI_presentation.pptx
@@ -2038,10 +2038,46 @@
         <a:lstStyle/>
         <a:p>
           <a:r>
+            <a:rPr lang="fr-FR" dirty="0"/>
+            <a:t>Standard IA </a:t>
+          </a:r>
+          <a:r>
+            <a:rPr lang="fr-FR" dirty="0" err="1"/>
+            <a:t>too</a:t>
+          </a:r>
+          <a:r>
+            <a:rPr lang="fr-FR" dirty="0"/>
+            <a:t> </a:t>
+          </a:r>
+          <a:r>
+            <a:rPr lang="fr-FR" dirty="0" err="1"/>
+            <a:t>weak</a:t>
+          </a:r>
+          <a:r>
             <a:rPr lang="fr-FR"/>
-            <a:t>Standard IA too weak to learn complex things</a:t>
+            <a:t> to </a:t>
           </a:r>
-          <a:endParaRPr lang="en-US"/>
+          <a:r>
+            <a:rPr lang="fr-FR" dirty="0" err="1"/>
+            <a:t>learn</a:t>
+          </a:r>
+          <a:r>
+            <a:rPr lang="fr-FR" dirty="0"/>
+            <a:t> </a:t>
+          </a:r>
+          <a:r>
+            <a:rPr lang="fr-FR" dirty="0" err="1"/>
+            <a:t>complex</a:t>
+          </a:r>
+          <a:r>
+            <a:rPr lang="fr-FR" dirty="0"/>
+            <a:t> </a:t>
+          </a:r>
+          <a:r>
+            <a:rPr lang="fr-FR" dirty="0" err="1"/>
+            <a:t>things</a:t>
+          </a:r>
+          <a:endParaRPr lang="en-US" dirty="0"/>
         </a:p>
       </dgm:t>
     </dgm:pt>
@@ -3244,10 +3280,46 @@
             <a:buNone/>
           </a:pPr>
           <a:r>
+            <a:rPr lang="fr-FR" sz="1400" kern="1200" dirty="0"/>
+            <a:t>Standard IA </a:t>
+          </a:r>
+          <a:r>
+            <a:rPr lang="fr-FR" sz="1400" kern="1200" dirty="0" err="1"/>
+            <a:t>too</a:t>
+          </a:r>
+          <a:r>
+            <a:rPr lang="fr-FR" sz="1400" kern="1200" dirty="0"/>
+            <a:t> </a:t>
+          </a:r>
+          <a:r>
+            <a:rPr lang="fr-FR" sz="1400" kern="1200" dirty="0" err="1"/>
+            <a:t>weak</a:t>
+          </a:r>
+          <a:r>
             <a:rPr lang="fr-FR" sz="1400" kern="1200"/>
-            <a:t>Standard IA too weak to learn complex things</a:t>
+            <a:t> to </a:t>
           </a:r>
-          <a:endParaRPr lang="en-US" sz="1400" kern="1200"/>
+          <a:r>
+            <a:rPr lang="fr-FR" sz="1400" kern="1200" dirty="0" err="1"/>
+            <a:t>learn</a:t>
+          </a:r>
+          <a:r>
+            <a:rPr lang="fr-FR" sz="1400" kern="1200" dirty="0"/>
+            <a:t> </a:t>
+          </a:r>
+          <a:r>
+            <a:rPr lang="fr-FR" sz="1400" kern="1200" dirty="0" err="1"/>
+            <a:t>complex</a:t>
+          </a:r>
+          <a:r>
+            <a:rPr lang="fr-FR" sz="1400" kern="1200" dirty="0"/>
+            <a:t> </a:t>
+          </a:r>
+          <a:r>
+            <a:rPr lang="fr-FR" sz="1400" kern="1200" dirty="0" err="1"/>
+            <a:t>things</a:t>
+          </a:r>
+          <a:endParaRPr lang="en-US" sz="1400" kern="1200" dirty="0"/>
         </a:p>
       </dsp:txBody>
       <dsp:txXfrm>
@@ -6835,7 +6907,7 @@
           <a:p>
             <a:fld id="{76162502-F79B-49BA-ABA1-44817C9D6501}" type="datetimeFigureOut">
               <a:rPr lang="en-GB" smtClean="0"/>
-              <a:t>07/04/2020</a:t>
+              <a:t>08/04/2020</a:t>
             </a:fld>
             <a:endParaRPr lang="en-GB"/>
           </a:p>
@@ -7762,6 +7834,9 @@
             </a:r>
           </a:p>
           <a:p>
+            <a:endParaRPr lang="fr-FR" dirty="0"/>
+          </a:p>
+          <a:p>
             <a:r>
               <a:rPr lang="fr-FR" dirty="0" err="1"/>
               <a:t>Why</a:t>
@@ -7804,17 +7879,34 @@
             </a:r>
           </a:p>
           <a:p>
+            <a:endParaRPr lang="fr-FR" dirty="0"/>
+          </a:p>
+          <a:p>
             <a:r>
               <a:rPr lang="fr-FR" dirty="0" err="1"/>
               <a:t>Because</a:t>
             </a:r>
             <a:r>
               <a:rPr lang="fr-FR" dirty="0"/>
-              <a:t> I </a:t>
+              <a:t> I have a </a:t>
             </a:r>
             <a:r>
               <a:rPr lang="fr-FR" dirty="0" err="1"/>
-              <a:t>think</a:t>
+              <a:t>dream</a:t>
+            </a:r>
+            <a:r>
+              <a:rPr lang="fr-FR" dirty="0"/>
+              <a:t> in 2014</a:t>
+            </a:r>
+          </a:p>
+          <a:p>
+            <a:r>
+              <a:rPr lang="fr-FR" dirty="0"/>
+              <a:t>In </a:t>
+            </a:r>
+            <a:r>
+              <a:rPr lang="fr-FR" dirty="0" err="1"/>
+              <a:t>this</a:t>
             </a:r>
             <a:r>
               <a:rPr lang="fr-FR" dirty="0"/>
@@ -7822,48 +7914,70 @@
             </a:r>
             <a:r>
               <a:rPr lang="fr-FR" dirty="0" err="1"/>
-              <a:t>that</a:t>
+              <a:t>dream</a:t>
             </a:r>
             <a:r>
               <a:rPr lang="fr-FR" dirty="0"/>
-              <a:t> </a:t>
+              <a:t> I </a:t>
             </a:r>
             <a:r>
               <a:rPr lang="fr-FR" dirty="0" err="1"/>
-              <a:t>my</a:t>
+              <a:t>would</a:t>
             </a:r>
             <a:r>
               <a:rPr lang="fr-FR" dirty="0"/>
-              <a:t> </a:t>
+              <a:t> like to </a:t>
             </a:r>
             <a:r>
               <a:rPr lang="fr-FR" dirty="0" err="1"/>
-              <a:t>dream</a:t>
+              <a:t>create</a:t>
             </a:r>
             <a:r>
               <a:rPr lang="fr-FR" dirty="0"/>
-              <a:t> </a:t>
+              <a:t> an </a:t>
             </a:r>
             <a:r>
               <a:rPr lang="fr-FR" dirty="0" err="1"/>
-              <a:t>was</a:t>
+              <a:t>Artificial</a:t>
             </a:r>
             <a:r>
               <a:rPr lang="fr-FR" dirty="0"/>
-              <a:t> to </a:t>
-            </a:r>
-            <a:r>
-              <a:rPr lang="fr-FR" dirty="0" err="1"/>
-              <a:t>worked</a:t>
-            </a:r>
-            <a:r>
-              <a:rPr lang="fr-FR" dirty="0"/>
-              <a:t> </a:t>
-            </a:r>
-            <a:r>
-              <a:rPr lang="fr-FR"/>
-              <a:t>at Google</a:t>
-            </a:r>
+              <a:t> Intelligence</a:t>
+            </a:r>
+          </a:p>
+          <a:p>
+            <a:r>
+              <a:rPr lang="en-GB" dirty="0"/>
+              <a:t>This dream doesn’t permit me to work at a company which the job doesn’t consist to expand </a:t>
+            </a:r>
+            <a:r>
+              <a:rPr lang="en-GB" dirty="0" err="1"/>
+              <a:t>thoses</a:t>
+            </a:r>
+            <a:r>
+              <a:rPr lang="en-GB" dirty="0"/>
+              <a:t> skills.</a:t>
+            </a:r>
+          </a:p>
+          <a:p>
+            <a:r>
+              <a:rPr lang="en-GB" dirty="0"/>
+              <a:t>That is why I choose to leave the company and work on this project in my family house at </a:t>
+            </a:r>
+            <a:r>
+              <a:rPr lang="en-GB" dirty="0" err="1"/>
+              <a:t>Simiane-Collongue</a:t>
+            </a:r>
+            <a:endParaRPr lang="en-GB" dirty="0"/>
+          </a:p>
+          <a:p>
+            <a:endParaRPr lang="en-GB" dirty="0"/>
+          </a:p>
+          <a:p>
+            <a:endParaRPr lang="en-GB" dirty="0"/>
+          </a:p>
+          <a:p>
+            <a:endParaRPr lang="en-GB" dirty="0"/>
           </a:p>
           <a:p>
             <a:endParaRPr lang="en-GB" dirty="0"/>
@@ -8182,7 +8296,7 @@
             <a:fld id="{B61BEF0D-F0BB-DE4B-95CE-6DB70DBA9567}" type="datetimeFigureOut">
               <a:rPr lang="en-US" dirty="0"/>
               <a:pPr/>
-              <a:t>4/7/2020</a:t>
+              <a:t>4/8/2020</a:t>
             </a:fld>
             <a:endParaRPr lang="en-US" dirty="0"/>
           </a:p>
@@ -8615,7 +8729,7 @@
             <a:fld id="{B61BEF0D-F0BB-DE4B-95CE-6DB70DBA9567}" type="datetimeFigureOut">
               <a:rPr lang="en-US" dirty="0"/>
               <a:pPr/>
-              <a:t>4/7/2020</a:t>
+              <a:t>4/8/2020</a:t>
             </a:fld>
             <a:endParaRPr lang="en-US" dirty="0"/>
           </a:p>
@@ -8862,7 +8976,7 @@
             <a:fld id="{B61BEF0D-F0BB-DE4B-95CE-6DB70DBA9567}" type="datetimeFigureOut">
               <a:rPr lang="en-US" dirty="0"/>
               <a:pPr/>
-              <a:t>4/7/2020</a:t>
+              <a:t>4/8/2020</a:t>
             </a:fld>
             <a:endParaRPr lang="en-US" dirty="0"/>
           </a:p>
@@ -9167,7 +9281,7 @@
             <a:fld id="{B61BEF0D-F0BB-DE4B-95CE-6DB70DBA9567}" type="datetimeFigureOut">
               <a:rPr lang="en-US" dirty="0"/>
               <a:pPr/>
-              <a:t>4/7/2020</a:t>
+              <a:t>4/8/2020</a:t>
             </a:fld>
             <a:endParaRPr lang="en-US" dirty="0"/>
           </a:p>
@@ -9482,7 +9596,7 @@
             <a:fld id="{B61BEF0D-F0BB-DE4B-95CE-6DB70DBA9567}" type="datetimeFigureOut">
               <a:rPr lang="en-US" dirty="0"/>
               <a:pPr/>
-              <a:t>4/7/2020</a:t>
+              <a:t>4/8/2020</a:t>
             </a:fld>
             <a:endParaRPr lang="en-US" dirty="0"/>
           </a:p>
@@ -9781,7 +9895,7 @@
             <a:fld id="{B61BEF0D-F0BB-DE4B-95CE-6DB70DBA9567}" type="datetimeFigureOut">
               <a:rPr lang="en-US" dirty="0"/>
               <a:pPr/>
-              <a:t>4/7/2020</a:t>
+              <a:t>4/8/2020</a:t>
             </a:fld>
             <a:endParaRPr lang="en-US" dirty="0"/>
           </a:p>
@@ -10145,7 +10259,7 @@
             <a:fld id="{B61BEF0D-F0BB-DE4B-95CE-6DB70DBA9567}" type="datetimeFigureOut">
               <a:rPr lang="en-US" dirty="0"/>
               <a:pPr/>
-              <a:t>4/7/2020</a:t>
+              <a:t>4/8/2020</a:t>
             </a:fld>
             <a:endParaRPr lang="en-US" dirty="0"/>
           </a:p>
@@ -10316,7 +10430,7 @@
             <a:fld id="{B61BEF0D-F0BB-DE4B-95CE-6DB70DBA9567}" type="datetimeFigureOut">
               <a:rPr lang="en-US" dirty="0"/>
               <a:pPr/>
-              <a:t>4/7/2020</a:t>
+              <a:t>4/8/2020</a:t>
             </a:fld>
             <a:endParaRPr lang="en-US" dirty="0"/>
           </a:p>
@@ -10493,7 +10607,7 @@
             <a:fld id="{B61BEF0D-F0BB-DE4B-95CE-6DB70DBA9567}" type="datetimeFigureOut">
               <a:rPr lang="en-US" dirty="0"/>
               <a:pPr/>
-              <a:t>4/7/2020</a:t>
+              <a:t>4/8/2020</a:t>
             </a:fld>
             <a:endParaRPr lang="en-US" dirty="0"/>
           </a:p>
@@ -10660,7 +10774,7 @@
             <a:fld id="{B61BEF0D-F0BB-DE4B-95CE-6DB70DBA9567}" type="datetimeFigureOut">
               <a:rPr lang="en-US" dirty="0"/>
               <a:pPr/>
-              <a:t>4/7/2020</a:t>
+              <a:t>4/8/2020</a:t>
             </a:fld>
             <a:endParaRPr lang="en-US" dirty="0"/>
           </a:p>
@@ -10907,7 +11021,7 @@
             <a:fld id="{B61BEF0D-F0BB-DE4B-95CE-6DB70DBA9567}" type="datetimeFigureOut">
               <a:rPr lang="en-US" dirty="0"/>
               <a:pPr/>
-              <a:t>4/7/2020</a:t>
+              <a:t>4/8/2020</a:t>
             </a:fld>
             <a:endParaRPr lang="en-US" dirty="0"/>
           </a:p>
@@ -11140,7 +11254,7 @@
             <a:fld id="{B61BEF0D-F0BB-DE4B-95CE-6DB70DBA9567}" type="datetimeFigureOut">
               <a:rPr lang="en-US" dirty="0"/>
               <a:pPr/>
-              <a:t>4/7/2020</a:t>
+              <a:t>4/8/2020</a:t>
             </a:fld>
             <a:endParaRPr lang="en-US" dirty="0"/>
           </a:p>
@@ -11519,7 +11633,7 @@
             <a:fld id="{B61BEF0D-F0BB-DE4B-95CE-6DB70DBA9567}" type="datetimeFigureOut">
               <a:rPr lang="en-US" dirty="0"/>
               <a:pPr/>
-              <a:t>4/7/2020</a:t>
+              <a:t>4/8/2020</a:t>
             </a:fld>
             <a:endParaRPr lang="en-US" dirty="0"/>
           </a:p>
@@ -11634,7 +11748,7 @@
             <a:fld id="{B61BEF0D-F0BB-DE4B-95CE-6DB70DBA9567}" type="datetimeFigureOut">
               <a:rPr lang="en-US" dirty="0"/>
               <a:pPr/>
-              <a:t>4/7/2020</a:t>
+              <a:t>4/8/2020</a:t>
             </a:fld>
             <a:endParaRPr lang="en-US" dirty="0"/>
           </a:p>
@@ -11726,7 +11840,7 @@
             <a:fld id="{B61BEF0D-F0BB-DE4B-95CE-6DB70DBA9567}" type="datetimeFigureOut">
               <a:rPr lang="en-US" dirty="0"/>
               <a:pPr/>
-              <a:t>4/7/2020</a:t>
+              <a:t>4/8/2020</a:t>
             </a:fld>
             <a:endParaRPr lang="en-US" dirty="0"/>
           </a:p>
@@ -11978,7 +12092,7 @@
             <a:fld id="{B61BEF0D-F0BB-DE4B-95CE-6DB70DBA9567}" type="datetimeFigureOut">
               <a:rPr lang="en-US" dirty="0"/>
               <a:pPr/>
-              <a:t>4/7/2020</a:t>
+              <a:t>4/8/2020</a:t>
             </a:fld>
             <a:endParaRPr lang="en-US" dirty="0"/>
           </a:p>
@@ -12258,7 +12372,7 @@
             <a:fld id="{B61BEF0D-F0BB-DE4B-95CE-6DB70DBA9567}" type="datetimeFigureOut">
               <a:rPr lang="en-US" dirty="0"/>
               <a:pPr/>
-              <a:t>4/7/2020</a:t>
+              <a:t>4/8/2020</a:t>
             </a:fld>
             <a:endParaRPr lang="en-US" dirty="0"/>
           </a:p>
@@ -12661,7 +12775,7 @@
             <a:fld id="{B61BEF0D-F0BB-DE4B-95CE-6DB70DBA9567}" type="datetimeFigureOut">
               <a:rPr lang="en-US" dirty="0"/>
               <a:pPr/>
-              <a:t>4/7/2020</a:t>
+              <a:t>4/8/2020</a:t>
             </a:fld>
             <a:endParaRPr lang="en-US" dirty="0"/>
           </a:p>
